--- a/00_General/Presentation/MS 3/Presentation_Milestone_iii_Master.pptx
+++ b/00_General/Presentation/MS 3/Presentation_Milestone_iii_Master.pptx
@@ -520,7 +520,7 @@
           <a:p>
             <a:pPr/>
             <a:r>
-              <a:t>Mastertitelformat bearbeiten</a:t>
+              <a:t>Titeltext</a:t>
             </a:r>
           </a:p>
         </p:txBody>
@@ -551,11 +551,59 @@
               <a:buNone/>
               <a:defRPr sz="2400"/>
             </a:lvl1pPr>
+            <a:lvl2pPr marL="0" indent="457200" algn="ctr">
+              <a:buSzTx/>
+              <a:buFontTx/>
+              <a:buNone/>
+              <a:defRPr sz="2400"/>
+            </a:lvl2pPr>
+            <a:lvl3pPr marL="0" indent="914400" algn="ctr">
+              <a:buSzTx/>
+              <a:buFontTx/>
+              <a:buNone/>
+              <a:defRPr sz="2400"/>
+            </a:lvl3pPr>
+            <a:lvl4pPr marL="0" indent="1371600" algn="ctr">
+              <a:buSzTx/>
+              <a:buFontTx/>
+              <a:buNone/>
+              <a:defRPr sz="2400"/>
+            </a:lvl4pPr>
+            <a:lvl5pPr marL="0" indent="1828800" algn="ctr">
+              <a:buSzTx/>
+              <a:buFontTx/>
+              <a:buNone/>
+              <a:defRPr sz="2400"/>
+            </a:lvl5pPr>
           </a:lstStyle>
           <a:p>
             <a:pPr/>
             <a:r>
-              <a:t>Master-Untertitelformat bearbeiten</a:t>
+              <a:t>Textebene 1</a:t>
+            </a:r>
+          </a:p>
+          <a:p>
+            <a:pPr lvl="1"/>
+            <a:r>
+              <a:t>Textebene 2</a:t>
+            </a:r>
+          </a:p>
+          <a:p>
+            <a:pPr lvl="2"/>
+            <a:r>
+              <a:t>Textebene 3</a:t>
+            </a:r>
+          </a:p>
+          <a:p>
+            <a:pPr lvl="3"/>
+            <a:r>
+              <a:t>Textebene 4</a:t>
+            </a:r>
+          </a:p>
+          <a:p>
+            <a:pPr lvl="4"/>
+            <a:r>
+              <a:t>Textebene 5</a:t>
             </a:r>
           </a:p>
         </p:txBody>
@@ -941,7 +989,7 @@
           <a:p>
             <a:pPr/>
             <a:r>
-              <a:t>Mastertitelformat bearbeiten</a:t>
+              <a:t>Titeltext</a:t>
             </a:r>
           </a:p>
         </p:txBody>
@@ -969,31 +1017,31 @@
           <a:p>
             <a:pPr/>
             <a:r>
-              <a:t>Mastertextformat bearbeiten</a:t>
+              <a:t>Textebene 1</a:t>
             </a:r>
           </a:p>
           <a:p>
             <a:pPr lvl="1"/>
             <a:r>
-              <a:t>Zweite Ebene</a:t>
+              <a:t>Textebene 2</a:t>
             </a:r>
           </a:p>
           <a:p>
             <a:pPr lvl="2"/>
             <a:r>
-              <a:t>Dritte Ebene</a:t>
+              <a:t>Textebene 3</a:t>
             </a:r>
           </a:p>
           <a:p>
             <a:pPr lvl="3"/>
             <a:r>
-              <a:t>Vierte Ebene</a:t>
+              <a:t>Textebene 4</a:t>
             </a:r>
           </a:p>
           <a:p>
             <a:pPr lvl="4"/>
             <a:r>
-              <a:t>Fünfte Ebene</a:t>
+              <a:t>Textebene 5</a:t>
             </a:r>
           </a:p>
         </p:txBody>
@@ -1319,7 +1367,7 @@
           <a:p>
             <a:pPr/>
             <a:r>
-              <a:t>Mastertitelformat bearbeiten</a:t>
+              <a:t>Titeltext</a:t>
             </a:r>
           </a:p>
         </p:txBody>
@@ -1343,31 +1391,31 @@
           <a:p>
             <a:pPr/>
             <a:r>
-              <a:t>Mastertextformat bearbeiten</a:t>
+              <a:t>Textebene 1</a:t>
             </a:r>
           </a:p>
           <a:p>
             <a:pPr lvl="1"/>
             <a:r>
-              <a:t>Zweite Ebene</a:t>
+              <a:t>Textebene 2</a:t>
             </a:r>
           </a:p>
           <a:p>
             <a:pPr lvl="2"/>
             <a:r>
-              <a:t>Dritte Ebene</a:t>
+              <a:t>Textebene 3</a:t>
             </a:r>
           </a:p>
           <a:p>
             <a:pPr lvl="3"/>
             <a:r>
-              <a:t>Vierte Ebene</a:t>
+              <a:t>Textebene 4</a:t>
             </a:r>
           </a:p>
           <a:p>
             <a:pPr lvl="4"/>
             <a:r>
-              <a:t>Fünfte Ebene</a:t>
+              <a:t>Textebene 5</a:t>
             </a:r>
           </a:p>
         </p:txBody>
@@ -1622,7 +1670,7 @@
           <a:p>
             <a:pPr/>
             <a:r>
-              <a:t>Mastertitelformat bearbeiten</a:t>
+              <a:t>Titeltext</a:t>
             </a:r>
           </a:p>
         </p:txBody>
@@ -1650,31 +1698,31 @@
           <a:p>
             <a:pPr/>
             <a:r>
-              <a:t>Mastertextformat bearbeiten</a:t>
+              <a:t>Textebene 1</a:t>
             </a:r>
           </a:p>
           <a:p>
             <a:pPr lvl="1"/>
             <a:r>
-              <a:t>Zweite Ebene</a:t>
+              <a:t>Textebene 2</a:t>
             </a:r>
           </a:p>
           <a:p>
             <a:pPr lvl="2"/>
             <a:r>
-              <a:t>Dritte Ebene</a:t>
+              <a:t>Textebene 3</a:t>
             </a:r>
           </a:p>
           <a:p>
             <a:pPr lvl="3"/>
             <a:r>
-              <a:t>Vierte Ebene</a:t>
+              <a:t>Textebene 4</a:t>
             </a:r>
           </a:p>
           <a:p>
             <a:pPr lvl="4"/>
             <a:r>
-              <a:t>Fünfte Ebene</a:t>
+              <a:t>Textebene 5</a:t>
             </a:r>
           </a:p>
         </p:txBody>
@@ -1750,7 +1798,7 @@
           <a:p>
             <a:pPr/>
             <a:r>
-              <a:t>Mastertitelformat bearbeiten</a:t>
+              <a:t>Titeltext</a:t>
             </a:r>
           </a:p>
         </p:txBody>
@@ -1781,11 +1829,59 @@
               <a:buNone/>
               <a:defRPr b="1" sz="2400"/>
             </a:lvl1pPr>
+            <a:lvl2pPr marL="0" indent="457200">
+              <a:buSzTx/>
+              <a:buFontTx/>
+              <a:buNone/>
+              <a:defRPr b="1" sz="2400"/>
+            </a:lvl2pPr>
+            <a:lvl3pPr marL="0" indent="914400">
+              <a:buSzTx/>
+              <a:buFontTx/>
+              <a:buNone/>
+              <a:defRPr b="1" sz="2400"/>
+            </a:lvl3pPr>
+            <a:lvl4pPr marL="0" indent="1371600">
+              <a:buSzTx/>
+              <a:buFontTx/>
+              <a:buNone/>
+              <a:defRPr b="1" sz="2400"/>
+            </a:lvl4pPr>
+            <a:lvl5pPr marL="0" indent="1828800">
+              <a:buSzTx/>
+              <a:buFontTx/>
+              <a:buNone/>
+              <a:defRPr b="1" sz="2400"/>
+            </a:lvl5pPr>
           </a:lstStyle>
           <a:p>
             <a:pPr/>
             <a:r>
-              <a:t>Mastertextformat bearbeiten</a:t>
+              <a:t>Textebene 1</a:t>
+            </a:r>
+          </a:p>
+          <a:p>
+            <a:pPr lvl="1"/>
+            <a:r>
+              <a:t>Textebene 2</a:t>
+            </a:r>
+          </a:p>
+          <a:p>
+            <a:pPr lvl="2"/>
+            <a:r>
+              <a:t>Textebene 3</a:t>
+            </a:r>
+          </a:p>
+          <a:p>
+            <a:pPr lvl="3"/>
+            <a:r>
+              <a:t>Textebene 4</a:t>
+            </a:r>
+          </a:p>
+          <a:p>
+            <a:pPr lvl="4"/>
+            <a:r>
+              <a:t>Textebene 5</a:t>
             </a:r>
           </a:p>
         </p:txBody>
@@ -3478,7 +3574,7 @@
           </a:stretch>
         </p:blipFill>
         <p:spPr>
-          <a:xfrm rot="517975">
+          <a:xfrm rot="517974">
             <a:off x="7881139" y="2164971"/>
             <a:ext cx="4099167" cy="2828195"/>
           </a:xfrm>
@@ -6993,8 +7089,8 @@
         </p:blipFill>
         <p:spPr>
           <a:xfrm>
-            <a:off x="336813" y="940176"/>
-            <a:ext cx="11518374" cy="5236693"/>
+            <a:off x="488095" y="992499"/>
+            <a:ext cx="11215810" cy="5132047"/>
           </a:xfrm>
           <a:prstGeom prst="rect">
             <a:avLst/>
@@ -7653,7 +7749,7 @@
         <p:spPr>
           <a:xfrm>
             <a:off x="425999" y="1150598"/>
-            <a:ext cx="5306161" cy="3688081"/>
+            <a:ext cx="5306161" cy="3688082"/>
           </a:xfrm>
           <a:prstGeom prst="rect">
             <a:avLst/>

--- a/00_General/Presentation/MS 3/Presentation_Milestone_iii_Master.pptx
+++ b/00_General/Presentation/MS 3/Presentation_Milestone_iii_Master.pptx
@@ -2,25 +2,25 @@
 <file path=ppt/presentation.xml><?xml version="1.0" encoding="utf-8"?>
 <p:presentation xmlns:a="http://schemas.openxmlformats.org/drawingml/2006/main" xmlns:r="http://schemas.openxmlformats.org/officeDocument/2006/relationships" xmlns:p="http://schemas.openxmlformats.org/presentationml/2006/main">
   <p:sldMasterIdLst>
-    <p:sldMasterId id="2147483648" r:id="rId5"/>
+    <p:sldMasterId id="2147483648" r:id="rId1"/>
   </p:sldMasterIdLst>
   <p:notesMasterIdLst>
-    <p:notesMasterId r:id="rId7"/>
+    <p:notesMasterId r:id="rId15"/>
   </p:notesMasterIdLst>
   <p:sldIdLst>
-    <p:sldId id="256" r:id="rId8"/>
-    <p:sldId id="257" r:id="rId9"/>
-    <p:sldId id="258" r:id="rId10"/>
-    <p:sldId id="259" r:id="rId11"/>
-    <p:sldId id="260" r:id="rId12"/>
-    <p:sldId id="261" r:id="rId13"/>
-    <p:sldId id="262" r:id="rId14"/>
-    <p:sldId id="263" r:id="rId15"/>
-    <p:sldId id="264" r:id="rId16"/>
-    <p:sldId id="265" r:id="rId17"/>
-    <p:sldId id="266" r:id="rId18"/>
-    <p:sldId id="267" r:id="rId19"/>
-    <p:sldId id="268" r:id="rId20"/>
+    <p:sldId id="256" r:id="rId2"/>
+    <p:sldId id="257" r:id="rId3"/>
+    <p:sldId id="258" r:id="rId4"/>
+    <p:sldId id="259" r:id="rId5"/>
+    <p:sldId id="260" r:id="rId6"/>
+    <p:sldId id="261" r:id="rId7"/>
+    <p:sldId id="262" r:id="rId8"/>
+    <p:sldId id="263" r:id="rId9"/>
+    <p:sldId id="264" r:id="rId10"/>
+    <p:sldId id="265" r:id="rId11"/>
+    <p:sldId id="266" r:id="rId12"/>
+    <p:sldId id="267" r:id="rId13"/>
+    <p:sldId id="268" r:id="rId14"/>
   </p:sldIdLst>
   <p:sldSz cx="12192000" cy="6858000"/>
   <p:notesSz cx="6858000" cy="9144000"/>
@@ -40,7 +40,7 @@
       <a:buFontTx/>
       <a:buNone/>
       <a:tabLst/>
-      <a:defRPr b="0" baseline="0" cap="none" i="0" spc="0" strike="noStrike" sz="1800" u="none" kumimoji="0" normalizeH="0">
+      <a:defRPr kumimoji="0" sz="1800" b="0" i="0" u="none" strike="noStrike" cap="none" spc="0" normalizeH="0" baseline="0">
         <a:ln>
           <a:noFill/>
         </a:ln>
@@ -66,7 +66,7 @@
       <a:buFontTx/>
       <a:buNone/>
       <a:tabLst/>
-      <a:defRPr b="0" baseline="0" cap="none" i="0" spc="0" strike="noStrike" sz="1800" u="none" kumimoji="0" normalizeH="0">
+      <a:defRPr kumimoji="0" sz="1800" b="0" i="0" u="none" strike="noStrike" cap="none" spc="0" normalizeH="0" baseline="0">
         <a:ln>
           <a:noFill/>
         </a:ln>
@@ -96,7 +96,7 @@
       <a:buFontTx/>
       <a:buNone/>
       <a:tabLst/>
-      <a:defRPr b="0" baseline="0" cap="none" i="0" spc="0" strike="noStrike" sz="1800" u="none" kumimoji="0" normalizeH="0">
+      <a:defRPr kumimoji="0" sz="1800" b="0" i="0" u="none" strike="noStrike" cap="none" spc="0" normalizeH="0" baseline="0">
         <a:ln>
           <a:noFill/>
         </a:ln>
@@ -126,7 +126,7 @@
       <a:buFontTx/>
       <a:buNone/>
       <a:tabLst/>
-      <a:defRPr b="0" baseline="0" cap="none" i="0" spc="0" strike="noStrike" sz="1800" u="none" kumimoji="0" normalizeH="0">
+      <a:defRPr kumimoji="0" sz="1800" b="0" i="0" u="none" strike="noStrike" cap="none" spc="0" normalizeH="0" baseline="0">
         <a:ln>
           <a:noFill/>
         </a:ln>
@@ -156,7 +156,7 @@
       <a:buFontTx/>
       <a:buNone/>
       <a:tabLst/>
-      <a:defRPr b="0" baseline="0" cap="none" i="0" spc="0" strike="noStrike" sz="1800" u="none" kumimoji="0" normalizeH="0">
+      <a:defRPr kumimoji="0" sz="1800" b="0" i="0" u="none" strike="noStrike" cap="none" spc="0" normalizeH="0" baseline="0">
         <a:ln>
           <a:noFill/>
         </a:ln>
@@ -186,7 +186,7 @@
       <a:buFontTx/>
       <a:buNone/>
       <a:tabLst/>
-      <a:defRPr b="0" baseline="0" cap="none" i="0" spc="0" strike="noStrike" sz="1800" u="none" kumimoji="0" normalizeH="0">
+      <a:defRPr kumimoji="0" sz="1800" b="0" i="0" u="none" strike="noStrike" cap="none" spc="0" normalizeH="0" baseline="0">
         <a:ln>
           <a:noFill/>
         </a:ln>
@@ -216,7 +216,7 @@
       <a:buFontTx/>
       <a:buNone/>
       <a:tabLst/>
-      <a:defRPr b="0" baseline="0" cap="none" i="0" spc="0" strike="noStrike" sz="1800" u="none" kumimoji="0" normalizeH="0">
+      <a:defRPr kumimoji="0" sz="1800" b="0" i="0" u="none" strike="noStrike" cap="none" spc="0" normalizeH="0" baseline="0">
         <a:ln>
           <a:noFill/>
         </a:ln>
@@ -246,7 +246,7 @@
       <a:buFontTx/>
       <a:buNone/>
       <a:tabLst/>
-      <a:defRPr b="0" baseline="0" cap="none" i="0" spc="0" strike="noStrike" sz="1800" u="none" kumimoji="0" normalizeH="0">
+      <a:defRPr kumimoji="0" sz="1800" b="0" i="0" u="none" strike="noStrike" cap="none" spc="0" normalizeH="0" baseline="0">
         <a:ln>
           <a:noFill/>
         </a:ln>
@@ -276,7 +276,7 @@
       <a:buFontTx/>
       <a:buNone/>
       <a:tabLst/>
-      <a:defRPr b="0" baseline="0" cap="none" i="0" spc="0" strike="noStrike" sz="1800" u="none" kumimoji="0" normalizeH="0">
+      <a:defRPr kumimoji="0" sz="1800" b="0" i="0" u="none" strike="noStrike" cap="none" spc="0" normalizeH="0" baseline="0">
         <a:ln>
           <a:noFill/>
         </a:ln>
@@ -306,7 +306,7 @@
       <a:buFontTx/>
       <a:buNone/>
       <a:tabLst/>
-      <a:defRPr b="0" baseline="0" cap="none" i="0" spc="0" strike="noStrike" sz="1800" u="none" kumimoji="0" normalizeH="0">
+      <a:defRPr kumimoji="0" sz="1800" b="0" i="0" u="none" strike="noStrike" cap="none" spc="0" normalizeH="0" baseline="0">
         <a:ln>
           <a:noFill/>
         </a:ln>
@@ -325,13 +325,14 @@
 </p:presentation>
 </file>
 
-<file path=ppt/commentAuthors.xml><?xml version="1.0" encoding="utf-8"?>
-<p:cmAuthorLst xmlns:a="http://schemas.openxmlformats.org/drawingml/2006/main" xmlns:r="http://schemas.openxmlformats.org/officeDocument/2006/relationships" xmlns:p="http://schemas.openxmlformats.org/presentationml/2006/main"/>
-</file>
-
 <file path=ppt/notesMasters/notesMaster1.xml><?xml version="1.0" encoding="utf-8"?>
 <p:notesMaster xmlns:a="http://schemas.openxmlformats.org/drawingml/2006/main" xmlns:r="http://schemas.openxmlformats.org/officeDocument/2006/relationships" xmlns:p="http://schemas.openxmlformats.org/presentationml/2006/main">
   <p:cSld>
+    <p:bg>
+      <p:bgRef idx="1001">
+        <a:schemeClr val="bg1"/>
+      </p:bgRef>
+    </p:bg>
     <p:spTree>
       <p:nvGrpSpPr>
         <p:cNvPr id="1" name=""/>
@@ -349,7 +350,9 @@
       <p:sp>
         <p:nvSpPr>
           <p:cNvPr id="127" name="Shape 127"/>
-          <p:cNvSpPr/>
+          <p:cNvSpPr>
+            <a:spLocks noGrp="1" noRot="1" noChangeAspect="1"/>
+          </p:cNvSpPr>
           <p:nvPr>
             <p:ph type="sldImg"/>
           </p:nvPr>
@@ -367,14 +370,16 @@
           <a:bodyPr/>
           <a:lstStyle/>
           <a:p>
-            <a:pPr/>
+            <a:endParaRPr/>
           </a:p>
         </p:txBody>
       </p:sp>
       <p:sp>
         <p:nvSpPr>
           <p:cNvPr id="128" name="Shape 128"/>
-          <p:cNvSpPr/>
+          <p:cNvSpPr>
+            <a:spLocks noGrp="1"/>
+          </p:cNvSpPr>
           <p:nvPr>
             <p:ph type="body" sz="quarter" idx="1"/>
           </p:nvPr>
@@ -392,7 +397,7 @@
           <a:bodyPr/>
           <a:lstStyle/>
           <a:p>
-            <a:pPr/>
+            <a:endParaRPr/>
           </a:p>
         </p:txBody>
       </p:sp>
@@ -477,7 +482,7 @@
 </file>
 
 <file path=ppt/slideLayouts/slideLayout1.xml><?xml version="1.0" encoding="utf-8"?>
-<p:sldLayout xmlns:a="http://schemas.openxmlformats.org/drawingml/2006/main" xmlns:r="http://schemas.openxmlformats.org/officeDocument/2006/relationships" xmlns:p="http://schemas.openxmlformats.org/presentationml/2006/main" type="title" showMasterSp="1" showMasterPhAnim="1">
+<p:sldLayout xmlns:a="http://schemas.openxmlformats.org/drawingml/2006/main" xmlns:r="http://schemas.openxmlformats.org/officeDocument/2006/relationships" xmlns:p="http://schemas.openxmlformats.org/presentationml/2006/main" type="title">
   <p:cSld name="Titelfolie">
     <p:spTree>
       <p:nvGrpSpPr>
@@ -496,7 +501,9 @@
       <p:sp>
         <p:nvSpPr>
           <p:cNvPr id="11" name="Shape 11"/>
-          <p:cNvSpPr/>
+          <p:cNvSpPr>
+            <a:spLocks noGrp="1"/>
+          </p:cNvSpPr>
           <p:nvPr>
             <p:ph type="title"/>
           </p:nvPr>
@@ -518,7 +525,6 @@
             </a:lvl1pPr>
           </a:lstStyle>
           <a:p>
-            <a:pPr/>
             <a:r>
               <a:t>Mastertitelformat bearbeiten</a:t>
             </a:r>
@@ -528,7 +534,9 @@
       <p:sp>
         <p:nvSpPr>
           <p:cNvPr id="12" name="Shape 12"/>
-          <p:cNvSpPr/>
+          <p:cNvSpPr>
+            <a:spLocks noGrp="1"/>
+          </p:cNvSpPr>
           <p:nvPr>
             <p:ph type="body" sz="quarter" idx="1"/>
           </p:nvPr>
@@ -553,7 +561,6 @@
             </a:lvl1pPr>
           </a:lstStyle>
           <a:p>
-            <a:pPr/>
             <a:r>
               <a:t>Master-Untertitelformat bearbeiten</a:t>
             </a:r>
@@ -563,7 +570,9 @@
       <p:sp>
         <p:nvSpPr>
           <p:cNvPr id="13" name="Shape 13"/>
-          <p:cNvSpPr/>
+          <p:cNvSpPr>
+            <a:spLocks noGrp="1"/>
+          </p:cNvSpPr>
           <p:nvPr>
             <p:ph type="sldNum" sz="quarter" idx="2"/>
           </p:nvPr>
@@ -577,8 +586,10 @@
           <a:bodyPr/>
           <a:lstStyle/>
           <a:p>
-            <a:pPr/>
-            <a:fld id="{86CB4B4D-7CA3-9044-876B-883B54F8677D}" type="slidenum"/>
+            <a:fld id="{86CB4B4D-7CA3-9044-876B-883B54F8677D}" type="slidenum">
+              <a:t>‹#›</a:t>
+            </a:fld>
+            <a:endParaRPr/>
           </a:p>
         </p:txBody>
       </p:sp>
@@ -587,12 +598,12 @@
   <p:clrMapOvr>
     <a:masterClrMapping/>
   </p:clrMapOvr>
-  <p:transition xmlns:p14="http://schemas.microsoft.com/office/powerpoint/2010/main" spd="med" advClick="1"/>
+  <p:transition spd="med"/>
 </p:sldLayout>
 </file>
 
 <file path=ppt/slideLayouts/slideLayout10.xml><?xml version="1.0" encoding="utf-8"?>
-<p:sldLayout xmlns:a="http://schemas.openxmlformats.org/drawingml/2006/main" xmlns:r="http://schemas.openxmlformats.org/officeDocument/2006/relationships" xmlns:p="http://schemas.openxmlformats.org/presentationml/2006/main" type="tx" showMasterSp="1" showMasterPhAnim="1">
+<p:sldLayout xmlns:a="http://schemas.openxmlformats.org/drawingml/2006/main" xmlns:r="http://schemas.openxmlformats.org/officeDocument/2006/relationships" xmlns:p="http://schemas.openxmlformats.org/presentationml/2006/main" type="tx">
   <p:cSld name="Bild mit Überschrift">
     <p:spTree>
       <p:nvGrpSpPr>
@@ -611,7 +622,9 @@
       <p:sp>
         <p:nvSpPr>
           <p:cNvPr id="91" name="Shape 91"/>
-          <p:cNvSpPr/>
+          <p:cNvSpPr>
+            <a:spLocks noGrp="1"/>
+          </p:cNvSpPr>
           <p:nvPr>
             <p:ph type="title"/>
           </p:nvPr>
@@ -633,7 +646,6 @@
             </a:lvl1pPr>
           </a:lstStyle>
           <a:p>
-            <a:pPr/>
             <a:r>
               <a:t>Titeltext</a:t>
             </a:r>
@@ -643,7 +655,9 @@
       <p:sp>
         <p:nvSpPr>
           <p:cNvPr id="92" name="Shape 92"/>
-          <p:cNvSpPr/>
+          <p:cNvSpPr>
+            <a:spLocks noGrp="1"/>
+          </p:cNvSpPr>
           <p:nvPr>
             <p:ph type="pic" sz="half" idx="13"/>
           </p:nvPr>
@@ -663,14 +677,16 @@
           </a:bodyPr>
           <a:lstStyle/>
           <a:p>
-            <a:pPr/>
+            <a:endParaRPr/>
           </a:p>
         </p:txBody>
       </p:sp>
       <p:sp>
         <p:nvSpPr>
           <p:cNvPr id="93" name="Shape 93"/>
-          <p:cNvSpPr/>
+          <p:cNvSpPr>
+            <a:spLocks noGrp="1"/>
+          </p:cNvSpPr>
           <p:nvPr>
             <p:ph type="body" sz="quarter" idx="1"/>
           </p:nvPr>
@@ -719,7 +735,6 @@
             </a:lvl5pPr>
           </a:lstStyle>
           <a:p>
-            <a:pPr/>
             <a:r>
               <a:t>Textebene 1</a:t>
             </a:r>
@@ -753,7 +768,9 @@
       <p:sp>
         <p:nvSpPr>
           <p:cNvPr id="94" name="Shape 94"/>
-          <p:cNvSpPr/>
+          <p:cNvSpPr>
+            <a:spLocks noGrp="1"/>
+          </p:cNvSpPr>
           <p:nvPr>
             <p:ph type="sldNum" sz="quarter" idx="2"/>
           </p:nvPr>
@@ -767,8 +784,10 @@
           <a:bodyPr/>
           <a:lstStyle/>
           <a:p>
-            <a:pPr/>
-            <a:fld id="{86CB4B4D-7CA3-9044-876B-883B54F8677D}" type="slidenum"/>
+            <a:fld id="{86CB4B4D-7CA3-9044-876B-883B54F8677D}" type="slidenum">
+              <a:t>‹#›</a:t>
+            </a:fld>
+            <a:endParaRPr/>
           </a:p>
         </p:txBody>
       </p:sp>
@@ -777,12 +796,12 @@
   <p:clrMapOvr>
     <a:masterClrMapping/>
   </p:clrMapOvr>
-  <p:transition xmlns:p14="http://schemas.microsoft.com/office/powerpoint/2010/main" spd="med" advClick="1"/>
+  <p:transition spd="med"/>
 </p:sldLayout>
 </file>
 
 <file path=ppt/slideLayouts/slideLayout11.xml><?xml version="1.0" encoding="utf-8"?>
-<p:sldLayout xmlns:a="http://schemas.openxmlformats.org/drawingml/2006/main" xmlns:r="http://schemas.openxmlformats.org/officeDocument/2006/relationships" xmlns:p="http://schemas.openxmlformats.org/presentationml/2006/main" type="tx" showMasterSp="1" showMasterPhAnim="1">
+<p:sldLayout xmlns:a="http://schemas.openxmlformats.org/drawingml/2006/main" xmlns:r="http://schemas.openxmlformats.org/officeDocument/2006/relationships" xmlns:p="http://schemas.openxmlformats.org/presentationml/2006/main" type="tx">
   <p:cSld name="Titel und vertikaler Text">
     <p:spTree>
       <p:nvGrpSpPr>
@@ -801,7 +820,9 @@
       <p:sp>
         <p:nvSpPr>
           <p:cNvPr id="101" name="Shape 101"/>
-          <p:cNvSpPr/>
+          <p:cNvSpPr>
+            <a:spLocks noGrp="1"/>
+          </p:cNvSpPr>
           <p:nvPr>
             <p:ph type="title"/>
           </p:nvPr>
@@ -815,7 +836,6 @@
           <a:bodyPr/>
           <a:lstStyle/>
           <a:p>
-            <a:pPr/>
             <a:r>
               <a:t>Titeltext</a:t>
             </a:r>
@@ -825,7 +845,9 @@
       <p:sp>
         <p:nvSpPr>
           <p:cNvPr id="102" name="Shape 102"/>
-          <p:cNvSpPr/>
+          <p:cNvSpPr>
+            <a:spLocks noGrp="1"/>
+          </p:cNvSpPr>
           <p:nvPr>
             <p:ph type="body" idx="1"/>
           </p:nvPr>
@@ -839,7 +861,6 @@
           <a:bodyPr/>
           <a:lstStyle/>
           <a:p>
-            <a:pPr/>
             <a:r>
               <a:t>Textebene 1</a:t>
             </a:r>
@@ -873,7 +894,9 @@
       <p:sp>
         <p:nvSpPr>
           <p:cNvPr id="103" name="Shape 103"/>
-          <p:cNvSpPr/>
+          <p:cNvSpPr>
+            <a:spLocks noGrp="1"/>
+          </p:cNvSpPr>
           <p:nvPr>
             <p:ph type="sldNum" sz="quarter" idx="2"/>
           </p:nvPr>
@@ -887,8 +910,10 @@
           <a:bodyPr/>
           <a:lstStyle/>
           <a:p>
-            <a:pPr/>
-            <a:fld id="{86CB4B4D-7CA3-9044-876B-883B54F8677D}" type="slidenum"/>
+            <a:fld id="{86CB4B4D-7CA3-9044-876B-883B54F8677D}" type="slidenum">
+              <a:t>‹#›</a:t>
+            </a:fld>
+            <a:endParaRPr/>
           </a:p>
         </p:txBody>
       </p:sp>
@@ -897,12 +922,12 @@
   <p:clrMapOvr>
     <a:masterClrMapping/>
   </p:clrMapOvr>
-  <p:transition xmlns:p14="http://schemas.microsoft.com/office/powerpoint/2010/main" spd="med" advClick="1"/>
+  <p:transition spd="med"/>
 </p:sldLayout>
 </file>
 
 <file path=ppt/slideLayouts/slideLayout12.xml><?xml version="1.0" encoding="utf-8"?>
-<p:sldLayout xmlns:a="http://schemas.openxmlformats.org/drawingml/2006/main" xmlns:r="http://schemas.openxmlformats.org/officeDocument/2006/relationships" xmlns:p="http://schemas.openxmlformats.org/presentationml/2006/main" type="tx" showMasterSp="1" showMasterPhAnim="1">
+<p:sldLayout xmlns:a="http://schemas.openxmlformats.org/drawingml/2006/main" xmlns:r="http://schemas.openxmlformats.org/officeDocument/2006/relationships" xmlns:p="http://schemas.openxmlformats.org/presentationml/2006/main" type="tx">
   <p:cSld name="Vertikaler Titel und Text">
     <p:spTree>
       <p:nvGrpSpPr>
@@ -921,7 +946,9 @@
       <p:sp>
         <p:nvSpPr>
           <p:cNvPr id="110" name="Shape 110"/>
-          <p:cNvSpPr/>
+          <p:cNvSpPr>
+            <a:spLocks noGrp="1"/>
+          </p:cNvSpPr>
           <p:nvPr>
             <p:ph type="title"/>
           </p:nvPr>
@@ -939,7 +966,6 @@
           <a:bodyPr/>
           <a:lstStyle/>
           <a:p>
-            <a:pPr/>
             <a:r>
               <a:t>Mastertitelformat bearbeiten</a:t>
             </a:r>
@@ -949,7 +975,9 @@
       <p:sp>
         <p:nvSpPr>
           <p:cNvPr id="111" name="Shape 111"/>
-          <p:cNvSpPr/>
+          <p:cNvSpPr>
+            <a:spLocks noGrp="1"/>
+          </p:cNvSpPr>
           <p:nvPr>
             <p:ph type="body" idx="1"/>
           </p:nvPr>
@@ -967,7 +995,6 @@
           <a:bodyPr/>
           <a:lstStyle/>
           <a:p>
-            <a:pPr/>
             <a:r>
               <a:t>Mastertextformat bearbeiten</a:t>
             </a:r>
@@ -1001,7 +1028,9 @@
       <p:sp>
         <p:nvSpPr>
           <p:cNvPr id="112" name="Shape 112"/>
-          <p:cNvSpPr/>
+          <p:cNvSpPr>
+            <a:spLocks noGrp="1"/>
+          </p:cNvSpPr>
           <p:nvPr>
             <p:ph type="sldNum" sz="quarter" idx="2"/>
           </p:nvPr>
@@ -1015,8 +1044,10 @@
           <a:bodyPr/>
           <a:lstStyle/>
           <a:p>
-            <a:pPr/>
-            <a:fld id="{86CB4B4D-7CA3-9044-876B-883B54F8677D}" type="slidenum"/>
+            <a:fld id="{86CB4B4D-7CA3-9044-876B-883B54F8677D}" type="slidenum">
+              <a:t>‹#›</a:t>
+            </a:fld>
+            <a:endParaRPr/>
           </a:p>
         </p:txBody>
       </p:sp>
@@ -1025,18 +1056,19 @@
   <p:clrMapOvr>
     <a:masterClrMapping/>
   </p:clrMapOvr>
-  <p:transition xmlns:p14="http://schemas.microsoft.com/office/powerpoint/2010/main" spd="med" advClick="1"/>
+  <p:transition spd="med"/>
 </p:sldLayout>
 </file>
 
 <file path=ppt/slideLayouts/slideLayout13.xml><?xml version="1.0" encoding="utf-8"?>
-<p:sldLayout xmlns:a="http://schemas.openxmlformats.org/drawingml/2006/main" xmlns:r="http://schemas.openxmlformats.org/officeDocument/2006/relationships" xmlns:p="http://schemas.openxmlformats.org/presentationml/2006/main" type="tx" showMasterSp="1" showMasterPhAnim="1">
+<p:sldLayout xmlns:a="http://schemas.openxmlformats.org/drawingml/2006/main" xmlns:r="http://schemas.openxmlformats.org/officeDocument/2006/relationships" xmlns:p="http://schemas.openxmlformats.org/presentationml/2006/main" type="tx">
   <p:cSld name="Titel und Inhalt 0">
     <p:bg>
       <p:bgPr>
         <a:solidFill>
           <a:srgbClr val="E3FDDB"/>
         </a:solidFill>
+        <a:effectLst/>
       </p:bgPr>
     </p:bg>
     <p:spTree>
@@ -1056,7 +1088,9 @@
       <p:sp>
         <p:nvSpPr>
           <p:cNvPr id="119" name="Shape 119"/>
-          <p:cNvSpPr/>
+          <p:cNvSpPr>
+            <a:spLocks noGrp="1"/>
+          </p:cNvSpPr>
           <p:nvPr>
             <p:ph type="title"/>
           </p:nvPr>
@@ -1070,7 +1104,6 @@
           <a:bodyPr/>
           <a:lstStyle/>
           <a:p>
-            <a:pPr/>
             <a:r>
               <a:t>Titeltext</a:t>
             </a:r>
@@ -1080,7 +1113,9 @@
       <p:sp>
         <p:nvSpPr>
           <p:cNvPr id="120" name="Shape 120"/>
-          <p:cNvSpPr/>
+          <p:cNvSpPr>
+            <a:spLocks noGrp="1"/>
+          </p:cNvSpPr>
           <p:nvPr>
             <p:ph type="body" idx="1"/>
           </p:nvPr>
@@ -1094,7 +1129,6 @@
           <a:bodyPr/>
           <a:lstStyle/>
           <a:p>
-            <a:pPr/>
             <a:r>
               <a:t>Textebene 1</a:t>
             </a:r>
@@ -1128,7 +1162,9 @@
       <p:sp>
         <p:nvSpPr>
           <p:cNvPr id="121" name="Shape 121"/>
-          <p:cNvSpPr/>
+          <p:cNvSpPr>
+            <a:spLocks noGrp="1"/>
+          </p:cNvSpPr>
           <p:nvPr>
             <p:ph type="sldNum" sz="quarter" idx="2"/>
           </p:nvPr>
@@ -1142,8 +1178,10 @@
           <a:bodyPr/>
           <a:lstStyle/>
           <a:p>
-            <a:pPr/>
-            <a:fld id="{86CB4B4D-7CA3-9044-876B-883B54F8677D}" type="slidenum"/>
+            <a:fld id="{86CB4B4D-7CA3-9044-876B-883B54F8677D}" type="slidenum">
+              <a:t>‹#›</a:t>
+            </a:fld>
+            <a:endParaRPr/>
           </a:p>
         </p:txBody>
       </p:sp>
@@ -1152,12 +1190,12 @@
   <p:clrMapOvr>
     <a:masterClrMapping/>
   </p:clrMapOvr>
-  <p:transition xmlns:p14="http://schemas.microsoft.com/office/powerpoint/2010/main" spd="med" advClick="1"/>
+  <p:transition spd="med"/>
 </p:sldLayout>
 </file>
 
 <file path=ppt/slideLayouts/slideLayout2.xml><?xml version="1.0" encoding="utf-8"?>
-<p:sldLayout xmlns:a="http://schemas.openxmlformats.org/drawingml/2006/main" xmlns:r="http://schemas.openxmlformats.org/officeDocument/2006/relationships" xmlns:p="http://schemas.openxmlformats.org/presentationml/2006/main" type="tx" showMasterSp="1" showMasterPhAnim="1">
+<p:sldLayout xmlns:a="http://schemas.openxmlformats.org/drawingml/2006/main" xmlns:r="http://schemas.openxmlformats.org/officeDocument/2006/relationships" xmlns:p="http://schemas.openxmlformats.org/presentationml/2006/main" type="tx">
   <p:cSld name="Titel und Inhalt">
     <p:spTree>
       <p:nvGrpSpPr>
@@ -1176,7 +1214,9 @@
       <p:sp>
         <p:nvSpPr>
           <p:cNvPr id="20" name="Shape 20"/>
-          <p:cNvSpPr/>
+          <p:cNvSpPr>
+            <a:spLocks noGrp="1"/>
+          </p:cNvSpPr>
           <p:nvPr>
             <p:ph type="title"/>
           </p:nvPr>
@@ -1190,7 +1230,6 @@
           <a:bodyPr/>
           <a:lstStyle/>
           <a:p>
-            <a:pPr/>
             <a:r>
               <a:t>Titeltext</a:t>
             </a:r>
@@ -1200,7 +1239,9 @@
       <p:sp>
         <p:nvSpPr>
           <p:cNvPr id="21" name="Shape 21"/>
-          <p:cNvSpPr/>
+          <p:cNvSpPr>
+            <a:spLocks noGrp="1"/>
+          </p:cNvSpPr>
           <p:nvPr>
             <p:ph type="body" idx="1"/>
           </p:nvPr>
@@ -1214,7 +1255,6 @@
           <a:bodyPr/>
           <a:lstStyle/>
           <a:p>
-            <a:pPr/>
             <a:r>
               <a:t>Textebene 1</a:t>
             </a:r>
@@ -1248,7 +1288,9 @@
       <p:sp>
         <p:nvSpPr>
           <p:cNvPr id="22" name="Shape 22"/>
-          <p:cNvSpPr/>
+          <p:cNvSpPr>
+            <a:spLocks noGrp="1"/>
+          </p:cNvSpPr>
           <p:nvPr>
             <p:ph type="sldNum" sz="quarter" idx="2"/>
           </p:nvPr>
@@ -1262,8 +1304,10 @@
           <a:bodyPr/>
           <a:lstStyle/>
           <a:p>
-            <a:pPr/>
-            <a:fld id="{86CB4B4D-7CA3-9044-876B-883B54F8677D}" type="slidenum"/>
+            <a:fld id="{86CB4B4D-7CA3-9044-876B-883B54F8677D}" type="slidenum">
+              <a:t>‹#›</a:t>
+            </a:fld>
+            <a:endParaRPr/>
           </a:p>
         </p:txBody>
       </p:sp>
@@ -1272,18 +1316,19 @@
   <p:clrMapOvr>
     <a:masterClrMapping/>
   </p:clrMapOvr>
-  <p:transition xmlns:p14="http://schemas.microsoft.com/office/powerpoint/2010/main" spd="med" advClick="1"/>
+  <p:transition spd="med"/>
 </p:sldLayout>
 </file>
 
 <file path=ppt/slideLayouts/slideLayout3.xml><?xml version="1.0" encoding="utf-8"?>
-<p:sldLayout xmlns:a="http://schemas.openxmlformats.org/drawingml/2006/main" xmlns:r="http://schemas.openxmlformats.org/officeDocument/2006/relationships" xmlns:p="http://schemas.openxmlformats.org/presentationml/2006/main" type="tx" showMasterSp="1" showMasterPhAnim="1">
+<p:sldLayout xmlns:a="http://schemas.openxmlformats.org/drawingml/2006/main" xmlns:r="http://schemas.openxmlformats.org/officeDocument/2006/relationships" xmlns:p="http://schemas.openxmlformats.org/presentationml/2006/main" type="tx">
   <p:cSld name="Titel und Inhalt 0">
     <p:bg>
       <p:bgPr>
         <a:solidFill>
           <a:srgbClr val="E3FDDB"/>
         </a:solidFill>
+        <a:effectLst/>
       </p:bgPr>
     </p:bg>
     <p:spTree>
@@ -1303,7 +1348,9 @@
       <p:sp>
         <p:nvSpPr>
           <p:cNvPr id="29" name="Shape 29"/>
-          <p:cNvSpPr/>
+          <p:cNvSpPr>
+            <a:spLocks noGrp="1"/>
+          </p:cNvSpPr>
           <p:nvPr>
             <p:ph type="title"/>
           </p:nvPr>
@@ -1317,7 +1364,6 @@
           <a:bodyPr/>
           <a:lstStyle/>
           <a:p>
-            <a:pPr/>
             <a:r>
               <a:t>Mastertitelformat bearbeiten</a:t>
             </a:r>
@@ -1327,7 +1373,9 @@
       <p:sp>
         <p:nvSpPr>
           <p:cNvPr id="30" name="Shape 30"/>
-          <p:cNvSpPr/>
+          <p:cNvSpPr>
+            <a:spLocks noGrp="1"/>
+          </p:cNvSpPr>
           <p:nvPr>
             <p:ph type="body" idx="1"/>
           </p:nvPr>
@@ -1341,7 +1389,6 @@
           <a:bodyPr/>
           <a:lstStyle/>
           <a:p>
-            <a:pPr/>
             <a:r>
               <a:t>Mastertextformat bearbeiten</a:t>
             </a:r>
@@ -1375,7 +1422,9 @@
       <p:sp>
         <p:nvSpPr>
           <p:cNvPr id="31" name="Shape 31"/>
-          <p:cNvSpPr/>
+          <p:cNvSpPr>
+            <a:spLocks noGrp="1"/>
+          </p:cNvSpPr>
           <p:nvPr>
             <p:ph type="sldNum" sz="quarter" idx="2"/>
           </p:nvPr>
@@ -1389,8 +1438,10 @@
           <a:bodyPr/>
           <a:lstStyle/>
           <a:p>
-            <a:pPr/>
-            <a:fld id="{86CB4B4D-7CA3-9044-876B-883B54F8677D}" type="slidenum"/>
+            <a:fld id="{86CB4B4D-7CA3-9044-876B-883B54F8677D}" type="slidenum">
+              <a:t>‹#›</a:t>
+            </a:fld>
+            <a:endParaRPr/>
           </a:p>
         </p:txBody>
       </p:sp>
@@ -1399,12 +1450,12 @@
   <p:clrMapOvr>
     <a:masterClrMapping/>
   </p:clrMapOvr>
-  <p:transition xmlns:p14="http://schemas.microsoft.com/office/powerpoint/2010/main" spd="med" advClick="1"/>
+  <p:transition spd="med"/>
 </p:sldLayout>
 </file>
 
 <file path=ppt/slideLayouts/slideLayout4.xml><?xml version="1.0" encoding="utf-8"?>
-<p:sldLayout xmlns:a="http://schemas.openxmlformats.org/drawingml/2006/main" xmlns:r="http://schemas.openxmlformats.org/officeDocument/2006/relationships" xmlns:p="http://schemas.openxmlformats.org/presentationml/2006/main" type="tx" showMasterSp="1" showMasterPhAnim="1">
+<p:sldLayout xmlns:a="http://schemas.openxmlformats.org/drawingml/2006/main" xmlns:r="http://schemas.openxmlformats.org/officeDocument/2006/relationships" xmlns:p="http://schemas.openxmlformats.org/presentationml/2006/main" type="tx">
   <p:cSld name="Abschnitts-&#10;überschrift">
     <p:spTree>
       <p:nvGrpSpPr>
@@ -1423,7 +1474,9 @@
       <p:sp>
         <p:nvSpPr>
           <p:cNvPr id="38" name="Shape 38"/>
-          <p:cNvSpPr/>
+          <p:cNvSpPr>
+            <a:spLocks noGrp="1"/>
+          </p:cNvSpPr>
           <p:nvPr>
             <p:ph type="title"/>
           </p:nvPr>
@@ -1445,7 +1498,6 @@
             </a:lvl1pPr>
           </a:lstStyle>
           <a:p>
-            <a:pPr/>
             <a:r>
               <a:t>Titeltext</a:t>
             </a:r>
@@ -1455,7 +1507,9 @@
       <p:sp>
         <p:nvSpPr>
           <p:cNvPr id="39" name="Shape 39"/>
-          <p:cNvSpPr/>
+          <p:cNvSpPr>
+            <a:spLocks noGrp="1"/>
+          </p:cNvSpPr>
           <p:nvPr>
             <p:ph type="body" sz="quarter" idx="1"/>
           </p:nvPr>
@@ -1524,7 +1578,6 @@
             </a:lvl5pPr>
           </a:lstStyle>
           <a:p>
-            <a:pPr/>
             <a:r>
               <a:t>Textebene 1</a:t>
             </a:r>
@@ -1558,7 +1611,9 @@
       <p:sp>
         <p:nvSpPr>
           <p:cNvPr id="40" name="Shape 40"/>
-          <p:cNvSpPr/>
+          <p:cNvSpPr>
+            <a:spLocks noGrp="1"/>
+          </p:cNvSpPr>
           <p:nvPr>
             <p:ph type="sldNum" sz="quarter" idx="2"/>
           </p:nvPr>
@@ -1572,8 +1627,10 @@
           <a:bodyPr/>
           <a:lstStyle/>
           <a:p>
-            <a:pPr/>
-            <a:fld id="{86CB4B4D-7CA3-9044-876B-883B54F8677D}" type="slidenum"/>
+            <a:fld id="{86CB4B4D-7CA3-9044-876B-883B54F8677D}" type="slidenum">
+              <a:t>‹#›</a:t>
+            </a:fld>
+            <a:endParaRPr/>
           </a:p>
         </p:txBody>
       </p:sp>
@@ -1582,12 +1639,12 @@
   <p:clrMapOvr>
     <a:masterClrMapping/>
   </p:clrMapOvr>
-  <p:transition xmlns:p14="http://schemas.microsoft.com/office/powerpoint/2010/main" spd="med" advClick="1"/>
+  <p:transition spd="med"/>
 </p:sldLayout>
 </file>
 
 <file path=ppt/slideLayouts/slideLayout5.xml><?xml version="1.0" encoding="utf-8"?>
-<p:sldLayout xmlns:a="http://schemas.openxmlformats.org/drawingml/2006/main" xmlns:r="http://schemas.openxmlformats.org/officeDocument/2006/relationships" xmlns:p="http://schemas.openxmlformats.org/presentationml/2006/main" type="tx" showMasterSp="1" showMasterPhAnim="1">
+<p:sldLayout xmlns:a="http://schemas.openxmlformats.org/drawingml/2006/main" xmlns:r="http://schemas.openxmlformats.org/officeDocument/2006/relationships" xmlns:p="http://schemas.openxmlformats.org/presentationml/2006/main" type="tx">
   <p:cSld name="Zwei Inhalte">
     <p:spTree>
       <p:nvGrpSpPr>
@@ -1606,7 +1663,9 @@
       <p:sp>
         <p:nvSpPr>
           <p:cNvPr id="47" name="Shape 47"/>
-          <p:cNvSpPr/>
+          <p:cNvSpPr>
+            <a:spLocks noGrp="1"/>
+          </p:cNvSpPr>
           <p:nvPr>
             <p:ph type="title"/>
           </p:nvPr>
@@ -1620,7 +1679,6 @@
           <a:bodyPr/>
           <a:lstStyle/>
           <a:p>
-            <a:pPr/>
             <a:r>
               <a:t>Mastertitelformat bearbeiten</a:t>
             </a:r>
@@ -1630,7 +1688,9 @@
       <p:sp>
         <p:nvSpPr>
           <p:cNvPr id="48" name="Shape 48"/>
-          <p:cNvSpPr/>
+          <p:cNvSpPr>
+            <a:spLocks noGrp="1"/>
+          </p:cNvSpPr>
           <p:nvPr>
             <p:ph type="body" sz="half" idx="1"/>
           </p:nvPr>
@@ -1648,7 +1708,6 @@
           <a:bodyPr/>
           <a:lstStyle/>
           <a:p>
-            <a:pPr/>
             <a:r>
               <a:t>Mastertextformat bearbeiten</a:t>
             </a:r>
@@ -1682,7 +1741,9 @@
       <p:sp>
         <p:nvSpPr>
           <p:cNvPr id="49" name="Shape 49"/>
-          <p:cNvSpPr/>
+          <p:cNvSpPr>
+            <a:spLocks noGrp="1"/>
+          </p:cNvSpPr>
           <p:nvPr>
             <p:ph type="sldNum" sz="quarter" idx="2"/>
           </p:nvPr>
@@ -1696,8 +1757,10 @@
           <a:bodyPr/>
           <a:lstStyle/>
           <a:p>
-            <a:pPr/>
-            <a:fld id="{86CB4B4D-7CA3-9044-876B-883B54F8677D}" type="slidenum"/>
+            <a:fld id="{86CB4B4D-7CA3-9044-876B-883B54F8677D}" type="slidenum">
+              <a:t>‹#›</a:t>
+            </a:fld>
+            <a:endParaRPr/>
           </a:p>
         </p:txBody>
       </p:sp>
@@ -1706,12 +1769,12 @@
   <p:clrMapOvr>
     <a:masterClrMapping/>
   </p:clrMapOvr>
-  <p:transition xmlns:p14="http://schemas.microsoft.com/office/powerpoint/2010/main" spd="med" advClick="1"/>
+  <p:transition spd="med"/>
 </p:sldLayout>
 </file>
 
 <file path=ppt/slideLayouts/slideLayout6.xml><?xml version="1.0" encoding="utf-8"?>
-<p:sldLayout xmlns:a="http://schemas.openxmlformats.org/drawingml/2006/main" xmlns:r="http://schemas.openxmlformats.org/officeDocument/2006/relationships" xmlns:p="http://schemas.openxmlformats.org/presentationml/2006/main" type="tx" showMasterSp="1" showMasterPhAnim="1">
+<p:sldLayout xmlns:a="http://schemas.openxmlformats.org/drawingml/2006/main" xmlns:r="http://schemas.openxmlformats.org/officeDocument/2006/relationships" xmlns:p="http://schemas.openxmlformats.org/presentationml/2006/main" type="tx">
   <p:cSld name="Vergleich">
     <p:spTree>
       <p:nvGrpSpPr>
@@ -1730,7 +1793,9 @@
       <p:sp>
         <p:nvSpPr>
           <p:cNvPr id="56" name="Shape 56"/>
-          <p:cNvSpPr/>
+          <p:cNvSpPr>
+            <a:spLocks noGrp="1"/>
+          </p:cNvSpPr>
           <p:nvPr>
             <p:ph type="title"/>
           </p:nvPr>
@@ -1748,7 +1813,6 @@
           <a:bodyPr/>
           <a:lstStyle/>
           <a:p>
-            <a:pPr/>
             <a:r>
               <a:t>Mastertitelformat bearbeiten</a:t>
             </a:r>
@@ -1758,7 +1822,9 @@
       <p:sp>
         <p:nvSpPr>
           <p:cNvPr id="57" name="Shape 57"/>
-          <p:cNvSpPr/>
+          <p:cNvSpPr>
+            <a:spLocks noGrp="1"/>
+          </p:cNvSpPr>
           <p:nvPr>
             <p:ph type="body" sz="quarter" idx="1"/>
           </p:nvPr>
@@ -1779,11 +1845,10 @@
               <a:buSzTx/>
               <a:buFontTx/>
               <a:buNone/>
-              <a:defRPr b="1" sz="2400"/>
+              <a:defRPr sz="2400" b="1"/>
             </a:lvl1pPr>
           </a:lstStyle>
           <a:p>
-            <a:pPr/>
             <a:r>
               <a:t>Mastertextformat bearbeiten</a:t>
             </a:r>
@@ -1793,7 +1858,9 @@
       <p:sp>
         <p:nvSpPr>
           <p:cNvPr id="58" name="Shape 58"/>
-          <p:cNvSpPr/>
+          <p:cNvSpPr>
+            <a:spLocks noGrp="1"/>
+          </p:cNvSpPr>
           <p:nvPr>
             <p:ph type="body" sz="quarter" idx="13"/>
           </p:nvPr>
@@ -1815,15 +1882,18 @@
               <a:buSzTx/>
               <a:buFontTx/>
               <a:buNone/>
-              <a:defRPr b="1" sz="2400"/>
-            </a:pPr>
+              <a:defRPr sz="2400" b="1"/>
+            </a:pPr>
+            <a:endParaRPr/>
           </a:p>
         </p:txBody>
       </p:sp>
       <p:sp>
         <p:nvSpPr>
           <p:cNvPr id="59" name="Shape 59"/>
-          <p:cNvSpPr/>
+          <p:cNvSpPr>
+            <a:spLocks noGrp="1"/>
+          </p:cNvSpPr>
           <p:nvPr>
             <p:ph type="sldNum" sz="quarter" idx="2"/>
           </p:nvPr>
@@ -1837,8 +1907,10 @@
           <a:bodyPr/>
           <a:lstStyle/>
           <a:p>
-            <a:pPr/>
-            <a:fld id="{86CB4B4D-7CA3-9044-876B-883B54F8677D}" type="slidenum"/>
+            <a:fld id="{86CB4B4D-7CA3-9044-876B-883B54F8677D}" type="slidenum">
+              <a:t>‹#›</a:t>
+            </a:fld>
+            <a:endParaRPr/>
           </a:p>
         </p:txBody>
       </p:sp>
@@ -1847,12 +1919,12 @@
   <p:clrMapOvr>
     <a:masterClrMapping/>
   </p:clrMapOvr>
-  <p:transition xmlns:p14="http://schemas.microsoft.com/office/powerpoint/2010/main" spd="med" advClick="1"/>
+  <p:transition spd="med"/>
 </p:sldLayout>
 </file>
 
 <file path=ppt/slideLayouts/slideLayout7.xml><?xml version="1.0" encoding="utf-8"?>
-<p:sldLayout xmlns:a="http://schemas.openxmlformats.org/drawingml/2006/main" xmlns:r="http://schemas.openxmlformats.org/officeDocument/2006/relationships" xmlns:p="http://schemas.openxmlformats.org/presentationml/2006/main" type="tx" showMasterSp="1" showMasterPhAnim="1">
+<p:sldLayout xmlns:a="http://schemas.openxmlformats.org/drawingml/2006/main" xmlns:r="http://schemas.openxmlformats.org/officeDocument/2006/relationships" xmlns:p="http://schemas.openxmlformats.org/presentationml/2006/main" type="tx">
   <p:cSld name="Nur Titel">
     <p:spTree>
       <p:nvGrpSpPr>
@@ -1871,7 +1943,9 @@
       <p:sp>
         <p:nvSpPr>
           <p:cNvPr id="66" name="Shape 66"/>
-          <p:cNvSpPr/>
+          <p:cNvSpPr>
+            <a:spLocks noGrp="1"/>
+          </p:cNvSpPr>
           <p:nvPr>
             <p:ph type="title"/>
           </p:nvPr>
@@ -1885,7 +1959,6 @@
           <a:bodyPr/>
           <a:lstStyle/>
           <a:p>
-            <a:pPr/>
             <a:r>
               <a:t>Titeltext</a:t>
             </a:r>
@@ -1895,7 +1968,9 @@
       <p:sp>
         <p:nvSpPr>
           <p:cNvPr id="67" name="Shape 67"/>
-          <p:cNvSpPr/>
+          <p:cNvSpPr>
+            <a:spLocks noGrp="1"/>
+          </p:cNvSpPr>
           <p:nvPr>
             <p:ph type="sldNum" sz="quarter" idx="2"/>
           </p:nvPr>
@@ -1909,8 +1984,10 @@
           <a:bodyPr/>
           <a:lstStyle/>
           <a:p>
-            <a:pPr/>
-            <a:fld id="{86CB4B4D-7CA3-9044-876B-883B54F8677D}" type="slidenum"/>
+            <a:fld id="{86CB4B4D-7CA3-9044-876B-883B54F8677D}" type="slidenum">
+              <a:t>‹#›</a:t>
+            </a:fld>
+            <a:endParaRPr/>
           </a:p>
         </p:txBody>
       </p:sp>
@@ -1919,12 +1996,12 @@
   <p:clrMapOvr>
     <a:masterClrMapping/>
   </p:clrMapOvr>
-  <p:transition xmlns:p14="http://schemas.microsoft.com/office/powerpoint/2010/main" spd="med" advClick="1"/>
+  <p:transition spd="med"/>
 </p:sldLayout>
 </file>
 
 <file path=ppt/slideLayouts/slideLayout8.xml><?xml version="1.0" encoding="utf-8"?>
-<p:sldLayout xmlns:a="http://schemas.openxmlformats.org/drawingml/2006/main" xmlns:r="http://schemas.openxmlformats.org/officeDocument/2006/relationships" xmlns:p="http://schemas.openxmlformats.org/presentationml/2006/main" type="tx" showMasterSp="1" showMasterPhAnim="1">
+<p:sldLayout xmlns:a="http://schemas.openxmlformats.org/drawingml/2006/main" xmlns:r="http://schemas.openxmlformats.org/officeDocument/2006/relationships" xmlns:p="http://schemas.openxmlformats.org/presentationml/2006/main" type="tx">
   <p:cSld name="Leer">
     <p:spTree>
       <p:nvGrpSpPr>
@@ -1943,7 +2020,9 @@
       <p:sp>
         <p:nvSpPr>
           <p:cNvPr id="74" name="Shape 74"/>
-          <p:cNvSpPr/>
+          <p:cNvSpPr>
+            <a:spLocks noGrp="1"/>
+          </p:cNvSpPr>
           <p:nvPr>
             <p:ph type="sldNum" sz="quarter" idx="2"/>
           </p:nvPr>
@@ -1957,8 +2036,10 @@
           <a:bodyPr/>
           <a:lstStyle/>
           <a:p>
-            <a:pPr/>
-            <a:fld id="{86CB4B4D-7CA3-9044-876B-883B54F8677D}" type="slidenum"/>
+            <a:fld id="{86CB4B4D-7CA3-9044-876B-883B54F8677D}" type="slidenum">
+              <a:t>‹#›</a:t>
+            </a:fld>
+            <a:endParaRPr/>
           </a:p>
         </p:txBody>
       </p:sp>
@@ -1967,12 +2048,12 @@
   <p:clrMapOvr>
     <a:masterClrMapping/>
   </p:clrMapOvr>
-  <p:transition xmlns:p14="http://schemas.microsoft.com/office/powerpoint/2010/main" spd="med" advClick="1"/>
+  <p:transition spd="med"/>
 </p:sldLayout>
 </file>
 
 <file path=ppt/slideLayouts/slideLayout9.xml><?xml version="1.0" encoding="utf-8"?>
-<p:sldLayout xmlns:a="http://schemas.openxmlformats.org/drawingml/2006/main" xmlns:r="http://schemas.openxmlformats.org/officeDocument/2006/relationships" xmlns:p="http://schemas.openxmlformats.org/presentationml/2006/main" type="tx" showMasterSp="1" showMasterPhAnim="1">
+<p:sldLayout xmlns:a="http://schemas.openxmlformats.org/drawingml/2006/main" xmlns:r="http://schemas.openxmlformats.org/officeDocument/2006/relationships" xmlns:p="http://schemas.openxmlformats.org/presentationml/2006/main" type="tx">
   <p:cSld name="Inhalt mit Überschrift">
     <p:spTree>
       <p:nvGrpSpPr>
@@ -1991,7 +2072,9 @@
       <p:sp>
         <p:nvSpPr>
           <p:cNvPr id="81" name="Shape 81"/>
-          <p:cNvSpPr/>
+          <p:cNvSpPr>
+            <a:spLocks noGrp="1"/>
+          </p:cNvSpPr>
           <p:nvPr>
             <p:ph type="title"/>
           </p:nvPr>
@@ -2013,7 +2096,6 @@
             </a:lvl1pPr>
           </a:lstStyle>
           <a:p>
-            <a:pPr/>
             <a:r>
               <a:t>Titeltext</a:t>
             </a:r>
@@ -2023,7 +2105,9 @@
       <p:sp>
         <p:nvSpPr>
           <p:cNvPr id="82" name="Shape 82"/>
-          <p:cNvSpPr/>
+          <p:cNvSpPr>
+            <a:spLocks noGrp="1"/>
+          </p:cNvSpPr>
           <p:nvPr>
             <p:ph type="body" sz="half" idx="1"/>
           </p:nvPr>
@@ -2057,7 +2141,6 @@
             </a:lvl5pPr>
           </a:lstStyle>
           <a:p>
-            <a:pPr/>
             <a:r>
               <a:t>Textebene 1</a:t>
             </a:r>
@@ -2091,7 +2174,9 @@
       <p:sp>
         <p:nvSpPr>
           <p:cNvPr id="83" name="Shape 83"/>
-          <p:cNvSpPr/>
+          <p:cNvSpPr>
+            <a:spLocks noGrp="1"/>
+          </p:cNvSpPr>
           <p:nvPr>
             <p:ph type="body" sz="quarter" idx="13"/>
           </p:nvPr>
@@ -2115,13 +2200,16 @@
               <a:buNone/>
               <a:defRPr sz="1600"/>
             </a:pPr>
+            <a:endParaRPr/>
           </a:p>
         </p:txBody>
       </p:sp>
       <p:sp>
         <p:nvSpPr>
           <p:cNvPr id="84" name="Shape 84"/>
-          <p:cNvSpPr/>
+          <p:cNvSpPr>
+            <a:spLocks noGrp="1"/>
+          </p:cNvSpPr>
           <p:nvPr>
             <p:ph type="sldNum" sz="quarter" idx="2"/>
           </p:nvPr>
@@ -2135,8 +2223,10 @@
           <a:bodyPr/>
           <a:lstStyle/>
           <a:p>
-            <a:pPr/>
-            <a:fld id="{86CB4B4D-7CA3-9044-876B-883B54F8677D}" type="slidenum"/>
+            <a:fld id="{86CB4B4D-7CA3-9044-876B-883B54F8677D}" type="slidenum">
+              <a:t>‹#›</a:t>
+            </a:fld>
+            <a:endParaRPr/>
           </a:p>
         </p:txBody>
       </p:sp>
@@ -2145,7 +2235,7 @@
   <p:clrMapOvr>
     <a:masterClrMapping/>
   </p:clrMapOvr>
-  <p:transition xmlns:p14="http://schemas.microsoft.com/office/powerpoint/2010/main" spd="med" advClick="1"/>
+  <p:transition spd="med"/>
 </p:sldLayout>
 </file>
 
@@ -2157,6 +2247,7 @@
         <a:solidFill>
           <a:srgbClr val="FFFFFF"/>
         </a:solidFill>
+        <a:effectLst/>
       </p:bgPr>
     </p:bg>
     <p:spTree>
@@ -2176,7 +2267,9 @@
       <p:sp>
         <p:nvSpPr>
           <p:cNvPr id="2" name="Shape 2"/>
-          <p:cNvSpPr/>
+          <p:cNvSpPr>
+            <a:spLocks noGrp="1"/>
+          </p:cNvSpPr>
           <p:nvPr>
             <p:ph type="title"/>
           </p:nvPr>
@@ -2194,17 +2287,16 @@
           </a:ln>
           <a:extLst>
             <a:ext uri="{C572A759-6A51-4108-AA02-DFA0A04FC94B}">
-              <ma14:wrappingTextBoxFlag xmlns:ma14="http://schemas.microsoft.com/office/mac/drawingml/2011/main" val="1"/>
+              <ma14:wrappingTextBoxFlag xmlns:ma14="http://schemas.microsoft.com/office/mac/drawingml/2011/main" xmlns="" val="1"/>
             </a:ext>
           </a:extLst>
         </p:spPr>
         <p:txBody>
           <a:bodyPr lIns="45719" rIns="45719" anchor="ctr">
-            <a:normAutofit fontScale="100000" lnSpcReduction="0"/>
+            <a:normAutofit/>
           </a:bodyPr>
           <a:lstStyle/>
           <a:p>
-            <a:pPr/>
             <a:r>
               <a:t>Titeltext</a:t>
             </a:r>
@@ -2214,7 +2306,9 @@
       <p:sp>
         <p:nvSpPr>
           <p:cNvPr id="3" name="Shape 3"/>
-          <p:cNvSpPr/>
+          <p:cNvSpPr>
+            <a:spLocks noGrp="1"/>
+          </p:cNvSpPr>
           <p:nvPr>
             <p:ph type="body" idx="1"/>
           </p:nvPr>
@@ -2232,17 +2326,16 @@
           </a:ln>
           <a:extLst>
             <a:ext uri="{C572A759-6A51-4108-AA02-DFA0A04FC94B}">
-              <ma14:wrappingTextBoxFlag xmlns:ma14="http://schemas.microsoft.com/office/mac/drawingml/2011/main" val="1"/>
+              <ma14:wrappingTextBoxFlag xmlns:ma14="http://schemas.microsoft.com/office/mac/drawingml/2011/main" xmlns="" val="1"/>
             </a:ext>
           </a:extLst>
         </p:spPr>
         <p:txBody>
           <a:bodyPr lIns="45719" rIns="45719">
-            <a:normAutofit fontScale="100000" lnSpcReduction="0"/>
+            <a:normAutofit/>
           </a:bodyPr>
           <a:lstStyle/>
           <a:p>
-            <a:pPr/>
             <a:r>
               <a:t>Textebene 1</a:t>
             </a:r>
@@ -2276,7 +2369,9 @@
       <p:sp>
         <p:nvSpPr>
           <p:cNvPr id="4" name="Shape 4"/>
-          <p:cNvSpPr/>
+          <p:cNvSpPr>
+            <a:spLocks noGrp="1"/>
+          </p:cNvSpPr>
           <p:nvPr>
             <p:ph type="sldNum" sz="quarter" idx="2"/>
           </p:nvPr>
@@ -2307,8 +2402,10 @@
             </a:lvl1pPr>
           </a:lstStyle>
           <a:p>
-            <a:pPr/>
-            <a:fld id="{86CB4B4D-7CA3-9044-876B-883B54F8677D}" type="slidenum"/>
+            <a:fld id="{86CB4B4D-7CA3-9044-876B-883B54F8677D}" type="slidenum">
+              <a:t>‹#›</a:t>
+            </a:fld>
+            <a:endParaRPr/>
           </a:p>
         </p:txBody>
       </p:sp>
@@ -2316,21 +2413,21 @@
   </p:cSld>
   <p:clrMap bg1="lt1" tx1="dk1" bg2="lt2" tx2="dk2" accent1="accent1" accent2="accent2" accent3="accent3" accent4="accent4" accent5="accent5" accent6="accent6" hlink="hlink" folHlink="folHlink"/>
   <p:sldLayoutIdLst>
-    <p:sldLayoutId id="2147483649" r:id="rId2"/>
-    <p:sldLayoutId id="2147483650" r:id="rId3"/>
-    <p:sldLayoutId id="2147483651" r:id="rId4"/>
-    <p:sldLayoutId id="2147483652" r:id="rId5"/>
-    <p:sldLayoutId id="2147483653" r:id="rId6"/>
-    <p:sldLayoutId id="2147483654" r:id="rId7"/>
-    <p:sldLayoutId id="2147483655" r:id="rId8"/>
-    <p:sldLayoutId id="2147483656" r:id="rId9"/>
-    <p:sldLayoutId id="2147483657" r:id="rId10"/>
-    <p:sldLayoutId id="2147483658" r:id="rId11"/>
-    <p:sldLayoutId id="2147483659" r:id="rId12"/>
-    <p:sldLayoutId id="2147483660" r:id="rId13"/>
-    <p:sldLayoutId id="2147483661" r:id="rId14"/>
+    <p:sldLayoutId id="2147483649" r:id="rId1"/>
+    <p:sldLayoutId id="2147483650" r:id="rId2"/>
+    <p:sldLayoutId id="2147483651" r:id="rId3"/>
+    <p:sldLayoutId id="2147483652" r:id="rId4"/>
+    <p:sldLayoutId id="2147483653" r:id="rId5"/>
+    <p:sldLayoutId id="2147483654" r:id="rId6"/>
+    <p:sldLayoutId id="2147483655" r:id="rId7"/>
+    <p:sldLayoutId id="2147483656" r:id="rId8"/>
+    <p:sldLayoutId id="2147483657" r:id="rId9"/>
+    <p:sldLayoutId id="2147483658" r:id="rId10"/>
+    <p:sldLayoutId id="2147483659" r:id="rId11"/>
+    <p:sldLayoutId id="2147483660" r:id="rId12"/>
+    <p:sldLayoutId id="2147483661" r:id="rId13"/>
   </p:sldLayoutIdLst>
-  <p:transition xmlns:p14="http://schemas.microsoft.com/office/powerpoint/2010/main" spd="med" advClick="1"/>
+  <p:transition spd="med"/>
   <p:txStyles>
     <p:titleStyle>
       <a:lvl1pPr marL="0" marR="0" indent="0" algn="l" defTabSz="914400" rtl="0" latinLnBrk="0">
@@ -2348,7 +2445,7 @@
         <a:buFontTx/>
         <a:buNone/>
         <a:tabLst/>
-        <a:defRPr b="0" baseline="0" cap="none" i="0" spc="0" strike="noStrike" sz="4400" u="none">
+        <a:defRPr sz="4400" b="0" i="0" u="none" strike="noStrike" cap="none" spc="0" baseline="0">
           <a:ln>
             <a:noFill/>
           </a:ln>
@@ -2377,7 +2474,7 @@
         <a:buFontTx/>
         <a:buNone/>
         <a:tabLst/>
-        <a:defRPr b="0" baseline="0" cap="none" i="0" spc="0" strike="noStrike" sz="4400" u="none">
+        <a:defRPr sz="4400" b="0" i="0" u="none" strike="noStrike" cap="none" spc="0" baseline="0">
           <a:ln>
             <a:noFill/>
           </a:ln>
@@ -2406,7 +2503,7 @@
         <a:buFontTx/>
         <a:buNone/>
         <a:tabLst/>
-        <a:defRPr b="0" baseline="0" cap="none" i="0" spc="0" strike="noStrike" sz="4400" u="none">
+        <a:defRPr sz="4400" b="0" i="0" u="none" strike="noStrike" cap="none" spc="0" baseline="0">
           <a:ln>
             <a:noFill/>
           </a:ln>
@@ -2435,7 +2532,7 @@
         <a:buFontTx/>
         <a:buNone/>
         <a:tabLst/>
-        <a:defRPr b="0" baseline="0" cap="none" i="0" spc="0" strike="noStrike" sz="4400" u="none">
+        <a:defRPr sz="4400" b="0" i="0" u="none" strike="noStrike" cap="none" spc="0" baseline="0">
           <a:ln>
             <a:noFill/>
           </a:ln>
@@ -2464,7 +2561,7 @@
         <a:buFontTx/>
         <a:buNone/>
         <a:tabLst/>
-        <a:defRPr b="0" baseline="0" cap="none" i="0" spc="0" strike="noStrike" sz="4400" u="none">
+        <a:defRPr sz="4400" b="0" i="0" u="none" strike="noStrike" cap="none" spc="0" baseline="0">
           <a:ln>
             <a:noFill/>
           </a:ln>
@@ -2493,7 +2590,7 @@
         <a:buFontTx/>
         <a:buNone/>
         <a:tabLst/>
-        <a:defRPr b="0" baseline="0" cap="none" i="0" spc="0" strike="noStrike" sz="4400" u="none">
+        <a:defRPr sz="4400" b="0" i="0" u="none" strike="noStrike" cap="none" spc="0" baseline="0">
           <a:ln>
             <a:noFill/>
           </a:ln>
@@ -2522,7 +2619,7 @@
         <a:buFontTx/>
         <a:buNone/>
         <a:tabLst/>
-        <a:defRPr b="0" baseline="0" cap="none" i="0" spc="0" strike="noStrike" sz="4400" u="none">
+        <a:defRPr sz="4400" b="0" i="0" u="none" strike="noStrike" cap="none" spc="0" baseline="0">
           <a:ln>
             <a:noFill/>
           </a:ln>
@@ -2551,7 +2648,7 @@
         <a:buFontTx/>
         <a:buNone/>
         <a:tabLst/>
-        <a:defRPr b="0" baseline="0" cap="none" i="0" spc="0" strike="noStrike" sz="4400" u="none">
+        <a:defRPr sz="4400" b="0" i="0" u="none" strike="noStrike" cap="none" spc="0" baseline="0">
           <a:ln>
             <a:noFill/>
           </a:ln>
@@ -2580,7 +2677,7 @@
         <a:buFontTx/>
         <a:buNone/>
         <a:tabLst/>
-        <a:defRPr b="0" baseline="0" cap="none" i="0" spc="0" strike="noStrike" sz="4400" u="none">
+        <a:defRPr sz="4400" b="0" i="0" u="none" strike="noStrike" cap="none" spc="0" baseline="0">
           <a:ln>
             <a:noFill/>
           </a:ln>
@@ -2611,7 +2708,7 @@
         <a:buFont typeface="Arial"/>
         <a:buChar char="•"/>
         <a:tabLst/>
-        <a:defRPr b="0" baseline="0" cap="none" i="0" spc="0" strike="noStrike" sz="2800" u="none">
+        <a:defRPr sz="2800" b="0" i="0" u="none" strike="noStrike" cap="none" spc="0" baseline="0">
           <a:ln>
             <a:noFill/>
           </a:ln>
@@ -2640,7 +2737,7 @@
         <a:buFont typeface="Arial"/>
         <a:buChar char="•"/>
         <a:tabLst/>
-        <a:defRPr b="0" baseline="0" cap="none" i="0" spc="0" strike="noStrike" sz="2800" u="none">
+        <a:defRPr sz="2800" b="0" i="0" u="none" strike="noStrike" cap="none" spc="0" baseline="0">
           <a:ln>
             <a:noFill/>
           </a:ln>
@@ -2669,7 +2766,7 @@
         <a:buFont typeface="Arial"/>
         <a:buChar char="•"/>
         <a:tabLst/>
-        <a:defRPr b="0" baseline="0" cap="none" i="0" spc="0" strike="noStrike" sz="2800" u="none">
+        <a:defRPr sz="2800" b="0" i="0" u="none" strike="noStrike" cap="none" spc="0" baseline="0">
           <a:ln>
             <a:noFill/>
           </a:ln>
@@ -2698,7 +2795,7 @@
         <a:buFont typeface="Arial"/>
         <a:buChar char="•"/>
         <a:tabLst/>
-        <a:defRPr b="0" baseline="0" cap="none" i="0" spc="0" strike="noStrike" sz="2800" u="none">
+        <a:defRPr sz="2800" b="0" i="0" u="none" strike="noStrike" cap="none" spc="0" baseline="0">
           <a:ln>
             <a:noFill/>
           </a:ln>
@@ -2727,7 +2824,7 @@
         <a:buFont typeface="Arial"/>
         <a:buChar char="•"/>
         <a:tabLst/>
-        <a:defRPr b="0" baseline="0" cap="none" i="0" spc="0" strike="noStrike" sz="2800" u="none">
+        <a:defRPr sz="2800" b="0" i="0" u="none" strike="noStrike" cap="none" spc="0" baseline="0">
           <a:ln>
             <a:noFill/>
           </a:ln>
@@ -2756,7 +2853,7 @@
         <a:buFont typeface="Arial"/>
         <a:buChar char="•"/>
         <a:tabLst/>
-        <a:defRPr b="0" baseline="0" cap="none" i="0" spc="0" strike="noStrike" sz="2800" u="none">
+        <a:defRPr sz="2800" b="0" i="0" u="none" strike="noStrike" cap="none" spc="0" baseline="0">
           <a:ln>
             <a:noFill/>
           </a:ln>
@@ -2785,7 +2882,7 @@
         <a:buFont typeface="Arial"/>
         <a:buChar char="•"/>
         <a:tabLst/>
-        <a:defRPr b="0" baseline="0" cap="none" i="0" spc="0" strike="noStrike" sz="2800" u="none">
+        <a:defRPr sz="2800" b="0" i="0" u="none" strike="noStrike" cap="none" spc="0" baseline="0">
           <a:ln>
             <a:noFill/>
           </a:ln>
@@ -2814,7 +2911,7 @@
         <a:buFont typeface="Arial"/>
         <a:buChar char="•"/>
         <a:tabLst/>
-        <a:defRPr b="0" baseline="0" cap="none" i="0" spc="0" strike="noStrike" sz="2800" u="none">
+        <a:defRPr sz="2800" b="0" i="0" u="none" strike="noStrike" cap="none" spc="0" baseline="0">
           <a:ln>
             <a:noFill/>
           </a:ln>
@@ -2843,7 +2940,7 @@
         <a:buFont typeface="Arial"/>
         <a:buChar char="•"/>
         <a:tabLst/>
-        <a:defRPr b="0" baseline="0" cap="none" i="0" spc="0" strike="noStrike" sz="2800" u="none">
+        <a:defRPr sz="2800" b="0" i="0" u="none" strike="noStrike" cap="none" spc="0" baseline="0">
           <a:ln>
             <a:noFill/>
           </a:ln>
@@ -2874,7 +2971,7 @@
         <a:buFontTx/>
         <a:buNone/>
         <a:tabLst/>
-        <a:defRPr b="0" baseline="0" cap="none" i="0" spc="0" strike="noStrike" sz="1200" u="none">
+        <a:defRPr sz="1200" b="0" i="0" u="none" strike="noStrike" cap="none" spc="0" baseline="0">
           <a:ln>
             <a:noFill/>
           </a:ln>
@@ -2903,7 +3000,7 @@
         <a:buFontTx/>
         <a:buNone/>
         <a:tabLst/>
-        <a:defRPr b="0" baseline="0" cap="none" i="0" spc="0" strike="noStrike" sz="1200" u="none">
+        <a:defRPr sz="1200" b="0" i="0" u="none" strike="noStrike" cap="none" spc="0" baseline="0">
           <a:ln>
             <a:noFill/>
           </a:ln>
@@ -2932,7 +3029,7 @@
         <a:buFontTx/>
         <a:buNone/>
         <a:tabLst/>
-        <a:defRPr b="0" baseline="0" cap="none" i="0" spc="0" strike="noStrike" sz="1200" u="none">
+        <a:defRPr sz="1200" b="0" i="0" u="none" strike="noStrike" cap="none" spc="0" baseline="0">
           <a:ln>
             <a:noFill/>
           </a:ln>
@@ -2961,7 +3058,7 @@
         <a:buFontTx/>
         <a:buNone/>
         <a:tabLst/>
-        <a:defRPr b="0" baseline="0" cap="none" i="0" spc="0" strike="noStrike" sz="1200" u="none">
+        <a:defRPr sz="1200" b="0" i="0" u="none" strike="noStrike" cap="none" spc="0" baseline="0">
           <a:ln>
             <a:noFill/>
           </a:ln>
@@ -2990,7 +3087,7 @@
         <a:buFontTx/>
         <a:buNone/>
         <a:tabLst/>
-        <a:defRPr b="0" baseline="0" cap="none" i="0" spc="0" strike="noStrike" sz="1200" u="none">
+        <a:defRPr sz="1200" b="0" i="0" u="none" strike="noStrike" cap="none" spc="0" baseline="0">
           <a:ln>
             <a:noFill/>
           </a:ln>
@@ -3019,7 +3116,7 @@
         <a:buFontTx/>
         <a:buNone/>
         <a:tabLst/>
-        <a:defRPr b="0" baseline="0" cap="none" i="0" spc="0" strike="noStrike" sz="1200" u="none">
+        <a:defRPr sz="1200" b="0" i="0" u="none" strike="noStrike" cap="none" spc="0" baseline="0">
           <a:ln>
             <a:noFill/>
           </a:ln>
@@ -3048,7 +3145,7 @@
         <a:buFontTx/>
         <a:buNone/>
         <a:tabLst/>
-        <a:defRPr b="0" baseline="0" cap="none" i="0" spc="0" strike="noStrike" sz="1200" u="none">
+        <a:defRPr sz="1200" b="0" i="0" u="none" strike="noStrike" cap="none" spc="0" baseline="0">
           <a:ln>
             <a:noFill/>
           </a:ln>
@@ -3077,7 +3174,7 @@
         <a:buFontTx/>
         <a:buNone/>
         <a:tabLst/>
-        <a:defRPr b="0" baseline="0" cap="none" i="0" spc="0" strike="noStrike" sz="1200" u="none">
+        <a:defRPr sz="1200" b="0" i="0" u="none" strike="noStrike" cap="none" spc="0" baseline="0">
           <a:ln>
             <a:noFill/>
           </a:ln>
@@ -3106,7 +3203,7 @@
         <a:buFontTx/>
         <a:buNone/>
         <a:tabLst/>
-        <a:defRPr b="0" baseline="0" cap="none" i="0" spc="0" strike="noStrike" sz="1200" u="none">
+        <a:defRPr sz="1200" b="0" i="0" u="none" strike="noStrike" cap="none" spc="0" baseline="0">
           <a:ln>
             <a:noFill/>
           </a:ln>
@@ -3126,13 +3223,14 @@
 </file>
 
 <file path=ppt/slides/slide1.xml><?xml version="1.0" encoding="utf-8"?>
-<p:sld xmlns:a="http://schemas.openxmlformats.org/drawingml/2006/main" xmlns:r="http://schemas.openxmlformats.org/officeDocument/2006/relationships" xmlns:p="http://schemas.openxmlformats.org/presentationml/2006/main" showMasterSp="1" showMasterPhAnim="1">
+<p:sld xmlns:a="http://schemas.openxmlformats.org/drawingml/2006/main" xmlns:r="http://schemas.openxmlformats.org/officeDocument/2006/relationships" xmlns:p="http://schemas.openxmlformats.org/presentationml/2006/main">
   <p:cSld>
     <p:bg>
       <p:bgPr>
         <a:solidFill>
           <a:srgbClr val="E3FDDB"/>
         </a:solidFill>
+        <a:effectLst/>
       </p:bgPr>
     </p:bg>
     <p:spTree>
@@ -3168,7 +3266,7 @@
           </a:ln>
           <a:extLst>
             <a:ext uri="{C572A759-6A51-4108-AA02-DFA0A04FC94B}">
-              <ma14:wrappingTextBoxFlag xmlns:ma14="http://schemas.microsoft.com/office/mac/drawingml/2011/main" val="1"/>
+              <ma14:wrappingTextBoxFlag xmlns:ma14="http://schemas.microsoft.com/office/mac/drawingml/2011/main" xmlns="" val="1"/>
             </a:ext>
           </a:extLst>
         </p:spPr>
@@ -3185,7 +3283,7 @@
               <a:spcBef>
                 <a:spcPts val="600"/>
               </a:spcBef>
-              <a:defRPr b="1" sz="3500" u="sng">
+              <a:defRPr sz="3500" b="1" u="sng">
                 <a:latin typeface="Arial"/>
                 <a:ea typeface="Arial"/>
                 <a:cs typeface="Arial"/>
@@ -3211,6 +3309,7 @@
                 <a:sym typeface="Arial"/>
               </a:defRPr>
             </a:pPr>
+            <a:endParaRPr/>
           </a:p>
           <a:p>
             <a:pPr>
@@ -3251,13 +3350,8 @@
             </a:r>
             <a:r>
               <a:rPr b="1"/>
-              <a:t>Skip-Bo </a:t>
-            </a:r>
-            <a:r>
-              <a:rPr b="1"/>
-              <a:t>©</a:t>
-            </a:r>
-            <a:endParaRPr b="1"/>
+              <a:t>Skip-Bo ©</a:t>
+            </a:r>
           </a:p>
           <a:p>
             <a:pPr>
@@ -3274,6 +3368,7 @@
                 <a:sym typeface="Arial"/>
               </a:defRPr>
             </a:pPr>
+            <a:endParaRPr b="1"/>
           </a:p>
           <a:p>
             <a:pPr>
@@ -3283,7 +3378,7 @@
               <a:spcBef>
                 <a:spcPts val="600"/>
               </a:spcBef>
-              <a:defRPr b="1" sz="3000" u="sng">
+              <a:defRPr sz="3000" b="1" u="sng">
                 <a:latin typeface="Arial"/>
                 <a:ea typeface="Arial"/>
                 <a:cs typeface="Arial"/>
@@ -3302,13 +3397,14 @@
               <a:spcBef>
                 <a:spcPts val="600"/>
               </a:spcBef>
-              <a:defRPr b="1" sz="1000" u="sng">
+              <a:defRPr sz="1000" b="1" u="sng">
                 <a:latin typeface="Arial"/>
                 <a:ea typeface="Arial"/>
                 <a:cs typeface="Arial"/>
                 <a:sym typeface="Arial"/>
               </a:defRPr>
             </a:pPr>
+            <a:endParaRPr/>
           </a:p>
           <a:p>
             <a:pPr>
@@ -3363,6 +3459,7 @@
                 <a:sym typeface="Arial"/>
               </a:defRPr>
             </a:pPr>
+            <a:endParaRPr/>
           </a:p>
           <a:p>
             <a:pPr>
@@ -3380,13 +3477,7 @@
               </a:defRPr>
             </a:pPr>
             <a:r>
-              <a:t> 	Rao R</a:t>
-            </a:r>
-            <a:r>
-              <a:t>o</a:t>
-            </a:r>
-            <a:r>
-              <a:t>han Girish</a:t>
+              <a:t> 	Rao Rohan Girish</a:t>
             </a:r>
           </a:p>
           <a:p>
@@ -3404,6 +3495,7 @@
                 <a:sym typeface="Arial"/>
               </a:defRPr>
             </a:pPr>
+            <a:endParaRPr/>
           </a:p>
           <a:p>
             <a:pPr>
@@ -3439,6 +3531,7 @@
                 <a:sym typeface="Arial"/>
               </a:defRPr>
             </a:pPr>
+            <a:endParaRPr/>
           </a:p>
           <a:p>
             <a:pPr>
@@ -3470,9 +3563,7 @@
           <p:nvPr/>
         </p:nvPicPr>
         <p:blipFill>
-          <a:blip r:embed="rId2">
-            <a:extLst/>
-          </a:blip>
+          <a:blip r:embed="rId2"/>
           <a:stretch>
             <a:fillRect/>
           </a:stretch>
@@ -3509,7 +3600,7 @@
           </a:ln>
           <a:extLst>
             <a:ext uri="{C572A759-6A51-4108-AA02-DFA0A04FC94B}">
-              <ma14:wrappingTextBoxFlag xmlns:ma14="http://schemas.microsoft.com/office/mac/drawingml/2011/main" val="1"/>
+              <ma14:wrappingTextBoxFlag xmlns:ma14="http://schemas.microsoft.com/office/mac/drawingml/2011/main" xmlns="" val="1"/>
             </a:ext>
           </a:extLst>
         </p:spPr>
@@ -3519,7 +3610,6 @@
           </a:bodyPr>
           <a:lstStyle/>
           <a:p>
-            <a:pPr/>
             <a:r>
               <a:t>Quelle:  mercadolibre.com</a:t>
             </a:r>
@@ -3535,9 +3625,7 @@
           <p:nvPr/>
         </p:nvPicPr>
         <p:blipFill>
-          <a:blip r:embed="rId3">
-            <a:extLst/>
-          </a:blip>
+          <a:blip r:embed="rId3"/>
           <a:stretch>
             <a:fillRect/>
           </a:stretch>
@@ -3564,9 +3652,7 @@
           <p:nvPr/>
         </p:nvPicPr>
         <p:blipFill>
-          <a:blip r:embed="rId4">
-            <a:extLst/>
-          </a:blip>
+          <a:blip r:embed="rId4"/>
           <a:stretch>
             <a:fillRect/>
           </a:stretch>
@@ -3593,9 +3679,7 @@
           <p:nvPr/>
         </p:nvPicPr>
         <p:blipFill>
-          <a:blip r:embed="rId5">
-            <a:extLst/>
-          </a:blip>
+          <a:blip r:embed="rId5"/>
           <a:stretch>
             <a:fillRect/>
           </a:stretch>
@@ -3622,9 +3706,7 @@
           <p:nvPr/>
         </p:nvPicPr>
         <p:blipFill>
-          <a:blip r:embed="rId4">
-            <a:extLst/>
-          </a:blip>
+          <a:blip r:embed="rId4"/>
           <a:stretch>
             <a:fillRect/>
           </a:stretch>
@@ -3651,9 +3733,7 @@
           <p:nvPr/>
         </p:nvPicPr>
         <p:blipFill>
-          <a:blip r:embed="rId4">
-            <a:extLst/>
-          </a:blip>
+          <a:blip r:embed="rId4"/>
           <a:stretch>
             <a:fillRect/>
           </a:stretch>
@@ -3680,9 +3760,7 @@
           <p:nvPr/>
         </p:nvPicPr>
         <p:blipFill>
-          <a:blip r:embed="rId6">
-            <a:extLst/>
-          </a:blip>
+          <a:blip r:embed="rId6"/>
           <a:stretch>
             <a:fillRect/>
           </a:stretch>
@@ -3705,12 +3783,12 @@
   <p:clrMapOvr>
     <a:masterClrMapping/>
   </p:clrMapOvr>
-  <p:transition xmlns:p14="http://schemas.microsoft.com/office/powerpoint/2010/main" spd="med" advClick="1"/>
+  <p:transition spd="med"/>
 </p:sld>
 </file>
 
 <file path=ppt/slides/slide10.xml><?xml version="1.0" encoding="utf-8"?>
-<p:sld xmlns:a="http://schemas.openxmlformats.org/drawingml/2006/main" xmlns:r="http://schemas.openxmlformats.org/officeDocument/2006/relationships" xmlns:p="http://schemas.openxmlformats.org/presentationml/2006/main" showMasterSp="1" showMasterPhAnim="1">
+<p:sld xmlns:a="http://schemas.openxmlformats.org/drawingml/2006/main" xmlns:r="http://schemas.openxmlformats.org/officeDocument/2006/relationships" xmlns:p="http://schemas.openxmlformats.org/presentationml/2006/main">
   <p:cSld>
     <p:spTree>
       <p:nvGrpSpPr>
@@ -3745,7 +3823,7 @@
           </a:ln>
           <a:extLst>
             <a:ext uri="{C572A759-6A51-4108-AA02-DFA0A04FC94B}">
-              <ma14:wrappingTextBoxFlag xmlns:ma14="http://schemas.microsoft.com/office/mac/drawingml/2011/main" val="1"/>
+              <ma14:wrappingTextBoxFlag xmlns:ma14="http://schemas.microsoft.com/office/mac/drawingml/2011/main" xmlns="" val="1"/>
             </a:ext>
           </a:extLst>
         </p:spPr>
@@ -3763,7 +3841,6 @@
             </a:lvl1pPr>
           </a:lstStyle>
           <a:p>
-            <a:pPr/>
             <a:r>
               <a:t>Mlst.-Präsentation Nr. 1  /  Gruppe 15</a:t>
             </a:r>
@@ -3773,7 +3850,9 @@
       <p:sp>
         <p:nvSpPr>
           <p:cNvPr id="214" name="Shape 214"/>
-          <p:cNvSpPr/>
+          <p:cNvSpPr>
+            <a:spLocks noGrp="1"/>
+          </p:cNvSpPr>
           <p:nvPr>
             <p:ph type="title"/>
           </p:nvPr>
@@ -3791,7 +3870,7 @@
           <a:bodyPr/>
           <a:lstStyle>
             <a:lvl1pPr>
-              <a:defRPr b="1" sz="2000">
+              <a:defRPr sz="2000" b="1">
                 <a:latin typeface="Arial"/>
                 <a:ea typeface="Arial"/>
                 <a:cs typeface="Arial"/>
@@ -3800,7 +3879,6 @@
             </a:lvl1pPr>
           </a:lstStyle>
           <a:p>
-            <a:pPr/>
             <a:r>
               <a:t>	 Übersicht</a:t>
             </a:r>
@@ -3810,7 +3888,9 @@
       <p:sp>
         <p:nvSpPr>
           <p:cNvPr id="215" name="Shape 215"/>
-          <p:cNvSpPr/>
+          <p:cNvSpPr>
+            <a:spLocks noGrp="1"/>
+          </p:cNvSpPr>
           <p:nvPr>
             <p:ph type="body" sz="half" idx="1"/>
           </p:nvPr>
@@ -3853,6 +3933,7 @@
                 <a:sym typeface="Arial"/>
               </a:defRPr>
             </a:pPr>
+            <a:endParaRPr/>
           </a:p>
           <a:p>
             <a:pPr marL="0" indent="0">
@@ -3880,6 +3961,7 @@
                 <a:sym typeface="Arial"/>
               </a:defRPr>
             </a:pPr>
+            <a:endParaRPr/>
           </a:p>
           <a:p>
             <a:pPr marL="0" indent="0">
@@ -3907,12 +3989,13 @@
                 <a:sym typeface="Arial"/>
               </a:defRPr>
             </a:pPr>
+            <a:endParaRPr/>
           </a:p>
           <a:p>
             <a:pPr marL="0" indent="0">
               <a:buSzTx/>
               <a:buNone/>
-              <a:defRPr b="1" sz="3000">
+              <a:defRPr sz="3000" b="1">
                 <a:latin typeface="Arial"/>
                 <a:ea typeface="Arial"/>
                 <a:cs typeface="Arial"/>
@@ -3928,7 +4011,9 @@
       <p:sp>
         <p:nvSpPr>
           <p:cNvPr id="216" name="Shape 216"/>
-          <p:cNvSpPr/>
+          <p:cNvSpPr>
+            <a:spLocks noGrp="1"/>
+          </p:cNvSpPr>
           <p:nvPr>
             <p:ph type="sldNum" sz="quarter" idx="2"/>
           </p:nvPr>
@@ -3943,7 +4028,7 @@
           </a:prstGeom>
           <a:extLst>
             <a:ext uri="{C572A759-6A51-4108-AA02-DFA0A04FC94B}">
-              <ma14:wrappingTextBoxFlag xmlns:ma14="http://schemas.microsoft.com/office/mac/drawingml/2011/main" val="1"/>
+              <ma14:wrappingTextBoxFlag xmlns:ma14="http://schemas.microsoft.com/office/mac/drawingml/2011/main" xmlns="" val="1"/>
             </a:ext>
           </a:extLst>
         </p:spPr>
@@ -3951,8 +4036,10 @@
           <a:bodyPr/>
           <a:lstStyle/>
           <a:p>
-            <a:pPr/>
-            <a:fld id="{86CB4B4D-7CA3-9044-876B-883B54F8677D}" type="slidenum"/>
+            <a:fld id="{86CB4B4D-7CA3-9044-876B-883B54F8677D}" type="slidenum">
+              <a:t>10</a:t>
+            </a:fld>
+            <a:endParaRPr/>
           </a:p>
         </p:txBody>
       </p:sp>
@@ -3965,9 +4052,7 @@
           <p:nvPr/>
         </p:nvPicPr>
         <p:blipFill>
-          <a:blip r:embed="rId2">
-            <a:extLst/>
-          </a:blip>
+          <a:blip r:embed="rId2"/>
           <a:stretch>
             <a:fillRect/>
           </a:stretch>
@@ -4006,7 +4091,7 @@
             <a:miter/>
           </a:ln>
           <a:effectLst>
-            <a:outerShdw sx="100000" sy="100000" kx="0" ky="0" algn="b" rotWithShape="0" blurRad="50800" dist="38100" dir="2700000">
+            <a:outerShdw blurRad="50800" dist="38100" dir="2700000" rotWithShape="0">
               <a:srgbClr val="000000">
                 <a:alpha val="40000"/>
               </a:srgbClr>
@@ -4017,7 +4102,7 @@
           <a:bodyPr lIns="45719" rIns="45719"/>
           <a:lstStyle/>
           <a:p>
-            <a:pPr/>
+            <a:endParaRPr/>
           </a:p>
         </p:txBody>
       </p:sp>
@@ -4030,9 +4115,7 @@
           <p:nvPr/>
         </p:nvPicPr>
         <p:blipFill>
-          <a:blip r:embed="rId3">
-            <a:extLst/>
-          </a:blip>
+          <a:blip r:embed="rId3"/>
           <a:stretch>
             <a:fillRect/>
           </a:stretch>
@@ -4059,9 +4142,7 @@
           <p:nvPr/>
         </p:nvPicPr>
         <p:blipFill>
-          <a:blip r:embed="rId4">
-            <a:extLst/>
-          </a:blip>
+          <a:blip r:embed="rId4"/>
           <a:stretch>
             <a:fillRect/>
           </a:stretch>
@@ -4088,9 +4169,7 @@
           <p:nvPr/>
         </p:nvPicPr>
         <p:blipFill>
-          <a:blip r:embed="rId5">
-            <a:extLst/>
-          </a:blip>
+          <a:blip r:embed="rId5"/>
           <a:stretch>
             <a:fillRect/>
           </a:stretch>
@@ -4117,9 +4196,7 @@
           <p:nvPr/>
         </p:nvPicPr>
         <p:blipFill>
-          <a:blip r:embed="rId6">
-            <a:extLst/>
-          </a:blip>
+          <a:blip r:embed="rId6"/>
           <a:stretch>
             <a:fillRect/>
           </a:stretch>
@@ -4142,12 +4219,12 @@
   <p:clrMapOvr>
     <a:masterClrMapping/>
   </p:clrMapOvr>
-  <p:transition xmlns:p14="http://schemas.microsoft.com/office/powerpoint/2010/main" spd="med" advClick="1" p14:dur="1000"/>
+  <p:transition spd="slow"/>
 </p:sld>
 </file>
 
 <file path=ppt/slides/slide11.xml><?xml version="1.0" encoding="utf-8"?>
-<p:sld xmlns:a="http://schemas.openxmlformats.org/drawingml/2006/main" xmlns:r="http://schemas.openxmlformats.org/officeDocument/2006/relationships" xmlns:p="http://schemas.openxmlformats.org/presentationml/2006/main" showMasterSp="1" showMasterPhAnim="1">
+<p:sld xmlns:a="http://schemas.openxmlformats.org/drawingml/2006/main" xmlns:r="http://schemas.openxmlformats.org/officeDocument/2006/relationships" xmlns:p="http://schemas.openxmlformats.org/presentationml/2006/main">
   <p:cSld>
     <p:spTree>
       <p:nvGrpSpPr>
@@ -4182,7 +4259,7 @@
           </a:ln>
           <a:extLst>
             <a:ext uri="{C572A759-6A51-4108-AA02-DFA0A04FC94B}">
-              <ma14:wrappingTextBoxFlag xmlns:ma14="http://schemas.microsoft.com/office/mac/drawingml/2011/main" val="1"/>
+              <ma14:wrappingTextBoxFlag xmlns:ma14="http://schemas.microsoft.com/office/mac/drawingml/2011/main" xmlns="" val="1"/>
             </a:ext>
           </a:extLst>
         </p:spPr>
@@ -4200,7 +4277,6 @@
             </a:lvl1pPr>
           </a:lstStyle>
           <a:p>
-            <a:pPr/>
             <a:r>
               <a:t>Mlst.-Präsentation Nr. 1  /  Gruppe 15</a:t>
             </a:r>
@@ -4210,7 +4286,9 @@
       <p:sp>
         <p:nvSpPr>
           <p:cNvPr id="225" name="Shape 225"/>
-          <p:cNvSpPr/>
+          <p:cNvSpPr>
+            <a:spLocks noGrp="1"/>
+          </p:cNvSpPr>
           <p:nvPr>
             <p:ph type="title"/>
           </p:nvPr>
@@ -4228,7 +4306,7 @@
           <a:bodyPr/>
           <a:lstStyle>
             <a:lvl1pPr>
-              <a:defRPr b="1" sz="2000">
+              <a:defRPr sz="2000" b="1">
                 <a:latin typeface="Arial"/>
                 <a:ea typeface="Arial"/>
                 <a:cs typeface="Arial"/>
@@ -4237,7 +4315,6 @@
             </a:lvl1pPr>
           </a:lstStyle>
           <a:p>
-            <a:pPr/>
             <a:r>
               <a:t>	Standpunkt / Zwischenresümee</a:t>
             </a:r>
@@ -4247,7 +4324,9 @@
       <p:sp>
         <p:nvSpPr>
           <p:cNvPr id="226" name="Shape 226"/>
-          <p:cNvSpPr/>
+          <p:cNvSpPr>
+            <a:spLocks noGrp="1"/>
+          </p:cNvSpPr>
           <p:nvPr>
             <p:ph type="sldNum" sz="quarter" idx="2"/>
           </p:nvPr>
@@ -4262,7 +4341,7 @@
           </a:prstGeom>
           <a:extLst>
             <a:ext uri="{C572A759-6A51-4108-AA02-DFA0A04FC94B}">
-              <ma14:wrappingTextBoxFlag xmlns:ma14="http://schemas.microsoft.com/office/mac/drawingml/2011/main" val="1"/>
+              <ma14:wrappingTextBoxFlag xmlns:ma14="http://schemas.microsoft.com/office/mac/drawingml/2011/main" xmlns="" val="1"/>
             </a:ext>
           </a:extLst>
         </p:spPr>
@@ -4270,8 +4349,10 @@
           <a:bodyPr/>
           <a:lstStyle/>
           <a:p>
-            <a:pPr/>
-            <a:fld id="{86CB4B4D-7CA3-9044-876B-883B54F8677D}" type="slidenum"/>
+            <a:fld id="{86CB4B4D-7CA3-9044-876B-883B54F8677D}" type="slidenum">
+              <a:t>11</a:t>
+            </a:fld>
+            <a:endParaRPr/>
           </a:p>
         </p:txBody>
       </p:sp>
@@ -4296,7 +4377,7 @@
             <a:miter/>
           </a:ln>
           <a:effectLst>
-            <a:outerShdw sx="100000" sy="100000" kx="0" ky="0" algn="b" rotWithShape="0" blurRad="50800" dist="38100" dir="2700000">
+            <a:outerShdw blurRad="50800" dist="38100" dir="2700000" rotWithShape="0">
               <a:srgbClr val="000000">
                 <a:alpha val="40000"/>
               </a:srgbClr>
@@ -4307,7 +4388,7 @@
           <a:bodyPr lIns="45719" rIns="45719"/>
           <a:lstStyle/>
           <a:p>
-            <a:pPr/>
+            <a:endParaRPr/>
           </a:p>
         </p:txBody>
       </p:sp>
@@ -4320,9 +4401,7 @@
           <p:nvPr/>
         </p:nvPicPr>
         <p:blipFill>
-          <a:blip r:embed="rId2">
-            <a:extLst/>
-          </a:blip>
+          <a:blip r:embed="rId2"/>
           <a:stretch>
             <a:fillRect/>
           </a:stretch>
@@ -4359,7 +4438,7 @@
           </a:ln>
           <a:extLst>
             <a:ext uri="{C572A759-6A51-4108-AA02-DFA0A04FC94B}">
-              <ma14:wrappingTextBoxFlag xmlns:ma14="http://schemas.microsoft.com/office/mac/drawingml/2011/main" val="1"/>
+              <ma14:wrappingTextBoxFlag xmlns:ma14="http://schemas.microsoft.com/office/mac/drawingml/2011/main" xmlns="" val="1"/>
             </a:ext>
           </a:extLst>
         </p:spPr>
@@ -4373,14 +4452,14 @@
               <a:buSzPct val="100000"/>
               <a:buFont typeface="Wingdings"/>
               <a:buChar char="▪"/>
-              <a:defRPr b="1" sz="2000"/>
+              <a:defRPr sz="2000" b="1"/>
             </a:pPr>
             <a:r>
               <a:t>Zielvorgaben der Meilensteine bisher im grossen und ganzen erreicht:</a:t>
             </a:r>
           </a:p>
           <a:p>
-            <a:pPr lvl="1" marL="800100" indent="-342900">
+            <a:pPr marL="800100" lvl="1" indent="-342900">
               <a:buSzPct val="100000"/>
               <a:buChar char="-"/>
               <a:defRPr sz="2000"/>
@@ -4390,7 +4469,7 @@
             </a:r>
           </a:p>
           <a:p>
-            <a:pPr lvl="1" marL="800100" indent="-342900">
+            <a:pPr marL="800100" lvl="1" indent="-342900">
               <a:buSzPct val="100000"/>
               <a:buChar char="-"/>
               <a:defRPr sz="2000"/>
@@ -4403,13 +4482,14 @@
             <a:pPr lvl="1">
               <a:defRPr sz="2000"/>
             </a:pPr>
+            <a:endParaRPr/>
           </a:p>
           <a:p>
             <a:pPr marL="342900" indent="-342900">
               <a:buSzPct val="100000"/>
               <a:buFont typeface="Wingdings"/>
               <a:buChar char="▪"/>
-              <a:defRPr b="1" sz="2000"/>
+              <a:defRPr sz="2000" b="1"/>
             </a:pPr>
             <a:r>
               <a:t>Zuständigkeiten haben sich nicht geändert:</a:t>
@@ -4419,55 +4499,63 @@
             <a:pPr lvl="1">
               <a:defRPr sz="2000"/>
             </a:pPr>
+            <a:endParaRPr/>
           </a:p>
           <a:p>
             <a:pPr lvl="1">
               <a:defRPr sz="2000"/>
             </a:pPr>
+            <a:endParaRPr/>
           </a:p>
           <a:p>
             <a:pPr>
               <a:defRPr sz="2000"/>
             </a:pPr>
+            <a:endParaRPr/>
           </a:p>
           <a:p>
             <a:pPr>
               <a:defRPr sz="2000"/>
             </a:pPr>
+            <a:endParaRPr/>
           </a:p>
           <a:p>
             <a:pPr>
               <a:defRPr sz="2000"/>
             </a:pPr>
+            <a:endParaRPr/>
           </a:p>
           <a:p>
             <a:pPr>
               <a:defRPr sz="2000"/>
             </a:pPr>
+            <a:endParaRPr/>
           </a:p>
           <a:p>
             <a:pPr>
               <a:defRPr sz="2000"/>
             </a:pPr>
+            <a:endParaRPr/>
           </a:p>
           <a:p>
             <a:pPr>
               <a:defRPr sz="2000"/>
             </a:pPr>
+            <a:endParaRPr/>
           </a:p>
           <a:p>
             <a:pPr marL="342900" indent="-342900">
               <a:buSzPct val="100000"/>
               <a:buFont typeface="Wingdings"/>
               <a:buChar char="▪"/>
-              <a:defRPr b="1" sz="2000"/>
+              <a:defRPr sz="2000" b="1"/>
             </a:pPr>
             <a:r>
               <a:t>Keine 180° drehungen:</a:t>
             </a:r>
           </a:p>
           <a:p>
-            <a:pPr lvl="1" marL="800100" indent="-342900">
+            <a:pPr marL="800100" lvl="1" indent="-342900">
               <a:buSzPct val="100000"/>
               <a:buChar char="-"/>
               <a:defRPr sz="2000"/>
@@ -4480,6 +4568,7 @@
             <a:pPr>
               <a:defRPr sz="2000"/>
             </a:pPr>
+            <a:endParaRPr/>
           </a:p>
         </p:txBody>
       </p:sp>
@@ -4492,9 +4581,7 @@
           <p:nvPr/>
         </p:nvPicPr>
         <p:blipFill>
-          <a:blip r:embed="rId3">
-            <a:extLst/>
-          </a:blip>
+          <a:blip r:embed="rId3"/>
           <a:stretch>
             <a:fillRect/>
           </a:stretch>
@@ -4517,12 +4604,12 @@
   <p:clrMapOvr>
     <a:masterClrMapping/>
   </p:clrMapOvr>
-  <p:transition xmlns:p14="http://schemas.microsoft.com/office/powerpoint/2010/main" spd="med" advClick="1" p14:dur="1000"/>
+  <p:transition spd="slow"/>
 </p:sld>
 </file>
 
 <file path=ppt/slides/slide12.xml><?xml version="1.0" encoding="utf-8"?>
-<p:sld xmlns:a="http://schemas.openxmlformats.org/drawingml/2006/main" xmlns:r="http://schemas.openxmlformats.org/officeDocument/2006/relationships" xmlns:p="http://schemas.openxmlformats.org/presentationml/2006/main" showMasterSp="1" showMasterPhAnim="1">
+<p:sld xmlns:a="http://schemas.openxmlformats.org/drawingml/2006/main" xmlns:r="http://schemas.openxmlformats.org/officeDocument/2006/relationships" xmlns:p="http://schemas.openxmlformats.org/presentationml/2006/main">
   <p:cSld>
     <p:spTree>
       <p:nvGrpSpPr>
@@ -4557,7 +4644,7 @@
           </a:ln>
           <a:extLst>
             <a:ext uri="{C572A759-6A51-4108-AA02-DFA0A04FC94B}">
-              <ma14:wrappingTextBoxFlag xmlns:ma14="http://schemas.microsoft.com/office/mac/drawingml/2011/main" val="1"/>
+              <ma14:wrappingTextBoxFlag xmlns:ma14="http://schemas.microsoft.com/office/mac/drawingml/2011/main" xmlns="" val="1"/>
             </a:ext>
           </a:extLst>
         </p:spPr>
@@ -4575,7 +4662,6 @@
             </a:lvl1pPr>
           </a:lstStyle>
           <a:p>
-            <a:pPr/>
             <a:r>
               <a:t>Mlst.-Präsentation Nr. 1  /  Gruppe 15</a:t>
             </a:r>
@@ -4585,7 +4671,9 @@
       <p:sp>
         <p:nvSpPr>
           <p:cNvPr id="233" name="Shape 233"/>
-          <p:cNvSpPr/>
+          <p:cNvSpPr>
+            <a:spLocks noGrp="1"/>
+          </p:cNvSpPr>
           <p:nvPr>
             <p:ph type="title"/>
           </p:nvPr>
@@ -4603,7 +4691,7 @@
           <a:bodyPr/>
           <a:lstStyle>
             <a:lvl1pPr>
-              <a:defRPr b="1" sz="2000">
+              <a:defRPr sz="2000" b="1">
                 <a:latin typeface="Arial"/>
                 <a:ea typeface="Arial"/>
                 <a:cs typeface="Arial"/>
@@ -4612,7 +4700,6 @@
             </a:lvl1pPr>
           </a:lstStyle>
           <a:p>
-            <a:pPr/>
             <a:r>
               <a:t>	Standpunkt / Zwischenresümee</a:t>
             </a:r>
@@ -4622,7 +4709,9 @@
       <p:sp>
         <p:nvSpPr>
           <p:cNvPr id="234" name="Shape 234"/>
-          <p:cNvSpPr/>
+          <p:cNvSpPr>
+            <a:spLocks noGrp="1"/>
+          </p:cNvSpPr>
           <p:nvPr>
             <p:ph type="sldNum" sz="quarter" idx="2"/>
           </p:nvPr>
@@ -4637,7 +4726,7 @@
           </a:prstGeom>
           <a:extLst>
             <a:ext uri="{C572A759-6A51-4108-AA02-DFA0A04FC94B}">
-              <ma14:wrappingTextBoxFlag xmlns:ma14="http://schemas.microsoft.com/office/mac/drawingml/2011/main" val="1"/>
+              <ma14:wrappingTextBoxFlag xmlns:ma14="http://schemas.microsoft.com/office/mac/drawingml/2011/main" xmlns="" val="1"/>
             </a:ext>
           </a:extLst>
         </p:spPr>
@@ -4645,8 +4734,10 @@
           <a:bodyPr/>
           <a:lstStyle/>
           <a:p>
-            <a:pPr/>
-            <a:fld id="{86CB4B4D-7CA3-9044-876B-883B54F8677D}" type="slidenum"/>
+            <a:fld id="{86CB4B4D-7CA3-9044-876B-883B54F8677D}" type="slidenum">
+              <a:t>12</a:t>
+            </a:fld>
+            <a:endParaRPr/>
           </a:p>
         </p:txBody>
       </p:sp>
@@ -4671,7 +4762,7 @@
             <a:miter/>
           </a:ln>
           <a:effectLst>
-            <a:outerShdw sx="100000" sy="100000" kx="0" ky="0" algn="b" rotWithShape="0" blurRad="50800" dist="38100" dir="2700000">
+            <a:outerShdw blurRad="50800" dist="38100" dir="2700000" rotWithShape="0">
               <a:srgbClr val="000000">
                 <a:alpha val="40000"/>
               </a:srgbClr>
@@ -4682,7 +4773,7 @@
           <a:bodyPr lIns="45719" rIns="45719"/>
           <a:lstStyle/>
           <a:p>
-            <a:pPr/>
+            <a:endParaRPr/>
           </a:p>
         </p:txBody>
       </p:sp>
@@ -4695,9 +4786,7 @@
           <p:nvPr/>
         </p:nvPicPr>
         <p:blipFill>
-          <a:blip r:embed="rId2">
-            <a:extLst/>
-          </a:blip>
+          <a:blip r:embed="rId2"/>
           <a:stretch>
             <a:fillRect/>
           </a:stretch>
@@ -4734,7 +4823,7 @@
           </a:ln>
           <a:extLst>
             <a:ext uri="{C572A759-6A51-4108-AA02-DFA0A04FC94B}">
-              <ma14:wrappingTextBoxFlag xmlns:ma14="http://schemas.microsoft.com/office/mac/drawingml/2011/main" val="1"/>
+              <ma14:wrappingTextBoxFlag xmlns:ma14="http://schemas.microsoft.com/office/mac/drawingml/2011/main" xmlns="" val="1"/>
             </a:ext>
           </a:extLst>
         </p:spPr>
@@ -4748,91 +4837,238 @@
               <a:buSzPct val="100000"/>
               <a:buFont typeface="Wingdings"/>
               <a:buChar char="▪"/>
-              <a:defRPr b="1" sz="2000"/>
-            </a:pPr>
-            <a:r>
-              <a:t>Was gut lief:</a:t>
-            </a:r>
-          </a:p>
-          <a:p>
-            <a:pPr lvl="1" marL="800100" indent="-342900">
+              <a:defRPr sz="2000" b="1"/>
+            </a:pPr>
+            <a:r>
+              <a:rPr dirty="0"/>
+              <a:t>Was gut </a:t>
+            </a:r>
+            <a:r>
+              <a:rPr dirty="0" err="1"/>
+              <a:t>lief</a:t>
+            </a:r>
+            <a:r>
+              <a:rPr dirty="0"/>
+              <a:t>:</a:t>
+            </a:r>
+          </a:p>
+          <a:p>
+            <a:pPr marL="800100" lvl="1" indent="-342900">
               <a:buSzPct val="100000"/>
               <a:buChar char="-"/>
               <a:defRPr sz="2000"/>
             </a:pPr>
             <a:r>
-              <a:t>Abmachungen wurden eingehalten</a:t>
-            </a:r>
-          </a:p>
-          <a:p>
-            <a:pPr lvl="1" marL="800100" indent="-342900">
+              <a:rPr dirty="0" err="1"/>
+              <a:t>Abmachungen</a:t>
+            </a:r>
+            <a:r>
+              <a:rPr dirty="0"/>
+              <a:t> </a:t>
+            </a:r>
+            <a:r>
+              <a:rPr dirty="0" err="1"/>
+              <a:t>wurden</a:t>
+            </a:r>
+            <a:r>
+              <a:rPr dirty="0"/>
+              <a:t> </a:t>
+            </a:r>
+            <a:r>
+              <a:rPr dirty="0" err="1"/>
+              <a:t>eingehalten</a:t>
+            </a:r>
+            <a:endParaRPr dirty="0"/>
+          </a:p>
+          <a:p>
+            <a:pPr marL="800100" lvl="1" indent="-342900">
               <a:buSzPct val="100000"/>
               <a:buChar char="-"/>
               <a:defRPr sz="2000"/>
             </a:pPr>
             <a:r>
-              <a:t>Keiner musste Chef sein</a:t>
-            </a:r>
-          </a:p>
-          <a:p>
-            <a:pPr lvl="1" marL="800100" indent="-342900">
+              <a:rPr dirty="0" err="1"/>
+              <a:t>Keiner</a:t>
+            </a:r>
+            <a:r>
+              <a:rPr dirty="0"/>
+              <a:t> </a:t>
+            </a:r>
+            <a:r>
+              <a:rPr dirty="0" err="1"/>
+              <a:t>musste</a:t>
+            </a:r>
+            <a:r>
+              <a:rPr dirty="0"/>
+              <a:t> Chef sein</a:t>
+            </a:r>
+          </a:p>
+          <a:p>
+            <a:pPr marL="800100" lvl="1" indent="-342900">
               <a:buSzPct val="100000"/>
               <a:buChar char="-"/>
               <a:defRPr sz="2000"/>
             </a:pPr>
             <a:r>
-              <a:t>Wir haben uns nicht übernommen</a:t>
-            </a:r>
-          </a:p>
-          <a:p>
-            <a:pPr lvl="1" marL="800100" indent="-342900">
+              <a:rPr dirty="0" err="1"/>
+              <a:t>Wir</a:t>
+            </a:r>
+            <a:r>
+              <a:rPr dirty="0"/>
+              <a:t> </a:t>
+            </a:r>
+            <a:r>
+              <a:rPr dirty="0" err="1"/>
+              <a:t>haben</a:t>
+            </a:r>
+            <a:r>
+              <a:rPr dirty="0"/>
+              <a:t> </a:t>
+            </a:r>
+            <a:r>
+              <a:rPr dirty="0" err="1"/>
+              <a:t>uns</a:t>
+            </a:r>
+            <a:r>
+              <a:rPr dirty="0"/>
+              <a:t> </a:t>
+            </a:r>
+            <a:r>
+              <a:rPr dirty="0" err="1"/>
+              <a:t>nicht</a:t>
+            </a:r>
+            <a:r>
+              <a:rPr dirty="0"/>
+              <a:t> </a:t>
+            </a:r>
+            <a:r>
+              <a:rPr dirty="0" err="1"/>
+              <a:t>übernommen</a:t>
+            </a:r>
+            <a:endParaRPr dirty="0"/>
+          </a:p>
+          <a:p>
+            <a:pPr marL="800100" lvl="1" indent="-342900">
               <a:buSzPct val="100000"/>
               <a:buChar char="-"/>
               <a:defRPr sz="2000"/>
             </a:pPr>
+            <a:endParaRPr dirty="0"/>
           </a:p>
           <a:p>
             <a:pPr marL="342900" indent="-342900">
               <a:buSzPct val="100000"/>
               <a:buFont typeface="Wingdings"/>
               <a:buChar char="▪"/>
-              <a:defRPr b="1" sz="2000"/>
-            </a:pPr>
-            <a:r>
-              <a:t>Was wir unterschätzt haben:</a:t>
-            </a:r>
-          </a:p>
-          <a:p>
-            <a:pPr lvl="1" marL="800100" indent="-342900">
+              <a:defRPr sz="2000" b="1"/>
+            </a:pPr>
+            <a:r>
+              <a:rPr dirty="0"/>
+              <a:t>Was </a:t>
+            </a:r>
+            <a:r>
+              <a:rPr dirty="0" err="1"/>
+              <a:t>wir</a:t>
+            </a:r>
+            <a:r>
+              <a:rPr dirty="0"/>
+              <a:t> </a:t>
+            </a:r>
+            <a:r>
+              <a:rPr dirty="0" err="1"/>
+              <a:t>unterschätzt</a:t>
+            </a:r>
+            <a:r>
+              <a:rPr dirty="0"/>
+              <a:t> </a:t>
+            </a:r>
+            <a:r>
+              <a:rPr dirty="0" err="1"/>
+              <a:t>haben</a:t>
+            </a:r>
+            <a:r>
+              <a:rPr dirty="0"/>
+              <a:t>:</a:t>
+            </a:r>
+          </a:p>
+          <a:p>
+            <a:pPr marL="800100" lvl="1" indent="-342900">
               <a:buSzPct val="100000"/>
               <a:buChar char="-"/>
               <a:defRPr sz="2000"/>
             </a:pPr>
             <a:r>
-              <a:t>Aufwand Kommunikation Server / Client mit Spiellogik </a:t>
-            </a:r>
-          </a:p>
-          <a:p>
-            <a:pPr lvl="1" marL="800100" indent="-342900">
+              <a:rPr dirty="0" err="1"/>
+              <a:t>Aufwand</a:t>
+            </a:r>
+            <a:r>
+              <a:rPr dirty="0"/>
+              <a:t> </a:t>
+            </a:r>
+            <a:r>
+              <a:rPr dirty="0" err="1"/>
+              <a:t>Kommunikation</a:t>
+            </a:r>
+            <a:r>
+              <a:rPr dirty="0"/>
+              <a:t> Server / Client </a:t>
+            </a:r>
+            <a:r>
+              <a:rPr dirty="0" err="1"/>
+              <a:t>mit</a:t>
+            </a:r>
+            <a:r>
+              <a:rPr dirty="0"/>
+              <a:t> </a:t>
+            </a:r>
+            <a:r>
+              <a:rPr dirty="0" err="1"/>
+              <a:t>Spiellogik</a:t>
+            </a:r>
+            <a:r>
+              <a:rPr dirty="0"/>
+              <a:t> </a:t>
+            </a:r>
+          </a:p>
+          <a:p>
+            <a:pPr marL="800100" lvl="1" indent="-342900">
               <a:buSzPct val="100000"/>
               <a:buChar char="-"/>
               <a:defRPr sz="2000"/>
             </a:pPr>
             <a:r>
-              <a:t>Aufwand für </a:t>
-            </a:r>
-            <a:r>
-              <a:rPr i="1"/>
-              <a:t>gradle.build </a:t>
-            </a:r>
-            <a:r>
+              <a:rPr dirty="0" err="1"/>
+              <a:t>Aufwand</a:t>
+            </a:r>
+            <a:r>
+              <a:rPr dirty="0"/>
+              <a:t> </a:t>
+            </a:r>
+            <a:r>
+              <a:rPr dirty="0" err="1"/>
+              <a:t>für</a:t>
+            </a:r>
+            <a:r>
+              <a:rPr dirty="0"/>
+              <a:t> </a:t>
+            </a:r>
+            <a:r>
+              <a:rPr i="1" dirty="0" err="1"/>
+              <a:t>gradle.build</a:t>
+            </a:r>
+            <a:r>
+              <a:rPr i="1" dirty="0"/>
+              <a:t> </a:t>
+            </a:r>
+            <a:r>
+              <a:rPr dirty="0"/>
               <a:t>und </a:t>
             </a:r>
             <a:r>
-              <a:rPr i="1"/>
+              <a:rPr i="1" dirty="0"/>
               <a:t>logger</a:t>
             </a:r>
-            <a:endParaRPr b="1"/>
+            <a:endParaRPr b="1" dirty="0"/>
           </a:p>
           <a:p>
             <a:pPr marL="342900" indent="-342900">
@@ -4840,97 +5076,269 @@
               <a:buChar char="-"/>
               <a:defRPr sz="2000"/>
             </a:pPr>
+            <a:endParaRPr b="1" dirty="0"/>
           </a:p>
           <a:p>
             <a:pPr marL="342900" indent="-342900">
               <a:buSzPct val="100000"/>
               <a:buFont typeface="Wingdings"/>
               <a:buChar char="▪"/>
-              <a:defRPr b="1" sz="2000"/>
-            </a:pPr>
-            <a:r>
-              <a:t>Was uns Probleme bereitete:</a:t>
-            </a:r>
-          </a:p>
-          <a:p>
-            <a:pPr lvl="1" marL="800100" indent="-342900">
+              <a:defRPr sz="2000" b="1"/>
+            </a:pPr>
+            <a:r>
+              <a:rPr dirty="0"/>
+              <a:t>Was </a:t>
+            </a:r>
+            <a:r>
+              <a:rPr dirty="0" err="1"/>
+              <a:t>uns</a:t>
+            </a:r>
+            <a:r>
+              <a:rPr dirty="0"/>
+              <a:t> </a:t>
+            </a:r>
+            <a:r>
+              <a:rPr dirty="0" err="1"/>
+              <a:t>Probleme</a:t>
+            </a:r>
+            <a:r>
+              <a:rPr dirty="0"/>
+              <a:t> </a:t>
+            </a:r>
+            <a:r>
+              <a:rPr dirty="0" err="1"/>
+              <a:t>bereitete</a:t>
+            </a:r>
+            <a:r>
+              <a:rPr dirty="0"/>
+              <a:t>:</a:t>
+            </a:r>
+          </a:p>
+          <a:p>
+            <a:pPr marL="800100" lvl="1" indent="-342900">
               <a:buSzPct val="100000"/>
               <a:buChar char="-"/>
               <a:defRPr sz="2000"/>
             </a:pPr>
             <a:r>
-              <a:t>Pushen, Mergen mit Git (Knappes Zeitmanagment)</a:t>
-            </a:r>
-          </a:p>
-          <a:p>
-            <a:pPr lvl="1" marL="800100" indent="-342900">
+              <a:rPr dirty="0" err="1"/>
+              <a:t>Pushen</a:t>
+            </a:r>
+            <a:r>
+              <a:rPr dirty="0"/>
+              <a:t>, </a:t>
+            </a:r>
+            <a:r>
+              <a:rPr dirty="0" err="1"/>
+              <a:t>Mergen</a:t>
+            </a:r>
+            <a:r>
+              <a:rPr dirty="0"/>
+              <a:t> </a:t>
+            </a:r>
+            <a:r>
+              <a:rPr dirty="0" err="1"/>
+              <a:t>mit</a:t>
+            </a:r>
+            <a:r>
+              <a:rPr dirty="0"/>
+              <a:t> Git (</a:t>
+            </a:r>
+            <a:r>
+              <a:rPr dirty="0" err="1"/>
+              <a:t>Knappes</a:t>
+            </a:r>
+            <a:r>
+              <a:rPr dirty="0"/>
+              <a:t> </a:t>
+            </a:r>
+            <a:r>
+              <a:rPr dirty="0" err="1"/>
+              <a:t>Zeitmanagment</a:t>
+            </a:r>
+            <a:r>
+              <a:rPr dirty="0"/>
+              <a:t>)</a:t>
+            </a:r>
+          </a:p>
+          <a:p>
+            <a:pPr marL="800100" lvl="1" indent="-342900">
               <a:buSzPct val="100000"/>
               <a:buChar char="-"/>
               <a:defRPr sz="2000"/>
             </a:pPr>
             <a:r>
-              <a:t>Erstellen der</a:t>
-            </a:r>
-            <a:r>
-              <a:rPr i="1"/>
-              <a:t> gradle.build </a:t>
-            </a:r>
-            <a:r>
-              <a:t>-Datei </a:t>
-            </a:r>
-          </a:p>
-          <a:p>
-            <a:pPr lvl="1" marL="800100" indent="-342900">
+              <a:rPr dirty="0" err="1"/>
+              <a:t>Erstellen</a:t>
+            </a:r>
+            <a:r>
+              <a:rPr dirty="0"/>
+              <a:t> der</a:t>
+            </a:r>
+            <a:r>
+              <a:rPr i="1" dirty="0"/>
+              <a:t> </a:t>
+            </a:r>
+            <a:r>
+              <a:rPr i="1" dirty="0" err="1"/>
+              <a:t>gradle.build</a:t>
+            </a:r>
+            <a:r>
+              <a:rPr i="1" dirty="0"/>
+              <a:t> </a:t>
+            </a:r>
+            <a:r>
+              <a:rPr dirty="0"/>
+              <a:t>-</a:t>
+            </a:r>
+            <a:r>
+              <a:rPr dirty="0" err="1"/>
+              <a:t>Datei</a:t>
+            </a:r>
+            <a:r>
+              <a:rPr dirty="0"/>
+              <a:t> </a:t>
+            </a:r>
+          </a:p>
+          <a:p>
+            <a:pPr marL="800100" lvl="1" indent="-342900">
               <a:buSzPct val="100000"/>
               <a:buChar char="-"/>
-              <a:defRPr b="1" sz="2000"/>
-            </a:pPr>
+              <a:defRPr sz="2000" b="1"/>
+            </a:pPr>
+            <a:endParaRPr dirty="0"/>
           </a:p>
           <a:p>
             <a:pPr marL="342900" indent="-342900">
               <a:buSzPct val="100000"/>
               <a:buFont typeface="Wingdings"/>
               <a:buChar char="▪"/>
-              <a:defRPr b="1" sz="2000"/>
-            </a:pPr>
-            <a:r>
-              <a:t>Wir verbessern uns:</a:t>
-            </a:r>
-          </a:p>
-          <a:p>
-            <a:pPr lvl="1" marL="800100" indent="-342900">
+              <a:defRPr sz="2000" b="1"/>
+            </a:pPr>
+            <a:r>
+              <a:rPr dirty="0" err="1"/>
+              <a:t>Wir</a:t>
+            </a:r>
+            <a:r>
+              <a:rPr dirty="0"/>
+              <a:t> </a:t>
+            </a:r>
+            <a:r>
+              <a:rPr dirty="0" err="1"/>
+              <a:t>verbessern</a:t>
+            </a:r>
+            <a:r>
+              <a:rPr dirty="0"/>
+              <a:t> </a:t>
+            </a:r>
+            <a:r>
+              <a:rPr dirty="0" err="1"/>
+              <a:t>uns</a:t>
+            </a:r>
+            <a:r>
+              <a:rPr dirty="0"/>
+              <a:t>:</a:t>
+            </a:r>
+          </a:p>
+          <a:p>
+            <a:pPr marL="800100" lvl="1" indent="-342900">
               <a:buSzPct val="100000"/>
               <a:buChar char="-"/>
               <a:defRPr sz="2000"/>
             </a:pPr>
             <a:r>
-              <a:t>Einen Tag vor Abgabe Fertig</a:t>
-            </a:r>
-          </a:p>
-          <a:p>
-            <a:pPr lvl="1" marL="800100" indent="-342900">
+              <a:rPr dirty="0" err="1"/>
+              <a:t>Einen</a:t>
+            </a:r>
+            <a:r>
+              <a:rPr dirty="0"/>
+              <a:t> Tag </a:t>
+            </a:r>
+            <a:r>
+              <a:rPr dirty="0" err="1"/>
+              <a:t>vor</a:t>
+            </a:r>
+            <a:r>
+              <a:rPr dirty="0"/>
+              <a:t> </a:t>
+            </a:r>
+            <a:r>
+              <a:rPr dirty="0" err="1"/>
+              <a:t>Abgabe</a:t>
+            </a:r>
+            <a:r>
+              <a:rPr dirty="0"/>
+              <a:t> </a:t>
+            </a:r>
+            <a:r>
+              <a:rPr dirty="0" err="1"/>
+              <a:t>Fertig</a:t>
+            </a:r>
+            <a:endParaRPr dirty="0"/>
+          </a:p>
+          <a:p>
+            <a:pPr marL="800100" lvl="1" indent="-342900">
               <a:buSzPct val="100000"/>
               <a:buChar char="-"/>
               <a:defRPr sz="2000"/>
             </a:pPr>
             <a:r>
-              <a:t>Mehr Zeit für Neues (Zb. Tests) einplanen </a:t>
-            </a:r>
-          </a:p>
-          <a:p>
-            <a:pPr lvl="1" marL="800100" indent="-342900">
+              <a:rPr dirty="0" err="1"/>
+              <a:t>Mehr</a:t>
+            </a:r>
+            <a:r>
+              <a:rPr dirty="0"/>
+              <a:t> Zeit </a:t>
+            </a:r>
+            <a:r>
+              <a:rPr dirty="0" err="1"/>
+              <a:t>für</a:t>
+            </a:r>
+            <a:r>
+              <a:rPr dirty="0"/>
+              <a:t> </a:t>
+            </a:r>
+            <a:r>
+              <a:rPr dirty="0" err="1"/>
+              <a:t>Neues</a:t>
+            </a:r>
+            <a:r>
+              <a:rPr dirty="0"/>
+              <a:t> (</a:t>
+            </a:r>
+            <a:r>
+              <a:rPr dirty="0" err="1"/>
+              <a:t>Zb</a:t>
+            </a:r>
+            <a:r>
+              <a:rPr dirty="0"/>
+              <a:t>. Tests) </a:t>
+            </a:r>
+            <a:r>
+              <a:rPr dirty="0" err="1"/>
+              <a:t>einplanen</a:t>
+            </a:r>
+            <a:r>
+              <a:rPr dirty="0"/>
+              <a:t> </a:t>
+            </a:r>
+          </a:p>
+          <a:p>
+            <a:pPr marL="800100" lvl="1" indent="-342900">
               <a:buSzPct val="100000"/>
               <a:buChar char="-"/>
-              <a:defRPr b="1" sz="2000"/>
-            </a:pPr>
-          </a:p>
-          <a:p>
-            <a:pPr lvl="1" marL="800100" indent="-342900">
+              <a:defRPr sz="2000" b="1"/>
+            </a:pPr>
+            <a:endParaRPr dirty="0"/>
+          </a:p>
+          <a:p>
+            <a:pPr marL="800100" lvl="1" indent="-342900">
               <a:buSzPct val="100000"/>
               <a:buFont typeface="Wingdings"/>
               <a:buChar char="▪"/>
-              <a:defRPr b="1" sz="2000"/>
-            </a:pPr>
+              <a:defRPr sz="2000" b="1"/>
+            </a:pPr>
+            <a:endParaRPr dirty="0"/>
           </a:p>
         </p:txBody>
       </p:sp>
@@ -4939,12 +5347,12 @@
   <p:clrMapOvr>
     <a:masterClrMapping/>
   </p:clrMapOvr>
-  <p:transition xmlns:p14="http://schemas.microsoft.com/office/powerpoint/2010/main" spd="med" advClick="1" p14:dur="1000"/>
+  <p:transition spd="slow"/>
 </p:sld>
 </file>
 
 <file path=ppt/slides/slide13.xml><?xml version="1.0" encoding="utf-8"?>
-<p:sld xmlns:a="http://schemas.openxmlformats.org/drawingml/2006/main" xmlns:r="http://schemas.openxmlformats.org/officeDocument/2006/relationships" xmlns:p="http://schemas.openxmlformats.org/presentationml/2006/main" showMasterSp="1" showMasterPhAnim="1">
+<p:sld xmlns:a="http://schemas.openxmlformats.org/drawingml/2006/main" xmlns:r="http://schemas.openxmlformats.org/officeDocument/2006/relationships" xmlns:p="http://schemas.openxmlformats.org/presentationml/2006/main">
   <p:cSld>
     <p:spTree>
       <p:nvGrpSpPr>
@@ -4979,7 +5387,7 @@
           </a:ln>
           <a:extLst>
             <a:ext uri="{C572A759-6A51-4108-AA02-DFA0A04FC94B}">
-              <ma14:wrappingTextBoxFlag xmlns:ma14="http://schemas.microsoft.com/office/mac/drawingml/2011/main" val="1"/>
+              <ma14:wrappingTextBoxFlag xmlns:ma14="http://schemas.microsoft.com/office/mac/drawingml/2011/main" xmlns="" val="1"/>
             </a:ext>
           </a:extLst>
         </p:spPr>
@@ -4997,7 +5405,6 @@
             </a:lvl1pPr>
           </a:lstStyle>
           <a:p>
-            <a:pPr/>
             <a:r>
               <a:t>Mlst.-Präsentation Nr. 1  /  Gruppe 15</a:t>
             </a:r>
@@ -5007,7 +5414,9 @@
       <p:sp>
         <p:nvSpPr>
           <p:cNvPr id="240" name="Shape 240"/>
-          <p:cNvSpPr/>
+          <p:cNvSpPr>
+            <a:spLocks noGrp="1"/>
+          </p:cNvSpPr>
           <p:nvPr>
             <p:ph type="title"/>
           </p:nvPr>
@@ -5025,7 +5434,7 @@
           <a:bodyPr/>
           <a:lstStyle>
             <a:lvl1pPr>
-              <a:defRPr b="1" sz="2000">
+              <a:defRPr sz="2000" b="1">
                 <a:latin typeface="Arial"/>
                 <a:ea typeface="Arial"/>
                 <a:cs typeface="Arial"/>
@@ -5034,7 +5443,6 @@
             </a:lvl1pPr>
           </a:lstStyle>
           <a:p>
-            <a:pPr/>
             <a:r>
               <a:t>	</a:t>
             </a:r>
@@ -5044,7 +5452,9 @@
       <p:sp>
         <p:nvSpPr>
           <p:cNvPr id="241" name="Shape 241"/>
-          <p:cNvSpPr/>
+          <p:cNvSpPr>
+            <a:spLocks noGrp="1"/>
+          </p:cNvSpPr>
           <p:nvPr>
             <p:ph type="sldNum" sz="quarter" idx="2"/>
           </p:nvPr>
@@ -5059,7 +5469,7 @@
           </a:prstGeom>
           <a:extLst>
             <a:ext uri="{C572A759-6A51-4108-AA02-DFA0A04FC94B}">
-              <ma14:wrappingTextBoxFlag xmlns:ma14="http://schemas.microsoft.com/office/mac/drawingml/2011/main" val="1"/>
+              <ma14:wrappingTextBoxFlag xmlns:ma14="http://schemas.microsoft.com/office/mac/drawingml/2011/main" xmlns="" val="1"/>
             </a:ext>
           </a:extLst>
         </p:spPr>
@@ -5067,8 +5477,10 @@
           <a:bodyPr/>
           <a:lstStyle/>
           <a:p>
-            <a:pPr/>
-            <a:fld id="{86CB4B4D-7CA3-9044-876B-883B54F8677D}" type="slidenum"/>
+            <a:fld id="{86CB4B4D-7CA3-9044-876B-883B54F8677D}" type="slidenum">
+              <a:t>13</a:t>
+            </a:fld>
+            <a:endParaRPr/>
           </a:p>
         </p:txBody>
       </p:sp>
@@ -5091,7 +5503,7 @@
           </a:ln>
           <a:extLst>
             <a:ext uri="{C572A759-6A51-4108-AA02-DFA0A04FC94B}">
-              <ma14:wrappingTextBoxFlag xmlns:ma14="http://schemas.microsoft.com/office/mac/drawingml/2011/main" val="1"/>
+              <ma14:wrappingTextBoxFlag xmlns:ma14="http://schemas.microsoft.com/office/mac/drawingml/2011/main" xmlns="" val="1"/>
             </a:ext>
           </a:extLst>
         </p:spPr>
@@ -5102,85 +5514,10 @@
           <a:lstStyle/>
           <a:p>
             <a:pPr>
-              <a:defRPr b="1" i="1" sz="3200"/>
-            </a:pPr>
-            <a:r>
-              <a:t>V</a:t>
-            </a:r>
-            <a:r>
-              <a:t>i</a:t>
-            </a:r>
-            <a:r>
-              <a:t>e</a:t>
-            </a:r>
-            <a:r>
-              <a:t>l</a:t>
-            </a:r>
-            <a:r>
-              <a:t>e</a:t>
-            </a:r>
-            <a:r>
-              <a:t>n </a:t>
-            </a:r>
-            <a:r>
-              <a:t>D</a:t>
-            </a:r>
-            <a:r>
-              <a:t>a</a:t>
-            </a:r>
-            <a:r>
-              <a:t>n</a:t>
-            </a:r>
-            <a:r>
-              <a:t>k </a:t>
-            </a:r>
-            <a:r>
-              <a:t>f</a:t>
-            </a:r>
-            <a:r>
-              <a:t>ü</a:t>
-            </a:r>
-            <a:r>
-              <a:t>r</a:t>
-            </a:r>
-            <a:r>
-              <a:t> </a:t>
-            </a:r>
-            <a:r>
-              <a:t>d</a:t>
-            </a:r>
-            <a:r>
-              <a:t>i</a:t>
-            </a:r>
-            <a:r>
-              <a:t>e</a:t>
-            </a:r>
-            <a:r>
-              <a:t> </a:t>
-            </a:r>
-            <a:r>
-              <a:t>A</a:t>
-            </a:r>
-            <a:r>
-              <a:t>u</a:t>
-            </a:r>
-            <a:r>
-              <a:t>f</a:t>
-            </a:r>
-            <a:r>
-              <a:t>m</a:t>
-            </a:r>
-            <a:r>
-              <a:t>e</a:t>
-            </a:r>
-            <a:r>
-              <a:t>r</a:t>
-            </a:r>
-            <a:r>
-              <a:t>k</a:t>
-            </a:r>
-            <a:r>
-              <a:t>samkeit!</a:t>
+              <a:defRPr sz="3200" b="1" i="1"/>
+            </a:pPr>
+            <a:r>
+              <a:t>Vielen Dank für die Aufmerksamkeit!</a:t>
             </a:r>
           </a:p>
         </p:txBody>
@@ -5194,9 +5531,7 @@
           <p:nvPr/>
         </p:nvPicPr>
         <p:blipFill>
-          <a:blip r:embed="rId2">
-            <a:extLst/>
-          </a:blip>
+          <a:blip r:embed="rId2"/>
           <a:stretch>
             <a:fillRect/>
           </a:stretch>
@@ -5219,12 +5554,12 @@
   <p:clrMapOvr>
     <a:masterClrMapping/>
   </p:clrMapOvr>
-  <p:transition xmlns:p14="http://schemas.microsoft.com/office/powerpoint/2010/main" spd="med" advClick="1" p14:dur="1000"/>
+  <p:transition spd="slow"/>
 </p:sld>
 </file>
 
 <file path=ppt/slides/slide2.xml><?xml version="1.0" encoding="utf-8"?>
-<p:sld xmlns:a="http://schemas.openxmlformats.org/drawingml/2006/main" xmlns:r="http://schemas.openxmlformats.org/officeDocument/2006/relationships" xmlns:p="http://schemas.openxmlformats.org/presentationml/2006/main" showMasterSp="1" showMasterPhAnim="1">
+<p:sld xmlns:a="http://schemas.openxmlformats.org/drawingml/2006/main" xmlns:r="http://schemas.openxmlformats.org/officeDocument/2006/relationships" xmlns:p="http://schemas.openxmlformats.org/presentationml/2006/main">
   <p:cSld>
     <p:spTree>
       <p:nvGrpSpPr>
@@ -5259,7 +5594,7 @@
           </a:ln>
           <a:extLst>
             <a:ext uri="{C572A759-6A51-4108-AA02-DFA0A04FC94B}">
-              <ma14:wrappingTextBoxFlag xmlns:ma14="http://schemas.microsoft.com/office/mac/drawingml/2011/main" val="1"/>
+              <ma14:wrappingTextBoxFlag xmlns:ma14="http://schemas.microsoft.com/office/mac/drawingml/2011/main" xmlns="" val="1"/>
             </a:ext>
           </a:extLst>
         </p:spPr>
@@ -5277,7 +5612,6 @@
             </a:lvl1pPr>
           </a:lstStyle>
           <a:p>
-            <a:pPr/>
             <a:r>
               <a:t>Mlst.-Präsentation Nr. 1  /  Gruppe 15</a:t>
             </a:r>
@@ -5287,7 +5621,9 @@
       <p:sp>
         <p:nvSpPr>
           <p:cNvPr id="141" name="Shape 141"/>
-          <p:cNvSpPr/>
+          <p:cNvSpPr>
+            <a:spLocks noGrp="1"/>
+          </p:cNvSpPr>
           <p:nvPr>
             <p:ph type="body" sz="half" idx="1"/>
           </p:nvPr>
@@ -5330,6 +5666,7 @@
                 <a:sym typeface="Arial"/>
               </a:defRPr>
             </a:pPr>
+            <a:endParaRPr/>
           </a:p>
           <a:p>
             <a:pPr marL="0" indent="0">
@@ -5357,6 +5694,7 @@
                 <a:sym typeface="Arial"/>
               </a:defRPr>
             </a:pPr>
+            <a:endParaRPr/>
           </a:p>
           <a:p>
             <a:pPr marL="0" indent="0">
@@ -5384,6 +5722,7 @@
                 <a:sym typeface="Arial"/>
               </a:defRPr>
             </a:pPr>
+            <a:endParaRPr/>
           </a:p>
           <a:p>
             <a:pPr marL="0" indent="0">
@@ -5405,7 +5744,9 @@
       <p:sp>
         <p:nvSpPr>
           <p:cNvPr id="142" name="Shape 142"/>
-          <p:cNvSpPr/>
+          <p:cNvSpPr>
+            <a:spLocks noGrp="1"/>
+          </p:cNvSpPr>
           <p:nvPr>
             <p:ph type="sldNum" sz="quarter" idx="2"/>
           </p:nvPr>
@@ -5420,7 +5761,7 @@
           </a:prstGeom>
           <a:extLst>
             <a:ext uri="{C572A759-6A51-4108-AA02-DFA0A04FC94B}">
-              <ma14:wrappingTextBoxFlag xmlns:ma14="http://schemas.microsoft.com/office/mac/drawingml/2011/main" val="1"/>
+              <ma14:wrappingTextBoxFlag xmlns:ma14="http://schemas.microsoft.com/office/mac/drawingml/2011/main" xmlns="" val="1"/>
             </a:ext>
           </a:extLst>
         </p:spPr>
@@ -5428,8 +5769,10 @@
           <a:bodyPr/>
           <a:lstStyle/>
           <a:p>
-            <a:pPr/>
-            <a:fld id="{86CB4B4D-7CA3-9044-876B-883B54F8677D}" type="slidenum"/>
+            <a:fld id="{86CB4B4D-7CA3-9044-876B-883B54F8677D}" type="slidenum">
+              <a:t>2</a:t>
+            </a:fld>
+            <a:endParaRPr/>
           </a:p>
         </p:txBody>
       </p:sp>
@@ -5442,9 +5785,7 @@
           <p:nvPr/>
         </p:nvPicPr>
         <p:blipFill>
-          <a:blip r:embed="rId2">
-            <a:extLst/>
-          </a:blip>
+          <a:blip r:embed="rId2"/>
           <a:stretch>
             <a:fillRect/>
           </a:stretch>
@@ -5465,7 +5806,9 @@
       <p:sp>
         <p:nvSpPr>
           <p:cNvPr id="144" name="Shape 144"/>
-          <p:cNvSpPr/>
+          <p:cNvSpPr>
+            <a:spLocks noGrp="1"/>
+          </p:cNvSpPr>
           <p:nvPr>
             <p:ph type="title"/>
           </p:nvPr>
@@ -5483,7 +5826,7 @@
           <a:bodyPr/>
           <a:lstStyle>
             <a:lvl1pPr>
-              <a:defRPr b="1" sz="2000">
+              <a:defRPr sz="2000" b="1">
                 <a:latin typeface="Arial"/>
                 <a:ea typeface="Arial"/>
                 <a:cs typeface="Arial"/>
@@ -5492,7 +5835,6 @@
             </a:lvl1pPr>
           </a:lstStyle>
           <a:p>
-            <a:pPr/>
             <a:r>
               <a:t>	 Übersicht</a:t>
             </a:r>
@@ -5520,7 +5862,7 @@
             <a:miter/>
           </a:ln>
           <a:effectLst>
-            <a:outerShdw sx="100000" sy="100000" kx="0" ky="0" algn="b" rotWithShape="0" blurRad="50800" dist="38100" dir="2700000">
+            <a:outerShdw blurRad="50800" dist="38100" dir="2700000" rotWithShape="0">
               <a:srgbClr val="000000">
                 <a:alpha val="40000"/>
               </a:srgbClr>
@@ -5531,7 +5873,7 @@
           <a:bodyPr lIns="45719" rIns="45719"/>
           <a:lstStyle/>
           <a:p>
-            <a:pPr/>
+            <a:endParaRPr/>
           </a:p>
         </p:txBody>
       </p:sp>
@@ -5544,9 +5886,7 @@
           <p:nvPr/>
         </p:nvPicPr>
         <p:blipFill>
-          <a:blip r:embed="rId3">
-            <a:extLst/>
-          </a:blip>
+          <a:blip r:embed="rId3"/>
           <a:stretch>
             <a:fillRect/>
           </a:stretch>
@@ -5573,9 +5913,7 @@
           <p:nvPr/>
         </p:nvPicPr>
         <p:blipFill>
-          <a:blip r:embed="rId4">
-            <a:extLst/>
-          </a:blip>
+          <a:blip r:embed="rId4"/>
           <a:stretch>
             <a:fillRect/>
           </a:stretch>
@@ -5602,9 +5940,7 @@
           <p:nvPr/>
         </p:nvPicPr>
         <p:blipFill>
-          <a:blip r:embed="rId5">
-            <a:extLst/>
-          </a:blip>
+          <a:blip r:embed="rId5"/>
           <a:stretch>
             <a:fillRect/>
           </a:stretch>
@@ -5631,9 +5967,7 @@
           <p:nvPr/>
         </p:nvPicPr>
         <p:blipFill>
-          <a:blip r:embed="rId6">
-            <a:extLst/>
-          </a:blip>
+          <a:blip r:embed="rId6"/>
           <a:stretch>
             <a:fillRect/>
           </a:stretch>
@@ -5656,12 +5990,12 @@
   <p:clrMapOvr>
     <a:masterClrMapping/>
   </p:clrMapOvr>
-  <p:transition xmlns:p14="http://schemas.microsoft.com/office/powerpoint/2010/main" spd="med" advClick="1" p14:dur="1000"/>
+  <p:transition spd="slow"/>
 </p:sld>
 </file>
 
 <file path=ppt/slides/slide3.xml><?xml version="1.0" encoding="utf-8"?>
-<p:sld xmlns:a="http://schemas.openxmlformats.org/drawingml/2006/main" xmlns:r="http://schemas.openxmlformats.org/officeDocument/2006/relationships" xmlns:p="http://schemas.openxmlformats.org/presentationml/2006/main" showMasterSp="1" showMasterPhAnim="1">
+<p:sld xmlns:a="http://schemas.openxmlformats.org/drawingml/2006/main" xmlns:r="http://schemas.openxmlformats.org/officeDocument/2006/relationships" xmlns:p="http://schemas.openxmlformats.org/presentationml/2006/main">
   <p:cSld>
     <p:spTree>
       <p:nvGrpSpPr>
@@ -5696,7 +6030,7 @@
           </a:ln>
           <a:extLst>
             <a:ext uri="{C572A759-6A51-4108-AA02-DFA0A04FC94B}">
-              <ma14:wrappingTextBoxFlag xmlns:ma14="http://schemas.microsoft.com/office/mac/drawingml/2011/main" val="1"/>
+              <ma14:wrappingTextBoxFlag xmlns:ma14="http://schemas.microsoft.com/office/mac/drawingml/2011/main" xmlns="" val="1"/>
             </a:ext>
           </a:extLst>
         </p:spPr>
@@ -5714,7 +6048,6 @@
             </a:lvl1pPr>
           </a:lstStyle>
           <a:p>
-            <a:pPr/>
             <a:r>
               <a:t>Mlst.-Präsentation Nr. 1  /  Gruppe 15</a:t>
             </a:r>
@@ -5724,7 +6057,9 @@
       <p:sp>
         <p:nvSpPr>
           <p:cNvPr id="152" name="Shape 152"/>
-          <p:cNvSpPr/>
+          <p:cNvSpPr>
+            <a:spLocks noGrp="1"/>
+          </p:cNvSpPr>
           <p:nvPr>
             <p:ph type="title"/>
           </p:nvPr>
@@ -5742,7 +6077,7 @@
           <a:bodyPr/>
           <a:lstStyle>
             <a:lvl1pPr>
-              <a:defRPr b="1" sz="2000">
+              <a:defRPr sz="2000" b="1">
                 <a:latin typeface="Arial"/>
                 <a:ea typeface="Arial"/>
                 <a:cs typeface="Arial"/>
@@ -5751,7 +6086,6 @@
             </a:lvl1pPr>
           </a:lstStyle>
           <a:p>
-            <a:pPr/>
             <a:r>
               <a:t>	 Übersicht</a:t>
             </a:r>
@@ -5761,7 +6095,9 @@
       <p:sp>
         <p:nvSpPr>
           <p:cNvPr id="153" name="Shape 153"/>
-          <p:cNvSpPr/>
+          <p:cNvSpPr>
+            <a:spLocks noGrp="1"/>
+          </p:cNvSpPr>
           <p:nvPr>
             <p:ph type="body" sz="half" idx="1"/>
           </p:nvPr>
@@ -5782,7 +6118,7 @@
             <a:pPr marL="0" indent="0">
               <a:buSzTx/>
               <a:buNone/>
-              <a:defRPr b="1" sz="3000">
+              <a:defRPr sz="3000" b="1">
                 <a:latin typeface="Arial"/>
                 <a:ea typeface="Arial"/>
                 <a:cs typeface="Arial"/>
@@ -5804,6 +6140,7 @@
                 <a:sym typeface="Arial"/>
               </a:defRPr>
             </a:pPr>
+            <a:endParaRPr/>
           </a:p>
           <a:p>
             <a:pPr marL="0" indent="0">
@@ -5831,6 +6168,7 @@
                 <a:sym typeface="Arial"/>
               </a:defRPr>
             </a:pPr>
+            <a:endParaRPr/>
           </a:p>
           <a:p>
             <a:pPr marL="0" indent="0">
@@ -5858,6 +6196,7 @@
                 <a:sym typeface="Arial"/>
               </a:defRPr>
             </a:pPr>
+            <a:endParaRPr/>
           </a:p>
           <a:p>
             <a:pPr marL="0" indent="0">
@@ -5879,7 +6218,9 @@
       <p:sp>
         <p:nvSpPr>
           <p:cNvPr id="154" name="Shape 154"/>
-          <p:cNvSpPr/>
+          <p:cNvSpPr>
+            <a:spLocks noGrp="1"/>
+          </p:cNvSpPr>
           <p:nvPr>
             <p:ph type="sldNum" sz="quarter" idx="2"/>
           </p:nvPr>
@@ -5894,7 +6235,7 @@
           </a:prstGeom>
           <a:extLst>
             <a:ext uri="{C572A759-6A51-4108-AA02-DFA0A04FC94B}">
-              <ma14:wrappingTextBoxFlag xmlns:ma14="http://schemas.microsoft.com/office/mac/drawingml/2011/main" val="1"/>
+              <ma14:wrappingTextBoxFlag xmlns:ma14="http://schemas.microsoft.com/office/mac/drawingml/2011/main" xmlns="" val="1"/>
             </a:ext>
           </a:extLst>
         </p:spPr>
@@ -5902,8 +6243,10 @@
           <a:bodyPr/>
           <a:lstStyle/>
           <a:p>
-            <a:pPr/>
-            <a:fld id="{86CB4B4D-7CA3-9044-876B-883B54F8677D}" type="slidenum"/>
+            <a:fld id="{86CB4B4D-7CA3-9044-876B-883B54F8677D}" type="slidenum">
+              <a:t>3</a:t>
+            </a:fld>
+            <a:endParaRPr/>
           </a:p>
         </p:txBody>
       </p:sp>
@@ -5916,9 +6259,7 @@
           <p:nvPr/>
         </p:nvPicPr>
         <p:blipFill>
-          <a:blip r:embed="rId2">
-            <a:extLst/>
-          </a:blip>
+          <a:blip r:embed="rId2"/>
           <a:stretch>
             <a:fillRect/>
           </a:stretch>
@@ -5957,7 +6298,7 @@
             <a:miter/>
           </a:ln>
           <a:effectLst>
-            <a:outerShdw sx="100000" sy="100000" kx="0" ky="0" algn="b" rotWithShape="0" blurRad="50800" dist="38100" dir="2700000">
+            <a:outerShdw blurRad="50800" dist="38100" dir="2700000" rotWithShape="0">
               <a:srgbClr val="000000">
                 <a:alpha val="40000"/>
               </a:srgbClr>
@@ -5968,7 +6309,7 @@
           <a:bodyPr lIns="45719" rIns="45719"/>
           <a:lstStyle/>
           <a:p>
-            <a:pPr/>
+            <a:endParaRPr/>
           </a:p>
         </p:txBody>
       </p:sp>
@@ -5981,9 +6322,7 @@
           <p:nvPr/>
         </p:nvPicPr>
         <p:blipFill>
-          <a:blip r:embed="rId3">
-            <a:extLst/>
-          </a:blip>
+          <a:blip r:embed="rId3"/>
           <a:stretch>
             <a:fillRect/>
           </a:stretch>
@@ -6010,9 +6349,7 @@
           <p:nvPr/>
         </p:nvPicPr>
         <p:blipFill>
-          <a:blip r:embed="rId4">
-            <a:extLst/>
-          </a:blip>
+          <a:blip r:embed="rId4"/>
           <a:stretch>
             <a:fillRect/>
           </a:stretch>
@@ -6039,9 +6376,7 @@
           <p:nvPr/>
         </p:nvPicPr>
         <p:blipFill>
-          <a:blip r:embed="rId5">
-            <a:extLst/>
-          </a:blip>
+          <a:blip r:embed="rId5"/>
           <a:stretch>
             <a:fillRect/>
           </a:stretch>
@@ -6068,9 +6403,7 @@
           <p:nvPr/>
         </p:nvPicPr>
         <p:blipFill>
-          <a:blip r:embed="rId6">
-            <a:extLst/>
-          </a:blip>
+          <a:blip r:embed="rId6"/>
           <a:stretch>
             <a:fillRect/>
           </a:stretch>
@@ -6093,12 +6426,12 @@
   <p:clrMapOvr>
     <a:masterClrMapping/>
   </p:clrMapOvr>
-  <p:transition xmlns:p14="http://schemas.microsoft.com/office/powerpoint/2010/main" spd="med" advClick="1" p14:dur="1000"/>
+  <p:transition spd="slow"/>
 </p:sld>
 </file>
 
 <file path=ppt/slides/slide4.xml><?xml version="1.0" encoding="utf-8"?>
-<p:sld xmlns:a="http://schemas.openxmlformats.org/drawingml/2006/main" xmlns:r="http://schemas.openxmlformats.org/officeDocument/2006/relationships" xmlns:p="http://schemas.openxmlformats.org/presentationml/2006/main" showMasterSp="1" showMasterPhAnim="1">
+<p:sld xmlns:a="http://schemas.openxmlformats.org/drawingml/2006/main" xmlns:r="http://schemas.openxmlformats.org/officeDocument/2006/relationships" xmlns:p="http://schemas.openxmlformats.org/presentationml/2006/main">
   <p:cSld>
     <p:spTree>
       <p:nvGrpSpPr>
@@ -6133,7 +6466,7 @@
           </a:ln>
           <a:extLst>
             <a:ext uri="{C572A759-6A51-4108-AA02-DFA0A04FC94B}">
-              <ma14:wrappingTextBoxFlag xmlns:ma14="http://schemas.microsoft.com/office/mac/drawingml/2011/main" val="1"/>
+              <ma14:wrappingTextBoxFlag xmlns:ma14="http://schemas.microsoft.com/office/mac/drawingml/2011/main" xmlns="" val="1"/>
             </a:ext>
           </a:extLst>
         </p:spPr>
@@ -6151,7 +6484,6 @@
             </a:lvl1pPr>
           </a:lstStyle>
           <a:p>
-            <a:pPr/>
             <a:r>
               <a:t>Mlst.-Präsentation Nr. 1  /  Gruppe 15</a:t>
             </a:r>
@@ -6161,7 +6493,9 @@
       <p:sp>
         <p:nvSpPr>
           <p:cNvPr id="163" name="Shape 163"/>
-          <p:cNvSpPr/>
+          <p:cNvSpPr>
+            <a:spLocks noGrp="1"/>
+          </p:cNvSpPr>
           <p:nvPr>
             <p:ph type="title"/>
           </p:nvPr>
@@ -6179,7 +6513,7 @@
           <a:bodyPr/>
           <a:lstStyle>
             <a:lvl1pPr>
-              <a:defRPr b="1" sz="2000">
+              <a:defRPr sz="2000" b="1">
                 <a:latin typeface="Arial"/>
                 <a:ea typeface="Arial"/>
                 <a:cs typeface="Arial"/>
@@ -6188,7 +6522,6 @@
             </a:lvl1pPr>
           </a:lstStyle>
           <a:p>
-            <a:pPr/>
             <a:r>
               <a:t>	 Übersicht</a:t>
             </a:r>
@@ -6198,7 +6531,9 @@
       <p:sp>
         <p:nvSpPr>
           <p:cNvPr id="164" name="Shape 164"/>
-          <p:cNvSpPr/>
+          <p:cNvSpPr>
+            <a:spLocks noGrp="1"/>
+          </p:cNvSpPr>
           <p:nvPr>
             <p:ph type="body" sz="half" idx="1"/>
           </p:nvPr>
@@ -6227,8 +6562,14 @@
               </a:defRPr>
             </a:pPr>
             <a:r>
-              <a:t>Outline / Spieldemonstration</a:t>
-            </a:r>
+              <a:rPr dirty="0"/>
+              <a:t>Outline / </a:t>
+            </a:r>
+            <a:r>
+              <a:rPr dirty="0" err="1"/>
+              <a:t>Spieldemonstration</a:t>
+            </a:r>
+            <a:endParaRPr dirty="0"/>
           </a:p>
           <a:p>
             <a:pPr marL="0" indent="0">
@@ -6241,12 +6582,13 @@
                 <a:sym typeface="Arial"/>
               </a:defRPr>
             </a:pPr>
+            <a:endParaRPr dirty="0"/>
           </a:p>
           <a:p>
             <a:pPr marL="0" indent="0">
               <a:buSzTx/>
               <a:buNone/>
-              <a:defRPr b="1" sz="3000">
+              <a:defRPr sz="3000" b="1">
                 <a:latin typeface="Arial"/>
                 <a:ea typeface="Arial"/>
                 <a:cs typeface="Arial"/>
@@ -6254,8 +6596,10 @@
               </a:defRPr>
             </a:pPr>
             <a:r>
+              <a:rPr dirty="0" err="1"/>
               <a:t>Spiellogik</a:t>
             </a:r>
+            <a:endParaRPr dirty="0"/>
           </a:p>
           <a:p>
             <a:pPr marL="0" indent="0">
@@ -6268,6 +6612,7 @@
                 <a:sym typeface="Arial"/>
               </a:defRPr>
             </a:pPr>
+            <a:endParaRPr dirty="0"/>
           </a:p>
           <a:p>
             <a:pPr marL="0" indent="0">
@@ -6281,8 +6626,10 @@
               </a:defRPr>
             </a:pPr>
             <a:r>
+              <a:rPr dirty="0" err="1"/>
               <a:t>Eigenheiten</a:t>
             </a:r>
+            <a:endParaRPr dirty="0"/>
           </a:p>
           <a:p>
             <a:pPr marL="0" indent="0">
@@ -6295,6 +6642,7 @@
                 <a:sym typeface="Arial"/>
               </a:defRPr>
             </a:pPr>
+            <a:endParaRPr dirty="0"/>
           </a:p>
           <a:p>
             <a:pPr marL="0" indent="0">
@@ -6308,15 +6656,27 @@
               </a:defRPr>
             </a:pPr>
             <a:r>
-              <a:t>Standpunkt / Zwischenresümee</a:t>
-            </a:r>
+              <a:rPr dirty="0" err="1"/>
+              <a:t>Standpunkt</a:t>
+            </a:r>
+            <a:r>
+              <a:rPr dirty="0"/>
+              <a:t> / </a:t>
+            </a:r>
+            <a:r>
+              <a:rPr dirty="0" err="1"/>
+              <a:t>Zwischenresümee</a:t>
+            </a:r>
+            <a:endParaRPr dirty="0"/>
           </a:p>
         </p:txBody>
       </p:sp>
       <p:sp>
         <p:nvSpPr>
           <p:cNvPr id="165" name="Shape 165"/>
-          <p:cNvSpPr/>
+          <p:cNvSpPr>
+            <a:spLocks noGrp="1"/>
+          </p:cNvSpPr>
           <p:nvPr>
             <p:ph type="sldNum" sz="quarter" idx="2"/>
           </p:nvPr>
@@ -6331,7 +6691,7 @@
           </a:prstGeom>
           <a:extLst>
             <a:ext uri="{C572A759-6A51-4108-AA02-DFA0A04FC94B}">
-              <ma14:wrappingTextBoxFlag xmlns:ma14="http://schemas.microsoft.com/office/mac/drawingml/2011/main" val="1"/>
+              <ma14:wrappingTextBoxFlag xmlns:ma14="http://schemas.microsoft.com/office/mac/drawingml/2011/main" xmlns="" val="1"/>
             </a:ext>
           </a:extLst>
         </p:spPr>
@@ -6339,8 +6699,10 @@
           <a:bodyPr/>
           <a:lstStyle/>
           <a:p>
-            <a:pPr/>
-            <a:fld id="{86CB4B4D-7CA3-9044-876B-883B54F8677D}" type="slidenum"/>
+            <a:fld id="{86CB4B4D-7CA3-9044-876B-883B54F8677D}" type="slidenum">
+              <a:t>4</a:t>
+            </a:fld>
+            <a:endParaRPr/>
           </a:p>
         </p:txBody>
       </p:sp>
@@ -6353,9 +6715,7 @@
           <p:nvPr/>
         </p:nvPicPr>
         <p:blipFill>
-          <a:blip r:embed="rId2">
-            <a:extLst/>
-          </a:blip>
+          <a:blip r:embed="rId2"/>
           <a:stretch>
             <a:fillRect/>
           </a:stretch>
@@ -6394,7 +6754,7 @@
             <a:miter/>
           </a:ln>
           <a:effectLst>
-            <a:outerShdw sx="100000" sy="100000" kx="0" ky="0" algn="b" rotWithShape="0" blurRad="50800" dist="38100" dir="2700000">
+            <a:outerShdw blurRad="50800" dist="38100" dir="2700000" rotWithShape="0">
               <a:srgbClr val="000000">
                 <a:alpha val="40000"/>
               </a:srgbClr>
@@ -6405,7 +6765,7 @@
           <a:bodyPr lIns="45719" rIns="45719"/>
           <a:lstStyle/>
           <a:p>
-            <a:pPr/>
+            <a:endParaRPr/>
           </a:p>
         </p:txBody>
       </p:sp>
@@ -6418,9 +6778,7 @@
           <p:nvPr/>
         </p:nvPicPr>
         <p:blipFill>
-          <a:blip r:embed="rId3">
-            <a:extLst/>
-          </a:blip>
+          <a:blip r:embed="rId3"/>
           <a:stretch>
             <a:fillRect/>
           </a:stretch>
@@ -6447,9 +6805,7 @@
           <p:nvPr/>
         </p:nvPicPr>
         <p:blipFill>
-          <a:blip r:embed="rId4">
-            <a:extLst/>
-          </a:blip>
+          <a:blip r:embed="rId4"/>
           <a:stretch>
             <a:fillRect/>
           </a:stretch>
@@ -6476,9 +6832,7 @@
           <p:nvPr/>
         </p:nvPicPr>
         <p:blipFill>
-          <a:blip r:embed="rId5">
-            <a:extLst/>
-          </a:blip>
+          <a:blip r:embed="rId5"/>
           <a:stretch>
             <a:fillRect/>
           </a:stretch>
@@ -6505,9 +6859,7 @@
           <p:nvPr/>
         </p:nvPicPr>
         <p:blipFill>
-          <a:blip r:embed="rId6">
-            <a:extLst/>
-          </a:blip>
+          <a:blip r:embed="rId6"/>
           <a:stretch>
             <a:fillRect/>
           </a:stretch>
@@ -6530,12 +6882,12 @@
   <p:clrMapOvr>
     <a:masterClrMapping/>
   </p:clrMapOvr>
-  <p:transition xmlns:p14="http://schemas.microsoft.com/office/powerpoint/2010/main" spd="med" advClick="1" p14:dur="1000"/>
+  <p:transition spd="slow"/>
 </p:sld>
 </file>
 
 <file path=ppt/slides/slide5.xml><?xml version="1.0" encoding="utf-8"?>
-<p:sld xmlns:a="http://schemas.openxmlformats.org/drawingml/2006/main" xmlns:r="http://schemas.openxmlformats.org/officeDocument/2006/relationships" xmlns:p="http://schemas.openxmlformats.org/presentationml/2006/main" showMasterSp="1" showMasterPhAnim="1">
+<p:sld xmlns:a="http://schemas.openxmlformats.org/drawingml/2006/main" xmlns:r="http://schemas.openxmlformats.org/officeDocument/2006/relationships" xmlns:p="http://schemas.openxmlformats.org/presentationml/2006/main">
   <p:cSld>
     <p:spTree>
       <p:nvGrpSpPr>
@@ -6570,7 +6922,7 @@
           </a:ln>
           <a:extLst>
             <a:ext uri="{C572A759-6A51-4108-AA02-DFA0A04FC94B}">
-              <ma14:wrappingTextBoxFlag xmlns:ma14="http://schemas.microsoft.com/office/mac/drawingml/2011/main" val="1"/>
+              <ma14:wrappingTextBoxFlag xmlns:ma14="http://schemas.microsoft.com/office/mac/drawingml/2011/main" xmlns="" val="1"/>
             </a:ext>
           </a:extLst>
         </p:spPr>
@@ -6588,7 +6940,6 @@
             </a:lvl1pPr>
           </a:lstStyle>
           <a:p>
-            <a:pPr/>
             <a:r>
               <a:t>Mlst.-Präsentation Nr. 1  /  Gruppe 15</a:t>
             </a:r>
@@ -6598,7 +6949,9 @@
       <p:sp>
         <p:nvSpPr>
           <p:cNvPr id="174" name="Shape 174"/>
-          <p:cNvSpPr/>
+          <p:cNvSpPr>
+            <a:spLocks noGrp="1"/>
+          </p:cNvSpPr>
           <p:nvPr>
             <p:ph type="sldNum" sz="quarter" idx="2"/>
           </p:nvPr>
@@ -6613,7 +6966,7 @@
           </a:prstGeom>
           <a:extLst>
             <a:ext uri="{C572A759-6A51-4108-AA02-DFA0A04FC94B}">
-              <ma14:wrappingTextBoxFlag xmlns:ma14="http://schemas.microsoft.com/office/mac/drawingml/2011/main" val="1"/>
+              <ma14:wrappingTextBoxFlag xmlns:ma14="http://schemas.microsoft.com/office/mac/drawingml/2011/main" xmlns="" val="1"/>
             </a:ext>
           </a:extLst>
         </p:spPr>
@@ -6621,15 +6974,19 @@
           <a:bodyPr/>
           <a:lstStyle/>
           <a:p>
-            <a:pPr/>
-            <a:fld id="{86CB4B4D-7CA3-9044-876B-883B54F8677D}" type="slidenum"/>
+            <a:fld id="{86CB4B4D-7CA3-9044-876B-883B54F8677D}" type="slidenum">
+              <a:t>5</a:t>
+            </a:fld>
+            <a:endParaRPr/>
           </a:p>
         </p:txBody>
       </p:sp>
       <p:sp>
         <p:nvSpPr>
           <p:cNvPr id="175" name="Shape 175"/>
-          <p:cNvSpPr/>
+          <p:cNvSpPr>
+            <a:spLocks noGrp="1"/>
+          </p:cNvSpPr>
           <p:nvPr>
             <p:ph type="title"/>
           </p:nvPr>
@@ -6647,7 +7004,7 @@
           <a:bodyPr/>
           <a:lstStyle>
             <a:lvl1pPr>
-              <a:defRPr b="1" sz="2000">
+              <a:defRPr sz="2000" b="1">
                 <a:latin typeface="Arial"/>
                 <a:ea typeface="Arial"/>
                 <a:cs typeface="Arial"/>
@@ -6656,7 +7013,6 @@
             </a:lvl1pPr>
           </a:lstStyle>
           <a:p>
-            <a:pPr/>
             <a:r>
               <a:t>	Spiellogik</a:t>
             </a:r>
@@ -6684,7 +7040,7 @@
             <a:miter/>
           </a:ln>
           <a:effectLst>
-            <a:outerShdw sx="100000" sy="100000" kx="0" ky="0" algn="b" rotWithShape="0" blurRad="50800" dist="38100" dir="2700000">
+            <a:outerShdw blurRad="50800" dist="38100" dir="2700000" rotWithShape="0">
               <a:srgbClr val="000000">
                 <a:alpha val="40000"/>
               </a:srgbClr>
@@ -6695,7 +7051,7 @@
           <a:bodyPr lIns="45719" rIns="45719"/>
           <a:lstStyle/>
           <a:p>
-            <a:pPr/>
+            <a:endParaRPr/>
           </a:p>
         </p:txBody>
       </p:sp>
@@ -6708,9 +7064,7 @@
           <p:nvPr/>
         </p:nvPicPr>
         <p:blipFill>
-          <a:blip r:embed="rId2">
-            <a:extLst/>
-          </a:blip>
+          <a:blip r:embed="rId2"/>
           <a:stretch>
             <a:fillRect/>
           </a:stretch>
@@ -6737,7 +7091,7 @@
         <p:spPr>
           <a:xfrm>
             <a:off x="425999" y="1150598"/>
-            <a:ext cx="6452579" cy="459741"/>
+            <a:ext cx="11434568" cy="7171194"/>
           </a:xfrm>
           <a:prstGeom prst="rect">
             <a:avLst/>
@@ -6747,42 +7101,1027 @@
           </a:ln>
           <a:extLst>
             <a:ext uri="{C572A759-6A51-4108-AA02-DFA0A04FC94B}">
-              <ma14:wrappingTextBoxFlag xmlns:ma14="http://schemas.microsoft.com/office/mac/drawingml/2011/main" val="1"/>
+              <ma14:wrappingTextBoxFlag xmlns:ma14="http://schemas.microsoft.com/office/mac/drawingml/2011/main" xmlns="" val="1"/>
             </a:ext>
           </a:extLst>
         </p:spPr>
         <p:txBody>
-          <a:bodyPr wrap="none" lIns="45719" rIns="45719">
+          <a:bodyPr wrap="square" lIns="45719" rIns="45719">
             <a:spAutoFit/>
           </a:bodyPr>
           <a:lstStyle/>
           <a:p>
-            <a:pPr>
+            <a:pPr marL="342900" indent="-342900">
+              <a:buFont typeface="Arial" panose="020B0604020202020204" pitchFamily="34" charset="0"/>
+              <a:buChar char="•"/>
               <a:defRPr sz="2000"/>
             </a:pPr>
             <a:r>
-              <a:t>⚠️ </a:t>
-            </a:r>
-            <a:r>
-              <a:t>BENUTZE DIESES TEXTFELD ALS FORMATVORLAGE </a:t>
-            </a:r>
-            <a:r>
-              <a:t>⚠️ </a:t>
-            </a:r>
+              <a:rPr lang="de-CH" dirty="0"/>
+              <a:t>S</a:t>
+            </a:r>
+            <a:r>
+              <a:rPr lang="en-CH" dirty="0"/>
+              <a:t>t</a:t>
+            </a:r>
+            <a:r>
+              <a:rPr lang="de-CH" dirty="0"/>
+              <a:t>a</a:t>
+            </a:r>
+            <a:r>
+              <a:rPr lang="en-CH" dirty="0"/>
+              <a:t>p</a:t>
+            </a:r>
+            <a:r>
+              <a:rPr lang="de-CH" dirty="0"/>
+              <a:t>e</a:t>
+            </a:r>
+            <a:r>
+              <a:rPr lang="en-CH" dirty="0"/>
+              <a:t>l – </a:t>
+            </a:r>
+            <a:r>
+              <a:rPr lang="de-CH" dirty="0"/>
+              <a:t>u</a:t>
+            </a:r>
+            <a:r>
+              <a:rPr lang="en-CH" dirty="0"/>
+              <a:t>n</a:t>
+            </a:r>
+            <a:r>
+              <a:rPr lang="de-CH" dirty="0"/>
+              <a:t>d</a:t>
+            </a:r>
+            <a:r>
+              <a:rPr lang="en-CH" dirty="0"/>
+              <a:t> </a:t>
+            </a:r>
+            <a:r>
+              <a:rPr lang="de-CH" dirty="0"/>
+              <a:t>K</a:t>
+            </a:r>
+            <a:r>
+              <a:rPr lang="en-CH" dirty="0"/>
+              <a:t>a</a:t>
+            </a:r>
+            <a:r>
+              <a:rPr lang="de-CH" dirty="0"/>
+              <a:t>r</a:t>
+            </a:r>
+            <a:r>
+              <a:rPr lang="en-CH" dirty="0"/>
+              <a:t>t</a:t>
+            </a:r>
+            <a:r>
+              <a:rPr lang="de-CH" dirty="0"/>
+              <a:t>e</a:t>
+            </a:r>
+            <a:r>
+              <a:rPr lang="en-CH" dirty="0"/>
+              <a:t>n</a:t>
+            </a:r>
+            <a:r>
+              <a:rPr lang="de-CH" dirty="0"/>
+              <a:t>v</a:t>
+            </a:r>
+            <a:r>
+              <a:rPr lang="en-CH" dirty="0"/>
+              <a:t>e</a:t>
+            </a:r>
+            <a:r>
+              <a:rPr lang="de-CH" dirty="0"/>
+              <a:t>rwaltung</a:t>
+            </a:r>
+            <a:r>
+              <a:rPr lang="en-CH" dirty="0"/>
+              <a:t> </a:t>
+            </a:r>
+            <a:r>
+              <a:rPr lang="de-CH" dirty="0"/>
+              <a:t>z</a:t>
+            </a:r>
+            <a:r>
+              <a:rPr lang="en-CH" dirty="0"/>
+              <a:t>e</a:t>
+            </a:r>
+            <a:r>
+              <a:rPr lang="de-CH" dirty="0"/>
+              <a:t>n</a:t>
+            </a:r>
+            <a:r>
+              <a:rPr lang="en-CH" dirty="0"/>
+              <a:t>t</a:t>
+            </a:r>
+            <a:r>
+              <a:rPr lang="de-CH" dirty="0"/>
+              <a:t>r</a:t>
+            </a:r>
+            <a:r>
+              <a:rPr lang="en-CH" dirty="0"/>
+              <a:t>a</a:t>
+            </a:r>
+            <a:r>
+              <a:rPr lang="de-CH" dirty="0"/>
+              <a:t>l</a:t>
+            </a:r>
+            <a:r>
+              <a:rPr lang="en-CH" dirty="0"/>
+              <a:t> </a:t>
+            </a:r>
+          </a:p>
+          <a:p>
+            <a:pPr marL="342900" indent="-342900">
+              <a:buFont typeface="Arial" panose="020B0604020202020204" pitchFamily="34" charset="0"/>
+              <a:buChar char="•"/>
+              <a:defRPr sz="2000"/>
+            </a:pPr>
+            <a:endParaRPr lang="en-CH" dirty="0"/>
+          </a:p>
+          <a:p>
+            <a:pPr marL="342900" indent="-342900">
+              <a:buFont typeface="Arial" panose="020B0604020202020204" pitchFamily="34" charset="0"/>
+              <a:buChar char="•"/>
+              <a:defRPr sz="2000"/>
+            </a:pPr>
+            <a:r>
+              <a:rPr lang="en-CH" dirty="0"/>
+              <a:t>Spieler </a:t>
+            </a:r>
+            <a:r>
+              <a:rPr lang="en-CH" dirty="0" err="1"/>
+              <a:t>spezifische</a:t>
+            </a:r>
+            <a:r>
+              <a:rPr lang="en-CH" dirty="0"/>
+              <a:t> </a:t>
+            </a:r>
+            <a:r>
+              <a:rPr lang="en-CH" dirty="0" err="1"/>
+              <a:t>Stapeln</a:t>
+            </a:r>
+            <a:r>
+              <a:rPr lang="en-CH" dirty="0"/>
+              <a:t> (</a:t>
+            </a:r>
+            <a:r>
+              <a:rPr lang="de-CH" dirty="0"/>
+              <a:t>d</a:t>
+            </a:r>
+            <a:r>
+              <a:rPr lang="en-CH" dirty="0" err="1"/>
+              <a:t>iscard</a:t>
+            </a:r>
+            <a:r>
+              <a:rPr lang="de-CH" dirty="0"/>
+              <a:t>P</a:t>
+            </a:r>
+            <a:r>
+              <a:rPr lang="en-CH" dirty="0" err="1"/>
+              <a:t>i</a:t>
+            </a:r>
+            <a:r>
+              <a:rPr lang="de-CH" dirty="0"/>
+              <a:t>l</a:t>
+            </a:r>
+            <a:r>
+              <a:rPr lang="en-CH" dirty="0"/>
+              <a:t>e, </a:t>
+            </a:r>
+            <a:r>
+              <a:rPr lang="en-CH" dirty="0" err="1"/>
+              <a:t>handCards</a:t>
+            </a:r>
+            <a:r>
+              <a:rPr lang="en-CH" dirty="0"/>
+              <a:t>) </a:t>
+            </a:r>
+          </a:p>
+          <a:p>
+            <a:pPr marL="342900" indent="-342900">
+              <a:buFont typeface="Arial" panose="020B0604020202020204" pitchFamily="34" charset="0"/>
+              <a:buChar char="•"/>
+              <a:defRPr sz="2000"/>
+            </a:pPr>
+            <a:endParaRPr lang="en-CH" dirty="0"/>
+          </a:p>
+          <a:p>
+            <a:pPr marL="342900" indent="-342900">
+              <a:buFont typeface="Arial" panose="020B0604020202020204" pitchFamily="34" charset="0"/>
+              <a:buChar char="•"/>
+              <a:defRPr sz="2000"/>
+            </a:pPr>
+            <a:r>
+              <a:rPr lang="en-CH" dirty="0" err="1"/>
+              <a:t>ArrayList</a:t>
+            </a:r>
+            <a:r>
+              <a:rPr lang="en-CH" dirty="0"/>
+              <a:t> (</a:t>
+            </a:r>
+            <a:r>
+              <a:rPr lang="de-CH" dirty="0"/>
+              <a:t>G</a:t>
+            </a:r>
+            <a:r>
+              <a:rPr lang="en-CH" dirty="0"/>
+              <a:t>r</a:t>
+            </a:r>
+            <a:r>
+              <a:rPr lang="de-CH" dirty="0"/>
+              <a:t>ö</a:t>
+            </a:r>
+            <a:r>
+              <a:rPr lang="en-CH" dirty="0"/>
+              <a:t>s</a:t>
+            </a:r>
+            <a:r>
+              <a:rPr lang="de-CH" dirty="0"/>
+              <a:t>s</a:t>
+            </a:r>
+            <a:r>
+              <a:rPr lang="en-CH" dirty="0"/>
+              <a:t>e </a:t>
+            </a:r>
+            <a:r>
+              <a:rPr lang="en-CH" dirty="0" err="1"/>
+              <a:t>flexibel</a:t>
+            </a:r>
+            <a:r>
+              <a:rPr lang="en-CH" dirty="0"/>
+              <a:t> und </a:t>
+            </a:r>
+            <a:r>
+              <a:rPr lang="en-CH" dirty="0" err="1"/>
+              <a:t>nützliche</a:t>
+            </a:r>
+            <a:r>
+              <a:rPr lang="en-CH" dirty="0"/>
+              <a:t> </a:t>
+            </a:r>
+            <a:r>
+              <a:rPr lang="en-CH" dirty="0" err="1"/>
+              <a:t>Methoden</a:t>
+            </a:r>
+            <a:r>
+              <a:rPr lang="en-CH" dirty="0"/>
+              <a:t>)</a:t>
+            </a:r>
+          </a:p>
+          <a:p>
+            <a:pPr marL="342900" indent="-342900">
+              <a:buFont typeface="Arial" panose="020B0604020202020204" pitchFamily="34" charset="0"/>
+              <a:buChar char="•"/>
+              <a:defRPr sz="2000"/>
+            </a:pPr>
+            <a:endParaRPr lang="en-CH" dirty="0"/>
+          </a:p>
+          <a:p>
+            <a:pPr marL="342900" indent="-342900">
+              <a:buFont typeface="Arial" panose="020B0604020202020204" pitchFamily="34" charset="0"/>
+              <a:buChar char="•"/>
+              <a:defRPr sz="2000"/>
+            </a:pPr>
+            <a:r>
+              <a:rPr lang="en-CH" dirty="0"/>
+              <a:t>Game </a:t>
+            </a:r>
+            <a:r>
+              <a:rPr lang="de-CH" dirty="0"/>
+              <a:t>u</a:t>
+            </a:r>
+            <a:r>
+              <a:rPr lang="en-CH" dirty="0"/>
+              <a:t>n</a:t>
+            </a:r>
+            <a:r>
+              <a:rPr lang="de-CH" dirty="0"/>
+              <a:t>d</a:t>
+            </a:r>
+            <a:r>
+              <a:rPr lang="en-CH" dirty="0"/>
+              <a:t> Player Klassen </a:t>
+            </a:r>
+            <a:r>
+              <a:rPr lang="en-CH" dirty="0" err="1"/>
+              <a:t>brauchen</a:t>
+            </a:r>
+            <a:r>
+              <a:rPr lang="en-CH" dirty="0"/>
+              <a:t> Piles</a:t>
+            </a:r>
+          </a:p>
+          <a:p>
+            <a:pPr marL="342900" indent="-342900">
+              <a:buFont typeface="Arial" panose="020B0604020202020204" pitchFamily="34" charset="0"/>
+              <a:buChar char="•"/>
+              <a:defRPr sz="2000"/>
+            </a:pPr>
+            <a:endParaRPr lang="en-CH" dirty="0"/>
+          </a:p>
+          <a:p>
+            <a:pPr marL="342900" indent="-342900">
+              <a:buFont typeface="Arial" panose="020B0604020202020204" pitchFamily="34" charset="0"/>
+              <a:buChar char="•"/>
+              <a:defRPr sz="2000"/>
+            </a:pPr>
+            <a:r>
+              <a:rPr lang="en-CH" dirty="0"/>
+              <a:t>Pile </a:t>
+            </a:r>
+            <a:r>
+              <a:rPr lang="de-CH" dirty="0"/>
+              <a:t>b</a:t>
+            </a:r>
+            <a:r>
+              <a:rPr lang="en-CH" dirty="0"/>
+              <a:t>r</a:t>
+            </a:r>
+            <a:r>
+              <a:rPr lang="de-CH" dirty="0"/>
+              <a:t>a</a:t>
+            </a:r>
+            <a:r>
+              <a:rPr lang="en-CH" dirty="0"/>
+              <a:t>u</a:t>
+            </a:r>
+            <a:r>
+              <a:rPr lang="de-CH" dirty="0"/>
+              <a:t>c</a:t>
+            </a:r>
+            <a:r>
+              <a:rPr lang="en-CH" dirty="0"/>
+              <a:t>h</a:t>
+            </a:r>
+            <a:r>
+              <a:rPr lang="de-CH" dirty="0"/>
+              <a:t>t</a:t>
+            </a:r>
+            <a:r>
+              <a:rPr lang="en-CH" dirty="0"/>
+              <a:t> </a:t>
+            </a:r>
+            <a:r>
+              <a:rPr lang="de-CH" dirty="0"/>
+              <a:t>d</a:t>
+            </a:r>
+            <a:r>
+              <a:rPr lang="en-CH" dirty="0" err="1"/>
+              <a:t>i</a:t>
+            </a:r>
+            <a:r>
+              <a:rPr lang="de-CH" dirty="0"/>
+              <a:t>e</a:t>
+            </a:r>
+            <a:r>
+              <a:rPr lang="en-CH" dirty="0"/>
+              <a:t> </a:t>
+            </a:r>
+            <a:r>
+              <a:rPr lang="de-CH" dirty="0"/>
+              <a:t>K</a:t>
+            </a:r>
+            <a:r>
+              <a:rPr lang="en-CH" dirty="0"/>
+              <a:t>l</a:t>
+            </a:r>
+            <a:r>
+              <a:rPr lang="de-CH" dirty="0"/>
+              <a:t>a</a:t>
+            </a:r>
+            <a:r>
+              <a:rPr lang="en-CH" dirty="0"/>
+              <a:t>s</a:t>
+            </a:r>
+            <a:r>
+              <a:rPr lang="de-CH" dirty="0"/>
+              <a:t>s</a:t>
+            </a:r>
+            <a:r>
+              <a:rPr lang="en-CH" dirty="0"/>
+              <a:t>e </a:t>
+            </a:r>
+            <a:r>
+              <a:rPr lang="de-CH" dirty="0"/>
+              <a:t>C</a:t>
+            </a:r>
+            <a:r>
+              <a:rPr lang="en-CH" dirty="0"/>
+              <a:t>a</a:t>
+            </a:r>
+            <a:r>
+              <a:rPr lang="de-CH" dirty="0"/>
+              <a:t>r</a:t>
+            </a:r>
+            <a:r>
+              <a:rPr lang="en-CH" dirty="0"/>
+              <a:t>d, </a:t>
+            </a:r>
+            <a:r>
+              <a:rPr lang="de-CH" dirty="0"/>
+              <a:t>u</a:t>
+            </a:r>
+            <a:r>
+              <a:rPr lang="en-CH" dirty="0"/>
+              <a:t>m </a:t>
+            </a:r>
+            <a:r>
+              <a:rPr lang="de-CH" dirty="0"/>
+              <a:t>K</a:t>
+            </a:r>
+            <a:r>
+              <a:rPr lang="en-CH" dirty="0"/>
+              <a:t>a</a:t>
+            </a:r>
+            <a:r>
+              <a:rPr lang="de-CH" dirty="0"/>
+              <a:t>r</a:t>
+            </a:r>
+            <a:r>
+              <a:rPr lang="en-CH" dirty="0"/>
+              <a:t>t</a:t>
+            </a:r>
+            <a:r>
+              <a:rPr lang="de-CH" dirty="0"/>
+              <a:t>e</a:t>
+            </a:r>
+            <a:r>
+              <a:rPr lang="en-CH" dirty="0"/>
+              <a:t>n </a:t>
+            </a:r>
+            <a:r>
+              <a:rPr lang="de-CH" dirty="0"/>
+              <a:t>z</a:t>
+            </a:r>
+            <a:r>
+              <a:rPr lang="en-CH" dirty="0"/>
+              <a:t>u </a:t>
+            </a:r>
+            <a:r>
+              <a:rPr lang="de-CH" dirty="0"/>
+              <a:t>e</a:t>
+            </a:r>
+            <a:r>
+              <a:rPr lang="en-CH" dirty="0"/>
+              <a:t>r</a:t>
+            </a:r>
+            <a:r>
+              <a:rPr lang="de-CH" dirty="0"/>
+              <a:t>s</a:t>
+            </a:r>
+            <a:r>
+              <a:rPr lang="en-CH" dirty="0"/>
+              <a:t>t</a:t>
+            </a:r>
+            <a:r>
+              <a:rPr lang="de-CH" dirty="0"/>
+              <a:t>e</a:t>
+            </a:r>
+            <a:r>
+              <a:rPr lang="en-CH" dirty="0"/>
+              <a:t>l</a:t>
+            </a:r>
+            <a:r>
+              <a:rPr lang="de-CH" dirty="0"/>
+              <a:t>l</a:t>
+            </a:r>
+            <a:r>
+              <a:rPr lang="en-CH" dirty="0"/>
+              <a:t>e</a:t>
+            </a:r>
+            <a:r>
+              <a:rPr lang="de-CH" dirty="0"/>
+              <a:t>n</a:t>
+            </a:r>
+            <a:endParaRPr lang="en-CH" dirty="0"/>
+          </a:p>
+          <a:p>
+            <a:pPr marL="342900" indent="-342900">
+              <a:buFont typeface="Arial" panose="020B0604020202020204" pitchFamily="34" charset="0"/>
+              <a:buChar char="•"/>
+              <a:defRPr sz="2000"/>
+            </a:pPr>
+            <a:endParaRPr lang="en-CH" dirty="0"/>
+          </a:p>
+          <a:p>
+            <a:pPr marL="342900" indent="-342900">
+              <a:buFont typeface="Arial" panose="020B0604020202020204" pitchFamily="34" charset="0"/>
+              <a:buChar char="•"/>
+              <a:defRPr sz="2000"/>
+            </a:pPr>
+            <a:r>
+              <a:rPr lang="en-CH" dirty="0"/>
+              <a:t>Game </a:t>
+            </a:r>
+            <a:r>
+              <a:rPr lang="de-CH" dirty="0"/>
+              <a:t>b</a:t>
+            </a:r>
+            <a:r>
+              <a:rPr lang="en-CH" dirty="0"/>
+              <a:t>e</a:t>
+            </a:r>
+            <a:r>
+              <a:rPr lang="de-CH" dirty="0"/>
+              <a:t>i</a:t>
+            </a:r>
+            <a:r>
+              <a:rPr lang="en-CH" dirty="0"/>
+              <a:t>n</a:t>
+            </a:r>
+            <a:r>
+              <a:rPr lang="de-CH" dirty="0"/>
+              <a:t>h</a:t>
+            </a:r>
+            <a:r>
+              <a:rPr lang="en-CH" dirty="0"/>
+              <a:t>a</a:t>
+            </a:r>
+            <a:r>
+              <a:rPr lang="de-CH" dirty="0"/>
+              <a:t>l</a:t>
+            </a:r>
+            <a:r>
+              <a:rPr lang="en-CH" dirty="0"/>
+              <a:t>t</a:t>
+            </a:r>
+            <a:r>
+              <a:rPr lang="de-CH" dirty="0"/>
+              <a:t>e</a:t>
+            </a:r>
+            <a:r>
+              <a:rPr lang="en-CH" dirty="0"/>
+              <a:t>t </a:t>
+            </a:r>
+            <a:r>
+              <a:rPr lang="de-CH" dirty="0"/>
+              <a:t>M</a:t>
+            </a:r>
+            <a:r>
+              <a:rPr lang="en-CH" dirty="0"/>
+              <a:t>e</a:t>
+            </a:r>
+            <a:r>
+              <a:rPr lang="de-CH" dirty="0"/>
+              <a:t>t</a:t>
+            </a:r>
+            <a:r>
+              <a:rPr lang="en-CH" dirty="0"/>
+              <a:t>h</a:t>
+            </a:r>
+            <a:r>
+              <a:rPr lang="de-CH" dirty="0"/>
+              <a:t>o</a:t>
+            </a:r>
+            <a:r>
+              <a:rPr lang="en-CH" dirty="0"/>
+              <a:t>d</a:t>
+            </a:r>
+            <a:r>
+              <a:rPr lang="de-CH" dirty="0"/>
+              <a:t>e</a:t>
+            </a:r>
+            <a:r>
+              <a:rPr lang="en-CH" dirty="0"/>
+              <a:t>n </a:t>
+            </a:r>
+            <a:r>
+              <a:rPr lang="de-CH" dirty="0"/>
+              <a:t>f</a:t>
+            </a:r>
+            <a:r>
+              <a:rPr lang="en-CH" dirty="0"/>
+              <a:t>ü</a:t>
+            </a:r>
+            <a:r>
+              <a:rPr lang="de-CH" dirty="0"/>
+              <a:t>r</a:t>
+            </a:r>
+            <a:r>
+              <a:rPr lang="en-CH" dirty="0"/>
+              <a:t> </a:t>
+            </a:r>
+            <a:r>
+              <a:rPr lang="en-CH" dirty="0" err="1"/>
+              <a:t>verschiedene</a:t>
+            </a:r>
+            <a:br>
+              <a:rPr lang="en-CH" dirty="0"/>
+            </a:br>
+            <a:r>
+              <a:rPr lang="en-CH" dirty="0" err="1"/>
+              <a:t>Kartenoperation</a:t>
+            </a:r>
+            <a:r>
+              <a:rPr lang="en-CH" dirty="0"/>
+              <a:t> (</a:t>
+            </a:r>
+            <a:r>
+              <a:rPr lang="en-CH" dirty="0" err="1"/>
+              <a:t>playToMiddle</a:t>
+            </a:r>
+            <a:r>
+              <a:rPr lang="en-CH" dirty="0"/>
+              <a:t>, </a:t>
+            </a:r>
+            <a:r>
+              <a:rPr lang="de-CH" dirty="0"/>
+              <a:t>p</a:t>
+            </a:r>
+            <a:r>
+              <a:rPr lang="en-CH" dirty="0"/>
+              <a:t>l</a:t>
+            </a:r>
+            <a:r>
+              <a:rPr lang="de-CH" dirty="0"/>
+              <a:t>a</a:t>
+            </a:r>
+            <a:r>
+              <a:rPr lang="en-CH" dirty="0"/>
+              <a:t>y</a:t>
+            </a:r>
+            <a:r>
+              <a:rPr lang="de-CH" dirty="0"/>
+              <a:t>T</a:t>
+            </a:r>
+            <a:r>
+              <a:rPr lang="en-CH" dirty="0"/>
+              <a:t>o</a:t>
+            </a:r>
+            <a:r>
+              <a:rPr lang="de-CH" dirty="0"/>
+              <a:t>D</a:t>
+            </a:r>
+            <a:r>
+              <a:rPr lang="en-CH" dirty="0" err="1"/>
+              <a:t>i</a:t>
+            </a:r>
+            <a:r>
+              <a:rPr lang="de-CH" dirty="0"/>
+              <a:t>s</a:t>
+            </a:r>
+            <a:r>
+              <a:rPr lang="en-CH" dirty="0"/>
+              <a:t>c</a:t>
+            </a:r>
+            <a:r>
+              <a:rPr lang="de-CH" dirty="0"/>
+              <a:t>a</a:t>
+            </a:r>
+            <a:r>
+              <a:rPr lang="en-CH" dirty="0"/>
+              <a:t>r</a:t>
+            </a:r>
+            <a:r>
+              <a:rPr lang="de-CH" dirty="0"/>
+              <a:t>d</a:t>
+            </a:r>
+            <a:r>
+              <a:rPr lang="en-CH" dirty="0"/>
+              <a:t>)</a:t>
+            </a:r>
+          </a:p>
+          <a:p>
+            <a:pPr marL="342900" indent="-342900">
+              <a:buFont typeface="Arial" panose="020B0604020202020204" pitchFamily="34" charset="0"/>
+              <a:buChar char="•"/>
+              <a:defRPr sz="2000"/>
+            </a:pPr>
+            <a:endParaRPr lang="en-CH" dirty="0"/>
+          </a:p>
+          <a:p>
+            <a:pPr marL="342900" indent="-342900">
+              <a:buFont typeface="Arial" panose="020B0604020202020204" pitchFamily="34" charset="0"/>
+              <a:buChar char="•"/>
+              <a:defRPr sz="2000"/>
+            </a:pPr>
+            <a:r>
+              <a:rPr lang="en-CH" dirty="0" err="1"/>
+              <a:t>Spielmethoden</a:t>
+            </a:r>
+            <a:r>
+              <a:rPr lang="en-CH" dirty="0"/>
+              <a:t> </a:t>
+            </a:r>
+            <a:r>
+              <a:rPr lang="en-CH" dirty="0" err="1"/>
+              <a:t>geben</a:t>
+            </a:r>
+            <a:r>
+              <a:rPr lang="en-CH" dirty="0"/>
+              <a:t> Boolean </a:t>
+            </a:r>
+            <a:r>
+              <a:rPr lang="de-CH" dirty="0"/>
+              <a:t>W</a:t>
+            </a:r>
+            <a:r>
+              <a:rPr lang="en-CH" dirty="0"/>
+              <a:t>e</a:t>
+            </a:r>
+            <a:r>
+              <a:rPr lang="de-CH" dirty="0"/>
+              <a:t>r</a:t>
+            </a:r>
+            <a:r>
+              <a:rPr lang="en-CH" dirty="0"/>
+              <a:t>t</a:t>
+            </a:r>
+            <a:r>
+              <a:rPr lang="de-CH" dirty="0"/>
+              <a:t>e</a:t>
+            </a:r>
+            <a:r>
+              <a:rPr lang="en-CH" dirty="0"/>
+              <a:t> </a:t>
+            </a:r>
+            <a:r>
+              <a:rPr lang="de-CH" dirty="0"/>
+              <a:t>z</a:t>
+            </a:r>
+            <a:r>
+              <a:rPr lang="en-CH" dirty="0"/>
+              <a:t>u</a:t>
+            </a:r>
+            <a:r>
+              <a:rPr lang="de-CH" dirty="0"/>
+              <a:t>r</a:t>
+            </a:r>
+            <a:r>
+              <a:rPr lang="en-CH" dirty="0" err="1"/>
+              <a:t>üc</a:t>
+            </a:r>
+            <a:r>
+              <a:rPr lang="de-CH" dirty="0"/>
+              <a:t>k</a:t>
+            </a:r>
+            <a:r>
+              <a:rPr lang="en-CH" dirty="0"/>
+              <a:t>: </a:t>
+            </a:r>
+          </a:p>
+          <a:p>
+            <a:pPr lvl="8" indent="0">
+              <a:defRPr sz="2000"/>
+            </a:pPr>
+            <a:r>
+              <a:rPr lang="en-CH" dirty="0"/>
+              <a:t>	- true: </a:t>
+            </a:r>
+            <a:r>
+              <a:rPr lang="en-CH" dirty="0" err="1"/>
+              <a:t>Spie</a:t>
+            </a:r>
+            <a:r>
+              <a:rPr lang="de-CH" dirty="0"/>
+              <a:t>l</a:t>
+            </a:r>
+            <a:r>
+              <a:rPr lang="en-CH" dirty="0"/>
+              <a:t>z</a:t>
+            </a:r>
+            <a:r>
+              <a:rPr lang="de-CH" dirty="0"/>
+              <a:t>u</a:t>
+            </a:r>
+            <a:r>
+              <a:rPr lang="en-CH" dirty="0"/>
+              <a:t>g </a:t>
+            </a:r>
+            <a:r>
+              <a:rPr lang="de-CH" dirty="0"/>
+              <a:t>g</a:t>
+            </a:r>
+            <a:r>
+              <a:rPr lang="en-CH" dirty="0"/>
+              <a:t>ü</a:t>
+            </a:r>
+            <a:r>
+              <a:rPr lang="de-CH" dirty="0"/>
+              <a:t>l</a:t>
+            </a:r>
+            <a:r>
+              <a:rPr lang="en-CH" dirty="0"/>
+              <a:t>t</a:t>
+            </a:r>
+            <a:r>
+              <a:rPr lang="de-CH" dirty="0"/>
+              <a:t>i</a:t>
+            </a:r>
+            <a:r>
+              <a:rPr lang="en-CH" dirty="0"/>
+              <a:t>g!</a:t>
+            </a:r>
+          </a:p>
+          <a:p>
+            <a:pPr lvl="8" indent="0">
+              <a:defRPr sz="2000"/>
+            </a:pPr>
+            <a:r>
+              <a:rPr lang="en-CH" dirty="0"/>
+              <a:t>	- f</a:t>
+            </a:r>
+            <a:r>
+              <a:rPr lang="de-CH" dirty="0"/>
+              <a:t>a</a:t>
+            </a:r>
+            <a:r>
+              <a:rPr lang="en-CH" dirty="0"/>
+              <a:t>l</a:t>
+            </a:r>
+            <a:r>
+              <a:rPr lang="de-CH" dirty="0"/>
+              <a:t>s</a:t>
+            </a:r>
+            <a:r>
+              <a:rPr lang="en-CH" dirty="0"/>
+              <a:t>e: </a:t>
+            </a:r>
+            <a:r>
+              <a:rPr lang="de-CH" dirty="0"/>
+              <a:t>S</a:t>
+            </a:r>
+            <a:r>
+              <a:rPr lang="en-CH" dirty="0"/>
+              <a:t>p</a:t>
+            </a:r>
+            <a:r>
+              <a:rPr lang="de-CH" dirty="0"/>
+              <a:t>i</a:t>
+            </a:r>
+            <a:r>
+              <a:rPr lang="en-CH" dirty="0"/>
+              <a:t>e</a:t>
+            </a:r>
+            <a:r>
+              <a:rPr lang="de-CH" dirty="0"/>
+              <a:t>l</a:t>
+            </a:r>
+            <a:r>
+              <a:rPr lang="en-CH" dirty="0"/>
+              <a:t>z</a:t>
+            </a:r>
+            <a:r>
+              <a:rPr lang="de-CH" dirty="0"/>
+              <a:t>u</a:t>
+            </a:r>
+            <a:r>
+              <a:rPr lang="en-CH" dirty="0"/>
+              <a:t>g </a:t>
+            </a:r>
+            <a:r>
+              <a:rPr lang="de-CH" dirty="0"/>
+              <a:t>n</a:t>
+            </a:r>
+            <a:r>
+              <a:rPr lang="en-CH" dirty="0" err="1"/>
+              <a:t>i</a:t>
+            </a:r>
+            <a:r>
+              <a:rPr lang="de-CH" dirty="0"/>
+              <a:t>c</a:t>
+            </a:r>
+            <a:r>
+              <a:rPr lang="en-CH" dirty="0"/>
+              <a:t>h</a:t>
+            </a:r>
+            <a:r>
+              <a:rPr lang="de-CH" dirty="0"/>
+              <a:t>t</a:t>
+            </a:r>
+            <a:r>
+              <a:rPr lang="en-CH" dirty="0"/>
+              <a:t> </a:t>
+            </a:r>
+            <a:r>
+              <a:rPr lang="de-CH" dirty="0"/>
+              <a:t>g</a:t>
+            </a:r>
+            <a:r>
+              <a:rPr lang="en-CH" dirty="0"/>
+              <a:t>ü</a:t>
+            </a:r>
+            <a:r>
+              <a:rPr lang="de-CH" dirty="0"/>
+              <a:t>l</a:t>
+            </a:r>
+            <a:r>
+              <a:rPr lang="en-CH" dirty="0"/>
+              <a:t>t</a:t>
+            </a:r>
+            <a:r>
+              <a:rPr lang="de-CH" dirty="0"/>
+              <a:t>i</a:t>
+            </a:r>
+            <a:r>
+              <a:rPr lang="en-CH" dirty="0"/>
+              <a:t>g!</a:t>
+            </a:r>
+          </a:p>
+          <a:p>
+            <a:pPr marL="342900" indent="-342900">
+              <a:buFont typeface="Arial" panose="020B0604020202020204" pitchFamily="34" charset="0"/>
+              <a:buChar char="•"/>
+              <a:defRPr sz="2000"/>
+            </a:pPr>
+            <a:endParaRPr lang="en-CH" dirty="0"/>
+          </a:p>
+          <a:p>
+            <a:pPr marL="342900" indent="-342900">
+              <a:buFont typeface="Arial" panose="020B0604020202020204" pitchFamily="34" charset="0"/>
+              <a:buChar char="•"/>
+              <a:defRPr sz="2000"/>
+            </a:pPr>
+            <a:endParaRPr lang="en-CH" dirty="0"/>
+          </a:p>
+          <a:p>
+            <a:pPr marL="342900" indent="-342900">
+              <a:buFont typeface="Arial" panose="020B0604020202020204" pitchFamily="34" charset="0"/>
+              <a:buChar char="•"/>
+              <a:defRPr sz="2000"/>
+            </a:pPr>
+            <a:endParaRPr lang="en-CH" dirty="0"/>
+          </a:p>
+          <a:p>
+            <a:pPr marL="342900" indent="-342900">
+              <a:buFont typeface="Arial" panose="020B0604020202020204" pitchFamily="34" charset="0"/>
+              <a:buChar char="•"/>
+              <a:defRPr sz="2000"/>
+            </a:pPr>
+            <a:endParaRPr lang="en-CH" dirty="0"/>
+          </a:p>
+          <a:p>
+            <a:pPr marL="342900" indent="-342900">
+              <a:buFont typeface="Arial" panose="020B0604020202020204" pitchFamily="34" charset="0"/>
+              <a:buChar char="•"/>
+              <a:defRPr sz="2000"/>
+            </a:pPr>
+            <a:endParaRPr lang="en-CH" dirty="0"/>
+          </a:p>
+          <a:p>
+            <a:pPr marL="342900" indent="-342900">
+              <a:buFont typeface="Arial" panose="020B0604020202020204" pitchFamily="34" charset="0"/>
+              <a:buChar char="•"/>
+              <a:defRPr sz="2000"/>
+            </a:pPr>
+            <a:endParaRPr lang="en-CH" dirty="0"/>
+          </a:p>
+          <a:p>
+            <a:pPr marL="342900" indent="-342900">
+              <a:buFont typeface="Arial" panose="020B0604020202020204" pitchFamily="34" charset="0"/>
+              <a:buChar char="•"/>
+              <a:defRPr sz="2000"/>
+            </a:pPr>
+            <a:endParaRPr dirty="0"/>
           </a:p>
         </p:txBody>
       </p:sp>
+      <p:pic>
+        <p:nvPicPr>
+          <p:cNvPr id="7" name="Picture 6" descr="A screenshot of a cell phone&#10;&#10;Description automatically generated">
+            <a:extLst>
+              <a:ext uri="{FF2B5EF4-FFF2-40B4-BE49-F238E27FC236}">
+                <a16:creationId xmlns:a16="http://schemas.microsoft.com/office/drawing/2014/main" id="{5AB07E31-758A-4903-849A-C6E9B6B07013}"/>
+              </a:ext>
+            </a:extLst>
+          </p:cNvPr>
+          <p:cNvPicPr>
+            <a:picLocks noChangeAspect="1"/>
+          </p:cNvPicPr>
+          <p:nvPr/>
+        </p:nvPicPr>
+        <p:blipFill>
+          <a:blip r:embed="rId3">
+            <a:extLst>
+              <a:ext uri="{28A0092B-C50C-407E-A947-70E740481C1C}">
+                <a14:useLocalDpi xmlns:a14="http://schemas.microsoft.com/office/drawing/2010/main" val="0"/>
+              </a:ext>
+            </a:extLst>
+          </a:blip>
+          <a:stretch>
+            <a:fillRect/>
+          </a:stretch>
+        </p:blipFill>
+        <p:spPr>
+          <a:xfrm>
+            <a:off x="6321372" y="720436"/>
+            <a:ext cx="5539195" cy="5419379"/>
+          </a:xfrm>
+          <a:prstGeom prst="rect">
+            <a:avLst/>
+          </a:prstGeom>
+        </p:spPr>
+      </p:pic>
     </p:spTree>
   </p:cSld>
   <p:clrMapOvr>
     <a:masterClrMapping/>
   </p:clrMapOvr>
-  <p:transition xmlns:p14="http://schemas.microsoft.com/office/powerpoint/2010/main" spd="med" advClick="1" p14:dur="1000"/>
+  <p:transition spd="slow"/>
 </p:sld>
 </file>
 
 <file path=ppt/slides/slide6.xml><?xml version="1.0" encoding="utf-8"?>
-<p:sld xmlns:a="http://schemas.openxmlformats.org/drawingml/2006/main" xmlns:r="http://schemas.openxmlformats.org/officeDocument/2006/relationships" xmlns:p="http://schemas.openxmlformats.org/presentationml/2006/main" showMasterSp="1" showMasterPhAnim="1">
+<p:sld xmlns:a="http://schemas.openxmlformats.org/drawingml/2006/main" xmlns:r="http://schemas.openxmlformats.org/officeDocument/2006/relationships" xmlns:p="http://schemas.openxmlformats.org/presentationml/2006/main">
   <p:cSld>
     <p:spTree>
       <p:nvGrpSpPr>
@@ -6817,7 +8156,7 @@
           </a:ln>
           <a:extLst>
             <a:ext uri="{C572A759-6A51-4108-AA02-DFA0A04FC94B}">
-              <ma14:wrappingTextBoxFlag xmlns:ma14="http://schemas.microsoft.com/office/mac/drawingml/2011/main" val="1"/>
+              <ma14:wrappingTextBoxFlag xmlns:ma14="http://schemas.microsoft.com/office/mac/drawingml/2011/main" xmlns="" val="1"/>
             </a:ext>
           </a:extLst>
         </p:spPr>
@@ -6835,7 +8174,6 @@
             </a:lvl1pPr>
           </a:lstStyle>
           <a:p>
-            <a:pPr/>
             <a:r>
               <a:t>Mlst.-Präsentation Nr. 1  /  Gruppe 15</a:t>
             </a:r>
@@ -6845,7 +8183,9 @@
       <p:sp>
         <p:nvSpPr>
           <p:cNvPr id="181" name="Shape 181"/>
-          <p:cNvSpPr/>
+          <p:cNvSpPr>
+            <a:spLocks noGrp="1"/>
+          </p:cNvSpPr>
           <p:nvPr>
             <p:ph type="sldNum" sz="quarter" idx="2"/>
           </p:nvPr>
@@ -6860,7 +8200,7 @@
           </a:prstGeom>
           <a:extLst>
             <a:ext uri="{C572A759-6A51-4108-AA02-DFA0A04FC94B}">
-              <ma14:wrappingTextBoxFlag xmlns:ma14="http://schemas.microsoft.com/office/mac/drawingml/2011/main" val="1"/>
+              <ma14:wrappingTextBoxFlag xmlns:ma14="http://schemas.microsoft.com/office/mac/drawingml/2011/main" xmlns="" val="1"/>
             </a:ext>
           </a:extLst>
         </p:spPr>
@@ -6868,15 +8208,19 @@
           <a:bodyPr/>
           <a:lstStyle/>
           <a:p>
-            <a:pPr/>
-            <a:fld id="{86CB4B4D-7CA3-9044-876B-883B54F8677D}" type="slidenum"/>
+            <a:fld id="{86CB4B4D-7CA3-9044-876B-883B54F8677D}" type="slidenum">
+              <a:t>6</a:t>
+            </a:fld>
+            <a:endParaRPr/>
           </a:p>
         </p:txBody>
       </p:sp>
       <p:sp>
         <p:nvSpPr>
           <p:cNvPr id="182" name="Shape 182"/>
-          <p:cNvSpPr/>
+          <p:cNvSpPr>
+            <a:spLocks noGrp="1"/>
+          </p:cNvSpPr>
           <p:nvPr>
             <p:ph type="title"/>
           </p:nvPr>
@@ -6894,7 +8238,7 @@
           <a:bodyPr/>
           <a:lstStyle>
             <a:lvl1pPr>
-              <a:defRPr b="1" sz="2000">
+              <a:defRPr sz="2000" b="1">
                 <a:latin typeface="Arial"/>
                 <a:ea typeface="Arial"/>
                 <a:cs typeface="Arial"/>
@@ -6903,7 +8247,6 @@
             </a:lvl1pPr>
           </a:lstStyle>
           <a:p>
-            <a:pPr/>
             <a:r>
               <a:t>	Spiellogik</a:t>
             </a:r>
@@ -6931,7 +8274,7 @@
             <a:miter/>
           </a:ln>
           <a:effectLst>
-            <a:outerShdw sx="100000" sy="100000" kx="0" ky="0" algn="b" rotWithShape="0" blurRad="50800" dist="38100" dir="2700000">
+            <a:outerShdw blurRad="50800" dist="38100" dir="2700000" rotWithShape="0">
               <a:srgbClr val="000000">
                 <a:alpha val="40000"/>
               </a:srgbClr>
@@ -6942,7 +8285,7 @@
           <a:bodyPr lIns="45719" rIns="45719"/>
           <a:lstStyle/>
           <a:p>
-            <a:pPr/>
+            <a:endParaRPr/>
           </a:p>
         </p:txBody>
       </p:sp>
@@ -6955,9 +8298,7 @@
           <p:nvPr/>
         </p:nvPicPr>
         <p:blipFill>
-          <a:blip r:embed="rId2">
-            <a:extLst/>
-          </a:blip>
+          <a:blip r:embed="rId2"/>
           <a:stretch>
             <a:fillRect/>
           </a:stretch>
@@ -6984,9 +8325,7 @@
           <p:nvPr/>
         </p:nvPicPr>
         <p:blipFill>
-          <a:blip r:embed="rId3">
-            <a:extLst/>
-          </a:blip>
+          <a:blip r:embed="rId3"/>
           <a:stretch>
             <a:fillRect/>
           </a:stretch>
@@ -7009,12 +8348,12 @@
   <p:clrMapOvr>
     <a:masterClrMapping/>
   </p:clrMapOvr>
-  <p:transition xmlns:p14="http://schemas.microsoft.com/office/powerpoint/2010/main" spd="med" advClick="1" p14:dur="1000"/>
+  <p:transition spd="slow"/>
 </p:sld>
 </file>
 
 <file path=ppt/slides/slide7.xml><?xml version="1.0" encoding="utf-8"?>
-<p:sld xmlns:a="http://schemas.openxmlformats.org/drawingml/2006/main" xmlns:r="http://schemas.openxmlformats.org/officeDocument/2006/relationships" xmlns:p="http://schemas.openxmlformats.org/presentationml/2006/main" showMasterSp="1" showMasterPhAnim="1">
+<p:sld xmlns:a="http://schemas.openxmlformats.org/drawingml/2006/main" xmlns:r="http://schemas.openxmlformats.org/officeDocument/2006/relationships" xmlns:p="http://schemas.openxmlformats.org/presentationml/2006/main">
   <p:cSld>
     <p:spTree>
       <p:nvGrpSpPr>
@@ -7049,7 +8388,7 @@
           </a:ln>
           <a:extLst>
             <a:ext uri="{C572A759-6A51-4108-AA02-DFA0A04FC94B}">
-              <ma14:wrappingTextBoxFlag xmlns:ma14="http://schemas.microsoft.com/office/mac/drawingml/2011/main" val="1"/>
+              <ma14:wrappingTextBoxFlag xmlns:ma14="http://schemas.microsoft.com/office/mac/drawingml/2011/main" xmlns="" val="1"/>
             </a:ext>
           </a:extLst>
         </p:spPr>
@@ -7067,7 +8406,6 @@
             </a:lvl1pPr>
           </a:lstStyle>
           <a:p>
-            <a:pPr/>
             <a:r>
               <a:t>Mlst.-Präsentation Nr. 1  /  Gruppe 15</a:t>
             </a:r>
@@ -7077,7 +8415,9 @@
       <p:sp>
         <p:nvSpPr>
           <p:cNvPr id="188" name="Shape 188"/>
-          <p:cNvSpPr/>
+          <p:cNvSpPr>
+            <a:spLocks noGrp="1"/>
+          </p:cNvSpPr>
           <p:nvPr>
             <p:ph type="title"/>
           </p:nvPr>
@@ -7095,7 +8435,7 @@
           <a:bodyPr/>
           <a:lstStyle>
             <a:lvl1pPr>
-              <a:defRPr b="1" sz="2000">
+              <a:defRPr sz="2000" b="1">
                 <a:latin typeface="Arial"/>
                 <a:ea typeface="Arial"/>
                 <a:cs typeface="Arial"/>
@@ -7104,7 +8444,6 @@
             </a:lvl1pPr>
           </a:lstStyle>
           <a:p>
-            <a:pPr/>
             <a:r>
               <a:t>	 Übersicht</a:t>
             </a:r>
@@ -7114,7 +8453,9 @@
       <p:sp>
         <p:nvSpPr>
           <p:cNvPr id="189" name="Shape 189"/>
-          <p:cNvSpPr/>
+          <p:cNvSpPr>
+            <a:spLocks noGrp="1"/>
+          </p:cNvSpPr>
           <p:nvPr>
             <p:ph type="body" sz="half" idx="1"/>
           </p:nvPr>
@@ -7157,6 +8498,7 @@
                 <a:sym typeface="Arial"/>
               </a:defRPr>
             </a:pPr>
+            <a:endParaRPr/>
           </a:p>
           <a:p>
             <a:pPr marL="0" indent="0">
@@ -7184,12 +8526,13 @@
                 <a:sym typeface="Arial"/>
               </a:defRPr>
             </a:pPr>
+            <a:endParaRPr/>
           </a:p>
           <a:p>
             <a:pPr marL="0" indent="0">
               <a:buSzTx/>
               <a:buNone/>
-              <a:defRPr b="1" sz="3000">
+              <a:defRPr sz="3000" b="1">
                 <a:latin typeface="Arial"/>
                 <a:ea typeface="Arial"/>
                 <a:cs typeface="Arial"/>
@@ -7211,6 +8554,7 @@
                 <a:sym typeface="Arial"/>
               </a:defRPr>
             </a:pPr>
+            <a:endParaRPr/>
           </a:p>
           <a:p>
             <a:pPr marL="0" indent="0">
@@ -7232,7 +8576,9 @@
       <p:sp>
         <p:nvSpPr>
           <p:cNvPr id="190" name="Shape 190"/>
-          <p:cNvSpPr/>
+          <p:cNvSpPr>
+            <a:spLocks noGrp="1"/>
+          </p:cNvSpPr>
           <p:nvPr>
             <p:ph type="sldNum" sz="quarter" idx="2"/>
           </p:nvPr>
@@ -7247,7 +8593,7 @@
           </a:prstGeom>
           <a:extLst>
             <a:ext uri="{C572A759-6A51-4108-AA02-DFA0A04FC94B}">
-              <ma14:wrappingTextBoxFlag xmlns:ma14="http://schemas.microsoft.com/office/mac/drawingml/2011/main" val="1"/>
+              <ma14:wrappingTextBoxFlag xmlns:ma14="http://schemas.microsoft.com/office/mac/drawingml/2011/main" xmlns="" val="1"/>
             </a:ext>
           </a:extLst>
         </p:spPr>
@@ -7255,8 +8601,10 @@
           <a:bodyPr/>
           <a:lstStyle/>
           <a:p>
-            <a:pPr/>
-            <a:fld id="{86CB4B4D-7CA3-9044-876B-883B54F8677D}" type="slidenum"/>
+            <a:fld id="{86CB4B4D-7CA3-9044-876B-883B54F8677D}" type="slidenum">
+              <a:t>7</a:t>
+            </a:fld>
+            <a:endParaRPr/>
           </a:p>
         </p:txBody>
       </p:sp>
@@ -7269,9 +8617,7 @@
           <p:nvPr/>
         </p:nvPicPr>
         <p:blipFill>
-          <a:blip r:embed="rId2">
-            <a:extLst/>
-          </a:blip>
+          <a:blip r:embed="rId2"/>
           <a:stretch>
             <a:fillRect/>
           </a:stretch>
@@ -7310,7 +8656,7 @@
             <a:miter/>
           </a:ln>
           <a:effectLst>
-            <a:outerShdw sx="100000" sy="100000" kx="0" ky="0" algn="b" rotWithShape="0" blurRad="50800" dist="38100" dir="2700000">
+            <a:outerShdw blurRad="50800" dist="38100" dir="2700000" rotWithShape="0">
               <a:srgbClr val="000000">
                 <a:alpha val="40000"/>
               </a:srgbClr>
@@ -7321,7 +8667,7 @@
           <a:bodyPr lIns="45719" rIns="45719"/>
           <a:lstStyle/>
           <a:p>
-            <a:pPr/>
+            <a:endParaRPr/>
           </a:p>
         </p:txBody>
       </p:sp>
@@ -7334,9 +8680,7 @@
           <p:nvPr/>
         </p:nvPicPr>
         <p:blipFill>
-          <a:blip r:embed="rId3">
-            <a:extLst/>
-          </a:blip>
+          <a:blip r:embed="rId3"/>
           <a:stretch>
             <a:fillRect/>
           </a:stretch>
@@ -7363,9 +8707,7 @@
           <p:nvPr/>
         </p:nvPicPr>
         <p:blipFill>
-          <a:blip r:embed="rId4">
-            <a:extLst/>
-          </a:blip>
+          <a:blip r:embed="rId4"/>
           <a:stretch>
             <a:fillRect/>
           </a:stretch>
@@ -7392,9 +8734,7 @@
           <p:nvPr/>
         </p:nvPicPr>
         <p:blipFill>
-          <a:blip r:embed="rId5">
-            <a:extLst/>
-          </a:blip>
+          <a:blip r:embed="rId5"/>
           <a:stretch>
             <a:fillRect/>
           </a:stretch>
@@ -7421,9 +8761,7 @@
           <p:nvPr/>
         </p:nvPicPr>
         <p:blipFill>
-          <a:blip r:embed="rId6">
-            <a:extLst/>
-          </a:blip>
+          <a:blip r:embed="rId6"/>
           <a:stretch>
             <a:fillRect/>
           </a:stretch>
@@ -7446,12 +8784,12 @@
   <p:clrMapOvr>
     <a:masterClrMapping/>
   </p:clrMapOvr>
-  <p:transition xmlns:p14="http://schemas.microsoft.com/office/powerpoint/2010/main" spd="med" advClick="1" p14:dur="1000"/>
+  <p:transition spd="slow"/>
 </p:sld>
 </file>
 
 <file path=ppt/slides/slide8.xml><?xml version="1.0" encoding="utf-8"?>
-<p:sld xmlns:a="http://schemas.openxmlformats.org/drawingml/2006/main" xmlns:r="http://schemas.openxmlformats.org/officeDocument/2006/relationships" xmlns:p="http://schemas.openxmlformats.org/presentationml/2006/main" showMasterSp="1" showMasterPhAnim="1">
+<p:sld xmlns:a="http://schemas.openxmlformats.org/drawingml/2006/main" xmlns:r="http://schemas.openxmlformats.org/officeDocument/2006/relationships" xmlns:p="http://schemas.openxmlformats.org/presentationml/2006/main">
   <p:cSld>
     <p:spTree>
       <p:nvGrpSpPr>
@@ -7486,7 +8824,7 @@
           </a:ln>
           <a:extLst>
             <a:ext uri="{C572A759-6A51-4108-AA02-DFA0A04FC94B}">
-              <ma14:wrappingTextBoxFlag xmlns:ma14="http://schemas.microsoft.com/office/mac/drawingml/2011/main" val="1"/>
+              <ma14:wrappingTextBoxFlag xmlns:ma14="http://schemas.microsoft.com/office/mac/drawingml/2011/main" xmlns="" val="1"/>
             </a:ext>
           </a:extLst>
         </p:spPr>
@@ -7504,7 +8842,6 @@
             </a:lvl1pPr>
           </a:lstStyle>
           <a:p>
-            <a:pPr/>
             <a:r>
               <a:t>Mlst.-Präsentation Nr. 1  /  Gruppe 15</a:t>
             </a:r>
@@ -7514,7 +8851,9 @@
       <p:sp>
         <p:nvSpPr>
           <p:cNvPr id="199" name="Shape 199"/>
-          <p:cNvSpPr/>
+          <p:cNvSpPr>
+            <a:spLocks noGrp="1"/>
+          </p:cNvSpPr>
           <p:nvPr>
             <p:ph type="title"/>
           </p:nvPr>
@@ -7532,7 +8871,7 @@
           <a:bodyPr/>
           <a:lstStyle>
             <a:lvl1pPr>
-              <a:defRPr b="1" sz="2000">
+              <a:defRPr sz="2000" b="1">
                 <a:latin typeface="Arial"/>
                 <a:ea typeface="Arial"/>
                 <a:cs typeface="Arial"/>
@@ -7541,7 +8880,6 @@
             </a:lvl1pPr>
           </a:lstStyle>
           <a:p>
-            <a:pPr/>
             <a:r>
               <a:t>	Technische Eigenheiten</a:t>
             </a:r>
@@ -7551,7 +8889,9 @@
       <p:sp>
         <p:nvSpPr>
           <p:cNvPr id="200" name="Shape 200"/>
-          <p:cNvSpPr/>
+          <p:cNvSpPr>
+            <a:spLocks noGrp="1"/>
+          </p:cNvSpPr>
           <p:nvPr>
             <p:ph type="sldNum" sz="quarter" idx="2"/>
           </p:nvPr>
@@ -7566,7 +8906,7 @@
           </a:prstGeom>
           <a:extLst>
             <a:ext uri="{C572A759-6A51-4108-AA02-DFA0A04FC94B}">
-              <ma14:wrappingTextBoxFlag xmlns:ma14="http://schemas.microsoft.com/office/mac/drawingml/2011/main" val="1"/>
+              <ma14:wrappingTextBoxFlag xmlns:ma14="http://schemas.microsoft.com/office/mac/drawingml/2011/main" xmlns="" val="1"/>
             </a:ext>
           </a:extLst>
         </p:spPr>
@@ -7574,8 +8914,10 @@
           <a:bodyPr/>
           <a:lstStyle/>
           <a:p>
-            <a:pPr/>
-            <a:fld id="{86CB4B4D-7CA3-9044-876B-883B54F8677D}" type="slidenum"/>
+            <a:fld id="{86CB4B4D-7CA3-9044-876B-883B54F8677D}" type="slidenum">
+              <a:t>8</a:t>
+            </a:fld>
+            <a:endParaRPr/>
           </a:p>
         </p:txBody>
       </p:sp>
@@ -7600,7 +8942,7 @@
             <a:miter/>
           </a:ln>
           <a:effectLst>
-            <a:outerShdw sx="100000" sy="100000" kx="0" ky="0" algn="b" rotWithShape="0" blurRad="50800" dist="38100" dir="2700000">
+            <a:outerShdw blurRad="50800" dist="38100" dir="2700000" rotWithShape="0">
               <a:srgbClr val="000000">
                 <a:alpha val="40000"/>
               </a:srgbClr>
@@ -7611,7 +8953,7 @@
           <a:bodyPr lIns="45719" rIns="45719"/>
           <a:lstStyle/>
           <a:p>
-            <a:pPr/>
+            <a:endParaRPr/>
           </a:p>
         </p:txBody>
       </p:sp>
@@ -7624,9 +8966,7 @@
           <p:nvPr/>
         </p:nvPicPr>
         <p:blipFill>
-          <a:blip r:embed="rId2">
-            <a:extLst/>
-          </a:blip>
+          <a:blip r:embed="rId2"/>
           <a:stretch>
             <a:fillRect/>
           </a:stretch>
@@ -7663,7 +9003,7 @@
           </a:ln>
           <a:extLst>
             <a:ext uri="{C572A759-6A51-4108-AA02-DFA0A04FC94B}">
-              <ma14:wrappingTextBoxFlag xmlns:ma14="http://schemas.microsoft.com/office/mac/drawingml/2011/main" val="1"/>
+              <ma14:wrappingTextBoxFlag xmlns:ma14="http://schemas.microsoft.com/office/mac/drawingml/2011/main" xmlns="" val="1"/>
             </a:ext>
           </a:extLst>
         </p:spPr>
@@ -7679,14 +9019,15 @@
               </a:lnSpc>
               <a:buSzPct val="100000"/>
               <a:buChar char="•"/>
-              <a:defRPr b="1" sz="2000"/>
-            </a:pPr>
-            <a:r>
+              <a:defRPr sz="2000" b="1"/>
+            </a:pPr>
+            <a:r>
+              <a:rPr dirty="0"/>
               <a:t>GUI</a:t>
             </a:r>
           </a:p>
           <a:p>
-            <a:pPr lvl="1" marL="581526" indent="-200526">
+            <a:pPr marL="581526" lvl="1" indent="-200526">
               <a:lnSpc>
                 <a:spcPct val="120000"/>
               </a:lnSpc>
@@ -7695,11 +9036,12 @@
               <a:defRPr sz="2000"/>
             </a:pPr>
             <a:r>
+              <a:rPr dirty="0"/>
               <a:t>…</a:t>
             </a:r>
           </a:p>
           <a:p>
-            <a:pPr lvl="1" marL="581526" indent="-200526">
+            <a:pPr marL="581526" lvl="1" indent="-200526">
               <a:lnSpc>
                 <a:spcPct val="120000"/>
               </a:lnSpc>
@@ -7708,6 +9050,7 @@
               <a:defRPr sz="2000"/>
             </a:pPr>
             <a:r>
+              <a:rPr dirty="0"/>
               <a:t>…</a:t>
             </a:r>
           </a:p>
@@ -7718,14 +9061,27 @@
               </a:lnSpc>
               <a:buSzPct val="100000"/>
               <a:buChar char="•"/>
-              <a:defRPr b="1" sz="2000"/>
-            </a:pPr>
-            <a:r>
-              <a:t>Genutzte externe library: Apache Log4j 2</a:t>
-            </a:r>
-          </a:p>
-          <a:p>
-            <a:pPr lvl="1" marL="581526" indent="-200526">
+              <a:defRPr sz="2000" b="1"/>
+            </a:pPr>
+            <a:r>
+              <a:rPr dirty="0" err="1"/>
+              <a:t>Genutzte</a:t>
+            </a:r>
+            <a:r>
+              <a:rPr dirty="0"/>
+              <a:t> </a:t>
+            </a:r>
+            <a:r>
+              <a:rPr dirty="0" err="1"/>
+              <a:t>externe</a:t>
+            </a:r>
+            <a:r>
+              <a:rPr dirty="0"/>
+              <a:t> library: Apache Log4j 2</a:t>
+            </a:r>
+          </a:p>
+          <a:p>
+            <a:pPr marL="581526" lvl="1" indent="-200526">
               <a:lnSpc>
                 <a:spcPct val="120000"/>
               </a:lnSpc>
@@ -7734,11 +9090,16 @@
               <a:defRPr sz="2000"/>
             </a:pPr>
             <a:r>
-              <a:t>Vorteile:</a:t>
-            </a:r>
-          </a:p>
-          <a:p>
-            <a:pPr lvl="3" marL="1343526" indent="-200526">
+              <a:rPr dirty="0" err="1"/>
+              <a:t>Vorteile</a:t>
+            </a:r>
+            <a:r>
+              <a:rPr dirty="0"/>
+              <a:t>:</a:t>
+            </a:r>
+          </a:p>
+          <a:p>
+            <a:pPr marL="1343526" lvl="3" indent="-200526">
               <a:lnSpc>
                 <a:spcPct val="120000"/>
               </a:lnSpc>
@@ -7747,11 +9108,12 @@
               <a:defRPr sz="2000"/>
             </a:pPr>
             <a:r>
+              <a:rPr dirty="0"/>
               <a:t>Levels</a:t>
             </a:r>
           </a:p>
           <a:p>
-            <a:pPr lvl="3" marL="1343526" indent="-200526">
+            <a:pPr marL="1343526" lvl="3" indent="-200526">
               <a:lnSpc>
                 <a:spcPct val="120000"/>
               </a:lnSpc>
@@ -7760,11 +9122,12 @@
               <a:defRPr sz="2000"/>
             </a:pPr>
             <a:r>
+              <a:rPr dirty="0"/>
               <a:t>Timestamps</a:t>
             </a:r>
           </a:p>
           <a:p>
-            <a:pPr lvl="3" marL="1343526" indent="-200526">
+            <a:pPr marL="1343526" lvl="3" indent="-200526">
               <a:lnSpc>
                 <a:spcPct val="120000"/>
               </a:lnSpc>
@@ -7773,11 +9136,17 @@
               <a:defRPr sz="2000"/>
             </a:pPr>
             <a:r>
-              <a:t>Log in Datei</a:t>
-            </a:r>
-          </a:p>
-          <a:p>
-            <a:pPr lvl="1" marL="581526" indent="-200526">
+              <a:rPr dirty="0"/>
+              <a:t>Log in </a:t>
+            </a:r>
+            <a:r>
+              <a:rPr dirty="0" err="1"/>
+              <a:t>Datei</a:t>
+            </a:r>
+            <a:endParaRPr dirty="0"/>
+          </a:p>
+          <a:p>
+            <a:pPr marL="581526" lvl="1" indent="-200526">
               <a:lnSpc>
                 <a:spcPct val="120000"/>
               </a:lnSpc>
@@ -7786,11 +9155,16 @@
               <a:defRPr sz="2000"/>
             </a:pPr>
             <a:r>
-              <a:t>Konfiguration:</a:t>
-            </a:r>
-          </a:p>
-          <a:p>
-            <a:pPr lvl="3" marL="1343526" indent="-200526">
+              <a:rPr dirty="0" err="1"/>
+              <a:t>Konfiguration</a:t>
+            </a:r>
+            <a:r>
+              <a:rPr dirty="0"/>
+              <a:t>:</a:t>
+            </a:r>
+          </a:p>
+          <a:p>
+            <a:pPr marL="1343526" lvl="3" indent="-200526">
               <a:lnSpc>
                 <a:spcPct val="120000"/>
               </a:lnSpc>
@@ -7799,8 +9173,14 @@
               <a:defRPr sz="2000"/>
             </a:pPr>
             <a:r>
-              <a:t>.properties Datei</a:t>
-            </a:r>
+              <a:rPr dirty="0"/>
+              <a:t>.properties </a:t>
+            </a:r>
+            <a:r>
+              <a:rPr dirty="0" err="1"/>
+              <a:t>Datei</a:t>
+            </a:r>
+            <a:endParaRPr dirty="0"/>
           </a:p>
         </p:txBody>
       </p:sp>
@@ -7809,12 +9189,12 @@
   <p:clrMapOvr>
     <a:masterClrMapping/>
   </p:clrMapOvr>
-  <p:transition xmlns:p14="http://schemas.microsoft.com/office/powerpoint/2010/main" spd="med" advClick="1" p14:dur="1000"/>
+  <p:transition spd="slow"/>
 </p:sld>
 </file>
 
 <file path=ppt/slides/slide9.xml><?xml version="1.0" encoding="utf-8"?>
-<p:sld xmlns:a="http://schemas.openxmlformats.org/drawingml/2006/main" xmlns:r="http://schemas.openxmlformats.org/officeDocument/2006/relationships" xmlns:p="http://schemas.openxmlformats.org/presentationml/2006/main" showMasterSp="1" showMasterPhAnim="1">
+<p:sld xmlns:a="http://schemas.openxmlformats.org/drawingml/2006/main" xmlns:r="http://schemas.openxmlformats.org/officeDocument/2006/relationships" xmlns:p="http://schemas.openxmlformats.org/presentationml/2006/main">
   <p:cSld>
     <p:spTree>
       <p:nvGrpSpPr>
@@ -7849,7 +9229,7 @@
           </a:ln>
           <a:extLst>
             <a:ext uri="{C572A759-6A51-4108-AA02-DFA0A04FC94B}">
-              <ma14:wrappingTextBoxFlag xmlns:ma14="http://schemas.microsoft.com/office/mac/drawingml/2011/main" val="1"/>
+              <ma14:wrappingTextBoxFlag xmlns:ma14="http://schemas.microsoft.com/office/mac/drawingml/2011/main" xmlns="" val="1"/>
             </a:ext>
           </a:extLst>
         </p:spPr>
@@ -7867,7 +9247,6 @@
             </a:lvl1pPr>
           </a:lstStyle>
           <a:p>
-            <a:pPr/>
             <a:r>
               <a:t>Mlst.-Präsentation Nr. 1  /  Gruppe 15</a:t>
             </a:r>
@@ -7877,7 +9256,9 @@
       <p:sp>
         <p:nvSpPr>
           <p:cNvPr id="206" name="Shape 206"/>
-          <p:cNvSpPr/>
+          <p:cNvSpPr>
+            <a:spLocks noGrp="1"/>
+          </p:cNvSpPr>
           <p:nvPr>
             <p:ph type="title"/>
           </p:nvPr>
@@ -7895,7 +9276,7 @@
           <a:bodyPr/>
           <a:lstStyle>
             <a:lvl1pPr>
-              <a:defRPr b="1" sz="2000">
+              <a:defRPr sz="2000" b="1">
                 <a:latin typeface="Arial"/>
                 <a:ea typeface="Arial"/>
                 <a:cs typeface="Arial"/>
@@ -7904,7 +9285,6 @@
             </a:lvl1pPr>
           </a:lstStyle>
           <a:p>
-            <a:pPr/>
             <a:r>
               <a:t>	Technische Eigenheiten</a:t>
             </a:r>
@@ -7914,7 +9294,9 @@
       <p:sp>
         <p:nvSpPr>
           <p:cNvPr id="207" name="Shape 207"/>
-          <p:cNvSpPr/>
+          <p:cNvSpPr>
+            <a:spLocks noGrp="1"/>
+          </p:cNvSpPr>
           <p:nvPr>
             <p:ph type="sldNum" sz="quarter" idx="2"/>
           </p:nvPr>
@@ -7929,7 +9311,7 @@
           </a:prstGeom>
           <a:extLst>
             <a:ext uri="{C572A759-6A51-4108-AA02-DFA0A04FC94B}">
-              <ma14:wrappingTextBoxFlag xmlns:ma14="http://schemas.microsoft.com/office/mac/drawingml/2011/main" val="1"/>
+              <ma14:wrappingTextBoxFlag xmlns:ma14="http://schemas.microsoft.com/office/mac/drawingml/2011/main" xmlns="" val="1"/>
             </a:ext>
           </a:extLst>
         </p:spPr>
@@ -7937,8 +9319,10 @@
           <a:bodyPr/>
           <a:lstStyle/>
           <a:p>
-            <a:pPr/>
-            <a:fld id="{86CB4B4D-7CA3-9044-876B-883B54F8677D}" type="slidenum"/>
+            <a:fld id="{86CB4B4D-7CA3-9044-876B-883B54F8677D}" type="slidenum">
+              <a:t>9</a:t>
+            </a:fld>
+            <a:endParaRPr/>
           </a:p>
         </p:txBody>
       </p:sp>
@@ -7963,7 +9347,7 @@
             <a:miter/>
           </a:ln>
           <a:effectLst>
-            <a:outerShdw sx="100000" sy="100000" kx="0" ky="0" algn="b" rotWithShape="0" blurRad="50800" dist="38100" dir="2700000">
+            <a:outerShdw blurRad="50800" dist="38100" dir="2700000" rotWithShape="0">
               <a:srgbClr val="000000">
                 <a:alpha val="40000"/>
               </a:srgbClr>
@@ -7974,7 +9358,7 @@
           <a:bodyPr lIns="45719" rIns="45719"/>
           <a:lstStyle/>
           <a:p>
-            <a:pPr/>
+            <a:endParaRPr/>
           </a:p>
         </p:txBody>
       </p:sp>
@@ -7987,9 +9371,7 @@
           <p:nvPr/>
         </p:nvPicPr>
         <p:blipFill>
-          <a:blip r:embed="rId2">
-            <a:extLst/>
-          </a:blip>
+          <a:blip r:embed="rId2"/>
           <a:stretch>
             <a:fillRect/>
           </a:stretch>
@@ -8026,7 +9408,7 @@
           </a:ln>
           <a:extLst>
             <a:ext uri="{C572A759-6A51-4108-AA02-DFA0A04FC94B}">
-              <ma14:wrappingTextBoxFlag xmlns:ma14="http://schemas.microsoft.com/office/mac/drawingml/2011/main" val="1"/>
+              <ma14:wrappingTextBoxFlag xmlns:ma14="http://schemas.microsoft.com/office/mac/drawingml/2011/main" xmlns="" val="1"/>
             </a:ext>
           </a:extLst>
         </p:spPr>
@@ -8043,7 +9425,6 @@
             </a:lvl1pPr>
           </a:lstStyle>
           <a:p>
-            <a:pPr/>
             <a:r>
               <a:t>log4j2.properties Datei (Beispiel)</a:t>
             </a:r>
@@ -8059,9 +9440,7 @@
           <p:nvPr/>
         </p:nvPicPr>
         <p:blipFill>
-          <a:blip r:embed="rId3">
-            <a:extLst/>
-          </a:blip>
+          <a:blip r:embed="rId3"/>
           <a:stretch>
             <a:fillRect/>
           </a:stretch>
@@ -8084,12 +9463,12 @@
   <p:clrMapOvr>
     <a:masterClrMapping/>
   </p:clrMapOvr>
-  <p:transition xmlns:p14="http://schemas.microsoft.com/office/powerpoint/2010/main" spd="med" advClick="1" p14:dur="1000"/>
+  <p:transition spd="slow"/>
 </p:sld>
 </file>
 
 <file path=ppt/theme/theme1.xml><?xml version="1.0" encoding="utf-8"?>
-<a:theme xmlns:a="http://schemas.openxmlformats.org/drawingml/2006/main" xmlns:r="http://schemas.openxmlformats.org/officeDocument/2006/relationships" name="Office">
+<a:theme xmlns:a="http://schemas.openxmlformats.org/drawingml/2006/main" name="Office">
   <a:themeElements>
     <a:clrScheme name="Office">
       <a:dk1>
@@ -8291,7 +9670,7 @@
         <a:effectLst/>
         <a:sp3d/>
       </a:spPr>
-      <a:bodyPr rot="0" spcFirstLastPara="1" vertOverflow="overflow" horzOverflow="overflow" vert="horz" wrap="square" lIns="45719" tIns="45719" rIns="45719" bIns="45719" numCol="1" spcCol="38100" rtlCol="0" anchor="ctr" upright="0">
+      <a:bodyPr rot="0" spcFirstLastPara="1" vertOverflow="overflow" horzOverflow="overflow" vert="horz" wrap="square" lIns="45719" tIns="45719" rIns="45719" bIns="45719" numCol="1" spcCol="38100" rtlCol="0" anchor="ctr">
         <a:spAutoFit/>
       </a:bodyPr>
       <a:lstStyle>
@@ -8310,7 +9689,7 @@
           <a:buFontTx/>
           <a:buNone/>
           <a:tabLst/>
-          <a:defRPr b="0" baseline="0" cap="none" i="0" spc="0" strike="noStrike" sz="1800" u="none" kumimoji="0" normalizeH="0">
+          <a:defRPr kumimoji="0" sz="1800" b="0" i="0" u="none" strike="noStrike" cap="none" spc="0" normalizeH="0" baseline="0">
             <a:ln>
               <a:noFill/>
             </a:ln>
@@ -8340,7 +9719,7 @@
           <a:buFontTx/>
           <a:buNone/>
           <a:tabLst/>
-          <a:defRPr b="0" baseline="0" cap="none" i="0" spc="0" strike="noStrike" sz="1800" u="none" kumimoji="0" normalizeH="0">
+          <a:defRPr kumimoji="0" sz="1800" b="0" i="0" u="none" strike="noStrike" cap="none" spc="0" normalizeH="0" baseline="0">
             <a:ln>
               <a:noFill/>
             </a:ln>
@@ -8366,7 +9745,7 @@
           <a:buFontTx/>
           <a:buNone/>
           <a:tabLst/>
-          <a:defRPr b="0" baseline="0" cap="none" i="0" spc="0" strike="noStrike" sz="1800" u="none" kumimoji="0" normalizeH="0">
+          <a:defRPr kumimoji="0" sz="1800" b="0" i="0" u="none" strike="noStrike" cap="none" spc="0" normalizeH="0" baseline="0">
             <a:ln>
               <a:noFill/>
             </a:ln>
@@ -8392,7 +9771,7 @@
           <a:buFontTx/>
           <a:buNone/>
           <a:tabLst/>
-          <a:defRPr b="0" baseline="0" cap="none" i="0" spc="0" strike="noStrike" sz="1800" u="none" kumimoji="0" normalizeH="0">
+          <a:defRPr kumimoji="0" sz="1800" b="0" i="0" u="none" strike="noStrike" cap="none" spc="0" normalizeH="0" baseline="0">
             <a:ln>
               <a:noFill/>
             </a:ln>
@@ -8418,7 +9797,7 @@
           <a:buFontTx/>
           <a:buNone/>
           <a:tabLst/>
-          <a:defRPr b="0" baseline="0" cap="none" i="0" spc="0" strike="noStrike" sz="1800" u="none" kumimoji="0" normalizeH="0">
+          <a:defRPr kumimoji="0" sz="1800" b="0" i="0" u="none" strike="noStrike" cap="none" spc="0" normalizeH="0" baseline="0">
             <a:ln>
               <a:noFill/>
             </a:ln>
@@ -8444,7 +9823,7 @@
           <a:buFontTx/>
           <a:buNone/>
           <a:tabLst/>
-          <a:defRPr b="0" baseline="0" cap="none" i="0" spc="0" strike="noStrike" sz="1800" u="none" kumimoji="0" normalizeH="0">
+          <a:defRPr kumimoji="0" sz="1800" b="0" i="0" u="none" strike="noStrike" cap="none" spc="0" normalizeH="0" baseline="0">
             <a:ln>
               <a:noFill/>
             </a:ln>
@@ -8470,7 +9849,7 @@
           <a:buFontTx/>
           <a:buNone/>
           <a:tabLst/>
-          <a:defRPr b="0" baseline="0" cap="none" i="0" spc="0" strike="noStrike" sz="1800" u="none" kumimoji="0" normalizeH="0">
+          <a:defRPr kumimoji="0" sz="1800" b="0" i="0" u="none" strike="noStrike" cap="none" spc="0" normalizeH="0" baseline="0">
             <a:ln>
               <a:noFill/>
             </a:ln>
@@ -8496,7 +9875,7 @@
           <a:buFontTx/>
           <a:buNone/>
           <a:tabLst/>
-          <a:defRPr b="0" baseline="0" cap="none" i="0" spc="0" strike="noStrike" sz="1800" u="none" kumimoji="0" normalizeH="0">
+          <a:defRPr kumimoji="0" sz="1800" b="0" i="0" u="none" strike="noStrike" cap="none" spc="0" normalizeH="0" baseline="0">
             <a:ln>
               <a:noFill/>
             </a:ln>
@@ -8522,7 +9901,7 @@
           <a:buFontTx/>
           <a:buNone/>
           <a:tabLst/>
-          <a:defRPr b="0" baseline="0" cap="none" i="0" spc="0" strike="noStrike" sz="1800" u="none" kumimoji="0" normalizeH="0">
+          <a:defRPr kumimoji="0" sz="1800" b="0" i="0" u="none" strike="noStrike" cap="none" spc="0" normalizeH="0" baseline="0">
             <a:ln>
               <a:noFill/>
             </a:ln>
@@ -8548,7 +9927,7 @@
           <a:buFontTx/>
           <a:buNone/>
           <a:tabLst/>
-          <a:defRPr b="0" baseline="0" cap="none" i="0" spc="0" strike="noStrike" sz="1800" u="none" kumimoji="0" normalizeH="0">
+          <a:defRPr kumimoji="0" sz="1800" b="0" i="0" u="none" strike="noStrike" cap="none" spc="0" normalizeH="0" baseline="0">
             <a:ln>
               <a:noFill/>
             </a:ln>
@@ -8561,9 +9940,15 @@
         </a:lvl9pPr>
       </a:lstStyle>
       <a:style>
-        <a:lnRef idx="0"/>
-        <a:fillRef idx="0"/>
-        <a:effectRef idx="0"/>
+        <a:lnRef idx="0">
+          <a:scrgbClr r="0" g="0" b="0"/>
+        </a:lnRef>
+        <a:fillRef idx="0">
+          <a:scrgbClr r="0" g="0" b="0"/>
+        </a:fillRef>
+        <a:effectRef idx="0">
+          <a:scrgbClr r="0" g="0" b="0"/>
+        </a:effectRef>
         <a:fontRef idx="none"/>
       </a:style>
     </a:spDef>
@@ -8580,7 +9965,7 @@
         <a:effectLst/>
         <a:sp3d/>
       </a:spPr>
-      <a:bodyPr rot="0" spcFirstLastPara="1" vertOverflow="overflow" horzOverflow="overflow" vert="horz" wrap="square" lIns="91439" tIns="45719" rIns="91439" bIns="45719" numCol="1" spcCol="38100" rtlCol="0" anchor="t" upright="0">
+      <a:bodyPr rot="0" spcFirstLastPara="1" vertOverflow="overflow" horzOverflow="overflow" vert="horz" wrap="square" lIns="91439" tIns="45719" rIns="91439" bIns="45719" numCol="1" spcCol="38100" rtlCol="0" anchor="t">
         <a:noAutofit/>
       </a:bodyPr>
       <a:lstStyle>
@@ -8599,7 +9984,7 @@
           <a:buFontTx/>
           <a:buNone/>
           <a:tabLst/>
-          <a:defRPr b="0" baseline="0" cap="none" i="0" spc="0" strike="noStrike" sz="1800" u="none" kumimoji="0" normalizeH="0">
+          <a:defRPr kumimoji="0" sz="1800" b="0" i="0" u="none" strike="noStrike" cap="none" spc="0" normalizeH="0" baseline="0">
             <a:ln>
               <a:noFill/>
             </a:ln>
@@ -8625,7 +10010,7 @@
           <a:buFontTx/>
           <a:buNone/>
           <a:tabLst/>
-          <a:defRPr b="0" baseline="0" cap="none" i="0" spc="0" strike="noStrike" sz="1800" u="none" kumimoji="0" normalizeH="0">
+          <a:defRPr kumimoji="0" sz="1800" b="0" i="0" u="none" strike="noStrike" cap="none" spc="0" normalizeH="0" baseline="0">
             <a:ln>
               <a:noFill/>
             </a:ln>
@@ -8651,7 +10036,7 @@
           <a:buFontTx/>
           <a:buNone/>
           <a:tabLst/>
-          <a:defRPr b="0" baseline="0" cap="none" i="0" spc="0" strike="noStrike" sz="1800" u="none" kumimoji="0" normalizeH="0">
+          <a:defRPr kumimoji="0" sz="1800" b="0" i="0" u="none" strike="noStrike" cap="none" spc="0" normalizeH="0" baseline="0">
             <a:ln>
               <a:noFill/>
             </a:ln>
@@ -8677,7 +10062,7 @@
           <a:buFontTx/>
           <a:buNone/>
           <a:tabLst/>
-          <a:defRPr b="0" baseline="0" cap="none" i="0" spc="0" strike="noStrike" sz="1800" u="none" kumimoji="0" normalizeH="0">
+          <a:defRPr kumimoji="0" sz="1800" b="0" i="0" u="none" strike="noStrike" cap="none" spc="0" normalizeH="0" baseline="0">
             <a:ln>
               <a:noFill/>
             </a:ln>
@@ -8703,7 +10088,7 @@
           <a:buFontTx/>
           <a:buNone/>
           <a:tabLst/>
-          <a:defRPr b="0" baseline="0" cap="none" i="0" spc="0" strike="noStrike" sz="1800" u="none" kumimoji="0" normalizeH="0">
+          <a:defRPr kumimoji="0" sz="1800" b="0" i="0" u="none" strike="noStrike" cap="none" spc="0" normalizeH="0" baseline="0">
             <a:ln>
               <a:noFill/>
             </a:ln>
@@ -8729,7 +10114,7 @@
           <a:buFontTx/>
           <a:buNone/>
           <a:tabLst/>
-          <a:defRPr b="0" baseline="0" cap="none" i="0" spc="0" strike="noStrike" sz="1800" u="none" kumimoji="0" normalizeH="0">
+          <a:defRPr kumimoji="0" sz="1800" b="0" i="0" u="none" strike="noStrike" cap="none" spc="0" normalizeH="0" baseline="0">
             <a:ln>
               <a:noFill/>
             </a:ln>
@@ -8755,7 +10140,7 @@
           <a:buFontTx/>
           <a:buNone/>
           <a:tabLst/>
-          <a:defRPr b="0" baseline="0" cap="none" i="0" spc="0" strike="noStrike" sz="1800" u="none" kumimoji="0" normalizeH="0">
+          <a:defRPr kumimoji="0" sz="1800" b="0" i="0" u="none" strike="noStrike" cap="none" spc="0" normalizeH="0" baseline="0">
             <a:ln>
               <a:noFill/>
             </a:ln>
@@ -8781,7 +10166,7 @@
           <a:buFontTx/>
           <a:buNone/>
           <a:tabLst/>
-          <a:defRPr b="0" baseline="0" cap="none" i="0" spc="0" strike="noStrike" sz="1800" u="none" kumimoji="0" normalizeH="0">
+          <a:defRPr kumimoji="0" sz="1800" b="0" i="0" u="none" strike="noStrike" cap="none" spc="0" normalizeH="0" baseline="0">
             <a:ln>
               <a:noFill/>
             </a:ln>
@@ -8807,7 +10192,7 @@
           <a:buFontTx/>
           <a:buNone/>
           <a:tabLst/>
-          <a:defRPr b="0" baseline="0" cap="none" i="0" spc="0" strike="noStrike" sz="1800" u="none" kumimoji="0" normalizeH="0">
+          <a:defRPr kumimoji="0" sz="1800" b="0" i="0" u="none" strike="noStrike" cap="none" spc="0" normalizeH="0" baseline="0">
             <a:ln>
               <a:noFill/>
             </a:ln>
@@ -8833,7 +10218,7 @@
           <a:buFontTx/>
           <a:buNone/>
           <a:tabLst/>
-          <a:defRPr b="0" baseline="0" cap="none" i="0" spc="0" strike="noStrike" sz="1800" u="none" kumimoji="0" normalizeH="0">
+          <a:defRPr kumimoji="0" sz="1800" b="0" i="0" u="none" strike="noStrike" cap="none" spc="0" normalizeH="0" baseline="0">
             <a:ln>
               <a:noFill/>
             </a:ln>
@@ -8846,9 +10231,15 @@
         </a:lvl9pPr>
       </a:lstStyle>
       <a:style>
-        <a:lnRef idx="0"/>
-        <a:fillRef idx="0"/>
-        <a:effectRef idx="0"/>
+        <a:lnRef idx="0">
+          <a:scrgbClr r="0" g="0" b="0"/>
+        </a:lnRef>
+        <a:fillRef idx="0">
+          <a:scrgbClr r="0" g="0" b="0"/>
+        </a:fillRef>
+        <a:effectRef idx="0">
+          <a:scrgbClr r="0" g="0" b="0"/>
+        </a:effectRef>
         <a:fontRef idx="none"/>
       </a:style>
     </a:lnDef>
@@ -8862,7 +10253,7 @@
         <a:effectLst/>
         <a:sp3d/>
       </a:spPr>
-      <a:bodyPr rot="0" spcFirstLastPara="1" vertOverflow="overflow" horzOverflow="overflow" vert="horz" wrap="square" lIns="45719" tIns="45719" rIns="45719" bIns="45719" numCol="1" spcCol="38100" rtlCol="0" anchor="t" upright="0">
+      <a:bodyPr rot="0" spcFirstLastPara="1" vertOverflow="overflow" horzOverflow="overflow" vert="horz" wrap="square" lIns="45719" tIns="45719" rIns="45719" bIns="45719" numCol="1" spcCol="38100" rtlCol="0" anchor="t">
         <a:spAutoFit/>
       </a:bodyPr>
       <a:lstStyle>
@@ -8881,7 +10272,7 @@
           <a:buFontTx/>
           <a:buNone/>
           <a:tabLst/>
-          <a:defRPr b="0" baseline="0" cap="none" i="0" spc="0" strike="noStrike" sz="1800" u="none" kumimoji="0" normalizeH="0">
+          <a:defRPr kumimoji="0" sz="1800" b="0" i="0" u="none" strike="noStrike" cap="none" spc="0" normalizeH="0" baseline="0">
             <a:ln>
               <a:noFill/>
             </a:ln>
@@ -8911,7 +10302,7 @@
           <a:buFontTx/>
           <a:buNone/>
           <a:tabLst/>
-          <a:defRPr b="0" baseline="0" cap="none" i="0" spc="0" strike="noStrike" sz="1800" u="none" kumimoji="0" normalizeH="0">
+          <a:defRPr kumimoji="0" sz="1800" b="0" i="0" u="none" strike="noStrike" cap="none" spc="0" normalizeH="0" baseline="0">
             <a:ln>
               <a:noFill/>
             </a:ln>
@@ -8937,7 +10328,7 @@
           <a:buFontTx/>
           <a:buNone/>
           <a:tabLst/>
-          <a:defRPr b="0" baseline="0" cap="none" i="0" spc="0" strike="noStrike" sz="1800" u="none" kumimoji="0" normalizeH="0">
+          <a:defRPr kumimoji="0" sz="1800" b="0" i="0" u="none" strike="noStrike" cap="none" spc="0" normalizeH="0" baseline="0">
             <a:ln>
               <a:noFill/>
             </a:ln>
@@ -8963,7 +10354,7 @@
           <a:buFontTx/>
           <a:buNone/>
           <a:tabLst/>
-          <a:defRPr b="0" baseline="0" cap="none" i="0" spc="0" strike="noStrike" sz="1800" u="none" kumimoji="0" normalizeH="0">
+          <a:defRPr kumimoji="0" sz="1800" b="0" i="0" u="none" strike="noStrike" cap="none" spc="0" normalizeH="0" baseline="0">
             <a:ln>
               <a:noFill/>
             </a:ln>
@@ -8989,7 +10380,7 @@
           <a:buFontTx/>
           <a:buNone/>
           <a:tabLst/>
-          <a:defRPr b="0" baseline="0" cap="none" i="0" spc="0" strike="noStrike" sz="1800" u="none" kumimoji="0" normalizeH="0">
+          <a:defRPr kumimoji="0" sz="1800" b="0" i="0" u="none" strike="noStrike" cap="none" spc="0" normalizeH="0" baseline="0">
             <a:ln>
               <a:noFill/>
             </a:ln>
@@ -9015,7 +10406,7 @@
           <a:buFontTx/>
           <a:buNone/>
           <a:tabLst/>
-          <a:defRPr b="0" baseline="0" cap="none" i="0" spc="0" strike="noStrike" sz="1800" u="none" kumimoji="0" normalizeH="0">
+          <a:defRPr kumimoji="0" sz="1800" b="0" i="0" u="none" strike="noStrike" cap="none" spc="0" normalizeH="0" baseline="0">
             <a:ln>
               <a:noFill/>
             </a:ln>
@@ -9041,7 +10432,7 @@
           <a:buFontTx/>
           <a:buNone/>
           <a:tabLst/>
-          <a:defRPr b="0" baseline="0" cap="none" i="0" spc="0" strike="noStrike" sz="1800" u="none" kumimoji="0" normalizeH="0">
+          <a:defRPr kumimoji="0" sz="1800" b="0" i="0" u="none" strike="noStrike" cap="none" spc="0" normalizeH="0" baseline="0">
             <a:ln>
               <a:noFill/>
             </a:ln>
@@ -9067,7 +10458,7 @@
           <a:buFontTx/>
           <a:buNone/>
           <a:tabLst/>
-          <a:defRPr b="0" baseline="0" cap="none" i="0" spc="0" strike="noStrike" sz="1800" u="none" kumimoji="0" normalizeH="0">
+          <a:defRPr kumimoji="0" sz="1800" b="0" i="0" u="none" strike="noStrike" cap="none" spc="0" normalizeH="0" baseline="0">
             <a:ln>
               <a:noFill/>
             </a:ln>
@@ -9093,7 +10484,7 @@
           <a:buFontTx/>
           <a:buNone/>
           <a:tabLst/>
-          <a:defRPr b="0" baseline="0" cap="none" i="0" spc="0" strike="noStrike" sz="1800" u="none" kumimoji="0" normalizeH="0">
+          <a:defRPr kumimoji="0" sz="1800" b="0" i="0" u="none" strike="noStrike" cap="none" spc="0" normalizeH="0" baseline="0">
             <a:ln>
               <a:noFill/>
             </a:ln>
@@ -9119,7 +10510,7 @@
           <a:buFontTx/>
           <a:buNone/>
           <a:tabLst/>
-          <a:defRPr b="0" baseline="0" cap="none" i="0" spc="0" strike="noStrike" sz="1800" u="none" kumimoji="0" normalizeH="0">
+          <a:defRPr kumimoji="0" sz="1800" b="0" i="0" u="none" strike="noStrike" cap="none" spc="0" normalizeH="0" baseline="0">
             <a:ln>
               <a:noFill/>
             </a:ln>
@@ -9132,18 +10523,25 @@
         </a:lvl9pPr>
       </a:lstStyle>
       <a:style>
-        <a:lnRef idx="0"/>
-        <a:fillRef idx="0"/>
-        <a:effectRef idx="0"/>
+        <a:lnRef idx="0">
+          <a:scrgbClr r="0" g="0" b="0"/>
+        </a:lnRef>
+        <a:fillRef idx="0">
+          <a:scrgbClr r="0" g="0" b="0"/>
+        </a:fillRef>
+        <a:effectRef idx="0">
+          <a:scrgbClr r="0" g="0" b="0"/>
+        </a:effectRef>
         <a:fontRef idx="none"/>
       </a:style>
     </a:txDef>
   </a:objectDefaults>
+  <a:extraClrSchemeLst/>
 </a:theme>
 </file>
 
 <file path=ppt/theme/theme2.xml><?xml version="1.0" encoding="utf-8"?>
-<a:theme xmlns:a="http://schemas.openxmlformats.org/drawingml/2006/main" xmlns:r="http://schemas.openxmlformats.org/officeDocument/2006/relationships" name="Office">
+<a:theme xmlns:a="http://schemas.openxmlformats.org/drawingml/2006/main" name="Office">
   <a:themeElements>
     <a:clrScheme name="Office">
       <a:dk1>
@@ -9345,7 +10743,7 @@
         <a:effectLst/>
         <a:sp3d/>
       </a:spPr>
-      <a:bodyPr rot="0" spcFirstLastPara="1" vertOverflow="overflow" horzOverflow="overflow" vert="horz" wrap="square" lIns="45719" tIns="45719" rIns="45719" bIns="45719" numCol="1" spcCol="38100" rtlCol="0" anchor="ctr" upright="0">
+      <a:bodyPr rot="0" spcFirstLastPara="1" vertOverflow="overflow" horzOverflow="overflow" vert="horz" wrap="square" lIns="45719" tIns="45719" rIns="45719" bIns="45719" numCol="1" spcCol="38100" rtlCol="0" anchor="ctr">
         <a:spAutoFit/>
       </a:bodyPr>
       <a:lstStyle>
@@ -9364,7 +10762,7 @@
           <a:buFontTx/>
           <a:buNone/>
           <a:tabLst/>
-          <a:defRPr b="0" baseline="0" cap="none" i="0" spc="0" strike="noStrike" sz="1800" u="none" kumimoji="0" normalizeH="0">
+          <a:defRPr kumimoji="0" sz="1800" b="0" i="0" u="none" strike="noStrike" cap="none" spc="0" normalizeH="0" baseline="0">
             <a:ln>
               <a:noFill/>
             </a:ln>
@@ -9394,7 +10792,7 @@
           <a:buFontTx/>
           <a:buNone/>
           <a:tabLst/>
-          <a:defRPr b="0" baseline="0" cap="none" i="0" spc="0" strike="noStrike" sz="1800" u="none" kumimoji="0" normalizeH="0">
+          <a:defRPr kumimoji="0" sz="1800" b="0" i="0" u="none" strike="noStrike" cap="none" spc="0" normalizeH="0" baseline="0">
             <a:ln>
               <a:noFill/>
             </a:ln>
@@ -9420,7 +10818,7 @@
           <a:buFontTx/>
           <a:buNone/>
           <a:tabLst/>
-          <a:defRPr b="0" baseline="0" cap="none" i="0" spc="0" strike="noStrike" sz="1800" u="none" kumimoji="0" normalizeH="0">
+          <a:defRPr kumimoji="0" sz="1800" b="0" i="0" u="none" strike="noStrike" cap="none" spc="0" normalizeH="0" baseline="0">
             <a:ln>
               <a:noFill/>
             </a:ln>
@@ -9446,7 +10844,7 @@
           <a:buFontTx/>
           <a:buNone/>
           <a:tabLst/>
-          <a:defRPr b="0" baseline="0" cap="none" i="0" spc="0" strike="noStrike" sz="1800" u="none" kumimoji="0" normalizeH="0">
+          <a:defRPr kumimoji="0" sz="1800" b="0" i="0" u="none" strike="noStrike" cap="none" spc="0" normalizeH="0" baseline="0">
             <a:ln>
               <a:noFill/>
             </a:ln>
@@ -9472,7 +10870,7 @@
           <a:buFontTx/>
           <a:buNone/>
           <a:tabLst/>
-          <a:defRPr b="0" baseline="0" cap="none" i="0" spc="0" strike="noStrike" sz="1800" u="none" kumimoji="0" normalizeH="0">
+          <a:defRPr kumimoji="0" sz="1800" b="0" i="0" u="none" strike="noStrike" cap="none" spc="0" normalizeH="0" baseline="0">
             <a:ln>
               <a:noFill/>
             </a:ln>
@@ -9498,7 +10896,7 @@
           <a:buFontTx/>
           <a:buNone/>
           <a:tabLst/>
-          <a:defRPr b="0" baseline="0" cap="none" i="0" spc="0" strike="noStrike" sz="1800" u="none" kumimoji="0" normalizeH="0">
+          <a:defRPr kumimoji="0" sz="1800" b="0" i="0" u="none" strike="noStrike" cap="none" spc="0" normalizeH="0" baseline="0">
             <a:ln>
               <a:noFill/>
             </a:ln>
@@ -9524,7 +10922,7 @@
           <a:buFontTx/>
           <a:buNone/>
           <a:tabLst/>
-          <a:defRPr b="0" baseline="0" cap="none" i="0" spc="0" strike="noStrike" sz="1800" u="none" kumimoji="0" normalizeH="0">
+          <a:defRPr kumimoji="0" sz="1800" b="0" i="0" u="none" strike="noStrike" cap="none" spc="0" normalizeH="0" baseline="0">
             <a:ln>
               <a:noFill/>
             </a:ln>
@@ -9550,7 +10948,7 @@
           <a:buFontTx/>
           <a:buNone/>
           <a:tabLst/>
-          <a:defRPr b="0" baseline="0" cap="none" i="0" spc="0" strike="noStrike" sz="1800" u="none" kumimoji="0" normalizeH="0">
+          <a:defRPr kumimoji="0" sz="1800" b="0" i="0" u="none" strike="noStrike" cap="none" spc="0" normalizeH="0" baseline="0">
             <a:ln>
               <a:noFill/>
             </a:ln>
@@ -9576,7 +10974,7 @@
           <a:buFontTx/>
           <a:buNone/>
           <a:tabLst/>
-          <a:defRPr b="0" baseline="0" cap="none" i="0" spc="0" strike="noStrike" sz="1800" u="none" kumimoji="0" normalizeH="0">
+          <a:defRPr kumimoji="0" sz="1800" b="0" i="0" u="none" strike="noStrike" cap="none" spc="0" normalizeH="0" baseline="0">
             <a:ln>
               <a:noFill/>
             </a:ln>
@@ -9602,7 +11000,7 @@
           <a:buFontTx/>
           <a:buNone/>
           <a:tabLst/>
-          <a:defRPr b="0" baseline="0" cap="none" i="0" spc="0" strike="noStrike" sz="1800" u="none" kumimoji="0" normalizeH="0">
+          <a:defRPr kumimoji="0" sz="1800" b="0" i="0" u="none" strike="noStrike" cap="none" spc="0" normalizeH="0" baseline="0">
             <a:ln>
               <a:noFill/>
             </a:ln>
@@ -9615,9 +11013,15 @@
         </a:lvl9pPr>
       </a:lstStyle>
       <a:style>
-        <a:lnRef idx="0"/>
-        <a:fillRef idx="0"/>
-        <a:effectRef idx="0"/>
+        <a:lnRef idx="0">
+          <a:scrgbClr r="0" g="0" b="0"/>
+        </a:lnRef>
+        <a:fillRef idx="0">
+          <a:scrgbClr r="0" g="0" b="0"/>
+        </a:fillRef>
+        <a:effectRef idx="0">
+          <a:scrgbClr r="0" g="0" b="0"/>
+        </a:effectRef>
         <a:fontRef idx="none"/>
       </a:style>
     </a:spDef>
@@ -9634,7 +11038,7 @@
         <a:effectLst/>
         <a:sp3d/>
       </a:spPr>
-      <a:bodyPr rot="0" spcFirstLastPara="1" vertOverflow="overflow" horzOverflow="overflow" vert="horz" wrap="square" lIns="91439" tIns="45719" rIns="91439" bIns="45719" numCol="1" spcCol="38100" rtlCol="0" anchor="t" upright="0">
+      <a:bodyPr rot="0" spcFirstLastPara="1" vertOverflow="overflow" horzOverflow="overflow" vert="horz" wrap="square" lIns="91439" tIns="45719" rIns="91439" bIns="45719" numCol="1" spcCol="38100" rtlCol="0" anchor="t">
         <a:noAutofit/>
       </a:bodyPr>
       <a:lstStyle>
@@ -9653,7 +11057,7 @@
           <a:buFontTx/>
           <a:buNone/>
           <a:tabLst/>
-          <a:defRPr b="0" baseline="0" cap="none" i="0" spc="0" strike="noStrike" sz="1800" u="none" kumimoji="0" normalizeH="0">
+          <a:defRPr kumimoji="0" sz="1800" b="0" i="0" u="none" strike="noStrike" cap="none" spc="0" normalizeH="0" baseline="0">
             <a:ln>
               <a:noFill/>
             </a:ln>
@@ -9679,7 +11083,7 @@
           <a:buFontTx/>
           <a:buNone/>
           <a:tabLst/>
-          <a:defRPr b="0" baseline="0" cap="none" i="0" spc="0" strike="noStrike" sz="1800" u="none" kumimoji="0" normalizeH="0">
+          <a:defRPr kumimoji="0" sz="1800" b="0" i="0" u="none" strike="noStrike" cap="none" spc="0" normalizeH="0" baseline="0">
             <a:ln>
               <a:noFill/>
             </a:ln>
@@ -9705,7 +11109,7 @@
           <a:buFontTx/>
           <a:buNone/>
           <a:tabLst/>
-          <a:defRPr b="0" baseline="0" cap="none" i="0" spc="0" strike="noStrike" sz="1800" u="none" kumimoji="0" normalizeH="0">
+          <a:defRPr kumimoji="0" sz="1800" b="0" i="0" u="none" strike="noStrike" cap="none" spc="0" normalizeH="0" baseline="0">
             <a:ln>
               <a:noFill/>
             </a:ln>
@@ -9731,7 +11135,7 @@
           <a:buFontTx/>
           <a:buNone/>
           <a:tabLst/>
-          <a:defRPr b="0" baseline="0" cap="none" i="0" spc="0" strike="noStrike" sz="1800" u="none" kumimoji="0" normalizeH="0">
+          <a:defRPr kumimoji="0" sz="1800" b="0" i="0" u="none" strike="noStrike" cap="none" spc="0" normalizeH="0" baseline="0">
             <a:ln>
               <a:noFill/>
             </a:ln>
@@ -9757,7 +11161,7 @@
           <a:buFontTx/>
           <a:buNone/>
           <a:tabLst/>
-          <a:defRPr b="0" baseline="0" cap="none" i="0" spc="0" strike="noStrike" sz="1800" u="none" kumimoji="0" normalizeH="0">
+          <a:defRPr kumimoji="0" sz="1800" b="0" i="0" u="none" strike="noStrike" cap="none" spc="0" normalizeH="0" baseline="0">
             <a:ln>
               <a:noFill/>
             </a:ln>
@@ -9783,7 +11187,7 @@
           <a:buFontTx/>
           <a:buNone/>
           <a:tabLst/>
-          <a:defRPr b="0" baseline="0" cap="none" i="0" spc="0" strike="noStrike" sz="1800" u="none" kumimoji="0" normalizeH="0">
+          <a:defRPr kumimoji="0" sz="1800" b="0" i="0" u="none" strike="noStrike" cap="none" spc="0" normalizeH="0" baseline="0">
             <a:ln>
               <a:noFill/>
             </a:ln>
@@ -9809,7 +11213,7 @@
           <a:buFontTx/>
           <a:buNone/>
           <a:tabLst/>
-          <a:defRPr b="0" baseline="0" cap="none" i="0" spc="0" strike="noStrike" sz="1800" u="none" kumimoji="0" normalizeH="0">
+          <a:defRPr kumimoji="0" sz="1800" b="0" i="0" u="none" strike="noStrike" cap="none" spc="0" normalizeH="0" baseline="0">
             <a:ln>
               <a:noFill/>
             </a:ln>
@@ -9835,7 +11239,7 @@
           <a:buFontTx/>
           <a:buNone/>
           <a:tabLst/>
-          <a:defRPr b="0" baseline="0" cap="none" i="0" spc="0" strike="noStrike" sz="1800" u="none" kumimoji="0" normalizeH="0">
+          <a:defRPr kumimoji="0" sz="1800" b="0" i="0" u="none" strike="noStrike" cap="none" spc="0" normalizeH="0" baseline="0">
             <a:ln>
               <a:noFill/>
             </a:ln>
@@ -9861,7 +11265,7 @@
           <a:buFontTx/>
           <a:buNone/>
           <a:tabLst/>
-          <a:defRPr b="0" baseline="0" cap="none" i="0" spc="0" strike="noStrike" sz="1800" u="none" kumimoji="0" normalizeH="0">
+          <a:defRPr kumimoji="0" sz="1800" b="0" i="0" u="none" strike="noStrike" cap="none" spc="0" normalizeH="0" baseline="0">
             <a:ln>
               <a:noFill/>
             </a:ln>
@@ -9887,7 +11291,7 @@
           <a:buFontTx/>
           <a:buNone/>
           <a:tabLst/>
-          <a:defRPr b="0" baseline="0" cap="none" i="0" spc="0" strike="noStrike" sz="1800" u="none" kumimoji="0" normalizeH="0">
+          <a:defRPr kumimoji="0" sz="1800" b="0" i="0" u="none" strike="noStrike" cap="none" spc="0" normalizeH="0" baseline="0">
             <a:ln>
               <a:noFill/>
             </a:ln>
@@ -9900,9 +11304,15 @@
         </a:lvl9pPr>
       </a:lstStyle>
       <a:style>
-        <a:lnRef idx="0"/>
-        <a:fillRef idx="0"/>
-        <a:effectRef idx="0"/>
+        <a:lnRef idx="0">
+          <a:scrgbClr r="0" g="0" b="0"/>
+        </a:lnRef>
+        <a:fillRef idx="0">
+          <a:scrgbClr r="0" g="0" b="0"/>
+        </a:fillRef>
+        <a:effectRef idx="0">
+          <a:scrgbClr r="0" g="0" b="0"/>
+        </a:effectRef>
         <a:fontRef idx="none"/>
       </a:style>
     </a:lnDef>
@@ -9916,7 +11326,7 @@
         <a:effectLst/>
         <a:sp3d/>
       </a:spPr>
-      <a:bodyPr rot="0" spcFirstLastPara="1" vertOverflow="overflow" horzOverflow="overflow" vert="horz" wrap="square" lIns="45719" tIns="45719" rIns="45719" bIns="45719" numCol="1" spcCol="38100" rtlCol="0" anchor="t" upright="0">
+      <a:bodyPr rot="0" spcFirstLastPara="1" vertOverflow="overflow" horzOverflow="overflow" vert="horz" wrap="square" lIns="45719" tIns="45719" rIns="45719" bIns="45719" numCol="1" spcCol="38100" rtlCol="0" anchor="t">
         <a:spAutoFit/>
       </a:bodyPr>
       <a:lstStyle>
@@ -9935,7 +11345,7 @@
           <a:buFontTx/>
           <a:buNone/>
           <a:tabLst/>
-          <a:defRPr b="0" baseline="0" cap="none" i="0" spc="0" strike="noStrike" sz="1800" u="none" kumimoji="0" normalizeH="0">
+          <a:defRPr kumimoji="0" sz="1800" b="0" i="0" u="none" strike="noStrike" cap="none" spc="0" normalizeH="0" baseline="0">
             <a:ln>
               <a:noFill/>
             </a:ln>
@@ -9965,7 +11375,7 @@
           <a:buFontTx/>
           <a:buNone/>
           <a:tabLst/>
-          <a:defRPr b="0" baseline="0" cap="none" i="0" spc="0" strike="noStrike" sz="1800" u="none" kumimoji="0" normalizeH="0">
+          <a:defRPr kumimoji="0" sz="1800" b="0" i="0" u="none" strike="noStrike" cap="none" spc="0" normalizeH="0" baseline="0">
             <a:ln>
               <a:noFill/>
             </a:ln>
@@ -9991,7 +11401,7 @@
           <a:buFontTx/>
           <a:buNone/>
           <a:tabLst/>
-          <a:defRPr b="0" baseline="0" cap="none" i="0" spc="0" strike="noStrike" sz="1800" u="none" kumimoji="0" normalizeH="0">
+          <a:defRPr kumimoji="0" sz="1800" b="0" i="0" u="none" strike="noStrike" cap="none" spc="0" normalizeH="0" baseline="0">
             <a:ln>
               <a:noFill/>
             </a:ln>
@@ -10017,7 +11427,7 @@
           <a:buFontTx/>
           <a:buNone/>
           <a:tabLst/>
-          <a:defRPr b="0" baseline="0" cap="none" i="0" spc="0" strike="noStrike" sz="1800" u="none" kumimoji="0" normalizeH="0">
+          <a:defRPr kumimoji="0" sz="1800" b="0" i="0" u="none" strike="noStrike" cap="none" spc="0" normalizeH="0" baseline="0">
             <a:ln>
               <a:noFill/>
             </a:ln>
@@ -10043,7 +11453,7 @@
           <a:buFontTx/>
           <a:buNone/>
           <a:tabLst/>
-          <a:defRPr b="0" baseline="0" cap="none" i="0" spc="0" strike="noStrike" sz="1800" u="none" kumimoji="0" normalizeH="0">
+          <a:defRPr kumimoji="0" sz="1800" b="0" i="0" u="none" strike="noStrike" cap="none" spc="0" normalizeH="0" baseline="0">
             <a:ln>
               <a:noFill/>
             </a:ln>
@@ -10069,7 +11479,7 @@
           <a:buFontTx/>
           <a:buNone/>
           <a:tabLst/>
-          <a:defRPr b="0" baseline="0" cap="none" i="0" spc="0" strike="noStrike" sz="1800" u="none" kumimoji="0" normalizeH="0">
+          <a:defRPr kumimoji="0" sz="1800" b="0" i="0" u="none" strike="noStrike" cap="none" spc="0" normalizeH="0" baseline="0">
             <a:ln>
               <a:noFill/>
             </a:ln>
@@ -10095,7 +11505,7 @@
           <a:buFontTx/>
           <a:buNone/>
           <a:tabLst/>
-          <a:defRPr b="0" baseline="0" cap="none" i="0" spc="0" strike="noStrike" sz="1800" u="none" kumimoji="0" normalizeH="0">
+          <a:defRPr kumimoji="0" sz="1800" b="0" i="0" u="none" strike="noStrike" cap="none" spc="0" normalizeH="0" baseline="0">
             <a:ln>
               <a:noFill/>
             </a:ln>
@@ -10121,7 +11531,7 @@
           <a:buFontTx/>
           <a:buNone/>
           <a:tabLst/>
-          <a:defRPr b="0" baseline="0" cap="none" i="0" spc="0" strike="noStrike" sz="1800" u="none" kumimoji="0" normalizeH="0">
+          <a:defRPr kumimoji="0" sz="1800" b="0" i="0" u="none" strike="noStrike" cap="none" spc="0" normalizeH="0" baseline="0">
             <a:ln>
               <a:noFill/>
             </a:ln>
@@ -10147,7 +11557,7 @@
           <a:buFontTx/>
           <a:buNone/>
           <a:tabLst/>
-          <a:defRPr b="0" baseline="0" cap="none" i="0" spc="0" strike="noStrike" sz="1800" u="none" kumimoji="0" normalizeH="0">
+          <a:defRPr kumimoji="0" sz="1800" b="0" i="0" u="none" strike="noStrike" cap="none" spc="0" normalizeH="0" baseline="0">
             <a:ln>
               <a:noFill/>
             </a:ln>
@@ -10173,7 +11583,7 @@
           <a:buFontTx/>
           <a:buNone/>
           <a:tabLst/>
-          <a:defRPr b="0" baseline="0" cap="none" i="0" spc="0" strike="noStrike" sz="1800" u="none" kumimoji="0" normalizeH="0">
+          <a:defRPr kumimoji="0" sz="1800" b="0" i="0" u="none" strike="noStrike" cap="none" spc="0" normalizeH="0" baseline="0">
             <a:ln>
               <a:noFill/>
             </a:ln>
@@ -10186,12 +11596,19 @@
         </a:lvl9pPr>
       </a:lstStyle>
       <a:style>
-        <a:lnRef idx="0"/>
-        <a:fillRef idx="0"/>
-        <a:effectRef idx="0"/>
+        <a:lnRef idx="0">
+          <a:scrgbClr r="0" g="0" b="0"/>
+        </a:lnRef>
+        <a:fillRef idx="0">
+          <a:scrgbClr r="0" g="0" b="0"/>
+        </a:fillRef>
+        <a:effectRef idx="0">
+          <a:scrgbClr r="0" g="0" b="0"/>
+        </a:effectRef>
         <a:fontRef idx="none"/>
       </a:style>
     </a:txDef>
   </a:objectDefaults>
+  <a:extraClrSchemeLst/>
 </a:theme>
 </file>
--- a/00_General/Presentation/MS 3/Presentation_Milestone_iii_Master.pptx
+++ b/00_General/Presentation/MS 3/Presentation_Milestone_iii_Master.pptx
@@ -2,25 +2,25 @@
 <file path=ppt/presentation.xml><?xml version="1.0" encoding="utf-8"?>
 <p:presentation xmlns:a="http://schemas.openxmlformats.org/drawingml/2006/main" xmlns:r="http://schemas.openxmlformats.org/officeDocument/2006/relationships" xmlns:p="http://schemas.openxmlformats.org/presentationml/2006/main">
   <p:sldMasterIdLst>
-    <p:sldMasterId id="2147483648" r:id="rId1"/>
+    <p:sldMasterId id="2147483648" r:id="rId5"/>
   </p:sldMasterIdLst>
   <p:notesMasterIdLst>
-    <p:notesMasterId r:id="rId15"/>
+    <p:notesMasterId r:id="rId7"/>
   </p:notesMasterIdLst>
   <p:sldIdLst>
-    <p:sldId id="256" r:id="rId2"/>
-    <p:sldId id="257" r:id="rId3"/>
-    <p:sldId id="258" r:id="rId4"/>
-    <p:sldId id="259" r:id="rId5"/>
-    <p:sldId id="260" r:id="rId6"/>
-    <p:sldId id="261" r:id="rId7"/>
-    <p:sldId id="262" r:id="rId8"/>
-    <p:sldId id="263" r:id="rId9"/>
-    <p:sldId id="264" r:id="rId10"/>
-    <p:sldId id="265" r:id="rId11"/>
-    <p:sldId id="266" r:id="rId12"/>
-    <p:sldId id="267" r:id="rId13"/>
-    <p:sldId id="268" r:id="rId14"/>
+    <p:sldId id="256" r:id="rId8"/>
+    <p:sldId id="257" r:id="rId9"/>
+    <p:sldId id="258" r:id="rId10"/>
+    <p:sldId id="259" r:id="rId11"/>
+    <p:sldId id="260" r:id="rId12"/>
+    <p:sldId id="261" r:id="rId13"/>
+    <p:sldId id="262" r:id="rId14"/>
+    <p:sldId id="263" r:id="rId15"/>
+    <p:sldId id="264" r:id="rId16"/>
+    <p:sldId id="265" r:id="rId17"/>
+    <p:sldId id="266" r:id="rId18"/>
+    <p:sldId id="267" r:id="rId19"/>
+    <p:sldId id="268" r:id="rId20"/>
   </p:sldIdLst>
   <p:sldSz cx="12192000" cy="6858000"/>
   <p:notesSz cx="6858000" cy="9144000"/>
@@ -40,7 +40,7 @@
       <a:buFontTx/>
       <a:buNone/>
       <a:tabLst/>
-      <a:defRPr kumimoji="0" sz="1800" b="0" i="0" u="none" strike="noStrike" cap="none" spc="0" normalizeH="0" baseline="0">
+      <a:defRPr b="0" baseline="0" cap="none" i="0" spc="0" strike="noStrike" sz="1800" u="none" kumimoji="0" normalizeH="0">
         <a:ln>
           <a:noFill/>
         </a:ln>
@@ -66,7 +66,7 @@
       <a:buFontTx/>
       <a:buNone/>
       <a:tabLst/>
-      <a:defRPr kumimoji="0" sz="1800" b="0" i="0" u="none" strike="noStrike" cap="none" spc="0" normalizeH="0" baseline="0">
+      <a:defRPr b="0" baseline="0" cap="none" i="0" spc="0" strike="noStrike" sz="1800" u="none" kumimoji="0" normalizeH="0">
         <a:ln>
           <a:noFill/>
         </a:ln>
@@ -81,7 +81,7 @@
         <a:sym typeface="Calibri"/>
       </a:defRPr>
     </a:lvl1pPr>
-    <a:lvl2pPr marL="0" marR="0" indent="457200" algn="l" defTabSz="914400" rtl="0" fontAlgn="auto" latinLnBrk="0" hangingPunct="0">
+    <a:lvl2pPr marL="0" marR="0" indent="0" algn="l" defTabSz="914400" rtl="0" fontAlgn="auto" latinLnBrk="0" hangingPunct="0">
       <a:lnSpc>
         <a:spcPct val="100000"/>
       </a:lnSpc>
@@ -96,7 +96,7 @@
       <a:buFontTx/>
       <a:buNone/>
       <a:tabLst/>
-      <a:defRPr kumimoji="0" sz="1800" b="0" i="0" u="none" strike="noStrike" cap="none" spc="0" normalizeH="0" baseline="0">
+      <a:defRPr b="0" baseline="0" cap="none" i="0" spc="0" strike="noStrike" sz="1800" u="none" kumimoji="0" normalizeH="0">
         <a:ln>
           <a:noFill/>
         </a:ln>
@@ -111,7 +111,7 @@
         <a:sym typeface="Calibri"/>
       </a:defRPr>
     </a:lvl2pPr>
-    <a:lvl3pPr marL="0" marR="0" indent="914400" algn="l" defTabSz="914400" rtl="0" fontAlgn="auto" latinLnBrk="0" hangingPunct="0">
+    <a:lvl3pPr marL="0" marR="0" indent="0" algn="l" defTabSz="914400" rtl="0" fontAlgn="auto" latinLnBrk="0" hangingPunct="0">
       <a:lnSpc>
         <a:spcPct val="100000"/>
       </a:lnSpc>
@@ -126,7 +126,7 @@
       <a:buFontTx/>
       <a:buNone/>
       <a:tabLst/>
-      <a:defRPr kumimoji="0" sz="1800" b="0" i="0" u="none" strike="noStrike" cap="none" spc="0" normalizeH="0" baseline="0">
+      <a:defRPr b="0" baseline="0" cap="none" i="0" spc="0" strike="noStrike" sz="1800" u="none" kumimoji="0" normalizeH="0">
         <a:ln>
           <a:noFill/>
         </a:ln>
@@ -141,7 +141,7 @@
         <a:sym typeface="Calibri"/>
       </a:defRPr>
     </a:lvl3pPr>
-    <a:lvl4pPr marL="0" marR="0" indent="1371600" algn="l" defTabSz="914400" rtl="0" fontAlgn="auto" latinLnBrk="0" hangingPunct="0">
+    <a:lvl4pPr marL="0" marR="0" indent="0" algn="l" defTabSz="914400" rtl="0" fontAlgn="auto" latinLnBrk="0" hangingPunct="0">
       <a:lnSpc>
         <a:spcPct val="100000"/>
       </a:lnSpc>
@@ -156,7 +156,7 @@
       <a:buFontTx/>
       <a:buNone/>
       <a:tabLst/>
-      <a:defRPr kumimoji="0" sz="1800" b="0" i="0" u="none" strike="noStrike" cap="none" spc="0" normalizeH="0" baseline="0">
+      <a:defRPr b="0" baseline="0" cap="none" i="0" spc="0" strike="noStrike" sz="1800" u="none" kumimoji="0" normalizeH="0">
         <a:ln>
           <a:noFill/>
         </a:ln>
@@ -171,7 +171,7 @@
         <a:sym typeface="Calibri"/>
       </a:defRPr>
     </a:lvl4pPr>
-    <a:lvl5pPr marL="0" marR="0" indent="1828800" algn="l" defTabSz="914400" rtl="0" fontAlgn="auto" latinLnBrk="0" hangingPunct="0">
+    <a:lvl5pPr marL="0" marR="0" indent="0" algn="l" defTabSz="914400" rtl="0" fontAlgn="auto" latinLnBrk="0" hangingPunct="0">
       <a:lnSpc>
         <a:spcPct val="100000"/>
       </a:lnSpc>
@@ -186,7 +186,7 @@
       <a:buFontTx/>
       <a:buNone/>
       <a:tabLst/>
-      <a:defRPr kumimoji="0" sz="1800" b="0" i="0" u="none" strike="noStrike" cap="none" spc="0" normalizeH="0" baseline="0">
+      <a:defRPr b="0" baseline="0" cap="none" i="0" spc="0" strike="noStrike" sz="1800" u="none" kumimoji="0" normalizeH="0">
         <a:ln>
           <a:noFill/>
         </a:ln>
@@ -201,7 +201,7 @@
         <a:sym typeface="Calibri"/>
       </a:defRPr>
     </a:lvl5pPr>
-    <a:lvl6pPr marL="0" marR="0" indent="2286000" algn="l" defTabSz="914400" rtl="0" fontAlgn="auto" latinLnBrk="0" hangingPunct="0">
+    <a:lvl6pPr marL="0" marR="0" indent="0" algn="l" defTabSz="914400" rtl="0" fontAlgn="auto" latinLnBrk="0" hangingPunct="0">
       <a:lnSpc>
         <a:spcPct val="100000"/>
       </a:lnSpc>
@@ -216,7 +216,7 @@
       <a:buFontTx/>
       <a:buNone/>
       <a:tabLst/>
-      <a:defRPr kumimoji="0" sz="1800" b="0" i="0" u="none" strike="noStrike" cap="none" spc="0" normalizeH="0" baseline="0">
+      <a:defRPr b="0" baseline="0" cap="none" i="0" spc="0" strike="noStrike" sz="1800" u="none" kumimoji="0" normalizeH="0">
         <a:ln>
           <a:noFill/>
         </a:ln>
@@ -231,7 +231,7 @@
         <a:sym typeface="Calibri"/>
       </a:defRPr>
     </a:lvl6pPr>
-    <a:lvl7pPr marL="0" marR="0" indent="2743200" algn="l" defTabSz="914400" rtl="0" fontAlgn="auto" latinLnBrk="0" hangingPunct="0">
+    <a:lvl7pPr marL="0" marR="0" indent="0" algn="l" defTabSz="914400" rtl="0" fontAlgn="auto" latinLnBrk="0" hangingPunct="0">
       <a:lnSpc>
         <a:spcPct val="100000"/>
       </a:lnSpc>
@@ -246,7 +246,7 @@
       <a:buFontTx/>
       <a:buNone/>
       <a:tabLst/>
-      <a:defRPr kumimoji="0" sz="1800" b="0" i="0" u="none" strike="noStrike" cap="none" spc="0" normalizeH="0" baseline="0">
+      <a:defRPr b="0" baseline="0" cap="none" i="0" spc="0" strike="noStrike" sz="1800" u="none" kumimoji="0" normalizeH="0">
         <a:ln>
           <a:noFill/>
         </a:ln>
@@ -261,7 +261,7 @@
         <a:sym typeface="Calibri"/>
       </a:defRPr>
     </a:lvl7pPr>
-    <a:lvl8pPr marL="0" marR="0" indent="3200400" algn="l" defTabSz="914400" rtl="0" fontAlgn="auto" latinLnBrk="0" hangingPunct="0">
+    <a:lvl8pPr marL="0" marR="0" indent="0" algn="l" defTabSz="914400" rtl="0" fontAlgn="auto" latinLnBrk="0" hangingPunct="0">
       <a:lnSpc>
         <a:spcPct val="100000"/>
       </a:lnSpc>
@@ -276,7 +276,7 @@
       <a:buFontTx/>
       <a:buNone/>
       <a:tabLst/>
-      <a:defRPr kumimoji="0" sz="1800" b="0" i="0" u="none" strike="noStrike" cap="none" spc="0" normalizeH="0" baseline="0">
+      <a:defRPr b="0" baseline="0" cap="none" i="0" spc="0" strike="noStrike" sz="1800" u="none" kumimoji="0" normalizeH="0">
         <a:ln>
           <a:noFill/>
         </a:ln>
@@ -291,7 +291,7 @@
         <a:sym typeface="Calibri"/>
       </a:defRPr>
     </a:lvl8pPr>
-    <a:lvl9pPr marL="0" marR="0" indent="3657600" algn="l" defTabSz="914400" rtl="0" fontAlgn="auto" latinLnBrk="0" hangingPunct="0">
+    <a:lvl9pPr marL="0" marR="0" indent="0" algn="l" defTabSz="914400" rtl="0" fontAlgn="auto" latinLnBrk="0" hangingPunct="0">
       <a:lnSpc>
         <a:spcPct val="100000"/>
       </a:lnSpc>
@@ -306,7 +306,7 @@
       <a:buFontTx/>
       <a:buNone/>
       <a:tabLst/>
-      <a:defRPr kumimoji="0" sz="1800" b="0" i="0" u="none" strike="noStrike" cap="none" spc="0" normalizeH="0" baseline="0">
+      <a:defRPr b="0" baseline="0" cap="none" i="0" spc="0" strike="noStrike" sz="1800" u="none" kumimoji="0" normalizeH="0">
         <a:ln>
           <a:noFill/>
         </a:ln>
@@ -325,14 +325,13 @@
 </p:presentation>
 </file>
 
+<file path=ppt/commentAuthors.xml><?xml version="1.0" encoding="utf-8"?>
+<p:cmAuthorLst xmlns:a="http://schemas.openxmlformats.org/drawingml/2006/main" xmlns:r="http://schemas.openxmlformats.org/officeDocument/2006/relationships" xmlns:p="http://schemas.openxmlformats.org/presentationml/2006/main"/>
+</file>
+
 <file path=ppt/notesMasters/notesMaster1.xml><?xml version="1.0" encoding="utf-8"?>
 <p:notesMaster xmlns:a="http://schemas.openxmlformats.org/drawingml/2006/main" xmlns:r="http://schemas.openxmlformats.org/officeDocument/2006/relationships" xmlns:p="http://schemas.openxmlformats.org/presentationml/2006/main">
   <p:cSld>
-    <p:bg>
-      <p:bgRef idx="1001">
-        <a:schemeClr val="bg1"/>
-      </p:bgRef>
-    </p:bg>
     <p:spTree>
       <p:nvGrpSpPr>
         <p:cNvPr id="1" name=""/>
@@ -350,9 +349,7 @@
       <p:sp>
         <p:nvSpPr>
           <p:cNvPr id="127" name="Shape 127"/>
-          <p:cNvSpPr>
-            <a:spLocks noGrp="1" noRot="1" noChangeAspect="1"/>
-          </p:cNvSpPr>
+          <p:cNvSpPr/>
           <p:nvPr>
             <p:ph type="sldImg"/>
           </p:nvPr>
@@ -370,16 +367,14 @@
           <a:bodyPr/>
           <a:lstStyle/>
           <a:p>
-            <a:endParaRPr/>
+            <a:pPr/>
           </a:p>
         </p:txBody>
       </p:sp>
       <p:sp>
         <p:nvSpPr>
           <p:cNvPr id="128" name="Shape 128"/>
-          <p:cNvSpPr>
-            <a:spLocks noGrp="1"/>
-          </p:cNvSpPr>
+          <p:cNvSpPr/>
           <p:nvPr>
             <p:ph type="body" sz="quarter" idx="1"/>
           </p:nvPr>
@@ -397,7 +392,7 @@
           <a:bodyPr/>
           <a:lstStyle/>
           <a:p>
-            <a:endParaRPr/>
+            <a:pPr/>
           </a:p>
         </p:txBody>
       </p:sp>
@@ -482,7 +477,7 @@
 </file>
 
 <file path=ppt/slideLayouts/slideLayout1.xml><?xml version="1.0" encoding="utf-8"?>
-<p:sldLayout xmlns:a="http://schemas.openxmlformats.org/drawingml/2006/main" xmlns:r="http://schemas.openxmlformats.org/officeDocument/2006/relationships" xmlns:p="http://schemas.openxmlformats.org/presentationml/2006/main" type="title">
+<p:sldLayout xmlns:a="http://schemas.openxmlformats.org/drawingml/2006/main" xmlns:r="http://schemas.openxmlformats.org/officeDocument/2006/relationships" xmlns:p="http://schemas.openxmlformats.org/presentationml/2006/main" type="title" showMasterSp="1" showMasterPhAnim="1">
   <p:cSld name="Titelfolie">
     <p:spTree>
       <p:nvGrpSpPr>
@@ -501,9 +496,7 @@
       <p:sp>
         <p:nvSpPr>
           <p:cNvPr id="11" name="Shape 11"/>
-          <p:cNvSpPr>
-            <a:spLocks noGrp="1"/>
-          </p:cNvSpPr>
+          <p:cNvSpPr/>
           <p:nvPr>
             <p:ph type="title"/>
           </p:nvPr>
@@ -525,6 +518,7 @@
             </a:lvl1pPr>
           </a:lstStyle>
           <a:p>
+            <a:pPr/>
             <a:r>
               <a:t>Mastertitelformat bearbeiten</a:t>
             </a:r>
@@ -534,9 +528,7 @@
       <p:sp>
         <p:nvSpPr>
           <p:cNvPr id="12" name="Shape 12"/>
-          <p:cNvSpPr>
-            <a:spLocks noGrp="1"/>
-          </p:cNvSpPr>
+          <p:cNvSpPr/>
           <p:nvPr>
             <p:ph type="body" sz="quarter" idx="1"/>
           </p:nvPr>
@@ -544,7 +536,7 @@
         <p:spPr>
           <a:xfrm>
             <a:off x="1524000" y="3602037"/>
-            <a:ext cx="9144000" cy="1655763"/>
+            <a:ext cx="9144000" cy="1655764"/>
           </a:xfrm>
           <a:prstGeom prst="rect">
             <a:avLst/>
@@ -561,6 +553,7 @@
             </a:lvl1pPr>
           </a:lstStyle>
           <a:p>
+            <a:pPr/>
             <a:r>
               <a:t>Master-Untertitelformat bearbeiten</a:t>
             </a:r>
@@ -570,9 +563,7 @@
       <p:sp>
         <p:nvSpPr>
           <p:cNvPr id="13" name="Shape 13"/>
-          <p:cNvSpPr>
-            <a:spLocks noGrp="1"/>
-          </p:cNvSpPr>
+          <p:cNvSpPr/>
           <p:nvPr>
             <p:ph type="sldNum" sz="quarter" idx="2"/>
           </p:nvPr>
@@ -586,10 +577,8 @@
           <a:bodyPr/>
           <a:lstStyle/>
           <a:p>
-            <a:fld id="{86CB4B4D-7CA3-9044-876B-883B54F8677D}" type="slidenum">
-              <a:t>‹#›</a:t>
-            </a:fld>
-            <a:endParaRPr/>
+            <a:pPr/>
+            <a:fld id="{86CB4B4D-7CA3-9044-876B-883B54F8677D}" type="slidenum"/>
           </a:p>
         </p:txBody>
       </p:sp>
@@ -598,12 +587,12 @@
   <p:clrMapOvr>
     <a:masterClrMapping/>
   </p:clrMapOvr>
-  <p:transition spd="med"/>
+  <p:transition xmlns:p14="http://schemas.microsoft.com/office/powerpoint/2010/main" spd="med" advClick="1"/>
 </p:sldLayout>
 </file>
 
 <file path=ppt/slideLayouts/slideLayout10.xml><?xml version="1.0" encoding="utf-8"?>
-<p:sldLayout xmlns:a="http://schemas.openxmlformats.org/drawingml/2006/main" xmlns:r="http://schemas.openxmlformats.org/officeDocument/2006/relationships" xmlns:p="http://schemas.openxmlformats.org/presentationml/2006/main" type="tx">
+<p:sldLayout xmlns:a="http://schemas.openxmlformats.org/drawingml/2006/main" xmlns:r="http://schemas.openxmlformats.org/officeDocument/2006/relationships" xmlns:p="http://schemas.openxmlformats.org/presentationml/2006/main" type="tx" showMasterSp="1" showMasterPhAnim="1">
   <p:cSld name="Bild mit Überschrift">
     <p:spTree>
       <p:nvGrpSpPr>
@@ -622,9 +611,7 @@
       <p:sp>
         <p:nvSpPr>
           <p:cNvPr id="91" name="Shape 91"/>
-          <p:cNvSpPr>
-            <a:spLocks noGrp="1"/>
-          </p:cNvSpPr>
+          <p:cNvSpPr/>
           <p:nvPr>
             <p:ph type="title"/>
           </p:nvPr>
@@ -632,7 +619,7 @@
         <p:spPr>
           <a:xfrm>
             <a:off x="839787" y="457200"/>
-            <a:ext cx="3932239" cy="1600200"/>
+            <a:ext cx="3932240" cy="1600200"/>
           </a:xfrm>
           <a:prstGeom prst="rect">
             <a:avLst/>
@@ -646,6 +633,7 @@
             </a:lvl1pPr>
           </a:lstStyle>
           <a:p>
+            <a:pPr/>
             <a:r>
               <a:t>Titeltext</a:t>
             </a:r>
@@ -655,9 +643,7 @@
       <p:sp>
         <p:nvSpPr>
           <p:cNvPr id="92" name="Shape 92"/>
-          <p:cNvSpPr>
-            <a:spLocks noGrp="1"/>
-          </p:cNvSpPr>
+          <p:cNvSpPr/>
           <p:nvPr>
             <p:ph type="pic" sz="half" idx="13"/>
           </p:nvPr>
@@ -665,28 +651,26 @@
         <p:spPr>
           <a:xfrm>
             <a:off x="5183187" y="987425"/>
-            <a:ext cx="6172201" cy="4873625"/>
+            <a:ext cx="6172202" cy="4873625"/>
           </a:xfrm>
           <a:prstGeom prst="rect">
             <a:avLst/>
           </a:prstGeom>
         </p:spPr>
         <p:txBody>
-          <a:bodyPr lIns="91439" rIns="91439">
+          <a:bodyPr lIns="91439" tIns="45719" rIns="91439" bIns="45719">
             <a:noAutofit/>
           </a:bodyPr>
           <a:lstStyle/>
           <a:p>
-            <a:endParaRPr/>
+            <a:pPr/>
           </a:p>
         </p:txBody>
       </p:sp>
       <p:sp>
         <p:nvSpPr>
           <p:cNvPr id="93" name="Shape 93"/>
-          <p:cNvSpPr>
-            <a:spLocks noGrp="1"/>
-          </p:cNvSpPr>
+          <p:cNvSpPr/>
           <p:nvPr>
             <p:ph type="body" sz="quarter" idx="1"/>
           </p:nvPr>
@@ -694,7 +678,7 @@
         <p:spPr>
           <a:xfrm>
             <a:off x="839787" y="2057400"/>
-            <a:ext cx="3932239" cy="3811588"/>
+            <a:ext cx="3932240" cy="3811588"/>
           </a:xfrm>
           <a:prstGeom prst="rect">
             <a:avLst/>
@@ -709,25 +693,25 @@
               <a:buNone/>
               <a:defRPr sz="1600"/>
             </a:lvl1pPr>
-            <a:lvl2pPr marL="0" indent="457200">
+            <a:lvl2pPr marL="0" indent="0">
               <a:buSzTx/>
               <a:buFontTx/>
               <a:buNone/>
               <a:defRPr sz="1600"/>
             </a:lvl2pPr>
-            <a:lvl3pPr marL="0" indent="914400">
+            <a:lvl3pPr marL="0" indent="0">
               <a:buSzTx/>
               <a:buFontTx/>
               <a:buNone/>
               <a:defRPr sz="1600"/>
             </a:lvl3pPr>
-            <a:lvl4pPr marL="0" indent="1371600">
+            <a:lvl4pPr marL="0" indent="0">
               <a:buSzTx/>
               <a:buFontTx/>
               <a:buNone/>
               <a:defRPr sz="1600"/>
             </a:lvl4pPr>
-            <a:lvl5pPr marL="0" indent="1828800">
+            <a:lvl5pPr marL="0" indent="0">
               <a:buSzTx/>
               <a:buFontTx/>
               <a:buNone/>
@@ -735,6 +719,7 @@
             </a:lvl5pPr>
           </a:lstStyle>
           <a:p>
+            <a:pPr/>
             <a:r>
               <a:t>Textebene 1</a:t>
             </a:r>
@@ -768,9 +753,7 @@
       <p:sp>
         <p:nvSpPr>
           <p:cNvPr id="94" name="Shape 94"/>
-          <p:cNvSpPr>
-            <a:spLocks noGrp="1"/>
-          </p:cNvSpPr>
+          <p:cNvSpPr/>
           <p:nvPr>
             <p:ph type="sldNum" sz="quarter" idx="2"/>
           </p:nvPr>
@@ -784,10 +767,8 @@
           <a:bodyPr/>
           <a:lstStyle/>
           <a:p>
-            <a:fld id="{86CB4B4D-7CA3-9044-876B-883B54F8677D}" type="slidenum">
-              <a:t>‹#›</a:t>
-            </a:fld>
-            <a:endParaRPr/>
+            <a:pPr/>
+            <a:fld id="{86CB4B4D-7CA3-9044-876B-883B54F8677D}" type="slidenum"/>
           </a:p>
         </p:txBody>
       </p:sp>
@@ -796,12 +777,12 @@
   <p:clrMapOvr>
     <a:masterClrMapping/>
   </p:clrMapOvr>
-  <p:transition spd="med"/>
+  <p:transition xmlns:p14="http://schemas.microsoft.com/office/powerpoint/2010/main" spd="med" advClick="1"/>
 </p:sldLayout>
 </file>
 
 <file path=ppt/slideLayouts/slideLayout11.xml><?xml version="1.0" encoding="utf-8"?>
-<p:sldLayout xmlns:a="http://schemas.openxmlformats.org/drawingml/2006/main" xmlns:r="http://schemas.openxmlformats.org/officeDocument/2006/relationships" xmlns:p="http://schemas.openxmlformats.org/presentationml/2006/main" type="tx">
+<p:sldLayout xmlns:a="http://schemas.openxmlformats.org/drawingml/2006/main" xmlns:r="http://schemas.openxmlformats.org/officeDocument/2006/relationships" xmlns:p="http://schemas.openxmlformats.org/presentationml/2006/main" type="tx" showMasterSp="1" showMasterPhAnim="1">
   <p:cSld name="Titel und vertikaler Text">
     <p:spTree>
       <p:nvGrpSpPr>
@@ -820,9 +801,7 @@
       <p:sp>
         <p:nvSpPr>
           <p:cNvPr id="101" name="Shape 101"/>
-          <p:cNvSpPr>
-            <a:spLocks noGrp="1"/>
-          </p:cNvSpPr>
+          <p:cNvSpPr/>
           <p:nvPr>
             <p:ph type="title"/>
           </p:nvPr>
@@ -836,6 +815,7 @@
           <a:bodyPr/>
           <a:lstStyle/>
           <a:p>
+            <a:pPr/>
             <a:r>
               <a:t>Titeltext</a:t>
             </a:r>
@@ -845,9 +825,7 @@
       <p:sp>
         <p:nvSpPr>
           <p:cNvPr id="102" name="Shape 102"/>
-          <p:cNvSpPr>
-            <a:spLocks noGrp="1"/>
-          </p:cNvSpPr>
+          <p:cNvSpPr/>
           <p:nvPr>
             <p:ph type="body" idx="1"/>
           </p:nvPr>
@@ -861,6 +839,7 @@
           <a:bodyPr/>
           <a:lstStyle/>
           <a:p>
+            <a:pPr/>
             <a:r>
               <a:t>Textebene 1</a:t>
             </a:r>
@@ -894,9 +873,7 @@
       <p:sp>
         <p:nvSpPr>
           <p:cNvPr id="103" name="Shape 103"/>
-          <p:cNvSpPr>
-            <a:spLocks noGrp="1"/>
-          </p:cNvSpPr>
+          <p:cNvSpPr/>
           <p:nvPr>
             <p:ph type="sldNum" sz="quarter" idx="2"/>
           </p:nvPr>
@@ -910,10 +887,8 @@
           <a:bodyPr/>
           <a:lstStyle/>
           <a:p>
-            <a:fld id="{86CB4B4D-7CA3-9044-876B-883B54F8677D}" type="slidenum">
-              <a:t>‹#›</a:t>
-            </a:fld>
-            <a:endParaRPr/>
+            <a:pPr/>
+            <a:fld id="{86CB4B4D-7CA3-9044-876B-883B54F8677D}" type="slidenum"/>
           </a:p>
         </p:txBody>
       </p:sp>
@@ -922,12 +897,12 @@
   <p:clrMapOvr>
     <a:masterClrMapping/>
   </p:clrMapOvr>
-  <p:transition spd="med"/>
+  <p:transition xmlns:p14="http://schemas.microsoft.com/office/powerpoint/2010/main" spd="med" advClick="1"/>
 </p:sldLayout>
 </file>
 
 <file path=ppt/slideLayouts/slideLayout12.xml><?xml version="1.0" encoding="utf-8"?>
-<p:sldLayout xmlns:a="http://schemas.openxmlformats.org/drawingml/2006/main" xmlns:r="http://schemas.openxmlformats.org/officeDocument/2006/relationships" xmlns:p="http://schemas.openxmlformats.org/presentationml/2006/main" type="tx">
+<p:sldLayout xmlns:a="http://schemas.openxmlformats.org/drawingml/2006/main" xmlns:r="http://schemas.openxmlformats.org/officeDocument/2006/relationships" xmlns:p="http://schemas.openxmlformats.org/presentationml/2006/main" type="tx" showMasterSp="1" showMasterPhAnim="1">
   <p:cSld name="Vertikaler Titel und Text">
     <p:spTree>
       <p:nvGrpSpPr>
@@ -946,9 +921,7 @@
       <p:sp>
         <p:nvSpPr>
           <p:cNvPr id="110" name="Shape 110"/>
-          <p:cNvSpPr>
-            <a:spLocks noGrp="1"/>
-          </p:cNvSpPr>
+          <p:cNvSpPr/>
           <p:nvPr>
             <p:ph type="title"/>
           </p:nvPr>
@@ -966,6 +939,7 @@
           <a:bodyPr/>
           <a:lstStyle/>
           <a:p>
+            <a:pPr/>
             <a:r>
               <a:t>Mastertitelformat bearbeiten</a:t>
             </a:r>
@@ -975,9 +949,7 @@
       <p:sp>
         <p:nvSpPr>
           <p:cNvPr id="111" name="Shape 111"/>
-          <p:cNvSpPr>
-            <a:spLocks noGrp="1"/>
-          </p:cNvSpPr>
+          <p:cNvSpPr/>
           <p:nvPr>
             <p:ph type="body" idx="1"/>
           </p:nvPr>
@@ -995,6 +967,7 @@
           <a:bodyPr/>
           <a:lstStyle/>
           <a:p>
+            <a:pPr/>
             <a:r>
               <a:t>Mastertextformat bearbeiten</a:t>
             </a:r>
@@ -1028,9 +1001,7 @@
       <p:sp>
         <p:nvSpPr>
           <p:cNvPr id="112" name="Shape 112"/>
-          <p:cNvSpPr>
-            <a:spLocks noGrp="1"/>
-          </p:cNvSpPr>
+          <p:cNvSpPr/>
           <p:nvPr>
             <p:ph type="sldNum" sz="quarter" idx="2"/>
           </p:nvPr>
@@ -1044,10 +1015,8 @@
           <a:bodyPr/>
           <a:lstStyle/>
           <a:p>
-            <a:fld id="{86CB4B4D-7CA3-9044-876B-883B54F8677D}" type="slidenum">
-              <a:t>‹#›</a:t>
-            </a:fld>
-            <a:endParaRPr/>
+            <a:pPr/>
+            <a:fld id="{86CB4B4D-7CA3-9044-876B-883B54F8677D}" type="slidenum"/>
           </a:p>
         </p:txBody>
       </p:sp>
@@ -1056,19 +1025,18 @@
   <p:clrMapOvr>
     <a:masterClrMapping/>
   </p:clrMapOvr>
-  <p:transition spd="med"/>
+  <p:transition xmlns:p14="http://schemas.microsoft.com/office/powerpoint/2010/main" spd="med" advClick="1"/>
 </p:sldLayout>
 </file>
 
 <file path=ppt/slideLayouts/slideLayout13.xml><?xml version="1.0" encoding="utf-8"?>
-<p:sldLayout xmlns:a="http://schemas.openxmlformats.org/drawingml/2006/main" xmlns:r="http://schemas.openxmlformats.org/officeDocument/2006/relationships" xmlns:p="http://schemas.openxmlformats.org/presentationml/2006/main" type="tx">
+<p:sldLayout xmlns:a="http://schemas.openxmlformats.org/drawingml/2006/main" xmlns:r="http://schemas.openxmlformats.org/officeDocument/2006/relationships" xmlns:p="http://schemas.openxmlformats.org/presentationml/2006/main" type="tx" showMasterSp="1" showMasterPhAnim="1">
   <p:cSld name="Titel und Inhalt 0">
     <p:bg>
       <p:bgPr>
         <a:solidFill>
           <a:srgbClr val="E3FDDB"/>
         </a:solidFill>
-        <a:effectLst/>
       </p:bgPr>
     </p:bg>
     <p:spTree>
@@ -1088,9 +1056,7 @@
       <p:sp>
         <p:nvSpPr>
           <p:cNvPr id="119" name="Shape 119"/>
-          <p:cNvSpPr>
-            <a:spLocks noGrp="1"/>
-          </p:cNvSpPr>
+          <p:cNvSpPr/>
           <p:nvPr>
             <p:ph type="title"/>
           </p:nvPr>
@@ -1104,6 +1070,7 @@
           <a:bodyPr/>
           <a:lstStyle/>
           <a:p>
+            <a:pPr/>
             <a:r>
               <a:t>Titeltext</a:t>
             </a:r>
@@ -1113,9 +1080,7 @@
       <p:sp>
         <p:nvSpPr>
           <p:cNvPr id="120" name="Shape 120"/>
-          <p:cNvSpPr>
-            <a:spLocks noGrp="1"/>
-          </p:cNvSpPr>
+          <p:cNvSpPr/>
           <p:nvPr>
             <p:ph type="body" idx="1"/>
           </p:nvPr>
@@ -1129,6 +1094,7 @@
           <a:bodyPr/>
           <a:lstStyle/>
           <a:p>
+            <a:pPr/>
             <a:r>
               <a:t>Textebene 1</a:t>
             </a:r>
@@ -1162,9 +1128,7 @@
       <p:sp>
         <p:nvSpPr>
           <p:cNvPr id="121" name="Shape 121"/>
-          <p:cNvSpPr>
-            <a:spLocks noGrp="1"/>
-          </p:cNvSpPr>
+          <p:cNvSpPr/>
           <p:nvPr>
             <p:ph type="sldNum" sz="quarter" idx="2"/>
           </p:nvPr>
@@ -1178,10 +1142,8 @@
           <a:bodyPr/>
           <a:lstStyle/>
           <a:p>
-            <a:fld id="{86CB4B4D-7CA3-9044-876B-883B54F8677D}" type="slidenum">
-              <a:t>‹#›</a:t>
-            </a:fld>
-            <a:endParaRPr/>
+            <a:pPr/>
+            <a:fld id="{86CB4B4D-7CA3-9044-876B-883B54F8677D}" type="slidenum"/>
           </a:p>
         </p:txBody>
       </p:sp>
@@ -1190,12 +1152,12 @@
   <p:clrMapOvr>
     <a:masterClrMapping/>
   </p:clrMapOvr>
-  <p:transition spd="med"/>
+  <p:transition xmlns:p14="http://schemas.microsoft.com/office/powerpoint/2010/main" spd="med" advClick="1"/>
 </p:sldLayout>
 </file>
 
 <file path=ppt/slideLayouts/slideLayout2.xml><?xml version="1.0" encoding="utf-8"?>
-<p:sldLayout xmlns:a="http://schemas.openxmlformats.org/drawingml/2006/main" xmlns:r="http://schemas.openxmlformats.org/officeDocument/2006/relationships" xmlns:p="http://schemas.openxmlformats.org/presentationml/2006/main" type="tx">
+<p:sldLayout xmlns:a="http://schemas.openxmlformats.org/drawingml/2006/main" xmlns:r="http://schemas.openxmlformats.org/officeDocument/2006/relationships" xmlns:p="http://schemas.openxmlformats.org/presentationml/2006/main" type="tx" showMasterSp="1" showMasterPhAnim="1">
   <p:cSld name="Titel und Inhalt">
     <p:spTree>
       <p:nvGrpSpPr>
@@ -1214,9 +1176,7 @@
       <p:sp>
         <p:nvSpPr>
           <p:cNvPr id="20" name="Shape 20"/>
-          <p:cNvSpPr>
-            <a:spLocks noGrp="1"/>
-          </p:cNvSpPr>
+          <p:cNvSpPr/>
           <p:nvPr>
             <p:ph type="title"/>
           </p:nvPr>
@@ -1230,6 +1190,7 @@
           <a:bodyPr/>
           <a:lstStyle/>
           <a:p>
+            <a:pPr/>
             <a:r>
               <a:t>Titeltext</a:t>
             </a:r>
@@ -1239,9 +1200,7 @@
       <p:sp>
         <p:nvSpPr>
           <p:cNvPr id="21" name="Shape 21"/>
-          <p:cNvSpPr>
-            <a:spLocks noGrp="1"/>
-          </p:cNvSpPr>
+          <p:cNvSpPr/>
           <p:nvPr>
             <p:ph type="body" idx="1"/>
           </p:nvPr>
@@ -1255,6 +1214,7 @@
           <a:bodyPr/>
           <a:lstStyle/>
           <a:p>
+            <a:pPr/>
             <a:r>
               <a:t>Textebene 1</a:t>
             </a:r>
@@ -1288,9 +1248,7 @@
       <p:sp>
         <p:nvSpPr>
           <p:cNvPr id="22" name="Shape 22"/>
-          <p:cNvSpPr>
-            <a:spLocks noGrp="1"/>
-          </p:cNvSpPr>
+          <p:cNvSpPr/>
           <p:nvPr>
             <p:ph type="sldNum" sz="quarter" idx="2"/>
           </p:nvPr>
@@ -1304,10 +1262,8 @@
           <a:bodyPr/>
           <a:lstStyle/>
           <a:p>
-            <a:fld id="{86CB4B4D-7CA3-9044-876B-883B54F8677D}" type="slidenum">
-              <a:t>‹#›</a:t>
-            </a:fld>
-            <a:endParaRPr/>
+            <a:pPr/>
+            <a:fld id="{86CB4B4D-7CA3-9044-876B-883B54F8677D}" type="slidenum"/>
           </a:p>
         </p:txBody>
       </p:sp>
@@ -1316,19 +1272,18 @@
   <p:clrMapOvr>
     <a:masterClrMapping/>
   </p:clrMapOvr>
-  <p:transition spd="med"/>
+  <p:transition xmlns:p14="http://schemas.microsoft.com/office/powerpoint/2010/main" spd="med" advClick="1"/>
 </p:sldLayout>
 </file>
 
 <file path=ppt/slideLayouts/slideLayout3.xml><?xml version="1.0" encoding="utf-8"?>
-<p:sldLayout xmlns:a="http://schemas.openxmlformats.org/drawingml/2006/main" xmlns:r="http://schemas.openxmlformats.org/officeDocument/2006/relationships" xmlns:p="http://schemas.openxmlformats.org/presentationml/2006/main" type="tx">
+<p:sldLayout xmlns:a="http://schemas.openxmlformats.org/drawingml/2006/main" xmlns:r="http://schemas.openxmlformats.org/officeDocument/2006/relationships" xmlns:p="http://schemas.openxmlformats.org/presentationml/2006/main" type="tx" showMasterSp="1" showMasterPhAnim="1">
   <p:cSld name="Titel und Inhalt 0">
     <p:bg>
       <p:bgPr>
         <a:solidFill>
           <a:srgbClr val="E3FDDB"/>
         </a:solidFill>
-        <a:effectLst/>
       </p:bgPr>
     </p:bg>
     <p:spTree>
@@ -1348,9 +1303,7 @@
       <p:sp>
         <p:nvSpPr>
           <p:cNvPr id="29" name="Shape 29"/>
-          <p:cNvSpPr>
-            <a:spLocks noGrp="1"/>
-          </p:cNvSpPr>
+          <p:cNvSpPr/>
           <p:nvPr>
             <p:ph type="title"/>
           </p:nvPr>
@@ -1364,6 +1317,7 @@
           <a:bodyPr/>
           <a:lstStyle/>
           <a:p>
+            <a:pPr/>
             <a:r>
               <a:t>Mastertitelformat bearbeiten</a:t>
             </a:r>
@@ -1373,9 +1327,7 @@
       <p:sp>
         <p:nvSpPr>
           <p:cNvPr id="30" name="Shape 30"/>
-          <p:cNvSpPr>
-            <a:spLocks noGrp="1"/>
-          </p:cNvSpPr>
+          <p:cNvSpPr/>
           <p:nvPr>
             <p:ph type="body" idx="1"/>
           </p:nvPr>
@@ -1389,6 +1341,7 @@
           <a:bodyPr/>
           <a:lstStyle/>
           <a:p>
+            <a:pPr/>
             <a:r>
               <a:t>Mastertextformat bearbeiten</a:t>
             </a:r>
@@ -1422,9 +1375,7 @@
       <p:sp>
         <p:nvSpPr>
           <p:cNvPr id="31" name="Shape 31"/>
-          <p:cNvSpPr>
-            <a:spLocks noGrp="1"/>
-          </p:cNvSpPr>
+          <p:cNvSpPr/>
           <p:nvPr>
             <p:ph type="sldNum" sz="quarter" idx="2"/>
           </p:nvPr>
@@ -1438,10 +1389,8 @@
           <a:bodyPr/>
           <a:lstStyle/>
           <a:p>
-            <a:fld id="{86CB4B4D-7CA3-9044-876B-883B54F8677D}" type="slidenum">
-              <a:t>‹#›</a:t>
-            </a:fld>
-            <a:endParaRPr/>
+            <a:pPr/>
+            <a:fld id="{86CB4B4D-7CA3-9044-876B-883B54F8677D}" type="slidenum"/>
           </a:p>
         </p:txBody>
       </p:sp>
@@ -1450,12 +1399,12 @@
   <p:clrMapOvr>
     <a:masterClrMapping/>
   </p:clrMapOvr>
-  <p:transition spd="med"/>
+  <p:transition xmlns:p14="http://schemas.microsoft.com/office/powerpoint/2010/main" spd="med" advClick="1"/>
 </p:sldLayout>
 </file>
 
 <file path=ppt/slideLayouts/slideLayout4.xml><?xml version="1.0" encoding="utf-8"?>
-<p:sldLayout xmlns:a="http://schemas.openxmlformats.org/drawingml/2006/main" xmlns:r="http://schemas.openxmlformats.org/officeDocument/2006/relationships" xmlns:p="http://schemas.openxmlformats.org/presentationml/2006/main" type="tx">
+<p:sldLayout xmlns:a="http://schemas.openxmlformats.org/drawingml/2006/main" xmlns:r="http://schemas.openxmlformats.org/officeDocument/2006/relationships" xmlns:p="http://schemas.openxmlformats.org/presentationml/2006/main" type="tx" showMasterSp="1" showMasterPhAnim="1">
   <p:cSld name="Abschnitts-&#10;überschrift">
     <p:spTree>
       <p:nvGrpSpPr>
@@ -1474,9 +1423,7 @@
       <p:sp>
         <p:nvSpPr>
           <p:cNvPr id="38" name="Shape 38"/>
-          <p:cNvSpPr>
-            <a:spLocks noGrp="1"/>
-          </p:cNvSpPr>
+          <p:cNvSpPr/>
           <p:nvPr>
             <p:ph type="title"/>
           </p:nvPr>
@@ -1498,6 +1445,7 @@
             </a:lvl1pPr>
           </a:lstStyle>
           <a:p>
+            <a:pPr/>
             <a:r>
               <a:t>Titeltext</a:t>
             </a:r>
@@ -1507,9 +1455,7 @@
       <p:sp>
         <p:nvSpPr>
           <p:cNvPr id="39" name="Shape 39"/>
-          <p:cNvSpPr>
-            <a:spLocks noGrp="1"/>
-          </p:cNvSpPr>
+          <p:cNvSpPr/>
           <p:nvPr>
             <p:ph type="body" sz="quarter" idx="1"/>
           </p:nvPr>
@@ -1517,7 +1463,7 @@
         <p:spPr>
           <a:xfrm>
             <a:off x="831850" y="4589462"/>
-            <a:ext cx="10515600" cy="1500188"/>
+            <a:ext cx="10515600" cy="1500189"/>
           </a:xfrm>
           <a:prstGeom prst="rect">
             <a:avLst/>
@@ -1536,7 +1482,7 @@
                 </a:solidFill>
               </a:defRPr>
             </a:lvl1pPr>
-            <a:lvl2pPr marL="0" indent="457200">
+            <a:lvl2pPr marL="0" indent="0">
               <a:buSzTx/>
               <a:buFontTx/>
               <a:buNone/>
@@ -1546,7 +1492,7 @@
                 </a:solidFill>
               </a:defRPr>
             </a:lvl2pPr>
-            <a:lvl3pPr marL="0" indent="914400">
+            <a:lvl3pPr marL="0" indent="0">
               <a:buSzTx/>
               <a:buFontTx/>
               <a:buNone/>
@@ -1556,7 +1502,7 @@
                 </a:solidFill>
               </a:defRPr>
             </a:lvl3pPr>
-            <a:lvl4pPr marL="0" indent="1371600">
+            <a:lvl4pPr marL="0" indent="0">
               <a:buSzTx/>
               <a:buFontTx/>
               <a:buNone/>
@@ -1566,7 +1512,7 @@
                 </a:solidFill>
               </a:defRPr>
             </a:lvl4pPr>
-            <a:lvl5pPr marL="0" indent="1828800">
+            <a:lvl5pPr marL="0" indent="0">
               <a:buSzTx/>
               <a:buFontTx/>
               <a:buNone/>
@@ -1578,6 +1524,7 @@
             </a:lvl5pPr>
           </a:lstStyle>
           <a:p>
+            <a:pPr/>
             <a:r>
               <a:t>Textebene 1</a:t>
             </a:r>
@@ -1611,9 +1558,7 @@
       <p:sp>
         <p:nvSpPr>
           <p:cNvPr id="40" name="Shape 40"/>
-          <p:cNvSpPr>
-            <a:spLocks noGrp="1"/>
-          </p:cNvSpPr>
+          <p:cNvSpPr/>
           <p:nvPr>
             <p:ph type="sldNum" sz="quarter" idx="2"/>
           </p:nvPr>
@@ -1627,10 +1572,8 @@
           <a:bodyPr/>
           <a:lstStyle/>
           <a:p>
-            <a:fld id="{86CB4B4D-7CA3-9044-876B-883B54F8677D}" type="slidenum">
-              <a:t>‹#›</a:t>
-            </a:fld>
-            <a:endParaRPr/>
+            <a:pPr/>
+            <a:fld id="{86CB4B4D-7CA3-9044-876B-883B54F8677D}" type="slidenum"/>
           </a:p>
         </p:txBody>
       </p:sp>
@@ -1639,12 +1582,12 @@
   <p:clrMapOvr>
     <a:masterClrMapping/>
   </p:clrMapOvr>
-  <p:transition spd="med"/>
+  <p:transition xmlns:p14="http://schemas.microsoft.com/office/powerpoint/2010/main" spd="med" advClick="1"/>
 </p:sldLayout>
 </file>
 
 <file path=ppt/slideLayouts/slideLayout5.xml><?xml version="1.0" encoding="utf-8"?>
-<p:sldLayout xmlns:a="http://schemas.openxmlformats.org/drawingml/2006/main" xmlns:r="http://schemas.openxmlformats.org/officeDocument/2006/relationships" xmlns:p="http://schemas.openxmlformats.org/presentationml/2006/main" type="tx">
+<p:sldLayout xmlns:a="http://schemas.openxmlformats.org/drawingml/2006/main" xmlns:r="http://schemas.openxmlformats.org/officeDocument/2006/relationships" xmlns:p="http://schemas.openxmlformats.org/presentationml/2006/main" type="tx" showMasterSp="1" showMasterPhAnim="1">
   <p:cSld name="Zwei Inhalte">
     <p:spTree>
       <p:nvGrpSpPr>
@@ -1663,9 +1606,7 @@
       <p:sp>
         <p:nvSpPr>
           <p:cNvPr id="47" name="Shape 47"/>
-          <p:cNvSpPr>
-            <a:spLocks noGrp="1"/>
-          </p:cNvSpPr>
+          <p:cNvSpPr/>
           <p:nvPr>
             <p:ph type="title"/>
           </p:nvPr>
@@ -1679,6 +1620,7 @@
           <a:bodyPr/>
           <a:lstStyle/>
           <a:p>
+            <a:pPr/>
             <a:r>
               <a:t>Mastertitelformat bearbeiten</a:t>
             </a:r>
@@ -1688,9 +1630,7 @@
       <p:sp>
         <p:nvSpPr>
           <p:cNvPr id="48" name="Shape 48"/>
-          <p:cNvSpPr>
-            <a:spLocks noGrp="1"/>
-          </p:cNvSpPr>
+          <p:cNvSpPr/>
           <p:nvPr>
             <p:ph type="body" sz="half" idx="1"/>
           </p:nvPr>
@@ -1708,6 +1648,7 @@
           <a:bodyPr/>
           <a:lstStyle/>
           <a:p>
+            <a:pPr/>
             <a:r>
               <a:t>Mastertextformat bearbeiten</a:t>
             </a:r>
@@ -1741,9 +1682,7 @@
       <p:sp>
         <p:nvSpPr>
           <p:cNvPr id="49" name="Shape 49"/>
-          <p:cNvSpPr>
-            <a:spLocks noGrp="1"/>
-          </p:cNvSpPr>
+          <p:cNvSpPr/>
           <p:nvPr>
             <p:ph type="sldNum" sz="quarter" idx="2"/>
           </p:nvPr>
@@ -1757,10 +1696,8 @@
           <a:bodyPr/>
           <a:lstStyle/>
           <a:p>
-            <a:fld id="{86CB4B4D-7CA3-9044-876B-883B54F8677D}" type="slidenum">
-              <a:t>‹#›</a:t>
-            </a:fld>
-            <a:endParaRPr/>
+            <a:pPr/>
+            <a:fld id="{86CB4B4D-7CA3-9044-876B-883B54F8677D}" type="slidenum"/>
           </a:p>
         </p:txBody>
       </p:sp>
@@ -1769,12 +1706,12 @@
   <p:clrMapOvr>
     <a:masterClrMapping/>
   </p:clrMapOvr>
-  <p:transition spd="med"/>
+  <p:transition xmlns:p14="http://schemas.microsoft.com/office/powerpoint/2010/main" spd="med" advClick="1"/>
 </p:sldLayout>
 </file>
 
 <file path=ppt/slideLayouts/slideLayout6.xml><?xml version="1.0" encoding="utf-8"?>
-<p:sldLayout xmlns:a="http://schemas.openxmlformats.org/drawingml/2006/main" xmlns:r="http://schemas.openxmlformats.org/officeDocument/2006/relationships" xmlns:p="http://schemas.openxmlformats.org/presentationml/2006/main" type="tx">
+<p:sldLayout xmlns:a="http://schemas.openxmlformats.org/drawingml/2006/main" xmlns:r="http://schemas.openxmlformats.org/officeDocument/2006/relationships" xmlns:p="http://schemas.openxmlformats.org/presentationml/2006/main" type="tx" showMasterSp="1" showMasterPhAnim="1">
   <p:cSld name="Vergleich">
     <p:spTree>
       <p:nvGrpSpPr>
@@ -1793,9 +1730,7 @@
       <p:sp>
         <p:nvSpPr>
           <p:cNvPr id="56" name="Shape 56"/>
-          <p:cNvSpPr>
-            <a:spLocks noGrp="1"/>
-          </p:cNvSpPr>
+          <p:cNvSpPr/>
           <p:nvPr>
             <p:ph type="title"/>
           </p:nvPr>
@@ -1813,6 +1748,7 @@
           <a:bodyPr/>
           <a:lstStyle/>
           <a:p>
+            <a:pPr/>
             <a:r>
               <a:t>Mastertitelformat bearbeiten</a:t>
             </a:r>
@@ -1822,9 +1758,7 @@
       <p:sp>
         <p:nvSpPr>
           <p:cNvPr id="57" name="Shape 57"/>
-          <p:cNvSpPr>
-            <a:spLocks noGrp="1"/>
-          </p:cNvSpPr>
+          <p:cNvSpPr/>
           <p:nvPr>
             <p:ph type="body" sz="quarter" idx="1"/>
           </p:nvPr>
@@ -1832,7 +1766,7 @@
         <p:spPr>
           <a:xfrm>
             <a:off x="839787" y="1681163"/>
-            <a:ext cx="5157789" cy="823913"/>
+            <a:ext cx="5157790" cy="823914"/>
           </a:xfrm>
           <a:prstGeom prst="rect">
             <a:avLst/>
@@ -1845,10 +1779,11 @@
               <a:buSzTx/>
               <a:buFontTx/>
               <a:buNone/>
-              <a:defRPr sz="2400" b="1"/>
+              <a:defRPr b="1" sz="2400"/>
             </a:lvl1pPr>
           </a:lstStyle>
           <a:p>
+            <a:pPr/>
             <a:r>
               <a:t>Mastertextformat bearbeiten</a:t>
             </a:r>
@@ -1858,9 +1793,7 @@
       <p:sp>
         <p:nvSpPr>
           <p:cNvPr id="58" name="Shape 58"/>
-          <p:cNvSpPr>
-            <a:spLocks noGrp="1"/>
-          </p:cNvSpPr>
+          <p:cNvSpPr/>
           <p:nvPr>
             <p:ph type="body" sz="quarter" idx="13"/>
           </p:nvPr>
@@ -1868,7 +1801,7 @@
         <p:spPr>
           <a:xfrm>
             <a:off x="6172200" y="1681163"/>
-            <a:ext cx="5183188" cy="823913"/>
+            <a:ext cx="5183188" cy="823914"/>
           </a:xfrm>
           <a:prstGeom prst="rect">
             <a:avLst/>
@@ -1878,22 +1811,14 @@
           <a:bodyPr anchor="b"/>
           <a:lstStyle/>
           <a:p>
-            <a:pPr marL="0" indent="0">
-              <a:buSzTx/>
-              <a:buFontTx/>
-              <a:buNone/>
-              <a:defRPr sz="2400" b="1"/>
-            </a:pPr>
-            <a:endParaRPr/>
+            <a:pPr/>
           </a:p>
         </p:txBody>
       </p:sp>
       <p:sp>
         <p:nvSpPr>
           <p:cNvPr id="59" name="Shape 59"/>
-          <p:cNvSpPr>
-            <a:spLocks noGrp="1"/>
-          </p:cNvSpPr>
+          <p:cNvSpPr/>
           <p:nvPr>
             <p:ph type="sldNum" sz="quarter" idx="2"/>
           </p:nvPr>
@@ -1907,10 +1832,8 @@
           <a:bodyPr/>
           <a:lstStyle/>
           <a:p>
-            <a:fld id="{86CB4B4D-7CA3-9044-876B-883B54F8677D}" type="slidenum">
-              <a:t>‹#›</a:t>
-            </a:fld>
-            <a:endParaRPr/>
+            <a:pPr/>
+            <a:fld id="{86CB4B4D-7CA3-9044-876B-883B54F8677D}" type="slidenum"/>
           </a:p>
         </p:txBody>
       </p:sp>
@@ -1919,12 +1842,12 @@
   <p:clrMapOvr>
     <a:masterClrMapping/>
   </p:clrMapOvr>
-  <p:transition spd="med"/>
+  <p:transition xmlns:p14="http://schemas.microsoft.com/office/powerpoint/2010/main" spd="med" advClick="1"/>
 </p:sldLayout>
 </file>
 
 <file path=ppt/slideLayouts/slideLayout7.xml><?xml version="1.0" encoding="utf-8"?>
-<p:sldLayout xmlns:a="http://schemas.openxmlformats.org/drawingml/2006/main" xmlns:r="http://schemas.openxmlformats.org/officeDocument/2006/relationships" xmlns:p="http://schemas.openxmlformats.org/presentationml/2006/main" type="tx">
+<p:sldLayout xmlns:a="http://schemas.openxmlformats.org/drawingml/2006/main" xmlns:r="http://schemas.openxmlformats.org/officeDocument/2006/relationships" xmlns:p="http://schemas.openxmlformats.org/presentationml/2006/main" type="tx" showMasterSp="1" showMasterPhAnim="1">
   <p:cSld name="Nur Titel">
     <p:spTree>
       <p:nvGrpSpPr>
@@ -1943,9 +1866,7 @@
       <p:sp>
         <p:nvSpPr>
           <p:cNvPr id="66" name="Shape 66"/>
-          <p:cNvSpPr>
-            <a:spLocks noGrp="1"/>
-          </p:cNvSpPr>
+          <p:cNvSpPr/>
           <p:nvPr>
             <p:ph type="title"/>
           </p:nvPr>
@@ -1959,6 +1880,7 @@
           <a:bodyPr/>
           <a:lstStyle/>
           <a:p>
+            <a:pPr/>
             <a:r>
               <a:t>Titeltext</a:t>
             </a:r>
@@ -1968,9 +1890,7 @@
       <p:sp>
         <p:nvSpPr>
           <p:cNvPr id="67" name="Shape 67"/>
-          <p:cNvSpPr>
-            <a:spLocks noGrp="1"/>
-          </p:cNvSpPr>
+          <p:cNvSpPr/>
           <p:nvPr>
             <p:ph type="sldNum" sz="quarter" idx="2"/>
           </p:nvPr>
@@ -1984,10 +1904,8 @@
           <a:bodyPr/>
           <a:lstStyle/>
           <a:p>
-            <a:fld id="{86CB4B4D-7CA3-9044-876B-883B54F8677D}" type="slidenum">
-              <a:t>‹#›</a:t>
-            </a:fld>
-            <a:endParaRPr/>
+            <a:pPr/>
+            <a:fld id="{86CB4B4D-7CA3-9044-876B-883B54F8677D}" type="slidenum"/>
           </a:p>
         </p:txBody>
       </p:sp>
@@ -1996,12 +1914,12 @@
   <p:clrMapOvr>
     <a:masterClrMapping/>
   </p:clrMapOvr>
-  <p:transition spd="med"/>
+  <p:transition xmlns:p14="http://schemas.microsoft.com/office/powerpoint/2010/main" spd="med" advClick="1"/>
 </p:sldLayout>
 </file>
 
 <file path=ppt/slideLayouts/slideLayout8.xml><?xml version="1.0" encoding="utf-8"?>
-<p:sldLayout xmlns:a="http://schemas.openxmlformats.org/drawingml/2006/main" xmlns:r="http://schemas.openxmlformats.org/officeDocument/2006/relationships" xmlns:p="http://schemas.openxmlformats.org/presentationml/2006/main" type="tx">
+<p:sldLayout xmlns:a="http://schemas.openxmlformats.org/drawingml/2006/main" xmlns:r="http://schemas.openxmlformats.org/officeDocument/2006/relationships" xmlns:p="http://schemas.openxmlformats.org/presentationml/2006/main" type="tx" showMasterSp="1" showMasterPhAnim="1">
   <p:cSld name="Leer">
     <p:spTree>
       <p:nvGrpSpPr>
@@ -2020,9 +1938,7 @@
       <p:sp>
         <p:nvSpPr>
           <p:cNvPr id="74" name="Shape 74"/>
-          <p:cNvSpPr>
-            <a:spLocks noGrp="1"/>
-          </p:cNvSpPr>
+          <p:cNvSpPr/>
           <p:nvPr>
             <p:ph type="sldNum" sz="quarter" idx="2"/>
           </p:nvPr>
@@ -2036,10 +1952,8 @@
           <a:bodyPr/>
           <a:lstStyle/>
           <a:p>
-            <a:fld id="{86CB4B4D-7CA3-9044-876B-883B54F8677D}" type="slidenum">
-              <a:t>‹#›</a:t>
-            </a:fld>
-            <a:endParaRPr/>
+            <a:pPr/>
+            <a:fld id="{86CB4B4D-7CA3-9044-876B-883B54F8677D}" type="slidenum"/>
           </a:p>
         </p:txBody>
       </p:sp>
@@ -2048,12 +1962,12 @@
   <p:clrMapOvr>
     <a:masterClrMapping/>
   </p:clrMapOvr>
-  <p:transition spd="med"/>
+  <p:transition xmlns:p14="http://schemas.microsoft.com/office/powerpoint/2010/main" spd="med" advClick="1"/>
 </p:sldLayout>
 </file>
 
 <file path=ppt/slideLayouts/slideLayout9.xml><?xml version="1.0" encoding="utf-8"?>
-<p:sldLayout xmlns:a="http://schemas.openxmlformats.org/drawingml/2006/main" xmlns:r="http://schemas.openxmlformats.org/officeDocument/2006/relationships" xmlns:p="http://schemas.openxmlformats.org/presentationml/2006/main" type="tx">
+<p:sldLayout xmlns:a="http://schemas.openxmlformats.org/drawingml/2006/main" xmlns:r="http://schemas.openxmlformats.org/officeDocument/2006/relationships" xmlns:p="http://schemas.openxmlformats.org/presentationml/2006/main" type="tx" showMasterSp="1" showMasterPhAnim="1">
   <p:cSld name="Inhalt mit Überschrift">
     <p:spTree>
       <p:nvGrpSpPr>
@@ -2072,9 +1986,7 @@
       <p:sp>
         <p:nvSpPr>
           <p:cNvPr id="81" name="Shape 81"/>
-          <p:cNvSpPr>
-            <a:spLocks noGrp="1"/>
-          </p:cNvSpPr>
+          <p:cNvSpPr/>
           <p:nvPr>
             <p:ph type="title"/>
           </p:nvPr>
@@ -2082,7 +1994,7 @@
         <p:spPr>
           <a:xfrm>
             <a:off x="839787" y="457200"/>
-            <a:ext cx="3932239" cy="1600200"/>
+            <a:ext cx="3932240" cy="1600200"/>
           </a:xfrm>
           <a:prstGeom prst="rect">
             <a:avLst/>
@@ -2096,6 +2008,7 @@
             </a:lvl1pPr>
           </a:lstStyle>
           <a:p>
+            <a:pPr/>
             <a:r>
               <a:t>Titeltext</a:t>
             </a:r>
@@ -2105,9 +2018,7 @@
       <p:sp>
         <p:nvSpPr>
           <p:cNvPr id="82" name="Shape 82"/>
-          <p:cNvSpPr>
-            <a:spLocks noGrp="1"/>
-          </p:cNvSpPr>
+          <p:cNvSpPr/>
           <p:nvPr>
             <p:ph type="body" sz="half" idx="1"/>
           </p:nvPr>
@@ -2115,7 +2026,7 @@
         <p:spPr>
           <a:xfrm>
             <a:off x="5183187" y="987425"/>
-            <a:ext cx="6172201" cy="4873625"/>
+            <a:ext cx="6172202" cy="4873625"/>
           </a:xfrm>
           <a:prstGeom prst="rect">
             <a:avLst/>
@@ -2141,6 +2052,7 @@
             </a:lvl5pPr>
           </a:lstStyle>
           <a:p>
+            <a:pPr/>
             <a:r>
               <a:t>Textebene 1</a:t>
             </a:r>
@@ -2174,9 +2086,7 @@
       <p:sp>
         <p:nvSpPr>
           <p:cNvPr id="83" name="Shape 83"/>
-          <p:cNvSpPr>
-            <a:spLocks noGrp="1"/>
-          </p:cNvSpPr>
+          <p:cNvSpPr/>
           <p:nvPr>
             <p:ph type="body" sz="quarter" idx="13"/>
           </p:nvPr>
@@ -2194,22 +2104,14 @@
           <a:bodyPr/>
           <a:lstStyle/>
           <a:p>
-            <a:pPr marL="0" indent="0">
-              <a:buSzTx/>
-              <a:buFontTx/>
-              <a:buNone/>
-              <a:defRPr sz="1600"/>
-            </a:pPr>
-            <a:endParaRPr/>
+            <a:pPr/>
           </a:p>
         </p:txBody>
       </p:sp>
       <p:sp>
         <p:nvSpPr>
           <p:cNvPr id="84" name="Shape 84"/>
-          <p:cNvSpPr>
-            <a:spLocks noGrp="1"/>
-          </p:cNvSpPr>
+          <p:cNvSpPr/>
           <p:nvPr>
             <p:ph type="sldNum" sz="quarter" idx="2"/>
           </p:nvPr>
@@ -2223,10 +2125,8 @@
           <a:bodyPr/>
           <a:lstStyle/>
           <a:p>
-            <a:fld id="{86CB4B4D-7CA3-9044-876B-883B54F8677D}" type="slidenum">
-              <a:t>‹#›</a:t>
-            </a:fld>
-            <a:endParaRPr/>
+            <a:pPr/>
+            <a:fld id="{86CB4B4D-7CA3-9044-876B-883B54F8677D}" type="slidenum"/>
           </a:p>
         </p:txBody>
       </p:sp>
@@ -2235,7 +2135,7 @@
   <p:clrMapOvr>
     <a:masterClrMapping/>
   </p:clrMapOvr>
-  <p:transition spd="med"/>
+  <p:transition xmlns:p14="http://schemas.microsoft.com/office/powerpoint/2010/main" spd="med" advClick="1"/>
 </p:sldLayout>
 </file>
 
@@ -2247,7 +2147,6 @@
         <a:solidFill>
           <a:srgbClr val="FFFFFF"/>
         </a:solidFill>
-        <a:effectLst/>
       </p:bgPr>
     </p:bg>
     <p:spTree>
@@ -2267,9 +2166,7 @@
       <p:sp>
         <p:nvSpPr>
           <p:cNvPr id="2" name="Shape 2"/>
-          <p:cNvSpPr>
-            <a:spLocks noGrp="1"/>
-          </p:cNvSpPr>
+          <p:cNvSpPr/>
           <p:nvPr>
             <p:ph type="title"/>
           </p:nvPr>
@@ -2287,16 +2184,17 @@
           </a:ln>
           <a:extLst>
             <a:ext uri="{C572A759-6A51-4108-AA02-DFA0A04FC94B}">
-              <ma14:wrappingTextBoxFlag xmlns:ma14="http://schemas.microsoft.com/office/mac/drawingml/2011/main" xmlns="" val="1"/>
+              <ma14:wrappingTextBoxFlag xmlns:ma14="http://schemas.microsoft.com/office/mac/drawingml/2011/main" val="1"/>
             </a:ext>
           </a:extLst>
         </p:spPr>
         <p:txBody>
-          <a:bodyPr lIns="45719" rIns="45719" anchor="ctr">
-            <a:normAutofit/>
+          <a:bodyPr lIns="45718" tIns="45718" rIns="45718" bIns="45718" anchor="ctr">
+            <a:normAutofit fontScale="100000" lnSpcReduction="0"/>
           </a:bodyPr>
           <a:lstStyle/>
           <a:p>
+            <a:pPr/>
             <a:r>
               <a:t>Titeltext</a:t>
             </a:r>
@@ -2306,9 +2204,7 @@
       <p:sp>
         <p:nvSpPr>
           <p:cNvPr id="3" name="Shape 3"/>
-          <p:cNvSpPr>
-            <a:spLocks noGrp="1"/>
-          </p:cNvSpPr>
+          <p:cNvSpPr/>
           <p:nvPr>
             <p:ph type="body" idx="1"/>
           </p:nvPr>
@@ -2326,16 +2222,17 @@
           </a:ln>
           <a:extLst>
             <a:ext uri="{C572A759-6A51-4108-AA02-DFA0A04FC94B}">
-              <ma14:wrappingTextBoxFlag xmlns:ma14="http://schemas.microsoft.com/office/mac/drawingml/2011/main" xmlns="" val="1"/>
+              <ma14:wrappingTextBoxFlag xmlns:ma14="http://schemas.microsoft.com/office/mac/drawingml/2011/main" val="1"/>
             </a:ext>
           </a:extLst>
         </p:spPr>
         <p:txBody>
-          <a:bodyPr lIns="45719" rIns="45719">
-            <a:normAutofit/>
+          <a:bodyPr lIns="45718" tIns="45718" rIns="45718" bIns="45718">
+            <a:normAutofit fontScale="100000" lnSpcReduction="0"/>
           </a:bodyPr>
           <a:lstStyle/>
           <a:p>
+            <a:pPr/>
             <a:r>
               <a:t>Textebene 1</a:t>
             </a:r>
@@ -2369,17 +2266,15 @@
       <p:sp>
         <p:nvSpPr>
           <p:cNvPr id="4" name="Shape 4"/>
-          <p:cNvSpPr>
-            <a:spLocks noGrp="1"/>
-          </p:cNvSpPr>
+          <p:cNvSpPr/>
           <p:nvPr>
             <p:ph type="sldNum" sz="quarter" idx="2"/>
           </p:nvPr>
         </p:nvSpPr>
         <p:spPr>
           <a:xfrm>
-            <a:off x="11089818" y="6404292"/>
-            <a:ext cx="263983" cy="269241"/>
+            <a:off x="11089821" y="6404293"/>
+            <a:ext cx="263980" cy="269239"/>
           </a:xfrm>
           <a:prstGeom prst="rect">
             <a:avLst/>
@@ -2389,7 +2284,7 @@
           </a:ln>
         </p:spPr>
         <p:txBody>
-          <a:bodyPr wrap="none" lIns="45719" rIns="45719" anchor="ctr">
+          <a:bodyPr wrap="none" lIns="45718" tIns="45718" rIns="45718" bIns="45718" anchor="ctr">
             <a:spAutoFit/>
           </a:bodyPr>
           <a:lstStyle>
@@ -2402,10 +2297,8 @@
             </a:lvl1pPr>
           </a:lstStyle>
           <a:p>
-            <a:fld id="{86CB4B4D-7CA3-9044-876B-883B54F8677D}" type="slidenum">
-              <a:t>‹#›</a:t>
-            </a:fld>
-            <a:endParaRPr/>
+            <a:pPr/>
+            <a:fld id="{86CB4B4D-7CA3-9044-876B-883B54F8677D}" type="slidenum"/>
           </a:p>
         </p:txBody>
       </p:sp>
@@ -2413,21 +2306,21 @@
   </p:cSld>
   <p:clrMap bg1="lt1" tx1="dk1" bg2="lt2" tx2="dk2" accent1="accent1" accent2="accent2" accent3="accent3" accent4="accent4" accent5="accent5" accent6="accent6" hlink="hlink" folHlink="folHlink"/>
   <p:sldLayoutIdLst>
-    <p:sldLayoutId id="2147483649" r:id="rId1"/>
-    <p:sldLayoutId id="2147483650" r:id="rId2"/>
-    <p:sldLayoutId id="2147483651" r:id="rId3"/>
-    <p:sldLayoutId id="2147483652" r:id="rId4"/>
-    <p:sldLayoutId id="2147483653" r:id="rId5"/>
-    <p:sldLayoutId id="2147483654" r:id="rId6"/>
-    <p:sldLayoutId id="2147483655" r:id="rId7"/>
-    <p:sldLayoutId id="2147483656" r:id="rId8"/>
-    <p:sldLayoutId id="2147483657" r:id="rId9"/>
-    <p:sldLayoutId id="2147483658" r:id="rId10"/>
-    <p:sldLayoutId id="2147483659" r:id="rId11"/>
-    <p:sldLayoutId id="2147483660" r:id="rId12"/>
-    <p:sldLayoutId id="2147483661" r:id="rId13"/>
+    <p:sldLayoutId id="2147483649" r:id="rId2"/>
+    <p:sldLayoutId id="2147483650" r:id="rId3"/>
+    <p:sldLayoutId id="2147483651" r:id="rId4"/>
+    <p:sldLayoutId id="2147483652" r:id="rId5"/>
+    <p:sldLayoutId id="2147483653" r:id="rId6"/>
+    <p:sldLayoutId id="2147483654" r:id="rId7"/>
+    <p:sldLayoutId id="2147483655" r:id="rId8"/>
+    <p:sldLayoutId id="2147483656" r:id="rId9"/>
+    <p:sldLayoutId id="2147483657" r:id="rId10"/>
+    <p:sldLayoutId id="2147483658" r:id="rId11"/>
+    <p:sldLayoutId id="2147483659" r:id="rId12"/>
+    <p:sldLayoutId id="2147483660" r:id="rId13"/>
+    <p:sldLayoutId id="2147483661" r:id="rId14"/>
   </p:sldLayoutIdLst>
-  <p:transition spd="med"/>
+  <p:transition xmlns:p14="http://schemas.microsoft.com/office/powerpoint/2010/main" spd="med" advClick="1"/>
   <p:txStyles>
     <p:titleStyle>
       <a:lvl1pPr marL="0" marR="0" indent="0" algn="l" defTabSz="914400" rtl="0" latinLnBrk="0">
@@ -2445,7 +2338,7 @@
         <a:buFontTx/>
         <a:buNone/>
         <a:tabLst/>
-        <a:defRPr sz="4400" b="0" i="0" u="none" strike="noStrike" cap="none" spc="0" baseline="0">
+        <a:defRPr b="0" baseline="0" cap="none" i="0" spc="0" strike="noStrike" sz="4400" u="none">
           <a:ln>
             <a:noFill/>
           </a:ln>
@@ -2474,7 +2367,7 @@
         <a:buFontTx/>
         <a:buNone/>
         <a:tabLst/>
-        <a:defRPr sz="4400" b="0" i="0" u="none" strike="noStrike" cap="none" spc="0" baseline="0">
+        <a:defRPr b="0" baseline="0" cap="none" i="0" spc="0" strike="noStrike" sz="4400" u="none">
           <a:ln>
             <a:noFill/>
           </a:ln>
@@ -2503,7 +2396,7 @@
         <a:buFontTx/>
         <a:buNone/>
         <a:tabLst/>
-        <a:defRPr sz="4400" b="0" i="0" u="none" strike="noStrike" cap="none" spc="0" baseline="0">
+        <a:defRPr b="0" baseline="0" cap="none" i="0" spc="0" strike="noStrike" sz="4400" u="none">
           <a:ln>
             <a:noFill/>
           </a:ln>
@@ -2532,7 +2425,7 @@
         <a:buFontTx/>
         <a:buNone/>
         <a:tabLst/>
-        <a:defRPr sz="4400" b="0" i="0" u="none" strike="noStrike" cap="none" spc="0" baseline="0">
+        <a:defRPr b="0" baseline="0" cap="none" i="0" spc="0" strike="noStrike" sz="4400" u="none">
           <a:ln>
             <a:noFill/>
           </a:ln>
@@ -2561,7 +2454,7 @@
         <a:buFontTx/>
         <a:buNone/>
         <a:tabLst/>
-        <a:defRPr sz="4400" b="0" i="0" u="none" strike="noStrike" cap="none" spc="0" baseline="0">
+        <a:defRPr b="0" baseline="0" cap="none" i="0" spc="0" strike="noStrike" sz="4400" u="none">
           <a:ln>
             <a:noFill/>
           </a:ln>
@@ -2590,7 +2483,7 @@
         <a:buFontTx/>
         <a:buNone/>
         <a:tabLst/>
-        <a:defRPr sz="4400" b="0" i="0" u="none" strike="noStrike" cap="none" spc="0" baseline="0">
+        <a:defRPr b="0" baseline="0" cap="none" i="0" spc="0" strike="noStrike" sz="4400" u="none">
           <a:ln>
             <a:noFill/>
           </a:ln>
@@ -2619,7 +2512,7 @@
         <a:buFontTx/>
         <a:buNone/>
         <a:tabLst/>
-        <a:defRPr sz="4400" b="0" i="0" u="none" strike="noStrike" cap="none" spc="0" baseline="0">
+        <a:defRPr b="0" baseline="0" cap="none" i="0" spc="0" strike="noStrike" sz="4400" u="none">
           <a:ln>
             <a:noFill/>
           </a:ln>
@@ -2648,7 +2541,7 @@
         <a:buFontTx/>
         <a:buNone/>
         <a:tabLst/>
-        <a:defRPr sz="4400" b="0" i="0" u="none" strike="noStrike" cap="none" spc="0" baseline="0">
+        <a:defRPr b="0" baseline="0" cap="none" i="0" spc="0" strike="noStrike" sz="4400" u="none">
           <a:ln>
             <a:noFill/>
           </a:ln>
@@ -2677,7 +2570,7 @@
         <a:buFontTx/>
         <a:buNone/>
         <a:tabLst/>
-        <a:defRPr sz="4400" b="0" i="0" u="none" strike="noStrike" cap="none" spc="0" baseline="0">
+        <a:defRPr b="0" baseline="0" cap="none" i="0" spc="0" strike="noStrike" sz="4400" u="none">
           <a:ln>
             <a:noFill/>
           </a:ln>
@@ -2708,7 +2601,7 @@
         <a:buFont typeface="Arial"/>
         <a:buChar char="•"/>
         <a:tabLst/>
-        <a:defRPr sz="2800" b="0" i="0" u="none" strike="noStrike" cap="none" spc="0" baseline="0">
+        <a:defRPr b="0" baseline="0" cap="none" i="0" spc="0" strike="noStrike" sz="2800" u="none">
           <a:ln>
             <a:noFill/>
           </a:ln>
@@ -2737,7 +2630,7 @@
         <a:buFont typeface="Arial"/>
         <a:buChar char="•"/>
         <a:tabLst/>
-        <a:defRPr sz="2800" b="0" i="0" u="none" strike="noStrike" cap="none" spc="0" baseline="0">
+        <a:defRPr b="0" baseline="0" cap="none" i="0" spc="0" strike="noStrike" sz="2800" u="none">
           <a:ln>
             <a:noFill/>
           </a:ln>
@@ -2751,7 +2644,7 @@
           <a:sym typeface="Calibri"/>
         </a:defRPr>
       </a:lvl2pPr>
-      <a:lvl3pPr marL="1234439" marR="0" indent="-320039" algn="l" defTabSz="914400" rtl="0" latinLnBrk="0">
+      <a:lvl3pPr marL="1234438" marR="0" indent="-320038" algn="l" defTabSz="914400" rtl="0" latinLnBrk="0">
         <a:lnSpc>
           <a:spcPct val="90000"/>
         </a:lnSpc>
@@ -2766,7 +2659,7 @@
         <a:buFont typeface="Arial"/>
         <a:buChar char="•"/>
         <a:tabLst/>
-        <a:defRPr sz="2800" b="0" i="0" u="none" strike="noStrike" cap="none" spc="0" baseline="0">
+        <a:defRPr b="0" baseline="0" cap="none" i="0" spc="0" strike="noStrike" sz="2800" u="none">
           <a:ln>
             <a:noFill/>
           </a:ln>
@@ -2795,7 +2688,7 @@
         <a:buFont typeface="Arial"/>
         <a:buChar char="•"/>
         <a:tabLst/>
-        <a:defRPr sz="2800" b="0" i="0" u="none" strike="noStrike" cap="none" spc="0" baseline="0">
+        <a:defRPr b="0" baseline="0" cap="none" i="0" spc="0" strike="noStrike" sz="2800" u="none">
           <a:ln>
             <a:noFill/>
           </a:ln>
@@ -2824,7 +2717,7 @@
         <a:buFont typeface="Arial"/>
         <a:buChar char="•"/>
         <a:tabLst/>
-        <a:defRPr sz="2800" b="0" i="0" u="none" strike="noStrike" cap="none" spc="0" baseline="0">
+        <a:defRPr b="0" baseline="0" cap="none" i="0" spc="0" strike="noStrike" sz="2800" u="none">
           <a:ln>
             <a:noFill/>
           </a:ln>
@@ -2853,7 +2746,7 @@
         <a:buFont typeface="Arial"/>
         <a:buChar char="•"/>
         <a:tabLst/>
-        <a:defRPr sz="2800" b="0" i="0" u="none" strike="noStrike" cap="none" spc="0" baseline="0">
+        <a:defRPr b="0" baseline="0" cap="none" i="0" spc="0" strike="noStrike" sz="2800" u="none">
           <a:ln>
             <a:noFill/>
           </a:ln>
@@ -2882,7 +2775,7 @@
         <a:buFont typeface="Arial"/>
         <a:buChar char="•"/>
         <a:tabLst/>
-        <a:defRPr sz="2800" b="0" i="0" u="none" strike="noStrike" cap="none" spc="0" baseline="0">
+        <a:defRPr b="0" baseline="0" cap="none" i="0" spc="0" strike="noStrike" sz="2800" u="none">
           <a:ln>
             <a:noFill/>
           </a:ln>
@@ -2911,7 +2804,7 @@
         <a:buFont typeface="Arial"/>
         <a:buChar char="•"/>
         <a:tabLst/>
-        <a:defRPr sz="2800" b="0" i="0" u="none" strike="noStrike" cap="none" spc="0" baseline="0">
+        <a:defRPr b="0" baseline="0" cap="none" i="0" spc="0" strike="noStrike" sz="2800" u="none">
           <a:ln>
             <a:noFill/>
           </a:ln>
@@ -2940,7 +2833,7 @@
         <a:buFont typeface="Arial"/>
         <a:buChar char="•"/>
         <a:tabLst/>
-        <a:defRPr sz="2800" b="0" i="0" u="none" strike="noStrike" cap="none" spc="0" baseline="0">
+        <a:defRPr b="0" baseline="0" cap="none" i="0" spc="0" strike="noStrike" sz="2800" u="none">
           <a:ln>
             <a:noFill/>
           </a:ln>
@@ -2971,7 +2864,7 @@
         <a:buFontTx/>
         <a:buNone/>
         <a:tabLst/>
-        <a:defRPr sz="1200" b="0" i="0" u="none" strike="noStrike" cap="none" spc="0" baseline="0">
+        <a:defRPr b="0" baseline="0" cap="none" i="0" spc="0" strike="noStrike" sz="1200" u="none">
           <a:ln>
             <a:noFill/>
           </a:ln>
@@ -2985,7 +2878,7 @@
           <a:sym typeface="Calibri"/>
         </a:defRPr>
       </a:lvl1pPr>
-      <a:lvl2pPr marL="0" marR="0" indent="457200" algn="r" defTabSz="914400" rtl="0" latinLnBrk="0">
+      <a:lvl2pPr marL="0" marR="0" indent="0" algn="r" defTabSz="914400" rtl="0" latinLnBrk="0">
         <a:lnSpc>
           <a:spcPct val="100000"/>
         </a:lnSpc>
@@ -3000,7 +2893,7 @@
         <a:buFontTx/>
         <a:buNone/>
         <a:tabLst/>
-        <a:defRPr sz="1200" b="0" i="0" u="none" strike="noStrike" cap="none" spc="0" baseline="0">
+        <a:defRPr b="0" baseline="0" cap="none" i="0" spc="0" strike="noStrike" sz="1200" u="none">
           <a:ln>
             <a:noFill/>
           </a:ln>
@@ -3014,7 +2907,7 @@
           <a:sym typeface="Calibri"/>
         </a:defRPr>
       </a:lvl2pPr>
-      <a:lvl3pPr marL="0" marR="0" indent="914400" algn="r" defTabSz="914400" rtl="0" latinLnBrk="0">
+      <a:lvl3pPr marL="0" marR="0" indent="0" algn="r" defTabSz="914400" rtl="0" latinLnBrk="0">
         <a:lnSpc>
           <a:spcPct val="100000"/>
         </a:lnSpc>
@@ -3029,7 +2922,7 @@
         <a:buFontTx/>
         <a:buNone/>
         <a:tabLst/>
-        <a:defRPr sz="1200" b="0" i="0" u="none" strike="noStrike" cap="none" spc="0" baseline="0">
+        <a:defRPr b="0" baseline="0" cap="none" i="0" spc="0" strike="noStrike" sz="1200" u="none">
           <a:ln>
             <a:noFill/>
           </a:ln>
@@ -3043,7 +2936,7 @@
           <a:sym typeface="Calibri"/>
         </a:defRPr>
       </a:lvl3pPr>
-      <a:lvl4pPr marL="0" marR="0" indent="1371600" algn="r" defTabSz="914400" rtl="0" latinLnBrk="0">
+      <a:lvl4pPr marL="0" marR="0" indent="0" algn="r" defTabSz="914400" rtl="0" latinLnBrk="0">
         <a:lnSpc>
           <a:spcPct val="100000"/>
         </a:lnSpc>
@@ -3058,7 +2951,7 @@
         <a:buFontTx/>
         <a:buNone/>
         <a:tabLst/>
-        <a:defRPr sz="1200" b="0" i="0" u="none" strike="noStrike" cap="none" spc="0" baseline="0">
+        <a:defRPr b="0" baseline="0" cap="none" i="0" spc="0" strike="noStrike" sz="1200" u="none">
           <a:ln>
             <a:noFill/>
           </a:ln>
@@ -3072,7 +2965,7 @@
           <a:sym typeface="Calibri"/>
         </a:defRPr>
       </a:lvl4pPr>
-      <a:lvl5pPr marL="0" marR="0" indent="1828800" algn="r" defTabSz="914400" rtl="0" latinLnBrk="0">
+      <a:lvl5pPr marL="0" marR="0" indent="0" algn="r" defTabSz="914400" rtl="0" latinLnBrk="0">
         <a:lnSpc>
           <a:spcPct val="100000"/>
         </a:lnSpc>
@@ -3087,7 +2980,7 @@
         <a:buFontTx/>
         <a:buNone/>
         <a:tabLst/>
-        <a:defRPr sz="1200" b="0" i="0" u="none" strike="noStrike" cap="none" spc="0" baseline="0">
+        <a:defRPr b="0" baseline="0" cap="none" i="0" spc="0" strike="noStrike" sz="1200" u="none">
           <a:ln>
             <a:noFill/>
           </a:ln>
@@ -3101,7 +2994,7 @@
           <a:sym typeface="Calibri"/>
         </a:defRPr>
       </a:lvl5pPr>
-      <a:lvl6pPr marL="0" marR="0" indent="2286000" algn="r" defTabSz="914400" rtl="0" latinLnBrk="0">
+      <a:lvl6pPr marL="0" marR="0" indent="0" algn="r" defTabSz="914400" rtl="0" latinLnBrk="0">
         <a:lnSpc>
           <a:spcPct val="100000"/>
         </a:lnSpc>
@@ -3116,7 +3009,7 @@
         <a:buFontTx/>
         <a:buNone/>
         <a:tabLst/>
-        <a:defRPr sz="1200" b="0" i="0" u="none" strike="noStrike" cap="none" spc="0" baseline="0">
+        <a:defRPr b="0" baseline="0" cap="none" i="0" spc="0" strike="noStrike" sz="1200" u="none">
           <a:ln>
             <a:noFill/>
           </a:ln>
@@ -3130,7 +3023,7 @@
           <a:sym typeface="Calibri"/>
         </a:defRPr>
       </a:lvl6pPr>
-      <a:lvl7pPr marL="0" marR="0" indent="2743200" algn="r" defTabSz="914400" rtl="0" latinLnBrk="0">
+      <a:lvl7pPr marL="0" marR="0" indent="0" algn="r" defTabSz="914400" rtl="0" latinLnBrk="0">
         <a:lnSpc>
           <a:spcPct val="100000"/>
         </a:lnSpc>
@@ -3145,7 +3038,7 @@
         <a:buFontTx/>
         <a:buNone/>
         <a:tabLst/>
-        <a:defRPr sz="1200" b="0" i="0" u="none" strike="noStrike" cap="none" spc="0" baseline="0">
+        <a:defRPr b="0" baseline="0" cap="none" i="0" spc="0" strike="noStrike" sz="1200" u="none">
           <a:ln>
             <a:noFill/>
           </a:ln>
@@ -3159,7 +3052,7 @@
           <a:sym typeface="Calibri"/>
         </a:defRPr>
       </a:lvl7pPr>
-      <a:lvl8pPr marL="0" marR="0" indent="3200400" algn="r" defTabSz="914400" rtl="0" latinLnBrk="0">
+      <a:lvl8pPr marL="0" marR="0" indent="0" algn="r" defTabSz="914400" rtl="0" latinLnBrk="0">
         <a:lnSpc>
           <a:spcPct val="100000"/>
         </a:lnSpc>
@@ -3174,7 +3067,7 @@
         <a:buFontTx/>
         <a:buNone/>
         <a:tabLst/>
-        <a:defRPr sz="1200" b="0" i="0" u="none" strike="noStrike" cap="none" spc="0" baseline="0">
+        <a:defRPr b="0" baseline="0" cap="none" i="0" spc="0" strike="noStrike" sz="1200" u="none">
           <a:ln>
             <a:noFill/>
           </a:ln>
@@ -3188,7 +3081,7 @@
           <a:sym typeface="Calibri"/>
         </a:defRPr>
       </a:lvl8pPr>
-      <a:lvl9pPr marL="0" marR="0" indent="3657600" algn="r" defTabSz="914400" rtl="0" latinLnBrk="0">
+      <a:lvl9pPr marL="0" marR="0" indent="0" algn="r" defTabSz="914400" rtl="0" latinLnBrk="0">
         <a:lnSpc>
           <a:spcPct val="100000"/>
         </a:lnSpc>
@@ -3203,7 +3096,7 @@
         <a:buFontTx/>
         <a:buNone/>
         <a:tabLst/>
-        <a:defRPr sz="1200" b="0" i="0" u="none" strike="noStrike" cap="none" spc="0" baseline="0">
+        <a:defRPr b="0" baseline="0" cap="none" i="0" spc="0" strike="noStrike" sz="1200" u="none">
           <a:ln>
             <a:noFill/>
           </a:ln>
@@ -3223,14 +3116,13 @@
 </file>
 
 <file path=ppt/slides/slide1.xml><?xml version="1.0" encoding="utf-8"?>
-<p:sld xmlns:a="http://schemas.openxmlformats.org/drawingml/2006/main" xmlns:r="http://schemas.openxmlformats.org/officeDocument/2006/relationships" xmlns:p="http://schemas.openxmlformats.org/presentationml/2006/main">
+<p:sld xmlns:a="http://schemas.openxmlformats.org/drawingml/2006/main" xmlns:r="http://schemas.openxmlformats.org/officeDocument/2006/relationships" xmlns:p="http://schemas.openxmlformats.org/presentationml/2006/main" showMasterSp="1" showMasterPhAnim="1">
   <p:cSld>
     <p:bg>
       <p:bgPr>
         <a:solidFill>
           <a:srgbClr val="E3FDDB"/>
         </a:solidFill>
-        <a:effectLst/>
       </p:bgPr>
     </p:bg>
     <p:spTree>
@@ -3255,8 +3147,8 @@
         </p:nvSpPr>
         <p:spPr>
           <a:xfrm>
-            <a:off x="611423" y="473697"/>
-            <a:ext cx="6348578" cy="5311492"/>
+            <a:off x="611423" y="473696"/>
+            <a:ext cx="6348578" cy="5311490"/>
           </a:xfrm>
           <a:prstGeom prst="rect">
             <a:avLst/>
@@ -3266,12 +3158,12 @@
           </a:ln>
           <a:extLst>
             <a:ext uri="{C572A759-6A51-4108-AA02-DFA0A04FC94B}">
-              <ma14:wrappingTextBoxFlag xmlns:ma14="http://schemas.microsoft.com/office/mac/drawingml/2011/main" xmlns="" val="1"/>
+              <ma14:wrappingTextBoxFlag xmlns:ma14="http://schemas.microsoft.com/office/mac/drawingml/2011/main" val="1"/>
             </a:ext>
           </a:extLst>
         </p:spPr>
         <p:txBody>
-          <a:bodyPr lIns="45719" rIns="45719">
+          <a:bodyPr lIns="45718" tIns="45718" rIns="45718" bIns="45718">
             <a:spAutoFit/>
           </a:bodyPr>
           <a:lstStyle/>
@@ -3283,7 +3175,7 @@
               <a:spcBef>
                 <a:spcPts val="600"/>
               </a:spcBef>
-              <a:defRPr sz="3500" b="1" u="sng">
+              <a:defRPr b="1" sz="3500" u="sng">
                 <a:latin typeface="Arial"/>
                 <a:ea typeface="Arial"/>
                 <a:cs typeface="Arial"/>
@@ -3309,7 +3201,6 @@
                 <a:sym typeface="Arial"/>
               </a:defRPr>
             </a:pPr>
-            <a:endParaRPr/>
           </a:p>
           <a:p>
             <a:pPr>
@@ -3361,14 +3252,13 @@
               <a:spcBef>
                 <a:spcPts val="600"/>
               </a:spcBef>
-              <a:defRPr sz="3000">
+              <a:defRPr b="1" sz="3000">
                 <a:latin typeface="Arial"/>
                 <a:ea typeface="Arial"/>
                 <a:cs typeface="Arial"/>
                 <a:sym typeface="Arial"/>
               </a:defRPr>
             </a:pPr>
-            <a:endParaRPr b="1"/>
           </a:p>
           <a:p>
             <a:pPr>
@@ -3378,7 +3268,7 @@
               <a:spcBef>
                 <a:spcPts val="600"/>
               </a:spcBef>
-              <a:defRPr sz="3000" b="1" u="sng">
+              <a:defRPr b="1" sz="3000" u="sng">
                 <a:latin typeface="Arial"/>
                 <a:ea typeface="Arial"/>
                 <a:cs typeface="Arial"/>
@@ -3397,14 +3287,13 @@
               <a:spcBef>
                 <a:spcPts val="600"/>
               </a:spcBef>
-              <a:defRPr sz="1000" b="1" u="sng">
+              <a:defRPr b="1" sz="1000" u="sng">
                 <a:latin typeface="Arial"/>
                 <a:ea typeface="Arial"/>
                 <a:cs typeface="Arial"/>
                 <a:sym typeface="Arial"/>
               </a:defRPr>
             </a:pPr>
-            <a:endParaRPr/>
           </a:p>
           <a:p>
             <a:pPr>
@@ -3459,7 +3348,6 @@
                 <a:sym typeface="Arial"/>
               </a:defRPr>
             </a:pPr>
-            <a:endParaRPr/>
           </a:p>
           <a:p>
             <a:pPr>
@@ -3495,7 +3383,6 @@
                 <a:sym typeface="Arial"/>
               </a:defRPr>
             </a:pPr>
-            <a:endParaRPr/>
           </a:p>
           <a:p>
             <a:pPr>
@@ -3531,7 +3418,6 @@
                 <a:sym typeface="Arial"/>
               </a:defRPr>
             </a:pPr>
-            <a:endParaRPr/>
           </a:p>
           <a:p>
             <a:pPr>
@@ -3563,15 +3449,17 @@
           <p:nvPr/>
         </p:nvPicPr>
         <p:blipFill>
-          <a:blip r:embed="rId2"/>
+          <a:blip r:embed="rId2">
+            <a:extLst/>
+          </a:blip>
           <a:stretch>
             <a:fillRect/>
           </a:stretch>
         </p:blipFill>
         <p:spPr>
           <a:xfrm rot="517975">
-            <a:off x="7881139" y="2164971"/>
-            <a:ext cx="4099167" cy="2828195"/>
+            <a:off x="7881139" y="2164970"/>
+            <a:ext cx="4099167" cy="2828196"/>
           </a:xfrm>
           <a:prstGeom prst="rect">
             <a:avLst/>
@@ -3589,8 +3477,8 @@
         </p:nvSpPr>
         <p:spPr>
           <a:xfrm>
-            <a:off x="8396507" y="6045408"/>
-            <a:ext cx="2859061" cy="358141"/>
+            <a:off x="8396506" y="6045408"/>
+            <a:ext cx="2859060" cy="358139"/>
           </a:xfrm>
           <a:prstGeom prst="rect">
             <a:avLst/>
@@ -3600,16 +3488,17 @@
           </a:ln>
           <a:extLst>
             <a:ext uri="{C572A759-6A51-4108-AA02-DFA0A04FC94B}">
-              <ma14:wrappingTextBoxFlag xmlns:ma14="http://schemas.microsoft.com/office/mac/drawingml/2011/main" xmlns="" val="1"/>
+              <ma14:wrappingTextBoxFlag xmlns:ma14="http://schemas.microsoft.com/office/mac/drawingml/2011/main" val="1"/>
             </a:ext>
           </a:extLst>
         </p:spPr>
         <p:txBody>
-          <a:bodyPr wrap="none" lIns="45719" rIns="45719">
+          <a:bodyPr wrap="none" lIns="45718" tIns="45718" rIns="45718" bIns="45718">
             <a:spAutoFit/>
           </a:bodyPr>
           <a:lstStyle/>
           <a:p>
+            <a:pPr/>
             <a:r>
               <a:t>Quelle:  mercadolibre.com</a:t>
             </a:r>
@@ -3625,7 +3514,9 @@
           <p:nvPr/>
         </p:nvPicPr>
         <p:blipFill>
-          <a:blip r:embed="rId3"/>
+          <a:blip r:embed="rId3">
+            <a:extLst/>
+          </a:blip>
           <a:stretch>
             <a:fillRect/>
           </a:stretch>
@@ -3633,7 +3524,7 @@
         <p:spPr>
           <a:xfrm rot="21050579">
             <a:off x="6278974" y="2543811"/>
-            <a:ext cx="3412368" cy="3032525"/>
+            <a:ext cx="3412369" cy="3032525"/>
           </a:xfrm>
           <a:prstGeom prst="rect">
             <a:avLst/>
@@ -3652,7 +3543,9 @@
           <p:nvPr/>
         </p:nvPicPr>
         <p:blipFill>
-          <a:blip r:embed="rId4"/>
+          <a:blip r:embed="rId4">
+            <a:extLst/>
+          </a:blip>
           <a:stretch>
             <a:fillRect/>
           </a:stretch>
@@ -3660,7 +3553,7 @@
         <p:spPr>
           <a:xfrm>
             <a:off x="804000" y="4079849"/>
-            <a:ext cx="731506" cy="731507"/>
+            <a:ext cx="731506" cy="731508"/>
           </a:xfrm>
           <a:prstGeom prst="rect">
             <a:avLst/>
@@ -3672,14 +3565,16 @@
       </p:pic>
       <p:pic>
         <p:nvPicPr>
-          <p:cNvPr id="135" name="image5.png" descr="Schulmädchen"/>
+          <p:cNvPr id="135" name="image4.png" descr="Schulmädchen"/>
           <p:cNvPicPr>
             <a:picLocks noChangeAspect="1"/>
           </p:cNvPicPr>
           <p:nvPr/>
         </p:nvPicPr>
         <p:blipFill>
-          <a:blip r:embed="rId5"/>
+          <a:blip r:embed="rId5">
+            <a:extLst/>
+          </a:blip>
           <a:stretch>
             <a:fillRect/>
           </a:stretch>
@@ -3687,7 +3582,7 @@
         <p:spPr>
           <a:xfrm>
             <a:off x="804000" y="3387576"/>
-            <a:ext cx="731506" cy="731507"/>
+            <a:ext cx="731506" cy="731508"/>
           </a:xfrm>
           <a:prstGeom prst="rect">
             <a:avLst/>
@@ -3706,7 +3601,9 @@
           <p:nvPr/>
         </p:nvPicPr>
         <p:blipFill>
-          <a:blip r:embed="rId4"/>
+          <a:blip r:embed="rId4">
+            <a:extLst/>
+          </a:blip>
           <a:stretch>
             <a:fillRect/>
           </a:stretch>
@@ -3733,7 +3630,9 @@
           <p:nvPr/>
         </p:nvPicPr>
         <p:blipFill>
-          <a:blip r:embed="rId4"/>
+          <a:blip r:embed="rId4">
+            <a:extLst/>
+          </a:blip>
           <a:stretch>
             <a:fillRect/>
           </a:stretch>
@@ -3741,7 +3640,7 @@
         <p:spPr>
           <a:xfrm>
             <a:off x="804000" y="5356145"/>
-            <a:ext cx="731506" cy="731507"/>
+            <a:ext cx="731506" cy="731508"/>
           </a:xfrm>
           <a:prstGeom prst="rect">
             <a:avLst/>
@@ -3753,22 +3652,24 @@
       </p:pic>
       <p:pic>
         <p:nvPicPr>
-          <p:cNvPr id="138" name="image7.png"/>
+          <p:cNvPr id="138" name="image5.png"/>
           <p:cNvPicPr>
             <a:picLocks noChangeAspect="1"/>
           </p:cNvPicPr>
           <p:nvPr/>
         </p:nvPicPr>
         <p:blipFill>
-          <a:blip r:embed="rId6"/>
+          <a:blip r:embed="rId6">
+            <a:extLst/>
+          </a:blip>
           <a:stretch>
             <a:fillRect/>
           </a:stretch>
         </p:blipFill>
         <p:spPr>
           <a:xfrm>
-            <a:off x="2457656" y="2242656"/>
-            <a:ext cx="2686630" cy="1233794"/>
+            <a:off x="2457655" y="2242655"/>
+            <a:ext cx="2686631" cy="1233795"/>
           </a:xfrm>
           <a:prstGeom prst="rect">
             <a:avLst/>
@@ -3783,12 +3684,12 @@
   <p:clrMapOvr>
     <a:masterClrMapping/>
   </p:clrMapOvr>
-  <p:transition spd="med"/>
+  <p:transition xmlns:p14="http://schemas.microsoft.com/office/powerpoint/2010/main" spd="med" advClick="1"/>
 </p:sld>
 </file>
 
 <file path=ppt/slides/slide10.xml><?xml version="1.0" encoding="utf-8"?>
-<p:sld xmlns:a="http://schemas.openxmlformats.org/drawingml/2006/main" xmlns:r="http://schemas.openxmlformats.org/officeDocument/2006/relationships" xmlns:p="http://schemas.openxmlformats.org/presentationml/2006/main">
+<p:sld xmlns:a="http://schemas.openxmlformats.org/drawingml/2006/main" xmlns:r="http://schemas.openxmlformats.org/officeDocument/2006/relationships" xmlns:p="http://schemas.openxmlformats.org/presentationml/2006/main" showMasterSp="1" showMasterPhAnim="1">
   <p:cSld>
     <p:spTree>
       <p:nvGrpSpPr>
@@ -3806,14 +3707,14 @@
       </p:grpSpPr>
       <p:sp>
         <p:nvSpPr>
-          <p:cNvPr id="213" name="Shape 213"/>
+          <p:cNvPr id="214" name="Shape 214"/>
           <p:cNvSpPr/>
           <p:nvPr/>
         </p:nvSpPr>
         <p:spPr>
           <a:xfrm>
             <a:off x="4038600" y="6404292"/>
-            <a:ext cx="4114800" cy="269241"/>
+            <a:ext cx="4114800" cy="269239"/>
           </a:xfrm>
           <a:prstGeom prst="rect">
             <a:avLst/>
@@ -3823,12 +3724,12 @@
           </a:ln>
           <a:extLst>
             <a:ext uri="{C572A759-6A51-4108-AA02-DFA0A04FC94B}">
-              <ma14:wrappingTextBoxFlag xmlns:ma14="http://schemas.microsoft.com/office/mac/drawingml/2011/main" xmlns="" val="1"/>
+              <ma14:wrappingTextBoxFlag xmlns:ma14="http://schemas.microsoft.com/office/mac/drawingml/2011/main" val="1"/>
             </a:ext>
           </a:extLst>
         </p:spPr>
         <p:txBody>
-          <a:bodyPr lIns="45719" rIns="45719" anchor="ctr">
+          <a:bodyPr lIns="45718" tIns="45718" rIns="45718" bIns="45718" anchor="ctr">
             <a:spAutoFit/>
           </a:bodyPr>
           <a:lstStyle>
@@ -3841,6 +3742,7 @@
             </a:lvl1pPr>
           </a:lstStyle>
           <a:p>
+            <a:pPr/>
             <a:r>
               <a:t>Mlst.-Präsentation Nr. 1  /  Gruppe 15</a:t>
             </a:r>
@@ -3849,18 +3751,16 @@
       </p:sp>
       <p:sp>
         <p:nvSpPr>
-          <p:cNvPr id="214" name="Shape 214"/>
-          <p:cNvSpPr>
-            <a:spLocks noGrp="1"/>
-          </p:cNvSpPr>
+          <p:cNvPr id="215" name="Shape 215"/>
+          <p:cNvSpPr/>
           <p:nvPr>
             <p:ph type="title"/>
           </p:nvPr>
         </p:nvSpPr>
         <p:spPr>
           <a:xfrm>
-            <a:off x="0" y="-1"/>
-            <a:ext cx="10515600" cy="720438"/>
+            <a:off x="0" y="-2"/>
+            <a:ext cx="10515600" cy="720440"/>
           </a:xfrm>
           <a:prstGeom prst="rect">
             <a:avLst/>
@@ -3870,7 +3770,7 @@
           <a:bodyPr/>
           <a:lstStyle>
             <a:lvl1pPr>
-              <a:defRPr sz="2000" b="1">
+              <a:defRPr b="1" sz="2000">
                 <a:latin typeface="Arial"/>
                 <a:ea typeface="Arial"/>
                 <a:cs typeface="Arial"/>
@@ -3879,6 +3779,7 @@
             </a:lvl1pPr>
           </a:lstStyle>
           <a:p>
+            <a:pPr/>
             <a:r>
               <a:t>	 Übersicht</a:t>
             </a:r>
@@ -3887,10 +3788,8 @@
       </p:sp>
       <p:sp>
         <p:nvSpPr>
-          <p:cNvPr id="215" name="Shape 215"/>
-          <p:cNvSpPr>
-            <a:spLocks noGrp="1"/>
-          </p:cNvSpPr>
+          <p:cNvPr id="216" name="Shape 216"/>
+          <p:cNvSpPr/>
           <p:nvPr>
             <p:ph type="body" sz="half" idx="1"/>
           </p:nvPr>
@@ -3898,7 +3797,7 @@
         <p:spPr>
           <a:xfrm>
             <a:off x="1889727" y="1485000"/>
-            <a:ext cx="7622079" cy="4351338"/>
+            <a:ext cx="7622080" cy="4351338"/>
           </a:xfrm>
           <a:prstGeom prst="rect">
             <a:avLst/>
@@ -3933,7 +3832,6 @@
                 <a:sym typeface="Arial"/>
               </a:defRPr>
             </a:pPr>
-            <a:endParaRPr/>
           </a:p>
           <a:p>
             <a:pPr marL="0" indent="0">
@@ -3961,7 +3859,6 @@
                 <a:sym typeface="Arial"/>
               </a:defRPr>
             </a:pPr>
-            <a:endParaRPr/>
           </a:p>
           <a:p>
             <a:pPr marL="0" indent="0">
@@ -3989,13 +3886,12 @@
                 <a:sym typeface="Arial"/>
               </a:defRPr>
             </a:pPr>
-            <a:endParaRPr/>
           </a:p>
           <a:p>
             <a:pPr marL="0" indent="0">
               <a:buSzTx/>
               <a:buNone/>
-              <a:defRPr sz="3000" b="1">
+              <a:defRPr b="1" sz="3000">
                 <a:latin typeface="Arial"/>
                 <a:ea typeface="Arial"/>
                 <a:cs typeface="Arial"/>
@@ -4010,25 +3906,23 @@
       </p:sp>
       <p:sp>
         <p:nvSpPr>
-          <p:cNvPr id="216" name="Shape 216"/>
-          <p:cNvSpPr>
-            <a:spLocks noGrp="1"/>
-          </p:cNvSpPr>
+          <p:cNvPr id="217" name="Shape 217"/>
+          <p:cNvSpPr/>
           <p:nvPr>
-            <p:ph type="sldNum" sz="quarter" idx="2"/>
+            <p:ph type="sldNum" sz="quarter" idx="4294967295"/>
           </p:nvPr>
         </p:nvSpPr>
         <p:spPr>
           <a:xfrm>
-            <a:off x="11089818" y="6404292"/>
-            <a:ext cx="263982" cy="269241"/>
+            <a:off x="11089817" y="6404292"/>
+            <a:ext cx="263981" cy="269239"/>
           </a:xfrm>
           <a:prstGeom prst="rect">
             <a:avLst/>
           </a:prstGeom>
           <a:extLst>
             <a:ext uri="{C572A759-6A51-4108-AA02-DFA0A04FC94B}">
-              <ma14:wrappingTextBoxFlag xmlns:ma14="http://schemas.microsoft.com/office/mac/drawingml/2011/main" xmlns="" val="1"/>
+              <ma14:wrappingTextBoxFlag xmlns:ma14="http://schemas.microsoft.com/office/mac/drawingml/2011/main" val="1"/>
             </a:ext>
           </a:extLst>
         </p:spPr>
@@ -4036,23 +3930,23 @@
           <a:bodyPr/>
           <a:lstStyle/>
           <a:p>
-            <a:fld id="{86CB4B4D-7CA3-9044-876B-883B54F8677D}" type="slidenum">
-              <a:t>10</a:t>
-            </a:fld>
-            <a:endParaRPr/>
+            <a:pPr/>
+            <a:fld id="{86CB4B4D-7CA3-9044-876B-883B54F8677D}" type="slidenum"/>
           </a:p>
         </p:txBody>
       </p:sp>
       <p:pic>
         <p:nvPicPr>
-          <p:cNvPr id="217" name="image8.png" descr="Gamecontroller"/>
+          <p:cNvPr id="218" name="image6.png" descr="Gamecontroller"/>
           <p:cNvPicPr>
             <a:picLocks noChangeAspect="1"/>
           </p:cNvPicPr>
           <p:nvPr/>
         </p:nvPicPr>
         <p:blipFill>
-          <a:blip r:embed="rId2"/>
+          <a:blip r:embed="rId2">
+            <a:extLst/>
+          </a:blip>
           <a:stretch>
             <a:fillRect/>
           </a:stretch>
@@ -4072,14 +3966,14 @@
       </p:pic>
       <p:sp>
         <p:nvSpPr>
-          <p:cNvPr id="218" name="Shape 218"/>
+          <p:cNvPr id="219" name="Shape 219"/>
           <p:cNvSpPr/>
           <p:nvPr/>
         </p:nvSpPr>
         <p:spPr>
           <a:xfrm>
-            <a:off x="-16625" y="720436"/>
-            <a:ext cx="3088626" cy="1"/>
+            <a:off x="-16626" y="720436"/>
+            <a:ext cx="3088628" cy="2"/>
           </a:xfrm>
           <a:prstGeom prst="line">
             <a:avLst/>
@@ -4091,7 +3985,7 @@
             <a:miter/>
           </a:ln>
           <a:effectLst>
-            <a:outerShdw blurRad="50800" dist="38100" dir="2700000" rotWithShape="0">
+            <a:outerShdw sx="100000" sy="100000" kx="0" ky="0" algn="b" rotWithShape="0" blurRad="50800" dist="38100" dir="2700000">
               <a:srgbClr val="000000">
                 <a:alpha val="40000"/>
               </a:srgbClr>
@@ -4099,31 +3993,33 @@
           </a:effectLst>
         </p:spPr>
         <p:txBody>
-          <a:bodyPr lIns="45719" rIns="45719"/>
+          <a:bodyPr lIns="45718" tIns="45718" rIns="45718" bIns="45718"/>
           <a:lstStyle/>
           <a:p>
-            <a:endParaRPr/>
+            <a:pPr/>
           </a:p>
         </p:txBody>
       </p:sp>
       <p:pic>
         <p:nvPicPr>
-          <p:cNvPr id="219" name="image10.png" descr="Präsentation mit Checkliste RNL"/>
+          <p:cNvPr id="220" name="image7.png" descr="Präsentation mit Checkliste RNL"/>
           <p:cNvPicPr>
             <a:picLocks noChangeAspect="1"/>
           </p:cNvPicPr>
           <p:nvPr/>
         </p:nvPicPr>
         <p:blipFill>
-          <a:blip r:embed="rId3"/>
+          <a:blip r:embed="rId3">
+            <a:extLst/>
+          </a:blip>
           <a:stretch>
             <a:fillRect/>
           </a:stretch>
         </p:blipFill>
         <p:spPr>
           <a:xfrm>
-            <a:off x="298859" y="90217"/>
-            <a:ext cx="540000" cy="540001"/>
+            <a:off x="298859" y="90216"/>
+            <a:ext cx="540000" cy="540003"/>
           </a:xfrm>
           <a:prstGeom prst="rect">
             <a:avLst/>
@@ -4135,14 +4031,16 @@
       </p:pic>
       <p:pic>
         <p:nvPicPr>
-          <p:cNvPr id="220" name="image12.png" descr="Markierung"/>
+          <p:cNvPr id="221" name="image8.png" descr="Markierung"/>
           <p:cNvPicPr>
             <a:picLocks noChangeAspect="1"/>
           </p:cNvPicPr>
           <p:nvPr/>
         </p:nvPicPr>
         <p:blipFill>
-          <a:blip r:embed="rId4"/>
+          <a:blip r:embed="rId4">
+            <a:extLst/>
+          </a:blip>
           <a:stretch>
             <a:fillRect/>
           </a:stretch>
@@ -4150,7 +4048,7 @@
         <p:spPr>
           <a:xfrm>
             <a:off x="795217" y="4499231"/>
-            <a:ext cx="914401" cy="914401"/>
+            <a:ext cx="914401" cy="914402"/>
           </a:xfrm>
           <a:prstGeom prst="rect">
             <a:avLst/>
@@ -4162,14 +4060,16 @@
       </p:pic>
       <p:pic>
         <p:nvPicPr>
-          <p:cNvPr id="221" name="image14.png" descr="Glühbirne und Zahnrad"/>
+          <p:cNvPr id="222" name="image9.png" descr="Glühbirne und Zahnrad"/>
           <p:cNvPicPr>
             <a:picLocks noChangeAspect="1"/>
           </p:cNvPicPr>
           <p:nvPr/>
         </p:nvPicPr>
         <p:blipFill>
-          <a:blip r:embed="rId5"/>
+          <a:blip r:embed="rId5">
+            <a:extLst/>
+          </a:blip>
           <a:stretch>
             <a:fillRect/>
           </a:stretch>
@@ -4177,7 +4077,7 @@
         <p:spPr>
           <a:xfrm>
             <a:off x="795217" y="2343116"/>
-            <a:ext cx="914401" cy="914401"/>
+            <a:ext cx="914401" cy="914402"/>
           </a:xfrm>
           <a:prstGeom prst="rect">
             <a:avLst/>
@@ -4189,14 +4089,16 @@
       </p:pic>
       <p:pic>
         <p:nvPicPr>
-          <p:cNvPr id="222" name="image16.png" descr="Fingerabdruck"/>
+          <p:cNvPr id="223" name="image10.png" descr="Fingerabdruck"/>
           <p:cNvPicPr>
             <a:picLocks noChangeAspect="1"/>
           </p:cNvPicPr>
           <p:nvPr/>
         </p:nvPicPr>
         <p:blipFill>
-          <a:blip r:embed="rId6"/>
+          <a:blip r:embed="rId6">
+            <a:extLst/>
+          </a:blip>
           <a:stretch>
             <a:fillRect/>
           </a:stretch>
@@ -4204,7 +4106,7 @@
         <p:spPr>
           <a:xfrm>
             <a:off x="795217" y="3421174"/>
-            <a:ext cx="914401" cy="914401"/>
+            <a:ext cx="914401" cy="914402"/>
           </a:xfrm>
           <a:prstGeom prst="rect">
             <a:avLst/>
@@ -4219,12 +4121,12 @@
   <p:clrMapOvr>
     <a:masterClrMapping/>
   </p:clrMapOvr>
-  <p:transition spd="slow"/>
+  <p:transition xmlns:p14="http://schemas.microsoft.com/office/powerpoint/2010/main" spd="med" advClick="1" p14:dur="1000"/>
 </p:sld>
 </file>
 
 <file path=ppt/slides/slide11.xml><?xml version="1.0" encoding="utf-8"?>
-<p:sld xmlns:a="http://schemas.openxmlformats.org/drawingml/2006/main" xmlns:r="http://schemas.openxmlformats.org/officeDocument/2006/relationships" xmlns:p="http://schemas.openxmlformats.org/presentationml/2006/main">
+<p:sld xmlns:a="http://schemas.openxmlformats.org/drawingml/2006/main" xmlns:r="http://schemas.openxmlformats.org/officeDocument/2006/relationships" xmlns:p="http://schemas.openxmlformats.org/presentationml/2006/main" showMasterSp="1" showMasterPhAnim="1">
   <p:cSld>
     <p:spTree>
       <p:nvGrpSpPr>
@@ -4242,14 +4144,14 @@
       </p:grpSpPr>
       <p:sp>
         <p:nvSpPr>
-          <p:cNvPr id="224" name="Shape 224"/>
+          <p:cNvPr id="225" name="Shape 225"/>
           <p:cNvSpPr/>
           <p:nvPr/>
         </p:nvSpPr>
         <p:spPr>
           <a:xfrm>
             <a:off x="4038600" y="6404292"/>
-            <a:ext cx="4114800" cy="269241"/>
+            <a:ext cx="4114800" cy="269239"/>
           </a:xfrm>
           <a:prstGeom prst="rect">
             <a:avLst/>
@@ -4259,12 +4161,12 @@
           </a:ln>
           <a:extLst>
             <a:ext uri="{C572A759-6A51-4108-AA02-DFA0A04FC94B}">
-              <ma14:wrappingTextBoxFlag xmlns:ma14="http://schemas.microsoft.com/office/mac/drawingml/2011/main" xmlns="" val="1"/>
+              <ma14:wrappingTextBoxFlag xmlns:ma14="http://schemas.microsoft.com/office/mac/drawingml/2011/main" val="1"/>
             </a:ext>
           </a:extLst>
         </p:spPr>
         <p:txBody>
-          <a:bodyPr lIns="45719" rIns="45719" anchor="ctr">
+          <a:bodyPr lIns="45718" tIns="45718" rIns="45718" bIns="45718" anchor="ctr">
             <a:spAutoFit/>
           </a:bodyPr>
           <a:lstStyle>
@@ -4277,6 +4179,7 @@
             </a:lvl1pPr>
           </a:lstStyle>
           <a:p>
+            <a:pPr/>
             <a:r>
               <a:t>Mlst.-Präsentation Nr. 1  /  Gruppe 15</a:t>
             </a:r>
@@ -4285,18 +4188,16 @@
       </p:sp>
       <p:sp>
         <p:nvSpPr>
-          <p:cNvPr id="225" name="Shape 225"/>
-          <p:cNvSpPr>
-            <a:spLocks noGrp="1"/>
-          </p:cNvSpPr>
+          <p:cNvPr id="226" name="Shape 226"/>
+          <p:cNvSpPr/>
           <p:nvPr>
             <p:ph type="title"/>
           </p:nvPr>
         </p:nvSpPr>
         <p:spPr>
           <a:xfrm>
-            <a:off x="0" y="-1"/>
-            <a:ext cx="10515600" cy="720438"/>
+            <a:off x="0" y="-2"/>
+            <a:ext cx="10515600" cy="720440"/>
           </a:xfrm>
           <a:prstGeom prst="rect">
             <a:avLst/>
@@ -4306,7 +4207,7 @@
           <a:bodyPr/>
           <a:lstStyle>
             <a:lvl1pPr>
-              <a:defRPr sz="2000" b="1">
+              <a:defRPr b="1" sz="2000">
                 <a:latin typeface="Arial"/>
                 <a:ea typeface="Arial"/>
                 <a:cs typeface="Arial"/>
@@ -4315,44 +4216,10 @@
             </a:lvl1pPr>
           </a:lstStyle>
           <a:p>
+            <a:pPr/>
             <a:r>
               <a:t>	Standpunkt / Zwischenresümee</a:t>
             </a:r>
-          </a:p>
-        </p:txBody>
-      </p:sp>
-      <p:sp>
-        <p:nvSpPr>
-          <p:cNvPr id="226" name="Shape 226"/>
-          <p:cNvSpPr>
-            <a:spLocks noGrp="1"/>
-          </p:cNvSpPr>
-          <p:nvPr>
-            <p:ph type="sldNum" sz="quarter" idx="2"/>
-          </p:nvPr>
-        </p:nvSpPr>
-        <p:spPr>
-          <a:xfrm>
-            <a:off x="11089818" y="6404292"/>
-            <a:ext cx="263982" cy="269241"/>
-          </a:xfrm>
-          <a:prstGeom prst="rect">
-            <a:avLst/>
-          </a:prstGeom>
-          <a:extLst>
-            <a:ext uri="{C572A759-6A51-4108-AA02-DFA0A04FC94B}">
-              <ma14:wrappingTextBoxFlag xmlns:ma14="http://schemas.microsoft.com/office/mac/drawingml/2011/main" xmlns="" val="1"/>
-            </a:ext>
-          </a:extLst>
-        </p:spPr>
-        <p:txBody>
-          <a:bodyPr/>
-          <a:lstStyle/>
-          <a:p>
-            <a:fld id="{86CB4B4D-7CA3-9044-876B-883B54F8677D}" type="slidenum">
-              <a:t>11</a:t>
-            </a:fld>
-            <a:endParaRPr/>
           </a:p>
         </p:txBody>
       </p:sp>
@@ -4360,12 +4227,43 @@
         <p:nvSpPr>
           <p:cNvPr id="227" name="Shape 227"/>
           <p:cNvSpPr/>
+          <p:nvPr>
+            <p:ph type="sldNum" sz="quarter" idx="4294967295"/>
+          </p:nvPr>
+        </p:nvSpPr>
+        <p:spPr>
+          <a:xfrm>
+            <a:off x="11089817" y="6404292"/>
+            <a:ext cx="263981" cy="269239"/>
+          </a:xfrm>
+          <a:prstGeom prst="rect">
+            <a:avLst/>
+          </a:prstGeom>
+          <a:extLst>
+            <a:ext uri="{C572A759-6A51-4108-AA02-DFA0A04FC94B}">
+              <ma14:wrappingTextBoxFlag xmlns:ma14="http://schemas.microsoft.com/office/mac/drawingml/2011/main" val="1"/>
+            </a:ext>
+          </a:extLst>
+        </p:spPr>
+        <p:txBody>
+          <a:bodyPr/>
+          <a:lstStyle/>
+          <a:p>
+            <a:pPr/>
+            <a:fld id="{86CB4B4D-7CA3-9044-876B-883B54F8677D}" type="slidenum"/>
+          </a:p>
+        </p:txBody>
+      </p:sp>
+      <p:sp>
+        <p:nvSpPr>
+          <p:cNvPr id="228" name="Shape 228"/>
+          <p:cNvSpPr/>
           <p:nvPr/>
         </p:nvSpPr>
         <p:spPr>
           <a:xfrm>
             <a:off x="-11084" y="720436"/>
-            <a:ext cx="5268885" cy="1"/>
+            <a:ext cx="5268886" cy="2"/>
           </a:xfrm>
           <a:prstGeom prst="line">
             <a:avLst/>
@@ -4377,7 +4275,7 @@
             <a:miter/>
           </a:ln>
           <a:effectLst>
-            <a:outerShdw blurRad="50800" dist="38100" dir="2700000" rotWithShape="0">
+            <a:outerShdw sx="100000" sy="100000" kx="0" ky="0" algn="b" rotWithShape="0" blurRad="50800" dist="38100" dir="2700000">
               <a:srgbClr val="000000">
                 <a:alpha val="40000"/>
               </a:srgbClr>
@@ -4385,31 +4283,33 @@
           </a:effectLst>
         </p:spPr>
         <p:txBody>
-          <a:bodyPr lIns="45719" rIns="45719"/>
+          <a:bodyPr lIns="45718" tIns="45718" rIns="45718" bIns="45718"/>
           <a:lstStyle/>
           <a:p>
-            <a:endParaRPr/>
+            <a:pPr/>
           </a:p>
         </p:txBody>
       </p:sp>
       <p:pic>
         <p:nvPicPr>
-          <p:cNvPr id="228" name="image12.png" descr="Markierung"/>
+          <p:cNvPr id="229" name="image8.png" descr="Markierung"/>
           <p:cNvPicPr>
             <a:picLocks noChangeAspect="1"/>
           </p:cNvPicPr>
           <p:nvPr/>
         </p:nvPicPr>
         <p:blipFill>
-          <a:blip r:embed="rId2"/>
+          <a:blip r:embed="rId2">
+            <a:extLst/>
+          </a:blip>
           <a:stretch>
             <a:fillRect/>
           </a:stretch>
         </p:blipFill>
         <p:spPr>
           <a:xfrm>
-            <a:off x="155999" y="-2"/>
-            <a:ext cx="696002" cy="696002"/>
+            <a:off x="155999" y="-3"/>
+            <a:ext cx="696002" cy="696003"/>
           </a:xfrm>
           <a:prstGeom prst="rect">
             <a:avLst/>
@@ -4421,14 +4321,14 @@
       </p:pic>
       <p:sp>
         <p:nvSpPr>
-          <p:cNvPr id="229" name="Shape 229"/>
+          <p:cNvPr id="230" name="Shape 230"/>
           <p:cNvSpPr/>
           <p:nvPr/>
         </p:nvSpPr>
         <p:spPr>
           <a:xfrm>
             <a:off x="413511" y="1052999"/>
-            <a:ext cx="9678490" cy="5057141"/>
+            <a:ext cx="9678490" cy="4765039"/>
           </a:xfrm>
           <a:prstGeom prst="rect">
             <a:avLst/>
@@ -4438,12 +4338,12 @@
           </a:ln>
           <a:extLst>
             <a:ext uri="{C572A759-6A51-4108-AA02-DFA0A04FC94B}">
-              <ma14:wrappingTextBoxFlag xmlns:ma14="http://schemas.microsoft.com/office/mac/drawingml/2011/main" xmlns="" val="1"/>
+              <ma14:wrappingTextBoxFlag xmlns:ma14="http://schemas.microsoft.com/office/mac/drawingml/2011/main" val="1"/>
             </a:ext>
           </a:extLst>
         </p:spPr>
         <p:txBody>
-          <a:bodyPr lIns="45719" rIns="45719">
+          <a:bodyPr lIns="45718" tIns="45718" rIns="45718" bIns="45718">
             <a:spAutoFit/>
           </a:bodyPr>
           <a:lstStyle/>
@@ -4452,14 +4352,14 @@
               <a:buSzPct val="100000"/>
               <a:buFont typeface="Wingdings"/>
               <a:buChar char="▪"/>
-              <a:defRPr sz="2000" b="1"/>
+              <a:defRPr b="1" sz="2000"/>
             </a:pPr>
             <a:r>
               <a:t>Zielvorgaben der Meilensteine bisher im grossen und ganzen erreicht:</a:t>
             </a:r>
           </a:p>
           <a:p>
-            <a:pPr marL="800100" lvl="1" indent="-342900">
+            <a:pPr lvl="1" marL="800100" indent="-342900">
               <a:buSzPct val="100000"/>
               <a:buChar char="-"/>
               <a:defRPr sz="2000"/>
@@ -4469,7 +4369,7 @@
             </a:r>
           </a:p>
           <a:p>
-            <a:pPr marL="800100" lvl="1" indent="-342900">
+            <a:pPr lvl="1" marL="800100" indent="-342900">
               <a:buSzPct val="100000"/>
               <a:buChar char="-"/>
               <a:defRPr sz="2000"/>
@@ -4479,83 +4379,74 @@
             </a:r>
           </a:p>
           <a:p>
-            <a:pPr lvl="1">
+            <a:pPr lvl="1" indent="457200">
               <a:defRPr sz="2000"/>
             </a:pPr>
-            <a:endParaRPr/>
           </a:p>
           <a:p>
             <a:pPr marL="342900" indent="-342900">
               <a:buSzPct val="100000"/>
               <a:buFont typeface="Wingdings"/>
               <a:buChar char="▪"/>
-              <a:defRPr sz="2000" b="1"/>
+              <a:defRPr b="1" sz="2000"/>
             </a:pPr>
             <a:r>
               <a:t>Zuständigkeiten haben sich nicht geändert:</a:t>
             </a:r>
           </a:p>
           <a:p>
-            <a:pPr lvl="1">
+            <a:pPr lvl="1" indent="457200">
               <a:defRPr sz="2000"/>
             </a:pPr>
-            <a:endParaRPr/>
-          </a:p>
-          <a:p>
-            <a:pPr lvl="1">
+          </a:p>
+          <a:p>
+            <a:pPr lvl="1" indent="457200">
               <a:defRPr sz="2000"/>
             </a:pPr>
-            <a:endParaRPr/>
           </a:p>
           <a:p>
             <a:pPr>
               <a:defRPr sz="2000"/>
             </a:pPr>
-            <a:endParaRPr/>
           </a:p>
           <a:p>
             <a:pPr>
               <a:defRPr sz="2000"/>
             </a:pPr>
-            <a:endParaRPr/>
           </a:p>
           <a:p>
             <a:pPr>
               <a:defRPr sz="2000"/>
             </a:pPr>
-            <a:endParaRPr/>
           </a:p>
           <a:p>
             <a:pPr>
               <a:defRPr sz="2000"/>
             </a:pPr>
-            <a:endParaRPr/>
           </a:p>
           <a:p>
             <a:pPr>
               <a:defRPr sz="2000"/>
             </a:pPr>
-            <a:endParaRPr/>
           </a:p>
           <a:p>
             <a:pPr>
               <a:defRPr sz="2000"/>
             </a:pPr>
-            <a:endParaRPr/>
           </a:p>
           <a:p>
             <a:pPr marL="342900" indent="-342900">
               <a:buSzPct val="100000"/>
               <a:buFont typeface="Wingdings"/>
               <a:buChar char="▪"/>
-              <a:defRPr sz="2000" b="1"/>
+              <a:defRPr b="1" sz="2000"/>
             </a:pPr>
             <a:r>
               <a:t>Keine 180° drehungen:</a:t>
             </a:r>
           </a:p>
           <a:p>
-            <a:pPr marL="800100" lvl="1" indent="-342900">
+            <a:pPr lvl="1" marL="800100" indent="-342900">
               <a:buSzPct val="100000"/>
               <a:buChar char="-"/>
               <a:defRPr sz="2000"/>
@@ -4563,25 +4454,21 @@
             <a:r>
               <a:t>Wir konnten das Spiel verwirklichen wie wir es uns vorgestellt haben</a:t>
             </a:r>
-          </a:p>
-          <a:p>
-            <a:pPr>
-              <a:defRPr sz="2000"/>
-            </a:pPr>
-            <a:endParaRPr/>
           </a:p>
         </p:txBody>
       </p:sp>
       <p:pic>
         <p:nvPicPr>
-          <p:cNvPr id="230" name="image18.png"/>
+          <p:cNvPr id="231" name="image14.png"/>
           <p:cNvPicPr>
             <a:picLocks noChangeAspect="1"/>
           </p:cNvPicPr>
           <p:nvPr/>
         </p:nvPicPr>
         <p:blipFill>
-          <a:blip r:embed="rId3"/>
+          <a:blip r:embed="rId3">
+            <a:extLst/>
+          </a:blip>
           <a:stretch>
             <a:fillRect/>
           </a:stretch>
@@ -4604,12 +4491,12 @@
   <p:clrMapOvr>
     <a:masterClrMapping/>
   </p:clrMapOvr>
-  <p:transition spd="slow"/>
+  <p:transition xmlns:p14="http://schemas.microsoft.com/office/powerpoint/2010/main" spd="med" advClick="1" p14:dur="1000"/>
 </p:sld>
 </file>
 
 <file path=ppt/slides/slide12.xml><?xml version="1.0" encoding="utf-8"?>
-<p:sld xmlns:a="http://schemas.openxmlformats.org/drawingml/2006/main" xmlns:r="http://schemas.openxmlformats.org/officeDocument/2006/relationships" xmlns:p="http://schemas.openxmlformats.org/presentationml/2006/main">
+<p:sld xmlns:a="http://schemas.openxmlformats.org/drawingml/2006/main" xmlns:r="http://schemas.openxmlformats.org/officeDocument/2006/relationships" xmlns:p="http://schemas.openxmlformats.org/presentationml/2006/main" showMasterSp="1" showMasterPhAnim="1">
   <p:cSld>
     <p:spTree>
       <p:nvGrpSpPr>
@@ -4627,14 +4514,14 @@
       </p:grpSpPr>
       <p:sp>
         <p:nvSpPr>
-          <p:cNvPr id="232" name="Shape 232"/>
+          <p:cNvPr id="233" name="Shape 233"/>
           <p:cNvSpPr/>
           <p:nvPr/>
         </p:nvSpPr>
         <p:spPr>
           <a:xfrm>
             <a:off x="4038600" y="6404292"/>
-            <a:ext cx="4114800" cy="269241"/>
+            <a:ext cx="4114800" cy="269239"/>
           </a:xfrm>
           <a:prstGeom prst="rect">
             <a:avLst/>
@@ -4644,12 +4531,12 @@
           </a:ln>
           <a:extLst>
             <a:ext uri="{C572A759-6A51-4108-AA02-DFA0A04FC94B}">
-              <ma14:wrappingTextBoxFlag xmlns:ma14="http://schemas.microsoft.com/office/mac/drawingml/2011/main" xmlns="" val="1"/>
+              <ma14:wrappingTextBoxFlag xmlns:ma14="http://schemas.microsoft.com/office/mac/drawingml/2011/main" val="1"/>
             </a:ext>
           </a:extLst>
         </p:spPr>
         <p:txBody>
-          <a:bodyPr lIns="45719" rIns="45719" anchor="ctr">
+          <a:bodyPr lIns="45718" tIns="45718" rIns="45718" bIns="45718" anchor="ctr">
             <a:spAutoFit/>
           </a:bodyPr>
           <a:lstStyle>
@@ -4662,6 +4549,7 @@
             </a:lvl1pPr>
           </a:lstStyle>
           <a:p>
+            <a:pPr/>
             <a:r>
               <a:t>Mlst.-Präsentation Nr. 1  /  Gruppe 15</a:t>
             </a:r>
@@ -4670,18 +4558,16 @@
       </p:sp>
       <p:sp>
         <p:nvSpPr>
-          <p:cNvPr id="233" name="Shape 233"/>
-          <p:cNvSpPr>
-            <a:spLocks noGrp="1"/>
-          </p:cNvSpPr>
+          <p:cNvPr id="234" name="Shape 234"/>
+          <p:cNvSpPr/>
           <p:nvPr>
             <p:ph type="title"/>
           </p:nvPr>
         </p:nvSpPr>
         <p:spPr>
           <a:xfrm>
-            <a:off x="0" y="-1"/>
-            <a:ext cx="10515600" cy="720438"/>
+            <a:off x="0" y="-2"/>
+            <a:ext cx="10515600" cy="720440"/>
           </a:xfrm>
           <a:prstGeom prst="rect">
             <a:avLst/>
@@ -4691,7 +4577,7 @@
           <a:bodyPr/>
           <a:lstStyle>
             <a:lvl1pPr>
-              <a:defRPr sz="2000" b="1">
+              <a:defRPr b="1" sz="2000">
                 <a:latin typeface="Arial"/>
                 <a:ea typeface="Arial"/>
                 <a:cs typeface="Arial"/>
@@ -4700,44 +4586,10 @@
             </a:lvl1pPr>
           </a:lstStyle>
           <a:p>
+            <a:pPr/>
             <a:r>
               <a:t>	Standpunkt / Zwischenresümee</a:t>
             </a:r>
-          </a:p>
-        </p:txBody>
-      </p:sp>
-      <p:sp>
-        <p:nvSpPr>
-          <p:cNvPr id="234" name="Shape 234"/>
-          <p:cNvSpPr>
-            <a:spLocks noGrp="1"/>
-          </p:cNvSpPr>
-          <p:nvPr>
-            <p:ph type="sldNum" sz="quarter" idx="2"/>
-          </p:nvPr>
-        </p:nvSpPr>
-        <p:spPr>
-          <a:xfrm>
-            <a:off x="11089818" y="6404292"/>
-            <a:ext cx="263982" cy="269241"/>
-          </a:xfrm>
-          <a:prstGeom prst="rect">
-            <a:avLst/>
-          </a:prstGeom>
-          <a:extLst>
-            <a:ext uri="{C572A759-6A51-4108-AA02-DFA0A04FC94B}">
-              <ma14:wrappingTextBoxFlag xmlns:ma14="http://schemas.microsoft.com/office/mac/drawingml/2011/main" xmlns="" val="1"/>
-            </a:ext>
-          </a:extLst>
-        </p:spPr>
-        <p:txBody>
-          <a:bodyPr/>
-          <a:lstStyle/>
-          <a:p>
-            <a:fld id="{86CB4B4D-7CA3-9044-876B-883B54F8677D}" type="slidenum">
-              <a:t>12</a:t>
-            </a:fld>
-            <a:endParaRPr/>
           </a:p>
         </p:txBody>
       </p:sp>
@@ -4745,12 +4597,43 @@
         <p:nvSpPr>
           <p:cNvPr id="235" name="Shape 235"/>
           <p:cNvSpPr/>
+          <p:nvPr>
+            <p:ph type="sldNum" sz="quarter" idx="4294967295"/>
+          </p:nvPr>
+        </p:nvSpPr>
+        <p:spPr>
+          <a:xfrm>
+            <a:off x="11089817" y="6404292"/>
+            <a:ext cx="263981" cy="269239"/>
+          </a:xfrm>
+          <a:prstGeom prst="rect">
+            <a:avLst/>
+          </a:prstGeom>
+          <a:extLst>
+            <a:ext uri="{C572A759-6A51-4108-AA02-DFA0A04FC94B}">
+              <ma14:wrappingTextBoxFlag xmlns:ma14="http://schemas.microsoft.com/office/mac/drawingml/2011/main" val="1"/>
+            </a:ext>
+          </a:extLst>
+        </p:spPr>
+        <p:txBody>
+          <a:bodyPr/>
+          <a:lstStyle/>
+          <a:p>
+            <a:pPr/>
+            <a:fld id="{86CB4B4D-7CA3-9044-876B-883B54F8677D}" type="slidenum"/>
+          </a:p>
+        </p:txBody>
+      </p:sp>
+      <p:sp>
+        <p:nvSpPr>
+          <p:cNvPr id="236" name="Shape 236"/>
+          <p:cNvSpPr/>
           <p:nvPr/>
         </p:nvSpPr>
         <p:spPr>
           <a:xfrm>
             <a:off x="-11084" y="720436"/>
-            <a:ext cx="5268885" cy="1"/>
+            <a:ext cx="5268886" cy="2"/>
           </a:xfrm>
           <a:prstGeom prst="line">
             <a:avLst/>
@@ -4762,7 +4645,7 @@
             <a:miter/>
           </a:ln>
           <a:effectLst>
-            <a:outerShdw blurRad="50800" dist="38100" dir="2700000" rotWithShape="0">
+            <a:outerShdw sx="100000" sy="100000" kx="0" ky="0" algn="b" rotWithShape="0" blurRad="50800" dist="38100" dir="2700000">
               <a:srgbClr val="000000">
                 <a:alpha val="40000"/>
               </a:srgbClr>
@@ -4770,31 +4653,33 @@
           </a:effectLst>
         </p:spPr>
         <p:txBody>
-          <a:bodyPr lIns="45719" rIns="45719"/>
+          <a:bodyPr lIns="45718" tIns="45718" rIns="45718" bIns="45718"/>
           <a:lstStyle/>
           <a:p>
-            <a:endParaRPr/>
+            <a:pPr/>
           </a:p>
         </p:txBody>
       </p:sp>
       <p:pic>
         <p:nvPicPr>
-          <p:cNvPr id="236" name="image12.png" descr="Markierung"/>
+          <p:cNvPr id="237" name="image8.png" descr="Markierung"/>
           <p:cNvPicPr>
             <a:picLocks noChangeAspect="1"/>
           </p:cNvPicPr>
           <p:nvPr/>
         </p:nvPicPr>
         <p:blipFill>
-          <a:blip r:embed="rId2"/>
+          <a:blip r:embed="rId2">
+            <a:extLst/>
+          </a:blip>
           <a:stretch>
             <a:fillRect/>
           </a:stretch>
         </p:blipFill>
         <p:spPr>
           <a:xfrm>
-            <a:off x="155999" y="-2"/>
-            <a:ext cx="696002" cy="696002"/>
+            <a:off x="155999" y="-3"/>
+            <a:ext cx="696002" cy="696003"/>
           </a:xfrm>
           <a:prstGeom prst="rect">
             <a:avLst/>
@@ -4806,14 +4691,14 @@
       </p:pic>
       <p:sp>
         <p:nvSpPr>
-          <p:cNvPr id="237" name="Shape 237"/>
+          <p:cNvPr id="238" name="Shape 238"/>
           <p:cNvSpPr/>
           <p:nvPr/>
         </p:nvSpPr>
         <p:spPr>
           <a:xfrm>
             <a:off x="418555" y="1053000"/>
-            <a:ext cx="9678490" cy="5641341"/>
+            <a:ext cx="9678490" cy="5349239"/>
           </a:xfrm>
           <a:prstGeom prst="rect">
             <a:avLst/>
@@ -4823,12 +4708,12 @@
           </a:ln>
           <a:extLst>
             <a:ext uri="{C572A759-6A51-4108-AA02-DFA0A04FC94B}">
-              <ma14:wrappingTextBoxFlag xmlns:ma14="http://schemas.microsoft.com/office/mac/drawingml/2011/main" xmlns="" val="1"/>
+              <ma14:wrappingTextBoxFlag xmlns:ma14="http://schemas.microsoft.com/office/mac/drawingml/2011/main" val="1"/>
             </a:ext>
           </a:extLst>
         </p:spPr>
         <p:txBody>
-          <a:bodyPr lIns="45719" rIns="45719">
+          <a:bodyPr lIns="45718" tIns="45718" rIns="45718" bIns="45718">
             <a:spAutoFit/>
           </a:bodyPr>
           <a:lstStyle/>
@@ -4837,508 +4722,181 @@
               <a:buSzPct val="100000"/>
               <a:buFont typeface="Wingdings"/>
               <a:buChar char="▪"/>
-              <a:defRPr sz="2000" b="1"/>
-            </a:pPr>
-            <a:r>
-              <a:rPr dirty="0"/>
-              <a:t>Was gut </a:t>
-            </a:r>
-            <a:r>
-              <a:rPr dirty="0" err="1"/>
-              <a:t>lief</a:t>
-            </a:r>
-            <a:r>
-              <a:rPr dirty="0"/>
-              <a:t>:</a:t>
-            </a:r>
-          </a:p>
-          <a:p>
-            <a:pPr marL="800100" lvl="1" indent="-342900">
+              <a:defRPr b="1" sz="2000"/>
+            </a:pPr>
+            <a:r>
+              <a:t>Was gut lief:</a:t>
+            </a:r>
+          </a:p>
+          <a:p>
+            <a:pPr lvl="1" marL="800100" indent="-342900">
               <a:buSzPct val="100000"/>
               <a:buChar char="-"/>
               <a:defRPr sz="2000"/>
             </a:pPr>
             <a:r>
-              <a:rPr dirty="0" err="1"/>
-              <a:t>Abmachungen</a:t>
-            </a:r>
-            <a:r>
-              <a:rPr dirty="0"/>
-              <a:t> </a:t>
-            </a:r>
-            <a:r>
-              <a:rPr dirty="0" err="1"/>
-              <a:t>wurden</a:t>
-            </a:r>
-            <a:r>
-              <a:rPr dirty="0"/>
-              <a:t> </a:t>
-            </a:r>
-            <a:r>
-              <a:rPr dirty="0" err="1"/>
-              <a:t>eingehalten</a:t>
-            </a:r>
-            <a:endParaRPr dirty="0"/>
-          </a:p>
-          <a:p>
-            <a:pPr marL="800100" lvl="1" indent="-342900">
+              <a:t>Abmachungen wurden eingehalten</a:t>
+            </a:r>
+          </a:p>
+          <a:p>
+            <a:pPr lvl="1" marL="800100" indent="-342900">
               <a:buSzPct val="100000"/>
               <a:buChar char="-"/>
               <a:defRPr sz="2000"/>
             </a:pPr>
             <a:r>
-              <a:rPr dirty="0" err="1"/>
-              <a:t>Keiner</a:t>
-            </a:r>
-            <a:r>
-              <a:rPr dirty="0"/>
-              <a:t> </a:t>
-            </a:r>
-            <a:r>
-              <a:rPr dirty="0" err="1"/>
-              <a:t>musste</a:t>
-            </a:r>
-            <a:r>
-              <a:rPr dirty="0"/>
-              <a:t> Chef sein</a:t>
-            </a:r>
-          </a:p>
-          <a:p>
-            <a:pPr marL="800100" lvl="1" indent="-342900">
+              <a:t>Keiner musste Chef sein</a:t>
+            </a:r>
+          </a:p>
+          <a:p>
+            <a:pPr lvl="1" marL="800100" indent="-342900">
               <a:buSzPct val="100000"/>
               <a:buChar char="-"/>
               <a:defRPr sz="2000"/>
             </a:pPr>
             <a:r>
-              <a:rPr dirty="0" err="1"/>
-              <a:t>Wir</a:t>
-            </a:r>
-            <a:r>
-              <a:rPr dirty="0"/>
-              <a:t> </a:t>
-            </a:r>
-            <a:r>
-              <a:rPr dirty="0" err="1"/>
-              <a:t>haben</a:t>
-            </a:r>
-            <a:r>
-              <a:rPr dirty="0"/>
-              <a:t> </a:t>
-            </a:r>
-            <a:r>
-              <a:rPr dirty="0" err="1"/>
-              <a:t>uns</a:t>
-            </a:r>
-            <a:r>
-              <a:rPr dirty="0"/>
-              <a:t> </a:t>
-            </a:r>
-            <a:r>
-              <a:rPr dirty="0" err="1"/>
-              <a:t>nicht</a:t>
-            </a:r>
-            <a:r>
-              <a:rPr dirty="0"/>
-              <a:t> </a:t>
-            </a:r>
-            <a:r>
-              <a:rPr dirty="0" err="1"/>
-              <a:t>übernommen</a:t>
-            </a:r>
-            <a:endParaRPr dirty="0"/>
-          </a:p>
-          <a:p>
-            <a:pPr marL="800100" lvl="1" indent="-342900">
+              <a:t>Wir haben uns nicht übernommen</a:t>
+            </a:r>
+          </a:p>
+          <a:p>
+            <a:pPr lvl="1" marL="800100" indent="-342900">
               <a:buSzPct val="100000"/>
               <a:buChar char="-"/>
               <a:defRPr sz="2000"/>
             </a:pPr>
-            <a:endParaRPr dirty="0"/>
           </a:p>
           <a:p>
             <a:pPr marL="342900" indent="-342900">
               <a:buSzPct val="100000"/>
               <a:buFont typeface="Wingdings"/>
               <a:buChar char="▪"/>
-              <a:defRPr sz="2000" b="1"/>
-            </a:pPr>
-            <a:r>
-              <a:rPr dirty="0"/>
-              <a:t>Was </a:t>
-            </a:r>
-            <a:r>
-              <a:rPr dirty="0" err="1"/>
-              <a:t>wir</a:t>
-            </a:r>
-            <a:r>
-              <a:rPr dirty="0"/>
-              <a:t> </a:t>
-            </a:r>
-            <a:r>
-              <a:rPr dirty="0" err="1"/>
-              <a:t>unterschätzt</a:t>
-            </a:r>
-            <a:r>
-              <a:rPr dirty="0"/>
-              <a:t> </a:t>
-            </a:r>
-            <a:r>
-              <a:rPr dirty="0" err="1"/>
-              <a:t>haben</a:t>
-            </a:r>
-            <a:r>
-              <a:rPr dirty="0"/>
-              <a:t>:</a:t>
-            </a:r>
-          </a:p>
-          <a:p>
-            <a:pPr marL="800100" lvl="1" indent="-342900">
+              <a:defRPr b="1" sz="2000"/>
+            </a:pPr>
+            <a:r>
+              <a:t>Was wir unterschätzt haben:</a:t>
+            </a:r>
+          </a:p>
+          <a:p>
+            <a:pPr lvl="1" marL="800100" indent="-342900">
               <a:buSzPct val="100000"/>
               <a:buChar char="-"/>
               <a:defRPr sz="2000"/>
             </a:pPr>
             <a:r>
-              <a:rPr dirty="0" err="1"/>
-              <a:t>Aufwand</a:t>
-            </a:r>
-            <a:r>
-              <a:rPr dirty="0"/>
-              <a:t> </a:t>
-            </a:r>
-            <a:r>
-              <a:rPr dirty="0" err="1"/>
-              <a:t>Kommunikation</a:t>
-            </a:r>
-            <a:r>
-              <a:rPr dirty="0"/>
-              <a:t> Server / Client </a:t>
-            </a:r>
-            <a:r>
-              <a:rPr dirty="0" err="1"/>
-              <a:t>mit</a:t>
-            </a:r>
-            <a:r>
-              <a:rPr dirty="0"/>
-              <a:t> </a:t>
-            </a:r>
-            <a:r>
-              <a:rPr dirty="0" err="1"/>
-              <a:t>Spiellogik</a:t>
-            </a:r>
-            <a:r>
-              <a:rPr dirty="0"/>
-              <a:t> </a:t>
-            </a:r>
-          </a:p>
-          <a:p>
-            <a:pPr marL="800100" lvl="1" indent="-342900">
+              <a:t>Aufwand Kommunikation Server / Client mit Spiellogik </a:t>
+            </a:r>
+          </a:p>
+          <a:p>
+            <a:pPr lvl="1" marL="800100" indent="-342900">
               <a:buSzPct val="100000"/>
               <a:buChar char="-"/>
               <a:defRPr sz="2000"/>
             </a:pPr>
             <a:r>
-              <a:rPr dirty="0" err="1"/>
-              <a:t>Aufwand</a:t>
-            </a:r>
-            <a:r>
-              <a:rPr dirty="0"/>
-              <a:t> </a:t>
-            </a:r>
-            <a:r>
-              <a:rPr dirty="0" err="1"/>
-              <a:t>für</a:t>
-            </a:r>
-            <a:r>
-              <a:rPr dirty="0"/>
-              <a:t> </a:t>
-            </a:r>
-            <a:r>
-              <a:rPr i="1" dirty="0" err="1"/>
-              <a:t>gradle.build</a:t>
-            </a:r>
-            <a:r>
-              <a:rPr i="1" dirty="0"/>
-              <a:t> </a:t>
-            </a:r>
-            <a:r>
-              <a:rPr dirty="0"/>
+              <a:t>Aufwand für </a:t>
+            </a:r>
+            <a:r>
+              <a:rPr i="1"/>
+              <a:t>gradle.build </a:t>
+            </a:r>
+            <a:r>
               <a:t>und </a:t>
             </a:r>
             <a:r>
-              <a:rPr i="1" dirty="0"/>
+              <a:rPr i="1"/>
               <a:t>logger</a:t>
             </a:r>
-            <a:endParaRPr b="1" dirty="0"/>
+            <a:endParaRPr b="1"/>
           </a:p>
           <a:p>
             <a:pPr marL="342900" indent="-342900">
               <a:buSzPct val="100000"/>
               <a:buChar char="-"/>
-              <a:defRPr sz="2000"/>
-            </a:pPr>
-            <a:endParaRPr b="1" dirty="0"/>
+              <a:defRPr b="1" sz="2000"/>
+            </a:pPr>
           </a:p>
           <a:p>
             <a:pPr marL="342900" indent="-342900">
               <a:buSzPct val="100000"/>
               <a:buFont typeface="Wingdings"/>
               <a:buChar char="▪"/>
-              <a:defRPr sz="2000" b="1"/>
-            </a:pPr>
-            <a:r>
-              <a:rPr dirty="0"/>
-              <a:t>Was </a:t>
-            </a:r>
-            <a:r>
-              <a:rPr dirty="0" err="1"/>
-              <a:t>uns</a:t>
-            </a:r>
-            <a:r>
-              <a:rPr dirty="0"/>
-              <a:t> </a:t>
-            </a:r>
-            <a:r>
-              <a:rPr dirty="0" err="1"/>
-              <a:t>Probleme</a:t>
-            </a:r>
-            <a:r>
-              <a:rPr dirty="0"/>
-              <a:t> </a:t>
-            </a:r>
-            <a:r>
-              <a:rPr dirty="0" err="1"/>
-              <a:t>bereitete</a:t>
-            </a:r>
-            <a:r>
-              <a:rPr dirty="0"/>
-              <a:t>:</a:t>
-            </a:r>
-          </a:p>
-          <a:p>
-            <a:pPr marL="800100" lvl="1" indent="-342900">
+              <a:defRPr b="1" sz="2000"/>
+            </a:pPr>
+            <a:r>
+              <a:t>Was uns Probleme bereitete:</a:t>
+            </a:r>
+          </a:p>
+          <a:p>
+            <a:pPr lvl="1" marL="800100" indent="-342900">
               <a:buSzPct val="100000"/>
               <a:buChar char="-"/>
               <a:defRPr sz="2000"/>
             </a:pPr>
             <a:r>
-              <a:rPr dirty="0" err="1"/>
-              <a:t>Pushen</a:t>
-            </a:r>
-            <a:r>
-              <a:rPr dirty="0"/>
-              <a:t>, </a:t>
-            </a:r>
-            <a:r>
-              <a:rPr dirty="0" err="1"/>
-              <a:t>Mergen</a:t>
-            </a:r>
-            <a:r>
-              <a:rPr dirty="0"/>
-              <a:t> </a:t>
-            </a:r>
-            <a:r>
-              <a:rPr dirty="0" err="1"/>
-              <a:t>mit</a:t>
-            </a:r>
-            <a:r>
-              <a:rPr dirty="0"/>
-              <a:t> Git (</a:t>
-            </a:r>
-            <a:r>
-              <a:rPr dirty="0" err="1"/>
-              <a:t>Knappes</a:t>
-            </a:r>
-            <a:r>
-              <a:rPr dirty="0"/>
-              <a:t> </a:t>
-            </a:r>
-            <a:r>
-              <a:rPr dirty="0" err="1"/>
-              <a:t>Zeitmanagment</a:t>
-            </a:r>
-            <a:r>
-              <a:rPr dirty="0"/>
-              <a:t>)</a:t>
-            </a:r>
-          </a:p>
-          <a:p>
-            <a:pPr marL="800100" lvl="1" indent="-342900">
+              <a:t>Pushen, Mergen mit Git (Knappes Zeitmanagment)</a:t>
+            </a:r>
+          </a:p>
+          <a:p>
+            <a:pPr lvl="1" marL="800100" indent="-342900">
               <a:buSzPct val="100000"/>
               <a:buChar char="-"/>
               <a:defRPr sz="2000"/>
             </a:pPr>
             <a:r>
-              <a:rPr dirty="0" err="1"/>
-              <a:t>Erstellen</a:t>
-            </a:r>
-            <a:r>
-              <a:rPr dirty="0"/>
-              <a:t> der</a:t>
-            </a:r>
-            <a:r>
-              <a:rPr i="1" dirty="0"/>
-              <a:t> </a:t>
-            </a:r>
-            <a:r>
-              <a:rPr i="1" dirty="0" err="1"/>
-              <a:t>gradle.build</a:t>
-            </a:r>
-            <a:r>
-              <a:rPr i="1" dirty="0"/>
-              <a:t> </a:t>
-            </a:r>
-            <a:r>
-              <a:rPr dirty="0"/>
-              <a:t>-</a:t>
-            </a:r>
-            <a:r>
-              <a:rPr dirty="0" err="1"/>
-              <a:t>Datei</a:t>
-            </a:r>
-            <a:r>
-              <a:rPr dirty="0"/>
-              <a:t> </a:t>
-            </a:r>
-          </a:p>
-          <a:p>
-            <a:pPr marL="800100" lvl="1" indent="-342900">
+              <a:t>Erstellen der</a:t>
+            </a:r>
+            <a:r>
+              <a:rPr i="1"/>
+              <a:t> gradle.build </a:t>
+            </a:r>
+            <a:r>
+              <a:t>-Datei </a:t>
+            </a:r>
+          </a:p>
+          <a:p>
+            <a:pPr lvl="1" marL="800100" indent="-342900">
               <a:buSzPct val="100000"/>
               <a:buChar char="-"/>
-              <a:defRPr sz="2000" b="1"/>
-            </a:pPr>
-            <a:endParaRPr dirty="0"/>
+              <a:defRPr b="1" sz="2000"/>
+            </a:pPr>
           </a:p>
           <a:p>
             <a:pPr marL="342900" indent="-342900">
               <a:buSzPct val="100000"/>
               <a:buFont typeface="Wingdings"/>
               <a:buChar char="▪"/>
-              <a:defRPr sz="2000" b="1"/>
-            </a:pPr>
-            <a:r>
-              <a:rPr dirty="0" err="1"/>
-              <a:t>Wir</a:t>
-            </a:r>
-            <a:r>
-              <a:rPr dirty="0"/>
-              <a:t> </a:t>
-            </a:r>
-            <a:r>
-              <a:rPr dirty="0" err="1"/>
-              <a:t>verbessern</a:t>
-            </a:r>
-            <a:r>
-              <a:rPr dirty="0"/>
-              <a:t> </a:t>
-            </a:r>
-            <a:r>
-              <a:rPr dirty="0" err="1"/>
-              <a:t>uns</a:t>
-            </a:r>
-            <a:r>
-              <a:rPr dirty="0"/>
-              <a:t>:</a:t>
-            </a:r>
-          </a:p>
-          <a:p>
-            <a:pPr marL="800100" lvl="1" indent="-342900">
+              <a:defRPr b="1" sz="2000"/>
+            </a:pPr>
+            <a:r>
+              <a:t>Wir verbessern uns:</a:t>
+            </a:r>
+          </a:p>
+          <a:p>
+            <a:pPr lvl="1" marL="800100" indent="-342900">
               <a:buSzPct val="100000"/>
               <a:buChar char="-"/>
               <a:defRPr sz="2000"/>
             </a:pPr>
             <a:r>
-              <a:rPr dirty="0" err="1"/>
-              <a:t>Einen</a:t>
-            </a:r>
-            <a:r>
-              <a:rPr dirty="0"/>
-              <a:t> Tag </a:t>
-            </a:r>
-            <a:r>
-              <a:rPr dirty="0" err="1"/>
-              <a:t>vor</a:t>
-            </a:r>
-            <a:r>
-              <a:rPr dirty="0"/>
-              <a:t> </a:t>
-            </a:r>
-            <a:r>
-              <a:rPr dirty="0" err="1"/>
-              <a:t>Abgabe</a:t>
-            </a:r>
-            <a:r>
-              <a:rPr dirty="0"/>
-              <a:t> </a:t>
-            </a:r>
-            <a:r>
-              <a:rPr dirty="0" err="1"/>
-              <a:t>Fertig</a:t>
-            </a:r>
-            <a:endParaRPr dirty="0"/>
-          </a:p>
-          <a:p>
-            <a:pPr marL="800100" lvl="1" indent="-342900">
+              <a:t>Einen Tag vor Abgabe Fertig</a:t>
+            </a:r>
+          </a:p>
+          <a:p>
+            <a:pPr lvl="1" marL="800100" indent="-342900">
               <a:buSzPct val="100000"/>
               <a:buChar char="-"/>
               <a:defRPr sz="2000"/>
             </a:pPr>
             <a:r>
-              <a:rPr dirty="0" err="1"/>
-              <a:t>Mehr</a:t>
-            </a:r>
-            <a:r>
-              <a:rPr dirty="0"/>
-              <a:t> Zeit </a:t>
-            </a:r>
-            <a:r>
-              <a:rPr dirty="0" err="1"/>
-              <a:t>für</a:t>
-            </a:r>
-            <a:r>
-              <a:rPr dirty="0"/>
-              <a:t> </a:t>
-            </a:r>
-            <a:r>
-              <a:rPr dirty="0" err="1"/>
-              <a:t>Neues</a:t>
-            </a:r>
-            <a:r>
-              <a:rPr dirty="0"/>
-              <a:t> (</a:t>
-            </a:r>
-            <a:r>
-              <a:rPr dirty="0" err="1"/>
-              <a:t>Zb</a:t>
-            </a:r>
-            <a:r>
-              <a:rPr dirty="0"/>
-              <a:t>. Tests) </a:t>
-            </a:r>
-            <a:r>
-              <a:rPr dirty="0" err="1"/>
-              <a:t>einplanen</a:t>
-            </a:r>
-            <a:r>
-              <a:rPr dirty="0"/>
-              <a:t> </a:t>
-            </a:r>
-          </a:p>
-          <a:p>
-            <a:pPr marL="800100" lvl="1" indent="-342900">
+              <a:t>Mehr Zeit für Neues (Zb. Tests) einplanen </a:t>
+            </a:r>
+          </a:p>
+          <a:p>
+            <a:pPr lvl="1" marL="800100" indent="-342900">
               <a:buSzPct val="100000"/>
               <a:buChar char="-"/>
-              <a:defRPr sz="2000" b="1"/>
-            </a:pPr>
-            <a:endParaRPr dirty="0"/>
-          </a:p>
-          <a:p>
-            <a:pPr marL="800100" lvl="1" indent="-342900">
-              <a:buSzPct val="100000"/>
-              <a:buFont typeface="Wingdings"/>
-              <a:buChar char="▪"/>
-              <a:defRPr sz="2000" b="1"/>
-            </a:pPr>
-            <a:endParaRPr dirty="0"/>
+              <a:defRPr b="1" sz="2000"/>
+            </a:pPr>
           </a:p>
         </p:txBody>
       </p:sp>
@@ -5347,12 +4905,12 @@
   <p:clrMapOvr>
     <a:masterClrMapping/>
   </p:clrMapOvr>
-  <p:transition spd="slow"/>
+  <p:transition xmlns:p14="http://schemas.microsoft.com/office/powerpoint/2010/main" spd="med" advClick="1" p14:dur="1000"/>
 </p:sld>
 </file>
 
 <file path=ppt/slides/slide13.xml><?xml version="1.0" encoding="utf-8"?>
-<p:sld xmlns:a="http://schemas.openxmlformats.org/drawingml/2006/main" xmlns:r="http://schemas.openxmlformats.org/officeDocument/2006/relationships" xmlns:p="http://schemas.openxmlformats.org/presentationml/2006/main">
+<p:sld xmlns:a="http://schemas.openxmlformats.org/drawingml/2006/main" xmlns:r="http://schemas.openxmlformats.org/officeDocument/2006/relationships" xmlns:p="http://schemas.openxmlformats.org/presentationml/2006/main" showMasterSp="1" showMasterPhAnim="1">
   <p:cSld>
     <p:spTree>
       <p:nvGrpSpPr>
@@ -5370,14 +4928,14 @@
       </p:grpSpPr>
       <p:sp>
         <p:nvSpPr>
-          <p:cNvPr id="239" name="Shape 239"/>
+          <p:cNvPr id="240" name="Shape 240"/>
           <p:cNvSpPr/>
           <p:nvPr/>
         </p:nvSpPr>
         <p:spPr>
           <a:xfrm>
             <a:off x="4038600" y="6404292"/>
-            <a:ext cx="4114800" cy="269241"/>
+            <a:ext cx="4114800" cy="269239"/>
           </a:xfrm>
           <a:prstGeom prst="rect">
             <a:avLst/>
@@ -5387,12 +4945,12 @@
           </a:ln>
           <a:extLst>
             <a:ext uri="{C572A759-6A51-4108-AA02-DFA0A04FC94B}">
-              <ma14:wrappingTextBoxFlag xmlns:ma14="http://schemas.microsoft.com/office/mac/drawingml/2011/main" xmlns="" val="1"/>
+              <ma14:wrappingTextBoxFlag xmlns:ma14="http://schemas.microsoft.com/office/mac/drawingml/2011/main" val="1"/>
             </a:ext>
           </a:extLst>
         </p:spPr>
         <p:txBody>
-          <a:bodyPr lIns="45719" rIns="45719" anchor="ctr">
+          <a:bodyPr lIns="45718" tIns="45718" rIns="45718" bIns="45718" anchor="ctr">
             <a:spAutoFit/>
           </a:bodyPr>
           <a:lstStyle>
@@ -5405,6 +4963,7 @@
             </a:lvl1pPr>
           </a:lstStyle>
           <a:p>
+            <a:pPr/>
             <a:r>
               <a:t>Mlst.-Präsentation Nr. 1  /  Gruppe 15</a:t>
             </a:r>
@@ -5413,18 +4972,16 @@
       </p:sp>
       <p:sp>
         <p:nvSpPr>
-          <p:cNvPr id="240" name="Shape 240"/>
-          <p:cNvSpPr>
-            <a:spLocks noGrp="1"/>
-          </p:cNvSpPr>
+          <p:cNvPr id="241" name="Shape 241"/>
+          <p:cNvSpPr/>
           <p:nvPr>
             <p:ph type="title"/>
           </p:nvPr>
         </p:nvSpPr>
         <p:spPr>
           <a:xfrm>
-            <a:off x="0" y="-1"/>
-            <a:ext cx="10515600" cy="720438"/>
+            <a:off x="0" y="-2"/>
+            <a:ext cx="10515600" cy="720440"/>
           </a:xfrm>
           <a:prstGeom prst="rect">
             <a:avLst/>
@@ -5434,7 +4991,7 @@
           <a:bodyPr/>
           <a:lstStyle>
             <a:lvl1pPr>
-              <a:defRPr sz="2000" b="1">
+              <a:defRPr b="1" sz="2000">
                 <a:latin typeface="Arial"/>
                 <a:ea typeface="Arial"/>
                 <a:cs typeface="Arial"/>
@@ -5443,44 +5000,10 @@
             </a:lvl1pPr>
           </a:lstStyle>
           <a:p>
+            <a:pPr/>
             <a:r>
               <a:t>	</a:t>
             </a:r>
-          </a:p>
-        </p:txBody>
-      </p:sp>
-      <p:sp>
-        <p:nvSpPr>
-          <p:cNvPr id="241" name="Shape 241"/>
-          <p:cNvSpPr>
-            <a:spLocks noGrp="1"/>
-          </p:cNvSpPr>
-          <p:nvPr>
-            <p:ph type="sldNum" sz="quarter" idx="2"/>
-          </p:nvPr>
-        </p:nvSpPr>
-        <p:spPr>
-          <a:xfrm>
-            <a:off x="11089818" y="6404292"/>
-            <a:ext cx="263982" cy="269241"/>
-          </a:xfrm>
-          <a:prstGeom prst="rect">
-            <a:avLst/>
-          </a:prstGeom>
-          <a:extLst>
-            <a:ext uri="{C572A759-6A51-4108-AA02-DFA0A04FC94B}">
-              <ma14:wrappingTextBoxFlag xmlns:ma14="http://schemas.microsoft.com/office/mac/drawingml/2011/main" xmlns="" val="1"/>
-            </a:ext>
-          </a:extLst>
-        </p:spPr>
-        <p:txBody>
-          <a:bodyPr/>
-          <a:lstStyle/>
-          <a:p>
-            <a:fld id="{86CB4B4D-7CA3-9044-876B-883B54F8677D}" type="slidenum">
-              <a:t>13</a:t>
-            </a:fld>
-            <a:endParaRPr/>
           </a:p>
         </p:txBody>
       </p:sp>
@@ -5488,12 +5011,43 @@
         <p:nvSpPr>
           <p:cNvPr id="242" name="Shape 242"/>
           <p:cNvSpPr/>
+          <p:nvPr>
+            <p:ph type="sldNum" sz="quarter" idx="4294967295"/>
+          </p:nvPr>
+        </p:nvSpPr>
+        <p:spPr>
+          <a:xfrm>
+            <a:off x="11089817" y="6404292"/>
+            <a:ext cx="263981" cy="269239"/>
+          </a:xfrm>
+          <a:prstGeom prst="rect">
+            <a:avLst/>
+          </a:prstGeom>
+          <a:extLst>
+            <a:ext uri="{C572A759-6A51-4108-AA02-DFA0A04FC94B}">
+              <ma14:wrappingTextBoxFlag xmlns:ma14="http://schemas.microsoft.com/office/mac/drawingml/2011/main" val="1"/>
+            </a:ext>
+          </a:extLst>
+        </p:spPr>
+        <p:txBody>
+          <a:bodyPr/>
+          <a:lstStyle/>
+          <a:p>
+            <a:pPr/>
+            <a:fld id="{86CB4B4D-7CA3-9044-876B-883B54F8677D}" type="slidenum"/>
+          </a:p>
+        </p:txBody>
+      </p:sp>
+      <p:sp>
+        <p:nvSpPr>
+          <p:cNvPr id="243" name="Shape 243"/>
+          <p:cNvSpPr/>
           <p:nvPr/>
         </p:nvSpPr>
         <p:spPr>
           <a:xfrm>
             <a:off x="4535399" y="3136612"/>
-            <a:ext cx="7236002" cy="561341"/>
+            <a:ext cx="7236002" cy="561339"/>
           </a:xfrm>
           <a:prstGeom prst="rect">
             <a:avLst/>
@@ -5503,19 +5057,21 @@
           </a:ln>
           <a:extLst>
             <a:ext uri="{C572A759-6A51-4108-AA02-DFA0A04FC94B}">
-              <ma14:wrappingTextBoxFlag xmlns:ma14="http://schemas.microsoft.com/office/mac/drawingml/2011/main" xmlns="" val="1"/>
+              <ma14:wrappingTextBoxFlag xmlns:ma14="http://schemas.microsoft.com/office/mac/drawingml/2011/main" val="1"/>
             </a:ext>
           </a:extLst>
         </p:spPr>
         <p:txBody>
-          <a:bodyPr lIns="45719" rIns="45719">
+          <a:bodyPr lIns="45718" tIns="45718" rIns="45718" bIns="45718">
             <a:spAutoFit/>
           </a:bodyPr>
-          <a:lstStyle/>
-          <a:p>
-            <a:pPr>
-              <a:defRPr sz="3200" b="1" i="1"/>
-            </a:pPr>
+          <a:lstStyle>
+            <a:lvl1pPr>
+              <a:defRPr b="1" i="1" sz="3200"/>
+            </a:lvl1pPr>
+          </a:lstStyle>
+          <a:p>
+            <a:pPr/>
             <a:r>
               <a:t>Vielen Dank für die Aufmerksamkeit!</a:t>
             </a:r>
@@ -5524,14 +5080,16 @@
       </p:sp>
       <p:pic>
         <p:nvPicPr>
-          <p:cNvPr id="243" name="image2.png" descr="Bildergebnis für skip bo"/>
+          <p:cNvPr id="244" name="image2.png" descr="Bildergebnis für skip bo"/>
           <p:cNvPicPr>
             <a:picLocks noChangeAspect="1"/>
           </p:cNvPicPr>
           <p:nvPr/>
         </p:nvPicPr>
         <p:blipFill>
-          <a:blip r:embed="rId2"/>
+          <a:blip r:embed="rId2">
+            <a:extLst/>
+          </a:blip>
           <a:stretch>
             <a:fillRect/>
           </a:stretch>
@@ -5539,7 +5097,7 @@
         <p:spPr>
           <a:xfrm rot="20942087">
             <a:off x="-485571" y="736124"/>
-            <a:ext cx="5815388" cy="5168055"/>
+            <a:ext cx="5815389" cy="5168056"/>
           </a:xfrm>
           <a:prstGeom prst="rect">
             <a:avLst/>
@@ -5554,12 +5112,12 @@
   <p:clrMapOvr>
     <a:masterClrMapping/>
   </p:clrMapOvr>
-  <p:transition spd="slow"/>
+  <p:transition xmlns:p14="http://schemas.microsoft.com/office/powerpoint/2010/main" spd="med" advClick="1" p14:dur="1000"/>
 </p:sld>
 </file>
 
 <file path=ppt/slides/slide2.xml><?xml version="1.0" encoding="utf-8"?>
-<p:sld xmlns:a="http://schemas.openxmlformats.org/drawingml/2006/main" xmlns:r="http://schemas.openxmlformats.org/officeDocument/2006/relationships" xmlns:p="http://schemas.openxmlformats.org/presentationml/2006/main">
+<p:sld xmlns:a="http://schemas.openxmlformats.org/drawingml/2006/main" xmlns:r="http://schemas.openxmlformats.org/officeDocument/2006/relationships" xmlns:p="http://schemas.openxmlformats.org/presentationml/2006/main" showMasterSp="1" showMasterPhAnim="1">
   <p:cSld>
     <p:spTree>
       <p:nvGrpSpPr>
@@ -5584,7 +5142,7 @@
         <p:spPr>
           <a:xfrm>
             <a:off x="4038600" y="6404292"/>
-            <a:ext cx="4114800" cy="269241"/>
+            <a:ext cx="4114800" cy="269239"/>
           </a:xfrm>
           <a:prstGeom prst="rect">
             <a:avLst/>
@@ -5594,12 +5152,12 @@
           </a:ln>
           <a:extLst>
             <a:ext uri="{C572A759-6A51-4108-AA02-DFA0A04FC94B}">
-              <ma14:wrappingTextBoxFlag xmlns:ma14="http://schemas.microsoft.com/office/mac/drawingml/2011/main" xmlns="" val="1"/>
+              <ma14:wrappingTextBoxFlag xmlns:ma14="http://schemas.microsoft.com/office/mac/drawingml/2011/main" val="1"/>
             </a:ext>
           </a:extLst>
         </p:spPr>
         <p:txBody>
-          <a:bodyPr lIns="45719" rIns="45719" anchor="ctr">
+          <a:bodyPr lIns="45718" tIns="45718" rIns="45718" bIns="45718" anchor="ctr">
             <a:spAutoFit/>
           </a:bodyPr>
           <a:lstStyle>
@@ -5612,6 +5170,7 @@
             </a:lvl1pPr>
           </a:lstStyle>
           <a:p>
+            <a:pPr/>
             <a:r>
               <a:t>Mlst.-Präsentation Nr. 1  /  Gruppe 15</a:t>
             </a:r>
@@ -5621,9 +5180,7 @@
       <p:sp>
         <p:nvSpPr>
           <p:cNvPr id="141" name="Shape 141"/>
-          <p:cNvSpPr>
-            <a:spLocks noGrp="1"/>
-          </p:cNvSpPr>
+          <p:cNvSpPr/>
           <p:nvPr>
             <p:ph type="body" sz="half" idx="1"/>
           </p:nvPr>
@@ -5631,7 +5188,7 @@
         <p:spPr>
           <a:xfrm>
             <a:off x="1889727" y="1485000"/>
-            <a:ext cx="7622079" cy="4351338"/>
+            <a:ext cx="7622080" cy="4351338"/>
           </a:xfrm>
           <a:prstGeom prst="rect">
             <a:avLst/>
@@ -5666,7 +5223,6 @@
                 <a:sym typeface="Arial"/>
               </a:defRPr>
             </a:pPr>
-            <a:endParaRPr/>
           </a:p>
           <a:p>
             <a:pPr marL="0" indent="0">
@@ -5694,7 +5250,6 @@
                 <a:sym typeface="Arial"/>
               </a:defRPr>
             </a:pPr>
-            <a:endParaRPr/>
           </a:p>
           <a:p>
             <a:pPr marL="0" indent="0">
@@ -5722,7 +5277,6 @@
                 <a:sym typeface="Arial"/>
               </a:defRPr>
             </a:pPr>
-            <a:endParaRPr/>
           </a:p>
           <a:p>
             <a:pPr marL="0" indent="0">
@@ -5744,24 +5298,22 @@
       <p:sp>
         <p:nvSpPr>
           <p:cNvPr id="142" name="Shape 142"/>
-          <p:cNvSpPr>
-            <a:spLocks noGrp="1"/>
-          </p:cNvSpPr>
+          <p:cNvSpPr/>
           <p:nvPr>
-            <p:ph type="sldNum" sz="quarter" idx="2"/>
+            <p:ph type="sldNum" sz="quarter" idx="4294967295"/>
           </p:nvPr>
         </p:nvSpPr>
         <p:spPr>
           <a:xfrm>
             <a:off x="11169739" y="6404292"/>
-            <a:ext cx="184062" cy="269241"/>
+            <a:ext cx="184059" cy="269239"/>
           </a:xfrm>
           <a:prstGeom prst="rect">
             <a:avLst/>
           </a:prstGeom>
           <a:extLst>
             <a:ext uri="{C572A759-6A51-4108-AA02-DFA0A04FC94B}">
-              <ma14:wrappingTextBoxFlag xmlns:ma14="http://schemas.microsoft.com/office/mac/drawingml/2011/main" xmlns="" val="1"/>
+              <ma14:wrappingTextBoxFlag xmlns:ma14="http://schemas.microsoft.com/office/mac/drawingml/2011/main" val="1"/>
             </a:ext>
           </a:extLst>
         </p:spPr>
@@ -5769,23 +5321,23 @@
           <a:bodyPr/>
           <a:lstStyle/>
           <a:p>
-            <a:fld id="{86CB4B4D-7CA3-9044-876B-883B54F8677D}" type="slidenum">
-              <a:t>2</a:t>
-            </a:fld>
-            <a:endParaRPr/>
+            <a:pPr/>
+            <a:fld id="{86CB4B4D-7CA3-9044-876B-883B54F8677D}" type="slidenum"/>
           </a:p>
         </p:txBody>
       </p:sp>
       <p:pic>
         <p:nvPicPr>
-          <p:cNvPr id="143" name="image8.png" descr="Gamecontroller"/>
+          <p:cNvPr id="143" name="image6.png" descr="Gamecontroller"/>
           <p:cNvPicPr>
             <a:picLocks noChangeAspect="1"/>
           </p:cNvPicPr>
           <p:nvPr/>
         </p:nvPicPr>
         <p:blipFill>
-          <a:blip r:embed="rId2"/>
+          <a:blip r:embed="rId2">
+            <a:extLst/>
+          </a:blip>
           <a:stretch>
             <a:fillRect/>
           </a:stretch>
@@ -5806,17 +5358,15 @@
       <p:sp>
         <p:nvSpPr>
           <p:cNvPr id="144" name="Shape 144"/>
-          <p:cNvSpPr>
-            <a:spLocks noGrp="1"/>
-          </p:cNvSpPr>
+          <p:cNvSpPr/>
           <p:nvPr>
             <p:ph type="title"/>
           </p:nvPr>
         </p:nvSpPr>
         <p:spPr>
           <a:xfrm>
-            <a:off x="0" y="-1"/>
-            <a:ext cx="10515600" cy="720438"/>
+            <a:off x="0" y="-2"/>
+            <a:ext cx="10515600" cy="720440"/>
           </a:xfrm>
           <a:prstGeom prst="rect">
             <a:avLst/>
@@ -5826,7 +5376,7 @@
           <a:bodyPr/>
           <a:lstStyle>
             <a:lvl1pPr>
-              <a:defRPr sz="2000" b="1">
+              <a:defRPr b="1" sz="2000">
                 <a:latin typeface="Arial"/>
                 <a:ea typeface="Arial"/>
                 <a:cs typeface="Arial"/>
@@ -5835,6 +5385,7 @@
             </a:lvl1pPr>
           </a:lstStyle>
           <a:p>
+            <a:pPr/>
             <a:r>
               <a:t>	 Übersicht</a:t>
             </a:r>
@@ -5849,8 +5400,8 @@
         </p:nvSpPr>
         <p:spPr>
           <a:xfrm>
-            <a:off x="-16625" y="720436"/>
-            <a:ext cx="3088626" cy="1"/>
+            <a:off x="-16626" y="720436"/>
+            <a:ext cx="3088628" cy="2"/>
           </a:xfrm>
           <a:prstGeom prst="line">
             <a:avLst/>
@@ -5862,7 +5413,7 @@
             <a:miter/>
           </a:ln>
           <a:effectLst>
-            <a:outerShdw blurRad="50800" dist="38100" dir="2700000" rotWithShape="0">
+            <a:outerShdw sx="100000" sy="100000" kx="0" ky="0" algn="b" rotWithShape="0" blurRad="50800" dist="38100" dir="2700000">
               <a:srgbClr val="000000">
                 <a:alpha val="40000"/>
               </a:srgbClr>
@@ -5870,31 +5421,33 @@
           </a:effectLst>
         </p:spPr>
         <p:txBody>
-          <a:bodyPr lIns="45719" rIns="45719"/>
+          <a:bodyPr lIns="45718" tIns="45718" rIns="45718" bIns="45718"/>
           <a:lstStyle/>
           <a:p>
-            <a:endParaRPr/>
+            <a:pPr/>
           </a:p>
         </p:txBody>
       </p:sp>
       <p:pic>
         <p:nvPicPr>
-          <p:cNvPr id="146" name="image10.png" descr="Präsentation mit Checkliste RNL"/>
+          <p:cNvPr id="146" name="image7.png" descr="Präsentation mit Checkliste RNL"/>
           <p:cNvPicPr>
             <a:picLocks noChangeAspect="1"/>
           </p:cNvPicPr>
           <p:nvPr/>
         </p:nvPicPr>
         <p:blipFill>
-          <a:blip r:embed="rId3"/>
+          <a:blip r:embed="rId3">
+            <a:extLst/>
+          </a:blip>
           <a:stretch>
             <a:fillRect/>
           </a:stretch>
         </p:blipFill>
         <p:spPr>
           <a:xfrm>
-            <a:off x="298859" y="90217"/>
-            <a:ext cx="540000" cy="540001"/>
+            <a:off x="298859" y="90216"/>
+            <a:ext cx="540000" cy="540003"/>
           </a:xfrm>
           <a:prstGeom prst="rect">
             <a:avLst/>
@@ -5906,14 +5459,16 @@
       </p:pic>
       <p:pic>
         <p:nvPicPr>
-          <p:cNvPr id="147" name="image12.png" descr="Markierung"/>
+          <p:cNvPr id="147" name="image8.png" descr="Markierung"/>
           <p:cNvPicPr>
             <a:picLocks noChangeAspect="1"/>
           </p:cNvPicPr>
           <p:nvPr/>
         </p:nvPicPr>
         <p:blipFill>
-          <a:blip r:embed="rId4"/>
+          <a:blip r:embed="rId4">
+            <a:extLst/>
+          </a:blip>
           <a:stretch>
             <a:fillRect/>
           </a:stretch>
@@ -5921,7 +5476,7 @@
         <p:spPr>
           <a:xfrm>
             <a:off x="795217" y="4499231"/>
-            <a:ext cx="914401" cy="914401"/>
+            <a:ext cx="914401" cy="914402"/>
           </a:xfrm>
           <a:prstGeom prst="rect">
             <a:avLst/>
@@ -5933,14 +5488,16 @@
       </p:pic>
       <p:pic>
         <p:nvPicPr>
-          <p:cNvPr id="148" name="image14.png" descr="Glühbirne und Zahnrad"/>
+          <p:cNvPr id="148" name="image9.png" descr="Glühbirne und Zahnrad"/>
           <p:cNvPicPr>
             <a:picLocks noChangeAspect="1"/>
           </p:cNvPicPr>
           <p:nvPr/>
         </p:nvPicPr>
         <p:blipFill>
-          <a:blip r:embed="rId5"/>
+          <a:blip r:embed="rId5">
+            <a:extLst/>
+          </a:blip>
           <a:stretch>
             <a:fillRect/>
           </a:stretch>
@@ -5948,7 +5505,7 @@
         <p:spPr>
           <a:xfrm>
             <a:off x="795217" y="2343116"/>
-            <a:ext cx="914401" cy="914401"/>
+            <a:ext cx="914401" cy="914402"/>
           </a:xfrm>
           <a:prstGeom prst="rect">
             <a:avLst/>
@@ -5960,14 +5517,16 @@
       </p:pic>
       <p:pic>
         <p:nvPicPr>
-          <p:cNvPr id="149" name="image16.png" descr="Fingerabdruck"/>
+          <p:cNvPr id="149" name="image10.png" descr="Fingerabdruck"/>
           <p:cNvPicPr>
             <a:picLocks noChangeAspect="1"/>
           </p:cNvPicPr>
           <p:nvPr/>
         </p:nvPicPr>
         <p:blipFill>
-          <a:blip r:embed="rId6"/>
+          <a:blip r:embed="rId6">
+            <a:extLst/>
+          </a:blip>
           <a:stretch>
             <a:fillRect/>
           </a:stretch>
@@ -5975,7 +5534,7 @@
         <p:spPr>
           <a:xfrm>
             <a:off x="795217" y="3421174"/>
-            <a:ext cx="914401" cy="914401"/>
+            <a:ext cx="914401" cy="914402"/>
           </a:xfrm>
           <a:prstGeom prst="rect">
             <a:avLst/>
@@ -5990,12 +5549,12 @@
   <p:clrMapOvr>
     <a:masterClrMapping/>
   </p:clrMapOvr>
-  <p:transition spd="slow"/>
+  <p:transition xmlns:p14="http://schemas.microsoft.com/office/powerpoint/2010/main" spd="med" advClick="1" p14:dur="1000"/>
 </p:sld>
 </file>
 
 <file path=ppt/slides/slide3.xml><?xml version="1.0" encoding="utf-8"?>
-<p:sld xmlns:a="http://schemas.openxmlformats.org/drawingml/2006/main" xmlns:r="http://schemas.openxmlformats.org/officeDocument/2006/relationships" xmlns:p="http://schemas.openxmlformats.org/presentationml/2006/main">
+<p:sld xmlns:a="http://schemas.openxmlformats.org/drawingml/2006/main" xmlns:r="http://schemas.openxmlformats.org/officeDocument/2006/relationships" xmlns:p="http://schemas.openxmlformats.org/presentationml/2006/main" showMasterSp="1" showMasterPhAnim="1">
   <p:cSld>
     <p:spTree>
       <p:nvGrpSpPr>
@@ -6020,7 +5579,7 @@
         <p:spPr>
           <a:xfrm>
             <a:off x="4038600" y="6404292"/>
-            <a:ext cx="4114800" cy="269241"/>
+            <a:ext cx="4114800" cy="269239"/>
           </a:xfrm>
           <a:prstGeom prst="rect">
             <a:avLst/>
@@ -6030,12 +5589,12 @@
           </a:ln>
           <a:extLst>
             <a:ext uri="{C572A759-6A51-4108-AA02-DFA0A04FC94B}">
-              <ma14:wrappingTextBoxFlag xmlns:ma14="http://schemas.microsoft.com/office/mac/drawingml/2011/main" xmlns="" val="1"/>
+              <ma14:wrappingTextBoxFlag xmlns:ma14="http://schemas.microsoft.com/office/mac/drawingml/2011/main" val="1"/>
             </a:ext>
           </a:extLst>
         </p:spPr>
         <p:txBody>
-          <a:bodyPr lIns="45719" rIns="45719" anchor="ctr">
+          <a:bodyPr lIns="45718" tIns="45718" rIns="45718" bIns="45718" anchor="ctr">
             <a:spAutoFit/>
           </a:bodyPr>
           <a:lstStyle>
@@ -6048,6 +5607,7 @@
             </a:lvl1pPr>
           </a:lstStyle>
           <a:p>
+            <a:pPr/>
             <a:r>
               <a:t>Mlst.-Präsentation Nr. 1  /  Gruppe 15</a:t>
             </a:r>
@@ -6057,17 +5617,15 @@
       <p:sp>
         <p:nvSpPr>
           <p:cNvPr id="152" name="Shape 152"/>
-          <p:cNvSpPr>
-            <a:spLocks noGrp="1"/>
-          </p:cNvSpPr>
+          <p:cNvSpPr/>
           <p:nvPr>
             <p:ph type="title"/>
           </p:nvPr>
         </p:nvSpPr>
         <p:spPr>
           <a:xfrm>
-            <a:off x="0" y="-1"/>
-            <a:ext cx="10515600" cy="720438"/>
+            <a:off x="0" y="-2"/>
+            <a:ext cx="10515600" cy="720440"/>
           </a:xfrm>
           <a:prstGeom prst="rect">
             <a:avLst/>
@@ -6077,7 +5635,7 @@
           <a:bodyPr/>
           <a:lstStyle>
             <a:lvl1pPr>
-              <a:defRPr sz="2000" b="1">
+              <a:defRPr b="1" sz="2000">
                 <a:latin typeface="Arial"/>
                 <a:ea typeface="Arial"/>
                 <a:cs typeface="Arial"/>
@@ -6086,6 +5644,7 @@
             </a:lvl1pPr>
           </a:lstStyle>
           <a:p>
+            <a:pPr/>
             <a:r>
               <a:t>	 Übersicht</a:t>
             </a:r>
@@ -6095,9 +5654,7 @@
       <p:sp>
         <p:nvSpPr>
           <p:cNvPr id="153" name="Shape 153"/>
-          <p:cNvSpPr>
-            <a:spLocks noGrp="1"/>
-          </p:cNvSpPr>
+          <p:cNvSpPr/>
           <p:nvPr>
             <p:ph type="body" sz="half" idx="1"/>
           </p:nvPr>
@@ -6105,7 +5662,7 @@
         <p:spPr>
           <a:xfrm>
             <a:off x="1889727" y="1485000"/>
-            <a:ext cx="7622079" cy="4351338"/>
+            <a:ext cx="7622080" cy="4351338"/>
           </a:xfrm>
           <a:prstGeom prst="rect">
             <a:avLst/>
@@ -6118,7 +5675,7 @@
             <a:pPr marL="0" indent="0">
               <a:buSzTx/>
               <a:buNone/>
-              <a:defRPr sz="3000" b="1">
+              <a:defRPr b="1" sz="3000">
                 <a:latin typeface="Arial"/>
                 <a:ea typeface="Arial"/>
                 <a:cs typeface="Arial"/>
@@ -6140,7 +5697,6 @@
                 <a:sym typeface="Arial"/>
               </a:defRPr>
             </a:pPr>
-            <a:endParaRPr/>
           </a:p>
           <a:p>
             <a:pPr marL="0" indent="0">
@@ -6168,7 +5724,6 @@
                 <a:sym typeface="Arial"/>
               </a:defRPr>
             </a:pPr>
-            <a:endParaRPr/>
           </a:p>
           <a:p>
             <a:pPr marL="0" indent="0">
@@ -6196,7 +5751,6 @@
                 <a:sym typeface="Arial"/>
               </a:defRPr>
             </a:pPr>
-            <a:endParaRPr/>
           </a:p>
           <a:p>
             <a:pPr marL="0" indent="0">
@@ -6218,24 +5772,22 @@
       <p:sp>
         <p:nvSpPr>
           <p:cNvPr id="154" name="Shape 154"/>
-          <p:cNvSpPr>
-            <a:spLocks noGrp="1"/>
-          </p:cNvSpPr>
+          <p:cNvSpPr/>
           <p:nvPr>
-            <p:ph type="sldNum" sz="quarter" idx="2"/>
+            <p:ph type="sldNum" sz="quarter" idx="4294967295"/>
           </p:nvPr>
         </p:nvSpPr>
         <p:spPr>
           <a:xfrm>
             <a:off x="11169739" y="6404292"/>
-            <a:ext cx="184062" cy="269241"/>
+            <a:ext cx="184059" cy="269239"/>
           </a:xfrm>
           <a:prstGeom prst="rect">
             <a:avLst/>
           </a:prstGeom>
           <a:extLst>
             <a:ext uri="{C572A759-6A51-4108-AA02-DFA0A04FC94B}">
-              <ma14:wrappingTextBoxFlag xmlns:ma14="http://schemas.microsoft.com/office/mac/drawingml/2011/main" xmlns="" val="1"/>
+              <ma14:wrappingTextBoxFlag xmlns:ma14="http://schemas.microsoft.com/office/mac/drawingml/2011/main" val="1"/>
             </a:ext>
           </a:extLst>
         </p:spPr>
@@ -6243,23 +5795,23 @@
           <a:bodyPr/>
           <a:lstStyle/>
           <a:p>
-            <a:fld id="{86CB4B4D-7CA3-9044-876B-883B54F8677D}" type="slidenum">
-              <a:t>3</a:t>
-            </a:fld>
-            <a:endParaRPr/>
+            <a:pPr/>
+            <a:fld id="{86CB4B4D-7CA3-9044-876B-883B54F8677D}" type="slidenum"/>
           </a:p>
         </p:txBody>
       </p:sp>
       <p:pic>
         <p:nvPicPr>
-          <p:cNvPr id="155" name="image8.png" descr="Gamecontroller"/>
+          <p:cNvPr id="155" name="image6.png" descr="Gamecontroller"/>
           <p:cNvPicPr>
             <a:picLocks noChangeAspect="1"/>
           </p:cNvPicPr>
           <p:nvPr/>
         </p:nvPicPr>
         <p:blipFill>
-          <a:blip r:embed="rId2"/>
+          <a:blip r:embed="rId2">
+            <a:extLst/>
+          </a:blip>
           <a:stretch>
             <a:fillRect/>
           </a:stretch>
@@ -6285,8 +5837,8 @@
         </p:nvSpPr>
         <p:spPr>
           <a:xfrm>
-            <a:off x="-16625" y="720436"/>
-            <a:ext cx="3088626" cy="1"/>
+            <a:off x="-16626" y="720436"/>
+            <a:ext cx="3088628" cy="2"/>
           </a:xfrm>
           <a:prstGeom prst="line">
             <a:avLst/>
@@ -6298,7 +5850,7 @@
             <a:miter/>
           </a:ln>
           <a:effectLst>
-            <a:outerShdw blurRad="50800" dist="38100" dir="2700000" rotWithShape="0">
+            <a:outerShdw sx="100000" sy="100000" kx="0" ky="0" algn="b" rotWithShape="0" blurRad="50800" dist="38100" dir="2700000">
               <a:srgbClr val="000000">
                 <a:alpha val="40000"/>
               </a:srgbClr>
@@ -6306,31 +5858,33 @@
           </a:effectLst>
         </p:spPr>
         <p:txBody>
-          <a:bodyPr lIns="45719" rIns="45719"/>
+          <a:bodyPr lIns="45718" tIns="45718" rIns="45718" bIns="45718"/>
           <a:lstStyle/>
           <a:p>
-            <a:endParaRPr/>
+            <a:pPr/>
           </a:p>
         </p:txBody>
       </p:sp>
       <p:pic>
         <p:nvPicPr>
-          <p:cNvPr id="157" name="image10.png" descr="Präsentation mit Checkliste RNL"/>
+          <p:cNvPr id="157" name="image7.png" descr="Präsentation mit Checkliste RNL"/>
           <p:cNvPicPr>
             <a:picLocks noChangeAspect="1"/>
           </p:cNvPicPr>
           <p:nvPr/>
         </p:nvPicPr>
         <p:blipFill>
-          <a:blip r:embed="rId3"/>
+          <a:blip r:embed="rId3">
+            <a:extLst/>
+          </a:blip>
           <a:stretch>
             <a:fillRect/>
           </a:stretch>
         </p:blipFill>
         <p:spPr>
           <a:xfrm>
-            <a:off x="298859" y="90217"/>
-            <a:ext cx="540000" cy="540001"/>
+            <a:off x="298859" y="90216"/>
+            <a:ext cx="540000" cy="540003"/>
           </a:xfrm>
           <a:prstGeom prst="rect">
             <a:avLst/>
@@ -6342,14 +5896,16 @@
       </p:pic>
       <p:pic>
         <p:nvPicPr>
-          <p:cNvPr id="158" name="image12.png" descr="Markierung"/>
+          <p:cNvPr id="158" name="image8.png" descr="Markierung"/>
           <p:cNvPicPr>
             <a:picLocks noChangeAspect="1"/>
           </p:cNvPicPr>
           <p:nvPr/>
         </p:nvPicPr>
         <p:blipFill>
-          <a:blip r:embed="rId4"/>
+          <a:blip r:embed="rId4">
+            <a:extLst/>
+          </a:blip>
           <a:stretch>
             <a:fillRect/>
           </a:stretch>
@@ -6357,7 +5913,7 @@
         <p:spPr>
           <a:xfrm>
             <a:off x="795217" y="4499231"/>
-            <a:ext cx="914401" cy="914401"/>
+            <a:ext cx="914401" cy="914402"/>
           </a:xfrm>
           <a:prstGeom prst="rect">
             <a:avLst/>
@@ -6369,14 +5925,16 @@
       </p:pic>
       <p:pic>
         <p:nvPicPr>
-          <p:cNvPr id="159" name="image14.png" descr="Glühbirne und Zahnrad"/>
+          <p:cNvPr id="159" name="image9.png" descr="Glühbirne und Zahnrad"/>
           <p:cNvPicPr>
             <a:picLocks noChangeAspect="1"/>
           </p:cNvPicPr>
           <p:nvPr/>
         </p:nvPicPr>
         <p:blipFill>
-          <a:blip r:embed="rId5"/>
+          <a:blip r:embed="rId5">
+            <a:extLst/>
+          </a:blip>
           <a:stretch>
             <a:fillRect/>
           </a:stretch>
@@ -6384,7 +5942,7 @@
         <p:spPr>
           <a:xfrm>
             <a:off x="795217" y="2343116"/>
-            <a:ext cx="914401" cy="914401"/>
+            <a:ext cx="914401" cy="914402"/>
           </a:xfrm>
           <a:prstGeom prst="rect">
             <a:avLst/>
@@ -6396,14 +5954,16 @@
       </p:pic>
       <p:pic>
         <p:nvPicPr>
-          <p:cNvPr id="160" name="image16.png" descr="Fingerabdruck"/>
+          <p:cNvPr id="160" name="image10.png" descr="Fingerabdruck"/>
           <p:cNvPicPr>
             <a:picLocks noChangeAspect="1"/>
           </p:cNvPicPr>
           <p:nvPr/>
         </p:nvPicPr>
         <p:blipFill>
-          <a:blip r:embed="rId6"/>
+          <a:blip r:embed="rId6">
+            <a:extLst/>
+          </a:blip>
           <a:stretch>
             <a:fillRect/>
           </a:stretch>
@@ -6411,7 +5971,7 @@
         <p:spPr>
           <a:xfrm>
             <a:off x="795217" y="3421174"/>
-            <a:ext cx="914401" cy="914401"/>
+            <a:ext cx="914401" cy="914402"/>
           </a:xfrm>
           <a:prstGeom prst="rect">
             <a:avLst/>
@@ -6426,12 +5986,12 @@
   <p:clrMapOvr>
     <a:masterClrMapping/>
   </p:clrMapOvr>
-  <p:transition spd="slow"/>
+  <p:transition xmlns:p14="http://schemas.microsoft.com/office/powerpoint/2010/main" spd="med" advClick="1" p14:dur="1000"/>
 </p:sld>
 </file>
 
 <file path=ppt/slides/slide4.xml><?xml version="1.0" encoding="utf-8"?>
-<p:sld xmlns:a="http://schemas.openxmlformats.org/drawingml/2006/main" xmlns:r="http://schemas.openxmlformats.org/officeDocument/2006/relationships" xmlns:p="http://schemas.openxmlformats.org/presentationml/2006/main">
+<p:sld xmlns:a="http://schemas.openxmlformats.org/drawingml/2006/main" xmlns:r="http://schemas.openxmlformats.org/officeDocument/2006/relationships" xmlns:p="http://schemas.openxmlformats.org/presentationml/2006/main" showMasterSp="1" showMasterPhAnim="1">
   <p:cSld>
     <p:spTree>
       <p:nvGrpSpPr>
@@ -6456,7 +6016,7 @@
         <p:spPr>
           <a:xfrm>
             <a:off x="4038600" y="6404292"/>
-            <a:ext cx="4114800" cy="269241"/>
+            <a:ext cx="4114800" cy="269239"/>
           </a:xfrm>
           <a:prstGeom prst="rect">
             <a:avLst/>
@@ -6466,12 +6026,12 @@
           </a:ln>
           <a:extLst>
             <a:ext uri="{C572A759-6A51-4108-AA02-DFA0A04FC94B}">
-              <ma14:wrappingTextBoxFlag xmlns:ma14="http://schemas.microsoft.com/office/mac/drawingml/2011/main" xmlns="" val="1"/>
+              <ma14:wrappingTextBoxFlag xmlns:ma14="http://schemas.microsoft.com/office/mac/drawingml/2011/main" val="1"/>
             </a:ext>
           </a:extLst>
         </p:spPr>
         <p:txBody>
-          <a:bodyPr lIns="45719" rIns="45719" anchor="ctr">
+          <a:bodyPr lIns="45718" tIns="45718" rIns="45718" bIns="45718" anchor="ctr">
             <a:spAutoFit/>
           </a:bodyPr>
           <a:lstStyle>
@@ -6484,6 +6044,7 @@
             </a:lvl1pPr>
           </a:lstStyle>
           <a:p>
+            <a:pPr/>
             <a:r>
               <a:t>Mlst.-Präsentation Nr. 1  /  Gruppe 15</a:t>
             </a:r>
@@ -6493,17 +6054,15 @@
       <p:sp>
         <p:nvSpPr>
           <p:cNvPr id="163" name="Shape 163"/>
-          <p:cNvSpPr>
-            <a:spLocks noGrp="1"/>
-          </p:cNvSpPr>
+          <p:cNvSpPr/>
           <p:nvPr>
             <p:ph type="title"/>
           </p:nvPr>
         </p:nvSpPr>
         <p:spPr>
           <a:xfrm>
-            <a:off x="0" y="-1"/>
-            <a:ext cx="10515600" cy="720438"/>
+            <a:off x="0" y="-2"/>
+            <a:ext cx="10515600" cy="720440"/>
           </a:xfrm>
           <a:prstGeom prst="rect">
             <a:avLst/>
@@ -6513,7 +6072,7 @@
           <a:bodyPr/>
           <a:lstStyle>
             <a:lvl1pPr>
-              <a:defRPr sz="2000" b="1">
+              <a:defRPr b="1" sz="2000">
                 <a:latin typeface="Arial"/>
                 <a:ea typeface="Arial"/>
                 <a:cs typeface="Arial"/>
@@ -6522,6 +6081,7 @@
             </a:lvl1pPr>
           </a:lstStyle>
           <a:p>
+            <a:pPr/>
             <a:r>
               <a:t>	 Übersicht</a:t>
             </a:r>
@@ -6531,9 +6091,7 @@
       <p:sp>
         <p:nvSpPr>
           <p:cNvPr id="164" name="Shape 164"/>
-          <p:cNvSpPr>
-            <a:spLocks noGrp="1"/>
-          </p:cNvSpPr>
+          <p:cNvSpPr/>
           <p:nvPr>
             <p:ph type="body" sz="half" idx="1"/>
           </p:nvPr>
@@ -6541,7 +6099,7 @@
         <p:spPr>
           <a:xfrm>
             <a:off x="1889727" y="1485000"/>
-            <a:ext cx="7622079" cy="4351338"/>
+            <a:ext cx="7622080" cy="4351338"/>
           </a:xfrm>
           <a:prstGeom prst="rect">
             <a:avLst/>
@@ -6562,14 +6120,8 @@
               </a:defRPr>
             </a:pPr>
             <a:r>
-              <a:rPr dirty="0"/>
-              <a:t>Outline / </a:t>
-            </a:r>
-            <a:r>
-              <a:rPr dirty="0" err="1"/>
-              <a:t>Spieldemonstration</a:t>
-            </a:r>
-            <a:endParaRPr dirty="0"/>
+              <a:t>Outline / Spieldemonstration</a:t>
+            </a:r>
           </a:p>
           <a:p>
             <a:pPr marL="0" indent="0">
@@ -6582,13 +6134,12 @@
                 <a:sym typeface="Arial"/>
               </a:defRPr>
             </a:pPr>
-            <a:endParaRPr dirty="0"/>
           </a:p>
           <a:p>
             <a:pPr marL="0" indent="0">
               <a:buSzTx/>
               <a:buNone/>
-              <a:defRPr sz="3000" b="1">
+              <a:defRPr b="1" sz="3000">
                 <a:latin typeface="Arial"/>
                 <a:ea typeface="Arial"/>
                 <a:cs typeface="Arial"/>
@@ -6596,10 +6147,8 @@
               </a:defRPr>
             </a:pPr>
             <a:r>
-              <a:rPr dirty="0" err="1"/>
               <a:t>Spiellogik</a:t>
             </a:r>
-            <a:endParaRPr dirty="0"/>
           </a:p>
           <a:p>
             <a:pPr marL="0" indent="0">
@@ -6612,7 +6161,6 @@
                 <a:sym typeface="Arial"/>
               </a:defRPr>
             </a:pPr>
-            <a:endParaRPr dirty="0"/>
           </a:p>
           <a:p>
             <a:pPr marL="0" indent="0">
@@ -6626,10 +6174,8 @@
               </a:defRPr>
             </a:pPr>
             <a:r>
-              <a:rPr dirty="0" err="1"/>
               <a:t>Eigenheiten</a:t>
             </a:r>
-            <a:endParaRPr dirty="0"/>
           </a:p>
           <a:p>
             <a:pPr marL="0" indent="0">
@@ -6642,7 +6188,6 @@
                 <a:sym typeface="Arial"/>
               </a:defRPr>
             </a:pPr>
-            <a:endParaRPr dirty="0"/>
           </a:p>
           <a:p>
             <a:pPr marL="0" indent="0">
@@ -6656,42 +6201,30 @@
               </a:defRPr>
             </a:pPr>
             <a:r>
-              <a:rPr dirty="0" err="1"/>
-              <a:t>Standpunkt</a:t>
-            </a:r>
-            <a:r>
-              <a:rPr dirty="0"/>
-              <a:t> / </a:t>
-            </a:r>
-            <a:r>
-              <a:rPr dirty="0" err="1"/>
-              <a:t>Zwischenresümee</a:t>
-            </a:r>
-            <a:endParaRPr dirty="0"/>
+              <a:t>Standpunkt / Zwischenresümee</a:t>
+            </a:r>
           </a:p>
         </p:txBody>
       </p:sp>
       <p:sp>
         <p:nvSpPr>
           <p:cNvPr id="165" name="Shape 165"/>
-          <p:cNvSpPr>
-            <a:spLocks noGrp="1"/>
-          </p:cNvSpPr>
+          <p:cNvSpPr/>
           <p:nvPr>
-            <p:ph type="sldNum" sz="quarter" idx="2"/>
+            <p:ph type="sldNum" sz="quarter" idx="4294967295"/>
           </p:nvPr>
         </p:nvSpPr>
         <p:spPr>
           <a:xfrm>
             <a:off x="11169739" y="6404292"/>
-            <a:ext cx="184062" cy="269241"/>
+            <a:ext cx="184059" cy="269239"/>
           </a:xfrm>
           <a:prstGeom prst="rect">
             <a:avLst/>
           </a:prstGeom>
           <a:extLst>
             <a:ext uri="{C572A759-6A51-4108-AA02-DFA0A04FC94B}">
-              <ma14:wrappingTextBoxFlag xmlns:ma14="http://schemas.microsoft.com/office/mac/drawingml/2011/main" xmlns="" val="1"/>
+              <ma14:wrappingTextBoxFlag xmlns:ma14="http://schemas.microsoft.com/office/mac/drawingml/2011/main" val="1"/>
             </a:ext>
           </a:extLst>
         </p:spPr>
@@ -6699,23 +6232,23 @@
           <a:bodyPr/>
           <a:lstStyle/>
           <a:p>
-            <a:fld id="{86CB4B4D-7CA3-9044-876B-883B54F8677D}" type="slidenum">
-              <a:t>4</a:t>
-            </a:fld>
-            <a:endParaRPr/>
+            <a:pPr/>
+            <a:fld id="{86CB4B4D-7CA3-9044-876B-883B54F8677D}" type="slidenum"/>
           </a:p>
         </p:txBody>
       </p:sp>
       <p:pic>
         <p:nvPicPr>
-          <p:cNvPr id="166" name="image8.png" descr="Gamecontroller"/>
+          <p:cNvPr id="166" name="image6.png" descr="Gamecontroller"/>
           <p:cNvPicPr>
             <a:picLocks noChangeAspect="1"/>
           </p:cNvPicPr>
           <p:nvPr/>
         </p:nvPicPr>
         <p:blipFill>
-          <a:blip r:embed="rId2"/>
+          <a:blip r:embed="rId2">
+            <a:extLst/>
+          </a:blip>
           <a:stretch>
             <a:fillRect/>
           </a:stretch>
@@ -6741,8 +6274,8 @@
         </p:nvSpPr>
         <p:spPr>
           <a:xfrm>
-            <a:off x="-16625" y="720436"/>
-            <a:ext cx="3088626" cy="1"/>
+            <a:off x="-16626" y="720436"/>
+            <a:ext cx="3088628" cy="2"/>
           </a:xfrm>
           <a:prstGeom prst="line">
             <a:avLst/>
@@ -6754,7 +6287,7 @@
             <a:miter/>
           </a:ln>
           <a:effectLst>
-            <a:outerShdw blurRad="50800" dist="38100" dir="2700000" rotWithShape="0">
+            <a:outerShdw sx="100000" sy="100000" kx="0" ky="0" algn="b" rotWithShape="0" blurRad="50800" dist="38100" dir="2700000">
               <a:srgbClr val="000000">
                 <a:alpha val="40000"/>
               </a:srgbClr>
@@ -6762,31 +6295,33 @@
           </a:effectLst>
         </p:spPr>
         <p:txBody>
-          <a:bodyPr lIns="45719" rIns="45719"/>
+          <a:bodyPr lIns="45718" tIns="45718" rIns="45718" bIns="45718"/>
           <a:lstStyle/>
           <a:p>
-            <a:endParaRPr/>
+            <a:pPr/>
           </a:p>
         </p:txBody>
       </p:sp>
       <p:pic>
         <p:nvPicPr>
-          <p:cNvPr id="168" name="image10.png" descr="Präsentation mit Checkliste RNL"/>
+          <p:cNvPr id="168" name="image7.png" descr="Präsentation mit Checkliste RNL"/>
           <p:cNvPicPr>
             <a:picLocks noChangeAspect="1"/>
           </p:cNvPicPr>
           <p:nvPr/>
         </p:nvPicPr>
         <p:blipFill>
-          <a:blip r:embed="rId3"/>
+          <a:blip r:embed="rId3">
+            <a:extLst/>
+          </a:blip>
           <a:stretch>
             <a:fillRect/>
           </a:stretch>
         </p:blipFill>
         <p:spPr>
           <a:xfrm>
-            <a:off x="298859" y="90217"/>
-            <a:ext cx="540000" cy="540001"/>
+            <a:off x="298859" y="90216"/>
+            <a:ext cx="540000" cy="540003"/>
           </a:xfrm>
           <a:prstGeom prst="rect">
             <a:avLst/>
@@ -6798,14 +6333,16 @@
       </p:pic>
       <p:pic>
         <p:nvPicPr>
-          <p:cNvPr id="169" name="image12.png" descr="Markierung"/>
+          <p:cNvPr id="169" name="image8.png" descr="Markierung"/>
           <p:cNvPicPr>
             <a:picLocks noChangeAspect="1"/>
           </p:cNvPicPr>
           <p:nvPr/>
         </p:nvPicPr>
         <p:blipFill>
-          <a:blip r:embed="rId4"/>
+          <a:blip r:embed="rId4">
+            <a:extLst/>
+          </a:blip>
           <a:stretch>
             <a:fillRect/>
           </a:stretch>
@@ -6813,7 +6350,7 @@
         <p:spPr>
           <a:xfrm>
             <a:off x="795217" y="4499231"/>
-            <a:ext cx="914401" cy="914401"/>
+            <a:ext cx="914401" cy="914402"/>
           </a:xfrm>
           <a:prstGeom prst="rect">
             <a:avLst/>
@@ -6825,14 +6362,16 @@
       </p:pic>
       <p:pic>
         <p:nvPicPr>
-          <p:cNvPr id="170" name="image14.png" descr="Glühbirne und Zahnrad"/>
+          <p:cNvPr id="170" name="image9.png" descr="Glühbirne und Zahnrad"/>
           <p:cNvPicPr>
             <a:picLocks noChangeAspect="1"/>
           </p:cNvPicPr>
           <p:nvPr/>
         </p:nvPicPr>
         <p:blipFill>
-          <a:blip r:embed="rId5"/>
+          <a:blip r:embed="rId5">
+            <a:extLst/>
+          </a:blip>
           <a:stretch>
             <a:fillRect/>
           </a:stretch>
@@ -6840,7 +6379,7 @@
         <p:spPr>
           <a:xfrm>
             <a:off x="795217" y="2343116"/>
-            <a:ext cx="914401" cy="914401"/>
+            <a:ext cx="914401" cy="914402"/>
           </a:xfrm>
           <a:prstGeom prst="rect">
             <a:avLst/>
@@ -6852,14 +6391,16 @@
       </p:pic>
       <p:pic>
         <p:nvPicPr>
-          <p:cNvPr id="171" name="image16.png" descr="Fingerabdruck"/>
+          <p:cNvPr id="171" name="image10.png" descr="Fingerabdruck"/>
           <p:cNvPicPr>
             <a:picLocks noChangeAspect="1"/>
           </p:cNvPicPr>
           <p:nvPr/>
         </p:nvPicPr>
         <p:blipFill>
-          <a:blip r:embed="rId6"/>
+          <a:blip r:embed="rId6">
+            <a:extLst/>
+          </a:blip>
           <a:stretch>
             <a:fillRect/>
           </a:stretch>
@@ -6867,7 +6408,7 @@
         <p:spPr>
           <a:xfrm>
             <a:off x="795217" y="3421174"/>
-            <a:ext cx="914401" cy="914401"/>
+            <a:ext cx="914401" cy="914402"/>
           </a:xfrm>
           <a:prstGeom prst="rect">
             <a:avLst/>
@@ -6882,12 +6423,12 @@
   <p:clrMapOvr>
     <a:masterClrMapping/>
   </p:clrMapOvr>
-  <p:transition spd="slow"/>
+  <p:transition xmlns:p14="http://schemas.microsoft.com/office/powerpoint/2010/main" spd="med" advClick="1" p14:dur="1000"/>
 </p:sld>
 </file>
 
 <file path=ppt/slides/slide5.xml><?xml version="1.0" encoding="utf-8"?>
-<p:sld xmlns:a="http://schemas.openxmlformats.org/drawingml/2006/main" xmlns:r="http://schemas.openxmlformats.org/officeDocument/2006/relationships" xmlns:p="http://schemas.openxmlformats.org/presentationml/2006/main">
+<p:sld xmlns:a="http://schemas.openxmlformats.org/drawingml/2006/main" xmlns:r="http://schemas.openxmlformats.org/officeDocument/2006/relationships" xmlns:p="http://schemas.openxmlformats.org/presentationml/2006/main" showMasterSp="1" showMasterPhAnim="1">
   <p:cSld>
     <p:spTree>
       <p:nvGrpSpPr>
@@ -6911,8 +6452,8 @@
         </p:nvSpPr>
         <p:spPr>
           <a:xfrm>
-            <a:off x="3936000" y="6396609"/>
-            <a:ext cx="4114801" cy="269241"/>
+            <a:off x="3935999" y="6396609"/>
+            <a:ext cx="4114803" cy="269239"/>
           </a:xfrm>
           <a:prstGeom prst="rect">
             <a:avLst/>
@@ -6922,12 +6463,12 @@
           </a:ln>
           <a:extLst>
             <a:ext uri="{C572A759-6A51-4108-AA02-DFA0A04FC94B}">
-              <ma14:wrappingTextBoxFlag xmlns:ma14="http://schemas.microsoft.com/office/mac/drawingml/2011/main" xmlns="" val="1"/>
+              <ma14:wrappingTextBoxFlag xmlns:ma14="http://schemas.microsoft.com/office/mac/drawingml/2011/main" val="1"/>
             </a:ext>
           </a:extLst>
         </p:spPr>
         <p:txBody>
-          <a:bodyPr lIns="45719" rIns="45719" anchor="ctr">
+          <a:bodyPr lIns="45718" tIns="45718" rIns="45718" bIns="45718" anchor="ctr">
             <a:spAutoFit/>
           </a:bodyPr>
           <a:lstStyle>
@@ -6940,6 +6481,7 @@
             </a:lvl1pPr>
           </a:lstStyle>
           <a:p>
+            <a:pPr/>
             <a:r>
               <a:t>Mlst.-Präsentation Nr. 1  /  Gruppe 15</a:t>
             </a:r>
@@ -6949,24 +6491,22 @@
       <p:sp>
         <p:nvSpPr>
           <p:cNvPr id="174" name="Shape 174"/>
-          <p:cNvSpPr>
-            <a:spLocks noGrp="1"/>
-          </p:cNvSpPr>
+          <p:cNvSpPr/>
           <p:nvPr>
-            <p:ph type="sldNum" sz="quarter" idx="2"/>
+            <p:ph type="sldNum" sz="quarter" idx="4294967295"/>
           </p:nvPr>
         </p:nvSpPr>
         <p:spPr>
           <a:xfrm>
             <a:off x="11169739" y="6404292"/>
-            <a:ext cx="184062" cy="269241"/>
+            <a:ext cx="184059" cy="269239"/>
           </a:xfrm>
           <a:prstGeom prst="rect">
             <a:avLst/>
           </a:prstGeom>
           <a:extLst>
             <a:ext uri="{C572A759-6A51-4108-AA02-DFA0A04FC94B}">
-              <ma14:wrappingTextBoxFlag xmlns:ma14="http://schemas.microsoft.com/office/mac/drawingml/2011/main" xmlns="" val="1"/>
+              <ma14:wrappingTextBoxFlag xmlns:ma14="http://schemas.microsoft.com/office/mac/drawingml/2011/main" val="1"/>
             </a:ext>
           </a:extLst>
         </p:spPr>
@@ -6974,27 +6514,23 @@
           <a:bodyPr/>
           <a:lstStyle/>
           <a:p>
-            <a:fld id="{86CB4B4D-7CA3-9044-876B-883B54F8677D}" type="slidenum">
-              <a:t>5</a:t>
-            </a:fld>
-            <a:endParaRPr/>
+            <a:pPr/>
+            <a:fld id="{86CB4B4D-7CA3-9044-876B-883B54F8677D}" type="slidenum"/>
           </a:p>
         </p:txBody>
       </p:sp>
       <p:sp>
         <p:nvSpPr>
           <p:cNvPr id="175" name="Shape 175"/>
-          <p:cNvSpPr>
-            <a:spLocks noGrp="1"/>
-          </p:cNvSpPr>
+          <p:cNvSpPr/>
           <p:nvPr>
             <p:ph type="title"/>
           </p:nvPr>
         </p:nvSpPr>
         <p:spPr>
           <a:xfrm>
-            <a:off x="0" y="-1"/>
-            <a:ext cx="10515600" cy="720438"/>
+            <a:off x="0" y="-2"/>
+            <a:ext cx="10515600" cy="720440"/>
           </a:xfrm>
           <a:prstGeom prst="rect">
             <a:avLst/>
@@ -7004,7 +6540,7 @@
           <a:bodyPr/>
           <a:lstStyle>
             <a:lvl1pPr>
-              <a:defRPr sz="2000" b="1">
+              <a:defRPr b="1" sz="2000">
                 <a:latin typeface="Arial"/>
                 <a:ea typeface="Arial"/>
                 <a:cs typeface="Arial"/>
@@ -7013,6 +6549,7 @@
             </a:lvl1pPr>
           </a:lstStyle>
           <a:p>
+            <a:pPr/>
             <a:r>
               <a:t>	Spiellogik</a:t>
             </a:r>
@@ -7027,8 +6564,8 @@
         </p:nvSpPr>
         <p:spPr>
           <a:xfrm>
-            <a:off x="-16625" y="720436"/>
-            <a:ext cx="3088626" cy="1"/>
+            <a:off x="-16626" y="720436"/>
+            <a:ext cx="3088628" cy="2"/>
           </a:xfrm>
           <a:prstGeom prst="line">
             <a:avLst/>
@@ -7040,7 +6577,7 @@
             <a:miter/>
           </a:ln>
           <a:effectLst>
-            <a:outerShdw blurRad="50800" dist="38100" dir="2700000" rotWithShape="0">
+            <a:outerShdw sx="100000" sy="100000" kx="0" ky="0" algn="b" rotWithShape="0" blurRad="50800" dist="38100" dir="2700000">
               <a:srgbClr val="000000">
                 <a:alpha val="40000"/>
               </a:srgbClr>
@@ -7048,31 +6585,33 @@
           </a:effectLst>
         </p:spPr>
         <p:txBody>
-          <a:bodyPr lIns="45719" rIns="45719"/>
+          <a:bodyPr lIns="45718" tIns="45718" rIns="45718" bIns="45718"/>
           <a:lstStyle/>
           <a:p>
-            <a:endParaRPr/>
+            <a:pPr/>
           </a:p>
         </p:txBody>
       </p:sp>
       <p:pic>
         <p:nvPicPr>
-          <p:cNvPr id="177" name="image14.png" descr="Glühbirne und Zahnrad"/>
+          <p:cNvPr id="177" name="image9.png" descr="Glühbirne und Zahnrad"/>
           <p:cNvPicPr>
             <a:picLocks noChangeAspect="1"/>
           </p:cNvPicPr>
           <p:nvPr/>
         </p:nvPicPr>
         <p:blipFill>
-          <a:blip r:embed="rId2"/>
+          <a:blip r:embed="rId2">
+            <a:extLst/>
+          </a:blip>
           <a:stretch>
             <a:fillRect/>
           </a:stretch>
         </p:blipFill>
         <p:spPr>
           <a:xfrm>
-            <a:off x="155999" y="90217"/>
-            <a:ext cx="540001" cy="540001"/>
+            <a:off x="155999" y="90216"/>
+            <a:ext cx="540002" cy="540003"/>
           </a:xfrm>
           <a:prstGeom prst="rect">
             <a:avLst/>
@@ -7090,8 +6629,8 @@
         </p:nvSpPr>
         <p:spPr>
           <a:xfrm>
-            <a:off x="425999" y="1150598"/>
-            <a:ext cx="11434568" cy="7171194"/>
+            <a:off x="425999" y="1150597"/>
+            <a:ext cx="11434568" cy="6809739"/>
           </a:xfrm>
           <a:prstGeom prst="rect">
             <a:avLst/>
@@ -7101,989 +6640,711 @@
           </a:ln>
           <a:extLst>
             <a:ext uri="{C572A759-6A51-4108-AA02-DFA0A04FC94B}">
-              <ma14:wrappingTextBoxFlag xmlns:ma14="http://schemas.microsoft.com/office/mac/drawingml/2011/main" xmlns="" val="1"/>
+              <ma14:wrappingTextBoxFlag xmlns:ma14="http://schemas.microsoft.com/office/mac/drawingml/2011/main" val="1"/>
             </a:ext>
           </a:extLst>
         </p:spPr>
         <p:txBody>
-          <a:bodyPr wrap="square" lIns="45719" rIns="45719">
+          <a:bodyPr lIns="45718" tIns="45718" rIns="45718" bIns="45718">
             <a:spAutoFit/>
           </a:bodyPr>
           <a:lstStyle/>
           <a:p>
             <a:pPr marL="342900" indent="-342900">
-              <a:buFont typeface="Arial" panose="020B0604020202020204" pitchFamily="34" charset="0"/>
+              <a:buSzPct val="100000"/>
+              <a:buFont typeface="Arial"/>
               <a:buChar char="•"/>
               <a:defRPr sz="2000"/>
             </a:pPr>
             <a:r>
-              <a:rPr lang="de-CH" dirty="0"/>
               <a:t>S</a:t>
             </a:r>
             <a:r>
-              <a:rPr lang="en-CH" dirty="0"/>
               <a:t>t</a:t>
             </a:r>
             <a:r>
-              <a:rPr lang="de-CH" dirty="0"/>
               <a:t>a</a:t>
             </a:r>
             <a:r>
-              <a:rPr lang="en-CH" dirty="0"/>
               <a:t>p</a:t>
             </a:r>
             <a:r>
-              <a:rPr lang="de-CH" dirty="0"/>
               <a:t>e</a:t>
             </a:r>
             <a:r>
-              <a:rPr lang="en-CH" dirty="0"/>
               <a:t>l – </a:t>
             </a:r>
             <a:r>
-              <a:rPr lang="de-CH" dirty="0"/>
               <a:t>u</a:t>
             </a:r>
             <a:r>
-              <a:rPr lang="en-CH" dirty="0"/>
               <a:t>n</a:t>
             </a:r>
             <a:r>
-              <a:rPr lang="de-CH" dirty="0"/>
               <a:t>d</a:t>
             </a:r>
             <a:r>
-              <a:rPr lang="en-CH" dirty="0"/>
               <a:t> </a:t>
             </a:r>
             <a:r>
-              <a:rPr lang="de-CH" dirty="0"/>
               <a:t>K</a:t>
             </a:r>
             <a:r>
-              <a:rPr lang="en-CH" dirty="0"/>
               <a:t>a</a:t>
             </a:r>
             <a:r>
-              <a:rPr lang="de-CH" dirty="0"/>
               <a:t>r</a:t>
             </a:r>
             <a:r>
-              <a:rPr lang="en-CH" dirty="0"/>
               <a:t>t</a:t>
             </a:r>
             <a:r>
-              <a:rPr lang="de-CH" dirty="0"/>
               <a:t>e</a:t>
             </a:r>
             <a:r>
-              <a:rPr lang="en-CH" dirty="0"/>
               <a:t>n</a:t>
             </a:r>
             <a:r>
-              <a:rPr lang="de-CH" dirty="0"/>
               <a:t>v</a:t>
             </a:r>
             <a:r>
-              <a:rPr lang="en-CH" dirty="0"/>
               <a:t>e</a:t>
             </a:r>
             <a:r>
-              <a:rPr lang="de-CH" dirty="0"/>
               <a:t>rwaltung</a:t>
             </a:r>
             <a:r>
-              <a:rPr lang="en-CH" dirty="0"/>
               <a:t> </a:t>
             </a:r>
             <a:r>
-              <a:rPr lang="de-CH" dirty="0"/>
               <a:t>z</a:t>
             </a:r>
             <a:r>
-              <a:rPr lang="en-CH" dirty="0"/>
               <a:t>e</a:t>
             </a:r>
             <a:r>
-              <a:rPr lang="de-CH" dirty="0"/>
               <a:t>n</a:t>
             </a:r>
             <a:r>
-              <a:rPr lang="en-CH" dirty="0"/>
               <a:t>t</a:t>
             </a:r>
             <a:r>
-              <a:rPr lang="de-CH" dirty="0"/>
               <a:t>r</a:t>
             </a:r>
             <a:r>
-              <a:rPr lang="en-CH" dirty="0"/>
               <a:t>a</a:t>
             </a:r>
             <a:r>
-              <a:rPr lang="de-CH" dirty="0"/>
               <a:t>l</a:t>
             </a:r>
             <a:r>
-              <a:rPr lang="en-CH" dirty="0"/>
               <a:t> </a:t>
             </a:r>
           </a:p>
           <a:p>
             <a:pPr marL="342900" indent="-342900">
-              <a:buFont typeface="Arial" panose="020B0604020202020204" pitchFamily="34" charset="0"/>
+              <a:buSzPct val="100000"/>
+              <a:buFont typeface="Arial"/>
               <a:buChar char="•"/>
               <a:defRPr sz="2000"/>
             </a:pPr>
-            <a:endParaRPr lang="en-CH" dirty="0"/>
           </a:p>
           <a:p>
             <a:pPr marL="342900" indent="-342900">
-              <a:buFont typeface="Arial" panose="020B0604020202020204" pitchFamily="34" charset="0"/>
+              <a:buSzPct val="100000"/>
+              <a:buFont typeface="Arial"/>
               <a:buChar char="•"/>
               <a:defRPr sz="2000"/>
             </a:pPr>
             <a:r>
-              <a:rPr lang="en-CH" dirty="0"/>
-              <a:t>Spieler </a:t>
-            </a:r>
-            <a:r>
-              <a:rPr lang="en-CH" dirty="0" err="1"/>
-              <a:t>spezifische</a:t>
-            </a:r>
-            <a:r>
-              <a:rPr lang="en-CH" dirty="0"/>
-              <a:t> </a:t>
-            </a:r>
-            <a:r>
-              <a:rPr lang="en-CH" dirty="0" err="1"/>
-              <a:t>Stapeln</a:t>
-            </a:r>
-            <a:r>
-              <a:rPr lang="en-CH" dirty="0"/>
-              <a:t> (</a:t>
-            </a:r>
-            <a:r>
-              <a:rPr lang="de-CH" dirty="0"/>
+              <a:t>Spieler spezifische Stapeln (</a:t>
+            </a:r>
+            <a:r>
               <a:t>d</a:t>
             </a:r>
             <a:r>
-              <a:rPr lang="en-CH" dirty="0" err="1"/>
               <a:t>iscard</a:t>
             </a:r>
             <a:r>
-              <a:rPr lang="de-CH" dirty="0"/>
               <a:t>P</a:t>
             </a:r>
             <a:r>
-              <a:rPr lang="en-CH" dirty="0" err="1"/>
               <a:t>i</a:t>
             </a:r>
             <a:r>
-              <a:rPr lang="de-CH" dirty="0"/>
               <a:t>l</a:t>
             </a:r>
             <a:r>
-              <a:rPr lang="en-CH" dirty="0"/>
-              <a:t>e, </a:t>
-            </a:r>
-            <a:r>
-              <a:rPr lang="en-CH" dirty="0" err="1"/>
-              <a:t>handCards</a:t>
-            </a:r>
-            <a:r>
-              <a:rPr lang="en-CH" dirty="0"/>
-              <a:t>) </a:t>
+              <a:t>e, handCards) </a:t>
             </a:r>
           </a:p>
           <a:p>
             <a:pPr marL="342900" indent="-342900">
-              <a:buFont typeface="Arial" panose="020B0604020202020204" pitchFamily="34" charset="0"/>
+              <a:buSzPct val="100000"/>
+              <a:buFont typeface="Arial"/>
               <a:buChar char="•"/>
               <a:defRPr sz="2000"/>
             </a:pPr>
-            <a:endParaRPr lang="en-CH" dirty="0"/>
           </a:p>
           <a:p>
             <a:pPr marL="342900" indent="-342900">
-              <a:buFont typeface="Arial" panose="020B0604020202020204" pitchFamily="34" charset="0"/>
+              <a:buSzPct val="100000"/>
+              <a:buFont typeface="Arial"/>
               <a:buChar char="•"/>
               <a:defRPr sz="2000"/>
             </a:pPr>
             <a:r>
-              <a:rPr lang="en-CH" dirty="0" err="1"/>
-              <a:t>ArrayList</a:t>
-            </a:r>
-            <a:r>
-              <a:rPr lang="en-CH" dirty="0"/>
-              <a:t> (</a:t>
-            </a:r>
-            <a:r>
-              <a:rPr lang="de-CH" dirty="0"/>
+              <a:t>ArrayList (</a:t>
+            </a:r>
+            <a:r>
               <a:t>G</a:t>
             </a:r>
             <a:r>
-              <a:rPr lang="en-CH" dirty="0"/>
               <a:t>r</a:t>
             </a:r>
             <a:r>
-              <a:rPr lang="de-CH" dirty="0"/>
               <a:t>ö</a:t>
             </a:r>
             <a:r>
-              <a:rPr lang="en-CH" dirty="0"/>
               <a:t>s</a:t>
             </a:r>
             <a:r>
-              <a:rPr lang="de-CH" dirty="0"/>
               <a:t>s</a:t>
             </a:r>
             <a:r>
-              <a:rPr lang="en-CH" dirty="0"/>
-              <a:t>e </a:t>
-            </a:r>
-            <a:r>
-              <a:rPr lang="en-CH" dirty="0" err="1"/>
-              <a:t>flexibel</a:t>
-            </a:r>
-            <a:r>
-              <a:rPr lang="en-CH" dirty="0"/>
-              <a:t> und </a:t>
-            </a:r>
-            <a:r>
-              <a:rPr lang="en-CH" dirty="0" err="1"/>
-              <a:t>nützliche</a:t>
-            </a:r>
-            <a:r>
-              <a:rPr lang="en-CH" dirty="0"/>
-              <a:t> </a:t>
-            </a:r>
-            <a:r>
-              <a:rPr lang="en-CH" dirty="0" err="1"/>
-              <a:t>Methoden</a:t>
-            </a:r>
-            <a:r>
-              <a:rPr lang="en-CH" dirty="0"/>
-              <a:t>)</a:t>
+              <a:t>e flexibel und nützliche Methoden)</a:t>
             </a:r>
           </a:p>
           <a:p>
             <a:pPr marL="342900" indent="-342900">
-              <a:buFont typeface="Arial" panose="020B0604020202020204" pitchFamily="34" charset="0"/>
+              <a:buSzPct val="100000"/>
+              <a:buFont typeface="Arial"/>
               <a:buChar char="•"/>
               <a:defRPr sz="2000"/>
             </a:pPr>
-            <a:endParaRPr lang="en-CH" dirty="0"/>
           </a:p>
           <a:p>
             <a:pPr marL="342900" indent="-342900">
-              <a:buFont typeface="Arial" panose="020B0604020202020204" pitchFamily="34" charset="0"/>
+              <a:buSzPct val="100000"/>
+              <a:buFont typeface="Arial"/>
               <a:buChar char="•"/>
               <a:defRPr sz="2000"/>
             </a:pPr>
             <a:r>
-              <a:rPr lang="en-CH" dirty="0"/>
               <a:t>Game </a:t>
             </a:r>
             <a:r>
-              <a:rPr lang="de-CH" dirty="0"/>
               <a:t>u</a:t>
             </a:r>
             <a:r>
-              <a:rPr lang="en-CH" dirty="0"/>
               <a:t>n</a:t>
             </a:r>
             <a:r>
-              <a:rPr lang="de-CH" dirty="0"/>
               <a:t>d</a:t>
             </a:r>
             <a:r>
-              <a:rPr lang="en-CH" dirty="0"/>
-              <a:t> Player Klassen </a:t>
-            </a:r>
-            <a:r>
-              <a:rPr lang="en-CH" dirty="0" err="1"/>
-              <a:t>brauchen</a:t>
-            </a:r>
-            <a:r>
-              <a:rPr lang="en-CH" dirty="0"/>
-              <a:t> Piles</a:t>
+              <a:t> Player Klassen brauchen Piles</a:t>
             </a:r>
           </a:p>
           <a:p>
             <a:pPr marL="342900" indent="-342900">
-              <a:buFont typeface="Arial" panose="020B0604020202020204" pitchFamily="34" charset="0"/>
+              <a:buSzPct val="100000"/>
+              <a:buFont typeface="Arial"/>
               <a:buChar char="•"/>
               <a:defRPr sz="2000"/>
             </a:pPr>
-            <a:endParaRPr lang="en-CH" dirty="0"/>
           </a:p>
           <a:p>
             <a:pPr marL="342900" indent="-342900">
-              <a:buFont typeface="Arial" panose="020B0604020202020204" pitchFamily="34" charset="0"/>
+              <a:buSzPct val="100000"/>
+              <a:buFont typeface="Arial"/>
               <a:buChar char="•"/>
               <a:defRPr sz="2000"/>
             </a:pPr>
             <a:r>
-              <a:rPr lang="en-CH" dirty="0"/>
               <a:t>Pile </a:t>
             </a:r>
             <a:r>
-              <a:rPr lang="de-CH" dirty="0"/>
               <a:t>b</a:t>
             </a:r>
             <a:r>
-              <a:rPr lang="en-CH" dirty="0"/>
               <a:t>r</a:t>
             </a:r>
             <a:r>
-              <a:rPr lang="de-CH" dirty="0"/>
               <a:t>a</a:t>
             </a:r>
             <a:r>
-              <a:rPr lang="en-CH" dirty="0"/>
               <a:t>u</a:t>
             </a:r>
             <a:r>
-              <a:rPr lang="de-CH" dirty="0"/>
               <a:t>c</a:t>
             </a:r>
             <a:r>
-              <a:rPr lang="en-CH" dirty="0"/>
               <a:t>h</a:t>
             </a:r>
             <a:r>
-              <a:rPr lang="de-CH" dirty="0"/>
               <a:t>t</a:t>
             </a:r>
             <a:r>
-              <a:rPr lang="en-CH" dirty="0"/>
               <a:t> </a:t>
             </a:r>
             <a:r>
-              <a:rPr lang="de-CH" dirty="0"/>
               <a:t>d</a:t>
             </a:r>
             <a:r>
-              <a:rPr lang="en-CH" dirty="0" err="1"/>
               <a:t>i</a:t>
             </a:r>
             <a:r>
-              <a:rPr lang="de-CH" dirty="0"/>
               <a:t>e</a:t>
             </a:r>
             <a:r>
-              <a:rPr lang="en-CH" dirty="0"/>
               <a:t> </a:t>
             </a:r>
             <a:r>
-              <a:rPr lang="de-CH" dirty="0"/>
               <a:t>K</a:t>
             </a:r>
             <a:r>
-              <a:rPr lang="en-CH" dirty="0"/>
               <a:t>l</a:t>
             </a:r>
             <a:r>
-              <a:rPr lang="de-CH" dirty="0"/>
               <a:t>a</a:t>
             </a:r>
             <a:r>
-              <a:rPr lang="en-CH" dirty="0"/>
               <a:t>s</a:t>
             </a:r>
             <a:r>
-              <a:rPr lang="de-CH" dirty="0"/>
               <a:t>s</a:t>
             </a:r>
             <a:r>
-              <a:rPr lang="en-CH" dirty="0"/>
               <a:t>e </a:t>
             </a:r>
             <a:r>
-              <a:rPr lang="de-CH" dirty="0"/>
               <a:t>C</a:t>
             </a:r>
             <a:r>
-              <a:rPr lang="en-CH" dirty="0"/>
               <a:t>a</a:t>
             </a:r>
             <a:r>
-              <a:rPr lang="de-CH" dirty="0"/>
               <a:t>r</a:t>
             </a:r>
             <a:r>
-              <a:rPr lang="en-CH" dirty="0"/>
               <a:t>d, </a:t>
             </a:r>
             <a:r>
-              <a:rPr lang="de-CH" dirty="0"/>
               <a:t>u</a:t>
             </a:r>
             <a:r>
-              <a:rPr lang="en-CH" dirty="0"/>
               <a:t>m </a:t>
             </a:r>
             <a:r>
-              <a:rPr lang="de-CH" dirty="0"/>
               <a:t>K</a:t>
             </a:r>
             <a:r>
-              <a:rPr lang="en-CH" dirty="0"/>
               <a:t>a</a:t>
             </a:r>
             <a:r>
-              <a:rPr lang="de-CH" dirty="0"/>
               <a:t>r</a:t>
             </a:r>
             <a:r>
-              <a:rPr lang="en-CH" dirty="0"/>
               <a:t>t</a:t>
             </a:r>
             <a:r>
-              <a:rPr lang="de-CH" dirty="0"/>
               <a:t>e</a:t>
             </a:r>
             <a:r>
-              <a:rPr lang="en-CH" dirty="0"/>
               <a:t>n </a:t>
             </a:r>
             <a:r>
-              <a:rPr lang="de-CH" dirty="0"/>
               <a:t>z</a:t>
             </a:r>
             <a:r>
-              <a:rPr lang="en-CH" dirty="0"/>
               <a:t>u </a:t>
             </a:r>
             <a:r>
-              <a:rPr lang="de-CH" dirty="0"/>
               <a:t>e</a:t>
             </a:r>
             <a:r>
-              <a:rPr lang="en-CH" dirty="0"/>
               <a:t>r</a:t>
             </a:r>
             <a:r>
-              <a:rPr lang="de-CH" dirty="0"/>
               <a:t>s</a:t>
             </a:r>
             <a:r>
-              <a:rPr lang="en-CH" dirty="0"/>
               <a:t>t</a:t>
             </a:r>
             <a:r>
-              <a:rPr lang="de-CH" dirty="0"/>
               <a:t>e</a:t>
             </a:r>
             <a:r>
-              <a:rPr lang="en-CH" dirty="0"/>
               <a:t>l</a:t>
             </a:r>
             <a:r>
-              <a:rPr lang="de-CH" dirty="0"/>
               <a:t>l</a:t>
             </a:r>
             <a:r>
-              <a:rPr lang="en-CH" dirty="0"/>
               <a:t>e</a:t>
             </a:r>
             <a:r>
-              <a:rPr lang="de-CH" dirty="0"/>
               <a:t>n</a:t>
             </a:r>
-            <a:endParaRPr lang="en-CH" dirty="0"/>
           </a:p>
           <a:p>
             <a:pPr marL="342900" indent="-342900">
-              <a:buFont typeface="Arial" panose="020B0604020202020204" pitchFamily="34" charset="0"/>
+              <a:buSzPct val="100000"/>
+              <a:buFont typeface="Arial"/>
               <a:buChar char="•"/>
               <a:defRPr sz="2000"/>
             </a:pPr>
-            <a:endParaRPr lang="en-CH" dirty="0"/>
           </a:p>
           <a:p>
             <a:pPr marL="342900" indent="-342900">
-              <a:buFont typeface="Arial" panose="020B0604020202020204" pitchFamily="34" charset="0"/>
+              <a:buSzPct val="100000"/>
+              <a:buFont typeface="Arial"/>
               <a:buChar char="•"/>
               <a:defRPr sz="2000"/>
             </a:pPr>
             <a:r>
-              <a:rPr lang="en-CH" dirty="0"/>
               <a:t>Game </a:t>
             </a:r>
             <a:r>
-              <a:rPr lang="de-CH" dirty="0"/>
               <a:t>b</a:t>
             </a:r>
             <a:r>
-              <a:rPr lang="en-CH" dirty="0"/>
               <a:t>e</a:t>
             </a:r>
             <a:r>
-              <a:rPr lang="de-CH" dirty="0"/>
               <a:t>i</a:t>
             </a:r>
             <a:r>
-              <a:rPr lang="en-CH" dirty="0"/>
               <a:t>n</a:t>
             </a:r>
             <a:r>
-              <a:rPr lang="de-CH" dirty="0"/>
               <a:t>h</a:t>
             </a:r>
             <a:r>
-              <a:rPr lang="en-CH" dirty="0"/>
               <a:t>a</a:t>
             </a:r>
             <a:r>
-              <a:rPr lang="de-CH" dirty="0"/>
               <a:t>l</a:t>
             </a:r>
             <a:r>
-              <a:rPr lang="en-CH" dirty="0"/>
               <a:t>t</a:t>
             </a:r>
             <a:r>
-              <a:rPr lang="de-CH" dirty="0"/>
               <a:t>e</a:t>
             </a:r>
             <a:r>
-              <a:rPr lang="en-CH" dirty="0"/>
               <a:t>t </a:t>
             </a:r>
             <a:r>
-              <a:rPr lang="de-CH" dirty="0"/>
               <a:t>M</a:t>
             </a:r>
             <a:r>
-              <a:rPr lang="en-CH" dirty="0"/>
               <a:t>e</a:t>
             </a:r>
             <a:r>
-              <a:rPr lang="de-CH" dirty="0"/>
               <a:t>t</a:t>
             </a:r>
             <a:r>
-              <a:rPr lang="en-CH" dirty="0"/>
               <a:t>h</a:t>
             </a:r>
             <a:r>
-              <a:rPr lang="de-CH" dirty="0"/>
               <a:t>o</a:t>
             </a:r>
             <a:r>
-              <a:rPr lang="en-CH" dirty="0"/>
               <a:t>d</a:t>
             </a:r>
             <a:r>
-              <a:rPr lang="de-CH" dirty="0"/>
               <a:t>e</a:t>
             </a:r>
             <a:r>
-              <a:rPr lang="en-CH" dirty="0"/>
               <a:t>n </a:t>
             </a:r>
             <a:r>
-              <a:rPr lang="de-CH" dirty="0"/>
               <a:t>f</a:t>
             </a:r>
             <a:r>
-              <a:rPr lang="en-CH" dirty="0"/>
               <a:t>ü</a:t>
             </a:r>
             <a:r>
-              <a:rPr lang="de-CH" dirty="0"/>
               <a:t>r</a:t>
             </a:r>
             <a:r>
-              <a:rPr lang="en-CH" dirty="0"/>
-              <a:t> </a:t>
-            </a:r>
-            <a:r>
-              <a:rPr lang="en-CH" dirty="0" err="1"/>
-              <a:t>verschiedene</a:t>
-            </a:r>
-            <a:br>
-              <a:rPr lang="en-CH" dirty="0"/>
-            </a:br>
-            <a:r>
-              <a:rPr lang="en-CH" dirty="0" err="1"/>
-              <a:t>Kartenoperation</a:t>
-            </a:r>
-            <a:r>
-              <a:rPr lang="en-CH" dirty="0"/>
-              <a:t> (</a:t>
-            </a:r>
-            <a:r>
-              <a:rPr lang="en-CH" dirty="0" err="1"/>
-              <a:t>playToMiddle</a:t>
-            </a:r>
-            <a:r>
-              <a:rPr lang="en-CH" dirty="0"/>
-              <a:t>, </a:t>
-            </a:r>
-            <a:r>
-              <a:rPr lang="de-CH" dirty="0"/>
+              <a:t> verschiedene</a:t>
+            </a:r>
+            <a:br/>
+            <a:r>
+              <a:t>Kartenoperation (playToMiddle, </a:t>
+            </a:r>
+            <a:r>
               <a:t>p</a:t>
             </a:r>
             <a:r>
-              <a:rPr lang="en-CH" dirty="0"/>
               <a:t>l</a:t>
             </a:r>
             <a:r>
-              <a:rPr lang="de-CH" dirty="0"/>
               <a:t>a</a:t>
             </a:r>
             <a:r>
-              <a:rPr lang="en-CH" dirty="0"/>
               <a:t>y</a:t>
             </a:r>
             <a:r>
-              <a:rPr lang="de-CH" dirty="0"/>
               <a:t>T</a:t>
             </a:r>
             <a:r>
-              <a:rPr lang="en-CH" dirty="0"/>
               <a:t>o</a:t>
             </a:r>
             <a:r>
-              <a:rPr lang="de-CH" dirty="0"/>
               <a:t>D</a:t>
             </a:r>
             <a:r>
-              <a:rPr lang="en-CH" dirty="0" err="1"/>
               <a:t>i</a:t>
             </a:r>
             <a:r>
-              <a:rPr lang="de-CH" dirty="0"/>
               <a:t>s</a:t>
             </a:r>
             <a:r>
-              <a:rPr lang="en-CH" dirty="0"/>
               <a:t>c</a:t>
             </a:r>
             <a:r>
-              <a:rPr lang="de-CH" dirty="0"/>
               <a:t>a</a:t>
             </a:r>
             <a:r>
-              <a:rPr lang="en-CH" dirty="0"/>
               <a:t>r</a:t>
             </a:r>
             <a:r>
-              <a:rPr lang="de-CH" dirty="0"/>
               <a:t>d</a:t>
             </a:r>
             <a:r>
-              <a:rPr lang="en-CH" dirty="0"/>
               <a:t>)</a:t>
             </a:r>
           </a:p>
           <a:p>
             <a:pPr marL="342900" indent="-342900">
-              <a:buFont typeface="Arial" panose="020B0604020202020204" pitchFamily="34" charset="0"/>
+              <a:buSzPct val="100000"/>
+              <a:buFont typeface="Arial"/>
               <a:buChar char="•"/>
               <a:defRPr sz="2000"/>
             </a:pPr>
-            <a:endParaRPr lang="en-CH" dirty="0"/>
           </a:p>
           <a:p>
             <a:pPr marL="342900" indent="-342900">
-              <a:buFont typeface="Arial" panose="020B0604020202020204" pitchFamily="34" charset="0"/>
+              <a:buSzPct val="100000"/>
+              <a:buFont typeface="Arial"/>
               <a:buChar char="•"/>
               <a:defRPr sz="2000"/>
             </a:pPr>
             <a:r>
-              <a:rPr lang="en-CH" dirty="0" err="1"/>
-              <a:t>Spielmethoden</a:t>
-            </a:r>
-            <a:r>
-              <a:rPr lang="en-CH" dirty="0"/>
+              <a:t>Spielmethoden geben Boolean </a:t>
+            </a:r>
+            <a:r>
+              <a:t>W</a:t>
+            </a:r>
+            <a:r>
+              <a:t>e</a:t>
+            </a:r>
+            <a:r>
+              <a:t>r</a:t>
+            </a:r>
+            <a:r>
+              <a:t>t</a:t>
+            </a:r>
+            <a:r>
+              <a:t>e</a:t>
+            </a:r>
+            <a:r>
               <a:t> </a:t>
             </a:r>
             <a:r>
-              <a:rPr lang="en-CH" dirty="0" err="1"/>
-              <a:t>geben</a:t>
-            </a:r>
-            <a:r>
-              <a:rPr lang="en-CH" dirty="0"/>
-              <a:t> Boolean </a:t>
-            </a:r>
-            <a:r>
-              <a:rPr lang="de-CH" dirty="0"/>
-              <a:t>W</a:t>
-            </a:r>
-            <a:r>
-              <a:rPr lang="en-CH" dirty="0"/>
+              <a:t>z</a:t>
+            </a:r>
+            <a:r>
+              <a:t>u</a:t>
+            </a:r>
+            <a:r>
+              <a:t>r</a:t>
+            </a:r>
+            <a:r>
+              <a:t>üc</a:t>
+            </a:r>
+            <a:r>
+              <a:t>k</a:t>
+            </a:r>
+            <a:r>
+              <a:t>: </a:t>
+            </a:r>
+          </a:p>
+          <a:p>
+            <a:pPr lvl="8">
+              <a:defRPr sz="2000"/>
+            </a:pPr>
+            <a:r>
+              <a:t>	- true: Spie</a:t>
+            </a:r>
+            <a:r>
+              <a:t>l</a:t>
+            </a:r>
+            <a:r>
+              <a:t>z</a:t>
+            </a:r>
+            <a:r>
+              <a:t>u</a:t>
+            </a:r>
+            <a:r>
+              <a:t>g </a:t>
+            </a:r>
+            <a:r>
+              <a:t>g</a:t>
+            </a:r>
+            <a:r>
+              <a:t>ü</a:t>
+            </a:r>
+            <a:r>
+              <a:t>l</a:t>
+            </a:r>
+            <a:r>
+              <a:t>t</a:t>
+            </a:r>
+            <a:r>
+              <a:t>i</a:t>
+            </a:r>
+            <a:r>
+              <a:t>g!</a:t>
+            </a:r>
+          </a:p>
+          <a:p>
+            <a:pPr lvl="8">
+              <a:defRPr sz="2000"/>
+            </a:pPr>
+            <a:r>
+              <a:t>	- f</a:t>
+            </a:r>
+            <a:r>
+              <a:t>a</a:t>
+            </a:r>
+            <a:r>
+              <a:t>l</a:t>
+            </a:r>
+            <a:r>
+              <a:t>s</a:t>
+            </a:r>
+            <a:r>
+              <a:t>e: </a:t>
+            </a:r>
+            <a:r>
+              <a:t>S</a:t>
+            </a:r>
+            <a:r>
+              <a:t>p</a:t>
+            </a:r>
+            <a:r>
+              <a:t>i</a:t>
+            </a:r>
+            <a:r>
               <a:t>e</a:t>
             </a:r>
             <a:r>
-              <a:rPr lang="de-CH" dirty="0"/>
-              <a:t>r</a:t>
-            </a:r>
-            <a:r>
-              <a:rPr lang="en-CH" dirty="0"/>
+              <a:t>l</a:t>
+            </a:r>
+            <a:r>
+              <a:t>z</a:t>
+            </a:r>
+            <a:r>
+              <a:t>u</a:t>
+            </a:r>
+            <a:r>
+              <a:t>g </a:t>
+            </a:r>
+            <a:r>
+              <a:t>n</a:t>
+            </a:r>
+            <a:r>
+              <a:t>i</a:t>
+            </a:r>
+            <a:r>
+              <a:t>c</a:t>
+            </a:r>
+            <a:r>
+              <a:t>h</a:t>
+            </a:r>
+            <a:r>
               <a:t>t</a:t>
             </a:r>
             <a:r>
-              <a:rPr lang="de-CH" dirty="0"/>
-              <a:t>e</a:t>
-            </a:r>
-            <a:r>
-              <a:rPr lang="en-CH" dirty="0"/>
               <a:t> </a:t>
             </a:r>
             <a:r>
-              <a:rPr lang="de-CH" dirty="0"/>
-              <a:t>z</a:t>
-            </a:r>
-            <a:r>
-              <a:rPr lang="en-CH" dirty="0"/>
-              <a:t>u</a:t>
-            </a:r>
-            <a:r>
-              <a:rPr lang="de-CH" dirty="0"/>
-              <a:t>r</a:t>
-            </a:r>
-            <a:r>
-              <a:rPr lang="en-CH" dirty="0" err="1"/>
-              <a:t>üc</a:t>
-            </a:r>
-            <a:r>
-              <a:rPr lang="de-CH" dirty="0"/>
-              <a:t>k</a:t>
-            </a:r>
-            <a:r>
-              <a:rPr lang="en-CH" dirty="0"/>
-              <a:t>: </a:t>
-            </a:r>
-          </a:p>
-          <a:p>
-            <a:pPr lvl="8" indent="0">
-              <a:defRPr sz="2000"/>
-            </a:pPr>
-            <a:r>
-              <a:rPr lang="en-CH" dirty="0"/>
-              <a:t>	- true: </a:t>
-            </a:r>
-            <a:r>
-              <a:rPr lang="en-CH" dirty="0" err="1"/>
-              <a:t>Spie</a:t>
-            </a:r>
-            <a:r>
-              <a:rPr lang="de-CH" dirty="0"/>
+              <a:t>g</a:t>
+            </a:r>
+            <a:r>
+              <a:t>ü</a:t>
+            </a:r>
+            <a:r>
               <a:t>l</a:t>
             </a:r>
             <a:r>
-              <a:rPr lang="en-CH" dirty="0"/>
-              <a:t>z</a:t>
-            </a:r>
-            <a:r>
-              <a:rPr lang="de-CH" dirty="0"/>
-              <a:t>u</a:t>
-            </a:r>
-            <a:r>
-              <a:rPr lang="en-CH" dirty="0"/>
-              <a:t>g </a:t>
-            </a:r>
-            <a:r>
-              <a:rPr lang="de-CH" dirty="0"/>
-              <a:t>g</a:t>
-            </a:r>
-            <a:r>
-              <a:rPr lang="en-CH" dirty="0"/>
-              <a:t>ü</a:t>
-            </a:r>
-            <a:r>
-              <a:rPr lang="de-CH" dirty="0"/>
-              <a:t>l</a:t>
-            </a:r>
-            <a:r>
-              <a:rPr lang="en-CH" dirty="0"/>
               <a:t>t</a:t>
             </a:r>
             <a:r>
-              <a:rPr lang="de-CH" dirty="0"/>
               <a:t>i</a:t>
             </a:r>
             <a:r>
-              <a:rPr lang="en-CH" dirty="0"/>
               <a:t>g!</a:t>
             </a:r>
           </a:p>
           <a:p>
-            <a:pPr lvl="8" indent="0">
-              <a:defRPr sz="2000"/>
-            </a:pPr>
-            <a:r>
-              <a:rPr lang="en-CH" dirty="0"/>
-              <a:t>	- f</a:t>
-            </a:r>
-            <a:r>
-              <a:rPr lang="de-CH" dirty="0"/>
-              <a:t>a</a:t>
-            </a:r>
-            <a:r>
-              <a:rPr lang="en-CH" dirty="0"/>
-              <a:t>l</a:t>
-            </a:r>
-            <a:r>
-              <a:rPr lang="de-CH" dirty="0"/>
-              <a:t>s</a:t>
-            </a:r>
-            <a:r>
-              <a:rPr lang="en-CH" dirty="0"/>
-              <a:t>e: </a:t>
-            </a:r>
-            <a:r>
-              <a:rPr lang="de-CH" dirty="0"/>
-              <a:t>S</a:t>
-            </a:r>
-            <a:r>
-              <a:rPr lang="en-CH" dirty="0"/>
-              <a:t>p</a:t>
-            </a:r>
-            <a:r>
-              <a:rPr lang="de-CH" dirty="0"/>
-              <a:t>i</a:t>
-            </a:r>
-            <a:r>
-              <a:rPr lang="en-CH" dirty="0"/>
-              <a:t>e</a:t>
-            </a:r>
-            <a:r>
-              <a:rPr lang="de-CH" dirty="0"/>
-              <a:t>l</a:t>
-            </a:r>
-            <a:r>
-              <a:rPr lang="en-CH" dirty="0"/>
-              <a:t>z</a:t>
-            </a:r>
-            <a:r>
-              <a:rPr lang="de-CH" dirty="0"/>
-              <a:t>u</a:t>
-            </a:r>
-            <a:r>
-              <a:rPr lang="en-CH" dirty="0"/>
-              <a:t>g </a:t>
-            </a:r>
-            <a:r>
-              <a:rPr lang="de-CH" dirty="0"/>
-              <a:t>n</a:t>
-            </a:r>
-            <a:r>
-              <a:rPr lang="en-CH" dirty="0" err="1"/>
-              <a:t>i</a:t>
-            </a:r>
-            <a:r>
-              <a:rPr lang="de-CH" dirty="0"/>
-              <a:t>c</a:t>
-            </a:r>
-            <a:r>
-              <a:rPr lang="en-CH" dirty="0"/>
-              <a:t>h</a:t>
-            </a:r>
-            <a:r>
-              <a:rPr lang="de-CH" dirty="0"/>
-              <a:t>t</a:t>
-            </a:r>
-            <a:r>
-              <a:rPr lang="en-CH" dirty="0"/>
-              <a:t> </a:t>
-            </a:r>
-            <a:r>
-              <a:rPr lang="de-CH" dirty="0"/>
-              <a:t>g</a:t>
-            </a:r>
-            <a:r>
-              <a:rPr lang="en-CH" dirty="0"/>
-              <a:t>ü</a:t>
-            </a:r>
-            <a:r>
-              <a:rPr lang="de-CH" dirty="0"/>
-              <a:t>l</a:t>
-            </a:r>
-            <a:r>
-              <a:rPr lang="en-CH" dirty="0"/>
-              <a:t>t</a:t>
-            </a:r>
-            <a:r>
-              <a:rPr lang="de-CH" dirty="0"/>
-              <a:t>i</a:t>
-            </a:r>
-            <a:r>
-              <a:rPr lang="en-CH" dirty="0"/>
-              <a:t>g!</a:t>
-            </a:r>
-          </a:p>
-          <a:p>
             <a:pPr marL="342900" indent="-342900">
-              <a:buFont typeface="Arial" panose="020B0604020202020204" pitchFamily="34" charset="0"/>
+              <a:buSzPct val="100000"/>
+              <a:buFont typeface="Arial"/>
               <a:buChar char="•"/>
               <a:defRPr sz="2000"/>
             </a:pPr>
-            <a:endParaRPr lang="en-CH" dirty="0"/>
           </a:p>
           <a:p>
             <a:pPr marL="342900" indent="-342900">
-              <a:buFont typeface="Arial" panose="020B0604020202020204" pitchFamily="34" charset="0"/>
+              <a:buSzPct val="100000"/>
+              <a:buFont typeface="Arial"/>
               <a:buChar char="•"/>
               <a:defRPr sz="2000"/>
             </a:pPr>
-            <a:endParaRPr lang="en-CH" dirty="0"/>
           </a:p>
           <a:p>
             <a:pPr marL="342900" indent="-342900">
-              <a:buFont typeface="Arial" panose="020B0604020202020204" pitchFamily="34" charset="0"/>
+              <a:buSzPct val="100000"/>
+              <a:buFont typeface="Arial"/>
               <a:buChar char="•"/>
               <a:defRPr sz="2000"/>
             </a:pPr>
-            <a:endParaRPr lang="en-CH" dirty="0"/>
           </a:p>
           <a:p>
             <a:pPr marL="342900" indent="-342900">
-              <a:buFont typeface="Arial" panose="020B0604020202020204" pitchFamily="34" charset="0"/>
+              <a:buSzPct val="100000"/>
+              <a:buFont typeface="Arial"/>
               <a:buChar char="•"/>
               <a:defRPr sz="2000"/>
             </a:pPr>
-            <a:endParaRPr lang="en-CH" dirty="0"/>
           </a:p>
           <a:p>
             <a:pPr marL="342900" indent="-342900">
-              <a:buFont typeface="Arial" panose="020B0604020202020204" pitchFamily="34" charset="0"/>
+              <a:buSzPct val="100000"/>
+              <a:buFont typeface="Arial"/>
               <a:buChar char="•"/>
               <a:defRPr sz="2000"/>
             </a:pPr>
-            <a:endParaRPr lang="en-CH" dirty="0"/>
           </a:p>
           <a:p>
             <a:pPr marL="342900" indent="-342900">
-              <a:buFont typeface="Arial" panose="020B0604020202020204" pitchFamily="34" charset="0"/>
+              <a:buSzPct val="100000"/>
+              <a:buFont typeface="Arial"/>
               <a:buChar char="•"/>
               <a:defRPr sz="2000"/>
             </a:pPr>
-            <a:endParaRPr lang="en-CH" dirty="0"/>
-          </a:p>
-          <a:p>
-            <a:pPr marL="342900" indent="-342900">
-              <a:buFont typeface="Arial" panose="020B0604020202020204" pitchFamily="34" charset="0"/>
-              <a:buChar char="•"/>
-              <a:defRPr sz="2000"/>
-            </a:pPr>
-            <a:endParaRPr dirty="0"/>
           </a:p>
         </p:txBody>
       </p:sp>
       <p:pic>
         <p:nvPicPr>
-          <p:cNvPr id="7" name="Picture 6" descr="A screenshot of a cell phone&#10;&#10;Description automatically generated">
-            <a:extLst>
-              <a:ext uri="{FF2B5EF4-FFF2-40B4-BE49-F238E27FC236}">
-                <a16:creationId xmlns:a16="http://schemas.microsoft.com/office/drawing/2014/main" id="{5AB07E31-758A-4903-849A-C6E9B6B07013}"/>
-              </a:ext>
-            </a:extLst>
-          </p:cNvPr>
+          <p:cNvPr id="179" name="image11.png" descr="A screenshot of a cell phone&#10;&#10;Description automatically generated"/>
           <p:cNvPicPr>
             <a:picLocks noChangeAspect="1"/>
           </p:cNvPicPr>
@@ -8091,11 +7352,7 @@
         </p:nvPicPr>
         <p:blipFill>
           <a:blip r:embed="rId3">
-            <a:extLst>
-              <a:ext uri="{28A0092B-C50C-407E-A947-70E740481C1C}">
-                <a14:useLocalDpi xmlns:a14="http://schemas.microsoft.com/office/drawing/2010/main" val="0"/>
-              </a:ext>
-            </a:extLst>
+            <a:extLst/>
           </a:blip>
           <a:stretch>
             <a:fillRect/>
@@ -8103,12 +7360,15 @@
         </p:blipFill>
         <p:spPr>
           <a:xfrm>
-            <a:off x="6321372" y="720436"/>
-            <a:ext cx="5539195" cy="5419379"/>
-          </a:xfrm>
-          <a:prstGeom prst="rect">
-            <a:avLst/>
-          </a:prstGeom>
+            <a:off x="6321371" y="720436"/>
+            <a:ext cx="5539196" cy="5419379"/>
+          </a:xfrm>
+          <a:prstGeom prst="rect">
+            <a:avLst/>
+          </a:prstGeom>
+          <a:ln w="12700">
+            <a:miter lim="400000"/>
+          </a:ln>
         </p:spPr>
       </p:pic>
     </p:spTree>
@@ -8116,12 +7376,12 @@
   <p:clrMapOvr>
     <a:masterClrMapping/>
   </p:clrMapOvr>
-  <p:transition spd="slow"/>
+  <p:transition xmlns:p14="http://schemas.microsoft.com/office/powerpoint/2010/main" spd="med" advClick="1" p14:dur="1000"/>
 </p:sld>
 </file>
 
 <file path=ppt/slides/slide6.xml><?xml version="1.0" encoding="utf-8"?>
-<p:sld xmlns:a="http://schemas.openxmlformats.org/drawingml/2006/main" xmlns:r="http://schemas.openxmlformats.org/officeDocument/2006/relationships" xmlns:p="http://schemas.openxmlformats.org/presentationml/2006/main">
+<p:sld xmlns:a="http://schemas.openxmlformats.org/drawingml/2006/main" xmlns:r="http://schemas.openxmlformats.org/officeDocument/2006/relationships" xmlns:p="http://schemas.openxmlformats.org/presentationml/2006/main" showMasterSp="1" showMasterPhAnim="1">
   <p:cSld>
     <p:spTree>
       <p:nvGrpSpPr>
@@ -8139,14 +7399,14 @@
       </p:grpSpPr>
       <p:sp>
         <p:nvSpPr>
-          <p:cNvPr id="180" name="Shape 180"/>
+          <p:cNvPr id="181" name="Shape 181"/>
           <p:cNvSpPr/>
           <p:nvPr/>
         </p:nvSpPr>
         <p:spPr>
           <a:xfrm>
-            <a:off x="3936000" y="6396609"/>
-            <a:ext cx="4114801" cy="269241"/>
+            <a:off x="3935999" y="6396609"/>
+            <a:ext cx="4114803" cy="269239"/>
           </a:xfrm>
           <a:prstGeom prst="rect">
             <a:avLst/>
@@ -8156,12 +7416,12 @@
           </a:ln>
           <a:extLst>
             <a:ext uri="{C572A759-6A51-4108-AA02-DFA0A04FC94B}">
-              <ma14:wrappingTextBoxFlag xmlns:ma14="http://schemas.microsoft.com/office/mac/drawingml/2011/main" xmlns="" val="1"/>
+              <ma14:wrappingTextBoxFlag xmlns:ma14="http://schemas.microsoft.com/office/mac/drawingml/2011/main" val="1"/>
             </a:ext>
           </a:extLst>
         </p:spPr>
         <p:txBody>
-          <a:bodyPr lIns="45719" rIns="45719" anchor="ctr">
+          <a:bodyPr lIns="45718" tIns="45718" rIns="45718" bIns="45718" anchor="ctr">
             <a:spAutoFit/>
           </a:bodyPr>
           <a:lstStyle>
@@ -8174,61 +7434,56 @@
             </a:lvl1pPr>
           </a:lstStyle>
           <a:p>
+            <a:pPr/>
             <a:r>
               <a:t>Mlst.-Präsentation Nr. 1  /  Gruppe 15</a:t>
             </a:r>
-          </a:p>
-        </p:txBody>
-      </p:sp>
-      <p:sp>
-        <p:nvSpPr>
-          <p:cNvPr id="181" name="Shape 181"/>
-          <p:cNvSpPr>
-            <a:spLocks noGrp="1"/>
-          </p:cNvSpPr>
-          <p:nvPr>
-            <p:ph type="sldNum" sz="quarter" idx="2"/>
-          </p:nvPr>
-        </p:nvSpPr>
-        <p:spPr>
-          <a:xfrm>
-            <a:off x="11169739" y="6404292"/>
-            <a:ext cx="184062" cy="269241"/>
-          </a:xfrm>
-          <a:prstGeom prst="rect">
-            <a:avLst/>
-          </a:prstGeom>
-          <a:extLst>
-            <a:ext uri="{C572A759-6A51-4108-AA02-DFA0A04FC94B}">
-              <ma14:wrappingTextBoxFlag xmlns:ma14="http://schemas.microsoft.com/office/mac/drawingml/2011/main" xmlns="" val="1"/>
-            </a:ext>
-          </a:extLst>
-        </p:spPr>
-        <p:txBody>
-          <a:bodyPr/>
-          <a:lstStyle/>
-          <a:p>
-            <a:fld id="{86CB4B4D-7CA3-9044-876B-883B54F8677D}" type="slidenum">
-              <a:t>6</a:t>
-            </a:fld>
-            <a:endParaRPr/>
           </a:p>
         </p:txBody>
       </p:sp>
       <p:sp>
         <p:nvSpPr>
           <p:cNvPr id="182" name="Shape 182"/>
-          <p:cNvSpPr>
-            <a:spLocks noGrp="1"/>
-          </p:cNvSpPr>
+          <p:cNvSpPr/>
+          <p:nvPr>
+            <p:ph type="sldNum" sz="quarter" idx="4294967295"/>
+          </p:nvPr>
+        </p:nvSpPr>
+        <p:spPr>
+          <a:xfrm>
+            <a:off x="11169739" y="6404292"/>
+            <a:ext cx="184059" cy="269239"/>
+          </a:xfrm>
+          <a:prstGeom prst="rect">
+            <a:avLst/>
+          </a:prstGeom>
+          <a:extLst>
+            <a:ext uri="{C572A759-6A51-4108-AA02-DFA0A04FC94B}">
+              <ma14:wrappingTextBoxFlag xmlns:ma14="http://schemas.microsoft.com/office/mac/drawingml/2011/main" val="1"/>
+            </a:ext>
+          </a:extLst>
+        </p:spPr>
+        <p:txBody>
+          <a:bodyPr/>
+          <a:lstStyle/>
+          <a:p>
+            <a:pPr/>
+            <a:fld id="{86CB4B4D-7CA3-9044-876B-883B54F8677D}" type="slidenum"/>
+          </a:p>
+        </p:txBody>
+      </p:sp>
+      <p:sp>
+        <p:nvSpPr>
+          <p:cNvPr id="183" name="Shape 183"/>
+          <p:cNvSpPr/>
           <p:nvPr>
             <p:ph type="title"/>
           </p:nvPr>
         </p:nvSpPr>
         <p:spPr>
           <a:xfrm>
-            <a:off x="0" y="-1"/>
-            <a:ext cx="10515600" cy="720438"/>
+            <a:off x="0" y="-2"/>
+            <a:ext cx="10515600" cy="720440"/>
           </a:xfrm>
           <a:prstGeom prst="rect">
             <a:avLst/>
@@ -8238,7 +7493,7 @@
           <a:bodyPr/>
           <a:lstStyle>
             <a:lvl1pPr>
-              <a:defRPr sz="2000" b="1">
+              <a:defRPr b="1" sz="2000">
                 <a:latin typeface="Arial"/>
                 <a:ea typeface="Arial"/>
                 <a:cs typeface="Arial"/>
@@ -8247,6 +7502,7 @@
             </a:lvl1pPr>
           </a:lstStyle>
           <a:p>
+            <a:pPr/>
             <a:r>
               <a:t>	Spiellogik</a:t>
             </a:r>
@@ -8255,14 +7511,14 @@
       </p:sp>
       <p:sp>
         <p:nvSpPr>
-          <p:cNvPr id="183" name="Shape 183"/>
+          <p:cNvPr id="184" name="Shape 184"/>
           <p:cNvSpPr/>
           <p:nvPr/>
         </p:nvSpPr>
         <p:spPr>
           <a:xfrm>
-            <a:off x="-16625" y="720436"/>
-            <a:ext cx="3088626" cy="1"/>
+            <a:off x="-16626" y="720436"/>
+            <a:ext cx="3088628" cy="2"/>
           </a:xfrm>
           <a:prstGeom prst="line">
             <a:avLst/>
@@ -8274,7 +7530,7 @@
             <a:miter/>
           </a:ln>
           <a:effectLst>
-            <a:outerShdw blurRad="50800" dist="38100" dir="2700000" rotWithShape="0">
+            <a:outerShdw sx="100000" sy="100000" kx="0" ky="0" algn="b" rotWithShape="0" blurRad="50800" dist="38100" dir="2700000">
               <a:srgbClr val="000000">
                 <a:alpha val="40000"/>
               </a:srgbClr>
@@ -8282,31 +7538,33 @@
           </a:effectLst>
         </p:spPr>
         <p:txBody>
-          <a:bodyPr lIns="45719" rIns="45719"/>
+          <a:bodyPr lIns="45718" tIns="45718" rIns="45718" bIns="45718"/>
           <a:lstStyle/>
           <a:p>
-            <a:endParaRPr/>
+            <a:pPr/>
           </a:p>
         </p:txBody>
       </p:sp>
       <p:pic>
         <p:nvPicPr>
-          <p:cNvPr id="184" name="image14.png" descr="Glühbirne und Zahnrad"/>
+          <p:cNvPr id="185" name="image9.png" descr="Glühbirne und Zahnrad"/>
           <p:cNvPicPr>
             <a:picLocks noChangeAspect="1"/>
           </p:cNvPicPr>
           <p:nvPr/>
         </p:nvPicPr>
         <p:blipFill>
-          <a:blip r:embed="rId2"/>
+          <a:blip r:embed="rId2">
+            <a:extLst/>
+          </a:blip>
           <a:stretch>
             <a:fillRect/>
           </a:stretch>
         </p:blipFill>
         <p:spPr>
           <a:xfrm>
-            <a:off x="155999" y="90217"/>
-            <a:ext cx="540001" cy="540001"/>
+            <a:off x="155999" y="90216"/>
+            <a:ext cx="540002" cy="540003"/>
           </a:xfrm>
           <a:prstGeom prst="rect">
             <a:avLst/>
@@ -8318,22 +7576,24 @@
       </p:pic>
       <p:pic>
         <p:nvPicPr>
-          <p:cNvPr id="185" name="Ablaufdiagramm.jpg"/>
+          <p:cNvPr id="186" name="Ablaufdiagramm.jpg"/>
           <p:cNvPicPr>
             <a:picLocks noChangeAspect="1"/>
           </p:cNvPicPr>
           <p:nvPr/>
         </p:nvPicPr>
         <p:blipFill>
-          <a:blip r:embed="rId3"/>
+          <a:blip r:embed="rId3">
+            <a:extLst/>
+          </a:blip>
           <a:stretch>
             <a:fillRect/>
           </a:stretch>
         </p:blipFill>
         <p:spPr>
           <a:xfrm>
-            <a:off x="336813" y="940176"/>
-            <a:ext cx="11518374" cy="5236693"/>
+            <a:off x="373748" y="940178"/>
+            <a:ext cx="11444504" cy="5236691"/>
           </a:xfrm>
           <a:prstGeom prst="rect">
             <a:avLst/>
@@ -8348,12 +7608,12 @@
   <p:clrMapOvr>
     <a:masterClrMapping/>
   </p:clrMapOvr>
-  <p:transition spd="slow"/>
+  <p:transition xmlns:p14="http://schemas.microsoft.com/office/powerpoint/2010/main" spd="med" advClick="1" p14:dur="1000"/>
 </p:sld>
 </file>
 
 <file path=ppt/slides/slide7.xml><?xml version="1.0" encoding="utf-8"?>
-<p:sld xmlns:a="http://schemas.openxmlformats.org/drawingml/2006/main" xmlns:r="http://schemas.openxmlformats.org/officeDocument/2006/relationships" xmlns:p="http://schemas.openxmlformats.org/presentationml/2006/main">
+<p:sld xmlns:a="http://schemas.openxmlformats.org/drawingml/2006/main" xmlns:r="http://schemas.openxmlformats.org/officeDocument/2006/relationships" xmlns:p="http://schemas.openxmlformats.org/presentationml/2006/main" showMasterSp="1" showMasterPhAnim="1">
   <p:cSld>
     <p:spTree>
       <p:nvGrpSpPr>
@@ -8371,14 +7631,14 @@
       </p:grpSpPr>
       <p:sp>
         <p:nvSpPr>
-          <p:cNvPr id="187" name="Shape 187"/>
+          <p:cNvPr id="188" name="Shape 188"/>
           <p:cNvSpPr/>
           <p:nvPr/>
         </p:nvSpPr>
         <p:spPr>
           <a:xfrm>
             <a:off x="4038600" y="6404292"/>
-            <a:ext cx="4114800" cy="269241"/>
+            <a:ext cx="4114800" cy="269239"/>
           </a:xfrm>
           <a:prstGeom prst="rect">
             <a:avLst/>
@@ -8388,12 +7648,12 @@
           </a:ln>
           <a:extLst>
             <a:ext uri="{C572A759-6A51-4108-AA02-DFA0A04FC94B}">
-              <ma14:wrappingTextBoxFlag xmlns:ma14="http://schemas.microsoft.com/office/mac/drawingml/2011/main" xmlns="" val="1"/>
+              <ma14:wrappingTextBoxFlag xmlns:ma14="http://schemas.microsoft.com/office/mac/drawingml/2011/main" val="1"/>
             </a:ext>
           </a:extLst>
         </p:spPr>
         <p:txBody>
-          <a:bodyPr lIns="45719" rIns="45719" anchor="ctr">
+          <a:bodyPr lIns="45718" tIns="45718" rIns="45718" bIns="45718" anchor="ctr">
             <a:spAutoFit/>
           </a:bodyPr>
           <a:lstStyle>
@@ -8406,6 +7666,7 @@
             </a:lvl1pPr>
           </a:lstStyle>
           <a:p>
+            <a:pPr/>
             <a:r>
               <a:t>Mlst.-Präsentation Nr. 1  /  Gruppe 15</a:t>
             </a:r>
@@ -8414,18 +7675,16 @@
       </p:sp>
       <p:sp>
         <p:nvSpPr>
-          <p:cNvPr id="188" name="Shape 188"/>
-          <p:cNvSpPr>
-            <a:spLocks noGrp="1"/>
-          </p:cNvSpPr>
+          <p:cNvPr id="189" name="Shape 189"/>
+          <p:cNvSpPr/>
           <p:nvPr>
             <p:ph type="title"/>
           </p:nvPr>
         </p:nvSpPr>
         <p:spPr>
           <a:xfrm>
-            <a:off x="0" y="-1"/>
-            <a:ext cx="10515600" cy="720438"/>
+            <a:off x="0" y="-2"/>
+            <a:ext cx="10515600" cy="720440"/>
           </a:xfrm>
           <a:prstGeom prst="rect">
             <a:avLst/>
@@ -8435,7 +7694,7 @@
           <a:bodyPr/>
           <a:lstStyle>
             <a:lvl1pPr>
-              <a:defRPr sz="2000" b="1">
+              <a:defRPr b="1" sz="2000">
                 <a:latin typeface="Arial"/>
                 <a:ea typeface="Arial"/>
                 <a:cs typeface="Arial"/>
@@ -8444,6 +7703,7 @@
             </a:lvl1pPr>
           </a:lstStyle>
           <a:p>
+            <a:pPr/>
             <a:r>
               <a:t>	 Übersicht</a:t>
             </a:r>
@@ -8452,10 +7712,8 @@
       </p:sp>
       <p:sp>
         <p:nvSpPr>
-          <p:cNvPr id="189" name="Shape 189"/>
-          <p:cNvSpPr>
-            <a:spLocks noGrp="1"/>
-          </p:cNvSpPr>
+          <p:cNvPr id="190" name="Shape 190"/>
+          <p:cNvSpPr/>
           <p:nvPr>
             <p:ph type="body" sz="half" idx="1"/>
           </p:nvPr>
@@ -8463,7 +7721,7 @@
         <p:spPr>
           <a:xfrm>
             <a:off x="1889727" y="1485000"/>
-            <a:ext cx="7622079" cy="4351338"/>
+            <a:ext cx="7622080" cy="4351338"/>
           </a:xfrm>
           <a:prstGeom prst="rect">
             <a:avLst/>
@@ -8498,7 +7756,6 @@
                 <a:sym typeface="Arial"/>
               </a:defRPr>
             </a:pPr>
-            <a:endParaRPr/>
           </a:p>
           <a:p>
             <a:pPr marL="0" indent="0">
@@ -8526,13 +7783,12 @@
                 <a:sym typeface="Arial"/>
               </a:defRPr>
             </a:pPr>
-            <a:endParaRPr/>
           </a:p>
           <a:p>
             <a:pPr marL="0" indent="0">
               <a:buSzTx/>
               <a:buNone/>
-              <a:defRPr sz="3000" b="1">
+              <a:defRPr b="1" sz="3000">
                 <a:latin typeface="Arial"/>
                 <a:ea typeface="Arial"/>
                 <a:cs typeface="Arial"/>
@@ -8554,7 +7810,6 @@
                 <a:sym typeface="Arial"/>
               </a:defRPr>
             </a:pPr>
-            <a:endParaRPr/>
           </a:p>
           <a:p>
             <a:pPr marL="0" indent="0">
@@ -8575,25 +7830,23 @@
       </p:sp>
       <p:sp>
         <p:nvSpPr>
-          <p:cNvPr id="190" name="Shape 190"/>
-          <p:cNvSpPr>
-            <a:spLocks noGrp="1"/>
-          </p:cNvSpPr>
+          <p:cNvPr id="191" name="Shape 191"/>
+          <p:cNvSpPr/>
           <p:nvPr>
-            <p:ph type="sldNum" sz="quarter" idx="2"/>
+            <p:ph type="sldNum" sz="quarter" idx="4294967295"/>
           </p:nvPr>
         </p:nvSpPr>
         <p:spPr>
           <a:xfrm>
             <a:off x="11169739" y="6404292"/>
-            <a:ext cx="184062" cy="269241"/>
+            <a:ext cx="184059" cy="269239"/>
           </a:xfrm>
           <a:prstGeom prst="rect">
             <a:avLst/>
           </a:prstGeom>
           <a:extLst>
             <a:ext uri="{C572A759-6A51-4108-AA02-DFA0A04FC94B}">
-              <ma14:wrappingTextBoxFlag xmlns:ma14="http://schemas.microsoft.com/office/mac/drawingml/2011/main" xmlns="" val="1"/>
+              <ma14:wrappingTextBoxFlag xmlns:ma14="http://schemas.microsoft.com/office/mac/drawingml/2011/main" val="1"/>
             </a:ext>
           </a:extLst>
         </p:spPr>
@@ -8601,23 +7854,23 @@
           <a:bodyPr/>
           <a:lstStyle/>
           <a:p>
-            <a:fld id="{86CB4B4D-7CA3-9044-876B-883B54F8677D}" type="slidenum">
-              <a:t>7</a:t>
-            </a:fld>
-            <a:endParaRPr/>
+            <a:pPr/>
+            <a:fld id="{86CB4B4D-7CA3-9044-876B-883B54F8677D}" type="slidenum"/>
           </a:p>
         </p:txBody>
       </p:sp>
       <p:pic>
         <p:nvPicPr>
-          <p:cNvPr id="191" name="image8.png" descr="Gamecontroller"/>
+          <p:cNvPr id="192" name="image6.png" descr="Gamecontroller"/>
           <p:cNvPicPr>
             <a:picLocks noChangeAspect="1"/>
           </p:cNvPicPr>
           <p:nvPr/>
         </p:nvPicPr>
         <p:blipFill>
-          <a:blip r:embed="rId2"/>
+          <a:blip r:embed="rId2">
+            <a:extLst/>
+          </a:blip>
           <a:stretch>
             <a:fillRect/>
           </a:stretch>
@@ -8637,14 +7890,14 @@
       </p:pic>
       <p:sp>
         <p:nvSpPr>
-          <p:cNvPr id="192" name="Shape 192"/>
+          <p:cNvPr id="193" name="Shape 193"/>
           <p:cNvSpPr/>
           <p:nvPr/>
         </p:nvSpPr>
         <p:spPr>
           <a:xfrm>
-            <a:off x="-16625" y="720436"/>
-            <a:ext cx="3088626" cy="1"/>
+            <a:off x="-16626" y="720436"/>
+            <a:ext cx="3088628" cy="2"/>
           </a:xfrm>
           <a:prstGeom prst="line">
             <a:avLst/>
@@ -8656,7 +7909,7 @@
             <a:miter/>
           </a:ln>
           <a:effectLst>
-            <a:outerShdw blurRad="50800" dist="38100" dir="2700000" rotWithShape="0">
+            <a:outerShdw sx="100000" sy="100000" kx="0" ky="0" algn="b" rotWithShape="0" blurRad="50800" dist="38100" dir="2700000">
               <a:srgbClr val="000000">
                 <a:alpha val="40000"/>
               </a:srgbClr>
@@ -8664,31 +7917,33 @@
           </a:effectLst>
         </p:spPr>
         <p:txBody>
-          <a:bodyPr lIns="45719" rIns="45719"/>
+          <a:bodyPr lIns="45718" tIns="45718" rIns="45718" bIns="45718"/>
           <a:lstStyle/>
           <a:p>
-            <a:endParaRPr/>
+            <a:pPr/>
           </a:p>
         </p:txBody>
       </p:sp>
       <p:pic>
         <p:nvPicPr>
-          <p:cNvPr id="193" name="image10.png" descr="Präsentation mit Checkliste RNL"/>
+          <p:cNvPr id="194" name="image7.png" descr="Präsentation mit Checkliste RNL"/>
           <p:cNvPicPr>
             <a:picLocks noChangeAspect="1"/>
           </p:cNvPicPr>
           <p:nvPr/>
         </p:nvPicPr>
         <p:blipFill>
-          <a:blip r:embed="rId3"/>
+          <a:blip r:embed="rId3">
+            <a:extLst/>
+          </a:blip>
           <a:stretch>
             <a:fillRect/>
           </a:stretch>
         </p:blipFill>
         <p:spPr>
           <a:xfrm>
-            <a:off x="298859" y="90217"/>
-            <a:ext cx="540000" cy="540001"/>
+            <a:off x="298859" y="90216"/>
+            <a:ext cx="540000" cy="540003"/>
           </a:xfrm>
           <a:prstGeom prst="rect">
             <a:avLst/>
@@ -8700,14 +7955,16 @@
       </p:pic>
       <p:pic>
         <p:nvPicPr>
-          <p:cNvPr id="194" name="image12.png" descr="Markierung"/>
+          <p:cNvPr id="195" name="image8.png" descr="Markierung"/>
           <p:cNvPicPr>
             <a:picLocks noChangeAspect="1"/>
           </p:cNvPicPr>
           <p:nvPr/>
         </p:nvPicPr>
         <p:blipFill>
-          <a:blip r:embed="rId4"/>
+          <a:blip r:embed="rId4">
+            <a:extLst/>
+          </a:blip>
           <a:stretch>
             <a:fillRect/>
           </a:stretch>
@@ -8715,7 +7972,7 @@
         <p:spPr>
           <a:xfrm>
             <a:off x="795217" y="4499231"/>
-            <a:ext cx="914401" cy="914401"/>
+            <a:ext cx="914401" cy="914402"/>
           </a:xfrm>
           <a:prstGeom prst="rect">
             <a:avLst/>
@@ -8727,14 +7984,16 @@
       </p:pic>
       <p:pic>
         <p:nvPicPr>
-          <p:cNvPr id="195" name="image14.png" descr="Glühbirne und Zahnrad"/>
+          <p:cNvPr id="196" name="image9.png" descr="Glühbirne und Zahnrad"/>
           <p:cNvPicPr>
             <a:picLocks noChangeAspect="1"/>
           </p:cNvPicPr>
           <p:nvPr/>
         </p:nvPicPr>
         <p:blipFill>
-          <a:blip r:embed="rId5"/>
+          <a:blip r:embed="rId5">
+            <a:extLst/>
+          </a:blip>
           <a:stretch>
             <a:fillRect/>
           </a:stretch>
@@ -8742,7 +8001,7 @@
         <p:spPr>
           <a:xfrm>
             <a:off x="795217" y="2343116"/>
-            <a:ext cx="914401" cy="914401"/>
+            <a:ext cx="914401" cy="914402"/>
           </a:xfrm>
           <a:prstGeom prst="rect">
             <a:avLst/>
@@ -8754,14 +8013,16 @@
       </p:pic>
       <p:pic>
         <p:nvPicPr>
-          <p:cNvPr id="196" name="image16.png" descr="Fingerabdruck"/>
+          <p:cNvPr id="197" name="image10.png" descr="Fingerabdruck"/>
           <p:cNvPicPr>
             <a:picLocks noChangeAspect="1"/>
           </p:cNvPicPr>
           <p:nvPr/>
         </p:nvPicPr>
         <p:blipFill>
-          <a:blip r:embed="rId6"/>
+          <a:blip r:embed="rId6">
+            <a:extLst/>
+          </a:blip>
           <a:stretch>
             <a:fillRect/>
           </a:stretch>
@@ -8769,7 +8030,7 @@
         <p:spPr>
           <a:xfrm>
             <a:off x="795217" y="3421174"/>
-            <a:ext cx="914401" cy="914401"/>
+            <a:ext cx="914401" cy="914402"/>
           </a:xfrm>
           <a:prstGeom prst="rect">
             <a:avLst/>
@@ -8784,12 +8045,12 @@
   <p:clrMapOvr>
     <a:masterClrMapping/>
   </p:clrMapOvr>
-  <p:transition spd="slow"/>
+  <p:transition xmlns:p14="http://schemas.microsoft.com/office/powerpoint/2010/main" spd="med" advClick="1" p14:dur="1000"/>
 </p:sld>
 </file>
 
 <file path=ppt/slides/slide8.xml><?xml version="1.0" encoding="utf-8"?>
-<p:sld xmlns:a="http://schemas.openxmlformats.org/drawingml/2006/main" xmlns:r="http://schemas.openxmlformats.org/officeDocument/2006/relationships" xmlns:p="http://schemas.openxmlformats.org/presentationml/2006/main">
+<p:sld xmlns:a="http://schemas.openxmlformats.org/drawingml/2006/main" xmlns:r="http://schemas.openxmlformats.org/officeDocument/2006/relationships" xmlns:p="http://schemas.openxmlformats.org/presentationml/2006/main" showMasterSp="1" showMasterPhAnim="1">
   <p:cSld>
     <p:spTree>
       <p:nvGrpSpPr>
@@ -8807,14 +8068,14 @@
       </p:grpSpPr>
       <p:sp>
         <p:nvSpPr>
-          <p:cNvPr id="198" name="Shape 198"/>
+          <p:cNvPr id="199" name="Shape 199"/>
           <p:cNvSpPr/>
           <p:nvPr/>
         </p:nvSpPr>
         <p:spPr>
           <a:xfrm>
             <a:off x="4038600" y="6404292"/>
-            <a:ext cx="4114800" cy="269241"/>
+            <a:ext cx="4114800" cy="269239"/>
           </a:xfrm>
           <a:prstGeom prst="rect">
             <a:avLst/>
@@ -8824,12 +8085,12 @@
           </a:ln>
           <a:extLst>
             <a:ext uri="{C572A759-6A51-4108-AA02-DFA0A04FC94B}">
-              <ma14:wrappingTextBoxFlag xmlns:ma14="http://schemas.microsoft.com/office/mac/drawingml/2011/main" xmlns="" val="1"/>
+              <ma14:wrappingTextBoxFlag xmlns:ma14="http://schemas.microsoft.com/office/mac/drawingml/2011/main" val="1"/>
             </a:ext>
           </a:extLst>
         </p:spPr>
         <p:txBody>
-          <a:bodyPr lIns="45719" rIns="45719" anchor="ctr">
+          <a:bodyPr lIns="45718" tIns="45718" rIns="45718" bIns="45718" anchor="ctr">
             <a:spAutoFit/>
           </a:bodyPr>
           <a:lstStyle>
@@ -8842,6 +8103,7 @@
             </a:lvl1pPr>
           </a:lstStyle>
           <a:p>
+            <a:pPr/>
             <a:r>
               <a:t>Mlst.-Präsentation Nr. 1  /  Gruppe 15</a:t>
             </a:r>
@@ -8850,18 +8112,16 @@
       </p:sp>
       <p:sp>
         <p:nvSpPr>
-          <p:cNvPr id="199" name="Shape 199"/>
-          <p:cNvSpPr>
-            <a:spLocks noGrp="1"/>
-          </p:cNvSpPr>
+          <p:cNvPr id="200" name="Shape 200"/>
+          <p:cNvSpPr/>
           <p:nvPr>
             <p:ph type="title"/>
           </p:nvPr>
         </p:nvSpPr>
         <p:spPr>
           <a:xfrm>
-            <a:off x="0" y="-1"/>
-            <a:ext cx="10515600" cy="720438"/>
+            <a:off x="0" y="-2"/>
+            <a:ext cx="10515600" cy="720440"/>
           </a:xfrm>
           <a:prstGeom prst="rect">
             <a:avLst/>
@@ -8871,7 +8131,7 @@
           <a:bodyPr/>
           <a:lstStyle>
             <a:lvl1pPr>
-              <a:defRPr sz="2000" b="1">
+              <a:defRPr b="1" sz="2000">
                 <a:latin typeface="Arial"/>
                 <a:ea typeface="Arial"/>
                 <a:cs typeface="Arial"/>
@@ -8880,44 +8140,10 @@
             </a:lvl1pPr>
           </a:lstStyle>
           <a:p>
+            <a:pPr/>
             <a:r>
               <a:t>	Technische Eigenheiten</a:t>
             </a:r>
-          </a:p>
-        </p:txBody>
-      </p:sp>
-      <p:sp>
-        <p:nvSpPr>
-          <p:cNvPr id="200" name="Shape 200"/>
-          <p:cNvSpPr>
-            <a:spLocks noGrp="1"/>
-          </p:cNvSpPr>
-          <p:nvPr>
-            <p:ph type="sldNum" sz="quarter" idx="2"/>
-          </p:nvPr>
-        </p:nvSpPr>
-        <p:spPr>
-          <a:xfrm>
-            <a:off x="11169739" y="6404292"/>
-            <a:ext cx="184062" cy="269241"/>
-          </a:xfrm>
-          <a:prstGeom prst="rect">
-            <a:avLst/>
-          </a:prstGeom>
-          <a:extLst>
-            <a:ext uri="{C572A759-6A51-4108-AA02-DFA0A04FC94B}">
-              <ma14:wrappingTextBoxFlag xmlns:ma14="http://schemas.microsoft.com/office/mac/drawingml/2011/main" xmlns="" val="1"/>
-            </a:ext>
-          </a:extLst>
-        </p:spPr>
-        <p:txBody>
-          <a:bodyPr/>
-          <a:lstStyle/>
-          <a:p>
-            <a:fld id="{86CB4B4D-7CA3-9044-876B-883B54F8677D}" type="slidenum">
-              <a:t>8</a:t>
-            </a:fld>
-            <a:endParaRPr/>
           </a:p>
         </p:txBody>
       </p:sp>
@@ -8925,12 +8151,43 @@
         <p:nvSpPr>
           <p:cNvPr id="201" name="Shape 201"/>
           <p:cNvSpPr/>
+          <p:nvPr>
+            <p:ph type="sldNum" sz="quarter" idx="4294967295"/>
+          </p:nvPr>
+        </p:nvSpPr>
+        <p:spPr>
+          <a:xfrm>
+            <a:off x="11169739" y="6404292"/>
+            <a:ext cx="184059" cy="269239"/>
+          </a:xfrm>
+          <a:prstGeom prst="rect">
+            <a:avLst/>
+          </a:prstGeom>
+          <a:extLst>
+            <a:ext uri="{C572A759-6A51-4108-AA02-DFA0A04FC94B}">
+              <ma14:wrappingTextBoxFlag xmlns:ma14="http://schemas.microsoft.com/office/mac/drawingml/2011/main" val="1"/>
+            </a:ext>
+          </a:extLst>
+        </p:spPr>
+        <p:txBody>
+          <a:bodyPr/>
+          <a:lstStyle/>
+          <a:p>
+            <a:pPr/>
+            <a:fld id="{86CB4B4D-7CA3-9044-876B-883B54F8677D}" type="slidenum"/>
+          </a:p>
+        </p:txBody>
+      </p:sp>
+      <p:sp>
+        <p:nvSpPr>
+          <p:cNvPr id="202" name="Shape 202"/>
+          <p:cNvSpPr/>
           <p:nvPr/>
         </p:nvSpPr>
         <p:spPr>
           <a:xfrm>
             <a:off x="-11084" y="720436"/>
-            <a:ext cx="4584002" cy="1"/>
+            <a:ext cx="4584003" cy="2"/>
           </a:xfrm>
           <a:prstGeom prst="line">
             <a:avLst/>
@@ -8942,7 +8199,7 @@
             <a:miter/>
           </a:ln>
           <a:effectLst>
-            <a:outerShdw blurRad="50800" dist="38100" dir="2700000" rotWithShape="0">
+            <a:outerShdw sx="100000" sy="100000" kx="0" ky="0" algn="b" rotWithShape="0" blurRad="50800" dist="38100" dir="2700000">
               <a:srgbClr val="000000">
                 <a:alpha val="40000"/>
               </a:srgbClr>
@@ -8950,31 +8207,33 @@
           </a:effectLst>
         </p:spPr>
         <p:txBody>
-          <a:bodyPr lIns="45719" rIns="45719"/>
+          <a:bodyPr lIns="45718" tIns="45718" rIns="45718" bIns="45718"/>
           <a:lstStyle/>
           <a:p>
-            <a:endParaRPr/>
+            <a:pPr/>
           </a:p>
         </p:txBody>
       </p:sp>
       <p:pic>
         <p:nvPicPr>
-          <p:cNvPr id="202" name="image16.png" descr="Fingerabdruck"/>
+          <p:cNvPr id="203" name="image10.png" descr="Fingerabdruck"/>
           <p:cNvPicPr>
             <a:picLocks noChangeAspect="1"/>
           </p:cNvPicPr>
           <p:nvPr/>
         </p:nvPicPr>
         <p:blipFill>
-          <a:blip r:embed="rId2"/>
+          <a:blip r:embed="rId2">
+            <a:extLst/>
+          </a:blip>
           <a:stretch>
             <a:fillRect/>
           </a:stretch>
         </p:blipFill>
         <p:spPr>
           <a:xfrm>
-            <a:off x="263999" y="86304"/>
-            <a:ext cx="547828" cy="547828"/>
+            <a:off x="263999" y="86303"/>
+            <a:ext cx="547828" cy="547829"/>
           </a:xfrm>
           <a:prstGeom prst="rect">
             <a:avLst/>
@@ -8986,14 +8245,14 @@
       </p:pic>
       <p:sp>
         <p:nvSpPr>
-          <p:cNvPr id="203" name="Shape 203"/>
+          <p:cNvPr id="204" name="Shape 204"/>
           <p:cNvSpPr/>
           <p:nvPr/>
         </p:nvSpPr>
         <p:spPr>
           <a:xfrm>
-            <a:off x="425999" y="1150598"/>
-            <a:ext cx="5306161" cy="3688081"/>
+            <a:off x="425998" y="1150597"/>
+            <a:ext cx="5329971" cy="3538220"/>
           </a:xfrm>
           <a:prstGeom prst="rect">
             <a:avLst/>
@@ -9003,12 +8262,12 @@
           </a:ln>
           <a:extLst>
             <a:ext uri="{C572A759-6A51-4108-AA02-DFA0A04FC94B}">
-              <ma14:wrappingTextBoxFlag xmlns:ma14="http://schemas.microsoft.com/office/mac/drawingml/2011/main" xmlns="" val="1"/>
+              <ma14:wrappingTextBoxFlag xmlns:ma14="http://schemas.microsoft.com/office/mac/drawingml/2011/main" val="1"/>
             </a:ext>
           </a:extLst>
         </p:spPr>
         <p:txBody>
-          <a:bodyPr wrap="none" lIns="45719" rIns="45719">
+          <a:bodyPr wrap="none" lIns="45718" tIns="45718" rIns="45718" bIns="45718">
             <a:spAutoFit/>
           </a:bodyPr>
           <a:lstStyle/>
@@ -9019,15 +8278,14 @@
               </a:lnSpc>
               <a:buSzPct val="100000"/>
               <a:buChar char="•"/>
-              <a:defRPr sz="2000" b="1"/>
-            </a:pPr>
-            <a:r>
-              <a:rPr dirty="0"/>
+              <a:defRPr b="1" sz="2000"/>
+            </a:pPr>
+            <a:r>
               <a:t>GUI</a:t>
             </a:r>
           </a:p>
           <a:p>
-            <a:pPr marL="581526" lvl="1" indent="-200526">
+            <a:pPr lvl="1" marL="581525" indent="-200525">
               <a:lnSpc>
                 <a:spcPct val="120000"/>
               </a:lnSpc>
@@ -9036,12 +8294,11 @@
               <a:defRPr sz="2000"/>
             </a:pPr>
             <a:r>
-              <a:rPr dirty="0"/>
               <a:t>…</a:t>
             </a:r>
           </a:p>
           <a:p>
-            <a:pPr marL="581526" lvl="1" indent="-200526">
+            <a:pPr lvl="1" marL="581525" indent="-200525">
               <a:lnSpc>
                 <a:spcPct val="120000"/>
               </a:lnSpc>
@@ -9050,7 +8307,6 @@
               <a:defRPr sz="2000"/>
             </a:pPr>
             <a:r>
-              <a:rPr dirty="0"/>
               <a:t>…</a:t>
             </a:r>
           </a:p>
@@ -9061,27 +8317,14 @@
               </a:lnSpc>
               <a:buSzPct val="100000"/>
               <a:buChar char="•"/>
-              <a:defRPr sz="2000" b="1"/>
-            </a:pPr>
-            <a:r>
-              <a:rPr dirty="0" err="1"/>
-              <a:t>Genutzte</a:t>
-            </a:r>
-            <a:r>
-              <a:rPr dirty="0"/>
-              <a:t> </a:t>
-            </a:r>
-            <a:r>
-              <a:rPr dirty="0" err="1"/>
-              <a:t>externe</a:t>
-            </a:r>
-            <a:r>
-              <a:rPr dirty="0"/>
-              <a:t> library: Apache Log4j 2</a:t>
-            </a:r>
-          </a:p>
-          <a:p>
-            <a:pPr marL="581526" lvl="1" indent="-200526">
+              <a:defRPr b="1" sz="2000"/>
+            </a:pPr>
+            <a:r>
+              <a:t>Genutzte externe library: Apache Log4j 2</a:t>
+            </a:r>
+          </a:p>
+          <a:p>
+            <a:pPr lvl="1" marL="581525" indent="-200525">
               <a:lnSpc>
                 <a:spcPct val="120000"/>
               </a:lnSpc>
@@ -9090,16 +8333,11 @@
               <a:defRPr sz="2000"/>
             </a:pPr>
             <a:r>
-              <a:rPr dirty="0" err="1"/>
-              <a:t>Vorteile</a:t>
-            </a:r>
-            <a:r>
-              <a:rPr dirty="0"/>
-              <a:t>:</a:t>
-            </a:r>
-          </a:p>
-          <a:p>
-            <a:pPr marL="1343526" lvl="3" indent="-200526">
+              <a:t>Vorteile:</a:t>
+            </a:r>
+          </a:p>
+          <a:p>
+            <a:pPr lvl="3" marL="1343526" indent="-200526">
               <a:lnSpc>
                 <a:spcPct val="120000"/>
               </a:lnSpc>
@@ -9108,12 +8346,11 @@
               <a:defRPr sz="2000"/>
             </a:pPr>
             <a:r>
-              <a:rPr dirty="0"/>
               <a:t>Levels</a:t>
             </a:r>
           </a:p>
           <a:p>
-            <a:pPr marL="1343526" lvl="3" indent="-200526">
+            <a:pPr lvl="3" marL="1343526" indent="-200526">
               <a:lnSpc>
                 <a:spcPct val="120000"/>
               </a:lnSpc>
@@ -9122,12 +8359,11 @@
               <a:defRPr sz="2000"/>
             </a:pPr>
             <a:r>
-              <a:rPr dirty="0"/>
               <a:t>Timestamps</a:t>
             </a:r>
           </a:p>
           <a:p>
-            <a:pPr marL="1343526" lvl="3" indent="-200526">
+            <a:pPr lvl="3" marL="1343526" indent="-200526">
               <a:lnSpc>
                 <a:spcPct val="120000"/>
               </a:lnSpc>
@@ -9136,17 +8372,11 @@
               <a:defRPr sz="2000"/>
             </a:pPr>
             <a:r>
-              <a:rPr dirty="0"/>
-              <a:t>Log in </a:t>
-            </a:r>
-            <a:r>
-              <a:rPr dirty="0" err="1"/>
-              <a:t>Datei</a:t>
-            </a:r>
-            <a:endParaRPr dirty="0"/>
-          </a:p>
-          <a:p>
-            <a:pPr marL="581526" lvl="1" indent="-200526">
+              <a:t>Log in Datei</a:t>
+            </a:r>
+          </a:p>
+          <a:p>
+            <a:pPr lvl="1" marL="581525" indent="-200525">
               <a:lnSpc>
                 <a:spcPct val="120000"/>
               </a:lnSpc>
@@ -9155,16 +8385,11 @@
               <a:defRPr sz="2000"/>
             </a:pPr>
             <a:r>
-              <a:rPr dirty="0" err="1"/>
-              <a:t>Konfiguration</a:t>
-            </a:r>
-            <a:r>
-              <a:rPr dirty="0"/>
-              <a:t>:</a:t>
-            </a:r>
-          </a:p>
-          <a:p>
-            <a:pPr marL="1343526" lvl="3" indent="-200526">
+              <a:t>Konfiguration:</a:t>
+            </a:r>
+          </a:p>
+          <a:p>
+            <a:pPr lvl="3" marL="1343526" indent="-200526">
               <a:lnSpc>
                 <a:spcPct val="120000"/>
               </a:lnSpc>
@@ -9173,14 +8398,8 @@
               <a:defRPr sz="2000"/>
             </a:pPr>
             <a:r>
-              <a:rPr dirty="0"/>
-              <a:t>.properties </a:t>
-            </a:r>
-            <a:r>
-              <a:rPr dirty="0" err="1"/>
-              <a:t>Datei</a:t>
-            </a:r>
-            <a:endParaRPr dirty="0"/>
+              <a:t>.properties Datei</a:t>
+            </a:r>
           </a:p>
         </p:txBody>
       </p:sp>
@@ -9189,12 +8408,12 @@
   <p:clrMapOvr>
     <a:masterClrMapping/>
   </p:clrMapOvr>
-  <p:transition spd="slow"/>
+  <p:transition xmlns:p14="http://schemas.microsoft.com/office/powerpoint/2010/main" spd="med" advClick="1" p14:dur="1000"/>
 </p:sld>
 </file>
 
 <file path=ppt/slides/slide9.xml><?xml version="1.0" encoding="utf-8"?>
-<p:sld xmlns:a="http://schemas.openxmlformats.org/drawingml/2006/main" xmlns:r="http://schemas.openxmlformats.org/officeDocument/2006/relationships" xmlns:p="http://schemas.openxmlformats.org/presentationml/2006/main">
+<p:sld xmlns:a="http://schemas.openxmlformats.org/drawingml/2006/main" xmlns:r="http://schemas.openxmlformats.org/officeDocument/2006/relationships" xmlns:p="http://schemas.openxmlformats.org/presentationml/2006/main" showMasterSp="1" showMasterPhAnim="1">
   <p:cSld>
     <p:spTree>
       <p:nvGrpSpPr>
@@ -9212,14 +8431,14 @@
       </p:grpSpPr>
       <p:sp>
         <p:nvSpPr>
-          <p:cNvPr id="205" name="Shape 205"/>
+          <p:cNvPr id="206" name="Shape 206"/>
           <p:cNvSpPr/>
           <p:nvPr/>
         </p:nvSpPr>
         <p:spPr>
           <a:xfrm>
             <a:off x="4038600" y="6404292"/>
-            <a:ext cx="4114800" cy="269241"/>
+            <a:ext cx="4114800" cy="269239"/>
           </a:xfrm>
           <a:prstGeom prst="rect">
             <a:avLst/>
@@ -9229,12 +8448,12 @@
           </a:ln>
           <a:extLst>
             <a:ext uri="{C572A759-6A51-4108-AA02-DFA0A04FC94B}">
-              <ma14:wrappingTextBoxFlag xmlns:ma14="http://schemas.microsoft.com/office/mac/drawingml/2011/main" xmlns="" val="1"/>
+              <ma14:wrappingTextBoxFlag xmlns:ma14="http://schemas.microsoft.com/office/mac/drawingml/2011/main" val="1"/>
             </a:ext>
           </a:extLst>
         </p:spPr>
         <p:txBody>
-          <a:bodyPr lIns="45719" rIns="45719" anchor="ctr">
+          <a:bodyPr lIns="45718" tIns="45718" rIns="45718" bIns="45718" anchor="ctr">
             <a:spAutoFit/>
           </a:bodyPr>
           <a:lstStyle>
@@ -9247,6 +8466,7 @@
             </a:lvl1pPr>
           </a:lstStyle>
           <a:p>
+            <a:pPr/>
             <a:r>
               <a:t>Mlst.-Präsentation Nr. 1  /  Gruppe 15</a:t>
             </a:r>
@@ -9255,18 +8475,16 @@
       </p:sp>
       <p:sp>
         <p:nvSpPr>
-          <p:cNvPr id="206" name="Shape 206"/>
-          <p:cNvSpPr>
-            <a:spLocks noGrp="1"/>
-          </p:cNvSpPr>
+          <p:cNvPr id="207" name="Shape 207"/>
+          <p:cNvSpPr/>
           <p:nvPr>
             <p:ph type="title"/>
           </p:nvPr>
         </p:nvSpPr>
         <p:spPr>
           <a:xfrm>
-            <a:off x="0" y="-1"/>
-            <a:ext cx="10515600" cy="720438"/>
+            <a:off x="0" y="-2"/>
+            <a:ext cx="10515600" cy="720440"/>
           </a:xfrm>
           <a:prstGeom prst="rect">
             <a:avLst/>
@@ -9276,7 +8494,7 @@
           <a:bodyPr/>
           <a:lstStyle>
             <a:lvl1pPr>
-              <a:defRPr sz="2000" b="1">
+              <a:defRPr b="1" sz="2000">
                 <a:latin typeface="Arial"/>
                 <a:ea typeface="Arial"/>
                 <a:cs typeface="Arial"/>
@@ -9285,44 +8503,10 @@
             </a:lvl1pPr>
           </a:lstStyle>
           <a:p>
+            <a:pPr/>
             <a:r>
               <a:t>	Technische Eigenheiten</a:t>
             </a:r>
-          </a:p>
-        </p:txBody>
-      </p:sp>
-      <p:sp>
-        <p:nvSpPr>
-          <p:cNvPr id="207" name="Shape 207"/>
-          <p:cNvSpPr>
-            <a:spLocks noGrp="1"/>
-          </p:cNvSpPr>
-          <p:nvPr>
-            <p:ph type="sldNum" sz="quarter" idx="2"/>
-          </p:nvPr>
-        </p:nvSpPr>
-        <p:spPr>
-          <a:xfrm>
-            <a:off x="11169739" y="6404292"/>
-            <a:ext cx="184062" cy="269241"/>
-          </a:xfrm>
-          <a:prstGeom prst="rect">
-            <a:avLst/>
-          </a:prstGeom>
-          <a:extLst>
-            <a:ext uri="{C572A759-6A51-4108-AA02-DFA0A04FC94B}">
-              <ma14:wrappingTextBoxFlag xmlns:ma14="http://schemas.microsoft.com/office/mac/drawingml/2011/main" xmlns="" val="1"/>
-            </a:ext>
-          </a:extLst>
-        </p:spPr>
-        <p:txBody>
-          <a:bodyPr/>
-          <a:lstStyle/>
-          <a:p>
-            <a:fld id="{86CB4B4D-7CA3-9044-876B-883B54F8677D}" type="slidenum">
-              <a:t>9</a:t>
-            </a:fld>
-            <a:endParaRPr/>
           </a:p>
         </p:txBody>
       </p:sp>
@@ -9330,12 +8514,43 @@
         <p:nvSpPr>
           <p:cNvPr id="208" name="Shape 208"/>
           <p:cNvSpPr/>
+          <p:nvPr>
+            <p:ph type="sldNum" sz="quarter" idx="4294967295"/>
+          </p:nvPr>
+        </p:nvSpPr>
+        <p:spPr>
+          <a:xfrm>
+            <a:off x="11169739" y="6404292"/>
+            <a:ext cx="184059" cy="269239"/>
+          </a:xfrm>
+          <a:prstGeom prst="rect">
+            <a:avLst/>
+          </a:prstGeom>
+          <a:extLst>
+            <a:ext uri="{C572A759-6A51-4108-AA02-DFA0A04FC94B}">
+              <ma14:wrappingTextBoxFlag xmlns:ma14="http://schemas.microsoft.com/office/mac/drawingml/2011/main" val="1"/>
+            </a:ext>
+          </a:extLst>
+        </p:spPr>
+        <p:txBody>
+          <a:bodyPr/>
+          <a:lstStyle/>
+          <a:p>
+            <a:pPr/>
+            <a:fld id="{86CB4B4D-7CA3-9044-876B-883B54F8677D}" type="slidenum"/>
+          </a:p>
+        </p:txBody>
+      </p:sp>
+      <p:sp>
+        <p:nvSpPr>
+          <p:cNvPr id="209" name="Shape 209"/>
+          <p:cNvSpPr/>
           <p:nvPr/>
         </p:nvSpPr>
         <p:spPr>
           <a:xfrm>
             <a:off x="-11084" y="720436"/>
-            <a:ext cx="4584002" cy="1"/>
+            <a:ext cx="4584003" cy="2"/>
           </a:xfrm>
           <a:prstGeom prst="line">
             <a:avLst/>
@@ -9347,7 +8562,7 @@
             <a:miter/>
           </a:ln>
           <a:effectLst>
-            <a:outerShdw blurRad="50800" dist="38100" dir="2700000" rotWithShape="0">
+            <a:outerShdw sx="100000" sy="100000" kx="0" ky="0" algn="b" rotWithShape="0" blurRad="50800" dist="38100" dir="2700000">
               <a:srgbClr val="000000">
                 <a:alpha val="40000"/>
               </a:srgbClr>
@@ -9355,31 +8570,33 @@
           </a:effectLst>
         </p:spPr>
         <p:txBody>
-          <a:bodyPr lIns="45719" rIns="45719"/>
+          <a:bodyPr lIns="45718" tIns="45718" rIns="45718" bIns="45718"/>
           <a:lstStyle/>
           <a:p>
-            <a:endParaRPr/>
+            <a:pPr/>
           </a:p>
         </p:txBody>
       </p:sp>
       <p:pic>
         <p:nvPicPr>
-          <p:cNvPr id="209" name="image16.png" descr="Fingerabdruck"/>
+          <p:cNvPr id="210" name="image10.png" descr="Fingerabdruck"/>
           <p:cNvPicPr>
             <a:picLocks noChangeAspect="1"/>
           </p:cNvPicPr>
           <p:nvPr/>
         </p:nvPicPr>
         <p:blipFill>
-          <a:blip r:embed="rId2"/>
+          <a:blip r:embed="rId2">
+            <a:extLst/>
+          </a:blip>
           <a:stretch>
             <a:fillRect/>
           </a:stretch>
         </p:blipFill>
         <p:spPr>
           <a:xfrm>
-            <a:off x="263999" y="86304"/>
-            <a:ext cx="547828" cy="547828"/>
+            <a:off x="263999" y="86303"/>
+            <a:ext cx="547828" cy="547829"/>
           </a:xfrm>
           <a:prstGeom prst="rect">
             <a:avLst/>
@@ -9391,14 +8608,14 @@
       </p:pic>
       <p:sp>
         <p:nvSpPr>
-          <p:cNvPr id="210" name="Shape 210"/>
+          <p:cNvPr id="211" name="Shape 211"/>
           <p:cNvSpPr/>
           <p:nvPr/>
         </p:nvSpPr>
         <p:spPr>
           <a:xfrm>
-            <a:off x="4401724" y="813884"/>
-            <a:ext cx="3774863" cy="396241"/>
+            <a:off x="4401723" y="813884"/>
+            <a:ext cx="3890823" cy="383539"/>
           </a:xfrm>
           <a:prstGeom prst="rect">
             <a:avLst/>
@@ -9408,12 +8625,12 @@
           </a:ln>
           <a:extLst>
             <a:ext uri="{C572A759-6A51-4108-AA02-DFA0A04FC94B}">
-              <ma14:wrappingTextBoxFlag xmlns:ma14="http://schemas.microsoft.com/office/mac/drawingml/2011/main" xmlns="" val="1"/>
+              <ma14:wrappingTextBoxFlag xmlns:ma14="http://schemas.microsoft.com/office/mac/drawingml/2011/main" val="1"/>
             </a:ext>
           </a:extLst>
         </p:spPr>
         <p:txBody>
-          <a:bodyPr wrap="none" lIns="45719" rIns="45719">
+          <a:bodyPr wrap="none" lIns="45718" tIns="45718" rIns="45718" bIns="45718">
             <a:spAutoFit/>
           </a:bodyPr>
           <a:lstStyle>
@@ -9425,6 +8642,7 @@
             </a:lvl1pPr>
           </a:lstStyle>
           <a:p>
+            <a:pPr/>
             <a:r>
               <a:t>log4j2.properties Datei (Beispiel)</a:t>
             </a:r>
@@ -9433,14 +8651,16 @@
       </p:sp>
       <p:pic>
         <p:nvPicPr>
-          <p:cNvPr id="211" name="Bildschirmfoto 2020-04-12 um 18.38.28.png"/>
+          <p:cNvPr id="212" name="image13.png"/>
           <p:cNvPicPr>
             <a:picLocks noChangeAspect="1"/>
           </p:cNvPicPr>
           <p:nvPr/>
         </p:nvPicPr>
         <p:blipFill>
-          <a:blip r:embed="rId3"/>
+          <a:blip r:embed="rId3">
+            <a:extLst/>
+          </a:blip>
           <a:stretch>
             <a:fillRect/>
           </a:stretch>
@@ -9448,7 +8668,7 @@
         <p:spPr>
           <a:xfrm>
             <a:off x="1485138" y="1289286"/>
-            <a:ext cx="9608036" cy="4963393"/>
+            <a:ext cx="9608037" cy="4963394"/>
           </a:xfrm>
           <a:prstGeom prst="rect">
             <a:avLst/>
@@ -9463,12 +8683,12 @@
   <p:clrMapOvr>
     <a:masterClrMapping/>
   </p:clrMapOvr>
-  <p:transition spd="slow"/>
+  <p:transition xmlns:p14="http://schemas.microsoft.com/office/powerpoint/2010/main" spd="med" advClick="1" p14:dur="1000"/>
 </p:sld>
 </file>
 
 <file path=ppt/theme/theme1.xml><?xml version="1.0" encoding="utf-8"?>
-<a:theme xmlns:a="http://schemas.openxmlformats.org/drawingml/2006/main" name="Office">
+<a:theme xmlns:a="http://schemas.openxmlformats.org/drawingml/2006/main" xmlns:r="http://schemas.openxmlformats.org/officeDocument/2006/relationships" name="Office">
   <a:themeElements>
     <a:clrScheme name="Office">
       <a:dk1>
@@ -9660,17 +8880,17 @@
         <a:solidFill>
           <a:srgbClr val="FFFFFF"/>
         </a:solidFill>
-        <a:ln w="12700" cap="flat">
+        <a:ln w="25400" cap="flat">
           <a:solidFill>
             <a:schemeClr val="accent1"/>
           </a:solidFill>
           <a:prstDash val="solid"/>
-          <a:miter lim="800000"/>
+          <a:round/>
         </a:ln>
         <a:effectLst/>
         <a:sp3d/>
       </a:spPr>
-      <a:bodyPr rot="0" spcFirstLastPara="1" vertOverflow="overflow" horzOverflow="overflow" vert="horz" wrap="square" lIns="45719" tIns="45719" rIns="45719" bIns="45719" numCol="1" spcCol="38100" rtlCol="0" anchor="ctr">
+      <a:bodyPr rot="0" spcFirstLastPara="1" vertOverflow="overflow" horzOverflow="overflow" vert="horz" wrap="square" lIns="45718" tIns="45718" rIns="45718" bIns="45718" numCol="1" spcCol="38100" rtlCol="0" anchor="ctr" upright="0">
         <a:spAutoFit/>
       </a:bodyPr>
       <a:lstStyle>
@@ -9689,7 +8909,7 @@
           <a:buFontTx/>
           <a:buNone/>
           <a:tabLst/>
-          <a:defRPr kumimoji="0" sz="1800" b="0" i="0" u="none" strike="noStrike" cap="none" spc="0" normalizeH="0" baseline="0">
+          <a:defRPr b="0" baseline="0" cap="none" i="0" spc="0" strike="noStrike" sz="1800" u="none" kumimoji="0" normalizeH="0">
             <a:ln>
               <a:noFill/>
             </a:ln>
@@ -9719,7 +8939,7 @@
           <a:buFontTx/>
           <a:buNone/>
           <a:tabLst/>
-          <a:defRPr kumimoji="0" sz="1800" b="0" i="0" u="none" strike="noStrike" cap="none" spc="0" normalizeH="0" baseline="0">
+          <a:defRPr b="0" baseline="0" cap="none" i="0" spc="0" strike="noStrike" sz="1800" u="none" kumimoji="0" normalizeH="0">
             <a:ln>
               <a:noFill/>
             </a:ln>
@@ -9745,7 +8965,7 @@
           <a:buFontTx/>
           <a:buNone/>
           <a:tabLst/>
-          <a:defRPr kumimoji="0" sz="1800" b="0" i="0" u="none" strike="noStrike" cap="none" spc="0" normalizeH="0" baseline="0">
+          <a:defRPr b="0" baseline="0" cap="none" i="0" spc="0" strike="noStrike" sz="1800" u="none" kumimoji="0" normalizeH="0">
             <a:ln>
               <a:noFill/>
             </a:ln>
@@ -9771,7 +8991,7 @@
           <a:buFontTx/>
           <a:buNone/>
           <a:tabLst/>
-          <a:defRPr kumimoji="0" sz="1800" b="0" i="0" u="none" strike="noStrike" cap="none" spc="0" normalizeH="0" baseline="0">
+          <a:defRPr b="0" baseline="0" cap="none" i="0" spc="0" strike="noStrike" sz="1800" u="none" kumimoji="0" normalizeH="0">
             <a:ln>
               <a:noFill/>
             </a:ln>
@@ -9797,7 +9017,7 @@
           <a:buFontTx/>
           <a:buNone/>
           <a:tabLst/>
-          <a:defRPr kumimoji="0" sz="1800" b="0" i="0" u="none" strike="noStrike" cap="none" spc="0" normalizeH="0" baseline="0">
+          <a:defRPr b="0" baseline="0" cap="none" i="0" spc="0" strike="noStrike" sz="1800" u="none" kumimoji="0" normalizeH="0">
             <a:ln>
               <a:noFill/>
             </a:ln>
@@ -9823,7 +9043,7 @@
           <a:buFontTx/>
           <a:buNone/>
           <a:tabLst/>
-          <a:defRPr kumimoji="0" sz="1800" b="0" i="0" u="none" strike="noStrike" cap="none" spc="0" normalizeH="0" baseline="0">
+          <a:defRPr b="0" baseline="0" cap="none" i="0" spc="0" strike="noStrike" sz="1800" u="none" kumimoji="0" normalizeH="0">
             <a:ln>
               <a:noFill/>
             </a:ln>
@@ -9849,7 +9069,7 @@
           <a:buFontTx/>
           <a:buNone/>
           <a:tabLst/>
-          <a:defRPr kumimoji="0" sz="1800" b="0" i="0" u="none" strike="noStrike" cap="none" spc="0" normalizeH="0" baseline="0">
+          <a:defRPr b="0" baseline="0" cap="none" i="0" spc="0" strike="noStrike" sz="1800" u="none" kumimoji="0" normalizeH="0">
             <a:ln>
               <a:noFill/>
             </a:ln>
@@ -9875,7 +9095,7 @@
           <a:buFontTx/>
           <a:buNone/>
           <a:tabLst/>
-          <a:defRPr kumimoji="0" sz="1800" b="0" i="0" u="none" strike="noStrike" cap="none" spc="0" normalizeH="0" baseline="0">
+          <a:defRPr b="0" baseline="0" cap="none" i="0" spc="0" strike="noStrike" sz="1800" u="none" kumimoji="0" normalizeH="0">
             <a:ln>
               <a:noFill/>
             </a:ln>
@@ -9901,7 +9121,7 @@
           <a:buFontTx/>
           <a:buNone/>
           <a:tabLst/>
-          <a:defRPr kumimoji="0" sz="1800" b="0" i="0" u="none" strike="noStrike" cap="none" spc="0" normalizeH="0" baseline="0">
+          <a:defRPr b="0" baseline="0" cap="none" i="0" spc="0" strike="noStrike" sz="1800" u="none" kumimoji="0" normalizeH="0">
             <a:ln>
               <a:noFill/>
             </a:ln>
@@ -9927,7 +9147,7 @@
           <a:buFontTx/>
           <a:buNone/>
           <a:tabLst/>
-          <a:defRPr kumimoji="0" sz="1800" b="0" i="0" u="none" strike="noStrike" cap="none" spc="0" normalizeH="0" baseline="0">
+          <a:defRPr b="0" baseline="0" cap="none" i="0" spc="0" strike="noStrike" sz="1800" u="none" kumimoji="0" normalizeH="0">
             <a:ln>
               <a:noFill/>
             </a:ln>
@@ -9940,32 +9160,26 @@
         </a:lvl9pPr>
       </a:lstStyle>
       <a:style>
-        <a:lnRef idx="0">
-          <a:scrgbClr r="0" g="0" b="0"/>
-        </a:lnRef>
-        <a:fillRef idx="0">
-          <a:scrgbClr r="0" g="0" b="0"/>
-        </a:fillRef>
-        <a:effectRef idx="0">
-          <a:scrgbClr r="0" g="0" b="0"/>
-        </a:effectRef>
+        <a:lnRef idx="0"/>
+        <a:fillRef idx="0"/>
+        <a:effectRef idx="0"/>
         <a:fontRef idx="none"/>
       </a:style>
     </a:spDef>
     <a:lnDef>
       <a:spPr>
         <a:noFill/>
-        <a:ln w="12700" cap="flat">
+        <a:ln w="25400" cap="flat">
           <a:solidFill>
             <a:schemeClr val="accent1"/>
           </a:solidFill>
           <a:prstDash val="solid"/>
-          <a:miter lim="800000"/>
+          <a:round/>
         </a:ln>
         <a:effectLst/>
         <a:sp3d/>
       </a:spPr>
-      <a:bodyPr rot="0" spcFirstLastPara="1" vertOverflow="overflow" horzOverflow="overflow" vert="horz" wrap="square" lIns="91439" tIns="45719" rIns="91439" bIns="45719" numCol="1" spcCol="38100" rtlCol="0" anchor="t">
+      <a:bodyPr rot="0" spcFirstLastPara="1" vertOverflow="overflow" horzOverflow="overflow" vert="horz" wrap="square" lIns="91439" tIns="45719" rIns="91439" bIns="45719" numCol="1" spcCol="38100" rtlCol="0" anchor="t" upright="0">
         <a:noAutofit/>
       </a:bodyPr>
       <a:lstStyle>
@@ -9984,7 +9198,7 @@
           <a:buFontTx/>
           <a:buNone/>
           <a:tabLst/>
-          <a:defRPr kumimoji="0" sz="1800" b="0" i="0" u="none" strike="noStrike" cap="none" spc="0" normalizeH="0" baseline="0">
+          <a:defRPr b="0" baseline="0" cap="none" i="0" spc="0" strike="noStrike" sz="1800" u="none" kumimoji="0" normalizeH="0">
             <a:ln>
               <a:noFill/>
             </a:ln>
@@ -10010,7 +9224,7 @@
           <a:buFontTx/>
           <a:buNone/>
           <a:tabLst/>
-          <a:defRPr kumimoji="0" sz="1800" b="0" i="0" u="none" strike="noStrike" cap="none" spc="0" normalizeH="0" baseline="0">
+          <a:defRPr b="0" baseline="0" cap="none" i="0" spc="0" strike="noStrike" sz="1800" u="none" kumimoji="0" normalizeH="0">
             <a:ln>
               <a:noFill/>
             </a:ln>
@@ -10036,7 +9250,7 @@
           <a:buFontTx/>
           <a:buNone/>
           <a:tabLst/>
-          <a:defRPr kumimoji="0" sz="1800" b="0" i="0" u="none" strike="noStrike" cap="none" spc="0" normalizeH="0" baseline="0">
+          <a:defRPr b="0" baseline="0" cap="none" i="0" spc="0" strike="noStrike" sz="1800" u="none" kumimoji="0" normalizeH="0">
             <a:ln>
               <a:noFill/>
             </a:ln>
@@ -10062,7 +9276,7 @@
           <a:buFontTx/>
           <a:buNone/>
           <a:tabLst/>
-          <a:defRPr kumimoji="0" sz="1800" b="0" i="0" u="none" strike="noStrike" cap="none" spc="0" normalizeH="0" baseline="0">
+          <a:defRPr b="0" baseline="0" cap="none" i="0" spc="0" strike="noStrike" sz="1800" u="none" kumimoji="0" normalizeH="0">
             <a:ln>
               <a:noFill/>
             </a:ln>
@@ -10088,7 +9302,7 @@
           <a:buFontTx/>
           <a:buNone/>
           <a:tabLst/>
-          <a:defRPr kumimoji="0" sz="1800" b="0" i="0" u="none" strike="noStrike" cap="none" spc="0" normalizeH="0" baseline="0">
+          <a:defRPr b="0" baseline="0" cap="none" i="0" spc="0" strike="noStrike" sz="1800" u="none" kumimoji="0" normalizeH="0">
             <a:ln>
               <a:noFill/>
             </a:ln>
@@ -10114,7 +9328,7 @@
           <a:buFontTx/>
           <a:buNone/>
           <a:tabLst/>
-          <a:defRPr kumimoji="0" sz="1800" b="0" i="0" u="none" strike="noStrike" cap="none" spc="0" normalizeH="0" baseline="0">
+          <a:defRPr b="0" baseline="0" cap="none" i="0" spc="0" strike="noStrike" sz="1800" u="none" kumimoji="0" normalizeH="0">
             <a:ln>
               <a:noFill/>
             </a:ln>
@@ -10140,7 +9354,7 @@
           <a:buFontTx/>
           <a:buNone/>
           <a:tabLst/>
-          <a:defRPr kumimoji="0" sz="1800" b="0" i="0" u="none" strike="noStrike" cap="none" spc="0" normalizeH="0" baseline="0">
+          <a:defRPr b="0" baseline="0" cap="none" i="0" spc="0" strike="noStrike" sz="1800" u="none" kumimoji="0" normalizeH="0">
             <a:ln>
               <a:noFill/>
             </a:ln>
@@ -10166,7 +9380,7 @@
           <a:buFontTx/>
           <a:buNone/>
           <a:tabLst/>
-          <a:defRPr kumimoji="0" sz="1800" b="0" i="0" u="none" strike="noStrike" cap="none" spc="0" normalizeH="0" baseline="0">
+          <a:defRPr b="0" baseline="0" cap="none" i="0" spc="0" strike="noStrike" sz="1800" u="none" kumimoji="0" normalizeH="0">
             <a:ln>
               <a:noFill/>
             </a:ln>
@@ -10192,7 +9406,7 @@
           <a:buFontTx/>
           <a:buNone/>
           <a:tabLst/>
-          <a:defRPr kumimoji="0" sz="1800" b="0" i="0" u="none" strike="noStrike" cap="none" spc="0" normalizeH="0" baseline="0">
+          <a:defRPr b="0" baseline="0" cap="none" i="0" spc="0" strike="noStrike" sz="1800" u="none" kumimoji="0" normalizeH="0">
             <a:ln>
               <a:noFill/>
             </a:ln>
@@ -10218,7 +9432,7 @@
           <a:buFontTx/>
           <a:buNone/>
           <a:tabLst/>
-          <a:defRPr kumimoji="0" sz="1800" b="0" i="0" u="none" strike="noStrike" cap="none" spc="0" normalizeH="0" baseline="0">
+          <a:defRPr b="0" baseline="0" cap="none" i="0" spc="0" strike="noStrike" sz="1800" u="none" kumimoji="0" normalizeH="0">
             <a:ln>
               <a:noFill/>
             </a:ln>
@@ -10231,15 +9445,9 @@
         </a:lvl9pPr>
       </a:lstStyle>
       <a:style>
-        <a:lnRef idx="0">
-          <a:scrgbClr r="0" g="0" b="0"/>
-        </a:lnRef>
-        <a:fillRef idx="0">
-          <a:scrgbClr r="0" g="0" b="0"/>
-        </a:fillRef>
-        <a:effectRef idx="0">
-          <a:scrgbClr r="0" g="0" b="0"/>
-        </a:effectRef>
+        <a:lnRef idx="0"/>
+        <a:fillRef idx="0"/>
+        <a:effectRef idx="0"/>
         <a:fontRef idx="none"/>
       </a:style>
     </a:lnDef>
@@ -10253,7 +9461,7 @@
         <a:effectLst/>
         <a:sp3d/>
       </a:spPr>
-      <a:bodyPr rot="0" spcFirstLastPara="1" vertOverflow="overflow" horzOverflow="overflow" vert="horz" wrap="square" lIns="45719" tIns="45719" rIns="45719" bIns="45719" numCol="1" spcCol="38100" rtlCol="0" anchor="t">
+      <a:bodyPr rot="0" spcFirstLastPara="1" vertOverflow="overflow" horzOverflow="overflow" vert="horz" wrap="square" lIns="45718" tIns="45718" rIns="45718" bIns="45718" numCol="1" spcCol="38100" rtlCol="0" anchor="t" upright="0">
         <a:spAutoFit/>
       </a:bodyPr>
       <a:lstStyle>
@@ -10272,7 +9480,7 @@
           <a:buFontTx/>
           <a:buNone/>
           <a:tabLst/>
-          <a:defRPr kumimoji="0" sz="1800" b="0" i="0" u="none" strike="noStrike" cap="none" spc="0" normalizeH="0" baseline="0">
+          <a:defRPr b="0" baseline="0" cap="none" i="0" spc="0" strike="noStrike" sz="1800" u="none" kumimoji="0" normalizeH="0">
             <a:ln>
               <a:noFill/>
             </a:ln>
@@ -10302,7 +9510,7 @@
           <a:buFontTx/>
           <a:buNone/>
           <a:tabLst/>
-          <a:defRPr kumimoji="0" sz="1800" b="0" i="0" u="none" strike="noStrike" cap="none" spc="0" normalizeH="0" baseline="0">
+          <a:defRPr b="0" baseline="0" cap="none" i="0" spc="0" strike="noStrike" sz="1800" u="none" kumimoji="0" normalizeH="0">
             <a:ln>
               <a:noFill/>
             </a:ln>
@@ -10328,7 +9536,7 @@
           <a:buFontTx/>
           <a:buNone/>
           <a:tabLst/>
-          <a:defRPr kumimoji="0" sz="1800" b="0" i="0" u="none" strike="noStrike" cap="none" spc="0" normalizeH="0" baseline="0">
+          <a:defRPr b="0" baseline="0" cap="none" i="0" spc="0" strike="noStrike" sz="1800" u="none" kumimoji="0" normalizeH="0">
             <a:ln>
               <a:noFill/>
             </a:ln>
@@ -10354,7 +9562,7 @@
           <a:buFontTx/>
           <a:buNone/>
           <a:tabLst/>
-          <a:defRPr kumimoji="0" sz="1800" b="0" i="0" u="none" strike="noStrike" cap="none" spc="0" normalizeH="0" baseline="0">
+          <a:defRPr b="0" baseline="0" cap="none" i="0" spc="0" strike="noStrike" sz="1800" u="none" kumimoji="0" normalizeH="0">
             <a:ln>
               <a:noFill/>
             </a:ln>
@@ -10380,7 +9588,7 @@
           <a:buFontTx/>
           <a:buNone/>
           <a:tabLst/>
-          <a:defRPr kumimoji="0" sz="1800" b="0" i="0" u="none" strike="noStrike" cap="none" spc="0" normalizeH="0" baseline="0">
+          <a:defRPr b="0" baseline="0" cap="none" i="0" spc="0" strike="noStrike" sz="1800" u="none" kumimoji="0" normalizeH="0">
             <a:ln>
               <a:noFill/>
             </a:ln>
@@ -10406,7 +9614,7 @@
           <a:buFontTx/>
           <a:buNone/>
           <a:tabLst/>
-          <a:defRPr kumimoji="0" sz="1800" b="0" i="0" u="none" strike="noStrike" cap="none" spc="0" normalizeH="0" baseline="0">
+          <a:defRPr b="0" baseline="0" cap="none" i="0" spc="0" strike="noStrike" sz="1800" u="none" kumimoji="0" normalizeH="0">
             <a:ln>
               <a:noFill/>
             </a:ln>
@@ -10432,7 +9640,7 @@
           <a:buFontTx/>
           <a:buNone/>
           <a:tabLst/>
-          <a:defRPr kumimoji="0" sz="1800" b="0" i="0" u="none" strike="noStrike" cap="none" spc="0" normalizeH="0" baseline="0">
+          <a:defRPr b="0" baseline="0" cap="none" i="0" spc="0" strike="noStrike" sz="1800" u="none" kumimoji="0" normalizeH="0">
             <a:ln>
               <a:noFill/>
             </a:ln>
@@ -10458,7 +9666,7 @@
           <a:buFontTx/>
           <a:buNone/>
           <a:tabLst/>
-          <a:defRPr kumimoji="0" sz="1800" b="0" i="0" u="none" strike="noStrike" cap="none" spc="0" normalizeH="0" baseline="0">
+          <a:defRPr b="0" baseline="0" cap="none" i="0" spc="0" strike="noStrike" sz="1800" u="none" kumimoji="0" normalizeH="0">
             <a:ln>
               <a:noFill/>
             </a:ln>
@@ -10484,7 +9692,7 @@
           <a:buFontTx/>
           <a:buNone/>
           <a:tabLst/>
-          <a:defRPr kumimoji="0" sz="1800" b="0" i="0" u="none" strike="noStrike" cap="none" spc="0" normalizeH="0" baseline="0">
+          <a:defRPr b="0" baseline="0" cap="none" i="0" spc="0" strike="noStrike" sz="1800" u="none" kumimoji="0" normalizeH="0">
             <a:ln>
               <a:noFill/>
             </a:ln>
@@ -10510,7 +9718,7 @@
           <a:buFontTx/>
           <a:buNone/>
           <a:tabLst/>
-          <a:defRPr kumimoji="0" sz="1800" b="0" i="0" u="none" strike="noStrike" cap="none" spc="0" normalizeH="0" baseline="0">
+          <a:defRPr b="0" baseline="0" cap="none" i="0" spc="0" strike="noStrike" sz="1800" u="none" kumimoji="0" normalizeH="0">
             <a:ln>
               <a:noFill/>
             </a:ln>
@@ -10523,25 +9731,18 @@
         </a:lvl9pPr>
       </a:lstStyle>
       <a:style>
-        <a:lnRef idx="0">
-          <a:scrgbClr r="0" g="0" b="0"/>
-        </a:lnRef>
-        <a:fillRef idx="0">
-          <a:scrgbClr r="0" g="0" b="0"/>
-        </a:fillRef>
-        <a:effectRef idx="0">
-          <a:scrgbClr r="0" g="0" b="0"/>
-        </a:effectRef>
+        <a:lnRef idx="0"/>
+        <a:fillRef idx="0"/>
+        <a:effectRef idx="0"/>
         <a:fontRef idx="none"/>
       </a:style>
     </a:txDef>
   </a:objectDefaults>
-  <a:extraClrSchemeLst/>
 </a:theme>
 </file>
 
 <file path=ppt/theme/theme2.xml><?xml version="1.0" encoding="utf-8"?>
-<a:theme xmlns:a="http://schemas.openxmlformats.org/drawingml/2006/main" name="Office">
+<a:theme xmlns:a="http://schemas.openxmlformats.org/drawingml/2006/main" xmlns:r="http://schemas.openxmlformats.org/officeDocument/2006/relationships" name="Office">
   <a:themeElements>
     <a:clrScheme name="Office">
       <a:dk1>
@@ -10733,17 +9934,17 @@
         <a:solidFill>
           <a:srgbClr val="FFFFFF"/>
         </a:solidFill>
-        <a:ln w="12700" cap="flat">
+        <a:ln w="25400" cap="flat">
           <a:solidFill>
             <a:schemeClr val="accent1"/>
           </a:solidFill>
           <a:prstDash val="solid"/>
-          <a:miter lim="800000"/>
+          <a:round/>
         </a:ln>
         <a:effectLst/>
         <a:sp3d/>
       </a:spPr>
-      <a:bodyPr rot="0" spcFirstLastPara="1" vertOverflow="overflow" horzOverflow="overflow" vert="horz" wrap="square" lIns="45719" tIns="45719" rIns="45719" bIns="45719" numCol="1" spcCol="38100" rtlCol="0" anchor="ctr">
+      <a:bodyPr rot="0" spcFirstLastPara="1" vertOverflow="overflow" horzOverflow="overflow" vert="horz" wrap="square" lIns="45718" tIns="45718" rIns="45718" bIns="45718" numCol="1" spcCol="38100" rtlCol="0" anchor="ctr" upright="0">
         <a:spAutoFit/>
       </a:bodyPr>
       <a:lstStyle>
@@ -10762,7 +9963,7 @@
           <a:buFontTx/>
           <a:buNone/>
           <a:tabLst/>
-          <a:defRPr kumimoji="0" sz="1800" b="0" i="0" u="none" strike="noStrike" cap="none" spc="0" normalizeH="0" baseline="0">
+          <a:defRPr b="0" baseline="0" cap="none" i="0" spc="0" strike="noStrike" sz="1800" u="none" kumimoji="0" normalizeH="0">
             <a:ln>
               <a:noFill/>
             </a:ln>
@@ -10792,7 +9993,7 @@
           <a:buFontTx/>
           <a:buNone/>
           <a:tabLst/>
-          <a:defRPr kumimoji="0" sz="1800" b="0" i="0" u="none" strike="noStrike" cap="none" spc="0" normalizeH="0" baseline="0">
+          <a:defRPr b="0" baseline="0" cap="none" i="0" spc="0" strike="noStrike" sz="1800" u="none" kumimoji="0" normalizeH="0">
             <a:ln>
               <a:noFill/>
             </a:ln>
@@ -10818,7 +10019,7 @@
           <a:buFontTx/>
           <a:buNone/>
           <a:tabLst/>
-          <a:defRPr kumimoji="0" sz="1800" b="0" i="0" u="none" strike="noStrike" cap="none" spc="0" normalizeH="0" baseline="0">
+          <a:defRPr b="0" baseline="0" cap="none" i="0" spc="0" strike="noStrike" sz="1800" u="none" kumimoji="0" normalizeH="0">
             <a:ln>
               <a:noFill/>
             </a:ln>
@@ -10844,7 +10045,7 @@
           <a:buFontTx/>
           <a:buNone/>
           <a:tabLst/>
-          <a:defRPr kumimoji="0" sz="1800" b="0" i="0" u="none" strike="noStrike" cap="none" spc="0" normalizeH="0" baseline="0">
+          <a:defRPr b="0" baseline="0" cap="none" i="0" spc="0" strike="noStrike" sz="1800" u="none" kumimoji="0" normalizeH="0">
             <a:ln>
               <a:noFill/>
             </a:ln>
@@ -10870,7 +10071,7 @@
           <a:buFontTx/>
           <a:buNone/>
           <a:tabLst/>
-          <a:defRPr kumimoji="0" sz="1800" b="0" i="0" u="none" strike="noStrike" cap="none" spc="0" normalizeH="0" baseline="0">
+          <a:defRPr b="0" baseline="0" cap="none" i="0" spc="0" strike="noStrike" sz="1800" u="none" kumimoji="0" normalizeH="0">
             <a:ln>
               <a:noFill/>
             </a:ln>
@@ -10896,7 +10097,7 @@
           <a:buFontTx/>
           <a:buNone/>
           <a:tabLst/>
-          <a:defRPr kumimoji="0" sz="1800" b="0" i="0" u="none" strike="noStrike" cap="none" spc="0" normalizeH="0" baseline="0">
+          <a:defRPr b="0" baseline="0" cap="none" i="0" spc="0" strike="noStrike" sz="1800" u="none" kumimoji="0" normalizeH="0">
             <a:ln>
               <a:noFill/>
             </a:ln>
@@ -10922,7 +10123,7 @@
           <a:buFontTx/>
           <a:buNone/>
           <a:tabLst/>
-          <a:defRPr kumimoji="0" sz="1800" b="0" i="0" u="none" strike="noStrike" cap="none" spc="0" normalizeH="0" baseline="0">
+          <a:defRPr b="0" baseline="0" cap="none" i="0" spc="0" strike="noStrike" sz="1800" u="none" kumimoji="0" normalizeH="0">
             <a:ln>
               <a:noFill/>
             </a:ln>
@@ -10948,7 +10149,7 @@
           <a:buFontTx/>
           <a:buNone/>
           <a:tabLst/>
-          <a:defRPr kumimoji="0" sz="1800" b="0" i="0" u="none" strike="noStrike" cap="none" spc="0" normalizeH="0" baseline="0">
+          <a:defRPr b="0" baseline="0" cap="none" i="0" spc="0" strike="noStrike" sz="1800" u="none" kumimoji="0" normalizeH="0">
             <a:ln>
               <a:noFill/>
             </a:ln>
@@ -10974,7 +10175,7 @@
           <a:buFontTx/>
           <a:buNone/>
           <a:tabLst/>
-          <a:defRPr kumimoji="0" sz="1800" b="0" i="0" u="none" strike="noStrike" cap="none" spc="0" normalizeH="0" baseline="0">
+          <a:defRPr b="0" baseline="0" cap="none" i="0" spc="0" strike="noStrike" sz="1800" u="none" kumimoji="0" normalizeH="0">
             <a:ln>
               <a:noFill/>
             </a:ln>
@@ -11000,7 +10201,7 @@
           <a:buFontTx/>
           <a:buNone/>
           <a:tabLst/>
-          <a:defRPr kumimoji="0" sz="1800" b="0" i="0" u="none" strike="noStrike" cap="none" spc="0" normalizeH="0" baseline="0">
+          <a:defRPr b="0" baseline="0" cap="none" i="0" spc="0" strike="noStrike" sz="1800" u="none" kumimoji="0" normalizeH="0">
             <a:ln>
               <a:noFill/>
             </a:ln>
@@ -11013,32 +10214,26 @@
         </a:lvl9pPr>
       </a:lstStyle>
       <a:style>
-        <a:lnRef idx="0">
-          <a:scrgbClr r="0" g="0" b="0"/>
-        </a:lnRef>
-        <a:fillRef idx="0">
-          <a:scrgbClr r="0" g="0" b="0"/>
-        </a:fillRef>
-        <a:effectRef idx="0">
-          <a:scrgbClr r="0" g="0" b="0"/>
-        </a:effectRef>
+        <a:lnRef idx="0"/>
+        <a:fillRef idx="0"/>
+        <a:effectRef idx="0"/>
         <a:fontRef idx="none"/>
       </a:style>
     </a:spDef>
     <a:lnDef>
       <a:spPr>
         <a:noFill/>
-        <a:ln w="12700" cap="flat">
+        <a:ln w="25400" cap="flat">
           <a:solidFill>
             <a:schemeClr val="accent1"/>
           </a:solidFill>
           <a:prstDash val="solid"/>
-          <a:miter lim="800000"/>
+          <a:round/>
         </a:ln>
         <a:effectLst/>
         <a:sp3d/>
       </a:spPr>
-      <a:bodyPr rot="0" spcFirstLastPara="1" vertOverflow="overflow" horzOverflow="overflow" vert="horz" wrap="square" lIns="91439" tIns="45719" rIns="91439" bIns="45719" numCol="1" spcCol="38100" rtlCol="0" anchor="t">
+      <a:bodyPr rot="0" spcFirstLastPara="1" vertOverflow="overflow" horzOverflow="overflow" vert="horz" wrap="square" lIns="91439" tIns="45719" rIns="91439" bIns="45719" numCol="1" spcCol="38100" rtlCol="0" anchor="t" upright="0">
         <a:noAutofit/>
       </a:bodyPr>
       <a:lstStyle>
@@ -11057,7 +10252,7 @@
           <a:buFontTx/>
           <a:buNone/>
           <a:tabLst/>
-          <a:defRPr kumimoji="0" sz="1800" b="0" i="0" u="none" strike="noStrike" cap="none" spc="0" normalizeH="0" baseline="0">
+          <a:defRPr b="0" baseline="0" cap="none" i="0" spc="0" strike="noStrike" sz="1800" u="none" kumimoji="0" normalizeH="0">
             <a:ln>
               <a:noFill/>
             </a:ln>
@@ -11083,7 +10278,7 @@
           <a:buFontTx/>
           <a:buNone/>
           <a:tabLst/>
-          <a:defRPr kumimoji="0" sz="1800" b="0" i="0" u="none" strike="noStrike" cap="none" spc="0" normalizeH="0" baseline="0">
+          <a:defRPr b="0" baseline="0" cap="none" i="0" spc="0" strike="noStrike" sz="1800" u="none" kumimoji="0" normalizeH="0">
             <a:ln>
               <a:noFill/>
             </a:ln>
@@ -11109,7 +10304,7 @@
           <a:buFontTx/>
           <a:buNone/>
           <a:tabLst/>
-          <a:defRPr kumimoji="0" sz="1800" b="0" i="0" u="none" strike="noStrike" cap="none" spc="0" normalizeH="0" baseline="0">
+          <a:defRPr b="0" baseline="0" cap="none" i="0" spc="0" strike="noStrike" sz="1800" u="none" kumimoji="0" normalizeH="0">
             <a:ln>
               <a:noFill/>
             </a:ln>
@@ -11135,7 +10330,7 @@
           <a:buFontTx/>
           <a:buNone/>
           <a:tabLst/>
-          <a:defRPr kumimoji="0" sz="1800" b="0" i="0" u="none" strike="noStrike" cap="none" spc="0" normalizeH="0" baseline="0">
+          <a:defRPr b="0" baseline="0" cap="none" i="0" spc="0" strike="noStrike" sz="1800" u="none" kumimoji="0" normalizeH="0">
             <a:ln>
               <a:noFill/>
             </a:ln>
@@ -11161,7 +10356,7 @@
           <a:buFontTx/>
           <a:buNone/>
           <a:tabLst/>
-          <a:defRPr kumimoji="0" sz="1800" b="0" i="0" u="none" strike="noStrike" cap="none" spc="0" normalizeH="0" baseline="0">
+          <a:defRPr b="0" baseline="0" cap="none" i="0" spc="0" strike="noStrike" sz="1800" u="none" kumimoji="0" normalizeH="0">
             <a:ln>
               <a:noFill/>
             </a:ln>
@@ -11187,7 +10382,7 @@
           <a:buFontTx/>
           <a:buNone/>
           <a:tabLst/>
-          <a:defRPr kumimoji="0" sz="1800" b="0" i="0" u="none" strike="noStrike" cap="none" spc="0" normalizeH="0" baseline="0">
+          <a:defRPr b="0" baseline="0" cap="none" i="0" spc="0" strike="noStrike" sz="1800" u="none" kumimoji="0" normalizeH="0">
             <a:ln>
               <a:noFill/>
             </a:ln>
@@ -11213,7 +10408,7 @@
           <a:buFontTx/>
           <a:buNone/>
           <a:tabLst/>
-          <a:defRPr kumimoji="0" sz="1800" b="0" i="0" u="none" strike="noStrike" cap="none" spc="0" normalizeH="0" baseline="0">
+          <a:defRPr b="0" baseline="0" cap="none" i="0" spc="0" strike="noStrike" sz="1800" u="none" kumimoji="0" normalizeH="0">
             <a:ln>
               <a:noFill/>
             </a:ln>
@@ -11239,7 +10434,7 @@
           <a:buFontTx/>
           <a:buNone/>
           <a:tabLst/>
-          <a:defRPr kumimoji="0" sz="1800" b="0" i="0" u="none" strike="noStrike" cap="none" spc="0" normalizeH="0" baseline="0">
+          <a:defRPr b="0" baseline="0" cap="none" i="0" spc="0" strike="noStrike" sz="1800" u="none" kumimoji="0" normalizeH="0">
             <a:ln>
               <a:noFill/>
             </a:ln>
@@ -11265,7 +10460,7 @@
           <a:buFontTx/>
           <a:buNone/>
           <a:tabLst/>
-          <a:defRPr kumimoji="0" sz="1800" b="0" i="0" u="none" strike="noStrike" cap="none" spc="0" normalizeH="0" baseline="0">
+          <a:defRPr b="0" baseline="0" cap="none" i="0" spc="0" strike="noStrike" sz="1800" u="none" kumimoji="0" normalizeH="0">
             <a:ln>
               <a:noFill/>
             </a:ln>
@@ -11291,7 +10486,7 @@
           <a:buFontTx/>
           <a:buNone/>
           <a:tabLst/>
-          <a:defRPr kumimoji="0" sz="1800" b="0" i="0" u="none" strike="noStrike" cap="none" spc="0" normalizeH="0" baseline="0">
+          <a:defRPr b="0" baseline="0" cap="none" i="0" spc="0" strike="noStrike" sz="1800" u="none" kumimoji="0" normalizeH="0">
             <a:ln>
               <a:noFill/>
             </a:ln>
@@ -11304,15 +10499,9 @@
         </a:lvl9pPr>
       </a:lstStyle>
       <a:style>
-        <a:lnRef idx="0">
-          <a:scrgbClr r="0" g="0" b="0"/>
-        </a:lnRef>
-        <a:fillRef idx="0">
-          <a:scrgbClr r="0" g="0" b="0"/>
-        </a:fillRef>
-        <a:effectRef idx="0">
-          <a:scrgbClr r="0" g="0" b="0"/>
-        </a:effectRef>
+        <a:lnRef idx="0"/>
+        <a:fillRef idx="0"/>
+        <a:effectRef idx="0"/>
         <a:fontRef idx="none"/>
       </a:style>
     </a:lnDef>
@@ -11326,7 +10515,7 @@
         <a:effectLst/>
         <a:sp3d/>
       </a:spPr>
-      <a:bodyPr rot="0" spcFirstLastPara="1" vertOverflow="overflow" horzOverflow="overflow" vert="horz" wrap="square" lIns="45719" tIns="45719" rIns="45719" bIns="45719" numCol="1" spcCol="38100" rtlCol="0" anchor="t">
+      <a:bodyPr rot="0" spcFirstLastPara="1" vertOverflow="overflow" horzOverflow="overflow" vert="horz" wrap="square" lIns="45718" tIns="45718" rIns="45718" bIns="45718" numCol="1" spcCol="38100" rtlCol="0" anchor="t" upright="0">
         <a:spAutoFit/>
       </a:bodyPr>
       <a:lstStyle>
@@ -11345,7 +10534,7 @@
           <a:buFontTx/>
           <a:buNone/>
           <a:tabLst/>
-          <a:defRPr kumimoji="0" sz="1800" b="0" i="0" u="none" strike="noStrike" cap="none" spc="0" normalizeH="0" baseline="0">
+          <a:defRPr b="0" baseline="0" cap="none" i="0" spc="0" strike="noStrike" sz="1800" u="none" kumimoji="0" normalizeH="0">
             <a:ln>
               <a:noFill/>
             </a:ln>
@@ -11375,7 +10564,7 @@
           <a:buFontTx/>
           <a:buNone/>
           <a:tabLst/>
-          <a:defRPr kumimoji="0" sz="1800" b="0" i="0" u="none" strike="noStrike" cap="none" spc="0" normalizeH="0" baseline="0">
+          <a:defRPr b="0" baseline="0" cap="none" i="0" spc="0" strike="noStrike" sz="1800" u="none" kumimoji="0" normalizeH="0">
             <a:ln>
               <a:noFill/>
             </a:ln>
@@ -11401,7 +10590,7 @@
           <a:buFontTx/>
           <a:buNone/>
           <a:tabLst/>
-          <a:defRPr kumimoji="0" sz="1800" b="0" i="0" u="none" strike="noStrike" cap="none" spc="0" normalizeH="0" baseline="0">
+          <a:defRPr b="0" baseline="0" cap="none" i="0" spc="0" strike="noStrike" sz="1800" u="none" kumimoji="0" normalizeH="0">
             <a:ln>
               <a:noFill/>
             </a:ln>
@@ -11427,7 +10616,7 @@
           <a:buFontTx/>
           <a:buNone/>
           <a:tabLst/>
-          <a:defRPr kumimoji="0" sz="1800" b="0" i="0" u="none" strike="noStrike" cap="none" spc="0" normalizeH="0" baseline="0">
+          <a:defRPr b="0" baseline="0" cap="none" i="0" spc="0" strike="noStrike" sz="1800" u="none" kumimoji="0" normalizeH="0">
             <a:ln>
               <a:noFill/>
             </a:ln>
@@ -11453,7 +10642,7 @@
           <a:buFontTx/>
           <a:buNone/>
           <a:tabLst/>
-          <a:defRPr kumimoji="0" sz="1800" b="0" i="0" u="none" strike="noStrike" cap="none" spc="0" normalizeH="0" baseline="0">
+          <a:defRPr b="0" baseline="0" cap="none" i="0" spc="0" strike="noStrike" sz="1800" u="none" kumimoji="0" normalizeH="0">
             <a:ln>
               <a:noFill/>
             </a:ln>
@@ -11479,7 +10668,7 @@
           <a:buFontTx/>
           <a:buNone/>
           <a:tabLst/>
-          <a:defRPr kumimoji="0" sz="1800" b="0" i="0" u="none" strike="noStrike" cap="none" spc="0" normalizeH="0" baseline="0">
+          <a:defRPr b="0" baseline="0" cap="none" i="0" spc="0" strike="noStrike" sz="1800" u="none" kumimoji="0" normalizeH="0">
             <a:ln>
               <a:noFill/>
             </a:ln>
@@ -11505,7 +10694,7 @@
           <a:buFontTx/>
           <a:buNone/>
           <a:tabLst/>
-          <a:defRPr kumimoji="0" sz="1800" b="0" i="0" u="none" strike="noStrike" cap="none" spc="0" normalizeH="0" baseline="0">
+          <a:defRPr b="0" baseline="0" cap="none" i="0" spc="0" strike="noStrike" sz="1800" u="none" kumimoji="0" normalizeH="0">
             <a:ln>
               <a:noFill/>
             </a:ln>
@@ -11531,7 +10720,7 @@
           <a:buFontTx/>
           <a:buNone/>
           <a:tabLst/>
-          <a:defRPr kumimoji="0" sz="1800" b="0" i="0" u="none" strike="noStrike" cap="none" spc="0" normalizeH="0" baseline="0">
+          <a:defRPr b="0" baseline="0" cap="none" i="0" spc="0" strike="noStrike" sz="1800" u="none" kumimoji="0" normalizeH="0">
             <a:ln>
               <a:noFill/>
             </a:ln>
@@ -11557,7 +10746,7 @@
           <a:buFontTx/>
           <a:buNone/>
           <a:tabLst/>
-          <a:defRPr kumimoji="0" sz="1800" b="0" i="0" u="none" strike="noStrike" cap="none" spc="0" normalizeH="0" baseline="0">
+          <a:defRPr b="0" baseline="0" cap="none" i="0" spc="0" strike="noStrike" sz="1800" u="none" kumimoji="0" normalizeH="0">
             <a:ln>
               <a:noFill/>
             </a:ln>
@@ -11583,7 +10772,7 @@
           <a:buFontTx/>
           <a:buNone/>
           <a:tabLst/>
-          <a:defRPr kumimoji="0" sz="1800" b="0" i="0" u="none" strike="noStrike" cap="none" spc="0" normalizeH="0" baseline="0">
+          <a:defRPr b="0" baseline="0" cap="none" i="0" spc="0" strike="noStrike" sz="1800" u="none" kumimoji="0" normalizeH="0">
             <a:ln>
               <a:noFill/>
             </a:ln>
@@ -11596,19 +10785,12 @@
         </a:lvl9pPr>
       </a:lstStyle>
       <a:style>
-        <a:lnRef idx="0">
-          <a:scrgbClr r="0" g="0" b="0"/>
-        </a:lnRef>
-        <a:fillRef idx="0">
-          <a:scrgbClr r="0" g="0" b="0"/>
-        </a:fillRef>
-        <a:effectRef idx="0">
-          <a:scrgbClr r="0" g="0" b="0"/>
-        </a:effectRef>
+        <a:lnRef idx="0"/>
+        <a:fillRef idx="0"/>
+        <a:effectRef idx="0"/>
         <a:fontRef idx="none"/>
       </a:style>
     </a:txDef>
   </a:objectDefaults>
-  <a:extraClrSchemeLst/>
 </a:theme>
 </file>
--- a/00_General/Presentation/MS 3/Presentation_Milestone_iii_Master.pptx
+++ b/00_General/Presentation/MS 3/Presentation_Milestone_iii_Master.pptx
@@ -2,25 +2,25 @@
 <file path=ppt/presentation.xml><?xml version="1.0" encoding="utf-8"?>
 <p:presentation xmlns:a="http://schemas.openxmlformats.org/drawingml/2006/main" xmlns:r="http://schemas.openxmlformats.org/officeDocument/2006/relationships" xmlns:p="http://schemas.openxmlformats.org/presentationml/2006/main">
   <p:sldMasterIdLst>
-    <p:sldMasterId id="2147483648" r:id="rId5"/>
+    <p:sldMasterId id="2147483648" r:id="rId1"/>
   </p:sldMasterIdLst>
   <p:notesMasterIdLst>
-    <p:notesMasterId r:id="rId7"/>
+    <p:notesMasterId r:id="rId15"/>
   </p:notesMasterIdLst>
   <p:sldIdLst>
-    <p:sldId id="256" r:id="rId8"/>
-    <p:sldId id="257" r:id="rId9"/>
-    <p:sldId id="258" r:id="rId10"/>
-    <p:sldId id="259" r:id="rId11"/>
-    <p:sldId id="260" r:id="rId12"/>
-    <p:sldId id="261" r:id="rId13"/>
-    <p:sldId id="262" r:id="rId14"/>
-    <p:sldId id="263" r:id="rId15"/>
-    <p:sldId id="264" r:id="rId16"/>
-    <p:sldId id="265" r:id="rId17"/>
-    <p:sldId id="266" r:id="rId18"/>
-    <p:sldId id="267" r:id="rId19"/>
-    <p:sldId id="268" r:id="rId20"/>
+    <p:sldId id="256" r:id="rId2"/>
+    <p:sldId id="257" r:id="rId3"/>
+    <p:sldId id="258" r:id="rId4"/>
+    <p:sldId id="259" r:id="rId5"/>
+    <p:sldId id="260" r:id="rId6"/>
+    <p:sldId id="261" r:id="rId7"/>
+    <p:sldId id="262" r:id="rId8"/>
+    <p:sldId id="263" r:id="rId9"/>
+    <p:sldId id="264" r:id="rId10"/>
+    <p:sldId id="265" r:id="rId11"/>
+    <p:sldId id="266" r:id="rId12"/>
+    <p:sldId id="267" r:id="rId13"/>
+    <p:sldId id="268" r:id="rId14"/>
   </p:sldIdLst>
   <p:sldSz cx="12192000" cy="6858000"/>
   <p:notesSz cx="6858000" cy="9144000"/>
@@ -40,7 +40,7 @@
       <a:buFontTx/>
       <a:buNone/>
       <a:tabLst/>
-      <a:defRPr b="0" baseline="0" cap="none" i="0" spc="0" strike="noStrike" sz="1800" u="none" kumimoji="0" normalizeH="0">
+      <a:defRPr kumimoji="0" sz="1800" b="0" i="0" u="none" strike="noStrike" cap="none" spc="0" normalizeH="0" baseline="0">
         <a:ln>
           <a:noFill/>
         </a:ln>
@@ -66,7 +66,7 @@
       <a:buFontTx/>
       <a:buNone/>
       <a:tabLst/>
-      <a:defRPr b="0" baseline="0" cap="none" i="0" spc="0" strike="noStrike" sz="1800" u="none" kumimoji="0" normalizeH="0">
+      <a:defRPr kumimoji="0" sz="1800" b="0" i="0" u="none" strike="noStrike" cap="none" spc="0" normalizeH="0" baseline="0">
         <a:ln>
           <a:noFill/>
         </a:ln>
@@ -96,7 +96,7 @@
       <a:buFontTx/>
       <a:buNone/>
       <a:tabLst/>
-      <a:defRPr b="0" baseline="0" cap="none" i="0" spc="0" strike="noStrike" sz="1800" u="none" kumimoji="0" normalizeH="0">
+      <a:defRPr kumimoji="0" sz="1800" b="0" i="0" u="none" strike="noStrike" cap="none" spc="0" normalizeH="0" baseline="0">
         <a:ln>
           <a:noFill/>
         </a:ln>
@@ -126,7 +126,7 @@
       <a:buFontTx/>
       <a:buNone/>
       <a:tabLst/>
-      <a:defRPr b="0" baseline="0" cap="none" i="0" spc="0" strike="noStrike" sz="1800" u="none" kumimoji="0" normalizeH="0">
+      <a:defRPr kumimoji="0" sz="1800" b="0" i="0" u="none" strike="noStrike" cap="none" spc="0" normalizeH="0" baseline="0">
         <a:ln>
           <a:noFill/>
         </a:ln>
@@ -156,7 +156,7 @@
       <a:buFontTx/>
       <a:buNone/>
       <a:tabLst/>
-      <a:defRPr b="0" baseline="0" cap="none" i="0" spc="0" strike="noStrike" sz="1800" u="none" kumimoji="0" normalizeH="0">
+      <a:defRPr kumimoji="0" sz="1800" b="0" i="0" u="none" strike="noStrike" cap="none" spc="0" normalizeH="0" baseline="0">
         <a:ln>
           <a:noFill/>
         </a:ln>
@@ -186,7 +186,7 @@
       <a:buFontTx/>
       <a:buNone/>
       <a:tabLst/>
-      <a:defRPr b="0" baseline="0" cap="none" i="0" spc="0" strike="noStrike" sz="1800" u="none" kumimoji="0" normalizeH="0">
+      <a:defRPr kumimoji="0" sz="1800" b="0" i="0" u="none" strike="noStrike" cap="none" spc="0" normalizeH="0" baseline="0">
         <a:ln>
           <a:noFill/>
         </a:ln>
@@ -216,7 +216,7 @@
       <a:buFontTx/>
       <a:buNone/>
       <a:tabLst/>
-      <a:defRPr b="0" baseline="0" cap="none" i="0" spc="0" strike="noStrike" sz="1800" u="none" kumimoji="0" normalizeH="0">
+      <a:defRPr kumimoji="0" sz="1800" b="0" i="0" u="none" strike="noStrike" cap="none" spc="0" normalizeH="0" baseline="0">
         <a:ln>
           <a:noFill/>
         </a:ln>
@@ -246,7 +246,7 @@
       <a:buFontTx/>
       <a:buNone/>
       <a:tabLst/>
-      <a:defRPr b="0" baseline="0" cap="none" i="0" spc="0" strike="noStrike" sz="1800" u="none" kumimoji="0" normalizeH="0">
+      <a:defRPr kumimoji="0" sz="1800" b="0" i="0" u="none" strike="noStrike" cap="none" spc="0" normalizeH="0" baseline="0">
         <a:ln>
           <a:noFill/>
         </a:ln>
@@ -276,7 +276,7 @@
       <a:buFontTx/>
       <a:buNone/>
       <a:tabLst/>
-      <a:defRPr b="0" baseline="0" cap="none" i="0" spc="0" strike="noStrike" sz="1800" u="none" kumimoji="0" normalizeH="0">
+      <a:defRPr kumimoji="0" sz="1800" b="0" i="0" u="none" strike="noStrike" cap="none" spc="0" normalizeH="0" baseline="0">
         <a:ln>
           <a:noFill/>
         </a:ln>
@@ -306,7 +306,7 @@
       <a:buFontTx/>
       <a:buNone/>
       <a:tabLst/>
-      <a:defRPr b="0" baseline="0" cap="none" i="0" spc="0" strike="noStrike" sz="1800" u="none" kumimoji="0" normalizeH="0">
+      <a:defRPr kumimoji="0" sz="1800" b="0" i="0" u="none" strike="noStrike" cap="none" spc="0" normalizeH="0" baseline="0">
         <a:ln>
           <a:noFill/>
         </a:ln>
@@ -322,16 +322,33 @@
       </a:defRPr>
     </a:lvl9pPr>
   </p:defaultTextStyle>
+  <p:extLst>
+    <p:ext uri="{EFAFB233-063F-42B5-8137-9DF3F51BA10A}">
+      <p15:sldGuideLst xmlns:p15="http://schemas.microsoft.com/office/powerpoint/2012/main">
+        <p15:guide id="1" orient="horz" pos="2160" userDrawn="1">
+          <p15:clr>
+            <a:srgbClr val="A4A3A4"/>
+          </p15:clr>
+        </p15:guide>
+        <p15:guide id="2" pos="3840" userDrawn="1">
+          <p15:clr>
+            <a:srgbClr val="A4A3A4"/>
+          </p15:clr>
+        </p15:guide>
+      </p15:sldGuideLst>
+    </p:ext>
+  </p:extLst>
 </p:presentation>
-</file>
-
-<file path=ppt/commentAuthors.xml><?xml version="1.0" encoding="utf-8"?>
-<p:cmAuthorLst xmlns:a="http://schemas.openxmlformats.org/drawingml/2006/main" xmlns:r="http://schemas.openxmlformats.org/officeDocument/2006/relationships" xmlns:p="http://schemas.openxmlformats.org/presentationml/2006/main"/>
 </file>
 
 <file path=ppt/notesMasters/notesMaster1.xml><?xml version="1.0" encoding="utf-8"?>
 <p:notesMaster xmlns:a="http://schemas.openxmlformats.org/drawingml/2006/main" xmlns:r="http://schemas.openxmlformats.org/officeDocument/2006/relationships" xmlns:p="http://schemas.openxmlformats.org/presentationml/2006/main">
   <p:cSld>
+    <p:bg>
+      <p:bgRef idx="1001">
+        <a:schemeClr val="bg1"/>
+      </p:bgRef>
+    </p:bg>
     <p:spTree>
       <p:nvGrpSpPr>
         <p:cNvPr id="1" name=""/>
@@ -349,7 +366,9 @@
       <p:sp>
         <p:nvSpPr>
           <p:cNvPr id="127" name="Shape 127"/>
-          <p:cNvSpPr/>
+          <p:cNvSpPr>
+            <a:spLocks noGrp="1" noRot="1" noChangeAspect="1"/>
+          </p:cNvSpPr>
           <p:nvPr>
             <p:ph type="sldImg"/>
           </p:nvPr>
@@ -367,14 +386,16 @@
           <a:bodyPr/>
           <a:lstStyle/>
           <a:p>
-            <a:pPr/>
+            <a:endParaRPr/>
           </a:p>
         </p:txBody>
       </p:sp>
       <p:sp>
         <p:nvSpPr>
           <p:cNvPr id="128" name="Shape 128"/>
-          <p:cNvSpPr/>
+          <p:cNvSpPr>
+            <a:spLocks noGrp="1"/>
+          </p:cNvSpPr>
           <p:nvPr>
             <p:ph type="body" sz="quarter" idx="1"/>
           </p:nvPr>
@@ -392,7 +413,7 @@
           <a:bodyPr/>
           <a:lstStyle/>
           <a:p>
-            <a:pPr/>
+            <a:endParaRPr/>
           </a:p>
         </p:txBody>
       </p:sp>
@@ -477,7 +498,7 @@
 </file>
 
 <file path=ppt/slideLayouts/slideLayout1.xml><?xml version="1.0" encoding="utf-8"?>
-<p:sldLayout xmlns:a="http://schemas.openxmlformats.org/drawingml/2006/main" xmlns:r="http://schemas.openxmlformats.org/officeDocument/2006/relationships" xmlns:p="http://schemas.openxmlformats.org/presentationml/2006/main" type="title" showMasterSp="1" showMasterPhAnim="1">
+<p:sldLayout xmlns:a="http://schemas.openxmlformats.org/drawingml/2006/main" xmlns:r="http://schemas.openxmlformats.org/officeDocument/2006/relationships" xmlns:p="http://schemas.openxmlformats.org/presentationml/2006/main" type="title">
   <p:cSld name="Titelfolie">
     <p:spTree>
       <p:nvGrpSpPr>
@@ -496,7 +517,9 @@
       <p:sp>
         <p:nvSpPr>
           <p:cNvPr id="11" name="Shape 11"/>
-          <p:cNvSpPr/>
+          <p:cNvSpPr>
+            <a:spLocks noGrp="1"/>
+          </p:cNvSpPr>
           <p:nvPr>
             <p:ph type="title"/>
           </p:nvPr>
@@ -518,7 +541,6 @@
             </a:lvl1pPr>
           </a:lstStyle>
           <a:p>
-            <a:pPr/>
             <a:r>
               <a:t>Mastertitelformat bearbeiten</a:t>
             </a:r>
@@ -528,7 +550,9 @@
       <p:sp>
         <p:nvSpPr>
           <p:cNvPr id="12" name="Shape 12"/>
-          <p:cNvSpPr/>
+          <p:cNvSpPr>
+            <a:spLocks noGrp="1"/>
+          </p:cNvSpPr>
           <p:nvPr>
             <p:ph type="body" sz="quarter" idx="1"/>
           </p:nvPr>
@@ -553,7 +577,6 @@
             </a:lvl1pPr>
           </a:lstStyle>
           <a:p>
-            <a:pPr/>
             <a:r>
               <a:t>Master-Untertitelformat bearbeiten</a:t>
             </a:r>
@@ -563,7 +586,9 @@
       <p:sp>
         <p:nvSpPr>
           <p:cNvPr id="13" name="Shape 13"/>
-          <p:cNvSpPr/>
+          <p:cNvSpPr>
+            <a:spLocks noGrp="1"/>
+          </p:cNvSpPr>
           <p:nvPr>
             <p:ph type="sldNum" sz="quarter" idx="2"/>
           </p:nvPr>
@@ -577,8 +602,10 @@
           <a:bodyPr/>
           <a:lstStyle/>
           <a:p>
-            <a:pPr/>
-            <a:fld id="{86CB4B4D-7CA3-9044-876B-883B54F8677D}" type="slidenum"/>
+            <a:fld id="{86CB4B4D-7CA3-9044-876B-883B54F8677D}" type="slidenum">
+              <a:t>‹Nr.›</a:t>
+            </a:fld>
+            <a:endParaRPr/>
           </a:p>
         </p:txBody>
       </p:sp>
@@ -587,12 +614,12 @@
   <p:clrMapOvr>
     <a:masterClrMapping/>
   </p:clrMapOvr>
-  <p:transition xmlns:p14="http://schemas.microsoft.com/office/powerpoint/2010/main" spd="med" advClick="1"/>
+  <p:transition spd="med"/>
 </p:sldLayout>
 </file>
 
 <file path=ppt/slideLayouts/slideLayout10.xml><?xml version="1.0" encoding="utf-8"?>
-<p:sldLayout xmlns:a="http://schemas.openxmlformats.org/drawingml/2006/main" xmlns:r="http://schemas.openxmlformats.org/officeDocument/2006/relationships" xmlns:p="http://schemas.openxmlformats.org/presentationml/2006/main" type="tx" showMasterSp="1" showMasterPhAnim="1">
+<p:sldLayout xmlns:a="http://schemas.openxmlformats.org/drawingml/2006/main" xmlns:r="http://schemas.openxmlformats.org/officeDocument/2006/relationships" xmlns:p="http://schemas.openxmlformats.org/presentationml/2006/main" type="tx">
   <p:cSld name="Bild mit Überschrift">
     <p:spTree>
       <p:nvGrpSpPr>
@@ -611,7 +638,9 @@
       <p:sp>
         <p:nvSpPr>
           <p:cNvPr id="91" name="Shape 91"/>
-          <p:cNvSpPr/>
+          <p:cNvSpPr>
+            <a:spLocks noGrp="1"/>
+          </p:cNvSpPr>
           <p:nvPr>
             <p:ph type="title"/>
           </p:nvPr>
@@ -633,7 +662,6 @@
             </a:lvl1pPr>
           </a:lstStyle>
           <a:p>
-            <a:pPr/>
             <a:r>
               <a:t>Titeltext</a:t>
             </a:r>
@@ -643,7 +671,9 @@
       <p:sp>
         <p:nvSpPr>
           <p:cNvPr id="92" name="Shape 92"/>
-          <p:cNvSpPr/>
+          <p:cNvSpPr>
+            <a:spLocks noGrp="1"/>
+          </p:cNvSpPr>
           <p:nvPr>
             <p:ph type="pic" sz="half" idx="13"/>
           </p:nvPr>
@@ -663,14 +693,16 @@
           </a:bodyPr>
           <a:lstStyle/>
           <a:p>
-            <a:pPr/>
+            <a:endParaRPr/>
           </a:p>
         </p:txBody>
       </p:sp>
       <p:sp>
         <p:nvSpPr>
           <p:cNvPr id="93" name="Shape 93"/>
-          <p:cNvSpPr/>
+          <p:cNvSpPr>
+            <a:spLocks noGrp="1"/>
+          </p:cNvSpPr>
           <p:nvPr>
             <p:ph type="body" sz="quarter" idx="1"/>
           </p:nvPr>
@@ -719,7 +751,6 @@
             </a:lvl5pPr>
           </a:lstStyle>
           <a:p>
-            <a:pPr/>
             <a:r>
               <a:t>Textebene 1</a:t>
             </a:r>
@@ -753,7 +784,9 @@
       <p:sp>
         <p:nvSpPr>
           <p:cNvPr id="94" name="Shape 94"/>
-          <p:cNvSpPr/>
+          <p:cNvSpPr>
+            <a:spLocks noGrp="1"/>
+          </p:cNvSpPr>
           <p:nvPr>
             <p:ph type="sldNum" sz="quarter" idx="2"/>
           </p:nvPr>
@@ -767,8 +800,10 @@
           <a:bodyPr/>
           <a:lstStyle/>
           <a:p>
-            <a:pPr/>
-            <a:fld id="{86CB4B4D-7CA3-9044-876B-883B54F8677D}" type="slidenum"/>
+            <a:fld id="{86CB4B4D-7CA3-9044-876B-883B54F8677D}" type="slidenum">
+              <a:t>‹Nr.›</a:t>
+            </a:fld>
+            <a:endParaRPr/>
           </a:p>
         </p:txBody>
       </p:sp>
@@ -777,12 +812,12 @@
   <p:clrMapOvr>
     <a:masterClrMapping/>
   </p:clrMapOvr>
-  <p:transition xmlns:p14="http://schemas.microsoft.com/office/powerpoint/2010/main" spd="med" advClick="1"/>
+  <p:transition spd="med"/>
 </p:sldLayout>
 </file>
 
 <file path=ppt/slideLayouts/slideLayout11.xml><?xml version="1.0" encoding="utf-8"?>
-<p:sldLayout xmlns:a="http://schemas.openxmlformats.org/drawingml/2006/main" xmlns:r="http://schemas.openxmlformats.org/officeDocument/2006/relationships" xmlns:p="http://schemas.openxmlformats.org/presentationml/2006/main" type="tx" showMasterSp="1" showMasterPhAnim="1">
+<p:sldLayout xmlns:a="http://schemas.openxmlformats.org/drawingml/2006/main" xmlns:r="http://schemas.openxmlformats.org/officeDocument/2006/relationships" xmlns:p="http://schemas.openxmlformats.org/presentationml/2006/main" type="tx">
   <p:cSld name="Titel und vertikaler Text">
     <p:spTree>
       <p:nvGrpSpPr>
@@ -801,7 +836,9 @@
       <p:sp>
         <p:nvSpPr>
           <p:cNvPr id="101" name="Shape 101"/>
-          <p:cNvSpPr/>
+          <p:cNvSpPr>
+            <a:spLocks noGrp="1"/>
+          </p:cNvSpPr>
           <p:nvPr>
             <p:ph type="title"/>
           </p:nvPr>
@@ -815,7 +852,6 @@
           <a:bodyPr/>
           <a:lstStyle/>
           <a:p>
-            <a:pPr/>
             <a:r>
               <a:t>Titeltext</a:t>
             </a:r>
@@ -825,7 +861,9 @@
       <p:sp>
         <p:nvSpPr>
           <p:cNvPr id="102" name="Shape 102"/>
-          <p:cNvSpPr/>
+          <p:cNvSpPr>
+            <a:spLocks noGrp="1"/>
+          </p:cNvSpPr>
           <p:nvPr>
             <p:ph type="body" idx="1"/>
           </p:nvPr>
@@ -839,7 +877,6 @@
           <a:bodyPr/>
           <a:lstStyle/>
           <a:p>
-            <a:pPr/>
             <a:r>
               <a:t>Textebene 1</a:t>
             </a:r>
@@ -873,7 +910,9 @@
       <p:sp>
         <p:nvSpPr>
           <p:cNvPr id="103" name="Shape 103"/>
-          <p:cNvSpPr/>
+          <p:cNvSpPr>
+            <a:spLocks noGrp="1"/>
+          </p:cNvSpPr>
           <p:nvPr>
             <p:ph type="sldNum" sz="quarter" idx="2"/>
           </p:nvPr>
@@ -887,8 +926,10 @@
           <a:bodyPr/>
           <a:lstStyle/>
           <a:p>
-            <a:pPr/>
-            <a:fld id="{86CB4B4D-7CA3-9044-876B-883B54F8677D}" type="slidenum"/>
+            <a:fld id="{86CB4B4D-7CA3-9044-876B-883B54F8677D}" type="slidenum">
+              <a:t>‹Nr.›</a:t>
+            </a:fld>
+            <a:endParaRPr/>
           </a:p>
         </p:txBody>
       </p:sp>
@@ -897,12 +938,12 @@
   <p:clrMapOvr>
     <a:masterClrMapping/>
   </p:clrMapOvr>
-  <p:transition xmlns:p14="http://schemas.microsoft.com/office/powerpoint/2010/main" spd="med" advClick="1"/>
+  <p:transition spd="med"/>
 </p:sldLayout>
 </file>
 
 <file path=ppt/slideLayouts/slideLayout12.xml><?xml version="1.0" encoding="utf-8"?>
-<p:sldLayout xmlns:a="http://schemas.openxmlformats.org/drawingml/2006/main" xmlns:r="http://schemas.openxmlformats.org/officeDocument/2006/relationships" xmlns:p="http://schemas.openxmlformats.org/presentationml/2006/main" type="tx" showMasterSp="1" showMasterPhAnim="1">
+<p:sldLayout xmlns:a="http://schemas.openxmlformats.org/drawingml/2006/main" xmlns:r="http://schemas.openxmlformats.org/officeDocument/2006/relationships" xmlns:p="http://schemas.openxmlformats.org/presentationml/2006/main" type="tx">
   <p:cSld name="Vertikaler Titel und Text">
     <p:spTree>
       <p:nvGrpSpPr>
@@ -921,7 +962,9 @@
       <p:sp>
         <p:nvSpPr>
           <p:cNvPr id="110" name="Shape 110"/>
-          <p:cNvSpPr/>
+          <p:cNvSpPr>
+            <a:spLocks noGrp="1"/>
+          </p:cNvSpPr>
           <p:nvPr>
             <p:ph type="title"/>
           </p:nvPr>
@@ -939,7 +982,6 @@
           <a:bodyPr/>
           <a:lstStyle/>
           <a:p>
-            <a:pPr/>
             <a:r>
               <a:t>Mastertitelformat bearbeiten</a:t>
             </a:r>
@@ -949,7 +991,9 @@
       <p:sp>
         <p:nvSpPr>
           <p:cNvPr id="111" name="Shape 111"/>
-          <p:cNvSpPr/>
+          <p:cNvSpPr>
+            <a:spLocks noGrp="1"/>
+          </p:cNvSpPr>
           <p:nvPr>
             <p:ph type="body" idx="1"/>
           </p:nvPr>
@@ -967,7 +1011,6 @@
           <a:bodyPr/>
           <a:lstStyle/>
           <a:p>
-            <a:pPr/>
             <a:r>
               <a:t>Mastertextformat bearbeiten</a:t>
             </a:r>
@@ -1001,7 +1044,9 @@
       <p:sp>
         <p:nvSpPr>
           <p:cNvPr id="112" name="Shape 112"/>
-          <p:cNvSpPr/>
+          <p:cNvSpPr>
+            <a:spLocks noGrp="1"/>
+          </p:cNvSpPr>
           <p:nvPr>
             <p:ph type="sldNum" sz="quarter" idx="2"/>
           </p:nvPr>
@@ -1015,8 +1060,10 @@
           <a:bodyPr/>
           <a:lstStyle/>
           <a:p>
-            <a:pPr/>
-            <a:fld id="{86CB4B4D-7CA3-9044-876B-883B54F8677D}" type="slidenum"/>
+            <a:fld id="{86CB4B4D-7CA3-9044-876B-883B54F8677D}" type="slidenum">
+              <a:t>‹Nr.›</a:t>
+            </a:fld>
+            <a:endParaRPr/>
           </a:p>
         </p:txBody>
       </p:sp>
@@ -1025,18 +1072,19 @@
   <p:clrMapOvr>
     <a:masterClrMapping/>
   </p:clrMapOvr>
-  <p:transition xmlns:p14="http://schemas.microsoft.com/office/powerpoint/2010/main" spd="med" advClick="1"/>
+  <p:transition spd="med"/>
 </p:sldLayout>
 </file>
 
 <file path=ppt/slideLayouts/slideLayout13.xml><?xml version="1.0" encoding="utf-8"?>
-<p:sldLayout xmlns:a="http://schemas.openxmlformats.org/drawingml/2006/main" xmlns:r="http://schemas.openxmlformats.org/officeDocument/2006/relationships" xmlns:p="http://schemas.openxmlformats.org/presentationml/2006/main" type="tx" showMasterSp="1" showMasterPhAnim="1">
+<p:sldLayout xmlns:a="http://schemas.openxmlformats.org/drawingml/2006/main" xmlns:r="http://schemas.openxmlformats.org/officeDocument/2006/relationships" xmlns:p="http://schemas.openxmlformats.org/presentationml/2006/main" type="tx">
   <p:cSld name="Titel und Inhalt 0">
     <p:bg>
       <p:bgPr>
         <a:solidFill>
           <a:srgbClr val="E3FDDB"/>
         </a:solidFill>
+        <a:effectLst/>
       </p:bgPr>
     </p:bg>
     <p:spTree>
@@ -1056,7 +1104,9 @@
       <p:sp>
         <p:nvSpPr>
           <p:cNvPr id="119" name="Shape 119"/>
-          <p:cNvSpPr/>
+          <p:cNvSpPr>
+            <a:spLocks noGrp="1"/>
+          </p:cNvSpPr>
           <p:nvPr>
             <p:ph type="title"/>
           </p:nvPr>
@@ -1070,7 +1120,6 @@
           <a:bodyPr/>
           <a:lstStyle/>
           <a:p>
-            <a:pPr/>
             <a:r>
               <a:t>Titeltext</a:t>
             </a:r>
@@ -1080,7 +1129,9 @@
       <p:sp>
         <p:nvSpPr>
           <p:cNvPr id="120" name="Shape 120"/>
-          <p:cNvSpPr/>
+          <p:cNvSpPr>
+            <a:spLocks noGrp="1"/>
+          </p:cNvSpPr>
           <p:nvPr>
             <p:ph type="body" idx="1"/>
           </p:nvPr>
@@ -1094,7 +1145,6 @@
           <a:bodyPr/>
           <a:lstStyle/>
           <a:p>
-            <a:pPr/>
             <a:r>
               <a:t>Textebene 1</a:t>
             </a:r>
@@ -1128,7 +1178,9 @@
       <p:sp>
         <p:nvSpPr>
           <p:cNvPr id="121" name="Shape 121"/>
-          <p:cNvSpPr/>
+          <p:cNvSpPr>
+            <a:spLocks noGrp="1"/>
+          </p:cNvSpPr>
           <p:nvPr>
             <p:ph type="sldNum" sz="quarter" idx="2"/>
           </p:nvPr>
@@ -1142,8 +1194,10 @@
           <a:bodyPr/>
           <a:lstStyle/>
           <a:p>
-            <a:pPr/>
-            <a:fld id="{86CB4B4D-7CA3-9044-876B-883B54F8677D}" type="slidenum"/>
+            <a:fld id="{86CB4B4D-7CA3-9044-876B-883B54F8677D}" type="slidenum">
+              <a:t>‹Nr.›</a:t>
+            </a:fld>
+            <a:endParaRPr/>
           </a:p>
         </p:txBody>
       </p:sp>
@@ -1152,12 +1206,12 @@
   <p:clrMapOvr>
     <a:masterClrMapping/>
   </p:clrMapOvr>
-  <p:transition xmlns:p14="http://schemas.microsoft.com/office/powerpoint/2010/main" spd="med" advClick="1"/>
+  <p:transition spd="med"/>
 </p:sldLayout>
 </file>
 
 <file path=ppt/slideLayouts/slideLayout2.xml><?xml version="1.0" encoding="utf-8"?>
-<p:sldLayout xmlns:a="http://schemas.openxmlformats.org/drawingml/2006/main" xmlns:r="http://schemas.openxmlformats.org/officeDocument/2006/relationships" xmlns:p="http://schemas.openxmlformats.org/presentationml/2006/main" type="tx" showMasterSp="1" showMasterPhAnim="1">
+<p:sldLayout xmlns:a="http://schemas.openxmlformats.org/drawingml/2006/main" xmlns:r="http://schemas.openxmlformats.org/officeDocument/2006/relationships" xmlns:p="http://schemas.openxmlformats.org/presentationml/2006/main" type="tx">
   <p:cSld name="Titel und Inhalt">
     <p:spTree>
       <p:nvGrpSpPr>
@@ -1176,7 +1230,9 @@
       <p:sp>
         <p:nvSpPr>
           <p:cNvPr id="20" name="Shape 20"/>
-          <p:cNvSpPr/>
+          <p:cNvSpPr>
+            <a:spLocks noGrp="1"/>
+          </p:cNvSpPr>
           <p:nvPr>
             <p:ph type="title"/>
           </p:nvPr>
@@ -1190,7 +1246,6 @@
           <a:bodyPr/>
           <a:lstStyle/>
           <a:p>
-            <a:pPr/>
             <a:r>
               <a:t>Titeltext</a:t>
             </a:r>
@@ -1200,7 +1255,9 @@
       <p:sp>
         <p:nvSpPr>
           <p:cNvPr id="21" name="Shape 21"/>
-          <p:cNvSpPr/>
+          <p:cNvSpPr>
+            <a:spLocks noGrp="1"/>
+          </p:cNvSpPr>
           <p:nvPr>
             <p:ph type="body" idx="1"/>
           </p:nvPr>
@@ -1214,7 +1271,6 @@
           <a:bodyPr/>
           <a:lstStyle/>
           <a:p>
-            <a:pPr/>
             <a:r>
               <a:t>Textebene 1</a:t>
             </a:r>
@@ -1248,7 +1304,9 @@
       <p:sp>
         <p:nvSpPr>
           <p:cNvPr id="22" name="Shape 22"/>
-          <p:cNvSpPr/>
+          <p:cNvSpPr>
+            <a:spLocks noGrp="1"/>
+          </p:cNvSpPr>
           <p:nvPr>
             <p:ph type="sldNum" sz="quarter" idx="2"/>
           </p:nvPr>
@@ -1262,8 +1320,10 @@
           <a:bodyPr/>
           <a:lstStyle/>
           <a:p>
-            <a:pPr/>
-            <a:fld id="{86CB4B4D-7CA3-9044-876B-883B54F8677D}" type="slidenum"/>
+            <a:fld id="{86CB4B4D-7CA3-9044-876B-883B54F8677D}" type="slidenum">
+              <a:t>‹Nr.›</a:t>
+            </a:fld>
+            <a:endParaRPr/>
           </a:p>
         </p:txBody>
       </p:sp>
@@ -1272,18 +1332,19 @@
   <p:clrMapOvr>
     <a:masterClrMapping/>
   </p:clrMapOvr>
-  <p:transition xmlns:p14="http://schemas.microsoft.com/office/powerpoint/2010/main" spd="med" advClick="1"/>
+  <p:transition spd="med"/>
 </p:sldLayout>
 </file>
 
 <file path=ppt/slideLayouts/slideLayout3.xml><?xml version="1.0" encoding="utf-8"?>
-<p:sldLayout xmlns:a="http://schemas.openxmlformats.org/drawingml/2006/main" xmlns:r="http://schemas.openxmlformats.org/officeDocument/2006/relationships" xmlns:p="http://schemas.openxmlformats.org/presentationml/2006/main" type="tx" showMasterSp="1" showMasterPhAnim="1">
+<p:sldLayout xmlns:a="http://schemas.openxmlformats.org/drawingml/2006/main" xmlns:r="http://schemas.openxmlformats.org/officeDocument/2006/relationships" xmlns:p="http://schemas.openxmlformats.org/presentationml/2006/main" type="tx">
   <p:cSld name="Titel und Inhalt 0">
     <p:bg>
       <p:bgPr>
         <a:solidFill>
           <a:srgbClr val="E3FDDB"/>
         </a:solidFill>
+        <a:effectLst/>
       </p:bgPr>
     </p:bg>
     <p:spTree>
@@ -1303,7 +1364,9 @@
       <p:sp>
         <p:nvSpPr>
           <p:cNvPr id="29" name="Shape 29"/>
-          <p:cNvSpPr/>
+          <p:cNvSpPr>
+            <a:spLocks noGrp="1"/>
+          </p:cNvSpPr>
           <p:nvPr>
             <p:ph type="title"/>
           </p:nvPr>
@@ -1317,7 +1380,6 @@
           <a:bodyPr/>
           <a:lstStyle/>
           <a:p>
-            <a:pPr/>
             <a:r>
               <a:t>Mastertitelformat bearbeiten</a:t>
             </a:r>
@@ -1327,7 +1389,9 @@
       <p:sp>
         <p:nvSpPr>
           <p:cNvPr id="30" name="Shape 30"/>
-          <p:cNvSpPr/>
+          <p:cNvSpPr>
+            <a:spLocks noGrp="1"/>
+          </p:cNvSpPr>
           <p:nvPr>
             <p:ph type="body" idx="1"/>
           </p:nvPr>
@@ -1341,7 +1405,6 @@
           <a:bodyPr/>
           <a:lstStyle/>
           <a:p>
-            <a:pPr/>
             <a:r>
               <a:t>Mastertextformat bearbeiten</a:t>
             </a:r>
@@ -1375,7 +1438,9 @@
       <p:sp>
         <p:nvSpPr>
           <p:cNvPr id="31" name="Shape 31"/>
-          <p:cNvSpPr/>
+          <p:cNvSpPr>
+            <a:spLocks noGrp="1"/>
+          </p:cNvSpPr>
           <p:nvPr>
             <p:ph type="sldNum" sz="quarter" idx="2"/>
           </p:nvPr>
@@ -1389,8 +1454,10 @@
           <a:bodyPr/>
           <a:lstStyle/>
           <a:p>
-            <a:pPr/>
-            <a:fld id="{86CB4B4D-7CA3-9044-876B-883B54F8677D}" type="slidenum"/>
+            <a:fld id="{86CB4B4D-7CA3-9044-876B-883B54F8677D}" type="slidenum">
+              <a:t>‹Nr.›</a:t>
+            </a:fld>
+            <a:endParaRPr/>
           </a:p>
         </p:txBody>
       </p:sp>
@@ -1399,12 +1466,12 @@
   <p:clrMapOvr>
     <a:masterClrMapping/>
   </p:clrMapOvr>
-  <p:transition xmlns:p14="http://schemas.microsoft.com/office/powerpoint/2010/main" spd="med" advClick="1"/>
+  <p:transition spd="med"/>
 </p:sldLayout>
 </file>
 
 <file path=ppt/slideLayouts/slideLayout4.xml><?xml version="1.0" encoding="utf-8"?>
-<p:sldLayout xmlns:a="http://schemas.openxmlformats.org/drawingml/2006/main" xmlns:r="http://schemas.openxmlformats.org/officeDocument/2006/relationships" xmlns:p="http://schemas.openxmlformats.org/presentationml/2006/main" type="tx" showMasterSp="1" showMasterPhAnim="1">
+<p:sldLayout xmlns:a="http://schemas.openxmlformats.org/drawingml/2006/main" xmlns:r="http://schemas.openxmlformats.org/officeDocument/2006/relationships" xmlns:p="http://schemas.openxmlformats.org/presentationml/2006/main" type="tx">
   <p:cSld name="Abschnitts-&#10;überschrift">
     <p:spTree>
       <p:nvGrpSpPr>
@@ -1423,7 +1490,9 @@
       <p:sp>
         <p:nvSpPr>
           <p:cNvPr id="38" name="Shape 38"/>
-          <p:cNvSpPr/>
+          <p:cNvSpPr>
+            <a:spLocks noGrp="1"/>
+          </p:cNvSpPr>
           <p:nvPr>
             <p:ph type="title"/>
           </p:nvPr>
@@ -1445,7 +1514,6 @@
             </a:lvl1pPr>
           </a:lstStyle>
           <a:p>
-            <a:pPr/>
             <a:r>
               <a:t>Titeltext</a:t>
             </a:r>
@@ -1455,7 +1523,9 @@
       <p:sp>
         <p:nvSpPr>
           <p:cNvPr id="39" name="Shape 39"/>
-          <p:cNvSpPr/>
+          <p:cNvSpPr>
+            <a:spLocks noGrp="1"/>
+          </p:cNvSpPr>
           <p:nvPr>
             <p:ph type="body" sz="quarter" idx="1"/>
           </p:nvPr>
@@ -1524,7 +1594,6 @@
             </a:lvl5pPr>
           </a:lstStyle>
           <a:p>
-            <a:pPr/>
             <a:r>
               <a:t>Textebene 1</a:t>
             </a:r>
@@ -1558,7 +1627,9 @@
       <p:sp>
         <p:nvSpPr>
           <p:cNvPr id="40" name="Shape 40"/>
-          <p:cNvSpPr/>
+          <p:cNvSpPr>
+            <a:spLocks noGrp="1"/>
+          </p:cNvSpPr>
           <p:nvPr>
             <p:ph type="sldNum" sz="quarter" idx="2"/>
           </p:nvPr>
@@ -1572,8 +1643,10 @@
           <a:bodyPr/>
           <a:lstStyle/>
           <a:p>
-            <a:pPr/>
-            <a:fld id="{86CB4B4D-7CA3-9044-876B-883B54F8677D}" type="slidenum"/>
+            <a:fld id="{86CB4B4D-7CA3-9044-876B-883B54F8677D}" type="slidenum">
+              <a:t>‹Nr.›</a:t>
+            </a:fld>
+            <a:endParaRPr/>
           </a:p>
         </p:txBody>
       </p:sp>
@@ -1582,12 +1655,12 @@
   <p:clrMapOvr>
     <a:masterClrMapping/>
   </p:clrMapOvr>
-  <p:transition xmlns:p14="http://schemas.microsoft.com/office/powerpoint/2010/main" spd="med" advClick="1"/>
+  <p:transition spd="med"/>
 </p:sldLayout>
 </file>
 
 <file path=ppt/slideLayouts/slideLayout5.xml><?xml version="1.0" encoding="utf-8"?>
-<p:sldLayout xmlns:a="http://schemas.openxmlformats.org/drawingml/2006/main" xmlns:r="http://schemas.openxmlformats.org/officeDocument/2006/relationships" xmlns:p="http://schemas.openxmlformats.org/presentationml/2006/main" type="tx" showMasterSp="1" showMasterPhAnim="1">
+<p:sldLayout xmlns:a="http://schemas.openxmlformats.org/drawingml/2006/main" xmlns:r="http://schemas.openxmlformats.org/officeDocument/2006/relationships" xmlns:p="http://schemas.openxmlformats.org/presentationml/2006/main" type="tx">
   <p:cSld name="Zwei Inhalte">
     <p:spTree>
       <p:nvGrpSpPr>
@@ -1606,7 +1679,9 @@
       <p:sp>
         <p:nvSpPr>
           <p:cNvPr id="47" name="Shape 47"/>
-          <p:cNvSpPr/>
+          <p:cNvSpPr>
+            <a:spLocks noGrp="1"/>
+          </p:cNvSpPr>
           <p:nvPr>
             <p:ph type="title"/>
           </p:nvPr>
@@ -1620,7 +1695,6 @@
           <a:bodyPr/>
           <a:lstStyle/>
           <a:p>
-            <a:pPr/>
             <a:r>
               <a:t>Mastertitelformat bearbeiten</a:t>
             </a:r>
@@ -1630,7 +1704,9 @@
       <p:sp>
         <p:nvSpPr>
           <p:cNvPr id="48" name="Shape 48"/>
-          <p:cNvSpPr/>
+          <p:cNvSpPr>
+            <a:spLocks noGrp="1"/>
+          </p:cNvSpPr>
           <p:nvPr>
             <p:ph type="body" sz="half" idx="1"/>
           </p:nvPr>
@@ -1648,7 +1724,6 @@
           <a:bodyPr/>
           <a:lstStyle/>
           <a:p>
-            <a:pPr/>
             <a:r>
               <a:t>Mastertextformat bearbeiten</a:t>
             </a:r>
@@ -1682,7 +1757,9 @@
       <p:sp>
         <p:nvSpPr>
           <p:cNvPr id="49" name="Shape 49"/>
-          <p:cNvSpPr/>
+          <p:cNvSpPr>
+            <a:spLocks noGrp="1"/>
+          </p:cNvSpPr>
           <p:nvPr>
             <p:ph type="sldNum" sz="quarter" idx="2"/>
           </p:nvPr>
@@ -1696,8 +1773,10 @@
           <a:bodyPr/>
           <a:lstStyle/>
           <a:p>
-            <a:pPr/>
-            <a:fld id="{86CB4B4D-7CA3-9044-876B-883B54F8677D}" type="slidenum"/>
+            <a:fld id="{86CB4B4D-7CA3-9044-876B-883B54F8677D}" type="slidenum">
+              <a:t>‹Nr.›</a:t>
+            </a:fld>
+            <a:endParaRPr/>
           </a:p>
         </p:txBody>
       </p:sp>
@@ -1706,12 +1785,12 @@
   <p:clrMapOvr>
     <a:masterClrMapping/>
   </p:clrMapOvr>
-  <p:transition xmlns:p14="http://schemas.microsoft.com/office/powerpoint/2010/main" spd="med" advClick="1"/>
+  <p:transition spd="med"/>
 </p:sldLayout>
 </file>
 
 <file path=ppt/slideLayouts/slideLayout6.xml><?xml version="1.0" encoding="utf-8"?>
-<p:sldLayout xmlns:a="http://schemas.openxmlformats.org/drawingml/2006/main" xmlns:r="http://schemas.openxmlformats.org/officeDocument/2006/relationships" xmlns:p="http://schemas.openxmlformats.org/presentationml/2006/main" type="tx" showMasterSp="1" showMasterPhAnim="1">
+<p:sldLayout xmlns:a="http://schemas.openxmlformats.org/drawingml/2006/main" xmlns:r="http://schemas.openxmlformats.org/officeDocument/2006/relationships" xmlns:p="http://schemas.openxmlformats.org/presentationml/2006/main" type="tx">
   <p:cSld name="Vergleich">
     <p:spTree>
       <p:nvGrpSpPr>
@@ -1730,7 +1809,9 @@
       <p:sp>
         <p:nvSpPr>
           <p:cNvPr id="56" name="Shape 56"/>
-          <p:cNvSpPr/>
+          <p:cNvSpPr>
+            <a:spLocks noGrp="1"/>
+          </p:cNvSpPr>
           <p:nvPr>
             <p:ph type="title"/>
           </p:nvPr>
@@ -1748,7 +1829,6 @@
           <a:bodyPr/>
           <a:lstStyle/>
           <a:p>
-            <a:pPr/>
             <a:r>
               <a:t>Mastertitelformat bearbeiten</a:t>
             </a:r>
@@ -1758,7 +1838,9 @@
       <p:sp>
         <p:nvSpPr>
           <p:cNvPr id="57" name="Shape 57"/>
-          <p:cNvSpPr/>
+          <p:cNvSpPr>
+            <a:spLocks noGrp="1"/>
+          </p:cNvSpPr>
           <p:nvPr>
             <p:ph type="body" sz="quarter" idx="1"/>
           </p:nvPr>
@@ -1779,11 +1861,10 @@
               <a:buSzTx/>
               <a:buFontTx/>
               <a:buNone/>
-              <a:defRPr b="1" sz="2400"/>
+              <a:defRPr sz="2400" b="1"/>
             </a:lvl1pPr>
           </a:lstStyle>
           <a:p>
-            <a:pPr/>
             <a:r>
               <a:t>Mastertextformat bearbeiten</a:t>
             </a:r>
@@ -1793,7 +1874,9 @@
       <p:sp>
         <p:nvSpPr>
           <p:cNvPr id="58" name="Shape 58"/>
-          <p:cNvSpPr/>
+          <p:cNvSpPr>
+            <a:spLocks noGrp="1"/>
+          </p:cNvSpPr>
           <p:nvPr>
             <p:ph type="body" sz="quarter" idx="13"/>
           </p:nvPr>
@@ -1811,14 +1894,16 @@
           <a:bodyPr anchor="b"/>
           <a:lstStyle/>
           <a:p>
-            <a:pPr/>
+            <a:endParaRPr/>
           </a:p>
         </p:txBody>
       </p:sp>
       <p:sp>
         <p:nvSpPr>
           <p:cNvPr id="59" name="Shape 59"/>
-          <p:cNvSpPr/>
+          <p:cNvSpPr>
+            <a:spLocks noGrp="1"/>
+          </p:cNvSpPr>
           <p:nvPr>
             <p:ph type="sldNum" sz="quarter" idx="2"/>
           </p:nvPr>
@@ -1832,8 +1917,10 @@
           <a:bodyPr/>
           <a:lstStyle/>
           <a:p>
-            <a:pPr/>
-            <a:fld id="{86CB4B4D-7CA3-9044-876B-883B54F8677D}" type="slidenum"/>
+            <a:fld id="{86CB4B4D-7CA3-9044-876B-883B54F8677D}" type="slidenum">
+              <a:t>‹Nr.›</a:t>
+            </a:fld>
+            <a:endParaRPr/>
           </a:p>
         </p:txBody>
       </p:sp>
@@ -1842,12 +1929,12 @@
   <p:clrMapOvr>
     <a:masterClrMapping/>
   </p:clrMapOvr>
-  <p:transition xmlns:p14="http://schemas.microsoft.com/office/powerpoint/2010/main" spd="med" advClick="1"/>
+  <p:transition spd="med"/>
 </p:sldLayout>
 </file>
 
 <file path=ppt/slideLayouts/slideLayout7.xml><?xml version="1.0" encoding="utf-8"?>
-<p:sldLayout xmlns:a="http://schemas.openxmlformats.org/drawingml/2006/main" xmlns:r="http://schemas.openxmlformats.org/officeDocument/2006/relationships" xmlns:p="http://schemas.openxmlformats.org/presentationml/2006/main" type="tx" showMasterSp="1" showMasterPhAnim="1">
+<p:sldLayout xmlns:a="http://schemas.openxmlformats.org/drawingml/2006/main" xmlns:r="http://schemas.openxmlformats.org/officeDocument/2006/relationships" xmlns:p="http://schemas.openxmlformats.org/presentationml/2006/main" type="tx">
   <p:cSld name="Nur Titel">
     <p:spTree>
       <p:nvGrpSpPr>
@@ -1866,7 +1953,9 @@
       <p:sp>
         <p:nvSpPr>
           <p:cNvPr id="66" name="Shape 66"/>
-          <p:cNvSpPr/>
+          <p:cNvSpPr>
+            <a:spLocks noGrp="1"/>
+          </p:cNvSpPr>
           <p:nvPr>
             <p:ph type="title"/>
           </p:nvPr>
@@ -1880,7 +1969,6 @@
           <a:bodyPr/>
           <a:lstStyle/>
           <a:p>
-            <a:pPr/>
             <a:r>
               <a:t>Titeltext</a:t>
             </a:r>
@@ -1890,7 +1978,9 @@
       <p:sp>
         <p:nvSpPr>
           <p:cNvPr id="67" name="Shape 67"/>
-          <p:cNvSpPr/>
+          <p:cNvSpPr>
+            <a:spLocks noGrp="1"/>
+          </p:cNvSpPr>
           <p:nvPr>
             <p:ph type="sldNum" sz="quarter" idx="2"/>
           </p:nvPr>
@@ -1904,8 +1994,10 @@
           <a:bodyPr/>
           <a:lstStyle/>
           <a:p>
-            <a:pPr/>
-            <a:fld id="{86CB4B4D-7CA3-9044-876B-883B54F8677D}" type="slidenum"/>
+            <a:fld id="{86CB4B4D-7CA3-9044-876B-883B54F8677D}" type="slidenum">
+              <a:t>‹Nr.›</a:t>
+            </a:fld>
+            <a:endParaRPr/>
           </a:p>
         </p:txBody>
       </p:sp>
@@ -1914,12 +2006,12 @@
   <p:clrMapOvr>
     <a:masterClrMapping/>
   </p:clrMapOvr>
-  <p:transition xmlns:p14="http://schemas.microsoft.com/office/powerpoint/2010/main" spd="med" advClick="1"/>
+  <p:transition spd="med"/>
 </p:sldLayout>
 </file>
 
 <file path=ppt/slideLayouts/slideLayout8.xml><?xml version="1.0" encoding="utf-8"?>
-<p:sldLayout xmlns:a="http://schemas.openxmlformats.org/drawingml/2006/main" xmlns:r="http://schemas.openxmlformats.org/officeDocument/2006/relationships" xmlns:p="http://schemas.openxmlformats.org/presentationml/2006/main" type="tx" showMasterSp="1" showMasterPhAnim="1">
+<p:sldLayout xmlns:a="http://schemas.openxmlformats.org/drawingml/2006/main" xmlns:r="http://schemas.openxmlformats.org/officeDocument/2006/relationships" xmlns:p="http://schemas.openxmlformats.org/presentationml/2006/main" type="tx">
   <p:cSld name="Leer">
     <p:spTree>
       <p:nvGrpSpPr>
@@ -1938,7 +2030,9 @@
       <p:sp>
         <p:nvSpPr>
           <p:cNvPr id="74" name="Shape 74"/>
-          <p:cNvSpPr/>
+          <p:cNvSpPr>
+            <a:spLocks noGrp="1"/>
+          </p:cNvSpPr>
           <p:nvPr>
             <p:ph type="sldNum" sz="quarter" idx="2"/>
           </p:nvPr>
@@ -1952,8 +2046,10 @@
           <a:bodyPr/>
           <a:lstStyle/>
           <a:p>
-            <a:pPr/>
-            <a:fld id="{86CB4B4D-7CA3-9044-876B-883B54F8677D}" type="slidenum"/>
+            <a:fld id="{86CB4B4D-7CA3-9044-876B-883B54F8677D}" type="slidenum">
+              <a:t>‹Nr.›</a:t>
+            </a:fld>
+            <a:endParaRPr/>
           </a:p>
         </p:txBody>
       </p:sp>
@@ -1962,12 +2058,12 @@
   <p:clrMapOvr>
     <a:masterClrMapping/>
   </p:clrMapOvr>
-  <p:transition xmlns:p14="http://schemas.microsoft.com/office/powerpoint/2010/main" spd="med" advClick="1"/>
+  <p:transition spd="med"/>
 </p:sldLayout>
 </file>
 
 <file path=ppt/slideLayouts/slideLayout9.xml><?xml version="1.0" encoding="utf-8"?>
-<p:sldLayout xmlns:a="http://schemas.openxmlformats.org/drawingml/2006/main" xmlns:r="http://schemas.openxmlformats.org/officeDocument/2006/relationships" xmlns:p="http://schemas.openxmlformats.org/presentationml/2006/main" type="tx" showMasterSp="1" showMasterPhAnim="1">
+<p:sldLayout xmlns:a="http://schemas.openxmlformats.org/drawingml/2006/main" xmlns:r="http://schemas.openxmlformats.org/officeDocument/2006/relationships" xmlns:p="http://schemas.openxmlformats.org/presentationml/2006/main" type="tx">
   <p:cSld name="Inhalt mit Überschrift">
     <p:spTree>
       <p:nvGrpSpPr>
@@ -1986,7 +2082,9 @@
       <p:sp>
         <p:nvSpPr>
           <p:cNvPr id="81" name="Shape 81"/>
-          <p:cNvSpPr/>
+          <p:cNvSpPr>
+            <a:spLocks noGrp="1"/>
+          </p:cNvSpPr>
           <p:nvPr>
             <p:ph type="title"/>
           </p:nvPr>
@@ -2008,7 +2106,6 @@
             </a:lvl1pPr>
           </a:lstStyle>
           <a:p>
-            <a:pPr/>
             <a:r>
               <a:t>Titeltext</a:t>
             </a:r>
@@ -2018,7 +2115,9 @@
       <p:sp>
         <p:nvSpPr>
           <p:cNvPr id="82" name="Shape 82"/>
-          <p:cNvSpPr/>
+          <p:cNvSpPr>
+            <a:spLocks noGrp="1"/>
+          </p:cNvSpPr>
           <p:nvPr>
             <p:ph type="body" sz="half" idx="1"/>
           </p:nvPr>
@@ -2052,7 +2151,6 @@
             </a:lvl5pPr>
           </a:lstStyle>
           <a:p>
-            <a:pPr/>
             <a:r>
               <a:t>Textebene 1</a:t>
             </a:r>
@@ -2086,7 +2184,9 @@
       <p:sp>
         <p:nvSpPr>
           <p:cNvPr id="83" name="Shape 83"/>
-          <p:cNvSpPr/>
+          <p:cNvSpPr>
+            <a:spLocks noGrp="1"/>
+          </p:cNvSpPr>
           <p:nvPr>
             <p:ph type="body" sz="quarter" idx="13"/>
           </p:nvPr>
@@ -2104,14 +2204,16 @@
           <a:bodyPr/>
           <a:lstStyle/>
           <a:p>
-            <a:pPr/>
+            <a:endParaRPr/>
           </a:p>
         </p:txBody>
       </p:sp>
       <p:sp>
         <p:nvSpPr>
           <p:cNvPr id="84" name="Shape 84"/>
-          <p:cNvSpPr/>
+          <p:cNvSpPr>
+            <a:spLocks noGrp="1"/>
+          </p:cNvSpPr>
           <p:nvPr>
             <p:ph type="sldNum" sz="quarter" idx="2"/>
           </p:nvPr>
@@ -2125,8 +2227,10 @@
           <a:bodyPr/>
           <a:lstStyle/>
           <a:p>
-            <a:pPr/>
-            <a:fld id="{86CB4B4D-7CA3-9044-876B-883B54F8677D}" type="slidenum"/>
+            <a:fld id="{86CB4B4D-7CA3-9044-876B-883B54F8677D}" type="slidenum">
+              <a:t>‹Nr.›</a:t>
+            </a:fld>
+            <a:endParaRPr/>
           </a:p>
         </p:txBody>
       </p:sp>
@@ -2135,7 +2239,7 @@
   <p:clrMapOvr>
     <a:masterClrMapping/>
   </p:clrMapOvr>
-  <p:transition xmlns:p14="http://schemas.microsoft.com/office/powerpoint/2010/main" spd="med" advClick="1"/>
+  <p:transition spd="med"/>
 </p:sldLayout>
 </file>
 
@@ -2147,6 +2251,7 @@
         <a:solidFill>
           <a:srgbClr val="FFFFFF"/>
         </a:solidFill>
+        <a:effectLst/>
       </p:bgPr>
     </p:bg>
     <p:spTree>
@@ -2166,7 +2271,9 @@
       <p:sp>
         <p:nvSpPr>
           <p:cNvPr id="2" name="Shape 2"/>
-          <p:cNvSpPr/>
+          <p:cNvSpPr>
+            <a:spLocks noGrp="1"/>
+          </p:cNvSpPr>
           <p:nvPr>
             <p:ph type="title"/>
           </p:nvPr>
@@ -2184,17 +2291,16 @@
           </a:ln>
           <a:extLst>
             <a:ext uri="{C572A759-6A51-4108-AA02-DFA0A04FC94B}">
-              <ma14:wrappingTextBoxFlag xmlns:ma14="http://schemas.microsoft.com/office/mac/drawingml/2011/main" val="1"/>
+              <ma14:wrappingTextBoxFlag xmlns:ma14="http://schemas.microsoft.com/office/mac/drawingml/2011/main" xmlns="" val="1"/>
             </a:ext>
           </a:extLst>
         </p:spPr>
         <p:txBody>
           <a:bodyPr lIns="45718" tIns="45718" rIns="45718" bIns="45718" anchor="ctr">
-            <a:normAutofit fontScale="100000" lnSpcReduction="0"/>
+            <a:normAutofit/>
           </a:bodyPr>
           <a:lstStyle/>
           <a:p>
-            <a:pPr/>
             <a:r>
               <a:t>Titeltext</a:t>
             </a:r>
@@ -2204,7 +2310,9 @@
       <p:sp>
         <p:nvSpPr>
           <p:cNvPr id="3" name="Shape 3"/>
-          <p:cNvSpPr/>
+          <p:cNvSpPr>
+            <a:spLocks noGrp="1"/>
+          </p:cNvSpPr>
           <p:nvPr>
             <p:ph type="body" idx="1"/>
           </p:nvPr>
@@ -2222,17 +2330,16 @@
           </a:ln>
           <a:extLst>
             <a:ext uri="{C572A759-6A51-4108-AA02-DFA0A04FC94B}">
-              <ma14:wrappingTextBoxFlag xmlns:ma14="http://schemas.microsoft.com/office/mac/drawingml/2011/main" val="1"/>
+              <ma14:wrappingTextBoxFlag xmlns:ma14="http://schemas.microsoft.com/office/mac/drawingml/2011/main" xmlns="" val="1"/>
             </a:ext>
           </a:extLst>
         </p:spPr>
         <p:txBody>
           <a:bodyPr lIns="45718" tIns="45718" rIns="45718" bIns="45718">
-            <a:normAutofit fontScale="100000" lnSpcReduction="0"/>
+            <a:normAutofit/>
           </a:bodyPr>
           <a:lstStyle/>
           <a:p>
-            <a:pPr/>
             <a:r>
               <a:t>Textebene 1</a:t>
             </a:r>
@@ -2266,7 +2373,9 @@
       <p:sp>
         <p:nvSpPr>
           <p:cNvPr id="4" name="Shape 4"/>
-          <p:cNvSpPr/>
+          <p:cNvSpPr>
+            <a:spLocks noGrp="1"/>
+          </p:cNvSpPr>
           <p:nvPr>
             <p:ph type="sldNum" sz="quarter" idx="2"/>
           </p:nvPr>
@@ -2297,8 +2406,10 @@
             </a:lvl1pPr>
           </a:lstStyle>
           <a:p>
-            <a:pPr/>
-            <a:fld id="{86CB4B4D-7CA3-9044-876B-883B54F8677D}" type="slidenum"/>
+            <a:fld id="{86CB4B4D-7CA3-9044-876B-883B54F8677D}" type="slidenum">
+              <a:t>‹Nr.›</a:t>
+            </a:fld>
+            <a:endParaRPr/>
           </a:p>
         </p:txBody>
       </p:sp>
@@ -2306,21 +2417,21 @@
   </p:cSld>
   <p:clrMap bg1="lt1" tx1="dk1" bg2="lt2" tx2="dk2" accent1="accent1" accent2="accent2" accent3="accent3" accent4="accent4" accent5="accent5" accent6="accent6" hlink="hlink" folHlink="folHlink"/>
   <p:sldLayoutIdLst>
-    <p:sldLayoutId id="2147483649" r:id="rId2"/>
-    <p:sldLayoutId id="2147483650" r:id="rId3"/>
-    <p:sldLayoutId id="2147483651" r:id="rId4"/>
-    <p:sldLayoutId id="2147483652" r:id="rId5"/>
-    <p:sldLayoutId id="2147483653" r:id="rId6"/>
-    <p:sldLayoutId id="2147483654" r:id="rId7"/>
-    <p:sldLayoutId id="2147483655" r:id="rId8"/>
-    <p:sldLayoutId id="2147483656" r:id="rId9"/>
-    <p:sldLayoutId id="2147483657" r:id="rId10"/>
-    <p:sldLayoutId id="2147483658" r:id="rId11"/>
-    <p:sldLayoutId id="2147483659" r:id="rId12"/>
-    <p:sldLayoutId id="2147483660" r:id="rId13"/>
-    <p:sldLayoutId id="2147483661" r:id="rId14"/>
+    <p:sldLayoutId id="2147483649" r:id="rId1"/>
+    <p:sldLayoutId id="2147483650" r:id="rId2"/>
+    <p:sldLayoutId id="2147483651" r:id="rId3"/>
+    <p:sldLayoutId id="2147483652" r:id="rId4"/>
+    <p:sldLayoutId id="2147483653" r:id="rId5"/>
+    <p:sldLayoutId id="2147483654" r:id="rId6"/>
+    <p:sldLayoutId id="2147483655" r:id="rId7"/>
+    <p:sldLayoutId id="2147483656" r:id="rId8"/>
+    <p:sldLayoutId id="2147483657" r:id="rId9"/>
+    <p:sldLayoutId id="2147483658" r:id="rId10"/>
+    <p:sldLayoutId id="2147483659" r:id="rId11"/>
+    <p:sldLayoutId id="2147483660" r:id="rId12"/>
+    <p:sldLayoutId id="2147483661" r:id="rId13"/>
   </p:sldLayoutIdLst>
-  <p:transition xmlns:p14="http://schemas.microsoft.com/office/powerpoint/2010/main" spd="med" advClick="1"/>
+  <p:transition spd="med"/>
   <p:txStyles>
     <p:titleStyle>
       <a:lvl1pPr marL="0" marR="0" indent="0" algn="l" defTabSz="914400" rtl="0" latinLnBrk="0">
@@ -2338,7 +2449,7 @@
         <a:buFontTx/>
         <a:buNone/>
         <a:tabLst/>
-        <a:defRPr b="0" baseline="0" cap="none" i="0" spc="0" strike="noStrike" sz="4400" u="none">
+        <a:defRPr sz="4400" b="0" i="0" u="none" strike="noStrike" cap="none" spc="0" baseline="0">
           <a:ln>
             <a:noFill/>
           </a:ln>
@@ -2367,7 +2478,7 @@
         <a:buFontTx/>
         <a:buNone/>
         <a:tabLst/>
-        <a:defRPr b="0" baseline="0" cap="none" i="0" spc="0" strike="noStrike" sz="4400" u="none">
+        <a:defRPr sz="4400" b="0" i="0" u="none" strike="noStrike" cap="none" spc="0" baseline="0">
           <a:ln>
             <a:noFill/>
           </a:ln>
@@ -2396,7 +2507,7 @@
         <a:buFontTx/>
         <a:buNone/>
         <a:tabLst/>
-        <a:defRPr b="0" baseline="0" cap="none" i="0" spc="0" strike="noStrike" sz="4400" u="none">
+        <a:defRPr sz="4400" b="0" i="0" u="none" strike="noStrike" cap="none" spc="0" baseline="0">
           <a:ln>
             <a:noFill/>
           </a:ln>
@@ -2425,7 +2536,7 @@
         <a:buFontTx/>
         <a:buNone/>
         <a:tabLst/>
-        <a:defRPr b="0" baseline="0" cap="none" i="0" spc="0" strike="noStrike" sz="4400" u="none">
+        <a:defRPr sz="4400" b="0" i="0" u="none" strike="noStrike" cap="none" spc="0" baseline="0">
           <a:ln>
             <a:noFill/>
           </a:ln>
@@ -2454,7 +2565,7 @@
         <a:buFontTx/>
         <a:buNone/>
         <a:tabLst/>
-        <a:defRPr b="0" baseline="0" cap="none" i="0" spc="0" strike="noStrike" sz="4400" u="none">
+        <a:defRPr sz="4400" b="0" i="0" u="none" strike="noStrike" cap="none" spc="0" baseline="0">
           <a:ln>
             <a:noFill/>
           </a:ln>
@@ -2483,7 +2594,7 @@
         <a:buFontTx/>
         <a:buNone/>
         <a:tabLst/>
-        <a:defRPr b="0" baseline="0" cap="none" i="0" spc="0" strike="noStrike" sz="4400" u="none">
+        <a:defRPr sz="4400" b="0" i="0" u="none" strike="noStrike" cap="none" spc="0" baseline="0">
           <a:ln>
             <a:noFill/>
           </a:ln>
@@ -2512,7 +2623,7 @@
         <a:buFontTx/>
         <a:buNone/>
         <a:tabLst/>
-        <a:defRPr b="0" baseline="0" cap="none" i="0" spc="0" strike="noStrike" sz="4400" u="none">
+        <a:defRPr sz="4400" b="0" i="0" u="none" strike="noStrike" cap="none" spc="0" baseline="0">
           <a:ln>
             <a:noFill/>
           </a:ln>
@@ -2541,7 +2652,7 @@
         <a:buFontTx/>
         <a:buNone/>
         <a:tabLst/>
-        <a:defRPr b="0" baseline="0" cap="none" i="0" spc="0" strike="noStrike" sz="4400" u="none">
+        <a:defRPr sz="4400" b="0" i="0" u="none" strike="noStrike" cap="none" spc="0" baseline="0">
           <a:ln>
             <a:noFill/>
           </a:ln>
@@ -2570,7 +2681,7 @@
         <a:buFontTx/>
         <a:buNone/>
         <a:tabLst/>
-        <a:defRPr b="0" baseline="0" cap="none" i="0" spc="0" strike="noStrike" sz="4400" u="none">
+        <a:defRPr sz="4400" b="0" i="0" u="none" strike="noStrike" cap="none" spc="0" baseline="0">
           <a:ln>
             <a:noFill/>
           </a:ln>
@@ -2601,7 +2712,7 @@
         <a:buFont typeface="Arial"/>
         <a:buChar char="•"/>
         <a:tabLst/>
-        <a:defRPr b="0" baseline="0" cap="none" i="0" spc="0" strike="noStrike" sz="2800" u="none">
+        <a:defRPr sz="2800" b="0" i="0" u="none" strike="noStrike" cap="none" spc="0" baseline="0">
           <a:ln>
             <a:noFill/>
           </a:ln>
@@ -2630,7 +2741,7 @@
         <a:buFont typeface="Arial"/>
         <a:buChar char="•"/>
         <a:tabLst/>
-        <a:defRPr b="0" baseline="0" cap="none" i="0" spc="0" strike="noStrike" sz="2800" u="none">
+        <a:defRPr sz="2800" b="0" i="0" u="none" strike="noStrike" cap="none" spc="0" baseline="0">
           <a:ln>
             <a:noFill/>
           </a:ln>
@@ -2659,7 +2770,7 @@
         <a:buFont typeface="Arial"/>
         <a:buChar char="•"/>
         <a:tabLst/>
-        <a:defRPr b="0" baseline="0" cap="none" i="0" spc="0" strike="noStrike" sz="2800" u="none">
+        <a:defRPr sz="2800" b="0" i="0" u="none" strike="noStrike" cap="none" spc="0" baseline="0">
           <a:ln>
             <a:noFill/>
           </a:ln>
@@ -2688,7 +2799,7 @@
         <a:buFont typeface="Arial"/>
         <a:buChar char="•"/>
         <a:tabLst/>
-        <a:defRPr b="0" baseline="0" cap="none" i="0" spc="0" strike="noStrike" sz="2800" u="none">
+        <a:defRPr sz="2800" b="0" i="0" u="none" strike="noStrike" cap="none" spc="0" baseline="0">
           <a:ln>
             <a:noFill/>
           </a:ln>
@@ -2717,7 +2828,7 @@
         <a:buFont typeface="Arial"/>
         <a:buChar char="•"/>
         <a:tabLst/>
-        <a:defRPr b="0" baseline="0" cap="none" i="0" spc="0" strike="noStrike" sz="2800" u="none">
+        <a:defRPr sz="2800" b="0" i="0" u="none" strike="noStrike" cap="none" spc="0" baseline="0">
           <a:ln>
             <a:noFill/>
           </a:ln>
@@ -2746,7 +2857,7 @@
         <a:buFont typeface="Arial"/>
         <a:buChar char="•"/>
         <a:tabLst/>
-        <a:defRPr b="0" baseline="0" cap="none" i="0" spc="0" strike="noStrike" sz="2800" u="none">
+        <a:defRPr sz="2800" b="0" i="0" u="none" strike="noStrike" cap="none" spc="0" baseline="0">
           <a:ln>
             <a:noFill/>
           </a:ln>
@@ -2775,7 +2886,7 @@
         <a:buFont typeface="Arial"/>
         <a:buChar char="•"/>
         <a:tabLst/>
-        <a:defRPr b="0" baseline="0" cap="none" i="0" spc="0" strike="noStrike" sz="2800" u="none">
+        <a:defRPr sz="2800" b="0" i="0" u="none" strike="noStrike" cap="none" spc="0" baseline="0">
           <a:ln>
             <a:noFill/>
           </a:ln>
@@ -2804,7 +2915,7 @@
         <a:buFont typeface="Arial"/>
         <a:buChar char="•"/>
         <a:tabLst/>
-        <a:defRPr b="0" baseline="0" cap="none" i="0" spc="0" strike="noStrike" sz="2800" u="none">
+        <a:defRPr sz="2800" b="0" i="0" u="none" strike="noStrike" cap="none" spc="0" baseline="0">
           <a:ln>
             <a:noFill/>
           </a:ln>
@@ -2833,7 +2944,7 @@
         <a:buFont typeface="Arial"/>
         <a:buChar char="•"/>
         <a:tabLst/>
-        <a:defRPr b="0" baseline="0" cap="none" i="0" spc="0" strike="noStrike" sz="2800" u="none">
+        <a:defRPr sz="2800" b="0" i="0" u="none" strike="noStrike" cap="none" spc="0" baseline="0">
           <a:ln>
             <a:noFill/>
           </a:ln>
@@ -2864,7 +2975,7 @@
         <a:buFontTx/>
         <a:buNone/>
         <a:tabLst/>
-        <a:defRPr b="0" baseline="0" cap="none" i="0" spc="0" strike="noStrike" sz="1200" u="none">
+        <a:defRPr sz="1200" b="0" i="0" u="none" strike="noStrike" cap="none" spc="0" baseline="0">
           <a:ln>
             <a:noFill/>
           </a:ln>
@@ -2893,7 +3004,7 @@
         <a:buFontTx/>
         <a:buNone/>
         <a:tabLst/>
-        <a:defRPr b="0" baseline="0" cap="none" i="0" spc="0" strike="noStrike" sz="1200" u="none">
+        <a:defRPr sz="1200" b="0" i="0" u="none" strike="noStrike" cap="none" spc="0" baseline="0">
           <a:ln>
             <a:noFill/>
           </a:ln>
@@ -2922,7 +3033,7 @@
         <a:buFontTx/>
         <a:buNone/>
         <a:tabLst/>
-        <a:defRPr b="0" baseline="0" cap="none" i="0" spc="0" strike="noStrike" sz="1200" u="none">
+        <a:defRPr sz="1200" b="0" i="0" u="none" strike="noStrike" cap="none" spc="0" baseline="0">
           <a:ln>
             <a:noFill/>
           </a:ln>
@@ -2951,7 +3062,7 @@
         <a:buFontTx/>
         <a:buNone/>
         <a:tabLst/>
-        <a:defRPr b="0" baseline="0" cap="none" i="0" spc="0" strike="noStrike" sz="1200" u="none">
+        <a:defRPr sz="1200" b="0" i="0" u="none" strike="noStrike" cap="none" spc="0" baseline="0">
           <a:ln>
             <a:noFill/>
           </a:ln>
@@ -2980,7 +3091,7 @@
         <a:buFontTx/>
         <a:buNone/>
         <a:tabLst/>
-        <a:defRPr b="0" baseline="0" cap="none" i="0" spc="0" strike="noStrike" sz="1200" u="none">
+        <a:defRPr sz="1200" b="0" i="0" u="none" strike="noStrike" cap="none" spc="0" baseline="0">
           <a:ln>
             <a:noFill/>
           </a:ln>
@@ -3009,7 +3120,7 @@
         <a:buFontTx/>
         <a:buNone/>
         <a:tabLst/>
-        <a:defRPr b="0" baseline="0" cap="none" i="0" spc="0" strike="noStrike" sz="1200" u="none">
+        <a:defRPr sz="1200" b="0" i="0" u="none" strike="noStrike" cap="none" spc="0" baseline="0">
           <a:ln>
             <a:noFill/>
           </a:ln>
@@ -3038,7 +3149,7 @@
         <a:buFontTx/>
         <a:buNone/>
         <a:tabLst/>
-        <a:defRPr b="0" baseline="0" cap="none" i="0" spc="0" strike="noStrike" sz="1200" u="none">
+        <a:defRPr sz="1200" b="0" i="0" u="none" strike="noStrike" cap="none" spc="0" baseline="0">
           <a:ln>
             <a:noFill/>
           </a:ln>
@@ -3067,7 +3178,7 @@
         <a:buFontTx/>
         <a:buNone/>
         <a:tabLst/>
-        <a:defRPr b="0" baseline="0" cap="none" i="0" spc="0" strike="noStrike" sz="1200" u="none">
+        <a:defRPr sz="1200" b="0" i="0" u="none" strike="noStrike" cap="none" spc="0" baseline="0">
           <a:ln>
             <a:noFill/>
           </a:ln>
@@ -3096,7 +3207,7 @@
         <a:buFontTx/>
         <a:buNone/>
         <a:tabLst/>
-        <a:defRPr b="0" baseline="0" cap="none" i="0" spc="0" strike="noStrike" sz="1200" u="none">
+        <a:defRPr sz="1200" b="0" i="0" u="none" strike="noStrike" cap="none" spc="0" baseline="0">
           <a:ln>
             <a:noFill/>
           </a:ln>
@@ -3116,13 +3227,14 @@
 </file>
 
 <file path=ppt/slides/slide1.xml><?xml version="1.0" encoding="utf-8"?>
-<p:sld xmlns:a="http://schemas.openxmlformats.org/drawingml/2006/main" xmlns:r="http://schemas.openxmlformats.org/officeDocument/2006/relationships" xmlns:p="http://schemas.openxmlformats.org/presentationml/2006/main" showMasterSp="1" showMasterPhAnim="1">
+<p:sld xmlns:a="http://schemas.openxmlformats.org/drawingml/2006/main" xmlns:r="http://schemas.openxmlformats.org/officeDocument/2006/relationships" xmlns:p="http://schemas.openxmlformats.org/presentationml/2006/main">
   <p:cSld>
     <p:bg>
       <p:bgPr>
         <a:solidFill>
           <a:srgbClr val="E3FDDB"/>
         </a:solidFill>
+        <a:effectLst/>
       </p:bgPr>
     </p:bg>
     <p:spTree>
@@ -3158,7 +3270,7 @@
           </a:ln>
           <a:extLst>
             <a:ext uri="{C572A759-6A51-4108-AA02-DFA0A04FC94B}">
-              <ma14:wrappingTextBoxFlag xmlns:ma14="http://schemas.microsoft.com/office/mac/drawingml/2011/main" val="1"/>
+              <ma14:wrappingTextBoxFlag xmlns:ma14="http://schemas.microsoft.com/office/mac/drawingml/2011/main" xmlns="" val="1"/>
             </a:ext>
           </a:extLst>
         </p:spPr>
@@ -3175,7 +3287,7 @@
               <a:spcBef>
                 <a:spcPts val="600"/>
               </a:spcBef>
-              <a:defRPr b="1" sz="3500" u="sng">
+              <a:defRPr sz="3500" b="1" u="sng">
                 <a:latin typeface="Arial"/>
                 <a:ea typeface="Arial"/>
                 <a:cs typeface="Arial"/>
@@ -3201,6 +3313,7 @@
                 <a:sym typeface="Arial"/>
               </a:defRPr>
             </a:pPr>
+            <a:endParaRPr/>
           </a:p>
           <a:p>
             <a:pPr>
@@ -3252,13 +3365,14 @@
               <a:spcBef>
                 <a:spcPts val="600"/>
               </a:spcBef>
-              <a:defRPr b="1" sz="3000">
+              <a:defRPr sz="3000" b="1">
                 <a:latin typeface="Arial"/>
                 <a:ea typeface="Arial"/>
                 <a:cs typeface="Arial"/>
                 <a:sym typeface="Arial"/>
               </a:defRPr>
             </a:pPr>
+            <a:endParaRPr b="1"/>
           </a:p>
           <a:p>
             <a:pPr>
@@ -3268,7 +3382,7 @@
               <a:spcBef>
                 <a:spcPts val="600"/>
               </a:spcBef>
-              <a:defRPr b="1" sz="3000" u="sng">
+              <a:defRPr sz="3000" b="1" u="sng">
                 <a:latin typeface="Arial"/>
                 <a:ea typeface="Arial"/>
                 <a:cs typeface="Arial"/>
@@ -3287,13 +3401,14 @@
               <a:spcBef>
                 <a:spcPts val="600"/>
               </a:spcBef>
-              <a:defRPr b="1" sz="1000" u="sng">
+              <a:defRPr sz="1000" b="1" u="sng">
                 <a:latin typeface="Arial"/>
                 <a:ea typeface="Arial"/>
                 <a:cs typeface="Arial"/>
                 <a:sym typeface="Arial"/>
               </a:defRPr>
             </a:pPr>
+            <a:endParaRPr/>
           </a:p>
           <a:p>
             <a:pPr>
@@ -3348,6 +3463,7 @@
                 <a:sym typeface="Arial"/>
               </a:defRPr>
             </a:pPr>
+            <a:endParaRPr/>
           </a:p>
           <a:p>
             <a:pPr>
@@ -3383,6 +3499,7 @@
                 <a:sym typeface="Arial"/>
               </a:defRPr>
             </a:pPr>
+            <a:endParaRPr/>
           </a:p>
           <a:p>
             <a:pPr>
@@ -3418,6 +3535,7 @@
                 <a:sym typeface="Arial"/>
               </a:defRPr>
             </a:pPr>
+            <a:endParaRPr/>
           </a:p>
           <a:p>
             <a:pPr>
@@ -3449,9 +3567,7 @@
           <p:nvPr/>
         </p:nvPicPr>
         <p:blipFill>
-          <a:blip r:embed="rId2">
-            <a:extLst/>
-          </a:blip>
+          <a:blip r:embed="rId2"/>
           <a:stretch>
             <a:fillRect/>
           </a:stretch>
@@ -3488,7 +3604,7 @@
           </a:ln>
           <a:extLst>
             <a:ext uri="{C572A759-6A51-4108-AA02-DFA0A04FC94B}">
-              <ma14:wrappingTextBoxFlag xmlns:ma14="http://schemas.microsoft.com/office/mac/drawingml/2011/main" val="1"/>
+              <ma14:wrappingTextBoxFlag xmlns:ma14="http://schemas.microsoft.com/office/mac/drawingml/2011/main" xmlns="" val="1"/>
             </a:ext>
           </a:extLst>
         </p:spPr>
@@ -3498,7 +3614,6 @@
           </a:bodyPr>
           <a:lstStyle/>
           <a:p>
-            <a:pPr/>
             <a:r>
               <a:t>Quelle:  mercadolibre.com</a:t>
             </a:r>
@@ -3514,9 +3629,7 @@
           <p:nvPr/>
         </p:nvPicPr>
         <p:blipFill>
-          <a:blip r:embed="rId3">
-            <a:extLst/>
-          </a:blip>
+          <a:blip r:embed="rId3"/>
           <a:stretch>
             <a:fillRect/>
           </a:stretch>
@@ -3543,9 +3656,7 @@
           <p:nvPr/>
         </p:nvPicPr>
         <p:blipFill>
-          <a:blip r:embed="rId4">
-            <a:extLst/>
-          </a:blip>
+          <a:blip r:embed="rId4"/>
           <a:stretch>
             <a:fillRect/>
           </a:stretch>
@@ -3572,9 +3683,7 @@
           <p:nvPr/>
         </p:nvPicPr>
         <p:blipFill>
-          <a:blip r:embed="rId5">
-            <a:extLst/>
-          </a:blip>
+          <a:blip r:embed="rId5"/>
           <a:stretch>
             <a:fillRect/>
           </a:stretch>
@@ -3601,9 +3710,7 @@
           <p:nvPr/>
         </p:nvPicPr>
         <p:blipFill>
-          <a:blip r:embed="rId4">
-            <a:extLst/>
-          </a:blip>
+          <a:blip r:embed="rId4"/>
           <a:stretch>
             <a:fillRect/>
           </a:stretch>
@@ -3630,9 +3737,7 @@
           <p:nvPr/>
         </p:nvPicPr>
         <p:blipFill>
-          <a:blip r:embed="rId4">
-            <a:extLst/>
-          </a:blip>
+          <a:blip r:embed="rId4"/>
           <a:stretch>
             <a:fillRect/>
           </a:stretch>
@@ -3659,9 +3764,7 @@
           <p:nvPr/>
         </p:nvPicPr>
         <p:blipFill>
-          <a:blip r:embed="rId6">
-            <a:extLst/>
-          </a:blip>
+          <a:blip r:embed="rId6"/>
           <a:stretch>
             <a:fillRect/>
           </a:stretch>
@@ -3684,12 +3787,12 @@
   <p:clrMapOvr>
     <a:masterClrMapping/>
   </p:clrMapOvr>
-  <p:transition xmlns:p14="http://schemas.microsoft.com/office/powerpoint/2010/main" spd="med" advClick="1"/>
+  <p:transition spd="med"/>
 </p:sld>
 </file>
 
 <file path=ppt/slides/slide10.xml><?xml version="1.0" encoding="utf-8"?>
-<p:sld xmlns:a="http://schemas.openxmlformats.org/drawingml/2006/main" xmlns:r="http://schemas.openxmlformats.org/officeDocument/2006/relationships" xmlns:p="http://schemas.openxmlformats.org/presentationml/2006/main" showMasterSp="1" showMasterPhAnim="1">
+<p:sld xmlns:a="http://schemas.openxmlformats.org/drawingml/2006/main" xmlns:r="http://schemas.openxmlformats.org/officeDocument/2006/relationships" xmlns:p="http://schemas.openxmlformats.org/presentationml/2006/main">
   <p:cSld>
     <p:spTree>
       <p:nvGrpSpPr>
@@ -3724,7 +3827,7 @@
           </a:ln>
           <a:extLst>
             <a:ext uri="{C572A759-6A51-4108-AA02-DFA0A04FC94B}">
-              <ma14:wrappingTextBoxFlag xmlns:ma14="http://schemas.microsoft.com/office/mac/drawingml/2011/main" val="1"/>
+              <ma14:wrappingTextBoxFlag xmlns:ma14="http://schemas.microsoft.com/office/mac/drawingml/2011/main" xmlns="" val="1"/>
             </a:ext>
           </a:extLst>
         </p:spPr>
@@ -3742,7 +3845,6 @@
             </a:lvl1pPr>
           </a:lstStyle>
           <a:p>
-            <a:pPr/>
             <a:r>
               <a:t>Mlst.-Präsentation Nr. 1  /  Gruppe 15</a:t>
             </a:r>
@@ -3752,7 +3854,9 @@
       <p:sp>
         <p:nvSpPr>
           <p:cNvPr id="215" name="Shape 215"/>
-          <p:cNvSpPr/>
+          <p:cNvSpPr>
+            <a:spLocks noGrp="1"/>
+          </p:cNvSpPr>
           <p:nvPr>
             <p:ph type="title"/>
           </p:nvPr>
@@ -3770,7 +3874,7 @@
           <a:bodyPr/>
           <a:lstStyle>
             <a:lvl1pPr>
-              <a:defRPr b="1" sz="2000">
+              <a:defRPr sz="2000" b="1">
                 <a:latin typeface="Arial"/>
                 <a:ea typeface="Arial"/>
                 <a:cs typeface="Arial"/>
@@ -3779,7 +3883,6 @@
             </a:lvl1pPr>
           </a:lstStyle>
           <a:p>
-            <a:pPr/>
             <a:r>
               <a:t>	 Übersicht</a:t>
             </a:r>
@@ -3789,7 +3892,9 @@
       <p:sp>
         <p:nvSpPr>
           <p:cNvPr id="216" name="Shape 216"/>
-          <p:cNvSpPr/>
+          <p:cNvSpPr>
+            <a:spLocks noGrp="1"/>
+          </p:cNvSpPr>
           <p:nvPr>
             <p:ph type="body" sz="half" idx="1"/>
           </p:nvPr>
@@ -3832,6 +3937,7 @@
                 <a:sym typeface="Arial"/>
               </a:defRPr>
             </a:pPr>
+            <a:endParaRPr/>
           </a:p>
           <a:p>
             <a:pPr marL="0" indent="0">
@@ -3859,6 +3965,7 @@
                 <a:sym typeface="Arial"/>
               </a:defRPr>
             </a:pPr>
+            <a:endParaRPr/>
           </a:p>
           <a:p>
             <a:pPr marL="0" indent="0">
@@ -3886,12 +3993,13 @@
                 <a:sym typeface="Arial"/>
               </a:defRPr>
             </a:pPr>
+            <a:endParaRPr/>
           </a:p>
           <a:p>
             <a:pPr marL="0" indent="0">
               <a:buSzTx/>
               <a:buNone/>
-              <a:defRPr b="1" sz="3000">
+              <a:defRPr sz="3000" b="1">
                 <a:latin typeface="Arial"/>
                 <a:ea typeface="Arial"/>
                 <a:cs typeface="Arial"/>
@@ -3907,7 +4015,9 @@
       <p:sp>
         <p:nvSpPr>
           <p:cNvPr id="217" name="Shape 217"/>
-          <p:cNvSpPr/>
+          <p:cNvSpPr>
+            <a:spLocks noGrp="1"/>
+          </p:cNvSpPr>
           <p:nvPr>
             <p:ph type="sldNum" sz="quarter" idx="4294967295"/>
           </p:nvPr>
@@ -3922,7 +4032,7 @@
           </a:prstGeom>
           <a:extLst>
             <a:ext uri="{C572A759-6A51-4108-AA02-DFA0A04FC94B}">
-              <ma14:wrappingTextBoxFlag xmlns:ma14="http://schemas.microsoft.com/office/mac/drawingml/2011/main" val="1"/>
+              <ma14:wrappingTextBoxFlag xmlns:ma14="http://schemas.microsoft.com/office/mac/drawingml/2011/main" xmlns="" val="1"/>
             </a:ext>
           </a:extLst>
         </p:spPr>
@@ -3930,8 +4040,10 @@
           <a:bodyPr/>
           <a:lstStyle/>
           <a:p>
-            <a:pPr/>
-            <a:fld id="{86CB4B4D-7CA3-9044-876B-883B54F8677D}" type="slidenum"/>
+            <a:fld id="{86CB4B4D-7CA3-9044-876B-883B54F8677D}" type="slidenum">
+              <a:t>10</a:t>
+            </a:fld>
+            <a:endParaRPr/>
           </a:p>
         </p:txBody>
       </p:sp>
@@ -3944,9 +4056,7 @@
           <p:nvPr/>
         </p:nvPicPr>
         <p:blipFill>
-          <a:blip r:embed="rId2">
-            <a:extLst/>
-          </a:blip>
+          <a:blip r:embed="rId2"/>
           <a:stretch>
             <a:fillRect/>
           </a:stretch>
@@ -3985,7 +4095,7 @@
             <a:miter/>
           </a:ln>
           <a:effectLst>
-            <a:outerShdw sx="100000" sy="100000" kx="0" ky="0" algn="b" rotWithShape="0" blurRad="50800" dist="38100" dir="2700000">
+            <a:outerShdw blurRad="50800" dist="38100" dir="2700000" rotWithShape="0">
               <a:srgbClr val="000000">
                 <a:alpha val="40000"/>
               </a:srgbClr>
@@ -3996,7 +4106,7 @@
           <a:bodyPr lIns="45718" tIns="45718" rIns="45718" bIns="45718"/>
           <a:lstStyle/>
           <a:p>
-            <a:pPr/>
+            <a:endParaRPr/>
           </a:p>
         </p:txBody>
       </p:sp>
@@ -4009,9 +4119,7 @@
           <p:nvPr/>
         </p:nvPicPr>
         <p:blipFill>
-          <a:blip r:embed="rId3">
-            <a:extLst/>
-          </a:blip>
+          <a:blip r:embed="rId3"/>
           <a:stretch>
             <a:fillRect/>
           </a:stretch>
@@ -4038,9 +4146,7 @@
           <p:nvPr/>
         </p:nvPicPr>
         <p:blipFill>
-          <a:blip r:embed="rId4">
-            <a:extLst/>
-          </a:blip>
+          <a:blip r:embed="rId4"/>
           <a:stretch>
             <a:fillRect/>
           </a:stretch>
@@ -4067,9 +4173,7 @@
           <p:nvPr/>
         </p:nvPicPr>
         <p:blipFill>
-          <a:blip r:embed="rId5">
-            <a:extLst/>
-          </a:blip>
+          <a:blip r:embed="rId5"/>
           <a:stretch>
             <a:fillRect/>
           </a:stretch>
@@ -4096,9 +4200,7 @@
           <p:nvPr/>
         </p:nvPicPr>
         <p:blipFill>
-          <a:blip r:embed="rId6">
-            <a:extLst/>
-          </a:blip>
+          <a:blip r:embed="rId6"/>
           <a:stretch>
             <a:fillRect/>
           </a:stretch>
@@ -4121,12 +4223,12 @@
   <p:clrMapOvr>
     <a:masterClrMapping/>
   </p:clrMapOvr>
-  <p:transition xmlns:p14="http://schemas.microsoft.com/office/powerpoint/2010/main" spd="med" advClick="1" p14:dur="1000"/>
+  <p:transition spd="slow"/>
 </p:sld>
 </file>
 
 <file path=ppt/slides/slide11.xml><?xml version="1.0" encoding="utf-8"?>
-<p:sld xmlns:a="http://schemas.openxmlformats.org/drawingml/2006/main" xmlns:r="http://schemas.openxmlformats.org/officeDocument/2006/relationships" xmlns:p="http://schemas.openxmlformats.org/presentationml/2006/main" showMasterSp="1" showMasterPhAnim="1">
+<p:sld xmlns:a="http://schemas.openxmlformats.org/drawingml/2006/main" xmlns:r="http://schemas.openxmlformats.org/officeDocument/2006/relationships" xmlns:p="http://schemas.openxmlformats.org/presentationml/2006/main">
   <p:cSld>
     <p:spTree>
       <p:nvGrpSpPr>
@@ -4142,6 +4244,33 @@
           <a:chExt cx="0" cy="0"/>
         </a:xfrm>
       </p:grpSpPr>
+      <p:pic>
+        <p:nvPicPr>
+          <p:cNvPr id="231" name="image14.png"/>
+          <p:cNvPicPr>
+            <a:picLocks noChangeAspect="1"/>
+          </p:cNvPicPr>
+          <p:nvPr/>
+        </p:nvPicPr>
+        <p:blipFill>
+          <a:blip r:embed="rId2"/>
+          <a:stretch>
+            <a:fillRect/>
+          </a:stretch>
+        </p:blipFill>
+        <p:spPr>
+          <a:xfrm>
+            <a:off x="695999" y="2673000"/>
+            <a:ext cx="6097146" cy="2556412"/>
+          </a:xfrm>
+          <a:prstGeom prst="rect">
+            <a:avLst/>
+          </a:prstGeom>
+          <a:ln w="12700">
+            <a:miter lim="400000"/>
+          </a:ln>
+        </p:spPr>
+      </p:pic>
       <p:sp>
         <p:nvSpPr>
           <p:cNvPr id="225" name="Shape 225"/>
@@ -4161,7 +4290,7 @@
           </a:ln>
           <a:extLst>
             <a:ext uri="{C572A759-6A51-4108-AA02-DFA0A04FC94B}">
-              <ma14:wrappingTextBoxFlag xmlns:ma14="http://schemas.microsoft.com/office/mac/drawingml/2011/main" val="1"/>
+              <ma14:wrappingTextBoxFlag xmlns:ma14="http://schemas.microsoft.com/office/mac/drawingml/2011/main" xmlns="" val="1"/>
             </a:ext>
           </a:extLst>
         </p:spPr>
@@ -4179,7 +4308,6 @@
             </a:lvl1pPr>
           </a:lstStyle>
           <a:p>
-            <a:pPr/>
             <a:r>
               <a:t>Mlst.-Präsentation Nr. 1  /  Gruppe 15</a:t>
             </a:r>
@@ -4189,7 +4317,9 @@
       <p:sp>
         <p:nvSpPr>
           <p:cNvPr id="226" name="Shape 226"/>
-          <p:cNvSpPr/>
+          <p:cNvSpPr>
+            <a:spLocks noGrp="1"/>
+          </p:cNvSpPr>
           <p:nvPr>
             <p:ph type="title"/>
           </p:nvPr>
@@ -4207,7 +4337,7 @@
           <a:bodyPr/>
           <a:lstStyle>
             <a:lvl1pPr>
-              <a:defRPr b="1" sz="2000">
+              <a:defRPr sz="2000" b="1">
                 <a:latin typeface="Arial"/>
                 <a:ea typeface="Arial"/>
                 <a:cs typeface="Arial"/>
@@ -4216,7 +4346,6 @@
             </a:lvl1pPr>
           </a:lstStyle>
           <a:p>
-            <a:pPr/>
             <a:r>
               <a:t>	Standpunkt / Zwischenresümee</a:t>
             </a:r>
@@ -4226,7 +4355,9 @@
       <p:sp>
         <p:nvSpPr>
           <p:cNvPr id="227" name="Shape 227"/>
-          <p:cNvSpPr/>
+          <p:cNvSpPr>
+            <a:spLocks noGrp="1"/>
+          </p:cNvSpPr>
           <p:nvPr>
             <p:ph type="sldNum" sz="quarter" idx="4294967295"/>
           </p:nvPr>
@@ -4241,7 +4372,7 @@
           </a:prstGeom>
           <a:extLst>
             <a:ext uri="{C572A759-6A51-4108-AA02-DFA0A04FC94B}">
-              <ma14:wrappingTextBoxFlag xmlns:ma14="http://schemas.microsoft.com/office/mac/drawingml/2011/main" val="1"/>
+              <ma14:wrappingTextBoxFlag xmlns:ma14="http://schemas.microsoft.com/office/mac/drawingml/2011/main" xmlns="" val="1"/>
             </a:ext>
           </a:extLst>
         </p:spPr>
@@ -4249,8 +4380,10 @@
           <a:bodyPr/>
           <a:lstStyle/>
           <a:p>
-            <a:pPr/>
-            <a:fld id="{86CB4B4D-7CA3-9044-876B-883B54F8677D}" type="slidenum"/>
+            <a:fld id="{86CB4B4D-7CA3-9044-876B-883B54F8677D}" type="slidenum">
+              <a:t>11</a:t>
+            </a:fld>
+            <a:endParaRPr/>
           </a:p>
         </p:txBody>
       </p:sp>
@@ -4275,7 +4408,7 @@
             <a:miter/>
           </a:ln>
           <a:effectLst>
-            <a:outerShdw sx="100000" sy="100000" kx="0" ky="0" algn="b" rotWithShape="0" blurRad="50800" dist="38100" dir="2700000">
+            <a:outerShdw blurRad="50800" dist="38100" dir="2700000" rotWithShape="0">
               <a:srgbClr val="000000">
                 <a:alpha val="40000"/>
               </a:srgbClr>
@@ -4286,7 +4419,7 @@
           <a:bodyPr lIns="45718" tIns="45718" rIns="45718" bIns="45718"/>
           <a:lstStyle/>
           <a:p>
-            <a:pPr/>
+            <a:endParaRPr/>
           </a:p>
         </p:txBody>
       </p:sp>
@@ -4299,9 +4432,7 @@
           <p:nvPr/>
         </p:nvPicPr>
         <p:blipFill>
-          <a:blip r:embed="rId2">
-            <a:extLst/>
-          </a:blip>
+          <a:blip r:embed="rId3"/>
           <a:stretch>
             <a:fillRect/>
           </a:stretch>
@@ -4338,7 +4469,7 @@
           </a:ln>
           <a:extLst>
             <a:ext uri="{C572A759-6A51-4108-AA02-DFA0A04FC94B}">
-              <ma14:wrappingTextBoxFlag xmlns:ma14="http://schemas.microsoft.com/office/mac/drawingml/2011/main" val="1"/>
+              <ma14:wrappingTextBoxFlag xmlns:ma14="http://schemas.microsoft.com/office/mac/drawingml/2011/main" xmlns="" val="1"/>
             </a:ext>
           </a:extLst>
         </p:spPr>
@@ -4352,151 +4483,335 @@
               <a:buSzPct val="100000"/>
               <a:buFont typeface="Wingdings"/>
               <a:buChar char="▪"/>
-              <a:defRPr b="1" sz="2000"/>
-            </a:pPr>
-            <a:r>
-              <a:t>Zielvorgaben der Meilensteine bisher im grossen und ganzen erreicht:</a:t>
-            </a:r>
-          </a:p>
-          <a:p>
-            <a:pPr lvl="1" marL="800100" indent="-342900">
+              <a:defRPr sz="2000" b="1"/>
+            </a:pPr>
+            <a:r>
+              <a:rPr dirty="0" err="1"/>
+              <a:t>Zielvorgaben</a:t>
+            </a:r>
+            <a:r>
+              <a:rPr dirty="0"/>
+              <a:t> der </a:t>
+            </a:r>
+            <a:r>
+              <a:rPr dirty="0" err="1"/>
+              <a:t>Meilensteine</a:t>
+            </a:r>
+            <a:r>
+              <a:rPr dirty="0"/>
+              <a:t> </a:t>
+            </a:r>
+            <a:r>
+              <a:rPr dirty="0" err="1"/>
+              <a:t>bisher</a:t>
+            </a:r>
+            <a:r>
+              <a:rPr dirty="0"/>
+              <a:t> </a:t>
+            </a:r>
+            <a:r>
+              <a:rPr dirty="0" err="1"/>
+              <a:t>im</a:t>
+            </a:r>
+            <a:r>
+              <a:rPr dirty="0"/>
+              <a:t> </a:t>
+            </a:r>
+            <a:r>
+              <a:rPr dirty="0" err="1"/>
+              <a:t>grossen</a:t>
+            </a:r>
+            <a:r>
+              <a:rPr dirty="0"/>
+              <a:t> und </a:t>
+            </a:r>
+            <a:r>
+              <a:rPr dirty="0" err="1"/>
+              <a:t>ganzen</a:t>
+            </a:r>
+            <a:r>
+              <a:rPr dirty="0"/>
+              <a:t> </a:t>
+            </a:r>
+            <a:r>
+              <a:rPr dirty="0" err="1"/>
+              <a:t>erreicht</a:t>
+            </a:r>
+            <a:r>
+              <a:rPr dirty="0"/>
+              <a:t>:</a:t>
+            </a:r>
+          </a:p>
+          <a:p>
+            <a:pPr marL="800100" lvl="1" indent="-342900">
               <a:buSzPct val="100000"/>
               <a:buChar char="-"/>
               <a:defRPr sz="2000"/>
             </a:pPr>
             <a:r>
-              <a:t>Dokumentation wurde erstellt </a:t>
-            </a:r>
-          </a:p>
-          <a:p>
-            <a:pPr lvl="1" marL="800100" indent="-342900">
+              <a:rPr dirty="0" err="1"/>
+              <a:t>Dokumentation</a:t>
+            </a:r>
+            <a:r>
+              <a:rPr dirty="0"/>
+              <a:t> </a:t>
+            </a:r>
+            <a:r>
+              <a:rPr dirty="0" err="1"/>
+              <a:t>wurde</a:t>
+            </a:r>
+            <a:r>
+              <a:rPr dirty="0"/>
+              <a:t> </a:t>
+            </a:r>
+            <a:r>
+              <a:rPr dirty="0" err="1"/>
+              <a:t>erstellt</a:t>
+            </a:r>
+            <a:r>
+              <a:rPr dirty="0"/>
+              <a:t> </a:t>
+            </a:r>
+          </a:p>
+          <a:p>
+            <a:pPr marL="800100" lvl="1" indent="-342900">
               <a:buSzPct val="100000"/>
               <a:buChar char="-"/>
               <a:defRPr sz="2000"/>
             </a:pPr>
             <a:r>
-              <a:t>Der Code erfüllt die verlangte Funktion</a:t>
-            </a:r>
+              <a:rPr dirty="0"/>
+              <a:t>Der Code </a:t>
+            </a:r>
+            <a:r>
+              <a:rPr dirty="0" err="1"/>
+              <a:t>erfüllt</a:t>
+            </a:r>
+            <a:r>
+              <a:rPr dirty="0"/>
+              <a:t> die </a:t>
+            </a:r>
+            <a:r>
+              <a:rPr dirty="0" err="1"/>
+              <a:t>verlangte</a:t>
+            </a:r>
+            <a:r>
+              <a:rPr dirty="0"/>
+              <a:t> </a:t>
+            </a:r>
+            <a:r>
+              <a:rPr dirty="0" err="1"/>
+              <a:t>Funktion</a:t>
+            </a:r>
+            <a:endParaRPr dirty="0"/>
           </a:p>
           <a:p>
             <a:pPr lvl="1" indent="457200">
               <a:defRPr sz="2000"/>
             </a:pPr>
+            <a:endParaRPr dirty="0"/>
           </a:p>
           <a:p>
             <a:pPr marL="342900" indent="-342900">
               <a:buSzPct val="100000"/>
               <a:buFont typeface="Wingdings"/>
               <a:buChar char="▪"/>
-              <a:defRPr b="1" sz="2000"/>
-            </a:pPr>
-            <a:r>
-              <a:t>Zuständigkeiten haben sich nicht geändert:</a:t>
+              <a:defRPr sz="2000" b="1"/>
+            </a:pPr>
+            <a:r>
+              <a:rPr dirty="0" err="1"/>
+              <a:t>Zuständigkeiten</a:t>
+            </a:r>
+            <a:r>
+              <a:rPr dirty="0"/>
+              <a:t> </a:t>
+            </a:r>
+            <a:r>
+              <a:rPr dirty="0" err="1"/>
+              <a:t>haben</a:t>
+            </a:r>
+            <a:r>
+              <a:rPr dirty="0"/>
+              <a:t> </a:t>
+            </a:r>
+            <a:r>
+              <a:rPr dirty="0" err="1"/>
+              <a:t>sich</a:t>
+            </a:r>
+            <a:r>
+              <a:rPr dirty="0"/>
+              <a:t> </a:t>
+            </a:r>
+            <a:r>
+              <a:rPr dirty="0" err="1"/>
+              <a:t>nicht</a:t>
+            </a:r>
+            <a:r>
+              <a:rPr dirty="0"/>
+              <a:t> </a:t>
+            </a:r>
+            <a:r>
+              <a:rPr dirty="0" err="1"/>
+              <a:t>geändert</a:t>
+            </a:r>
+            <a:r>
+              <a:rPr dirty="0"/>
+              <a:t>:</a:t>
             </a:r>
           </a:p>
           <a:p>
             <a:pPr lvl="1" indent="457200">
               <a:defRPr sz="2000"/>
             </a:pPr>
+            <a:endParaRPr dirty="0"/>
           </a:p>
           <a:p>
             <a:pPr lvl="1" indent="457200">
               <a:defRPr sz="2000"/>
             </a:pPr>
+            <a:endParaRPr dirty="0"/>
           </a:p>
           <a:p>
             <a:pPr>
               <a:defRPr sz="2000"/>
             </a:pPr>
+            <a:endParaRPr dirty="0"/>
           </a:p>
           <a:p>
             <a:pPr>
               <a:defRPr sz="2000"/>
             </a:pPr>
+            <a:endParaRPr dirty="0"/>
           </a:p>
           <a:p>
             <a:pPr>
               <a:defRPr sz="2000"/>
             </a:pPr>
+            <a:endParaRPr dirty="0"/>
           </a:p>
           <a:p>
             <a:pPr>
               <a:defRPr sz="2000"/>
             </a:pPr>
+            <a:endParaRPr dirty="0"/>
           </a:p>
           <a:p>
             <a:pPr>
               <a:defRPr sz="2000"/>
             </a:pPr>
+            <a:endParaRPr dirty="0"/>
           </a:p>
           <a:p>
             <a:pPr>
               <a:defRPr sz="2000"/>
             </a:pPr>
+            <a:endParaRPr dirty="0"/>
           </a:p>
           <a:p>
             <a:pPr marL="342900" indent="-342900">
               <a:buSzPct val="100000"/>
               <a:buFont typeface="Wingdings"/>
               <a:buChar char="▪"/>
-              <a:defRPr b="1" sz="2000"/>
-            </a:pPr>
-            <a:r>
-              <a:t>Keine 180° drehungen:</a:t>
-            </a:r>
-          </a:p>
-          <a:p>
-            <a:pPr lvl="1" marL="800100" indent="-342900">
+              <a:defRPr sz="2000" b="1"/>
+            </a:pPr>
+            <a:r>
+              <a:rPr dirty="0" err="1"/>
+              <a:t>Keine</a:t>
+            </a:r>
+            <a:r>
+              <a:rPr dirty="0"/>
+              <a:t> 180° </a:t>
+            </a:r>
+            <a:r>
+              <a:rPr dirty="0" err="1"/>
+              <a:t>drehungen</a:t>
+            </a:r>
+            <a:r>
+              <a:rPr dirty="0"/>
+              <a:t>:</a:t>
+            </a:r>
+          </a:p>
+          <a:p>
+            <a:pPr marL="800100" lvl="1" indent="-342900">
               <a:buSzPct val="100000"/>
               <a:buChar char="-"/>
               <a:defRPr sz="2000"/>
             </a:pPr>
             <a:r>
-              <a:t>Wir konnten das Spiel verwirklichen wie wir es uns vorgestellt haben</a:t>
-            </a:r>
+              <a:rPr dirty="0" err="1"/>
+              <a:t>Wir</a:t>
+            </a:r>
+            <a:r>
+              <a:rPr dirty="0"/>
+              <a:t> </a:t>
+            </a:r>
+            <a:r>
+              <a:rPr dirty="0" err="1"/>
+              <a:t>konnten</a:t>
+            </a:r>
+            <a:r>
+              <a:rPr dirty="0"/>
+              <a:t> das Spiel </a:t>
+            </a:r>
+            <a:r>
+              <a:rPr dirty="0" err="1"/>
+              <a:t>verwirklichen</a:t>
+            </a:r>
+            <a:r>
+              <a:rPr dirty="0"/>
+              <a:t> </a:t>
+            </a:r>
+            <a:r>
+              <a:rPr dirty="0" err="1"/>
+              <a:t>wie</a:t>
+            </a:r>
+            <a:r>
+              <a:rPr dirty="0"/>
+              <a:t> </a:t>
+            </a:r>
+            <a:r>
+              <a:rPr dirty="0" err="1"/>
+              <a:t>wir</a:t>
+            </a:r>
+            <a:r>
+              <a:rPr dirty="0"/>
+              <a:t> es </a:t>
+            </a:r>
+            <a:r>
+              <a:rPr dirty="0" err="1"/>
+              <a:t>uns</a:t>
+            </a:r>
+            <a:r>
+              <a:rPr dirty="0"/>
+              <a:t> </a:t>
+            </a:r>
+            <a:r>
+              <a:rPr dirty="0" err="1"/>
+              <a:t>vorgestellt</a:t>
+            </a:r>
+            <a:r>
+              <a:rPr dirty="0"/>
+              <a:t> </a:t>
+            </a:r>
+            <a:r>
+              <a:rPr dirty="0" err="1"/>
+              <a:t>haben</a:t>
+            </a:r>
+            <a:endParaRPr dirty="0"/>
           </a:p>
         </p:txBody>
       </p:sp>
-      <p:pic>
-        <p:nvPicPr>
-          <p:cNvPr id="231" name="image14.png"/>
-          <p:cNvPicPr>
-            <a:picLocks noChangeAspect="1"/>
-          </p:cNvPicPr>
-          <p:nvPr/>
-        </p:nvPicPr>
-        <p:blipFill>
-          <a:blip r:embed="rId3">
-            <a:extLst/>
-          </a:blip>
-          <a:stretch>
-            <a:fillRect/>
-          </a:stretch>
-        </p:blipFill>
-        <p:spPr>
-          <a:xfrm>
-            <a:off x="696000" y="2673000"/>
-            <a:ext cx="5184000" cy="2173548"/>
-          </a:xfrm>
-          <a:prstGeom prst="rect">
-            <a:avLst/>
-          </a:prstGeom>
-          <a:ln w="12700">
-            <a:miter lim="400000"/>
-          </a:ln>
-        </p:spPr>
-      </p:pic>
     </p:spTree>
   </p:cSld>
   <p:clrMapOvr>
     <a:masterClrMapping/>
   </p:clrMapOvr>
-  <p:transition xmlns:p14="http://schemas.microsoft.com/office/powerpoint/2010/main" spd="med" advClick="1" p14:dur="1000"/>
+  <p:transition spd="slow"/>
 </p:sld>
 </file>
 
 <file path=ppt/slides/slide12.xml><?xml version="1.0" encoding="utf-8"?>
-<p:sld xmlns:a="http://schemas.openxmlformats.org/drawingml/2006/main" xmlns:r="http://schemas.openxmlformats.org/officeDocument/2006/relationships" xmlns:p="http://schemas.openxmlformats.org/presentationml/2006/main" showMasterSp="1" showMasterPhAnim="1">
+<p:sld xmlns:a="http://schemas.openxmlformats.org/drawingml/2006/main" xmlns:r="http://schemas.openxmlformats.org/officeDocument/2006/relationships" xmlns:p="http://schemas.openxmlformats.org/presentationml/2006/main">
   <p:cSld>
     <p:spTree>
       <p:nvGrpSpPr>
@@ -4531,7 +4846,7 @@
           </a:ln>
           <a:extLst>
             <a:ext uri="{C572A759-6A51-4108-AA02-DFA0A04FC94B}">
-              <ma14:wrappingTextBoxFlag xmlns:ma14="http://schemas.microsoft.com/office/mac/drawingml/2011/main" val="1"/>
+              <ma14:wrappingTextBoxFlag xmlns:ma14="http://schemas.microsoft.com/office/mac/drawingml/2011/main" xmlns="" val="1"/>
             </a:ext>
           </a:extLst>
         </p:spPr>
@@ -4549,7 +4864,6 @@
             </a:lvl1pPr>
           </a:lstStyle>
           <a:p>
-            <a:pPr/>
             <a:r>
               <a:t>Mlst.-Präsentation Nr. 1  /  Gruppe 15</a:t>
             </a:r>
@@ -4559,7 +4873,9 @@
       <p:sp>
         <p:nvSpPr>
           <p:cNvPr id="234" name="Shape 234"/>
-          <p:cNvSpPr/>
+          <p:cNvSpPr>
+            <a:spLocks noGrp="1"/>
+          </p:cNvSpPr>
           <p:nvPr>
             <p:ph type="title"/>
           </p:nvPr>
@@ -4577,7 +4893,7 @@
           <a:bodyPr/>
           <a:lstStyle>
             <a:lvl1pPr>
-              <a:defRPr b="1" sz="2000">
+              <a:defRPr sz="2000" b="1">
                 <a:latin typeface="Arial"/>
                 <a:ea typeface="Arial"/>
                 <a:cs typeface="Arial"/>
@@ -4586,7 +4902,6 @@
             </a:lvl1pPr>
           </a:lstStyle>
           <a:p>
-            <a:pPr/>
             <a:r>
               <a:t>	Standpunkt / Zwischenresümee</a:t>
             </a:r>
@@ -4596,7 +4911,9 @@
       <p:sp>
         <p:nvSpPr>
           <p:cNvPr id="235" name="Shape 235"/>
-          <p:cNvSpPr/>
+          <p:cNvSpPr>
+            <a:spLocks noGrp="1"/>
+          </p:cNvSpPr>
           <p:nvPr>
             <p:ph type="sldNum" sz="quarter" idx="4294967295"/>
           </p:nvPr>
@@ -4611,7 +4928,7 @@
           </a:prstGeom>
           <a:extLst>
             <a:ext uri="{C572A759-6A51-4108-AA02-DFA0A04FC94B}">
-              <ma14:wrappingTextBoxFlag xmlns:ma14="http://schemas.microsoft.com/office/mac/drawingml/2011/main" val="1"/>
+              <ma14:wrappingTextBoxFlag xmlns:ma14="http://schemas.microsoft.com/office/mac/drawingml/2011/main" xmlns="" val="1"/>
             </a:ext>
           </a:extLst>
         </p:spPr>
@@ -4619,8 +4936,10 @@
           <a:bodyPr/>
           <a:lstStyle/>
           <a:p>
-            <a:pPr/>
-            <a:fld id="{86CB4B4D-7CA3-9044-876B-883B54F8677D}" type="slidenum"/>
+            <a:fld id="{86CB4B4D-7CA3-9044-876B-883B54F8677D}" type="slidenum">
+              <a:t>12</a:t>
+            </a:fld>
+            <a:endParaRPr/>
           </a:p>
         </p:txBody>
       </p:sp>
@@ -4645,7 +4964,7 @@
             <a:miter/>
           </a:ln>
           <a:effectLst>
-            <a:outerShdw sx="100000" sy="100000" kx="0" ky="0" algn="b" rotWithShape="0" blurRad="50800" dist="38100" dir="2700000">
+            <a:outerShdw blurRad="50800" dist="38100" dir="2700000" rotWithShape="0">
               <a:srgbClr val="000000">
                 <a:alpha val="40000"/>
               </a:srgbClr>
@@ -4656,7 +4975,7 @@
           <a:bodyPr lIns="45718" tIns="45718" rIns="45718" bIns="45718"/>
           <a:lstStyle/>
           <a:p>
-            <a:pPr/>
+            <a:endParaRPr/>
           </a:p>
         </p:txBody>
       </p:sp>
@@ -4669,9 +4988,7 @@
           <p:nvPr/>
         </p:nvPicPr>
         <p:blipFill>
-          <a:blip r:embed="rId2">
-            <a:extLst/>
-          </a:blip>
+          <a:blip r:embed="rId2"/>
           <a:stretch>
             <a:fillRect/>
           </a:stretch>
@@ -4708,7 +5025,7 @@
           </a:ln>
           <a:extLst>
             <a:ext uri="{C572A759-6A51-4108-AA02-DFA0A04FC94B}">
-              <ma14:wrappingTextBoxFlag xmlns:ma14="http://schemas.microsoft.com/office/mac/drawingml/2011/main" val="1"/>
+              <ma14:wrappingTextBoxFlag xmlns:ma14="http://schemas.microsoft.com/office/mac/drawingml/2011/main" xmlns="" val="1"/>
             </a:ext>
           </a:extLst>
         </p:spPr>
@@ -4722,181 +5039,507 @@
               <a:buSzPct val="100000"/>
               <a:buFont typeface="Wingdings"/>
               <a:buChar char="▪"/>
-              <a:defRPr b="1" sz="2000"/>
-            </a:pPr>
-            <a:r>
-              <a:t>Was gut lief:</a:t>
-            </a:r>
-          </a:p>
-          <a:p>
-            <a:pPr lvl="1" marL="800100" indent="-342900">
+              <a:defRPr sz="2000" b="1"/>
+            </a:pPr>
+            <a:r>
+              <a:rPr dirty="0"/>
+              <a:t>Was gut </a:t>
+            </a:r>
+            <a:r>
+              <a:rPr dirty="0" err="1"/>
+              <a:t>lief</a:t>
+            </a:r>
+            <a:r>
+              <a:rPr dirty="0"/>
+              <a:t>:</a:t>
+            </a:r>
+          </a:p>
+          <a:p>
+            <a:pPr marL="800100" lvl="1" indent="-342900">
               <a:buSzPct val="100000"/>
               <a:buChar char="-"/>
               <a:defRPr sz="2000"/>
             </a:pPr>
             <a:r>
-              <a:t>Abmachungen wurden eingehalten</a:t>
-            </a:r>
-          </a:p>
-          <a:p>
-            <a:pPr lvl="1" marL="800100" indent="-342900">
+              <a:rPr dirty="0" err="1"/>
+              <a:t>Abmachungen</a:t>
+            </a:r>
+            <a:r>
+              <a:rPr dirty="0"/>
+              <a:t> </a:t>
+            </a:r>
+            <a:r>
+              <a:rPr dirty="0" err="1"/>
+              <a:t>wurden</a:t>
+            </a:r>
+            <a:r>
+              <a:rPr dirty="0"/>
+              <a:t> </a:t>
+            </a:r>
+            <a:r>
+              <a:rPr dirty="0" err="1"/>
+              <a:t>eingehalten</a:t>
+            </a:r>
+            <a:endParaRPr dirty="0"/>
+          </a:p>
+          <a:p>
+            <a:pPr marL="800100" lvl="1" indent="-342900">
               <a:buSzPct val="100000"/>
               <a:buChar char="-"/>
               <a:defRPr sz="2000"/>
             </a:pPr>
             <a:r>
-              <a:t>Keiner musste Chef sein</a:t>
-            </a:r>
-          </a:p>
-          <a:p>
-            <a:pPr lvl="1" marL="800100" indent="-342900">
+              <a:rPr dirty="0" err="1"/>
+              <a:t>Keiner</a:t>
+            </a:r>
+            <a:r>
+              <a:rPr dirty="0"/>
+              <a:t> </a:t>
+            </a:r>
+            <a:r>
+              <a:rPr dirty="0" err="1"/>
+              <a:t>musste</a:t>
+            </a:r>
+            <a:r>
+              <a:rPr dirty="0"/>
+              <a:t> Chef sein</a:t>
+            </a:r>
+          </a:p>
+          <a:p>
+            <a:pPr marL="800100" lvl="1" indent="-342900">
               <a:buSzPct val="100000"/>
               <a:buChar char="-"/>
               <a:defRPr sz="2000"/>
             </a:pPr>
             <a:r>
-              <a:t>Wir haben uns nicht übernommen</a:t>
-            </a:r>
-          </a:p>
-          <a:p>
-            <a:pPr lvl="1" marL="800100" indent="-342900">
+              <a:rPr dirty="0" err="1"/>
+              <a:t>Wir</a:t>
+            </a:r>
+            <a:r>
+              <a:rPr dirty="0"/>
+              <a:t> </a:t>
+            </a:r>
+            <a:r>
+              <a:rPr dirty="0" err="1"/>
+              <a:t>haben</a:t>
+            </a:r>
+            <a:r>
+              <a:rPr dirty="0"/>
+              <a:t> </a:t>
+            </a:r>
+            <a:r>
+              <a:rPr dirty="0" err="1"/>
+              <a:t>uns</a:t>
+            </a:r>
+            <a:r>
+              <a:rPr dirty="0"/>
+              <a:t> </a:t>
+            </a:r>
+            <a:r>
+              <a:rPr dirty="0" err="1"/>
+              <a:t>nicht</a:t>
+            </a:r>
+            <a:r>
+              <a:rPr dirty="0"/>
+              <a:t> </a:t>
+            </a:r>
+            <a:r>
+              <a:rPr dirty="0" err="1"/>
+              <a:t>übernommen</a:t>
+            </a:r>
+            <a:endParaRPr dirty="0"/>
+          </a:p>
+          <a:p>
+            <a:pPr marL="800100" lvl="1" indent="-342900">
               <a:buSzPct val="100000"/>
               <a:buChar char="-"/>
               <a:defRPr sz="2000"/>
             </a:pPr>
+            <a:endParaRPr dirty="0"/>
           </a:p>
           <a:p>
             <a:pPr marL="342900" indent="-342900">
               <a:buSzPct val="100000"/>
               <a:buFont typeface="Wingdings"/>
               <a:buChar char="▪"/>
-              <a:defRPr b="1" sz="2000"/>
-            </a:pPr>
-            <a:r>
-              <a:t>Was wir unterschätzt haben:</a:t>
-            </a:r>
-          </a:p>
-          <a:p>
-            <a:pPr lvl="1" marL="800100" indent="-342900">
+              <a:defRPr sz="2000" b="1"/>
+            </a:pPr>
+            <a:r>
+              <a:rPr dirty="0"/>
+              <a:t>Was </a:t>
+            </a:r>
+            <a:r>
+              <a:rPr dirty="0" err="1"/>
+              <a:t>wir</a:t>
+            </a:r>
+            <a:r>
+              <a:rPr dirty="0"/>
+              <a:t> </a:t>
+            </a:r>
+            <a:r>
+              <a:rPr dirty="0" err="1"/>
+              <a:t>unterschätzt</a:t>
+            </a:r>
+            <a:r>
+              <a:rPr dirty="0"/>
+              <a:t> </a:t>
+            </a:r>
+            <a:r>
+              <a:rPr dirty="0" err="1"/>
+              <a:t>haben</a:t>
+            </a:r>
+            <a:r>
+              <a:rPr dirty="0"/>
+              <a:t>:</a:t>
+            </a:r>
+          </a:p>
+          <a:p>
+            <a:pPr marL="800100" lvl="1" indent="-342900">
               <a:buSzPct val="100000"/>
               <a:buChar char="-"/>
               <a:defRPr sz="2000"/>
             </a:pPr>
             <a:r>
-              <a:t>Aufwand Kommunikation Server / Client mit Spiellogik </a:t>
-            </a:r>
-          </a:p>
-          <a:p>
-            <a:pPr lvl="1" marL="800100" indent="-342900">
+              <a:rPr dirty="0" err="1"/>
+              <a:t>Aufwand</a:t>
+            </a:r>
+            <a:r>
+              <a:rPr dirty="0"/>
+              <a:t> </a:t>
+            </a:r>
+            <a:r>
+              <a:rPr dirty="0" err="1"/>
+              <a:t>Kommunikation</a:t>
+            </a:r>
+            <a:r>
+              <a:rPr dirty="0"/>
+              <a:t> Server / Client </a:t>
+            </a:r>
+            <a:r>
+              <a:rPr dirty="0" err="1"/>
+              <a:t>mit</a:t>
+            </a:r>
+            <a:r>
+              <a:rPr dirty="0"/>
+              <a:t> </a:t>
+            </a:r>
+            <a:r>
+              <a:rPr dirty="0" err="1"/>
+              <a:t>Spiellogik</a:t>
+            </a:r>
+            <a:r>
+              <a:rPr dirty="0"/>
+              <a:t> </a:t>
+            </a:r>
+          </a:p>
+          <a:p>
+            <a:pPr marL="800100" lvl="1" indent="-342900">
               <a:buSzPct val="100000"/>
               <a:buChar char="-"/>
               <a:defRPr sz="2000"/>
             </a:pPr>
             <a:r>
-              <a:t>Aufwand für </a:t>
-            </a:r>
-            <a:r>
-              <a:rPr i="1"/>
-              <a:t>gradle.build </a:t>
-            </a:r>
-            <a:r>
+              <a:rPr dirty="0" err="1"/>
+              <a:t>Aufwand</a:t>
+            </a:r>
+            <a:r>
+              <a:rPr dirty="0"/>
+              <a:t> </a:t>
+            </a:r>
+            <a:r>
+              <a:rPr dirty="0" err="1"/>
+              <a:t>für</a:t>
+            </a:r>
+            <a:r>
+              <a:rPr dirty="0"/>
+              <a:t> </a:t>
+            </a:r>
+            <a:r>
+              <a:rPr i="1" dirty="0" err="1"/>
+              <a:t>gradle.build</a:t>
+            </a:r>
+            <a:r>
+              <a:rPr i="1" dirty="0"/>
+              <a:t> </a:t>
+            </a:r>
+            <a:r>
+              <a:rPr dirty="0"/>
               <a:t>und </a:t>
             </a:r>
             <a:r>
-              <a:rPr i="1"/>
+              <a:rPr i="1" dirty="0"/>
               <a:t>logger</a:t>
             </a:r>
-            <a:endParaRPr b="1"/>
+            <a:endParaRPr b="1" dirty="0"/>
           </a:p>
           <a:p>
             <a:pPr marL="342900" indent="-342900">
               <a:buSzPct val="100000"/>
               <a:buChar char="-"/>
-              <a:defRPr b="1" sz="2000"/>
-            </a:pPr>
+              <a:defRPr sz="2000" b="1"/>
+            </a:pPr>
+            <a:endParaRPr b="1" dirty="0"/>
           </a:p>
           <a:p>
             <a:pPr marL="342900" indent="-342900">
               <a:buSzPct val="100000"/>
               <a:buFont typeface="Wingdings"/>
               <a:buChar char="▪"/>
-              <a:defRPr b="1" sz="2000"/>
-            </a:pPr>
-            <a:r>
-              <a:t>Was uns Probleme bereitete:</a:t>
-            </a:r>
-          </a:p>
-          <a:p>
-            <a:pPr lvl="1" marL="800100" indent="-342900">
+              <a:defRPr sz="2000" b="1"/>
+            </a:pPr>
+            <a:r>
+              <a:rPr dirty="0"/>
+              <a:t>Was </a:t>
+            </a:r>
+            <a:r>
+              <a:rPr dirty="0" err="1"/>
+              <a:t>uns</a:t>
+            </a:r>
+            <a:r>
+              <a:rPr dirty="0"/>
+              <a:t> </a:t>
+            </a:r>
+            <a:r>
+              <a:rPr dirty="0" err="1"/>
+              <a:t>Probleme</a:t>
+            </a:r>
+            <a:r>
+              <a:rPr dirty="0"/>
+              <a:t> </a:t>
+            </a:r>
+            <a:r>
+              <a:rPr dirty="0" err="1"/>
+              <a:t>bereitete</a:t>
+            </a:r>
+            <a:r>
+              <a:rPr dirty="0"/>
+              <a:t>:</a:t>
+            </a:r>
+          </a:p>
+          <a:p>
+            <a:pPr marL="800100" lvl="1" indent="-342900">
               <a:buSzPct val="100000"/>
               <a:buChar char="-"/>
               <a:defRPr sz="2000"/>
             </a:pPr>
             <a:r>
-              <a:t>Pushen, Mergen mit Git (Knappes Zeitmanagment)</a:t>
-            </a:r>
-          </a:p>
-          <a:p>
-            <a:pPr lvl="1" marL="800100" indent="-342900">
+              <a:rPr dirty="0" err="1"/>
+              <a:t>Pushen</a:t>
+            </a:r>
+            <a:r>
+              <a:rPr dirty="0"/>
+              <a:t>, </a:t>
+            </a:r>
+            <a:r>
+              <a:rPr dirty="0" err="1"/>
+              <a:t>Mergen</a:t>
+            </a:r>
+            <a:r>
+              <a:rPr dirty="0"/>
+              <a:t> </a:t>
+            </a:r>
+            <a:r>
+              <a:rPr dirty="0" err="1"/>
+              <a:t>mit</a:t>
+            </a:r>
+            <a:r>
+              <a:rPr dirty="0"/>
+              <a:t> Git (</a:t>
+            </a:r>
+            <a:r>
+              <a:rPr dirty="0" err="1"/>
+              <a:t>Knappes</a:t>
+            </a:r>
+            <a:r>
+              <a:rPr dirty="0"/>
+              <a:t> </a:t>
+            </a:r>
+            <a:r>
+              <a:rPr dirty="0" err="1"/>
+              <a:t>Zeitmanagment</a:t>
+            </a:r>
+            <a:r>
+              <a:rPr dirty="0"/>
+              <a:t>)</a:t>
+            </a:r>
+          </a:p>
+          <a:p>
+            <a:pPr marL="800100" lvl="1" indent="-342900">
               <a:buSzPct val="100000"/>
               <a:buChar char="-"/>
               <a:defRPr sz="2000"/>
             </a:pPr>
             <a:r>
-              <a:t>Erstellen der</a:t>
-            </a:r>
-            <a:r>
-              <a:rPr i="1"/>
-              <a:t> gradle.build </a:t>
-            </a:r>
-            <a:r>
-              <a:t>-Datei </a:t>
-            </a:r>
-          </a:p>
-          <a:p>
-            <a:pPr lvl="1" marL="800100" indent="-342900">
+              <a:rPr dirty="0" err="1"/>
+              <a:t>Erstellen</a:t>
+            </a:r>
+            <a:r>
+              <a:rPr dirty="0"/>
+              <a:t> der</a:t>
+            </a:r>
+            <a:r>
+              <a:rPr i="1" dirty="0"/>
+              <a:t> </a:t>
+            </a:r>
+            <a:r>
+              <a:rPr i="1" dirty="0" err="1"/>
+              <a:t>gradle.build</a:t>
+            </a:r>
+            <a:r>
+              <a:rPr i="1" dirty="0"/>
+              <a:t> </a:t>
+            </a:r>
+            <a:r>
+              <a:rPr dirty="0"/>
+              <a:t>-</a:t>
+            </a:r>
+            <a:r>
+              <a:rPr dirty="0" err="1"/>
+              <a:t>Datei</a:t>
+            </a:r>
+            <a:r>
+              <a:rPr dirty="0"/>
+              <a:t> </a:t>
+            </a:r>
+          </a:p>
+          <a:p>
+            <a:pPr marL="800100" lvl="1" indent="-342900">
               <a:buSzPct val="100000"/>
               <a:buChar char="-"/>
-              <a:defRPr b="1" sz="2000"/>
-            </a:pPr>
+              <a:defRPr sz="2000" b="1"/>
+            </a:pPr>
+            <a:endParaRPr dirty="0"/>
           </a:p>
           <a:p>
             <a:pPr marL="342900" indent="-342900">
               <a:buSzPct val="100000"/>
               <a:buFont typeface="Wingdings"/>
               <a:buChar char="▪"/>
-              <a:defRPr b="1" sz="2000"/>
-            </a:pPr>
-            <a:r>
-              <a:t>Wir verbessern uns:</a:t>
-            </a:r>
-          </a:p>
-          <a:p>
-            <a:pPr lvl="1" marL="800100" indent="-342900">
+              <a:defRPr sz="2000" b="1"/>
+            </a:pPr>
+            <a:r>
+              <a:rPr dirty="0" err="1"/>
+              <a:t>Wir</a:t>
+            </a:r>
+            <a:r>
+              <a:rPr dirty="0"/>
+              <a:t> </a:t>
+            </a:r>
+            <a:r>
+              <a:rPr dirty="0" err="1"/>
+              <a:t>verbessern</a:t>
+            </a:r>
+            <a:r>
+              <a:rPr dirty="0"/>
+              <a:t> </a:t>
+            </a:r>
+            <a:r>
+              <a:rPr dirty="0" err="1"/>
+              <a:t>uns</a:t>
+            </a:r>
+            <a:r>
+              <a:rPr dirty="0"/>
+              <a:t>:</a:t>
+            </a:r>
+          </a:p>
+          <a:p>
+            <a:pPr marL="800100" lvl="1" indent="-342900">
               <a:buSzPct val="100000"/>
               <a:buChar char="-"/>
               <a:defRPr sz="2000"/>
             </a:pPr>
             <a:r>
-              <a:t>Einen Tag vor Abgabe Fertig</a:t>
-            </a:r>
-          </a:p>
-          <a:p>
-            <a:pPr lvl="1" marL="800100" indent="-342900">
+              <a:rPr dirty="0" err="1"/>
+              <a:t>Einen</a:t>
+            </a:r>
+            <a:r>
+              <a:rPr dirty="0"/>
+              <a:t> Tag </a:t>
+            </a:r>
+            <a:r>
+              <a:rPr dirty="0" err="1"/>
+              <a:t>vor</a:t>
+            </a:r>
+            <a:r>
+              <a:rPr dirty="0"/>
+              <a:t> </a:t>
+            </a:r>
+            <a:r>
+              <a:rPr dirty="0" err="1"/>
+              <a:t>Abgabe</a:t>
+            </a:r>
+            <a:r>
+              <a:rPr dirty="0"/>
+              <a:t> </a:t>
+            </a:r>
+            <a:r>
+              <a:rPr dirty="0" err="1"/>
+              <a:t>Fertig</a:t>
+            </a:r>
+            <a:endParaRPr dirty="0"/>
+          </a:p>
+          <a:p>
+            <a:pPr marL="800100" lvl="1" indent="-342900">
               <a:buSzPct val="100000"/>
               <a:buChar char="-"/>
               <a:defRPr sz="2000"/>
             </a:pPr>
             <a:r>
-              <a:t>Mehr Zeit für Neues (Zb. Tests) einplanen </a:t>
-            </a:r>
-          </a:p>
-          <a:p>
-            <a:pPr lvl="1" marL="800100" indent="-342900">
+              <a:rPr lang="de-CH" dirty="0"/>
+              <a:t>Projektplan: </a:t>
+            </a:r>
+            <a:r>
+              <a:rPr dirty="0" err="1"/>
+              <a:t>Mehr</a:t>
+            </a:r>
+            <a:r>
+              <a:rPr dirty="0"/>
+              <a:t> Zeit </a:t>
+            </a:r>
+            <a:r>
+              <a:rPr dirty="0" err="1"/>
+              <a:t>für</a:t>
+            </a:r>
+            <a:r>
+              <a:rPr dirty="0"/>
+              <a:t> </a:t>
+            </a:r>
+            <a:r>
+              <a:rPr dirty="0" err="1"/>
+              <a:t>Neues</a:t>
+            </a:r>
+            <a:r>
+              <a:rPr dirty="0"/>
+              <a:t> (</a:t>
+            </a:r>
+            <a:r>
+              <a:rPr lang="de-CH" dirty="0"/>
+              <a:t>wie </a:t>
+            </a:r>
+            <a:r>
+              <a:rPr lang="de-CH" dirty="0" err="1"/>
+              <a:t>z.B</a:t>
+            </a:r>
+            <a:r>
+              <a:rPr dirty="0"/>
+              <a:t>. Tests) </a:t>
+            </a:r>
+            <a:r>
+              <a:rPr dirty="0" err="1"/>
+              <a:t>einplanen</a:t>
+            </a:r>
+            <a:r>
+              <a:rPr dirty="0"/>
+              <a:t> </a:t>
+            </a:r>
+          </a:p>
+          <a:p>
+            <a:pPr marL="800100" lvl="1" indent="-342900">
               <a:buSzPct val="100000"/>
               <a:buChar char="-"/>
-              <a:defRPr b="1" sz="2000"/>
-            </a:pPr>
+              <a:defRPr sz="2000" b="1"/>
+            </a:pPr>
+            <a:endParaRPr dirty="0"/>
           </a:p>
         </p:txBody>
       </p:sp>
@@ -4905,12 +5548,12 @@
   <p:clrMapOvr>
     <a:masterClrMapping/>
   </p:clrMapOvr>
-  <p:transition xmlns:p14="http://schemas.microsoft.com/office/powerpoint/2010/main" spd="med" advClick="1" p14:dur="1000"/>
+  <p:transition spd="slow"/>
 </p:sld>
 </file>
 
 <file path=ppt/slides/slide13.xml><?xml version="1.0" encoding="utf-8"?>
-<p:sld xmlns:a="http://schemas.openxmlformats.org/drawingml/2006/main" xmlns:r="http://schemas.openxmlformats.org/officeDocument/2006/relationships" xmlns:p="http://schemas.openxmlformats.org/presentationml/2006/main" showMasterSp="1" showMasterPhAnim="1">
+<p:sld xmlns:a="http://schemas.openxmlformats.org/drawingml/2006/main" xmlns:r="http://schemas.openxmlformats.org/officeDocument/2006/relationships" xmlns:p="http://schemas.openxmlformats.org/presentationml/2006/main">
   <p:cSld>
     <p:spTree>
       <p:nvGrpSpPr>
@@ -4945,7 +5588,7 @@
           </a:ln>
           <a:extLst>
             <a:ext uri="{C572A759-6A51-4108-AA02-DFA0A04FC94B}">
-              <ma14:wrappingTextBoxFlag xmlns:ma14="http://schemas.microsoft.com/office/mac/drawingml/2011/main" val="1"/>
+              <ma14:wrappingTextBoxFlag xmlns:ma14="http://schemas.microsoft.com/office/mac/drawingml/2011/main" xmlns="" val="1"/>
             </a:ext>
           </a:extLst>
         </p:spPr>
@@ -4963,7 +5606,6 @@
             </a:lvl1pPr>
           </a:lstStyle>
           <a:p>
-            <a:pPr/>
             <a:r>
               <a:t>Mlst.-Präsentation Nr. 1  /  Gruppe 15</a:t>
             </a:r>
@@ -4973,7 +5615,9 @@
       <p:sp>
         <p:nvSpPr>
           <p:cNvPr id="241" name="Shape 241"/>
-          <p:cNvSpPr/>
+          <p:cNvSpPr>
+            <a:spLocks noGrp="1"/>
+          </p:cNvSpPr>
           <p:nvPr>
             <p:ph type="title"/>
           </p:nvPr>
@@ -4991,7 +5635,7 @@
           <a:bodyPr/>
           <a:lstStyle>
             <a:lvl1pPr>
-              <a:defRPr b="1" sz="2000">
+              <a:defRPr sz="2000" b="1">
                 <a:latin typeface="Arial"/>
                 <a:ea typeface="Arial"/>
                 <a:cs typeface="Arial"/>
@@ -5000,7 +5644,6 @@
             </a:lvl1pPr>
           </a:lstStyle>
           <a:p>
-            <a:pPr/>
             <a:r>
               <a:t>	</a:t>
             </a:r>
@@ -5010,7 +5653,9 @@
       <p:sp>
         <p:nvSpPr>
           <p:cNvPr id="242" name="Shape 242"/>
-          <p:cNvSpPr/>
+          <p:cNvSpPr>
+            <a:spLocks noGrp="1"/>
+          </p:cNvSpPr>
           <p:nvPr>
             <p:ph type="sldNum" sz="quarter" idx="4294967295"/>
           </p:nvPr>
@@ -5025,7 +5670,7 @@
           </a:prstGeom>
           <a:extLst>
             <a:ext uri="{C572A759-6A51-4108-AA02-DFA0A04FC94B}">
-              <ma14:wrappingTextBoxFlag xmlns:ma14="http://schemas.microsoft.com/office/mac/drawingml/2011/main" val="1"/>
+              <ma14:wrappingTextBoxFlag xmlns:ma14="http://schemas.microsoft.com/office/mac/drawingml/2011/main" xmlns="" val="1"/>
             </a:ext>
           </a:extLst>
         </p:spPr>
@@ -5033,8 +5678,10 @@
           <a:bodyPr/>
           <a:lstStyle/>
           <a:p>
-            <a:pPr/>
-            <a:fld id="{86CB4B4D-7CA3-9044-876B-883B54F8677D}" type="slidenum"/>
+            <a:fld id="{86CB4B4D-7CA3-9044-876B-883B54F8677D}" type="slidenum">
+              <a:t>13</a:t>
+            </a:fld>
+            <a:endParaRPr/>
           </a:p>
         </p:txBody>
       </p:sp>
@@ -5057,7 +5704,7 @@
           </a:ln>
           <a:extLst>
             <a:ext uri="{C572A759-6A51-4108-AA02-DFA0A04FC94B}">
-              <ma14:wrappingTextBoxFlag xmlns:ma14="http://schemas.microsoft.com/office/mac/drawingml/2011/main" val="1"/>
+              <ma14:wrappingTextBoxFlag xmlns:ma14="http://schemas.microsoft.com/office/mac/drawingml/2011/main" xmlns="" val="1"/>
             </a:ext>
           </a:extLst>
         </p:spPr>
@@ -5067,11 +5714,10 @@
           </a:bodyPr>
           <a:lstStyle>
             <a:lvl1pPr>
-              <a:defRPr b="1" i="1" sz="3200"/>
+              <a:defRPr sz="3200" b="1" i="1"/>
             </a:lvl1pPr>
           </a:lstStyle>
           <a:p>
-            <a:pPr/>
             <a:r>
               <a:t>Vielen Dank für die Aufmerksamkeit!</a:t>
             </a:r>
@@ -5087,9 +5733,7 @@
           <p:nvPr/>
         </p:nvPicPr>
         <p:blipFill>
-          <a:blip r:embed="rId2">
-            <a:extLst/>
-          </a:blip>
+          <a:blip r:embed="rId2"/>
           <a:stretch>
             <a:fillRect/>
           </a:stretch>
@@ -5112,12 +5756,12 @@
   <p:clrMapOvr>
     <a:masterClrMapping/>
   </p:clrMapOvr>
-  <p:transition xmlns:p14="http://schemas.microsoft.com/office/powerpoint/2010/main" spd="med" advClick="1" p14:dur="1000"/>
+  <p:transition spd="slow"/>
 </p:sld>
 </file>
 
 <file path=ppt/slides/slide2.xml><?xml version="1.0" encoding="utf-8"?>
-<p:sld xmlns:a="http://schemas.openxmlformats.org/drawingml/2006/main" xmlns:r="http://schemas.openxmlformats.org/officeDocument/2006/relationships" xmlns:p="http://schemas.openxmlformats.org/presentationml/2006/main" showMasterSp="1" showMasterPhAnim="1">
+<p:sld xmlns:a="http://schemas.openxmlformats.org/drawingml/2006/main" xmlns:r="http://schemas.openxmlformats.org/officeDocument/2006/relationships" xmlns:p="http://schemas.openxmlformats.org/presentationml/2006/main">
   <p:cSld>
     <p:spTree>
       <p:nvGrpSpPr>
@@ -5152,7 +5796,7 @@
           </a:ln>
           <a:extLst>
             <a:ext uri="{C572A759-6A51-4108-AA02-DFA0A04FC94B}">
-              <ma14:wrappingTextBoxFlag xmlns:ma14="http://schemas.microsoft.com/office/mac/drawingml/2011/main" val="1"/>
+              <ma14:wrappingTextBoxFlag xmlns:ma14="http://schemas.microsoft.com/office/mac/drawingml/2011/main" xmlns="" val="1"/>
             </a:ext>
           </a:extLst>
         </p:spPr>
@@ -5170,7 +5814,6 @@
             </a:lvl1pPr>
           </a:lstStyle>
           <a:p>
-            <a:pPr/>
             <a:r>
               <a:t>Mlst.-Präsentation Nr. 1  /  Gruppe 15</a:t>
             </a:r>
@@ -5180,7 +5823,9 @@
       <p:sp>
         <p:nvSpPr>
           <p:cNvPr id="141" name="Shape 141"/>
-          <p:cNvSpPr/>
+          <p:cNvSpPr>
+            <a:spLocks noGrp="1"/>
+          </p:cNvSpPr>
           <p:nvPr>
             <p:ph type="body" sz="half" idx="1"/>
           </p:nvPr>
@@ -5223,6 +5868,7 @@
                 <a:sym typeface="Arial"/>
               </a:defRPr>
             </a:pPr>
+            <a:endParaRPr/>
           </a:p>
           <a:p>
             <a:pPr marL="0" indent="0">
@@ -5250,6 +5896,7 @@
                 <a:sym typeface="Arial"/>
               </a:defRPr>
             </a:pPr>
+            <a:endParaRPr/>
           </a:p>
           <a:p>
             <a:pPr marL="0" indent="0">
@@ -5277,6 +5924,7 @@
                 <a:sym typeface="Arial"/>
               </a:defRPr>
             </a:pPr>
+            <a:endParaRPr/>
           </a:p>
           <a:p>
             <a:pPr marL="0" indent="0">
@@ -5298,7 +5946,9 @@
       <p:sp>
         <p:nvSpPr>
           <p:cNvPr id="142" name="Shape 142"/>
-          <p:cNvSpPr/>
+          <p:cNvSpPr>
+            <a:spLocks noGrp="1"/>
+          </p:cNvSpPr>
           <p:nvPr>
             <p:ph type="sldNum" sz="quarter" idx="4294967295"/>
           </p:nvPr>
@@ -5313,7 +5963,7 @@
           </a:prstGeom>
           <a:extLst>
             <a:ext uri="{C572A759-6A51-4108-AA02-DFA0A04FC94B}">
-              <ma14:wrappingTextBoxFlag xmlns:ma14="http://schemas.microsoft.com/office/mac/drawingml/2011/main" val="1"/>
+              <ma14:wrappingTextBoxFlag xmlns:ma14="http://schemas.microsoft.com/office/mac/drawingml/2011/main" xmlns="" val="1"/>
             </a:ext>
           </a:extLst>
         </p:spPr>
@@ -5321,8 +5971,10 @@
           <a:bodyPr/>
           <a:lstStyle/>
           <a:p>
-            <a:pPr/>
-            <a:fld id="{86CB4B4D-7CA3-9044-876B-883B54F8677D}" type="slidenum"/>
+            <a:fld id="{86CB4B4D-7CA3-9044-876B-883B54F8677D}" type="slidenum">
+              <a:t>2</a:t>
+            </a:fld>
+            <a:endParaRPr/>
           </a:p>
         </p:txBody>
       </p:sp>
@@ -5335,9 +5987,7 @@
           <p:nvPr/>
         </p:nvPicPr>
         <p:blipFill>
-          <a:blip r:embed="rId2">
-            <a:extLst/>
-          </a:blip>
+          <a:blip r:embed="rId2"/>
           <a:stretch>
             <a:fillRect/>
           </a:stretch>
@@ -5358,7 +6008,9 @@
       <p:sp>
         <p:nvSpPr>
           <p:cNvPr id="144" name="Shape 144"/>
-          <p:cNvSpPr/>
+          <p:cNvSpPr>
+            <a:spLocks noGrp="1"/>
+          </p:cNvSpPr>
           <p:nvPr>
             <p:ph type="title"/>
           </p:nvPr>
@@ -5376,7 +6028,7 @@
           <a:bodyPr/>
           <a:lstStyle>
             <a:lvl1pPr>
-              <a:defRPr b="1" sz="2000">
+              <a:defRPr sz="2000" b="1">
                 <a:latin typeface="Arial"/>
                 <a:ea typeface="Arial"/>
                 <a:cs typeface="Arial"/>
@@ -5385,7 +6037,6 @@
             </a:lvl1pPr>
           </a:lstStyle>
           <a:p>
-            <a:pPr/>
             <a:r>
               <a:t>	 Übersicht</a:t>
             </a:r>
@@ -5413,7 +6064,7 @@
             <a:miter/>
           </a:ln>
           <a:effectLst>
-            <a:outerShdw sx="100000" sy="100000" kx="0" ky="0" algn="b" rotWithShape="0" blurRad="50800" dist="38100" dir="2700000">
+            <a:outerShdw blurRad="50800" dist="38100" dir="2700000" rotWithShape="0">
               <a:srgbClr val="000000">
                 <a:alpha val="40000"/>
               </a:srgbClr>
@@ -5424,7 +6075,7 @@
           <a:bodyPr lIns="45718" tIns="45718" rIns="45718" bIns="45718"/>
           <a:lstStyle/>
           <a:p>
-            <a:pPr/>
+            <a:endParaRPr/>
           </a:p>
         </p:txBody>
       </p:sp>
@@ -5437,9 +6088,7 @@
           <p:nvPr/>
         </p:nvPicPr>
         <p:blipFill>
-          <a:blip r:embed="rId3">
-            <a:extLst/>
-          </a:blip>
+          <a:blip r:embed="rId3"/>
           <a:stretch>
             <a:fillRect/>
           </a:stretch>
@@ -5466,9 +6115,7 @@
           <p:nvPr/>
         </p:nvPicPr>
         <p:blipFill>
-          <a:blip r:embed="rId4">
-            <a:extLst/>
-          </a:blip>
+          <a:blip r:embed="rId4"/>
           <a:stretch>
             <a:fillRect/>
           </a:stretch>
@@ -5495,9 +6142,7 @@
           <p:nvPr/>
         </p:nvPicPr>
         <p:blipFill>
-          <a:blip r:embed="rId5">
-            <a:extLst/>
-          </a:blip>
+          <a:blip r:embed="rId5"/>
           <a:stretch>
             <a:fillRect/>
           </a:stretch>
@@ -5524,9 +6169,7 @@
           <p:nvPr/>
         </p:nvPicPr>
         <p:blipFill>
-          <a:blip r:embed="rId6">
-            <a:extLst/>
-          </a:blip>
+          <a:blip r:embed="rId6"/>
           <a:stretch>
             <a:fillRect/>
           </a:stretch>
@@ -5549,12 +6192,12 @@
   <p:clrMapOvr>
     <a:masterClrMapping/>
   </p:clrMapOvr>
-  <p:transition xmlns:p14="http://schemas.microsoft.com/office/powerpoint/2010/main" spd="med" advClick="1" p14:dur="1000"/>
+  <p:transition spd="slow"/>
 </p:sld>
 </file>
 
 <file path=ppt/slides/slide3.xml><?xml version="1.0" encoding="utf-8"?>
-<p:sld xmlns:a="http://schemas.openxmlformats.org/drawingml/2006/main" xmlns:r="http://schemas.openxmlformats.org/officeDocument/2006/relationships" xmlns:p="http://schemas.openxmlformats.org/presentationml/2006/main" showMasterSp="1" showMasterPhAnim="1">
+<p:sld xmlns:a="http://schemas.openxmlformats.org/drawingml/2006/main" xmlns:r="http://schemas.openxmlformats.org/officeDocument/2006/relationships" xmlns:p="http://schemas.openxmlformats.org/presentationml/2006/main">
   <p:cSld>
     <p:spTree>
       <p:nvGrpSpPr>
@@ -5589,7 +6232,7 @@
           </a:ln>
           <a:extLst>
             <a:ext uri="{C572A759-6A51-4108-AA02-DFA0A04FC94B}">
-              <ma14:wrappingTextBoxFlag xmlns:ma14="http://schemas.microsoft.com/office/mac/drawingml/2011/main" val="1"/>
+              <ma14:wrappingTextBoxFlag xmlns:ma14="http://schemas.microsoft.com/office/mac/drawingml/2011/main" xmlns="" val="1"/>
             </a:ext>
           </a:extLst>
         </p:spPr>
@@ -5607,7 +6250,6 @@
             </a:lvl1pPr>
           </a:lstStyle>
           <a:p>
-            <a:pPr/>
             <a:r>
               <a:t>Mlst.-Präsentation Nr. 1  /  Gruppe 15</a:t>
             </a:r>
@@ -5617,7 +6259,9 @@
       <p:sp>
         <p:nvSpPr>
           <p:cNvPr id="152" name="Shape 152"/>
-          <p:cNvSpPr/>
+          <p:cNvSpPr>
+            <a:spLocks noGrp="1"/>
+          </p:cNvSpPr>
           <p:nvPr>
             <p:ph type="title"/>
           </p:nvPr>
@@ -5635,7 +6279,7 @@
           <a:bodyPr/>
           <a:lstStyle>
             <a:lvl1pPr>
-              <a:defRPr b="1" sz="2000">
+              <a:defRPr sz="2000" b="1">
                 <a:latin typeface="Arial"/>
                 <a:ea typeface="Arial"/>
                 <a:cs typeface="Arial"/>
@@ -5644,7 +6288,6 @@
             </a:lvl1pPr>
           </a:lstStyle>
           <a:p>
-            <a:pPr/>
             <a:r>
               <a:t>	 Übersicht</a:t>
             </a:r>
@@ -5654,7 +6297,9 @@
       <p:sp>
         <p:nvSpPr>
           <p:cNvPr id="153" name="Shape 153"/>
-          <p:cNvSpPr/>
+          <p:cNvSpPr>
+            <a:spLocks noGrp="1"/>
+          </p:cNvSpPr>
           <p:nvPr>
             <p:ph type="body" sz="half" idx="1"/>
           </p:nvPr>
@@ -5675,7 +6320,7 @@
             <a:pPr marL="0" indent="0">
               <a:buSzTx/>
               <a:buNone/>
-              <a:defRPr b="1" sz="3000">
+              <a:defRPr sz="3000" b="1">
                 <a:latin typeface="Arial"/>
                 <a:ea typeface="Arial"/>
                 <a:cs typeface="Arial"/>
@@ -5697,6 +6342,7 @@
                 <a:sym typeface="Arial"/>
               </a:defRPr>
             </a:pPr>
+            <a:endParaRPr/>
           </a:p>
           <a:p>
             <a:pPr marL="0" indent="0">
@@ -5724,6 +6370,7 @@
                 <a:sym typeface="Arial"/>
               </a:defRPr>
             </a:pPr>
+            <a:endParaRPr/>
           </a:p>
           <a:p>
             <a:pPr marL="0" indent="0">
@@ -5751,6 +6398,7 @@
                 <a:sym typeface="Arial"/>
               </a:defRPr>
             </a:pPr>
+            <a:endParaRPr/>
           </a:p>
           <a:p>
             <a:pPr marL="0" indent="0">
@@ -5772,7 +6420,9 @@
       <p:sp>
         <p:nvSpPr>
           <p:cNvPr id="154" name="Shape 154"/>
-          <p:cNvSpPr/>
+          <p:cNvSpPr>
+            <a:spLocks noGrp="1"/>
+          </p:cNvSpPr>
           <p:nvPr>
             <p:ph type="sldNum" sz="quarter" idx="4294967295"/>
           </p:nvPr>
@@ -5787,7 +6437,7 @@
           </a:prstGeom>
           <a:extLst>
             <a:ext uri="{C572A759-6A51-4108-AA02-DFA0A04FC94B}">
-              <ma14:wrappingTextBoxFlag xmlns:ma14="http://schemas.microsoft.com/office/mac/drawingml/2011/main" val="1"/>
+              <ma14:wrappingTextBoxFlag xmlns:ma14="http://schemas.microsoft.com/office/mac/drawingml/2011/main" xmlns="" val="1"/>
             </a:ext>
           </a:extLst>
         </p:spPr>
@@ -5795,8 +6445,10 @@
           <a:bodyPr/>
           <a:lstStyle/>
           <a:p>
-            <a:pPr/>
-            <a:fld id="{86CB4B4D-7CA3-9044-876B-883B54F8677D}" type="slidenum"/>
+            <a:fld id="{86CB4B4D-7CA3-9044-876B-883B54F8677D}" type="slidenum">
+              <a:t>3</a:t>
+            </a:fld>
+            <a:endParaRPr/>
           </a:p>
         </p:txBody>
       </p:sp>
@@ -5809,9 +6461,7 @@
           <p:nvPr/>
         </p:nvPicPr>
         <p:blipFill>
-          <a:blip r:embed="rId2">
-            <a:extLst/>
-          </a:blip>
+          <a:blip r:embed="rId2"/>
           <a:stretch>
             <a:fillRect/>
           </a:stretch>
@@ -5850,7 +6500,7 @@
             <a:miter/>
           </a:ln>
           <a:effectLst>
-            <a:outerShdw sx="100000" sy="100000" kx="0" ky="0" algn="b" rotWithShape="0" blurRad="50800" dist="38100" dir="2700000">
+            <a:outerShdw blurRad="50800" dist="38100" dir="2700000" rotWithShape="0">
               <a:srgbClr val="000000">
                 <a:alpha val="40000"/>
               </a:srgbClr>
@@ -5861,7 +6511,7 @@
           <a:bodyPr lIns="45718" tIns="45718" rIns="45718" bIns="45718"/>
           <a:lstStyle/>
           <a:p>
-            <a:pPr/>
+            <a:endParaRPr/>
           </a:p>
         </p:txBody>
       </p:sp>
@@ -5874,9 +6524,7 @@
           <p:nvPr/>
         </p:nvPicPr>
         <p:blipFill>
-          <a:blip r:embed="rId3">
-            <a:extLst/>
-          </a:blip>
+          <a:blip r:embed="rId3"/>
           <a:stretch>
             <a:fillRect/>
           </a:stretch>
@@ -5903,9 +6551,7 @@
           <p:nvPr/>
         </p:nvPicPr>
         <p:blipFill>
-          <a:blip r:embed="rId4">
-            <a:extLst/>
-          </a:blip>
+          <a:blip r:embed="rId4"/>
           <a:stretch>
             <a:fillRect/>
           </a:stretch>
@@ -5932,9 +6578,7 @@
           <p:nvPr/>
         </p:nvPicPr>
         <p:blipFill>
-          <a:blip r:embed="rId5">
-            <a:extLst/>
-          </a:blip>
+          <a:blip r:embed="rId5"/>
           <a:stretch>
             <a:fillRect/>
           </a:stretch>
@@ -5961,9 +6605,7 @@
           <p:nvPr/>
         </p:nvPicPr>
         <p:blipFill>
-          <a:blip r:embed="rId6">
-            <a:extLst/>
-          </a:blip>
+          <a:blip r:embed="rId6"/>
           <a:stretch>
             <a:fillRect/>
           </a:stretch>
@@ -5986,12 +6628,12 @@
   <p:clrMapOvr>
     <a:masterClrMapping/>
   </p:clrMapOvr>
-  <p:transition xmlns:p14="http://schemas.microsoft.com/office/powerpoint/2010/main" spd="med" advClick="1" p14:dur="1000"/>
+  <p:transition spd="slow"/>
 </p:sld>
 </file>
 
 <file path=ppt/slides/slide4.xml><?xml version="1.0" encoding="utf-8"?>
-<p:sld xmlns:a="http://schemas.openxmlformats.org/drawingml/2006/main" xmlns:r="http://schemas.openxmlformats.org/officeDocument/2006/relationships" xmlns:p="http://schemas.openxmlformats.org/presentationml/2006/main" showMasterSp="1" showMasterPhAnim="1">
+<p:sld xmlns:a="http://schemas.openxmlformats.org/drawingml/2006/main" xmlns:r="http://schemas.openxmlformats.org/officeDocument/2006/relationships" xmlns:p="http://schemas.openxmlformats.org/presentationml/2006/main">
   <p:cSld>
     <p:spTree>
       <p:nvGrpSpPr>
@@ -6026,7 +6668,7 @@
           </a:ln>
           <a:extLst>
             <a:ext uri="{C572A759-6A51-4108-AA02-DFA0A04FC94B}">
-              <ma14:wrappingTextBoxFlag xmlns:ma14="http://schemas.microsoft.com/office/mac/drawingml/2011/main" val="1"/>
+              <ma14:wrappingTextBoxFlag xmlns:ma14="http://schemas.microsoft.com/office/mac/drawingml/2011/main" xmlns="" val="1"/>
             </a:ext>
           </a:extLst>
         </p:spPr>
@@ -6044,7 +6686,6 @@
             </a:lvl1pPr>
           </a:lstStyle>
           <a:p>
-            <a:pPr/>
             <a:r>
               <a:t>Mlst.-Präsentation Nr. 1  /  Gruppe 15</a:t>
             </a:r>
@@ -6054,7 +6695,9 @@
       <p:sp>
         <p:nvSpPr>
           <p:cNvPr id="163" name="Shape 163"/>
-          <p:cNvSpPr/>
+          <p:cNvSpPr>
+            <a:spLocks noGrp="1"/>
+          </p:cNvSpPr>
           <p:nvPr>
             <p:ph type="title"/>
           </p:nvPr>
@@ -6072,7 +6715,7 @@
           <a:bodyPr/>
           <a:lstStyle>
             <a:lvl1pPr>
-              <a:defRPr b="1" sz="2000">
+              <a:defRPr sz="2000" b="1">
                 <a:latin typeface="Arial"/>
                 <a:ea typeface="Arial"/>
                 <a:cs typeface="Arial"/>
@@ -6081,7 +6724,6 @@
             </a:lvl1pPr>
           </a:lstStyle>
           <a:p>
-            <a:pPr/>
             <a:r>
               <a:t>	 Übersicht</a:t>
             </a:r>
@@ -6091,7 +6733,9 @@
       <p:sp>
         <p:nvSpPr>
           <p:cNvPr id="164" name="Shape 164"/>
-          <p:cNvSpPr/>
+          <p:cNvSpPr>
+            <a:spLocks noGrp="1"/>
+          </p:cNvSpPr>
           <p:nvPr>
             <p:ph type="body" sz="half" idx="1"/>
           </p:nvPr>
@@ -6134,12 +6778,13 @@
                 <a:sym typeface="Arial"/>
               </a:defRPr>
             </a:pPr>
+            <a:endParaRPr/>
           </a:p>
           <a:p>
             <a:pPr marL="0" indent="0">
               <a:buSzTx/>
               <a:buNone/>
-              <a:defRPr b="1" sz="3000">
+              <a:defRPr sz="3000" b="1">
                 <a:latin typeface="Arial"/>
                 <a:ea typeface="Arial"/>
                 <a:cs typeface="Arial"/>
@@ -6161,6 +6806,7 @@
                 <a:sym typeface="Arial"/>
               </a:defRPr>
             </a:pPr>
+            <a:endParaRPr/>
           </a:p>
           <a:p>
             <a:pPr marL="0" indent="0">
@@ -6188,6 +6834,7 @@
                 <a:sym typeface="Arial"/>
               </a:defRPr>
             </a:pPr>
+            <a:endParaRPr/>
           </a:p>
           <a:p>
             <a:pPr marL="0" indent="0">
@@ -6209,7 +6856,9 @@
       <p:sp>
         <p:nvSpPr>
           <p:cNvPr id="165" name="Shape 165"/>
-          <p:cNvSpPr/>
+          <p:cNvSpPr>
+            <a:spLocks noGrp="1"/>
+          </p:cNvSpPr>
           <p:nvPr>
             <p:ph type="sldNum" sz="quarter" idx="4294967295"/>
           </p:nvPr>
@@ -6224,7 +6873,7 @@
           </a:prstGeom>
           <a:extLst>
             <a:ext uri="{C572A759-6A51-4108-AA02-DFA0A04FC94B}">
-              <ma14:wrappingTextBoxFlag xmlns:ma14="http://schemas.microsoft.com/office/mac/drawingml/2011/main" val="1"/>
+              <ma14:wrappingTextBoxFlag xmlns:ma14="http://schemas.microsoft.com/office/mac/drawingml/2011/main" xmlns="" val="1"/>
             </a:ext>
           </a:extLst>
         </p:spPr>
@@ -6232,8 +6881,10 @@
           <a:bodyPr/>
           <a:lstStyle/>
           <a:p>
-            <a:pPr/>
-            <a:fld id="{86CB4B4D-7CA3-9044-876B-883B54F8677D}" type="slidenum"/>
+            <a:fld id="{86CB4B4D-7CA3-9044-876B-883B54F8677D}" type="slidenum">
+              <a:t>4</a:t>
+            </a:fld>
+            <a:endParaRPr/>
           </a:p>
         </p:txBody>
       </p:sp>
@@ -6246,9 +6897,7 @@
           <p:nvPr/>
         </p:nvPicPr>
         <p:blipFill>
-          <a:blip r:embed="rId2">
-            <a:extLst/>
-          </a:blip>
+          <a:blip r:embed="rId2"/>
           <a:stretch>
             <a:fillRect/>
           </a:stretch>
@@ -6287,7 +6936,7 @@
             <a:miter/>
           </a:ln>
           <a:effectLst>
-            <a:outerShdw sx="100000" sy="100000" kx="0" ky="0" algn="b" rotWithShape="0" blurRad="50800" dist="38100" dir="2700000">
+            <a:outerShdw blurRad="50800" dist="38100" dir="2700000" rotWithShape="0">
               <a:srgbClr val="000000">
                 <a:alpha val="40000"/>
               </a:srgbClr>
@@ -6298,7 +6947,7 @@
           <a:bodyPr lIns="45718" tIns="45718" rIns="45718" bIns="45718"/>
           <a:lstStyle/>
           <a:p>
-            <a:pPr/>
+            <a:endParaRPr/>
           </a:p>
         </p:txBody>
       </p:sp>
@@ -6311,9 +6960,7 @@
           <p:nvPr/>
         </p:nvPicPr>
         <p:blipFill>
-          <a:blip r:embed="rId3">
-            <a:extLst/>
-          </a:blip>
+          <a:blip r:embed="rId3"/>
           <a:stretch>
             <a:fillRect/>
           </a:stretch>
@@ -6340,9 +6987,7 @@
           <p:nvPr/>
         </p:nvPicPr>
         <p:blipFill>
-          <a:blip r:embed="rId4">
-            <a:extLst/>
-          </a:blip>
+          <a:blip r:embed="rId4"/>
           <a:stretch>
             <a:fillRect/>
           </a:stretch>
@@ -6369,9 +7014,7 @@
           <p:nvPr/>
         </p:nvPicPr>
         <p:blipFill>
-          <a:blip r:embed="rId5">
-            <a:extLst/>
-          </a:blip>
+          <a:blip r:embed="rId5"/>
           <a:stretch>
             <a:fillRect/>
           </a:stretch>
@@ -6398,9 +7041,7 @@
           <p:nvPr/>
         </p:nvPicPr>
         <p:blipFill>
-          <a:blip r:embed="rId6">
-            <a:extLst/>
-          </a:blip>
+          <a:blip r:embed="rId6"/>
           <a:stretch>
             <a:fillRect/>
           </a:stretch>
@@ -6423,12 +7064,12 @@
   <p:clrMapOvr>
     <a:masterClrMapping/>
   </p:clrMapOvr>
-  <p:transition xmlns:p14="http://schemas.microsoft.com/office/powerpoint/2010/main" spd="med" advClick="1" p14:dur="1000"/>
+  <p:transition spd="slow"/>
 </p:sld>
 </file>
 
 <file path=ppt/slides/slide5.xml><?xml version="1.0" encoding="utf-8"?>
-<p:sld xmlns:a="http://schemas.openxmlformats.org/drawingml/2006/main" xmlns:r="http://schemas.openxmlformats.org/officeDocument/2006/relationships" xmlns:p="http://schemas.openxmlformats.org/presentationml/2006/main" showMasterSp="1" showMasterPhAnim="1">
+<p:sld xmlns:a="http://schemas.openxmlformats.org/drawingml/2006/main" xmlns:r="http://schemas.openxmlformats.org/officeDocument/2006/relationships" xmlns:p="http://schemas.openxmlformats.org/presentationml/2006/main">
   <p:cSld>
     <p:spTree>
       <p:nvGrpSpPr>
@@ -6452,8 +7093,8 @@
         </p:nvSpPr>
         <p:spPr>
           <a:xfrm>
-            <a:off x="3935999" y="6396609"/>
-            <a:ext cx="4114803" cy="269239"/>
+            <a:off x="3935999" y="6392731"/>
+            <a:ext cx="4114803" cy="276995"/>
           </a:xfrm>
           <a:prstGeom prst="rect">
             <a:avLst/>
@@ -6463,7 +7104,7 @@
           </a:ln>
           <a:extLst>
             <a:ext uri="{C572A759-6A51-4108-AA02-DFA0A04FC94B}">
-              <ma14:wrappingTextBoxFlag xmlns:ma14="http://schemas.microsoft.com/office/mac/drawingml/2011/main" val="1"/>
+              <ma14:wrappingTextBoxFlag xmlns:ma14="http://schemas.microsoft.com/office/mac/drawingml/2011/main" xmlns="" val="1"/>
             </a:ext>
           </a:extLst>
         </p:spPr>
@@ -6481,9 +7122,29 @@
             </a:lvl1pPr>
           </a:lstStyle>
           <a:p>
-            <a:pPr/>
-            <a:r>
-              <a:t>Mlst.-Präsentation Nr. 1  /  Gruppe 15</a:t>
+            <a:r>
+              <a:rPr dirty="0" err="1"/>
+              <a:t>Mlst</a:t>
+            </a:r>
+            <a:r>
+              <a:rPr dirty="0"/>
+              <a:t>.-</a:t>
+            </a:r>
+            <a:r>
+              <a:rPr dirty="0" err="1"/>
+              <a:t>Präsentation</a:t>
+            </a:r>
+            <a:r>
+              <a:rPr dirty="0"/>
+              <a:t> Nr. </a:t>
+            </a:r>
+            <a:r>
+              <a:rPr lang="de-CH" dirty="0"/>
+              <a:t>III</a:t>
+            </a:r>
+            <a:r>
+              <a:rPr dirty="0"/>
+              <a:t>  /  Gruppe 15</a:t>
             </a:r>
           </a:p>
         </p:txBody>
@@ -6491,7 +7152,9 @@
       <p:sp>
         <p:nvSpPr>
           <p:cNvPr id="174" name="Shape 174"/>
-          <p:cNvSpPr/>
+          <p:cNvSpPr>
+            <a:spLocks noGrp="1"/>
+          </p:cNvSpPr>
           <p:nvPr>
             <p:ph type="sldNum" sz="quarter" idx="4294967295"/>
           </p:nvPr>
@@ -6506,7 +7169,7 @@
           </a:prstGeom>
           <a:extLst>
             <a:ext uri="{C572A759-6A51-4108-AA02-DFA0A04FC94B}">
-              <ma14:wrappingTextBoxFlag xmlns:ma14="http://schemas.microsoft.com/office/mac/drawingml/2011/main" val="1"/>
+              <ma14:wrappingTextBoxFlag xmlns:ma14="http://schemas.microsoft.com/office/mac/drawingml/2011/main" xmlns="" val="1"/>
             </a:ext>
           </a:extLst>
         </p:spPr>
@@ -6514,15 +7177,19 @@
           <a:bodyPr/>
           <a:lstStyle/>
           <a:p>
-            <a:pPr/>
-            <a:fld id="{86CB4B4D-7CA3-9044-876B-883B54F8677D}" type="slidenum"/>
+            <a:fld id="{86CB4B4D-7CA3-9044-876B-883B54F8677D}" type="slidenum">
+              <a:t>5</a:t>
+            </a:fld>
+            <a:endParaRPr/>
           </a:p>
         </p:txBody>
       </p:sp>
       <p:sp>
         <p:nvSpPr>
           <p:cNvPr id="175" name="Shape 175"/>
-          <p:cNvSpPr/>
+          <p:cNvSpPr>
+            <a:spLocks noGrp="1"/>
+          </p:cNvSpPr>
           <p:nvPr>
             <p:ph type="title"/>
           </p:nvPr>
@@ -6540,7 +7207,7 @@
           <a:bodyPr/>
           <a:lstStyle>
             <a:lvl1pPr>
-              <a:defRPr b="1" sz="2000">
+              <a:defRPr sz="2000" b="1">
                 <a:latin typeface="Arial"/>
                 <a:ea typeface="Arial"/>
                 <a:cs typeface="Arial"/>
@@ -6549,7 +7216,6 @@
             </a:lvl1pPr>
           </a:lstStyle>
           <a:p>
-            <a:pPr/>
             <a:r>
               <a:t>	Spiellogik</a:t>
             </a:r>
@@ -6577,7 +7243,7 @@
             <a:miter/>
           </a:ln>
           <a:effectLst>
-            <a:outerShdw sx="100000" sy="100000" kx="0" ky="0" algn="b" rotWithShape="0" blurRad="50800" dist="38100" dir="2700000">
+            <a:outerShdw blurRad="50800" dist="38100" dir="2700000" rotWithShape="0">
               <a:srgbClr val="000000">
                 <a:alpha val="40000"/>
               </a:srgbClr>
@@ -6588,7 +7254,7 @@
           <a:bodyPr lIns="45718" tIns="45718" rIns="45718" bIns="45718"/>
           <a:lstStyle/>
           <a:p>
-            <a:pPr/>
+            <a:endParaRPr/>
           </a:p>
         </p:txBody>
       </p:sp>
@@ -6601,9 +7267,7 @@
           <p:nvPr/>
         </p:nvPicPr>
         <p:blipFill>
-          <a:blip r:embed="rId2">
-            <a:extLst/>
-          </a:blip>
+          <a:blip r:embed="rId2"/>
           <a:stretch>
             <a:fillRect/>
           </a:stretch>
@@ -6640,7 +7304,7 @@
           </a:ln>
           <a:extLst>
             <a:ext uri="{C572A759-6A51-4108-AA02-DFA0A04FC94B}">
-              <ma14:wrappingTextBoxFlag xmlns:ma14="http://schemas.microsoft.com/office/mac/drawingml/2011/main" val="1"/>
+              <ma14:wrappingTextBoxFlag xmlns:ma14="http://schemas.microsoft.com/office/mac/drawingml/2011/main" xmlns="" val="1"/>
             </a:ext>
           </a:extLst>
         </p:spPr>
@@ -6657,88 +7321,7 @@
               <a:defRPr sz="2000"/>
             </a:pPr>
             <a:r>
-              <a:t>S</a:t>
-            </a:r>
-            <a:r>
-              <a:t>t</a:t>
-            </a:r>
-            <a:r>
-              <a:t>a</a:t>
-            </a:r>
-            <a:r>
-              <a:t>p</a:t>
-            </a:r>
-            <a:r>
-              <a:t>e</a:t>
-            </a:r>
-            <a:r>
-              <a:t>l – </a:t>
-            </a:r>
-            <a:r>
-              <a:t>u</a:t>
-            </a:r>
-            <a:r>
-              <a:t>n</a:t>
-            </a:r>
-            <a:r>
-              <a:t>d</a:t>
-            </a:r>
-            <a:r>
-              <a:t> </a:t>
-            </a:r>
-            <a:r>
-              <a:t>K</a:t>
-            </a:r>
-            <a:r>
-              <a:t>a</a:t>
-            </a:r>
-            <a:r>
-              <a:t>r</a:t>
-            </a:r>
-            <a:r>
-              <a:t>t</a:t>
-            </a:r>
-            <a:r>
-              <a:t>e</a:t>
-            </a:r>
-            <a:r>
-              <a:t>n</a:t>
-            </a:r>
-            <a:r>
-              <a:t>v</a:t>
-            </a:r>
-            <a:r>
-              <a:t>e</a:t>
-            </a:r>
-            <a:r>
-              <a:t>rwaltung</a:t>
-            </a:r>
-            <a:r>
-              <a:t> </a:t>
-            </a:r>
-            <a:r>
-              <a:t>z</a:t>
-            </a:r>
-            <a:r>
-              <a:t>e</a:t>
-            </a:r>
-            <a:r>
-              <a:t>n</a:t>
-            </a:r>
-            <a:r>
-              <a:t>t</a:t>
-            </a:r>
-            <a:r>
-              <a:t>r</a:t>
-            </a:r>
-            <a:r>
-              <a:t>a</a:t>
-            </a:r>
-            <a:r>
-              <a:t>l</a:t>
-            </a:r>
-            <a:r>
-              <a:t> </a:t>
+              <a:t>Stapel – und Kartenverwaltung zentral </a:t>
             </a:r>
           </a:p>
           <a:p>
@@ -6748,6 +7331,7 @@
               <a:buChar char="•"/>
               <a:defRPr sz="2000"/>
             </a:pPr>
+            <a:endParaRPr/>
           </a:p>
           <a:p>
             <a:pPr marL="342900" indent="-342900">
@@ -6757,25 +7341,7 @@
               <a:defRPr sz="2000"/>
             </a:pPr>
             <a:r>
-              <a:t>Spieler spezifische Stapeln (</a:t>
-            </a:r>
-            <a:r>
-              <a:t>d</a:t>
-            </a:r>
-            <a:r>
-              <a:t>iscard</a:t>
-            </a:r>
-            <a:r>
-              <a:t>P</a:t>
-            </a:r>
-            <a:r>
-              <a:t>i</a:t>
-            </a:r>
-            <a:r>
-              <a:t>l</a:t>
-            </a:r>
-            <a:r>
-              <a:t>e, handCards) </a:t>
+              <a:t>Spieler spezifische Stapeln (discardPile, handCards) </a:t>
             </a:r>
           </a:p>
           <a:p>
@@ -6785,6 +7351,7 @@
               <a:buChar char="•"/>
               <a:defRPr sz="2000"/>
             </a:pPr>
+            <a:endParaRPr/>
           </a:p>
           <a:p>
             <a:pPr marL="342900" indent="-342900">
@@ -6794,25 +7361,7 @@
               <a:defRPr sz="2000"/>
             </a:pPr>
             <a:r>
-              <a:t>ArrayList (</a:t>
-            </a:r>
-            <a:r>
-              <a:t>G</a:t>
-            </a:r>
-            <a:r>
-              <a:t>r</a:t>
-            </a:r>
-            <a:r>
-              <a:t>ö</a:t>
-            </a:r>
-            <a:r>
-              <a:t>s</a:t>
-            </a:r>
-            <a:r>
-              <a:t>s</a:t>
-            </a:r>
-            <a:r>
-              <a:t>e flexibel und nützliche Methoden)</a:t>
+              <a:t>ArrayList (Grösse flexibel und nützliche Methoden)</a:t>
             </a:r>
           </a:p>
           <a:p>
@@ -6822,6 +7371,7 @@
               <a:buChar char="•"/>
               <a:defRPr sz="2000"/>
             </a:pPr>
+            <a:endParaRPr/>
           </a:p>
           <a:p>
             <a:pPr marL="342900" indent="-342900">
@@ -6831,19 +7381,7 @@
               <a:defRPr sz="2000"/>
             </a:pPr>
             <a:r>
-              <a:t>Game </a:t>
-            </a:r>
-            <a:r>
-              <a:t>u</a:t>
-            </a:r>
-            <a:r>
-              <a:t>n</a:t>
-            </a:r>
-            <a:r>
-              <a:t>d</a:t>
-            </a:r>
-            <a:r>
-              <a:t> Player Klassen brauchen Piles</a:t>
+              <a:t>Game und Player Klassen brauchen Piles</a:t>
             </a:r>
           </a:p>
           <a:p>
@@ -6853,6 +7391,7 @@
               <a:buChar char="•"/>
               <a:defRPr sz="2000"/>
             </a:pPr>
+            <a:endParaRPr/>
           </a:p>
           <a:p>
             <a:pPr marL="342900" indent="-342900">
@@ -6862,130 +7401,7 @@
               <a:defRPr sz="2000"/>
             </a:pPr>
             <a:r>
-              <a:t>Pile </a:t>
-            </a:r>
-            <a:r>
-              <a:t>b</a:t>
-            </a:r>
-            <a:r>
-              <a:t>r</a:t>
-            </a:r>
-            <a:r>
-              <a:t>a</a:t>
-            </a:r>
-            <a:r>
-              <a:t>u</a:t>
-            </a:r>
-            <a:r>
-              <a:t>c</a:t>
-            </a:r>
-            <a:r>
-              <a:t>h</a:t>
-            </a:r>
-            <a:r>
-              <a:t>t</a:t>
-            </a:r>
-            <a:r>
-              <a:t> </a:t>
-            </a:r>
-            <a:r>
-              <a:t>d</a:t>
-            </a:r>
-            <a:r>
-              <a:t>i</a:t>
-            </a:r>
-            <a:r>
-              <a:t>e</a:t>
-            </a:r>
-            <a:r>
-              <a:t> </a:t>
-            </a:r>
-            <a:r>
-              <a:t>K</a:t>
-            </a:r>
-            <a:r>
-              <a:t>l</a:t>
-            </a:r>
-            <a:r>
-              <a:t>a</a:t>
-            </a:r>
-            <a:r>
-              <a:t>s</a:t>
-            </a:r>
-            <a:r>
-              <a:t>s</a:t>
-            </a:r>
-            <a:r>
-              <a:t>e </a:t>
-            </a:r>
-            <a:r>
-              <a:t>C</a:t>
-            </a:r>
-            <a:r>
-              <a:t>a</a:t>
-            </a:r>
-            <a:r>
-              <a:t>r</a:t>
-            </a:r>
-            <a:r>
-              <a:t>d, </a:t>
-            </a:r>
-            <a:r>
-              <a:t>u</a:t>
-            </a:r>
-            <a:r>
-              <a:t>m </a:t>
-            </a:r>
-            <a:r>
-              <a:t>K</a:t>
-            </a:r>
-            <a:r>
-              <a:t>a</a:t>
-            </a:r>
-            <a:r>
-              <a:t>r</a:t>
-            </a:r>
-            <a:r>
-              <a:t>t</a:t>
-            </a:r>
-            <a:r>
-              <a:t>e</a:t>
-            </a:r>
-            <a:r>
-              <a:t>n </a:t>
-            </a:r>
-            <a:r>
-              <a:t>z</a:t>
-            </a:r>
-            <a:r>
-              <a:t>u </a:t>
-            </a:r>
-            <a:r>
-              <a:t>e</a:t>
-            </a:r>
-            <a:r>
-              <a:t>r</a:t>
-            </a:r>
-            <a:r>
-              <a:t>s</a:t>
-            </a:r>
-            <a:r>
-              <a:t>t</a:t>
-            </a:r>
-            <a:r>
-              <a:t>e</a:t>
-            </a:r>
-            <a:r>
-              <a:t>l</a:t>
-            </a:r>
-            <a:r>
-              <a:t>l</a:t>
-            </a:r>
-            <a:r>
-              <a:t>e</a:t>
-            </a:r>
-            <a:r>
-              <a:t>n</a:t>
+              <a:t>Pile braucht die Klasse Card, um Karten zu erstellen</a:t>
             </a:r>
           </a:p>
           <a:p>
@@ -6995,6 +7411,7 @@
               <a:buChar char="•"/>
               <a:defRPr sz="2000"/>
             </a:pPr>
+            <a:endParaRPr/>
           </a:p>
           <a:p>
             <a:pPr marL="342900" indent="-342900">
@@ -7004,119 +7421,11 @@
               <a:defRPr sz="2000"/>
             </a:pPr>
             <a:r>
-              <a:t>Game </a:t>
-            </a:r>
-            <a:r>
-              <a:t>b</a:t>
-            </a:r>
-            <a:r>
-              <a:t>e</a:t>
-            </a:r>
-            <a:r>
-              <a:t>i</a:t>
-            </a:r>
-            <a:r>
-              <a:t>n</a:t>
-            </a:r>
-            <a:r>
-              <a:t>h</a:t>
-            </a:r>
-            <a:r>
-              <a:t>a</a:t>
-            </a:r>
-            <a:r>
-              <a:t>l</a:t>
-            </a:r>
-            <a:r>
-              <a:t>t</a:t>
-            </a:r>
-            <a:r>
-              <a:t>e</a:t>
-            </a:r>
-            <a:r>
-              <a:t>t </a:t>
-            </a:r>
-            <a:r>
-              <a:t>M</a:t>
-            </a:r>
-            <a:r>
-              <a:t>e</a:t>
-            </a:r>
-            <a:r>
-              <a:t>t</a:t>
-            </a:r>
-            <a:r>
-              <a:t>h</a:t>
-            </a:r>
-            <a:r>
-              <a:t>o</a:t>
-            </a:r>
-            <a:r>
-              <a:t>d</a:t>
-            </a:r>
-            <a:r>
-              <a:t>e</a:t>
-            </a:r>
-            <a:r>
-              <a:t>n </a:t>
-            </a:r>
-            <a:r>
-              <a:t>f</a:t>
-            </a:r>
-            <a:r>
-              <a:t>ü</a:t>
-            </a:r>
-            <a:r>
-              <a:t>r</a:t>
-            </a:r>
-            <a:r>
-              <a:t> verschiedene</a:t>
+              <a:t>Game beinhaltet Methoden für verschiedene</a:t>
             </a:r>
             <a:br/>
             <a:r>
-              <a:t>Kartenoperation (playToMiddle, </a:t>
-            </a:r>
-            <a:r>
-              <a:t>p</a:t>
-            </a:r>
-            <a:r>
-              <a:t>l</a:t>
-            </a:r>
-            <a:r>
-              <a:t>a</a:t>
-            </a:r>
-            <a:r>
-              <a:t>y</a:t>
-            </a:r>
-            <a:r>
-              <a:t>T</a:t>
-            </a:r>
-            <a:r>
-              <a:t>o</a:t>
-            </a:r>
-            <a:r>
-              <a:t>D</a:t>
-            </a:r>
-            <a:r>
-              <a:t>i</a:t>
-            </a:r>
-            <a:r>
-              <a:t>s</a:t>
-            </a:r>
-            <a:r>
-              <a:t>c</a:t>
-            </a:r>
-            <a:r>
-              <a:t>a</a:t>
-            </a:r>
-            <a:r>
-              <a:t>r</a:t>
-            </a:r>
-            <a:r>
-              <a:t>d</a:t>
-            </a:r>
-            <a:r>
-              <a:t>)</a:t>
+              <a:t>Kartenoperation (playToMiddle, playToDiscard)</a:t>
             </a:r>
           </a:p>
           <a:p>
@@ -7126,6 +7435,7 @@
               <a:buChar char="•"/>
               <a:defRPr sz="2000"/>
             </a:pPr>
+            <a:endParaRPr/>
           </a:p>
           <a:p>
             <a:pPr marL="342900" indent="-342900">
@@ -7135,43 +7445,7 @@
               <a:defRPr sz="2000"/>
             </a:pPr>
             <a:r>
-              <a:t>Spielmethoden geben Boolean </a:t>
-            </a:r>
-            <a:r>
-              <a:t>W</a:t>
-            </a:r>
-            <a:r>
-              <a:t>e</a:t>
-            </a:r>
-            <a:r>
-              <a:t>r</a:t>
-            </a:r>
-            <a:r>
-              <a:t>t</a:t>
-            </a:r>
-            <a:r>
-              <a:t>e</a:t>
-            </a:r>
-            <a:r>
-              <a:t> </a:t>
-            </a:r>
-            <a:r>
-              <a:t>z</a:t>
-            </a:r>
-            <a:r>
-              <a:t>u</a:t>
-            </a:r>
-            <a:r>
-              <a:t>r</a:t>
-            </a:r>
-            <a:r>
-              <a:t>üc</a:t>
-            </a:r>
-            <a:r>
-              <a:t>k</a:t>
-            </a:r>
-            <a:r>
-              <a:t>: </a:t>
+              <a:t>Spielmethoden geben Boolean Werte zurück: </a:t>
             </a:r>
           </a:p>
           <a:p>
@@ -7179,37 +7453,7 @@
               <a:defRPr sz="2000"/>
             </a:pPr>
             <a:r>
-              <a:t>	- true: Spie</a:t>
-            </a:r>
-            <a:r>
-              <a:t>l</a:t>
-            </a:r>
-            <a:r>
-              <a:t>z</a:t>
-            </a:r>
-            <a:r>
-              <a:t>u</a:t>
-            </a:r>
-            <a:r>
-              <a:t>g </a:t>
-            </a:r>
-            <a:r>
-              <a:t>g</a:t>
-            </a:r>
-            <a:r>
-              <a:t>ü</a:t>
-            </a:r>
-            <a:r>
-              <a:t>l</a:t>
-            </a:r>
-            <a:r>
-              <a:t>t</a:t>
-            </a:r>
-            <a:r>
-              <a:t>i</a:t>
-            </a:r>
-            <a:r>
-              <a:t>g!</a:t>
+              <a:t>	- true: Spielzug gültig!</a:t>
             </a:r>
           </a:p>
           <a:p>
@@ -7217,79 +7461,7 @@
               <a:defRPr sz="2000"/>
             </a:pPr>
             <a:r>
-              <a:t>	- f</a:t>
-            </a:r>
-            <a:r>
-              <a:t>a</a:t>
-            </a:r>
-            <a:r>
-              <a:t>l</a:t>
-            </a:r>
-            <a:r>
-              <a:t>s</a:t>
-            </a:r>
-            <a:r>
-              <a:t>e: </a:t>
-            </a:r>
-            <a:r>
-              <a:t>S</a:t>
-            </a:r>
-            <a:r>
-              <a:t>p</a:t>
-            </a:r>
-            <a:r>
-              <a:t>i</a:t>
-            </a:r>
-            <a:r>
-              <a:t>e</a:t>
-            </a:r>
-            <a:r>
-              <a:t>l</a:t>
-            </a:r>
-            <a:r>
-              <a:t>z</a:t>
-            </a:r>
-            <a:r>
-              <a:t>u</a:t>
-            </a:r>
-            <a:r>
-              <a:t>g </a:t>
-            </a:r>
-            <a:r>
-              <a:t>n</a:t>
-            </a:r>
-            <a:r>
-              <a:t>i</a:t>
-            </a:r>
-            <a:r>
-              <a:t>c</a:t>
-            </a:r>
-            <a:r>
-              <a:t>h</a:t>
-            </a:r>
-            <a:r>
-              <a:t>t</a:t>
-            </a:r>
-            <a:r>
-              <a:t> </a:t>
-            </a:r>
-            <a:r>
-              <a:t>g</a:t>
-            </a:r>
-            <a:r>
-              <a:t>ü</a:t>
-            </a:r>
-            <a:r>
-              <a:t>l</a:t>
-            </a:r>
-            <a:r>
-              <a:t>t</a:t>
-            </a:r>
-            <a:r>
-              <a:t>i</a:t>
-            </a:r>
-            <a:r>
-              <a:t>g!</a:t>
+              <a:t>	- false: Spielzug nicht gültig!</a:t>
             </a:r>
           </a:p>
           <a:p>
@@ -7299,6 +7471,7 @@
               <a:buChar char="•"/>
               <a:defRPr sz="2000"/>
             </a:pPr>
+            <a:endParaRPr/>
           </a:p>
           <a:p>
             <a:pPr marL="342900" indent="-342900">
@@ -7307,6 +7480,7 @@
               <a:buChar char="•"/>
               <a:defRPr sz="2000"/>
             </a:pPr>
+            <a:endParaRPr/>
           </a:p>
           <a:p>
             <a:pPr marL="342900" indent="-342900">
@@ -7315,6 +7489,7 @@
               <a:buChar char="•"/>
               <a:defRPr sz="2000"/>
             </a:pPr>
+            <a:endParaRPr/>
           </a:p>
           <a:p>
             <a:pPr marL="342900" indent="-342900">
@@ -7323,6 +7498,7 @@
               <a:buChar char="•"/>
               <a:defRPr sz="2000"/>
             </a:pPr>
+            <a:endParaRPr/>
           </a:p>
           <a:p>
             <a:pPr marL="342900" indent="-342900">
@@ -7331,6 +7507,7 @@
               <a:buChar char="•"/>
               <a:defRPr sz="2000"/>
             </a:pPr>
+            <a:endParaRPr/>
           </a:p>
           <a:p>
             <a:pPr marL="342900" indent="-342900">
@@ -7339,6 +7516,7 @@
               <a:buChar char="•"/>
               <a:defRPr sz="2000"/>
             </a:pPr>
+            <a:endParaRPr/>
           </a:p>
         </p:txBody>
       </p:sp>
@@ -7351,9 +7529,7 @@
           <p:nvPr/>
         </p:nvPicPr>
         <p:blipFill>
-          <a:blip r:embed="rId3">
-            <a:extLst/>
-          </a:blip>
+          <a:blip r:embed="rId3"/>
           <a:stretch>
             <a:fillRect/>
           </a:stretch>
@@ -7376,12 +7552,12 @@
   <p:clrMapOvr>
     <a:masterClrMapping/>
   </p:clrMapOvr>
-  <p:transition xmlns:p14="http://schemas.microsoft.com/office/powerpoint/2010/main" spd="med" advClick="1" p14:dur="1000"/>
+  <p:transition spd="slow"/>
 </p:sld>
 </file>
 
 <file path=ppt/slides/slide6.xml><?xml version="1.0" encoding="utf-8"?>
-<p:sld xmlns:a="http://schemas.openxmlformats.org/drawingml/2006/main" xmlns:r="http://schemas.openxmlformats.org/officeDocument/2006/relationships" xmlns:p="http://schemas.openxmlformats.org/presentationml/2006/main" showMasterSp="1" showMasterPhAnim="1">
+<p:sld xmlns:a="http://schemas.openxmlformats.org/drawingml/2006/main" xmlns:r="http://schemas.openxmlformats.org/officeDocument/2006/relationships" xmlns:p="http://schemas.openxmlformats.org/presentationml/2006/main">
   <p:cSld>
     <p:spTree>
       <p:nvGrpSpPr>
@@ -7416,7 +7592,7 @@
           </a:ln>
           <a:extLst>
             <a:ext uri="{C572A759-6A51-4108-AA02-DFA0A04FC94B}">
-              <ma14:wrappingTextBoxFlag xmlns:ma14="http://schemas.microsoft.com/office/mac/drawingml/2011/main" val="1"/>
+              <ma14:wrappingTextBoxFlag xmlns:ma14="http://schemas.microsoft.com/office/mac/drawingml/2011/main" xmlns="" val="1"/>
             </a:ext>
           </a:extLst>
         </p:spPr>
@@ -7434,7 +7610,6 @@
             </a:lvl1pPr>
           </a:lstStyle>
           <a:p>
-            <a:pPr/>
             <a:r>
               <a:t>Mlst.-Präsentation Nr. 1  /  Gruppe 15</a:t>
             </a:r>
@@ -7444,7 +7619,9 @@
       <p:sp>
         <p:nvSpPr>
           <p:cNvPr id="182" name="Shape 182"/>
-          <p:cNvSpPr/>
+          <p:cNvSpPr>
+            <a:spLocks noGrp="1"/>
+          </p:cNvSpPr>
           <p:nvPr>
             <p:ph type="sldNum" sz="quarter" idx="4294967295"/>
           </p:nvPr>
@@ -7459,7 +7636,7 @@
           </a:prstGeom>
           <a:extLst>
             <a:ext uri="{C572A759-6A51-4108-AA02-DFA0A04FC94B}">
-              <ma14:wrappingTextBoxFlag xmlns:ma14="http://schemas.microsoft.com/office/mac/drawingml/2011/main" val="1"/>
+              <ma14:wrappingTextBoxFlag xmlns:ma14="http://schemas.microsoft.com/office/mac/drawingml/2011/main" xmlns="" val="1"/>
             </a:ext>
           </a:extLst>
         </p:spPr>
@@ -7467,15 +7644,19 @@
           <a:bodyPr/>
           <a:lstStyle/>
           <a:p>
-            <a:pPr/>
-            <a:fld id="{86CB4B4D-7CA3-9044-876B-883B54F8677D}" type="slidenum"/>
+            <a:fld id="{86CB4B4D-7CA3-9044-876B-883B54F8677D}" type="slidenum">
+              <a:t>6</a:t>
+            </a:fld>
+            <a:endParaRPr/>
           </a:p>
         </p:txBody>
       </p:sp>
       <p:sp>
         <p:nvSpPr>
           <p:cNvPr id="183" name="Shape 183"/>
-          <p:cNvSpPr/>
+          <p:cNvSpPr>
+            <a:spLocks noGrp="1"/>
+          </p:cNvSpPr>
           <p:nvPr>
             <p:ph type="title"/>
           </p:nvPr>
@@ -7493,7 +7674,7 @@
           <a:bodyPr/>
           <a:lstStyle>
             <a:lvl1pPr>
-              <a:defRPr b="1" sz="2000">
+              <a:defRPr sz="2000" b="1">
                 <a:latin typeface="Arial"/>
                 <a:ea typeface="Arial"/>
                 <a:cs typeface="Arial"/>
@@ -7502,7 +7683,6 @@
             </a:lvl1pPr>
           </a:lstStyle>
           <a:p>
-            <a:pPr/>
             <a:r>
               <a:t>	Spiellogik</a:t>
             </a:r>
@@ -7530,7 +7710,7 @@
             <a:miter/>
           </a:ln>
           <a:effectLst>
-            <a:outerShdw sx="100000" sy="100000" kx="0" ky="0" algn="b" rotWithShape="0" blurRad="50800" dist="38100" dir="2700000">
+            <a:outerShdw blurRad="50800" dist="38100" dir="2700000" rotWithShape="0">
               <a:srgbClr val="000000">
                 <a:alpha val="40000"/>
               </a:srgbClr>
@@ -7541,7 +7721,7 @@
           <a:bodyPr lIns="45718" tIns="45718" rIns="45718" bIns="45718"/>
           <a:lstStyle/>
           <a:p>
-            <a:pPr/>
+            <a:endParaRPr/>
           </a:p>
         </p:txBody>
       </p:sp>
@@ -7554,9 +7734,7 @@
           <p:nvPr/>
         </p:nvPicPr>
         <p:blipFill>
-          <a:blip r:embed="rId2">
-            <a:extLst/>
-          </a:blip>
+          <a:blip r:embed="rId2"/>
           <a:stretch>
             <a:fillRect/>
           </a:stretch>
@@ -7583,9 +7761,7 @@
           <p:nvPr/>
         </p:nvPicPr>
         <p:blipFill>
-          <a:blip r:embed="rId3">
-            <a:extLst/>
-          </a:blip>
+          <a:blip r:embed="rId3"/>
           <a:stretch>
             <a:fillRect/>
           </a:stretch>
@@ -7608,12 +7784,12 @@
   <p:clrMapOvr>
     <a:masterClrMapping/>
   </p:clrMapOvr>
-  <p:transition xmlns:p14="http://schemas.microsoft.com/office/powerpoint/2010/main" spd="med" advClick="1" p14:dur="1000"/>
+  <p:transition spd="slow"/>
 </p:sld>
 </file>
 
 <file path=ppt/slides/slide7.xml><?xml version="1.0" encoding="utf-8"?>
-<p:sld xmlns:a="http://schemas.openxmlformats.org/drawingml/2006/main" xmlns:r="http://schemas.openxmlformats.org/officeDocument/2006/relationships" xmlns:p="http://schemas.openxmlformats.org/presentationml/2006/main" showMasterSp="1" showMasterPhAnim="1">
+<p:sld xmlns:a="http://schemas.openxmlformats.org/drawingml/2006/main" xmlns:r="http://schemas.openxmlformats.org/officeDocument/2006/relationships" xmlns:p="http://schemas.openxmlformats.org/presentationml/2006/main">
   <p:cSld>
     <p:spTree>
       <p:nvGrpSpPr>
@@ -7648,7 +7824,7 @@
           </a:ln>
           <a:extLst>
             <a:ext uri="{C572A759-6A51-4108-AA02-DFA0A04FC94B}">
-              <ma14:wrappingTextBoxFlag xmlns:ma14="http://schemas.microsoft.com/office/mac/drawingml/2011/main" val="1"/>
+              <ma14:wrappingTextBoxFlag xmlns:ma14="http://schemas.microsoft.com/office/mac/drawingml/2011/main" xmlns="" val="1"/>
             </a:ext>
           </a:extLst>
         </p:spPr>
@@ -7666,7 +7842,6 @@
             </a:lvl1pPr>
           </a:lstStyle>
           <a:p>
-            <a:pPr/>
             <a:r>
               <a:t>Mlst.-Präsentation Nr. 1  /  Gruppe 15</a:t>
             </a:r>
@@ -7676,7 +7851,9 @@
       <p:sp>
         <p:nvSpPr>
           <p:cNvPr id="189" name="Shape 189"/>
-          <p:cNvSpPr/>
+          <p:cNvSpPr>
+            <a:spLocks noGrp="1"/>
+          </p:cNvSpPr>
           <p:nvPr>
             <p:ph type="title"/>
           </p:nvPr>
@@ -7694,7 +7871,7 @@
           <a:bodyPr/>
           <a:lstStyle>
             <a:lvl1pPr>
-              <a:defRPr b="1" sz="2000">
+              <a:defRPr sz="2000" b="1">
                 <a:latin typeface="Arial"/>
                 <a:ea typeface="Arial"/>
                 <a:cs typeface="Arial"/>
@@ -7703,7 +7880,6 @@
             </a:lvl1pPr>
           </a:lstStyle>
           <a:p>
-            <a:pPr/>
             <a:r>
               <a:t>	 Übersicht</a:t>
             </a:r>
@@ -7713,7 +7889,9 @@
       <p:sp>
         <p:nvSpPr>
           <p:cNvPr id="190" name="Shape 190"/>
-          <p:cNvSpPr/>
+          <p:cNvSpPr>
+            <a:spLocks noGrp="1"/>
+          </p:cNvSpPr>
           <p:nvPr>
             <p:ph type="body" sz="half" idx="1"/>
           </p:nvPr>
@@ -7756,6 +7934,7 @@
                 <a:sym typeface="Arial"/>
               </a:defRPr>
             </a:pPr>
+            <a:endParaRPr/>
           </a:p>
           <a:p>
             <a:pPr marL="0" indent="0">
@@ -7783,12 +7962,13 @@
                 <a:sym typeface="Arial"/>
               </a:defRPr>
             </a:pPr>
+            <a:endParaRPr/>
           </a:p>
           <a:p>
             <a:pPr marL="0" indent="0">
               <a:buSzTx/>
               <a:buNone/>
-              <a:defRPr b="1" sz="3000">
+              <a:defRPr sz="3000" b="1">
                 <a:latin typeface="Arial"/>
                 <a:ea typeface="Arial"/>
                 <a:cs typeface="Arial"/>
@@ -7810,6 +7990,7 @@
                 <a:sym typeface="Arial"/>
               </a:defRPr>
             </a:pPr>
+            <a:endParaRPr/>
           </a:p>
           <a:p>
             <a:pPr marL="0" indent="0">
@@ -7831,7 +8012,9 @@
       <p:sp>
         <p:nvSpPr>
           <p:cNvPr id="191" name="Shape 191"/>
-          <p:cNvSpPr/>
+          <p:cNvSpPr>
+            <a:spLocks noGrp="1"/>
+          </p:cNvSpPr>
           <p:nvPr>
             <p:ph type="sldNum" sz="quarter" idx="4294967295"/>
           </p:nvPr>
@@ -7846,7 +8029,7 @@
           </a:prstGeom>
           <a:extLst>
             <a:ext uri="{C572A759-6A51-4108-AA02-DFA0A04FC94B}">
-              <ma14:wrappingTextBoxFlag xmlns:ma14="http://schemas.microsoft.com/office/mac/drawingml/2011/main" val="1"/>
+              <ma14:wrappingTextBoxFlag xmlns:ma14="http://schemas.microsoft.com/office/mac/drawingml/2011/main" xmlns="" val="1"/>
             </a:ext>
           </a:extLst>
         </p:spPr>
@@ -7854,8 +8037,10 @@
           <a:bodyPr/>
           <a:lstStyle/>
           <a:p>
-            <a:pPr/>
-            <a:fld id="{86CB4B4D-7CA3-9044-876B-883B54F8677D}" type="slidenum"/>
+            <a:fld id="{86CB4B4D-7CA3-9044-876B-883B54F8677D}" type="slidenum">
+              <a:t>7</a:t>
+            </a:fld>
+            <a:endParaRPr/>
           </a:p>
         </p:txBody>
       </p:sp>
@@ -7868,9 +8053,7 @@
           <p:nvPr/>
         </p:nvPicPr>
         <p:blipFill>
-          <a:blip r:embed="rId2">
-            <a:extLst/>
-          </a:blip>
+          <a:blip r:embed="rId2"/>
           <a:stretch>
             <a:fillRect/>
           </a:stretch>
@@ -7909,7 +8092,7 @@
             <a:miter/>
           </a:ln>
           <a:effectLst>
-            <a:outerShdw sx="100000" sy="100000" kx="0" ky="0" algn="b" rotWithShape="0" blurRad="50800" dist="38100" dir="2700000">
+            <a:outerShdw blurRad="50800" dist="38100" dir="2700000" rotWithShape="0">
               <a:srgbClr val="000000">
                 <a:alpha val="40000"/>
               </a:srgbClr>
@@ -7920,7 +8103,7 @@
           <a:bodyPr lIns="45718" tIns="45718" rIns="45718" bIns="45718"/>
           <a:lstStyle/>
           <a:p>
-            <a:pPr/>
+            <a:endParaRPr/>
           </a:p>
         </p:txBody>
       </p:sp>
@@ -7933,9 +8116,7 @@
           <p:nvPr/>
         </p:nvPicPr>
         <p:blipFill>
-          <a:blip r:embed="rId3">
-            <a:extLst/>
-          </a:blip>
+          <a:blip r:embed="rId3"/>
           <a:stretch>
             <a:fillRect/>
           </a:stretch>
@@ -7962,9 +8143,7 @@
           <p:nvPr/>
         </p:nvPicPr>
         <p:blipFill>
-          <a:blip r:embed="rId4">
-            <a:extLst/>
-          </a:blip>
+          <a:blip r:embed="rId4"/>
           <a:stretch>
             <a:fillRect/>
           </a:stretch>
@@ -7991,9 +8170,7 @@
           <p:nvPr/>
         </p:nvPicPr>
         <p:blipFill>
-          <a:blip r:embed="rId5">
-            <a:extLst/>
-          </a:blip>
+          <a:blip r:embed="rId5"/>
           <a:stretch>
             <a:fillRect/>
           </a:stretch>
@@ -8020,9 +8197,7 @@
           <p:nvPr/>
         </p:nvPicPr>
         <p:blipFill>
-          <a:blip r:embed="rId6">
-            <a:extLst/>
-          </a:blip>
+          <a:blip r:embed="rId6"/>
           <a:stretch>
             <a:fillRect/>
           </a:stretch>
@@ -8045,12 +8220,12 @@
   <p:clrMapOvr>
     <a:masterClrMapping/>
   </p:clrMapOvr>
-  <p:transition xmlns:p14="http://schemas.microsoft.com/office/powerpoint/2010/main" spd="med" advClick="1" p14:dur="1000"/>
+  <p:transition spd="slow"/>
 </p:sld>
 </file>
 
 <file path=ppt/slides/slide8.xml><?xml version="1.0" encoding="utf-8"?>
-<p:sld xmlns:a="http://schemas.openxmlformats.org/drawingml/2006/main" xmlns:r="http://schemas.openxmlformats.org/officeDocument/2006/relationships" xmlns:p="http://schemas.openxmlformats.org/presentationml/2006/main" showMasterSp="1" showMasterPhAnim="1">
+<p:sld xmlns:a="http://schemas.openxmlformats.org/drawingml/2006/main" xmlns:r="http://schemas.openxmlformats.org/officeDocument/2006/relationships" xmlns:p="http://schemas.openxmlformats.org/presentationml/2006/main">
   <p:cSld>
     <p:spTree>
       <p:nvGrpSpPr>
@@ -8085,7 +8260,7 @@
           </a:ln>
           <a:extLst>
             <a:ext uri="{C572A759-6A51-4108-AA02-DFA0A04FC94B}">
-              <ma14:wrappingTextBoxFlag xmlns:ma14="http://schemas.microsoft.com/office/mac/drawingml/2011/main" val="1"/>
+              <ma14:wrappingTextBoxFlag xmlns:ma14="http://schemas.microsoft.com/office/mac/drawingml/2011/main" xmlns="" val="1"/>
             </a:ext>
           </a:extLst>
         </p:spPr>
@@ -8103,7 +8278,6 @@
             </a:lvl1pPr>
           </a:lstStyle>
           <a:p>
-            <a:pPr/>
             <a:r>
               <a:t>Mlst.-Präsentation Nr. 1  /  Gruppe 15</a:t>
             </a:r>
@@ -8113,7 +8287,9 @@
       <p:sp>
         <p:nvSpPr>
           <p:cNvPr id="200" name="Shape 200"/>
-          <p:cNvSpPr/>
+          <p:cNvSpPr>
+            <a:spLocks noGrp="1"/>
+          </p:cNvSpPr>
           <p:nvPr>
             <p:ph type="title"/>
           </p:nvPr>
@@ -8131,7 +8307,7 @@
           <a:bodyPr/>
           <a:lstStyle>
             <a:lvl1pPr>
-              <a:defRPr b="1" sz="2000">
+              <a:defRPr sz="2000" b="1">
                 <a:latin typeface="Arial"/>
                 <a:ea typeface="Arial"/>
                 <a:cs typeface="Arial"/>
@@ -8140,7 +8316,6 @@
             </a:lvl1pPr>
           </a:lstStyle>
           <a:p>
-            <a:pPr/>
             <a:r>
               <a:t>	Technische Eigenheiten</a:t>
             </a:r>
@@ -8150,7 +8325,9 @@
       <p:sp>
         <p:nvSpPr>
           <p:cNvPr id="201" name="Shape 201"/>
-          <p:cNvSpPr/>
+          <p:cNvSpPr>
+            <a:spLocks noGrp="1"/>
+          </p:cNvSpPr>
           <p:nvPr>
             <p:ph type="sldNum" sz="quarter" idx="4294967295"/>
           </p:nvPr>
@@ -8165,7 +8342,7 @@
           </a:prstGeom>
           <a:extLst>
             <a:ext uri="{C572A759-6A51-4108-AA02-DFA0A04FC94B}">
-              <ma14:wrappingTextBoxFlag xmlns:ma14="http://schemas.microsoft.com/office/mac/drawingml/2011/main" val="1"/>
+              <ma14:wrappingTextBoxFlag xmlns:ma14="http://schemas.microsoft.com/office/mac/drawingml/2011/main" xmlns="" val="1"/>
             </a:ext>
           </a:extLst>
         </p:spPr>
@@ -8173,8 +8350,10 @@
           <a:bodyPr/>
           <a:lstStyle/>
           <a:p>
-            <a:pPr/>
-            <a:fld id="{86CB4B4D-7CA3-9044-876B-883B54F8677D}" type="slidenum"/>
+            <a:fld id="{86CB4B4D-7CA3-9044-876B-883B54F8677D}" type="slidenum">
+              <a:t>8</a:t>
+            </a:fld>
+            <a:endParaRPr/>
           </a:p>
         </p:txBody>
       </p:sp>
@@ -8199,7 +8378,7 @@
             <a:miter/>
           </a:ln>
           <a:effectLst>
-            <a:outerShdw sx="100000" sy="100000" kx="0" ky="0" algn="b" rotWithShape="0" blurRad="50800" dist="38100" dir="2700000">
+            <a:outerShdw blurRad="50800" dist="38100" dir="2700000" rotWithShape="0">
               <a:srgbClr val="000000">
                 <a:alpha val="40000"/>
               </a:srgbClr>
@@ -8210,7 +8389,7 @@
           <a:bodyPr lIns="45718" tIns="45718" rIns="45718" bIns="45718"/>
           <a:lstStyle/>
           <a:p>
-            <a:pPr/>
+            <a:endParaRPr/>
           </a:p>
         </p:txBody>
       </p:sp>
@@ -8223,9 +8402,7 @@
           <p:nvPr/>
         </p:nvPicPr>
         <p:blipFill>
-          <a:blip r:embed="rId2">
-            <a:extLst/>
-          </a:blip>
+          <a:blip r:embed="rId2"/>
           <a:stretch>
             <a:fillRect/>
           </a:stretch>
@@ -8252,7 +8429,7 @@
         <p:spPr>
           <a:xfrm>
             <a:off x="425998" y="1150597"/>
-            <a:ext cx="5329971" cy="3538220"/>
+            <a:ext cx="4640690" cy="3761026"/>
           </a:xfrm>
           <a:prstGeom prst="rect">
             <a:avLst/>
@@ -8262,7 +8439,7 @@
           </a:ln>
           <a:extLst>
             <a:ext uri="{C572A759-6A51-4108-AA02-DFA0A04FC94B}">
-              <ma14:wrappingTextBoxFlag xmlns:ma14="http://schemas.microsoft.com/office/mac/drawingml/2011/main" val="1"/>
+              <ma14:wrappingTextBoxFlag xmlns:ma14="http://schemas.microsoft.com/office/mac/drawingml/2011/main" xmlns="" val="1"/>
             </a:ext>
           </a:extLst>
         </p:spPr>
@@ -8278,14 +8455,15 @@
               </a:lnSpc>
               <a:buSzPct val="100000"/>
               <a:buChar char="•"/>
-              <a:defRPr b="1" sz="2000"/>
-            </a:pPr>
-            <a:r>
+              <a:defRPr sz="2000" b="1"/>
+            </a:pPr>
+            <a:r>
+              <a:rPr dirty="0"/>
               <a:t>GUI</a:t>
             </a:r>
           </a:p>
           <a:p>
-            <a:pPr lvl="1" marL="581525" indent="-200525">
+            <a:pPr marL="581525" lvl="1" indent="-200525">
               <a:lnSpc>
                 <a:spcPct val="120000"/>
               </a:lnSpc>
@@ -8294,11 +8472,21 @@
               <a:defRPr sz="2000"/>
             </a:pPr>
             <a:r>
-              <a:t>…</a:t>
-            </a:r>
-          </a:p>
-          <a:p>
-            <a:pPr lvl="1" marL="581525" indent="-200525">
+              <a:rPr lang="de-CH" dirty="0"/>
+              <a:t>Einfach gestaltet (</a:t>
+            </a:r>
+            <a:r>
+              <a:rPr lang="de-CH" dirty="0" err="1"/>
+              <a:t>Jbutton</a:t>
+            </a:r>
+            <a:r>
+              <a:rPr lang="de-CH" dirty="0"/>
+              <a:t>)</a:t>
+            </a:r>
+            <a:endParaRPr dirty="0"/>
+          </a:p>
+          <a:p>
+            <a:pPr marL="581525" lvl="1" indent="-200525">
               <a:lnSpc>
                 <a:spcPct val="120000"/>
               </a:lnSpc>
@@ -8307,8 +8495,10 @@
               <a:defRPr sz="2000"/>
             </a:pPr>
             <a:r>
-              <a:t>…</a:t>
-            </a:r>
+              <a:rPr lang="de-CH" dirty="0"/>
+              <a:t>"Ein Frame " für Chat und Game</a:t>
+            </a:r>
+            <a:endParaRPr dirty="0"/>
           </a:p>
           <a:p>
             <a:pPr marL="200526" indent="-200526">
@@ -8317,14 +8507,27 @@
               </a:lnSpc>
               <a:buSzPct val="100000"/>
               <a:buChar char="•"/>
-              <a:defRPr b="1" sz="2000"/>
-            </a:pPr>
-            <a:r>
-              <a:t>Genutzte externe library: Apache Log4j 2</a:t>
-            </a:r>
-          </a:p>
-          <a:p>
-            <a:pPr lvl="1" marL="581525" indent="-200525">
+              <a:defRPr sz="2000" b="1"/>
+            </a:pPr>
+            <a:r>
+              <a:rPr dirty="0" err="1"/>
+              <a:t>Genutzte</a:t>
+            </a:r>
+            <a:r>
+              <a:rPr dirty="0"/>
+              <a:t> </a:t>
+            </a:r>
+            <a:r>
+              <a:rPr dirty="0" err="1"/>
+              <a:t>externe</a:t>
+            </a:r>
+            <a:r>
+              <a:rPr dirty="0"/>
+              <a:t> library: Apache Log4j 2</a:t>
+            </a:r>
+          </a:p>
+          <a:p>
+            <a:pPr marL="581525" lvl="1" indent="-200525">
               <a:lnSpc>
                 <a:spcPct val="120000"/>
               </a:lnSpc>
@@ -8333,11 +8536,16 @@
               <a:defRPr sz="2000"/>
             </a:pPr>
             <a:r>
-              <a:t>Vorteile:</a:t>
-            </a:r>
-          </a:p>
-          <a:p>
-            <a:pPr lvl="3" marL="1343526" indent="-200526">
+              <a:rPr dirty="0" err="1"/>
+              <a:t>Vorteile</a:t>
+            </a:r>
+            <a:r>
+              <a:rPr dirty="0"/>
+              <a:t>:</a:t>
+            </a:r>
+          </a:p>
+          <a:p>
+            <a:pPr marL="1343526" lvl="3" indent="-200526">
               <a:lnSpc>
                 <a:spcPct val="120000"/>
               </a:lnSpc>
@@ -8346,11 +8554,12 @@
               <a:defRPr sz="2000"/>
             </a:pPr>
             <a:r>
+              <a:rPr dirty="0"/>
               <a:t>Levels</a:t>
             </a:r>
           </a:p>
           <a:p>
-            <a:pPr lvl="3" marL="1343526" indent="-200526">
+            <a:pPr marL="1343526" lvl="3" indent="-200526">
               <a:lnSpc>
                 <a:spcPct val="120000"/>
               </a:lnSpc>
@@ -8359,11 +8568,12 @@
               <a:defRPr sz="2000"/>
             </a:pPr>
             <a:r>
+              <a:rPr dirty="0"/>
               <a:t>Timestamps</a:t>
             </a:r>
           </a:p>
           <a:p>
-            <a:pPr lvl="3" marL="1343526" indent="-200526">
+            <a:pPr marL="1343526" lvl="3" indent="-200526">
               <a:lnSpc>
                 <a:spcPct val="120000"/>
               </a:lnSpc>
@@ -8372,11 +8582,17 @@
               <a:defRPr sz="2000"/>
             </a:pPr>
             <a:r>
-              <a:t>Log in Datei</a:t>
-            </a:r>
-          </a:p>
-          <a:p>
-            <a:pPr lvl="1" marL="581525" indent="-200525">
+              <a:rPr dirty="0"/>
+              <a:t>Log in </a:t>
+            </a:r>
+            <a:r>
+              <a:rPr dirty="0" err="1"/>
+              <a:t>Datei</a:t>
+            </a:r>
+            <a:endParaRPr dirty="0"/>
+          </a:p>
+          <a:p>
+            <a:pPr marL="581525" lvl="1" indent="-200525">
               <a:lnSpc>
                 <a:spcPct val="120000"/>
               </a:lnSpc>
@@ -8385,11 +8601,16 @@
               <a:defRPr sz="2000"/>
             </a:pPr>
             <a:r>
-              <a:t>Konfiguration:</a:t>
-            </a:r>
-          </a:p>
-          <a:p>
-            <a:pPr lvl="3" marL="1343526" indent="-200526">
+              <a:rPr dirty="0" err="1"/>
+              <a:t>Konfiguration</a:t>
+            </a:r>
+            <a:r>
+              <a:rPr dirty="0"/>
+              <a:t>:</a:t>
+            </a:r>
+          </a:p>
+          <a:p>
+            <a:pPr marL="1343526" lvl="3" indent="-200526">
               <a:lnSpc>
                 <a:spcPct val="120000"/>
               </a:lnSpc>
@@ -8398,8 +8619,14 @@
               <a:defRPr sz="2000"/>
             </a:pPr>
             <a:r>
-              <a:t>.properties Datei</a:t>
-            </a:r>
+              <a:rPr dirty="0"/>
+              <a:t>.properties </a:t>
+            </a:r>
+            <a:r>
+              <a:rPr dirty="0" err="1"/>
+              <a:t>Datei</a:t>
+            </a:r>
+            <a:endParaRPr dirty="0"/>
           </a:p>
         </p:txBody>
       </p:sp>
@@ -8408,12 +8635,12 @@
   <p:clrMapOvr>
     <a:masterClrMapping/>
   </p:clrMapOvr>
-  <p:transition xmlns:p14="http://schemas.microsoft.com/office/powerpoint/2010/main" spd="med" advClick="1" p14:dur="1000"/>
+  <p:transition spd="slow"/>
 </p:sld>
 </file>
 
 <file path=ppt/slides/slide9.xml><?xml version="1.0" encoding="utf-8"?>
-<p:sld xmlns:a="http://schemas.openxmlformats.org/drawingml/2006/main" xmlns:r="http://schemas.openxmlformats.org/officeDocument/2006/relationships" xmlns:p="http://schemas.openxmlformats.org/presentationml/2006/main" showMasterSp="1" showMasterPhAnim="1">
+<p:sld xmlns:a="http://schemas.openxmlformats.org/drawingml/2006/main" xmlns:r="http://schemas.openxmlformats.org/officeDocument/2006/relationships" xmlns:p="http://schemas.openxmlformats.org/presentationml/2006/main">
   <p:cSld>
     <p:spTree>
       <p:nvGrpSpPr>
@@ -8448,7 +8675,7 @@
           </a:ln>
           <a:extLst>
             <a:ext uri="{C572A759-6A51-4108-AA02-DFA0A04FC94B}">
-              <ma14:wrappingTextBoxFlag xmlns:ma14="http://schemas.microsoft.com/office/mac/drawingml/2011/main" val="1"/>
+              <ma14:wrappingTextBoxFlag xmlns:ma14="http://schemas.microsoft.com/office/mac/drawingml/2011/main" xmlns="" val="1"/>
             </a:ext>
           </a:extLst>
         </p:spPr>
@@ -8466,7 +8693,6 @@
             </a:lvl1pPr>
           </a:lstStyle>
           <a:p>
-            <a:pPr/>
             <a:r>
               <a:t>Mlst.-Präsentation Nr. 1  /  Gruppe 15</a:t>
             </a:r>
@@ -8476,7 +8702,9 @@
       <p:sp>
         <p:nvSpPr>
           <p:cNvPr id="207" name="Shape 207"/>
-          <p:cNvSpPr/>
+          <p:cNvSpPr>
+            <a:spLocks noGrp="1"/>
+          </p:cNvSpPr>
           <p:nvPr>
             <p:ph type="title"/>
           </p:nvPr>
@@ -8494,7 +8722,7 @@
           <a:bodyPr/>
           <a:lstStyle>
             <a:lvl1pPr>
-              <a:defRPr b="1" sz="2000">
+              <a:defRPr sz="2000" b="1">
                 <a:latin typeface="Arial"/>
                 <a:ea typeface="Arial"/>
                 <a:cs typeface="Arial"/>
@@ -8503,7 +8731,6 @@
             </a:lvl1pPr>
           </a:lstStyle>
           <a:p>
-            <a:pPr/>
             <a:r>
               <a:t>	Technische Eigenheiten</a:t>
             </a:r>
@@ -8513,7 +8740,9 @@
       <p:sp>
         <p:nvSpPr>
           <p:cNvPr id="208" name="Shape 208"/>
-          <p:cNvSpPr/>
+          <p:cNvSpPr>
+            <a:spLocks noGrp="1"/>
+          </p:cNvSpPr>
           <p:nvPr>
             <p:ph type="sldNum" sz="quarter" idx="4294967295"/>
           </p:nvPr>
@@ -8528,7 +8757,7 @@
           </a:prstGeom>
           <a:extLst>
             <a:ext uri="{C572A759-6A51-4108-AA02-DFA0A04FC94B}">
-              <ma14:wrappingTextBoxFlag xmlns:ma14="http://schemas.microsoft.com/office/mac/drawingml/2011/main" val="1"/>
+              <ma14:wrappingTextBoxFlag xmlns:ma14="http://schemas.microsoft.com/office/mac/drawingml/2011/main" xmlns="" val="1"/>
             </a:ext>
           </a:extLst>
         </p:spPr>
@@ -8536,8 +8765,10 @@
           <a:bodyPr/>
           <a:lstStyle/>
           <a:p>
-            <a:pPr/>
-            <a:fld id="{86CB4B4D-7CA3-9044-876B-883B54F8677D}" type="slidenum"/>
+            <a:fld id="{86CB4B4D-7CA3-9044-876B-883B54F8677D}" type="slidenum">
+              <a:t>9</a:t>
+            </a:fld>
+            <a:endParaRPr/>
           </a:p>
         </p:txBody>
       </p:sp>
@@ -8562,7 +8793,7 @@
             <a:miter/>
           </a:ln>
           <a:effectLst>
-            <a:outerShdw sx="100000" sy="100000" kx="0" ky="0" algn="b" rotWithShape="0" blurRad="50800" dist="38100" dir="2700000">
+            <a:outerShdw blurRad="50800" dist="38100" dir="2700000" rotWithShape="0">
               <a:srgbClr val="000000">
                 <a:alpha val="40000"/>
               </a:srgbClr>
@@ -8573,7 +8804,7 @@
           <a:bodyPr lIns="45718" tIns="45718" rIns="45718" bIns="45718"/>
           <a:lstStyle/>
           <a:p>
-            <a:pPr/>
+            <a:endParaRPr/>
           </a:p>
         </p:txBody>
       </p:sp>
@@ -8586,9 +8817,7 @@
           <p:nvPr/>
         </p:nvPicPr>
         <p:blipFill>
-          <a:blip r:embed="rId2">
-            <a:extLst/>
-          </a:blip>
+          <a:blip r:embed="rId2"/>
           <a:stretch>
             <a:fillRect/>
           </a:stretch>
@@ -8625,7 +8854,7 @@
           </a:ln>
           <a:extLst>
             <a:ext uri="{C572A759-6A51-4108-AA02-DFA0A04FC94B}">
-              <ma14:wrappingTextBoxFlag xmlns:ma14="http://schemas.microsoft.com/office/mac/drawingml/2011/main" val="1"/>
+              <ma14:wrappingTextBoxFlag xmlns:ma14="http://schemas.microsoft.com/office/mac/drawingml/2011/main" xmlns="" val="1"/>
             </a:ext>
           </a:extLst>
         </p:spPr>
@@ -8642,7 +8871,6 @@
             </a:lvl1pPr>
           </a:lstStyle>
           <a:p>
-            <a:pPr/>
             <a:r>
               <a:t>log4j2.properties Datei (Beispiel)</a:t>
             </a:r>
@@ -8658,9 +8886,7 @@
           <p:nvPr/>
         </p:nvPicPr>
         <p:blipFill>
-          <a:blip r:embed="rId3">
-            <a:extLst/>
-          </a:blip>
+          <a:blip r:embed="rId3"/>
           <a:stretch>
             <a:fillRect/>
           </a:stretch>
@@ -8683,12 +8909,12 @@
   <p:clrMapOvr>
     <a:masterClrMapping/>
   </p:clrMapOvr>
-  <p:transition xmlns:p14="http://schemas.microsoft.com/office/powerpoint/2010/main" spd="med" advClick="1" p14:dur="1000"/>
+  <p:transition spd="slow"/>
 </p:sld>
 </file>
 
 <file path=ppt/theme/theme1.xml><?xml version="1.0" encoding="utf-8"?>
-<a:theme xmlns:a="http://schemas.openxmlformats.org/drawingml/2006/main" xmlns:r="http://schemas.openxmlformats.org/officeDocument/2006/relationships" name="Office">
+<a:theme xmlns:a="http://schemas.openxmlformats.org/drawingml/2006/main" name="Office">
   <a:themeElements>
     <a:clrScheme name="Office">
       <a:dk1>
@@ -8890,7 +9116,7 @@
         <a:effectLst/>
         <a:sp3d/>
       </a:spPr>
-      <a:bodyPr rot="0" spcFirstLastPara="1" vertOverflow="overflow" horzOverflow="overflow" vert="horz" wrap="square" lIns="45718" tIns="45718" rIns="45718" bIns="45718" numCol="1" spcCol="38100" rtlCol="0" anchor="ctr" upright="0">
+      <a:bodyPr rot="0" spcFirstLastPara="1" vertOverflow="overflow" horzOverflow="overflow" vert="horz" wrap="square" lIns="45718" tIns="45718" rIns="45718" bIns="45718" numCol="1" spcCol="38100" rtlCol="0" anchor="ctr">
         <a:spAutoFit/>
       </a:bodyPr>
       <a:lstStyle>
@@ -8909,7 +9135,7 @@
           <a:buFontTx/>
           <a:buNone/>
           <a:tabLst/>
-          <a:defRPr b="0" baseline="0" cap="none" i="0" spc="0" strike="noStrike" sz="1800" u="none" kumimoji="0" normalizeH="0">
+          <a:defRPr kumimoji="0" sz="1800" b="0" i="0" u="none" strike="noStrike" cap="none" spc="0" normalizeH="0" baseline="0">
             <a:ln>
               <a:noFill/>
             </a:ln>
@@ -8939,7 +9165,7 @@
           <a:buFontTx/>
           <a:buNone/>
           <a:tabLst/>
-          <a:defRPr b="0" baseline="0" cap="none" i="0" spc="0" strike="noStrike" sz="1800" u="none" kumimoji="0" normalizeH="0">
+          <a:defRPr kumimoji="0" sz="1800" b="0" i="0" u="none" strike="noStrike" cap="none" spc="0" normalizeH="0" baseline="0">
             <a:ln>
               <a:noFill/>
             </a:ln>
@@ -8965,7 +9191,7 @@
           <a:buFontTx/>
           <a:buNone/>
           <a:tabLst/>
-          <a:defRPr b="0" baseline="0" cap="none" i="0" spc="0" strike="noStrike" sz="1800" u="none" kumimoji="0" normalizeH="0">
+          <a:defRPr kumimoji="0" sz="1800" b="0" i="0" u="none" strike="noStrike" cap="none" spc="0" normalizeH="0" baseline="0">
             <a:ln>
               <a:noFill/>
             </a:ln>
@@ -8991,7 +9217,7 @@
           <a:buFontTx/>
           <a:buNone/>
           <a:tabLst/>
-          <a:defRPr b="0" baseline="0" cap="none" i="0" spc="0" strike="noStrike" sz="1800" u="none" kumimoji="0" normalizeH="0">
+          <a:defRPr kumimoji="0" sz="1800" b="0" i="0" u="none" strike="noStrike" cap="none" spc="0" normalizeH="0" baseline="0">
             <a:ln>
               <a:noFill/>
             </a:ln>
@@ -9017,7 +9243,7 @@
           <a:buFontTx/>
           <a:buNone/>
           <a:tabLst/>
-          <a:defRPr b="0" baseline="0" cap="none" i="0" spc="0" strike="noStrike" sz="1800" u="none" kumimoji="0" normalizeH="0">
+          <a:defRPr kumimoji="0" sz="1800" b="0" i="0" u="none" strike="noStrike" cap="none" spc="0" normalizeH="0" baseline="0">
             <a:ln>
               <a:noFill/>
             </a:ln>
@@ -9043,7 +9269,7 @@
           <a:buFontTx/>
           <a:buNone/>
           <a:tabLst/>
-          <a:defRPr b="0" baseline="0" cap="none" i="0" spc="0" strike="noStrike" sz="1800" u="none" kumimoji="0" normalizeH="0">
+          <a:defRPr kumimoji="0" sz="1800" b="0" i="0" u="none" strike="noStrike" cap="none" spc="0" normalizeH="0" baseline="0">
             <a:ln>
               <a:noFill/>
             </a:ln>
@@ -9069,7 +9295,7 @@
           <a:buFontTx/>
           <a:buNone/>
           <a:tabLst/>
-          <a:defRPr b="0" baseline="0" cap="none" i="0" spc="0" strike="noStrike" sz="1800" u="none" kumimoji="0" normalizeH="0">
+          <a:defRPr kumimoji="0" sz="1800" b="0" i="0" u="none" strike="noStrike" cap="none" spc="0" normalizeH="0" baseline="0">
             <a:ln>
               <a:noFill/>
             </a:ln>
@@ -9095,7 +9321,7 @@
           <a:buFontTx/>
           <a:buNone/>
           <a:tabLst/>
-          <a:defRPr b="0" baseline="0" cap="none" i="0" spc="0" strike="noStrike" sz="1800" u="none" kumimoji="0" normalizeH="0">
+          <a:defRPr kumimoji="0" sz="1800" b="0" i="0" u="none" strike="noStrike" cap="none" spc="0" normalizeH="0" baseline="0">
             <a:ln>
               <a:noFill/>
             </a:ln>
@@ -9121,7 +9347,7 @@
           <a:buFontTx/>
           <a:buNone/>
           <a:tabLst/>
-          <a:defRPr b="0" baseline="0" cap="none" i="0" spc="0" strike="noStrike" sz="1800" u="none" kumimoji="0" normalizeH="0">
+          <a:defRPr kumimoji="0" sz="1800" b="0" i="0" u="none" strike="noStrike" cap="none" spc="0" normalizeH="0" baseline="0">
             <a:ln>
               <a:noFill/>
             </a:ln>
@@ -9147,7 +9373,7 @@
           <a:buFontTx/>
           <a:buNone/>
           <a:tabLst/>
-          <a:defRPr b="0" baseline="0" cap="none" i="0" spc="0" strike="noStrike" sz="1800" u="none" kumimoji="0" normalizeH="0">
+          <a:defRPr kumimoji="0" sz="1800" b="0" i="0" u="none" strike="noStrike" cap="none" spc="0" normalizeH="0" baseline="0">
             <a:ln>
               <a:noFill/>
             </a:ln>
@@ -9160,9 +9386,15 @@
         </a:lvl9pPr>
       </a:lstStyle>
       <a:style>
-        <a:lnRef idx="0"/>
-        <a:fillRef idx="0"/>
-        <a:effectRef idx="0"/>
+        <a:lnRef idx="0">
+          <a:scrgbClr r="0" g="0" b="0"/>
+        </a:lnRef>
+        <a:fillRef idx="0">
+          <a:scrgbClr r="0" g="0" b="0"/>
+        </a:fillRef>
+        <a:effectRef idx="0">
+          <a:scrgbClr r="0" g="0" b="0"/>
+        </a:effectRef>
         <a:fontRef idx="none"/>
       </a:style>
     </a:spDef>
@@ -9179,7 +9411,7 @@
         <a:effectLst/>
         <a:sp3d/>
       </a:spPr>
-      <a:bodyPr rot="0" spcFirstLastPara="1" vertOverflow="overflow" horzOverflow="overflow" vert="horz" wrap="square" lIns="91439" tIns="45719" rIns="91439" bIns="45719" numCol="1" spcCol="38100" rtlCol="0" anchor="t" upright="0">
+      <a:bodyPr rot="0" spcFirstLastPara="1" vertOverflow="overflow" horzOverflow="overflow" vert="horz" wrap="square" lIns="91439" tIns="45719" rIns="91439" bIns="45719" numCol="1" spcCol="38100" rtlCol="0" anchor="t">
         <a:noAutofit/>
       </a:bodyPr>
       <a:lstStyle>
@@ -9198,7 +9430,7 @@
           <a:buFontTx/>
           <a:buNone/>
           <a:tabLst/>
-          <a:defRPr b="0" baseline="0" cap="none" i="0" spc="0" strike="noStrike" sz="1800" u="none" kumimoji="0" normalizeH="0">
+          <a:defRPr kumimoji="0" sz="1800" b="0" i="0" u="none" strike="noStrike" cap="none" spc="0" normalizeH="0" baseline="0">
             <a:ln>
               <a:noFill/>
             </a:ln>
@@ -9224,7 +9456,7 @@
           <a:buFontTx/>
           <a:buNone/>
           <a:tabLst/>
-          <a:defRPr b="0" baseline="0" cap="none" i="0" spc="0" strike="noStrike" sz="1800" u="none" kumimoji="0" normalizeH="0">
+          <a:defRPr kumimoji="0" sz="1800" b="0" i="0" u="none" strike="noStrike" cap="none" spc="0" normalizeH="0" baseline="0">
             <a:ln>
               <a:noFill/>
             </a:ln>
@@ -9250,7 +9482,7 @@
           <a:buFontTx/>
           <a:buNone/>
           <a:tabLst/>
-          <a:defRPr b="0" baseline="0" cap="none" i="0" spc="0" strike="noStrike" sz="1800" u="none" kumimoji="0" normalizeH="0">
+          <a:defRPr kumimoji="0" sz="1800" b="0" i="0" u="none" strike="noStrike" cap="none" spc="0" normalizeH="0" baseline="0">
             <a:ln>
               <a:noFill/>
             </a:ln>
@@ -9276,7 +9508,7 @@
           <a:buFontTx/>
           <a:buNone/>
           <a:tabLst/>
-          <a:defRPr b="0" baseline="0" cap="none" i="0" spc="0" strike="noStrike" sz="1800" u="none" kumimoji="0" normalizeH="0">
+          <a:defRPr kumimoji="0" sz="1800" b="0" i="0" u="none" strike="noStrike" cap="none" spc="0" normalizeH="0" baseline="0">
             <a:ln>
               <a:noFill/>
             </a:ln>
@@ -9302,7 +9534,7 @@
           <a:buFontTx/>
           <a:buNone/>
           <a:tabLst/>
-          <a:defRPr b="0" baseline="0" cap="none" i="0" spc="0" strike="noStrike" sz="1800" u="none" kumimoji="0" normalizeH="0">
+          <a:defRPr kumimoji="0" sz="1800" b="0" i="0" u="none" strike="noStrike" cap="none" spc="0" normalizeH="0" baseline="0">
             <a:ln>
               <a:noFill/>
             </a:ln>
@@ -9328,7 +9560,7 @@
           <a:buFontTx/>
           <a:buNone/>
           <a:tabLst/>
-          <a:defRPr b="0" baseline="0" cap="none" i="0" spc="0" strike="noStrike" sz="1800" u="none" kumimoji="0" normalizeH="0">
+          <a:defRPr kumimoji="0" sz="1800" b="0" i="0" u="none" strike="noStrike" cap="none" spc="0" normalizeH="0" baseline="0">
             <a:ln>
               <a:noFill/>
             </a:ln>
@@ -9354,7 +9586,7 @@
           <a:buFontTx/>
           <a:buNone/>
           <a:tabLst/>
-          <a:defRPr b="0" baseline="0" cap="none" i="0" spc="0" strike="noStrike" sz="1800" u="none" kumimoji="0" normalizeH="0">
+          <a:defRPr kumimoji="0" sz="1800" b="0" i="0" u="none" strike="noStrike" cap="none" spc="0" normalizeH="0" baseline="0">
             <a:ln>
               <a:noFill/>
             </a:ln>
@@ -9380,7 +9612,7 @@
           <a:buFontTx/>
           <a:buNone/>
           <a:tabLst/>
-          <a:defRPr b="0" baseline="0" cap="none" i="0" spc="0" strike="noStrike" sz="1800" u="none" kumimoji="0" normalizeH="0">
+          <a:defRPr kumimoji="0" sz="1800" b="0" i="0" u="none" strike="noStrike" cap="none" spc="0" normalizeH="0" baseline="0">
             <a:ln>
               <a:noFill/>
             </a:ln>
@@ -9406,7 +9638,7 @@
           <a:buFontTx/>
           <a:buNone/>
           <a:tabLst/>
-          <a:defRPr b="0" baseline="0" cap="none" i="0" spc="0" strike="noStrike" sz="1800" u="none" kumimoji="0" normalizeH="0">
+          <a:defRPr kumimoji="0" sz="1800" b="0" i="0" u="none" strike="noStrike" cap="none" spc="0" normalizeH="0" baseline="0">
             <a:ln>
               <a:noFill/>
             </a:ln>
@@ -9432,7 +9664,7 @@
           <a:buFontTx/>
           <a:buNone/>
           <a:tabLst/>
-          <a:defRPr b="0" baseline="0" cap="none" i="0" spc="0" strike="noStrike" sz="1800" u="none" kumimoji="0" normalizeH="0">
+          <a:defRPr kumimoji="0" sz="1800" b="0" i="0" u="none" strike="noStrike" cap="none" spc="0" normalizeH="0" baseline="0">
             <a:ln>
               <a:noFill/>
             </a:ln>
@@ -9445,9 +9677,15 @@
         </a:lvl9pPr>
       </a:lstStyle>
       <a:style>
-        <a:lnRef idx="0"/>
-        <a:fillRef idx="0"/>
-        <a:effectRef idx="0"/>
+        <a:lnRef idx="0">
+          <a:scrgbClr r="0" g="0" b="0"/>
+        </a:lnRef>
+        <a:fillRef idx="0">
+          <a:scrgbClr r="0" g="0" b="0"/>
+        </a:fillRef>
+        <a:effectRef idx="0">
+          <a:scrgbClr r="0" g="0" b="0"/>
+        </a:effectRef>
         <a:fontRef idx="none"/>
       </a:style>
     </a:lnDef>
@@ -9461,7 +9699,7 @@
         <a:effectLst/>
         <a:sp3d/>
       </a:spPr>
-      <a:bodyPr rot="0" spcFirstLastPara="1" vertOverflow="overflow" horzOverflow="overflow" vert="horz" wrap="square" lIns="45718" tIns="45718" rIns="45718" bIns="45718" numCol="1" spcCol="38100" rtlCol="0" anchor="t" upright="0">
+      <a:bodyPr rot="0" spcFirstLastPara="1" vertOverflow="overflow" horzOverflow="overflow" vert="horz" wrap="square" lIns="45718" tIns="45718" rIns="45718" bIns="45718" numCol="1" spcCol="38100" rtlCol="0" anchor="t">
         <a:spAutoFit/>
       </a:bodyPr>
       <a:lstStyle>
@@ -9480,7 +9718,7 @@
           <a:buFontTx/>
           <a:buNone/>
           <a:tabLst/>
-          <a:defRPr b="0" baseline="0" cap="none" i="0" spc="0" strike="noStrike" sz="1800" u="none" kumimoji="0" normalizeH="0">
+          <a:defRPr kumimoji="0" sz="1800" b="0" i="0" u="none" strike="noStrike" cap="none" spc="0" normalizeH="0" baseline="0">
             <a:ln>
               <a:noFill/>
             </a:ln>
@@ -9510,7 +9748,7 @@
           <a:buFontTx/>
           <a:buNone/>
           <a:tabLst/>
-          <a:defRPr b="0" baseline="0" cap="none" i="0" spc="0" strike="noStrike" sz="1800" u="none" kumimoji="0" normalizeH="0">
+          <a:defRPr kumimoji="0" sz="1800" b="0" i="0" u="none" strike="noStrike" cap="none" spc="0" normalizeH="0" baseline="0">
             <a:ln>
               <a:noFill/>
             </a:ln>
@@ -9536,7 +9774,7 @@
           <a:buFontTx/>
           <a:buNone/>
           <a:tabLst/>
-          <a:defRPr b="0" baseline="0" cap="none" i="0" spc="0" strike="noStrike" sz="1800" u="none" kumimoji="0" normalizeH="0">
+          <a:defRPr kumimoji="0" sz="1800" b="0" i="0" u="none" strike="noStrike" cap="none" spc="0" normalizeH="0" baseline="0">
             <a:ln>
               <a:noFill/>
             </a:ln>
@@ -9562,7 +9800,7 @@
           <a:buFontTx/>
           <a:buNone/>
           <a:tabLst/>
-          <a:defRPr b="0" baseline="0" cap="none" i="0" spc="0" strike="noStrike" sz="1800" u="none" kumimoji="0" normalizeH="0">
+          <a:defRPr kumimoji="0" sz="1800" b="0" i="0" u="none" strike="noStrike" cap="none" spc="0" normalizeH="0" baseline="0">
             <a:ln>
               <a:noFill/>
             </a:ln>
@@ -9588,7 +9826,7 @@
           <a:buFontTx/>
           <a:buNone/>
           <a:tabLst/>
-          <a:defRPr b="0" baseline="0" cap="none" i="0" spc="0" strike="noStrike" sz="1800" u="none" kumimoji="0" normalizeH="0">
+          <a:defRPr kumimoji="0" sz="1800" b="0" i="0" u="none" strike="noStrike" cap="none" spc="0" normalizeH="0" baseline="0">
             <a:ln>
               <a:noFill/>
             </a:ln>
@@ -9614,7 +9852,7 @@
           <a:buFontTx/>
           <a:buNone/>
           <a:tabLst/>
-          <a:defRPr b="0" baseline="0" cap="none" i="0" spc="0" strike="noStrike" sz="1800" u="none" kumimoji="0" normalizeH="0">
+          <a:defRPr kumimoji="0" sz="1800" b="0" i="0" u="none" strike="noStrike" cap="none" spc="0" normalizeH="0" baseline="0">
             <a:ln>
               <a:noFill/>
             </a:ln>
@@ -9640,7 +9878,7 @@
           <a:buFontTx/>
           <a:buNone/>
           <a:tabLst/>
-          <a:defRPr b="0" baseline="0" cap="none" i="0" spc="0" strike="noStrike" sz="1800" u="none" kumimoji="0" normalizeH="0">
+          <a:defRPr kumimoji="0" sz="1800" b="0" i="0" u="none" strike="noStrike" cap="none" spc="0" normalizeH="0" baseline="0">
             <a:ln>
               <a:noFill/>
             </a:ln>
@@ -9666,7 +9904,7 @@
           <a:buFontTx/>
           <a:buNone/>
           <a:tabLst/>
-          <a:defRPr b="0" baseline="0" cap="none" i="0" spc="0" strike="noStrike" sz="1800" u="none" kumimoji="0" normalizeH="0">
+          <a:defRPr kumimoji="0" sz="1800" b="0" i="0" u="none" strike="noStrike" cap="none" spc="0" normalizeH="0" baseline="0">
             <a:ln>
               <a:noFill/>
             </a:ln>
@@ -9692,7 +9930,7 @@
           <a:buFontTx/>
           <a:buNone/>
           <a:tabLst/>
-          <a:defRPr b="0" baseline="0" cap="none" i="0" spc="0" strike="noStrike" sz="1800" u="none" kumimoji="0" normalizeH="0">
+          <a:defRPr kumimoji="0" sz="1800" b="0" i="0" u="none" strike="noStrike" cap="none" spc="0" normalizeH="0" baseline="0">
             <a:ln>
               <a:noFill/>
             </a:ln>
@@ -9718,7 +9956,7 @@
           <a:buFontTx/>
           <a:buNone/>
           <a:tabLst/>
-          <a:defRPr b="0" baseline="0" cap="none" i="0" spc="0" strike="noStrike" sz="1800" u="none" kumimoji="0" normalizeH="0">
+          <a:defRPr kumimoji="0" sz="1800" b="0" i="0" u="none" strike="noStrike" cap="none" spc="0" normalizeH="0" baseline="0">
             <a:ln>
               <a:noFill/>
             </a:ln>
@@ -9731,18 +9969,25 @@
         </a:lvl9pPr>
       </a:lstStyle>
       <a:style>
-        <a:lnRef idx="0"/>
-        <a:fillRef idx="0"/>
-        <a:effectRef idx="0"/>
+        <a:lnRef idx="0">
+          <a:scrgbClr r="0" g="0" b="0"/>
+        </a:lnRef>
+        <a:fillRef idx="0">
+          <a:scrgbClr r="0" g="0" b="0"/>
+        </a:fillRef>
+        <a:effectRef idx="0">
+          <a:scrgbClr r="0" g="0" b="0"/>
+        </a:effectRef>
         <a:fontRef idx="none"/>
       </a:style>
     </a:txDef>
   </a:objectDefaults>
+  <a:extraClrSchemeLst/>
 </a:theme>
 </file>
 
 <file path=ppt/theme/theme2.xml><?xml version="1.0" encoding="utf-8"?>
-<a:theme xmlns:a="http://schemas.openxmlformats.org/drawingml/2006/main" xmlns:r="http://schemas.openxmlformats.org/officeDocument/2006/relationships" name="Office">
+<a:theme xmlns:a="http://schemas.openxmlformats.org/drawingml/2006/main" name="Office">
   <a:themeElements>
     <a:clrScheme name="Office">
       <a:dk1>
@@ -9944,7 +10189,7 @@
         <a:effectLst/>
         <a:sp3d/>
       </a:spPr>
-      <a:bodyPr rot="0" spcFirstLastPara="1" vertOverflow="overflow" horzOverflow="overflow" vert="horz" wrap="square" lIns="45718" tIns="45718" rIns="45718" bIns="45718" numCol="1" spcCol="38100" rtlCol="0" anchor="ctr" upright="0">
+      <a:bodyPr rot="0" spcFirstLastPara="1" vertOverflow="overflow" horzOverflow="overflow" vert="horz" wrap="square" lIns="45718" tIns="45718" rIns="45718" bIns="45718" numCol="1" spcCol="38100" rtlCol="0" anchor="ctr">
         <a:spAutoFit/>
       </a:bodyPr>
       <a:lstStyle>
@@ -9963,7 +10208,7 @@
           <a:buFontTx/>
           <a:buNone/>
           <a:tabLst/>
-          <a:defRPr b="0" baseline="0" cap="none" i="0" spc="0" strike="noStrike" sz="1800" u="none" kumimoji="0" normalizeH="0">
+          <a:defRPr kumimoji="0" sz="1800" b="0" i="0" u="none" strike="noStrike" cap="none" spc="0" normalizeH="0" baseline="0">
             <a:ln>
               <a:noFill/>
             </a:ln>
@@ -9993,7 +10238,7 @@
           <a:buFontTx/>
           <a:buNone/>
           <a:tabLst/>
-          <a:defRPr b="0" baseline="0" cap="none" i="0" spc="0" strike="noStrike" sz="1800" u="none" kumimoji="0" normalizeH="0">
+          <a:defRPr kumimoji="0" sz="1800" b="0" i="0" u="none" strike="noStrike" cap="none" spc="0" normalizeH="0" baseline="0">
             <a:ln>
               <a:noFill/>
             </a:ln>
@@ -10019,7 +10264,7 @@
           <a:buFontTx/>
           <a:buNone/>
           <a:tabLst/>
-          <a:defRPr b="0" baseline="0" cap="none" i="0" spc="0" strike="noStrike" sz="1800" u="none" kumimoji="0" normalizeH="0">
+          <a:defRPr kumimoji="0" sz="1800" b="0" i="0" u="none" strike="noStrike" cap="none" spc="0" normalizeH="0" baseline="0">
             <a:ln>
               <a:noFill/>
             </a:ln>
@@ -10045,7 +10290,7 @@
           <a:buFontTx/>
           <a:buNone/>
           <a:tabLst/>
-          <a:defRPr b="0" baseline="0" cap="none" i="0" spc="0" strike="noStrike" sz="1800" u="none" kumimoji="0" normalizeH="0">
+          <a:defRPr kumimoji="0" sz="1800" b="0" i="0" u="none" strike="noStrike" cap="none" spc="0" normalizeH="0" baseline="0">
             <a:ln>
               <a:noFill/>
             </a:ln>
@@ -10071,7 +10316,7 @@
           <a:buFontTx/>
           <a:buNone/>
           <a:tabLst/>
-          <a:defRPr b="0" baseline="0" cap="none" i="0" spc="0" strike="noStrike" sz="1800" u="none" kumimoji="0" normalizeH="0">
+          <a:defRPr kumimoji="0" sz="1800" b="0" i="0" u="none" strike="noStrike" cap="none" spc="0" normalizeH="0" baseline="0">
             <a:ln>
               <a:noFill/>
             </a:ln>
@@ -10097,7 +10342,7 @@
           <a:buFontTx/>
           <a:buNone/>
           <a:tabLst/>
-          <a:defRPr b="0" baseline="0" cap="none" i="0" spc="0" strike="noStrike" sz="1800" u="none" kumimoji="0" normalizeH="0">
+          <a:defRPr kumimoji="0" sz="1800" b="0" i="0" u="none" strike="noStrike" cap="none" spc="0" normalizeH="0" baseline="0">
             <a:ln>
               <a:noFill/>
             </a:ln>
@@ -10123,7 +10368,7 @@
           <a:buFontTx/>
           <a:buNone/>
           <a:tabLst/>
-          <a:defRPr b="0" baseline="0" cap="none" i="0" spc="0" strike="noStrike" sz="1800" u="none" kumimoji="0" normalizeH="0">
+          <a:defRPr kumimoji="0" sz="1800" b="0" i="0" u="none" strike="noStrike" cap="none" spc="0" normalizeH="0" baseline="0">
             <a:ln>
               <a:noFill/>
             </a:ln>
@@ -10149,7 +10394,7 @@
           <a:buFontTx/>
           <a:buNone/>
           <a:tabLst/>
-          <a:defRPr b="0" baseline="0" cap="none" i="0" spc="0" strike="noStrike" sz="1800" u="none" kumimoji="0" normalizeH="0">
+          <a:defRPr kumimoji="0" sz="1800" b="0" i="0" u="none" strike="noStrike" cap="none" spc="0" normalizeH="0" baseline="0">
             <a:ln>
               <a:noFill/>
             </a:ln>
@@ -10175,7 +10420,7 @@
           <a:buFontTx/>
           <a:buNone/>
           <a:tabLst/>
-          <a:defRPr b="0" baseline="0" cap="none" i="0" spc="0" strike="noStrike" sz="1800" u="none" kumimoji="0" normalizeH="0">
+          <a:defRPr kumimoji="0" sz="1800" b="0" i="0" u="none" strike="noStrike" cap="none" spc="0" normalizeH="0" baseline="0">
             <a:ln>
               <a:noFill/>
             </a:ln>
@@ -10201,7 +10446,7 @@
           <a:buFontTx/>
           <a:buNone/>
           <a:tabLst/>
-          <a:defRPr b="0" baseline="0" cap="none" i="0" spc="0" strike="noStrike" sz="1800" u="none" kumimoji="0" normalizeH="0">
+          <a:defRPr kumimoji="0" sz="1800" b="0" i="0" u="none" strike="noStrike" cap="none" spc="0" normalizeH="0" baseline="0">
             <a:ln>
               <a:noFill/>
             </a:ln>
@@ -10214,9 +10459,15 @@
         </a:lvl9pPr>
       </a:lstStyle>
       <a:style>
-        <a:lnRef idx="0"/>
-        <a:fillRef idx="0"/>
-        <a:effectRef idx="0"/>
+        <a:lnRef idx="0">
+          <a:scrgbClr r="0" g="0" b="0"/>
+        </a:lnRef>
+        <a:fillRef idx="0">
+          <a:scrgbClr r="0" g="0" b="0"/>
+        </a:fillRef>
+        <a:effectRef idx="0">
+          <a:scrgbClr r="0" g="0" b="0"/>
+        </a:effectRef>
         <a:fontRef idx="none"/>
       </a:style>
     </a:spDef>
@@ -10233,7 +10484,7 @@
         <a:effectLst/>
         <a:sp3d/>
       </a:spPr>
-      <a:bodyPr rot="0" spcFirstLastPara="1" vertOverflow="overflow" horzOverflow="overflow" vert="horz" wrap="square" lIns="91439" tIns="45719" rIns="91439" bIns="45719" numCol="1" spcCol="38100" rtlCol="0" anchor="t" upright="0">
+      <a:bodyPr rot="0" spcFirstLastPara="1" vertOverflow="overflow" horzOverflow="overflow" vert="horz" wrap="square" lIns="91439" tIns="45719" rIns="91439" bIns="45719" numCol="1" spcCol="38100" rtlCol="0" anchor="t">
         <a:noAutofit/>
       </a:bodyPr>
       <a:lstStyle>
@@ -10252,7 +10503,7 @@
           <a:buFontTx/>
           <a:buNone/>
           <a:tabLst/>
-          <a:defRPr b="0" baseline="0" cap="none" i="0" spc="0" strike="noStrike" sz="1800" u="none" kumimoji="0" normalizeH="0">
+          <a:defRPr kumimoji="0" sz="1800" b="0" i="0" u="none" strike="noStrike" cap="none" spc="0" normalizeH="0" baseline="0">
             <a:ln>
               <a:noFill/>
             </a:ln>
@@ -10278,7 +10529,7 @@
           <a:buFontTx/>
           <a:buNone/>
           <a:tabLst/>
-          <a:defRPr b="0" baseline="0" cap="none" i="0" spc="0" strike="noStrike" sz="1800" u="none" kumimoji="0" normalizeH="0">
+          <a:defRPr kumimoji="0" sz="1800" b="0" i="0" u="none" strike="noStrike" cap="none" spc="0" normalizeH="0" baseline="0">
             <a:ln>
               <a:noFill/>
             </a:ln>
@@ -10304,7 +10555,7 @@
           <a:buFontTx/>
           <a:buNone/>
           <a:tabLst/>
-          <a:defRPr b="0" baseline="0" cap="none" i="0" spc="0" strike="noStrike" sz="1800" u="none" kumimoji="0" normalizeH="0">
+          <a:defRPr kumimoji="0" sz="1800" b="0" i="0" u="none" strike="noStrike" cap="none" spc="0" normalizeH="0" baseline="0">
             <a:ln>
               <a:noFill/>
             </a:ln>
@@ -10330,7 +10581,7 @@
           <a:buFontTx/>
           <a:buNone/>
           <a:tabLst/>
-          <a:defRPr b="0" baseline="0" cap="none" i="0" spc="0" strike="noStrike" sz="1800" u="none" kumimoji="0" normalizeH="0">
+          <a:defRPr kumimoji="0" sz="1800" b="0" i="0" u="none" strike="noStrike" cap="none" spc="0" normalizeH="0" baseline="0">
             <a:ln>
               <a:noFill/>
             </a:ln>
@@ -10356,7 +10607,7 @@
           <a:buFontTx/>
           <a:buNone/>
           <a:tabLst/>
-          <a:defRPr b="0" baseline="0" cap="none" i="0" spc="0" strike="noStrike" sz="1800" u="none" kumimoji="0" normalizeH="0">
+          <a:defRPr kumimoji="0" sz="1800" b="0" i="0" u="none" strike="noStrike" cap="none" spc="0" normalizeH="0" baseline="0">
             <a:ln>
               <a:noFill/>
             </a:ln>
@@ -10382,7 +10633,7 @@
           <a:buFontTx/>
           <a:buNone/>
           <a:tabLst/>
-          <a:defRPr b="0" baseline="0" cap="none" i="0" spc="0" strike="noStrike" sz="1800" u="none" kumimoji="0" normalizeH="0">
+          <a:defRPr kumimoji="0" sz="1800" b="0" i="0" u="none" strike="noStrike" cap="none" spc="0" normalizeH="0" baseline="0">
             <a:ln>
               <a:noFill/>
             </a:ln>
@@ -10408,7 +10659,7 @@
           <a:buFontTx/>
           <a:buNone/>
           <a:tabLst/>
-          <a:defRPr b="0" baseline="0" cap="none" i="0" spc="0" strike="noStrike" sz="1800" u="none" kumimoji="0" normalizeH="0">
+          <a:defRPr kumimoji="0" sz="1800" b="0" i="0" u="none" strike="noStrike" cap="none" spc="0" normalizeH="0" baseline="0">
             <a:ln>
               <a:noFill/>
             </a:ln>
@@ -10434,7 +10685,7 @@
           <a:buFontTx/>
           <a:buNone/>
           <a:tabLst/>
-          <a:defRPr b="0" baseline="0" cap="none" i="0" spc="0" strike="noStrike" sz="1800" u="none" kumimoji="0" normalizeH="0">
+          <a:defRPr kumimoji="0" sz="1800" b="0" i="0" u="none" strike="noStrike" cap="none" spc="0" normalizeH="0" baseline="0">
             <a:ln>
               <a:noFill/>
             </a:ln>
@@ -10460,7 +10711,7 @@
           <a:buFontTx/>
           <a:buNone/>
           <a:tabLst/>
-          <a:defRPr b="0" baseline="0" cap="none" i="0" spc="0" strike="noStrike" sz="1800" u="none" kumimoji="0" normalizeH="0">
+          <a:defRPr kumimoji="0" sz="1800" b="0" i="0" u="none" strike="noStrike" cap="none" spc="0" normalizeH="0" baseline="0">
             <a:ln>
               <a:noFill/>
             </a:ln>
@@ -10486,7 +10737,7 @@
           <a:buFontTx/>
           <a:buNone/>
           <a:tabLst/>
-          <a:defRPr b="0" baseline="0" cap="none" i="0" spc="0" strike="noStrike" sz="1800" u="none" kumimoji="0" normalizeH="0">
+          <a:defRPr kumimoji="0" sz="1800" b="0" i="0" u="none" strike="noStrike" cap="none" spc="0" normalizeH="0" baseline="0">
             <a:ln>
               <a:noFill/>
             </a:ln>
@@ -10499,9 +10750,15 @@
         </a:lvl9pPr>
       </a:lstStyle>
       <a:style>
-        <a:lnRef idx="0"/>
-        <a:fillRef idx="0"/>
-        <a:effectRef idx="0"/>
+        <a:lnRef idx="0">
+          <a:scrgbClr r="0" g="0" b="0"/>
+        </a:lnRef>
+        <a:fillRef idx="0">
+          <a:scrgbClr r="0" g="0" b="0"/>
+        </a:fillRef>
+        <a:effectRef idx="0">
+          <a:scrgbClr r="0" g="0" b="0"/>
+        </a:effectRef>
         <a:fontRef idx="none"/>
       </a:style>
     </a:lnDef>
@@ -10515,7 +10772,7 @@
         <a:effectLst/>
         <a:sp3d/>
       </a:spPr>
-      <a:bodyPr rot="0" spcFirstLastPara="1" vertOverflow="overflow" horzOverflow="overflow" vert="horz" wrap="square" lIns="45718" tIns="45718" rIns="45718" bIns="45718" numCol="1" spcCol="38100" rtlCol="0" anchor="t" upright="0">
+      <a:bodyPr rot="0" spcFirstLastPara="1" vertOverflow="overflow" horzOverflow="overflow" vert="horz" wrap="square" lIns="45718" tIns="45718" rIns="45718" bIns="45718" numCol="1" spcCol="38100" rtlCol="0" anchor="t">
         <a:spAutoFit/>
       </a:bodyPr>
       <a:lstStyle>
@@ -10534,7 +10791,7 @@
           <a:buFontTx/>
           <a:buNone/>
           <a:tabLst/>
-          <a:defRPr b="0" baseline="0" cap="none" i="0" spc="0" strike="noStrike" sz="1800" u="none" kumimoji="0" normalizeH="0">
+          <a:defRPr kumimoji="0" sz="1800" b="0" i="0" u="none" strike="noStrike" cap="none" spc="0" normalizeH="0" baseline="0">
             <a:ln>
               <a:noFill/>
             </a:ln>
@@ -10564,7 +10821,7 @@
           <a:buFontTx/>
           <a:buNone/>
           <a:tabLst/>
-          <a:defRPr b="0" baseline="0" cap="none" i="0" spc="0" strike="noStrike" sz="1800" u="none" kumimoji="0" normalizeH="0">
+          <a:defRPr kumimoji="0" sz="1800" b="0" i="0" u="none" strike="noStrike" cap="none" spc="0" normalizeH="0" baseline="0">
             <a:ln>
               <a:noFill/>
             </a:ln>
@@ -10590,7 +10847,7 @@
           <a:buFontTx/>
           <a:buNone/>
           <a:tabLst/>
-          <a:defRPr b="0" baseline="0" cap="none" i="0" spc="0" strike="noStrike" sz="1800" u="none" kumimoji="0" normalizeH="0">
+          <a:defRPr kumimoji="0" sz="1800" b="0" i="0" u="none" strike="noStrike" cap="none" spc="0" normalizeH="0" baseline="0">
             <a:ln>
               <a:noFill/>
             </a:ln>
@@ -10616,7 +10873,7 @@
           <a:buFontTx/>
           <a:buNone/>
           <a:tabLst/>
-          <a:defRPr b="0" baseline="0" cap="none" i="0" spc="0" strike="noStrike" sz="1800" u="none" kumimoji="0" normalizeH="0">
+          <a:defRPr kumimoji="0" sz="1800" b="0" i="0" u="none" strike="noStrike" cap="none" spc="0" normalizeH="0" baseline="0">
             <a:ln>
               <a:noFill/>
             </a:ln>
@@ -10642,7 +10899,7 @@
           <a:buFontTx/>
           <a:buNone/>
           <a:tabLst/>
-          <a:defRPr b="0" baseline="0" cap="none" i="0" spc="0" strike="noStrike" sz="1800" u="none" kumimoji="0" normalizeH="0">
+          <a:defRPr kumimoji="0" sz="1800" b="0" i="0" u="none" strike="noStrike" cap="none" spc="0" normalizeH="0" baseline="0">
             <a:ln>
               <a:noFill/>
             </a:ln>
@@ -10668,7 +10925,7 @@
           <a:buFontTx/>
           <a:buNone/>
           <a:tabLst/>
-          <a:defRPr b="0" baseline="0" cap="none" i="0" spc="0" strike="noStrike" sz="1800" u="none" kumimoji="0" normalizeH="0">
+          <a:defRPr kumimoji="0" sz="1800" b="0" i="0" u="none" strike="noStrike" cap="none" spc="0" normalizeH="0" baseline="0">
             <a:ln>
               <a:noFill/>
             </a:ln>
@@ -10694,7 +10951,7 @@
           <a:buFontTx/>
           <a:buNone/>
           <a:tabLst/>
-          <a:defRPr b="0" baseline="0" cap="none" i="0" spc="0" strike="noStrike" sz="1800" u="none" kumimoji="0" normalizeH="0">
+          <a:defRPr kumimoji="0" sz="1800" b="0" i="0" u="none" strike="noStrike" cap="none" spc="0" normalizeH="0" baseline="0">
             <a:ln>
               <a:noFill/>
             </a:ln>
@@ -10720,7 +10977,7 @@
           <a:buFontTx/>
           <a:buNone/>
           <a:tabLst/>
-          <a:defRPr b="0" baseline="0" cap="none" i="0" spc="0" strike="noStrike" sz="1800" u="none" kumimoji="0" normalizeH="0">
+          <a:defRPr kumimoji="0" sz="1800" b="0" i="0" u="none" strike="noStrike" cap="none" spc="0" normalizeH="0" baseline="0">
             <a:ln>
               <a:noFill/>
             </a:ln>
@@ -10746,7 +11003,7 @@
           <a:buFontTx/>
           <a:buNone/>
           <a:tabLst/>
-          <a:defRPr b="0" baseline="0" cap="none" i="0" spc="0" strike="noStrike" sz="1800" u="none" kumimoji="0" normalizeH="0">
+          <a:defRPr kumimoji="0" sz="1800" b="0" i="0" u="none" strike="noStrike" cap="none" spc="0" normalizeH="0" baseline="0">
             <a:ln>
               <a:noFill/>
             </a:ln>
@@ -10772,7 +11029,7 @@
           <a:buFontTx/>
           <a:buNone/>
           <a:tabLst/>
-          <a:defRPr b="0" baseline="0" cap="none" i="0" spc="0" strike="noStrike" sz="1800" u="none" kumimoji="0" normalizeH="0">
+          <a:defRPr kumimoji="0" sz="1800" b="0" i="0" u="none" strike="noStrike" cap="none" spc="0" normalizeH="0" baseline="0">
             <a:ln>
               <a:noFill/>
             </a:ln>
@@ -10785,12 +11042,19 @@
         </a:lvl9pPr>
       </a:lstStyle>
       <a:style>
-        <a:lnRef idx="0"/>
-        <a:fillRef idx="0"/>
-        <a:effectRef idx="0"/>
+        <a:lnRef idx="0">
+          <a:scrgbClr r="0" g="0" b="0"/>
+        </a:lnRef>
+        <a:fillRef idx="0">
+          <a:scrgbClr r="0" g="0" b="0"/>
+        </a:fillRef>
+        <a:effectRef idx="0">
+          <a:scrgbClr r="0" g="0" b="0"/>
+        </a:effectRef>
         <a:fontRef idx="none"/>
       </a:style>
     </a:txDef>
   </a:objectDefaults>
+  <a:extraClrSchemeLst/>
 </a:theme>
 </file>
--- a/00_General/Presentation/MS 3/Presentation_Milestone_iii_Master.pptx
+++ b/00_General/Presentation/MS 3/Presentation_Milestone_iii_Master.pptx
@@ -5,22 +5,23 @@
     <p:sldMasterId id="2147483648" r:id="rId1"/>
   </p:sldMasterIdLst>
   <p:notesMasterIdLst>
-    <p:notesMasterId r:id="rId15"/>
+    <p:notesMasterId r:id="rId16"/>
   </p:notesMasterIdLst>
   <p:sldIdLst>
     <p:sldId id="256" r:id="rId2"/>
     <p:sldId id="257" r:id="rId3"/>
     <p:sldId id="258" r:id="rId4"/>
-    <p:sldId id="259" r:id="rId5"/>
-    <p:sldId id="260" r:id="rId6"/>
-    <p:sldId id="261" r:id="rId7"/>
-    <p:sldId id="262" r:id="rId8"/>
-    <p:sldId id="263" r:id="rId9"/>
-    <p:sldId id="264" r:id="rId10"/>
-    <p:sldId id="265" r:id="rId11"/>
-    <p:sldId id="266" r:id="rId12"/>
-    <p:sldId id="267" r:id="rId13"/>
-    <p:sldId id="268" r:id="rId14"/>
+    <p:sldId id="269" r:id="rId5"/>
+    <p:sldId id="259" r:id="rId6"/>
+    <p:sldId id="260" r:id="rId7"/>
+    <p:sldId id="261" r:id="rId8"/>
+    <p:sldId id="262" r:id="rId9"/>
+    <p:sldId id="263" r:id="rId10"/>
+    <p:sldId id="264" r:id="rId11"/>
+    <p:sldId id="265" r:id="rId12"/>
+    <p:sldId id="266" r:id="rId13"/>
+    <p:sldId id="267" r:id="rId14"/>
+    <p:sldId id="268" r:id="rId15"/>
   </p:sldIdLst>
   <p:sldSz cx="12192000" cy="6858000"/>
   <p:notesSz cx="6858000" cy="9144000"/>
@@ -324,7 +325,7 @@
   </p:defaultTextStyle>
   <p:extLst>
     <p:ext uri="{EFAFB233-063F-42B5-8137-9DF3F51BA10A}">
-      <p15:sldGuideLst xmlns:p15="http://schemas.microsoft.com/office/powerpoint/2012/main">
+      <p15:sldGuideLst xmlns:p15="http://schemas.microsoft.com/office/powerpoint/2012/main" xmlns="">
         <p15:guide id="1" orient="horz" pos="2160" userDrawn="1">
           <p15:clr>
             <a:srgbClr val="A4A3A4"/>
@@ -418,6 +419,11 @@
         </p:txBody>
       </p:sp>
     </p:spTree>
+    <p:extLst>
+      <p:ext uri="{BB962C8B-B14F-4D97-AF65-F5344CB8AC3E}">
+        <p14:creationId xmlns:p14="http://schemas.microsoft.com/office/powerpoint/2010/main" val="460345341"/>
+      </p:ext>
+    </p:extLst>
   </p:cSld>
   <p:clrMap bg1="lt1" tx1="dk1" bg2="lt2" tx2="dk2" accent1="accent1" accent2="accent2" accent3="accent3" accent4="accent4" accent5="accent5" accent6="accent6" hlink="hlink" folHlink="folHlink"/>
   <p:notesStyle>
@@ -614,7 +620,7 @@
   <p:clrMapOvr>
     <a:masterClrMapping/>
   </p:clrMapOvr>
-  <p:transition spd="med"/>
+  <p:transition xmlns:p14="http://schemas.microsoft.com/office/powerpoint/2010/main" spd="med"/>
 </p:sldLayout>
 </file>
 
@@ -812,7 +818,7 @@
   <p:clrMapOvr>
     <a:masterClrMapping/>
   </p:clrMapOvr>
-  <p:transition spd="med"/>
+  <p:transition xmlns:p14="http://schemas.microsoft.com/office/powerpoint/2010/main" spd="med"/>
 </p:sldLayout>
 </file>
 
@@ -938,7 +944,7 @@
   <p:clrMapOvr>
     <a:masterClrMapping/>
   </p:clrMapOvr>
-  <p:transition spd="med"/>
+  <p:transition xmlns:p14="http://schemas.microsoft.com/office/powerpoint/2010/main" spd="med"/>
 </p:sldLayout>
 </file>
 
@@ -1072,7 +1078,7 @@
   <p:clrMapOvr>
     <a:masterClrMapping/>
   </p:clrMapOvr>
-  <p:transition spd="med"/>
+  <p:transition xmlns:p14="http://schemas.microsoft.com/office/powerpoint/2010/main" spd="med"/>
 </p:sldLayout>
 </file>
 
@@ -1206,7 +1212,7 @@
   <p:clrMapOvr>
     <a:masterClrMapping/>
   </p:clrMapOvr>
-  <p:transition spd="med"/>
+  <p:transition xmlns:p14="http://schemas.microsoft.com/office/powerpoint/2010/main" spd="med"/>
 </p:sldLayout>
 </file>
 
@@ -1332,7 +1338,7 @@
   <p:clrMapOvr>
     <a:masterClrMapping/>
   </p:clrMapOvr>
-  <p:transition spd="med"/>
+  <p:transition xmlns:p14="http://schemas.microsoft.com/office/powerpoint/2010/main" spd="med"/>
 </p:sldLayout>
 </file>
 
@@ -1466,7 +1472,7 @@
   <p:clrMapOvr>
     <a:masterClrMapping/>
   </p:clrMapOvr>
-  <p:transition spd="med"/>
+  <p:transition xmlns:p14="http://schemas.microsoft.com/office/powerpoint/2010/main" spd="med"/>
 </p:sldLayout>
 </file>
 
@@ -1655,7 +1661,7 @@
   <p:clrMapOvr>
     <a:masterClrMapping/>
   </p:clrMapOvr>
-  <p:transition spd="med"/>
+  <p:transition xmlns:p14="http://schemas.microsoft.com/office/powerpoint/2010/main" spd="med"/>
 </p:sldLayout>
 </file>
 
@@ -1785,7 +1791,7 @@
   <p:clrMapOvr>
     <a:masterClrMapping/>
   </p:clrMapOvr>
-  <p:transition spd="med"/>
+  <p:transition xmlns:p14="http://schemas.microsoft.com/office/powerpoint/2010/main" spd="med"/>
 </p:sldLayout>
 </file>
 
@@ -1929,7 +1935,7 @@
   <p:clrMapOvr>
     <a:masterClrMapping/>
   </p:clrMapOvr>
-  <p:transition spd="med"/>
+  <p:transition xmlns:p14="http://schemas.microsoft.com/office/powerpoint/2010/main" spd="med"/>
 </p:sldLayout>
 </file>
 
@@ -2006,7 +2012,7 @@
   <p:clrMapOvr>
     <a:masterClrMapping/>
   </p:clrMapOvr>
-  <p:transition spd="med"/>
+  <p:transition xmlns:p14="http://schemas.microsoft.com/office/powerpoint/2010/main" spd="med"/>
 </p:sldLayout>
 </file>
 
@@ -2058,7 +2064,7 @@
   <p:clrMapOvr>
     <a:masterClrMapping/>
   </p:clrMapOvr>
-  <p:transition spd="med"/>
+  <p:transition xmlns:p14="http://schemas.microsoft.com/office/powerpoint/2010/main" spd="med"/>
 </p:sldLayout>
 </file>
 
@@ -2239,7 +2245,7 @@
   <p:clrMapOvr>
     <a:masterClrMapping/>
   </p:clrMapOvr>
-  <p:transition spd="med"/>
+  <p:transition xmlns:p14="http://schemas.microsoft.com/office/powerpoint/2010/main" spd="med"/>
 </p:sldLayout>
 </file>
 
@@ -2291,7 +2297,7 @@
           </a:ln>
           <a:extLst>
             <a:ext uri="{C572A759-6A51-4108-AA02-DFA0A04FC94B}">
-              <ma14:wrappingTextBoxFlag xmlns:ma14="http://schemas.microsoft.com/office/mac/drawingml/2011/main" xmlns="" val="1"/>
+              <ma14:wrappingTextBoxFlag xmlns:ma14="http://schemas.microsoft.com/office/mac/drawingml/2011/main" val="1"/>
             </a:ext>
           </a:extLst>
         </p:spPr>
@@ -2330,7 +2336,7 @@
           </a:ln>
           <a:extLst>
             <a:ext uri="{C572A759-6A51-4108-AA02-DFA0A04FC94B}">
-              <ma14:wrappingTextBoxFlag xmlns:ma14="http://schemas.microsoft.com/office/mac/drawingml/2011/main" xmlns="" val="1"/>
+              <ma14:wrappingTextBoxFlag xmlns:ma14="http://schemas.microsoft.com/office/mac/drawingml/2011/main" val="1"/>
             </a:ext>
           </a:extLst>
         </p:spPr>
@@ -2431,7 +2437,7 @@
     <p:sldLayoutId id="2147483660" r:id="rId12"/>
     <p:sldLayoutId id="2147483661" r:id="rId13"/>
   </p:sldLayoutIdLst>
-  <p:transition spd="med"/>
+  <p:transition xmlns:p14="http://schemas.microsoft.com/office/powerpoint/2010/main" spd="med"/>
   <p:txStyles>
     <p:titleStyle>
       <a:lvl1pPr marL="0" marR="0" indent="0" algn="l" defTabSz="914400" rtl="0" latinLnBrk="0">
@@ -3270,7 +3276,7 @@
           </a:ln>
           <a:extLst>
             <a:ext uri="{C572A759-6A51-4108-AA02-DFA0A04FC94B}">
-              <ma14:wrappingTextBoxFlag xmlns:ma14="http://schemas.microsoft.com/office/mac/drawingml/2011/main" xmlns="" val="1"/>
+              <ma14:wrappingTextBoxFlag xmlns:ma14="http://schemas.microsoft.com/office/mac/drawingml/2011/main" val="1"/>
             </a:ext>
           </a:extLst>
         </p:spPr>
@@ -3604,7 +3610,7 @@
           </a:ln>
           <a:extLst>
             <a:ext uri="{C572A759-6A51-4108-AA02-DFA0A04FC94B}">
-              <ma14:wrappingTextBoxFlag xmlns:ma14="http://schemas.microsoft.com/office/mac/drawingml/2011/main" xmlns="" val="1"/>
+              <ma14:wrappingTextBoxFlag xmlns:ma14="http://schemas.microsoft.com/office/mac/drawingml/2011/main" val="1"/>
             </a:ext>
           </a:extLst>
         </p:spPr>
@@ -3787,7 +3793,7 @@
   <p:clrMapOvr>
     <a:masterClrMapping/>
   </p:clrMapOvr>
-  <p:transition spd="med"/>
+  <p:transition xmlns:p14="http://schemas.microsoft.com/office/powerpoint/2010/main" spd="med"/>
 </p:sld>
 </file>
 
@@ -3810,7 +3816,7 @@
       </p:grpSpPr>
       <p:sp>
         <p:nvSpPr>
-          <p:cNvPr id="214" name="Shape 214"/>
+          <p:cNvPr id="206" name="Shape 206"/>
           <p:cNvSpPr/>
           <p:nvPr/>
         </p:nvSpPr>
@@ -3827,7 +3833,7 @@
           </a:ln>
           <a:extLst>
             <a:ext uri="{C572A759-6A51-4108-AA02-DFA0A04FC94B}">
-              <ma14:wrappingTextBoxFlag xmlns:ma14="http://schemas.microsoft.com/office/mac/drawingml/2011/main" xmlns="" val="1"/>
+              <ma14:wrappingTextBoxFlag xmlns:ma14="http://schemas.microsoft.com/office/mac/drawingml/2011/main" val="1"/>
             </a:ext>
           </a:extLst>
         </p:spPr>
@@ -3853,7 +3859,7 @@
       </p:sp>
       <p:sp>
         <p:nvSpPr>
-          <p:cNvPr id="215" name="Shape 215"/>
+          <p:cNvPr id="207" name="Shape 207"/>
           <p:cNvSpPr>
             <a:spLocks noGrp="1"/>
           </p:cNvSpPr>
@@ -3884,6 +3890,280 @@
           </a:lstStyle>
           <a:p>
             <a:r>
+              <a:t>	Technische Eigenheiten</a:t>
+            </a:r>
+          </a:p>
+        </p:txBody>
+      </p:sp>
+      <p:sp>
+        <p:nvSpPr>
+          <p:cNvPr id="208" name="Shape 208"/>
+          <p:cNvSpPr>
+            <a:spLocks noGrp="1"/>
+          </p:cNvSpPr>
+          <p:nvPr>
+            <p:ph type="sldNum" sz="quarter" idx="4294967295"/>
+          </p:nvPr>
+        </p:nvSpPr>
+        <p:spPr>
+          <a:xfrm>
+            <a:off x="11169739" y="6404292"/>
+            <a:ext cx="184059" cy="269239"/>
+          </a:xfrm>
+          <a:prstGeom prst="rect">
+            <a:avLst/>
+          </a:prstGeom>
+          <a:extLst>
+            <a:ext uri="{C572A759-6A51-4108-AA02-DFA0A04FC94B}">
+              <ma14:wrappingTextBoxFlag xmlns:ma14="http://schemas.microsoft.com/office/mac/drawingml/2011/main" val="1"/>
+            </a:ext>
+          </a:extLst>
+        </p:spPr>
+        <p:txBody>
+          <a:bodyPr/>
+          <a:lstStyle/>
+          <a:p>
+            <a:fld id="{86CB4B4D-7CA3-9044-876B-883B54F8677D}" type="slidenum">
+              <a:t>10</a:t>
+            </a:fld>
+            <a:endParaRPr/>
+          </a:p>
+        </p:txBody>
+      </p:sp>
+      <p:sp>
+        <p:nvSpPr>
+          <p:cNvPr id="209" name="Shape 209"/>
+          <p:cNvSpPr/>
+          <p:nvPr/>
+        </p:nvSpPr>
+        <p:spPr>
+          <a:xfrm>
+            <a:off x="-11084" y="720436"/>
+            <a:ext cx="4584003" cy="2"/>
+          </a:xfrm>
+          <a:prstGeom prst="line">
+            <a:avLst/>
+          </a:prstGeom>
+          <a:ln w="28575">
+            <a:solidFill>
+              <a:srgbClr val="000000"/>
+            </a:solidFill>
+            <a:miter/>
+          </a:ln>
+          <a:effectLst>
+            <a:outerShdw blurRad="50800" dist="38100" dir="2700000" rotWithShape="0">
+              <a:srgbClr val="000000">
+                <a:alpha val="40000"/>
+              </a:srgbClr>
+            </a:outerShdw>
+          </a:effectLst>
+        </p:spPr>
+        <p:txBody>
+          <a:bodyPr lIns="45718" tIns="45718" rIns="45718" bIns="45718"/>
+          <a:lstStyle/>
+          <a:p>
+            <a:endParaRPr/>
+          </a:p>
+        </p:txBody>
+      </p:sp>
+      <p:pic>
+        <p:nvPicPr>
+          <p:cNvPr id="210" name="image10.png" descr="Fingerabdruck"/>
+          <p:cNvPicPr>
+            <a:picLocks noChangeAspect="1"/>
+          </p:cNvPicPr>
+          <p:nvPr/>
+        </p:nvPicPr>
+        <p:blipFill>
+          <a:blip r:embed="rId2"/>
+          <a:stretch>
+            <a:fillRect/>
+          </a:stretch>
+        </p:blipFill>
+        <p:spPr>
+          <a:xfrm>
+            <a:off x="263999" y="86303"/>
+            <a:ext cx="547828" cy="547829"/>
+          </a:xfrm>
+          <a:prstGeom prst="rect">
+            <a:avLst/>
+          </a:prstGeom>
+          <a:ln w="12700">
+            <a:miter lim="400000"/>
+          </a:ln>
+        </p:spPr>
+      </p:pic>
+      <p:sp>
+        <p:nvSpPr>
+          <p:cNvPr id="211" name="Shape 211"/>
+          <p:cNvSpPr/>
+          <p:nvPr/>
+        </p:nvSpPr>
+        <p:spPr>
+          <a:xfrm>
+            <a:off x="4401723" y="813884"/>
+            <a:ext cx="3890823" cy="383539"/>
+          </a:xfrm>
+          <a:prstGeom prst="rect">
+            <a:avLst/>
+          </a:prstGeom>
+          <a:ln w="12700">
+            <a:miter lim="400000"/>
+          </a:ln>
+          <a:extLst>
+            <a:ext uri="{C572A759-6A51-4108-AA02-DFA0A04FC94B}">
+              <ma14:wrappingTextBoxFlag xmlns:ma14="http://schemas.microsoft.com/office/mac/drawingml/2011/main" val="1"/>
+            </a:ext>
+          </a:extLst>
+        </p:spPr>
+        <p:txBody>
+          <a:bodyPr wrap="none" lIns="45718" tIns="45718" rIns="45718" bIns="45718">
+            <a:spAutoFit/>
+          </a:bodyPr>
+          <a:lstStyle>
+            <a:lvl1pPr>
+              <a:lnSpc>
+                <a:spcPct val="120000"/>
+              </a:lnSpc>
+              <a:defRPr sz="2000"/>
+            </a:lvl1pPr>
+          </a:lstStyle>
+          <a:p>
+            <a:r>
+              <a:t>log4j2.properties Datei (Beispiel)</a:t>
+            </a:r>
+          </a:p>
+        </p:txBody>
+      </p:sp>
+      <p:pic>
+        <p:nvPicPr>
+          <p:cNvPr id="212" name="image13.png"/>
+          <p:cNvPicPr>
+            <a:picLocks noChangeAspect="1"/>
+          </p:cNvPicPr>
+          <p:nvPr/>
+        </p:nvPicPr>
+        <p:blipFill>
+          <a:blip r:embed="rId3"/>
+          <a:stretch>
+            <a:fillRect/>
+          </a:stretch>
+        </p:blipFill>
+        <p:spPr>
+          <a:xfrm>
+            <a:off x="1485138" y="1289286"/>
+            <a:ext cx="9608037" cy="4963394"/>
+          </a:xfrm>
+          <a:prstGeom prst="rect">
+            <a:avLst/>
+          </a:prstGeom>
+          <a:ln w="12700">
+            <a:miter lim="400000"/>
+          </a:ln>
+        </p:spPr>
+      </p:pic>
+    </p:spTree>
+  </p:cSld>
+  <p:clrMapOvr>
+    <a:masterClrMapping/>
+  </p:clrMapOvr>
+  <p:transition xmlns:p14="http://schemas.microsoft.com/office/powerpoint/2010/main" spd="slow"/>
+</p:sld>
+</file>
+
+<file path=ppt/slides/slide11.xml><?xml version="1.0" encoding="utf-8"?>
+<p:sld xmlns:a="http://schemas.openxmlformats.org/drawingml/2006/main" xmlns:r="http://schemas.openxmlformats.org/officeDocument/2006/relationships" xmlns:p="http://schemas.openxmlformats.org/presentationml/2006/main">
+  <p:cSld>
+    <p:spTree>
+      <p:nvGrpSpPr>
+        <p:cNvPr id="1" name=""/>
+        <p:cNvGrpSpPr/>
+        <p:nvPr/>
+      </p:nvGrpSpPr>
+      <p:grpSpPr>
+        <a:xfrm>
+          <a:off x="0" y="0"/>
+          <a:ext cx="0" cy="0"/>
+          <a:chOff x="0" y="0"/>
+          <a:chExt cx="0" cy="0"/>
+        </a:xfrm>
+      </p:grpSpPr>
+      <p:sp>
+        <p:nvSpPr>
+          <p:cNvPr id="214" name="Shape 214"/>
+          <p:cNvSpPr/>
+          <p:nvPr/>
+        </p:nvSpPr>
+        <p:spPr>
+          <a:xfrm>
+            <a:off x="4038600" y="6404292"/>
+            <a:ext cx="4114800" cy="269239"/>
+          </a:xfrm>
+          <a:prstGeom prst="rect">
+            <a:avLst/>
+          </a:prstGeom>
+          <a:ln w="12700">
+            <a:miter lim="400000"/>
+          </a:ln>
+          <a:extLst>
+            <a:ext uri="{C572A759-6A51-4108-AA02-DFA0A04FC94B}">
+              <ma14:wrappingTextBoxFlag xmlns:ma14="http://schemas.microsoft.com/office/mac/drawingml/2011/main" val="1"/>
+            </a:ext>
+          </a:extLst>
+        </p:spPr>
+        <p:txBody>
+          <a:bodyPr lIns="45718" tIns="45718" rIns="45718" bIns="45718" anchor="ctr">
+            <a:spAutoFit/>
+          </a:bodyPr>
+          <a:lstStyle>
+            <a:lvl1pPr algn="ctr">
+              <a:defRPr sz="1200">
+                <a:solidFill>
+                  <a:srgbClr val="888888"/>
+                </a:solidFill>
+              </a:defRPr>
+            </a:lvl1pPr>
+          </a:lstStyle>
+          <a:p>
+            <a:r>
+              <a:t>Mlst.-Präsentation Nr. 1  /  Gruppe 15</a:t>
+            </a:r>
+          </a:p>
+        </p:txBody>
+      </p:sp>
+      <p:sp>
+        <p:nvSpPr>
+          <p:cNvPr id="215" name="Shape 215"/>
+          <p:cNvSpPr>
+            <a:spLocks noGrp="1"/>
+          </p:cNvSpPr>
+          <p:nvPr>
+            <p:ph type="title"/>
+          </p:nvPr>
+        </p:nvSpPr>
+        <p:spPr>
+          <a:xfrm>
+            <a:off x="0" y="-2"/>
+            <a:ext cx="10515600" cy="720440"/>
+          </a:xfrm>
+          <a:prstGeom prst="rect">
+            <a:avLst/>
+          </a:prstGeom>
+        </p:spPr>
+        <p:txBody>
+          <a:bodyPr/>
+          <a:lstStyle>
+            <a:lvl1pPr>
+              <a:defRPr sz="2000" b="1">
+                <a:latin typeface="Arial"/>
+                <a:ea typeface="Arial"/>
+                <a:cs typeface="Arial"/>
+                <a:sym typeface="Arial"/>
+              </a:defRPr>
+            </a:lvl1pPr>
+          </a:lstStyle>
+          <a:p>
+            <a:r>
               <a:t>	 Übersicht</a:t>
             </a:r>
           </a:p>
@@ -4032,7 +4312,7 @@
           </a:prstGeom>
           <a:extLst>
             <a:ext uri="{C572A759-6A51-4108-AA02-DFA0A04FC94B}">
-              <ma14:wrappingTextBoxFlag xmlns:ma14="http://schemas.microsoft.com/office/mac/drawingml/2011/main" xmlns="" val="1"/>
+              <ma14:wrappingTextBoxFlag xmlns:ma14="http://schemas.microsoft.com/office/mac/drawingml/2011/main" val="1"/>
             </a:ext>
           </a:extLst>
         </p:spPr>
@@ -4041,7 +4321,7 @@
           <a:lstStyle/>
           <a:p>
             <a:fld id="{86CB4B4D-7CA3-9044-876B-883B54F8677D}" type="slidenum">
-              <a:t>10</a:t>
+              <a:t>11</a:t>
             </a:fld>
             <a:endParaRPr/>
           </a:p>
@@ -4223,11 +4503,11 @@
   <p:clrMapOvr>
     <a:masterClrMapping/>
   </p:clrMapOvr>
-  <p:transition spd="slow"/>
+  <p:transition xmlns:p14="http://schemas.microsoft.com/office/powerpoint/2010/main" spd="slow"/>
 </p:sld>
 </file>
 
-<file path=ppt/slides/slide11.xml><?xml version="1.0" encoding="utf-8"?>
+<file path=ppt/slides/slide12.xml><?xml version="1.0" encoding="utf-8"?>
 <p:sld xmlns:a="http://schemas.openxmlformats.org/drawingml/2006/main" xmlns:r="http://schemas.openxmlformats.org/officeDocument/2006/relationships" xmlns:p="http://schemas.openxmlformats.org/presentationml/2006/main">
   <p:cSld>
     <p:spTree>
@@ -4290,7 +4570,7 @@
           </a:ln>
           <a:extLst>
             <a:ext uri="{C572A759-6A51-4108-AA02-DFA0A04FC94B}">
-              <ma14:wrappingTextBoxFlag xmlns:ma14="http://schemas.microsoft.com/office/mac/drawingml/2011/main" xmlns="" val="1"/>
+              <ma14:wrappingTextBoxFlag xmlns:ma14="http://schemas.microsoft.com/office/mac/drawingml/2011/main" val="1"/>
             </a:ext>
           </a:extLst>
         </p:spPr>
@@ -4372,7 +4652,7 @@
           </a:prstGeom>
           <a:extLst>
             <a:ext uri="{C572A759-6A51-4108-AA02-DFA0A04FC94B}">
-              <ma14:wrappingTextBoxFlag xmlns:ma14="http://schemas.microsoft.com/office/mac/drawingml/2011/main" xmlns="" val="1"/>
+              <ma14:wrappingTextBoxFlag xmlns:ma14="http://schemas.microsoft.com/office/mac/drawingml/2011/main" val="1"/>
             </a:ext>
           </a:extLst>
         </p:spPr>
@@ -4381,7 +4661,7 @@
           <a:lstStyle/>
           <a:p>
             <a:fld id="{86CB4B4D-7CA3-9044-876B-883B54F8677D}" type="slidenum">
-              <a:t>11</a:t>
+              <a:t>12</a:t>
             </a:fld>
             <a:endParaRPr/>
           </a:p>
@@ -4469,7 +4749,7 @@
           </a:ln>
           <a:extLst>
             <a:ext uri="{C572A759-6A51-4108-AA02-DFA0A04FC94B}">
-              <ma14:wrappingTextBoxFlag xmlns:ma14="http://schemas.microsoft.com/office/mac/drawingml/2011/main" xmlns="" val="1"/>
+              <ma14:wrappingTextBoxFlag xmlns:ma14="http://schemas.microsoft.com/office/mac/drawingml/2011/main" val="1"/>
             </a:ext>
           </a:extLst>
         </p:spPr>
@@ -4806,11 +5086,11 @@
   <p:clrMapOvr>
     <a:masterClrMapping/>
   </p:clrMapOvr>
-  <p:transition spd="slow"/>
+  <p:transition xmlns:p14="http://schemas.microsoft.com/office/powerpoint/2010/main" spd="slow"/>
 </p:sld>
 </file>
 
-<file path=ppt/slides/slide12.xml><?xml version="1.0" encoding="utf-8"?>
+<file path=ppt/slides/slide13.xml><?xml version="1.0" encoding="utf-8"?>
 <p:sld xmlns:a="http://schemas.openxmlformats.org/drawingml/2006/main" xmlns:r="http://schemas.openxmlformats.org/officeDocument/2006/relationships" xmlns:p="http://schemas.openxmlformats.org/presentationml/2006/main">
   <p:cSld>
     <p:spTree>
@@ -4846,7 +5126,7 @@
           </a:ln>
           <a:extLst>
             <a:ext uri="{C572A759-6A51-4108-AA02-DFA0A04FC94B}">
-              <ma14:wrappingTextBoxFlag xmlns:ma14="http://schemas.microsoft.com/office/mac/drawingml/2011/main" xmlns="" val="1"/>
+              <ma14:wrappingTextBoxFlag xmlns:ma14="http://schemas.microsoft.com/office/mac/drawingml/2011/main" val="1"/>
             </a:ext>
           </a:extLst>
         </p:spPr>
@@ -4928,7 +5208,7 @@
           </a:prstGeom>
           <a:extLst>
             <a:ext uri="{C572A759-6A51-4108-AA02-DFA0A04FC94B}">
-              <ma14:wrappingTextBoxFlag xmlns:ma14="http://schemas.microsoft.com/office/mac/drawingml/2011/main" xmlns="" val="1"/>
+              <ma14:wrappingTextBoxFlag xmlns:ma14="http://schemas.microsoft.com/office/mac/drawingml/2011/main" val="1"/>
             </a:ext>
           </a:extLst>
         </p:spPr>
@@ -4937,7 +5217,7 @@
           <a:lstStyle/>
           <a:p>
             <a:fld id="{86CB4B4D-7CA3-9044-876B-883B54F8677D}" type="slidenum">
-              <a:t>12</a:t>
+              <a:t>13</a:t>
             </a:fld>
             <a:endParaRPr/>
           </a:p>
@@ -5025,7 +5305,7 @@
           </a:ln>
           <a:extLst>
             <a:ext uri="{C572A759-6A51-4108-AA02-DFA0A04FC94B}">
-              <ma14:wrappingTextBoxFlag xmlns:ma14="http://schemas.microsoft.com/office/mac/drawingml/2011/main" xmlns="" val="1"/>
+              <ma14:wrappingTextBoxFlag xmlns:ma14="http://schemas.microsoft.com/office/mac/drawingml/2011/main" val="1"/>
             </a:ext>
           </a:extLst>
         </p:spPr>
@@ -5548,11 +5828,11 @@
   <p:clrMapOvr>
     <a:masterClrMapping/>
   </p:clrMapOvr>
-  <p:transition spd="slow"/>
+  <p:transition xmlns:p14="http://schemas.microsoft.com/office/powerpoint/2010/main" spd="slow"/>
 </p:sld>
 </file>
 
-<file path=ppt/slides/slide13.xml><?xml version="1.0" encoding="utf-8"?>
+<file path=ppt/slides/slide14.xml><?xml version="1.0" encoding="utf-8"?>
 <p:sld xmlns:a="http://schemas.openxmlformats.org/drawingml/2006/main" xmlns:r="http://schemas.openxmlformats.org/officeDocument/2006/relationships" xmlns:p="http://schemas.openxmlformats.org/presentationml/2006/main">
   <p:cSld>
     <p:spTree>
@@ -5588,7 +5868,7 @@
           </a:ln>
           <a:extLst>
             <a:ext uri="{C572A759-6A51-4108-AA02-DFA0A04FC94B}">
-              <ma14:wrappingTextBoxFlag xmlns:ma14="http://schemas.microsoft.com/office/mac/drawingml/2011/main" xmlns="" val="1"/>
+              <ma14:wrappingTextBoxFlag xmlns:ma14="http://schemas.microsoft.com/office/mac/drawingml/2011/main" val="1"/>
             </a:ext>
           </a:extLst>
         </p:spPr>
@@ -5670,7 +5950,7 @@
           </a:prstGeom>
           <a:extLst>
             <a:ext uri="{C572A759-6A51-4108-AA02-DFA0A04FC94B}">
-              <ma14:wrappingTextBoxFlag xmlns:ma14="http://schemas.microsoft.com/office/mac/drawingml/2011/main" xmlns="" val="1"/>
+              <ma14:wrappingTextBoxFlag xmlns:ma14="http://schemas.microsoft.com/office/mac/drawingml/2011/main" val="1"/>
             </a:ext>
           </a:extLst>
         </p:spPr>
@@ -5679,7 +5959,7 @@
           <a:lstStyle/>
           <a:p>
             <a:fld id="{86CB4B4D-7CA3-9044-876B-883B54F8677D}" type="slidenum">
-              <a:t>13</a:t>
+              <a:t>14</a:t>
             </a:fld>
             <a:endParaRPr/>
           </a:p>
@@ -5704,7 +5984,7 @@
           </a:ln>
           <a:extLst>
             <a:ext uri="{C572A759-6A51-4108-AA02-DFA0A04FC94B}">
-              <ma14:wrappingTextBoxFlag xmlns:ma14="http://schemas.microsoft.com/office/mac/drawingml/2011/main" xmlns="" val="1"/>
+              <ma14:wrappingTextBoxFlag xmlns:ma14="http://schemas.microsoft.com/office/mac/drawingml/2011/main" val="1"/>
             </a:ext>
           </a:extLst>
         </p:spPr>
@@ -5756,7 +6036,7 @@
   <p:clrMapOvr>
     <a:masterClrMapping/>
   </p:clrMapOvr>
-  <p:transition spd="slow"/>
+  <p:transition xmlns:p14="http://schemas.microsoft.com/office/powerpoint/2010/main" spd="slow"/>
 </p:sld>
 </file>
 
@@ -5796,7 +6076,7 @@
           </a:ln>
           <a:extLst>
             <a:ext uri="{C572A759-6A51-4108-AA02-DFA0A04FC94B}">
-              <ma14:wrappingTextBoxFlag xmlns:ma14="http://schemas.microsoft.com/office/mac/drawingml/2011/main" xmlns="" val="1"/>
+              <ma14:wrappingTextBoxFlag xmlns:ma14="http://schemas.microsoft.com/office/mac/drawingml/2011/main" val="1"/>
             </a:ext>
           </a:extLst>
         </p:spPr>
@@ -5963,7 +6243,7 @@
           </a:prstGeom>
           <a:extLst>
             <a:ext uri="{C572A759-6A51-4108-AA02-DFA0A04FC94B}">
-              <ma14:wrappingTextBoxFlag xmlns:ma14="http://schemas.microsoft.com/office/mac/drawingml/2011/main" xmlns="" val="1"/>
+              <ma14:wrappingTextBoxFlag xmlns:ma14="http://schemas.microsoft.com/office/mac/drawingml/2011/main" val="1"/>
             </a:ext>
           </a:extLst>
         </p:spPr>
@@ -6192,7 +6472,7 @@
   <p:clrMapOvr>
     <a:masterClrMapping/>
   </p:clrMapOvr>
-  <p:transition spd="slow"/>
+  <p:transition xmlns:p14="http://schemas.microsoft.com/office/powerpoint/2010/main" spd="slow"/>
 </p:sld>
 </file>
 
@@ -6232,7 +6512,7 @@
           </a:ln>
           <a:extLst>
             <a:ext uri="{C572A759-6A51-4108-AA02-DFA0A04FC94B}">
-              <ma14:wrappingTextBoxFlag xmlns:ma14="http://schemas.microsoft.com/office/mac/drawingml/2011/main" xmlns="" val="1"/>
+              <ma14:wrappingTextBoxFlag xmlns:ma14="http://schemas.microsoft.com/office/mac/drawingml/2011/main" val="1"/>
             </a:ext>
           </a:extLst>
         </p:spPr>
@@ -6437,7 +6717,7 @@
           </a:prstGeom>
           <a:extLst>
             <a:ext uri="{C572A759-6A51-4108-AA02-DFA0A04FC94B}">
-              <ma14:wrappingTextBoxFlag xmlns:ma14="http://schemas.microsoft.com/office/mac/drawingml/2011/main" xmlns="" val="1"/>
+              <ma14:wrappingTextBoxFlag xmlns:ma14="http://schemas.microsoft.com/office/mac/drawingml/2011/main" val="1"/>
             </a:ext>
           </a:extLst>
         </p:spPr>
@@ -6628,11 +6908,271 @@
   <p:clrMapOvr>
     <a:masterClrMapping/>
   </p:clrMapOvr>
-  <p:transition spd="slow"/>
+  <p:transition xmlns:p14="http://schemas.microsoft.com/office/powerpoint/2010/main" spd="slow"/>
+  <p:timing>
+    <p:tnLst>
+      <p:par>
+        <p:cTn xmlns:p14="http://schemas.microsoft.com/office/powerpoint/2010/main" id="1" dur="indefinite" restart="never" nodeType="tmRoot"/>
+      </p:par>
+    </p:tnLst>
+  </p:timing>
 </p:sld>
 </file>
 
 <file path=ppt/slides/slide4.xml><?xml version="1.0" encoding="utf-8"?>
+<p:sld xmlns:a="http://schemas.openxmlformats.org/drawingml/2006/main" xmlns:r="http://schemas.openxmlformats.org/officeDocument/2006/relationships" xmlns:p="http://schemas.openxmlformats.org/presentationml/2006/main">
+  <p:cSld>
+    <p:spTree>
+      <p:nvGrpSpPr>
+        <p:cNvPr id="1" name=""/>
+        <p:cNvGrpSpPr/>
+        <p:nvPr/>
+      </p:nvGrpSpPr>
+      <p:grpSpPr>
+        <a:xfrm>
+          <a:off x="0" y="0"/>
+          <a:ext cx="0" cy="0"/>
+          <a:chOff x="0" y="0"/>
+          <a:chExt cx="0" cy="0"/>
+        </a:xfrm>
+      </p:grpSpPr>
+      <p:pic>
+        <p:nvPicPr>
+          <p:cNvPr id="8" name="image6.png" descr="Gamecontroller"/>
+          <p:cNvPicPr>
+            <a:picLocks noChangeAspect="1"/>
+          </p:cNvPicPr>
+          <p:nvPr/>
+        </p:nvPicPr>
+        <p:blipFill>
+          <a:blip r:embed="rId2"/>
+          <a:stretch>
+            <a:fillRect/>
+          </a:stretch>
+        </p:blipFill>
+        <p:spPr>
+          <a:xfrm>
+            <a:off x="154513" y="91538"/>
+            <a:ext cx="540000" cy="540000"/>
+          </a:xfrm>
+          <a:prstGeom prst="rect">
+            <a:avLst/>
+          </a:prstGeom>
+          <a:ln w="12700">
+            <a:miter lim="400000"/>
+          </a:ln>
+        </p:spPr>
+      </p:pic>
+      <p:sp>
+        <p:nvSpPr>
+          <p:cNvPr id="181" name="Shape 181"/>
+          <p:cNvSpPr/>
+          <p:nvPr/>
+        </p:nvSpPr>
+        <p:spPr>
+          <a:xfrm>
+            <a:off x="3935999" y="6396609"/>
+            <a:ext cx="4114803" cy="269239"/>
+          </a:xfrm>
+          <a:prstGeom prst="rect">
+            <a:avLst/>
+          </a:prstGeom>
+          <a:ln w="12700">
+            <a:miter lim="400000"/>
+          </a:ln>
+          <a:extLst>
+            <a:ext uri="{C572A759-6A51-4108-AA02-DFA0A04FC94B}">
+              <ma14:wrappingTextBoxFlag xmlns:ma14="http://schemas.microsoft.com/office/mac/drawingml/2011/main" val="1"/>
+            </a:ext>
+          </a:extLst>
+        </p:spPr>
+        <p:txBody>
+          <a:bodyPr lIns="45718" tIns="45718" rIns="45718" bIns="45718" anchor="ctr">
+            <a:spAutoFit/>
+          </a:bodyPr>
+          <a:lstStyle>
+            <a:lvl1pPr algn="ctr">
+              <a:defRPr sz="1200">
+                <a:solidFill>
+                  <a:srgbClr val="888888"/>
+                </a:solidFill>
+              </a:defRPr>
+            </a:lvl1pPr>
+          </a:lstStyle>
+          <a:p>
+            <a:r>
+              <a:t>Mlst.-Präsentation Nr. 1  /  Gruppe 15</a:t>
+            </a:r>
+          </a:p>
+        </p:txBody>
+      </p:sp>
+      <p:sp>
+        <p:nvSpPr>
+          <p:cNvPr id="182" name="Shape 182"/>
+          <p:cNvSpPr>
+            <a:spLocks noGrp="1"/>
+          </p:cNvSpPr>
+          <p:nvPr>
+            <p:ph type="sldNum" sz="quarter" idx="4294967295"/>
+          </p:nvPr>
+        </p:nvSpPr>
+        <p:spPr>
+          <a:xfrm>
+            <a:off x="11169739" y="6404292"/>
+            <a:ext cx="184059" cy="269239"/>
+          </a:xfrm>
+          <a:prstGeom prst="rect">
+            <a:avLst/>
+          </a:prstGeom>
+          <a:extLst>
+            <a:ext uri="{C572A759-6A51-4108-AA02-DFA0A04FC94B}">
+              <ma14:wrappingTextBoxFlag xmlns:ma14="http://schemas.microsoft.com/office/mac/drawingml/2011/main" val="1"/>
+            </a:ext>
+          </a:extLst>
+        </p:spPr>
+        <p:txBody>
+          <a:bodyPr/>
+          <a:lstStyle/>
+          <a:p>
+            <a:fld id="{86CB4B4D-7CA3-9044-876B-883B54F8677D}" type="slidenum">
+              <a:t>4</a:t>
+            </a:fld>
+            <a:endParaRPr/>
+          </a:p>
+        </p:txBody>
+      </p:sp>
+      <p:sp>
+        <p:nvSpPr>
+          <p:cNvPr id="183" name="Shape 183"/>
+          <p:cNvSpPr>
+            <a:spLocks noGrp="1"/>
+          </p:cNvSpPr>
+          <p:nvPr>
+            <p:ph type="title"/>
+          </p:nvPr>
+        </p:nvSpPr>
+        <p:spPr>
+          <a:xfrm>
+            <a:off x="0" y="-2"/>
+            <a:ext cx="10515600" cy="720440"/>
+          </a:xfrm>
+          <a:prstGeom prst="rect">
+            <a:avLst/>
+          </a:prstGeom>
+        </p:spPr>
+        <p:txBody>
+          <a:bodyPr/>
+          <a:lstStyle>
+            <a:lvl1pPr>
+              <a:defRPr sz="2000" b="1">
+                <a:latin typeface="Arial"/>
+                <a:ea typeface="Arial"/>
+                <a:cs typeface="Arial"/>
+                <a:sym typeface="Arial"/>
+              </a:defRPr>
+            </a:lvl1pPr>
+          </a:lstStyle>
+          <a:p>
+            <a:r>
+              <a:rPr dirty="0"/>
+              <a:t>	</a:t>
+            </a:r>
+            <a:r>
+              <a:rPr lang="de-CH" dirty="0" smtClean="0"/>
+              <a:t>Outline / Spieldemonstration</a:t>
+            </a:r>
+            <a:endParaRPr dirty="0"/>
+          </a:p>
+        </p:txBody>
+      </p:sp>
+      <p:sp>
+        <p:nvSpPr>
+          <p:cNvPr id="184" name="Shape 184"/>
+          <p:cNvSpPr/>
+          <p:nvPr/>
+        </p:nvSpPr>
+        <p:spPr>
+          <a:xfrm>
+            <a:off x="-16626" y="720436"/>
+            <a:ext cx="3088628" cy="2"/>
+          </a:xfrm>
+          <a:prstGeom prst="line">
+            <a:avLst/>
+          </a:prstGeom>
+          <a:ln w="28575">
+            <a:solidFill>
+              <a:srgbClr val="000000"/>
+            </a:solidFill>
+            <a:miter/>
+          </a:ln>
+          <a:effectLst>
+            <a:outerShdw blurRad="50800" dist="38100" dir="2700000" rotWithShape="0">
+              <a:srgbClr val="000000">
+                <a:alpha val="40000"/>
+              </a:srgbClr>
+            </a:outerShdw>
+          </a:effectLst>
+        </p:spPr>
+        <p:txBody>
+          <a:bodyPr lIns="45718" tIns="45718" rIns="45718" bIns="45718"/>
+          <a:lstStyle/>
+          <a:p>
+            <a:endParaRPr/>
+          </a:p>
+        </p:txBody>
+      </p:sp>
+      <p:pic>
+        <p:nvPicPr>
+          <p:cNvPr id="2" name="Bild 1" descr="Bildschirmfoto 2020-04-14 um 22.53.31.png"/>
+          <p:cNvPicPr>
+            <a:picLocks noChangeAspect="1"/>
+          </p:cNvPicPr>
+          <p:nvPr/>
+        </p:nvPicPr>
+        <p:blipFill>
+          <a:blip r:embed="rId3">
+            <a:extLst>
+              <a:ext uri="{28A0092B-C50C-407E-A947-70E740481C1C}">
+                <a14:useLocalDpi xmlns:a14="http://schemas.microsoft.com/office/drawing/2010/main" val="0"/>
+              </a:ext>
+            </a:extLst>
+          </a:blip>
+          <a:stretch>
+            <a:fillRect/>
+          </a:stretch>
+        </p:blipFill>
+        <p:spPr>
+          <a:xfrm>
+            <a:off x="2302804" y="920419"/>
+            <a:ext cx="7525652" cy="5231246"/>
+          </a:xfrm>
+          <a:prstGeom prst="rect">
+            <a:avLst/>
+          </a:prstGeom>
+        </p:spPr>
+      </p:pic>
+    </p:spTree>
+    <p:extLst>
+      <p:ext uri="{BB962C8B-B14F-4D97-AF65-F5344CB8AC3E}">
+        <p14:creationId xmlns:p14="http://schemas.microsoft.com/office/powerpoint/2010/main" val="1549585957"/>
+      </p:ext>
+    </p:extLst>
+  </p:cSld>
+  <p:clrMapOvr>
+    <a:masterClrMapping/>
+  </p:clrMapOvr>
+  <p:transition xmlns:p14="http://schemas.microsoft.com/office/powerpoint/2010/main" spd="slow"/>
+  <p:timing>
+    <p:tnLst>
+      <p:par>
+        <p:cTn xmlns:p14="http://schemas.microsoft.com/office/powerpoint/2010/main" id="1" dur="indefinite" restart="never" nodeType="tmRoot"/>
+      </p:par>
+    </p:tnLst>
+  </p:timing>
+</p:sld>
+</file>
+
+<file path=ppt/slides/slide5.xml><?xml version="1.0" encoding="utf-8"?>
 <p:sld xmlns:a="http://schemas.openxmlformats.org/drawingml/2006/main" xmlns:r="http://schemas.openxmlformats.org/officeDocument/2006/relationships" xmlns:p="http://schemas.openxmlformats.org/presentationml/2006/main">
   <p:cSld>
     <p:spTree>
@@ -6668,7 +7208,7 @@
           </a:ln>
           <a:extLst>
             <a:ext uri="{C572A759-6A51-4108-AA02-DFA0A04FC94B}">
-              <ma14:wrappingTextBoxFlag xmlns:ma14="http://schemas.microsoft.com/office/mac/drawingml/2011/main" xmlns="" val="1"/>
+              <ma14:wrappingTextBoxFlag xmlns:ma14="http://schemas.microsoft.com/office/mac/drawingml/2011/main" val="1"/>
             </a:ext>
           </a:extLst>
         </p:spPr>
@@ -6873,7 +7413,7 @@
           </a:prstGeom>
           <a:extLst>
             <a:ext uri="{C572A759-6A51-4108-AA02-DFA0A04FC94B}">
-              <ma14:wrappingTextBoxFlag xmlns:ma14="http://schemas.microsoft.com/office/mac/drawingml/2011/main" xmlns="" val="1"/>
+              <ma14:wrappingTextBoxFlag xmlns:ma14="http://schemas.microsoft.com/office/mac/drawingml/2011/main" val="1"/>
             </a:ext>
           </a:extLst>
         </p:spPr>
@@ -6882,7 +7422,7 @@
           <a:lstStyle/>
           <a:p>
             <a:fld id="{86CB4B4D-7CA3-9044-876B-883B54F8677D}" type="slidenum">
-              <a:t>4</a:t>
+              <a:t>5</a:t>
             </a:fld>
             <a:endParaRPr/>
           </a:p>
@@ -7064,11 +7604,18 @@
   <p:clrMapOvr>
     <a:masterClrMapping/>
   </p:clrMapOvr>
-  <p:transition spd="slow"/>
+  <p:transition xmlns:p14="http://schemas.microsoft.com/office/powerpoint/2010/main" spd="slow"/>
+  <p:timing>
+    <p:tnLst>
+      <p:par>
+        <p:cTn xmlns:p14="http://schemas.microsoft.com/office/powerpoint/2010/main" id="1" dur="indefinite" restart="never" nodeType="tmRoot"/>
+      </p:par>
+    </p:tnLst>
+  </p:timing>
 </p:sld>
 </file>
 
-<file path=ppt/slides/slide5.xml><?xml version="1.0" encoding="utf-8"?>
+<file path=ppt/slides/slide6.xml><?xml version="1.0" encoding="utf-8"?>
 <p:sld xmlns:a="http://schemas.openxmlformats.org/drawingml/2006/main" xmlns:r="http://schemas.openxmlformats.org/officeDocument/2006/relationships" xmlns:p="http://schemas.openxmlformats.org/presentationml/2006/main">
   <p:cSld>
     <p:spTree>
@@ -7104,7 +7651,7 @@
           </a:ln>
           <a:extLst>
             <a:ext uri="{C572A759-6A51-4108-AA02-DFA0A04FC94B}">
-              <ma14:wrappingTextBoxFlag xmlns:ma14="http://schemas.microsoft.com/office/mac/drawingml/2011/main" xmlns="" val="1"/>
+              <ma14:wrappingTextBoxFlag xmlns:ma14="http://schemas.microsoft.com/office/mac/drawingml/2011/main" val="1"/>
             </a:ext>
           </a:extLst>
         </p:spPr>
@@ -7169,7 +7716,7 @@
           </a:prstGeom>
           <a:extLst>
             <a:ext uri="{C572A759-6A51-4108-AA02-DFA0A04FC94B}">
-              <ma14:wrappingTextBoxFlag xmlns:ma14="http://schemas.microsoft.com/office/mac/drawingml/2011/main" xmlns="" val="1"/>
+              <ma14:wrappingTextBoxFlag xmlns:ma14="http://schemas.microsoft.com/office/mac/drawingml/2011/main" val="1"/>
             </a:ext>
           </a:extLst>
         </p:spPr>
@@ -7178,7 +7725,7 @@
           <a:lstStyle/>
           <a:p>
             <a:fld id="{86CB4B4D-7CA3-9044-876B-883B54F8677D}" type="slidenum">
-              <a:t>5</a:t>
+              <a:t>6</a:t>
             </a:fld>
             <a:endParaRPr/>
           </a:p>
@@ -7304,7 +7851,7 @@
           </a:ln>
           <a:extLst>
             <a:ext uri="{C572A759-6A51-4108-AA02-DFA0A04FC94B}">
-              <ma14:wrappingTextBoxFlag xmlns:ma14="http://schemas.microsoft.com/office/mac/drawingml/2011/main" xmlns="" val="1"/>
+              <ma14:wrappingTextBoxFlag xmlns:ma14="http://schemas.microsoft.com/office/mac/drawingml/2011/main" val="1"/>
             </a:ext>
           </a:extLst>
         </p:spPr>
@@ -7552,11 +8099,11 @@
   <p:clrMapOvr>
     <a:masterClrMapping/>
   </p:clrMapOvr>
-  <p:transition spd="slow"/>
+  <p:transition xmlns:p14="http://schemas.microsoft.com/office/powerpoint/2010/main" spd="slow"/>
 </p:sld>
 </file>
 
-<file path=ppt/slides/slide6.xml><?xml version="1.0" encoding="utf-8"?>
+<file path=ppt/slides/slide7.xml><?xml version="1.0" encoding="utf-8"?>
 <p:sld xmlns:a="http://schemas.openxmlformats.org/drawingml/2006/main" xmlns:r="http://schemas.openxmlformats.org/officeDocument/2006/relationships" xmlns:p="http://schemas.openxmlformats.org/presentationml/2006/main">
   <p:cSld>
     <p:spTree>
@@ -7592,7 +8139,7 @@
           </a:ln>
           <a:extLst>
             <a:ext uri="{C572A759-6A51-4108-AA02-DFA0A04FC94B}">
-              <ma14:wrappingTextBoxFlag xmlns:ma14="http://schemas.microsoft.com/office/mac/drawingml/2011/main" xmlns="" val="1"/>
+              <ma14:wrappingTextBoxFlag xmlns:ma14="http://schemas.microsoft.com/office/mac/drawingml/2011/main" val="1"/>
             </a:ext>
           </a:extLst>
         </p:spPr>
@@ -7636,7 +8183,7 @@
           </a:prstGeom>
           <a:extLst>
             <a:ext uri="{C572A759-6A51-4108-AA02-DFA0A04FC94B}">
-              <ma14:wrappingTextBoxFlag xmlns:ma14="http://schemas.microsoft.com/office/mac/drawingml/2011/main" xmlns="" val="1"/>
+              <ma14:wrappingTextBoxFlag xmlns:ma14="http://schemas.microsoft.com/office/mac/drawingml/2011/main" val="1"/>
             </a:ext>
           </a:extLst>
         </p:spPr>
@@ -7645,7 +8192,7 @@
           <a:lstStyle/>
           <a:p>
             <a:fld id="{86CB4B4D-7CA3-9044-876B-883B54F8677D}" type="slidenum">
-              <a:t>6</a:t>
+              <a:t>7</a:t>
             </a:fld>
             <a:endParaRPr/>
           </a:p>
@@ -7784,11 +8331,11 @@
   <p:clrMapOvr>
     <a:masterClrMapping/>
   </p:clrMapOvr>
-  <p:transition spd="slow"/>
+  <p:transition xmlns:p14="http://schemas.microsoft.com/office/powerpoint/2010/main" spd="slow"/>
 </p:sld>
 </file>
 
-<file path=ppt/slides/slide7.xml><?xml version="1.0" encoding="utf-8"?>
+<file path=ppt/slides/slide8.xml><?xml version="1.0" encoding="utf-8"?>
 <p:sld xmlns:a="http://schemas.openxmlformats.org/drawingml/2006/main" xmlns:r="http://schemas.openxmlformats.org/officeDocument/2006/relationships" xmlns:p="http://schemas.openxmlformats.org/presentationml/2006/main">
   <p:cSld>
     <p:spTree>
@@ -7824,7 +8371,7 @@
           </a:ln>
           <a:extLst>
             <a:ext uri="{C572A759-6A51-4108-AA02-DFA0A04FC94B}">
-              <ma14:wrappingTextBoxFlag xmlns:ma14="http://schemas.microsoft.com/office/mac/drawingml/2011/main" xmlns="" val="1"/>
+              <ma14:wrappingTextBoxFlag xmlns:ma14="http://schemas.microsoft.com/office/mac/drawingml/2011/main" val="1"/>
             </a:ext>
           </a:extLst>
         </p:spPr>
@@ -8029,7 +8576,7 @@
           </a:prstGeom>
           <a:extLst>
             <a:ext uri="{C572A759-6A51-4108-AA02-DFA0A04FC94B}">
-              <ma14:wrappingTextBoxFlag xmlns:ma14="http://schemas.microsoft.com/office/mac/drawingml/2011/main" xmlns="" val="1"/>
+              <ma14:wrappingTextBoxFlag xmlns:ma14="http://schemas.microsoft.com/office/mac/drawingml/2011/main" val="1"/>
             </a:ext>
           </a:extLst>
         </p:spPr>
@@ -8038,7 +8585,7 @@
           <a:lstStyle/>
           <a:p>
             <a:fld id="{86CB4B4D-7CA3-9044-876B-883B54F8677D}" type="slidenum">
-              <a:t>7</a:t>
+              <a:t>8</a:t>
             </a:fld>
             <a:endParaRPr/>
           </a:p>
@@ -8220,11 +8767,11 @@
   <p:clrMapOvr>
     <a:masterClrMapping/>
   </p:clrMapOvr>
-  <p:transition spd="slow"/>
+  <p:transition xmlns:p14="http://schemas.microsoft.com/office/powerpoint/2010/main" spd="slow"/>
 </p:sld>
 </file>
 
-<file path=ppt/slides/slide8.xml><?xml version="1.0" encoding="utf-8"?>
+<file path=ppt/slides/slide9.xml><?xml version="1.0" encoding="utf-8"?>
 <p:sld xmlns:a="http://schemas.openxmlformats.org/drawingml/2006/main" xmlns:r="http://schemas.openxmlformats.org/officeDocument/2006/relationships" xmlns:p="http://schemas.openxmlformats.org/presentationml/2006/main">
   <p:cSld>
     <p:spTree>
@@ -8260,7 +8807,7 @@
           </a:ln>
           <a:extLst>
             <a:ext uri="{C572A759-6A51-4108-AA02-DFA0A04FC94B}">
-              <ma14:wrappingTextBoxFlag xmlns:ma14="http://schemas.microsoft.com/office/mac/drawingml/2011/main" xmlns="" val="1"/>
+              <ma14:wrappingTextBoxFlag xmlns:ma14="http://schemas.microsoft.com/office/mac/drawingml/2011/main" val="1"/>
             </a:ext>
           </a:extLst>
         </p:spPr>
@@ -8342,7 +8889,7 @@
           </a:prstGeom>
           <a:extLst>
             <a:ext uri="{C572A759-6A51-4108-AA02-DFA0A04FC94B}">
-              <ma14:wrappingTextBoxFlag xmlns:ma14="http://schemas.microsoft.com/office/mac/drawingml/2011/main" xmlns="" val="1"/>
+              <ma14:wrappingTextBoxFlag xmlns:ma14="http://schemas.microsoft.com/office/mac/drawingml/2011/main" val="1"/>
             </a:ext>
           </a:extLst>
         </p:spPr>
@@ -8351,7 +8898,7 @@
           <a:lstStyle/>
           <a:p>
             <a:fld id="{86CB4B4D-7CA3-9044-876B-883B54F8677D}" type="slidenum">
-              <a:t>8</a:t>
+              <a:t>9</a:t>
             </a:fld>
             <a:endParaRPr/>
           </a:p>
@@ -8439,7 +8986,7 @@
           </a:ln>
           <a:extLst>
             <a:ext uri="{C572A759-6A51-4108-AA02-DFA0A04FC94B}">
-              <ma14:wrappingTextBoxFlag xmlns:ma14="http://schemas.microsoft.com/office/mac/drawingml/2011/main" xmlns="" val="1"/>
+              <ma14:wrappingTextBoxFlag xmlns:ma14="http://schemas.microsoft.com/office/mac/drawingml/2011/main" val="1"/>
             </a:ext>
           </a:extLst>
         </p:spPr>
@@ -8635,281 +9182,7 @@
   <p:clrMapOvr>
     <a:masterClrMapping/>
   </p:clrMapOvr>
-  <p:transition spd="slow"/>
-</p:sld>
-</file>
-
-<file path=ppt/slides/slide9.xml><?xml version="1.0" encoding="utf-8"?>
-<p:sld xmlns:a="http://schemas.openxmlformats.org/drawingml/2006/main" xmlns:r="http://schemas.openxmlformats.org/officeDocument/2006/relationships" xmlns:p="http://schemas.openxmlformats.org/presentationml/2006/main">
-  <p:cSld>
-    <p:spTree>
-      <p:nvGrpSpPr>
-        <p:cNvPr id="1" name=""/>
-        <p:cNvGrpSpPr/>
-        <p:nvPr/>
-      </p:nvGrpSpPr>
-      <p:grpSpPr>
-        <a:xfrm>
-          <a:off x="0" y="0"/>
-          <a:ext cx="0" cy="0"/>
-          <a:chOff x="0" y="0"/>
-          <a:chExt cx="0" cy="0"/>
-        </a:xfrm>
-      </p:grpSpPr>
-      <p:sp>
-        <p:nvSpPr>
-          <p:cNvPr id="206" name="Shape 206"/>
-          <p:cNvSpPr/>
-          <p:nvPr/>
-        </p:nvSpPr>
-        <p:spPr>
-          <a:xfrm>
-            <a:off x="4038600" y="6404292"/>
-            <a:ext cx="4114800" cy="269239"/>
-          </a:xfrm>
-          <a:prstGeom prst="rect">
-            <a:avLst/>
-          </a:prstGeom>
-          <a:ln w="12700">
-            <a:miter lim="400000"/>
-          </a:ln>
-          <a:extLst>
-            <a:ext uri="{C572A759-6A51-4108-AA02-DFA0A04FC94B}">
-              <ma14:wrappingTextBoxFlag xmlns:ma14="http://schemas.microsoft.com/office/mac/drawingml/2011/main" xmlns="" val="1"/>
-            </a:ext>
-          </a:extLst>
-        </p:spPr>
-        <p:txBody>
-          <a:bodyPr lIns="45718" tIns="45718" rIns="45718" bIns="45718" anchor="ctr">
-            <a:spAutoFit/>
-          </a:bodyPr>
-          <a:lstStyle>
-            <a:lvl1pPr algn="ctr">
-              <a:defRPr sz="1200">
-                <a:solidFill>
-                  <a:srgbClr val="888888"/>
-                </a:solidFill>
-              </a:defRPr>
-            </a:lvl1pPr>
-          </a:lstStyle>
-          <a:p>
-            <a:r>
-              <a:t>Mlst.-Präsentation Nr. 1  /  Gruppe 15</a:t>
-            </a:r>
-          </a:p>
-        </p:txBody>
-      </p:sp>
-      <p:sp>
-        <p:nvSpPr>
-          <p:cNvPr id="207" name="Shape 207"/>
-          <p:cNvSpPr>
-            <a:spLocks noGrp="1"/>
-          </p:cNvSpPr>
-          <p:nvPr>
-            <p:ph type="title"/>
-          </p:nvPr>
-        </p:nvSpPr>
-        <p:spPr>
-          <a:xfrm>
-            <a:off x="0" y="-2"/>
-            <a:ext cx="10515600" cy="720440"/>
-          </a:xfrm>
-          <a:prstGeom prst="rect">
-            <a:avLst/>
-          </a:prstGeom>
-        </p:spPr>
-        <p:txBody>
-          <a:bodyPr/>
-          <a:lstStyle>
-            <a:lvl1pPr>
-              <a:defRPr sz="2000" b="1">
-                <a:latin typeface="Arial"/>
-                <a:ea typeface="Arial"/>
-                <a:cs typeface="Arial"/>
-                <a:sym typeface="Arial"/>
-              </a:defRPr>
-            </a:lvl1pPr>
-          </a:lstStyle>
-          <a:p>
-            <a:r>
-              <a:t>	Technische Eigenheiten</a:t>
-            </a:r>
-          </a:p>
-        </p:txBody>
-      </p:sp>
-      <p:sp>
-        <p:nvSpPr>
-          <p:cNvPr id="208" name="Shape 208"/>
-          <p:cNvSpPr>
-            <a:spLocks noGrp="1"/>
-          </p:cNvSpPr>
-          <p:nvPr>
-            <p:ph type="sldNum" sz="quarter" idx="4294967295"/>
-          </p:nvPr>
-        </p:nvSpPr>
-        <p:spPr>
-          <a:xfrm>
-            <a:off x="11169739" y="6404292"/>
-            <a:ext cx="184059" cy="269239"/>
-          </a:xfrm>
-          <a:prstGeom prst="rect">
-            <a:avLst/>
-          </a:prstGeom>
-          <a:extLst>
-            <a:ext uri="{C572A759-6A51-4108-AA02-DFA0A04FC94B}">
-              <ma14:wrappingTextBoxFlag xmlns:ma14="http://schemas.microsoft.com/office/mac/drawingml/2011/main" xmlns="" val="1"/>
-            </a:ext>
-          </a:extLst>
-        </p:spPr>
-        <p:txBody>
-          <a:bodyPr/>
-          <a:lstStyle/>
-          <a:p>
-            <a:fld id="{86CB4B4D-7CA3-9044-876B-883B54F8677D}" type="slidenum">
-              <a:t>9</a:t>
-            </a:fld>
-            <a:endParaRPr/>
-          </a:p>
-        </p:txBody>
-      </p:sp>
-      <p:sp>
-        <p:nvSpPr>
-          <p:cNvPr id="209" name="Shape 209"/>
-          <p:cNvSpPr/>
-          <p:nvPr/>
-        </p:nvSpPr>
-        <p:spPr>
-          <a:xfrm>
-            <a:off x="-11084" y="720436"/>
-            <a:ext cx="4584003" cy="2"/>
-          </a:xfrm>
-          <a:prstGeom prst="line">
-            <a:avLst/>
-          </a:prstGeom>
-          <a:ln w="28575">
-            <a:solidFill>
-              <a:srgbClr val="000000"/>
-            </a:solidFill>
-            <a:miter/>
-          </a:ln>
-          <a:effectLst>
-            <a:outerShdw blurRad="50800" dist="38100" dir="2700000" rotWithShape="0">
-              <a:srgbClr val="000000">
-                <a:alpha val="40000"/>
-              </a:srgbClr>
-            </a:outerShdw>
-          </a:effectLst>
-        </p:spPr>
-        <p:txBody>
-          <a:bodyPr lIns="45718" tIns="45718" rIns="45718" bIns="45718"/>
-          <a:lstStyle/>
-          <a:p>
-            <a:endParaRPr/>
-          </a:p>
-        </p:txBody>
-      </p:sp>
-      <p:pic>
-        <p:nvPicPr>
-          <p:cNvPr id="210" name="image10.png" descr="Fingerabdruck"/>
-          <p:cNvPicPr>
-            <a:picLocks noChangeAspect="1"/>
-          </p:cNvPicPr>
-          <p:nvPr/>
-        </p:nvPicPr>
-        <p:blipFill>
-          <a:blip r:embed="rId2"/>
-          <a:stretch>
-            <a:fillRect/>
-          </a:stretch>
-        </p:blipFill>
-        <p:spPr>
-          <a:xfrm>
-            <a:off x="263999" y="86303"/>
-            <a:ext cx="547828" cy="547829"/>
-          </a:xfrm>
-          <a:prstGeom prst="rect">
-            <a:avLst/>
-          </a:prstGeom>
-          <a:ln w="12700">
-            <a:miter lim="400000"/>
-          </a:ln>
-        </p:spPr>
-      </p:pic>
-      <p:sp>
-        <p:nvSpPr>
-          <p:cNvPr id="211" name="Shape 211"/>
-          <p:cNvSpPr/>
-          <p:nvPr/>
-        </p:nvSpPr>
-        <p:spPr>
-          <a:xfrm>
-            <a:off x="4401723" y="813884"/>
-            <a:ext cx="3890823" cy="383539"/>
-          </a:xfrm>
-          <a:prstGeom prst="rect">
-            <a:avLst/>
-          </a:prstGeom>
-          <a:ln w="12700">
-            <a:miter lim="400000"/>
-          </a:ln>
-          <a:extLst>
-            <a:ext uri="{C572A759-6A51-4108-AA02-DFA0A04FC94B}">
-              <ma14:wrappingTextBoxFlag xmlns:ma14="http://schemas.microsoft.com/office/mac/drawingml/2011/main" xmlns="" val="1"/>
-            </a:ext>
-          </a:extLst>
-        </p:spPr>
-        <p:txBody>
-          <a:bodyPr wrap="none" lIns="45718" tIns="45718" rIns="45718" bIns="45718">
-            <a:spAutoFit/>
-          </a:bodyPr>
-          <a:lstStyle>
-            <a:lvl1pPr>
-              <a:lnSpc>
-                <a:spcPct val="120000"/>
-              </a:lnSpc>
-              <a:defRPr sz="2000"/>
-            </a:lvl1pPr>
-          </a:lstStyle>
-          <a:p>
-            <a:r>
-              <a:t>log4j2.properties Datei (Beispiel)</a:t>
-            </a:r>
-          </a:p>
-        </p:txBody>
-      </p:sp>
-      <p:pic>
-        <p:nvPicPr>
-          <p:cNvPr id="212" name="image13.png"/>
-          <p:cNvPicPr>
-            <a:picLocks noChangeAspect="1"/>
-          </p:cNvPicPr>
-          <p:nvPr/>
-        </p:nvPicPr>
-        <p:blipFill>
-          <a:blip r:embed="rId3"/>
-          <a:stretch>
-            <a:fillRect/>
-          </a:stretch>
-        </p:blipFill>
-        <p:spPr>
-          <a:xfrm>
-            <a:off x="1485138" y="1289286"/>
-            <a:ext cx="9608037" cy="4963394"/>
-          </a:xfrm>
-          <a:prstGeom prst="rect">
-            <a:avLst/>
-          </a:prstGeom>
-          <a:ln w="12700">
-            <a:miter lim="400000"/>
-          </a:ln>
-        </p:spPr>
-      </p:pic>
-    </p:spTree>
-  </p:cSld>
-  <p:clrMapOvr>
-    <a:masterClrMapping/>
-  </p:clrMapOvr>
-  <p:transition spd="slow"/>
+  <p:transition xmlns:p14="http://schemas.microsoft.com/office/powerpoint/2010/main" spd="slow"/>
 </p:sld>
 </file>
 

--- a/00_General/Presentation/MS 3/Presentation_Milestone_iii_Master.pptx
+++ b/00_General/Presentation/MS 3/Presentation_Milestone_iii_Master.pptx
@@ -325,7 +325,7 @@
   </p:defaultTextStyle>
   <p:extLst>
     <p:ext uri="{EFAFB233-063F-42B5-8137-9DF3F51BA10A}">
-      <p15:sldGuideLst xmlns:p15="http://schemas.microsoft.com/office/powerpoint/2012/main" xmlns="">
+      <p15:sldGuideLst xmlns:p15="http://schemas.microsoft.com/office/powerpoint/2012/main">
         <p15:guide id="1" orient="horz" pos="2160" userDrawn="1">
           <p15:clr>
             <a:srgbClr val="A4A3A4"/>
@@ -609,7 +609,7 @@
           <a:lstStyle/>
           <a:p>
             <a:fld id="{86CB4B4D-7CA3-9044-876B-883B54F8677D}" type="slidenum">
-              <a:t>‹Nr.›</a:t>
+              <a:t>‹#›</a:t>
             </a:fld>
             <a:endParaRPr/>
           </a:p>
@@ -620,7 +620,7 @@
   <p:clrMapOvr>
     <a:masterClrMapping/>
   </p:clrMapOvr>
-  <p:transition xmlns:p14="http://schemas.microsoft.com/office/powerpoint/2010/main" spd="med"/>
+  <p:transition spd="med"/>
 </p:sldLayout>
 </file>
 
@@ -807,7 +807,7 @@
           <a:lstStyle/>
           <a:p>
             <a:fld id="{86CB4B4D-7CA3-9044-876B-883B54F8677D}" type="slidenum">
-              <a:t>‹Nr.›</a:t>
+              <a:t>‹#›</a:t>
             </a:fld>
             <a:endParaRPr/>
           </a:p>
@@ -818,7 +818,7 @@
   <p:clrMapOvr>
     <a:masterClrMapping/>
   </p:clrMapOvr>
-  <p:transition xmlns:p14="http://schemas.microsoft.com/office/powerpoint/2010/main" spd="med"/>
+  <p:transition spd="med"/>
 </p:sldLayout>
 </file>
 
@@ -933,7 +933,7 @@
           <a:lstStyle/>
           <a:p>
             <a:fld id="{86CB4B4D-7CA3-9044-876B-883B54F8677D}" type="slidenum">
-              <a:t>‹Nr.›</a:t>
+              <a:t>‹#›</a:t>
             </a:fld>
             <a:endParaRPr/>
           </a:p>
@@ -944,7 +944,7 @@
   <p:clrMapOvr>
     <a:masterClrMapping/>
   </p:clrMapOvr>
-  <p:transition xmlns:p14="http://schemas.microsoft.com/office/powerpoint/2010/main" spd="med"/>
+  <p:transition spd="med"/>
 </p:sldLayout>
 </file>
 
@@ -1067,7 +1067,7 @@
           <a:lstStyle/>
           <a:p>
             <a:fld id="{86CB4B4D-7CA3-9044-876B-883B54F8677D}" type="slidenum">
-              <a:t>‹Nr.›</a:t>
+              <a:t>‹#›</a:t>
             </a:fld>
             <a:endParaRPr/>
           </a:p>
@@ -1078,7 +1078,7 @@
   <p:clrMapOvr>
     <a:masterClrMapping/>
   </p:clrMapOvr>
-  <p:transition xmlns:p14="http://schemas.microsoft.com/office/powerpoint/2010/main" spd="med"/>
+  <p:transition spd="med"/>
 </p:sldLayout>
 </file>
 
@@ -1201,7 +1201,7 @@
           <a:lstStyle/>
           <a:p>
             <a:fld id="{86CB4B4D-7CA3-9044-876B-883B54F8677D}" type="slidenum">
-              <a:t>‹Nr.›</a:t>
+              <a:t>‹#›</a:t>
             </a:fld>
             <a:endParaRPr/>
           </a:p>
@@ -1212,7 +1212,7 @@
   <p:clrMapOvr>
     <a:masterClrMapping/>
   </p:clrMapOvr>
-  <p:transition xmlns:p14="http://schemas.microsoft.com/office/powerpoint/2010/main" spd="med"/>
+  <p:transition spd="med"/>
 </p:sldLayout>
 </file>
 
@@ -1327,7 +1327,7 @@
           <a:lstStyle/>
           <a:p>
             <a:fld id="{86CB4B4D-7CA3-9044-876B-883B54F8677D}" type="slidenum">
-              <a:t>‹Nr.›</a:t>
+              <a:t>‹#›</a:t>
             </a:fld>
             <a:endParaRPr/>
           </a:p>
@@ -1338,7 +1338,7 @@
   <p:clrMapOvr>
     <a:masterClrMapping/>
   </p:clrMapOvr>
-  <p:transition xmlns:p14="http://schemas.microsoft.com/office/powerpoint/2010/main" spd="med"/>
+  <p:transition spd="med"/>
 </p:sldLayout>
 </file>
 
@@ -1461,7 +1461,7 @@
           <a:lstStyle/>
           <a:p>
             <a:fld id="{86CB4B4D-7CA3-9044-876B-883B54F8677D}" type="slidenum">
-              <a:t>‹Nr.›</a:t>
+              <a:t>‹#›</a:t>
             </a:fld>
             <a:endParaRPr/>
           </a:p>
@@ -1472,7 +1472,7 @@
   <p:clrMapOvr>
     <a:masterClrMapping/>
   </p:clrMapOvr>
-  <p:transition xmlns:p14="http://schemas.microsoft.com/office/powerpoint/2010/main" spd="med"/>
+  <p:transition spd="med"/>
 </p:sldLayout>
 </file>
 
@@ -1650,7 +1650,7 @@
           <a:lstStyle/>
           <a:p>
             <a:fld id="{86CB4B4D-7CA3-9044-876B-883B54F8677D}" type="slidenum">
-              <a:t>‹Nr.›</a:t>
+              <a:t>‹#›</a:t>
             </a:fld>
             <a:endParaRPr/>
           </a:p>
@@ -1661,7 +1661,7 @@
   <p:clrMapOvr>
     <a:masterClrMapping/>
   </p:clrMapOvr>
-  <p:transition xmlns:p14="http://schemas.microsoft.com/office/powerpoint/2010/main" spd="med"/>
+  <p:transition spd="med"/>
 </p:sldLayout>
 </file>
 
@@ -1780,7 +1780,7 @@
           <a:lstStyle/>
           <a:p>
             <a:fld id="{86CB4B4D-7CA3-9044-876B-883B54F8677D}" type="slidenum">
-              <a:t>‹Nr.›</a:t>
+              <a:t>‹#›</a:t>
             </a:fld>
             <a:endParaRPr/>
           </a:p>
@@ -1791,7 +1791,7 @@
   <p:clrMapOvr>
     <a:masterClrMapping/>
   </p:clrMapOvr>
-  <p:transition xmlns:p14="http://schemas.microsoft.com/office/powerpoint/2010/main" spd="med"/>
+  <p:transition spd="med"/>
 </p:sldLayout>
 </file>
 
@@ -1924,7 +1924,7 @@
           <a:lstStyle/>
           <a:p>
             <a:fld id="{86CB4B4D-7CA3-9044-876B-883B54F8677D}" type="slidenum">
-              <a:t>‹Nr.›</a:t>
+              <a:t>‹#›</a:t>
             </a:fld>
             <a:endParaRPr/>
           </a:p>
@@ -1935,7 +1935,7 @@
   <p:clrMapOvr>
     <a:masterClrMapping/>
   </p:clrMapOvr>
-  <p:transition xmlns:p14="http://schemas.microsoft.com/office/powerpoint/2010/main" spd="med"/>
+  <p:transition spd="med"/>
 </p:sldLayout>
 </file>
 
@@ -2001,7 +2001,7 @@
           <a:lstStyle/>
           <a:p>
             <a:fld id="{86CB4B4D-7CA3-9044-876B-883B54F8677D}" type="slidenum">
-              <a:t>‹Nr.›</a:t>
+              <a:t>‹#›</a:t>
             </a:fld>
             <a:endParaRPr/>
           </a:p>
@@ -2012,7 +2012,7 @@
   <p:clrMapOvr>
     <a:masterClrMapping/>
   </p:clrMapOvr>
-  <p:transition xmlns:p14="http://schemas.microsoft.com/office/powerpoint/2010/main" spd="med"/>
+  <p:transition spd="med"/>
 </p:sldLayout>
 </file>
 
@@ -2053,7 +2053,7 @@
           <a:lstStyle/>
           <a:p>
             <a:fld id="{86CB4B4D-7CA3-9044-876B-883B54F8677D}" type="slidenum">
-              <a:t>‹Nr.›</a:t>
+              <a:t>‹#›</a:t>
             </a:fld>
             <a:endParaRPr/>
           </a:p>
@@ -2064,7 +2064,7 @@
   <p:clrMapOvr>
     <a:masterClrMapping/>
   </p:clrMapOvr>
-  <p:transition xmlns:p14="http://schemas.microsoft.com/office/powerpoint/2010/main" spd="med"/>
+  <p:transition spd="med"/>
 </p:sldLayout>
 </file>
 
@@ -2234,7 +2234,7 @@
           <a:lstStyle/>
           <a:p>
             <a:fld id="{86CB4B4D-7CA3-9044-876B-883B54F8677D}" type="slidenum">
-              <a:t>‹Nr.›</a:t>
+              <a:t>‹#›</a:t>
             </a:fld>
             <a:endParaRPr/>
           </a:p>
@@ -2245,7 +2245,7 @@
   <p:clrMapOvr>
     <a:masterClrMapping/>
   </p:clrMapOvr>
-  <p:transition xmlns:p14="http://schemas.microsoft.com/office/powerpoint/2010/main" spd="med"/>
+  <p:transition spd="med"/>
 </p:sldLayout>
 </file>
 
@@ -2297,7 +2297,7 @@
           </a:ln>
           <a:extLst>
             <a:ext uri="{C572A759-6A51-4108-AA02-DFA0A04FC94B}">
-              <ma14:wrappingTextBoxFlag xmlns:ma14="http://schemas.microsoft.com/office/mac/drawingml/2011/main" val="1"/>
+              <ma14:wrappingTextBoxFlag xmlns:ma14="http://schemas.microsoft.com/office/mac/drawingml/2011/main" xmlns="" val="1"/>
             </a:ext>
           </a:extLst>
         </p:spPr>
@@ -2336,7 +2336,7 @@
           </a:ln>
           <a:extLst>
             <a:ext uri="{C572A759-6A51-4108-AA02-DFA0A04FC94B}">
-              <ma14:wrappingTextBoxFlag xmlns:ma14="http://schemas.microsoft.com/office/mac/drawingml/2011/main" val="1"/>
+              <ma14:wrappingTextBoxFlag xmlns:ma14="http://schemas.microsoft.com/office/mac/drawingml/2011/main" xmlns="" val="1"/>
             </a:ext>
           </a:extLst>
         </p:spPr>
@@ -2413,7 +2413,7 @@
           </a:lstStyle>
           <a:p>
             <a:fld id="{86CB4B4D-7CA3-9044-876B-883B54F8677D}" type="slidenum">
-              <a:t>‹Nr.›</a:t>
+              <a:t>‹#›</a:t>
             </a:fld>
             <a:endParaRPr/>
           </a:p>
@@ -2437,7 +2437,7 @@
     <p:sldLayoutId id="2147483660" r:id="rId12"/>
     <p:sldLayoutId id="2147483661" r:id="rId13"/>
   </p:sldLayoutIdLst>
-  <p:transition xmlns:p14="http://schemas.microsoft.com/office/powerpoint/2010/main" spd="med"/>
+  <p:transition spd="med"/>
   <p:txStyles>
     <p:titleStyle>
       <a:lvl1pPr marL="0" marR="0" indent="0" algn="l" defTabSz="914400" rtl="0" latinLnBrk="0">
@@ -3276,7 +3276,7 @@
           </a:ln>
           <a:extLst>
             <a:ext uri="{C572A759-6A51-4108-AA02-DFA0A04FC94B}">
-              <ma14:wrappingTextBoxFlag xmlns:ma14="http://schemas.microsoft.com/office/mac/drawingml/2011/main" val="1"/>
+              <ma14:wrappingTextBoxFlag xmlns:ma14="http://schemas.microsoft.com/office/mac/drawingml/2011/main" xmlns="" val="1"/>
             </a:ext>
           </a:extLst>
         </p:spPr>
@@ -3610,7 +3610,7 @@
           </a:ln>
           <a:extLst>
             <a:ext uri="{C572A759-6A51-4108-AA02-DFA0A04FC94B}">
-              <ma14:wrappingTextBoxFlag xmlns:ma14="http://schemas.microsoft.com/office/mac/drawingml/2011/main" val="1"/>
+              <ma14:wrappingTextBoxFlag xmlns:ma14="http://schemas.microsoft.com/office/mac/drawingml/2011/main" xmlns="" val="1"/>
             </a:ext>
           </a:extLst>
         </p:spPr>
@@ -3793,7 +3793,7 @@
   <p:clrMapOvr>
     <a:masterClrMapping/>
   </p:clrMapOvr>
-  <p:transition xmlns:p14="http://schemas.microsoft.com/office/powerpoint/2010/main" spd="med"/>
+  <p:transition spd="med"/>
 </p:sld>
 </file>
 
@@ -3833,7 +3833,7 @@
           </a:ln>
           <a:extLst>
             <a:ext uri="{C572A759-6A51-4108-AA02-DFA0A04FC94B}">
-              <ma14:wrappingTextBoxFlag xmlns:ma14="http://schemas.microsoft.com/office/mac/drawingml/2011/main" val="1"/>
+              <ma14:wrappingTextBoxFlag xmlns:ma14="http://schemas.microsoft.com/office/mac/drawingml/2011/main" xmlns="" val="1"/>
             </a:ext>
           </a:extLst>
         </p:spPr>
@@ -3915,7 +3915,7 @@
           </a:prstGeom>
           <a:extLst>
             <a:ext uri="{C572A759-6A51-4108-AA02-DFA0A04FC94B}">
-              <ma14:wrappingTextBoxFlag xmlns:ma14="http://schemas.microsoft.com/office/mac/drawingml/2011/main" val="1"/>
+              <ma14:wrappingTextBoxFlag xmlns:ma14="http://schemas.microsoft.com/office/mac/drawingml/2011/main" xmlns="" val="1"/>
             </a:ext>
           </a:extLst>
         </p:spPr>
@@ -4012,7 +4012,7 @@
           </a:ln>
           <a:extLst>
             <a:ext uri="{C572A759-6A51-4108-AA02-DFA0A04FC94B}">
-              <ma14:wrappingTextBoxFlag xmlns:ma14="http://schemas.microsoft.com/office/mac/drawingml/2011/main" val="1"/>
+              <ma14:wrappingTextBoxFlag xmlns:ma14="http://schemas.microsoft.com/office/mac/drawingml/2011/main" xmlns="" val="1"/>
             </a:ext>
           </a:extLst>
         </p:spPr>
@@ -4067,7 +4067,7 @@
   <p:clrMapOvr>
     <a:masterClrMapping/>
   </p:clrMapOvr>
-  <p:transition xmlns:p14="http://schemas.microsoft.com/office/powerpoint/2010/main" spd="slow"/>
+  <p:transition spd="slow"/>
 </p:sld>
 </file>
 
@@ -4107,7 +4107,7 @@
           </a:ln>
           <a:extLst>
             <a:ext uri="{C572A759-6A51-4108-AA02-DFA0A04FC94B}">
-              <ma14:wrappingTextBoxFlag xmlns:ma14="http://schemas.microsoft.com/office/mac/drawingml/2011/main" val="1"/>
+              <ma14:wrappingTextBoxFlag xmlns:ma14="http://schemas.microsoft.com/office/mac/drawingml/2011/main" xmlns="" val="1"/>
             </a:ext>
           </a:extLst>
         </p:spPr>
@@ -4312,7 +4312,7 @@
           </a:prstGeom>
           <a:extLst>
             <a:ext uri="{C572A759-6A51-4108-AA02-DFA0A04FC94B}">
-              <ma14:wrappingTextBoxFlag xmlns:ma14="http://schemas.microsoft.com/office/mac/drawingml/2011/main" val="1"/>
+              <ma14:wrappingTextBoxFlag xmlns:ma14="http://schemas.microsoft.com/office/mac/drawingml/2011/main" xmlns="" val="1"/>
             </a:ext>
           </a:extLst>
         </p:spPr>
@@ -4503,7 +4503,7 @@
   <p:clrMapOvr>
     <a:masterClrMapping/>
   </p:clrMapOvr>
-  <p:transition xmlns:p14="http://schemas.microsoft.com/office/powerpoint/2010/main" spd="slow"/>
+  <p:transition spd="slow"/>
 </p:sld>
 </file>
 
@@ -4570,7 +4570,7 @@
           </a:ln>
           <a:extLst>
             <a:ext uri="{C572A759-6A51-4108-AA02-DFA0A04FC94B}">
-              <ma14:wrappingTextBoxFlag xmlns:ma14="http://schemas.microsoft.com/office/mac/drawingml/2011/main" val="1"/>
+              <ma14:wrappingTextBoxFlag xmlns:ma14="http://schemas.microsoft.com/office/mac/drawingml/2011/main" xmlns="" val="1"/>
             </a:ext>
           </a:extLst>
         </p:spPr>
@@ -4652,7 +4652,7 @@
           </a:prstGeom>
           <a:extLst>
             <a:ext uri="{C572A759-6A51-4108-AA02-DFA0A04FC94B}">
-              <ma14:wrappingTextBoxFlag xmlns:ma14="http://schemas.microsoft.com/office/mac/drawingml/2011/main" val="1"/>
+              <ma14:wrappingTextBoxFlag xmlns:ma14="http://schemas.microsoft.com/office/mac/drawingml/2011/main" xmlns="" val="1"/>
             </a:ext>
           </a:extLst>
         </p:spPr>
@@ -4749,7 +4749,7 @@
           </a:ln>
           <a:extLst>
             <a:ext uri="{C572A759-6A51-4108-AA02-DFA0A04FC94B}">
-              <ma14:wrappingTextBoxFlag xmlns:ma14="http://schemas.microsoft.com/office/mac/drawingml/2011/main" val="1"/>
+              <ma14:wrappingTextBoxFlag xmlns:ma14="http://schemas.microsoft.com/office/mac/drawingml/2011/main" xmlns="" val="1"/>
             </a:ext>
           </a:extLst>
         </p:spPr>
@@ -5086,7 +5086,7 @@
   <p:clrMapOvr>
     <a:masterClrMapping/>
   </p:clrMapOvr>
-  <p:transition xmlns:p14="http://schemas.microsoft.com/office/powerpoint/2010/main" spd="slow"/>
+  <p:transition spd="slow"/>
 </p:sld>
 </file>
 
@@ -5126,7 +5126,7 @@
           </a:ln>
           <a:extLst>
             <a:ext uri="{C572A759-6A51-4108-AA02-DFA0A04FC94B}">
-              <ma14:wrappingTextBoxFlag xmlns:ma14="http://schemas.microsoft.com/office/mac/drawingml/2011/main" val="1"/>
+              <ma14:wrappingTextBoxFlag xmlns:ma14="http://schemas.microsoft.com/office/mac/drawingml/2011/main" xmlns="" val="1"/>
             </a:ext>
           </a:extLst>
         </p:spPr>
@@ -5208,7 +5208,7 @@
           </a:prstGeom>
           <a:extLst>
             <a:ext uri="{C572A759-6A51-4108-AA02-DFA0A04FC94B}">
-              <ma14:wrappingTextBoxFlag xmlns:ma14="http://schemas.microsoft.com/office/mac/drawingml/2011/main" val="1"/>
+              <ma14:wrappingTextBoxFlag xmlns:ma14="http://schemas.microsoft.com/office/mac/drawingml/2011/main" xmlns="" val="1"/>
             </a:ext>
           </a:extLst>
         </p:spPr>
@@ -5305,7 +5305,7 @@
           </a:ln>
           <a:extLst>
             <a:ext uri="{C572A759-6A51-4108-AA02-DFA0A04FC94B}">
-              <ma14:wrappingTextBoxFlag xmlns:ma14="http://schemas.microsoft.com/office/mac/drawingml/2011/main" val="1"/>
+              <ma14:wrappingTextBoxFlag xmlns:ma14="http://schemas.microsoft.com/office/mac/drawingml/2011/main" xmlns="" val="1"/>
             </a:ext>
           </a:extLst>
         </p:spPr>
@@ -5828,7 +5828,7 @@
   <p:clrMapOvr>
     <a:masterClrMapping/>
   </p:clrMapOvr>
-  <p:transition xmlns:p14="http://schemas.microsoft.com/office/powerpoint/2010/main" spd="slow"/>
+  <p:transition spd="slow"/>
 </p:sld>
 </file>
 
@@ -5868,7 +5868,7 @@
           </a:ln>
           <a:extLst>
             <a:ext uri="{C572A759-6A51-4108-AA02-DFA0A04FC94B}">
-              <ma14:wrappingTextBoxFlag xmlns:ma14="http://schemas.microsoft.com/office/mac/drawingml/2011/main" val="1"/>
+              <ma14:wrappingTextBoxFlag xmlns:ma14="http://schemas.microsoft.com/office/mac/drawingml/2011/main" xmlns="" val="1"/>
             </a:ext>
           </a:extLst>
         </p:spPr>
@@ -5950,7 +5950,7 @@
           </a:prstGeom>
           <a:extLst>
             <a:ext uri="{C572A759-6A51-4108-AA02-DFA0A04FC94B}">
-              <ma14:wrappingTextBoxFlag xmlns:ma14="http://schemas.microsoft.com/office/mac/drawingml/2011/main" val="1"/>
+              <ma14:wrappingTextBoxFlag xmlns:ma14="http://schemas.microsoft.com/office/mac/drawingml/2011/main" xmlns="" val="1"/>
             </a:ext>
           </a:extLst>
         </p:spPr>
@@ -5984,7 +5984,7 @@
           </a:ln>
           <a:extLst>
             <a:ext uri="{C572A759-6A51-4108-AA02-DFA0A04FC94B}">
-              <ma14:wrappingTextBoxFlag xmlns:ma14="http://schemas.microsoft.com/office/mac/drawingml/2011/main" val="1"/>
+              <ma14:wrappingTextBoxFlag xmlns:ma14="http://schemas.microsoft.com/office/mac/drawingml/2011/main" xmlns="" val="1"/>
             </a:ext>
           </a:extLst>
         </p:spPr>
@@ -6036,7 +6036,7 @@
   <p:clrMapOvr>
     <a:masterClrMapping/>
   </p:clrMapOvr>
-  <p:transition xmlns:p14="http://schemas.microsoft.com/office/powerpoint/2010/main" spd="slow"/>
+  <p:transition spd="slow"/>
 </p:sld>
 </file>
 
@@ -6076,7 +6076,7 @@
           </a:ln>
           <a:extLst>
             <a:ext uri="{C572A759-6A51-4108-AA02-DFA0A04FC94B}">
-              <ma14:wrappingTextBoxFlag xmlns:ma14="http://schemas.microsoft.com/office/mac/drawingml/2011/main" val="1"/>
+              <ma14:wrappingTextBoxFlag xmlns:ma14="http://schemas.microsoft.com/office/mac/drawingml/2011/main" xmlns="" val="1"/>
             </a:ext>
           </a:extLst>
         </p:spPr>
@@ -6243,7 +6243,7 @@
           </a:prstGeom>
           <a:extLst>
             <a:ext uri="{C572A759-6A51-4108-AA02-DFA0A04FC94B}">
-              <ma14:wrappingTextBoxFlag xmlns:ma14="http://schemas.microsoft.com/office/mac/drawingml/2011/main" val="1"/>
+              <ma14:wrappingTextBoxFlag xmlns:ma14="http://schemas.microsoft.com/office/mac/drawingml/2011/main" xmlns="" val="1"/>
             </a:ext>
           </a:extLst>
         </p:spPr>
@@ -6472,7 +6472,7 @@
   <p:clrMapOvr>
     <a:masterClrMapping/>
   </p:clrMapOvr>
-  <p:transition xmlns:p14="http://schemas.microsoft.com/office/powerpoint/2010/main" spd="slow"/>
+  <p:transition spd="slow"/>
 </p:sld>
 </file>
 
@@ -6512,7 +6512,7 @@
           </a:ln>
           <a:extLst>
             <a:ext uri="{C572A759-6A51-4108-AA02-DFA0A04FC94B}">
-              <ma14:wrappingTextBoxFlag xmlns:ma14="http://schemas.microsoft.com/office/mac/drawingml/2011/main" val="1"/>
+              <ma14:wrappingTextBoxFlag xmlns:ma14="http://schemas.microsoft.com/office/mac/drawingml/2011/main" xmlns="" val="1"/>
             </a:ext>
           </a:extLst>
         </p:spPr>
@@ -6717,7 +6717,7 @@
           </a:prstGeom>
           <a:extLst>
             <a:ext uri="{C572A759-6A51-4108-AA02-DFA0A04FC94B}">
-              <ma14:wrappingTextBoxFlag xmlns:ma14="http://schemas.microsoft.com/office/mac/drawingml/2011/main" val="1"/>
+              <ma14:wrappingTextBoxFlag xmlns:ma14="http://schemas.microsoft.com/office/mac/drawingml/2011/main" xmlns="" val="1"/>
             </a:ext>
           </a:extLst>
         </p:spPr>
@@ -6908,14 +6908,7 @@
   <p:clrMapOvr>
     <a:masterClrMapping/>
   </p:clrMapOvr>
-  <p:transition xmlns:p14="http://schemas.microsoft.com/office/powerpoint/2010/main" spd="slow"/>
-  <p:timing>
-    <p:tnLst>
-      <p:par>
-        <p:cTn xmlns:p14="http://schemas.microsoft.com/office/powerpoint/2010/main" id="1" dur="indefinite" restart="never" nodeType="tmRoot"/>
-      </p:par>
-    </p:tnLst>
-  </p:timing>
+  <p:transition spd="slow"/>
 </p:sld>
 </file>
 
@@ -6982,7 +6975,7 @@
           </a:ln>
           <a:extLst>
             <a:ext uri="{C572A759-6A51-4108-AA02-DFA0A04FC94B}">
-              <ma14:wrappingTextBoxFlag xmlns:ma14="http://schemas.microsoft.com/office/mac/drawingml/2011/main" val="1"/>
+              <ma14:wrappingTextBoxFlag xmlns:ma14="http://schemas.microsoft.com/office/mac/drawingml/2011/main" xmlns="" val="1"/>
             </a:ext>
           </a:extLst>
         </p:spPr>
@@ -7026,7 +7019,7 @@
           </a:prstGeom>
           <a:extLst>
             <a:ext uri="{C572A759-6A51-4108-AA02-DFA0A04FC94B}">
-              <ma14:wrappingTextBoxFlag xmlns:ma14="http://schemas.microsoft.com/office/mac/drawingml/2011/main" val="1"/>
+              <ma14:wrappingTextBoxFlag xmlns:ma14="http://schemas.microsoft.com/office/mac/drawingml/2011/main" xmlns="" val="1"/>
             </a:ext>
           </a:extLst>
         </p:spPr>
@@ -7078,7 +7071,7 @@
               <a:t>	</a:t>
             </a:r>
             <a:r>
-              <a:rPr lang="de-CH" dirty="0" smtClean="0"/>
+              <a:rPr lang="de-CH" dirty="0"/>
               <a:t>Outline / Spieldemonstration</a:t>
             </a:r>
             <a:endParaRPr dirty="0"/>
@@ -7130,7 +7123,7 @@
           <p:nvPr/>
         </p:nvPicPr>
         <p:blipFill>
-          <a:blip r:embed="rId3">
+          <a:blip r:embed="rId3" cstate="print">
             <a:extLst>
               <a:ext uri="{28A0092B-C50C-407E-A947-70E740481C1C}">
                 <a14:useLocalDpi xmlns:a14="http://schemas.microsoft.com/office/drawing/2010/main" val="0"/>
@@ -7161,14 +7154,7 @@
   <p:clrMapOvr>
     <a:masterClrMapping/>
   </p:clrMapOvr>
-  <p:transition xmlns:p14="http://schemas.microsoft.com/office/powerpoint/2010/main" spd="slow"/>
-  <p:timing>
-    <p:tnLst>
-      <p:par>
-        <p:cTn xmlns:p14="http://schemas.microsoft.com/office/powerpoint/2010/main" id="1" dur="indefinite" restart="never" nodeType="tmRoot"/>
-      </p:par>
-    </p:tnLst>
-  </p:timing>
+  <p:transition spd="slow"/>
 </p:sld>
 </file>
 
@@ -7208,7 +7194,7 @@
           </a:ln>
           <a:extLst>
             <a:ext uri="{C572A759-6A51-4108-AA02-DFA0A04FC94B}">
-              <ma14:wrappingTextBoxFlag xmlns:ma14="http://schemas.microsoft.com/office/mac/drawingml/2011/main" val="1"/>
+              <ma14:wrappingTextBoxFlag xmlns:ma14="http://schemas.microsoft.com/office/mac/drawingml/2011/main" xmlns="" val="1"/>
             </a:ext>
           </a:extLst>
         </p:spPr>
@@ -7413,7 +7399,7 @@
           </a:prstGeom>
           <a:extLst>
             <a:ext uri="{C572A759-6A51-4108-AA02-DFA0A04FC94B}">
-              <ma14:wrappingTextBoxFlag xmlns:ma14="http://schemas.microsoft.com/office/mac/drawingml/2011/main" val="1"/>
+              <ma14:wrappingTextBoxFlag xmlns:ma14="http://schemas.microsoft.com/office/mac/drawingml/2011/main" xmlns="" val="1"/>
             </a:ext>
           </a:extLst>
         </p:spPr>
@@ -7604,14 +7590,7 @@
   <p:clrMapOvr>
     <a:masterClrMapping/>
   </p:clrMapOvr>
-  <p:transition xmlns:p14="http://schemas.microsoft.com/office/powerpoint/2010/main" spd="slow"/>
-  <p:timing>
-    <p:tnLst>
-      <p:par>
-        <p:cTn xmlns:p14="http://schemas.microsoft.com/office/powerpoint/2010/main" id="1" dur="indefinite" restart="never" nodeType="tmRoot"/>
-      </p:par>
-    </p:tnLst>
-  </p:timing>
+  <p:transition spd="slow"/>
 </p:sld>
 </file>
 
@@ -7651,7 +7630,7 @@
           </a:ln>
           <a:extLst>
             <a:ext uri="{C572A759-6A51-4108-AA02-DFA0A04FC94B}">
-              <ma14:wrappingTextBoxFlag xmlns:ma14="http://schemas.microsoft.com/office/mac/drawingml/2011/main" val="1"/>
+              <ma14:wrappingTextBoxFlag xmlns:ma14="http://schemas.microsoft.com/office/mac/drawingml/2011/main" xmlns="" val="1"/>
             </a:ext>
           </a:extLst>
         </p:spPr>
@@ -7716,7 +7695,7 @@
           </a:prstGeom>
           <a:extLst>
             <a:ext uri="{C572A759-6A51-4108-AA02-DFA0A04FC94B}">
-              <ma14:wrappingTextBoxFlag xmlns:ma14="http://schemas.microsoft.com/office/mac/drawingml/2011/main" val="1"/>
+              <ma14:wrappingTextBoxFlag xmlns:ma14="http://schemas.microsoft.com/office/mac/drawingml/2011/main" xmlns="" val="1"/>
             </a:ext>
           </a:extLst>
         </p:spPr>
@@ -7764,8 +7743,14 @@
           </a:lstStyle>
           <a:p>
             <a:r>
-              <a:t>	Spiellogik</a:t>
-            </a:r>
+              <a:rPr dirty="0"/>
+              <a:t>	</a:t>
+            </a:r>
+            <a:r>
+              <a:rPr dirty="0" err="1"/>
+              <a:t>Spiellogik</a:t>
+            </a:r>
+            <a:endParaRPr dirty="0"/>
           </a:p>
         </p:txBody>
       </p:sp>
@@ -7841,7 +7826,7 @@
         <p:spPr>
           <a:xfrm>
             <a:off x="425999" y="1150597"/>
-            <a:ext cx="11434568" cy="6809739"/>
+            <a:ext cx="11434568" cy="6247860"/>
           </a:xfrm>
           <a:prstGeom prst="rect">
             <a:avLst/>
@@ -7851,7 +7836,7 @@
           </a:ln>
           <a:extLst>
             <a:ext uri="{C572A759-6A51-4108-AA02-DFA0A04FC94B}">
-              <ma14:wrappingTextBoxFlag xmlns:ma14="http://schemas.microsoft.com/office/mac/drawingml/2011/main" val="1"/>
+              <ma14:wrappingTextBoxFlag xmlns:ma14="http://schemas.microsoft.com/office/mac/drawingml/2011/main" xmlns="" val="1"/>
             </a:ext>
           </a:extLst>
         </p:spPr>
@@ -7868,7 +7853,28 @@
               <a:defRPr sz="2000"/>
             </a:pPr>
             <a:r>
-              <a:t>Stapel – und Kartenverwaltung zentral </a:t>
+              <a:rPr dirty="0" err="1"/>
+              <a:t>Stapel</a:t>
+            </a:r>
+            <a:r>
+              <a:rPr dirty="0"/>
+              <a:t> – und </a:t>
+            </a:r>
+            <a:r>
+              <a:rPr dirty="0" err="1"/>
+              <a:t>Kartenverwaltung</a:t>
+            </a:r>
+            <a:r>
+              <a:rPr dirty="0"/>
+              <a:t> </a:t>
+            </a:r>
+            <a:r>
+              <a:rPr dirty="0" err="1"/>
+              <a:t>zentral</a:t>
+            </a:r>
+            <a:r>
+              <a:rPr dirty="0"/>
+              <a:t> </a:t>
             </a:r>
           </a:p>
           <a:p>
@@ -7878,7 +7884,7 @@
               <a:buChar char="•"/>
               <a:defRPr sz="2000"/>
             </a:pPr>
-            <a:endParaRPr/>
+            <a:endParaRPr dirty="0"/>
           </a:p>
           <a:p>
             <a:pPr marL="342900" indent="-342900">
@@ -7888,7 +7894,36 @@
               <a:defRPr sz="2000"/>
             </a:pPr>
             <a:r>
-              <a:t>Spieler spezifische Stapeln (discardPile, handCards) </a:t>
+              <a:rPr dirty="0" err="1"/>
+              <a:t>Spielerspezifische</a:t>
+            </a:r>
+            <a:r>
+              <a:rPr dirty="0"/>
+              <a:t> </a:t>
+            </a:r>
+            <a:r>
+              <a:rPr dirty="0" err="1"/>
+              <a:t>Stapeln</a:t>
+            </a:r>
+            <a:r>
+              <a:rPr dirty="0"/>
+              <a:t> (</a:t>
+            </a:r>
+            <a:r>
+              <a:rPr dirty="0" err="1"/>
+              <a:t>discardPile</a:t>
+            </a:r>
+            <a:r>
+              <a:rPr dirty="0"/>
+              <a:t>, </a:t>
+            </a:r>
+            <a:r>
+              <a:rPr dirty="0" err="1"/>
+              <a:t>handCards</a:t>
+            </a:r>
+            <a:r>
+              <a:rPr dirty="0"/>
+              <a:t>) </a:t>
             </a:r>
           </a:p>
           <a:p>
@@ -7898,7 +7933,7 @@
               <a:buChar char="•"/>
               <a:defRPr sz="2000"/>
             </a:pPr>
-            <a:endParaRPr/>
+            <a:endParaRPr dirty="0"/>
           </a:p>
           <a:p>
             <a:pPr marL="342900" indent="-342900">
@@ -7908,8 +7943,152 @@
               <a:defRPr sz="2000"/>
             </a:pPr>
             <a:r>
-              <a:t>ArrayList (Grösse flexibel und nützliche Methoden)</a:t>
-            </a:r>
+              <a:rPr dirty="0" err="1"/>
+              <a:t>ArrayList</a:t>
+            </a:r>
+            <a:r>
+              <a:rPr dirty="0"/>
+              <a:t>(</a:t>
+            </a:r>
+            <a:r>
+              <a:rPr lang="de-CH" dirty="0"/>
+              <a:t>f</a:t>
+            </a:r>
+            <a:r>
+              <a:rPr lang="en-CH" dirty="0"/>
+              <a:t>l</a:t>
+            </a:r>
+            <a:r>
+              <a:rPr lang="de-CH" dirty="0"/>
+              <a:t>e</a:t>
+            </a:r>
+            <a:r>
+              <a:rPr lang="en-CH" dirty="0"/>
+              <a:t>x</a:t>
+            </a:r>
+            <a:r>
+              <a:rPr lang="de-CH" dirty="0"/>
+              <a:t>i</a:t>
+            </a:r>
+            <a:r>
+              <a:rPr lang="en-CH" dirty="0"/>
+              <a:t>b</a:t>
+            </a:r>
+            <a:r>
+              <a:rPr lang="de-CH" dirty="0"/>
+              <a:t>l</a:t>
+            </a:r>
+            <a:r>
+              <a:rPr lang="en-CH" dirty="0"/>
+              <a:t>e </a:t>
+            </a:r>
+            <a:r>
+              <a:rPr lang="de-CH" dirty="0"/>
+              <a:t>G</a:t>
+            </a:r>
+            <a:r>
+              <a:rPr lang="en-CH" dirty="0"/>
+              <a:t>r</a:t>
+            </a:r>
+            <a:r>
+              <a:rPr lang="de-CH" dirty="0"/>
+              <a:t>ö</a:t>
+            </a:r>
+            <a:r>
+              <a:rPr lang="en-CH" dirty="0"/>
+              <a:t>s</a:t>
+            </a:r>
+            <a:r>
+              <a:rPr lang="de-CH" dirty="0"/>
+              <a:t>s</a:t>
+            </a:r>
+            <a:r>
+              <a:rPr lang="en-CH" dirty="0"/>
+              <a:t>e, </a:t>
+            </a:r>
+            <a:r>
+              <a:rPr lang="de-CH" dirty="0"/>
+              <a:t>a</a:t>
+            </a:r>
+            <a:r>
+              <a:rPr lang="en-CH" dirty="0"/>
+              <a:t>d</a:t>
+            </a:r>
+            <a:r>
+              <a:rPr lang="de-CH" dirty="0"/>
+              <a:t>d</a:t>
+            </a:r>
+            <a:r>
+              <a:rPr lang="en-CH" dirty="0"/>
+              <a:t>(), </a:t>
+            </a:r>
+            <a:r>
+              <a:rPr lang="de-CH" dirty="0"/>
+              <a:t>r</a:t>
+            </a:r>
+            <a:r>
+              <a:rPr lang="en-CH" dirty="0"/>
+              <a:t>e</a:t>
+            </a:r>
+            <a:r>
+              <a:rPr lang="de-CH" dirty="0"/>
+              <a:t>m</a:t>
+            </a:r>
+            <a:r>
+              <a:rPr lang="en-CH" dirty="0"/>
+              <a:t>o</a:t>
+            </a:r>
+            <a:r>
+              <a:rPr lang="de-CH" dirty="0"/>
+              <a:t>v</a:t>
+            </a:r>
+            <a:r>
+              <a:rPr lang="en-CH" dirty="0"/>
+              <a:t>e() </a:t>
+            </a:r>
+            <a:r>
+              <a:rPr lang="de-CH" dirty="0"/>
+              <a:t>M</a:t>
+            </a:r>
+            <a:r>
+              <a:rPr lang="en-CH" dirty="0"/>
+              <a:t>e</a:t>
+            </a:r>
+            <a:r>
+              <a:rPr lang="de-CH" dirty="0"/>
+              <a:t>t</a:t>
+            </a:r>
+            <a:r>
+              <a:rPr lang="en-CH" dirty="0"/>
+              <a:t>h</a:t>
+            </a:r>
+            <a:r>
+              <a:rPr lang="de-CH" dirty="0"/>
+              <a:t>o</a:t>
+            </a:r>
+            <a:r>
+              <a:rPr lang="en-CH" dirty="0"/>
+              <a:t>d</a:t>
+            </a:r>
+            <a:r>
+              <a:rPr lang="de-CH" dirty="0"/>
+              <a:t>e</a:t>
+            </a:r>
+            <a:r>
+              <a:rPr lang="en-CH" dirty="0"/>
+              <a:t>n</a:t>
+            </a:r>
+            <a:r>
+              <a:rPr dirty="0"/>
+              <a:t>)</a:t>
+            </a:r>
+          </a:p>
+          <a:p>
+            <a:pPr>
+              <a:buSzPct val="100000"/>
+              <a:defRPr sz="2000"/>
+            </a:pPr>
+            <a:endParaRPr dirty="0"/>
           </a:p>
           <a:p>
             <a:pPr marL="342900" indent="-342900">
@@ -7918,7 +8097,47 @@
               <a:buChar char="•"/>
               <a:defRPr sz="2000"/>
             </a:pPr>
-            <a:endParaRPr/>
+            <a:r>
+              <a:rPr dirty="0"/>
+              <a:t>Pile </a:t>
+            </a:r>
+            <a:r>
+              <a:rPr dirty="0" err="1"/>
+              <a:t>braucht</a:t>
+            </a:r>
+            <a:r>
+              <a:rPr dirty="0"/>
+              <a:t> die </a:t>
+            </a:r>
+            <a:r>
+              <a:rPr dirty="0" err="1"/>
+              <a:t>Klasse</a:t>
+            </a:r>
+            <a:r>
+              <a:rPr dirty="0"/>
+              <a:t> Card, um </a:t>
+            </a:r>
+            <a:r>
+              <a:rPr dirty="0" err="1"/>
+              <a:t>Karten</a:t>
+            </a:r>
+            <a:r>
+              <a:rPr dirty="0"/>
+              <a:t> </a:t>
+            </a:r>
+            <a:r>
+              <a:rPr dirty="0" err="1"/>
+              <a:t>zu</a:t>
+            </a:r>
+            <a:r>
+              <a:rPr dirty="0"/>
+              <a:t> </a:t>
+            </a:r>
+            <a:r>
+              <a:rPr dirty="0" err="1"/>
+              <a:t>erstellen</a:t>
+            </a:r>
+            <a:endParaRPr dirty="0"/>
           </a:p>
           <a:p>
             <a:pPr marL="342900" indent="-342900">
@@ -7927,9 +8146,7 @@
               <a:buChar char="•"/>
               <a:defRPr sz="2000"/>
             </a:pPr>
-            <a:r>
-              <a:t>Game und Player Klassen brauchen Piles</a:t>
-            </a:r>
+            <a:endParaRPr dirty="0"/>
           </a:p>
           <a:p>
             <a:pPr marL="342900" indent="-342900">
@@ -7938,7 +8155,65 @@
               <a:buChar char="•"/>
               <a:defRPr sz="2000"/>
             </a:pPr>
-            <a:endParaRPr/>
+            <a:r>
+              <a:rPr dirty="0"/>
+              <a:t>Game </a:t>
+            </a:r>
+            <a:r>
+              <a:rPr dirty="0" err="1"/>
+              <a:t>beinhaltet</a:t>
+            </a:r>
+            <a:r>
+              <a:rPr dirty="0"/>
+              <a:t> </a:t>
+            </a:r>
+            <a:r>
+              <a:rPr dirty="0" err="1"/>
+              <a:t>Methoden</a:t>
+            </a:r>
+            <a:r>
+              <a:rPr dirty="0"/>
+              <a:t> </a:t>
+            </a:r>
+            <a:r>
+              <a:rPr dirty="0" err="1"/>
+              <a:t>für</a:t>
+            </a:r>
+            <a:r>
+              <a:rPr dirty="0"/>
+              <a:t> </a:t>
+            </a:r>
+            <a:r>
+              <a:rPr dirty="0" err="1"/>
+              <a:t>verschiedene</a:t>
+            </a:r>
+            <a:br>
+              <a:rPr dirty="0"/>
+            </a:br>
+            <a:r>
+              <a:rPr dirty="0" err="1"/>
+              <a:t>Kartenoperation</a:t>
+            </a:r>
+            <a:r>
+              <a:rPr dirty="0"/>
+              <a:t> (</a:t>
+            </a:r>
+            <a:r>
+              <a:rPr dirty="0" err="1"/>
+              <a:t>playToMiddle</a:t>
+            </a:r>
+            <a:r>
+              <a:rPr dirty="0"/>
+              <a:t>, </a:t>
+            </a:r>
+            <a:r>
+              <a:rPr dirty="0" err="1"/>
+              <a:t>playToDiscard</a:t>
+            </a:r>
+            <a:r>
+              <a:rPr dirty="0"/>
+              <a:t>)</a:t>
+            </a:r>
           </a:p>
           <a:p>
             <a:pPr marL="342900" indent="-342900">
@@ -7947,9 +8222,7 @@
               <a:buChar char="•"/>
               <a:defRPr sz="2000"/>
             </a:pPr>
-            <a:r>
-              <a:t>Pile braucht die Klasse Card, um Karten zu erstellen</a:t>
-            </a:r>
+            <a:endParaRPr dirty="0"/>
           </a:p>
           <a:p>
             <a:pPr marL="342900" indent="-342900">
@@ -7958,7 +8231,96 @@
               <a:buChar char="•"/>
               <a:defRPr sz="2000"/>
             </a:pPr>
-            <a:endParaRPr/>
+            <a:r>
+              <a:rPr dirty="0" err="1"/>
+              <a:t>Spielmethoden</a:t>
+            </a:r>
+            <a:r>
+              <a:rPr dirty="0"/>
+              <a:t> </a:t>
+            </a:r>
+            <a:r>
+              <a:rPr dirty="0" err="1"/>
+              <a:t>geben</a:t>
+            </a:r>
+            <a:r>
+              <a:rPr dirty="0"/>
+              <a:t> Boolean </a:t>
+            </a:r>
+            <a:r>
+              <a:rPr dirty="0" err="1"/>
+              <a:t>Werte</a:t>
+            </a:r>
+            <a:r>
+              <a:rPr dirty="0"/>
+              <a:t> </a:t>
+            </a:r>
+            <a:r>
+              <a:rPr dirty="0" err="1"/>
+              <a:t>zurück</a:t>
+            </a:r>
+            <a:r>
+              <a:rPr dirty="0"/>
+              <a:t>: </a:t>
+            </a:r>
+          </a:p>
+          <a:p>
+            <a:pPr lvl="8">
+              <a:defRPr sz="2000"/>
+            </a:pPr>
+            <a:r>
+              <a:rPr dirty="0"/>
+              <a:t>	- true: </a:t>
+            </a:r>
+            <a:r>
+              <a:rPr dirty="0" err="1"/>
+              <a:t>Spielzug</a:t>
+            </a:r>
+            <a:r>
+              <a:rPr dirty="0"/>
+              <a:t> </a:t>
+            </a:r>
+            <a:r>
+              <a:rPr dirty="0" err="1"/>
+              <a:t>gültig</a:t>
+            </a:r>
+            <a:r>
+              <a:rPr dirty="0"/>
+              <a:t>!</a:t>
+            </a:r>
+          </a:p>
+          <a:p>
+            <a:pPr lvl="8">
+              <a:defRPr sz="2000"/>
+            </a:pPr>
+            <a:r>
+              <a:rPr dirty="0"/>
+              <a:t>	- false: </a:t>
+            </a:r>
+            <a:r>
+              <a:rPr dirty="0" err="1"/>
+              <a:t>Spielzug</a:t>
+            </a:r>
+            <a:r>
+              <a:rPr dirty="0"/>
+              <a:t> </a:t>
+            </a:r>
+            <a:r>
+              <a:rPr dirty="0" err="1"/>
+              <a:t>nicht</a:t>
+            </a:r>
+            <a:r>
+              <a:rPr dirty="0"/>
+              <a:t> </a:t>
+            </a:r>
+            <a:r>
+              <a:rPr dirty="0" err="1"/>
+              <a:t>gültig</a:t>
+            </a:r>
+            <a:r>
+              <a:rPr dirty="0"/>
+              <a:t>!</a:t>
+            </a:r>
           </a:p>
           <a:p>
             <a:pPr marL="342900" indent="-342900">
@@ -7967,13 +8329,7 @@
               <a:buChar char="•"/>
               <a:defRPr sz="2000"/>
             </a:pPr>
-            <a:r>
-              <a:t>Game beinhaltet Methoden für verschiedene</a:t>
-            </a:r>
-            <a:br/>
-            <a:r>
-              <a:t>Kartenoperation (playToMiddle, playToDiscard)</a:t>
-            </a:r>
+            <a:endParaRPr dirty="0"/>
           </a:p>
           <a:p>
             <a:pPr marL="342900" indent="-342900">
@@ -7982,7 +8338,7 @@
               <a:buChar char="•"/>
               <a:defRPr sz="2000"/>
             </a:pPr>
-            <a:endParaRPr/>
+            <a:endParaRPr dirty="0"/>
           </a:p>
           <a:p>
             <a:pPr marL="342900" indent="-342900">
@@ -7991,25 +8347,7 @@
               <a:buChar char="•"/>
               <a:defRPr sz="2000"/>
             </a:pPr>
-            <a:r>
-              <a:t>Spielmethoden geben Boolean Werte zurück: </a:t>
-            </a:r>
-          </a:p>
-          <a:p>
-            <a:pPr lvl="8">
-              <a:defRPr sz="2000"/>
-            </a:pPr>
-            <a:r>
-              <a:t>	- true: Spielzug gültig!</a:t>
-            </a:r>
-          </a:p>
-          <a:p>
-            <a:pPr lvl="8">
-              <a:defRPr sz="2000"/>
-            </a:pPr>
-            <a:r>
-              <a:t>	- false: Spielzug nicht gültig!</a:t>
-            </a:r>
+            <a:endParaRPr dirty="0"/>
           </a:p>
           <a:p>
             <a:pPr marL="342900" indent="-342900">
@@ -8018,7 +8356,7 @@
               <a:buChar char="•"/>
               <a:defRPr sz="2000"/>
             </a:pPr>
-            <a:endParaRPr/>
+            <a:endParaRPr dirty="0"/>
           </a:p>
           <a:p>
             <a:pPr marL="342900" indent="-342900">
@@ -8027,7 +8365,7 @@
               <a:buChar char="•"/>
               <a:defRPr sz="2000"/>
             </a:pPr>
-            <a:endParaRPr/>
+            <a:endParaRPr dirty="0"/>
           </a:p>
           <a:p>
             <a:pPr marL="342900" indent="-342900">
@@ -8036,34 +8374,7 @@
               <a:buChar char="•"/>
               <a:defRPr sz="2000"/>
             </a:pPr>
-            <a:endParaRPr/>
-          </a:p>
-          <a:p>
-            <a:pPr marL="342900" indent="-342900">
-              <a:buSzPct val="100000"/>
-              <a:buFont typeface="Arial"/>
-              <a:buChar char="•"/>
-              <a:defRPr sz="2000"/>
-            </a:pPr>
-            <a:endParaRPr/>
-          </a:p>
-          <a:p>
-            <a:pPr marL="342900" indent="-342900">
-              <a:buSzPct val="100000"/>
-              <a:buFont typeface="Arial"/>
-              <a:buChar char="•"/>
-              <a:defRPr sz="2000"/>
-            </a:pPr>
-            <a:endParaRPr/>
-          </a:p>
-          <a:p>
-            <a:pPr marL="342900" indent="-342900">
-              <a:buSzPct val="100000"/>
-              <a:buFont typeface="Arial"/>
-              <a:buChar char="•"/>
-              <a:defRPr sz="2000"/>
-            </a:pPr>
-            <a:endParaRPr/>
+            <a:endParaRPr dirty="0"/>
           </a:p>
         </p:txBody>
       </p:sp>
@@ -8099,7 +8410,7 @@
   <p:clrMapOvr>
     <a:masterClrMapping/>
   </p:clrMapOvr>
-  <p:transition xmlns:p14="http://schemas.microsoft.com/office/powerpoint/2010/main" spd="slow"/>
+  <p:transition spd="slow"/>
 </p:sld>
 </file>
 
@@ -8139,7 +8450,7 @@
           </a:ln>
           <a:extLst>
             <a:ext uri="{C572A759-6A51-4108-AA02-DFA0A04FC94B}">
-              <ma14:wrappingTextBoxFlag xmlns:ma14="http://schemas.microsoft.com/office/mac/drawingml/2011/main" val="1"/>
+              <ma14:wrappingTextBoxFlag xmlns:ma14="http://schemas.microsoft.com/office/mac/drawingml/2011/main" xmlns="" val="1"/>
             </a:ext>
           </a:extLst>
         </p:spPr>
@@ -8183,7 +8494,7 @@
           </a:prstGeom>
           <a:extLst>
             <a:ext uri="{C572A759-6A51-4108-AA02-DFA0A04FC94B}">
-              <ma14:wrappingTextBoxFlag xmlns:ma14="http://schemas.microsoft.com/office/mac/drawingml/2011/main" val="1"/>
+              <ma14:wrappingTextBoxFlag xmlns:ma14="http://schemas.microsoft.com/office/mac/drawingml/2011/main" xmlns="" val="1"/>
             </a:ext>
           </a:extLst>
         </p:spPr>
@@ -8331,7 +8642,7 @@
   <p:clrMapOvr>
     <a:masterClrMapping/>
   </p:clrMapOvr>
-  <p:transition xmlns:p14="http://schemas.microsoft.com/office/powerpoint/2010/main" spd="slow"/>
+  <p:transition spd="slow"/>
 </p:sld>
 </file>
 
@@ -8371,7 +8682,7 @@
           </a:ln>
           <a:extLst>
             <a:ext uri="{C572A759-6A51-4108-AA02-DFA0A04FC94B}">
-              <ma14:wrappingTextBoxFlag xmlns:ma14="http://schemas.microsoft.com/office/mac/drawingml/2011/main" val="1"/>
+              <ma14:wrappingTextBoxFlag xmlns:ma14="http://schemas.microsoft.com/office/mac/drawingml/2011/main" xmlns="" val="1"/>
             </a:ext>
           </a:extLst>
         </p:spPr>
@@ -8576,7 +8887,7 @@
           </a:prstGeom>
           <a:extLst>
             <a:ext uri="{C572A759-6A51-4108-AA02-DFA0A04FC94B}">
-              <ma14:wrappingTextBoxFlag xmlns:ma14="http://schemas.microsoft.com/office/mac/drawingml/2011/main" val="1"/>
+              <ma14:wrappingTextBoxFlag xmlns:ma14="http://schemas.microsoft.com/office/mac/drawingml/2011/main" xmlns="" val="1"/>
             </a:ext>
           </a:extLst>
         </p:spPr>
@@ -8767,7 +9078,7 @@
   <p:clrMapOvr>
     <a:masterClrMapping/>
   </p:clrMapOvr>
-  <p:transition xmlns:p14="http://schemas.microsoft.com/office/powerpoint/2010/main" spd="slow"/>
+  <p:transition spd="slow"/>
 </p:sld>
 </file>
 
@@ -8807,7 +9118,7 @@
           </a:ln>
           <a:extLst>
             <a:ext uri="{C572A759-6A51-4108-AA02-DFA0A04FC94B}">
-              <ma14:wrappingTextBoxFlag xmlns:ma14="http://schemas.microsoft.com/office/mac/drawingml/2011/main" val="1"/>
+              <ma14:wrappingTextBoxFlag xmlns:ma14="http://schemas.microsoft.com/office/mac/drawingml/2011/main" xmlns="" val="1"/>
             </a:ext>
           </a:extLst>
         </p:spPr>
@@ -8889,7 +9200,7 @@
           </a:prstGeom>
           <a:extLst>
             <a:ext uri="{C572A759-6A51-4108-AA02-DFA0A04FC94B}">
-              <ma14:wrappingTextBoxFlag xmlns:ma14="http://schemas.microsoft.com/office/mac/drawingml/2011/main" val="1"/>
+              <ma14:wrappingTextBoxFlag xmlns:ma14="http://schemas.microsoft.com/office/mac/drawingml/2011/main" xmlns="" val="1"/>
             </a:ext>
           </a:extLst>
         </p:spPr>
@@ -8986,7 +9297,7 @@
           </a:ln>
           <a:extLst>
             <a:ext uri="{C572A759-6A51-4108-AA02-DFA0A04FC94B}">
-              <ma14:wrappingTextBoxFlag xmlns:ma14="http://schemas.microsoft.com/office/mac/drawingml/2011/main" val="1"/>
+              <ma14:wrappingTextBoxFlag xmlns:ma14="http://schemas.microsoft.com/office/mac/drawingml/2011/main" xmlns="" val="1"/>
             </a:ext>
           </a:extLst>
         </p:spPr>
@@ -9182,7 +9493,7 @@
   <p:clrMapOvr>
     <a:masterClrMapping/>
   </p:clrMapOvr>
-  <p:transition xmlns:p14="http://schemas.microsoft.com/office/powerpoint/2010/main" spd="slow"/>
+  <p:transition spd="slow"/>
 </p:sld>
 </file>
 

--- a/00_General/Presentation/MS 3/Presentation_Milestone_iii_Master.pptx
+++ b/00_General/Presentation/MS 3/Presentation_Milestone_iii_Master.pptx
@@ -325,7 +325,7 @@
   </p:defaultTextStyle>
   <p:extLst>
     <p:ext uri="{EFAFB233-063F-42B5-8137-9DF3F51BA10A}">
-      <p15:sldGuideLst xmlns:p15="http://schemas.microsoft.com/office/powerpoint/2012/main">
+      <p15:sldGuideLst xmlns:p15="http://schemas.microsoft.com/office/powerpoint/2012/main" xmlns="">
         <p15:guide id="1" orient="horz" pos="2160" userDrawn="1">
           <p15:clr>
             <a:srgbClr val="A4A3A4"/>
@@ -609,7 +609,7 @@
           <a:lstStyle/>
           <a:p>
             <a:fld id="{86CB4B4D-7CA3-9044-876B-883B54F8677D}" type="slidenum">
-              <a:t>‹#›</a:t>
+              <a:t>‹Nr.›</a:t>
             </a:fld>
             <a:endParaRPr/>
           </a:p>
@@ -620,7 +620,7 @@
   <p:clrMapOvr>
     <a:masterClrMapping/>
   </p:clrMapOvr>
-  <p:transition spd="med"/>
+  <p:transition xmlns:p14="http://schemas.microsoft.com/office/powerpoint/2010/main" spd="med"/>
 </p:sldLayout>
 </file>
 
@@ -807,7 +807,7 @@
           <a:lstStyle/>
           <a:p>
             <a:fld id="{86CB4B4D-7CA3-9044-876B-883B54F8677D}" type="slidenum">
-              <a:t>‹#›</a:t>
+              <a:t>‹Nr.›</a:t>
             </a:fld>
             <a:endParaRPr/>
           </a:p>
@@ -818,7 +818,7 @@
   <p:clrMapOvr>
     <a:masterClrMapping/>
   </p:clrMapOvr>
-  <p:transition spd="med"/>
+  <p:transition xmlns:p14="http://schemas.microsoft.com/office/powerpoint/2010/main" spd="med"/>
 </p:sldLayout>
 </file>
 
@@ -933,7 +933,7 @@
           <a:lstStyle/>
           <a:p>
             <a:fld id="{86CB4B4D-7CA3-9044-876B-883B54F8677D}" type="slidenum">
-              <a:t>‹#›</a:t>
+              <a:t>‹Nr.›</a:t>
             </a:fld>
             <a:endParaRPr/>
           </a:p>
@@ -944,7 +944,7 @@
   <p:clrMapOvr>
     <a:masterClrMapping/>
   </p:clrMapOvr>
-  <p:transition spd="med"/>
+  <p:transition xmlns:p14="http://schemas.microsoft.com/office/powerpoint/2010/main" spd="med"/>
 </p:sldLayout>
 </file>
 
@@ -1067,7 +1067,7 @@
           <a:lstStyle/>
           <a:p>
             <a:fld id="{86CB4B4D-7CA3-9044-876B-883B54F8677D}" type="slidenum">
-              <a:t>‹#›</a:t>
+              <a:t>‹Nr.›</a:t>
             </a:fld>
             <a:endParaRPr/>
           </a:p>
@@ -1078,7 +1078,7 @@
   <p:clrMapOvr>
     <a:masterClrMapping/>
   </p:clrMapOvr>
-  <p:transition spd="med"/>
+  <p:transition xmlns:p14="http://schemas.microsoft.com/office/powerpoint/2010/main" spd="med"/>
 </p:sldLayout>
 </file>
 
@@ -1201,7 +1201,7 @@
           <a:lstStyle/>
           <a:p>
             <a:fld id="{86CB4B4D-7CA3-9044-876B-883B54F8677D}" type="slidenum">
-              <a:t>‹#›</a:t>
+              <a:t>‹Nr.›</a:t>
             </a:fld>
             <a:endParaRPr/>
           </a:p>
@@ -1212,7 +1212,7 @@
   <p:clrMapOvr>
     <a:masterClrMapping/>
   </p:clrMapOvr>
-  <p:transition spd="med"/>
+  <p:transition xmlns:p14="http://schemas.microsoft.com/office/powerpoint/2010/main" spd="med"/>
 </p:sldLayout>
 </file>
 
@@ -1327,7 +1327,7 @@
           <a:lstStyle/>
           <a:p>
             <a:fld id="{86CB4B4D-7CA3-9044-876B-883B54F8677D}" type="slidenum">
-              <a:t>‹#›</a:t>
+              <a:t>‹Nr.›</a:t>
             </a:fld>
             <a:endParaRPr/>
           </a:p>
@@ -1338,7 +1338,7 @@
   <p:clrMapOvr>
     <a:masterClrMapping/>
   </p:clrMapOvr>
-  <p:transition spd="med"/>
+  <p:transition xmlns:p14="http://schemas.microsoft.com/office/powerpoint/2010/main" spd="med"/>
 </p:sldLayout>
 </file>
 
@@ -1461,7 +1461,7 @@
           <a:lstStyle/>
           <a:p>
             <a:fld id="{86CB4B4D-7CA3-9044-876B-883B54F8677D}" type="slidenum">
-              <a:t>‹#›</a:t>
+              <a:t>‹Nr.›</a:t>
             </a:fld>
             <a:endParaRPr/>
           </a:p>
@@ -1472,7 +1472,7 @@
   <p:clrMapOvr>
     <a:masterClrMapping/>
   </p:clrMapOvr>
-  <p:transition spd="med"/>
+  <p:transition xmlns:p14="http://schemas.microsoft.com/office/powerpoint/2010/main" spd="med"/>
 </p:sldLayout>
 </file>
 
@@ -1650,7 +1650,7 @@
           <a:lstStyle/>
           <a:p>
             <a:fld id="{86CB4B4D-7CA3-9044-876B-883B54F8677D}" type="slidenum">
-              <a:t>‹#›</a:t>
+              <a:t>‹Nr.›</a:t>
             </a:fld>
             <a:endParaRPr/>
           </a:p>
@@ -1661,7 +1661,7 @@
   <p:clrMapOvr>
     <a:masterClrMapping/>
   </p:clrMapOvr>
-  <p:transition spd="med"/>
+  <p:transition xmlns:p14="http://schemas.microsoft.com/office/powerpoint/2010/main" spd="med"/>
 </p:sldLayout>
 </file>
 
@@ -1780,7 +1780,7 @@
           <a:lstStyle/>
           <a:p>
             <a:fld id="{86CB4B4D-7CA3-9044-876B-883B54F8677D}" type="slidenum">
-              <a:t>‹#›</a:t>
+              <a:t>‹Nr.›</a:t>
             </a:fld>
             <a:endParaRPr/>
           </a:p>
@@ -1791,7 +1791,7 @@
   <p:clrMapOvr>
     <a:masterClrMapping/>
   </p:clrMapOvr>
-  <p:transition spd="med"/>
+  <p:transition xmlns:p14="http://schemas.microsoft.com/office/powerpoint/2010/main" spd="med"/>
 </p:sldLayout>
 </file>
 
@@ -1924,7 +1924,7 @@
           <a:lstStyle/>
           <a:p>
             <a:fld id="{86CB4B4D-7CA3-9044-876B-883B54F8677D}" type="slidenum">
-              <a:t>‹#›</a:t>
+              <a:t>‹Nr.›</a:t>
             </a:fld>
             <a:endParaRPr/>
           </a:p>
@@ -1935,7 +1935,7 @@
   <p:clrMapOvr>
     <a:masterClrMapping/>
   </p:clrMapOvr>
-  <p:transition spd="med"/>
+  <p:transition xmlns:p14="http://schemas.microsoft.com/office/powerpoint/2010/main" spd="med"/>
 </p:sldLayout>
 </file>
 
@@ -2001,7 +2001,7 @@
           <a:lstStyle/>
           <a:p>
             <a:fld id="{86CB4B4D-7CA3-9044-876B-883B54F8677D}" type="slidenum">
-              <a:t>‹#›</a:t>
+              <a:t>‹Nr.›</a:t>
             </a:fld>
             <a:endParaRPr/>
           </a:p>
@@ -2012,7 +2012,7 @@
   <p:clrMapOvr>
     <a:masterClrMapping/>
   </p:clrMapOvr>
-  <p:transition spd="med"/>
+  <p:transition xmlns:p14="http://schemas.microsoft.com/office/powerpoint/2010/main" spd="med"/>
 </p:sldLayout>
 </file>
 
@@ -2053,7 +2053,7 @@
           <a:lstStyle/>
           <a:p>
             <a:fld id="{86CB4B4D-7CA3-9044-876B-883B54F8677D}" type="slidenum">
-              <a:t>‹#›</a:t>
+              <a:t>‹Nr.›</a:t>
             </a:fld>
             <a:endParaRPr/>
           </a:p>
@@ -2064,7 +2064,7 @@
   <p:clrMapOvr>
     <a:masterClrMapping/>
   </p:clrMapOvr>
-  <p:transition spd="med"/>
+  <p:transition xmlns:p14="http://schemas.microsoft.com/office/powerpoint/2010/main" spd="med"/>
 </p:sldLayout>
 </file>
 
@@ -2234,7 +2234,7 @@
           <a:lstStyle/>
           <a:p>
             <a:fld id="{86CB4B4D-7CA3-9044-876B-883B54F8677D}" type="slidenum">
-              <a:t>‹#›</a:t>
+              <a:t>‹Nr.›</a:t>
             </a:fld>
             <a:endParaRPr/>
           </a:p>
@@ -2245,7 +2245,7 @@
   <p:clrMapOvr>
     <a:masterClrMapping/>
   </p:clrMapOvr>
-  <p:transition spd="med"/>
+  <p:transition xmlns:p14="http://schemas.microsoft.com/office/powerpoint/2010/main" spd="med"/>
 </p:sldLayout>
 </file>
 
@@ -2297,7 +2297,7 @@
           </a:ln>
           <a:extLst>
             <a:ext uri="{C572A759-6A51-4108-AA02-DFA0A04FC94B}">
-              <ma14:wrappingTextBoxFlag xmlns:ma14="http://schemas.microsoft.com/office/mac/drawingml/2011/main" xmlns="" val="1"/>
+              <ma14:wrappingTextBoxFlag xmlns:ma14="http://schemas.microsoft.com/office/mac/drawingml/2011/main" val="1"/>
             </a:ext>
           </a:extLst>
         </p:spPr>
@@ -2336,7 +2336,7 @@
           </a:ln>
           <a:extLst>
             <a:ext uri="{C572A759-6A51-4108-AA02-DFA0A04FC94B}">
-              <ma14:wrappingTextBoxFlag xmlns:ma14="http://schemas.microsoft.com/office/mac/drawingml/2011/main" xmlns="" val="1"/>
+              <ma14:wrappingTextBoxFlag xmlns:ma14="http://schemas.microsoft.com/office/mac/drawingml/2011/main" val="1"/>
             </a:ext>
           </a:extLst>
         </p:spPr>
@@ -2413,7 +2413,7 @@
           </a:lstStyle>
           <a:p>
             <a:fld id="{86CB4B4D-7CA3-9044-876B-883B54F8677D}" type="slidenum">
-              <a:t>‹#›</a:t>
+              <a:t>‹Nr.›</a:t>
             </a:fld>
             <a:endParaRPr/>
           </a:p>
@@ -2437,7 +2437,7 @@
     <p:sldLayoutId id="2147483660" r:id="rId12"/>
     <p:sldLayoutId id="2147483661" r:id="rId13"/>
   </p:sldLayoutIdLst>
-  <p:transition spd="med"/>
+  <p:transition xmlns:p14="http://schemas.microsoft.com/office/powerpoint/2010/main" spd="med"/>
   <p:txStyles>
     <p:titleStyle>
       <a:lvl1pPr marL="0" marR="0" indent="0" algn="l" defTabSz="914400" rtl="0" latinLnBrk="0">
@@ -3266,7 +3266,7 @@
         <p:spPr>
           <a:xfrm>
             <a:off x="611423" y="473696"/>
-            <a:ext cx="6348578" cy="5311490"/>
+            <a:ext cx="6348578" cy="5524841"/>
           </a:xfrm>
           <a:prstGeom prst="rect">
             <a:avLst/>
@@ -3276,7 +3276,7 @@
           </a:ln>
           <a:extLst>
             <a:ext uri="{C572A759-6A51-4108-AA02-DFA0A04FC94B}">
-              <ma14:wrappingTextBoxFlag xmlns:ma14="http://schemas.microsoft.com/office/mac/drawingml/2011/main" xmlns="" val="1"/>
+              <ma14:wrappingTextBoxFlag xmlns:ma14="http://schemas.microsoft.com/office/mac/drawingml/2011/main" val="1"/>
             </a:ext>
           </a:extLst>
         </p:spPr>
@@ -3301,8 +3301,18 @@
               </a:defRPr>
             </a:pPr>
             <a:r>
-              <a:t>Meilensteinpräsentation II</a:t>
-            </a:r>
+              <a:rPr dirty="0"/>
+              <a:t>Meilensteinpräsentation </a:t>
+            </a:r>
+            <a:r>
+              <a:rPr lang="de-CH" dirty="0"/>
+              <a:t>I</a:t>
+            </a:r>
+            <a:r>
+              <a:rPr dirty="0" smtClean="0"/>
+              <a:t>II</a:t>
+            </a:r>
+            <a:endParaRPr dirty="0"/>
           </a:p>
           <a:p>
             <a:pPr>
@@ -3319,7 +3329,7 @@
                 <a:sym typeface="Arial"/>
               </a:defRPr>
             </a:pPr>
-            <a:endParaRPr/>
+            <a:endParaRPr dirty="0"/>
           </a:p>
           <a:p>
             <a:pPr>
@@ -3337,6 +3347,7 @@
               </a:defRPr>
             </a:pPr>
             <a:r>
+              <a:rPr dirty="0"/>
               <a:t>Programmierprojekt 2020 </a:t>
             </a:r>
           </a:p>
@@ -3356,10 +3367,11 @@
               </a:defRPr>
             </a:pPr>
             <a:r>
+              <a:rPr dirty="0"/>
               <a:t>Implementierung von </a:t>
             </a:r>
             <a:r>
-              <a:rPr b="1"/>
+              <a:rPr b="1" dirty="0"/>
               <a:t>Skip-Bo ©</a:t>
             </a:r>
           </a:p>
@@ -3378,7 +3390,7 @@
                 <a:sym typeface="Arial"/>
               </a:defRPr>
             </a:pPr>
-            <a:endParaRPr b="1"/>
+            <a:endParaRPr b="1" dirty="0"/>
           </a:p>
           <a:p>
             <a:pPr>
@@ -3396,6 +3408,7 @@
               </a:defRPr>
             </a:pPr>
             <a:r>
+              <a:rPr dirty="0"/>
               <a:t>Gruppe:</a:t>
             </a:r>
           </a:p>
@@ -3414,7 +3427,7 @@
                 <a:sym typeface="Arial"/>
               </a:defRPr>
             </a:pPr>
-            <a:endParaRPr/>
+            <a:endParaRPr dirty="0"/>
           </a:p>
           <a:p>
             <a:pPr>
@@ -3432,6 +3445,7 @@
               </a:defRPr>
             </a:pPr>
             <a:r>
+              <a:rPr dirty="0"/>
               <a:t> 	</a:t>
             </a:r>
           </a:p>
@@ -3451,6 +3465,7 @@
               </a:defRPr>
             </a:pPr>
             <a:r>
+              <a:rPr dirty="0"/>
               <a:t>	Manuela Wildi</a:t>
             </a:r>
           </a:p>
@@ -3469,7 +3484,7 @@
                 <a:sym typeface="Arial"/>
               </a:defRPr>
             </a:pPr>
-            <a:endParaRPr/>
+            <a:endParaRPr dirty="0"/>
           </a:p>
           <a:p>
             <a:pPr>
@@ -3487,6 +3502,7 @@
               </a:defRPr>
             </a:pPr>
             <a:r>
+              <a:rPr dirty="0"/>
               <a:t> 	Rao Rohan Girish</a:t>
             </a:r>
           </a:p>
@@ -3505,7 +3521,7 @@
                 <a:sym typeface="Arial"/>
               </a:defRPr>
             </a:pPr>
-            <a:endParaRPr/>
+            <a:endParaRPr dirty="0"/>
           </a:p>
           <a:p>
             <a:pPr>
@@ -3523,6 +3539,7 @@
               </a:defRPr>
             </a:pPr>
             <a:r>
+              <a:rPr dirty="0"/>
               <a:t> 	Guillaume Joyet</a:t>
             </a:r>
           </a:p>
@@ -3541,7 +3558,7 @@
                 <a:sym typeface="Arial"/>
               </a:defRPr>
             </a:pPr>
-            <a:endParaRPr/>
+            <a:endParaRPr dirty="0"/>
           </a:p>
           <a:p>
             <a:pPr>
@@ -3559,6 +3576,7 @@
               </a:defRPr>
             </a:pPr>
             <a:r>
+              <a:rPr dirty="0"/>
               <a:t> 	Janni Batsilas</a:t>
             </a:r>
           </a:p>
@@ -3610,7 +3628,7 @@
           </a:ln>
           <a:extLst>
             <a:ext uri="{C572A759-6A51-4108-AA02-DFA0A04FC94B}">
-              <ma14:wrappingTextBoxFlag xmlns:ma14="http://schemas.microsoft.com/office/mac/drawingml/2011/main" xmlns="" val="1"/>
+              <ma14:wrappingTextBoxFlag xmlns:ma14="http://schemas.microsoft.com/office/mac/drawingml/2011/main" val="1"/>
             </a:ext>
           </a:extLst>
         </p:spPr>
@@ -3793,7 +3811,14 @@
   <p:clrMapOvr>
     <a:masterClrMapping/>
   </p:clrMapOvr>
-  <p:transition spd="med"/>
+  <p:transition xmlns:p14="http://schemas.microsoft.com/office/powerpoint/2010/main" spd="med"/>
+  <p:timing>
+    <p:tnLst>
+      <p:par>
+        <p:cTn xmlns:p14="http://schemas.microsoft.com/office/powerpoint/2010/main" id="1" dur="indefinite" restart="never" nodeType="tmRoot"/>
+      </p:par>
+    </p:tnLst>
+  </p:timing>
 </p:sld>
 </file>
 
@@ -3833,7 +3858,7 @@
           </a:ln>
           <a:extLst>
             <a:ext uri="{C572A759-6A51-4108-AA02-DFA0A04FC94B}">
-              <ma14:wrappingTextBoxFlag xmlns:ma14="http://schemas.microsoft.com/office/mac/drawingml/2011/main" xmlns="" val="1"/>
+              <ma14:wrappingTextBoxFlag xmlns:ma14="http://schemas.microsoft.com/office/mac/drawingml/2011/main" val="1"/>
             </a:ext>
           </a:extLst>
         </p:spPr>
@@ -3915,7 +3940,7 @@
           </a:prstGeom>
           <a:extLst>
             <a:ext uri="{C572A759-6A51-4108-AA02-DFA0A04FC94B}">
-              <ma14:wrappingTextBoxFlag xmlns:ma14="http://schemas.microsoft.com/office/mac/drawingml/2011/main" xmlns="" val="1"/>
+              <ma14:wrappingTextBoxFlag xmlns:ma14="http://schemas.microsoft.com/office/mac/drawingml/2011/main" val="1"/>
             </a:ext>
           </a:extLst>
         </p:spPr>
@@ -4012,7 +4037,7 @@
           </a:ln>
           <a:extLst>
             <a:ext uri="{C572A759-6A51-4108-AA02-DFA0A04FC94B}">
-              <ma14:wrappingTextBoxFlag xmlns:ma14="http://schemas.microsoft.com/office/mac/drawingml/2011/main" xmlns="" val="1"/>
+              <ma14:wrappingTextBoxFlag xmlns:ma14="http://schemas.microsoft.com/office/mac/drawingml/2011/main" val="1"/>
             </a:ext>
           </a:extLst>
         </p:spPr>
@@ -4067,7 +4092,14 @@
   <p:clrMapOvr>
     <a:masterClrMapping/>
   </p:clrMapOvr>
-  <p:transition spd="slow"/>
+  <p:transition xmlns:p14="http://schemas.microsoft.com/office/powerpoint/2010/main" spd="slow"/>
+  <p:timing>
+    <p:tnLst>
+      <p:par>
+        <p:cTn xmlns:p14="http://schemas.microsoft.com/office/powerpoint/2010/main" id="1" dur="indefinite" restart="never" nodeType="tmRoot"/>
+      </p:par>
+    </p:tnLst>
+  </p:timing>
 </p:sld>
 </file>
 
@@ -4107,7 +4139,7 @@
           </a:ln>
           <a:extLst>
             <a:ext uri="{C572A759-6A51-4108-AA02-DFA0A04FC94B}">
-              <ma14:wrappingTextBoxFlag xmlns:ma14="http://schemas.microsoft.com/office/mac/drawingml/2011/main" xmlns="" val="1"/>
+              <ma14:wrappingTextBoxFlag xmlns:ma14="http://schemas.microsoft.com/office/mac/drawingml/2011/main" val="1"/>
             </a:ext>
           </a:extLst>
         </p:spPr>
@@ -4312,7 +4344,7 @@
           </a:prstGeom>
           <a:extLst>
             <a:ext uri="{C572A759-6A51-4108-AA02-DFA0A04FC94B}">
-              <ma14:wrappingTextBoxFlag xmlns:ma14="http://schemas.microsoft.com/office/mac/drawingml/2011/main" xmlns="" val="1"/>
+              <ma14:wrappingTextBoxFlag xmlns:ma14="http://schemas.microsoft.com/office/mac/drawingml/2011/main" val="1"/>
             </a:ext>
           </a:extLst>
         </p:spPr>
@@ -4503,7 +4535,14 @@
   <p:clrMapOvr>
     <a:masterClrMapping/>
   </p:clrMapOvr>
-  <p:transition spd="slow"/>
+  <p:transition xmlns:p14="http://schemas.microsoft.com/office/powerpoint/2010/main" spd="slow"/>
+  <p:timing>
+    <p:tnLst>
+      <p:par>
+        <p:cTn xmlns:p14="http://schemas.microsoft.com/office/powerpoint/2010/main" id="1" dur="indefinite" restart="never" nodeType="tmRoot"/>
+      </p:par>
+    </p:tnLst>
+  </p:timing>
 </p:sld>
 </file>
 
@@ -4570,7 +4609,7 @@
           </a:ln>
           <a:extLst>
             <a:ext uri="{C572A759-6A51-4108-AA02-DFA0A04FC94B}">
-              <ma14:wrappingTextBoxFlag xmlns:ma14="http://schemas.microsoft.com/office/mac/drawingml/2011/main" xmlns="" val="1"/>
+              <ma14:wrappingTextBoxFlag xmlns:ma14="http://schemas.microsoft.com/office/mac/drawingml/2011/main" val="1"/>
             </a:ext>
           </a:extLst>
         </p:spPr>
@@ -4652,7 +4691,7 @@
           </a:prstGeom>
           <a:extLst>
             <a:ext uri="{C572A759-6A51-4108-AA02-DFA0A04FC94B}">
-              <ma14:wrappingTextBoxFlag xmlns:ma14="http://schemas.microsoft.com/office/mac/drawingml/2011/main" xmlns="" val="1"/>
+              <ma14:wrappingTextBoxFlag xmlns:ma14="http://schemas.microsoft.com/office/mac/drawingml/2011/main" val="1"/>
             </a:ext>
           </a:extLst>
         </p:spPr>
@@ -4749,7 +4788,7 @@
           </a:ln>
           <a:extLst>
             <a:ext uri="{C572A759-6A51-4108-AA02-DFA0A04FC94B}">
-              <ma14:wrappingTextBoxFlag xmlns:ma14="http://schemas.microsoft.com/office/mac/drawingml/2011/main" xmlns="" val="1"/>
+              <ma14:wrappingTextBoxFlag xmlns:ma14="http://schemas.microsoft.com/office/mac/drawingml/2011/main" val="1"/>
             </a:ext>
           </a:extLst>
         </p:spPr>
@@ -5086,7 +5125,14 @@
   <p:clrMapOvr>
     <a:masterClrMapping/>
   </p:clrMapOvr>
-  <p:transition spd="slow"/>
+  <p:transition xmlns:p14="http://schemas.microsoft.com/office/powerpoint/2010/main" spd="slow"/>
+  <p:timing>
+    <p:tnLst>
+      <p:par>
+        <p:cTn xmlns:p14="http://schemas.microsoft.com/office/powerpoint/2010/main" id="1" dur="indefinite" restart="never" nodeType="tmRoot"/>
+      </p:par>
+    </p:tnLst>
+  </p:timing>
 </p:sld>
 </file>
 
@@ -5126,7 +5172,7 @@
           </a:ln>
           <a:extLst>
             <a:ext uri="{C572A759-6A51-4108-AA02-DFA0A04FC94B}">
-              <ma14:wrappingTextBoxFlag xmlns:ma14="http://schemas.microsoft.com/office/mac/drawingml/2011/main" xmlns="" val="1"/>
+              <ma14:wrappingTextBoxFlag xmlns:ma14="http://schemas.microsoft.com/office/mac/drawingml/2011/main" val="1"/>
             </a:ext>
           </a:extLst>
         </p:spPr>
@@ -5208,7 +5254,7 @@
           </a:prstGeom>
           <a:extLst>
             <a:ext uri="{C572A759-6A51-4108-AA02-DFA0A04FC94B}">
-              <ma14:wrappingTextBoxFlag xmlns:ma14="http://schemas.microsoft.com/office/mac/drawingml/2011/main" xmlns="" val="1"/>
+              <ma14:wrappingTextBoxFlag xmlns:ma14="http://schemas.microsoft.com/office/mac/drawingml/2011/main" val="1"/>
             </a:ext>
           </a:extLst>
         </p:spPr>
@@ -5305,7 +5351,7 @@
           </a:ln>
           <a:extLst>
             <a:ext uri="{C572A759-6A51-4108-AA02-DFA0A04FC94B}">
-              <ma14:wrappingTextBoxFlag xmlns:ma14="http://schemas.microsoft.com/office/mac/drawingml/2011/main" xmlns="" val="1"/>
+              <ma14:wrappingTextBoxFlag xmlns:ma14="http://schemas.microsoft.com/office/mac/drawingml/2011/main" val="1"/>
             </a:ext>
           </a:extLst>
         </p:spPr>
@@ -5828,7 +5874,14 @@
   <p:clrMapOvr>
     <a:masterClrMapping/>
   </p:clrMapOvr>
-  <p:transition spd="slow"/>
+  <p:transition xmlns:p14="http://schemas.microsoft.com/office/powerpoint/2010/main" spd="slow"/>
+  <p:timing>
+    <p:tnLst>
+      <p:par>
+        <p:cTn xmlns:p14="http://schemas.microsoft.com/office/powerpoint/2010/main" id="1" dur="indefinite" restart="never" nodeType="tmRoot"/>
+      </p:par>
+    </p:tnLst>
+  </p:timing>
 </p:sld>
 </file>
 
@@ -5868,7 +5921,7 @@
           </a:ln>
           <a:extLst>
             <a:ext uri="{C572A759-6A51-4108-AA02-DFA0A04FC94B}">
-              <ma14:wrappingTextBoxFlag xmlns:ma14="http://schemas.microsoft.com/office/mac/drawingml/2011/main" xmlns="" val="1"/>
+              <ma14:wrappingTextBoxFlag xmlns:ma14="http://schemas.microsoft.com/office/mac/drawingml/2011/main" val="1"/>
             </a:ext>
           </a:extLst>
         </p:spPr>
@@ -5950,7 +6003,7 @@
           </a:prstGeom>
           <a:extLst>
             <a:ext uri="{C572A759-6A51-4108-AA02-DFA0A04FC94B}">
-              <ma14:wrappingTextBoxFlag xmlns:ma14="http://schemas.microsoft.com/office/mac/drawingml/2011/main" xmlns="" val="1"/>
+              <ma14:wrappingTextBoxFlag xmlns:ma14="http://schemas.microsoft.com/office/mac/drawingml/2011/main" val="1"/>
             </a:ext>
           </a:extLst>
         </p:spPr>
@@ -5984,7 +6037,7 @@
           </a:ln>
           <a:extLst>
             <a:ext uri="{C572A759-6A51-4108-AA02-DFA0A04FC94B}">
-              <ma14:wrappingTextBoxFlag xmlns:ma14="http://schemas.microsoft.com/office/mac/drawingml/2011/main" xmlns="" val="1"/>
+              <ma14:wrappingTextBoxFlag xmlns:ma14="http://schemas.microsoft.com/office/mac/drawingml/2011/main" val="1"/>
             </a:ext>
           </a:extLst>
         </p:spPr>
@@ -6036,7 +6089,14 @@
   <p:clrMapOvr>
     <a:masterClrMapping/>
   </p:clrMapOvr>
-  <p:transition spd="slow"/>
+  <p:transition xmlns:p14="http://schemas.microsoft.com/office/powerpoint/2010/main" spd="slow"/>
+  <p:timing>
+    <p:tnLst>
+      <p:par>
+        <p:cTn xmlns:p14="http://schemas.microsoft.com/office/powerpoint/2010/main" id="1" dur="indefinite" restart="never" nodeType="tmRoot"/>
+      </p:par>
+    </p:tnLst>
+  </p:timing>
 </p:sld>
 </file>
 
@@ -6076,7 +6136,7 @@
           </a:ln>
           <a:extLst>
             <a:ext uri="{C572A759-6A51-4108-AA02-DFA0A04FC94B}">
-              <ma14:wrappingTextBoxFlag xmlns:ma14="http://schemas.microsoft.com/office/mac/drawingml/2011/main" xmlns="" val="1"/>
+              <ma14:wrappingTextBoxFlag xmlns:ma14="http://schemas.microsoft.com/office/mac/drawingml/2011/main" val="1"/>
             </a:ext>
           </a:extLst>
         </p:spPr>
@@ -6243,7 +6303,7 @@
           </a:prstGeom>
           <a:extLst>
             <a:ext uri="{C572A759-6A51-4108-AA02-DFA0A04FC94B}">
-              <ma14:wrappingTextBoxFlag xmlns:ma14="http://schemas.microsoft.com/office/mac/drawingml/2011/main" xmlns="" val="1"/>
+              <ma14:wrappingTextBoxFlag xmlns:ma14="http://schemas.microsoft.com/office/mac/drawingml/2011/main" val="1"/>
             </a:ext>
           </a:extLst>
         </p:spPr>
@@ -6472,7 +6532,14 @@
   <p:clrMapOvr>
     <a:masterClrMapping/>
   </p:clrMapOvr>
-  <p:transition spd="slow"/>
+  <p:transition xmlns:p14="http://schemas.microsoft.com/office/powerpoint/2010/main" spd="slow"/>
+  <p:timing>
+    <p:tnLst>
+      <p:par>
+        <p:cTn xmlns:p14="http://schemas.microsoft.com/office/powerpoint/2010/main" id="1" dur="indefinite" restart="never" nodeType="tmRoot"/>
+      </p:par>
+    </p:tnLst>
+  </p:timing>
 </p:sld>
 </file>
 
@@ -6512,7 +6579,7 @@
           </a:ln>
           <a:extLst>
             <a:ext uri="{C572A759-6A51-4108-AA02-DFA0A04FC94B}">
-              <ma14:wrappingTextBoxFlag xmlns:ma14="http://schemas.microsoft.com/office/mac/drawingml/2011/main" xmlns="" val="1"/>
+              <ma14:wrappingTextBoxFlag xmlns:ma14="http://schemas.microsoft.com/office/mac/drawingml/2011/main" val="1"/>
             </a:ext>
           </a:extLst>
         </p:spPr>
@@ -6717,7 +6784,7 @@
           </a:prstGeom>
           <a:extLst>
             <a:ext uri="{C572A759-6A51-4108-AA02-DFA0A04FC94B}">
-              <ma14:wrappingTextBoxFlag xmlns:ma14="http://schemas.microsoft.com/office/mac/drawingml/2011/main" xmlns="" val="1"/>
+              <ma14:wrappingTextBoxFlag xmlns:ma14="http://schemas.microsoft.com/office/mac/drawingml/2011/main" val="1"/>
             </a:ext>
           </a:extLst>
         </p:spPr>
@@ -6908,7 +6975,14 @@
   <p:clrMapOvr>
     <a:masterClrMapping/>
   </p:clrMapOvr>
-  <p:transition spd="slow"/>
+  <p:transition xmlns:p14="http://schemas.microsoft.com/office/powerpoint/2010/main" spd="slow"/>
+  <p:timing>
+    <p:tnLst>
+      <p:par>
+        <p:cTn xmlns:p14="http://schemas.microsoft.com/office/powerpoint/2010/main" id="1" dur="indefinite" restart="never" nodeType="tmRoot"/>
+      </p:par>
+    </p:tnLst>
+  </p:timing>
 </p:sld>
 </file>
 
@@ -6975,7 +7049,7 @@
           </a:ln>
           <a:extLst>
             <a:ext uri="{C572A759-6A51-4108-AA02-DFA0A04FC94B}">
-              <ma14:wrappingTextBoxFlag xmlns:ma14="http://schemas.microsoft.com/office/mac/drawingml/2011/main" xmlns="" val="1"/>
+              <ma14:wrappingTextBoxFlag xmlns:ma14="http://schemas.microsoft.com/office/mac/drawingml/2011/main" val="1"/>
             </a:ext>
           </a:extLst>
         </p:spPr>
@@ -7019,7 +7093,7 @@
           </a:prstGeom>
           <a:extLst>
             <a:ext uri="{C572A759-6A51-4108-AA02-DFA0A04FC94B}">
-              <ma14:wrappingTextBoxFlag xmlns:ma14="http://schemas.microsoft.com/office/mac/drawingml/2011/main" xmlns="" val="1"/>
+              <ma14:wrappingTextBoxFlag xmlns:ma14="http://schemas.microsoft.com/office/mac/drawingml/2011/main" val="1"/>
             </a:ext>
           </a:extLst>
         </p:spPr>
@@ -7154,7 +7228,14 @@
   <p:clrMapOvr>
     <a:masterClrMapping/>
   </p:clrMapOvr>
-  <p:transition spd="slow"/>
+  <p:transition xmlns:p14="http://schemas.microsoft.com/office/powerpoint/2010/main" spd="slow"/>
+  <p:timing>
+    <p:tnLst>
+      <p:par>
+        <p:cTn xmlns:p14="http://schemas.microsoft.com/office/powerpoint/2010/main" id="1" dur="indefinite" restart="never" nodeType="tmRoot"/>
+      </p:par>
+    </p:tnLst>
+  </p:timing>
 </p:sld>
 </file>
 
@@ -7194,7 +7275,7 @@
           </a:ln>
           <a:extLst>
             <a:ext uri="{C572A759-6A51-4108-AA02-DFA0A04FC94B}">
-              <ma14:wrappingTextBoxFlag xmlns:ma14="http://schemas.microsoft.com/office/mac/drawingml/2011/main" xmlns="" val="1"/>
+              <ma14:wrappingTextBoxFlag xmlns:ma14="http://schemas.microsoft.com/office/mac/drawingml/2011/main" val="1"/>
             </a:ext>
           </a:extLst>
         </p:spPr>
@@ -7399,7 +7480,7 @@
           </a:prstGeom>
           <a:extLst>
             <a:ext uri="{C572A759-6A51-4108-AA02-DFA0A04FC94B}">
-              <ma14:wrappingTextBoxFlag xmlns:ma14="http://schemas.microsoft.com/office/mac/drawingml/2011/main" xmlns="" val="1"/>
+              <ma14:wrappingTextBoxFlag xmlns:ma14="http://schemas.microsoft.com/office/mac/drawingml/2011/main" val="1"/>
             </a:ext>
           </a:extLst>
         </p:spPr>
@@ -7590,7 +7671,14 @@
   <p:clrMapOvr>
     <a:masterClrMapping/>
   </p:clrMapOvr>
-  <p:transition spd="slow"/>
+  <p:transition xmlns:p14="http://schemas.microsoft.com/office/powerpoint/2010/main" spd="slow"/>
+  <p:timing>
+    <p:tnLst>
+      <p:par>
+        <p:cTn xmlns:p14="http://schemas.microsoft.com/office/powerpoint/2010/main" id="1" dur="indefinite" restart="never" nodeType="tmRoot"/>
+      </p:par>
+    </p:tnLst>
+  </p:timing>
 </p:sld>
 </file>
 
@@ -7630,7 +7718,7 @@
           </a:ln>
           <a:extLst>
             <a:ext uri="{C572A759-6A51-4108-AA02-DFA0A04FC94B}">
-              <ma14:wrappingTextBoxFlag xmlns:ma14="http://schemas.microsoft.com/office/mac/drawingml/2011/main" xmlns="" val="1"/>
+              <ma14:wrappingTextBoxFlag xmlns:ma14="http://schemas.microsoft.com/office/mac/drawingml/2011/main" val="1"/>
             </a:ext>
           </a:extLst>
         </p:spPr>
@@ -7695,7 +7783,7 @@
           </a:prstGeom>
           <a:extLst>
             <a:ext uri="{C572A759-6A51-4108-AA02-DFA0A04FC94B}">
-              <ma14:wrappingTextBoxFlag xmlns:ma14="http://schemas.microsoft.com/office/mac/drawingml/2011/main" xmlns="" val="1"/>
+              <ma14:wrappingTextBoxFlag xmlns:ma14="http://schemas.microsoft.com/office/mac/drawingml/2011/main" val="1"/>
             </a:ext>
           </a:extLst>
         </p:spPr>
@@ -7836,7 +7924,7 @@
           </a:ln>
           <a:extLst>
             <a:ext uri="{C572A759-6A51-4108-AA02-DFA0A04FC94B}">
-              <ma14:wrappingTextBoxFlag xmlns:ma14="http://schemas.microsoft.com/office/mac/drawingml/2011/main" xmlns="" val="1"/>
+              <ma14:wrappingTextBoxFlag xmlns:ma14="http://schemas.microsoft.com/office/mac/drawingml/2011/main" val="1"/>
             </a:ext>
           </a:extLst>
         </p:spPr>
@@ -7955,7 +8043,7 @@
               <a:t>f</a:t>
             </a:r>
             <a:r>
-              <a:rPr lang="en-CH" dirty="0"/>
+              <a:rPr lang="x-none" dirty="0"/>
               <a:t>l</a:t>
             </a:r>
             <a:r>
@@ -7963,7 +8051,7 @@
               <a:t>e</a:t>
             </a:r>
             <a:r>
-              <a:rPr lang="en-CH" dirty="0"/>
+              <a:rPr lang="x-none" dirty="0"/>
               <a:t>x</a:t>
             </a:r>
             <a:r>
@@ -7971,7 +8059,7 @@
               <a:t>i</a:t>
             </a:r>
             <a:r>
-              <a:rPr lang="en-CH" dirty="0"/>
+              <a:rPr lang="x-none" dirty="0"/>
               <a:t>b</a:t>
             </a:r>
             <a:r>
@@ -7979,7 +8067,7 @@
               <a:t>l</a:t>
             </a:r>
             <a:r>
-              <a:rPr lang="en-CH" dirty="0"/>
+              <a:rPr lang="x-none" dirty="0"/>
               <a:t>e </a:t>
             </a:r>
             <a:r>
@@ -7987,7 +8075,7 @@
               <a:t>G</a:t>
             </a:r>
             <a:r>
-              <a:rPr lang="en-CH" dirty="0"/>
+              <a:rPr lang="x-none" dirty="0"/>
               <a:t>r</a:t>
             </a:r>
             <a:r>
@@ -7995,7 +8083,7 @@
               <a:t>ö</a:t>
             </a:r>
             <a:r>
-              <a:rPr lang="en-CH" dirty="0"/>
+              <a:rPr lang="x-none" dirty="0"/>
               <a:t>s</a:t>
             </a:r>
             <a:r>
@@ -8003,7 +8091,7 @@
               <a:t>s</a:t>
             </a:r>
             <a:r>
-              <a:rPr lang="en-CH" dirty="0"/>
+              <a:rPr lang="x-none" dirty="0"/>
               <a:t>e, </a:t>
             </a:r>
             <a:r>
@@ -8011,7 +8099,7 @@
               <a:t>a</a:t>
             </a:r>
             <a:r>
-              <a:rPr lang="en-CH" dirty="0"/>
+              <a:rPr lang="x-none" dirty="0"/>
               <a:t>d</a:t>
             </a:r>
             <a:r>
@@ -8019,7 +8107,7 @@
               <a:t>d</a:t>
             </a:r>
             <a:r>
-              <a:rPr lang="en-CH" dirty="0"/>
+              <a:rPr lang="x-none" dirty="0"/>
               <a:t>(), </a:t>
             </a:r>
             <a:r>
@@ -8027,7 +8115,7 @@
               <a:t>r</a:t>
             </a:r>
             <a:r>
-              <a:rPr lang="en-CH" dirty="0"/>
+              <a:rPr lang="x-none" dirty="0"/>
               <a:t>e</a:t>
             </a:r>
             <a:r>
@@ -8035,7 +8123,7 @@
               <a:t>m</a:t>
             </a:r>
             <a:r>
-              <a:rPr lang="en-CH" dirty="0"/>
+              <a:rPr lang="x-none" dirty="0"/>
               <a:t>o</a:t>
             </a:r>
             <a:r>
@@ -8043,7 +8131,7 @@
               <a:t>v</a:t>
             </a:r>
             <a:r>
-              <a:rPr lang="en-CH" dirty="0"/>
+              <a:rPr lang="x-none" dirty="0"/>
               <a:t>e() </a:t>
             </a:r>
             <a:r>
@@ -8051,7 +8139,7 @@
               <a:t>M</a:t>
             </a:r>
             <a:r>
-              <a:rPr lang="en-CH" dirty="0"/>
+              <a:rPr lang="x-none" dirty="0"/>
               <a:t>e</a:t>
             </a:r>
             <a:r>
@@ -8059,7 +8147,7 @@
               <a:t>t</a:t>
             </a:r>
             <a:r>
-              <a:rPr lang="en-CH" dirty="0"/>
+              <a:rPr lang="x-none" dirty="0"/>
               <a:t>h</a:t>
             </a:r>
             <a:r>
@@ -8067,7 +8155,7 @@
               <a:t>o</a:t>
             </a:r>
             <a:r>
-              <a:rPr lang="en-CH" dirty="0"/>
+              <a:rPr lang="x-none" dirty="0"/>
               <a:t>d</a:t>
             </a:r>
             <a:r>
@@ -8075,7 +8163,7 @@
               <a:t>e</a:t>
             </a:r>
             <a:r>
-              <a:rPr lang="en-CH" dirty="0"/>
+              <a:rPr lang="x-none" dirty="0"/>
               <a:t>n</a:t>
             </a:r>
             <a:r>
@@ -8186,6 +8274,10 @@
             <a:r>
               <a:rPr dirty="0" err="1"/>
               <a:t>verschiedene</a:t>
+            </a:r>
+            <a:r>
+              <a:rPr dirty="0"/>
+              <a:t/>
             </a:r>
             <a:br>
               <a:rPr dirty="0"/>
@@ -8410,7 +8502,14 @@
   <p:clrMapOvr>
     <a:masterClrMapping/>
   </p:clrMapOvr>
-  <p:transition spd="slow"/>
+  <p:transition xmlns:p14="http://schemas.microsoft.com/office/powerpoint/2010/main" spd="slow"/>
+  <p:timing>
+    <p:tnLst>
+      <p:par>
+        <p:cTn xmlns:p14="http://schemas.microsoft.com/office/powerpoint/2010/main" id="1" dur="indefinite" restart="never" nodeType="tmRoot"/>
+      </p:par>
+    </p:tnLst>
+  </p:timing>
 </p:sld>
 </file>
 
@@ -8450,7 +8549,7 @@
           </a:ln>
           <a:extLst>
             <a:ext uri="{C572A759-6A51-4108-AA02-DFA0A04FC94B}">
-              <ma14:wrappingTextBoxFlag xmlns:ma14="http://schemas.microsoft.com/office/mac/drawingml/2011/main" xmlns="" val="1"/>
+              <ma14:wrappingTextBoxFlag xmlns:ma14="http://schemas.microsoft.com/office/mac/drawingml/2011/main" val="1"/>
             </a:ext>
           </a:extLst>
         </p:spPr>
@@ -8494,7 +8593,7 @@
           </a:prstGeom>
           <a:extLst>
             <a:ext uri="{C572A759-6A51-4108-AA02-DFA0A04FC94B}">
-              <ma14:wrappingTextBoxFlag xmlns:ma14="http://schemas.microsoft.com/office/mac/drawingml/2011/main" xmlns="" val="1"/>
+              <ma14:wrappingTextBoxFlag xmlns:ma14="http://schemas.microsoft.com/office/mac/drawingml/2011/main" val="1"/>
             </a:ext>
           </a:extLst>
         </p:spPr>
@@ -8642,7 +8741,14 @@
   <p:clrMapOvr>
     <a:masterClrMapping/>
   </p:clrMapOvr>
-  <p:transition spd="slow"/>
+  <p:transition xmlns:p14="http://schemas.microsoft.com/office/powerpoint/2010/main" spd="slow"/>
+  <p:timing>
+    <p:tnLst>
+      <p:par>
+        <p:cTn xmlns:p14="http://schemas.microsoft.com/office/powerpoint/2010/main" id="1" dur="indefinite" restart="never" nodeType="tmRoot"/>
+      </p:par>
+    </p:tnLst>
+  </p:timing>
 </p:sld>
 </file>
 
@@ -8682,7 +8788,7 @@
           </a:ln>
           <a:extLst>
             <a:ext uri="{C572A759-6A51-4108-AA02-DFA0A04FC94B}">
-              <ma14:wrappingTextBoxFlag xmlns:ma14="http://schemas.microsoft.com/office/mac/drawingml/2011/main" xmlns="" val="1"/>
+              <ma14:wrappingTextBoxFlag xmlns:ma14="http://schemas.microsoft.com/office/mac/drawingml/2011/main" val="1"/>
             </a:ext>
           </a:extLst>
         </p:spPr>
@@ -8887,7 +8993,7 @@
           </a:prstGeom>
           <a:extLst>
             <a:ext uri="{C572A759-6A51-4108-AA02-DFA0A04FC94B}">
-              <ma14:wrappingTextBoxFlag xmlns:ma14="http://schemas.microsoft.com/office/mac/drawingml/2011/main" xmlns="" val="1"/>
+              <ma14:wrappingTextBoxFlag xmlns:ma14="http://schemas.microsoft.com/office/mac/drawingml/2011/main" val="1"/>
             </a:ext>
           </a:extLst>
         </p:spPr>
@@ -9078,7 +9184,14 @@
   <p:clrMapOvr>
     <a:masterClrMapping/>
   </p:clrMapOvr>
-  <p:transition spd="slow"/>
+  <p:transition xmlns:p14="http://schemas.microsoft.com/office/powerpoint/2010/main" spd="slow"/>
+  <p:timing>
+    <p:tnLst>
+      <p:par>
+        <p:cTn xmlns:p14="http://schemas.microsoft.com/office/powerpoint/2010/main" id="1" dur="indefinite" restart="never" nodeType="tmRoot"/>
+      </p:par>
+    </p:tnLst>
+  </p:timing>
 </p:sld>
 </file>
 
@@ -9118,7 +9231,7 @@
           </a:ln>
           <a:extLst>
             <a:ext uri="{C572A759-6A51-4108-AA02-DFA0A04FC94B}">
-              <ma14:wrappingTextBoxFlag xmlns:ma14="http://schemas.microsoft.com/office/mac/drawingml/2011/main" xmlns="" val="1"/>
+              <ma14:wrappingTextBoxFlag xmlns:ma14="http://schemas.microsoft.com/office/mac/drawingml/2011/main" val="1"/>
             </a:ext>
           </a:extLst>
         </p:spPr>
@@ -9200,7 +9313,7 @@
           </a:prstGeom>
           <a:extLst>
             <a:ext uri="{C572A759-6A51-4108-AA02-DFA0A04FC94B}">
-              <ma14:wrappingTextBoxFlag xmlns:ma14="http://schemas.microsoft.com/office/mac/drawingml/2011/main" xmlns="" val="1"/>
+              <ma14:wrappingTextBoxFlag xmlns:ma14="http://schemas.microsoft.com/office/mac/drawingml/2011/main" val="1"/>
             </a:ext>
           </a:extLst>
         </p:spPr>
@@ -9297,7 +9410,7 @@
           </a:ln>
           <a:extLst>
             <a:ext uri="{C572A759-6A51-4108-AA02-DFA0A04FC94B}">
-              <ma14:wrappingTextBoxFlag xmlns:ma14="http://schemas.microsoft.com/office/mac/drawingml/2011/main" xmlns="" val="1"/>
+              <ma14:wrappingTextBoxFlag xmlns:ma14="http://schemas.microsoft.com/office/mac/drawingml/2011/main" val="1"/>
             </a:ext>
           </a:extLst>
         </p:spPr>
@@ -9493,7 +9606,14 @@
   <p:clrMapOvr>
     <a:masterClrMapping/>
   </p:clrMapOvr>
-  <p:transition spd="slow"/>
+  <p:transition xmlns:p14="http://schemas.microsoft.com/office/powerpoint/2010/main" spd="slow"/>
+  <p:timing>
+    <p:tnLst>
+      <p:par>
+        <p:cTn xmlns:p14="http://schemas.microsoft.com/office/powerpoint/2010/main" id="1" dur="indefinite" restart="never" nodeType="tmRoot"/>
+      </p:par>
+    </p:tnLst>
+  </p:timing>
 </p:sld>
 </file>
 

--- a/00_General/Presentation/MS 3/Presentation_Milestone_iii_Master.pptx
+++ b/00_General/Presentation/MS 3/Presentation_Milestone_iii_Master.pptx
@@ -325,7 +325,7 @@
   </p:defaultTextStyle>
   <p:extLst>
     <p:ext uri="{EFAFB233-063F-42B5-8137-9DF3F51BA10A}">
-      <p15:sldGuideLst xmlns:p15="http://schemas.microsoft.com/office/powerpoint/2012/main" xmlns="">
+      <p15:sldGuideLst xmlns:p15="http://schemas.microsoft.com/office/powerpoint/2012/main">
         <p15:guide id="1" orient="horz" pos="2160" userDrawn="1">
           <p15:clr>
             <a:srgbClr val="A4A3A4"/>
@@ -620,7 +620,7 @@
   <p:clrMapOvr>
     <a:masterClrMapping/>
   </p:clrMapOvr>
-  <p:transition xmlns:p14="http://schemas.microsoft.com/office/powerpoint/2010/main" spd="med"/>
+  <p:transition spd="med"/>
 </p:sldLayout>
 </file>
 
@@ -818,7 +818,7 @@
   <p:clrMapOvr>
     <a:masterClrMapping/>
   </p:clrMapOvr>
-  <p:transition xmlns:p14="http://schemas.microsoft.com/office/powerpoint/2010/main" spd="med"/>
+  <p:transition spd="med"/>
 </p:sldLayout>
 </file>
 
@@ -944,7 +944,7 @@
   <p:clrMapOvr>
     <a:masterClrMapping/>
   </p:clrMapOvr>
-  <p:transition xmlns:p14="http://schemas.microsoft.com/office/powerpoint/2010/main" spd="med"/>
+  <p:transition spd="med"/>
 </p:sldLayout>
 </file>
 
@@ -1078,7 +1078,7 @@
   <p:clrMapOvr>
     <a:masterClrMapping/>
   </p:clrMapOvr>
-  <p:transition xmlns:p14="http://schemas.microsoft.com/office/powerpoint/2010/main" spd="med"/>
+  <p:transition spd="med"/>
 </p:sldLayout>
 </file>
 
@@ -1212,7 +1212,7 @@
   <p:clrMapOvr>
     <a:masterClrMapping/>
   </p:clrMapOvr>
-  <p:transition xmlns:p14="http://schemas.microsoft.com/office/powerpoint/2010/main" spd="med"/>
+  <p:transition spd="med"/>
 </p:sldLayout>
 </file>
 
@@ -1338,7 +1338,7 @@
   <p:clrMapOvr>
     <a:masterClrMapping/>
   </p:clrMapOvr>
-  <p:transition xmlns:p14="http://schemas.microsoft.com/office/powerpoint/2010/main" spd="med"/>
+  <p:transition spd="med"/>
 </p:sldLayout>
 </file>
 
@@ -1472,7 +1472,7 @@
   <p:clrMapOvr>
     <a:masterClrMapping/>
   </p:clrMapOvr>
-  <p:transition xmlns:p14="http://schemas.microsoft.com/office/powerpoint/2010/main" spd="med"/>
+  <p:transition spd="med"/>
 </p:sldLayout>
 </file>
 
@@ -1661,7 +1661,7 @@
   <p:clrMapOvr>
     <a:masterClrMapping/>
   </p:clrMapOvr>
-  <p:transition xmlns:p14="http://schemas.microsoft.com/office/powerpoint/2010/main" spd="med"/>
+  <p:transition spd="med"/>
 </p:sldLayout>
 </file>
 
@@ -1791,7 +1791,7 @@
   <p:clrMapOvr>
     <a:masterClrMapping/>
   </p:clrMapOvr>
-  <p:transition xmlns:p14="http://schemas.microsoft.com/office/powerpoint/2010/main" spd="med"/>
+  <p:transition spd="med"/>
 </p:sldLayout>
 </file>
 
@@ -1935,7 +1935,7 @@
   <p:clrMapOvr>
     <a:masterClrMapping/>
   </p:clrMapOvr>
-  <p:transition xmlns:p14="http://schemas.microsoft.com/office/powerpoint/2010/main" spd="med"/>
+  <p:transition spd="med"/>
 </p:sldLayout>
 </file>
 
@@ -2012,7 +2012,7 @@
   <p:clrMapOvr>
     <a:masterClrMapping/>
   </p:clrMapOvr>
-  <p:transition xmlns:p14="http://schemas.microsoft.com/office/powerpoint/2010/main" spd="med"/>
+  <p:transition spd="med"/>
 </p:sldLayout>
 </file>
 
@@ -2064,7 +2064,7 @@
   <p:clrMapOvr>
     <a:masterClrMapping/>
   </p:clrMapOvr>
-  <p:transition xmlns:p14="http://schemas.microsoft.com/office/powerpoint/2010/main" spd="med"/>
+  <p:transition spd="med"/>
 </p:sldLayout>
 </file>
 
@@ -2245,7 +2245,7 @@
   <p:clrMapOvr>
     <a:masterClrMapping/>
   </p:clrMapOvr>
-  <p:transition xmlns:p14="http://schemas.microsoft.com/office/powerpoint/2010/main" spd="med"/>
+  <p:transition spd="med"/>
 </p:sldLayout>
 </file>
 
@@ -2297,7 +2297,7 @@
           </a:ln>
           <a:extLst>
             <a:ext uri="{C572A759-6A51-4108-AA02-DFA0A04FC94B}">
-              <ma14:wrappingTextBoxFlag xmlns:ma14="http://schemas.microsoft.com/office/mac/drawingml/2011/main" val="1"/>
+              <ma14:wrappingTextBoxFlag xmlns:ma14="http://schemas.microsoft.com/office/mac/drawingml/2011/main" xmlns="" val="1"/>
             </a:ext>
           </a:extLst>
         </p:spPr>
@@ -2336,7 +2336,7 @@
           </a:ln>
           <a:extLst>
             <a:ext uri="{C572A759-6A51-4108-AA02-DFA0A04FC94B}">
-              <ma14:wrappingTextBoxFlag xmlns:ma14="http://schemas.microsoft.com/office/mac/drawingml/2011/main" val="1"/>
+              <ma14:wrappingTextBoxFlag xmlns:ma14="http://schemas.microsoft.com/office/mac/drawingml/2011/main" xmlns="" val="1"/>
             </a:ext>
           </a:extLst>
         </p:spPr>
@@ -2437,7 +2437,7 @@
     <p:sldLayoutId id="2147483660" r:id="rId12"/>
     <p:sldLayoutId id="2147483661" r:id="rId13"/>
   </p:sldLayoutIdLst>
-  <p:transition xmlns:p14="http://schemas.microsoft.com/office/powerpoint/2010/main" spd="med"/>
+  <p:transition spd="med"/>
   <p:txStyles>
     <p:titleStyle>
       <a:lvl1pPr marL="0" marR="0" indent="0" algn="l" defTabSz="914400" rtl="0" latinLnBrk="0">
@@ -3276,7 +3276,7 @@
           </a:ln>
           <a:extLst>
             <a:ext uri="{C572A759-6A51-4108-AA02-DFA0A04FC94B}">
-              <ma14:wrappingTextBoxFlag xmlns:ma14="http://schemas.microsoft.com/office/mac/drawingml/2011/main" val="1"/>
+              <ma14:wrappingTextBoxFlag xmlns:ma14="http://schemas.microsoft.com/office/mac/drawingml/2011/main" xmlns="" val="1"/>
             </a:ext>
           </a:extLst>
         </p:spPr>
@@ -3309,10 +3309,9 @@
               <a:t>I</a:t>
             </a:r>
             <a:r>
-              <a:rPr dirty="0" smtClean="0"/>
+              <a:rPr dirty="0"/>
               <a:t>II</a:t>
             </a:r>
-            <a:endParaRPr dirty="0"/>
           </a:p>
           <a:p>
             <a:pPr>
@@ -3628,7 +3627,7 @@
           </a:ln>
           <a:extLst>
             <a:ext uri="{C572A759-6A51-4108-AA02-DFA0A04FC94B}">
-              <ma14:wrappingTextBoxFlag xmlns:ma14="http://schemas.microsoft.com/office/mac/drawingml/2011/main" val="1"/>
+              <ma14:wrappingTextBoxFlag xmlns:ma14="http://schemas.microsoft.com/office/mac/drawingml/2011/main" xmlns="" val="1"/>
             </a:ext>
           </a:extLst>
         </p:spPr>
@@ -3811,14 +3810,7 @@
   <p:clrMapOvr>
     <a:masterClrMapping/>
   </p:clrMapOvr>
-  <p:transition xmlns:p14="http://schemas.microsoft.com/office/powerpoint/2010/main" spd="med"/>
-  <p:timing>
-    <p:tnLst>
-      <p:par>
-        <p:cTn xmlns:p14="http://schemas.microsoft.com/office/powerpoint/2010/main" id="1" dur="indefinite" restart="never" nodeType="tmRoot"/>
-      </p:par>
-    </p:tnLst>
-  </p:timing>
+  <p:transition spd="med"/>
 </p:sld>
 </file>
 
@@ -3847,8 +3839,8 @@
         </p:nvSpPr>
         <p:spPr>
           <a:xfrm>
-            <a:off x="4038600" y="6404292"/>
-            <a:ext cx="4114800" cy="269239"/>
+            <a:off x="4038600" y="6400414"/>
+            <a:ext cx="4114800" cy="276995"/>
           </a:xfrm>
           <a:prstGeom prst="rect">
             <a:avLst/>
@@ -3858,7 +3850,7 @@
           </a:ln>
           <a:extLst>
             <a:ext uri="{C572A759-6A51-4108-AA02-DFA0A04FC94B}">
-              <ma14:wrappingTextBoxFlag xmlns:ma14="http://schemas.microsoft.com/office/mac/drawingml/2011/main" val="1"/>
+              <ma14:wrappingTextBoxFlag xmlns:ma14="http://schemas.microsoft.com/office/mac/drawingml/2011/main" xmlns="" val="1"/>
             </a:ext>
           </a:extLst>
         </p:spPr>
@@ -3877,7 +3869,12 @@
           </a:lstStyle>
           <a:p>
             <a:r>
-              <a:t>Mlst.-Präsentation Nr. 1  /  Gruppe 15</a:t>
+              <a:rPr lang="de-CH" dirty="0" err="1"/>
+              <a:t>Mlst</a:t>
+            </a:r>
+            <a:r>
+              <a:rPr lang="de-CH" dirty="0"/>
+              <a:t>.-Präsentation Nr. III  /  Gruppe 15</a:t>
             </a:r>
           </a:p>
         </p:txBody>
@@ -3940,7 +3937,7 @@
           </a:prstGeom>
           <a:extLst>
             <a:ext uri="{C572A759-6A51-4108-AA02-DFA0A04FC94B}">
-              <ma14:wrappingTextBoxFlag xmlns:ma14="http://schemas.microsoft.com/office/mac/drawingml/2011/main" val="1"/>
+              <ma14:wrappingTextBoxFlag xmlns:ma14="http://schemas.microsoft.com/office/mac/drawingml/2011/main" xmlns="" val="1"/>
             </a:ext>
           </a:extLst>
         </p:spPr>
@@ -4037,7 +4034,7 @@
           </a:ln>
           <a:extLst>
             <a:ext uri="{C572A759-6A51-4108-AA02-DFA0A04FC94B}">
-              <ma14:wrappingTextBoxFlag xmlns:ma14="http://schemas.microsoft.com/office/mac/drawingml/2011/main" val="1"/>
+              <ma14:wrappingTextBoxFlag xmlns:ma14="http://schemas.microsoft.com/office/mac/drawingml/2011/main" xmlns="" val="1"/>
             </a:ext>
           </a:extLst>
         </p:spPr>
@@ -4092,14 +4089,7 @@
   <p:clrMapOvr>
     <a:masterClrMapping/>
   </p:clrMapOvr>
-  <p:transition xmlns:p14="http://schemas.microsoft.com/office/powerpoint/2010/main" spd="slow"/>
-  <p:timing>
-    <p:tnLst>
-      <p:par>
-        <p:cTn xmlns:p14="http://schemas.microsoft.com/office/powerpoint/2010/main" id="1" dur="indefinite" restart="never" nodeType="tmRoot"/>
-      </p:par>
-    </p:tnLst>
-  </p:timing>
+  <p:transition spd="slow"/>
 </p:sld>
 </file>
 
@@ -4128,8 +4118,8 @@
         </p:nvSpPr>
         <p:spPr>
           <a:xfrm>
-            <a:off x="4038600" y="6404292"/>
-            <a:ext cx="4114800" cy="269239"/>
+            <a:off x="4038600" y="6400414"/>
+            <a:ext cx="4114800" cy="276995"/>
           </a:xfrm>
           <a:prstGeom prst="rect">
             <a:avLst/>
@@ -4139,7 +4129,7 @@
           </a:ln>
           <a:extLst>
             <a:ext uri="{C572A759-6A51-4108-AA02-DFA0A04FC94B}">
-              <ma14:wrappingTextBoxFlag xmlns:ma14="http://schemas.microsoft.com/office/mac/drawingml/2011/main" val="1"/>
+              <ma14:wrappingTextBoxFlag xmlns:ma14="http://schemas.microsoft.com/office/mac/drawingml/2011/main" xmlns="" val="1"/>
             </a:ext>
           </a:extLst>
         </p:spPr>
@@ -4158,7 +4148,12 @@
           </a:lstStyle>
           <a:p>
             <a:r>
-              <a:t>Mlst.-Präsentation Nr. 1  /  Gruppe 15</a:t>
+              <a:rPr lang="de-CH" dirty="0" err="1"/>
+              <a:t>Mlst</a:t>
+            </a:r>
+            <a:r>
+              <a:rPr lang="de-CH" dirty="0"/>
+              <a:t>.-Präsentation Nr. III  /  Gruppe 15</a:t>
             </a:r>
           </a:p>
         </p:txBody>
@@ -4344,7 +4339,7 @@
           </a:prstGeom>
           <a:extLst>
             <a:ext uri="{C572A759-6A51-4108-AA02-DFA0A04FC94B}">
-              <ma14:wrappingTextBoxFlag xmlns:ma14="http://schemas.microsoft.com/office/mac/drawingml/2011/main" val="1"/>
+              <ma14:wrappingTextBoxFlag xmlns:ma14="http://schemas.microsoft.com/office/mac/drawingml/2011/main" xmlns="" val="1"/>
             </a:ext>
           </a:extLst>
         </p:spPr>
@@ -4535,14 +4530,7 @@
   <p:clrMapOvr>
     <a:masterClrMapping/>
   </p:clrMapOvr>
-  <p:transition xmlns:p14="http://schemas.microsoft.com/office/powerpoint/2010/main" spd="slow"/>
-  <p:timing>
-    <p:tnLst>
-      <p:par>
-        <p:cTn xmlns:p14="http://schemas.microsoft.com/office/powerpoint/2010/main" id="1" dur="indefinite" restart="never" nodeType="tmRoot"/>
-      </p:par>
-    </p:tnLst>
-  </p:timing>
+  <p:transition spd="slow"/>
 </p:sld>
 </file>
 
@@ -4598,8 +4586,8 @@
         </p:nvSpPr>
         <p:spPr>
           <a:xfrm>
-            <a:off x="4038600" y="6404292"/>
-            <a:ext cx="4114800" cy="269239"/>
+            <a:off x="4038600" y="6400414"/>
+            <a:ext cx="4114800" cy="276995"/>
           </a:xfrm>
           <a:prstGeom prst="rect">
             <a:avLst/>
@@ -4609,7 +4597,7 @@
           </a:ln>
           <a:extLst>
             <a:ext uri="{C572A759-6A51-4108-AA02-DFA0A04FC94B}">
-              <ma14:wrappingTextBoxFlag xmlns:ma14="http://schemas.microsoft.com/office/mac/drawingml/2011/main" val="1"/>
+              <ma14:wrappingTextBoxFlag xmlns:ma14="http://schemas.microsoft.com/office/mac/drawingml/2011/main" xmlns="" val="1"/>
             </a:ext>
           </a:extLst>
         </p:spPr>
@@ -4628,7 +4616,28 @@
           </a:lstStyle>
           <a:p>
             <a:r>
-              <a:t>Mlst.-Präsentation Nr. 1  /  Gruppe 15</a:t>
+              <a:rPr dirty="0" err="1"/>
+              <a:t>Mlst</a:t>
+            </a:r>
+            <a:r>
+              <a:rPr dirty="0"/>
+              <a:t>.-</a:t>
+            </a:r>
+            <a:r>
+              <a:rPr dirty="0" err="1"/>
+              <a:t>Präsentation</a:t>
+            </a:r>
+            <a:r>
+              <a:rPr dirty="0"/>
+              <a:t> Nr. </a:t>
+            </a:r>
+            <a:r>
+              <a:rPr lang="de-CH" dirty="0"/>
+              <a:t>III</a:t>
+            </a:r>
+            <a:r>
+              <a:rPr dirty="0"/>
+              <a:t>  /  Gruppe 15</a:t>
             </a:r>
           </a:p>
         </p:txBody>
@@ -4691,7 +4700,7 @@
           </a:prstGeom>
           <a:extLst>
             <a:ext uri="{C572A759-6A51-4108-AA02-DFA0A04FC94B}">
-              <ma14:wrappingTextBoxFlag xmlns:ma14="http://schemas.microsoft.com/office/mac/drawingml/2011/main" val="1"/>
+              <ma14:wrappingTextBoxFlag xmlns:ma14="http://schemas.microsoft.com/office/mac/drawingml/2011/main" xmlns="" val="1"/>
             </a:ext>
           </a:extLst>
         </p:spPr>
@@ -4788,7 +4797,7 @@
           </a:ln>
           <a:extLst>
             <a:ext uri="{C572A759-6A51-4108-AA02-DFA0A04FC94B}">
-              <ma14:wrappingTextBoxFlag xmlns:ma14="http://schemas.microsoft.com/office/mac/drawingml/2011/main" val="1"/>
+              <ma14:wrappingTextBoxFlag xmlns:ma14="http://schemas.microsoft.com/office/mac/drawingml/2011/main" xmlns="" val="1"/>
             </a:ext>
           </a:extLst>
         </p:spPr>
@@ -5115,6 +5124,10 @@
             <a:r>
               <a:rPr dirty="0" err="1"/>
               <a:t>haben</a:t>
+            </a:r>
+            <a:r>
+              <a:rPr lang="de-CH" dirty="0"/>
+              <a:t>.</a:t>
             </a:r>
             <a:endParaRPr dirty="0"/>
           </a:p>
@@ -5125,14 +5138,7 @@
   <p:clrMapOvr>
     <a:masterClrMapping/>
   </p:clrMapOvr>
-  <p:transition xmlns:p14="http://schemas.microsoft.com/office/powerpoint/2010/main" spd="slow"/>
-  <p:timing>
-    <p:tnLst>
-      <p:par>
-        <p:cTn xmlns:p14="http://schemas.microsoft.com/office/powerpoint/2010/main" id="1" dur="indefinite" restart="never" nodeType="tmRoot"/>
-      </p:par>
-    </p:tnLst>
-  </p:timing>
+  <p:transition spd="slow"/>
 </p:sld>
 </file>
 
@@ -5161,8 +5167,8 @@
         </p:nvSpPr>
         <p:spPr>
           <a:xfrm>
-            <a:off x="4038600" y="6404292"/>
-            <a:ext cx="4114800" cy="269239"/>
+            <a:off x="4038600" y="6400414"/>
+            <a:ext cx="4114800" cy="276995"/>
           </a:xfrm>
           <a:prstGeom prst="rect">
             <a:avLst/>
@@ -5172,7 +5178,7 @@
           </a:ln>
           <a:extLst>
             <a:ext uri="{C572A759-6A51-4108-AA02-DFA0A04FC94B}">
-              <ma14:wrappingTextBoxFlag xmlns:ma14="http://schemas.microsoft.com/office/mac/drawingml/2011/main" val="1"/>
+              <ma14:wrappingTextBoxFlag xmlns:ma14="http://schemas.microsoft.com/office/mac/drawingml/2011/main" xmlns="" val="1"/>
             </a:ext>
           </a:extLst>
         </p:spPr>
@@ -5191,7 +5197,12 @@
           </a:lstStyle>
           <a:p>
             <a:r>
-              <a:t>Mlst.-Präsentation Nr. 1  /  Gruppe 15</a:t>
+              <a:rPr lang="de-CH" dirty="0" err="1"/>
+              <a:t>Mlst</a:t>
+            </a:r>
+            <a:r>
+              <a:rPr lang="de-CH" dirty="0"/>
+              <a:t>.-Präsentation Nr. III  /  Gruppe 15</a:t>
             </a:r>
           </a:p>
         </p:txBody>
@@ -5254,7 +5265,7 @@
           </a:prstGeom>
           <a:extLst>
             <a:ext uri="{C572A759-6A51-4108-AA02-DFA0A04FC94B}">
-              <ma14:wrappingTextBoxFlag xmlns:ma14="http://schemas.microsoft.com/office/mac/drawingml/2011/main" val="1"/>
+              <ma14:wrappingTextBoxFlag xmlns:ma14="http://schemas.microsoft.com/office/mac/drawingml/2011/main" xmlns="" val="1"/>
             </a:ext>
           </a:extLst>
         </p:spPr>
@@ -5341,7 +5352,7 @@
         <p:spPr>
           <a:xfrm>
             <a:off x="418555" y="1053000"/>
-            <a:ext cx="9678490" cy="5349239"/>
+            <a:ext cx="9678490" cy="5016754"/>
           </a:xfrm>
           <a:prstGeom prst="rect">
             <a:avLst/>
@@ -5351,7 +5362,7 @@
           </a:ln>
           <a:extLst>
             <a:ext uri="{C572A759-6A51-4108-AA02-DFA0A04FC94B}">
-              <ma14:wrappingTextBoxFlag xmlns:ma14="http://schemas.microsoft.com/office/mac/drawingml/2011/main" val="1"/>
+              <ma14:wrappingTextBoxFlag xmlns:ma14="http://schemas.microsoft.com/office/mac/drawingml/2011/main" xmlns="" val="1"/>
             </a:ext>
           </a:extLst>
         </p:spPr>
@@ -5416,29 +5427,6 @@
             </a:pPr>
             <a:r>
               <a:rPr dirty="0" err="1"/>
-              <a:t>Keiner</a:t>
-            </a:r>
-            <a:r>
-              <a:rPr dirty="0"/>
-              <a:t> </a:t>
-            </a:r>
-            <a:r>
-              <a:rPr dirty="0" err="1"/>
-              <a:t>musste</a:t>
-            </a:r>
-            <a:r>
-              <a:rPr dirty="0"/>
-              <a:t> Chef sein</a:t>
-            </a:r>
-          </a:p>
-          <a:p>
-            <a:pPr marL="800100" lvl="1" indent="-342900">
-              <a:buSzPct val="100000"/>
-              <a:buChar char="-"/>
-              <a:defRPr sz="2000"/>
-            </a:pPr>
-            <a:r>
-              <a:rPr dirty="0" err="1"/>
               <a:t>Wir</a:t>
             </a:r>
             <a:r>
@@ -5539,7 +5527,7 @@
             </a:r>
             <a:r>
               <a:rPr dirty="0"/>
-              <a:t> Server / Client </a:t>
+              <a:t> </a:t>
             </a:r>
             <a:r>
               <a:rPr dirty="0" err="1"/>
@@ -5874,14 +5862,7 @@
   <p:clrMapOvr>
     <a:masterClrMapping/>
   </p:clrMapOvr>
-  <p:transition xmlns:p14="http://schemas.microsoft.com/office/powerpoint/2010/main" spd="slow"/>
-  <p:timing>
-    <p:tnLst>
-      <p:par>
-        <p:cTn xmlns:p14="http://schemas.microsoft.com/office/powerpoint/2010/main" id="1" dur="indefinite" restart="never" nodeType="tmRoot"/>
-      </p:par>
-    </p:tnLst>
-  </p:timing>
+  <p:transition spd="slow"/>
 </p:sld>
 </file>
 
@@ -5910,8 +5891,8 @@
         </p:nvSpPr>
         <p:spPr>
           <a:xfrm>
-            <a:off x="4038600" y="6404292"/>
-            <a:ext cx="4114800" cy="269239"/>
+            <a:off x="4038600" y="6400414"/>
+            <a:ext cx="4114800" cy="276995"/>
           </a:xfrm>
           <a:prstGeom prst="rect">
             <a:avLst/>
@@ -5921,7 +5902,7 @@
           </a:ln>
           <a:extLst>
             <a:ext uri="{C572A759-6A51-4108-AA02-DFA0A04FC94B}">
-              <ma14:wrappingTextBoxFlag xmlns:ma14="http://schemas.microsoft.com/office/mac/drawingml/2011/main" val="1"/>
+              <ma14:wrappingTextBoxFlag xmlns:ma14="http://schemas.microsoft.com/office/mac/drawingml/2011/main" xmlns="" val="1"/>
             </a:ext>
           </a:extLst>
         </p:spPr>
@@ -5940,7 +5921,12 @@
           </a:lstStyle>
           <a:p>
             <a:r>
-              <a:t>Mlst.-Präsentation Nr. 1  /  Gruppe 15</a:t>
+              <a:rPr lang="de-CH" dirty="0" err="1"/>
+              <a:t>Mlst</a:t>
+            </a:r>
+            <a:r>
+              <a:rPr lang="de-CH" dirty="0"/>
+              <a:t>.-Präsentation Nr. III  /  Gruppe 15</a:t>
             </a:r>
           </a:p>
         </p:txBody>
@@ -6003,7 +5989,7 @@
           </a:prstGeom>
           <a:extLst>
             <a:ext uri="{C572A759-6A51-4108-AA02-DFA0A04FC94B}">
-              <ma14:wrappingTextBoxFlag xmlns:ma14="http://schemas.microsoft.com/office/mac/drawingml/2011/main" val="1"/>
+              <ma14:wrappingTextBoxFlag xmlns:ma14="http://schemas.microsoft.com/office/mac/drawingml/2011/main" xmlns="" val="1"/>
             </a:ext>
           </a:extLst>
         </p:spPr>
@@ -6037,7 +6023,7 @@
           </a:ln>
           <a:extLst>
             <a:ext uri="{C572A759-6A51-4108-AA02-DFA0A04FC94B}">
-              <ma14:wrappingTextBoxFlag xmlns:ma14="http://schemas.microsoft.com/office/mac/drawingml/2011/main" val="1"/>
+              <ma14:wrappingTextBoxFlag xmlns:ma14="http://schemas.microsoft.com/office/mac/drawingml/2011/main" xmlns="" val="1"/>
             </a:ext>
           </a:extLst>
         </p:spPr>
@@ -6089,14 +6075,7 @@
   <p:clrMapOvr>
     <a:masterClrMapping/>
   </p:clrMapOvr>
-  <p:transition xmlns:p14="http://schemas.microsoft.com/office/powerpoint/2010/main" spd="slow"/>
-  <p:timing>
-    <p:tnLst>
-      <p:par>
-        <p:cTn xmlns:p14="http://schemas.microsoft.com/office/powerpoint/2010/main" id="1" dur="indefinite" restart="never" nodeType="tmRoot"/>
-      </p:par>
-    </p:tnLst>
-  </p:timing>
+  <p:transition spd="slow"/>
 </p:sld>
 </file>
 
@@ -6125,8 +6104,8 @@
         </p:nvSpPr>
         <p:spPr>
           <a:xfrm>
-            <a:off x="4038600" y="6404292"/>
-            <a:ext cx="4114800" cy="269239"/>
+            <a:off x="4038600" y="6400414"/>
+            <a:ext cx="4114800" cy="276995"/>
           </a:xfrm>
           <a:prstGeom prst="rect">
             <a:avLst/>
@@ -6136,7 +6115,7 @@
           </a:ln>
           <a:extLst>
             <a:ext uri="{C572A759-6A51-4108-AA02-DFA0A04FC94B}">
-              <ma14:wrappingTextBoxFlag xmlns:ma14="http://schemas.microsoft.com/office/mac/drawingml/2011/main" val="1"/>
+              <ma14:wrappingTextBoxFlag xmlns:ma14="http://schemas.microsoft.com/office/mac/drawingml/2011/main" xmlns="" val="1"/>
             </a:ext>
           </a:extLst>
         </p:spPr>
@@ -6155,7 +6134,28 @@
           </a:lstStyle>
           <a:p>
             <a:r>
-              <a:t>Mlst.-Präsentation Nr. 1  /  Gruppe 15</a:t>
+              <a:rPr dirty="0" err="1"/>
+              <a:t>Mlst</a:t>
+            </a:r>
+            <a:r>
+              <a:rPr dirty="0"/>
+              <a:t>.-</a:t>
+            </a:r>
+            <a:r>
+              <a:rPr dirty="0" err="1"/>
+              <a:t>Präsentation</a:t>
+            </a:r>
+            <a:r>
+              <a:rPr dirty="0"/>
+              <a:t> Nr. </a:t>
+            </a:r>
+            <a:r>
+              <a:rPr lang="de-CH" dirty="0"/>
+              <a:t>III</a:t>
+            </a:r>
+            <a:r>
+              <a:rPr dirty="0"/>
+              <a:t>  /  Gruppe 15</a:t>
             </a:r>
           </a:p>
         </p:txBody>
@@ -6303,7 +6303,7 @@
           </a:prstGeom>
           <a:extLst>
             <a:ext uri="{C572A759-6A51-4108-AA02-DFA0A04FC94B}">
-              <ma14:wrappingTextBoxFlag xmlns:ma14="http://schemas.microsoft.com/office/mac/drawingml/2011/main" val="1"/>
+              <ma14:wrappingTextBoxFlag xmlns:ma14="http://schemas.microsoft.com/office/mac/drawingml/2011/main" xmlns="" val="1"/>
             </a:ext>
           </a:extLst>
         </p:spPr>
@@ -6532,14 +6532,7 @@
   <p:clrMapOvr>
     <a:masterClrMapping/>
   </p:clrMapOvr>
-  <p:transition xmlns:p14="http://schemas.microsoft.com/office/powerpoint/2010/main" spd="slow"/>
-  <p:timing>
-    <p:tnLst>
-      <p:par>
-        <p:cTn xmlns:p14="http://schemas.microsoft.com/office/powerpoint/2010/main" id="1" dur="indefinite" restart="never" nodeType="tmRoot"/>
-      </p:par>
-    </p:tnLst>
-  </p:timing>
+  <p:transition spd="slow"/>
 </p:sld>
 </file>
 
@@ -6568,8 +6561,8 @@
         </p:nvSpPr>
         <p:spPr>
           <a:xfrm>
-            <a:off x="4038600" y="6404292"/>
-            <a:ext cx="4114800" cy="269239"/>
+            <a:off x="4038600" y="6400414"/>
+            <a:ext cx="4114800" cy="276995"/>
           </a:xfrm>
           <a:prstGeom prst="rect">
             <a:avLst/>
@@ -6579,7 +6572,7 @@
           </a:ln>
           <a:extLst>
             <a:ext uri="{C572A759-6A51-4108-AA02-DFA0A04FC94B}">
-              <ma14:wrappingTextBoxFlag xmlns:ma14="http://schemas.microsoft.com/office/mac/drawingml/2011/main" val="1"/>
+              <ma14:wrappingTextBoxFlag xmlns:ma14="http://schemas.microsoft.com/office/mac/drawingml/2011/main" xmlns="" val="1"/>
             </a:ext>
           </a:extLst>
         </p:spPr>
@@ -6598,7 +6591,12 @@
           </a:lstStyle>
           <a:p>
             <a:r>
-              <a:t>Mlst.-Präsentation Nr. 1  /  Gruppe 15</a:t>
+              <a:rPr lang="de-CH" dirty="0" err="1"/>
+              <a:t>Mlst</a:t>
+            </a:r>
+            <a:r>
+              <a:rPr lang="de-CH" dirty="0"/>
+              <a:t>.-Präsentation Nr. III  /  Gruppe 15</a:t>
             </a:r>
           </a:p>
         </p:txBody>
@@ -6784,7 +6782,7 @@
           </a:prstGeom>
           <a:extLst>
             <a:ext uri="{C572A759-6A51-4108-AA02-DFA0A04FC94B}">
-              <ma14:wrappingTextBoxFlag xmlns:ma14="http://schemas.microsoft.com/office/mac/drawingml/2011/main" val="1"/>
+              <ma14:wrappingTextBoxFlag xmlns:ma14="http://schemas.microsoft.com/office/mac/drawingml/2011/main" xmlns="" val="1"/>
             </a:ext>
           </a:extLst>
         </p:spPr>
@@ -6975,14 +6973,7 @@
   <p:clrMapOvr>
     <a:masterClrMapping/>
   </p:clrMapOvr>
-  <p:transition xmlns:p14="http://schemas.microsoft.com/office/powerpoint/2010/main" spd="slow"/>
-  <p:timing>
-    <p:tnLst>
-      <p:par>
-        <p:cTn xmlns:p14="http://schemas.microsoft.com/office/powerpoint/2010/main" id="1" dur="indefinite" restart="never" nodeType="tmRoot"/>
-      </p:par>
-    </p:tnLst>
-  </p:timing>
+  <p:transition spd="slow"/>
 </p:sld>
 </file>
 
@@ -7038,8 +7029,8 @@
         </p:nvSpPr>
         <p:spPr>
           <a:xfrm>
-            <a:off x="3935999" y="6396609"/>
-            <a:ext cx="4114803" cy="269239"/>
+            <a:off x="3935999" y="6392731"/>
+            <a:ext cx="4114803" cy="276995"/>
           </a:xfrm>
           <a:prstGeom prst="rect">
             <a:avLst/>
@@ -7049,7 +7040,7 @@
           </a:ln>
           <a:extLst>
             <a:ext uri="{C572A759-6A51-4108-AA02-DFA0A04FC94B}">
-              <ma14:wrappingTextBoxFlag xmlns:ma14="http://schemas.microsoft.com/office/mac/drawingml/2011/main" val="1"/>
+              <ma14:wrappingTextBoxFlag xmlns:ma14="http://schemas.microsoft.com/office/mac/drawingml/2011/main" xmlns="" val="1"/>
             </a:ext>
           </a:extLst>
         </p:spPr>
@@ -7068,7 +7059,12 @@
           </a:lstStyle>
           <a:p>
             <a:r>
-              <a:t>Mlst.-Präsentation Nr. 1  /  Gruppe 15</a:t>
+              <a:rPr lang="de-CH" dirty="0" err="1"/>
+              <a:t>Mlst</a:t>
+            </a:r>
+            <a:r>
+              <a:rPr lang="de-CH" dirty="0"/>
+              <a:t>.-Präsentation Nr. III  /  Gruppe 15</a:t>
             </a:r>
           </a:p>
         </p:txBody>
@@ -7093,7 +7089,7 @@
           </a:prstGeom>
           <a:extLst>
             <a:ext uri="{C572A759-6A51-4108-AA02-DFA0A04FC94B}">
-              <ma14:wrappingTextBoxFlag xmlns:ma14="http://schemas.microsoft.com/office/mac/drawingml/2011/main" val="1"/>
+              <ma14:wrappingTextBoxFlag xmlns:ma14="http://schemas.microsoft.com/office/mac/drawingml/2011/main" xmlns="" val="1"/>
             </a:ext>
           </a:extLst>
         </p:spPr>
@@ -7228,14 +7224,7 @@
   <p:clrMapOvr>
     <a:masterClrMapping/>
   </p:clrMapOvr>
-  <p:transition xmlns:p14="http://schemas.microsoft.com/office/powerpoint/2010/main" spd="slow"/>
-  <p:timing>
-    <p:tnLst>
-      <p:par>
-        <p:cTn xmlns:p14="http://schemas.microsoft.com/office/powerpoint/2010/main" id="1" dur="indefinite" restart="never" nodeType="tmRoot"/>
-      </p:par>
-    </p:tnLst>
-  </p:timing>
+  <p:transition spd="slow"/>
 </p:sld>
 </file>
 
@@ -7264,8 +7253,8 @@
         </p:nvSpPr>
         <p:spPr>
           <a:xfrm>
-            <a:off x="4038600" y="6404292"/>
-            <a:ext cx="4114800" cy="269239"/>
+            <a:off x="4038600" y="6400414"/>
+            <a:ext cx="4114800" cy="276995"/>
           </a:xfrm>
           <a:prstGeom prst="rect">
             <a:avLst/>
@@ -7275,7 +7264,7 @@
           </a:ln>
           <a:extLst>
             <a:ext uri="{C572A759-6A51-4108-AA02-DFA0A04FC94B}">
-              <ma14:wrappingTextBoxFlag xmlns:ma14="http://schemas.microsoft.com/office/mac/drawingml/2011/main" val="1"/>
+              <ma14:wrappingTextBoxFlag xmlns:ma14="http://schemas.microsoft.com/office/mac/drawingml/2011/main" xmlns="" val="1"/>
             </a:ext>
           </a:extLst>
         </p:spPr>
@@ -7294,7 +7283,12 @@
           </a:lstStyle>
           <a:p>
             <a:r>
-              <a:t>Mlst.-Präsentation Nr. 1  /  Gruppe 15</a:t>
+              <a:rPr lang="de-CH" dirty="0" err="1"/>
+              <a:t>Mlst</a:t>
+            </a:r>
+            <a:r>
+              <a:rPr lang="de-CH" dirty="0"/>
+              <a:t>.-Präsentation Nr. III  /  Gruppe 15</a:t>
             </a:r>
           </a:p>
         </p:txBody>
@@ -7480,7 +7474,7 @@
           </a:prstGeom>
           <a:extLst>
             <a:ext uri="{C572A759-6A51-4108-AA02-DFA0A04FC94B}">
-              <ma14:wrappingTextBoxFlag xmlns:ma14="http://schemas.microsoft.com/office/mac/drawingml/2011/main" val="1"/>
+              <ma14:wrappingTextBoxFlag xmlns:ma14="http://schemas.microsoft.com/office/mac/drawingml/2011/main" xmlns="" val="1"/>
             </a:ext>
           </a:extLst>
         </p:spPr>
@@ -7671,14 +7665,7 @@
   <p:clrMapOvr>
     <a:masterClrMapping/>
   </p:clrMapOvr>
-  <p:transition xmlns:p14="http://schemas.microsoft.com/office/powerpoint/2010/main" spd="slow"/>
-  <p:timing>
-    <p:tnLst>
-      <p:par>
-        <p:cTn xmlns:p14="http://schemas.microsoft.com/office/powerpoint/2010/main" id="1" dur="indefinite" restart="never" nodeType="tmRoot"/>
-      </p:par>
-    </p:tnLst>
-  </p:timing>
+  <p:transition spd="slow"/>
 </p:sld>
 </file>
 
@@ -7718,7 +7705,7 @@
           </a:ln>
           <a:extLst>
             <a:ext uri="{C572A759-6A51-4108-AA02-DFA0A04FC94B}">
-              <ma14:wrappingTextBoxFlag xmlns:ma14="http://schemas.microsoft.com/office/mac/drawingml/2011/main" val="1"/>
+              <ma14:wrappingTextBoxFlag xmlns:ma14="http://schemas.microsoft.com/office/mac/drawingml/2011/main" xmlns="" val="1"/>
             </a:ext>
           </a:extLst>
         </p:spPr>
@@ -7783,7 +7770,7 @@
           </a:prstGeom>
           <a:extLst>
             <a:ext uri="{C572A759-6A51-4108-AA02-DFA0A04FC94B}">
-              <ma14:wrappingTextBoxFlag xmlns:ma14="http://schemas.microsoft.com/office/mac/drawingml/2011/main" val="1"/>
+              <ma14:wrappingTextBoxFlag xmlns:ma14="http://schemas.microsoft.com/office/mac/drawingml/2011/main" xmlns="" val="1"/>
             </a:ext>
           </a:extLst>
         </p:spPr>
@@ -7924,7 +7911,7 @@
           </a:ln>
           <a:extLst>
             <a:ext uri="{C572A759-6A51-4108-AA02-DFA0A04FC94B}">
-              <ma14:wrappingTextBoxFlag xmlns:ma14="http://schemas.microsoft.com/office/mac/drawingml/2011/main" val="1"/>
+              <ma14:wrappingTextBoxFlag xmlns:ma14="http://schemas.microsoft.com/office/mac/drawingml/2011/main" xmlns="" val="1"/>
             </a:ext>
           </a:extLst>
         </p:spPr>
@@ -8274,10 +8261,6 @@
             <a:r>
               <a:rPr dirty="0" err="1"/>
               <a:t>verschiedene</a:t>
-            </a:r>
-            <a:r>
-              <a:rPr dirty="0"/>
-              <a:t/>
             </a:r>
             <a:br>
               <a:rPr dirty="0"/>
@@ -8502,14 +8485,7 @@
   <p:clrMapOvr>
     <a:masterClrMapping/>
   </p:clrMapOvr>
-  <p:transition xmlns:p14="http://schemas.microsoft.com/office/powerpoint/2010/main" spd="slow"/>
-  <p:timing>
-    <p:tnLst>
-      <p:par>
-        <p:cTn xmlns:p14="http://schemas.microsoft.com/office/powerpoint/2010/main" id="1" dur="indefinite" restart="never" nodeType="tmRoot"/>
-      </p:par>
-    </p:tnLst>
-  </p:timing>
+  <p:transition spd="slow"/>
 </p:sld>
 </file>
 
@@ -8538,8 +8514,8 @@
         </p:nvSpPr>
         <p:spPr>
           <a:xfrm>
-            <a:off x="3935999" y="6396609"/>
-            <a:ext cx="4114803" cy="269239"/>
+            <a:off x="3935999" y="6392731"/>
+            <a:ext cx="4114803" cy="276995"/>
           </a:xfrm>
           <a:prstGeom prst="rect">
             <a:avLst/>
@@ -8549,7 +8525,7 @@
           </a:ln>
           <a:extLst>
             <a:ext uri="{C572A759-6A51-4108-AA02-DFA0A04FC94B}">
-              <ma14:wrappingTextBoxFlag xmlns:ma14="http://schemas.microsoft.com/office/mac/drawingml/2011/main" val="1"/>
+              <ma14:wrappingTextBoxFlag xmlns:ma14="http://schemas.microsoft.com/office/mac/drawingml/2011/main" xmlns="" val="1"/>
             </a:ext>
           </a:extLst>
         </p:spPr>
@@ -8568,7 +8544,12 @@
           </a:lstStyle>
           <a:p>
             <a:r>
-              <a:t>Mlst.-Präsentation Nr. 1  /  Gruppe 15</a:t>
+              <a:rPr lang="de-CH" dirty="0" err="1"/>
+              <a:t>Mlst</a:t>
+            </a:r>
+            <a:r>
+              <a:rPr lang="de-CH" dirty="0"/>
+              <a:t>.-Präsentation Nr. III  /  Gruppe 15</a:t>
             </a:r>
           </a:p>
         </p:txBody>
@@ -8593,7 +8574,7 @@
           </a:prstGeom>
           <a:extLst>
             <a:ext uri="{C572A759-6A51-4108-AA02-DFA0A04FC94B}">
-              <ma14:wrappingTextBoxFlag xmlns:ma14="http://schemas.microsoft.com/office/mac/drawingml/2011/main" val="1"/>
+              <ma14:wrappingTextBoxFlag xmlns:ma14="http://schemas.microsoft.com/office/mac/drawingml/2011/main" xmlns="" val="1"/>
             </a:ext>
           </a:extLst>
         </p:spPr>
@@ -8741,14 +8722,7 @@
   <p:clrMapOvr>
     <a:masterClrMapping/>
   </p:clrMapOvr>
-  <p:transition xmlns:p14="http://schemas.microsoft.com/office/powerpoint/2010/main" spd="slow"/>
-  <p:timing>
-    <p:tnLst>
-      <p:par>
-        <p:cTn xmlns:p14="http://schemas.microsoft.com/office/powerpoint/2010/main" id="1" dur="indefinite" restart="never" nodeType="tmRoot"/>
-      </p:par>
-    </p:tnLst>
-  </p:timing>
+  <p:transition spd="slow"/>
 </p:sld>
 </file>
 
@@ -8777,8 +8751,8 @@
         </p:nvSpPr>
         <p:spPr>
           <a:xfrm>
-            <a:off x="4038600" y="6404292"/>
-            <a:ext cx="4114800" cy="269239"/>
+            <a:off x="4038600" y="6400414"/>
+            <a:ext cx="4114800" cy="276995"/>
           </a:xfrm>
           <a:prstGeom prst="rect">
             <a:avLst/>
@@ -8788,7 +8762,7 @@
           </a:ln>
           <a:extLst>
             <a:ext uri="{C572A759-6A51-4108-AA02-DFA0A04FC94B}">
-              <ma14:wrappingTextBoxFlag xmlns:ma14="http://schemas.microsoft.com/office/mac/drawingml/2011/main" val="1"/>
+              <ma14:wrappingTextBoxFlag xmlns:ma14="http://schemas.microsoft.com/office/mac/drawingml/2011/main" xmlns="" val="1"/>
             </a:ext>
           </a:extLst>
         </p:spPr>
@@ -8807,7 +8781,12 @@
           </a:lstStyle>
           <a:p>
             <a:r>
-              <a:t>Mlst.-Präsentation Nr. 1  /  Gruppe 15</a:t>
+              <a:rPr lang="de-CH" dirty="0" err="1"/>
+              <a:t>Mlst</a:t>
+            </a:r>
+            <a:r>
+              <a:rPr lang="de-CH" dirty="0"/>
+              <a:t>.-Präsentation Nr. III  /  Gruppe 15</a:t>
             </a:r>
           </a:p>
         </p:txBody>
@@ -8884,8 +8863,14 @@
               </a:defRPr>
             </a:pPr>
             <a:r>
-              <a:t>Outline / Spieldemonstration</a:t>
-            </a:r>
+              <a:rPr dirty="0"/>
+              <a:t>Outline / </a:t>
+            </a:r>
+            <a:r>
+              <a:rPr dirty="0" err="1"/>
+              <a:t>Spieldemonstration</a:t>
+            </a:r>
+            <a:endParaRPr dirty="0"/>
           </a:p>
           <a:p>
             <a:pPr marL="0" indent="0">
@@ -8898,7 +8883,7 @@
                 <a:sym typeface="Arial"/>
               </a:defRPr>
             </a:pPr>
-            <a:endParaRPr/>
+            <a:endParaRPr dirty="0"/>
           </a:p>
           <a:p>
             <a:pPr marL="0" indent="0">
@@ -8912,8 +8897,10 @@
               </a:defRPr>
             </a:pPr>
             <a:r>
+              <a:rPr dirty="0" err="1"/>
               <a:t>Spiellogik</a:t>
             </a:r>
+            <a:endParaRPr dirty="0"/>
           </a:p>
           <a:p>
             <a:pPr marL="0" indent="0">
@@ -8926,7 +8913,7 @@
                 <a:sym typeface="Arial"/>
               </a:defRPr>
             </a:pPr>
-            <a:endParaRPr/>
+            <a:endParaRPr dirty="0"/>
           </a:p>
           <a:p>
             <a:pPr marL="0" indent="0">
@@ -8940,8 +8927,18 @@
               </a:defRPr>
             </a:pPr>
             <a:r>
-              <a:t>Technische Eigenheiten</a:t>
-            </a:r>
+              <a:rPr dirty="0" err="1"/>
+              <a:t>Technische</a:t>
+            </a:r>
+            <a:r>
+              <a:rPr dirty="0"/>
+              <a:t> </a:t>
+            </a:r>
+            <a:r>
+              <a:rPr dirty="0" err="1"/>
+              <a:t>Eigenheiten</a:t>
+            </a:r>
+            <a:endParaRPr dirty="0"/>
           </a:p>
           <a:p>
             <a:pPr marL="0" indent="0">
@@ -8954,7 +8951,7 @@
                 <a:sym typeface="Arial"/>
               </a:defRPr>
             </a:pPr>
-            <a:endParaRPr/>
+            <a:endParaRPr dirty="0"/>
           </a:p>
           <a:p>
             <a:pPr marL="0" indent="0">
@@ -8968,8 +8965,18 @@
               </a:defRPr>
             </a:pPr>
             <a:r>
-              <a:t>Standpunkt / Zwischenresümee</a:t>
-            </a:r>
+              <a:rPr dirty="0" err="1"/>
+              <a:t>Standpunkt</a:t>
+            </a:r>
+            <a:r>
+              <a:rPr dirty="0"/>
+              <a:t> / </a:t>
+            </a:r>
+            <a:r>
+              <a:rPr dirty="0" err="1"/>
+              <a:t>Zwischenresümee</a:t>
+            </a:r>
+            <a:endParaRPr dirty="0"/>
           </a:p>
         </p:txBody>
       </p:sp>
@@ -8993,7 +9000,7 @@
           </a:prstGeom>
           <a:extLst>
             <a:ext uri="{C572A759-6A51-4108-AA02-DFA0A04FC94B}">
-              <ma14:wrappingTextBoxFlag xmlns:ma14="http://schemas.microsoft.com/office/mac/drawingml/2011/main" val="1"/>
+              <ma14:wrappingTextBoxFlag xmlns:ma14="http://schemas.microsoft.com/office/mac/drawingml/2011/main" xmlns="" val="1"/>
             </a:ext>
           </a:extLst>
         </p:spPr>
@@ -9184,14 +9191,7 @@
   <p:clrMapOvr>
     <a:masterClrMapping/>
   </p:clrMapOvr>
-  <p:transition xmlns:p14="http://schemas.microsoft.com/office/powerpoint/2010/main" spd="slow"/>
-  <p:timing>
-    <p:tnLst>
-      <p:par>
-        <p:cTn xmlns:p14="http://schemas.microsoft.com/office/powerpoint/2010/main" id="1" dur="indefinite" restart="never" nodeType="tmRoot"/>
-      </p:par>
-    </p:tnLst>
-  </p:timing>
+  <p:transition spd="slow"/>
 </p:sld>
 </file>
 
@@ -9220,8 +9220,8 @@
         </p:nvSpPr>
         <p:spPr>
           <a:xfrm>
-            <a:off x="4038600" y="6404292"/>
-            <a:ext cx="4114800" cy="269239"/>
+            <a:off x="4038600" y="6400414"/>
+            <a:ext cx="4114800" cy="276995"/>
           </a:xfrm>
           <a:prstGeom prst="rect">
             <a:avLst/>
@@ -9231,7 +9231,7 @@
           </a:ln>
           <a:extLst>
             <a:ext uri="{C572A759-6A51-4108-AA02-DFA0A04FC94B}">
-              <ma14:wrappingTextBoxFlag xmlns:ma14="http://schemas.microsoft.com/office/mac/drawingml/2011/main" val="1"/>
+              <ma14:wrappingTextBoxFlag xmlns:ma14="http://schemas.microsoft.com/office/mac/drawingml/2011/main" xmlns="" val="1"/>
             </a:ext>
           </a:extLst>
         </p:spPr>
@@ -9250,7 +9250,12 @@
           </a:lstStyle>
           <a:p>
             <a:r>
-              <a:t>Mlst.-Präsentation Nr. 1  /  Gruppe 15</a:t>
+              <a:rPr lang="de-CH" dirty="0" err="1"/>
+              <a:t>Mlst</a:t>
+            </a:r>
+            <a:r>
+              <a:rPr lang="de-CH" dirty="0"/>
+              <a:t>.-Präsentation Nr. III  /  Gruppe 15</a:t>
             </a:r>
           </a:p>
         </p:txBody>
@@ -9313,7 +9318,7 @@
           </a:prstGeom>
           <a:extLst>
             <a:ext uri="{C572A759-6A51-4108-AA02-DFA0A04FC94B}">
-              <ma14:wrappingTextBoxFlag xmlns:ma14="http://schemas.microsoft.com/office/mac/drawingml/2011/main" val="1"/>
+              <ma14:wrappingTextBoxFlag xmlns:ma14="http://schemas.microsoft.com/office/mac/drawingml/2011/main" xmlns="" val="1"/>
             </a:ext>
           </a:extLst>
         </p:spPr>
@@ -9410,7 +9415,7 @@
           </a:ln>
           <a:extLst>
             <a:ext uri="{C572A759-6A51-4108-AA02-DFA0A04FC94B}">
-              <ma14:wrappingTextBoxFlag xmlns:ma14="http://schemas.microsoft.com/office/mac/drawingml/2011/main" val="1"/>
+              <ma14:wrappingTextBoxFlag xmlns:ma14="http://schemas.microsoft.com/office/mac/drawingml/2011/main" xmlns="" val="1"/>
             </a:ext>
           </a:extLst>
         </p:spPr>
@@ -9606,14 +9611,7 @@
   <p:clrMapOvr>
     <a:masterClrMapping/>
   </p:clrMapOvr>
-  <p:transition xmlns:p14="http://schemas.microsoft.com/office/powerpoint/2010/main" spd="slow"/>
-  <p:timing>
-    <p:tnLst>
-      <p:par>
-        <p:cTn xmlns:p14="http://schemas.microsoft.com/office/powerpoint/2010/main" id="1" dur="indefinite" restart="never" nodeType="tmRoot"/>
-      </p:par>
-    </p:tnLst>
-  </p:timing>
+  <p:transition spd="slow"/>
 </p:sld>
 </file>
 

--- a/00_General/Presentation/MS 3/Presentation_Milestone_iii_Master.pptx
+++ b/00_General/Presentation/MS 3/Presentation_Milestone_iii_Master.pptx
@@ -2297,7 +2297,7 @@
           </a:ln>
           <a:extLst>
             <a:ext uri="{C572A759-6A51-4108-AA02-DFA0A04FC94B}">
-              <ma14:wrappingTextBoxFlag xmlns:ma14="http://schemas.microsoft.com/office/mac/drawingml/2011/main" xmlns="" val="1"/>
+              <ma14:wrappingTextBoxFlag xmlns="" xmlns:ma14="http://schemas.microsoft.com/office/mac/drawingml/2011/main" val="1"/>
             </a:ext>
           </a:extLst>
         </p:spPr>
@@ -2336,7 +2336,7 @@
           </a:ln>
           <a:extLst>
             <a:ext uri="{C572A759-6A51-4108-AA02-DFA0A04FC94B}">
-              <ma14:wrappingTextBoxFlag xmlns:ma14="http://schemas.microsoft.com/office/mac/drawingml/2011/main" xmlns="" val="1"/>
+              <ma14:wrappingTextBoxFlag xmlns="" xmlns:ma14="http://schemas.microsoft.com/office/mac/drawingml/2011/main" val="1"/>
             </a:ext>
           </a:extLst>
         </p:spPr>
@@ -3276,7 +3276,7 @@
           </a:ln>
           <a:extLst>
             <a:ext uri="{C572A759-6A51-4108-AA02-DFA0A04FC94B}">
-              <ma14:wrappingTextBoxFlag xmlns:ma14="http://schemas.microsoft.com/office/mac/drawingml/2011/main" xmlns="" val="1"/>
+              <ma14:wrappingTextBoxFlag xmlns="" xmlns:ma14="http://schemas.microsoft.com/office/mac/drawingml/2011/main" val="1"/>
             </a:ext>
           </a:extLst>
         </p:spPr>
@@ -3627,7 +3627,7 @@
           </a:ln>
           <a:extLst>
             <a:ext uri="{C572A759-6A51-4108-AA02-DFA0A04FC94B}">
-              <ma14:wrappingTextBoxFlag xmlns:ma14="http://schemas.microsoft.com/office/mac/drawingml/2011/main" xmlns="" val="1"/>
+              <ma14:wrappingTextBoxFlag xmlns="" xmlns:ma14="http://schemas.microsoft.com/office/mac/drawingml/2011/main" val="1"/>
             </a:ext>
           </a:extLst>
         </p:spPr>
@@ -3850,7 +3850,7 @@
           </a:ln>
           <a:extLst>
             <a:ext uri="{C572A759-6A51-4108-AA02-DFA0A04FC94B}">
-              <ma14:wrappingTextBoxFlag xmlns:ma14="http://schemas.microsoft.com/office/mac/drawingml/2011/main" xmlns="" val="1"/>
+              <ma14:wrappingTextBoxFlag xmlns="" xmlns:ma14="http://schemas.microsoft.com/office/mac/drawingml/2011/main" val="1"/>
             </a:ext>
           </a:extLst>
         </p:spPr>
@@ -3937,7 +3937,7 @@
           </a:prstGeom>
           <a:extLst>
             <a:ext uri="{C572A759-6A51-4108-AA02-DFA0A04FC94B}">
-              <ma14:wrappingTextBoxFlag xmlns:ma14="http://schemas.microsoft.com/office/mac/drawingml/2011/main" xmlns="" val="1"/>
+              <ma14:wrappingTextBoxFlag xmlns="" xmlns:ma14="http://schemas.microsoft.com/office/mac/drawingml/2011/main" val="1"/>
             </a:ext>
           </a:extLst>
         </p:spPr>
@@ -4034,7 +4034,7 @@
           </a:ln>
           <a:extLst>
             <a:ext uri="{C572A759-6A51-4108-AA02-DFA0A04FC94B}">
-              <ma14:wrappingTextBoxFlag xmlns:ma14="http://schemas.microsoft.com/office/mac/drawingml/2011/main" xmlns="" val="1"/>
+              <ma14:wrappingTextBoxFlag xmlns="" xmlns:ma14="http://schemas.microsoft.com/office/mac/drawingml/2011/main" val="1"/>
             </a:ext>
           </a:extLst>
         </p:spPr>
@@ -4129,7 +4129,7 @@
           </a:ln>
           <a:extLst>
             <a:ext uri="{C572A759-6A51-4108-AA02-DFA0A04FC94B}">
-              <ma14:wrappingTextBoxFlag xmlns:ma14="http://schemas.microsoft.com/office/mac/drawingml/2011/main" xmlns="" val="1"/>
+              <ma14:wrappingTextBoxFlag xmlns="" xmlns:ma14="http://schemas.microsoft.com/office/mac/drawingml/2011/main" val="1"/>
             </a:ext>
           </a:extLst>
         </p:spPr>
@@ -4339,7 +4339,7 @@
           </a:prstGeom>
           <a:extLst>
             <a:ext uri="{C572A759-6A51-4108-AA02-DFA0A04FC94B}">
-              <ma14:wrappingTextBoxFlag xmlns:ma14="http://schemas.microsoft.com/office/mac/drawingml/2011/main" xmlns="" val="1"/>
+              <ma14:wrappingTextBoxFlag xmlns="" xmlns:ma14="http://schemas.microsoft.com/office/mac/drawingml/2011/main" val="1"/>
             </a:ext>
           </a:extLst>
         </p:spPr>
@@ -4597,7 +4597,7 @@
           </a:ln>
           <a:extLst>
             <a:ext uri="{C572A759-6A51-4108-AA02-DFA0A04FC94B}">
-              <ma14:wrappingTextBoxFlag xmlns:ma14="http://schemas.microsoft.com/office/mac/drawingml/2011/main" xmlns="" val="1"/>
+              <ma14:wrappingTextBoxFlag xmlns="" xmlns:ma14="http://schemas.microsoft.com/office/mac/drawingml/2011/main" val="1"/>
             </a:ext>
           </a:extLst>
         </p:spPr>
@@ -4700,7 +4700,7 @@
           </a:prstGeom>
           <a:extLst>
             <a:ext uri="{C572A759-6A51-4108-AA02-DFA0A04FC94B}">
-              <ma14:wrappingTextBoxFlag xmlns:ma14="http://schemas.microsoft.com/office/mac/drawingml/2011/main" xmlns="" val="1"/>
+              <ma14:wrappingTextBoxFlag xmlns="" xmlns:ma14="http://schemas.microsoft.com/office/mac/drawingml/2011/main" val="1"/>
             </a:ext>
           </a:extLst>
         </p:spPr>
@@ -4797,7 +4797,7 @@
           </a:ln>
           <a:extLst>
             <a:ext uri="{C572A759-6A51-4108-AA02-DFA0A04FC94B}">
-              <ma14:wrappingTextBoxFlag xmlns:ma14="http://schemas.microsoft.com/office/mac/drawingml/2011/main" xmlns="" val="1"/>
+              <ma14:wrappingTextBoxFlag xmlns="" xmlns:ma14="http://schemas.microsoft.com/office/mac/drawingml/2011/main" val="1"/>
             </a:ext>
           </a:extLst>
         </p:spPr>
@@ -4846,16 +4846,24 @@
               <a:t> </a:t>
             </a:r>
             <a:r>
+              <a:rPr lang="de-CH" dirty="0"/>
+              <a:t>G</a:t>
+            </a:r>
+            <a:r>
               <a:rPr dirty="0" err="1"/>
-              <a:t>grossen</a:t>
+              <a:t>rossen</a:t>
             </a:r>
             <a:r>
               <a:rPr dirty="0"/>
               <a:t> und </a:t>
             </a:r>
             <a:r>
+              <a:rPr lang="de-CH" dirty="0"/>
+              <a:t>G</a:t>
+            </a:r>
+            <a:r>
               <a:rPr dirty="0" err="1"/>
-              <a:t>ganzen</a:t>
+              <a:t>anzen</a:t>
             </a:r>
             <a:r>
               <a:rPr dirty="0"/>
@@ -5051,8 +5059,12 @@
               <a:t> 180° </a:t>
             </a:r>
             <a:r>
+              <a:rPr lang="de-CH" dirty="0"/>
+              <a:t>D</a:t>
+            </a:r>
+            <a:r>
               <a:rPr dirty="0" err="1"/>
-              <a:t>drehungen</a:t>
+              <a:t>rehungen</a:t>
             </a:r>
             <a:r>
               <a:rPr dirty="0"/>
@@ -5178,7 +5190,7 @@
           </a:ln>
           <a:extLst>
             <a:ext uri="{C572A759-6A51-4108-AA02-DFA0A04FC94B}">
-              <ma14:wrappingTextBoxFlag xmlns:ma14="http://schemas.microsoft.com/office/mac/drawingml/2011/main" xmlns="" val="1"/>
+              <ma14:wrappingTextBoxFlag xmlns="" xmlns:ma14="http://schemas.microsoft.com/office/mac/drawingml/2011/main" val="1"/>
             </a:ext>
           </a:extLst>
         </p:spPr>
@@ -5265,7 +5277,7 @@
           </a:prstGeom>
           <a:extLst>
             <a:ext uri="{C572A759-6A51-4108-AA02-DFA0A04FC94B}">
-              <ma14:wrappingTextBoxFlag xmlns:ma14="http://schemas.microsoft.com/office/mac/drawingml/2011/main" xmlns="" val="1"/>
+              <ma14:wrappingTextBoxFlag xmlns="" xmlns:ma14="http://schemas.microsoft.com/office/mac/drawingml/2011/main" val="1"/>
             </a:ext>
           </a:extLst>
         </p:spPr>
@@ -5362,7 +5374,7 @@
           </a:ln>
           <a:extLst>
             <a:ext uri="{C572A759-6A51-4108-AA02-DFA0A04FC94B}">
-              <ma14:wrappingTextBoxFlag xmlns:ma14="http://schemas.microsoft.com/office/mac/drawingml/2011/main" xmlns="" val="1"/>
+              <ma14:wrappingTextBoxFlag xmlns="" xmlns:ma14="http://schemas.microsoft.com/office/mac/drawingml/2011/main" val="1"/>
             </a:ext>
           </a:extLst>
         </p:spPr>
@@ -5902,7 +5914,7 @@
           </a:ln>
           <a:extLst>
             <a:ext uri="{C572A759-6A51-4108-AA02-DFA0A04FC94B}">
-              <ma14:wrappingTextBoxFlag xmlns:ma14="http://schemas.microsoft.com/office/mac/drawingml/2011/main" xmlns="" val="1"/>
+              <ma14:wrappingTextBoxFlag xmlns="" xmlns:ma14="http://schemas.microsoft.com/office/mac/drawingml/2011/main" val="1"/>
             </a:ext>
           </a:extLst>
         </p:spPr>
@@ -5989,7 +6001,7 @@
           </a:prstGeom>
           <a:extLst>
             <a:ext uri="{C572A759-6A51-4108-AA02-DFA0A04FC94B}">
-              <ma14:wrappingTextBoxFlag xmlns:ma14="http://schemas.microsoft.com/office/mac/drawingml/2011/main" xmlns="" val="1"/>
+              <ma14:wrappingTextBoxFlag xmlns="" xmlns:ma14="http://schemas.microsoft.com/office/mac/drawingml/2011/main" val="1"/>
             </a:ext>
           </a:extLst>
         </p:spPr>
@@ -6023,7 +6035,7 @@
           </a:ln>
           <a:extLst>
             <a:ext uri="{C572A759-6A51-4108-AA02-DFA0A04FC94B}">
-              <ma14:wrappingTextBoxFlag xmlns:ma14="http://schemas.microsoft.com/office/mac/drawingml/2011/main" xmlns="" val="1"/>
+              <ma14:wrappingTextBoxFlag xmlns="" xmlns:ma14="http://schemas.microsoft.com/office/mac/drawingml/2011/main" val="1"/>
             </a:ext>
           </a:extLst>
         </p:spPr>
@@ -6115,7 +6127,7 @@
           </a:ln>
           <a:extLst>
             <a:ext uri="{C572A759-6A51-4108-AA02-DFA0A04FC94B}">
-              <ma14:wrappingTextBoxFlag xmlns:ma14="http://schemas.microsoft.com/office/mac/drawingml/2011/main" xmlns="" val="1"/>
+              <ma14:wrappingTextBoxFlag xmlns="" xmlns:ma14="http://schemas.microsoft.com/office/mac/drawingml/2011/main" val="1"/>
             </a:ext>
           </a:extLst>
         </p:spPr>
@@ -6303,7 +6315,7 @@
           </a:prstGeom>
           <a:extLst>
             <a:ext uri="{C572A759-6A51-4108-AA02-DFA0A04FC94B}">
-              <ma14:wrappingTextBoxFlag xmlns:ma14="http://schemas.microsoft.com/office/mac/drawingml/2011/main" xmlns="" val="1"/>
+              <ma14:wrappingTextBoxFlag xmlns="" xmlns:ma14="http://schemas.microsoft.com/office/mac/drawingml/2011/main" val="1"/>
             </a:ext>
           </a:extLst>
         </p:spPr>
@@ -6572,7 +6584,7 @@
           </a:ln>
           <a:extLst>
             <a:ext uri="{C572A759-6A51-4108-AA02-DFA0A04FC94B}">
-              <ma14:wrappingTextBoxFlag xmlns:ma14="http://schemas.microsoft.com/office/mac/drawingml/2011/main" xmlns="" val="1"/>
+              <ma14:wrappingTextBoxFlag xmlns="" xmlns:ma14="http://schemas.microsoft.com/office/mac/drawingml/2011/main" val="1"/>
             </a:ext>
           </a:extLst>
         </p:spPr>
@@ -6782,7 +6794,7 @@
           </a:prstGeom>
           <a:extLst>
             <a:ext uri="{C572A759-6A51-4108-AA02-DFA0A04FC94B}">
-              <ma14:wrappingTextBoxFlag xmlns:ma14="http://schemas.microsoft.com/office/mac/drawingml/2011/main" xmlns="" val="1"/>
+              <ma14:wrappingTextBoxFlag xmlns="" xmlns:ma14="http://schemas.microsoft.com/office/mac/drawingml/2011/main" val="1"/>
             </a:ext>
           </a:extLst>
         </p:spPr>
@@ -7040,7 +7052,7 @@
           </a:ln>
           <a:extLst>
             <a:ext uri="{C572A759-6A51-4108-AA02-DFA0A04FC94B}">
-              <ma14:wrappingTextBoxFlag xmlns:ma14="http://schemas.microsoft.com/office/mac/drawingml/2011/main" xmlns="" val="1"/>
+              <ma14:wrappingTextBoxFlag xmlns="" xmlns:ma14="http://schemas.microsoft.com/office/mac/drawingml/2011/main" val="1"/>
             </a:ext>
           </a:extLst>
         </p:spPr>
@@ -7089,7 +7101,7 @@
           </a:prstGeom>
           <a:extLst>
             <a:ext uri="{C572A759-6A51-4108-AA02-DFA0A04FC94B}">
-              <ma14:wrappingTextBoxFlag xmlns:ma14="http://schemas.microsoft.com/office/mac/drawingml/2011/main" xmlns="" val="1"/>
+              <ma14:wrappingTextBoxFlag xmlns="" xmlns:ma14="http://schemas.microsoft.com/office/mac/drawingml/2011/main" val="1"/>
             </a:ext>
           </a:extLst>
         </p:spPr>
@@ -7264,7 +7276,7 @@
           </a:ln>
           <a:extLst>
             <a:ext uri="{C572A759-6A51-4108-AA02-DFA0A04FC94B}">
-              <ma14:wrappingTextBoxFlag xmlns:ma14="http://schemas.microsoft.com/office/mac/drawingml/2011/main" xmlns="" val="1"/>
+              <ma14:wrappingTextBoxFlag xmlns="" xmlns:ma14="http://schemas.microsoft.com/office/mac/drawingml/2011/main" val="1"/>
             </a:ext>
           </a:extLst>
         </p:spPr>
@@ -7474,7 +7486,7 @@
           </a:prstGeom>
           <a:extLst>
             <a:ext uri="{C572A759-6A51-4108-AA02-DFA0A04FC94B}">
-              <ma14:wrappingTextBoxFlag xmlns:ma14="http://schemas.microsoft.com/office/mac/drawingml/2011/main" xmlns="" val="1"/>
+              <ma14:wrappingTextBoxFlag xmlns="" xmlns:ma14="http://schemas.microsoft.com/office/mac/drawingml/2011/main" val="1"/>
             </a:ext>
           </a:extLst>
         </p:spPr>
@@ -7705,7 +7717,7 @@
           </a:ln>
           <a:extLst>
             <a:ext uri="{C572A759-6A51-4108-AA02-DFA0A04FC94B}">
-              <ma14:wrappingTextBoxFlag xmlns:ma14="http://schemas.microsoft.com/office/mac/drawingml/2011/main" xmlns="" val="1"/>
+              <ma14:wrappingTextBoxFlag xmlns="" xmlns:ma14="http://schemas.microsoft.com/office/mac/drawingml/2011/main" val="1"/>
             </a:ext>
           </a:extLst>
         </p:spPr>
@@ -7770,7 +7782,7 @@
           </a:prstGeom>
           <a:extLst>
             <a:ext uri="{C572A759-6A51-4108-AA02-DFA0A04FC94B}">
-              <ma14:wrappingTextBoxFlag xmlns:ma14="http://schemas.microsoft.com/office/mac/drawingml/2011/main" xmlns="" val="1"/>
+              <ma14:wrappingTextBoxFlag xmlns="" xmlns:ma14="http://schemas.microsoft.com/office/mac/drawingml/2011/main" val="1"/>
             </a:ext>
           </a:extLst>
         </p:spPr>
@@ -7911,7 +7923,7 @@
           </a:ln>
           <a:extLst>
             <a:ext uri="{C572A759-6A51-4108-AA02-DFA0A04FC94B}">
-              <ma14:wrappingTextBoxFlag xmlns:ma14="http://schemas.microsoft.com/office/mac/drawingml/2011/main" xmlns="" val="1"/>
+              <ma14:wrappingTextBoxFlag xmlns="" xmlns:ma14="http://schemas.microsoft.com/office/mac/drawingml/2011/main" val="1"/>
             </a:ext>
           </a:extLst>
         </p:spPr>
@@ -8525,7 +8537,7 @@
           </a:ln>
           <a:extLst>
             <a:ext uri="{C572A759-6A51-4108-AA02-DFA0A04FC94B}">
-              <ma14:wrappingTextBoxFlag xmlns:ma14="http://schemas.microsoft.com/office/mac/drawingml/2011/main" xmlns="" val="1"/>
+              <ma14:wrappingTextBoxFlag xmlns="" xmlns:ma14="http://schemas.microsoft.com/office/mac/drawingml/2011/main" val="1"/>
             </a:ext>
           </a:extLst>
         </p:spPr>
@@ -8574,7 +8586,7 @@
           </a:prstGeom>
           <a:extLst>
             <a:ext uri="{C572A759-6A51-4108-AA02-DFA0A04FC94B}">
-              <ma14:wrappingTextBoxFlag xmlns:ma14="http://schemas.microsoft.com/office/mac/drawingml/2011/main" xmlns="" val="1"/>
+              <ma14:wrappingTextBoxFlag xmlns="" xmlns:ma14="http://schemas.microsoft.com/office/mac/drawingml/2011/main" val="1"/>
             </a:ext>
           </a:extLst>
         </p:spPr>
@@ -8762,7 +8774,7 @@
           </a:ln>
           <a:extLst>
             <a:ext uri="{C572A759-6A51-4108-AA02-DFA0A04FC94B}">
-              <ma14:wrappingTextBoxFlag xmlns:ma14="http://schemas.microsoft.com/office/mac/drawingml/2011/main" xmlns="" val="1"/>
+              <ma14:wrappingTextBoxFlag xmlns="" xmlns:ma14="http://schemas.microsoft.com/office/mac/drawingml/2011/main" val="1"/>
             </a:ext>
           </a:extLst>
         </p:spPr>
@@ -9000,7 +9012,7 @@
           </a:prstGeom>
           <a:extLst>
             <a:ext uri="{C572A759-6A51-4108-AA02-DFA0A04FC94B}">
-              <ma14:wrappingTextBoxFlag xmlns:ma14="http://schemas.microsoft.com/office/mac/drawingml/2011/main" xmlns="" val="1"/>
+              <ma14:wrappingTextBoxFlag xmlns="" xmlns:ma14="http://schemas.microsoft.com/office/mac/drawingml/2011/main" val="1"/>
             </a:ext>
           </a:extLst>
         </p:spPr>
@@ -9231,7 +9243,7 @@
           </a:ln>
           <a:extLst>
             <a:ext uri="{C572A759-6A51-4108-AA02-DFA0A04FC94B}">
-              <ma14:wrappingTextBoxFlag xmlns:ma14="http://schemas.microsoft.com/office/mac/drawingml/2011/main" xmlns="" val="1"/>
+              <ma14:wrappingTextBoxFlag xmlns="" xmlns:ma14="http://schemas.microsoft.com/office/mac/drawingml/2011/main" val="1"/>
             </a:ext>
           </a:extLst>
         </p:spPr>
@@ -9318,7 +9330,7 @@
           </a:prstGeom>
           <a:extLst>
             <a:ext uri="{C572A759-6A51-4108-AA02-DFA0A04FC94B}">
-              <ma14:wrappingTextBoxFlag xmlns:ma14="http://schemas.microsoft.com/office/mac/drawingml/2011/main" xmlns="" val="1"/>
+              <ma14:wrappingTextBoxFlag xmlns="" xmlns:ma14="http://schemas.microsoft.com/office/mac/drawingml/2011/main" val="1"/>
             </a:ext>
           </a:extLst>
         </p:spPr>
@@ -9405,7 +9417,7 @@
         <p:spPr>
           <a:xfrm>
             <a:off x="425998" y="1150597"/>
-            <a:ext cx="4640690" cy="3761026"/>
+            <a:ext cx="4996557" cy="4499689"/>
           </a:xfrm>
           <a:prstGeom prst="rect">
             <a:avLst/>
@@ -9415,7 +9427,7 @@
           </a:ln>
           <a:extLst>
             <a:ext uri="{C572A759-6A51-4108-AA02-DFA0A04FC94B}">
-              <ma14:wrappingTextBoxFlag xmlns:ma14="http://schemas.microsoft.com/office/mac/drawingml/2011/main" xmlns="" val="1"/>
+              <ma14:wrappingTextBoxFlag xmlns="" xmlns:ma14="http://schemas.microsoft.com/office/mac/drawingml/2011/main" val="1"/>
             </a:ext>
           </a:extLst>
         </p:spPr>
@@ -9453,13 +9465,12 @@
             </a:r>
             <a:r>
               <a:rPr lang="de-CH" dirty="0" err="1"/>
-              <a:t>Jbutton</a:t>
+              <a:t>JButton</a:t>
             </a:r>
             <a:r>
               <a:rPr lang="de-CH" dirty="0"/>
               <a:t>)</a:t>
             </a:r>
-            <a:endParaRPr dirty="0"/>
           </a:p>
           <a:p>
             <a:pPr marL="581525" lvl="1" indent="-200525">
@@ -9472,8 +9483,49 @@
             </a:pPr>
             <a:r>
               <a:rPr lang="de-CH" dirty="0"/>
-              <a:t>"Ein Frame " für Chat und Game</a:t>
-            </a:r>
+              <a:t>Karten (.</a:t>
+            </a:r>
+            <a:r>
+              <a:rPr lang="de-CH" dirty="0" err="1"/>
+              <a:t>png</a:t>
+            </a:r>
+            <a:r>
+              <a:rPr lang="de-CH" dirty="0"/>
+              <a:t>) werden über </a:t>
+            </a:r>
+            <a:r>
+              <a:rPr lang="de-CH" dirty="0" err="1"/>
+              <a:t>Jbutton</a:t>
+            </a:r>
+            <a:r>
+              <a:rPr lang="de-CH" dirty="0"/>
+              <a:t> gelegt</a:t>
+            </a:r>
+            <a:endParaRPr dirty="0"/>
+          </a:p>
+          <a:p>
+            <a:pPr marL="581525" lvl="1" indent="-200525">
+              <a:lnSpc>
+                <a:spcPct val="120000"/>
+              </a:lnSpc>
+              <a:buSzPct val="100000"/>
+              <a:buChar char="•"/>
+              <a:defRPr sz="2000"/>
+            </a:pPr>
+            <a:r>
+              <a:rPr lang="de-CH" dirty="0"/>
+              <a:t>"Ein Frame" für Chat und Game</a:t>
+            </a:r>
+          </a:p>
+          <a:p>
+            <a:pPr marL="581525" lvl="1" indent="-200525">
+              <a:lnSpc>
+                <a:spcPct val="120000"/>
+              </a:lnSpc>
+              <a:buSzPct val="100000"/>
+              <a:buChar char="•"/>
+              <a:defRPr sz="2000"/>
+            </a:pPr>
             <a:endParaRPr dirty="0"/>
           </a:p>
           <a:p>

--- a/00_General/Presentation/MS 3/Presentation_Milestone_iii_Master.pptx
+++ b/00_General/Presentation/MS 3/Presentation_Milestone_iii_Master.pptx
@@ -609,7 +609,7 @@
           <a:lstStyle/>
           <a:p>
             <a:fld id="{86CB4B4D-7CA3-9044-876B-883B54F8677D}" type="slidenum">
-              <a:t>‹Nr.›</a:t>
+              <a:t>‹#›</a:t>
             </a:fld>
             <a:endParaRPr/>
           </a:p>
@@ -807,7 +807,7 @@
           <a:lstStyle/>
           <a:p>
             <a:fld id="{86CB4B4D-7CA3-9044-876B-883B54F8677D}" type="slidenum">
-              <a:t>‹Nr.›</a:t>
+              <a:t>‹#›</a:t>
             </a:fld>
             <a:endParaRPr/>
           </a:p>
@@ -933,7 +933,7 @@
           <a:lstStyle/>
           <a:p>
             <a:fld id="{86CB4B4D-7CA3-9044-876B-883B54F8677D}" type="slidenum">
-              <a:t>‹Nr.›</a:t>
+              <a:t>‹#›</a:t>
             </a:fld>
             <a:endParaRPr/>
           </a:p>
@@ -1067,7 +1067,7 @@
           <a:lstStyle/>
           <a:p>
             <a:fld id="{86CB4B4D-7CA3-9044-876B-883B54F8677D}" type="slidenum">
-              <a:t>‹Nr.›</a:t>
+              <a:t>‹#›</a:t>
             </a:fld>
             <a:endParaRPr/>
           </a:p>
@@ -1201,7 +1201,7 @@
           <a:lstStyle/>
           <a:p>
             <a:fld id="{86CB4B4D-7CA3-9044-876B-883B54F8677D}" type="slidenum">
-              <a:t>‹Nr.›</a:t>
+              <a:t>‹#›</a:t>
             </a:fld>
             <a:endParaRPr/>
           </a:p>
@@ -1327,7 +1327,7 @@
           <a:lstStyle/>
           <a:p>
             <a:fld id="{86CB4B4D-7CA3-9044-876B-883B54F8677D}" type="slidenum">
-              <a:t>‹Nr.›</a:t>
+              <a:t>‹#›</a:t>
             </a:fld>
             <a:endParaRPr/>
           </a:p>
@@ -1461,7 +1461,7 @@
           <a:lstStyle/>
           <a:p>
             <a:fld id="{86CB4B4D-7CA3-9044-876B-883B54F8677D}" type="slidenum">
-              <a:t>‹Nr.›</a:t>
+              <a:t>‹#›</a:t>
             </a:fld>
             <a:endParaRPr/>
           </a:p>
@@ -1650,7 +1650,7 @@
           <a:lstStyle/>
           <a:p>
             <a:fld id="{86CB4B4D-7CA3-9044-876B-883B54F8677D}" type="slidenum">
-              <a:t>‹Nr.›</a:t>
+              <a:t>‹#›</a:t>
             </a:fld>
             <a:endParaRPr/>
           </a:p>
@@ -1780,7 +1780,7 @@
           <a:lstStyle/>
           <a:p>
             <a:fld id="{86CB4B4D-7CA3-9044-876B-883B54F8677D}" type="slidenum">
-              <a:t>‹Nr.›</a:t>
+              <a:t>‹#›</a:t>
             </a:fld>
             <a:endParaRPr/>
           </a:p>
@@ -1924,7 +1924,7 @@
           <a:lstStyle/>
           <a:p>
             <a:fld id="{86CB4B4D-7CA3-9044-876B-883B54F8677D}" type="slidenum">
-              <a:t>‹Nr.›</a:t>
+              <a:t>‹#›</a:t>
             </a:fld>
             <a:endParaRPr/>
           </a:p>
@@ -2001,7 +2001,7 @@
           <a:lstStyle/>
           <a:p>
             <a:fld id="{86CB4B4D-7CA3-9044-876B-883B54F8677D}" type="slidenum">
-              <a:t>‹Nr.›</a:t>
+              <a:t>‹#›</a:t>
             </a:fld>
             <a:endParaRPr/>
           </a:p>
@@ -2053,7 +2053,7 @@
           <a:lstStyle/>
           <a:p>
             <a:fld id="{86CB4B4D-7CA3-9044-876B-883B54F8677D}" type="slidenum">
-              <a:t>‹Nr.›</a:t>
+              <a:t>‹#›</a:t>
             </a:fld>
             <a:endParaRPr/>
           </a:p>
@@ -2234,7 +2234,7 @@
           <a:lstStyle/>
           <a:p>
             <a:fld id="{86CB4B4D-7CA3-9044-876B-883B54F8677D}" type="slidenum">
-              <a:t>‹Nr.›</a:t>
+              <a:t>‹#›</a:t>
             </a:fld>
             <a:endParaRPr/>
           </a:p>
@@ -2297,7 +2297,7 @@
           </a:ln>
           <a:extLst>
             <a:ext uri="{C572A759-6A51-4108-AA02-DFA0A04FC94B}">
-              <ma14:wrappingTextBoxFlag xmlns="" xmlns:ma14="http://schemas.microsoft.com/office/mac/drawingml/2011/main" val="1"/>
+              <ma14:wrappingTextBoxFlag xmlns:ma14="http://schemas.microsoft.com/office/mac/drawingml/2011/main" xmlns="" val="1"/>
             </a:ext>
           </a:extLst>
         </p:spPr>
@@ -2336,7 +2336,7 @@
           </a:ln>
           <a:extLst>
             <a:ext uri="{C572A759-6A51-4108-AA02-DFA0A04FC94B}">
-              <ma14:wrappingTextBoxFlag xmlns="" xmlns:ma14="http://schemas.microsoft.com/office/mac/drawingml/2011/main" val="1"/>
+              <ma14:wrappingTextBoxFlag xmlns:ma14="http://schemas.microsoft.com/office/mac/drawingml/2011/main" xmlns="" val="1"/>
             </a:ext>
           </a:extLst>
         </p:spPr>
@@ -2413,7 +2413,7 @@
           </a:lstStyle>
           <a:p>
             <a:fld id="{86CB4B4D-7CA3-9044-876B-883B54F8677D}" type="slidenum">
-              <a:t>‹Nr.›</a:t>
+              <a:t>‹#›</a:t>
             </a:fld>
             <a:endParaRPr/>
           </a:p>
@@ -3276,7 +3276,7 @@
           </a:ln>
           <a:extLst>
             <a:ext uri="{C572A759-6A51-4108-AA02-DFA0A04FC94B}">
-              <ma14:wrappingTextBoxFlag xmlns="" xmlns:ma14="http://schemas.microsoft.com/office/mac/drawingml/2011/main" val="1"/>
+              <ma14:wrappingTextBoxFlag xmlns:ma14="http://schemas.microsoft.com/office/mac/drawingml/2011/main" xmlns="" val="1"/>
             </a:ext>
           </a:extLst>
         </p:spPr>
@@ -3627,7 +3627,7 @@
           </a:ln>
           <a:extLst>
             <a:ext uri="{C572A759-6A51-4108-AA02-DFA0A04FC94B}">
-              <ma14:wrappingTextBoxFlag xmlns="" xmlns:ma14="http://schemas.microsoft.com/office/mac/drawingml/2011/main" val="1"/>
+              <ma14:wrappingTextBoxFlag xmlns:ma14="http://schemas.microsoft.com/office/mac/drawingml/2011/main" xmlns="" val="1"/>
             </a:ext>
           </a:extLst>
         </p:spPr>
@@ -3850,7 +3850,7 @@
           </a:ln>
           <a:extLst>
             <a:ext uri="{C572A759-6A51-4108-AA02-DFA0A04FC94B}">
-              <ma14:wrappingTextBoxFlag xmlns="" xmlns:ma14="http://schemas.microsoft.com/office/mac/drawingml/2011/main" val="1"/>
+              <ma14:wrappingTextBoxFlag xmlns:ma14="http://schemas.microsoft.com/office/mac/drawingml/2011/main" xmlns="" val="1"/>
             </a:ext>
           </a:extLst>
         </p:spPr>
@@ -3937,7 +3937,7 @@
           </a:prstGeom>
           <a:extLst>
             <a:ext uri="{C572A759-6A51-4108-AA02-DFA0A04FC94B}">
-              <ma14:wrappingTextBoxFlag xmlns="" xmlns:ma14="http://schemas.microsoft.com/office/mac/drawingml/2011/main" val="1"/>
+              <ma14:wrappingTextBoxFlag xmlns:ma14="http://schemas.microsoft.com/office/mac/drawingml/2011/main" xmlns="" val="1"/>
             </a:ext>
           </a:extLst>
         </p:spPr>
@@ -4034,7 +4034,7 @@
           </a:ln>
           <a:extLst>
             <a:ext uri="{C572A759-6A51-4108-AA02-DFA0A04FC94B}">
-              <ma14:wrappingTextBoxFlag xmlns="" xmlns:ma14="http://schemas.microsoft.com/office/mac/drawingml/2011/main" val="1"/>
+              <ma14:wrappingTextBoxFlag xmlns:ma14="http://schemas.microsoft.com/office/mac/drawingml/2011/main" xmlns="" val="1"/>
             </a:ext>
           </a:extLst>
         </p:spPr>
@@ -4129,7 +4129,7 @@
           </a:ln>
           <a:extLst>
             <a:ext uri="{C572A759-6A51-4108-AA02-DFA0A04FC94B}">
-              <ma14:wrappingTextBoxFlag xmlns="" xmlns:ma14="http://schemas.microsoft.com/office/mac/drawingml/2011/main" val="1"/>
+              <ma14:wrappingTextBoxFlag xmlns:ma14="http://schemas.microsoft.com/office/mac/drawingml/2011/main" xmlns="" val="1"/>
             </a:ext>
           </a:extLst>
         </p:spPr>
@@ -4339,7 +4339,7 @@
           </a:prstGeom>
           <a:extLst>
             <a:ext uri="{C572A759-6A51-4108-AA02-DFA0A04FC94B}">
-              <ma14:wrappingTextBoxFlag xmlns="" xmlns:ma14="http://schemas.microsoft.com/office/mac/drawingml/2011/main" val="1"/>
+              <ma14:wrappingTextBoxFlag xmlns:ma14="http://schemas.microsoft.com/office/mac/drawingml/2011/main" xmlns="" val="1"/>
             </a:ext>
           </a:extLst>
         </p:spPr>
@@ -4597,7 +4597,7 @@
           </a:ln>
           <a:extLst>
             <a:ext uri="{C572A759-6A51-4108-AA02-DFA0A04FC94B}">
-              <ma14:wrappingTextBoxFlag xmlns="" xmlns:ma14="http://schemas.microsoft.com/office/mac/drawingml/2011/main" val="1"/>
+              <ma14:wrappingTextBoxFlag xmlns:ma14="http://schemas.microsoft.com/office/mac/drawingml/2011/main" xmlns="" val="1"/>
             </a:ext>
           </a:extLst>
         </p:spPr>
@@ -4700,7 +4700,7 @@
           </a:prstGeom>
           <a:extLst>
             <a:ext uri="{C572A759-6A51-4108-AA02-DFA0A04FC94B}">
-              <ma14:wrappingTextBoxFlag xmlns="" xmlns:ma14="http://schemas.microsoft.com/office/mac/drawingml/2011/main" val="1"/>
+              <ma14:wrappingTextBoxFlag xmlns:ma14="http://schemas.microsoft.com/office/mac/drawingml/2011/main" xmlns="" val="1"/>
             </a:ext>
           </a:extLst>
         </p:spPr>
@@ -4797,7 +4797,7 @@
           </a:ln>
           <a:extLst>
             <a:ext uri="{C572A759-6A51-4108-AA02-DFA0A04FC94B}">
-              <ma14:wrappingTextBoxFlag xmlns="" xmlns:ma14="http://schemas.microsoft.com/office/mac/drawingml/2011/main" val="1"/>
+              <ma14:wrappingTextBoxFlag xmlns:ma14="http://schemas.microsoft.com/office/mac/drawingml/2011/main" xmlns="" val="1"/>
             </a:ext>
           </a:extLst>
         </p:spPr>
@@ -5190,7 +5190,7 @@
           </a:ln>
           <a:extLst>
             <a:ext uri="{C572A759-6A51-4108-AA02-DFA0A04FC94B}">
-              <ma14:wrappingTextBoxFlag xmlns="" xmlns:ma14="http://schemas.microsoft.com/office/mac/drawingml/2011/main" val="1"/>
+              <ma14:wrappingTextBoxFlag xmlns:ma14="http://schemas.microsoft.com/office/mac/drawingml/2011/main" xmlns="" val="1"/>
             </a:ext>
           </a:extLst>
         </p:spPr>
@@ -5277,7 +5277,7 @@
           </a:prstGeom>
           <a:extLst>
             <a:ext uri="{C572A759-6A51-4108-AA02-DFA0A04FC94B}">
-              <ma14:wrappingTextBoxFlag xmlns="" xmlns:ma14="http://schemas.microsoft.com/office/mac/drawingml/2011/main" val="1"/>
+              <ma14:wrappingTextBoxFlag xmlns:ma14="http://schemas.microsoft.com/office/mac/drawingml/2011/main" xmlns="" val="1"/>
             </a:ext>
           </a:extLst>
         </p:spPr>
@@ -5374,7 +5374,7 @@
           </a:ln>
           <a:extLst>
             <a:ext uri="{C572A759-6A51-4108-AA02-DFA0A04FC94B}">
-              <ma14:wrappingTextBoxFlag xmlns="" xmlns:ma14="http://schemas.microsoft.com/office/mac/drawingml/2011/main" val="1"/>
+              <ma14:wrappingTextBoxFlag xmlns:ma14="http://schemas.microsoft.com/office/mac/drawingml/2011/main" xmlns="" val="1"/>
             </a:ext>
           </a:extLst>
         </p:spPr>
@@ -5914,7 +5914,7 @@
           </a:ln>
           <a:extLst>
             <a:ext uri="{C572A759-6A51-4108-AA02-DFA0A04FC94B}">
-              <ma14:wrappingTextBoxFlag xmlns="" xmlns:ma14="http://schemas.microsoft.com/office/mac/drawingml/2011/main" val="1"/>
+              <ma14:wrappingTextBoxFlag xmlns:ma14="http://schemas.microsoft.com/office/mac/drawingml/2011/main" xmlns="" val="1"/>
             </a:ext>
           </a:extLst>
         </p:spPr>
@@ -6001,7 +6001,7 @@
           </a:prstGeom>
           <a:extLst>
             <a:ext uri="{C572A759-6A51-4108-AA02-DFA0A04FC94B}">
-              <ma14:wrappingTextBoxFlag xmlns="" xmlns:ma14="http://schemas.microsoft.com/office/mac/drawingml/2011/main" val="1"/>
+              <ma14:wrappingTextBoxFlag xmlns:ma14="http://schemas.microsoft.com/office/mac/drawingml/2011/main" xmlns="" val="1"/>
             </a:ext>
           </a:extLst>
         </p:spPr>
@@ -6035,7 +6035,7 @@
           </a:ln>
           <a:extLst>
             <a:ext uri="{C572A759-6A51-4108-AA02-DFA0A04FC94B}">
-              <ma14:wrappingTextBoxFlag xmlns="" xmlns:ma14="http://schemas.microsoft.com/office/mac/drawingml/2011/main" val="1"/>
+              <ma14:wrappingTextBoxFlag xmlns:ma14="http://schemas.microsoft.com/office/mac/drawingml/2011/main" xmlns="" val="1"/>
             </a:ext>
           </a:extLst>
         </p:spPr>
@@ -6127,7 +6127,7 @@
           </a:ln>
           <a:extLst>
             <a:ext uri="{C572A759-6A51-4108-AA02-DFA0A04FC94B}">
-              <ma14:wrappingTextBoxFlag xmlns="" xmlns:ma14="http://schemas.microsoft.com/office/mac/drawingml/2011/main" val="1"/>
+              <ma14:wrappingTextBoxFlag xmlns:ma14="http://schemas.microsoft.com/office/mac/drawingml/2011/main" xmlns="" val="1"/>
             </a:ext>
           </a:extLst>
         </p:spPr>
@@ -6315,7 +6315,7 @@
           </a:prstGeom>
           <a:extLst>
             <a:ext uri="{C572A759-6A51-4108-AA02-DFA0A04FC94B}">
-              <ma14:wrappingTextBoxFlag xmlns="" xmlns:ma14="http://schemas.microsoft.com/office/mac/drawingml/2011/main" val="1"/>
+              <ma14:wrappingTextBoxFlag xmlns:ma14="http://schemas.microsoft.com/office/mac/drawingml/2011/main" xmlns="" val="1"/>
             </a:ext>
           </a:extLst>
         </p:spPr>
@@ -6584,7 +6584,7 @@
           </a:ln>
           <a:extLst>
             <a:ext uri="{C572A759-6A51-4108-AA02-DFA0A04FC94B}">
-              <ma14:wrappingTextBoxFlag xmlns="" xmlns:ma14="http://schemas.microsoft.com/office/mac/drawingml/2011/main" val="1"/>
+              <ma14:wrappingTextBoxFlag xmlns:ma14="http://schemas.microsoft.com/office/mac/drawingml/2011/main" xmlns="" val="1"/>
             </a:ext>
           </a:extLst>
         </p:spPr>
@@ -6794,7 +6794,7 @@
           </a:prstGeom>
           <a:extLst>
             <a:ext uri="{C572A759-6A51-4108-AA02-DFA0A04FC94B}">
-              <ma14:wrappingTextBoxFlag xmlns="" xmlns:ma14="http://schemas.microsoft.com/office/mac/drawingml/2011/main" val="1"/>
+              <ma14:wrappingTextBoxFlag xmlns:ma14="http://schemas.microsoft.com/office/mac/drawingml/2011/main" xmlns="" val="1"/>
             </a:ext>
           </a:extLst>
         </p:spPr>
@@ -7052,7 +7052,7 @@
           </a:ln>
           <a:extLst>
             <a:ext uri="{C572A759-6A51-4108-AA02-DFA0A04FC94B}">
-              <ma14:wrappingTextBoxFlag xmlns="" xmlns:ma14="http://schemas.microsoft.com/office/mac/drawingml/2011/main" val="1"/>
+              <ma14:wrappingTextBoxFlag xmlns:ma14="http://schemas.microsoft.com/office/mac/drawingml/2011/main" xmlns="" val="1"/>
             </a:ext>
           </a:extLst>
         </p:spPr>
@@ -7101,7 +7101,7 @@
           </a:prstGeom>
           <a:extLst>
             <a:ext uri="{C572A759-6A51-4108-AA02-DFA0A04FC94B}">
-              <ma14:wrappingTextBoxFlag xmlns="" xmlns:ma14="http://schemas.microsoft.com/office/mac/drawingml/2011/main" val="1"/>
+              <ma14:wrappingTextBoxFlag xmlns:ma14="http://schemas.microsoft.com/office/mac/drawingml/2011/main" xmlns="" val="1"/>
             </a:ext>
           </a:extLst>
         </p:spPr>
@@ -7276,7 +7276,7 @@
           </a:ln>
           <a:extLst>
             <a:ext uri="{C572A759-6A51-4108-AA02-DFA0A04FC94B}">
-              <ma14:wrappingTextBoxFlag xmlns="" xmlns:ma14="http://schemas.microsoft.com/office/mac/drawingml/2011/main" val="1"/>
+              <ma14:wrappingTextBoxFlag xmlns:ma14="http://schemas.microsoft.com/office/mac/drawingml/2011/main" xmlns="" val="1"/>
             </a:ext>
           </a:extLst>
         </p:spPr>
@@ -7486,7 +7486,7 @@
           </a:prstGeom>
           <a:extLst>
             <a:ext uri="{C572A759-6A51-4108-AA02-DFA0A04FC94B}">
-              <ma14:wrappingTextBoxFlag xmlns="" xmlns:ma14="http://schemas.microsoft.com/office/mac/drawingml/2011/main" val="1"/>
+              <ma14:wrappingTextBoxFlag xmlns:ma14="http://schemas.microsoft.com/office/mac/drawingml/2011/main" xmlns="" val="1"/>
             </a:ext>
           </a:extLst>
         </p:spPr>
@@ -7717,7 +7717,7 @@
           </a:ln>
           <a:extLst>
             <a:ext uri="{C572A759-6A51-4108-AA02-DFA0A04FC94B}">
-              <ma14:wrappingTextBoxFlag xmlns="" xmlns:ma14="http://schemas.microsoft.com/office/mac/drawingml/2011/main" val="1"/>
+              <ma14:wrappingTextBoxFlag xmlns:ma14="http://schemas.microsoft.com/office/mac/drawingml/2011/main" xmlns="" val="1"/>
             </a:ext>
           </a:extLst>
         </p:spPr>
@@ -7782,7 +7782,7 @@
           </a:prstGeom>
           <a:extLst>
             <a:ext uri="{C572A759-6A51-4108-AA02-DFA0A04FC94B}">
-              <ma14:wrappingTextBoxFlag xmlns="" xmlns:ma14="http://schemas.microsoft.com/office/mac/drawingml/2011/main" val="1"/>
+              <ma14:wrappingTextBoxFlag xmlns:ma14="http://schemas.microsoft.com/office/mac/drawingml/2011/main" xmlns="" val="1"/>
             </a:ext>
           </a:extLst>
         </p:spPr>
@@ -7923,7 +7923,7 @@
           </a:ln>
           <a:extLst>
             <a:ext uri="{C572A759-6A51-4108-AA02-DFA0A04FC94B}">
-              <ma14:wrappingTextBoxFlag xmlns="" xmlns:ma14="http://schemas.microsoft.com/office/mac/drawingml/2011/main" val="1"/>
+              <ma14:wrappingTextBoxFlag xmlns:ma14="http://schemas.microsoft.com/office/mac/drawingml/2011/main" xmlns="" val="1"/>
             </a:ext>
           </a:extLst>
         </p:spPr>
@@ -8537,7 +8537,7 @@
           </a:ln>
           <a:extLst>
             <a:ext uri="{C572A759-6A51-4108-AA02-DFA0A04FC94B}">
-              <ma14:wrappingTextBoxFlag xmlns="" xmlns:ma14="http://schemas.microsoft.com/office/mac/drawingml/2011/main" val="1"/>
+              <ma14:wrappingTextBoxFlag xmlns:ma14="http://schemas.microsoft.com/office/mac/drawingml/2011/main" xmlns="" val="1"/>
             </a:ext>
           </a:extLst>
         </p:spPr>
@@ -8586,7 +8586,7 @@
           </a:prstGeom>
           <a:extLst>
             <a:ext uri="{C572A759-6A51-4108-AA02-DFA0A04FC94B}">
-              <ma14:wrappingTextBoxFlag xmlns="" xmlns:ma14="http://schemas.microsoft.com/office/mac/drawingml/2011/main" val="1"/>
+              <ma14:wrappingTextBoxFlag xmlns:ma14="http://schemas.microsoft.com/office/mac/drawingml/2011/main" xmlns="" val="1"/>
             </a:ext>
           </a:extLst>
         </p:spPr>
@@ -8774,7 +8774,7 @@
           </a:ln>
           <a:extLst>
             <a:ext uri="{C572A759-6A51-4108-AA02-DFA0A04FC94B}">
-              <ma14:wrappingTextBoxFlag xmlns="" xmlns:ma14="http://schemas.microsoft.com/office/mac/drawingml/2011/main" val="1"/>
+              <ma14:wrappingTextBoxFlag xmlns:ma14="http://schemas.microsoft.com/office/mac/drawingml/2011/main" xmlns="" val="1"/>
             </a:ext>
           </a:extLst>
         </p:spPr>
@@ -9012,7 +9012,7 @@
           </a:prstGeom>
           <a:extLst>
             <a:ext uri="{C572A759-6A51-4108-AA02-DFA0A04FC94B}">
-              <ma14:wrappingTextBoxFlag xmlns="" xmlns:ma14="http://schemas.microsoft.com/office/mac/drawingml/2011/main" val="1"/>
+              <ma14:wrappingTextBoxFlag xmlns:ma14="http://schemas.microsoft.com/office/mac/drawingml/2011/main" xmlns="" val="1"/>
             </a:ext>
           </a:extLst>
         </p:spPr>
@@ -9243,7 +9243,7 @@
           </a:ln>
           <a:extLst>
             <a:ext uri="{C572A759-6A51-4108-AA02-DFA0A04FC94B}">
-              <ma14:wrappingTextBoxFlag xmlns="" xmlns:ma14="http://schemas.microsoft.com/office/mac/drawingml/2011/main" val="1"/>
+              <ma14:wrappingTextBoxFlag xmlns:ma14="http://schemas.microsoft.com/office/mac/drawingml/2011/main" xmlns="" val="1"/>
             </a:ext>
           </a:extLst>
         </p:spPr>
@@ -9330,7 +9330,7 @@
           </a:prstGeom>
           <a:extLst>
             <a:ext uri="{C572A759-6A51-4108-AA02-DFA0A04FC94B}">
-              <ma14:wrappingTextBoxFlag xmlns="" xmlns:ma14="http://schemas.microsoft.com/office/mac/drawingml/2011/main" val="1"/>
+              <ma14:wrappingTextBoxFlag xmlns:ma14="http://schemas.microsoft.com/office/mac/drawingml/2011/main" xmlns="" val="1"/>
             </a:ext>
           </a:extLst>
         </p:spPr>
@@ -9417,7 +9417,7 @@
         <p:spPr>
           <a:xfrm>
             <a:off x="425998" y="1150597"/>
-            <a:ext cx="4996557" cy="4499689"/>
+            <a:ext cx="4996557" cy="4869021"/>
           </a:xfrm>
           <a:prstGeom prst="rect">
             <a:avLst/>
@@ -9427,7 +9427,7 @@
           </a:ln>
           <a:extLst>
             <a:ext uri="{C572A759-6A51-4108-AA02-DFA0A04FC94B}">
-              <ma14:wrappingTextBoxFlag xmlns="" xmlns:ma14="http://schemas.microsoft.com/office/mac/drawingml/2011/main" val="1"/>
+              <ma14:wrappingTextBoxFlag xmlns:ma14="http://schemas.microsoft.com/office/mac/drawingml/2011/main" xmlns="" val="1"/>
             </a:ext>
           </a:extLst>
         </p:spPr>
@@ -9446,8 +9446,20 @@
               <a:defRPr sz="2000" b="1"/>
             </a:pPr>
             <a:r>
-              <a:rPr dirty="0"/>
-              <a:t>GUI</a:t>
+              <a:rPr dirty="0" err="1"/>
+              <a:t>Genutzte</a:t>
+            </a:r>
+            <a:r>
+              <a:rPr dirty="0"/>
+              <a:t> </a:t>
+            </a:r>
+            <a:r>
+              <a:rPr dirty="0" err="1"/>
+              <a:t>externe</a:t>
+            </a:r>
+            <a:r>
+              <a:rPr dirty="0"/>
+              <a:t> library: Apache Log4j 2</a:t>
             </a:r>
           </a:p>
           <a:p>
@@ -9460,17 +9472,60 @@
               <a:defRPr sz="2000"/>
             </a:pPr>
             <a:r>
-              <a:rPr lang="de-CH" dirty="0"/>
-              <a:t>Einfach gestaltet (</a:t>
-            </a:r>
-            <a:r>
-              <a:rPr lang="de-CH" dirty="0" err="1"/>
-              <a:t>JButton</a:t>
-            </a:r>
-            <a:r>
-              <a:rPr lang="de-CH" dirty="0"/>
-              <a:t>)</a:t>
-            </a:r>
+              <a:rPr dirty="0" err="1"/>
+              <a:t>Vorteile</a:t>
+            </a:r>
+            <a:r>
+              <a:rPr dirty="0"/>
+              <a:t>:</a:t>
+            </a:r>
+          </a:p>
+          <a:p>
+            <a:pPr marL="1343526" lvl="3" indent="-200526">
+              <a:lnSpc>
+                <a:spcPct val="120000"/>
+              </a:lnSpc>
+              <a:buSzPct val="100000"/>
+              <a:buChar char="•"/>
+              <a:defRPr sz="2000"/>
+            </a:pPr>
+            <a:r>
+              <a:rPr dirty="0"/>
+              <a:t>Levels</a:t>
+            </a:r>
+          </a:p>
+          <a:p>
+            <a:pPr marL="1343526" lvl="3" indent="-200526">
+              <a:lnSpc>
+                <a:spcPct val="120000"/>
+              </a:lnSpc>
+              <a:buSzPct val="100000"/>
+              <a:buChar char="•"/>
+              <a:defRPr sz="2000"/>
+            </a:pPr>
+            <a:r>
+              <a:rPr dirty="0"/>
+              <a:t>Timestamps</a:t>
+            </a:r>
+          </a:p>
+          <a:p>
+            <a:pPr marL="1343526" lvl="3" indent="-200526">
+              <a:lnSpc>
+                <a:spcPct val="120000"/>
+              </a:lnSpc>
+              <a:buSzPct val="100000"/>
+              <a:buChar char="•"/>
+              <a:defRPr sz="2000"/>
+            </a:pPr>
+            <a:r>
+              <a:rPr dirty="0"/>
+              <a:t>Log in </a:t>
+            </a:r>
+            <a:r>
+              <a:rPr dirty="0" err="1"/>
+              <a:t>Datei</a:t>
+            </a:r>
+            <a:endParaRPr dirty="0"/>
           </a:p>
           <a:p>
             <a:pPr marL="581525" lvl="1" indent="-200525">
@@ -9482,26 +9537,46 @@
               <a:defRPr sz="2000"/>
             </a:pPr>
             <a:r>
-              <a:rPr lang="de-CH" dirty="0"/>
-              <a:t>Karten (.</a:t>
-            </a:r>
-            <a:r>
-              <a:rPr lang="de-CH" dirty="0" err="1"/>
-              <a:t>png</a:t>
-            </a:r>
-            <a:r>
-              <a:rPr lang="de-CH" dirty="0"/>
-              <a:t>) werden über </a:t>
-            </a:r>
-            <a:r>
-              <a:rPr lang="de-CH" dirty="0" err="1"/>
-              <a:t>Jbutton</a:t>
-            </a:r>
-            <a:r>
-              <a:rPr lang="de-CH" dirty="0"/>
-              <a:t> gelegt</a:t>
-            </a:r>
-            <a:endParaRPr dirty="0"/>
+              <a:rPr dirty="0" err="1"/>
+              <a:t>Konfiguration</a:t>
+            </a:r>
+            <a:r>
+              <a:rPr dirty="0"/>
+              <a:t>:</a:t>
+            </a:r>
+          </a:p>
+          <a:p>
+            <a:pPr marL="1343526" lvl="3" indent="-200526">
+              <a:lnSpc>
+                <a:spcPct val="120000"/>
+              </a:lnSpc>
+              <a:buSzPct val="100000"/>
+              <a:buChar char="•"/>
+              <a:defRPr sz="2000"/>
+            </a:pPr>
+            <a:r>
+              <a:rPr dirty="0"/>
+              <a:t>.properties </a:t>
+            </a:r>
+            <a:r>
+              <a:rPr dirty="0" err="1"/>
+              <a:t>Datei</a:t>
+            </a:r>
+            <a:endParaRPr lang="en-CH" dirty="0"/>
+          </a:p>
+          <a:p>
+            <a:pPr marL="200526" indent="-200526">
+              <a:lnSpc>
+                <a:spcPct val="120000"/>
+              </a:lnSpc>
+              <a:buSzPct val="100000"/>
+              <a:buChar char="•"/>
+              <a:defRPr sz="2000" b="1"/>
+            </a:pPr>
+            <a:r>
+              <a:rPr lang="de-DE" dirty="0"/>
+              <a:t>GUI</a:t>
+            </a:r>
           </a:p>
           <a:p>
             <a:pPr marL="581525" lvl="1" indent="-200525">
@@ -9513,8 +9588,8 @@
               <a:defRPr sz="2000"/>
             </a:pPr>
             <a:r>
-              <a:rPr lang="de-CH" dirty="0"/>
-              <a:t>"Ein Frame" für Chat und Game</a:t>
+              <a:rPr lang="de-DE" dirty="0"/>
+              <a:t>Einfach gestaltet (JButton)</a:t>
             </a:r>
           </a:p>
           <a:p>
@@ -9526,32 +9601,9 @@
               <a:buChar char="•"/>
               <a:defRPr sz="2000"/>
             </a:pPr>
-            <a:endParaRPr dirty="0"/>
-          </a:p>
-          <a:p>
-            <a:pPr marL="200526" indent="-200526">
-              <a:lnSpc>
-                <a:spcPct val="120000"/>
-              </a:lnSpc>
-              <a:buSzPct val="100000"/>
-              <a:buChar char="•"/>
-              <a:defRPr sz="2000" b="1"/>
-            </a:pPr>
-            <a:r>
-              <a:rPr dirty="0" err="1"/>
-              <a:t>Genutzte</a:t>
-            </a:r>
-            <a:r>
-              <a:rPr dirty="0"/>
-              <a:t> </a:t>
-            </a:r>
-            <a:r>
-              <a:rPr dirty="0" err="1"/>
-              <a:t>externe</a:t>
-            </a:r>
-            <a:r>
-              <a:rPr dirty="0"/>
-              <a:t> library: Apache Log4j 2</a:t>
+            <a:r>
+              <a:rPr lang="de-DE" dirty="0"/>
+              <a:t>Karten (.png) werden über Jbutton gelegt</a:t>
             </a:r>
           </a:p>
           <a:p>
@@ -9564,60 +9616,9 @@
               <a:defRPr sz="2000"/>
             </a:pPr>
             <a:r>
-              <a:rPr dirty="0" err="1"/>
-              <a:t>Vorteile</a:t>
-            </a:r>
-            <a:r>
-              <a:rPr dirty="0"/>
-              <a:t>:</a:t>
-            </a:r>
-          </a:p>
-          <a:p>
-            <a:pPr marL="1343526" lvl="3" indent="-200526">
-              <a:lnSpc>
-                <a:spcPct val="120000"/>
-              </a:lnSpc>
-              <a:buSzPct val="100000"/>
-              <a:buChar char="•"/>
-              <a:defRPr sz="2000"/>
-            </a:pPr>
-            <a:r>
-              <a:rPr dirty="0"/>
-              <a:t>Levels</a:t>
-            </a:r>
-          </a:p>
-          <a:p>
-            <a:pPr marL="1343526" lvl="3" indent="-200526">
-              <a:lnSpc>
-                <a:spcPct val="120000"/>
-              </a:lnSpc>
-              <a:buSzPct val="100000"/>
-              <a:buChar char="•"/>
-              <a:defRPr sz="2000"/>
-            </a:pPr>
-            <a:r>
-              <a:rPr dirty="0"/>
-              <a:t>Timestamps</a:t>
-            </a:r>
-          </a:p>
-          <a:p>
-            <a:pPr marL="1343526" lvl="3" indent="-200526">
-              <a:lnSpc>
-                <a:spcPct val="120000"/>
-              </a:lnSpc>
-              <a:buSzPct val="100000"/>
-              <a:buChar char="•"/>
-              <a:defRPr sz="2000"/>
-            </a:pPr>
-            <a:r>
-              <a:rPr dirty="0"/>
-              <a:t>Log in </a:t>
-            </a:r>
-            <a:r>
-              <a:rPr dirty="0" err="1"/>
-              <a:t>Datei</a:t>
-            </a:r>
-            <a:endParaRPr dirty="0"/>
+              <a:rPr lang="de-DE" dirty="0"/>
+              <a:t>"Ein Frame" für Chat und Game</a:t>
+            </a:r>
           </a:p>
           <a:p>
             <a:pPr marL="581525" lvl="1" indent="-200525">
@@ -9628,33 +9629,17 @@
               <a:buChar char="•"/>
               <a:defRPr sz="2000"/>
             </a:pPr>
-            <a:r>
-              <a:rPr dirty="0" err="1"/>
-              <a:t>Konfiguration</a:t>
-            </a:r>
-            <a:r>
-              <a:rPr dirty="0"/>
-              <a:t>:</a:t>
-            </a:r>
-          </a:p>
-          <a:p>
-            <a:pPr marL="1343526" lvl="3" indent="-200526">
+            <a:endParaRPr lang="de-DE" dirty="0"/>
+          </a:p>
+          <a:p>
+            <a:pPr marL="1143000" lvl="1">
               <a:lnSpc>
                 <a:spcPct val="120000"/>
               </a:lnSpc>
               <a:buSzPct val="100000"/>
-              <a:buChar char="•"/>
               <a:defRPr sz="2000"/>
             </a:pPr>
-            <a:r>
-              <a:rPr dirty="0"/>
-              <a:t>.properties </a:t>
-            </a:r>
-            <a:r>
-              <a:rPr dirty="0" err="1"/>
-              <a:t>Datei</a:t>
-            </a:r>
-            <a:endParaRPr dirty="0"/>
+            <a:endParaRPr lang="en-CH" dirty="0"/>
           </a:p>
         </p:txBody>
       </p:sp>

--- a/00_General/Presentation/MS 3/Presentation_Milestone_iii_Master.pptx
+++ b/00_General/Presentation/MS 3/Presentation_Milestone_iii_Master.pptx
@@ -2,26 +2,26 @@
 <file path=ppt/presentation.xml><?xml version="1.0" encoding="utf-8"?>
 <p:presentation xmlns:a="http://schemas.openxmlformats.org/drawingml/2006/main" xmlns:r="http://schemas.openxmlformats.org/officeDocument/2006/relationships" xmlns:p="http://schemas.openxmlformats.org/presentationml/2006/main">
   <p:sldMasterIdLst>
-    <p:sldMasterId id="2147483648" r:id="rId1"/>
+    <p:sldMasterId id="2147483648" r:id="rId5"/>
   </p:sldMasterIdLst>
   <p:notesMasterIdLst>
-    <p:notesMasterId r:id="rId16"/>
+    <p:notesMasterId r:id="rId7"/>
   </p:notesMasterIdLst>
   <p:sldIdLst>
-    <p:sldId id="256" r:id="rId2"/>
-    <p:sldId id="257" r:id="rId3"/>
-    <p:sldId id="258" r:id="rId4"/>
-    <p:sldId id="269" r:id="rId5"/>
-    <p:sldId id="259" r:id="rId6"/>
-    <p:sldId id="260" r:id="rId7"/>
-    <p:sldId id="261" r:id="rId8"/>
-    <p:sldId id="262" r:id="rId9"/>
-    <p:sldId id="263" r:id="rId10"/>
-    <p:sldId id="264" r:id="rId11"/>
-    <p:sldId id="265" r:id="rId12"/>
-    <p:sldId id="266" r:id="rId13"/>
-    <p:sldId id="267" r:id="rId14"/>
-    <p:sldId id="268" r:id="rId15"/>
+    <p:sldId id="256" r:id="rId8"/>
+    <p:sldId id="257" r:id="rId9"/>
+    <p:sldId id="258" r:id="rId10"/>
+    <p:sldId id="259" r:id="rId11"/>
+    <p:sldId id="260" r:id="rId12"/>
+    <p:sldId id="261" r:id="rId13"/>
+    <p:sldId id="262" r:id="rId14"/>
+    <p:sldId id="263" r:id="rId15"/>
+    <p:sldId id="264" r:id="rId16"/>
+    <p:sldId id="265" r:id="rId17"/>
+    <p:sldId id="266" r:id="rId18"/>
+    <p:sldId id="267" r:id="rId19"/>
+    <p:sldId id="268" r:id="rId20"/>
+    <p:sldId id="269" r:id="rId21"/>
   </p:sldIdLst>
   <p:sldSz cx="12192000" cy="6858000"/>
   <p:notesSz cx="6858000" cy="9144000"/>
@@ -41,7 +41,7 @@
       <a:buFontTx/>
       <a:buNone/>
       <a:tabLst/>
-      <a:defRPr kumimoji="0" sz="1800" b="0" i="0" u="none" strike="noStrike" cap="none" spc="0" normalizeH="0" baseline="0">
+      <a:defRPr b="0" baseline="0" cap="none" i="0" spc="0" strike="noStrike" sz="1800" u="none" kumimoji="0" normalizeH="0">
         <a:ln>
           <a:noFill/>
         </a:ln>
@@ -67,7 +67,7 @@
       <a:buFontTx/>
       <a:buNone/>
       <a:tabLst/>
-      <a:defRPr kumimoji="0" sz="1800" b="0" i="0" u="none" strike="noStrike" cap="none" spc="0" normalizeH="0" baseline="0">
+      <a:defRPr b="0" baseline="0" cap="none" i="0" spc="0" strike="noStrike" sz="1800" u="none" kumimoji="0" normalizeH="0">
         <a:ln>
           <a:noFill/>
         </a:ln>
@@ -97,7 +97,7 @@
       <a:buFontTx/>
       <a:buNone/>
       <a:tabLst/>
-      <a:defRPr kumimoji="0" sz="1800" b="0" i="0" u="none" strike="noStrike" cap="none" spc="0" normalizeH="0" baseline="0">
+      <a:defRPr b="0" baseline="0" cap="none" i="0" spc="0" strike="noStrike" sz="1800" u="none" kumimoji="0" normalizeH="0">
         <a:ln>
           <a:noFill/>
         </a:ln>
@@ -127,7 +127,7 @@
       <a:buFontTx/>
       <a:buNone/>
       <a:tabLst/>
-      <a:defRPr kumimoji="0" sz="1800" b="0" i="0" u="none" strike="noStrike" cap="none" spc="0" normalizeH="0" baseline="0">
+      <a:defRPr b="0" baseline="0" cap="none" i="0" spc="0" strike="noStrike" sz="1800" u="none" kumimoji="0" normalizeH="0">
         <a:ln>
           <a:noFill/>
         </a:ln>
@@ -157,7 +157,7 @@
       <a:buFontTx/>
       <a:buNone/>
       <a:tabLst/>
-      <a:defRPr kumimoji="0" sz="1800" b="0" i="0" u="none" strike="noStrike" cap="none" spc="0" normalizeH="0" baseline="0">
+      <a:defRPr b="0" baseline="0" cap="none" i="0" spc="0" strike="noStrike" sz="1800" u="none" kumimoji="0" normalizeH="0">
         <a:ln>
           <a:noFill/>
         </a:ln>
@@ -187,7 +187,7 @@
       <a:buFontTx/>
       <a:buNone/>
       <a:tabLst/>
-      <a:defRPr kumimoji="0" sz="1800" b="0" i="0" u="none" strike="noStrike" cap="none" spc="0" normalizeH="0" baseline="0">
+      <a:defRPr b="0" baseline="0" cap="none" i="0" spc="0" strike="noStrike" sz="1800" u="none" kumimoji="0" normalizeH="0">
         <a:ln>
           <a:noFill/>
         </a:ln>
@@ -217,7 +217,7 @@
       <a:buFontTx/>
       <a:buNone/>
       <a:tabLst/>
-      <a:defRPr kumimoji="0" sz="1800" b="0" i="0" u="none" strike="noStrike" cap="none" spc="0" normalizeH="0" baseline="0">
+      <a:defRPr b="0" baseline="0" cap="none" i="0" spc="0" strike="noStrike" sz="1800" u="none" kumimoji="0" normalizeH="0">
         <a:ln>
           <a:noFill/>
         </a:ln>
@@ -247,7 +247,7 @@
       <a:buFontTx/>
       <a:buNone/>
       <a:tabLst/>
-      <a:defRPr kumimoji="0" sz="1800" b="0" i="0" u="none" strike="noStrike" cap="none" spc="0" normalizeH="0" baseline="0">
+      <a:defRPr b="0" baseline="0" cap="none" i="0" spc="0" strike="noStrike" sz="1800" u="none" kumimoji="0" normalizeH="0">
         <a:ln>
           <a:noFill/>
         </a:ln>
@@ -277,7 +277,7 @@
       <a:buFontTx/>
       <a:buNone/>
       <a:tabLst/>
-      <a:defRPr kumimoji="0" sz="1800" b="0" i="0" u="none" strike="noStrike" cap="none" spc="0" normalizeH="0" baseline="0">
+      <a:defRPr b="0" baseline="0" cap="none" i="0" spc="0" strike="noStrike" sz="1800" u="none" kumimoji="0" normalizeH="0">
         <a:ln>
           <a:noFill/>
         </a:ln>
@@ -307,7 +307,7 @@
       <a:buFontTx/>
       <a:buNone/>
       <a:tabLst/>
-      <a:defRPr kumimoji="0" sz="1800" b="0" i="0" u="none" strike="noStrike" cap="none" spc="0" normalizeH="0" baseline="0">
+      <a:defRPr b="0" baseline="0" cap="none" i="0" spc="0" strike="noStrike" sz="1800" u="none" kumimoji="0" normalizeH="0">
         <a:ln>
           <a:noFill/>
         </a:ln>
@@ -323,33 +323,16 @@
       </a:defRPr>
     </a:lvl9pPr>
   </p:defaultTextStyle>
-  <p:extLst>
-    <p:ext uri="{EFAFB233-063F-42B5-8137-9DF3F51BA10A}">
-      <p15:sldGuideLst xmlns:p15="http://schemas.microsoft.com/office/powerpoint/2012/main">
-        <p15:guide id="1" orient="horz" pos="2160" userDrawn="1">
-          <p15:clr>
-            <a:srgbClr val="A4A3A4"/>
-          </p15:clr>
-        </p15:guide>
-        <p15:guide id="2" pos="3840" userDrawn="1">
-          <p15:clr>
-            <a:srgbClr val="A4A3A4"/>
-          </p15:clr>
-        </p15:guide>
-      </p15:sldGuideLst>
-    </p:ext>
-  </p:extLst>
 </p:presentation>
+</file>
+
+<file path=ppt/commentAuthors.xml><?xml version="1.0" encoding="utf-8"?>
+<p:cmAuthorLst xmlns:a="http://schemas.openxmlformats.org/drawingml/2006/main" xmlns:r="http://schemas.openxmlformats.org/officeDocument/2006/relationships" xmlns:p="http://schemas.openxmlformats.org/presentationml/2006/main"/>
 </file>
 
 <file path=ppt/notesMasters/notesMaster1.xml><?xml version="1.0" encoding="utf-8"?>
 <p:notesMaster xmlns:a="http://schemas.openxmlformats.org/drawingml/2006/main" xmlns:r="http://schemas.openxmlformats.org/officeDocument/2006/relationships" xmlns:p="http://schemas.openxmlformats.org/presentationml/2006/main">
   <p:cSld>
-    <p:bg>
-      <p:bgRef idx="1001">
-        <a:schemeClr val="bg1"/>
-      </p:bgRef>
-    </p:bg>
     <p:spTree>
       <p:nvGrpSpPr>
         <p:cNvPr id="1" name=""/>
@@ -367,9 +350,7 @@
       <p:sp>
         <p:nvSpPr>
           <p:cNvPr id="127" name="Shape 127"/>
-          <p:cNvSpPr>
-            <a:spLocks noGrp="1" noRot="1" noChangeAspect="1"/>
-          </p:cNvSpPr>
+          <p:cNvSpPr/>
           <p:nvPr>
             <p:ph type="sldImg"/>
           </p:nvPr>
@@ -387,16 +368,14 @@
           <a:bodyPr/>
           <a:lstStyle/>
           <a:p>
-            <a:endParaRPr/>
+            <a:pPr/>
           </a:p>
         </p:txBody>
       </p:sp>
       <p:sp>
         <p:nvSpPr>
           <p:cNvPr id="128" name="Shape 128"/>
-          <p:cNvSpPr>
-            <a:spLocks noGrp="1"/>
-          </p:cNvSpPr>
+          <p:cNvSpPr/>
           <p:nvPr>
             <p:ph type="body" sz="quarter" idx="1"/>
           </p:nvPr>
@@ -414,16 +393,11 @@
           <a:bodyPr/>
           <a:lstStyle/>
           <a:p>
-            <a:endParaRPr/>
+            <a:pPr/>
           </a:p>
         </p:txBody>
       </p:sp>
     </p:spTree>
-    <p:extLst>
-      <p:ext uri="{BB962C8B-B14F-4D97-AF65-F5344CB8AC3E}">
-        <p14:creationId xmlns:p14="http://schemas.microsoft.com/office/powerpoint/2010/main" val="460345341"/>
-      </p:ext>
-    </p:extLst>
   </p:cSld>
   <p:clrMap bg1="lt1" tx1="dk1" bg2="lt2" tx2="dk2" accent1="accent1" accent2="accent2" accent3="accent3" accent4="accent4" accent5="accent5" accent6="accent6" hlink="hlink" folHlink="folHlink"/>
   <p:notesStyle>
@@ -504,7 +478,7 @@
 </file>
 
 <file path=ppt/slideLayouts/slideLayout1.xml><?xml version="1.0" encoding="utf-8"?>
-<p:sldLayout xmlns:a="http://schemas.openxmlformats.org/drawingml/2006/main" xmlns:r="http://schemas.openxmlformats.org/officeDocument/2006/relationships" xmlns:p="http://schemas.openxmlformats.org/presentationml/2006/main" type="title">
+<p:sldLayout xmlns:a="http://schemas.openxmlformats.org/drawingml/2006/main" xmlns:r="http://schemas.openxmlformats.org/officeDocument/2006/relationships" xmlns:p="http://schemas.openxmlformats.org/presentationml/2006/main" type="title" showMasterSp="1" showMasterPhAnim="1">
   <p:cSld name="Titelfolie">
     <p:spTree>
       <p:nvGrpSpPr>
@@ -523,9 +497,7 @@
       <p:sp>
         <p:nvSpPr>
           <p:cNvPr id="11" name="Shape 11"/>
-          <p:cNvSpPr>
-            <a:spLocks noGrp="1"/>
-          </p:cNvSpPr>
+          <p:cNvSpPr/>
           <p:nvPr>
             <p:ph type="title"/>
           </p:nvPr>
@@ -547,6 +519,7 @@
             </a:lvl1pPr>
           </a:lstStyle>
           <a:p>
+            <a:pPr/>
             <a:r>
               <a:t>Mastertitelformat bearbeiten</a:t>
             </a:r>
@@ -556,9 +529,7 @@
       <p:sp>
         <p:nvSpPr>
           <p:cNvPr id="12" name="Shape 12"/>
-          <p:cNvSpPr>
-            <a:spLocks noGrp="1"/>
-          </p:cNvSpPr>
+          <p:cNvSpPr/>
           <p:nvPr>
             <p:ph type="body" sz="quarter" idx="1"/>
           </p:nvPr>
@@ -566,7 +537,7 @@
         <p:spPr>
           <a:xfrm>
             <a:off x="1524000" y="3602037"/>
-            <a:ext cx="9144000" cy="1655764"/>
+            <a:ext cx="9144000" cy="1655765"/>
           </a:xfrm>
           <a:prstGeom prst="rect">
             <a:avLst/>
@@ -583,6 +554,7 @@
             </a:lvl1pPr>
           </a:lstStyle>
           <a:p>
+            <a:pPr/>
             <a:r>
               <a:t>Master-Untertitelformat bearbeiten</a:t>
             </a:r>
@@ -592,9 +564,7 @@
       <p:sp>
         <p:nvSpPr>
           <p:cNvPr id="13" name="Shape 13"/>
-          <p:cNvSpPr>
-            <a:spLocks noGrp="1"/>
-          </p:cNvSpPr>
+          <p:cNvSpPr/>
           <p:nvPr>
             <p:ph type="sldNum" sz="quarter" idx="2"/>
           </p:nvPr>
@@ -608,10 +578,8 @@
           <a:bodyPr/>
           <a:lstStyle/>
           <a:p>
-            <a:fld id="{86CB4B4D-7CA3-9044-876B-883B54F8677D}" type="slidenum">
-              <a:t>‹#›</a:t>
-            </a:fld>
-            <a:endParaRPr/>
+            <a:pPr/>
+            <a:fld id="{86CB4B4D-7CA3-9044-876B-883B54F8677D}" type="slidenum"/>
           </a:p>
         </p:txBody>
       </p:sp>
@@ -620,12 +588,12 @@
   <p:clrMapOvr>
     <a:masterClrMapping/>
   </p:clrMapOvr>
-  <p:transition spd="med"/>
+  <p:transition xmlns:p14="http://schemas.microsoft.com/office/powerpoint/2010/main" spd="med" advClick="1"/>
 </p:sldLayout>
 </file>
 
 <file path=ppt/slideLayouts/slideLayout10.xml><?xml version="1.0" encoding="utf-8"?>
-<p:sldLayout xmlns:a="http://schemas.openxmlformats.org/drawingml/2006/main" xmlns:r="http://schemas.openxmlformats.org/officeDocument/2006/relationships" xmlns:p="http://schemas.openxmlformats.org/presentationml/2006/main" type="tx">
+<p:sldLayout xmlns:a="http://schemas.openxmlformats.org/drawingml/2006/main" xmlns:r="http://schemas.openxmlformats.org/officeDocument/2006/relationships" xmlns:p="http://schemas.openxmlformats.org/presentationml/2006/main" type="tx" showMasterSp="1" showMasterPhAnim="1">
   <p:cSld name="Bild mit Überschrift">
     <p:spTree>
       <p:nvGrpSpPr>
@@ -644,9 +612,7 @@
       <p:sp>
         <p:nvSpPr>
           <p:cNvPr id="91" name="Shape 91"/>
-          <p:cNvSpPr>
-            <a:spLocks noGrp="1"/>
-          </p:cNvSpPr>
+          <p:cNvSpPr/>
           <p:nvPr>
             <p:ph type="title"/>
           </p:nvPr>
@@ -668,6 +634,7 @@
             </a:lvl1pPr>
           </a:lstStyle>
           <a:p>
+            <a:pPr/>
             <a:r>
               <a:t>Titeltext</a:t>
             </a:r>
@@ -677,9 +644,7 @@
       <p:sp>
         <p:nvSpPr>
           <p:cNvPr id="92" name="Shape 92"/>
-          <p:cNvSpPr>
-            <a:spLocks noGrp="1"/>
-          </p:cNvSpPr>
+          <p:cNvSpPr/>
           <p:nvPr>
             <p:ph type="pic" sz="half" idx="13"/>
           </p:nvPr>
@@ -687,7 +652,7 @@
         <p:spPr>
           <a:xfrm>
             <a:off x="5183187" y="987425"/>
-            <a:ext cx="6172202" cy="4873625"/>
+            <a:ext cx="6172203" cy="4873625"/>
           </a:xfrm>
           <a:prstGeom prst="rect">
             <a:avLst/>
@@ -699,16 +664,14 @@
           </a:bodyPr>
           <a:lstStyle/>
           <a:p>
-            <a:endParaRPr/>
+            <a:pPr/>
           </a:p>
         </p:txBody>
       </p:sp>
       <p:sp>
         <p:nvSpPr>
           <p:cNvPr id="93" name="Shape 93"/>
-          <p:cNvSpPr>
-            <a:spLocks noGrp="1"/>
-          </p:cNvSpPr>
+          <p:cNvSpPr/>
           <p:nvPr>
             <p:ph type="body" sz="quarter" idx="1"/>
           </p:nvPr>
@@ -757,6 +720,7 @@
             </a:lvl5pPr>
           </a:lstStyle>
           <a:p>
+            <a:pPr/>
             <a:r>
               <a:t>Textebene 1</a:t>
             </a:r>
@@ -790,9 +754,7 @@
       <p:sp>
         <p:nvSpPr>
           <p:cNvPr id="94" name="Shape 94"/>
-          <p:cNvSpPr>
-            <a:spLocks noGrp="1"/>
-          </p:cNvSpPr>
+          <p:cNvSpPr/>
           <p:nvPr>
             <p:ph type="sldNum" sz="quarter" idx="2"/>
           </p:nvPr>
@@ -806,10 +768,8 @@
           <a:bodyPr/>
           <a:lstStyle/>
           <a:p>
-            <a:fld id="{86CB4B4D-7CA3-9044-876B-883B54F8677D}" type="slidenum">
-              <a:t>‹#›</a:t>
-            </a:fld>
-            <a:endParaRPr/>
+            <a:pPr/>
+            <a:fld id="{86CB4B4D-7CA3-9044-876B-883B54F8677D}" type="slidenum"/>
           </a:p>
         </p:txBody>
       </p:sp>
@@ -818,12 +778,12 @@
   <p:clrMapOvr>
     <a:masterClrMapping/>
   </p:clrMapOvr>
-  <p:transition spd="med"/>
+  <p:transition xmlns:p14="http://schemas.microsoft.com/office/powerpoint/2010/main" spd="med" advClick="1"/>
 </p:sldLayout>
 </file>
 
 <file path=ppt/slideLayouts/slideLayout11.xml><?xml version="1.0" encoding="utf-8"?>
-<p:sldLayout xmlns:a="http://schemas.openxmlformats.org/drawingml/2006/main" xmlns:r="http://schemas.openxmlformats.org/officeDocument/2006/relationships" xmlns:p="http://schemas.openxmlformats.org/presentationml/2006/main" type="tx">
+<p:sldLayout xmlns:a="http://schemas.openxmlformats.org/drawingml/2006/main" xmlns:r="http://schemas.openxmlformats.org/officeDocument/2006/relationships" xmlns:p="http://schemas.openxmlformats.org/presentationml/2006/main" type="tx" showMasterSp="1" showMasterPhAnim="1">
   <p:cSld name="Titel und vertikaler Text">
     <p:spTree>
       <p:nvGrpSpPr>
@@ -842,9 +802,7 @@
       <p:sp>
         <p:nvSpPr>
           <p:cNvPr id="101" name="Shape 101"/>
-          <p:cNvSpPr>
-            <a:spLocks noGrp="1"/>
-          </p:cNvSpPr>
+          <p:cNvSpPr/>
           <p:nvPr>
             <p:ph type="title"/>
           </p:nvPr>
@@ -858,6 +816,7 @@
           <a:bodyPr/>
           <a:lstStyle/>
           <a:p>
+            <a:pPr/>
             <a:r>
               <a:t>Titeltext</a:t>
             </a:r>
@@ -867,9 +826,7 @@
       <p:sp>
         <p:nvSpPr>
           <p:cNvPr id="102" name="Shape 102"/>
-          <p:cNvSpPr>
-            <a:spLocks noGrp="1"/>
-          </p:cNvSpPr>
+          <p:cNvSpPr/>
           <p:nvPr>
             <p:ph type="body" idx="1"/>
           </p:nvPr>
@@ -883,6 +840,7 @@
           <a:bodyPr/>
           <a:lstStyle/>
           <a:p>
+            <a:pPr/>
             <a:r>
               <a:t>Textebene 1</a:t>
             </a:r>
@@ -916,9 +874,7 @@
       <p:sp>
         <p:nvSpPr>
           <p:cNvPr id="103" name="Shape 103"/>
-          <p:cNvSpPr>
-            <a:spLocks noGrp="1"/>
-          </p:cNvSpPr>
+          <p:cNvSpPr/>
           <p:nvPr>
             <p:ph type="sldNum" sz="quarter" idx="2"/>
           </p:nvPr>
@@ -932,10 +888,8 @@
           <a:bodyPr/>
           <a:lstStyle/>
           <a:p>
-            <a:fld id="{86CB4B4D-7CA3-9044-876B-883B54F8677D}" type="slidenum">
-              <a:t>‹#›</a:t>
-            </a:fld>
-            <a:endParaRPr/>
+            <a:pPr/>
+            <a:fld id="{86CB4B4D-7CA3-9044-876B-883B54F8677D}" type="slidenum"/>
           </a:p>
         </p:txBody>
       </p:sp>
@@ -944,12 +898,12 @@
   <p:clrMapOvr>
     <a:masterClrMapping/>
   </p:clrMapOvr>
-  <p:transition spd="med"/>
+  <p:transition xmlns:p14="http://schemas.microsoft.com/office/powerpoint/2010/main" spd="med" advClick="1"/>
 </p:sldLayout>
 </file>
 
 <file path=ppt/slideLayouts/slideLayout12.xml><?xml version="1.0" encoding="utf-8"?>
-<p:sldLayout xmlns:a="http://schemas.openxmlformats.org/drawingml/2006/main" xmlns:r="http://schemas.openxmlformats.org/officeDocument/2006/relationships" xmlns:p="http://schemas.openxmlformats.org/presentationml/2006/main" type="tx">
+<p:sldLayout xmlns:a="http://schemas.openxmlformats.org/drawingml/2006/main" xmlns:r="http://schemas.openxmlformats.org/officeDocument/2006/relationships" xmlns:p="http://schemas.openxmlformats.org/presentationml/2006/main" type="tx" showMasterSp="1" showMasterPhAnim="1">
   <p:cSld name="Vertikaler Titel und Text">
     <p:spTree>
       <p:nvGrpSpPr>
@@ -968,9 +922,7 @@
       <p:sp>
         <p:nvSpPr>
           <p:cNvPr id="110" name="Shape 110"/>
-          <p:cNvSpPr>
-            <a:spLocks noGrp="1"/>
-          </p:cNvSpPr>
+          <p:cNvSpPr/>
           <p:nvPr>
             <p:ph type="title"/>
           </p:nvPr>
@@ -988,6 +940,7 @@
           <a:bodyPr/>
           <a:lstStyle/>
           <a:p>
+            <a:pPr/>
             <a:r>
               <a:t>Mastertitelformat bearbeiten</a:t>
             </a:r>
@@ -997,9 +950,7 @@
       <p:sp>
         <p:nvSpPr>
           <p:cNvPr id="111" name="Shape 111"/>
-          <p:cNvSpPr>
-            <a:spLocks noGrp="1"/>
-          </p:cNvSpPr>
+          <p:cNvSpPr/>
           <p:nvPr>
             <p:ph type="body" idx="1"/>
           </p:nvPr>
@@ -1017,6 +968,7 @@
           <a:bodyPr/>
           <a:lstStyle/>
           <a:p>
+            <a:pPr/>
             <a:r>
               <a:t>Mastertextformat bearbeiten</a:t>
             </a:r>
@@ -1050,9 +1002,7 @@
       <p:sp>
         <p:nvSpPr>
           <p:cNvPr id="112" name="Shape 112"/>
-          <p:cNvSpPr>
-            <a:spLocks noGrp="1"/>
-          </p:cNvSpPr>
+          <p:cNvSpPr/>
           <p:nvPr>
             <p:ph type="sldNum" sz="quarter" idx="2"/>
           </p:nvPr>
@@ -1066,10 +1016,8 @@
           <a:bodyPr/>
           <a:lstStyle/>
           <a:p>
-            <a:fld id="{86CB4B4D-7CA3-9044-876B-883B54F8677D}" type="slidenum">
-              <a:t>‹#›</a:t>
-            </a:fld>
-            <a:endParaRPr/>
+            <a:pPr/>
+            <a:fld id="{86CB4B4D-7CA3-9044-876B-883B54F8677D}" type="slidenum"/>
           </a:p>
         </p:txBody>
       </p:sp>
@@ -1078,19 +1026,18 @@
   <p:clrMapOvr>
     <a:masterClrMapping/>
   </p:clrMapOvr>
-  <p:transition spd="med"/>
+  <p:transition xmlns:p14="http://schemas.microsoft.com/office/powerpoint/2010/main" spd="med" advClick="1"/>
 </p:sldLayout>
 </file>
 
 <file path=ppt/slideLayouts/slideLayout13.xml><?xml version="1.0" encoding="utf-8"?>
-<p:sldLayout xmlns:a="http://schemas.openxmlformats.org/drawingml/2006/main" xmlns:r="http://schemas.openxmlformats.org/officeDocument/2006/relationships" xmlns:p="http://schemas.openxmlformats.org/presentationml/2006/main" type="tx">
+<p:sldLayout xmlns:a="http://schemas.openxmlformats.org/drawingml/2006/main" xmlns:r="http://schemas.openxmlformats.org/officeDocument/2006/relationships" xmlns:p="http://schemas.openxmlformats.org/presentationml/2006/main" type="tx" showMasterSp="1" showMasterPhAnim="1">
   <p:cSld name="Titel und Inhalt 0">
     <p:bg>
       <p:bgPr>
         <a:solidFill>
           <a:srgbClr val="E3FDDB"/>
         </a:solidFill>
-        <a:effectLst/>
       </p:bgPr>
     </p:bg>
     <p:spTree>
@@ -1110,9 +1057,7 @@
       <p:sp>
         <p:nvSpPr>
           <p:cNvPr id="119" name="Shape 119"/>
-          <p:cNvSpPr>
-            <a:spLocks noGrp="1"/>
-          </p:cNvSpPr>
+          <p:cNvSpPr/>
           <p:nvPr>
             <p:ph type="title"/>
           </p:nvPr>
@@ -1126,6 +1071,7 @@
           <a:bodyPr/>
           <a:lstStyle/>
           <a:p>
+            <a:pPr/>
             <a:r>
               <a:t>Titeltext</a:t>
             </a:r>
@@ -1135,9 +1081,7 @@
       <p:sp>
         <p:nvSpPr>
           <p:cNvPr id="120" name="Shape 120"/>
-          <p:cNvSpPr>
-            <a:spLocks noGrp="1"/>
-          </p:cNvSpPr>
+          <p:cNvSpPr/>
           <p:nvPr>
             <p:ph type="body" idx="1"/>
           </p:nvPr>
@@ -1151,6 +1095,7 @@
           <a:bodyPr/>
           <a:lstStyle/>
           <a:p>
+            <a:pPr/>
             <a:r>
               <a:t>Textebene 1</a:t>
             </a:r>
@@ -1184,9 +1129,7 @@
       <p:sp>
         <p:nvSpPr>
           <p:cNvPr id="121" name="Shape 121"/>
-          <p:cNvSpPr>
-            <a:spLocks noGrp="1"/>
-          </p:cNvSpPr>
+          <p:cNvSpPr/>
           <p:nvPr>
             <p:ph type="sldNum" sz="quarter" idx="2"/>
           </p:nvPr>
@@ -1200,10 +1143,8 @@
           <a:bodyPr/>
           <a:lstStyle/>
           <a:p>
-            <a:fld id="{86CB4B4D-7CA3-9044-876B-883B54F8677D}" type="slidenum">
-              <a:t>‹#›</a:t>
-            </a:fld>
-            <a:endParaRPr/>
+            <a:pPr/>
+            <a:fld id="{86CB4B4D-7CA3-9044-876B-883B54F8677D}" type="slidenum"/>
           </a:p>
         </p:txBody>
       </p:sp>
@@ -1212,12 +1153,12 @@
   <p:clrMapOvr>
     <a:masterClrMapping/>
   </p:clrMapOvr>
-  <p:transition spd="med"/>
+  <p:transition xmlns:p14="http://schemas.microsoft.com/office/powerpoint/2010/main" spd="med" advClick="1"/>
 </p:sldLayout>
 </file>
 
 <file path=ppt/slideLayouts/slideLayout2.xml><?xml version="1.0" encoding="utf-8"?>
-<p:sldLayout xmlns:a="http://schemas.openxmlformats.org/drawingml/2006/main" xmlns:r="http://schemas.openxmlformats.org/officeDocument/2006/relationships" xmlns:p="http://schemas.openxmlformats.org/presentationml/2006/main" type="tx">
+<p:sldLayout xmlns:a="http://schemas.openxmlformats.org/drawingml/2006/main" xmlns:r="http://schemas.openxmlformats.org/officeDocument/2006/relationships" xmlns:p="http://schemas.openxmlformats.org/presentationml/2006/main" type="tx" showMasterSp="1" showMasterPhAnim="1">
   <p:cSld name="Titel und Inhalt">
     <p:spTree>
       <p:nvGrpSpPr>
@@ -1236,9 +1177,7 @@
       <p:sp>
         <p:nvSpPr>
           <p:cNvPr id="20" name="Shape 20"/>
-          <p:cNvSpPr>
-            <a:spLocks noGrp="1"/>
-          </p:cNvSpPr>
+          <p:cNvSpPr/>
           <p:nvPr>
             <p:ph type="title"/>
           </p:nvPr>
@@ -1252,6 +1191,7 @@
           <a:bodyPr/>
           <a:lstStyle/>
           <a:p>
+            <a:pPr/>
             <a:r>
               <a:t>Titeltext</a:t>
             </a:r>
@@ -1261,9 +1201,7 @@
       <p:sp>
         <p:nvSpPr>
           <p:cNvPr id="21" name="Shape 21"/>
-          <p:cNvSpPr>
-            <a:spLocks noGrp="1"/>
-          </p:cNvSpPr>
+          <p:cNvSpPr/>
           <p:nvPr>
             <p:ph type="body" idx="1"/>
           </p:nvPr>
@@ -1277,6 +1215,7 @@
           <a:bodyPr/>
           <a:lstStyle/>
           <a:p>
+            <a:pPr/>
             <a:r>
               <a:t>Textebene 1</a:t>
             </a:r>
@@ -1310,9 +1249,7 @@
       <p:sp>
         <p:nvSpPr>
           <p:cNvPr id="22" name="Shape 22"/>
-          <p:cNvSpPr>
-            <a:spLocks noGrp="1"/>
-          </p:cNvSpPr>
+          <p:cNvSpPr/>
           <p:nvPr>
             <p:ph type="sldNum" sz="quarter" idx="2"/>
           </p:nvPr>
@@ -1326,10 +1263,8 @@
           <a:bodyPr/>
           <a:lstStyle/>
           <a:p>
-            <a:fld id="{86CB4B4D-7CA3-9044-876B-883B54F8677D}" type="slidenum">
-              <a:t>‹#›</a:t>
-            </a:fld>
-            <a:endParaRPr/>
+            <a:pPr/>
+            <a:fld id="{86CB4B4D-7CA3-9044-876B-883B54F8677D}" type="slidenum"/>
           </a:p>
         </p:txBody>
       </p:sp>
@@ -1338,19 +1273,18 @@
   <p:clrMapOvr>
     <a:masterClrMapping/>
   </p:clrMapOvr>
-  <p:transition spd="med"/>
+  <p:transition xmlns:p14="http://schemas.microsoft.com/office/powerpoint/2010/main" spd="med" advClick="1"/>
 </p:sldLayout>
 </file>
 
 <file path=ppt/slideLayouts/slideLayout3.xml><?xml version="1.0" encoding="utf-8"?>
-<p:sldLayout xmlns:a="http://schemas.openxmlformats.org/drawingml/2006/main" xmlns:r="http://schemas.openxmlformats.org/officeDocument/2006/relationships" xmlns:p="http://schemas.openxmlformats.org/presentationml/2006/main" type="tx">
+<p:sldLayout xmlns:a="http://schemas.openxmlformats.org/drawingml/2006/main" xmlns:r="http://schemas.openxmlformats.org/officeDocument/2006/relationships" xmlns:p="http://schemas.openxmlformats.org/presentationml/2006/main" type="tx" showMasterSp="1" showMasterPhAnim="1">
   <p:cSld name="Titel und Inhalt 0">
     <p:bg>
       <p:bgPr>
         <a:solidFill>
           <a:srgbClr val="E3FDDB"/>
         </a:solidFill>
-        <a:effectLst/>
       </p:bgPr>
     </p:bg>
     <p:spTree>
@@ -1370,9 +1304,7 @@
       <p:sp>
         <p:nvSpPr>
           <p:cNvPr id="29" name="Shape 29"/>
-          <p:cNvSpPr>
-            <a:spLocks noGrp="1"/>
-          </p:cNvSpPr>
+          <p:cNvSpPr/>
           <p:nvPr>
             <p:ph type="title"/>
           </p:nvPr>
@@ -1386,6 +1318,7 @@
           <a:bodyPr/>
           <a:lstStyle/>
           <a:p>
+            <a:pPr/>
             <a:r>
               <a:t>Mastertitelformat bearbeiten</a:t>
             </a:r>
@@ -1395,9 +1328,7 @@
       <p:sp>
         <p:nvSpPr>
           <p:cNvPr id="30" name="Shape 30"/>
-          <p:cNvSpPr>
-            <a:spLocks noGrp="1"/>
-          </p:cNvSpPr>
+          <p:cNvSpPr/>
           <p:nvPr>
             <p:ph type="body" idx="1"/>
           </p:nvPr>
@@ -1411,6 +1342,7 @@
           <a:bodyPr/>
           <a:lstStyle/>
           <a:p>
+            <a:pPr/>
             <a:r>
               <a:t>Mastertextformat bearbeiten</a:t>
             </a:r>
@@ -1444,9 +1376,7 @@
       <p:sp>
         <p:nvSpPr>
           <p:cNvPr id="31" name="Shape 31"/>
-          <p:cNvSpPr>
-            <a:spLocks noGrp="1"/>
-          </p:cNvSpPr>
+          <p:cNvSpPr/>
           <p:nvPr>
             <p:ph type="sldNum" sz="quarter" idx="2"/>
           </p:nvPr>
@@ -1460,10 +1390,8 @@
           <a:bodyPr/>
           <a:lstStyle/>
           <a:p>
-            <a:fld id="{86CB4B4D-7CA3-9044-876B-883B54F8677D}" type="slidenum">
-              <a:t>‹#›</a:t>
-            </a:fld>
-            <a:endParaRPr/>
+            <a:pPr/>
+            <a:fld id="{86CB4B4D-7CA3-9044-876B-883B54F8677D}" type="slidenum"/>
           </a:p>
         </p:txBody>
       </p:sp>
@@ -1472,12 +1400,12 @@
   <p:clrMapOvr>
     <a:masterClrMapping/>
   </p:clrMapOvr>
-  <p:transition spd="med"/>
+  <p:transition xmlns:p14="http://schemas.microsoft.com/office/powerpoint/2010/main" spd="med" advClick="1"/>
 </p:sldLayout>
 </file>
 
 <file path=ppt/slideLayouts/slideLayout4.xml><?xml version="1.0" encoding="utf-8"?>
-<p:sldLayout xmlns:a="http://schemas.openxmlformats.org/drawingml/2006/main" xmlns:r="http://schemas.openxmlformats.org/officeDocument/2006/relationships" xmlns:p="http://schemas.openxmlformats.org/presentationml/2006/main" type="tx">
+<p:sldLayout xmlns:a="http://schemas.openxmlformats.org/drawingml/2006/main" xmlns:r="http://schemas.openxmlformats.org/officeDocument/2006/relationships" xmlns:p="http://schemas.openxmlformats.org/presentationml/2006/main" type="tx" showMasterSp="1" showMasterPhAnim="1">
   <p:cSld name="Abschnitts-&#10;überschrift">
     <p:spTree>
       <p:nvGrpSpPr>
@@ -1496,9 +1424,7 @@
       <p:sp>
         <p:nvSpPr>
           <p:cNvPr id="38" name="Shape 38"/>
-          <p:cNvSpPr>
-            <a:spLocks noGrp="1"/>
-          </p:cNvSpPr>
+          <p:cNvSpPr/>
           <p:nvPr>
             <p:ph type="title"/>
           </p:nvPr>
@@ -1520,6 +1446,7 @@
             </a:lvl1pPr>
           </a:lstStyle>
           <a:p>
+            <a:pPr/>
             <a:r>
               <a:t>Titeltext</a:t>
             </a:r>
@@ -1529,9 +1456,7 @@
       <p:sp>
         <p:nvSpPr>
           <p:cNvPr id="39" name="Shape 39"/>
-          <p:cNvSpPr>
-            <a:spLocks noGrp="1"/>
-          </p:cNvSpPr>
+          <p:cNvSpPr/>
           <p:nvPr>
             <p:ph type="body" sz="quarter" idx="1"/>
           </p:nvPr>
@@ -1539,7 +1464,7 @@
         <p:spPr>
           <a:xfrm>
             <a:off x="831850" y="4589462"/>
-            <a:ext cx="10515600" cy="1500189"/>
+            <a:ext cx="10515600" cy="1500190"/>
           </a:xfrm>
           <a:prstGeom prst="rect">
             <a:avLst/>
@@ -1600,6 +1525,7 @@
             </a:lvl5pPr>
           </a:lstStyle>
           <a:p>
+            <a:pPr/>
             <a:r>
               <a:t>Textebene 1</a:t>
             </a:r>
@@ -1633,9 +1559,7 @@
       <p:sp>
         <p:nvSpPr>
           <p:cNvPr id="40" name="Shape 40"/>
-          <p:cNvSpPr>
-            <a:spLocks noGrp="1"/>
-          </p:cNvSpPr>
+          <p:cNvSpPr/>
           <p:nvPr>
             <p:ph type="sldNum" sz="quarter" idx="2"/>
           </p:nvPr>
@@ -1649,10 +1573,8 @@
           <a:bodyPr/>
           <a:lstStyle/>
           <a:p>
-            <a:fld id="{86CB4B4D-7CA3-9044-876B-883B54F8677D}" type="slidenum">
-              <a:t>‹#›</a:t>
-            </a:fld>
-            <a:endParaRPr/>
+            <a:pPr/>
+            <a:fld id="{86CB4B4D-7CA3-9044-876B-883B54F8677D}" type="slidenum"/>
           </a:p>
         </p:txBody>
       </p:sp>
@@ -1661,12 +1583,12 @@
   <p:clrMapOvr>
     <a:masterClrMapping/>
   </p:clrMapOvr>
-  <p:transition spd="med"/>
+  <p:transition xmlns:p14="http://schemas.microsoft.com/office/powerpoint/2010/main" spd="med" advClick="1"/>
 </p:sldLayout>
 </file>
 
 <file path=ppt/slideLayouts/slideLayout5.xml><?xml version="1.0" encoding="utf-8"?>
-<p:sldLayout xmlns:a="http://schemas.openxmlformats.org/drawingml/2006/main" xmlns:r="http://schemas.openxmlformats.org/officeDocument/2006/relationships" xmlns:p="http://schemas.openxmlformats.org/presentationml/2006/main" type="tx">
+<p:sldLayout xmlns:a="http://schemas.openxmlformats.org/drawingml/2006/main" xmlns:r="http://schemas.openxmlformats.org/officeDocument/2006/relationships" xmlns:p="http://schemas.openxmlformats.org/presentationml/2006/main" type="tx" showMasterSp="1" showMasterPhAnim="1">
   <p:cSld name="Zwei Inhalte">
     <p:spTree>
       <p:nvGrpSpPr>
@@ -1685,9 +1607,7 @@
       <p:sp>
         <p:nvSpPr>
           <p:cNvPr id="47" name="Shape 47"/>
-          <p:cNvSpPr>
-            <a:spLocks noGrp="1"/>
-          </p:cNvSpPr>
+          <p:cNvSpPr/>
           <p:nvPr>
             <p:ph type="title"/>
           </p:nvPr>
@@ -1701,6 +1621,7 @@
           <a:bodyPr/>
           <a:lstStyle/>
           <a:p>
+            <a:pPr/>
             <a:r>
               <a:t>Mastertitelformat bearbeiten</a:t>
             </a:r>
@@ -1710,9 +1631,7 @@
       <p:sp>
         <p:nvSpPr>
           <p:cNvPr id="48" name="Shape 48"/>
-          <p:cNvSpPr>
-            <a:spLocks noGrp="1"/>
-          </p:cNvSpPr>
+          <p:cNvSpPr/>
           <p:nvPr>
             <p:ph type="body" sz="half" idx="1"/>
           </p:nvPr>
@@ -1730,6 +1649,7 @@
           <a:bodyPr/>
           <a:lstStyle/>
           <a:p>
+            <a:pPr/>
             <a:r>
               <a:t>Mastertextformat bearbeiten</a:t>
             </a:r>
@@ -1763,9 +1683,7 @@
       <p:sp>
         <p:nvSpPr>
           <p:cNvPr id="49" name="Shape 49"/>
-          <p:cNvSpPr>
-            <a:spLocks noGrp="1"/>
-          </p:cNvSpPr>
+          <p:cNvSpPr/>
           <p:nvPr>
             <p:ph type="sldNum" sz="quarter" idx="2"/>
           </p:nvPr>
@@ -1779,10 +1697,8 @@
           <a:bodyPr/>
           <a:lstStyle/>
           <a:p>
-            <a:fld id="{86CB4B4D-7CA3-9044-876B-883B54F8677D}" type="slidenum">
-              <a:t>‹#›</a:t>
-            </a:fld>
-            <a:endParaRPr/>
+            <a:pPr/>
+            <a:fld id="{86CB4B4D-7CA3-9044-876B-883B54F8677D}" type="slidenum"/>
           </a:p>
         </p:txBody>
       </p:sp>
@@ -1791,12 +1707,12 @@
   <p:clrMapOvr>
     <a:masterClrMapping/>
   </p:clrMapOvr>
-  <p:transition spd="med"/>
+  <p:transition xmlns:p14="http://schemas.microsoft.com/office/powerpoint/2010/main" spd="med" advClick="1"/>
 </p:sldLayout>
 </file>
 
 <file path=ppt/slideLayouts/slideLayout6.xml><?xml version="1.0" encoding="utf-8"?>
-<p:sldLayout xmlns:a="http://schemas.openxmlformats.org/drawingml/2006/main" xmlns:r="http://schemas.openxmlformats.org/officeDocument/2006/relationships" xmlns:p="http://schemas.openxmlformats.org/presentationml/2006/main" type="tx">
+<p:sldLayout xmlns:a="http://schemas.openxmlformats.org/drawingml/2006/main" xmlns:r="http://schemas.openxmlformats.org/officeDocument/2006/relationships" xmlns:p="http://schemas.openxmlformats.org/presentationml/2006/main" type="tx" showMasterSp="1" showMasterPhAnim="1">
   <p:cSld name="Vergleich">
     <p:spTree>
       <p:nvGrpSpPr>
@@ -1815,9 +1731,7 @@
       <p:sp>
         <p:nvSpPr>
           <p:cNvPr id="56" name="Shape 56"/>
-          <p:cNvSpPr>
-            <a:spLocks noGrp="1"/>
-          </p:cNvSpPr>
+          <p:cNvSpPr/>
           <p:nvPr>
             <p:ph type="title"/>
           </p:nvPr>
@@ -1835,6 +1749,7 @@
           <a:bodyPr/>
           <a:lstStyle/>
           <a:p>
+            <a:pPr/>
             <a:r>
               <a:t>Mastertitelformat bearbeiten</a:t>
             </a:r>
@@ -1844,9 +1759,7 @@
       <p:sp>
         <p:nvSpPr>
           <p:cNvPr id="57" name="Shape 57"/>
-          <p:cNvSpPr>
-            <a:spLocks noGrp="1"/>
-          </p:cNvSpPr>
+          <p:cNvSpPr/>
           <p:nvPr>
             <p:ph type="body" sz="quarter" idx="1"/>
           </p:nvPr>
@@ -1854,7 +1767,7 @@
         <p:spPr>
           <a:xfrm>
             <a:off x="839787" y="1681163"/>
-            <a:ext cx="5157790" cy="823914"/>
+            <a:ext cx="5157790" cy="823915"/>
           </a:xfrm>
           <a:prstGeom prst="rect">
             <a:avLst/>
@@ -1867,10 +1780,11 @@
               <a:buSzTx/>
               <a:buFontTx/>
               <a:buNone/>
-              <a:defRPr sz="2400" b="1"/>
+              <a:defRPr b="1" sz="2400"/>
             </a:lvl1pPr>
           </a:lstStyle>
           <a:p>
+            <a:pPr/>
             <a:r>
               <a:t>Mastertextformat bearbeiten</a:t>
             </a:r>
@@ -1880,9 +1794,7 @@
       <p:sp>
         <p:nvSpPr>
           <p:cNvPr id="58" name="Shape 58"/>
-          <p:cNvSpPr>
-            <a:spLocks noGrp="1"/>
-          </p:cNvSpPr>
+          <p:cNvSpPr/>
           <p:nvPr>
             <p:ph type="body" sz="quarter" idx="13"/>
           </p:nvPr>
@@ -1900,16 +1812,14 @@
           <a:bodyPr anchor="b"/>
           <a:lstStyle/>
           <a:p>
-            <a:endParaRPr/>
+            <a:pPr/>
           </a:p>
         </p:txBody>
       </p:sp>
       <p:sp>
         <p:nvSpPr>
           <p:cNvPr id="59" name="Shape 59"/>
-          <p:cNvSpPr>
-            <a:spLocks noGrp="1"/>
-          </p:cNvSpPr>
+          <p:cNvSpPr/>
           <p:nvPr>
             <p:ph type="sldNum" sz="quarter" idx="2"/>
           </p:nvPr>
@@ -1923,10 +1833,8 @@
           <a:bodyPr/>
           <a:lstStyle/>
           <a:p>
-            <a:fld id="{86CB4B4D-7CA3-9044-876B-883B54F8677D}" type="slidenum">
-              <a:t>‹#›</a:t>
-            </a:fld>
-            <a:endParaRPr/>
+            <a:pPr/>
+            <a:fld id="{86CB4B4D-7CA3-9044-876B-883B54F8677D}" type="slidenum"/>
           </a:p>
         </p:txBody>
       </p:sp>
@@ -1935,12 +1843,12 @@
   <p:clrMapOvr>
     <a:masterClrMapping/>
   </p:clrMapOvr>
-  <p:transition spd="med"/>
+  <p:transition xmlns:p14="http://schemas.microsoft.com/office/powerpoint/2010/main" spd="med" advClick="1"/>
 </p:sldLayout>
 </file>
 
 <file path=ppt/slideLayouts/slideLayout7.xml><?xml version="1.0" encoding="utf-8"?>
-<p:sldLayout xmlns:a="http://schemas.openxmlformats.org/drawingml/2006/main" xmlns:r="http://schemas.openxmlformats.org/officeDocument/2006/relationships" xmlns:p="http://schemas.openxmlformats.org/presentationml/2006/main" type="tx">
+<p:sldLayout xmlns:a="http://schemas.openxmlformats.org/drawingml/2006/main" xmlns:r="http://schemas.openxmlformats.org/officeDocument/2006/relationships" xmlns:p="http://schemas.openxmlformats.org/presentationml/2006/main" type="tx" showMasterSp="1" showMasterPhAnim="1">
   <p:cSld name="Nur Titel">
     <p:spTree>
       <p:nvGrpSpPr>
@@ -1959,9 +1867,7 @@
       <p:sp>
         <p:nvSpPr>
           <p:cNvPr id="66" name="Shape 66"/>
-          <p:cNvSpPr>
-            <a:spLocks noGrp="1"/>
-          </p:cNvSpPr>
+          <p:cNvSpPr/>
           <p:nvPr>
             <p:ph type="title"/>
           </p:nvPr>
@@ -1975,6 +1881,7 @@
           <a:bodyPr/>
           <a:lstStyle/>
           <a:p>
+            <a:pPr/>
             <a:r>
               <a:t>Titeltext</a:t>
             </a:r>
@@ -1984,9 +1891,7 @@
       <p:sp>
         <p:nvSpPr>
           <p:cNvPr id="67" name="Shape 67"/>
-          <p:cNvSpPr>
-            <a:spLocks noGrp="1"/>
-          </p:cNvSpPr>
+          <p:cNvSpPr/>
           <p:nvPr>
             <p:ph type="sldNum" sz="quarter" idx="2"/>
           </p:nvPr>
@@ -2000,10 +1905,8 @@
           <a:bodyPr/>
           <a:lstStyle/>
           <a:p>
-            <a:fld id="{86CB4B4D-7CA3-9044-876B-883B54F8677D}" type="slidenum">
-              <a:t>‹#›</a:t>
-            </a:fld>
-            <a:endParaRPr/>
+            <a:pPr/>
+            <a:fld id="{86CB4B4D-7CA3-9044-876B-883B54F8677D}" type="slidenum"/>
           </a:p>
         </p:txBody>
       </p:sp>
@@ -2012,12 +1915,12 @@
   <p:clrMapOvr>
     <a:masterClrMapping/>
   </p:clrMapOvr>
-  <p:transition spd="med"/>
+  <p:transition xmlns:p14="http://schemas.microsoft.com/office/powerpoint/2010/main" spd="med" advClick="1"/>
 </p:sldLayout>
 </file>
 
 <file path=ppt/slideLayouts/slideLayout8.xml><?xml version="1.0" encoding="utf-8"?>
-<p:sldLayout xmlns:a="http://schemas.openxmlformats.org/drawingml/2006/main" xmlns:r="http://schemas.openxmlformats.org/officeDocument/2006/relationships" xmlns:p="http://schemas.openxmlformats.org/presentationml/2006/main" type="tx">
+<p:sldLayout xmlns:a="http://schemas.openxmlformats.org/drawingml/2006/main" xmlns:r="http://schemas.openxmlformats.org/officeDocument/2006/relationships" xmlns:p="http://schemas.openxmlformats.org/presentationml/2006/main" type="tx" showMasterSp="1" showMasterPhAnim="1">
   <p:cSld name="Leer">
     <p:spTree>
       <p:nvGrpSpPr>
@@ -2036,9 +1939,7 @@
       <p:sp>
         <p:nvSpPr>
           <p:cNvPr id="74" name="Shape 74"/>
-          <p:cNvSpPr>
-            <a:spLocks noGrp="1"/>
-          </p:cNvSpPr>
+          <p:cNvSpPr/>
           <p:nvPr>
             <p:ph type="sldNum" sz="quarter" idx="2"/>
           </p:nvPr>
@@ -2052,10 +1953,8 @@
           <a:bodyPr/>
           <a:lstStyle/>
           <a:p>
-            <a:fld id="{86CB4B4D-7CA3-9044-876B-883B54F8677D}" type="slidenum">
-              <a:t>‹#›</a:t>
-            </a:fld>
-            <a:endParaRPr/>
+            <a:pPr/>
+            <a:fld id="{86CB4B4D-7CA3-9044-876B-883B54F8677D}" type="slidenum"/>
           </a:p>
         </p:txBody>
       </p:sp>
@@ -2064,12 +1963,12 @@
   <p:clrMapOvr>
     <a:masterClrMapping/>
   </p:clrMapOvr>
-  <p:transition spd="med"/>
+  <p:transition xmlns:p14="http://schemas.microsoft.com/office/powerpoint/2010/main" spd="med" advClick="1"/>
 </p:sldLayout>
 </file>
 
 <file path=ppt/slideLayouts/slideLayout9.xml><?xml version="1.0" encoding="utf-8"?>
-<p:sldLayout xmlns:a="http://schemas.openxmlformats.org/drawingml/2006/main" xmlns:r="http://schemas.openxmlformats.org/officeDocument/2006/relationships" xmlns:p="http://schemas.openxmlformats.org/presentationml/2006/main" type="tx">
+<p:sldLayout xmlns:a="http://schemas.openxmlformats.org/drawingml/2006/main" xmlns:r="http://schemas.openxmlformats.org/officeDocument/2006/relationships" xmlns:p="http://schemas.openxmlformats.org/presentationml/2006/main" type="tx" showMasterSp="1" showMasterPhAnim="1">
   <p:cSld name="Inhalt mit Überschrift">
     <p:spTree>
       <p:nvGrpSpPr>
@@ -2088,9 +1987,7 @@
       <p:sp>
         <p:nvSpPr>
           <p:cNvPr id="81" name="Shape 81"/>
-          <p:cNvSpPr>
-            <a:spLocks noGrp="1"/>
-          </p:cNvSpPr>
+          <p:cNvSpPr/>
           <p:nvPr>
             <p:ph type="title"/>
           </p:nvPr>
@@ -2112,6 +2009,7 @@
             </a:lvl1pPr>
           </a:lstStyle>
           <a:p>
+            <a:pPr/>
             <a:r>
               <a:t>Titeltext</a:t>
             </a:r>
@@ -2121,9 +2019,7 @@
       <p:sp>
         <p:nvSpPr>
           <p:cNvPr id="82" name="Shape 82"/>
-          <p:cNvSpPr>
-            <a:spLocks noGrp="1"/>
-          </p:cNvSpPr>
+          <p:cNvSpPr/>
           <p:nvPr>
             <p:ph type="body" sz="half" idx="1"/>
           </p:nvPr>
@@ -2131,7 +2027,7 @@
         <p:spPr>
           <a:xfrm>
             <a:off x="5183187" y="987425"/>
-            <a:ext cx="6172202" cy="4873625"/>
+            <a:ext cx="6172203" cy="4873625"/>
           </a:xfrm>
           <a:prstGeom prst="rect">
             <a:avLst/>
@@ -2157,6 +2053,7 @@
             </a:lvl5pPr>
           </a:lstStyle>
           <a:p>
+            <a:pPr/>
             <a:r>
               <a:t>Textebene 1</a:t>
             </a:r>
@@ -2190,9 +2087,7 @@
       <p:sp>
         <p:nvSpPr>
           <p:cNvPr id="83" name="Shape 83"/>
-          <p:cNvSpPr>
-            <a:spLocks noGrp="1"/>
-          </p:cNvSpPr>
+          <p:cNvSpPr/>
           <p:nvPr>
             <p:ph type="body" sz="quarter" idx="13"/>
           </p:nvPr>
@@ -2210,16 +2105,14 @@
           <a:bodyPr/>
           <a:lstStyle/>
           <a:p>
-            <a:endParaRPr/>
+            <a:pPr/>
           </a:p>
         </p:txBody>
       </p:sp>
       <p:sp>
         <p:nvSpPr>
           <p:cNvPr id="84" name="Shape 84"/>
-          <p:cNvSpPr>
-            <a:spLocks noGrp="1"/>
-          </p:cNvSpPr>
+          <p:cNvSpPr/>
           <p:nvPr>
             <p:ph type="sldNum" sz="quarter" idx="2"/>
           </p:nvPr>
@@ -2233,10 +2126,8 @@
           <a:bodyPr/>
           <a:lstStyle/>
           <a:p>
-            <a:fld id="{86CB4B4D-7CA3-9044-876B-883B54F8677D}" type="slidenum">
-              <a:t>‹#›</a:t>
-            </a:fld>
-            <a:endParaRPr/>
+            <a:pPr/>
+            <a:fld id="{86CB4B4D-7CA3-9044-876B-883B54F8677D}" type="slidenum"/>
           </a:p>
         </p:txBody>
       </p:sp>
@@ -2245,7 +2136,7 @@
   <p:clrMapOvr>
     <a:masterClrMapping/>
   </p:clrMapOvr>
-  <p:transition spd="med"/>
+  <p:transition xmlns:p14="http://schemas.microsoft.com/office/powerpoint/2010/main" spd="med" advClick="1"/>
 </p:sldLayout>
 </file>
 
@@ -2257,7 +2148,6 @@
         <a:solidFill>
           <a:srgbClr val="FFFFFF"/>
         </a:solidFill>
-        <a:effectLst/>
       </p:bgPr>
     </p:bg>
     <p:spTree>
@@ -2277,9 +2167,7 @@
       <p:sp>
         <p:nvSpPr>
           <p:cNvPr id="2" name="Shape 2"/>
-          <p:cNvSpPr>
-            <a:spLocks noGrp="1"/>
-          </p:cNvSpPr>
+          <p:cNvSpPr/>
           <p:nvPr>
             <p:ph type="title"/>
           </p:nvPr>
@@ -2297,16 +2185,17 @@
           </a:ln>
           <a:extLst>
             <a:ext uri="{C572A759-6A51-4108-AA02-DFA0A04FC94B}">
-              <ma14:wrappingTextBoxFlag xmlns:ma14="http://schemas.microsoft.com/office/mac/drawingml/2011/main" xmlns="" val="1"/>
+              <ma14:wrappingTextBoxFlag xmlns:ma14="http://schemas.microsoft.com/office/mac/drawingml/2011/main" val="1"/>
             </a:ext>
           </a:extLst>
         </p:spPr>
         <p:txBody>
           <a:bodyPr lIns="45718" tIns="45718" rIns="45718" bIns="45718" anchor="ctr">
-            <a:normAutofit/>
+            <a:normAutofit fontScale="100000" lnSpcReduction="0"/>
           </a:bodyPr>
           <a:lstStyle/>
           <a:p>
+            <a:pPr/>
             <a:r>
               <a:t>Titeltext</a:t>
             </a:r>
@@ -2316,9 +2205,7 @@
       <p:sp>
         <p:nvSpPr>
           <p:cNvPr id="3" name="Shape 3"/>
-          <p:cNvSpPr>
-            <a:spLocks noGrp="1"/>
-          </p:cNvSpPr>
+          <p:cNvSpPr/>
           <p:nvPr>
             <p:ph type="body" idx="1"/>
           </p:nvPr>
@@ -2336,16 +2223,17 @@
           </a:ln>
           <a:extLst>
             <a:ext uri="{C572A759-6A51-4108-AA02-DFA0A04FC94B}">
-              <ma14:wrappingTextBoxFlag xmlns:ma14="http://schemas.microsoft.com/office/mac/drawingml/2011/main" xmlns="" val="1"/>
+              <ma14:wrappingTextBoxFlag xmlns:ma14="http://schemas.microsoft.com/office/mac/drawingml/2011/main" val="1"/>
             </a:ext>
           </a:extLst>
         </p:spPr>
         <p:txBody>
           <a:bodyPr lIns="45718" tIns="45718" rIns="45718" bIns="45718">
-            <a:normAutofit/>
+            <a:normAutofit fontScale="100000" lnSpcReduction="0"/>
           </a:bodyPr>
           <a:lstStyle/>
           <a:p>
+            <a:pPr/>
             <a:r>
               <a:t>Textebene 1</a:t>
             </a:r>
@@ -2379,17 +2267,15 @@
       <p:sp>
         <p:nvSpPr>
           <p:cNvPr id="4" name="Shape 4"/>
-          <p:cNvSpPr>
-            <a:spLocks noGrp="1"/>
-          </p:cNvSpPr>
+          <p:cNvSpPr/>
           <p:nvPr>
             <p:ph type="sldNum" sz="quarter" idx="2"/>
           </p:nvPr>
         </p:nvSpPr>
         <p:spPr>
           <a:xfrm>
-            <a:off x="11089821" y="6404293"/>
-            <a:ext cx="263980" cy="269239"/>
+            <a:off x="11089823" y="6404294"/>
+            <a:ext cx="263978" cy="269237"/>
           </a:xfrm>
           <a:prstGeom prst="rect">
             <a:avLst/>
@@ -2412,10 +2298,8 @@
             </a:lvl1pPr>
           </a:lstStyle>
           <a:p>
-            <a:fld id="{86CB4B4D-7CA3-9044-876B-883B54F8677D}" type="slidenum">
-              <a:t>‹#›</a:t>
-            </a:fld>
-            <a:endParaRPr/>
+            <a:pPr/>
+            <a:fld id="{86CB4B4D-7CA3-9044-876B-883B54F8677D}" type="slidenum"/>
           </a:p>
         </p:txBody>
       </p:sp>
@@ -2423,21 +2307,21 @@
   </p:cSld>
   <p:clrMap bg1="lt1" tx1="dk1" bg2="lt2" tx2="dk2" accent1="accent1" accent2="accent2" accent3="accent3" accent4="accent4" accent5="accent5" accent6="accent6" hlink="hlink" folHlink="folHlink"/>
   <p:sldLayoutIdLst>
-    <p:sldLayoutId id="2147483649" r:id="rId1"/>
-    <p:sldLayoutId id="2147483650" r:id="rId2"/>
-    <p:sldLayoutId id="2147483651" r:id="rId3"/>
-    <p:sldLayoutId id="2147483652" r:id="rId4"/>
-    <p:sldLayoutId id="2147483653" r:id="rId5"/>
-    <p:sldLayoutId id="2147483654" r:id="rId6"/>
-    <p:sldLayoutId id="2147483655" r:id="rId7"/>
-    <p:sldLayoutId id="2147483656" r:id="rId8"/>
-    <p:sldLayoutId id="2147483657" r:id="rId9"/>
-    <p:sldLayoutId id="2147483658" r:id="rId10"/>
-    <p:sldLayoutId id="2147483659" r:id="rId11"/>
-    <p:sldLayoutId id="2147483660" r:id="rId12"/>
-    <p:sldLayoutId id="2147483661" r:id="rId13"/>
+    <p:sldLayoutId id="2147483649" r:id="rId2"/>
+    <p:sldLayoutId id="2147483650" r:id="rId3"/>
+    <p:sldLayoutId id="2147483651" r:id="rId4"/>
+    <p:sldLayoutId id="2147483652" r:id="rId5"/>
+    <p:sldLayoutId id="2147483653" r:id="rId6"/>
+    <p:sldLayoutId id="2147483654" r:id="rId7"/>
+    <p:sldLayoutId id="2147483655" r:id="rId8"/>
+    <p:sldLayoutId id="2147483656" r:id="rId9"/>
+    <p:sldLayoutId id="2147483657" r:id="rId10"/>
+    <p:sldLayoutId id="2147483658" r:id="rId11"/>
+    <p:sldLayoutId id="2147483659" r:id="rId12"/>
+    <p:sldLayoutId id="2147483660" r:id="rId13"/>
+    <p:sldLayoutId id="2147483661" r:id="rId14"/>
   </p:sldLayoutIdLst>
-  <p:transition spd="med"/>
+  <p:transition xmlns:p14="http://schemas.microsoft.com/office/powerpoint/2010/main" spd="med" advClick="1"/>
   <p:txStyles>
     <p:titleStyle>
       <a:lvl1pPr marL="0" marR="0" indent="0" algn="l" defTabSz="914400" rtl="0" latinLnBrk="0">
@@ -2455,7 +2339,7 @@
         <a:buFontTx/>
         <a:buNone/>
         <a:tabLst/>
-        <a:defRPr sz="4400" b="0" i="0" u="none" strike="noStrike" cap="none" spc="0" baseline="0">
+        <a:defRPr b="0" baseline="0" cap="none" i="0" spc="0" strike="noStrike" sz="4400" u="none">
           <a:ln>
             <a:noFill/>
           </a:ln>
@@ -2484,7 +2368,7 @@
         <a:buFontTx/>
         <a:buNone/>
         <a:tabLst/>
-        <a:defRPr sz="4400" b="0" i="0" u="none" strike="noStrike" cap="none" spc="0" baseline="0">
+        <a:defRPr b="0" baseline="0" cap="none" i="0" spc="0" strike="noStrike" sz="4400" u="none">
           <a:ln>
             <a:noFill/>
           </a:ln>
@@ -2513,7 +2397,7 @@
         <a:buFontTx/>
         <a:buNone/>
         <a:tabLst/>
-        <a:defRPr sz="4400" b="0" i="0" u="none" strike="noStrike" cap="none" spc="0" baseline="0">
+        <a:defRPr b="0" baseline="0" cap="none" i="0" spc="0" strike="noStrike" sz="4400" u="none">
           <a:ln>
             <a:noFill/>
           </a:ln>
@@ -2542,7 +2426,7 @@
         <a:buFontTx/>
         <a:buNone/>
         <a:tabLst/>
-        <a:defRPr sz="4400" b="0" i="0" u="none" strike="noStrike" cap="none" spc="0" baseline="0">
+        <a:defRPr b="0" baseline="0" cap="none" i="0" spc="0" strike="noStrike" sz="4400" u="none">
           <a:ln>
             <a:noFill/>
           </a:ln>
@@ -2571,7 +2455,7 @@
         <a:buFontTx/>
         <a:buNone/>
         <a:tabLst/>
-        <a:defRPr sz="4400" b="0" i="0" u="none" strike="noStrike" cap="none" spc="0" baseline="0">
+        <a:defRPr b="0" baseline="0" cap="none" i="0" spc="0" strike="noStrike" sz="4400" u="none">
           <a:ln>
             <a:noFill/>
           </a:ln>
@@ -2600,7 +2484,7 @@
         <a:buFontTx/>
         <a:buNone/>
         <a:tabLst/>
-        <a:defRPr sz="4400" b="0" i="0" u="none" strike="noStrike" cap="none" spc="0" baseline="0">
+        <a:defRPr b="0" baseline="0" cap="none" i="0" spc="0" strike="noStrike" sz="4400" u="none">
           <a:ln>
             <a:noFill/>
           </a:ln>
@@ -2629,7 +2513,7 @@
         <a:buFontTx/>
         <a:buNone/>
         <a:tabLst/>
-        <a:defRPr sz="4400" b="0" i="0" u="none" strike="noStrike" cap="none" spc="0" baseline="0">
+        <a:defRPr b="0" baseline="0" cap="none" i="0" spc="0" strike="noStrike" sz="4400" u="none">
           <a:ln>
             <a:noFill/>
           </a:ln>
@@ -2658,7 +2542,7 @@
         <a:buFontTx/>
         <a:buNone/>
         <a:tabLst/>
-        <a:defRPr sz="4400" b="0" i="0" u="none" strike="noStrike" cap="none" spc="0" baseline="0">
+        <a:defRPr b="0" baseline="0" cap="none" i="0" spc="0" strike="noStrike" sz="4400" u="none">
           <a:ln>
             <a:noFill/>
           </a:ln>
@@ -2687,7 +2571,7 @@
         <a:buFontTx/>
         <a:buNone/>
         <a:tabLst/>
-        <a:defRPr sz="4400" b="0" i="0" u="none" strike="noStrike" cap="none" spc="0" baseline="0">
+        <a:defRPr b="0" baseline="0" cap="none" i="0" spc="0" strike="noStrike" sz="4400" u="none">
           <a:ln>
             <a:noFill/>
           </a:ln>
@@ -2718,7 +2602,7 @@
         <a:buFont typeface="Arial"/>
         <a:buChar char="•"/>
         <a:tabLst/>
-        <a:defRPr sz="2800" b="0" i="0" u="none" strike="noStrike" cap="none" spc="0" baseline="0">
+        <a:defRPr b="0" baseline="0" cap="none" i="0" spc="0" strike="noStrike" sz="2800" u="none">
           <a:ln>
             <a:noFill/>
           </a:ln>
@@ -2747,7 +2631,7 @@
         <a:buFont typeface="Arial"/>
         <a:buChar char="•"/>
         <a:tabLst/>
-        <a:defRPr sz="2800" b="0" i="0" u="none" strike="noStrike" cap="none" spc="0" baseline="0">
+        <a:defRPr b="0" baseline="0" cap="none" i="0" spc="0" strike="noStrike" sz="2800" u="none">
           <a:ln>
             <a:noFill/>
           </a:ln>
@@ -2776,7 +2660,7 @@
         <a:buFont typeface="Arial"/>
         <a:buChar char="•"/>
         <a:tabLst/>
-        <a:defRPr sz="2800" b="0" i="0" u="none" strike="noStrike" cap="none" spc="0" baseline="0">
+        <a:defRPr b="0" baseline="0" cap="none" i="0" spc="0" strike="noStrike" sz="2800" u="none">
           <a:ln>
             <a:noFill/>
           </a:ln>
@@ -2805,7 +2689,7 @@
         <a:buFont typeface="Arial"/>
         <a:buChar char="•"/>
         <a:tabLst/>
-        <a:defRPr sz="2800" b="0" i="0" u="none" strike="noStrike" cap="none" spc="0" baseline="0">
+        <a:defRPr b="0" baseline="0" cap="none" i="0" spc="0" strike="noStrike" sz="2800" u="none">
           <a:ln>
             <a:noFill/>
           </a:ln>
@@ -2834,7 +2718,7 @@
         <a:buFont typeface="Arial"/>
         <a:buChar char="•"/>
         <a:tabLst/>
-        <a:defRPr sz="2800" b="0" i="0" u="none" strike="noStrike" cap="none" spc="0" baseline="0">
+        <a:defRPr b="0" baseline="0" cap="none" i="0" spc="0" strike="noStrike" sz="2800" u="none">
           <a:ln>
             <a:noFill/>
           </a:ln>
@@ -2863,7 +2747,7 @@
         <a:buFont typeface="Arial"/>
         <a:buChar char="•"/>
         <a:tabLst/>
-        <a:defRPr sz="2800" b="0" i="0" u="none" strike="noStrike" cap="none" spc="0" baseline="0">
+        <a:defRPr b="0" baseline="0" cap="none" i="0" spc="0" strike="noStrike" sz="2800" u="none">
           <a:ln>
             <a:noFill/>
           </a:ln>
@@ -2892,7 +2776,7 @@
         <a:buFont typeface="Arial"/>
         <a:buChar char="•"/>
         <a:tabLst/>
-        <a:defRPr sz="2800" b="0" i="0" u="none" strike="noStrike" cap="none" spc="0" baseline="0">
+        <a:defRPr b="0" baseline="0" cap="none" i="0" spc="0" strike="noStrike" sz="2800" u="none">
           <a:ln>
             <a:noFill/>
           </a:ln>
@@ -2921,7 +2805,7 @@
         <a:buFont typeface="Arial"/>
         <a:buChar char="•"/>
         <a:tabLst/>
-        <a:defRPr sz="2800" b="0" i="0" u="none" strike="noStrike" cap="none" spc="0" baseline="0">
+        <a:defRPr b="0" baseline="0" cap="none" i="0" spc="0" strike="noStrike" sz="2800" u="none">
           <a:ln>
             <a:noFill/>
           </a:ln>
@@ -2950,7 +2834,7 @@
         <a:buFont typeface="Arial"/>
         <a:buChar char="•"/>
         <a:tabLst/>
-        <a:defRPr sz="2800" b="0" i="0" u="none" strike="noStrike" cap="none" spc="0" baseline="0">
+        <a:defRPr b="0" baseline="0" cap="none" i="0" spc="0" strike="noStrike" sz="2800" u="none">
           <a:ln>
             <a:noFill/>
           </a:ln>
@@ -2981,7 +2865,7 @@
         <a:buFontTx/>
         <a:buNone/>
         <a:tabLst/>
-        <a:defRPr sz="1200" b="0" i="0" u="none" strike="noStrike" cap="none" spc="0" baseline="0">
+        <a:defRPr b="0" baseline="0" cap="none" i="0" spc="0" strike="noStrike" sz="1200" u="none">
           <a:ln>
             <a:noFill/>
           </a:ln>
@@ -3010,7 +2894,7 @@
         <a:buFontTx/>
         <a:buNone/>
         <a:tabLst/>
-        <a:defRPr sz="1200" b="0" i="0" u="none" strike="noStrike" cap="none" spc="0" baseline="0">
+        <a:defRPr b="0" baseline="0" cap="none" i="0" spc="0" strike="noStrike" sz="1200" u="none">
           <a:ln>
             <a:noFill/>
           </a:ln>
@@ -3039,7 +2923,7 @@
         <a:buFontTx/>
         <a:buNone/>
         <a:tabLst/>
-        <a:defRPr sz="1200" b="0" i="0" u="none" strike="noStrike" cap="none" spc="0" baseline="0">
+        <a:defRPr b="0" baseline="0" cap="none" i="0" spc="0" strike="noStrike" sz="1200" u="none">
           <a:ln>
             <a:noFill/>
           </a:ln>
@@ -3068,7 +2952,7 @@
         <a:buFontTx/>
         <a:buNone/>
         <a:tabLst/>
-        <a:defRPr sz="1200" b="0" i="0" u="none" strike="noStrike" cap="none" spc="0" baseline="0">
+        <a:defRPr b="0" baseline="0" cap="none" i="0" spc="0" strike="noStrike" sz="1200" u="none">
           <a:ln>
             <a:noFill/>
           </a:ln>
@@ -3097,7 +2981,7 @@
         <a:buFontTx/>
         <a:buNone/>
         <a:tabLst/>
-        <a:defRPr sz="1200" b="0" i="0" u="none" strike="noStrike" cap="none" spc="0" baseline="0">
+        <a:defRPr b="0" baseline="0" cap="none" i="0" spc="0" strike="noStrike" sz="1200" u="none">
           <a:ln>
             <a:noFill/>
           </a:ln>
@@ -3126,7 +3010,7 @@
         <a:buFontTx/>
         <a:buNone/>
         <a:tabLst/>
-        <a:defRPr sz="1200" b="0" i="0" u="none" strike="noStrike" cap="none" spc="0" baseline="0">
+        <a:defRPr b="0" baseline="0" cap="none" i="0" spc="0" strike="noStrike" sz="1200" u="none">
           <a:ln>
             <a:noFill/>
           </a:ln>
@@ -3155,7 +3039,7 @@
         <a:buFontTx/>
         <a:buNone/>
         <a:tabLst/>
-        <a:defRPr sz="1200" b="0" i="0" u="none" strike="noStrike" cap="none" spc="0" baseline="0">
+        <a:defRPr b="0" baseline="0" cap="none" i="0" spc="0" strike="noStrike" sz="1200" u="none">
           <a:ln>
             <a:noFill/>
           </a:ln>
@@ -3184,7 +3068,7 @@
         <a:buFontTx/>
         <a:buNone/>
         <a:tabLst/>
-        <a:defRPr sz="1200" b="0" i="0" u="none" strike="noStrike" cap="none" spc="0" baseline="0">
+        <a:defRPr b="0" baseline="0" cap="none" i="0" spc="0" strike="noStrike" sz="1200" u="none">
           <a:ln>
             <a:noFill/>
           </a:ln>
@@ -3213,7 +3097,7 @@
         <a:buFontTx/>
         <a:buNone/>
         <a:tabLst/>
-        <a:defRPr sz="1200" b="0" i="0" u="none" strike="noStrike" cap="none" spc="0" baseline="0">
+        <a:defRPr b="0" baseline="0" cap="none" i="0" spc="0" strike="noStrike" sz="1200" u="none">
           <a:ln>
             <a:noFill/>
           </a:ln>
@@ -3233,14 +3117,13 @@
 </file>
 
 <file path=ppt/slides/slide1.xml><?xml version="1.0" encoding="utf-8"?>
-<p:sld xmlns:a="http://schemas.openxmlformats.org/drawingml/2006/main" xmlns:r="http://schemas.openxmlformats.org/officeDocument/2006/relationships" xmlns:p="http://schemas.openxmlformats.org/presentationml/2006/main">
+<p:sld xmlns:a="http://schemas.openxmlformats.org/drawingml/2006/main" xmlns:r="http://schemas.openxmlformats.org/officeDocument/2006/relationships" xmlns:p="http://schemas.openxmlformats.org/presentationml/2006/main" showMasterSp="1" showMasterPhAnim="1">
   <p:cSld>
     <p:bg>
       <p:bgPr>
         <a:solidFill>
           <a:srgbClr val="E3FDDB"/>
         </a:solidFill>
-        <a:effectLst/>
       </p:bgPr>
     </p:bg>
     <p:spTree>
@@ -3265,8 +3148,8 @@
         </p:nvSpPr>
         <p:spPr>
           <a:xfrm>
-            <a:off x="611423" y="473696"/>
-            <a:ext cx="6348578" cy="5524841"/>
+            <a:off x="611423" y="473695"/>
+            <a:ext cx="6348578" cy="5311488"/>
           </a:xfrm>
           <a:prstGeom prst="rect">
             <a:avLst/>
@@ -3276,7 +3159,7 @@
           </a:ln>
           <a:extLst>
             <a:ext uri="{C572A759-6A51-4108-AA02-DFA0A04FC94B}">
-              <ma14:wrappingTextBoxFlag xmlns:ma14="http://schemas.microsoft.com/office/mac/drawingml/2011/main" xmlns="" val="1"/>
+              <ma14:wrappingTextBoxFlag xmlns:ma14="http://schemas.microsoft.com/office/mac/drawingml/2011/main" val="1"/>
             </a:ext>
           </a:extLst>
         </p:spPr>
@@ -3293,7 +3176,7 @@
               <a:spcBef>
                 <a:spcPts val="600"/>
               </a:spcBef>
-              <a:defRPr sz="3500" b="1" u="sng">
+              <a:defRPr b="1" sz="3500" u="sng">
                 <a:latin typeface="Arial"/>
                 <a:ea typeface="Arial"/>
                 <a:cs typeface="Arial"/>
@@ -3301,15 +3184,12 @@
               </a:defRPr>
             </a:pPr>
             <a:r>
-              <a:rPr dirty="0"/>
               <a:t>Meilensteinpräsentation </a:t>
             </a:r>
             <a:r>
-              <a:rPr lang="de-CH" dirty="0"/>
               <a:t>I</a:t>
             </a:r>
             <a:r>
-              <a:rPr dirty="0"/>
               <a:t>II</a:t>
             </a:r>
           </a:p>
@@ -3328,7 +3208,6 @@
                 <a:sym typeface="Arial"/>
               </a:defRPr>
             </a:pPr>
-            <a:endParaRPr dirty="0"/>
           </a:p>
           <a:p>
             <a:pPr>
@@ -3346,7 +3225,6 @@
               </a:defRPr>
             </a:pPr>
             <a:r>
-              <a:rPr dirty="0"/>
               <a:t>Programmierprojekt 2020 </a:t>
             </a:r>
           </a:p>
@@ -3366,11 +3244,10 @@
               </a:defRPr>
             </a:pPr>
             <a:r>
-              <a:rPr dirty="0"/>
               <a:t>Implementierung von </a:t>
             </a:r>
             <a:r>
-              <a:rPr b="1" dirty="0"/>
+              <a:rPr b="1"/>
               <a:t>Skip-Bo ©</a:t>
             </a:r>
           </a:p>
@@ -3382,14 +3259,13 @@
               <a:spcBef>
                 <a:spcPts val="600"/>
               </a:spcBef>
-              <a:defRPr sz="3000" b="1">
+              <a:defRPr b="1" sz="3000">
                 <a:latin typeface="Arial"/>
                 <a:ea typeface="Arial"/>
                 <a:cs typeface="Arial"/>
                 <a:sym typeface="Arial"/>
               </a:defRPr>
             </a:pPr>
-            <a:endParaRPr b="1" dirty="0"/>
           </a:p>
           <a:p>
             <a:pPr>
@@ -3399,7 +3275,7 @@
               <a:spcBef>
                 <a:spcPts val="600"/>
               </a:spcBef>
-              <a:defRPr sz="3000" b="1" u="sng">
+              <a:defRPr b="1" sz="3000" u="sng">
                 <a:latin typeface="Arial"/>
                 <a:ea typeface="Arial"/>
                 <a:cs typeface="Arial"/>
@@ -3407,7 +3283,6 @@
               </a:defRPr>
             </a:pPr>
             <a:r>
-              <a:rPr dirty="0"/>
               <a:t>Gruppe:</a:t>
             </a:r>
           </a:p>
@@ -3419,14 +3294,13 @@
               <a:spcBef>
                 <a:spcPts val="600"/>
               </a:spcBef>
-              <a:defRPr sz="1000" b="1" u="sng">
+              <a:defRPr b="1" sz="1000" u="sng">
                 <a:latin typeface="Arial"/>
                 <a:ea typeface="Arial"/>
                 <a:cs typeface="Arial"/>
                 <a:sym typeface="Arial"/>
               </a:defRPr>
             </a:pPr>
-            <a:endParaRPr dirty="0"/>
           </a:p>
           <a:p>
             <a:pPr>
@@ -3444,7 +3318,6 @@
               </a:defRPr>
             </a:pPr>
             <a:r>
-              <a:rPr dirty="0"/>
               <a:t> 	</a:t>
             </a:r>
           </a:p>
@@ -3464,7 +3337,6 @@
               </a:defRPr>
             </a:pPr>
             <a:r>
-              <a:rPr dirty="0"/>
               <a:t>	Manuela Wildi</a:t>
             </a:r>
           </a:p>
@@ -3483,7 +3355,6 @@
                 <a:sym typeface="Arial"/>
               </a:defRPr>
             </a:pPr>
-            <a:endParaRPr dirty="0"/>
           </a:p>
           <a:p>
             <a:pPr>
@@ -3501,7 +3372,6 @@
               </a:defRPr>
             </a:pPr>
             <a:r>
-              <a:rPr dirty="0"/>
               <a:t> 	Rao Rohan Girish</a:t>
             </a:r>
           </a:p>
@@ -3520,7 +3390,6 @@
                 <a:sym typeface="Arial"/>
               </a:defRPr>
             </a:pPr>
-            <a:endParaRPr dirty="0"/>
           </a:p>
           <a:p>
             <a:pPr>
@@ -3538,7 +3407,6 @@
               </a:defRPr>
             </a:pPr>
             <a:r>
-              <a:rPr dirty="0"/>
               <a:t> 	Guillaume Joyet</a:t>
             </a:r>
           </a:p>
@@ -3557,7 +3425,6 @@
                 <a:sym typeface="Arial"/>
               </a:defRPr>
             </a:pPr>
-            <a:endParaRPr dirty="0"/>
           </a:p>
           <a:p>
             <a:pPr>
@@ -3575,7 +3442,6 @@
               </a:defRPr>
             </a:pPr>
             <a:r>
-              <a:rPr dirty="0"/>
               <a:t> 	Janni Batsilas</a:t>
             </a:r>
           </a:p>
@@ -3590,15 +3456,17 @@
           <p:nvPr/>
         </p:nvPicPr>
         <p:blipFill>
-          <a:blip r:embed="rId2"/>
+          <a:blip r:embed="rId2">
+            <a:extLst/>
+          </a:blip>
           <a:stretch>
             <a:fillRect/>
           </a:stretch>
         </p:blipFill>
         <p:spPr>
           <a:xfrm rot="517975">
-            <a:off x="7881139" y="2164970"/>
-            <a:ext cx="4099167" cy="2828196"/>
+            <a:off x="7881139" y="2164969"/>
+            <a:ext cx="4099167" cy="2828197"/>
           </a:xfrm>
           <a:prstGeom prst="rect">
             <a:avLst/>
@@ -3617,7 +3485,7 @@
         <p:spPr>
           <a:xfrm>
             <a:off x="8396506" y="6045408"/>
-            <a:ext cx="2859060" cy="358139"/>
+            <a:ext cx="2859057" cy="358137"/>
           </a:xfrm>
           <a:prstGeom prst="rect">
             <a:avLst/>
@@ -3627,7 +3495,7 @@
           </a:ln>
           <a:extLst>
             <a:ext uri="{C572A759-6A51-4108-AA02-DFA0A04FC94B}">
-              <ma14:wrappingTextBoxFlag xmlns:ma14="http://schemas.microsoft.com/office/mac/drawingml/2011/main" xmlns="" val="1"/>
+              <ma14:wrappingTextBoxFlag xmlns:ma14="http://schemas.microsoft.com/office/mac/drawingml/2011/main" val="1"/>
             </a:ext>
           </a:extLst>
         </p:spPr>
@@ -3637,6 +3505,7 @@
           </a:bodyPr>
           <a:lstStyle/>
           <a:p>
+            <a:pPr/>
             <a:r>
               <a:t>Quelle:  mercadolibre.com</a:t>
             </a:r>
@@ -3652,7 +3521,9 @@
           <p:nvPr/>
         </p:nvPicPr>
         <p:blipFill>
-          <a:blip r:embed="rId3"/>
+          <a:blip r:embed="rId3">
+            <a:extLst/>
+          </a:blip>
           <a:stretch>
             <a:fillRect/>
           </a:stretch>
@@ -3679,7 +3550,9 @@
           <p:nvPr/>
         </p:nvPicPr>
         <p:blipFill>
-          <a:blip r:embed="rId4"/>
+          <a:blip r:embed="rId4">
+            <a:extLst/>
+          </a:blip>
           <a:stretch>
             <a:fillRect/>
           </a:stretch>
@@ -3687,7 +3560,7 @@
         <p:spPr>
           <a:xfrm>
             <a:off x="804000" y="4079849"/>
-            <a:ext cx="731506" cy="731508"/>
+            <a:ext cx="731506" cy="731509"/>
           </a:xfrm>
           <a:prstGeom prst="rect">
             <a:avLst/>
@@ -3706,7 +3579,9 @@
           <p:nvPr/>
         </p:nvPicPr>
         <p:blipFill>
-          <a:blip r:embed="rId5"/>
+          <a:blip r:embed="rId5">
+            <a:extLst/>
+          </a:blip>
           <a:stretch>
             <a:fillRect/>
           </a:stretch>
@@ -3714,7 +3589,7 @@
         <p:spPr>
           <a:xfrm>
             <a:off x="804000" y="3387576"/>
-            <a:ext cx="731506" cy="731508"/>
+            <a:ext cx="731506" cy="731509"/>
           </a:xfrm>
           <a:prstGeom prst="rect">
             <a:avLst/>
@@ -3733,7 +3608,9 @@
           <p:nvPr/>
         </p:nvPicPr>
         <p:blipFill>
-          <a:blip r:embed="rId4"/>
+          <a:blip r:embed="rId4">
+            <a:extLst/>
+          </a:blip>
           <a:stretch>
             <a:fillRect/>
           </a:stretch>
@@ -3760,7 +3637,9 @@
           <p:nvPr/>
         </p:nvPicPr>
         <p:blipFill>
-          <a:blip r:embed="rId4"/>
+          <a:blip r:embed="rId4">
+            <a:extLst/>
+          </a:blip>
           <a:stretch>
             <a:fillRect/>
           </a:stretch>
@@ -3768,7 +3647,7 @@
         <p:spPr>
           <a:xfrm>
             <a:off x="804000" y="5356145"/>
-            <a:ext cx="731506" cy="731508"/>
+            <a:ext cx="731506" cy="731509"/>
           </a:xfrm>
           <a:prstGeom prst="rect">
             <a:avLst/>
@@ -3787,15 +3666,17 @@
           <p:nvPr/>
         </p:nvPicPr>
         <p:blipFill>
-          <a:blip r:embed="rId6"/>
+          <a:blip r:embed="rId6">
+            <a:extLst/>
+          </a:blip>
           <a:stretch>
             <a:fillRect/>
           </a:stretch>
         </p:blipFill>
         <p:spPr>
           <a:xfrm>
-            <a:off x="2457655" y="2242655"/>
-            <a:ext cx="2686631" cy="1233795"/>
+            <a:off x="2457655" y="2242654"/>
+            <a:ext cx="2686631" cy="1233797"/>
           </a:xfrm>
           <a:prstGeom prst="rect">
             <a:avLst/>
@@ -3810,12 +3691,12 @@
   <p:clrMapOvr>
     <a:masterClrMapping/>
   </p:clrMapOvr>
-  <p:transition spd="med"/>
+  <p:transition xmlns:p14="http://schemas.microsoft.com/office/powerpoint/2010/main" spd="med" advClick="1"/>
 </p:sld>
 </file>
 
 <file path=ppt/slides/slide10.xml><?xml version="1.0" encoding="utf-8"?>
-<p:sld xmlns:a="http://schemas.openxmlformats.org/drawingml/2006/main" xmlns:r="http://schemas.openxmlformats.org/officeDocument/2006/relationships" xmlns:p="http://schemas.openxmlformats.org/presentationml/2006/main">
+<p:sld xmlns:a="http://schemas.openxmlformats.org/drawingml/2006/main" xmlns:r="http://schemas.openxmlformats.org/officeDocument/2006/relationships" xmlns:p="http://schemas.openxmlformats.org/presentationml/2006/main" showMasterSp="1" showMasterPhAnim="1">
   <p:cSld>
     <p:spTree>
       <p:nvGrpSpPr>
@@ -3833,14 +3714,14 @@
       </p:grpSpPr>
       <p:sp>
         <p:nvSpPr>
-          <p:cNvPr id="206" name="Shape 206"/>
+          <p:cNvPr id="213" name="Shape 213"/>
           <p:cNvSpPr/>
           <p:nvPr/>
         </p:nvSpPr>
         <p:spPr>
           <a:xfrm>
-            <a:off x="4038600" y="6400414"/>
-            <a:ext cx="4114800" cy="276995"/>
+            <a:off x="4038600" y="6404293"/>
+            <a:ext cx="4114800" cy="269237"/>
           </a:xfrm>
           <a:prstGeom prst="rect">
             <a:avLst/>
@@ -3850,7 +3731,7 @@
           </a:ln>
           <a:extLst>
             <a:ext uri="{C572A759-6A51-4108-AA02-DFA0A04FC94B}">
-              <ma14:wrappingTextBoxFlag xmlns:ma14="http://schemas.microsoft.com/office/mac/drawingml/2011/main" xmlns="" val="1"/>
+              <ma14:wrappingTextBoxFlag xmlns:ma14="http://schemas.microsoft.com/office/mac/drawingml/2011/main" val="1"/>
             </a:ext>
           </a:extLst>
         </p:spPr>
@@ -3868,23 +3749,17 @@
             </a:lvl1pPr>
           </a:lstStyle>
           <a:p>
-            <a:r>
-              <a:rPr lang="de-CH" dirty="0" err="1"/>
-              <a:t>Mlst</a:t>
-            </a:r>
-            <a:r>
-              <a:rPr lang="de-CH" dirty="0"/>
-              <a:t>.-Präsentation Nr. III  /  Gruppe 15</a:t>
-            </a:r>
-          </a:p>
-        </p:txBody>
-      </p:sp>
-      <p:sp>
-        <p:nvSpPr>
-          <p:cNvPr id="207" name="Shape 207"/>
-          <p:cNvSpPr>
-            <a:spLocks noGrp="1"/>
-          </p:cNvSpPr>
+            <a:pPr/>
+            <a:r>
+              <a:t>Mlst.-Präsentation Nr. III  /  Gruppe 15</a:t>
+            </a:r>
+          </a:p>
+        </p:txBody>
+      </p:sp>
+      <p:sp>
+        <p:nvSpPr>
+          <p:cNvPr id="214" name="Shape 214"/>
+          <p:cNvSpPr/>
           <p:nvPr>
             <p:ph type="title"/>
           </p:nvPr>
@@ -3902,7 +3777,7 @@
           <a:bodyPr/>
           <a:lstStyle>
             <a:lvl1pPr>
-              <a:defRPr sz="2000" b="1">
+              <a:defRPr b="1" sz="2000">
                 <a:latin typeface="Arial"/>
                 <a:ea typeface="Arial"/>
                 <a:cs typeface="Arial"/>
@@ -3911,6 +3786,7 @@
             </a:lvl1pPr>
           </a:lstStyle>
           <a:p>
+            <a:pPr/>
             <a:r>
               <a:t>	Technische Eigenheiten</a:t>
             </a:r>
@@ -3919,25 +3795,23 @@
       </p:sp>
       <p:sp>
         <p:nvSpPr>
-          <p:cNvPr id="208" name="Shape 208"/>
-          <p:cNvSpPr>
-            <a:spLocks noGrp="1"/>
-          </p:cNvSpPr>
+          <p:cNvPr id="215" name="Shape 215"/>
+          <p:cNvSpPr/>
           <p:nvPr>
             <p:ph type="sldNum" sz="quarter" idx="4294967295"/>
           </p:nvPr>
         </p:nvSpPr>
         <p:spPr>
           <a:xfrm>
-            <a:off x="11169739" y="6404292"/>
-            <a:ext cx="184059" cy="269239"/>
+            <a:off x="11089820" y="6404293"/>
+            <a:ext cx="263979" cy="269237"/>
           </a:xfrm>
           <a:prstGeom prst="rect">
             <a:avLst/>
           </a:prstGeom>
           <a:extLst>
             <a:ext uri="{C572A759-6A51-4108-AA02-DFA0A04FC94B}">
-              <ma14:wrappingTextBoxFlag xmlns:ma14="http://schemas.microsoft.com/office/mac/drawingml/2011/main" xmlns="" val="1"/>
+              <ma14:wrappingTextBoxFlag xmlns:ma14="http://schemas.microsoft.com/office/mac/drawingml/2011/main" val="1"/>
             </a:ext>
           </a:extLst>
         </p:spPr>
@@ -3945,23 +3819,21 @@
           <a:bodyPr/>
           <a:lstStyle/>
           <a:p>
-            <a:fld id="{86CB4B4D-7CA3-9044-876B-883B54F8677D}" type="slidenum">
-              <a:t>10</a:t>
-            </a:fld>
-            <a:endParaRPr/>
-          </a:p>
-        </p:txBody>
-      </p:sp>
-      <p:sp>
-        <p:nvSpPr>
-          <p:cNvPr id="209" name="Shape 209"/>
+            <a:pPr/>
+            <a:fld id="{86CB4B4D-7CA3-9044-876B-883B54F8677D}" type="slidenum"/>
+          </a:p>
+        </p:txBody>
+      </p:sp>
+      <p:sp>
+        <p:nvSpPr>
+          <p:cNvPr id="216" name="Shape 216"/>
           <p:cNvSpPr/>
           <p:nvPr/>
         </p:nvSpPr>
         <p:spPr>
           <a:xfrm>
-            <a:off x="-11084" y="720436"/>
-            <a:ext cx="4584003" cy="2"/>
+            <a:off x="-11085" y="720436"/>
+            <a:ext cx="4584004" cy="3"/>
           </a:xfrm>
           <a:prstGeom prst="line">
             <a:avLst/>
@@ -3973,7 +3845,7 @@
             <a:miter/>
           </a:ln>
           <a:effectLst>
-            <a:outerShdw blurRad="50800" dist="38100" dir="2700000" rotWithShape="0">
+            <a:outerShdw sx="100000" sy="100000" kx="0" ky="0" algn="b" rotWithShape="0" blurRad="50800" dist="38100" dir="2700000">
               <a:srgbClr val="000000">
                 <a:alpha val="40000"/>
               </a:srgbClr>
@@ -3984,28 +3856,30 @@
           <a:bodyPr lIns="45718" tIns="45718" rIns="45718" bIns="45718"/>
           <a:lstStyle/>
           <a:p>
-            <a:endParaRPr/>
+            <a:pPr/>
           </a:p>
         </p:txBody>
       </p:sp>
       <p:pic>
         <p:nvPicPr>
-          <p:cNvPr id="210" name="image10.png" descr="Fingerabdruck"/>
+          <p:cNvPr id="217" name="image10.png" descr="Fingerabdruck"/>
           <p:cNvPicPr>
             <a:picLocks noChangeAspect="1"/>
           </p:cNvPicPr>
           <p:nvPr/>
         </p:nvPicPr>
         <p:blipFill>
-          <a:blip r:embed="rId2"/>
+          <a:blip r:embed="rId2">
+            <a:extLst/>
+          </a:blip>
           <a:stretch>
             <a:fillRect/>
           </a:stretch>
         </p:blipFill>
         <p:spPr>
           <a:xfrm>
-            <a:off x="263999" y="86303"/>
-            <a:ext cx="547828" cy="547829"/>
+            <a:off x="263999" y="86302"/>
+            <a:ext cx="547828" cy="547831"/>
           </a:xfrm>
           <a:prstGeom prst="rect">
             <a:avLst/>
@@ -4017,14 +3891,14 @@
       </p:pic>
       <p:sp>
         <p:nvSpPr>
-          <p:cNvPr id="211" name="Shape 211"/>
+          <p:cNvPr id="218" name="Shape 218"/>
           <p:cNvSpPr/>
           <p:nvPr/>
         </p:nvSpPr>
         <p:spPr>
           <a:xfrm>
             <a:off x="4401723" y="813884"/>
-            <a:ext cx="3890823" cy="383539"/>
+            <a:ext cx="3890820" cy="383537"/>
           </a:xfrm>
           <a:prstGeom prst="rect">
             <a:avLst/>
@@ -4034,7 +3908,7 @@
           </a:ln>
           <a:extLst>
             <a:ext uri="{C572A759-6A51-4108-AA02-DFA0A04FC94B}">
-              <ma14:wrappingTextBoxFlag xmlns:ma14="http://schemas.microsoft.com/office/mac/drawingml/2011/main" xmlns="" val="1"/>
+              <ma14:wrappingTextBoxFlag xmlns:ma14="http://schemas.microsoft.com/office/mac/drawingml/2011/main" val="1"/>
             </a:ext>
           </a:extLst>
         </p:spPr>
@@ -4051,6 +3925,7 @@
             </a:lvl1pPr>
           </a:lstStyle>
           <a:p>
+            <a:pPr/>
             <a:r>
               <a:t>log4j2.properties Datei (Beispiel)</a:t>
             </a:r>
@@ -4059,14 +3934,16 @@
       </p:sp>
       <p:pic>
         <p:nvPicPr>
-          <p:cNvPr id="212" name="image13.png"/>
+          <p:cNvPr id="219" name="image14.png"/>
           <p:cNvPicPr>
             <a:picLocks noChangeAspect="1"/>
           </p:cNvPicPr>
           <p:nvPr/>
         </p:nvPicPr>
         <p:blipFill>
-          <a:blip r:embed="rId3"/>
+          <a:blip r:embed="rId3">
+            <a:extLst/>
+          </a:blip>
           <a:stretch>
             <a:fillRect/>
           </a:stretch>
@@ -4089,12 +3966,12 @@
   <p:clrMapOvr>
     <a:masterClrMapping/>
   </p:clrMapOvr>
-  <p:transition spd="slow"/>
+  <p:transition xmlns:p14="http://schemas.microsoft.com/office/powerpoint/2010/main" spd="med" advClick="1" p14:dur="1000"/>
 </p:sld>
 </file>
 
 <file path=ppt/slides/slide11.xml><?xml version="1.0" encoding="utf-8"?>
-<p:sld xmlns:a="http://schemas.openxmlformats.org/drawingml/2006/main" xmlns:r="http://schemas.openxmlformats.org/officeDocument/2006/relationships" xmlns:p="http://schemas.openxmlformats.org/presentationml/2006/main">
+<p:sld xmlns:a="http://schemas.openxmlformats.org/drawingml/2006/main" xmlns:r="http://schemas.openxmlformats.org/officeDocument/2006/relationships" xmlns:p="http://schemas.openxmlformats.org/presentationml/2006/main" showMasterSp="1" showMasterPhAnim="1">
   <p:cSld>
     <p:spTree>
       <p:nvGrpSpPr>
@@ -4112,14 +3989,14 @@
       </p:grpSpPr>
       <p:sp>
         <p:nvSpPr>
-          <p:cNvPr id="214" name="Shape 214"/>
+          <p:cNvPr id="221" name="Shape 221"/>
           <p:cNvSpPr/>
           <p:nvPr/>
         </p:nvSpPr>
         <p:spPr>
           <a:xfrm>
-            <a:off x="4038600" y="6400414"/>
-            <a:ext cx="4114800" cy="276995"/>
+            <a:off x="4038600" y="6404293"/>
+            <a:ext cx="4114800" cy="269237"/>
           </a:xfrm>
           <a:prstGeom prst="rect">
             <a:avLst/>
@@ -4129,7 +4006,7 @@
           </a:ln>
           <a:extLst>
             <a:ext uri="{C572A759-6A51-4108-AA02-DFA0A04FC94B}">
-              <ma14:wrappingTextBoxFlag xmlns:ma14="http://schemas.microsoft.com/office/mac/drawingml/2011/main" xmlns="" val="1"/>
+              <ma14:wrappingTextBoxFlag xmlns:ma14="http://schemas.microsoft.com/office/mac/drawingml/2011/main" val="1"/>
             </a:ext>
           </a:extLst>
         </p:spPr>
@@ -4147,23 +4024,17 @@
             </a:lvl1pPr>
           </a:lstStyle>
           <a:p>
-            <a:r>
-              <a:rPr lang="de-CH" dirty="0" err="1"/>
-              <a:t>Mlst</a:t>
-            </a:r>
-            <a:r>
-              <a:rPr lang="de-CH" dirty="0"/>
-              <a:t>.-Präsentation Nr. III  /  Gruppe 15</a:t>
-            </a:r>
-          </a:p>
-        </p:txBody>
-      </p:sp>
-      <p:sp>
-        <p:nvSpPr>
-          <p:cNvPr id="215" name="Shape 215"/>
-          <p:cNvSpPr>
-            <a:spLocks noGrp="1"/>
-          </p:cNvSpPr>
+            <a:pPr/>
+            <a:r>
+              <a:t>Mlst.-Präsentation Nr. III  /  Gruppe 15</a:t>
+            </a:r>
+          </a:p>
+        </p:txBody>
+      </p:sp>
+      <p:sp>
+        <p:nvSpPr>
+          <p:cNvPr id="222" name="Shape 222"/>
+          <p:cNvSpPr/>
           <p:nvPr>
             <p:ph type="title"/>
           </p:nvPr>
@@ -4181,7 +4052,7 @@
           <a:bodyPr/>
           <a:lstStyle>
             <a:lvl1pPr>
-              <a:defRPr sz="2000" b="1">
+              <a:defRPr b="1" sz="2000">
                 <a:latin typeface="Arial"/>
                 <a:ea typeface="Arial"/>
                 <a:cs typeface="Arial"/>
@@ -4190,6 +4061,7 @@
             </a:lvl1pPr>
           </a:lstStyle>
           <a:p>
+            <a:pPr/>
             <a:r>
               <a:t>	 Übersicht</a:t>
             </a:r>
@@ -4198,10 +4070,8 @@
       </p:sp>
       <p:sp>
         <p:nvSpPr>
-          <p:cNvPr id="216" name="Shape 216"/>
-          <p:cNvSpPr>
-            <a:spLocks noGrp="1"/>
-          </p:cNvSpPr>
+          <p:cNvPr id="223" name="Shape 223"/>
+          <p:cNvSpPr/>
           <p:nvPr>
             <p:ph type="body" sz="half" idx="1"/>
           </p:nvPr>
@@ -4244,7 +4114,6 @@
                 <a:sym typeface="Arial"/>
               </a:defRPr>
             </a:pPr>
-            <a:endParaRPr/>
           </a:p>
           <a:p>
             <a:pPr marL="0" indent="0">
@@ -4272,7 +4141,6 @@
                 <a:sym typeface="Arial"/>
               </a:defRPr>
             </a:pPr>
-            <a:endParaRPr/>
           </a:p>
           <a:p>
             <a:pPr marL="0" indent="0">
@@ -4300,13 +4168,12 @@
                 <a:sym typeface="Arial"/>
               </a:defRPr>
             </a:pPr>
-            <a:endParaRPr/>
           </a:p>
           <a:p>
             <a:pPr marL="0" indent="0">
               <a:buSzTx/>
               <a:buNone/>
-              <a:defRPr sz="3000" b="1">
+              <a:defRPr b="1" sz="3000">
                 <a:latin typeface="Arial"/>
                 <a:ea typeface="Arial"/>
                 <a:cs typeface="Arial"/>
@@ -4321,25 +4188,23 @@
       </p:sp>
       <p:sp>
         <p:nvSpPr>
-          <p:cNvPr id="217" name="Shape 217"/>
-          <p:cNvSpPr>
-            <a:spLocks noGrp="1"/>
-          </p:cNvSpPr>
+          <p:cNvPr id="224" name="Shape 224"/>
+          <p:cNvSpPr/>
           <p:nvPr>
             <p:ph type="sldNum" sz="quarter" idx="4294967295"/>
           </p:nvPr>
         </p:nvSpPr>
         <p:spPr>
           <a:xfrm>
-            <a:off x="11089817" y="6404292"/>
-            <a:ext cx="263981" cy="269239"/>
+            <a:off x="11089816" y="6404292"/>
+            <a:ext cx="263979" cy="269237"/>
           </a:xfrm>
           <a:prstGeom prst="rect">
             <a:avLst/>
           </a:prstGeom>
           <a:extLst>
             <a:ext uri="{C572A759-6A51-4108-AA02-DFA0A04FC94B}">
-              <ma14:wrappingTextBoxFlag xmlns:ma14="http://schemas.microsoft.com/office/mac/drawingml/2011/main" xmlns="" val="1"/>
+              <ma14:wrappingTextBoxFlag xmlns:ma14="http://schemas.microsoft.com/office/mac/drawingml/2011/main" val="1"/>
             </a:ext>
           </a:extLst>
         </p:spPr>
@@ -4347,23 +4212,23 @@
           <a:bodyPr/>
           <a:lstStyle/>
           <a:p>
-            <a:fld id="{86CB4B4D-7CA3-9044-876B-883B54F8677D}" type="slidenum">
-              <a:t>11</a:t>
-            </a:fld>
-            <a:endParaRPr/>
+            <a:pPr/>
+            <a:fld id="{86CB4B4D-7CA3-9044-876B-883B54F8677D}" type="slidenum"/>
           </a:p>
         </p:txBody>
       </p:sp>
       <p:pic>
         <p:nvPicPr>
-          <p:cNvPr id="218" name="image6.png" descr="Gamecontroller"/>
+          <p:cNvPr id="225" name="image6.png" descr="Gamecontroller"/>
           <p:cNvPicPr>
             <a:picLocks noChangeAspect="1"/>
           </p:cNvPicPr>
           <p:nvPr/>
         </p:nvPicPr>
         <p:blipFill>
-          <a:blip r:embed="rId2"/>
+          <a:blip r:embed="rId2">
+            <a:extLst/>
+          </a:blip>
           <a:stretch>
             <a:fillRect/>
           </a:stretch>
@@ -4383,14 +4248,14 @@
       </p:pic>
       <p:sp>
         <p:nvSpPr>
-          <p:cNvPr id="219" name="Shape 219"/>
+          <p:cNvPr id="226" name="Shape 226"/>
           <p:cNvSpPr/>
           <p:nvPr/>
         </p:nvSpPr>
         <p:spPr>
           <a:xfrm>
-            <a:off x="-16626" y="720436"/>
-            <a:ext cx="3088628" cy="2"/>
+            <a:off x="-16627" y="720436"/>
+            <a:ext cx="3088629" cy="3"/>
           </a:xfrm>
           <a:prstGeom prst="line">
             <a:avLst/>
@@ -4402,7 +4267,7 @@
             <a:miter/>
           </a:ln>
           <a:effectLst>
-            <a:outerShdw blurRad="50800" dist="38100" dir="2700000" rotWithShape="0">
+            <a:outerShdw sx="100000" sy="100000" kx="0" ky="0" algn="b" rotWithShape="0" blurRad="50800" dist="38100" dir="2700000">
               <a:srgbClr val="000000">
                 <a:alpha val="40000"/>
               </a:srgbClr>
@@ -4413,28 +4278,30 @@
           <a:bodyPr lIns="45718" tIns="45718" rIns="45718" bIns="45718"/>
           <a:lstStyle/>
           <a:p>
-            <a:endParaRPr/>
+            <a:pPr/>
           </a:p>
         </p:txBody>
       </p:sp>
       <p:pic>
         <p:nvPicPr>
-          <p:cNvPr id="220" name="image7.png" descr="Präsentation mit Checkliste RNL"/>
+          <p:cNvPr id="227" name="image7.png" descr="Präsentation mit Checkliste RNL"/>
           <p:cNvPicPr>
             <a:picLocks noChangeAspect="1"/>
           </p:cNvPicPr>
           <p:nvPr/>
         </p:nvPicPr>
         <p:blipFill>
-          <a:blip r:embed="rId3"/>
+          <a:blip r:embed="rId3">
+            <a:extLst/>
+          </a:blip>
           <a:stretch>
             <a:fillRect/>
           </a:stretch>
         </p:blipFill>
         <p:spPr>
           <a:xfrm>
-            <a:off x="298859" y="90216"/>
-            <a:ext cx="540000" cy="540003"/>
+            <a:off x="298859" y="90215"/>
+            <a:ext cx="540000" cy="540004"/>
           </a:xfrm>
           <a:prstGeom prst="rect">
             <a:avLst/>
@@ -4446,14 +4313,16 @@
       </p:pic>
       <p:pic>
         <p:nvPicPr>
-          <p:cNvPr id="221" name="image8.png" descr="Markierung"/>
+          <p:cNvPr id="228" name="image8.png" descr="Markierung"/>
           <p:cNvPicPr>
             <a:picLocks noChangeAspect="1"/>
           </p:cNvPicPr>
           <p:nvPr/>
         </p:nvPicPr>
         <p:blipFill>
-          <a:blip r:embed="rId4"/>
+          <a:blip r:embed="rId4">
+            <a:extLst/>
+          </a:blip>
           <a:stretch>
             <a:fillRect/>
           </a:stretch>
@@ -4461,7 +4330,7 @@
         <p:spPr>
           <a:xfrm>
             <a:off x="795217" y="4499231"/>
-            <a:ext cx="914401" cy="914402"/>
+            <a:ext cx="914401" cy="914403"/>
           </a:xfrm>
           <a:prstGeom prst="rect">
             <a:avLst/>
@@ -4473,14 +4342,16 @@
       </p:pic>
       <p:pic>
         <p:nvPicPr>
-          <p:cNvPr id="222" name="image9.png" descr="Glühbirne und Zahnrad"/>
+          <p:cNvPr id="229" name="image9.png" descr="Glühbirne und Zahnrad"/>
           <p:cNvPicPr>
             <a:picLocks noChangeAspect="1"/>
           </p:cNvPicPr>
           <p:nvPr/>
         </p:nvPicPr>
         <p:blipFill>
-          <a:blip r:embed="rId5"/>
+          <a:blip r:embed="rId5">
+            <a:extLst/>
+          </a:blip>
           <a:stretch>
             <a:fillRect/>
           </a:stretch>
@@ -4488,7 +4359,7 @@
         <p:spPr>
           <a:xfrm>
             <a:off x="795217" y="2343116"/>
-            <a:ext cx="914401" cy="914402"/>
+            <a:ext cx="914401" cy="914403"/>
           </a:xfrm>
           <a:prstGeom prst="rect">
             <a:avLst/>
@@ -4500,14 +4371,16 @@
       </p:pic>
       <p:pic>
         <p:nvPicPr>
-          <p:cNvPr id="223" name="image10.png" descr="Fingerabdruck"/>
+          <p:cNvPr id="230" name="image10.png" descr="Fingerabdruck"/>
           <p:cNvPicPr>
             <a:picLocks noChangeAspect="1"/>
           </p:cNvPicPr>
           <p:nvPr/>
         </p:nvPicPr>
         <p:blipFill>
-          <a:blip r:embed="rId6"/>
+          <a:blip r:embed="rId6">
+            <a:extLst/>
+          </a:blip>
           <a:stretch>
             <a:fillRect/>
           </a:stretch>
@@ -4515,7 +4388,7 @@
         <p:spPr>
           <a:xfrm>
             <a:off x="795217" y="3421174"/>
-            <a:ext cx="914401" cy="914402"/>
+            <a:ext cx="914401" cy="914403"/>
           </a:xfrm>
           <a:prstGeom prst="rect">
             <a:avLst/>
@@ -4530,12 +4403,12 @@
   <p:clrMapOvr>
     <a:masterClrMapping/>
   </p:clrMapOvr>
-  <p:transition spd="slow"/>
+  <p:transition xmlns:p14="http://schemas.microsoft.com/office/powerpoint/2010/main" spd="med" advClick="1" p14:dur="1000"/>
 </p:sld>
 </file>
 
 <file path=ppt/slides/slide12.xml><?xml version="1.0" encoding="utf-8"?>
-<p:sld xmlns:a="http://schemas.openxmlformats.org/drawingml/2006/main" xmlns:r="http://schemas.openxmlformats.org/officeDocument/2006/relationships" xmlns:p="http://schemas.openxmlformats.org/presentationml/2006/main">
+<p:sld xmlns:a="http://schemas.openxmlformats.org/drawingml/2006/main" xmlns:r="http://schemas.openxmlformats.org/officeDocument/2006/relationships" xmlns:p="http://schemas.openxmlformats.org/presentationml/2006/main" showMasterSp="1" showMasterPhAnim="1">
   <p:cSld>
     <p:spTree>
       <p:nvGrpSpPr>
@@ -4553,22 +4426,24 @@
       </p:grpSpPr>
       <p:pic>
         <p:nvPicPr>
-          <p:cNvPr id="231" name="image14.png"/>
+          <p:cNvPr id="232" name="image15.png"/>
           <p:cNvPicPr>
             <a:picLocks noChangeAspect="1"/>
           </p:cNvPicPr>
           <p:nvPr/>
         </p:nvPicPr>
         <p:blipFill>
-          <a:blip r:embed="rId2"/>
+          <a:blip r:embed="rId2">
+            <a:extLst/>
+          </a:blip>
           <a:stretch>
             <a:fillRect/>
           </a:stretch>
         </p:blipFill>
         <p:spPr>
           <a:xfrm>
-            <a:off x="695999" y="2673000"/>
-            <a:ext cx="6097146" cy="2556412"/>
+            <a:off x="695998" y="2673000"/>
+            <a:ext cx="6097148" cy="2556413"/>
           </a:xfrm>
           <a:prstGeom prst="rect">
             <a:avLst/>
@@ -4580,14 +4455,14 @@
       </p:pic>
       <p:sp>
         <p:nvSpPr>
-          <p:cNvPr id="225" name="Shape 225"/>
+          <p:cNvPr id="233" name="Shape 233"/>
           <p:cNvSpPr/>
           <p:nvPr/>
         </p:nvSpPr>
         <p:spPr>
           <a:xfrm>
-            <a:off x="4038600" y="6400414"/>
-            <a:ext cx="4114800" cy="276995"/>
+            <a:off x="4038600" y="6404293"/>
+            <a:ext cx="4114800" cy="269237"/>
           </a:xfrm>
           <a:prstGeom prst="rect">
             <a:avLst/>
@@ -4597,7 +4472,7 @@
           </a:ln>
           <a:extLst>
             <a:ext uri="{C572A759-6A51-4108-AA02-DFA0A04FC94B}">
-              <ma14:wrappingTextBoxFlag xmlns:ma14="http://schemas.microsoft.com/office/mac/drawingml/2011/main" xmlns="" val="1"/>
+              <ma14:wrappingTextBoxFlag xmlns:ma14="http://schemas.microsoft.com/office/mac/drawingml/2011/main" val="1"/>
             </a:ext>
           </a:extLst>
         </p:spPr>
@@ -4605,38 +4480,22 @@
           <a:bodyPr lIns="45718" tIns="45718" rIns="45718" bIns="45718" anchor="ctr">
             <a:spAutoFit/>
           </a:bodyPr>
-          <a:lstStyle>
-            <a:lvl1pPr algn="ctr">
+          <a:lstStyle/>
+          <a:p>
+            <a:pPr algn="ctr">
               <a:defRPr sz="1200">
                 <a:solidFill>
                   <a:srgbClr val="888888"/>
                 </a:solidFill>
               </a:defRPr>
-            </a:lvl1pPr>
-          </a:lstStyle>
-          <a:p>
-            <a:r>
-              <a:rPr dirty="0" err="1"/>
-              <a:t>Mlst</a:t>
-            </a:r>
-            <a:r>
-              <a:rPr dirty="0"/>
-              <a:t>.-</a:t>
-            </a:r>
-            <a:r>
-              <a:rPr dirty="0" err="1"/>
-              <a:t>Präsentation</a:t>
-            </a:r>
-            <a:r>
-              <a:rPr dirty="0"/>
-              <a:t> Nr. </a:t>
-            </a:r>
-            <a:r>
-              <a:rPr lang="de-CH" dirty="0"/>
+            </a:pPr>
+            <a:r>
+              <a:t>Mlst.-Präsentation Nr. </a:t>
+            </a:r>
+            <a:r>
               <a:t>III</a:t>
             </a:r>
             <a:r>
-              <a:rPr dirty="0"/>
               <a:t>  /  Gruppe 15</a:t>
             </a:r>
           </a:p>
@@ -4644,10 +4503,8 @@
       </p:sp>
       <p:sp>
         <p:nvSpPr>
-          <p:cNvPr id="226" name="Shape 226"/>
-          <p:cNvSpPr>
-            <a:spLocks noGrp="1"/>
-          </p:cNvSpPr>
+          <p:cNvPr id="234" name="Shape 234"/>
+          <p:cNvSpPr/>
           <p:nvPr>
             <p:ph type="title"/>
           </p:nvPr>
@@ -4665,7 +4522,7 @@
           <a:bodyPr/>
           <a:lstStyle>
             <a:lvl1pPr>
-              <a:defRPr sz="2000" b="1">
+              <a:defRPr b="1" sz="2000">
                 <a:latin typeface="Arial"/>
                 <a:ea typeface="Arial"/>
                 <a:cs typeface="Arial"/>
@@ -4674,6 +4531,7 @@
             </a:lvl1pPr>
           </a:lstStyle>
           <a:p>
+            <a:pPr/>
             <a:r>
               <a:t>	Standpunkt / Zwischenresümee</a:t>
             </a:r>
@@ -4682,25 +4540,23 @@
       </p:sp>
       <p:sp>
         <p:nvSpPr>
-          <p:cNvPr id="227" name="Shape 227"/>
-          <p:cNvSpPr>
-            <a:spLocks noGrp="1"/>
-          </p:cNvSpPr>
+          <p:cNvPr id="235" name="Shape 235"/>
+          <p:cNvSpPr/>
           <p:nvPr>
             <p:ph type="sldNum" sz="quarter" idx="4294967295"/>
           </p:nvPr>
         </p:nvSpPr>
         <p:spPr>
           <a:xfrm>
-            <a:off x="11089817" y="6404292"/>
-            <a:ext cx="263981" cy="269239"/>
+            <a:off x="11089816" y="6404292"/>
+            <a:ext cx="263979" cy="269237"/>
           </a:xfrm>
           <a:prstGeom prst="rect">
             <a:avLst/>
           </a:prstGeom>
           <a:extLst>
             <a:ext uri="{C572A759-6A51-4108-AA02-DFA0A04FC94B}">
-              <ma14:wrappingTextBoxFlag xmlns:ma14="http://schemas.microsoft.com/office/mac/drawingml/2011/main" xmlns="" val="1"/>
+              <ma14:wrappingTextBoxFlag xmlns:ma14="http://schemas.microsoft.com/office/mac/drawingml/2011/main" val="1"/>
             </a:ext>
           </a:extLst>
         </p:spPr>
@@ -4708,23 +4564,21 @@
           <a:bodyPr/>
           <a:lstStyle/>
           <a:p>
-            <a:fld id="{86CB4B4D-7CA3-9044-876B-883B54F8677D}" type="slidenum">
-              <a:t>12</a:t>
-            </a:fld>
-            <a:endParaRPr/>
-          </a:p>
-        </p:txBody>
-      </p:sp>
-      <p:sp>
-        <p:nvSpPr>
-          <p:cNvPr id="228" name="Shape 228"/>
+            <a:pPr/>
+            <a:fld id="{86CB4B4D-7CA3-9044-876B-883B54F8677D}" type="slidenum"/>
+          </a:p>
+        </p:txBody>
+      </p:sp>
+      <p:sp>
+        <p:nvSpPr>
+          <p:cNvPr id="236" name="Shape 236"/>
           <p:cNvSpPr/>
           <p:nvPr/>
         </p:nvSpPr>
         <p:spPr>
           <a:xfrm>
-            <a:off x="-11084" y="720436"/>
-            <a:ext cx="5268886" cy="2"/>
+            <a:off x="-11085" y="720436"/>
+            <a:ext cx="5268888" cy="3"/>
           </a:xfrm>
           <a:prstGeom prst="line">
             <a:avLst/>
@@ -4736,7 +4590,7 @@
             <a:miter/>
           </a:ln>
           <a:effectLst>
-            <a:outerShdw blurRad="50800" dist="38100" dir="2700000" rotWithShape="0">
+            <a:outerShdw sx="100000" sy="100000" kx="0" ky="0" algn="b" rotWithShape="0" blurRad="50800" dist="38100" dir="2700000">
               <a:srgbClr val="000000">
                 <a:alpha val="40000"/>
               </a:srgbClr>
@@ -4747,20 +4601,22 @@
           <a:bodyPr lIns="45718" tIns="45718" rIns="45718" bIns="45718"/>
           <a:lstStyle/>
           <a:p>
-            <a:endParaRPr/>
+            <a:pPr/>
           </a:p>
         </p:txBody>
       </p:sp>
       <p:pic>
         <p:nvPicPr>
-          <p:cNvPr id="229" name="image8.png" descr="Markierung"/>
+          <p:cNvPr id="237" name="image8.png" descr="Markierung"/>
           <p:cNvPicPr>
             <a:picLocks noChangeAspect="1"/>
           </p:cNvPicPr>
           <p:nvPr/>
         </p:nvPicPr>
         <p:blipFill>
-          <a:blip r:embed="rId3"/>
+          <a:blip r:embed="rId3">
+            <a:extLst/>
+          </a:blip>
           <a:stretch>
             <a:fillRect/>
           </a:stretch>
@@ -4768,7 +4624,7 @@
         <p:spPr>
           <a:xfrm>
             <a:off x="155999" y="-3"/>
-            <a:ext cx="696002" cy="696003"/>
+            <a:ext cx="696002" cy="696004"/>
           </a:xfrm>
           <a:prstGeom prst="rect">
             <a:avLst/>
@@ -4780,14 +4636,14 @@
       </p:pic>
       <p:sp>
         <p:nvSpPr>
-          <p:cNvPr id="230" name="Shape 230"/>
+          <p:cNvPr id="238" name="Shape 238"/>
           <p:cNvSpPr/>
           <p:nvPr/>
         </p:nvSpPr>
         <p:spPr>
           <a:xfrm>
             <a:off x="413511" y="1052999"/>
-            <a:ext cx="9678490" cy="4765039"/>
+            <a:ext cx="9678490" cy="4472937"/>
           </a:xfrm>
           <a:prstGeom prst="rect">
             <a:avLst/>
@@ -4797,7 +4653,7 @@
           </a:ln>
           <a:extLst>
             <a:ext uri="{C572A759-6A51-4108-AA02-DFA0A04FC94B}">
-              <ma14:wrappingTextBoxFlag xmlns:ma14="http://schemas.microsoft.com/office/mac/drawingml/2011/main" xmlns="" val="1"/>
+              <ma14:wrappingTextBoxFlag xmlns:ma14="http://schemas.microsoft.com/office/mac/drawingml/2011/main" val="1"/>
             </a:ext>
           </a:extLst>
         </p:spPr>
@@ -4811,337 +4667,129 @@
               <a:buSzPct val="100000"/>
               <a:buFont typeface="Wingdings"/>
               <a:buChar char="▪"/>
-              <a:defRPr sz="2000" b="1"/>
-            </a:pPr>
-            <a:r>
-              <a:rPr dirty="0" err="1"/>
-              <a:t>Zielvorgaben</a:t>
-            </a:r>
-            <a:r>
-              <a:rPr dirty="0"/>
-              <a:t> der </a:t>
-            </a:r>
-            <a:r>
-              <a:rPr dirty="0" err="1"/>
-              <a:t>Meilensteine</a:t>
-            </a:r>
-            <a:r>
-              <a:rPr dirty="0"/>
-              <a:t> </a:t>
-            </a:r>
-            <a:r>
-              <a:rPr dirty="0" err="1"/>
-              <a:t>bisher</a:t>
-            </a:r>
-            <a:r>
-              <a:rPr dirty="0"/>
-              <a:t> </a:t>
-            </a:r>
-            <a:r>
-              <a:rPr dirty="0" err="1"/>
-              <a:t>im</a:t>
-            </a:r>
-            <a:r>
-              <a:rPr dirty="0"/>
-              <a:t> </a:t>
-            </a:r>
-            <a:r>
-              <a:rPr lang="de-CH" dirty="0"/>
+              <a:defRPr b="1" sz="2000"/>
+            </a:pPr>
+            <a:r>
+              <a:t>Zielvorgaben der Meilensteine bisher im </a:t>
+            </a:r>
+            <a:r>
               <a:t>G</a:t>
             </a:r>
             <a:r>
-              <a:rPr dirty="0" err="1"/>
-              <a:t>rossen</a:t>
-            </a:r>
-            <a:r>
-              <a:rPr dirty="0"/>
-              <a:t> und </a:t>
-            </a:r>
-            <a:r>
-              <a:rPr lang="de-CH" dirty="0"/>
+              <a:t>rossen und </a:t>
+            </a:r>
+            <a:r>
               <a:t>G</a:t>
             </a:r>
             <a:r>
-              <a:rPr dirty="0" err="1"/>
-              <a:t>anzen</a:t>
-            </a:r>
-            <a:r>
-              <a:rPr dirty="0"/>
-              <a:t> </a:t>
-            </a:r>
-            <a:r>
-              <a:rPr dirty="0" err="1"/>
-              <a:t>erreicht</a:t>
-            </a:r>
-            <a:r>
-              <a:rPr dirty="0"/>
-              <a:t>:</a:t>
-            </a:r>
-          </a:p>
-          <a:p>
-            <a:pPr marL="800100" lvl="1" indent="-342900">
+              <a:t>anzen erreicht:</a:t>
+            </a:r>
+          </a:p>
+          <a:p>
+            <a:pPr lvl="1" marL="800100" indent="-342900">
               <a:buSzPct val="100000"/>
               <a:buChar char="-"/>
               <a:defRPr sz="2000"/>
             </a:pPr>
             <a:r>
-              <a:rPr dirty="0" err="1"/>
-              <a:t>Dokumentation</a:t>
-            </a:r>
-            <a:r>
-              <a:rPr dirty="0"/>
-              <a:t> </a:t>
-            </a:r>
-            <a:r>
-              <a:rPr dirty="0" err="1"/>
-              <a:t>wurde</a:t>
-            </a:r>
-            <a:r>
-              <a:rPr dirty="0"/>
-              <a:t> </a:t>
-            </a:r>
-            <a:r>
-              <a:rPr dirty="0" err="1"/>
-              <a:t>erstellt</a:t>
-            </a:r>
-            <a:r>
-              <a:rPr dirty="0"/>
-              <a:t> </a:t>
-            </a:r>
-          </a:p>
-          <a:p>
-            <a:pPr marL="800100" lvl="1" indent="-342900">
+              <a:t>Dokumentation wurde erstellt </a:t>
+            </a:r>
+          </a:p>
+          <a:p>
+            <a:pPr lvl="1" marL="800100" indent="-342900">
               <a:buSzPct val="100000"/>
               <a:buChar char="-"/>
               <a:defRPr sz="2000"/>
             </a:pPr>
             <a:r>
-              <a:rPr dirty="0"/>
-              <a:t>Der Code </a:t>
-            </a:r>
-            <a:r>
-              <a:rPr dirty="0" err="1"/>
-              <a:t>erfüllt</a:t>
-            </a:r>
-            <a:r>
-              <a:rPr dirty="0"/>
-              <a:t> die </a:t>
-            </a:r>
-            <a:r>
-              <a:rPr dirty="0" err="1"/>
-              <a:t>verlangte</a:t>
-            </a:r>
-            <a:r>
-              <a:rPr dirty="0"/>
-              <a:t> </a:t>
-            </a:r>
-            <a:r>
-              <a:rPr dirty="0" err="1"/>
-              <a:t>Funktion</a:t>
-            </a:r>
-            <a:endParaRPr dirty="0"/>
+              <a:t>Der Code erfüllt die verlangte Funktion</a:t>
+            </a:r>
           </a:p>
           <a:p>
             <a:pPr lvl="1" indent="457200">
               <a:defRPr sz="2000"/>
             </a:pPr>
-            <a:endParaRPr dirty="0"/>
           </a:p>
           <a:p>
             <a:pPr marL="342900" indent="-342900">
               <a:buSzPct val="100000"/>
               <a:buFont typeface="Wingdings"/>
               <a:buChar char="▪"/>
-              <a:defRPr sz="2000" b="1"/>
-            </a:pPr>
-            <a:r>
-              <a:rPr dirty="0" err="1"/>
-              <a:t>Zuständigkeiten</a:t>
-            </a:r>
-            <a:r>
-              <a:rPr dirty="0"/>
-              <a:t> </a:t>
-            </a:r>
-            <a:r>
-              <a:rPr dirty="0" err="1"/>
-              <a:t>haben</a:t>
-            </a:r>
-            <a:r>
-              <a:rPr dirty="0"/>
-              <a:t> </a:t>
-            </a:r>
-            <a:r>
-              <a:rPr dirty="0" err="1"/>
-              <a:t>sich</a:t>
-            </a:r>
-            <a:r>
-              <a:rPr dirty="0"/>
-              <a:t> </a:t>
-            </a:r>
-            <a:r>
-              <a:rPr dirty="0" err="1"/>
-              <a:t>nicht</a:t>
-            </a:r>
-            <a:r>
-              <a:rPr dirty="0"/>
-              <a:t> </a:t>
-            </a:r>
-            <a:r>
-              <a:rPr dirty="0" err="1"/>
-              <a:t>geändert</a:t>
-            </a:r>
-            <a:r>
-              <a:rPr dirty="0"/>
-              <a:t>:</a:t>
+              <a:defRPr b="1" sz="2000"/>
+            </a:pPr>
+            <a:r>
+              <a:t>Zuständigkeiten haben sich nicht geändert:</a:t>
             </a:r>
           </a:p>
           <a:p>
             <a:pPr lvl="1" indent="457200">
               <a:defRPr sz="2000"/>
             </a:pPr>
-            <a:endParaRPr dirty="0"/>
           </a:p>
           <a:p>
             <a:pPr lvl="1" indent="457200">
               <a:defRPr sz="2000"/>
             </a:pPr>
-            <a:endParaRPr dirty="0"/>
           </a:p>
           <a:p>
             <a:pPr>
               <a:defRPr sz="2000"/>
             </a:pPr>
-            <a:endParaRPr dirty="0"/>
           </a:p>
           <a:p>
             <a:pPr>
               <a:defRPr sz="2000"/>
             </a:pPr>
-            <a:endParaRPr dirty="0"/>
           </a:p>
           <a:p>
             <a:pPr>
               <a:defRPr sz="2000"/>
             </a:pPr>
-            <a:endParaRPr dirty="0"/>
           </a:p>
           <a:p>
             <a:pPr>
               <a:defRPr sz="2000"/>
             </a:pPr>
-            <a:endParaRPr dirty="0"/>
           </a:p>
           <a:p>
             <a:pPr>
               <a:defRPr sz="2000"/>
             </a:pPr>
-            <a:endParaRPr dirty="0"/>
           </a:p>
           <a:p>
             <a:pPr>
               <a:defRPr sz="2000"/>
             </a:pPr>
-            <a:endParaRPr dirty="0"/>
           </a:p>
           <a:p>
             <a:pPr marL="342900" indent="-342900">
               <a:buSzPct val="100000"/>
               <a:buFont typeface="Wingdings"/>
               <a:buChar char="▪"/>
-              <a:defRPr sz="2000" b="1"/>
-            </a:pPr>
-            <a:r>
-              <a:rPr dirty="0" err="1"/>
-              <a:t>Keine</a:t>
-            </a:r>
-            <a:r>
-              <a:rPr dirty="0"/>
-              <a:t> 180° </a:t>
-            </a:r>
-            <a:r>
-              <a:rPr lang="de-CH" dirty="0"/>
+              <a:defRPr b="1" sz="2000"/>
+            </a:pPr>
+            <a:r>
+              <a:t>Keine 180° </a:t>
+            </a:r>
+            <a:r>
               <a:t>D</a:t>
             </a:r>
             <a:r>
-              <a:rPr dirty="0" err="1"/>
-              <a:t>rehungen</a:t>
-            </a:r>
-            <a:r>
-              <a:rPr dirty="0"/>
-              <a:t>:</a:t>
-            </a:r>
-          </a:p>
-          <a:p>
-            <a:pPr marL="800100" lvl="1" indent="-342900">
+              <a:t>rehungen:</a:t>
+            </a:r>
+          </a:p>
+          <a:p>
+            <a:pPr lvl="1" marL="800100" indent="-342900">
               <a:buSzPct val="100000"/>
               <a:buChar char="-"/>
               <a:defRPr sz="2000"/>
             </a:pPr>
             <a:r>
-              <a:rPr dirty="0" err="1"/>
-              <a:t>Wir</a:t>
-            </a:r>
-            <a:r>
-              <a:rPr dirty="0"/>
-              <a:t> </a:t>
-            </a:r>
-            <a:r>
-              <a:rPr dirty="0" err="1"/>
-              <a:t>konnten</a:t>
-            </a:r>
-            <a:r>
-              <a:rPr dirty="0"/>
-              <a:t> das Spiel </a:t>
-            </a:r>
-            <a:r>
-              <a:rPr dirty="0" err="1"/>
-              <a:t>verwirklichen</a:t>
-            </a:r>
-            <a:r>
-              <a:rPr dirty="0"/>
-              <a:t> </a:t>
-            </a:r>
-            <a:r>
-              <a:rPr dirty="0" err="1"/>
-              <a:t>wie</a:t>
-            </a:r>
-            <a:r>
-              <a:rPr dirty="0"/>
-              <a:t> </a:t>
-            </a:r>
-            <a:r>
-              <a:rPr dirty="0" err="1"/>
-              <a:t>wir</a:t>
-            </a:r>
-            <a:r>
-              <a:rPr dirty="0"/>
-              <a:t> es </a:t>
-            </a:r>
-            <a:r>
-              <a:rPr dirty="0" err="1"/>
-              <a:t>uns</a:t>
-            </a:r>
-            <a:r>
-              <a:rPr dirty="0"/>
-              <a:t> </a:t>
-            </a:r>
-            <a:r>
-              <a:rPr dirty="0" err="1"/>
-              <a:t>vorgestellt</a:t>
-            </a:r>
-            <a:r>
-              <a:rPr dirty="0"/>
-              <a:t> </a:t>
-            </a:r>
-            <a:r>
-              <a:rPr dirty="0" err="1"/>
-              <a:t>haben</a:t>
-            </a:r>
-            <a:r>
-              <a:rPr lang="de-CH" dirty="0"/>
+              <a:t>Wir konnten das Spiel verwirklichen wie wir es uns vorgestellt haben</a:t>
+            </a:r>
+            <a:r>
               <a:t>.</a:t>
             </a:r>
-            <a:endParaRPr dirty="0"/>
           </a:p>
         </p:txBody>
       </p:sp>
@@ -5150,12 +4798,12 @@
   <p:clrMapOvr>
     <a:masterClrMapping/>
   </p:clrMapOvr>
-  <p:transition spd="slow"/>
+  <p:transition xmlns:p14="http://schemas.microsoft.com/office/powerpoint/2010/main" spd="med" advClick="1" p14:dur="1000"/>
 </p:sld>
 </file>
 
 <file path=ppt/slides/slide13.xml><?xml version="1.0" encoding="utf-8"?>
-<p:sld xmlns:a="http://schemas.openxmlformats.org/drawingml/2006/main" xmlns:r="http://schemas.openxmlformats.org/officeDocument/2006/relationships" xmlns:p="http://schemas.openxmlformats.org/presentationml/2006/main">
+<p:sld xmlns:a="http://schemas.openxmlformats.org/drawingml/2006/main" xmlns:r="http://schemas.openxmlformats.org/officeDocument/2006/relationships" xmlns:p="http://schemas.openxmlformats.org/presentationml/2006/main" showMasterSp="1" showMasterPhAnim="1">
   <p:cSld>
     <p:spTree>
       <p:nvGrpSpPr>
@@ -5173,14 +4821,14 @@
       </p:grpSpPr>
       <p:sp>
         <p:nvSpPr>
-          <p:cNvPr id="233" name="Shape 233"/>
+          <p:cNvPr id="240" name="Shape 240"/>
           <p:cNvSpPr/>
           <p:nvPr/>
         </p:nvSpPr>
         <p:spPr>
           <a:xfrm>
-            <a:off x="4038600" y="6400414"/>
-            <a:ext cx="4114800" cy="276995"/>
+            <a:off x="4038600" y="6404293"/>
+            <a:ext cx="4114800" cy="269237"/>
           </a:xfrm>
           <a:prstGeom prst="rect">
             <a:avLst/>
@@ -5190,7 +4838,7 @@
           </a:ln>
           <a:extLst>
             <a:ext uri="{C572A759-6A51-4108-AA02-DFA0A04FC94B}">
-              <ma14:wrappingTextBoxFlag xmlns:ma14="http://schemas.microsoft.com/office/mac/drawingml/2011/main" xmlns="" val="1"/>
+              <ma14:wrappingTextBoxFlag xmlns:ma14="http://schemas.microsoft.com/office/mac/drawingml/2011/main" val="1"/>
             </a:ext>
           </a:extLst>
         </p:spPr>
@@ -5208,23 +4856,17 @@
             </a:lvl1pPr>
           </a:lstStyle>
           <a:p>
-            <a:r>
-              <a:rPr lang="de-CH" dirty="0" err="1"/>
-              <a:t>Mlst</a:t>
-            </a:r>
-            <a:r>
-              <a:rPr lang="de-CH" dirty="0"/>
-              <a:t>.-Präsentation Nr. III  /  Gruppe 15</a:t>
-            </a:r>
-          </a:p>
-        </p:txBody>
-      </p:sp>
-      <p:sp>
-        <p:nvSpPr>
-          <p:cNvPr id="234" name="Shape 234"/>
-          <p:cNvSpPr>
-            <a:spLocks noGrp="1"/>
-          </p:cNvSpPr>
+            <a:pPr/>
+            <a:r>
+              <a:t>Mlst.-Präsentation Nr. III  /  Gruppe 15</a:t>
+            </a:r>
+          </a:p>
+        </p:txBody>
+      </p:sp>
+      <p:sp>
+        <p:nvSpPr>
+          <p:cNvPr id="241" name="Shape 241"/>
+          <p:cNvSpPr/>
           <p:nvPr>
             <p:ph type="title"/>
           </p:nvPr>
@@ -5242,7 +4884,7 @@
           <a:bodyPr/>
           <a:lstStyle>
             <a:lvl1pPr>
-              <a:defRPr sz="2000" b="1">
+              <a:defRPr b="1" sz="2000">
                 <a:latin typeface="Arial"/>
                 <a:ea typeface="Arial"/>
                 <a:cs typeface="Arial"/>
@@ -5251,6 +4893,7 @@
             </a:lvl1pPr>
           </a:lstStyle>
           <a:p>
+            <a:pPr/>
             <a:r>
               <a:t>	Standpunkt / Zwischenresümee</a:t>
             </a:r>
@@ -5259,25 +4902,23 @@
       </p:sp>
       <p:sp>
         <p:nvSpPr>
-          <p:cNvPr id="235" name="Shape 235"/>
-          <p:cNvSpPr>
-            <a:spLocks noGrp="1"/>
-          </p:cNvSpPr>
+          <p:cNvPr id="242" name="Shape 242"/>
+          <p:cNvSpPr/>
           <p:nvPr>
             <p:ph type="sldNum" sz="quarter" idx="4294967295"/>
           </p:nvPr>
         </p:nvSpPr>
         <p:spPr>
           <a:xfrm>
-            <a:off x="11089817" y="6404292"/>
-            <a:ext cx="263981" cy="269239"/>
+            <a:off x="11089816" y="6404292"/>
+            <a:ext cx="263979" cy="269237"/>
           </a:xfrm>
           <a:prstGeom prst="rect">
             <a:avLst/>
           </a:prstGeom>
           <a:extLst>
             <a:ext uri="{C572A759-6A51-4108-AA02-DFA0A04FC94B}">
-              <ma14:wrappingTextBoxFlag xmlns:ma14="http://schemas.microsoft.com/office/mac/drawingml/2011/main" xmlns="" val="1"/>
+              <ma14:wrappingTextBoxFlag xmlns:ma14="http://schemas.microsoft.com/office/mac/drawingml/2011/main" val="1"/>
             </a:ext>
           </a:extLst>
         </p:spPr>
@@ -5285,23 +4926,21 @@
           <a:bodyPr/>
           <a:lstStyle/>
           <a:p>
-            <a:fld id="{86CB4B4D-7CA3-9044-876B-883B54F8677D}" type="slidenum">
-              <a:t>13</a:t>
-            </a:fld>
-            <a:endParaRPr/>
-          </a:p>
-        </p:txBody>
-      </p:sp>
-      <p:sp>
-        <p:nvSpPr>
-          <p:cNvPr id="236" name="Shape 236"/>
+            <a:pPr/>
+            <a:fld id="{86CB4B4D-7CA3-9044-876B-883B54F8677D}" type="slidenum"/>
+          </a:p>
+        </p:txBody>
+      </p:sp>
+      <p:sp>
+        <p:nvSpPr>
+          <p:cNvPr id="243" name="Shape 243"/>
           <p:cNvSpPr/>
           <p:nvPr/>
         </p:nvSpPr>
         <p:spPr>
           <a:xfrm>
-            <a:off x="-11084" y="720436"/>
-            <a:ext cx="5268886" cy="2"/>
+            <a:off x="-11085" y="720436"/>
+            <a:ext cx="5268888" cy="3"/>
           </a:xfrm>
           <a:prstGeom prst="line">
             <a:avLst/>
@@ -5313,7 +4952,7 @@
             <a:miter/>
           </a:ln>
           <a:effectLst>
-            <a:outerShdw blurRad="50800" dist="38100" dir="2700000" rotWithShape="0">
+            <a:outerShdw sx="100000" sy="100000" kx="0" ky="0" algn="b" rotWithShape="0" blurRad="50800" dist="38100" dir="2700000">
               <a:srgbClr val="000000">
                 <a:alpha val="40000"/>
               </a:srgbClr>
@@ -5324,20 +4963,22 @@
           <a:bodyPr lIns="45718" tIns="45718" rIns="45718" bIns="45718"/>
           <a:lstStyle/>
           <a:p>
-            <a:endParaRPr/>
+            <a:pPr/>
           </a:p>
         </p:txBody>
       </p:sp>
       <p:pic>
         <p:nvPicPr>
-          <p:cNvPr id="237" name="image8.png" descr="Markierung"/>
+          <p:cNvPr id="244" name="image8.png" descr="Markierung"/>
           <p:cNvPicPr>
             <a:picLocks noChangeAspect="1"/>
           </p:cNvPicPr>
           <p:nvPr/>
         </p:nvPicPr>
         <p:blipFill>
-          <a:blip r:embed="rId2"/>
+          <a:blip r:embed="rId2">
+            <a:extLst/>
+          </a:blip>
           <a:stretch>
             <a:fillRect/>
           </a:stretch>
@@ -5345,7 +4986,7 @@
         <p:spPr>
           <a:xfrm>
             <a:off x="155999" y="-3"/>
-            <a:ext cx="696002" cy="696003"/>
+            <a:ext cx="696002" cy="696004"/>
           </a:xfrm>
           <a:prstGeom prst="rect">
             <a:avLst/>
@@ -5357,14 +4998,14 @@
       </p:pic>
       <p:sp>
         <p:nvSpPr>
-          <p:cNvPr id="238" name="Shape 238"/>
+          <p:cNvPr id="245" name="Shape 245"/>
           <p:cNvSpPr/>
           <p:nvPr/>
         </p:nvSpPr>
         <p:spPr>
           <a:xfrm>
-            <a:off x="418555" y="1053000"/>
-            <a:ext cx="9678490" cy="5016754"/>
+            <a:off x="418555" y="1052999"/>
+            <a:ext cx="9678490" cy="4765037"/>
           </a:xfrm>
           <a:prstGeom prst="rect">
             <a:avLst/>
@@ -5374,7 +5015,7 @@
           </a:ln>
           <a:extLst>
             <a:ext uri="{C572A759-6A51-4108-AA02-DFA0A04FC94B}">
-              <ma14:wrappingTextBoxFlag xmlns:ma14="http://schemas.microsoft.com/office/mac/drawingml/2011/main" xmlns="" val="1"/>
+              <ma14:wrappingTextBoxFlag xmlns:ma14="http://schemas.microsoft.com/office/mac/drawingml/2011/main" val="1"/>
             </a:ext>
           </a:extLst>
         </p:spPr>
@@ -5388,484 +5029,164 @@
               <a:buSzPct val="100000"/>
               <a:buFont typeface="Wingdings"/>
               <a:buChar char="▪"/>
-              <a:defRPr sz="2000" b="1"/>
-            </a:pPr>
-            <a:r>
-              <a:rPr dirty="0"/>
-              <a:t>Was gut </a:t>
-            </a:r>
-            <a:r>
-              <a:rPr dirty="0" err="1"/>
-              <a:t>lief</a:t>
-            </a:r>
-            <a:r>
-              <a:rPr dirty="0"/>
-              <a:t>:</a:t>
-            </a:r>
-          </a:p>
-          <a:p>
-            <a:pPr marL="800100" lvl="1" indent="-342900">
+              <a:defRPr b="1" sz="2000"/>
+            </a:pPr>
+            <a:r>
+              <a:t>Was gut lief:</a:t>
+            </a:r>
+          </a:p>
+          <a:p>
+            <a:pPr lvl="1" marL="800100" indent="-342900">
               <a:buSzPct val="100000"/>
               <a:buChar char="-"/>
               <a:defRPr sz="2000"/>
             </a:pPr>
             <a:r>
-              <a:rPr dirty="0" err="1"/>
-              <a:t>Abmachungen</a:t>
-            </a:r>
-            <a:r>
-              <a:rPr dirty="0"/>
-              <a:t> </a:t>
-            </a:r>
-            <a:r>
-              <a:rPr dirty="0" err="1"/>
-              <a:t>wurden</a:t>
-            </a:r>
-            <a:r>
-              <a:rPr dirty="0"/>
-              <a:t> </a:t>
-            </a:r>
-            <a:r>
-              <a:rPr dirty="0" err="1"/>
-              <a:t>eingehalten</a:t>
-            </a:r>
-            <a:endParaRPr dirty="0"/>
-          </a:p>
-          <a:p>
-            <a:pPr marL="800100" lvl="1" indent="-342900">
+              <a:t>Abmachungen wurden eingehalten</a:t>
+            </a:r>
+          </a:p>
+          <a:p>
+            <a:pPr lvl="1" marL="800100" indent="-342900">
               <a:buSzPct val="100000"/>
               <a:buChar char="-"/>
               <a:defRPr sz="2000"/>
             </a:pPr>
             <a:r>
-              <a:rPr dirty="0" err="1"/>
-              <a:t>Wir</a:t>
-            </a:r>
-            <a:r>
-              <a:rPr dirty="0"/>
-              <a:t> </a:t>
-            </a:r>
-            <a:r>
-              <a:rPr dirty="0" err="1"/>
-              <a:t>haben</a:t>
-            </a:r>
-            <a:r>
-              <a:rPr dirty="0"/>
-              <a:t> </a:t>
-            </a:r>
-            <a:r>
-              <a:rPr dirty="0" err="1"/>
-              <a:t>uns</a:t>
-            </a:r>
-            <a:r>
-              <a:rPr dirty="0"/>
-              <a:t> </a:t>
-            </a:r>
-            <a:r>
-              <a:rPr dirty="0" err="1"/>
-              <a:t>nicht</a:t>
-            </a:r>
-            <a:r>
-              <a:rPr dirty="0"/>
-              <a:t> </a:t>
-            </a:r>
-            <a:r>
-              <a:rPr dirty="0" err="1"/>
-              <a:t>übernommen</a:t>
-            </a:r>
-            <a:endParaRPr dirty="0"/>
-          </a:p>
-          <a:p>
-            <a:pPr marL="800100" lvl="1" indent="-342900">
+              <a:t>Wir haben uns nicht übernommen</a:t>
+            </a:r>
+          </a:p>
+          <a:p>
+            <a:pPr lvl="1" marL="800100" indent="-342900">
               <a:buSzPct val="100000"/>
               <a:buChar char="-"/>
               <a:defRPr sz="2000"/>
             </a:pPr>
-            <a:endParaRPr dirty="0"/>
           </a:p>
           <a:p>
             <a:pPr marL="342900" indent="-342900">
               <a:buSzPct val="100000"/>
               <a:buFont typeface="Wingdings"/>
               <a:buChar char="▪"/>
-              <a:defRPr sz="2000" b="1"/>
-            </a:pPr>
-            <a:r>
-              <a:rPr dirty="0"/>
-              <a:t>Was </a:t>
-            </a:r>
-            <a:r>
-              <a:rPr dirty="0" err="1"/>
-              <a:t>wir</a:t>
-            </a:r>
-            <a:r>
-              <a:rPr dirty="0"/>
-              <a:t> </a:t>
-            </a:r>
-            <a:r>
-              <a:rPr dirty="0" err="1"/>
-              <a:t>unterschätzt</a:t>
-            </a:r>
-            <a:r>
-              <a:rPr dirty="0"/>
-              <a:t> </a:t>
-            </a:r>
-            <a:r>
-              <a:rPr dirty="0" err="1"/>
-              <a:t>haben</a:t>
-            </a:r>
-            <a:r>
-              <a:rPr dirty="0"/>
-              <a:t>:</a:t>
-            </a:r>
-          </a:p>
-          <a:p>
-            <a:pPr marL="800100" lvl="1" indent="-342900">
+              <a:defRPr b="1" sz="2000"/>
+            </a:pPr>
+            <a:r>
+              <a:t>Was wir unterschätzt haben:</a:t>
+            </a:r>
+          </a:p>
+          <a:p>
+            <a:pPr lvl="1" marL="800100" indent="-342900">
               <a:buSzPct val="100000"/>
               <a:buChar char="-"/>
               <a:defRPr sz="2000"/>
             </a:pPr>
             <a:r>
-              <a:rPr dirty="0" err="1"/>
-              <a:t>Aufwand</a:t>
-            </a:r>
-            <a:r>
-              <a:rPr dirty="0"/>
-              <a:t> </a:t>
-            </a:r>
-            <a:r>
-              <a:rPr dirty="0" err="1"/>
-              <a:t>Kommunikation</a:t>
-            </a:r>
-            <a:r>
-              <a:rPr dirty="0"/>
-              <a:t> </a:t>
-            </a:r>
-            <a:r>
-              <a:rPr dirty="0" err="1"/>
-              <a:t>mit</a:t>
-            </a:r>
-            <a:r>
-              <a:rPr dirty="0"/>
-              <a:t> </a:t>
-            </a:r>
-            <a:r>
-              <a:rPr dirty="0" err="1"/>
-              <a:t>Spiellogik</a:t>
-            </a:r>
-            <a:r>
-              <a:rPr dirty="0"/>
-              <a:t> </a:t>
-            </a:r>
-          </a:p>
-          <a:p>
-            <a:pPr marL="800100" lvl="1" indent="-342900">
+              <a:t>Aufwand Kommunikation mit Spiellogik </a:t>
+            </a:r>
+          </a:p>
+          <a:p>
+            <a:pPr lvl="1" marL="800100" indent="-342900">
               <a:buSzPct val="100000"/>
               <a:buChar char="-"/>
               <a:defRPr sz="2000"/>
             </a:pPr>
             <a:r>
-              <a:rPr dirty="0" err="1"/>
-              <a:t>Aufwand</a:t>
-            </a:r>
-            <a:r>
-              <a:rPr dirty="0"/>
-              <a:t> </a:t>
-            </a:r>
-            <a:r>
-              <a:rPr dirty="0" err="1"/>
-              <a:t>für</a:t>
-            </a:r>
-            <a:r>
-              <a:rPr dirty="0"/>
-              <a:t> </a:t>
-            </a:r>
-            <a:r>
-              <a:rPr i="1" dirty="0" err="1"/>
-              <a:t>gradle.build</a:t>
-            </a:r>
-            <a:r>
-              <a:rPr i="1" dirty="0"/>
-              <a:t> </a:t>
-            </a:r>
-            <a:r>
-              <a:rPr dirty="0"/>
+              <a:t>Aufwand für </a:t>
+            </a:r>
+            <a:r>
+              <a:rPr i="1"/>
+              <a:t>gradle.build </a:t>
+            </a:r>
+            <a:r>
               <a:t>und </a:t>
             </a:r>
             <a:r>
-              <a:rPr i="1" dirty="0"/>
+              <a:rPr i="1"/>
               <a:t>logger</a:t>
             </a:r>
-            <a:endParaRPr b="1" dirty="0"/>
+            <a:endParaRPr b="1"/>
           </a:p>
           <a:p>
             <a:pPr marL="342900" indent="-342900">
               <a:buSzPct val="100000"/>
               <a:buChar char="-"/>
-              <a:defRPr sz="2000" b="1"/>
-            </a:pPr>
-            <a:endParaRPr b="1" dirty="0"/>
+              <a:defRPr b="1" sz="2000"/>
+            </a:pPr>
           </a:p>
           <a:p>
             <a:pPr marL="342900" indent="-342900">
               <a:buSzPct val="100000"/>
               <a:buFont typeface="Wingdings"/>
               <a:buChar char="▪"/>
-              <a:defRPr sz="2000" b="1"/>
-            </a:pPr>
-            <a:r>
-              <a:rPr dirty="0"/>
-              <a:t>Was </a:t>
-            </a:r>
-            <a:r>
-              <a:rPr dirty="0" err="1"/>
-              <a:t>uns</a:t>
-            </a:r>
-            <a:r>
-              <a:rPr dirty="0"/>
-              <a:t> </a:t>
-            </a:r>
-            <a:r>
-              <a:rPr dirty="0" err="1"/>
-              <a:t>Probleme</a:t>
-            </a:r>
-            <a:r>
-              <a:rPr dirty="0"/>
-              <a:t> </a:t>
-            </a:r>
-            <a:r>
-              <a:rPr dirty="0" err="1"/>
-              <a:t>bereitete</a:t>
-            </a:r>
-            <a:r>
-              <a:rPr dirty="0"/>
-              <a:t>:</a:t>
-            </a:r>
-          </a:p>
-          <a:p>
-            <a:pPr marL="800100" lvl="1" indent="-342900">
+              <a:defRPr b="1" sz="2000"/>
+            </a:pPr>
+            <a:r>
+              <a:t>Was uns Probleme bereitete:</a:t>
+            </a:r>
+          </a:p>
+          <a:p>
+            <a:pPr lvl="1" marL="800100" indent="-342900">
               <a:buSzPct val="100000"/>
               <a:buChar char="-"/>
               <a:defRPr sz="2000"/>
             </a:pPr>
             <a:r>
-              <a:rPr dirty="0" err="1"/>
-              <a:t>Pushen</a:t>
-            </a:r>
-            <a:r>
-              <a:rPr dirty="0"/>
-              <a:t>, </a:t>
-            </a:r>
-            <a:r>
-              <a:rPr dirty="0" err="1"/>
-              <a:t>Mergen</a:t>
-            </a:r>
-            <a:r>
-              <a:rPr dirty="0"/>
-              <a:t> </a:t>
-            </a:r>
-            <a:r>
-              <a:rPr dirty="0" err="1"/>
-              <a:t>mit</a:t>
-            </a:r>
-            <a:r>
-              <a:rPr dirty="0"/>
-              <a:t> Git (</a:t>
-            </a:r>
-            <a:r>
-              <a:rPr dirty="0" err="1"/>
-              <a:t>Knappes</a:t>
-            </a:r>
-            <a:r>
-              <a:rPr dirty="0"/>
-              <a:t> </a:t>
-            </a:r>
-            <a:r>
-              <a:rPr dirty="0" err="1"/>
-              <a:t>Zeitmanagment</a:t>
-            </a:r>
-            <a:r>
-              <a:rPr dirty="0"/>
-              <a:t>)</a:t>
-            </a:r>
-          </a:p>
-          <a:p>
-            <a:pPr marL="800100" lvl="1" indent="-342900">
+              <a:t>Pushen, Mergen mit Git (Knappes Zeitmanagment)</a:t>
+            </a:r>
+          </a:p>
+          <a:p>
+            <a:pPr lvl="1" marL="800100" indent="-342900">
               <a:buSzPct val="100000"/>
               <a:buChar char="-"/>
               <a:defRPr sz="2000"/>
             </a:pPr>
             <a:r>
-              <a:rPr dirty="0" err="1"/>
-              <a:t>Erstellen</a:t>
-            </a:r>
-            <a:r>
-              <a:rPr dirty="0"/>
-              <a:t> der</a:t>
-            </a:r>
-            <a:r>
-              <a:rPr i="1" dirty="0"/>
-              <a:t> </a:t>
-            </a:r>
-            <a:r>
-              <a:rPr i="1" dirty="0" err="1"/>
-              <a:t>gradle.build</a:t>
-            </a:r>
-            <a:r>
-              <a:rPr i="1" dirty="0"/>
-              <a:t> </a:t>
-            </a:r>
-            <a:r>
-              <a:rPr dirty="0"/>
-              <a:t>-</a:t>
-            </a:r>
-            <a:r>
-              <a:rPr dirty="0" err="1"/>
-              <a:t>Datei</a:t>
-            </a:r>
-            <a:r>
-              <a:rPr dirty="0"/>
-              <a:t> </a:t>
-            </a:r>
-          </a:p>
-          <a:p>
-            <a:pPr marL="800100" lvl="1" indent="-342900">
+              <a:t>Erstellen der</a:t>
+            </a:r>
+            <a:r>
+              <a:rPr i="1"/>
+              <a:t> gradle.build </a:t>
+            </a:r>
+            <a:r>
+              <a:t>-Datei </a:t>
+            </a:r>
+          </a:p>
+          <a:p>
+            <a:pPr lvl="1" marL="800100" indent="-342900">
               <a:buSzPct val="100000"/>
               <a:buChar char="-"/>
-              <a:defRPr sz="2000" b="1"/>
-            </a:pPr>
-            <a:endParaRPr dirty="0"/>
+              <a:defRPr b="1" sz="2000"/>
+            </a:pPr>
           </a:p>
           <a:p>
             <a:pPr marL="342900" indent="-342900">
               <a:buSzPct val="100000"/>
               <a:buFont typeface="Wingdings"/>
               <a:buChar char="▪"/>
-              <a:defRPr sz="2000" b="1"/>
-            </a:pPr>
-            <a:r>
-              <a:rPr dirty="0" err="1"/>
-              <a:t>Wir</a:t>
-            </a:r>
-            <a:r>
-              <a:rPr dirty="0"/>
-              <a:t> </a:t>
-            </a:r>
-            <a:r>
-              <a:rPr dirty="0" err="1"/>
-              <a:t>verbessern</a:t>
-            </a:r>
-            <a:r>
-              <a:rPr dirty="0"/>
-              <a:t> </a:t>
-            </a:r>
-            <a:r>
-              <a:rPr dirty="0" err="1"/>
-              <a:t>uns</a:t>
-            </a:r>
-            <a:r>
-              <a:rPr dirty="0"/>
-              <a:t>:</a:t>
-            </a:r>
-          </a:p>
-          <a:p>
-            <a:pPr marL="800100" lvl="1" indent="-342900">
+              <a:defRPr b="1" sz="2000"/>
+            </a:pPr>
+            <a:r>
+              <a:t>Wir verbessern uns:</a:t>
+            </a:r>
+          </a:p>
+          <a:p>
+            <a:pPr lvl="1" marL="800100" indent="-342900">
               <a:buSzPct val="100000"/>
               <a:buChar char="-"/>
               <a:defRPr sz="2000"/>
             </a:pPr>
             <a:r>
-              <a:rPr dirty="0" err="1"/>
-              <a:t>Einen</a:t>
-            </a:r>
-            <a:r>
-              <a:rPr dirty="0"/>
-              <a:t> Tag </a:t>
-            </a:r>
-            <a:r>
-              <a:rPr dirty="0" err="1"/>
-              <a:t>vor</a:t>
-            </a:r>
-            <a:r>
-              <a:rPr dirty="0"/>
-              <a:t> </a:t>
-            </a:r>
-            <a:r>
-              <a:rPr dirty="0" err="1"/>
-              <a:t>Abgabe</a:t>
-            </a:r>
-            <a:r>
-              <a:rPr dirty="0"/>
-              <a:t> </a:t>
-            </a:r>
-            <a:r>
-              <a:rPr dirty="0" err="1"/>
-              <a:t>Fertig</a:t>
-            </a:r>
-            <a:endParaRPr dirty="0"/>
-          </a:p>
-          <a:p>
-            <a:pPr marL="800100" lvl="1" indent="-342900">
+              <a:t>Einen Tag vor Abgabe Fertig</a:t>
+            </a:r>
+          </a:p>
+          <a:p>
+            <a:pPr lvl="1" marL="800100" indent="-342900">
               <a:buSzPct val="100000"/>
               <a:buChar char="-"/>
               <a:defRPr sz="2000"/>
             </a:pPr>
             <a:r>
-              <a:rPr lang="de-CH" dirty="0"/>
-              <a:t>Projektplan: </a:t>
-            </a:r>
-            <a:r>
-              <a:rPr dirty="0" err="1"/>
-              <a:t>Mehr</a:t>
-            </a:r>
-            <a:r>
-              <a:rPr dirty="0"/>
-              <a:t> Zeit </a:t>
-            </a:r>
-            <a:r>
-              <a:rPr dirty="0" err="1"/>
-              <a:t>für</a:t>
-            </a:r>
-            <a:r>
-              <a:rPr dirty="0"/>
-              <a:t> </a:t>
-            </a:r>
-            <a:r>
-              <a:rPr dirty="0" err="1"/>
-              <a:t>Neues</a:t>
-            </a:r>
-            <a:r>
-              <a:rPr dirty="0"/>
-              <a:t> (</a:t>
-            </a:r>
-            <a:r>
-              <a:rPr lang="de-CH" dirty="0"/>
-              <a:t>wie </a:t>
-            </a:r>
-            <a:r>
-              <a:rPr lang="de-CH" dirty="0" err="1"/>
-              <a:t>z.B</a:t>
-            </a:r>
-            <a:r>
-              <a:rPr dirty="0"/>
-              <a:t>. Tests) </a:t>
-            </a:r>
-            <a:r>
-              <a:rPr dirty="0" err="1"/>
-              <a:t>einplanen</a:t>
-            </a:r>
-            <a:r>
-              <a:rPr dirty="0"/>
-              <a:t> </a:t>
-            </a:r>
-          </a:p>
-          <a:p>
-            <a:pPr marL="800100" lvl="1" indent="-342900">
-              <a:buSzPct val="100000"/>
-              <a:buChar char="-"/>
-              <a:defRPr sz="2000" b="1"/>
-            </a:pPr>
-            <a:endParaRPr dirty="0"/>
+              <a:t>Projektplan: Mehr Zeit für Neues (wie z.B. Tests) einplanen </a:t>
+            </a:r>
           </a:p>
         </p:txBody>
       </p:sp>
@@ -5874,12 +5195,12 @@
   <p:clrMapOvr>
     <a:masterClrMapping/>
   </p:clrMapOvr>
-  <p:transition spd="slow"/>
+  <p:transition xmlns:p14="http://schemas.microsoft.com/office/powerpoint/2010/main" spd="med" advClick="1" p14:dur="1000"/>
 </p:sld>
 </file>
 
 <file path=ppt/slides/slide14.xml><?xml version="1.0" encoding="utf-8"?>
-<p:sld xmlns:a="http://schemas.openxmlformats.org/drawingml/2006/main" xmlns:r="http://schemas.openxmlformats.org/officeDocument/2006/relationships" xmlns:p="http://schemas.openxmlformats.org/presentationml/2006/main">
+<p:sld xmlns:a="http://schemas.openxmlformats.org/drawingml/2006/main" xmlns:r="http://schemas.openxmlformats.org/officeDocument/2006/relationships" xmlns:p="http://schemas.openxmlformats.org/presentationml/2006/main" showMasterSp="1" showMasterPhAnim="1">
   <p:cSld>
     <p:spTree>
       <p:nvGrpSpPr>
@@ -5897,14 +5218,14 @@
       </p:grpSpPr>
       <p:sp>
         <p:nvSpPr>
-          <p:cNvPr id="240" name="Shape 240"/>
+          <p:cNvPr id="247" name="Shape 247"/>
           <p:cNvSpPr/>
           <p:nvPr/>
         </p:nvSpPr>
         <p:spPr>
           <a:xfrm>
-            <a:off x="4038600" y="6400414"/>
-            <a:ext cx="4114800" cy="276995"/>
+            <a:off x="4038600" y="6404293"/>
+            <a:ext cx="4114800" cy="269237"/>
           </a:xfrm>
           <a:prstGeom prst="rect">
             <a:avLst/>
@@ -5914,7 +5235,7 @@
           </a:ln>
           <a:extLst>
             <a:ext uri="{C572A759-6A51-4108-AA02-DFA0A04FC94B}">
-              <ma14:wrappingTextBoxFlag xmlns:ma14="http://schemas.microsoft.com/office/mac/drawingml/2011/main" xmlns="" val="1"/>
+              <ma14:wrappingTextBoxFlag xmlns:ma14="http://schemas.microsoft.com/office/mac/drawingml/2011/main" val="1"/>
             </a:ext>
           </a:extLst>
         </p:spPr>
@@ -5932,23 +5253,17 @@
             </a:lvl1pPr>
           </a:lstStyle>
           <a:p>
-            <a:r>
-              <a:rPr lang="de-CH" dirty="0" err="1"/>
-              <a:t>Mlst</a:t>
-            </a:r>
-            <a:r>
-              <a:rPr lang="de-CH" dirty="0"/>
-              <a:t>.-Präsentation Nr. III  /  Gruppe 15</a:t>
-            </a:r>
-          </a:p>
-        </p:txBody>
-      </p:sp>
-      <p:sp>
-        <p:nvSpPr>
-          <p:cNvPr id="241" name="Shape 241"/>
-          <p:cNvSpPr>
-            <a:spLocks noGrp="1"/>
-          </p:cNvSpPr>
+            <a:pPr/>
+            <a:r>
+              <a:t>Mlst.-Präsentation Nr. III  /  Gruppe 15</a:t>
+            </a:r>
+          </a:p>
+        </p:txBody>
+      </p:sp>
+      <p:sp>
+        <p:nvSpPr>
+          <p:cNvPr id="248" name="Shape 248"/>
+          <p:cNvSpPr/>
           <p:nvPr>
             <p:ph type="title"/>
           </p:nvPr>
@@ -5966,7 +5281,7 @@
           <a:bodyPr/>
           <a:lstStyle>
             <a:lvl1pPr>
-              <a:defRPr sz="2000" b="1">
+              <a:defRPr b="1" sz="2000">
                 <a:latin typeface="Arial"/>
                 <a:ea typeface="Arial"/>
                 <a:cs typeface="Arial"/>
@@ -5975,6 +5290,7 @@
             </a:lvl1pPr>
           </a:lstStyle>
           <a:p>
+            <a:pPr/>
             <a:r>
               <a:t>	</a:t>
             </a:r>
@@ -5983,25 +5299,23 @@
       </p:sp>
       <p:sp>
         <p:nvSpPr>
-          <p:cNvPr id="242" name="Shape 242"/>
-          <p:cNvSpPr>
-            <a:spLocks noGrp="1"/>
-          </p:cNvSpPr>
+          <p:cNvPr id="249" name="Shape 249"/>
+          <p:cNvSpPr/>
           <p:nvPr>
             <p:ph type="sldNum" sz="quarter" idx="4294967295"/>
           </p:nvPr>
         </p:nvSpPr>
         <p:spPr>
           <a:xfrm>
-            <a:off x="11089817" y="6404292"/>
-            <a:ext cx="263981" cy="269239"/>
+            <a:off x="11089816" y="6404292"/>
+            <a:ext cx="263979" cy="269237"/>
           </a:xfrm>
           <a:prstGeom prst="rect">
             <a:avLst/>
           </a:prstGeom>
           <a:extLst>
             <a:ext uri="{C572A759-6A51-4108-AA02-DFA0A04FC94B}">
-              <ma14:wrappingTextBoxFlag xmlns:ma14="http://schemas.microsoft.com/office/mac/drawingml/2011/main" xmlns="" val="1"/>
+              <ma14:wrappingTextBoxFlag xmlns:ma14="http://schemas.microsoft.com/office/mac/drawingml/2011/main" val="1"/>
             </a:ext>
           </a:extLst>
         </p:spPr>
@@ -6009,23 +5323,21 @@
           <a:bodyPr/>
           <a:lstStyle/>
           <a:p>
-            <a:fld id="{86CB4B4D-7CA3-9044-876B-883B54F8677D}" type="slidenum">
-              <a:t>14</a:t>
-            </a:fld>
-            <a:endParaRPr/>
-          </a:p>
-        </p:txBody>
-      </p:sp>
-      <p:sp>
-        <p:nvSpPr>
-          <p:cNvPr id="243" name="Shape 243"/>
+            <a:pPr/>
+            <a:fld id="{86CB4B4D-7CA3-9044-876B-883B54F8677D}" type="slidenum"/>
+          </a:p>
+        </p:txBody>
+      </p:sp>
+      <p:sp>
+        <p:nvSpPr>
+          <p:cNvPr id="250" name="Shape 250"/>
           <p:cNvSpPr/>
           <p:nvPr/>
         </p:nvSpPr>
         <p:spPr>
           <a:xfrm>
             <a:off x="4535399" y="3136612"/>
-            <a:ext cx="7236002" cy="561339"/>
+            <a:ext cx="7236002" cy="561337"/>
           </a:xfrm>
           <a:prstGeom prst="rect">
             <a:avLst/>
@@ -6035,7 +5347,7 @@
           </a:ln>
           <a:extLst>
             <a:ext uri="{C572A759-6A51-4108-AA02-DFA0A04FC94B}">
-              <ma14:wrappingTextBoxFlag xmlns:ma14="http://schemas.microsoft.com/office/mac/drawingml/2011/main" xmlns="" val="1"/>
+              <ma14:wrappingTextBoxFlag xmlns:ma14="http://schemas.microsoft.com/office/mac/drawingml/2011/main" val="1"/>
             </a:ext>
           </a:extLst>
         </p:spPr>
@@ -6045,10 +5357,11 @@
           </a:bodyPr>
           <a:lstStyle>
             <a:lvl1pPr>
-              <a:defRPr sz="3200" b="1" i="1"/>
+              <a:defRPr b="1" i="1" sz="3200"/>
             </a:lvl1pPr>
           </a:lstStyle>
           <a:p>
+            <a:pPr/>
             <a:r>
               <a:t>Vielen Dank für die Aufmerksamkeit!</a:t>
             </a:r>
@@ -6057,14 +5370,16 @@
       </p:sp>
       <p:pic>
         <p:nvPicPr>
-          <p:cNvPr id="244" name="image2.png" descr="Bildergebnis für skip bo"/>
+          <p:cNvPr id="251" name="image2.png" descr="Bildergebnis für skip bo"/>
           <p:cNvPicPr>
             <a:picLocks noChangeAspect="1"/>
           </p:cNvPicPr>
           <p:nvPr/>
         </p:nvPicPr>
         <p:blipFill>
-          <a:blip r:embed="rId2"/>
+          <a:blip r:embed="rId2">
+            <a:extLst/>
+          </a:blip>
           <a:stretch>
             <a:fillRect/>
           </a:stretch>
@@ -6087,12 +5402,12 @@
   <p:clrMapOvr>
     <a:masterClrMapping/>
   </p:clrMapOvr>
-  <p:transition spd="slow"/>
+  <p:transition xmlns:p14="http://schemas.microsoft.com/office/powerpoint/2010/main" spd="med" advClick="1" p14:dur="1000"/>
 </p:sld>
 </file>
 
 <file path=ppt/slides/slide2.xml><?xml version="1.0" encoding="utf-8"?>
-<p:sld xmlns:a="http://schemas.openxmlformats.org/drawingml/2006/main" xmlns:r="http://schemas.openxmlformats.org/officeDocument/2006/relationships" xmlns:p="http://schemas.openxmlformats.org/presentationml/2006/main">
+<p:sld xmlns:a="http://schemas.openxmlformats.org/drawingml/2006/main" xmlns:r="http://schemas.openxmlformats.org/officeDocument/2006/relationships" xmlns:p="http://schemas.openxmlformats.org/presentationml/2006/main" showMasterSp="1" showMasterPhAnim="1">
   <p:cSld>
     <p:spTree>
       <p:nvGrpSpPr>
@@ -6116,8 +5431,8 @@
         </p:nvSpPr>
         <p:spPr>
           <a:xfrm>
-            <a:off x="4038600" y="6400414"/>
-            <a:ext cx="4114800" cy="276995"/>
+            <a:off x="4038600" y="6404293"/>
+            <a:ext cx="4114800" cy="269237"/>
           </a:xfrm>
           <a:prstGeom prst="rect">
             <a:avLst/>
@@ -6127,7 +5442,7 @@
           </a:ln>
           <a:extLst>
             <a:ext uri="{C572A759-6A51-4108-AA02-DFA0A04FC94B}">
-              <ma14:wrappingTextBoxFlag xmlns:ma14="http://schemas.microsoft.com/office/mac/drawingml/2011/main" xmlns="" val="1"/>
+              <ma14:wrappingTextBoxFlag xmlns:ma14="http://schemas.microsoft.com/office/mac/drawingml/2011/main" val="1"/>
             </a:ext>
           </a:extLst>
         </p:spPr>
@@ -6135,38 +5450,22 @@
           <a:bodyPr lIns="45718" tIns="45718" rIns="45718" bIns="45718" anchor="ctr">
             <a:spAutoFit/>
           </a:bodyPr>
-          <a:lstStyle>
-            <a:lvl1pPr algn="ctr">
+          <a:lstStyle/>
+          <a:p>
+            <a:pPr algn="ctr">
               <a:defRPr sz="1200">
                 <a:solidFill>
                   <a:srgbClr val="888888"/>
                 </a:solidFill>
               </a:defRPr>
-            </a:lvl1pPr>
-          </a:lstStyle>
-          <a:p>
-            <a:r>
-              <a:rPr dirty="0" err="1"/>
-              <a:t>Mlst</a:t>
-            </a:r>
-            <a:r>
-              <a:rPr dirty="0"/>
-              <a:t>.-</a:t>
-            </a:r>
-            <a:r>
-              <a:rPr dirty="0" err="1"/>
-              <a:t>Präsentation</a:t>
-            </a:r>
-            <a:r>
-              <a:rPr dirty="0"/>
-              <a:t> Nr. </a:t>
-            </a:r>
-            <a:r>
-              <a:rPr lang="de-CH" dirty="0"/>
+            </a:pPr>
+            <a:r>
+              <a:t>Mlst.-Präsentation Nr. </a:t>
+            </a:r>
+            <a:r>
               <a:t>III</a:t>
             </a:r>
             <a:r>
-              <a:rPr dirty="0"/>
               <a:t>  /  Gruppe 15</a:t>
             </a:r>
           </a:p>
@@ -6175,9 +5474,7 @@
       <p:sp>
         <p:nvSpPr>
           <p:cNvPr id="141" name="Shape 141"/>
-          <p:cNvSpPr>
-            <a:spLocks noGrp="1"/>
-          </p:cNvSpPr>
+          <p:cNvSpPr/>
           <p:nvPr>
             <p:ph type="body" sz="half" idx="1"/>
           </p:nvPr>
@@ -6220,7 +5517,6 @@
                 <a:sym typeface="Arial"/>
               </a:defRPr>
             </a:pPr>
-            <a:endParaRPr/>
           </a:p>
           <a:p>
             <a:pPr marL="0" indent="0">
@@ -6248,7 +5544,6 @@
                 <a:sym typeface="Arial"/>
               </a:defRPr>
             </a:pPr>
-            <a:endParaRPr/>
           </a:p>
           <a:p>
             <a:pPr marL="0" indent="0">
@@ -6276,7 +5571,6 @@
                 <a:sym typeface="Arial"/>
               </a:defRPr>
             </a:pPr>
-            <a:endParaRPr/>
           </a:p>
           <a:p>
             <a:pPr marL="0" indent="0">
@@ -6298,9 +5592,7 @@
       <p:sp>
         <p:nvSpPr>
           <p:cNvPr id="142" name="Shape 142"/>
-          <p:cNvSpPr>
-            <a:spLocks noGrp="1"/>
-          </p:cNvSpPr>
+          <p:cNvSpPr/>
           <p:nvPr>
             <p:ph type="sldNum" sz="quarter" idx="4294967295"/>
           </p:nvPr>
@@ -6308,14 +5600,14 @@
         <p:spPr>
           <a:xfrm>
             <a:off x="11169739" y="6404292"/>
-            <a:ext cx="184059" cy="269239"/>
+            <a:ext cx="184057" cy="269237"/>
           </a:xfrm>
           <a:prstGeom prst="rect">
             <a:avLst/>
           </a:prstGeom>
           <a:extLst>
             <a:ext uri="{C572A759-6A51-4108-AA02-DFA0A04FC94B}">
-              <ma14:wrappingTextBoxFlag xmlns:ma14="http://schemas.microsoft.com/office/mac/drawingml/2011/main" xmlns="" val="1"/>
+              <ma14:wrappingTextBoxFlag xmlns:ma14="http://schemas.microsoft.com/office/mac/drawingml/2011/main" val="1"/>
             </a:ext>
           </a:extLst>
         </p:spPr>
@@ -6323,10 +5615,8 @@
           <a:bodyPr/>
           <a:lstStyle/>
           <a:p>
-            <a:fld id="{86CB4B4D-7CA3-9044-876B-883B54F8677D}" type="slidenum">
-              <a:t>2</a:t>
-            </a:fld>
-            <a:endParaRPr/>
+            <a:pPr/>
+            <a:fld id="{86CB4B4D-7CA3-9044-876B-883B54F8677D}" type="slidenum"/>
           </a:p>
         </p:txBody>
       </p:sp>
@@ -6339,7 +5629,9 @@
           <p:nvPr/>
         </p:nvPicPr>
         <p:blipFill>
-          <a:blip r:embed="rId2"/>
+          <a:blip r:embed="rId2">
+            <a:extLst/>
+          </a:blip>
           <a:stretch>
             <a:fillRect/>
           </a:stretch>
@@ -6360,9 +5652,7 @@
       <p:sp>
         <p:nvSpPr>
           <p:cNvPr id="144" name="Shape 144"/>
-          <p:cNvSpPr>
-            <a:spLocks noGrp="1"/>
-          </p:cNvSpPr>
+          <p:cNvSpPr/>
           <p:nvPr>
             <p:ph type="title"/>
           </p:nvPr>
@@ -6380,7 +5670,7 @@
           <a:bodyPr/>
           <a:lstStyle>
             <a:lvl1pPr>
-              <a:defRPr sz="2000" b="1">
+              <a:defRPr b="1" sz="2000">
                 <a:latin typeface="Arial"/>
                 <a:ea typeface="Arial"/>
                 <a:cs typeface="Arial"/>
@@ -6389,6 +5679,7 @@
             </a:lvl1pPr>
           </a:lstStyle>
           <a:p>
+            <a:pPr/>
             <a:r>
               <a:t>	 Übersicht</a:t>
             </a:r>
@@ -6403,8 +5694,8 @@
         </p:nvSpPr>
         <p:spPr>
           <a:xfrm>
-            <a:off x="-16626" y="720436"/>
-            <a:ext cx="3088628" cy="2"/>
+            <a:off x="-16627" y="720436"/>
+            <a:ext cx="3088629" cy="3"/>
           </a:xfrm>
           <a:prstGeom prst="line">
             <a:avLst/>
@@ -6416,7 +5707,7 @@
             <a:miter/>
           </a:ln>
           <a:effectLst>
-            <a:outerShdw blurRad="50800" dist="38100" dir="2700000" rotWithShape="0">
+            <a:outerShdw sx="100000" sy="100000" kx="0" ky="0" algn="b" rotWithShape="0" blurRad="50800" dist="38100" dir="2700000">
               <a:srgbClr val="000000">
                 <a:alpha val="40000"/>
               </a:srgbClr>
@@ -6427,7 +5718,7 @@
           <a:bodyPr lIns="45718" tIns="45718" rIns="45718" bIns="45718"/>
           <a:lstStyle/>
           <a:p>
-            <a:endParaRPr/>
+            <a:pPr/>
           </a:p>
         </p:txBody>
       </p:sp>
@@ -6440,15 +5731,17 @@
           <p:nvPr/>
         </p:nvPicPr>
         <p:blipFill>
-          <a:blip r:embed="rId3"/>
+          <a:blip r:embed="rId3">
+            <a:extLst/>
+          </a:blip>
           <a:stretch>
             <a:fillRect/>
           </a:stretch>
         </p:blipFill>
         <p:spPr>
           <a:xfrm>
-            <a:off x="298859" y="90216"/>
-            <a:ext cx="540000" cy="540003"/>
+            <a:off x="298859" y="90215"/>
+            <a:ext cx="540000" cy="540004"/>
           </a:xfrm>
           <a:prstGeom prst="rect">
             <a:avLst/>
@@ -6467,7 +5760,9 @@
           <p:nvPr/>
         </p:nvPicPr>
         <p:blipFill>
-          <a:blip r:embed="rId4"/>
+          <a:blip r:embed="rId4">
+            <a:extLst/>
+          </a:blip>
           <a:stretch>
             <a:fillRect/>
           </a:stretch>
@@ -6475,7 +5770,7 @@
         <p:spPr>
           <a:xfrm>
             <a:off x="795217" y="4499231"/>
-            <a:ext cx="914401" cy="914402"/>
+            <a:ext cx="914401" cy="914403"/>
           </a:xfrm>
           <a:prstGeom prst="rect">
             <a:avLst/>
@@ -6494,7 +5789,9 @@
           <p:nvPr/>
         </p:nvPicPr>
         <p:blipFill>
-          <a:blip r:embed="rId5"/>
+          <a:blip r:embed="rId5">
+            <a:extLst/>
+          </a:blip>
           <a:stretch>
             <a:fillRect/>
           </a:stretch>
@@ -6502,7 +5799,7 @@
         <p:spPr>
           <a:xfrm>
             <a:off x="795217" y="2343116"/>
-            <a:ext cx="914401" cy="914402"/>
+            <a:ext cx="914401" cy="914403"/>
           </a:xfrm>
           <a:prstGeom prst="rect">
             <a:avLst/>
@@ -6521,7 +5818,9 @@
           <p:nvPr/>
         </p:nvPicPr>
         <p:blipFill>
-          <a:blip r:embed="rId6"/>
+          <a:blip r:embed="rId6">
+            <a:extLst/>
+          </a:blip>
           <a:stretch>
             <a:fillRect/>
           </a:stretch>
@@ -6529,7 +5828,7 @@
         <p:spPr>
           <a:xfrm>
             <a:off x="795217" y="3421174"/>
-            <a:ext cx="914401" cy="914402"/>
+            <a:ext cx="914401" cy="914403"/>
           </a:xfrm>
           <a:prstGeom prst="rect">
             <a:avLst/>
@@ -6544,12 +5843,12 @@
   <p:clrMapOvr>
     <a:masterClrMapping/>
   </p:clrMapOvr>
-  <p:transition spd="slow"/>
+  <p:transition xmlns:p14="http://schemas.microsoft.com/office/powerpoint/2010/main" spd="med" advClick="1" p14:dur="1000"/>
 </p:sld>
 </file>
 
 <file path=ppt/slides/slide3.xml><?xml version="1.0" encoding="utf-8"?>
-<p:sld xmlns:a="http://schemas.openxmlformats.org/drawingml/2006/main" xmlns:r="http://schemas.openxmlformats.org/officeDocument/2006/relationships" xmlns:p="http://schemas.openxmlformats.org/presentationml/2006/main">
+<p:sld xmlns:a="http://schemas.openxmlformats.org/drawingml/2006/main" xmlns:r="http://schemas.openxmlformats.org/officeDocument/2006/relationships" xmlns:p="http://schemas.openxmlformats.org/presentationml/2006/main" showMasterSp="1" showMasterPhAnim="1">
   <p:cSld>
     <p:spTree>
       <p:nvGrpSpPr>
@@ -6573,8 +5872,8 @@
         </p:nvSpPr>
         <p:spPr>
           <a:xfrm>
-            <a:off x="4038600" y="6400414"/>
-            <a:ext cx="4114800" cy="276995"/>
+            <a:off x="4038600" y="6404293"/>
+            <a:ext cx="4114800" cy="269237"/>
           </a:xfrm>
           <a:prstGeom prst="rect">
             <a:avLst/>
@@ -6584,7 +5883,7 @@
           </a:ln>
           <a:extLst>
             <a:ext uri="{C572A759-6A51-4108-AA02-DFA0A04FC94B}">
-              <ma14:wrappingTextBoxFlag xmlns:ma14="http://schemas.microsoft.com/office/mac/drawingml/2011/main" xmlns="" val="1"/>
+              <ma14:wrappingTextBoxFlag xmlns:ma14="http://schemas.microsoft.com/office/mac/drawingml/2011/main" val="1"/>
             </a:ext>
           </a:extLst>
         </p:spPr>
@@ -6602,13 +5901,9 @@
             </a:lvl1pPr>
           </a:lstStyle>
           <a:p>
-            <a:r>
-              <a:rPr lang="de-CH" dirty="0" err="1"/>
-              <a:t>Mlst</a:t>
-            </a:r>
-            <a:r>
-              <a:rPr lang="de-CH" dirty="0"/>
-              <a:t>.-Präsentation Nr. III  /  Gruppe 15</a:t>
+            <a:pPr/>
+            <a:r>
+              <a:t>Mlst.-Präsentation Nr. III  /  Gruppe 15</a:t>
             </a:r>
           </a:p>
         </p:txBody>
@@ -6616,9 +5911,7 @@
       <p:sp>
         <p:nvSpPr>
           <p:cNvPr id="152" name="Shape 152"/>
-          <p:cNvSpPr>
-            <a:spLocks noGrp="1"/>
-          </p:cNvSpPr>
+          <p:cNvSpPr/>
           <p:nvPr>
             <p:ph type="title"/>
           </p:nvPr>
@@ -6636,7 +5929,7 @@
           <a:bodyPr/>
           <a:lstStyle>
             <a:lvl1pPr>
-              <a:defRPr sz="2000" b="1">
+              <a:defRPr b="1" sz="2000">
                 <a:latin typeface="Arial"/>
                 <a:ea typeface="Arial"/>
                 <a:cs typeface="Arial"/>
@@ -6645,6 +5938,7 @@
             </a:lvl1pPr>
           </a:lstStyle>
           <a:p>
+            <a:pPr/>
             <a:r>
               <a:t>	 Übersicht</a:t>
             </a:r>
@@ -6654,9 +5948,7 @@
       <p:sp>
         <p:nvSpPr>
           <p:cNvPr id="153" name="Shape 153"/>
-          <p:cNvSpPr>
-            <a:spLocks noGrp="1"/>
-          </p:cNvSpPr>
+          <p:cNvSpPr/>
           <p:nvPr>
             <p:ph type="body" sz="half" idx="1"/>
           </p:nvPr>
@@ -6677,7 +5969,7 @@
             <a:pPr marL="0" indent="0">
               <a:buSzTx/>
               <a:buNone/>
-              <a:defRPr sz="3000" b="1">
+              <a:defRPr b="1" sz="3000">
                 <a:latin typeface="Arial"/>
                 <a:ea typeface="Arial"/>
                 <a:cs typeface="Arial"/>
@@ -6699,7 +5991,6 @@
                 <a:sym typeface="Arial"/>
               </a:defRPr>
             </a:pPr>
-            <a:endParaRPr/>
           </a:p>
           <a:p>
             <a:pPr marL="0" indent="0">
@@ -6727,7 +6018,6 @@
                 <a:sym typeface="Arial"/>
               </a:defRPr>
             </a:pPr>
-            <a:endParaRPr/>
           </a:p>
           <a:p>
             <a:pPr marL="0" indent="0">
@@ -6755,7 +6045,6 @@
                 <a:sym typeface="Arial"/>
               </a:defRPr>
             </a:pPr>
-            <a:endParaRPr/>
           </a:p>
           <a:p>
             <a:pPr marL="0" indent="0">
@@ -6777,9 +6066,7 @@
       <p:sp>
         <p:nvSpPr>
           <p:cNvPr id="154" name="Shape 154"/>
-          <p:cNvSpPr>
-            <a:spLocks noGrp="1"/>
-          </p:cNvSpPr>
+          <p:cNvSpPr/>
           <p:nvPr>
             <p:ph type="sldNum" sz="quarter" idx="4294967295"/>
           </p:nvPr>
@@ -6787,14 +6074,14 @@
         <p:spPr>
           <a:xfrm>
             <a:off x="11169739" y="6404292"/>
-            <a:ext cx="184059" cy="269239"/>
+            <a:ext cx="184057" cy="269237"/>
           </a:xfrm>
           <a:prstGeom prst="rect">
             <a:avLst/>
           </a:prstGeom>
           <a:extLst>
             <a:ext uri="{C572A759-6A51-4108-AA02-DFA0A04FC94B}">
-              <ma14:wrappingTextBoxFlag xmlns:ma14="http://schemas.microsoft.com/office/mac/drawingml/2011/main" xmlns="" val="1"/>
+              <ma14:wrappingTextBoxFlag xmlns:ma14="http://schemas.microsoft.com/office/mac/drawingml/2011/main" val="1"/>
             </a:ext>
           </a:extLst>
         </p:spPr>
@@ -6802,10 +6089,8 @@
           <a:bodyPr/>
           <a:lstStyle/>
           <a:p>
-            <a:fld id="{86CB4B4D-7CA3-9044-876B-883B54F8677D}" type="slidenum">
-              <a:t>3</a:t>
-            </a:fld>
-            <a:endParaRPr/>
+            <a:pPr/>
+            <a:fld id="{86CB4B4D-7CA3-9044-876B-883B54F8677D}" type="slidenum"/>
           </a:p>
         </p:txBody>
       </p:sp>
@@ -6818,7 +6103,9 @@
           <p:nvPr/>
         </p:nvPicPr>
         <p:blipFill>
-          <a:blip r:embed="rId2"/>
+          <a:blip r:embed="rId2">
+            <a:extLst/>
+          </a:blip>
           <a:stretch>
             <a:fillRect/>
           </a:stretch>
@@ -6844,8 +6131,8 @@
         </p:nvSpPr>
         <p:spPr>
           <a:xfrm>
-            <a:off x="-16626" y="720436"/>
-            <a:ext cx="3088628" cy="2"/>
+            <a:off x="-16627" y="720436"/>
+            <a:ext cx="3088629" cy="3"/>
           </a:xfrm>
           <a:prstGeom prst="line">
             <a:avLst/>
@@ -6857,7 +6144,7 @@
             <a:miter/>
           </a:ln>
           <a:effectLst>
-            <a:outerShdw blurRad="50800" dist="38100" dir="2700000" rotWithShape="0">
+            <a:outerShdw sx="100000" sy="100000" kx="0" ky="0" algn="b" rotWithShape="0" blurRad="50800" dist="38100" dir="2700000">
               <a:srgbClr val="000000">
                 <a:alpha val="40000"/>
               </a:srgbClr>
@@ -6868,7 +6155,7 @@
           <a:bodyPr lIns="45718" tIns="45718" rIns="45718" bIns="45718"/>
           <a:lstStyle/>
           <a:p>
-            <a:endParaRPr/>
+            <a:pPr/>
           </a:p>
         </p:txBody>
       </p:sp>
@@ -6881,15 +6168,17 @@
           <p:nvPr/>
         </p:nvPicPr>
         <p:blipFill>
-          <a:blip r:embed="rId3"/>
+          <a:blip r:embed="rId3">
+            <a:extLst/>
+          </a:blip>
           <a:stretch>
             <a:fillRect/>
           </a:stretch>
         </p:blipFill>
         <p:spPr>
           <a:xfrm>
-            <a:off x="298859" y="90216"/>
-            <a:ext cx="540000" cy="540003"/>
+            <a:off x="298859" y="90215"/>
+            <a:ext cx="540000" cy="540004"/>
           </a:xfrm>
           <a:prstGeom prst="rect">
             <a:avLst/>
@@ -6908,7 +6197,9 @@
           <p:nvPr/>
         </p:nvPicPr>
         <p:blipFill>
-          <a:blip r:embed="rId4"/>
+          <a:blip r:embed="rId4">
+            <a:extLst/>
+          </a:blip>
           <a:stretch>
             <a:fillRect/>
           </a:stretch>
@@ -6916,7 +6207,7 @@
         <p:spPr>
           <a:xfrm>
             <a:off x="795217" y="4499231"/>
-            <a:ext cx="914401" cy="914402"/>
+            <a:ext cx="914401" cy="914403"/>
           </a:xfrm>
           <a:prstGeom prst="rect">
             <a:avLst/>
@@ -6935,7 +6226,9 @@
           <p:nvPr/>
         </p:nvPicPr>
         <p:blipFill>
-          <a:blip r:embed="rId5"/>
+          <a:blip r:embed="rId5">
+            <a:extLst/>
+          </a:blip>
           <a:stretch>
             <a:fillRect/>
           </a:stretch>
@@ -6943,7 +6236,7 @@
         <p:spPr>
           <a:xfrm>
             <a:off x="795217" y="2343116"/>
-            <a:ext cx="914401" cy="914402"/>
+            <a:ext cx="914401" cy="914403"/>
           </a:xfrm>
           <a:prstGeom prst="rect">
             <a:avLst/>
@@ -6962,7 +6255,9 @@
           <p:nvPr/>
         </p:nvPicPr>
         <p:blipFill>
-          <a:blip r:embed="rId6"/>
+          <a:blip r:embed="rId6">
+            <a:extLst/>
+          </a:blip>
           <a:stretch>
             <a:fillRect/>
           </a:stretch>
@@ -6970,7 +6265,7 @@
         <p:spPr>
           <a:xfrm>
             <a:off x="795217" y="3421174"/>
-            <a:ext cx="914401" cy="914402"/>
+            <a:ext cx="914401" cy="914403"/>
           </a:xfrm>
           <a:prstGeom prst="rect">
             <a:avLst/>
@@ -6985,12 +6280,12 @@
   <p:clrMapOvr>
     <a:masterClrMapping/>
   </p:clrMapOvr>
-  <p:transition spd="slow"/>
+  <p:transition xmlns:p14="http://schemas.microsoft.com/office/powerpoint/2010/main" spd="med" advClick="1" p14:dur="1000"/>
 </p:sld>
 </file>
 
 <file path=ppt/slides/slide4.xml><?xml version="1.0" encoding="utf-8"?>
-<p:sld xmlns:a="http://schemas.openxmlformats.org/drawingml/2006/main" xmlns:r="http://schemas.openxmlformats.org/officeDocument/2006/relationships" xmlns:p="http://schemas.openxmlformats.org/presentationml/2006/main">
+<p:sld xmlns:a="http://schemas.openxmlformats.org/drawingml/2006/main" xmlns:r="http://schemas.openxmlformats.org/officeDocument/2006/relationships" xmlns:p="http://schemas.openxmlformats.org/presentationml/2006/main" showMasterSp="1" showMasterPhAnim="1">
   <p:cSld>
     <p:spTree>
       <p:nvGrpSpPr>
@@ -7008,22 +6303,24 @@
       </p:grpSpPr>
       <p:pic>
         <p:nvPicPr>
-          <p:cNvPr id="8" name="image6.png" descr="Gamecontroller"/>
+          <p:cNvPr id="162" name="image6.png" descr="Gamecontroller"/>
           <p:cNvPicPr>
             <a:picLocks noChangeAspect="1"/>
           </p:cNvPicPr>
           <p:nvPr/>
         </p:nvPicPr>
         <p:blipFill>
-          <a:blip r:embed="rId2"/>
+          <a:blip r:embed="rId2">
+            <a:extLst/>
+          </a:blip>
           <a:stretch>
             <a:fillRect/>
           </a:stretch>
         </p:blipFill>
         <p:spPr>
           <a:xfrm>
-            <a:off x="154513" y="91538"/>
-            <a:ext cx="540000" cy="540000"/>
+            <a:off x="154513" y="91537"/>
+            <a:ext cx="540000" cy="540001"/>
           </a:xfrm>
           <a:prstGeom prst="rect">
             <a:avLst/>
@@ -7035,14 +6332,14 @@
       </p:pic>
       <p:sp>
         <p:nvSpPr>
-          <p:cNvPr id="181" name="Shape 181"/>
+          <p:cNvPr id="163" name="Shape 163"/>
           <p:cNvSpPr/>
           <p:nvPr/>
         </p:nvSpPr>
         <p:spPr>
           <a:xfrm>
-            <a:off x="3935999" y="6392731"/>
-            <a:ext cx="4114803" cy="276995"/>
+            <a:off x="3935998" y="6396610"/>
+            <a:ext cx="4114804" cy="269237"/>
           </a:xfrm>
           <a:prstGeom prst="rect">
             <a:avLst/>
@@ -7052,7 +6349,7 @@
           </a:ln>
           <a:extLst>
             <a:ext uri="{C572A759-6A51-4108-AA02-DFA0A04FC94B}">
-              <ma14:wrappingTextBoxFlag xmlns:ma14="http://schemas.microsoft.com/office/mac/drawingml/2011/main" xmlns="" val="1"/>
+              <ma14:wrappingTextBoxFlag xmlns:ma14="http://schemas.microsoft.com/office/mac/drawingml/2011/main" val="1"/>
             </a:ext>
           </a:extLst>
         </p:spPr>
@@ -7070,23 +6367,17 @@
             </a:lvl1pPr>
           </a:lstStyle>
           <a:p>
-            <a:r>
-              <a:rPr lang="de-CH" dirty="0" err="1"/>
-              <a:t>Mlst</a:t>
-            </a:r>
-            <a:r>
-              <a:rPr lang="de-CH" dirty="0"/>
-              <a:t>.-Präsentation Nr. III  /  Gruppe 15</a:t>
-            </a:r>
-          </a:p>
-        </p:txBody>
-      </p:sp>
-      <p:sp>
-        <p:nvSpPr>
-          <p:cNvPr id="182" name="Shape 182"/>
-          <p:cNvSpPr>
-            <a:spLocks noGrp="1"/>
-          </p:cNvSpPr>
+            <a:pPr/>
+            <a:r>
+              <a:t>Mlst.-Präsentation Nr. III  /  Gruppe 15</a:t>
+            </a:r>
+          </a:p>
+        </p:txBody>
+      </p:sp>
+      <p:sp>
+        <p:nvSpPr>
+          <p:cNvPr id="164" name="Shape 164"/>
+          <p:cNvSpPr/>
           <p:nvPr>
             <p:ph type="sldNum" sz="quarter" idx="4294967295"/>
           </p:nvPr>
@@ -7094,14 +6385,14 @@
         <p:spPr>
           <a:xfrm>
             <a:off x="11169739" y="6404292"/>
-            <a:ext cx="184059" cy="269239"/>
+            <a:ext cx="184057" cy="269237"/>
           </a:xfrm>
           <a:prstGeom prst="rect">
             <a:avLst/>
           </a:prstGeom>
           <a:extLst>
             <a:ext uri="{C572A759-6A51-4108-AA02-DFA0A04FC94B}">
-              <ma14:wrappingTextBoxFlag xmlns:ma14="http://schemas.microsoft.com/office/mac/drawingml/2011/main" xmlns="" val="1"/>
+              <ma14:wrappingTextBoxFlag xmlns:ma14="http://schemas.microsoft.com/office/mac/drawingml/2011/main" val="1"/>
             </a:ext>
           </a:extLst>
         </p:spPr>
@@ -7109,19 +6400,15 @@
           <a:bodyPr/>
           <a:lstStyle/>
           <a:p>
-            <a:fld id="{86CB4B4D-7CA3-9044-876B-883B54F8677D}" type="slidenum">
-              <a:t>4</a:t>
-            </a:fld>
-            <a:endParaRPr/>
-          </a:p>
-        </p:txBody>
-      </p:sp>
-      <p:sp>
-        <p:nvSpPr>
-          <p:cNvPr id="183" name="Shape 183"/>
-          <p:cNvSpPr>
-            <a:spLocks noGrp="1"/>
-          </p:cNvSpPr>
+            <a:pPr/>
+            <a:fld id="{86CB4B4D-7CA3-9044-876B-883B54F8677D}" type="slidenum"/>
+          </a:p>
+        </p:txBody>
+      </p:sp>
+      <p:sp>
+        <p:nvSpPr>
+          <p:cNvPr id="165" name="Shape 165"/>
+          <p:cNvSpPr/>
           <p:nvPr>
             <p:ph type="title"/>
           </p:nvPr>
@@ -7137,39 +6424,35 @@
         </p:spPr>
         <p:txBody>
           <a:bodyPr/>
-          <a:lstStyle>
-            <a:lvl1pPr>
-              <a:defRPr sz="2000" b="1">
+          <a:lstStyle/>
+          <a:p>
+            <a:pPr>
+              <a:defRPr b="1" sz="2000">
                 <a:latin typeface="Arial"/>
                 <a:ea typeface="Arial"/>
                 <a:cs typeface="Arial"/>
                 <a:sym typeface="Arial"/>
               </a:defRPr>
-            </a:lvl1pPr>
-          </a:lstStyle>
-          <a:p>
-            <a:r>
-              <a:rPr dirty="0"/>
+            </a:pPr>
+            <a:r>
               <a:t>	</a:t>
             </a:r>
             <a:r>
-              <a:rPr lang="de-CH" dirty="0"/>
               <a:t>Outline / Spieldemonstration</a:t>
             </a:r>
-            <a:endParaRPr dirty="0"/>
-          </a:p>
-        </p:txBody>
-      </p:sp>
-      <p:sp>
-        <p:nvSpPr>
-          <p:cNvPr id="184" name="Shape 184"/>
+          </a:p>
+        </p:txBody>
+      </p:sp>
+      <p:sp>
+        <p:nvSpPr>
+          <p:cNvPr id="166" name="Shape 166"/>
           <p:cNvSpPr/>
           <p:nvPr/>
         </p:nvSpPr>
         <p:spPr>
           <a:xfrm>
-            <a:off x="-16626" y="720436"/>
-            <a:ext cx="3088628" cy="2"/>
+            <a:off x="-16627" y="720436"/>
+            <a:ext cx="3088629" cy="3"/>
           </a:xfrm>
           <a:prstGeom prst="line">
             <a:avLst/>
@@ -7181,7 +6464,7 @@
             <a:miter/>
           </a:ln>
           <a:effectLst>
-            <a:outerShdw blurRad="50800" dist="38100" dir="2700000" rotWithShape="0">
+            <a:outerShdw sx="100000" sy="100000" kx="0" ky="0" algn="b" rotWithShape="0" blurRad="50800" dist="38100" dir="2700000">
               <a:srgbClr val="000000">
                 <a:alpha val="40000"/>
               </a:srgbClr>
@@ -7192,25 +6475,21 @@
           <a:bodyPr lIns="45718" tIns="45718" rIns="45718" bIns="45718"/>
           <a:lstStyle/>
           <a:p>
-            <a:endParaRPr/>
+            <a:pPr/>
           </a:p>
         </p:txBody>
       </p:sp>
       <p:pic>
         <p:nvPicPr>
-          <p:cNvPr id="2" name="Bild 1" descr="Bildschirmfoto 2020-04-14 um 22.53.31.png"/>
+          <p:cNvPr id="167" name="image11.png" descr="Bildschirmfoto 2020-04-14 um 22.53.31.png"/>
           <p:cNvPicPr>
             <a:picLocks noChangeAspect="1"/>
           </p:cNvPicPr>
           <p:nvPr/>
         </p:nvPicPr>
         <p:blipFill>
-          <a:blip r:embed="rId3" cstate="print">
-            <a:extLst>
-              <a:ext uri="{28A0092B-C50C-407E-A947-70E740481C1C}">
-                <a14:useLocalDpi xmlns:a14="http://schemas.microsoft.com/office/drawing/2010/main" val="0"/>
-              </a:ext>
-            </a:extLst>
+          <a:blip r:embed="rId3">
+            <a:extLst/>
           </a:blip>
           <a:stretch>
             <a:fillRect/>
@@ -7219,29 +6498,27 @@
         <p:spPr>
           <a:xfrm>
             <a:off x="2302804" y="920419"/>
-            <a:ext cx="7525652" cy="5231246"/>
-          </a:xfrm>
-          <a:prstGeom prst="rect">
-            <a:avLst/>
-          </a:prstGeom>
+            <a:ext cx="7525653" cy="5231246"/>
+          </a:xfrm>
+          <a:prstGeom prst="rect">
+            <a:avLst/>
+          </a:prstGeom>
+          <a:ln w="12700">
+            <a:miter lim="400000"/>
+          </a:ln>
         </p:spPr>
       </p:pic>
     </p:spTree>
-    <p:extLst>
-      <p:ext uri="{BB962C8B-B14F-4D97-AF65-F5344CB8AC3E}">
-        <p14:creationId xmlns:p14="http://schemas.microsoft.com/office/powerpoint/2010/main" val="1549585957"/>
-      </p:ext>
-    </p:extLst>
   </p:cSld>
   <p:clrMapOvr>
     <a:masterClrMapping/>
   </p:clrMapOvr>
-  <p:transition spd="slow"/>
+  <p:transition xmlns:p14="http://schemas.microsoft.com/office/powerpoint/2010/main" spd="med" advClick="1" p14:dur="1000"/>
 </p:sld>
 </file>
 
 <file path=ppt/slides/slide5.xml><?xml version="1.0" encoding="utf-8"?>
-<p:sld xmlns:a="http://schemas.openxmlformats.org/drawingml/2006/main" xmlns:r="http://schemas.openxmlformats.org/officeDocument/2006/relationships" xmlns:p="http://schemas.openxmlformats.org/presentationml/2006/main">
+<p:sld xmlns:a="http://schemas.openxmlformats.org/drawingml/2006/main" xmlns:r="http://schemas.openxmlformats.org/officeDocument/2006/relationships" xmlns:p="http://schemas.openxmlformats.org/presentationml/2006/main" showMasterSp="1" showMasterPhAnim="1">
   <p:cSld>
     <p:spTree>
       <p:nvGrpSpPr>
@@ -7259,14 +6536,14 @@
       </p:grpSpPr>
       <p:sp>
         <p:nvSpPr>
-          <p:cNvPr id="162" name="Shape 162"/>
+          <p:cNvPr id="169" name="Shape 169"/>
           <p:cNvSpPr/>
           <p:nvPr/>
         </p:nvSpPr>
         <p:spPr>
           <a:xfrm>
-            <a:off x="4038600" y="6400414"/>
-            <a:ext cx="4114800" cy="276995"/>
+            <a:off x="4038600" y="6404293"/>
+            <a:ext cx="4114800" cy="269237"/>
           </a:xfrm>
           <a:prstGeom prst="rect">
             <a:avLst/>
@@ -7276,7 +6553,7 @@
           </a:ln>
           <a:extLst>
             <a:ext uri="{C572A759-6A51-4108-AA02-DFA0A04FC94B}">
-              <ma14:wrappingTextBoxFlag xmlns:ma14="http://schemas.microsoft.com/office/mac/drawingml/2011/main" xmlns="" val="1"/>
+              <ma14:wrappingTextBoxFlag xmlns:ma14="http://schemas.microsoft.com/office/mac/drawingml/2011/main" val="1"/>
             </a:ext>
           </a:extLst>
         </p:spPr>
@@ -7294,23 +6571,17 @@
             </a:lvl1pPr>
           </a:lstStyle>
           <a:p>
-            <a:r>
-              <a:rPr lang="de-CH" dirty="0" err="1"/>
-              <a:t>Mlst</a:t>
-            </a:r>
-            <a:r>
-              <a:rPr lang="de-CH" dirty="0"/>
-              <a:t>.-Präsentation Nr. III  /  Gruppe 15</a:t>
-            </a:r>
-          </a:p>
-        </p:txBody>
-      </p:sp>
-      <p:sp>
-        <p:nvSpPr>
-          <p:cNvPr id="163" name="Shape 163"/>
-          <p:cNvSpPr>
-            <a:spLocks noGrp="1"/>
-          </p:cNvSpPr>
+            <a:pPr/>
+            <a:r>
+              <a:t>Mlst.-Präsentation Nr. III  /  Gruppe 15</a:t>
+            </a:r>
+          </a:p>
+        </p:txBody>
+      </p:sp>
+      <p:sp>
+        <p:nvSpPr>
+          <p:cNvPr id="170" name="Shape 170"/>
+          <p:cNvSpPr/>
           <p:nvPr>
             <p:ph type="title"/>
           </p:nvPr>
@@ -7328,7 +6599,7 @@
           <a:bodyPr/>
           <a:lstStyle>
             <a:lvl1pPr>
-              <a:defRPr sz="2000" b="1">
+              <a:defRPr b="1" sz="2000">
                 <a:latin typeface="Arial"/>
                 <a:ea typeface="Arial"/>
                 <a:cs typeface="Arial"/>
@@ -7337,6 +6608,7 @@
             </a:lvl1pPr>
           </a:lstStyle>
           <a:p>
+            <a:pPr/>
             <a:r>
               <a:t>	 Übersicht</a:t>
             </a:r>
@@ -7345,10 +6617,8 @@
       </p:sp>
       <p:sp>
         <p:nvSpPr>
-          <p:cNvPr id="164" name="Shape 164"/>
-          <p:cNvSpPr>
-            <a:spLocks noGrp="1"/>
-          </p:cNvSpPr>
+          <p:cNvPr id="171" name="Shape 171"/>
+          <p:cNvSpPr/>
           <p:nvPr>
             <p:ph type="body" sz="half" idx="1"/>
           </p:nvPr>
@@ -7391,13 +6661,12 @@
                 <a:sym typeface="Arial"/>
               </a:defRPr>
             </a:pPr>
-            <a:endParaRPr/>
           </a:p>
           <a:p>
             <a:pPr marL="0" indent="0">
               <a:buSzTx/>
               <a:buNone/>
-              <a:defRPr sz="3000" b="1">
+              <a:defRPr b="1" sz="3000">
                 <a:latin typeface="Arial"/>
                 <a:ea typeface="Arial"/>
                 <a:cs typeface="Arial"/>
@@ -7419,7 +6688,6 @@
                 <a:sym typeface="Arial"/>
               </a:defRPr>
             </a:pPr>
-            <a:endParaRPr/>
           </a:p>
           <a:p>
             <a:pPr marL="0" indent="0">
@@ -7447,7 +6715,6 @@
                 <a:sym typeface="Arial"/>
               </a:defRPr>
             </a:pPr>
-            <a:endParaRPr/>
           </a:p>
           <a:p>
             <a:pPr marL="0" indent="0">
@@ -7468,10 +6735,8 @@
       </p:sp>
       <p:sp>
         <p:nvSpPr>
-          <p:cNvPr id="165" name="Shape 165"/>
-          <p:cNvSpPr>
-            <a:spLocks noGrp="1"/>
-          </p:cNvSpPr>
+          <p:cNvPr id="172" name="Shape 172"/>
+          <p:cNvSpPr/>
           <p:nvPr>
             <p:ph type="sldNum" sz="quarter" idx="4294967295"/>
           </p:nvPr>
@@ -7479,14 +6744,14 @@
         <p:spPr>
           <a:xfrm>
             <a:off x="11169739" y="6404292"/>
-            <a:ext cx="184059" cy="269239"/>
+            <a:ext cx="184057" cy="269237"/>
           </a:xfrm>
           <a:prstGeom prst="rect">
             <a:avLst/>
           </a:prstGeom>
           <a:extLst>
             <a:ext uri="{C572A759-6A51-4108-AA02-DFA0A04FC94B}">
-              <ma14:wrappingTextBoxFlag xmlns:ma14="http://schemas.microsoft.com/office/mac/drawingml/2011/main" xmlns="" val="1"/>
+              <ma14:wrappingTextBoxFlag xmlns:ma14="http://schemas.microsoft.com/office/mac/drawingml/2011/main" val="1"/>
             </a:ext>
           </a:extLst>
         </p:spPr>
@@ -7494,23 +6759,23 @@
           <a:bodyPr/>
           <a:lstStyle/>
           <a:p>
-            <a:fld id="{86CB4B4D-7CA3-9044-876B-883B54F8677D}" type="slidenum">
-              <a:t>5</a:t>
-            </a:fld>
-            <a:endParaRPr/>
+            <a:pPr/>
+            <a:fld id="{86CB4B4D-7CA3-9044-876B-883B54F8677D}" type="slidenum"/>
           </a:p>
         </p:txBody>
       </p:sp>
       <p:pic>
         <p:nvPicPr>
-          <p:cNvPr id="166" name="image6.png" descr="Gamecontroller"/>
+          <p:cNvPr id="173" name="image6.png" descr="Gamecontroller"/>
           <p:cNvPicPr>
             <a:picLocks noChangeAspect="1"/>
           </p:cNvPicPr>
           <p:nvPr/>
         </p:nvPicPr>
         <p:blipFill>
-          <a:blip r:embed="rId2"/>
+          <a:blip r:embed="rId2">
+            <a:extLst/>
+          </a:blip>
           <a:stretch>
             <a:fillRect/>
           </a:stretch>
@@ -7530,14 +6795,14 @@
       </p:pic>
       <p:sp>
         <p:nvSpPr>
-          <p:cNvPr id="167" name="Shape 167"/>
+          <p:cNvPr id="174" name="Shape 174"/>
           <p:cNvSpPr/>
           <p:nvPr/>
         </p:nvSpPr>
         <p:spPr>
           <a:xfrm>
-            <a:off x="-16626" y="720436"/>
-            <a:ext cx="3088628" cy="2"/>
+            <a:off x="-16627" y="720436"/>
+            <a:ext cx="3088629" cy="3"/>
           </a:xfrm>
           <a:prstGeom prst="line">
             <a:avLst/>
@@ -7549,7 +6814,7 @@
             <a:miter/>
           </a:ln>
           <a:effectLst>
-            <a:outerShdw blurRad="50800" dist="38100" dir="2700000" rotWithShape="0">
+            <a:outerShdw sx="100000" sy="100000" kx="0" ky="0" algn="b" rotWithShape="0" blurRad="50800" dist="38100" dir="2700000">
               <a:srgbClr val="000000">
                 <a:alpha val="40000"/>
               </a:srgbClr>
@@ -7560,28 +6825,30 @@
           <a:bodyPr lIns="45718" tIns="45718" rIns="45718" bIns="45718"/>
           <a:lstStyle/>
           <a:p>
-            <a:endParaRPr/>
+            <a:pPr/>
           </a:p>
         </p:txBody>
       </p:sp>
       <p:pic>
         <p:nvPicPr>
-          <p:cNvPr id="168" name="image7.png" descr="Präsentation mit Checkliste RNL"/>
+          <p:cNvPr id="175" name="image7.png" descr="Präsentation mit Checkliste RNL"/>
           <p:cNvPicPr>
             <a:picLocks noChangeAspect="1"/>
           </p:cNvPicPr>
           <p:nvPr/>
         </p:nvPicPr>
         <p:blipFill>
-          <a:blip r:embed="rId3"/>
+          <a:blip r:embed="rId3">
+            <a:extLst/>
+          </a:blip>
           <a:stretch>
             <a:fillRect/>
           </a:stretch>
         </p:blipFill>
         <p:spPr>
           <a:xfrm>
-            <a:off x="298859" y="90216"/>
-            <a:ext cx="540000" cy="540003"/>
+            <a:off x="298859" y="90215"/>
+            <a:ext cx="540000" cy="540004"/>
           </a:xfrm>
           <a:prstGeom prst="rect">
             <a:avLst/>
@@ -7593,14 +6860,16 @@
       </p:pic>
       <p:pic>
         <p:nvPicPr>
-          <p:cNvPr id="169" name="image8.png" descr="Markierung"/>
+          <p:cNvPr id="176" name="image8.png" descr="Markierung"/>
           <p:cNvPicPr>
             <a:picLocks noChangeAspect="1"/>
           </p:cNvPicPr>
           <p:nvPr/>
         </p:nvPicPr>
         <p:blipFill>
-          <a:blip r:embed="rId4"/>
+          <a:blip r:embed="rId4">
+            <a:extLst/>
+          </a:blip>
           <a:stretch>
             <a:fillRect/>
           </a:stretch>
@@ -7608,7 +6877,7 @@
         <p:spPr>
           <a:xfrm>
             <a:off x="795217" y="4499231"/>
-            <a:ext cx="914401" cy="914402"/>
+            <a:ext cx="914401" cy="914403"/>
           </a:xfrm>
           <a:prstGeom prst="rect">
             <a:avLst/>
@@ -7620,14 +6889,16 @@
       </p:pic>
       <p:pic>
         <p:nvPicPr>
-          <p:cNvPr id="170" name="image9.png" descr="Glühbirne und Zahnrad"/>
+          <p:cNvPr id="177" name="image9.png" descr="Glühbirne und Zahnrad"/>
           <p:cNvPicPr>
             <a:picLocks noChangeAspect="1"/>
           </p:cNvPicPr>
           <p:nvPr/>
         </p:nvPicPr>
         <p:blipFill>
-          <a:blip r:embed="rId5"/>
+          <a:blip r:embed="rId5">
+            <a:extLst/>
+          </a:blip>
           <a:stretch>
             <a:fillRect/>
           </a:stretch>
@@ -7635,7 +6906,7 @@
         <p:spPr>
           <a:xfrm>
             <a:off x="795217" y="2343116"/>
-            <a:ext cx="914401" cy="914402"/>
+            <a:ext cx="914401" cy="914403"/>
           </a:xfrm>
           <a:prstGeom prst="rect">
             <a:avLst/>
@@ -7647,14 +6918,16 @@
       </p:pic>
       <p:pic>
         <p:nvPicPr>
-          <p:cNvPr id="171" name="image10.png" descr="Fingerabdruck"/>
+          <p:cNvPr id="178" name="image10.png" descr="Fingerabdruck"/>
           <p:cNvPicPr>
             <a:picLocks noChangeAspect="1"/>
           </p:cNvPicPr>
           <p:nvPr/>
         </p:nvPicPr>
         <p:blipFill>
-          <a:blip r:embed="rId6"/>
+          <a:blip r:embed="rId6">
+            <a:extLst/>
+          </a:blip>
           <a:stretch>
             <a:fillRect/>
           </a:stretch>
@@ -7662,7 +6935,7 @@
         <p:spPr>
           <a:xfrm>
             <a:off x="795217" y="3421174"/>
-            <a:ext cx="914401" cy="914402"/>
+            <a:ext cx="914401" cy="914403"/>
           </a:xfrm>
           <a:prstGeom prst="rect">
             <a:avLst/>
@@ -7677,12 +6950,12 @@
   <p:clrMapOvr>
     <a:masterClrMapping/>
   </p:clrMapOvr>
-  <p:transition spd="slow"/>
+  <p:transition xmlns:p14="http://schemas.microsoft.com/office/powerpoint/2010/main" spd="med" advClick="1" p14:dur="1000"/>
 </p:sld>
 </file>
 
 <file path=ppt/slides/slide6.xml><?xml version="1.0" encoding="utf-8"?>
-<p:sld xmlns:a="http://schemas.openxmlformats.org/drawingml/2006/main" xmlns:r="http://schemas.openxmlformats.org/officeDocument/2006/relationships" xmlns:p="http://schemas.openxmlformats.org/presentationml/2006/main">
+<p:sld xmlns:a="http://schemas.openxmlformats.org/drawingml/2006/main" xmlns:r="http://schemas.openxmlformats.org/officeDocument/2006/relationships" xmlns:p="http://schemas.openxmlformats.org/presentationml/2006/main" showMasterSp="1" showMasterPhAnim="1">
   <p:cSld>
     <p:spTree>
       <p:nvGrpSpPr>
@@ -7700,14 +6973,14 @@
       </p:grpSpPr>
       <p:sp>
         <p:nvSpPr>
-          <p:cNvPr id="173" name="Shape 173"/>
+          <p:cNvPr id="180" name="Shape 180"/>
           <p:cNvSpPr/>
           <p:nvPr/>
         </p:nvSpPr>
         <p:spPr>
           <a:xfrm>
-            <a:off x="3935999" y="6392731"/>
-            <a:ext cx="4114803" cy="276995"/>
+            <a:off x="3935998" y="6396610"/>
+            <a:ext cx="4114804" cy="269237"/>
           </a:xfrm>
           <a:prstGeom prst="rect">
             <a:avLst/>
@@ -7717,7 +6990,7 @@
           </a:ln>
           <a:extLst>
             <a:ext uri="{C572A759-6A51-4108-AA02-DFA0A04FC94B}">
-              <ma14:wrappingTextBoxFlag xmlns:ma14="http://schemas.microsoft.com/office/mac/drawingml/2011/main" xmlns="" val="1"/>
+              <ma14:wrappingTextBoxFlag xmlns:ma14="http://schemas.microsoft.com/office/mac/drawingml/2011/main" val="1"/>
             </a:ext>
           </a:extLst>
         </p:spPr>
@@ -7725,38 +6998,22 @@
           <a:bodyPr lIns="45718" tIns="45718" rIns="45718" bIns="45718" anchor="ctr">
             <a:spAutoFit/>
           </a:bodyPr>
-          <a:lstStyle>
-            <a:lvl1pPr algn="ctr">
+          <a:lstStyle/>
+          <a:p>
+            <a:pPr algn="ctr">
               <a:defRPr sz="1200">
                 <a:solidFill>
                   <a:srgbClr val="888888"/>
                 </a:solidFill>
               </a:defRPr>
-            </a:lvl1pPr>
-          </a:lstStyle>
-          <a:p>
-            <a:r>
-              <a:rPr dirty="0" err="1"/>
-              <a:t>Mlst</a:t>
-            </a:r>
-            <a:r>
-              <a:rPr dirty="0"/>
-              <a:t>.-</a:t>
-            </a:r>
-            <a:r>
-              <a:rPr dirty="0" err="1"/>
-              <a:t>Präsentation</a:t>
-            </a:r>
-            <a:r>
-              <a:rPr dirty="0"/>
-              <a:t> Nr. </a:t>
-            </a:r>
-            <a:r>
-              <a:rPr lang="de-CH" dirty="0"/>
+            </a:pPr>
+            <a:r>
+              <a:t>Mlst.-Präsentation Nr. </a:t>
+            </a:r>
+            <a:r>
               <a:t>III</a:t>
             </a:r>
             <a:r>
-              <a:rPr dirty="0"/>
               <a:t>  /  Gruppe 15</a:t>
             </a:r>
           </a:p>
@@ -7764,10 +7021,8 @@
       </p:sp>
       <p:sp>
         <p:nvSpPr>
-          <p:cNvPr id="174" name="Shape 174"/>
-          <p:cNvSpPr>
-            <a:spLocks noGrp="1"/>
-          </p:cNvSpPr>
+          <p:cNvPr id="181" name="Shape 181"/>
+          <p:cNvSpPr/>
           <p:nvPr>
             <p:ph type="sldNum" sz="quarter" idx="4294967295"/>
           </p:nvPr>
@@ -7775,14 +7030,14 @@
         <p:spPr>
           <a:xfrm>
             <a:off x="11169739" y="6404292"/>
-            <a:ext cx="184059" cy="269239"/>
+            <a:ext cx="184057" cy="269237"/>
           </a:xfrm>
           <a:prstGeom prst="rect">
             <a:avLst/>
           </a:prstGeom>
           <a:extLst>
             <a:ext uri="{C572A759-6A51-4108-AA02-DFA0A04FC94B}">
-              <ma14:wrappingTextBoxFlag xmlns:ma14="http://schemas.microsoft.com/office/mac/drawingml/2011/main" xmlns="" val="1"/>
+              <ma14:wrappingTextBoxFlag xmlns:ma14="http://schemas.microsoft.com/office/mac/drawingml/2011/main" val="1"/>
             </a:ext>
           </a:extLst>
         </p:spPr>
@@ -7790,19 +7045,15 @@
           <a:bodyPr/>
           <a:lstStyle/>
           <a:p>
-            <a:fld id="{86CB4B4D-7CA3-9044-876B-883B54F8677D}" type="slidenum">
-              <a:t>6</a:t>
-            </a:fld>
-            <a:endParaRPr/>
-          </a:p>
-        </p:txBody>
-      </p:sp>
-      <p:sp>
-        <p:nvSpPr>
-          <p:cNvPr id="175" name="Shape 175"/>
-          <p:cNvSpPr>
-            <a:spLocks noGrp="1"/>
-          </p:cNvSpPr>
+            <a:pPr/>
+            <a:fld id="{86CB4B4D-7CA3-9044-876B-883B54F8677D}" type="slidenum"/>
+          </a:p>
+        </p:txBody>
+      </p:sp>
+      <p:sp>
+        <p:nvSpPr>
+          <p:cNvPr id="182" name="Shape 182"/>
+          <p:cNvSpPr/>
           <p:nvPr>
             <p:ph type="title"/>
           </p:nvPr>
@@ -7820,7 +7071,7 @@
           <a:bodyPr/>
           <a:lstStyle>
             <a:lvl1pPr>
-              <a:defRPr sz="2000" b="1">
+              <a:defRPr b="1" sz="2000">
                 <a:latin typeface="Arial"/>
                 <a:ea typeface="Arial"/>
                 <a:cs typeface="Arial"/>
@@ -7829,28 +7080,23 @@
             </a:lvl1pPr>
           </a:lstStyle>
           <a:p>
-            <a:r>
-              <a:rPr dirty="0"/>
-              <a:t>	</a:t>
-            </a:r>
-            <a:r>
-              <a:rPr dirty="0" err="1"/>
-              <a:t>Spiellogik</a:t>
-            </a:r>
-            <a:endParaRPr dirty="0"/>
-          </a:p>
-        </p:txBody>
-      </p:sp>
-      <p:sp>
-        <p:nvSpPr>
-          <p:cNvPr id="176" name="Shape 176"/>
+            <a:pPr/>
+            <a:r>
+              <a:t>	Spiellogik</a:t>
+            </a:r>
+          </a:p>
+        </p:txBody>
+      </p:sp>
+      <p:sp>
+        <p:nvSpPr>
+          <p:cNvPr id="183" name="Shape 183"/>
           <p:cNvSpPr/>
           <p:nvPr/>
         </p:nvSpPr>
         <p:spPr>
           <a:xfrm>
-            <a:off x="-16626" y="720436"/>
-            <a:ext cx="3088628" cy="2"/>
+            <a:off x="-16627" y="720436"/>
+            <a:ext cx="3088629" cy="3"/>
           </a:xfrm>
           <a:prstGeom prst="line">
             <a:avLst/>
@@ -7862,7 +7108,7 @@
             <a:miter/>
           </a:ln>
           <a:effectLst>
-            <a:outerShdw blurRad="50800" dist="38100" dir="2700000" rotWithShape="0">
+            <a:outerShdw sx="100000" sy="100000" kx="0" ky="0" algn="b" rotWithShape="0" blurRad="50800" dist="38100" dir="2700000">
               <a:srgbClr val="000000">
                 <a:alpha val="40000"/>
               </a:srgbClr>
@@ -7873,28 +7119,30 @@
           <a:bodyPr lIns="45718" tIns="45718" rIns="45718" bIns="45718"/>
           <a:lstStyle/>
           <a:p>
-            <a:endParaRPr/>
+            <a:pPr/>
           </a:p>
         </p:txBody>
       </p:sp>
       <p:pic>
         <p:nvPicPr>
-          <p:cNvPr id="177" name="image9.png" descr="Glühbirne und Zahnrad"/>
+          <p:cNvPr id="184" name="image9.png" descr="Glühbirne und Zahnrad"/>
           <p:cNvPicPr>
             <a:picLocks noChangeAspect="1"/>
           </p:cNvPicPr>
           <p:nvPr/>
         </p:nvPicPr>
         <p:blipFill>
-          <a:blip r:embed="rId2"/>
+          <a:blip r:embed="rId2">
+            <a:extLst/>
+          </a:blip>
           <a:stretch>
             <a:fillRect/>
           </a:stretch>
         </p:blipFill>
         <p:spPr>
           <a:xfrm>
-            <a:off x="155999" y="90216"/>
-            <a:ext cx="540002" cy="540003"/>
+            <a:off x="155999" y="90215"/>
+            <a:ext cx="540003" cy="540004"/>
           </a:xfrm>
           <a:prstGeom prst="rect">
             <a:avLst/>
@@ -7906,14 +7154,14 @@
       </p:pic>
       <p:sp>
         <p:nvSpPr>
-          <p:cNvPr id="178" name="Shape 178"/>
+          <p:cNvPr id="185" name="Shape 185"/>
           <p:cNvSpPr/>
           <p:nvPr/>
         </p:nvSpPr>
         <p:spPr>
           <a:xfrm>
-            <a:off x="425999" y="1150597"/>
-            <a:ext cx="11434568" cy="6247860"/>
+            <a:off x="425999" y="1150596"/>
+            <a:ext cx="11434568" cy="5933437"/>
           </a:xfrm>
           <a:prstGeom prst="rect">
             <a:avLst/>
@@ -7923,7 +7171,7 @@
           </a:ln>
           <a:extLst>
             <a:ext uri="{C572A759-6A51-4108-AA02-DFA0A04FC94B}">
-              <ma14:wrappingTextBoxFlag xmlns:ma14="http://schemas.microsoft.com/office/mac/drawingml/2011/main" xmlns="" val="1"/>
+              <ma14:wrappingTextBoxFlag xmlns:ma14="http://schemas.microsoft.com/office/mac/drawingml/2011/main" val="1"/>
             </a:ext>
           </a:extLst>
         </p:spPr>
@@ -7940,28 +7188,7 @@
               <a:defRPr sz="2000"/>
             </a:pPr>
             <a:r>
-              <a:rPr dirty="0" err="1"/>
-              <a:t>Stapel</a:t>
-            </a:r>
-            <a:r>
-              <a:rPr dirty="0"/>
-              <a:t> – und </a:t>
-            </a:r>
-            <a:r>
-              <a:rPr dirty="0" err="1"/>
-              <a:t>Kartenverwaltung</a:t>
-            </a:r>
-            <a:r>
-              <a:rPr dirty="0"/>
-              <a:t> </a:t>
-            </a:r>
-            <a:r>
-              <a:rPr dirty="0" err="1"/>
-              <a:t>zentral</a:t>
-            </a:r>
-            <a:r>
-              <a:rPr dirty="0"/>
-              <a:t> </a:t>
+              <a:t>Stapel – und Kartenverwaltung zentral </a:t>
             </a:r>
           </a:p>
           <a:p>
@@ -7971,7 +7198,6 @@
               <a:buChar char="•"/>
               <a:defRPr sz="2000"/>
             </a:pPr>
-            <a:endParaRPr dirty="0"/>
           </a:p>
           <a:p>
             <a:pPr marL="342900" indent="-342900">
@@ -7981,36 +7207,7 @@
               <a:defRPr sz="2000"/>
             </a:pPr>
             <a:r>
-              <a:rPr dirty="0" err="1"/>
-              <a:t>Spielerspezifische</a:t>
-            </a:r>
-            <a:r>
-              <a:rPr dirty="0"/>
-              <a:t> </a:t>
-            </a:r>
-            <a:r>
-              <a:rPr dirty="0" err="1"/>
-              <a:t>Stapeln</a:t>
-            </a:r>
-            <a:r>
-              <a:rPr dirty="0"/>
-              <a:t> (</a:t>
-            </a:r>
-            <a:r>
-              <a:rPr dirty="0" err="1"/>
-              <a:t>discardPile</a:t>
-            </a:r>
-            <a:r>
-              <a:rPr dirty="0"/>
-              <a:t>, </a:t>
-            </a:r>
-            <a:r>
-              <a:rPr dirty="0" err="1"/>
-              <a:t>handCards</a:t>
-            </a:r>
-            <a:r>
-              <a:rPr dirty="0"/>
-              <a:t>) </a:t>
+              <a:t>Spielerspezifische Stapeln (discardPile, handCards) </a:t>
             </a:r>
           </a:p>
           <a:p>
@@ -8020,7 +7217,6 @@
               <a:buChar char="•"/>
               <a:defRPr sz="2000"/>
             </a:pPr>
-            <a:endParaRPr dirty="0"/>
           </a:p>
           <a:p>
             <a:pPr marL="342900" indent="-342900">
@@ -8030,152 +7226,112 @@
               <a:defRPr sz="2000"/>
             </a:pPr>
             <a:r>
-              <a:rPr dirty="0" err="1"/>
-              <a:t>ArrayList</a:t>
-            </a:r>
-            <a:r>
-              <a:rPr dirty="0"/>
-              <a:t>(</a:t>
-            </a:r>
-            <a:r>
-              <a:rPr lang="de-CH" dirty="0"/>
+              <a:t>ArrayList(</a:t>
+            </a:r>
+            <a:r>
               <a:t>f</a:t>
             </a:r>
             <a:r>
-              <a:rPr lang="x-none" dirty="0"/>
               <a:t>l</a:t>
             </a:r>
             <a:r>
-              <a:rPr lang="de-CH" dirty="0"/>
               <a:t>e</a:t>
             </a:r>
             <a:r>
-              <a:rPr lang="x-none" dirty="0"/>
               <a:t>x</a:t>
             </a:r>
             <a:r>
-              <a:rPr lang="de-CH" dirty="0"/>
               <a:t>i</a:t>
             </a:r>
             <a:r>
-              <a:rPr lang="x-none" dirty="0"/>
               <a:t>b</a:t>
             </a:r>
             <a:r>
-              <a:rPr lang="de-CH" dirty="0"/>
               <a:t>l</a:t>
             </a:r>
             <a:r>
-              <a:rPr lang="x-none" dirty="0"/>
               <a:t>e </a:t>
             </a:r>
             <a:r>
-              <a:rPr lang="de-CH" dirty="0"/>
               <a:t>G</a:t>
             </a:r>
             <a:r>
-              <a:rPr lang="x-none" dirty="0"/>
               <a:t>r</a:t>
             </a:r>
             <a:r>
-              <a:rPr lang="de-CH" dirty="0"/>
               <a:t>ö</a:t>
             </a:r>
             <a:r>
-              <a:rPr lang="x-none" dirty="0"/>
               <a:t>s</a:t>
             </a:r>
             <a:r>
-              <a:rPr lang="de-CH" dirty="0"/>
               <a:t>s</a:t>
             </a:r>
             <a:r>
-              <a:rPr lang="x-none" dirty="0"/>
               <a:t>e, </a:t>
             </a:r>
             <a:r>
-              <a:rPr lang="de-CH" dirty="0"/>
               <a:t>a</a:t>
             </a:r>
             <a:r>
-              <a:rPr lang="x-none" dirty="0"/>
               <a:t>d</a:t>
             </a:r>
             <a:r>
-              <a:rPr lang="de-CH" dirty="0"/>
               <a:t>d</a:t>
             </a:r>
             <a:r>
-              <a:rPr lang="x-none" dirty="0"/>
               <a:t>(), </a:t>
             </a:r>
             <a:r>
-              <a:rPr lang="de-CH" dirty="0"/>
               <a:t>r</a:t>
             </a:r>
             <a:r>
-              <a:rPr lang="x-none" dirty="0"/>
               <a:t>e</a:t>
             </a:r>
             <a:r>
-              <a:rPr lang="de-CH" dirty="0"/>
               <a:t>m</a:t>
             </a:r>
             <a:r>
-              <a:rPr lang="x-none" dirty="0"/>
               <a:t>o</a:t>
             </a:r>
             <a:r>
-              <a:rPr lang="de-CH" dirty="0"/>
               <a:t>v</a:t>
             </a:r>
             <a:r>
-              <a:rPr lang="x-none" dirty="0"/>
               <a:t>e() </a:t>
             </a:r>
             <a:r>
-              <a:rPr lang="de-CH" dirty="0"/>
               <a:t>M</a:t>
             </a:r>
             <a:r>
-              <a:rPr lang="x-none" dirty="0"/>
               <a:t>e</a:t>
             </a:r>
             <a:r>
-              <a:rPr lang="de-CH" dirty="0"/>
               <a:t>t</a:t>
             </a:r>
             <a:r>
-              <a:rPr lang="x-none" dirty="0"/>
               <a:t>h</a:t>
             </a:r>
             <a:r>
-              <a:rPr lang="de-CH" dirty="0"/>
               <a:t>o</a:t>
             </a:r>
             <a:r>
-              <a:rPr lang="x-none" dirty="0"/>
               <a:t>d</a:t>
             </a:r>
             <a:r>
-              <a:rPr lang="de-CH" dirty="0"/>
               <a:t>e</a:t>
             </a:r>
             <a:r>
-              <a:rPr lang="x-none" dirty="0"/>
               <a:t>n</a:t>
             </a:r>
             <a:r>
-              <a:rPr dirty="0"/>
               <a:t>)</a:t>
             </a:r>
           </a:p>
           <a:p>
             <a:pPr>
-              <a:buSzPct val="100000"/>
               <a:defRPr sz="2000"/>
             </a:pPr>
-            <a:endParaRPr dirty="0"/>
           </a:p>
           <a:p>
             <a:pPr marL="342900" indent="-342900">
@@ -8185,46 +7341,8 @@
               <a:defRPr sz="2000"/>
             </a:pPr>
             <a:r>
-              <a:rPr dirty="0"/>
-              <a:t>Pile </a:t>
-            </a:r>
-            <a:r>
-              <a:rPr dirty="0" err="1"/>
-              <a:t>braucht</a:t>
-            </a:r>
-            <a:r>
-              <a:rPr dirty="0"/>
-              <a:t> die </a:t>
-            </a:r>
-            <a:r>
-              <a:rPr dirty="0" err="1"/>
-              <a:t>Klasse</a:t>
-            </a:r>
-            <a:r>
-              <a:rPr dirty="0"/>
-              <a:t> Card, um </a:t>
-            </a:r>
-            <a:r>
-              <a:rPr dirty="0" err="1"/>
-              <a:t>Karten</a:t>
-            </a:r>
-            <a:r>
-              <a:rPr dirty="0"/>
-              <a:t> </a:t>
-            </a:r>
-            <a:r>
-              <a:rPr dirty="0" err="1"/>
-              <a:t>zu</a:t>
-            </a:r>
-            <a:r>
-              <a:rPr dirty="0"/>
-              <a:t> </a:t>
-            </a:r>
-            <a:r>
-              <a:rPr dirty="0" err="1"/>
-              <a:t>erstellen</a:t>
-            </a:r>
-            <a:endParaRPr dirty="0"/>
+              <a:t>Pile braucht die Klasse Card, um Karten zu erstellen</a:t>
+            </a:r>
           </a:p>
           <a:p>
             <a:pPr marL="342900" indent="-342900">
@@ -8233,7 +7351,6 @@
               <a:buChar char="•"/>
               <a:defRPr sz="2000"/>
             </a:pPr>
-            <a:endParaRPr dirty="0"/>
           </a:p>
           <a:p>
             <a:pPr marL="342900" indent="-342900">
@@ -8243,63 +7360,11 @@
               <a:defRPr sz="2000"/>
             </a:pPr>
             <a:r>
-              <a:rPr dirty="0"/>
-              <a:t>Game </a:t>
-            </a:r>
-            <a:r>
-              <a:rPr dirty="0" err="1"/>
-              <a:t>beinhaltet</a:t>
-            </a:r>
-            <a:r>
-              <a:rPr dirty="0"/>
-              <a:t> </a:t>
-            </a:r>
-            <a:r>
-              <a:rPr dirty="0" err="1"/>
-              <a:t>Methoden</a:t>
-            </a:r>
-            <a:r>
-              <a:rPr dirty="0"/>
-              <a:t> </a:t>
-            </a:r>
-            <a:r>
-              <a:rPr dirty="0" err="1"/>
-              <a:t>für</a:t>
-            </a:r>
-            <a:r>
-              <a:rPr dirty="0"/>
-              <a:t> </a:t>
-            </a:r>
-            <a:r>
-              <a:rPr dirty="0" err="1"/>
-              <a:t>verschiedene</a:t>
-            </a:r>
-            <a:br>
-              <a:rPr dirty="0"/>
-            </a:br>
-            <a:r>
-              <a:rPr dirty="0" err="1"/>
-              <a:t>Kartenoperation</a:t>
-            </a:r>
-            <a:r>
-              <a:rPr dirty="0"/>
-              <a:t> (</a:t>
-            </a:r>
-            <a:r>
-              <a:rPr dirty="0" err="1"/>
-              <a:t>playToMiddle</a:t>
-            </a:r>
-            <a:r>
-              <a:rPr dirty="0"/>
-              <a:t>, </a:t>
-            </a:r>
-            <a:r>
-              <a:rPr dirty="0" err="1"/>
-              <a:t>playToDiscard</a:t>
-            </a:r>
-            <a:r>
-              <a:rPr dirty="0"/>
-              <a:t>)</a:t>
+              <a:t>Game beinhaltet Methoden für verschiedene</a:t>
+            </a:r>
+            <a:br/>
+            <a:r>
+              <a:t>Kartenoperation (playToMiddle, playToDiscard)</a:t>
             </a:r>
           </a:p>
           <a:p>
@@ -8309,7 +7374,6 @@
               <a:buChar char="•"/>
               <a:defRPr sz="2000"/>
             </a:pPr>
-            <a:endParaRPr dirty="0"/>
           </a:p>
           <a:p>
             <a:pPr marL="342900" indent="-342900">
@@ -8319,36 +7383,7 @@
               <a:defRPr sz="2000"/>
             </a:pPr>
             <a:r>
-              <a:rPr dirty="0" err="1"/>
-              <a:t>Spielmethoden</a:t>
-            </a:r>
-            <a:r>
-              <a:rPr dirty="0"/>
-              <a:t> </a:t>
-            </a:r>
-            <a:r>
-              <a:rPr dirty="0" err="1"/>
-              <a:t>geben</a:t>
-            </a:r>
-            <a:r>
-              <a:rPr dirty="0"/>
-              <a:t> Boolean </a:t>
-            </a:r>
-            <a:r>
-              <a:rPr dirty="0" err="1"/>
-              <a:t>Werte</a:t>
-            </a:r>
-            <a:r>
-              <a:rPr dirty="0"/>
-              <a:t> </a:t>
-            </a:r>
-            <a:r>
-              <a:rPr dirty="0" err="1"/>
-              <a:t>zurück</a:t>
-            </a:r>
-            <a:r>
-              <a:rPr dirty="0"/>
-              <a:t>: </a:t>
+              <a:t>Spielmethoden geben Boolean Werte zurück: </a:t>
             </a:r>
           </a:p>
           <a:p>
@@ -8356,24 +7391,7 @@
               <a:defRPr sz="2000"/>
             </a:pPr>
             <a:r>
-              <a:rPr dirty="0"/>
-              <a:t>	- true: </a:t>
-            </a:r>
-            <a:r>
-              <a:rPr dirty="0" err="1"/>
-              <a:t>Spielzug</a:t>
-            </a:r>
-            <a:r>
-              <a:rPr dirty="0"/>
-              <a:t> </a:t>
-            </a:r>
-            <a:r>
-              <a:rPr dirty="0" err="1"/>
-              <a:t>gültig</a:t>
-            </a:r>
-            <a:r>
-              <a:rPr dirty="0"/>
-              <a:t>!</a:t>
+              <a:t>	- true: Spielzug gültig!</a:t>
             </a:r>
           </a:p>
           <a:p>
@@ -8381,32 +7399,7 @@
               <a:defRPr sz="2000"/>
             </a:pPr>
             <a:r>
-              <a:rPr dirty="0"/>
-              <a:t>	- false: </a:t>
-            </a:r>
-            <a:r>
-              <a:rPr dirty="0" err="1"/>
-              <a:t>Spielzug</a:t>
-            </a:r>
-            <a:r>
-              <a:rPr dirty="0"/>
-              <a:t> </a:t>
-            </a:r>
-            <a:r>
-              <a:rPr dirty="0" err="1"/>
-              <a:t>nicht</a:t>
-            </a:r>
-            <a:r>
-              <a:rPr dirty="0"/>
-              <a:t> </a:t>
-            </a:r>
-            <a:r>
-              <a:rPr dirty="0" err="1"/>
-              <a:t>gültig</a:t>
-            </a:r>
-            <a:r>
-              <a:rPr dirty="0"/>
-              <a:t>!</a:t>
+              <a:t>	- false: Spielzug nicht gültig!</a:t>
             </a:r>
           </a:p>
           <a:p>
@@ -8416,7 +7409,6 @@
               <a:buChar char="•"/>
               <a:defRPr sz="2000"/>
             </a:pPr>
-            <a:endParaRPr dirty="0"/>
           </a:p>
           <a:p>
             <a:pPr marL="342900" indent="-342900">
@@ -8425,7 +7417,6 @@
               <a:buChar char="•"/>
               <a:defRPr sz="2000"/>
             </a:pPr>
-            <a:endParaRPr dirty="0"/>
           </a:p>
           <a:p>
             <a:pPr marL="342900" indent="-342900">
@@ -8434,7 +7425,6 @@
               <a:buChar char="•"/>
               <a:defRPr sz="2000"/>
             </a:pPr>
-            <a:endParaRPr dirty="0"/>
           </a:p>
           <a:p>
             <a:pPr marL="342900" indent="-342900">
@@ -8443,7 +7433,6 @@
               <a:buChar char="•"/>
               <a:defRPr sz="2000"/>
             </a:pPr>
-            <a:endParaRPr dirty="0"/>
           </a:p>
           <a:p>
             <a:pPr marL="342900" indent="-342900">
@@ -8452,29 +7441,21 @@
               <a:buChar char="•"/>
               <a:defRPr sz="2000"/>
             </a:pPr>
-            <a:endParaRPr dirty="0"/>
-          </a:p>
-          <a:p>
-            <a:pPr marL="342900" indent="-342900">
-              <a:buSzPct val="100000"/>
-              <a:buFont typeface="Arial"/>
-              <a:buChar char="•"/>
-              <a:defRPr sz="2000"/>
-            </a:pPr>
-            <a:endParaRPr dirty="0"/>
           </a:p>
         </p:txBody>
       </p:sp>
       <p:pic>
         <p:nvPicPr>
-          <p:cNvPr id="179" name="image11.png" descr="A screenshot of a cell phone&#10;&#10;Description automatically generated"/>
+          <p:cNvPr id="186" name="image12.png" descr="A screenshot of a cell phone&#10;&#10;Description automatically generated"/>
           <p:cNvPicPr>
             <a:picLocks noChangeAspect="1"/>
           </p:cNvPicPr>
           <p:nvPr/>
         </p:nvPicPr>
         <p:blipFill>
-          <a:blip r:embed="rId3"/>
+          <a:blip r:embed="rId3">
+            <a:extLst/>
+          </a:blip>
           <a:stretch>
             <a:fillRect/>
           </a:stretch>
@@ -8482,7 +7463,7 @@
         <p:spPr>
           <a:xfrm>
             <a:off x="6321371" y="720436"/>
-            <a:ext cx="5539196" cy="5419379"/>
+            <a:ext cx="5539197" cy="5419379"/>
           </a:xfrm>
           <a:prstGeom prst="rect">
             <a:avLst/>
@@ -8497,12 +7478,12 @@
   <p:clrMapOvr>
     <a:masterClrMapping/>
   </p:clrMapOvr>
-  <p:transition spd="slow"/>
+  <p:transition xmlns:p14="http://schemas.microsoft.com/office/powerpoint/2010/main" spd="med" advClick="1" p14:dur="1000"/>
 </p:sld>
 </file>
 
 <file path=ppt/slides/slide7.xml><?xml version="1.0" encoding="utf-8"?>
-<p:sld xmlns:a="http://schemas.openxmlformats.org/drawingml/2006/main" xmlns:r="http://schemas.openxmlformats.org/officeDocument/2006/relationships" xmlns:p="http://schemas.openxmlformats.org/presentationml/2006/main">
+<p:sld xmlns:a="http://schemas.openxmlformats.org/drawingml/2006/main" xmlns:r="http://schemas.openxmlformats.org/officeDocument/2006/relationships" xmlns:p="http://schemas.openxmlformats.org/presentationml/2006/main" showMasterSp="1" showMasterPhAnim="1">
   <p:cSld>
     <p:spTree>
       <p:nvGrpSpPr>
@@ -8520,14 +7501,14 @@
       </p:grpSpPr>
       <p:sp>
         <p:nvSpPr>
-          <p:cNvPr id="181" name="Shape 181"/>
+          <p:cNvPr id="188" name="Shape 188"/>
           <p:cNvSpPr/>
           <p:nvPr/>
         </p:nvSpPr>
         <p:spPr>
           <a:xfrm>
-            <a:off x="3935999" y="6392731"/>
-            <a:ext cx="4114803" cy="276995"/>
+            <a:off x="3935998" y="6396610"/>
+            <a:ext cx="4114804" cy="269237"/>
           </a:xfrm>
           <a:prstGeom prst="rect">
             <a:avLst/>
@@ -8537,7 +7518,7 @@
           </a:ln>
           <a:extLst>
             <a:ext uri="{C572A759-6A51-4108-AA02-DFA0A04FC94B}">
-              <ma14:wrappingTextBoxFlag xmlns:ma14="http://schemas.microsoft.com/office/mac/drawingml/2011/main" xmlns="" val="1"/>
+              <ma14:wrappingTextBoxFlag xmlns:ma14="http://schemas.microsoft.com/office/mac/drawingml/2011/main" val="1"/>
             </a:ext>
           </a:extLst>
         </p:spPr>
@@ -8555,23 +7536,17 @@
             </a:lvl1pPr>
           </a:lstStyle>
           <a:p>
-            <a:r>
-              <a:rPr lang="de-CH" dirty="0" err="1"/>
-              <a:t>Mlst</a:t>
-            </a:r>
-            <a:r>
-              <a:rPr lang="de-CH" dirty="0"/>
-              <a:t>.-Präsentation Nr. III  /  Gruppe 15</a:t>
-            </a:r>
-          </a:p>
-        </p:txBody>
-      </p:sp>
-      <p:sp>
-        <p:nvSpPr>
-          <p:cNvPr id="182" name="Shape 182"/>
-          <p:cNvSpPr>
-            <a:spLocks noGrp="1"/>
-          </p:cNvSpPr>
+            <a:pPr/>
+            <a:r>
+              <a:t>Mlst.-Präsentation Nr. III  /  Gruppe 15</a:t>
+            </a:r>
+          </a:p>
+        </p:txBody>
+      </p:sp>
+      <p:sp>
+        <p:nvSpPr>
+          <p:cNvPr id="189" name="Shape 189"/>
+          <p:cNvSpPr/>
           <p:nvPr>
             <p:ph type="sldNum" sz="quarter" idx="4294967295"/>
           </p:nvPr>
@@ -8579,14 +7554,14 @@
         <p:spPr>
           <a:xfrm>
             <a:off x="11169739" y="6404292"/>
-            <a:ext cx="184059" cy="269239"/>
+            <a:ext cx="184057" cy="269237"/>
           </a:xfrm>
           <a:prstGeom prst="rect">
             <a:avLst/>
           </a:prstGeom>
           <a:extLst>
             <a:ext uri="{C572A759-6A51-4108-AA02-DFA0A04FC94B}">
-              <ma14:wrappingTextBoxFlag xmlns:ma14="http://schemas.microsoft.com/office/mac/drawingml/2011/main" xmlns="" val="1"/>
+              <ma14:wrappingTextBoxFlag xmlns:ma14="http://schemas.microsoft.com/office/mac/drawingml/2011/main" val="1"/>
             </a:ext>
           </a:extLst>
         </p:spPr>
@@ -8594,19 +7569,15 @@
           <a:bodyPr/>
           <a:lstStyle/>
           <a:p>
-            <a:fld id="{86CB4B4D-7CA3-9044-876B-883B54F8677D}" type="slidenum">
-              <a:t>7</a:t>
-            </a:fld>
-            <a:endParaRPr/>
-          </a:p>
-        </p:txBody>
-      </p:sp>
-      <p:sp>
-        <p:nvSpPr>
-          <p:cNvPr id="183" name="Shape 183"/>
-          <p:cNvSpPr>
-            <a:spLocks noGrp="1"/>
-          </p:cNvSpPr>
+            <a:pPr/>
+            <a:fld id="{86CB4B4D-7CA3-9044-876B-883B54F8677D}" type="slidenum"/>
+          </a:p>
+        </p:txBody>
+      </p:sp>
+      <p:sp>
+        <p:nvSpPr>
+          <p:cNvPr id="190" name="Shape 190"/>
+          <p:cNvSpPr/>
           <p:nvPr>
             <p:ph type="title"/>
           </p:nvPr>
@@ -8624,7 +7595,7 @@
           <a:bodyPr/>
           <a:lstStyle>
             <a:lvl1pPr>
-              <a:defRPr sz="2000" b="1">
+              <a:defRPr b="1" sz="2000">
                 <a:latin typeface="Arial"/>
                 <a:ea typeface="Arial"/>
                 <a:cs typeface="Arial"/>
@@ -8633,6 +7604,7 @@
             </a:lvl1pPr>
           </a:lstStyle>
           <a:p>
+            <a:pPr/>
             <a:r>
               <a:t>	Spiellogik</a:t>
             </a:r>
@@ -8641,14 +7613,14 @@
       </p:sp>
       <p:sp>
         <p:nvSpPr>
-          <p:cNvPr id="184" name="Shape 184"/>
+          <p:cNvPr id="191" name="Shape 191"/>
           <p:cNvSpPr/>
           <p:nvPr/>
         </p:nvSpPr>
         <p:spPr>
           <a:xfrm>
-            <a:off x="-16626" y="720436"/>
-            <a:ext cx="3088628" cy="2"/>
+            <a:off x="-16627" y="720436"/>
+            <a:ext cx="3088629" cy="3"/>
           </a:xfrm>
           <a:prstGeom prst="line">
             <a:avLst/>
@@ -8660,7 +7632,7 @@
             <a:miter/>
           </a:ln>
           <a:effectLst>
-            <a:outerShdw blurRad="50800" dist="38100" dir="2700000" rotWithShape="0">
+            <a:outerShdw sx="100000" sy="100000" kx="0" ky="0" algn="b" rotWithShape="0" blurRad="50800" dist="38100" dir="2700000">
               <a:srgbClr val="000000">
                 <a:alpha val="40000"/>
               </a:srgbClr>
@@ -8671,28 +7643,30 @@
           <a:bodyPr lIns="45718" tIns="45718" rIns="45718" bIns="45718"/>
           <a:lstStyle/>
           <a:p>
-            <a:endParaRPr/>
+            <a:pPr/>
           </a:p>
         </p:txBody>
       </p:sp>
       <p:pic>
         <p:nvPicPr>
-          <p:cNvPr id="185" name="image9.png" descr="Glühbirne und Zahnrad"/>
+          <p:cNvPr id="192" name="image9.png" descr="Glühbirne und Zahnrad"/>
           <p:cNvPicPr>
             <a:picLocks noChangeAspect="1"/>
           </p:cNvPicPr>
           <p:nvPr/>
         </p:nvPicPr>
         <p:blipFill>
-          <a:blip r:embed="rId2"/>
+          <a:blip r:embed="rId2">
+            <a:extLst/>
+          </a:blip>
           <a:stretch>
             <a:fillRect/>
           </a:stretch>
         </p:blipFill>
         <p:spPr>
           <a:xfrm>
-            <a:off x="155999" y="90216"/>
-            <a:ext cx="540002" cy="540003"/>
+            <a:off x="155999" y="90215"/>
+            <a:ext cx="540003" cy="540004"/>
           </a:xfrm>
           <a:prstGeom prst="rect">
             <a:avLst/>
@@ -8704,22 +7678,24 @@
       </p:pic>
       <p:pic>
         <p:nvPicPr>
-          <p:cNvPr id="186" name="Ablaufdiagramm.jpg"/>
+          <p:cNvPr id="193" name="image13.jpeg"/>
           <p:cNvPicPr>
             <a:picLocks noChangeAspect="1"/>
           </p:cNvPicPr>
           <p:nvPr/>
         </p:nvPicPr>
         <p:blipFill>
-          <a:blip r:embed="rId3"/>
+          <a:blip r:embed="rId3">
+            <a:extLst/>
+          </a:blip>
           <a:stretch>
             <a:fillRect/>
           </a:stretch>
         </p:blipFill>
         <p:spPr>
           <a:xfrm>
-            <a:off x="373748" y="940178"/>
-            <a:ext cx="11444504" cy="5236691"/>
+            <a:off x="373747" y="940177"/>
+            <a:ext cx="11444505" cy="5236692"/>
           </a:xfrm>
           <a:prstGeom prst="rect">
             <a:avLst/>
@@ -8734,12 +7710,12 @@
   <p:clrMapOvr>
     <a:masterClrMapping/>
   </p:clrMapOvr>
-  <p:transition spd="slow"/>
+  <p:transition xmlns:p14="http://schemas.microsoft.com/office/powerpoint/2010/main" spd="med" advClick="1" p14:dur="1000"/>
 </p:sld>
 </file>
 
 <file path=ppt/slides/slide8.xml><?xml version="1.0" encoding="utf-8"?>
-<p:sld xmlns:a="http://schemas.openxmlformats.org/drawingml/2006/main" xmlns:r="http://schemas.openxmlformats.org/officeDocument/2006/relationships" xmlns:p="http://schemas.openxmlformats.org/presentationml/2006/main">
+<p:sld xmlns:a="http://schemas.openxmlformats.org/drawingml/2006/main" xmlns:r="http://schemas.openxmlformats.org/officeDocument/2006/relationships" xmlns:p="http://schemas.openxmlformats.org/presentationml/2006/main" showMasterSp="1" showMasterPhAnim="1">
   <p:cSld>
     <p:spTree>
       <p:nvGrpSpPr>
@@ -8757,14 +7733,14 @@
       </p:grpSpPr>
       <p:sp>
         <p:nvSpPr>
-          <p:cNvPr id="188" name="Shape 188"/>
+          <p:cNvPr id="195" name="Shape 195"/>
           <p:cNvSpPr/>
           <p:nvPr/>
         </p:nvSpPr>
         <p:spPr>
           <a:xfrm>
-            <a:off x="4038600" y="6400414"/>
-            <a:ext cx="4114800" cy="276995"/>
+            <a:off x="4038600" y="6404293"/>
+            <a:ext cx="4114800" cy="269237"/>
           </a:xfrm>
           <a:prstGeom prst="rect">
             <a:avLst/>
@@ -8774,7 +7750,7 @@
           </a:ln>
           <a:extLst>
             <a:ext uri="{C572A759-6A51-4108-AA02-DFA0A04FC94B}">
-              <ma14:wrappingTextBoxFlag xmlns:ma14="http://schemas.microsoft.com/office/mac/drawingml/2011/main" xmlns="" val="1"/>
+              <ma14:wrappingTextBoxFlag xmlns:ma14="http://schemas.microsoft.com/office/mac/drawingml/2011/main" val="1"/>
             </a:ext>
           </a:extLst>
         </p:spPr>
@@ -8792,23 +7768,17 @@
             </a:lvl1pPr>
           </a:lstStyle>
           <a:p>
-            <a:r>
-              <a:rPr lang="de-CH" dirty="0" err="1"/>
-              <a:t>Mlst</a:t>
-            </a:r>
-            <a:r>
-              <a:rPr lang="de-CH" dirty="0"/>
-              <a:t>.-Präsentation Nr. III  /  Gruppe 15</a:t>
-            </a:r>
-          </a:p>
-        </p:txBody>
-      </p:sp>
-      <p:sp>
-        <p:nvSpPr>
-          <p:cNvPr id="189" name="Shape 189"/>
-          <p:cNvSpPr>
-            <a:spLocks noGrp="1"/>
-          </p:cNvSpPr>
+            <a:pPr/>
+            <a:r>
+              <a:t>Mlst.-Präsentation Nr. III  /  Gruppe 15</a:t>
+            </a:r>
+          </a:p>
+        </p:txBody>
+      </p:sp>
+      <p:sp>
+        <p:nvSpPr>
+          <p:cNvPr id="196" name="Shape 196"/>
+          <p:cNvSpPr/>
           <p:nvPr>
             <p:ph type="title"/>
           </p:nvPr>
@@ -8826,7 +7796,7 @@
           <a:bodyPr/>
           <a:lstStyle>
             <a:lvl1pPr>
-              <a:defRPr sz="2000" b="1">
+              <a:defRPr b="1" sz="2000">
                 <a:latin typeface="Arial"/>
                 <a:ea typeface="Arial"/>
                 <a:cs typeface="Arial"/>
@@ -8835,6 +7805,7 @@
             </a:lvl1pPr>
           </a:lstStyle>
           <a:p>
+            <a:pPr/>
             <a:r>
               <a:t>	 Übersicht</a:t>
             </a:r>
@@ -8843,10 +7814,8 @@
       </p:sp>
       <p:sp>
         <p:nvSpPr>
-          <p:cNvPr id="190" name="Shape 190"/>
-          <p:cNvSpPr>
-            <a:spLocks noGrp="1"/>
-          </p:cNvSpPr>
+          <p:cNvPr id="197" name="Shape 197"/>
+          <p:cNvSpPr/>
           <p:nvPr>
             <p:ph type="body" sz="half" idx="1"/>
           </p:nvPr>
@@ -8875,14 +7844,8 @@
               </a:defRPr>
             </a:pPr>
             <a:r>
-              <a:rPr dirty="0"/>
-              <a:t>Outline / </a:t>
-            </a:r>
-            <a:r>
-              <a:rPr dirty="0" err="1"/>
-              <a:t>Spieldemonstration</a:t>
-            </a:r>
-            <a:endParaRPr dirty="0"/>
+              <a:t>Outline / Spieldemonstration</a:t>
+            </a:r>
           </a:p>
           <a:p>
             <a:pPr marL="0" indent="0">
@@ -8895,7 +7858,6 @@
                 <a:sym typeface="Arial"/>
               </a:defRPr>
             </a:pPr>
-            <a:endParaRPr dirty="0"/>
           </a:p>
           <a:p>
             <a:pPr marL="0" indent="0">
@@ -8909,10 +7871,8 @@
               </a:defRPr>
             </a:pPr>
             <a:r>
-              <a:rPr dirty="0" err="1"/>
               <a:t>Spiellogik</a:t>
             </a:r>
-            <a:endParaRPr dirty="0"/>
           </a:p>
           <a:p>
             <a:pPr marL="0" indent="0">
@@ -8925,13 +7885,12 @@
                 <a:sym typeface="Arial"/>
               </a:defRPr>
             </a:pPr>
-            <a:endParaRPr dirty="0"/>
           </a:p>
           <a:p>
             <a:pPr marL="0" indent="0">
               <a:buSzTx/>
               <a:buNone/>
-              <a:defRPr sz="3000" b="1">
+              <a:defRPr b="1" sz="3000">
                 <a:latin typeface="Arial"/>
                 <a:ea typeface="Arial"/>
                 <a:cs typeface="Arial"/>
@@ -8939,18 +7898,8 @@
               </a:defRPr>
             </a:pPr>
             <a:r>
-              <a:rPr dirty="0" err="1"/>
-              <a:t>Technische</a:t>
-            </a:r>
-            <a:r>
-              <a:rPr dirty="0"/>
-              <a:t> </a:t>
-            </a:r>
-            <a:r>
-              <a:rPr dirty="0" err="1"/>
-              <a:t>Eigenheiten</a:t>
-            </a:r>
-            <a:endParaRPr dirty="0"/>
+              <a:t>Technische Eigenheiten</a:t>
+            </a:r>
           </a:p>
           <a:p>
             <a:pPr marL="0" indent="0">
@@ -8963,7 +7912,6 @@
                 <a:sym typeface="Arial"/>
               </a:defRPr>
             </a:pPr>
-            <a:endParaRPr dirty="0"/>
           </a:p>
           <a:p>
             <a:pPr marL="0" indent="0">
@@ -8977,27 +7925,15 @@
               </a:defRPr>
             </a:pPr>
             <a:r>
-              <a:rPr dirty="0" err="1"/>
-              <a:t>Standpunkt</a:t>
-            </a:r>
-            <a:r>
-              <a:rPr dirty="0"/>
-              <a:t> / </a:t>
-            </a:r>
-            <a:r>
-              <a:rPr dirty="0" err="1"/>
-              <a:t>Zwischenresümee</a:t>
-            </a:r>
-            <a:endParaRPr dirty="0"/>
-          </a:p>
-        </p:txBody>
-      </p:sp>
-      <p:sp>
-        <p:nvSpPr>
-          <p:cNvPr id="191" name="Shape 191"/>
-          <p:cNvSpPr>
-            <a:spLocks noGrp="1"/>
-          </p:cNvSpPr>
+              <a:t>Standpunkt / Zwischenresümee</a:t>
+            </a:r>
+          </a:p>
+        </p:txBody>
+      </p:sp>
+      <p:sp>
+        <p:nvSpPr>
+          <p:cNvPr id="198" name="Shape 198"/>
+          <p:cNvSpPr/>
           <p:nvPr>
             <p:ph type="sldNum" sz="quarter" idx="4294967295"/>
           </p:nvPr>
@@ -9005,14 +7941,14 @@
         <p:spPr>
           <a:xfrm>
             <a:off x="11169739" y="6404292"/>
-            <a:ext cx="184059" cy="269239"/>
+            <a:ext cx="184057" cy="269237"/>
           </a:xfrm>
           <a:prstGeom prst="rect">
             <a:avLst/>
           </a:prstGeom>
           <a:extLst>
             <a:ext uri="{C572A759-6A51-4108-AA02-DFA0A04FC94B}">
-              <ma14:wrappingTextBoxFlag xmlns:ma14="http://schemas.microsoft.com/office/mac/drawingml/2011/main" xmlns="" val="1"/>
+              <ma14:wrappingTextBoxFlag xmlns:ma14="http://schemas.microsoft.com/office/mac/drawingml/2011/main" val="1"/>
             </a:ext>
           </a:extLst>
         </p:spPr>
@@ -9020,23 +7956,23 @@
           <a:bodyPr/>
           <a:lstStyle/>
           <a:p>
-            <a:fld id="{86CB4B4D-7CA3-9044-876B-883B54F8677D}" type="slidenum">
-              <a:t>8</a:t>
-            </a:fld>
-            <a:endParaRPr/>
+            <a:pPr/>
+            <a:fld id="{86CB4B4D-7CA3-9044-876B-883B54F8677D}" type="slidenum"/>
           </a:p>
         </p:txBody>
       </p:sp>
       <p:pic>
         <p:nvPicPr>
-          <p:cNvPr id="192" name="image6.png" descr="Gamecontroller"/>
+          <p:cNvPr id="199" name="image6.png" descr="Gamecontroller"/>
           <p:cNvPicPr>
             <a:picLocks noChangeAspect="1"/>
           </p:cNvPicPr>
           <p:nvPr/>
         </p:nvPicPr>
         <p:blipFill>
-          <a:blip r:embed="rId2"/>
+          <a:blip r:embed="rId2">
+            <a:extLst/>
+          </a:blip>
           <a:stretch>
             <a:fillRect/>
           </a:stretch>
@@ -9056,14 +7992,14 @@
       </p:pic>
       <p:sp>
         <p:nvSpPr>
-          <p:cNvPr id="193" name="Shape 193"/>
+          <p:cNvPr id="200" name="Shape 200"/>
           <p:cNvSpPr/>
           <p:nvPr/>
         </p:nvSpPr>
         <p:spPr>
           <a:xfrm>
-            <a:off x="-16626" y="720436"/>
-            <a:ext cx="3088628" cy="2"/>
+            <a:off x="-16627" y="720436"/>
+            <a:ext cx="3088629" cy="3"/>
           </a:xfrm>
           <a:prstGeom prst="line">
             <a:avLst/>
@@ -9075,7 +8011,7 @@
             <a:miter/>
           </a:ln>
           <a:effectLst>
-            <a:outerShdw blurRad="50800" dist="38100" dir="2700000" rotWithShape="0">
+            <a:outerShdw sx="100000" sy="100000" kx="0" ky="0" algn="b" rotWithShape="0" blurRad="50800" dist="38100" dir="2700000">
               <a:srgbClr val="000000">
                 <a:alpha val="40000"/>
               </a:srgbClr>
@@ -9086,28 +8022,30 @@
           <a:bodyPr lIns="45718" tIns="45718" rIns="45718" bIns="45718"/>
           <a:lstStyle/>
           <a:p>
-            <a:endParaRPr/>
+            <a:pPr/>
           </a:p>
         </p:txBody>
       </p:sp>
       <p:pic>
         <p:nvPicPr>
-          <p:cNvPr id="194" name="image7.png" descr="Präsentation mit Checkliste RNL"/>
+          <p:cNvPr id="201" name="image7.png" descr="Präsentation mit Checkliste RNL"/>
           <p:cNvPicPr>
             <a:picLocks noChangeAspect="1"/>
           </p:cNvPicPr>
           <p:nvPr/>
         </p:nvPicPr>
         <p:blipFill>
-          <a:blip r:embed="rId3"/>
+          <a:blip r:embed="rId3">
+            <a:extLst/>
+          </a:blip>
           <a:stretch>
             <a:fillRect/>
           </a:stretch>
         </p:blipFill>
         <p:spPr>
           <a:xfrm>
-            <a:off x="298859" y="90216"/>
-            <a:ext cx="540000" cy="540003"/>
+            <a:off x="298859" y="90215"/>
+            <a:ext cx="540000" cy="540004"/>
           </a:xfrm>
           <a:prstGeom prst="rect">
             <a:avLst/>
@@ -9119,14 +8057,16 @@
       </p:pic>
       <p:pic>
         <p:nvPicPr>
-          <p:cNvPr id="195" name="image8.png" descr="Markierung"/>
+          <p:cNvPr id="202" name="image8.png" descr="Markierung"/>
           <p:cNvPicPr>
             <a:picLocks noChangeAspect="1"/>
           </p:cNvPicPr>
           <p:nvPr/>
         </p:nvPicPr>
         <p:blipFill>
-          <a:blip r:embed="rId4"/>
+          <a:blip r:embed="rId4">
+            <a:extLst/>
+          </a:blip>
           <a:stretch>
             <a:fillRect/>
           </a:stretch>
@@ -9134,7 +8074,7 @@
         <p:spPr>
           <a:xfrm>
             <a:off x="795217" y="4499231"/>
-            <a:ext cx="914401" cy="914402"/>
+            <a:ext cx="914401" cy="914403"/>
           </a:xfrm>
           <a:prstGeom prst="rect">
             <a:avLst/>
@@ -9146,14 +8086,16 @@
       </p:pic>
       <p:pic>
         <p:nvPicPr>
-          <p:cNvPr id="196" name="image9.png" descr="Glühbirne und Zahnrad"/>
+          <p:cNvPr id="203" name="image9.png" descr="Glühbirne und Zahnrad"/>
           <p:cNvPicPr>
             <a:picLocks noChangeAspect="1"/>
           </p:cNvPicPr>
           <p:nvPr/>
         </p:nvPicPr>
         <p:blipFill>
-          <a:blip r:embed="rId5"/>
+          <a:blip r:embed="rId5">
+            <a:extLst/>
+          </a:blip>
           <a:stretch>
             <a:fillRect/>
           </a:stretch>
@@ -9161,7 +8103,7 @@
         <p:spPr>
           <a:xfrm>
             <a:off x="795217" y="2343116"/>
-            <a:ext cx="914401" cy="914402"/>
+            <a:ext cx="914401" cy="914403"/>
           </a:xfrm>
           <a:prstGeom prst="rect">
             <a:avLst/>
@@ -9173,14 +8115,16 @@
       </p:pic>
       <p:pic>
         <p:nvPicPr>
-          <p:cNvPr id="197" name="image10.png" descr="Fingerabdruck"/>
+          <p:cNvPr id="204" name="image10.png" descr="Fingerabdruck"/>
           <p:cNvPicPr>
             <a:picLocks noChangeAspect="1"/>
           </p:cNvPicPr>
           <p:nvPr/>
         </p:nvPicPr>
         <p:blipFill>
-          <a:blip r:embed="rId6"/>
+          <a:blip r:embed="rId6">
+            <a:extLst/>
+          </a:blip>
           <a:stretch>
             <a:fillRect/>
           </a:stretch>
@@ -9188,7 +8132,7 @@
         <p:spPr>
           <a:xfrm>
             <a:off x="795217" y="3421174"/>
-            <a:ext cx="914401" cy="914402"/>
+            <a:ext cx="914401" cy="914403"/>
           </a:xfrm>
           <a:prstGeom prst="rect">
             <a:avLst/>
@@ -9203,12 +8147,12 @@
   <p:clrMapOvr>
     <a:masterClrMapping/>
   </p:clrMapOvr>
-  <p:transition spd="slow"/>
+  <p:transition xmlns:p14="http://schemas.microsoft.com/office/powerpoint/2010/main" spd="med" advClick="1" p14:dur="1000"/>
 </p:sld>
 </file>
 
 <file path=ppt/slides/slide9.xml><?xml version="1.0" encoding="utf-8"?>
-<p:sld xmlns:a="http://schemas.openxmlformats.org/drawingml/2006/main" xmlns:r="http://schemas.openxmlformats.org/officeDocument/2006/relationships" xmlns:p="http://schemas.openxmlformats.org/presentationml/2006/main">
+<p:sld xmlns:a="http://schemas.openxmlformats.org/drawingml/2006/main" xmlns:r="http://schemas.openxmlformats.org/officeDocument/2006/relationships" xmlns:p="http://schemas.openxmlformats.org/presentationml/2006/main" showMasterSp="1" showMasterPhAnim="1">
   <p:cSld>
     <p:spTree>
       <p:nvGrpSpPr>
@@ -9226,14 +8170,14 @@
       </p:grpSpPr>
       <p:sp>
         <p:nvSpPr>
-          <p:cNvPr id="199" name="Shape 199"/>
+          <p:cNvPr id="206" name="Shape 206"/>
           <p:cNvSpPr/>
           <p:nvPr/>
         </p:nvSpPr>
         <p:spPr>
           <a:xfrm>
-            <a:off x="4038600" y="6400414"/>
-            <a:ext cx="4114800" cy="276995"/>
+            <a:off x="4038600" y="6404293"/>
+            <a:ext cx="4114800" cy="269237"/>
           </a:xfrm>
           <a:prstGeom prst="rect">
             <a:avLst/>
@@ -9243,7 +8187,7 @@
           </a:ln>
           <a:extLst>
             <a:ext uri="{C572A759-6A51-4108-AA02-DFA0A04FC94B}">
-              <ma14:wrappingTextBoxFlag xmlns:ma14="http://schemas.microsoft.com/office/mac/drawingml/2011/main" xmlns="" val="1"/>
+              <ma14:wrappingTextBoxFlag xmlns:ma14="http://schemas.microsoft.com/office/mac/drawingml/2011/main" val="1"/>
             </a:ext>
           </a:extLst>
         </p:spPr>
@@ -9261,23 +8205,17 @@
             </a:lvl1pPr>
           </a:lstStyle>
           <a:p>
-            <a:r>
-              <a:rPr lang="de-CH" dirty="0" err="1"/>
-              <a:t>Mlst</a:t>
-            </a:r>
-            <a:r>
-              <a:rPr lang="de-CH" dirty="0"/>
-              <a:t>.-Präsentation Nr. III  /  Gruppe 15</a:t>
-            </a:r>
-          </a:p>
-        </p:txBody>
-      </p:sp>
-      <p:sp>
-        <p:nvSpPr>
-          <p:cNvPr id="200" name="Shape 200"/>
-          <p:cNvSpPr>
-            <a:spLocks noGrp="1"/>
-          </p:cNvSpPr>
+            <a:pPr/>
+            <a:r>
+              <a:t>Mlst.-Präsentation Nr. III  /  Gruppe 15</a:t>
+            </a:r>
+          </a:p>
+        </p:txBody>
+      </p:sp>
+      <p:sp>
+        <p:nvSpPr>
+          <p:cNvPr id="207" name="Shape 207"/>
+          <p:cNvSpPr/>
           <p:nvPr>
             <p:ph type="title"/>
           </p:nvPr>
@@ -9295,7 +8233,7 @@
           <a:bodyPr/>
           <a:lstStyle>
             <a:lvl1pPr>
-              <a:defRPr sz="2000" b="1">
+              <a:defRPr b="1" sz="2000">
                 <a:latin typeface="Arial"/>
                 <a:ea typeface="Arial"/>
                 <a:cs typeface="Arial"/>
@@ -9304,6 +8242,7 @@
             </a:lvl1pPr>
           </a:lstStyle>
           <a:p>
+            <a:pPr/>
             <a:r>
               <a:t>	Technische Eigenheiten</a:t>
             </a:r>
@@ -9312,10 +8251,8 @@
       </p:sp>
       <p:sp>
         <p:nvSpPr>
-          <p:cNvPr id="201" name="Shape 201"/>
-          <p:cNvSpPr>
-            <a:spLocks noGrp="1"/>
-          </p:cNvSpPr>
+          <p:cNvPr id="208" name="Shape 208"/>
+          <p:cNvSpPr/>
           <p:nvPr>
             <p:ph type="sldNum" sz="quarter" idx="4294967295"/>
           </p:nvPr>
@@ -9323,14 +8260,14 @@
         <p:spPr>
           <a:xfrm>
             <a:off x="11169739" y="6404292"/>
-            <a:ext cx="184059" cy="269239"/>
+            <a:ext cx="184057" cy="269237"/>
           </a:xfrm>
           <a:prstGeom prst="rect">
             <a:avLst/>
           </a:prstGeom>
           <a:extLst>
             <a:ext uri="{C572A759-6A51-4108-AA02-DFA0A04FC94B}">
-              <ma14:wrappingTextBoxFlag xmlns:ma14="http://schemas.microsoft.com/office/mac/drawingml/2011/main" xmlns="" val="1"/>
+              <ma14:wrappingTextBoxFlag xmlns:ma14="http://schemas.microsoft.com/office/mac/drawingml/2011/main" val="1"/>
             </a:ext>
           </a:extLst>
         </p:spPr>
@@ -9338,23 +8275,21 @@
           <a:bodyPr/>
           <a:lstStyle/>
           <a:p>
-            <a:fld id="{86CB4B4D-7CA3-9044-876B-883B54F8677D}" type="slidenum">
-              <a:t>9</a:t>
-            </a:fld>
-            <a:endParaRPr/>
-          </a:p>
-        </p:txBody>
-      </p:sp>
-      <p:sp>
-        <p:nvSpPr>
-          <p:cNvPr id="202" name="Shape 202"/>
+            <a:pPr/>
+            <a:fld id="{86CB4B4D-7CA3-9044-876B-883B54F8677D}" type="slidenum"/>
+          </a:p>
+        </p:txBody>
+      </p:sp>
+      <p:sp>
+        <p:nvSpPr>
+          <p:cNvPr id="209" name="Shape 209"/>
           <p:cNvSpPr/>
           <p:nvPr/>
         </p:nvSpPr>
         <p:spPr>
           <a:xfrm>
-            <a:off x="-11084" y="720436"/>
-            <a:ext cx="4584003" cy="2"/>
+            <a:off x="-11085" y="720436"/>
+            <a:ext cx="4584004" cy="3"/>
           </a:xfrm>
           <a:prstGeom prst="line">
             <a:avLst/>
@@ -9366,7 +8301,7 @@
             <a:miter/>
           </a:ln>
           <a:effectLst>
-            <a:outerShdw blurRad="50800" dist="38100" dir="2700000" rotWithShape="0">
+            <a:outerShdw sx="100000" sy="100000" kx="0" ky="0" algn="b" rotWithShape="0" blurRad="50800" dist="38100" dir="2700000">
               <a:srgbClr val="000000">
                 <a:alpha val="40000"/>
               </a:srgbClr>
@@ -9377,28 +8312,30 @@
           <a:bodyPr lIns="45718" tIns="45718" rIns="45718" bIns="45718"/>
           <a:lstStyle/>
           <a:p>
-            <a:endParaRPr/>
+            <a:pPr/>
           </a:p>
         </p:txBody>
       </p:sp>
       <p:pic>
         <p:nvPicPr>
-          <p:cNvPr id="203" name="image10.png" descr="Fingerabdruck"/>
+          <p:cNvPr id="210" name="image10.png" descr="Fingerabdruck"/>
           <p:cNvPicPr>
             <a:picLocks noChangeAspect="1"/>
           </p:cNvPicPr>
           <p:nvPr/>
         </p:nvPicPr>
         <p:blipFill>
-          <a:blip r:embed="rId2"/>
+          <a:blip r:embed="rId2">
+            <a:extLst/>
+          </a:blip>
           <a:stretch>
             <a:fillRect/>
           </a:stretch>
         </p:blipFill>
         <p:spPr>
           <a:xfrm>
-            <a:off x="263999" y="86303"/>
-            <a:ext cx="547828" cy="547829"/>
+            <a:off x="263999" y="86302"/>
+            <a:ext cx="547828" cy="547831"/>
           </a:xfrm>
           <a:prstGeom prst="rect">
             <a:avLst/>
@@ -9410,14 +8347,14 @@
       </p:pic>
       <p:sp>
         <p:nvSpPr>
-          <p:cNvPr id="204" name="Shape 204"/>
+          <p:cNvPr id="211" name="Shape 211"/>
           <p:cNvSpPr/>
           <p:nvPr/>
         </p:nvSpPr>
         <p:spPr>
           <a:xfrm>
-            <a:off x="425998" y="1150597"/>
-            <a:ext cx="4996557" cy="4869021"/>
+            <a:off x="425997" y="1150597"/>
+            <a:ext cx="6701544" cy="4589777"/>
           </a:xfrm>
           <a:prstGeom prst="rect">
             <a:avLst/>
@@ -9427,7 +8364,7 @@
           </a:ln>
           <a:extLst>
             <a:ext uri="{C572A759-6A51-4108-AA02-DFA0A04FC94B}">
-              <ma14:wrappingTextBoxFlag xmlns:ma14="http://schemas.microsoft.com/office/mac/drawingml/2011/main" xmlns="" val="1"/>
+              <ma14:wrappingTextBoxFlag xmlns:ma14="http://schemas.microsoft.com/office/mac/drawingml/2011/main" val="1"/>
             </a:ext>
           </a:extLst>
         </p:spPr>
@@ -9443,27 +8380,14 @@
               </a:lnSpc>
               <a:buSzPct val="100000"/>
               <a:buChar char="•"/>
-              <a:defRPr sz="2000" b="1"/>
-            </a:pPr>
-            <a:r>
-              <a:rPr dirty="0" err="1"/>
-              <a:t>Genutzte</a:t>
-            </a:r>
-            <a:r>
-              <a:rPr dirty="0"/>
-              <a:t> </a:t>
-            </a:r>
-            <a:r>
-              <a:rPr dirty="0" err="1"/>
-              <a:t>externe</a:t>
-            </a:r>
-            <a:r>
-              <a:rPr dirty="0"/>
-              <a:t> library: Apache Log4j 2</a:t>
-            </a:r>
-          </a:p>
-          <a:p>
-            <a:pPr marL="581525" lvl="1" indent="-200525">
+              <a:defRPr b="1" sz="2000"/>
+            </a:pPr>
+            <a:r>
+              <a:t>Genutzte externe library: Apache Log4j 2</a:t>
+            </a:r>
+          </a:p>
+          <a:p>
+            <a:pPr lvl="1" marL="581525" indent="-200525">
               <a:lnSpc>
                 <a:spcPct val="120000"/>
               </a:lnSpc>
@@ -9472,16 +8396,11 @@
               <a:defRPr sz="2000"/>
             </a:pPr>
             <a:r>
-              <a:rPr dirty="0" err="1"/>
-              <a:t>Vorteile</a:t>
-            </a:r>
-            <a:r>
-              <a:rPr dirty="0"/>
-              <a:t>:</a:t>
-            </a:r>
-          </a:p>
-          <a:p>
-            <a:pPr marL="1343526" lvl="3" indent="-200526">
+              <a:t>Vorteile:</a:t>
+            </a:r>
+          </a:p>
+          <a:p>
+            <a:pPr lvl="3" marL="1343526" indent="-200526">
               <a:lnSpc>
                 <a:spcPct val="120000"/>
               </a:lnSpc>
@@ -9490,12 +8409,11 @@
               <a:defRPr sz="2000"/>
             </a:pPr>
             <a:r>
-              <a:rPr dirty="0"/>
-              <a:t>Levels</a:t>
-            </a:r>
-          </a:p>
-          <a:p>
-            <a:pPr marL="1343526" lvl="3" indent="-200526">
+              <a:t>Levels (trace, debug, info, warn, error, fatal)</a:t>
+            </a:r>
+          </a:p>
+          <a:p>
+            <a:pPr lvl="3" marL="1343526" indent="-200526">
               <a:lnSpc>
                 <a:spcPct val="120000"/>
               </a:lnSpc>
@@ -9504,12 +8422,11 @@
               <a:defRPr sz="2000"/>
             </a:pPr>
             <a:r>
-              <a:rPr dirty="0"/>
               <a:t>Timestamps</a:t>
             </a:r>
           </a:p>
           <a:p>
-            <a:pPr marL="1343526" lvl="3" indent="-200526">
+            <a:pPr lvl="3" marL="1343526" indent="-200526">
               <a:lnSpc>
                 <a:spcPct val="120000"/>
               </a:lnSpc>
@@ -9518,17 +8435,11 @@
               <a:defRPr sz="2000"/>
             </a:pPr>
             <a:r>
-              <a:rPr dirty="0"/>
-              <a:t>Log in </a:t>
-            </a:r>
-            <a:r>
-              <a:rPr dirty="0" err="1"/>
-              <a:t>Datei</a:t>
-            </a:r>
-            <a:endParaRPr dirty="0"/>
-          </a:p>
-          <a:p>
-            <a:pPr marL="581525" lvl="1" indent="-200525">
+              <a:t>Log in Datei</a:t>
+            </a:r>
+          </a:p>
+          <a:p>
+            <a:pPr lvl="1" marL="581525" indent="-200525">
               <a:lnSpc>
                 <a:spcPct val="120000"/>
               </a:lnSpc>
@@ -9537,16 +8448,11 @@
               <a:defRPr sz="2000"/>
             </a:pPr>
             <a:r>
-              <a:rPr dirty="0" err="1"/>
-              <a:t>Konfiguration</a:t>
-            </a:r>
-            <a:r>
-              <a:rPr dirty="0"/>
-              <a:t>:</a:t>
-            </a:r>
-          </a:p>
-          <a:p>
-            <a:pPr marL="1343526" lvl="3" indent="-200526">
+              <a:t>Konfiguration:</a:t>
+            </a:r>
+          </a:p>
+          <a:p>
+            <a:pPr lvl="3" marL="1343526" indent="-200526">
               <a:lnSpc>
                 <a:spcPct val="120000"/>
               </a:lnSpc>
@@ -9555,14 +8461,8 @@
               <a:defRPr sz="2000"/>
             </a:pPr>
             <a:r>
-              <a:rPr dirty="0"/>
-              <a:t>.properties </a:t>
-            </a:r>
-            <a:r>
-              <a:rPr dirty="0" err="1"/>
-              <a:t>Datei</a:t>
-            </a:r>
-            <a:endParaRPr lang="en-CH" dirty="0"/>
+              <a:t>.properties Datei</a:t>
+            </a:r>
           </a:p>
           <a:p>
             <a:pPr marL="200526" indent="-200526">
@@ -9571,15 +8471,14 @@
               </a:lnSpc>
               <a:buSzPct val="100000"/>
               <a:buChar char="•"/>
-              <a:defRPr sz="2000" b="1"/>
-            </a:pPr>
-            <a:r>
-              <a:rPr lang="de-DE" dirty="0"/>
+              <a:defRPr b="1" sz="2000"/>
+            </a:pPr>
+            <a:r>
               <a:t>GUI</a:t>
             </a:r>
           </a:p>
           <a:p>
-            <a:pPr marL="581525" lvl="1" indent="-200525">
+            <a:pPr lvl="1" marL="581525" indent="-200525">
               <a:lnSpc>
                 <a:spcPct val="120000"/>
               </a:lnSpc>
@@ -9588,12 +8487,11 @@
               <a:defRPr sz="2000"/>
             </a:pPr>
             <a:r>
-              <a:rPr lang="de-DE" dirty="0"/>
               <a:t>Einfach gestaltet (JButton)</a:t>
             </a:r>
           </a:p>
           <a:p>
-            <a:pPr marL="581525" lvl="1" indent="-200525">
+            <a:pPr lvl="1" marL="581525" indent="-200525">
               <a:lnSpc>
                 <a:spcPct val="120000"/>
               </a:lnSpc>
@@ -9602,12 +8500,11 @@
               <a:defRPr sz="2000"/>
             </a:pPr>
             <a:r>
-              <a:rPr lang="de-DE" dirty="0"/>
               <a:t>Karten (.png) werden über Jbutton gelegt</a:t>
             </a:r>
           </a:p>
           <a:p>
-            <a:pPr marL="581525" lvl="1" indent="-200525">
+            <a:pPr lvl="1" marL="581525" indent="-200525">
               <a:lnSpc>
                 <a:spcPct val="120000"/>
               </a:lnSpc>
@@ -9616,12 +8513,11 @@
               <a:defRPr sz="2000"/>
             </a:pPr>
             <a:r>
-              <a:rPr lang="de-DE" dirty="0"/>
               <a:t>"Ein Frame" für Chat und Game</a:t>
             </a:r>
           </a:p>
           <a:p>
-            <a:pPr marL="581525" lvl="1" indent="-200525">
+            <a:pPr lvl="1" marL="581525" indent="-200525">
               <a:lnSpc>
                 <a:spcPct val="120000"/>
               </a:lnSpc>
@@ -9629,17 +8525,6 @@
               <a:buChar char="•"/>
               <a:defRPr sz="2000"/>
             </a:pPr>
-            <a:endParaRPr lang="de-DE" dirty="0"/>
-          </a:p>
-          <a:p>
-            <a:pPr marL="1143000" lvl="1">
-              <a:lnSpc>
-                <a:spcPct val="120000"/>
-              </a:lnSpc>
-              <a:buSzPct val="100000"/>
-              <a:defRPr sz="2000"/>
-            </a:pPr>
-            <a:endParaRPr lang="en-CH" dirty="0"/>
           </a:p>
         </p:txBody>
       </p:sp>
@@ -9648,12 +8533,12 @@
   <p:clrMapOvr>
     <a:masterClrMapping/>
   </p:clrMapOvr>
-  <p:transition spd="slow"/>
+  <p:transition xmlns:p14="http://schemas.microsoft.com/office/powerpoint/2010/main" spd="med" advClick="1" p14:dur="1000"/>
 </p:sld>
 </file>
 
 <file path=ppt/theme/theme1.xml><?xml version="1.0" encoding="utf-8"?>
-<a:theme xmlns:a="http://schemas.openxmlformats.org/drawingml/2006/main" name="Office">
+<a:theme xmlns:a="http://schemas.openxmlformats.org/drawingml/2006/main" xmlns:r="http://schemas.openxmlformats.org/officeDocument/2006/relationships" name="Office">
   <a:themeElements>
     <a:clrScheme name="Office">
       <a:dk1>
@@ -9855,7 +8740,7 @@
         <a:effectLst/>
         <a:sp3d/>
       </a:spPr>
-      <a:bodyPr rot="0" spcFirstLastPara="1" vertOverflow="overflow" horzOverflow="overflow" vert="horz" wrap="square" lIns="45718" tIns="45718" rIns="45718" bIns="45718" numCol="1" spcCol="38100" rtlCol="0" anchor="ctr">
+      <a:bodyPr rot="0" spcFirstLastPara="1" vertOverflow="overflow" horzOverflow="overflow" vert="horz" wrap="square" lIns="45718" tIns="45718" rIns="45718" bIns="45718" numCol="1" spcCol="38100" rtlCol="0" anchor="ctr" upright="0">
         <a:spAutoFit/>
       </a:bodyPr>
       <a:lstStyle>
@@ -9874,7 +8759,7 @@
           <a:buFontTx/>
           <a:buNone/>
           <a:tabLst/>
-          <a:defRPr kumimoji="0" sz="1800" b="0" i="0" u="none" strike="noStrike" cap="none" spc="0" normalizeH="0" baseline="0">
+          <a:defRPr b="0" baseline="0" cap="none" i="0" spc="0" strike="noStrike" sz="1800" u="none" kumimoji="0" normalizeH="0">
             <a:ln>
               <a:noFill/>
             </a:ln>
@@ -9904,7 +8789,7 @@
           <a:buFontTx/>
           <a:buNone/>
           <a:tabLst/>
-          <a:defRPr kumimoji="0" sz="1800" b="0" i="0" u="none" strike="noStrike" cap="none" spc="0" normalizeH="0" baseline="0">
+          <a:defRPr b="0" baseline="0" cap="none" i="0" spc="0" strike="noStrike" sz="1800" u="none" kumimoji="0" normalizeH="0">
             <a:ln>
               <a:noFill/>
             </a:ln>
@@ -9930,7 +8815,7 @@
           <a:buFontTx/>
           <a:buNone/>
           <a:tabLst/>
-          <a:defRPr kumimoji="0" sz="1800" b="0" i="0" u="none" strike="noStrike" cap="none" spc="0" normalizeH="0" baseline="0">
+          <a:defRPr b="0" baseline="0" cap="none" i="0" spc="0" strike="noStrike" sz="1800" u="none" kumimoji="0" normalizeH="0">
             <a:ln>
               <a:noFill/>
             </a:ln>
@@ -9956,7 +8841,7 @@
           <a:buFontTx/>
           <a:buNone/>
           <a:tabLst/>
-          <a:defRPr kumimoji="0" sz="1800" b="0" i="0" u="none" strike="noStrike" cap="none" spc="0" normalizeH="0" baseline="0">
+          <a:defRPr b="0" baseline="0" cap="none" i="0" spc="0" strike="noStrike" sz="1800" u="none" kumimoji="0" normalizeH="0">
             <a:ln>
               <a:noFill/>
             </a:ln>
@@ -9982,7 +8867,7 @@
           <a:buFontTx/>
           <a:buNone/>
           <a:tabLst/>
-          <a:defRPr kumimoji="0" sz="1800" b="0" i="0" u="none" strike="noStrike" cap="none" spc="0" normalizeH="0" baseline="0">
+          <a:defRPr b="0" baseline="0" cap="none" i="0" spc="0" strike="noStrike" sz="1800" u="none" kumimoji="0" normalizeH="0">
             <a:ln>
               <a:noFill/>
             </a:ln>
@@ -10008,7 +8893,7 @@
           <a:buFontTx/>
           <a:buNone/>
           <a:tabLst/>
-          <a:defRPr kumimoji="0" sz="1800" b="0" i="0" u="none" strike="noStrike" cap="none" spc="0" normalizeH="0" baseline="0">
+          <a:defRPr b="0" baseline="0" cap="none" i="0" spc="0" strike="noStrike" sz="1800" u="none" kumimoji="0" normalizeH="0">
             <a:ln>
               <a:noFill/>
             </a:ln>
@@ -10034,7 +8919,7 @@
           <a:buFontTx/>
           <a:buNone/>
           <a:tabLst/>
-          <a:defRPr kumimoji="0" sz="1800" b="0" i="0" u="none" strike="noStrike" cap="none" spc="0" normalizeH="0" baseline="0">
+          <a:defRPr b="0" baseline="0" cap="none" i="0" spc="0" strike="noStrike" sz="1800" u="none" kumimoji="0" normalizeH="0">
             <a:ln>
               <a:noFill/>
             </a:ln>
@@ -10060,7 +8945,7 @@
           <a:buFontTx/>
           <a:buNone/>
           <a:tabLst/>
-          <a:defRPr kumimoji="0" sz="1800" b="0" i="0" u="none" strike="noStrike" cap="none" spc="0" normalizeH="0" baseline="0">
+          <a:defRPr b="0" baseline="0" cap="none" i="0" spc="0" strike="noStrike" sz="1800" u="none" kumimoji="0" normalizeH="0">
             <a:ln>
               <a:noFill/>
             </a:ln>
@@ -10086,7 +8971,7 @@
           <a:buFontTx/>
           <a:buNone/>
           <a:tabLst/>
-          <a:defRPr kumimoji="0" sz="1800" b="0" i="0" u="none" strike="noStrike" cap="none" spc="0" normalizeH="0" baseline="0">
+          <a:defRPr b="0" baseline="0" cap="none" i="0" spc="0" strike="noStrike" sz="1800" u="none" kumimoji="0" normalizeH="0">
             <a:ln>
               <a:noFill/>
             </a:ln>
@@ -10112,7 +8997,7 @@
           <a:buFontTx/>
           <a:buNone/>
           <a:tabLst/>
-          <a:defRPr kumimoji="0" sz="1800" b="0" i="0" u="none" strike="noStrike" cap="none" spc="0" normalizeH="0" baseline="0">
+          <a:defRPr b="0" baseline="0" cap="none" i="0" spc="0" strike="noStrike" sz="1800" u="none" kumimoji="0" normalizeH="0">
             <a:ln>
               <a:noFill/>
             </a:ln>
@@ -10125,15 +9010,9 @@
         </a:lvl9pPr>
       </a:lstStyle>
       <a:style>
-        <a:lnRef idx="0">
-          <a:scrgbClr r="0" g="0" b="0"/>
-        </a:lnRef>
-        <a:fillRef idx="0">
-          <a:scrgbClr r="0" g="0" b="0"/>
-        </a:fillRef>
-        <a:effectRef idx="0">
-          <a:scrgbClr r="0" g="0" b="0"/>
-        </a:effectRef>
+        <a:lnRef idx="0"/>
+        <a:fillRef idx="0"/>
+        <a:effectRef idx="0"/>
         <a:fontRef idx="none"/>
       </a:style>
     </a:spDef>
@@ -10150,7 +9029,7 @@
         <a:effectLst/>
         <a:sp3d/>
       </a:spPr>
-      <a:bodyPr rot="0" spcFirstLastPara="1" vertOverflow="overflow" horzOverflow="overflow" vert="horz" wrap="square" lIns="91439" tIns="45719" rIns="91439" bIns="45719" numCol="1" spcCol="38100" rtlCol="0" anchor="t">
+      <a:bodyPr rot="0" spcFirstLastPara="1" vertOverflow="overflow" horzOverflow="overflow" vert="horz" wrap="square" lIns="91439" tIns="45719" rIns="91439" bIns="45719" numCol="1" spcCol="38100" rtlCol="0" anchor="t" upright="0">
         <a:noAutofit/>
       </a:bodyPr>
       <a:lstStyle>
@@ -10169,7 +9048,7 @@
           <a:buFontTx/>
           <a:buNone/>
           <a:tabLst/>
-          <a:defRPr kumimoji="0" sz="1800" b="0" i="0" u="none" strike="noStrike" cap="none" spc="0" normalizeH="0" baseline="0">
+          <a:defRPr b="0" baseline="0" cap="none" i="0" spc="0" strike="noStrike" sz="1800" u="none" kumimoji="0" normalizeH="0">
             <a:ln>
               <a:noFill/>
             </a:ln>
@@ -10195,7 +9074,7 @@
           <a:buFontTx/>
           <a:buNone/>
           <a:tabLst/>
-          <a:defRPr kumimoji="0" sz="1800" b="0" i="0" u="none" strike="noStrike" cap="none" spc="0" normalizeH="0" baseline="0">
+          <a:defRPr b="0" baseline="0" cap="none" i="0" spc="0" strike="noStrike" sz="1800" u="none" kumimoji="0" normalizeH="0">
             <a:ln>
               <a:noFill/>
             </a:ln>
@@ -10221,7 +9100,7 @@
           <a:buFontTx/>
           <a:buNone/>
           <a:tabLst/>
-          <a:defRPr kumimoji="0" sz="1800" b="0" i="0" u="none" strike="noStrike" cap="none" spc="0" normalizeH="0" baseline="0">
+          <a:defRPr b="0" baseline="0" cap="none" i="0" spc="0" strike="noStrike" sz="1800" u="none" kumimoji="0" normalizeH="0">
             <a:ln>
               <a:noFill/>
             </a:ln>
@@ -10247,7 +9126,7 @@
           <a:buFontTx/>
           <a:buNone/>
           <a:tabLst/>
-          <a:defRPr kumimoji="0" sz="1800" b="0" i="0" u="none" strike="noStrike" cap="none" spc="0" normalizeH="0" baseline="0">
+          <a:defRPr b="0" baseline="0" cap="none" i="0" spc="0" strike="noStrike" sz="1800" u="none" kumimoji="0" normalizeH="0">
             <a:ln>
               <a:noFill/>
             </a:ln>
@@ -10273,7 +9152,7 @@
           <a:buFontTx/>
           <a:buNone/>
           <a:tabLst/>
-          <a:defRPr kumimoji="0" sz="1800" b="0" i="0" u="none" strike="noStrike" cap="none" spc="0" normalizeH="0" baseline="0">
+          <a:defRPr b="0" baseline="0" cap="none" i="0" spc="0" strike="noStrike" sz="1800" u="none" kumimoji="0" normalizeH="0">
             <a:ln>
               <a:noFill/>
             </a:ln>
@@ -10299,7 +9178,7 @@
           <a:buFontTx/>
           <a:buNone/>
           <a:tabLst/>
-          <a:defRPr kumimoji="0" sz="1800" b="0" i="0" u="none" strike="noStrike" cap="none" spc="0" normalizeH="0" baseline="0">
+          <a:defRPr b="0" baseline="0" cap="none" i="0" spc="0" strike="noStrike" sz="1800" u="none" kumimoji="0" normalizeH="0">
             <a:ln>
               <a:noFill/>
             </a:ln>
@@ -10325,7 +9204,7 @@
           <a:buFontTx/>
           <a:buNone/>
           <a:tabLst/>
-          <a:defRPr kumimoji="0" sz="1800" b="0" i="0" u="none" strike="noStrike" cap="none" spc="0" normalizeH="0" baseline="0">
+          <a:defRPr b="0" baseline="0" cap="none" i="0" spc="0" strike="noStrike" sz="1800" u="none" kumimoji="0" normalizeH="0">
             <a:ln>
               <a:noFill/>
             </a:ln>
@@ -10351,7 +9230,7 @@
           <a:buFontTx/>
           <a:buNone/>
           <a:tabLst/>
-          <a:defRPr kumimoji="0" sz="1800" b="0" i="0" u="none" strike="noStrike" cap="none" spc="0" normalizeH="0" baseline="0">
+          <a:defRPr b="0" baseline="0" cap="none" i="0" spc="0" strike="noStrike" sz="1800" u="none" kumimoji="0" normalizeH="0">
             <a:ln>
               <a:noFill/>
             </a:ln>
@@ -10377,7 +9256,7 @@
           <a:buFontTx/>
           <a:buNone/>
           <a:tabLst/>
-          <a:defRPr kumimoji="0" sz="1800" b="0" i="0" u="none" strike="noStrike" cap="none" spc="0" normalizeH="0" baseline="0">
+          <a:defRPr b="0" baseline="0" cap="none" i="0" spc="0" strike="noStrike" sz="1800" u="none" kumimoji="0" normalizeH="0">
             <a:ln>
               <a:noFill/>
             </a:ln>
@@ -10403,7 +9282,7 @@
           <a:buFontTx/>
           <a:buNone/>
           <a:tabLst/>
-          <a:defRPr kumimoji="0" sz="1800" b="0" i="0" u="none" strike="noStrike" cap="none" spc="0" normalizeH="0" baseline="0">
+          <a:defRPr b="0" baseline="0" cap="none" i="0" spc="0" strike="noStrike" sz="1800" u="none" kumimoji="0" normalizeH="0">
             <a:ln>
               <a:noFill/>
             </a:ln>
@@ -10416,15 +9295,9 @@
         </a:lvl9pPr>
       </a:lstStyle>
       <a:style>
-        <a:lnRef idx="0">
-          <a:scrgbClr r="0" g="0" b="0"/>
-        </a:lnRef>
-        <a:fillRef idx="0">
-          <a:scrgbClr r="0" g="0" b="0"/>
-        </a:fillRef>
-        <a:effectRef idx="0">
-          <a:scrgbClr r="0" g="0" b="0"/>
-        </a:effectRef>
+        <a:lnRef idx="0"/>
+        <a:fillRef idx="0"/>
+        <a:effectRef idx="0"/>
         <a:fontRef idx="none"/>
       </a:style>
     </a:lnDef>
@@ -10438,7 +9311,7 @@
         <a:effectLst/>
         <a:sp3d/>
       </a:spPr>
-      <a:bodyPr rot="0" spcFirstLastPara="1" vertOverflow="overflow" horzOverflow="overflow" vert="horz" wrap="square" lIns="45718" tIns="45718" rIns="45718" bIns="45718" numCol="1" spcCol="38100" rtlCol="0" anchor="t">
+      <a:bodyPr rot="0" spcFirstLastPara="1" vertOverflow="overflow" horzOverflow="overflow" vert="horz" wrap="square" lIns="45718" tIns="45718" rIns="45718" bIns="45718" numCol="1" spcCol="38100" rtlCol="0" anchor="t" upright="0">
         <a:spAutoFit/>
       </a:bodyPr>
       <a:lstStyle>
@@ -10457,7 +9330,7 @@
           <a:buFontTx/>
           <a:buNone/>
           <a:tabLst/>
-          <a:defRPr kumimoji="0" sz="1800" b="0" i="0" u="none" strike="noStrike" cap="none" spc="0" normalizeH="0" baseline="0">
+          <a:defRPr b="0" baseline="0" cap="none" i="0" spc="0" strike="noStrike" sz="1800" u="none" kumimoji="0" normalizeH="0">
             <a:ln>
               <a:noFill/>
             </a:ln>
@@ -10487,7 +9360,7 @@
           <a:buFontTx/>
           <a:buNone/>
           <a:tabLst/>
-          <a:defRPr kumimoji="0" sz="1800" b="0" i="0" u="none" strike="noStrike" cap="none" spc="0" normalizeH="0" baseline="0">
+          <a:defRPr b="0" baseline="0" cap="none" i="0" spc="0" strike="noStrike" sz="1800" u="none" kumimoji="0" normalizeH="0">
             <a:ln>
               <a:noFill/>
             </a:ln>
@@ -10513,7 +9386,7 @@
           <a:buFontTx/>
           <a:buNone/>
           <a:tabLst/>
-          <a:defRPr kumimoji="0" sz="1800" b="0" i="0" u="none" strike="noStrike" cap="none" spc="0" normalizeH="0" baseline="0">
+          <a:defRPr b="0" baseline="0" cap="none" i="0" spc="0" strike="noStrike" sz="1800" u="none" kumimoji="0" normalizeH="0">
             <a:ln>
               <a:noFill/>
             </a:ln>
@@ -10539,7 +9412,7 @@
           <a:buFontTx/>
           <a:buNone/>
           <a:tabLst/>
-          <a:defRPr kumimoji="0" sz="1800" b="0" i="0" u="none" strike="noStrike" cap="none" spc="0" normalizeH="0" baseline="0">
+          <a:defRPr b="0" baseline="0" cap="none" i="0" spc="0" strike="noStrike" sz="1800" u="none" kumimoji="0" normalizeH="0">
             <a:ln>
               <a:noFill/>
             </a:ln>
@@ -10565,7 +9438,7 @@
           <a:buFontTx/>
           <a:buNone/>
           <a:tabLst/>
-          <a:defRPr kumimoji="0" sz="1800" b="0" i="0" u="none" strike="noStrike" cap="none" spc="0" normalizeH="0" baseline="0">
+          <a:defRPr b="0" baseline="0" cap="none" i="0" spc="0" strike="noStrike" sz="1800" u="none" kumimoji="0" normalizeH="0">
             <a:ln>
               <a:noFill/>
             </a:ln>
@@ -10591,7 +9464,7 @@
           <a:buFontTx/>
           <a:buNone/>
           <a:tabLst/>
-          <a:defRPr kumimoji="0" sz="1800" b="0" i="0" u="none" strike="noStrike" cap="none" spc="0" normalizeH="0" baseline="0">
+          <a:defRPr b="0" baseline="0" cap="none" i="0" spc="0" strike="noStrike" sz="1800" u="none" kumimoji="0" normalizeH="0">
             <a:ln>
               <a:noFill/>
             </a:ln>
@@ -10617,7 +9490,7 @@
           <a:buFontTx/>
           <a:buNone/>
           <a:tabLst/>
-          <a:defRPr kumimoji="0" sz="1800" b="0" i="0" u="none" strike="noStrike" cap="none" spc="0" normalizeH="0" baseline="0">
+          <a:defRPr b="0" baseline="0" cap="none" i="0" spc="0" strike="noStrike" sz="1800" u="none" kumimoji="0" normalizeH="0">
             <a:ln>
               <a:noFill/>
             </a:ln>
@@ -10643,7 +9516,7 @@
           <a:buFontTx/>
           <a:buNone/>
           <a:tabLst/>
-          <a:defRPr kumimoji="0" sz="1800" b="0" i="0" u="none" strike="noStrike" cap="none" spc="0" normalizeH="0" baseline="0">
+          <a:defRPr b="0" baseline="0" cap="none" i="0" spc="0" strike="noStrike" sz="1800" u="none" kumimoji="0" normalizeH="0">
             <a:ln>
               <a:noFill/>
             </a:ln>
@@ -10669,7 +9542,7 @@
           <a:buFontTx/>
           <a:buNone/>
           <a:tabLst/>
-          <a:defRPr kumimoji="0" sz="1800" b="0" i="0" u="none" strike="noStrike" cap="none" spc="0" normalizeH="0" baseline="0">
+          <a:defRPr b="0" baseline="0" cap="none" i="0" spc="0" strike="noStrike" sz="1800" u="none" kumimoji="0" normalizeH="0">
             <a:ln>
               <a:noFill/>
             </a:ln>
@@ -10695,7 +9568,7 @@
           <a:buFontTx/>
           <a:buNone/>
           <a:tabLst/>
-          <a:defRPr kumimoji="0" sz="1800" b="0" i="0" u="none" strike="noStrike" cap="none" spc="0" normalizeH="0" baseline="0">
+          <a:defRPr b="0" baseline="0" cap="none" i="0" spc="0" strike="noStrike" sz="1800" u="none" kumimoji="0" normalizeH="0">
             <a:ln>
               <a:noFill/>
             </a:ln>
@@ -10708,25 +9581,18 @@
         </a:lvl9pPr>
       </a:lstStyle>
       <a:style>
-        <a:lnRef idx="0">
-          <a:scrgbClr r="0" g="0" b="0"/>
-        </a:lnRef>
-        <a:fillRef idx="0">
-          <a:scrgbClr r="0" g="0" b="0"/>
-        </a:fillRef>
-        <a:effectRef idx="0">
-          <a:scrgbClr r="0" g="0" b="0"/>
-        </a:effectRef>
+        <a:lnRef idx="0"/>
+        <a:fillRef idx="0"/>
+        <a:effectRef idx="0"/>
         <a:fontRef idx="none"/>
       </a:style>
     </a:txDef>
   </a:objectDefaults>
-  <a:extraClrSchemeLst/>
 </a:theme>
 </file>
 
 <file path=ppt/theme/theme2.xml><?xml version="1.0" encoding="utf-8"?>
-<a:theme xmlns:a="http://schemas.openxmlformats.org/drawingml/2006/main" name="Office">
+<a:theme xmlns:a="http://schemas.openxmlformats.org/drawingml/2006/main" xmlns:r="http://schemas.openxmlformats.org/officeDocument/2006/relationships" name="Office">
   <a:themeElements>
     <a:clrScheme name="Office">
       <a:dk1>
@@ -10928,7 +9794,7 @@
         <a:effectLst/>
         <a:sp3d/>
       </a:spPr>
-      <a:bodyPr rot="0" spcFirstLastPara="1" vertOverflow="overflow" horzOverflow="overflow" vert="horz" wrap="square" lIns="45718" tIns="45718" rIns="45718" bIns="45718" numCol="1" spcCol="38100" rtlCol="0" anchor="ctr">
+      <a:bodyPr rot="0" spcFirstLastPara="1" vertOverflow="overflow" horzOverflow="overflow" vert="horz" wrap="square" lIns="45718" tIns="45718" rIns="45718" bIns="45718" numCol="1" spcCol="38100" rtlCol="0" anchor="ctr" upright="0">
         <a:spAutoFit/>
       </a:bodyPr>
       <a:lstStyle>
@@ -10947,7 +9813,7 @@
           <a:buFontTx/>
           <a:buNone/>
           <a:tabLst/>
-          <a:defRPr kumimoji="0" sz="1800" b="0" i="0" u="none" strike="noStrike" cap="none" spc="0" normalizeH="0" baseline="0">
+          <a:defRPr b="0" baseline="0" cap="none" i="0" spc="0" strike="noStrike" sz="1800" u="none" kumimoji="0" normalizeH="0">
             <a:ln>
               <a:noFill/>
             </a:ln>
@@ -10977,7 +9843,7 @@
           <a:buFontTx/>
           <a:buNone/>
           <a:tabLst/>
-          <a:defRPr kumimoji="0" sz="1800" b="0" i="0" u="none" strike="noStrike" cap="none" spc="0" normalizeH="0" baseline="0">
+          <a:defRPr b="0" baseline="0" cap="none" i="0" spc="0" strike="noStrike" sz="1800" u="none" kumimoji="0" normalizeH="0">
             <a:ln>
               <a:noFill/>
             </a:ln>
@@ -11003,7 +9869,7 @@
           <a:buFontTx/>
           <a:buNone/>
           <a:tabLst/>
-          <a:defRPr kumimoji="0" sz="1800" b="0" i="0" u="none" strike="noStrike" cap="none" spc="0" normalizeH="0" baseline="0">
+          <a:defRPr b="0" baseline="0" cap="none" i="0" spc="0" strike="noStrike" sz="1800" u="none" kumimoji="0" normalizeH="0">
             <a:ln>
               <a:noFill/>
             </a:ln>
@@ -11029,7 +9895,7 @@
           <a:buFontTx/>
           <a:buNone/>
           <a:tabLst/>
-          <a:defRPr kumimoji="0" sz="1800" b="0" i="0" u="none" strike="noStrike" cap="none" spc="0" normalizeH="0" baseline="0">
+          <a:defRPr b="0" baseline="0" cap="none" i="0" spc="0" strike="noStrike" sz="1800" u="none" kumimoji="0" normalizeH="0">
             <a:ln>
               <a:noFill/>
             </a:ln>
@@ -11055,7 +9921,7 @@
           <a:buFontTx/>
           <a:buNone/>
           <a:tabLst/>
-          <a:defRPr kumimoji="0" sz="1800" b="0" i="0" u="none" strike="noStrike" cap="none" spc="0" normalizeH="0" baseline="0">
+          <a:defRPr b="0" baseline="0" cap="none" i="0" spc="0" strike="noStrike" sz="1800" u="none" kumimoji="0" normalizeH="0">
             <a:ln>
               <a:noFill/>
             </a:ln>
@@ -11081,7 +9947,7 @@
           <a:buFontTx/>
           <a:buNone/>
           <a:tabLst/>
-          <a:defRPr kumimoji="0" sz="1800" b="0" i="0" u="none" strike="noStrike" cap="none" spc="0" normalizeH="0" baseline="0">
+          <a:defRPr b="0" baseline="0" cap="none" i="0" spc="0" strike="noStrike" sz="1800" u="none" kumimoji="0" normalizeH="0">
             <a:ln>
               <a:noFill/>
             </a:ln>
@@ -11107,7 +9973,7 @@
           <a:buFontTx/>
           <a:buNone/>
           <a:tabLst/>
-          <a:defRPr kumimoji="0" sz="1800" b="0" i="0" u="none" strike="noStrike" cap="none" spc="0" normalizeH="0" baseline="0">
+          <a:defRPr b="0" baseline="0" cap="none" i="0" spc="0" strike="noStrike" sz="1800" u="none" kumimoji="0" normalizeH="0">
             <a:ln>
               <a:noFill/>
             </a:ln>
@@ -11133,7 +9999,7 @@
           <a:buFontTx/>
           <a:buNone/>
           <a:tabLst/>
-          <a:defRPr kumimoji="0" sz="1800" b="0" i="0" u="none" strike="noStrike" cap="none" spc="0" normalizeH="0" baseline="0">
+          <a:defRPr b="0" baseline="0" cap="none" i="0" spc="0" strike="noStrike" sz="1800" u="none" kumimoji="0" normalizeH="0">
             <a:ln>
               <a:noFill/>
             </a:ln>
@@ -11159,7 +10025,7 @@
           <a:buFontTx/>
           <a:buNone/>
           <a:tabLst/>
-          <a:defRPr kumimoji="0" sz="1800" b="0" i="0" u="none" strike="noStrike" cap="none" spc="0" normalizeH="0" baseline="0">
+          <a:defRPr b="0" baseline="0" cap="none" i="0" spc="0" strike="noStrike" sz="1800" u="none" kumimoji="0" normalizeH="0">
             <a:ln>
               <a:noFill/>
             </a:ln>
@@ -11185,7 +10051,7 @@
           <a:buFontTx/>
           <a:buNone/>
           <a:tabLst/>
-          <a:defRPr kumimoji="0" sz="1800" b="0" i="0" u="none" strike="noStrike" cap="none" spc="0" normalizeH="0" baseline="0">
+          <a:defRPr b="0" baseline="0" cap="none" i="0" spc="0" strike="noStrike" sz="1800" u="none" kumimoji="0" normalizeH="0">
             <a:ln>
               <a:noFill/>
             </a:ln>
@@ -11198,15 +10064,9 @@
         </a:lvl9pPr>
       </a:lstStyle>
       <a:style>
-        <a:lnRef idx="0">
-          <a:scrgbClr r="0" g="0" b="0"/>
-        </a:lnRef>
-        <a:fillRef idx="0">
-          <a:scrgbClr r="0" g="0" b="0"/>
-        </a:fillRef>
-        <a:effectRef idx="0">
-          <a:scrgbClr r="0" g="0" b="0"/>
-        </a:effectRef>
+        <a:lnRef idx="0"/>
+        <a:fillRef idx="0"/>
+        <a:effectRef idx="0"/>
         <a:fontRef idx="none"/>
       </a:style>
     </a:spDef>
@@ -11223,7 +10083,7 @@
         <a:effectLst/>
         <a:sp3d/>
       </a:spPr>
-      <a:bodyPr rot="0" spcFirstLastPara="1" vertOverflow="overflow" horzOverflow="overflow" vert="horz" wrap="square" lIns="91439" tIns="45719" rIns="91439" bIns="45719" numCol="1" spcCol="38100" rtlCol="0" anchor="t">
+      <a:bodyPr rot="0" spcFirstLastPara="1" vertOverflow="overflow" horzOverflow="overflow" vert="horz" wrap="square" lIns="91439" tIns="45719" rIns="91439" bIns="45719" numCol="1" spcCol="38100" rtlCol="0" anchor="t" upright="0">
         <a:noAutofit/>
       </a:bodyPr>
       <a:lstStyle>
@@ -11242,7 +10102,7 @@
           <a:buFontTx/>
           <a:buNone/>
           <a:tabLst/>
-          <a:defRPr kumimoji="0" sz="1800" b="0" i="0" u="none" strike="noStrike" cap="none" spc="0" normalizeH="0" baseline="0">
+          <a:defRPr b="0" baseline="0" cap="none" i="0" spc="0" strike="noStrike" sz="1800" u="none" kumimoji="0" normalizeH="0">
             <a:ln>
               <a:noFill/>
             </a:ln>
@@ -11268,7 +10128,7 @@
           <a:buFontTx/>
           <a:buNone/>
           <a:tabLst/>
-          <a:defRPr kumimoji="0" sz="1800" b="0" i="0" u="none" strike="noStrike" cap="none" spc="0" normalizeH="0" baseline="0">
+          <a:defRPr b="0" baseline="0" cap="none" i="0" spc="0" strike="noStrike" sz="1800" u="none" kumimoji="0" normalizeH="0">
             <a:ln>
               <a:noFill/>
             </a:ln>
@@ -11294,7 +10154,7 @@
           <a:buFontTx/>
           <a:buNone/>
           <a:tabLst/>
-          <a:defRPr kumimoji="0" sz="1800" b="0" i="0" u="none" strike="noStrike" cap="none" spc="0" normalizeH="0" baseline="0">
+          <a:defRPr b="0" baseline="0" cap="none" i="0" spc="0" strike="noStrike" sz="1800" u="none" kumimoji="0" normalizeH="0">
             <a:ln>
               <a:noFill/>
             </a:ln>
@@ -11320,7 +10180,7 @@
           <a:buFontTx/>
           <a:buNone/>
           <a:tabLst/>
-          <a:defRPr kumimoji="0" sz="1800" b="0" i="0" u="none" strike="noStrike" cap="none" spc="0" normalizeH="0" baseline="0">
+          <a:defRPr b="0" baseline="0" cap="none" i="0" spc="0" strike="noStrike" sz="1800" u="none" kumimoji="0" normalizeH="0">
             <a:ln>
               <a:noFill/>
             </a:ln>
@@ -11346,7 +10206,7 @@
           <a:buFontTx/>
           <a:buNone/>
           <a:tabLst/>
-          <a:defRPr kumimoji="0" sz="1800" b="0" i="0" u="none" strike="noStrike" cap="none" spc="0" normalizeH="0" baseline="0">
+          <a:defRPr b="0" baseline="0" cap="none" i="0" spc="0" strike="noStrike" sz="1800" u="none" kumimoji="0" normalizeH="0">
             <a:ln>
               <a:noFill/>
             </a:ln>
@@ -11372,7 +10232,7 @@
           <a:buFontTx/>
           <a:buNone/>
           <a:tabLst/>
-          <a:defRPr kumimoji="0" sz="1800" b="0" i="0" u="none" strike="noStrike" cap="none" spc="0" normalizeH="0" baseline="0">
+          <a:defRPr b="0" baseline="0" cap="none" i="0" spc="0" strike="noStrike" sz="1800" u="none" kumimoji="0" normalizeH="0">
             <a:ln>
               <a:noFill/>
             </a:ln>
@@ -11398,7 +10258,7 @@
           <a:buFontTx/>
           <a:buNone/>
           <a:tabLst/>
-          <a:defRPr kumimoji="0" sz="1800" b="0" i="0" u="none" strike="noStrike" cap="none" spc="0" normalizeH="0" baseline="0">
+          <a:defRPr b="0" baseline="0" cap="none" i="0" spc="0" strike="noStrike" sz="1800" u="none" kumimoji="0" normalizeH="0">
             <a:ln>
               <a:noFill/>
             </a:ln>
@@ -11424,7 +10284,7 @@
           <a:buFontTx/>
           <a:buNone/>
           <a:tabLst/>
-          <a:defRPr kumimoji="0" sz="1800" b="0" i="0" u="none" strike="noStrike" cap="none" spc="0" normalizeH="0" baseline="0">
+          <a:defRPr b="0" baseline="0" cap="none" i="0" spc="0" strike="noStrike" sz="1800" u="none" kumimoji="0" normalizeH="0">
             <a:ln>
               <a:noFill/>
             </a:ln>
@@ -11450,7 +10310,7 @@
           <a:buFontTx/>
           <a:buNone/>
           <a:tabLst/>
-          <a:defRPr kumimoji="0" sz="1800" b="0" i="0" u="none" strike="noStrike" cap="none" spc="0" normalizeH="0" baseline="0">
+          <a:defRPr b="0" baseline="0" cap="none" i="0" spc="0" strike="noStrike" sz="1800" u="none" kumimoji="0" normalizeH="0">
             <a:ln>
               <a:noFill/>
             </a:ln>
@@ -11476,7 +10336,7 @@
           <a:buFontTx/>
           <a:buNone/>
           <a:tabLst/>
-          <a:defRPr kumimoji="0" sz="1800" b="0" i="0" u="none" strike="noStrike" cap="none" spc="0" normalizeH="0" baseline="0">
+          <a:defRPr b="0" baseline="0" cap="none" i="0" spc="0" strike="noStrike" sz="1800" u="none" kumimoji="0" normalizeH="0">
             <a:ln>
               <a:noFill/>
             </a:ln>
@@ -11489,15 +10349,9 @@
         </a:lvl9pPr>
       </a:lstStyle>
       <a:style>
-        <a:lnRef idx="0">
-          <a:scrgbClr r="0" g="0" b="0"/>
-        </a:lnRef>
-        <a:fillRef idx="0">
-          <a:scrgbClr r="0" g="0" b="0"/>
-        </a:fillRef>
-        <a:effectRef idx="0">
-          <a:scrgbClr r="0" g="0" b="0"/>
-        </a:effectRef>
+        <a:lnRef idx="0"/>
+        <a:fillRef idx="0"/>
+        <a:effectRef idx="0"/>
         <a:fontRef idx="none"/>
       </a:style>
     </a:lnDef>
@@ -11511,7 +10365,7 @@
         <a:effectLst/>
         <a:sp3d/>
       </a:spPr>
-      <a:bodyPr rot="0" spcFirstLastPara="1" vertOverflow="overflow" horzOverflow="overflow" vert="horz" wrap="square" lIns="45718" tIns="45718" rIns="45718" bIns="45718" numCol="1" spcCol="38100" rtlCol="0" anchor="t">
+      <a:bodyPr rot="0" spcFirstLastPara="1" vertOverflow="overflow" horzOverflow="overflow" vert="horz" wrap="square" lIns="45718" tIns="45718" rIns="45718" bIns="45718" numCol="1" spcCol="38100" rtlCol="0" anchor="t" upright="0">
         <a:spAutoFit/>
       </a:bodyPr>
       <a:lstStyle>
@@ -11530,7 +10384,7 @@
           <a:buFontTx/>
           <a:buNone/>
           <a:tabLst/>
-          <a:defRPr kumimoji="0" sz="1800" b="0" i="0" u="none" strike="noStrike" cap="none" spc="0" normalizeH="0" baseline="0">
+          <a:defRPr b="0" baseline="0" cap="none" i="0" spc="0" strike="noStrike" sz="1800" u="none" kumimoji="0" normalizeH="0">
             <a:ln>
               <a:noFill/>
             </a:ln>
@@ -11560,7 +10414,7 @@
           <a:buFontTx/>
           <a:buNone/>
           <a:tabLst/>
-          <a:defRPr kumimoji="0" sz="1800" b="0" i="0" u="none" strike="noStrike" cap="none" spc="0" normalizeH="0" baseline="0">
+          <a:defRPr b="0" baseline="0" cap="none" i="0" spc="0" strike="noStrike" sz="1800" u="none" kumimoji="0" normalizeH="0">
             <a:ln>
               <a:noFill/>
             </a:ln>
@@ -11586,7 +10440,7 @@
           <a:buFontTx/>
           <a:buNone/>
           <a:tabLst/>
-          <a:defRPr kumimoji="0" sz="1800" b="0" i="0" u="none" strike="noStrike" cap="none" spc="0" normalizeH="0" baseline="0">
+          <a:defRPr b="0" baseline="0" cap="none" i="0" spc="0" strike="noStrike" sz="1800" u="none" kumimoji="0" normalizeH="0">
             <a:ln>
               <a:noFill/>
             </a:ln>
@@ -11612,7 +10466,7 @@
           <a:buFontTx/>
           <a:buNone/>
           <a:tabLst/>
-          <a:defRPr kumimoji="0" sz="1800" b="0" i="0" u="none" strike="noStrike" cap="none" spc="0" normalizeH="0" baseline="0">
+          <a:defRPr b="0" baseline="0" cap="none" i="0" spc="0" strike="noStrike" sz="1800" u="none" kumimoji="0" normalizeH="0">
             <a:ln>
               <a:noFill/>
             </a:ln>
@@ -11638,7 +10492,7 @@
           <a:buFontTx/>
           <a:buNone/>
           <a:tabLst/>
-          <a:defRPr kumimoji="0" sz="1800" b="0" i="0" u="none" strike="noStrike" cap="none" spc="0" normalizeH="0" baseline="0">
+          <a:defRPr b="0" baseline="0" cap="none" i="0" spc="0" strike="noStrike" sz="1800" u="none" kumimoji="0" normalizeH="0">
             <a:ln>
               <a:noFill/>
             </a:ln>
@@ -11664,7 +10518,7 @@
           <a:buFontTx/>
           <a:buNone/>
           <a:tabLst/>
-          <a:defRPr kumimoji="0" sz="1800" b="0" i="0" u="none" strike="noStrike" cap="none" spc="0" normalizeH="0" baseline="0">
+          <a:defRPr b="0" baseline="0" cap="none" i="0" spc="0" strike="noStrike" sz="1800" u="none" kumimoji="0" normalizeH="0">
             <a:ln>
               <a:noFill/>
             </a:ln>
@@ -11690,7 +10544,7 @@
           <a:buFontTx/>
           <a:buNone/>
           <a:tabLst/>
-          <a:defRPr kumimoji="0" sz="1800" b="0" i="0" u="none" strike="noStrike" cap="none" spc="0" normalizeH="0" baseline="0">
+          <a:defRPr b="0" baseline="0" cap="none" i="0" spc="0" strike="noStrike" sz="1800" u="none" kumimoji="0" normalizeH="0">
             <a:ln>
               <a:noFill/>
             </a:ln>
@@ -11716,7 +10570,7 @@
           <a:buFontTx/>
           <a:buNone/>
           <a:tabLst/>
-          <a:defRPr kumimoji="0" sz="1800" b="0" i="0" u="none" strike="noStrike" cap="none" spc="0" normalizeH="0" baseline="0">
+          <a:defRPr b="0" baseline="0" cap="none" i="0" spc="0" strike="noStrike" sz="1800" u="none" kumimoji="0" normalizeH="0">
             <a:ln>
               <a:noFill/>
             </a:ln>
@@ -11742,7 +10596,7 @@
           <a:buFontTx/>
           <a:buNone/>
           <a:tabLst/>
-          <a:defRPr kumimoji="0" sz="1800" b="0" i="0" u="none" strike="noStrike" cap="none" spc="0" normalizeH="0" baseline="0">
+          <a:defRPr b="0" baseline="0" cap="none" i="0" spc="0" strike="noStrike" sz="1800" u="none" kumimoji="0" normalizeH="0">
             <a:ln>
               <a:noFill/>
             </a:ln>
@@ -11768,7 +10622,7 @@
           <a:buFontTx/>
           <a:buNone/>
           <a:tabLst/>
-          <a:defRPr kumimoji="0" sz="1800" b="0" i="0" u="none" strike="noStrike" cap="none" spc="0" normalizeH="0" baseline="0">
+          <a:defRPr b="0" baseline="0" cap="none" i="0" spc="0" strike="noStrike" sz="1800" u="none" kumimoji="0" normalizeH="0">
             <a:ln>
               <a:noFill/>
             </a:ln>
@@ -11781,19 +10635,12 @@
         </a:lvl9pPr>
       </a:lstStyle>
       <a:style>
-        <a:lnRef idx="0">
-          <a:scrgbClr r="0" g="0" b="0"/>
-        </a:lnRef>
-        <a:fillRef idx="0">
-          <a:scrgbClr r="0" g="0" b="0"/>
-        </a:fillRef>
-        <a:effectRef idx="0">
-          <a:scrgbClr r="0" g="0" b="0"/>
-        </a:effectRef>
+        <a:lnRef idx="0"/>
+        <a:fillRef idx="0"/>
+        <a:effectRef idx="0"/>
         <a:fontRef idx="none"/>
       </a:style>
     </a:txDef>
   </a:objectDefaults>
-  <a:extraClrSchemeLst/>
 </a:theme>
 </file>
--- a/00_General/Presentation/MS 3/Presentation_Milestone_iii_Master.pptx
+++ b/00_General/Presentation/MS 3/Presentation_Milestone_iii_Master.pptx
@@ -2,26 +2,26 @@
 <file path=ppt/presentation.xml><?xml version="1.0" encoding="utf-8"?>
 <p:presentation xmlns:a="http://schemas.openxmlformats.org/drawingml/2006/main" xmlns:r="http://schemas.openxmlformats.org/officeDocument/2006/relationships" xmlns:p="http://schemas.openxmlformats.org/presentationml/2006/main">
   <p:sldMasterIdLst>
-    <p:sldMasterId id="2147483648" r:id="rId5"/>
+    <p:sldMasterId id="2147483648" r:id="rId1"/>
   </p:sldMasterIdLst>
   <p:notesMasterIdLst>
-    <p:notesMasterId r:id="rId7"/>
+    <p:notesMasterId r:id="rId16"/>
   </p:notesMasterIdLst>
   <p:sldIdLst>
-    <p:sldId id="256" r:id="rId8"/>
-    <p:sldId id="257" r:id="rId9"/>
-    <p:sldId id="258" r:id="rId10"/>
-    <p:sldId id="259" r:id="rId11"/>
-    <p:sldId id="260" r:id="rId12"/>
-    <p:sldId id="261" r:id="rId13"/>
-    <p:sldId id="262" r:id="rId14"/>
-    <p:sldId id="263" r:id="rId15"/>
-    <p:sldId id="264" r:id="rId16"/>
-    <p:sldId id="265" r:id="rId17"/>
-    <p:sldId id="266" r:id="rId18"/>
-    <p:sldId id="267" r:id="rId19"/>
-    <p:sldId id="268" r:id="rId20"/>
-    <p:sldId id="269" r:id="rId21"/>
+    <p:sldId id="256" r:id="rId2"/>
+    <p:sldId id="257" r:id="rId3"/>
+    <p:sldId id="258" r:id="rId4"/>
+    <p:sldId id="259" r:id="rId5"/>
+    <p:sldId id="260" r:id="rId6"/>
+    <p:sldId id="261" r:id="rId7"/>
+    <p:sldId id="262" r:id="rId8"/>
+    <p:sldId id="263" r:id="rId9"/>
+    <p:sldId id="264" r:id="rId10"/>
+    <p:sldId id="265" r:id="rId11"/>
+    <p:sldId id="266" r:id="rId12"/>
+    <p:sldId id="267" r:id="rId13"/>
+    <p:sldId id="268" r:id="rId14"/>
+    <p:sldId id="269" r:id="rId15"/>
   </p:sldIdLst>
   <p:sldSz cx="12192000" cy="6858000"/>
   <p:notesSz cx="6858000" cy="9144000"/>
@@ -41,7 +41,7 @@
       <a:buFontTx/>
       <a:buNone/>
       <a:tabLst/>
-      <a:defRPr b="0" baseline="0" cap="none" i="0" spc="0" strike="noStrike" sz="1800" u="none" kumimoji="0" normalizeH="0">
+      <a:defRPr kumimoji="0" sz="1800" b="0" i="0" u="none" strike="noStrike" cap="none" spc="0" normalizeH="0" baseline="0">
         <a:ln>
           <a:noFill/>
         </a:ln>
@@ -67,7 +67,7 @@
       <a:buFontTx/>
       <a:buNone/>
       <a:tabLst/>
-      <a:defRPr b="0" baseline="0" cap="none" i="0" spc="0" strike="noStrike" sz="1800" u="none" kumimoji="0" normalizeH="0">
+      <a:defRPr kumimoji="0" sz="1800" b="0" i="0" u="none" strike="noStrike" cap="none" spc="0" normalizeH="0" baseline="0">
         <a:ln>
           <a:noFill/>
         </a:ln>
@@ -97,7 +97,7 @@
       <a:buFontTx/>
       <a:buNone/>
       <a:tabLst/>
-      <a:defRPr b="0" baseline="0" cap="none" i="0" spc="0" strike="noStrike" sz="1800" u="none" kumimoji="0" normalizeH="0">
+      <a:defRPr kumimoji="0" sz="1800" b="0" i="0" u="none" strike="noStrike" cap="none" spc="0" normalizeH="0" baseline="0">
         <a:ln>
           <a:noFill/>
         </a:ln>
@@ -127,7 +127,7 @@
       <a:buFontTx/>
       <a:buNone/>
       <a:tabLst/>
-      <a:defRPr b="0" baseline="0" cap="none" i="0" spc="0" strike="noStrike" sz="1800" u="none" kumimoji="0" normalizeH="0">
+      <a:defRPr kumimoji="0" sz="1800" b="0" i="0" u="none" strike="noStrike" cap="none" spc="0" normalizeH="0" baseline="0">
         <a:ln>
           <a:noFill/>
         </a:ln>
@@ -157,7 +157,7 @@
       <a:buFontTx/>
       <a:buNone/>
       <a:tabLst/>
-      <a:defRPr b="0" baseline="0" cap="none" i="0" spc="0" strike="noStrike" sz="1800" u="none" kumimoji="0" normalizeH="0">
+      <a:defRPr kumimoji="0" sz="1800" b="0" i="0" u="none" strike="noStrike" cap="none" spc="0" normalizeH="0" baseline="0">
         <a:ln>
           <a:noFill/>
         </a:ln>
@@ -187,7 +187,7 @@
       <a:buFontTx/>
       <a:buNone/>
       <a:tabLst/>
-      <a:defRPr b="0" baseline="0" cap="none" i="0" spc="0" strike="noStrike" sz="1800" u="none" kumimoji="0" normalizeH="0">
+      <a:defRPr kumimoji="0" sz="1800" b="0" i="0" u="none" strike="noStrike" cap="none" spc="0" normalizeH="0" baseline="0">
         <a:ln>
           <a:noFill/>
         </a:ln>
@@ -217,7 +217,7 @@
       <a:buFontTx/>
       <a:buNone/>
       <a:tabLst/>
-      <a:defRPr b="0" baseline="0" cap="none" i="0" spc="0" strike="noStrike" sz="1800" u="none" kumimoji="0" normalizeH="0">
+      <a:defRPr kumimoji="0" sz="1800" b="0" i="0" u="none" strike="noStrike" cap="none" spc="0" normalizeH="0" baseline="0">
         <a:ln>
           <a:noFill/>
         </a:ln>
@@ -247,7 +247,7 @@
       <a:buFontTx/>
       <a:buNone/>
       <a:tabLst/>
-      <a:defRPr b="0" baseline="0" cap="none" i="0" spc="0" strike="noStrike" sz="1800" u="none" kumimoji="0" normalizeH="0">
+      <a:defRPr kumimoji="0" sz="1800" b="0" i="0" u="none" strike="noStrike" cap="none" spc="0" normalizeH="0" baseline="0">
         <a:ln>
           <a:noFill/>
         </a:ln>
@@ -277,7 +277,7 @@
       <a:buFontTx/>
       <a:buNone/>
       <a:tabLst/>
-      <a:defRPr b="0" baseline="0" cap="none" i="0" spc="0" strike="noStrike" sz="1800" u="none" kumimoji="0" normalizeH="0">
+      <a:defRPr kumimoji="0" sz="1800" b="0" i="0" u="none" strike="noStrike" cap="none" spc="0" normalizeH="0" baseline="0">
         <a:ln>
           <a:noFill/>
         </a:ln>
@@ -307,7 +307,7 @@
       <a:buFontTx/>
       <a:buNone/>
       <a:tabLst/>
-      <a:defRPr b="0" baseline="0" cap="none" i="0" spc="0" strike="noStrike" sz="1800" u="none" kumimoji="0" normalizeH="0">
+      <a:defRPr kumimoji="0" sz="1800" b="0" i="0" u="none" strike="noStrike" cap="none" spc="0" normalizeH="0" baseline="0">
         <a:ln>
           <a:noFill/>
         </a:ln>
@@ -323,16 +323,33 @@
       </a:defRPr>
     </a:lvl9pPr>
   </p:defaultTextStyle>
+  <p:extLst>
+    <p:ext uri="{EFAFB233-063F-42B5-8137-9DF3F51BA10A}">
+      <p15:sldGuideLst xmlns:p15="http://schemas.microsoft.com/office/powerpoint/2012/main">
+        <p15:guide id="1" orient="horz" pos="2160" userDrawn="1">
+          <p15:clr>
+            <a:srgbClr val="A4A3A4"/>
+          </p15:clr>
+        </p15:guide>
+        <p15:guide id="2" pos="3840" userDrawn="1">
+          <p15:clr>
+            <a:srgbClr val="A4A3A4"/>
+          </p15:clr>
+        </p15:guide>
+      </p15:sldGuideLst>
+    </p:ext>
+  </p:extLst>
 </p:presentation>
-</file>
-
-<file path=ppt/commentAuthors.xml><?xml version="1.0" encoding="utf-8"?>
-<p:cmAuthorLst xmlns:a="http://schemas.openxmlformats.org/drawingml/2006/main" xmlns:r="http://schemas.openxmlformats.org/officeDocument/2006/relationships" xmlns:p="http://schemas.openxmlformats.org/presentationml/2006/main"/>
 </file>
 
 <file path=ppt/notesMasters/notesMaster1.xml><?xml version="1.0" encoding="utf-8"?>
 <p:notesMaster xmlns:a="http://schemas.openxmlformats.org/drawingml/2006/main" xmlns:r="http://schemas.openxmlformats.org/officeDocument/2006/relationships" xmlns:p="http://schemas.openxmlformats.org/presentationml/2006/main">
   <p:cSld>
+    <p:bg>
+      <p:bgRef idx="1001">
+        <a:schemeClr val="bg1"/>
+      </p:bgRef>
+    </p:bg>
     <p:spTree>
       <p:nvGrpSpPr>
         <p:cNvPr id="1" name=""/>
@@ -350,7 +367,9 @@
       <p:sp>
         <p:nvSpPr>
           <p:cNvPr id="127" name="Shape 127"/>
-          <p:cNvSpPr/>
+          <p:cNvSpPr>
+            <a:spLocks noGrp="1" noRot="1" noChangeAspect="1"/>
+          </p:cNvSpPr>
           <p:nvPr>
             <p:ph type="sldImg"/>
           </p:nvPr>
@@ -368,14 +387,16 @@
           <a:bodyPr/>
           <a:lstStyle/>
           <a:p>
-            <a:pPr/>
+            <a:endParaRPr/>
           </a:p>
         </p:txBody>
       </p:sp>
       <p:sp>
         <p:nvSpPr>
           <p:cNvPr id="128" name="Shape 128"/>
-          <p:cNvSpPr/>
+          <p:cNvSpPr>
+            <a:spLocks noGrp="1"/>
+          </p:cNvSpPr>
           <p:nvPr>
             <p:ph type="body" sz="quarter" idx="1"/>
           </p:nvPr>
@@ -393,7 +414,7 @@
           <a:bodyPr/>
           <a:lstStyle/>
           <a:p>
-            <a:pPr/>
+            <a:endParaRPr/>
           </a:p>
         </p:txBody>
       </p:sp>
@@ -478,7 +499,7 @@
 </file>
 
 <file path=ppt/slideLayouts/slideLayout1.xml><?xml version="1.0" encoding="utf-8"?>
-<p:sldLayout xmlns:a="http://schemas.openxmlformats.org/drawingml/2006/main" xmlns:r="http://schemas.openxmlformats.org/officeDocument/2006/relationships" xmlns:p="http://schemas.openxmlformats.org/presentationml/2006/main" type="title" showMasterSp="1" showMasterPhAnim="1">
+<p:sldLayout xmlns:a="http://schemas.openxmlformats.org/drawingml/2006/main" xmlns:r="http://schemas.openxmlformats.org/officeDocument/2006/relationships" xmlns:p="http://schemas.openxmlformats.org/presentationml/2006/main" type="title">
   <p:cSld name="Titelfolie">
     <p:spTree>
       <p:nvGrpSpPr>
@@ -497,7 +518,9 @@
       <p:sp>
         <p:nvSpPr>
           <p:cNvPr id="11" name="Shape 11"/>
-          <p:cNvSpPr/>
+          <p:cNvSpPr>
+            <a:spLocks noGrp="1"/>
+          </p:cNvSpPr>
           <p:nvPr>
             <p:ph type="title"/>
           </p:nvPr>
@@ -519,7 +542,6 @@
             </a:lvl1pPr>
           </a:lstStyle>
           <a:p>
-            <a:pPr/>
             <a:r>
               <a:t>Mastertitelformat bearbeiten</a:t>
             </a:r>
@@ -529,7 +551,9 @@
       <p:sp>
         <p:nvSpPr>
           <p:cNvPr id="12" name="Shape 12"/>
-          <p:cNvSpPr/>
+          <p:cNvSpPr>
+            <a:spLocks noGrp="1"/>
+          </p:cNvSpPr>
           <p:nvPr>
             <p:ph type="body" sz="quarter" idx="1"/>
           </p:nvPr>
@@ -554,7 +578,6 @@
             </a:lvl1pPr>
           </a:lstStyle>
           <a:p>
-            <a:pPr/>
             <a:r>
               <a:t>Master-Untertitelformat bearbeiten</a:t>
             </a:r>
@@ -564,7 +587,9 @@
       <p:sp>
         <p:nvSpPr>
           <p:cNvPr id="13" name="Shape 13"/>
-          <p:cNvSpPr/>
+          <p:cNvSpPr>
+            <a:spLocks noGrp="1"/>
+          </p:cNvSpPr>
           <p:nvPr>
             <p:ph type="sldNum" sz="quarter" idx="2"/>
           </p:nvPr>
@@ -578,8 +603,10 @@
           <a:bodyPr/>
           <a:lstStyle/>
           <a:p>
-            <a:pPr/>
-            <a:fld id="{86CB4B4D-7CA3-9044-876B-883B54F8677D}" type="slidenum"/>
+            <a:fld id="{86CB4B4D-7CA3-9044-876B-883B54F8677D}" type="slidenum">
+              <a:t>‹Nr.›</a:t>
+            </a:fld>
+            <a:endParaRPr/>
           </a:p>
         </p:txBody>
       </p:sp>
@@ -588,12 +615,12 @@
   <p:clrMapOvr>
     <a:masterClrMapping/>
   </p:clrMapOvr>
-  <p:transition xmlns:p14="http://schemas.microsoft.com/office/powerpoint/2010/main" spd="med" advClick="1"/>
+  <p:transition spd="med"/>
 </p:sldLayout>
 </file>
 
 <file path=ppt/slideLayouts/slideLayout10.xml><?xml version="1.0" encoding="utf-8"?>
-<p:sldLayout xmlns:a="http://schemas.openxmlformats.org/drawingml/2006/main" xmlns:r="http://schemas.openxmlformats.org/officeDocument/2006/relationships" xmlns:p="http://schemas.openxmlformats.org/presentationml/2006/main" type="tx" showMasterSp="1" showMasterPhAnim="1">
+<p:sldLayout xmlns:a="http://schemas.openxmlformats.org/drawingml/2006/main" xmlns:r="http://schemas.openxmlformats.org/officeDocument/2006/relationships" xmlns:p="http://schemas.openxmlformats.org/presentationml/2006/main" type="tx">
   <p:cSld name="Bild mit Überschrift">
     <p:spTree>
       <p:nvGrpSpPr>
@@ -612,7 +639,9 @@
       <p:sp>
         <p:nvSpPr>
           <p:cNvPr id="91" name="Shape 91"/>
-          <p:cNvSpPr/>
+          <p:cNvSpPr>
+            <a:spLocks noGrp="1"/>
+          </p:cNvSpPr>
           <p:nvPr>
             <p:ph type="title"/>
           </p:nvPr>
@@ -634,7 +663,6 @@
             </a:lvl1pPr>
           </a:lstStyle>
           <a:p>
-            <a:pPr/>
             <a:r>
               <a:t>Titeltext</a:t>
             </a:r>
@@ -644,7 +672,9 @@
       <p:sp>
         <p:nvSpPr>
           <p:cNvPr id="92" name="Shape 92"/>
-          <p:cNvSpPr/>
+          <p:cNvSpPr>
+            <a:spLocks noGrp="1"/>
+          </p:cNvSpPr>
           <p:nvPr>
             <p:ph type="pic" sz="half" idx="13"/>
           </p:nvPr>
@@ -664,14 +694,16 @@
           </a:bodyPr>
           <a:lstStyle/>
           <a:p>
-            <a:pPr/>
+            <a:endParaRPr/>
           </a:p>
         </p:txBody>
       </p:sp>
       <p:sp>
         <p:nvSpPr>
           <p:cNvPr id="93" name="Shape 93"/>
-          <p:cNvSpPr/>
+          <p:cNvSpPr>
+            <a:spLocks noGrp="1"/>
+          </p:cNvSpPr>
           <p:nvPr>
             <p:ph type="body" sz="quarter" idx="1"/>
           </p:nvPr>
@@ -720,7 +752,6 @@
             </a:lvl5pPr>
           </a:lstStyle>
           <a:p>
-            <a:pPr/>
             <a:r>
               <a:t>Textebene 1</a:t>
             </a:r>
@@ -754,7 +785,9 @@
       <p:sp>
         <p:nvSpPr>
           <p:cNvPr id="94" name="Shape 94"/>
-          <p:cNvSpPr/>
+          <p:cNvSpPr>
+            <a:spLocks noGrp="1"/>
+          </p:cNvSpPr>
           <p:nvPr>
             <p:ph type="sldNum" sz="quarter" idx="2"/>
           </p:nvPr>
@@ -768,8 +801,10 @@
           <a:bodyPr/>
           <a:lstStyle/>
           <a:p>
-            <a:pPr/>
-            <a:fld id="{86CB4B4D-7CA3-9044-876B-883B54F8677D}" type="slidenum"/>
+            <a:fld id="{86CB4B4D-7CA3-9044-876B-883B54F8677D}" type="slidenum">
+              <a:t>‹Nr.›</a:t>
+            </a:fld>
+            <a:endParaRPr/>
           </a:p>
         </p:txBody>
       </p:sp>
@@ -778,12 +813,12 @@
   <p:clrMapOvr>
     <a:masterClrMapping/>
   </p:clrMapOvr>
-  <p:transition xmlns:p14="http://schemas.microsoft.com/office/powerpoint/2010/main" spd="med" advClick="1"/>
+  <p:transition spd="med"/>
 </p:sldLayout>
 </file>
 
 <file path=ppt/slideLayouts/slideLayout11.xml><?xml version="1.0" encoding="utf-8"?>
-<p:sldLayout xmlns:a="http://schemas.openxmlformats.org/drawingml/2006/main" xmlns:r="http://schemas.openxmlformats.org/officeDocument/2006/relationships" xmlns:p="http://schemas.openxmlformats.org/presentationml/2006/main" type="tx" showMasterSp="1" showMasterPhAnim="1">
+<p:sldLayout xmlns:a="http://schemas.openxmlformats.org/drawingml/2006/main" xmlns:r="http://schemas.openxmlformats.org/officeDocument/2006/relationships" xmlns:p="http://schemas.openxmlformats.org/presentationml/2006/main" type="tx">
   <p:cSld name="Titel und vertikaler Text">
     <p:spTree>
       <p:nvGrpSpPr>
@@ -802,7 +837,9 @@
       <p:sp>
         <p:nvSpPr>
           <p:cNvPr id="101" name="Shape 101"/>
-          <p:cNvSpPr/>
+          <p:cNvSpPr>
+            <a:spLocks noGrp="1"/>
+          </p:cNvSpPr>
           <p:nvPr>
             <p:ph type="title"/>
           </p:nvPr>
@@ -816,7 +853,6 @@
           <a:bodyPr/>
           <a:lstStyle/>
           <a:p>
-            <a:pPr/>
             <a:r>
               <a:t>Titeltext</a:t>
             </a:r>
@@ -826,7 +862,9 @@
       <p:sp>
         <p:nvSpPr>
           <p:cNvPr id="102" name="Shape 102"/>
-          <p:cNvSpPr/>
+          <p:cNvSpPr>
+            <a:spLocks noGrp="1"/>
+          </p:cNvSpPr>
           <p:nvPr>
             <p:ph type="body" idx="1"/>
           </p:nvPr>
@@ -840,7 +878,6 @@
           <a:bodyPr/>
           <a:lstStyle/>
           <a:p>
-            <a:pPr/>
             <a:r>
               <a:t>Textebene 1</a:t>
             </a:r>
@@ -874,7 +911,9 @@
       <p:sp>
         <p:nvSpPr>
           <p:cNvPr id="103" name="Shape 103"/>
-          <p:cNvSpPr/>
+          <p:cNvSpPr>
+            <a:spLocks noGrp="1"/>
+          </p:cNvSpPr>
           <p:nvPr>
             <p:ph type="sldNum" sz="quarter" idx="2"/>
           </p:nvPr>
@@ -888,8 +927,10 @@
           <a:bodyPr/>
           <a:lstStyle/>
           <a:p>
-            <a:pPr/>
-            <a:fld id="{86CB4B4D-7CA3-9044-876B-883B54F8677D}" type="slidenum"/>
+            <a:fld id="{86CB4B4D-7CA3-9044-876B-883B54F8677D}" type="slidenum">
+              <a:t>‹Nr.›</a:t>
+            </a:fld>
+            <a:endParaRPr/>
           </a:p>
         </p:txBody>
       </p:sp>
@@ -898,12 +939,12 @@
   <p:clrMapOvr>
     <a:masterClrMapping/>
   </p:clrMapOvr>
-  <p:transition xmlns:p14="http://schemas.microsoft.com/office/powerpoint/2010/main" spd="med" advClick="1"/>
+  <p:transition spd="med"/>
 </p:sldLayout>
 </file>
 
 <file path=ppt/slideLayouts/slideLayout12.xml><?xml version="1.0" encoding="utf-8"?>
-<p:sldLayout xmlns:a="http://schemas.openxmlformats.org/drawingml/2006/main" xmlns:r="http://schemas.openxmlformats.org/officeDocument/2006/relationships" xmlns:p="http://schemas.openxmlformats.org/presentationml/2006/main" type="tx" showMasterSp="1" showMasterPhAnim="1">
+<p:sldLayout xmlns:a="http://schemas.openxmlformats.org/drawingml/2006/main" xmlns:r="http://schemas.openxmlformats.org/officeDocument/2006/relationships" xmlns:p="http://schemas.openxmlformats.org/presentationml/2006/main" type="tx">
   <p:cSld name="Vertikaler Titel und Text">
     <p:spTree>
       <p:nvGrpSpPr>
@@ -922,7 +963,9 @@
       <p:sp>
         <p:nvSpPr>
           <p:cNvPr id="110" name="Shape 110"/>
-          <p:cNvSpPr/>
+          <p:cNvSpPr>
+            <a:spLocks noGrp="1"/>
+          </p:cNvSpPr>
           <p:nvPr>
             <p:ph type="title"/>
           </p:nvPr>
@@ -940,7 +983,6 @@
           <a:bodyPr/>
           <a:lstStyle/>
           <a:p>
-            <a:pPr/>
             <a:r>
               <a:t>Mastertitelformat bearbeiten</a:t>
             </a:r>
@@ -950,7 +992,9 @@
       <p:sp>
         <p:nvSpPr>
           <p:cNvPr id="111" name="Shape 111"/>
-          <p:cNvSpPr/>
+          <p:cNvSpPr>
+            <a:spLocks noGrp="1"/>
+          </p:cNvSpPr>
           <p:nvPr>
             <p:ph type="body" idx="1"/>
           </p:nvPr>
@@ -968,7 +1012,6 @@
           <a:bodyPr/>
           <a:lstStyle/>
           <a:p>
-            <a:pPr/>
             <a:r>
               <a:t>Mastertextformat bearbeiten</a:t>
             </a:r>
@@ -1002,7 +1045,9 @@
       <p:sp>
         <p:nvSpPr>
           <p:cNvPr id="112" name="Shape 112"/>
-          <p:cNvSpPr/>
+          <p:cNvSpPr>
+            <a:spLocks noGrp="1"/>
+          </p:cNvSpPr>
           <p:nvPr>
             <p:ph type="sldNum" sz="quarter" idx="2"/>
           </p:nvPr>
@@ -1016,8 +1061,10 @@
           <a:bodyPr/>
           <a:lstStyle/>
           <a:p>
-            <a:pPr/>
-            <a:fld id="{86CB4B4D-7CA3-9044-876B-883B54F8677D}" type="slidenum"/>
+            <a:fld id="{86CB4B4D-7CA3-9044-876B-883B54F8677D}" type="slidenum">
+              <a:t>‹Nr.›</a:t>
+            </a:fld>
+            <a:endParaRPr/>
           </a:p>
         </p:txBody>
       </p:sp>
@@ -1026,18 +1073,19 @@
   <p:clrMapOvr>
     <a:masterClrMapping/>
   </p:clrMapOvr>
-  <p:transition xmlns:p14="http://schemas.microsoft.com/office/powerpoint/2010/main" spd="med" advClick="1"/>
+  <p:transition spd="med"/>
 </p:sldLayout>
 </file>
 
 <file path=ppt/slideLayouts/slideLayout13.xml><?xml version="1.0" encoding="utf-8"?>
-<p:sldLayout xmlns:a="http://schemas.openxmlformats.org/drawingml/2006/main" xmlns:r="http://schemas.openxmlformats.org/officeDocument/2006/relationships" xmlns:p="http://schemas.openxmlformats.org/presentationml/2006/main" type="tx" showMasterSp="1" showMasterPhAnim="1">
+<p:sldLayout xmlns:a="http://schemas.openxmlformats.org/drawingml/2006/main" xmlns:r="http://schemas.openxmlformats.org/officeDocument/2006/relationships" xmlns:p="http://schemas.openxmlformats.org/presentationml/2006/main" type="tx">
   <p:cSld name="Titel und Inhalt 0">
     <p:bg>
       <p:bgPr>
         <a:solidFill>
           <a:srgbClr val="E3FDDB"/>
         </a:solidFill>
+        <a:effectLst/>
       </p:bgPr>
     </p:bg>
     <p:spTree>
@@ -1057,7 +1105,9 @@
       <p:sp>
         <p:nvSpPr>
           <p:cNvPr id="119" name="Shape 119"/>
-          <p:cNvSpPr/>
+          <p:cNvSpPr>
+            <a:spLocks noGrp="1"/>
+          </p:cNvSpPr>
           <p:nvPr>
             <p:ph type="title"/>
           </p:nvPr>
@@ -1071,7 +1121,6 @@
           <a:bodyPr/>
           <a:lstStyle/>
           <a:p>
-            <a:pPr/>
             <a:r>
               <a:t>Titeltext</a:t>
             </a:r>
@@ -1081,7 +1130,9 @@
       <p:sp>
         <p:nvSpPr>
           <p:cNvPr id="120" name="Shape 120"/>
-          <p:cNvSpPr/>
+          <p:cNvSpPr>
+            <a:spLocks noGrp="1"/>
+          </p:cNvSpPr>
           <p:nvPr>
             <p:ph type="body" idx="1"/>
           </p:nvPr>
@@ -1095,7 +1146,6 @@
           <a:bodyPr/>
           <a:lstStyle/>
           <a:p>
-            <a:pPr/>
             <a:r>
               <a:t>Textebene 1</a:t>
             </a:r>
@@ -1129,7 +1179,9 @@
       <p:sp>
         <p:nvSpPr>
           <p:cNvPr id="121" name="Shape 121"/>
-          <p:cNvSpPr/>
+          <p:cNvSpPr>
+            <a:spLocks noGrp="1"/>
+          </p:cNvSpPr>
           <p:nvPr>
             <p:ph type="sldNum" sz="quarter" idx="2"/>
           </p:nvPr>
@@ -1143,8 +1195,10 @@
           <a:bodyPr/>
           <a:lstStyle/>
           <a:p>
-            <a:pPr/>
-            <a:fld id="{86CB4B4D-7CA3-9044-876B-883B54F8677D}" type="slidenum"/>
+            <a:fld id="{86CB4B4D-7CA3-9044-876B-883B54F8677D}" type="slidenum">
+              <a:t>‹Nr.›</a:t>
+            </a:fld>
+            <a:endParaRPr/>
           </a:p>
         </p:txBody>
       </p:sp>
@@ -1153,12 +1207,12 @@
   <p:clrMapOvr>
     <a:masterClrMapping/>
   </p:clrMapOvr>
-  <p:transition xmlns:p14="http://schemas.microsoft.com/office/powerpoint/2010/main" spd="med" advClick="1"/>
+  <p:transition spd="med"/>
 </p:sldLayout>
 </file>
 
 <file path=ppt/slideLayouts/slideLayout2.xml><?xml version="1.0" encoding="utf-8"?>
-<p:sldLayout xmlns:a="http://schemas.openxmlformats.org/drawingml/2006/main" xmlns:r="http://schemas.openxmlformats.org/officeDocument/2006/relationships" xmlns:p="http://schemas.openxmlformats.org/presentationml/2006/main" type="tx" showMasterSp="1" showMasterPhAnim="1">
+<p:sldLayout xmlns:a="http://schemas.openxmlformats.org/drawingml/2006/main" xmlns:r="http://schemas.openxmlformats.org/officeDocument/2006/relationships" xmlns:p="http://schemas.openxmlformats.org/presentationml/2006/main" type="tx">
   <p:cSld name="Titel und Inhalt">
     <p:spTree>
       <p:nvGrpSpPr>
@@ -1177,7 +1231,9 @@
       <p:sp>
         <p:nvSpPr>
           <p:cNvPr id="20" name="Shape 20"/>
-          <p:cNvSpPr/>
+          <p:cNvSpPr>
+            <a:spLocks noGrp="1"/>
+          </p:cNvSpPr>
           <p:nvPr>
             <p:ph type="title"/>
           </p:nvPr>
@@ -1191,7 +1247,6 @@
           <a:bodyPr/>
           <a:lstStyle/>
           <a:p>
-            <a:pPr/>
             <a:r>
               <a:t>Titeltext</a:t>
             </a:r>
@@ -1201,7 +1256,9 @@
       <p:sp>
         <p:nvSpPr>
           <p:cNvPr id="21" name="Shape 21"/>
-          <p:cNvSpPr/>
+          <p:cNvSpPr>
+            <a:spLocks noGrp="1"/>
+          </p:cNvSpPr>
           <p:nvPr>
             <p:ph type="body" idx="1"/>
           </p:nvPr>
@@ -1215,7 +1272,6 @@
           <a:bodyPr/>
           <a:lstStyle/>
           <a:p>
-            <a:pPr/>
             <a:r>
               <a:t>Textebene 1</a:t>
             </a:r>
@@ -1249,7 +1305,9 @@
       <p:sp>
         <p:nvSpPr>
           <p:cNvPr id="22" name="Shape 22"/>
-          <p:cNvSpPr/>
+          <p:cNvSpPr>
+            <a:spLocks noGrp="1"/>
+          </p:cNvSpPr>
           <p:nvPr>
             <p:ph type="sldNum" sz="quarter" idx="2"/>
           </p:nvPr>
@@ -1263,8 +1321,10 @@
           <a:bodyPr/>
           <a:lstStyle/>
           <a:p>
-            <a:pPr/>
-            <a:fld id="{86CB4B4D-7CA3-9044-876B-883B54F8677D}" type="slidenum"/>
+            <a:fld id="{86CB4B4D-7CA3-9044-876B-883B54F8677D}" type="slidenum">
+              <a:t>‹Nr.›</a:t>
+            </a:fld>
+            <a:endParaRPr/>
           </a:p>
         </p:txBody>
       </p:sp>
@@ -1273,18 +1333,19 @@
   <p:clrMapOvr>
     <a:masterClrMapping/>
   </p:clrMapOvr>
-  <p:transition xmlns:p14="http://schemas.microsoft.com/office/powerpoint/2010/main" spd="med" advClick="1"/>
+  <p:transition spd="med"/>
 </p:sldLayout>
 </file>
 
 <file path=ppt/slideLayouts/slideLayout3.xml><?xml version="1.0" encoding="utf-8"?>
-<p:sldLayout xmlns:a="http://schemas.openxmlformats.org/drawingml/2006/main" xmlns:r="http://schemas.openxmlformats.org/officeDocument/2006/relationships" xmlns:p="http://schemas.openxmlformats.org/presentationml/2006/main" type="tx" showMasterSp="1" showMasterPhAnim="1">
+<p:sldLayout xmlns:a="http://schemas.openxmlformats.org/drawingml/2006/main" xmlns:r="http://schemas.openxmlformats.org/officeDocument/2006/relationships" xmlns:p="http://schemas.openxmlformats.org/presentationml/2006/main" type="tx">
   <p:cSld name="Titel und Inhalt 0">
     <p:bg>
       <p:bgPr>
         <a:solidFill>
           <a:srgbClr val="E3FDDB"/>
         </a:solidFill>
+        <a:effectLst/>
       </p:bgPr>
     </p:bg>
     <p:spTree>
@@ -1304,7 +1365,9 @@
       <p:sp>
         <p:nvSpPr>
           <p:cNvPr id="29" name="Shape 29"/>
-          <p:cNvSpPr/>
+          <p:cNvSpPr>
+            <a:spLocks noGrp="1"/>
+          </p:cNvSpPr>
           <p:nvPr>
             <p:ph type="title"/>
           </p:nvPr>
@@ -1318,7 +1381,6 @@
           <a:bodyPr/>
           <a:lstStyle/>
           <a:p>
-            <a:pPr/>
             <a:r>
               <a:t>Mastertitelformat bearbeiten</a:t>
             </a:r>
@@ -1328,7 +1390,9 @@
       <p:sp>
         <p:nvSpPr>
           <p:cNvPr id="30" name="Shape 30"/>
-          <p:cNvSpPr/>
+          <p:cNvSpPr>
+            <a:spLocks noGrp="1"/>
+          </p:cNvSpPr>
           <p:nvPr>
             <p:ph type="body" idx="1"/>
           </p:nvPr>
@@ -1342,7 +1406,6 @@
           <a:bodyPr/>
           <a:lstStyle/>
           <a:p>
-            <a:pPr/>
             <a:r>
               <a:t>Mastertextformat bearbeiten</a:t>
             </a:r>
@@ -1376,7 +1439,9 @@
       <p:sp>
         <p:nvSpPr>
           <p:cNvPr id="31" name="Shape 31"/>
-          <p:cNvSpPr/>
+          <p:cNvSpPr>
+            <a:spLocks noGrp="1"/>
+          </p:cNvSpPr>
           <p:nvPr>
             <p:ph type="sldNum" sz="quarter" idx="2"/>
           </p:nvPr>
@@ -1390,8 +1455,10 @@
           <a:bodyPr/>
           <a:lstStyle/>
           <a:p>
-            <a:pPr/>
-            <a:fld id="{86CB4B4D-7CA3-9044-876B-883B54F8677D}" type="slidenum"/>
+            <a:fld id="{86CB4B4D-7CA3-9044-876B-883B54F8677D}" type="slidenum">
+              <a:t>‹Nr.›</a:t>
+            </a:fld>
+            <a:endParaRPr/>
           </a:p>
         </p:txBody>
       </p:sp>
@@ -1400,12 +1467,12 @@
   <p:clrMapOvr>
     <a:masterClrMapping/>
   </p:clrMapOvr>
-  <p:transition xmlns:p14="http://schemas.microsoft.com/office/powerpoint/2010/main" spd="med" advClick="1"/>
+  <p:transition spd="med"/>
 </p:sldLayout>
 </file>
 
 <file path=ppt/slideLayouts/slideLayout4.xml><?xml version="1.0" encoding="utf-8"?>
-<p:sldLayout xmlns:a="http://schemas.openxmlformats.org/drawingml/2006/main" xmlns:r="http://schemas.openxmlformats.org/officeDocument/2006/relationships" xmlns:p="http://schemas.openxmlformats.org/presentationml/2006/main" type="tx" showMasterSp="1" showMasterPhAnim="1">
+<p:sldLayout xmlns:a="http://schemas.openxmlformats.org/drawingml/2006/main" xmlns:r="http://schemas.openxmlformats.org/officeDocument/2006/relationships" xmlns:p="http://schemas.openxmlformats.org/presentationml/2006/main" type="tx">
   <p:cSld name="Abschnitts-&#10;überschrift">
     <p:spTree>
       <p:nvGrpSpPr>
@@ -1424,7 +1491,9 @@
       <p:sp>
         <p:nvSpPr>
           <p:cNvPr id="38" name="Shape 38"/>
-          <p:cNvSpPr/>
+          <p:cNvSpPr>
+            <a:spLocks noGrp="1"/>
+          </p:cNvSpPr>
           <p:nvPr>
             <p:ph type="title"/>
           </p:nvPr>
@@ -1446,7 +1515,6 @@
             </a:lvl1pPr>
           </a:lstStyle>
           <a:p>
-            <a:pPr/>
             <a:r>
               <a:t>Titeltext</a:t>
             </a:r>
@@ -1456,7 +1524,9 @@
       <p:sp>
         <p:nvSpPr>
           <p:cNvPr id="39" name="Shape 39"/>
-          <p:cNvSpPr/>
+          <p:cNvSpPr>
+            <a:spLocks noGrp="1"/>
+          </p:cNvSpPr>
           <p:nvPr>
             <p:ph type="body" sz="quarter" idx="1"/>
           </p:nvPr>
@@ -1525,7 +1595,6 @@
             </a:lvl5pPr>
           </a:lstStyle>
           <a:p>
-            <a:pPr/>
             <a:r>
               <a:t>Textebene 1</a:t>
             </a:r>
@@ -1559,7 +1628,9 @@
       <p:sp>
         <p:nvSpPr>
           <p:cNvPr id="40" name="Shape 40"/>
-          <p:cNvSpPr/>
+          <p:cNvSpPr>
+            <a:spLocks noGrp="1"/>
+          </p:cNvSpPr>
           <p:nvPr>
             <p:ph type="sldNum" sz="quarter" idx="2"/>
           </p:nvPr>
@@ -1573,8 +1644,10 @@
           <a:bodyPr/>
           <a:lstStyle/>
           <a:p>
-            <a:pPr/>
-            <a:fld id="{86CB4B4D-7CA3-9044-876B-883B54F8677D}" type="slidenum"/>
+            <a:fld id="{86CB4B4D-7CA3-9044-876B-883B54F8677D}" type="slidenum">
+              <a:t>‹Nr.›</a:t>
+            </a:fld>
+            <a:endParaRPr/>
           </a:p>
         </p:txBody>
       </p:sp>
@@ -1583,12 +1656,12 @@
   <p:clrMapOvr>
     <a:masterClrMapping/>
   </p:clrMapOvr>
-  <p:transition xmlns:p14="http://schemas.microsoft.com/office/powerpoint/2010/main" spd="med" advClick="1"/>
+  <p:transition spd="med"/>
 </p:sldLayout>
 </file>
 
 <file path=ppt/slideLayouts/slideLayout5.xml><?xml version="1.0" encoding="utf-8"?>
-<p:sldLayout xmlns:a="http://schemas.openxmlformats.org/drawingml/2006/main" xmlns:r="http://schemas.openxmlformats.org/officeDocument/2006/relationships" xmlns:p="http://schemas.openxmlformats.org/presentationml/2006/main" type="tx" showMasterSp="1" showMasterPhAnim="1">
+<p:sldLayout xmlns:a="http://schemas.openxmlformats.org/drawingml/2006/main" xmlns:r="http://schemas.openxmlformats.org/officeDocument/2006/relationships" xmlns:p="http://schemas.openxmlformats.org/presentationml/2006/main" type="tx">
   <p:cSld name="Zwei Inhalte">
     <p:spTree>
       <p:nvGrpSpPr>
@@ -1607,7 +1680,9 @@
       <p:sp>
         <p:nvSpPr>
           <p:cNvPr id="47" name="Shape 47"/>
-          <p:cNvSpPr/>
+          <p:cNvSpPr>
+            <a:spLocks noGrp="1"/>
+          </p:cNvSpPr>
           <p:nvPr>
             <p:ph type="title"/>
           </p:nvPr>
@@ -1621,7 +1696,6 @@
           <a:bodyPr/>
           <a:lstStyle/>
           <a:p>
-            <a:pPr/>
             <a:r>
               <a:t>Mastertitelformat bearbeiten</a:t>
             </a:r>
@@ -1631,7 +1705,9 @@
       <p:sp>
         <p:nvSpPr>
           <p:cNvPr id="48" name="Shape 48"/>
-          <p:cNvSpPr/>
+          <p:cNvSpPr>
+            <a:spLocks noGrp="1"/>
+          </p:cNvSpPr>
           <p:nvPr>
             <p:ph type="body" sz="half" idx="1"/>
           </p:nvPr>
@@ -1649,7 +1725,6 @@
           <a:bodyPr/>
           <a:lstStyle/>
           <a:p>
-            <a:pPr/>
             <a:r>
               <a:t>Mastertextformat bearbeiten</a:t>
             </a:r>
@@ -1683,7 +1758,9 @@
       <p:sp>
         <p:nvSpPr>
           <p:cNvPr id="49" name="Shape 49"/>
-          <p:cNvSpPr/>
+          <p:cNvSpPr>
+            <a:spLocks noGrp="1"/>
+          </p:cNvSpPr>
           <p:nvPr>
             <p:ph type="sldNum" sz="quarter" idx="2"/>
           </p:nvPr>
@@ -1697,8 +1774,10 @@
           <a:bodyPr/>
           <a:lstStyle/>
           <a:p>
-            <a:pPr/>
-            <a:fld id="{86CB4B4D-7CA3-9044-876B-883B54F8677D}" type="slidenum"/>
+            <a:fld id="{86CB4B4D-7CA3-9044-876B-883B54F8677D}" type="slidenum">
+              <a:t>‹Nr.›</a:t>
+            </a:fld>
+            <a:endParaRPr/>
           </a:p>
         </p:txBody>
       </p:sp>
@@ -1707,12 +1786,12 @@
   <p:clrMapOvr>
     <a:masterClrMapping/>
   </p:clrMapOvr>
-  <p:transition xmlns:p14="http://schemas.microsoft.com/office/powerpoint/2010/main" spd="med" advClick="1"/>
+  <p:transition spd="med"/>
 </p:sldLayout>
 </file>
 
 <file path=ppt/slideLayouts/slideLayout6.xml><?xml version="1.0" encoding="utf-8"?>
-<p:sldLayout xmlns:a="http://schemas.openxmlformats.org/drawingml/2006/main" xmlns:r="http://schemas.openxmlformats.org/officeDocument/2006/relationships" xmlns:p="http://schemas.openxmlformats.org/presentationml/2006/main" type="tx" showMasterSp="1" showMasterPhAnim="1">
+<p:sldLayout xmlns:a="http://schemas.openxmlformats.org/drawingml/2006/main" xmlns:r="http://schemas.openxmlformats.org/officeDocument/2006/relationships" xmlns:p="http://schemas.openxmlformats.org/presentationml/2006/main" type="tx">
   <p:cSld name="Vergleich">
     <p:spTree>
       <p:nvGrpSpPr>
@@ -1731,7 +1810,9 @@
       <p:sp>
         <p:nvSpPr>
           <p:cNvPr id="56" name="Shape 56"/>
-          <p:cNvSpPr/>
+          <p:cNvSpPr>
+            <a:spLocks noGrp="1"/>
+          </p:cNvSpPr>
           <p:nvPr>
             <p:ph type="title"/>
           </p:nvPr>
@@ -1749,7 +1830,6 @@
           <a:bodyPr/>
           <a:lstStyle/>
           <a:p>
-            <a:pPr/>
             <a:r>
               <a:t>Mastertitelformat bearbeiten</a:t>
             </a:r>
@@ -1759,7 +1839,9 @@
       <p:sp>
         <p:nvSpPr>
           <p:cNvPr id="57" name="Shape 57"/>
-          <p:cNvSpPr/>
+          <p:cNvSpPr>
+            <a:spLocks noGrp="1"/>
+          </p:cNvSpPr>
           <p:nvPr>
             <p:ph type="body" sz="quarter" idx="1"/>
           </p:nvPr>
@@ -1780,11 +1862,10 @@
               <a:buSzTx/>
               <a:buFontTx/>
               <a:buNone/>
-              <a:defRPr b="1" sz="2400"/>
+              <a:defRPr sz="2400" b="1"/>
             </a:lvl1pPr>
           </a:lstStyle>
           <a:p>
-            <a:pPr/>
             <a:r>
               <a:t>Mastertextformat bearbeiten</a:t>
             </a:r>
@@ -1794,7 +1875,9 @@
       <p:sp>
         <p:nvSpPr>
           <p:cNvPr id="58" name="Shape 58"/>
-          <p:cNvSpPr/>
+          <p:cNvSpPr>
+            <a:spLocks noGrp="1"/>
+          </p:cNvSpPr>
           <p:nvPr>
             <p:ph type="body" sz="quarter" idx="13"/>
           </p:nvPr>
@@ -1812,14 +1895,16 @@
           <a:bodyPr anchor="b"/>
           <a:lstStyle/>
           <a:p>
-            <a:pPr/>
+            <a:endParaRPr/>
           </a:p>
         </p:txBody>
       </p:sp>
       <p:sp>
         <p:nvSpPr>
           <p:cNvPr id="59" name="Shape 59"/>
-          <p:cNvSpPr/>
+          <p:cNvSpPr>
+            <a:spLocks noGrp="1"/>
+          </p:cNvSpPr>
           <p:nvPr>
             <p:ph type="sldNum" sz="quarter" idx="2"/>
           </p:nvPr>
@@ -1833,8 +1918,10 @@
           <a:bodyPr/>
           <a:lstStyle/>
           <a:p>
-            <a:pPr/>
-            <a:fld id="{86CB4B4D-7CA3-9044-876B-883B54F8677D}" type="slidenum"/>
+            <a:fld id="{86CB4B4D-7CA3-9044-876B-883B54F8677D}" type="slidenum">
+              <a:t>‹Nr.›</a:t>
+            </a:fld>
+            <a:endParaRPr/>
           </a:p>
         </p:txBody>
       </p:sp>
@@ -1843,12 +1930,12 @@
   <p:clrMapOvr>
     <a:masterClrMapping/>
   </p:clrMapOvr>
-  <p:transition xmlns:p14="http://schemas.microsoft.com/office/powerpoint/2010/main" spd="med" advClick="1"/>
+  <p:transition spd="med"/>
 </p:sldLayout>
 </file>
 
 <file path=ppt/slideLayouts/slideLayout7.xml><?xml version="1.0" encoding="utf-8"?>
-<p:sldLayout xmlns:a="http://schemas.openxmlformats.org/drawingml/2006/main" xmlns:r="http://schemas.openxmlformats.org/officeDocument/2006/relationships" xmlns:p="http://schemas.openxmlformats.org/presentationml/2006/main" type="tx" showMasterSp="1" showMasterPhAnim="1">
+<p:sldLayout xmlns:a="http://schemas.openxmlformats.org/drawingml/2006/main" xmlns:r="http://schemas.openxmlformats.org/officeDocument/2006/relationships" xmlns:p="http://schemas.openxmlformats.org/presentationml/2006/main" type="tx">
   <p:cSld name="Nur Titel">
     <p:spTree>
       <p:nvGrpSpPr>
@@ -1867,7 +1954,9 @@
       <p:sp>
         <p:nvSpPr>
           <p:cNvPr id="66" name="Shape 66"/>
-          <p:cNvSpPr/>
+          <p:cNvSpPr>
+            <a:spLocks noGrp="1"/>
+          </p:cNvSpPr>
           <p:nvPr>
             <p:ph type="title"/>
           </p:nvPr>
@@ -1881,7 +1970,6 @@
           <a:bodyPr/>
           <a:lstStyle/>
           <a:p>
-            <a:pPr/>
             <a:r>
               <a:t>Titeltext</a:t>
             </a:r>
@@ -1891,7 +1979,9 @@
       <p:sp>
         <p:nvSpPr>
           <p:cNvPr id="67" name="Shape 67"/>
-          <p:cNvSpPr/>
+          <p:cNvSpPr>
+            <a:spLocks noGrp="1"/>
+          </p:cNvSpPr>
           <p:nvPr>
             <p:ph type="sldNum" sz="quarter" idx="2"/>
           </p:nvPr>
@@ -1905,8 +1995,10 @@
           <a:bodyPr/>
           <a:lstStyle/>
           <a:p>
-            <a:pPr/>
-            <a:fld id="{86CB4B4D-7CA3-9044-876B-883B54F8677D}" type="slidenum"/>
+            <a:fld id="{86CB4B4D-7CA3-9044-876B-883B54F8677D}" type="slidenum">
+              <a:t>‹Nr.›</a:t>
+            </a:fld>
+            <a:endParaRPr/>
           </a:p>
         </p:txBody>
       </p:sp>
@@ -1915,12 +2007,12 @@
   <p:clrMapOvr>
     <a:masterClrMapping/>
   </p:clrMapOvr>
-  <p:transition xmlns:p14="http://schemas.microsoft.com/office/powerpoint/2010/main" spd="med" advClick="1"/>
+  <p:transition spd="med"/>
 </p:sldLayout>
 </file>
 
 <file path=ppt/slideLayouts/slideLayout8.xml><?xml version="1.0" encoding="utf-8"?>
-<p:sldLayout xmlns:a="http://schemas.openxmlformats.org/drawingml/2006/main" xmlns:r="http://schemas.openxmlformats.org/officeDocument/2006/relationships" xmlns:p="http://schemas.openxmlformats.org/presentationml/2006/main" type="tx" showMasterSp="1" showMasterPhAnim="1">
+<p:sldLayout xmlns:a="http://schemas.openxmlformats.org/drawingml/2006/main" xmlns:r="http://schemas.openxmlformats.org/officeDocument/2006/relationships" xmlns:p="http://schemas.openxmlformats.org/presentationml/2006/main" type="tx">
   <p:cSld name="Leer">
     <p:spTree>
       <p:nvGrpSpPr>
@@ -1939,7 +2031,9 @@
       <p:sp>
         <p:nvSpPr>
           <p:cNvPr id="74" name="Shape 74"/>
-          <p:cNvSpPr/>
+          <p:cNvSpPr>
+            <a:spLocks noGrp="1"/>
+          </p:cNvSpPr>
           <p:nvPr>
             <p:ph type="sldNum" sz="quarter" idx="2"/>
           </p:nvPr>
@@ -1953,8 +2047,10 @@
           <a:bodyPr/>
           <a:lstStyle/>
           <a:p>
-            <a:pPr/>
-            <a:fld id="{86CB4B4D-7CA3-9044-876B-883B54F8677D}" type="slidenum"/>
+            <a:fld id="{86CB4B4D-7CA3-9044-876B-883B54F8677D}" type="slidenum">
+              <a:t>‹Nr.›</a:t>
+            </a:fld>
+            <a:endParaRPr/>
           </a:p>
         </p:txBody>
       </p:sp>
@@ -1963,12 +2059,12 @@
   <p:clrMapOvr>
     <a:masterClrMapping/>
   </p:clrMapOvr>
-  <p:transition xmlns:p14="http://schemas.microsoft.com/office/powerpoint/2010/main" spd="med" advClick="1"/>
+  <p:transition spd="med"/>
 </p:sldLayout>
 </file>
 
 <file path=ppt/slideLayouts/slideLayout9.xml><?xml version="1.0" encoding="utf-8"?>
-<p:sldLayout xmlns:a="http://schemas.openxmlformats.org/drawingml/2006/main" xmlns:r="http://schemas.openxmlformats.org/officeDocument/2006/relationships" xmlns:p="http://schemas.openxmlformats.org/presentationml/2006/main" type="tx" showMasterSp="1" showMasterPhAnim="1">
+<p:sldLayout xmlns:a="http://schemas.openxmlformats.org/drawingml/2006/main" xmlns:r="http://schemas.openxmlformats.org/officeDocument/2006/relationships" xmlns:p="http://schemas.openxmlformats.org/presentationml/2006/main" type="tx">
   <p:cSld name="Inhalt mit Überschrift">
     <p:spTree>
       <p:nvGrpSpPr>
@@ -1987,7 +2083,9 @@
       <p:sp>
         <p:nvSpPr>
           <p:cNvPr id="81" name="Shape 81"/>
-          <p:cNvSpPr/>
+          <p:cNvSpPr>
+            <a:spLocks noGrp="1"/>
+          </p:cNvSpPr>
           <p:nvPr>
             <p:ph type="title"/>
           </p:nvPr>
@@ -2009,7 +2107,6 @@
             </a:lvl1pPr>
           </a:lstStyle>
           <a:p>
-            <a:pPr/>
             <a:r>
               <a:t>Titeltext</a:t>
             </a:r>
@@ -2019,7 +2116,9 @@
       <p:sp>
         <p:nvSpPr>
           <p:cNvPr id="82" name="Shape 82"/>
-          <p:cNvSpPr/>
+          <p:cNvSpPr>
+            <a:spLocks noGrp="1"/>
+          </p:cNvSpPr>
           <p:nvPr>
             <p:ph type="body" sz="half" idx="1"/>
           </p:nvPr>
@@ -2053,7 +2152,6 @@
             </a:lvl5pPr>
           </a:lstStyle>
           <a:p>
-            <a:pPr/>
             <a:r>
               <a:t>Textebene 1</a:t>
             </a:r>
@@ -2087,7 +2185,9 @@
       <p:sp>
         <p:nvSpPr>
           <p:cNvPr id="83" name="Shape 83"/>
-          <p:cNvSpPr/>
+          <p:cNvSpPr>
+            <a:spLocks noGrp="1"/>
+          </p:cNvSpPr>
           <p:nvPr>
             <p:ph type="body" sz="quarter" idx="13"/>
           </p:nvPr>
@@ -2105,14 +2205,16 @@
           <a:bodyPr/>
           <a:lstStyle/>
           <a:p>
-            <a:pPr/>
+            <a:endParaRPr/>
           </a:p>
         </p:txBody>
       </p:sp>
       <p:sp>
         <p:nvSpPr>
           <p:cNvPr id="84" name="Shape 84"/>
-          <p:cNvSpPr/>
+          <p:cNvSpPr>
+            <a:spLocks noGrp="1"/>
+          </p:cNvSpPr>
           <p:nvPr>
             <p:ph type="sldNum" sz="quarter" idx="2"/>
           </p:nvPr>
@@ -2126,8 +2228,10 @@
           <a:bodyPr/>
           <a:lstStyle/>
           <a:p>
-            <a:pPr/>
-            <a:fld id="{86CB4B4D-7CA3-9044-876B-883B54F8677D}" type="slidenum"/>
+            <a:fld id="{86CB4B4D-7CA3-9044-876B-883B54F8677D}" type="slidenum">
+              <a:t>‹Nr.›</a:t>
+            </a:fld>
+            <a:endParaRPr/>
           </a:p>
         </p:txBody>
       </p:sp>
@@ -2136,7 +2240,7 @@
   <p:clrMapOvr>
     <a:masterClrMapping/>
   </p:clrMapOvr>
-  <p:transition xmlns:p14="http://schemas.microsoft.com/office/powerpoint/2010/main" spd="med" advClick="1"/>
+  <p:transition spd="med"/>
 </p:sldLayout>
 </file>
 
@@ -2148,6 +2252,7 @@
         <a:solidFill>
           <a:srgbClr val="FFFFFF"/>
         </a:solidFill>
+        <a:effectLst/>
       </p:bgPr>
     </p:bg>
     <p:spTree>
@@ -2167,7 +2272,9 @@
       <p:sp>
         <p:nvSpPr>
           <p:cNvPr id="2" name="Shape 2"/>
-          <p:cNvSpPr/>
+          <p:cNvSpPr>
+            <a:spLocks noGrp="1"/>
+          </p:cNvSpPr>
           <p:nvPr>
             <p:ph type="title"/>
           </p:nvPr>
@@ -2185,17 +2292,16 @@
           </a:ln>
           <a:extLst>
             <a:ext uri="{C572A759-6A51-4108-AA02-DFA0A04FC94B}">
-              <ma14:wrappingTextBoxFlag xmlns:ma14="http://schemas.microsoft.com/office/mac/drawingml/2011/main" val="1"/>
+              <ma14:wrappingTextBoxFlag xmlns:ma14="http://schemas.microsoft.com/office/mac/drawingml/2011/main" xmlns="" val="1"/>
             </a:ext>
           </a:extLst>
         </p:spPr>
         <p:txBody>
           <a:bodyPr lIns="45718" tIns="45718" rIns="45718" bIns="45718" anchor="ctr">
-            <a:normAutofit fontScale="100000" lnSpcReduction="0"/>
+            <a:normAutofit/>
           </a:bodyPr>
           <a:lstStyle/>
           <a:p>
-            <a:pPr/>
             <a:r>
               <a:t>Titeltext</a:t>
             </a:r>
@@ -2205,7 +2311,9 @@
       <p:sp>
         <p:nvSpPr>
           <p:cNvPr id="3" name="Shape 3"/>
-          <p:cNvSpPr/>
+          <p:cNvSpPr>
+            <a:spLocks noGrp="1"/>
+          </p:cNvSpPr>
           <p:nvPr>
             <p:ph type="body" idx="1"/>
           </p:nvPr>
@@ -2223,17 +2331,16 @@
           </a:ln>
           <a:extLst>
             <a:ext uri="{C572A759-6A51-4108-AA02-DFA0A04FC94B}">
-              <ma14:wrappingTextBoxFlag xmlns:ma14="http://schemas.microsoft.com/office/mac/drawingml/2011/main" val="1"/>
+              <ma14:wrappingTextBoxFlag xmlns:ma14="http://schemas.microsoft.com/office/mac/drawingml/2011/main" xmlns="" val="1"/>
             </a:ext>
           </a:extLst>
         </p:spPr>
         <p:txBody>
           <a:bodyPr lIns="45718" tIns="45718" rIns="45718" bIns="45718">
-            <a:normAutofit fontScale="100000" lnSpcReduction="0"/>
+            <a:normAutofit/>
           </a:bodyPr>
           <a:lstStyle/>
           <a:p>
-            <a:pPr/>
             <a:r>
               <a:t>Textebene 1</a:t>
             </a:r>
@@ -2267,7 +2374,9 @@
       <p:sp>
         <p:nvSpPr>
           <p:cNvPr id="4" name="Shape 4"/>
-          <p:cNvSpPr/>
+          <p:cNvSpPr>
+            <a:spLocks noGrp="1"/>
+          </p:cNvSpPr>
           <p:nvPr>
             <p:ph type="sldNum" sz="quarter" idx="2"/>
           </p:nvPr>
@@ -2298,8 +2407,10 @@
             </a:lvl1pPr>
           </a:lstStyle>
           <a:p>
-            <a:pPr/>
-            <a:fld id="{86CB4B4D-7CA3-9044-876B-883B54F8677D}" type="slidenum"/>
+            <a:fld id="{86CB4B4D-7CA3-9044-876B-883B54F8677D}" type="slidenum">
+              <a:t>‹Nr.›</a:t>
+            </a:fld>
+            <a:endParaRPr/>
           </a:p>
         </p:txBody>
       </p:sp>
@@ -2307,21 +2418,21 @@
   </p:cSld>
   <p:clrMap bg1="lt1" tx1="dk1" bg2="lt2" tx2="dk2" accent1="accent1" accent2="accent2" accent3="accent3" accent4="accent4" accent5="accent5" accent6="accent6" hlink="hlink" folHlink="folHlink"/>
   <p:sldLayoutIdLst>
-    <p:sldLayoutId id="2147483649" r:id="rId2"/>
-    <p:sldLayoutId id="2147483650" r:id="rId3"/>
-    <p:sldLayoutId id="2147483651" r:id="rId4"/>
-    <p:sldLayoutId id="2147483652" r:id="rId5"/>
-    <p:sldLayoutId id="2147483653" r:id="rId6"/>
-    <p:sldLayoutId id="2147483654" r:id="rId7"/>
-    <p:sldLayoutId id="2147483655" r:id="rId8"/>
-    <p:sldLayoutId id="2147483656" r:id="rId9"/>
-    <p:sldLayoutId id="2147483657" r:id="rId10"/>
-    <p:sldLayoutId id="2147483658" r:id="rId11"/>
-    <p:sldLayoutId id="2147483659" r:id="rId12"/>
-    <p:sldLayoutId id="2147483660" r:id="rId13"/>
-    <p:sldLayoutId id="2147483661" r:id="rId14"/>
+    <p:sldLayoutId id="2147483649" r:id="rId1"/>
+    <p:sldLayoutId id="2147483650" r:id="rId2"/>
+    <p:sldLayoutId id="2147483651" r:id="rId3"/>
+    <p:sldLayoutId id="2147483652" r:id="rId4"/>
+    <p:sldLayoutId id="2147483653" r:id="rId5"/>
+    <p:sldLayoutId id="2147483654" r:id="rId6"/>
+    <p:sldLayoutId id="2147483655" r:id="rId7"/>
+    <p:sldLayoutId id="2147483656" r:id="rId8"/>
+    <p:sldLayoutId id="2147483657" r:id="rId9"/>
+    <p:sldLayoutId id="2147483658" r:id="rId10"/>
+    <p:sldLayoutId id="2147483659" r:id="rId11"/>
+    <p:sldLayoutId id="2147483660" r:id="rId12"/>
+    <p:sldLayoutId id="2147483661" r:id="rId13"/>
   </p:sldLayoutIdLst>
-  <p:transition xmlns:p14="http://schemas.microsoft.com/office/powerpoint/2010/main" spd="med" advClick="1"/>
+  <p:transition spd="med"/>
   <p:txStyles>
     <p:titleStyle>
       <a:lvl1pPr marL="0" marR="0" indent="0" algn="l" defTabSz="914400" rtl="0" latinLnBrk="0">
@@ -2339,7 +2450,7 @@
         <a:buFontTx/>
         <a:buNone/>
         <a:tabLst/>
-        <a:defRPr b="0" baseline="0" cap="none" i="0" spc="0" strike="noStrike" sz="4400" u="none">
+        <a:defRPr sz="4400" b="0" i="0" u="none" strike="noStrike" cap="none" spc="0" baseline="0">
           <a:ln>
             <a:noFill/>
           </a:ln>
@@ -2368,7 +2479,7 @@
         <a:buFontTx/>
         <a:buNone/>
         <a:tabLst/>
-        <a:defRPr b="0" baseline="0" cap="none" i="0" spc="0" strike="noStrike" sz="4400" u="none">
+        <a:defRPr sz="4400" b="0" i="0" u="none" strike="noStrike" cap="none" spc="0" baseline="0">
           <a:ln>
             <a:noFill/>
           </a:ln>
@@ -2397,7 +2508,7 @@
         <a:buFontTx/>
         <a:buNone/>
         <a:tabLst/>
-        <a:defRPr b="0" baseline="0" cap="none" i="0" spc="0" strike="noStrike" sz="4400" u="none">
+        <a:defRPr sz="4400" b="0" i="0" u="none" strike="noStrike" cap="none" spc="0" baseline="0">
           <a:ln>
             <a:noFill/>
           </a:ln>
@@ -2426,7 +2537,7 @@
         <a:buFontTx/>
         <a:buNone/>
         <a:tabLst/>
-        <a:defRPr b="0" baseline="0" cap="none" i="0" spc="0" strike="noStrike" sz="4400" u="none">
+        <a:defRPr sz="4400" b="0" i="0" u="none" strike="noStrike" cap="none" spc="0" baseline="0">
           <a:ln>
             <a:noFill/>
           </a:ln>
@@ -2455,7 +2566,7 @@
         <a:buFontTx/>
         <a:buNone/>
         <a:tabLst/>
-        <a:defRPr b="0" baseline="0" cap="none" i="0" spc="0" strike="noStrike" sz="4400" u="none">
+        <a:defRPr sz="4400" b="0" i="0" u="none" strike="noStrike" cap="none" spc="0" baseline="0">
           <a:ln>
             <a:noFill/>
           </a:ln>
@@ -2484,7 +2595,7 @@
         <a:buFontTx/>
         <a:buNone/>
         <a:tabLst/>
-        <a:defRPr b="0" baseline="0" cap="none" i="0" spc="0" strike="noStrike" sz="4400" u="none">
+        <a:defRPr sz="4400" b="0" i="0" u="none" strike="noStrike" cap="none" spc="0" baseline="0">
           <a:ln>
             <a:noFill/>
           </a:ln>
@@ -2513,7 +2624,7 @@
         <a:buFontTx/>
         <a:buNone/>
         <a:tabLst/>
-        <a:defRPr b="0" baseline="0" cap="none" i="0" spc="0" strike="noStrike" sz="4400" u="none">
+        <a:defRPr sz="4400" b="0" i="0" u="none" strike="noStrike" cap="none" spc="0" baseline="0">
           <a:ln>
             <a:noFill/>
           </a:ln>
@@ -2542,7 +2653,7 @@
         <a:buFontTx/>
         <a:buNone/>
         <a:tabLst/>
-        <a:defRPr b="0" baseline="0" cap="none" i="0" spc="0" strike="noStrike" sz="4400" u="none">
+        <a:defRPr sz="4400" b="0" i="0" u="none" strike="noStrike" cap="none" spc="0" baseline="0">
           <a:ln>
             <a:noFill/>
           </a:ln>
@@ -2571,7 +2682,7 @@
         <a:buFontTx/>
         <a:buNone/>
         <a:tabLst/>
-        <a:defRPr b="0" baseline="0" cap="none" i="0" spc="0" strike="noStrike" sz="4400" u="none">
+        <a:defRPr sz="4400" b="0" i="0" u="none" strike="noStrike" cap="none" spc="0" baseline="0">
           <a:ln>
             <a:noFill/>
           </a:ln>
@@ -2602,7 +2713,7 @@
         <a:buFont typeface="Arial"/>
         <a:buChar char="•"/>
         <a:tabLst/>
-        <a:defRPr b="0" baseline="0" cap="none" i="0" spc="0" strike="noStrike" sz="2800" u="none">
+        <a:defRPr sz="2800" b="0" i="0" u="none" strike="noStrike" cap="none" spc="0" baseline="0">
           <a:ln>
             <a:noFill/>
           </a:ln>
@@ -2631,7 +2742,7 @@
         <a:buFont typeface="Arial"/>
         <a:buChar char="•"/>
         <a:tabLst/>
-        <a:defRPr b="0" baseline="0" cap="none" i="0" spc="0" strike="noStrike" sz="2800" u="none">
+        <a:defRPr sz="2800" b="0" i="0" u="none" strike="noStrike" cap="none" spc="0" baseline="0">
           <a:ln>
             <a:noFill/>
           </a:ln>
@@ -2660,7 +2771,7 @@
         <a:buFont typeface="Arial"/>
         <a:buChar char="•"/>
         <a:tabLst/>
-        <a:defRPr b="0" baseline="0" cap="none" i="0" spc="0" strike="noStrike" sz="2800" u="none">
+        <a:defRPr sz="2800" b="0" i="0" u="none" strike="noStrike" cap="none" spc="0" baseline="0">
           <a:ln>
             <a:noFill/>
           </a:ln>
@@ -2689,7 +2800,7 @@
         <a:buFont typeface="Arial"/>
         <a:buChar char="•"/>
         <a:tabLst/>
-        <a:defRPr b="0" baseline="0" cap="none" i="0" spc="0" strike="noStrike" sz="2800" u="none">
+        <a:defRPr sz="2800" b="0" i="0" u="none" strike="noStrike" cap="none" spc="0" baseline="0">
           <a:ln>
             <a:noFill/>
           </a:ln>
@@ -2718,7 +2829,7 @@
         <a:buFont typeface="Arial"/>
         <a:buChar char="•"/>
         <a:tabLst/>
-        <a:defRPr b="0" baseline="0" cap="none" i="0" spc="0" strike="noStrike" sz="2800" u="none">
+        <a:defRPr sz="2800" b="0" i="0" u="none" strike="noStrike" cap="none" spc="0" baseline="0">
           <a:ln>
             <a:noFill/>
           </a:ln>
@@ -2747,7 +2858,7 @@
         <a:buFont typeface="Arial"/>
         <a:buChar char="•"/>
         <a:tabLst/>
-        <a:defRPr b="0" baseline="0" cap="none" i="0" spc="0" strike="noStrike" sz="2800" u="none">
+        <a:defRPr sz="2800" b="0" i="0" u="none" strike="noStrike" cap="none" spc="0" baseline="0">
           <a:ln>
             <a:noFill/>
           </a:ln>
@@ -2776,7 +2887,7 @@
         <a:buFont typeface="Arial"/>
         <a:buChar char="•"/>
         <a:tabLst/>
-        <a:defRPr b="0" baseline="0" cap="none" i="0" spc="0" strike="noStrike" sz="2800" u="none">
+        <a:defRPr sz="2800" b="0" i="0" u="none" strike="noStrike" cap="none" spc="0" baseline="0">
           <a:ln>
             <a:noFill/>
           </a:ln>
@@ -2805,7 +2916,7 @@
         <a:buFont typeface="Arial"/>
         <a:buChar char="•"/>
         <a:tabLst/>
-        <a:defRPr b="0" baseline="0" cap="none" i="0" spc="0" strike="noStrike" sz="2800" u="none">
+        <a:defRPr sz="2800" b="0" i="0" u="none" strike="noStrike" cap="none" spc="0" baseline="0">
           <a:ln>
             <a:noFill/>
           </a:ln>
@@ -2834,7 +2945,7 @@
         <a:buFont typeface="Arial"/>
         <a:buChar char="•"/>
         <a:tabLst/>
-        <a:defRPr b="0" baseline="0" cap="none" i="0" spc="0" strike="noStrike" sz="2800" u="none">
+        <a:defRPr sz="2800" b="0" i="0" u="none" strike="noStrike" cap="none" spc="0" baseline="0">
           <a:ln>
             <a:noFill/>
           </a:ln>
@@ -2865,7 +2976,7 @@
         <a:buFontTx/>
         <a:buNone/>
         <a:tabLst/>
-        <a:defRPr b="0" baseline="0" cap="none" i="0" spc="0" strike="noStrike" sz="1200" u="none">
+        <a:defRPr sz="1200" b="0" i="0" u="none" strike="noStrike" cap="none" spc="0" baseline="0">
           <a:ln>
             <a:noFill/>
           </a:ln>
@@ -2894,7 +3005,7 @@
         <a:buFontTx/>
         <a:buNone/>
         <a:tabLst/>
-        <a:defRPr b="0" baseline="0" cap="none" i="0" spc="0" strike="noStrike" sz="1200" u="none">
+        <a:defRPr sz="1200" b="0" i="0" u="none" strike="noStrike" cap="none" spc="0" baseline="0">
           <a:ln>
             <a:noFill/>
           </a:ln>
@@ -2923,7 +3034,7 @@
         <a:buFontTx/>
         <a:buNone/>
         <a:tabLst/>
-        <a:defRPr b="0" baseline="0" cap="none" i="0" spc="0" strike="noStrike" sz="1200" u="none">
+        <a:defRPr sz="1200" b="0" i="0" u="none" strike="noStrike" cap="none" spc="0" baseline="0">
           <a:ln>
             <a:noFill/>
           </a:ln>
@@ -2952,7 +3063,7 @@
         <a:buFontTx/>
         <a:buNone/>
         <a:tabLst/>
-        <a:defRPr b="0" baseline="0" cap="none" i="0" spc="0" strike="noStrike" sz="1200" u="none">
+        <a:defRPr sz="1200" b="0" i="0" u="none" strike="noStrike" cap="none" spc="0" baseline="0">
           <a:ln>
             <a:noFill/>
           </a:ln>
@@ -2981,7 +3092,7 @@
         <a:buFontTx/>
         <a:buNone/>
         <a:tabLst/>
-        <a:defRPr b="0" baseline="0" cap="none" i="0" spc="0" strike="noStrike" sz="1200" u="none">
+        <a:defRPr sz="1200" b="0" i="0" u="none" strike="noStrike" cap="none" spc="0" baseline="0">
           <a:ln>
             <a:noFill/>
           </a:ln>
@@ -3010,7 +3121,7 @@
         <a:buFontTx/>
         <a:buNone/>
         <a:tabLst/>
-        <a:defRPr b="0" baseline="0" cap="none" i="0" spc="0" strike="noStrike" sz="1200" u="none">
+        <a:defRPr sz="1200" b="0" i="0" u="none" strike="noStrike" cap="none" spc="0" baseline="0">
           <a:ln>
             <a:noFill/>
           </a:ln>
@@ -3039,7 +3150,7 @@
         <a:buFontTx/>
         <a:buNone/>
         <a:tabLst/>
-        <a:defRPr b="0" baseline="0" cap="none" i="0" spc="0" strike="noStrike" sz="1200" u="none">
+        <a:defRPr sz="1200" b="0" i="0" u="none" strike="noStrike" cap="none" spc="0" baseline="0">
           <a:ln>
             <a:noFill/>
           </a:ln>
@@ -3068,7 +3179,7 @@
         <a:buFontTx/>
         <a:buNone/>
         <a:tabLst/>
-        <a:defRPr b="0" baseline="0" cap="none" i="0" spc="0" strike="noStrike" sz="1200" u="none">
+        <a:defRPr sz="1200" b="0" i="0" u="none" strike="noStrike" cap="none" spc="0" baseline="0">
           <a:ln>
             <a:noFill/>
           </a:ln>
@@ -3097,7 +3208,7 @@
         <a:buFontTx/>
         <a:buNone/>
         <a:tabLst/>
-        <a:defRPr b="0" baseline="0" cap="none" i="0" spc="0" strike="noStrike" sz="1200" u="none">
+        <a:defRPr sz="1200" b="0" i="0" u="none" strike="noStrike" cap="none" spc="0" baseline="0">
           <a:ln>
             <a:noFill/>
           </a:ln>
@@ -3117,13 +3228,14 @@
 </file>
 
 <file path=ppt/slides/slide1.xml><?xml version="1.0" encoding="utf-8"?>
-<p:sld xmlns:a="http://schemas.openxmlformats.org/drawingml/2006/main" xmlns:r="http://schemas.openxmlformats.org/officeDocument/2006/relationships" xmlns:p="http://schemas.openxmlformats.org/presentationml/2006/main" showMasterSp="1" showMasterPhAnim="1">
+<p:sld xmlns:a="http://schemas.openxmlformats.org/drawingml/2006/main" xmlns:r="http://schemas.openxmlformats.org/officeDocument/2006/relationships" xmlns:p="http://schemas.openxmlformats.org/presentationml/2006/main">
   <p:cSld>
     <p:bg>
       <p:bgPr>
         <a:solidFill>
           <a:srgbClr val="E3FDDB"/>
         </a:solidFill>
+        <a:effectLst/>
       </p:bgPr>
     </p:bg>
     <p:spTree>
@@ -3159,7 +3271,7 @@
           </a:ln>
           <a:extLst>
             <a:ext uri="{C572A759-6A51-4108-AA02-DFA0A04FC94B}">
-              <ma14:wrappingTextBoxFlag xmlns:ma14="http://schemas.microsoft.com/office/mac/drawingml/2011/main" val="1"/>
+              <ma14:wrappingTextBoxFlag xmlns:ma14="http://schemas.microsoft.com/office/mac/drawingml/2011/main" xmlns="" val="1"/>
             </a:ext>
           </a:extLst>
         </p:spPr>
@@ -3176,7 +3288,7 @@
               <a:spcBef>
                 <a:spcPts val="600"/>
               </a:spcBef>
-              <a:defRPr b="1" sz="3500" u="sng">
+              <a:defRPr sz="3500" b="1" u="sng">
                 <a:latin typeface="Arial"/>
                 <a:ea typeface="Arial"/>
                 <a:cs typeface="Arial"/>
@@ -3184,13 +3296,7 @@
               </a:defRPr>
             </a:pPr>
             <a:r>
-              <a:t>Meilensteinpräsentation </a:t>
-            </a:r>
-            <a:r>
-              <a:t>I</a:t>
-            </a:r>
-            <a:r>
-              <a:t>II</a:t>
+              <a:t>Meilensteinpräsentation III</a:t>
             </a:r>
           </a:p>
           <a:p>
@@ -3208,6 +3314,7 @@
                 <a:sym typeface="Arial"/>
               </a:defRPr>
             </a:pPr>
+            <a:endParaRPr/>
           </a:p>
           <a:p>
             <a:pPr>
@@ -3259,13 +3366,14 @@
               <a:spcBef>
                 <a:spcPts val="600"/>
               </a:spcBef>
-              <a:defRPr b="1" sz="3000">
+              <a:defRPr sz="3000" b="1">
                 <a:latin typeface="Arial"/>
                 <a:ea typeface="Arial"/>
                 <a:cs typeface="Arial"/>
                 <a:sym typeface="Arial"/>
               </a:defRPr>
             </a:pPr>
+            <a:endParaRPr b="1"/>
           </a:p>
           <a:p>
             <a:pPr>
@@ -3275,7 +3383,7 @@
               <a:spcBef>
                 <a:spcPts val="600"/>
               </a:spcBef>
-              <a:defRPr b="1" sz="3000" u="sng">
+              <a:defRPr sz="3000" b="1" u="sng">
                 <a:latin typeface="Arial"/>
                 <a:ea typeface="Arial"/>
                 <a:cs typeface="Arial"/>
@@ -3294,13 +3402,14 @@
               <a:spcBef>
                 <a:spcPts val="600"/>
               </a:spcBef>
-              <a:defRPr b="1" sz="1000" u="sng">
+              <a:defRPr sz="1000" b="1" u="sng">
                 <a:latin typeface="Arial"/>
                 <a:ea typeface="Arial"/>
                 <a:cs typeface="Arial"/>
                 <a:sym typeface="Arial"/>
               </a:defRPr>
             </a:pPr>
+            <a:endParaRPr/>
           </a:p>
           <a:p>
             <a:pPr>
@@ -3355,6 +3464,7 @@
                 <a:sym typeface="Arial"/>
               </a:defRPr>
             </a:pPr>
+            <a:endParaRPr/>
           </a:p>
           <a:p>
             <a:pPr>
@@ -3390,6 +3500,7 @@
                 <a:sym typeface="Arial"/>
               </a:defRPr>
             </a:pPr>
+            <a:endParaRPr/>
           </a:p>
           <a:p>
             <a:pPr>
@@ -3425,6 +3536,7 @@
                 <a:sym typeface="Arial"/>
               </a:defRPr>
             </a:pPr>
+            <a:endParaRPr/>
           </a:p>
           <a:p>
             <a:pPr>
@@ -3456,9 +3568,7 @@
           <p:nvPr/>
         </p:nvPicPr>
         <p:blipFill>
-          <a:blip r:embed="rId2">
-            <a:extLst/>
-          </a:blip>
+          <a:blip r:embed="rId2"/>
           <a:stretch>
             <a:fillRect/>
           </a:stretch>
@@ -3495,7 +3605,7 @@
           </a:ln>
           <a:extLst>
             <a:ext uri="{C572A759-6A51-4108-AA02-DFA0A04FC94B}">
-              <ma14:wrappingTextBoxFlag xmlns:ma14="http://schemas.microsoft.com/office/mac/drawingml/2011/main" val="1"/>
+              <ma14:wrappingTextBoxFlag xmlns:ma14="http://schemas.microsoft.com/office/mac/drawingml/2011/main" xmlns="" val="1"/>
             </a:ext>
           </a:extLst>
         </p:spPr>
@@ -3505,7 +3615,6 @@
           </a:bodyPr>
           <a:lstStyle/>
           <a:p>
-            <a:pPr/>
             <a:r>
               <a:t>Quelle:  mercadolibre.com</a:t>
             </a:r>
@@ -3521,9 +3630,7 @@
           <p:nvPr/>
         </p:nvPicPr>
         <p:blipFill>
-          <a:blip r:embed="rId3">
-            <a:extLst/>
-          </a:blip>
+          <a:blip r:embed="rId3"/>
           <a:stretch>
             <a:fillRect/>
           </a:stretch>
@@ -3550,9 +3657,7 @@
           <p:nvPr/>
         </p:nvPicPr>
         <p:blipFill>
-          <a:blip r:embed="rId4">
-            <a:extLst/>
-          </a:blip>
+          <a:blip r:embed="rId4"/>
           <a:stretch>
             <a:fillRect/>
           </a:stretch>
@@ -3579,9 +3684,7 @@
           <p:nvPr/>
         </p:nvPicPr>
         <p:blipFill>
-          <a:blip r:embed="rId5">
-            <a:extLst/>
-          </a:blip>
+          <a:blip r:embed="rId5"/>
           <a:stretch>
             <a:fillRect/>
           </a:stretch>
@@ -3608,9 +3711,7 @@
           <p:nvPr/>
         </p:nvPicPr>
         <p:blipFill>
-          <a:blip r:embed="rId4">
-            <a:extLst/>
-          </a:blip>
+          <a:blip r:embed="rId4"/>
           <a:stretch>
             <a:fillRect/>
           </a:stretch>
@@ -3637,9 +3738,7 @@
           <p:nvPr/>
         </p:nvPicPr>
         <p:blipFill>
-          <a:blip r:embed="rId4">
-            <a:extLst/>
-          </a:blip>
+          <a:blip r:embed="rId4"/>
           <a:stretch>
             <a:fillRect/>
           </a:stretch>
@@ -3666,9 +3765,7 @@
           <p:nvPr/>
         </p:nvPicPr>
         <p:blipFill>
-          <a:blip r:embed="rId6">
-            <a:extLst/>
-          </a:blip>
+          <a:blip r:embed="rId6"/>
           <a:stretch>
             <a:fillRect/>
           </a:stretch>
@@ -3691,12 +3788,12 @@
   <p:clrMapOvr>
     <a:masterClrMapping/>
   </p:clrMapOvr>
-  <p:transition xmlns:p14="http://schemas.microsoft.com/office/powerpoint/2010/main" spd="med" advClick="1"/>
+  <p:transition spd="med"/>
 </p:sld>
 </file>
 
 <file path=ppt/slides/slide10.xml><?xml version="1.0" encoding="utf-8"?>
-<p:sld xmlns:a="http://schemas.openxmlformats.org/drawingml/2006/main" xmlns:r="http://schemas.openxmlformats.org/officeDocument/2006/relationships" xmlns:p="http://schemas.openxmlformats.org/presentationml/2006/main" showMasterSp="1" showMasterPhAnim="1">
+<p:sld xmlns:a="http://schemas.openxmlformats.org/drawingml/2006/main" xmlns:r="http://schemas.openxmlformats.org/officeDocument/2006/relationships" xmlns:p="http://schemas.openxmlformats.org/presentationml/2006/main">
   <p:cSld>
     <p:spTree>
       <p:nvGrpSpPr>
@@ -3731,7 +3828,7 @@
           </a:ln>
           <a:extLst>
             <a:ext uri="{C572A759-6A51-4108-AA02-DFA0A04FC94B}">
-              <ma14:wrappingTextBoxFlag xmlns:ma14="http://schemas.microsoft.com/office/mac/drawingml/2011/main" val="1"/>
+              <ma14:wrappingTextBoxFlag xmlns:ma14="http://schemas.microsoft.com/office/mac/drawingml/2011/main" xmlns="" val="1"/>
             </a:ext>
           </a:extLst>
         </p:spPr>
@@ -3749,7 +3846,6 @@
             </a:lvl1pPr>
           </a:lstStyle>
           <a:p>
-            <a:pPr/>
             <a:r>
               <a:t>Mlst.-Präsentation Nr. III  /  Gruppe 15</a:t>
             </a:r>
@@ -3759,7 +3855,9 @@
       <p:sp>
         <p:nvSpPr>
           <p:cNvPr id="214" name="Shape 214"/>
-          <p:cNvSpPr/>
+          <p:cNvSpPr>
+            <a:spLocks noGrp="1"/>
+          </p:cNvSpPr>
           <p:nvPr>
             <p:ph type="title"/>
           </p:nvPr>
@@ -3777,7 +3875,7 @@
           <a:bodyPr/>
           <a:lstStyle>
             <a:lvl1pPr>
-              <a:defRPr b="1" sz="2000">
+              <a:defRPr sz="2000" b="1">
                 <a:latin typeface="Arial"/>
                 <a:ea typeface="Arial"/>
                 <a:cs typeface="Arial"/>
@@ -3786,7 +3884,6 @@
             </a:lvl1pPr>
           </a:lstStyle>
           <a:p>
-            <a:pPr/>
             <a:r>
               <a:t>	Technische Eigenheiten</a:t>
             </a:r>
@@ -3796,7 +3893,9 @@
       <p:sp>
         <p:nvSpPr>
           <p:cNvPr id="215" name="Shape 215"/>
-          <p:cNvSpPr/>
+          <p:cNvSpPr>
+            <a:spLocks noGrp="1"/>
+          </p:cNvSpPr>
           <p:nvPr>
             <p:ph type="sldNum" sz="quarter" idx="4294967295"/>
           </p:nvPr>
@@ -3811,7 +3910,7 @@
           </a:prstGeom>
           <a:extLst>
             <a:ext uri="{C572A759-6A51-4108-AA02-DFA0A04FC94B}">
-              <ma14:wrappingTextBoxFlag xmlns:ma14="http://schemas.microsoft.com/office/mac/drawingml/2011/main" val="1"/>
+              <ma14:wrappingTextBoxFlag xmlns:ma14="http://schemas.microsoft.com/office/mac/drawingml/2011/main" xmlns="" val="1"/>
             </a:ext>
           </a:extLst>
         </p:spPr>
@@ -3819,8 +3918,10 @@
           <a:bodyPr/>
           <a:lstStyle/>
           <a:p>
-            <a:pPr/>
-            <a:fld id="{86CB4B4D-7CA3-9044-876B-883B54F8677D}" type="slidenum"/>
+            <a:fld id="{86CB4B4D-7CA3-9044-876B-883B54F8677D}" type="slidenum">
+              <a:t>10</a:t>
+            </a:fld>
+            <a:endParaRPr/>
           </a:p>
         </p:txBody>
       </p:sp>
@@ -3845,7 +3946,7 @@
             <a:miter/>
           </a:ln>
           <a:effectLst>
-            <a:outerShdw sx="100000" sy="100000" kx="0" ky="0" algn="b" rotWithShape="0" blurRad="50800" dist="38100" dir="2700000">
+            <a:outerShdw blurRad="50800" dist="38100" dir="2700000" rotWithShape="0">
               <a:srgbClr val="000000">
                 <a:alpha val="40000"/>
               </a:srgbClr>
@@ -3856,7 +3957,7 @@
           <a:bodyPr lIns="45718" tIns="45718" rIns="45718" bIns="45718"/>
           <a:lstStyle/>
           <a:p>
-            <a:pPr/>
+            <a:endParaRPr/>
           </a:p>
         </p:txBody>
       </p:sp>
@@ -3869,9 +3970,7 @@
           <p:nvPr/>
         </p:nvPicPr>
         <p:blipFill>
-          <a:blip r:embed="rId2">
-            <a:extLst/>
-          </a:blip>
+          <a:blip r:embed="rId2"/>
           <a:stretch>
             <a:fillRect/>
           </a:stretch>
@@ -3898,7 +3997,7 @@
         <p:spPr>
           <a:xfrm>
             <a:off x="4401723" y="813884"/>
-            <a:ext cx="3890820" cy="383537"/>
+            <a:ext cx="3594891" cy="437039"/>
           </a:xfrm>
           <a:prstGeom prst="rect">
             <a:avLst/>
@@ -3908,7 +4007,7 @@
           </a:ln>
           <a:extLst>
             <a:ext uri="{C572A759-6A51-4108-AA02-DFA0A04FC94B}">
-              <ma14:wrappingTextBoxFlag xmlns:ma14="http://schemas.microsoft.com/office/mac/drawingml/2011/main" val="1"/>
+              <ma14:wrappingTextBoxFlag xmlns:ma14="http://schemas.microsoft.com/office/mac/drawingml/2011/main" xmlns="" val="1"/>
             </a:ext>
           </a:extLst>
         </p:spPr>
@@ -3925,9 +4024,25 @@
             </a:lvl1pPr>
           </a:lstStyle>
           <a:p>
-            <a:pPr/>
-            <a:r>
-              <a:t>log4j2.properties Datei (Beispiel)</a:t>
+            <a:r>
+              <a:rPr b="1" dirty="0"/>
+              <a:t>log4j2.properties </a:t>
+            </a:r>
+            <a:r>
+              <a:rPr b="1" dirty="0" err="1"/>
+              <a:t>Datei</a:t>
+            </a:r>
+            <a:r>
+              <a:rPr b="1" dirty="0"/>
+              <a:t> (</a:t>
+            </a:r>
+            <a:r>
+              <a:rPr b="1" dirty="0" err="1"/>
+              <a:t>Beispiel</a:t>
+            </a:r>
+            <a:r>
+              <a:rPr b="1" dirty="0"/>
+              <a:t>)</a:t>
             </a:r>
           </a:p>
         </p:txBody>
@@ -3941,16 +4056,14 @@
           <p:nvPr/>
         </p:nvPicPr>
         <p:blipFill>
-          <a:blip r:embed="rId3">
-            <a:extLst/>
-          </a:blip>
+          <a:blip r:embed="rId3"/>
           <a:stretch>
             <a:fillRect/>
           </a:stretch>
         </p:blipFill>
         <p:spPr>
           <a:xfrm>
-            <a:off x="1485138" y="1289286"/>
+            <a:off x="1291981" y="1344368"/>
             <a:ext cx="9608037" cy="4963394"/>
           </a:xfrm>
           <a:prstGeom prst="rect">
@@ -3966,12 +4079,12 @@
   <p:clrMapOvr>
     <a:masterClrMapping/>
   </p:clrMapOvr>
-  <p:transition xmlns:p14="http://schemas.microsoft.com/office/powerpoint/2010/main" spd="med" advClick="1" p14:dur="1000"/>
+  <p:transition spd="slow"/>
 </p:sld>
 </file>
 
 <file path=ppt/slides/slide11.xml><?xml version="1.0" encoding="utf-8"?>
-<p:sld xmlns:a="http://schemas.openxmlformats.org/drawingml/2006/main" xmlns:r="http://schemas.openxmlformats.org/officeDocument/2006/relationships" xmlns:p="http://schemas.openxmlformats.org/presentationml/2006/main" showMasterSp="1" showMasterPhAnim="1">
+<p:sld xmlns:a="http://schemas.openxmlformats.org/drawingml/2006/main" xmlns:r="http://schemas.openxmlformats.org/officeDocument/2006/relationships" xmlns:p="http://schemas.openxmlformats.org/presentationml/2006/main">
   <p:cSld>
     <p:spTree>
       <p:nvGrpSpPr>
@@ -4006,7 +4119,7 @@
           </a:ln>
           <a:extLst>
             <a:ext uri="{C572A759-6A51-4108-AA02-DFA0A04FC94B}">
-              <ma14:wrappingTextBoxFlag xmlns:ma14="http://schemas.microsoft.com/office/mac/drawingml/2011/main" val="1"/>
+              <ma14:wrappingTextBoxFlag xmlns:ma14="http://schemas.microsoft.com/office/mac/drawingml/2011/main" xmlns="" val="1"/>
             </a:ext>
           </a:extLst>
         </p:spPr>
@@ -4024,7 +4137,6 @@
             </a:lvl1pPr>
           </a:lstStyle>
           <a:p>
-            <a:pPr/>
             <a:r>
               <a:t>Mlst.-Präsentation Nr. III  /  Gruppe 15</a:t>
             </a:r>
@@ -4034,7 +4146,9 @@
       <p:sp>
         <p:nvSpPr>
           <p:cNvPr id="222" name="Shape 222"/>
-          <p:cNvSpPr/>
+          <p:cNvSpPr>
+            <a:spLocks noGrp="1"/>
+          </p:cNvSpPr>
           <p:nvPr>
             <p:ph type="title"/>
           </p:nvPr>
@@ -4052,7 +4166,7 @@
           <a:bodyPr/>
           <a:lstStyle>
             <a:lvl1pPr>
-              <a:defRPr b="1" sz="2000">
+              <a:defRPr sz="2000" b="1">
                 <a:latin typeface="Arial"/>
                 <a:ea typeface="Arial"/>
                 <a:cs typeface="Arial"/>
@@ -4061,7 +4175,6 @@
             </a:lvl1pPr>
           </a:lstStyle>
           <a:p>
-            <a:pPr/>
             <a:r>
               <a:t>	 Übersicht</a:t>
             </a:r>
@@ -4071,7 +4184,9 @@
       <p:sp>
         <p:nvSpPr>
           <p:cNvPr id="223" name="Shape 223"/>
-          <p:cNvSpPr/>
+          <p:cNvSpPr>
+            <a:spLocks noGrp="1"/>
+          </p:cNvSpPr>
           <p:nvPr>
             <p:ph type="body" sz="half" idx="1"/>
           </p:nvPr>
@@ -4114,6 +4229,7 @@
                 <a:sym typeface="Arial"/>
               </a:defRPr>
             </a:pPr>
+            <a:endParaRPr/>
           </a:p>
           <a:p>
             <a:pPr marL="0" indent="0">
@@ -4141,6 +4257,7 @@
                 <a:sym typeface="Arial"/>
               </a:defRPr>
             </a:pPr>
+            <a:endParaRPr/>
           </a:p>
           <a:p>
             <a:pPr marL="0" indent="0">
@@ -4168,12 +4285,13 @@
                 <a:sym typeface="Arial"/>
               </a:defRPr>
             </a:pPr>
+            <a:endParaRPr/>
           </a:p>
           <a:p>
             <a:pPr marL="0" indent="0">
               <a:buSzTx/>
               <a:buNone/>
-              <a:defRPr b="1" sz="3000">
+              <a:defRPr sz="3000" b="1">
                 <a:latin typeface="Arial"/>
                 <a:ea typeface="Arial"/>
                 <a:cs typeface="Arial"/>
@@ -4189,7 +4307,9 @@
       <p:sp>
         <p:nvSpPr>
           <p:cNvPr id="224" name="Shape 224"/>
-          <p:cNvSpPr/>
+          <p:cNvSpPr>
+            <a:spLocks noGrp="1"/>
+          </p:cNvSpPr>
           <p:nvPr>
             <p:ph type="sldNum" sz="quarter" idx="4294967295"/>
           </p:nvPr>
@@ -4204,7 +4324,7 @@
           </a:prstGeom>
           <a:extLst>
             <a:ext uri="{C572A759-6A51-4108-AA02-DFA0A04FC94B}">
-              <ma14:wrappingTextBoxFlag xmlns:ma14="http://schemas.microsoft.com/office/mac/drawingml/2011/main" val="1"/>
+              <ma14:wrappingTextBoxFlag xmlns:ma14="http://schemas.microsoft.com/office/mac/drawingml/2011/main" xmlns="" val="1"/>
             </a:ext>
           </a:extLst>
         </p:spPr>
@@ -4212,8 +4332,10 @@
           <a:bodyPr/>
           <a:lstStyle/>
           <a:p>
-            <a:pPr/>
-            <a:fld id="{86CB4B4D-7CA3-9044-876B-883B54F8677D}" type="slidenum"/>
+            <a:fld id="{86CB4B4D-7CA3-9044-876B-883B54F8677D}" type="slidenum">
+              <a:t>11</a:t>
+            </a:fld>
+            <a:endParaRPr/>
           </a:p>
         </p:txBody>
       </p:sp>
@@ -4226,9 +4348,7 @@
           <p:nvPr/>
         </p:nvPicPr>
         <p:blipFill>
-          <a:blip r:embed="rId2">
-            <a:extLst/>
-          </a:blip>
+          <a:blip r:embed="rId2"/>
           <a:stretch>
             <a:fillRect/>
           </a:stretch>
@@ -4267,7 +4387,7 @@
             <a:miter/>
           </a:ln>
           <a:effectLst>
-            <a:outerShdw sx="100000" sy="100000" kx="0" ky="0" algn="b" rotWithShape="0" blurRad="50800" dist="38100" dir="2700000">
+            <a:outerShdw blurRad="50800" dist="38100" dir="2700000" rotWithShape="0">
               <a:srgbClr val="000000">
                 <a:alpha val="40000"/>
               </a:srgbClr>
@@ -4278,7 +4398,7 @@
           <a:bodyPr lIns="45718" tIns="45718" rIns="45718" bIns="45718"/>
           <a:lstStyle/>
           <a:p>
-            <a:pPr/>
+            <a:endParaRPr/>
           </a:p>
         </p:txBody>
       </p:sp>
@@ -4291,9 +4411,7 @@
           <p:nvPr/>
         </p:nvPicPr>
         <p:blipFill>
-          <a:blip r:embed="rId3">
-            <a:extLst/>
-          </a:blip>
+          <a:blip r:embed="rId3"/>
           <a:stretch>
             <a:fillRect/>
           </a:stretch>
@@ -4320,9 +4438,7 @@
           <p:nvPr/>
         </p:nvPicPr>
         <p:blipFill>
-          <a:blip r:embed="rId4">
-            <a:extLst/>
-          </a:blip>
+          <a:blip r:embed="rId4"/>
           <a:stretch>
             <a:fillRect/>
           </a:stretch>
@@ -4349,9 +4465,7 @@
           <p:nvPr/>
         </p:nvPicPr>
         <p:blipFill>
-          <a:blip r:embed="rId5">
-            <a:extLst/>
-          </a:blip>
+          <a:blip r:embed="rId5"/>
           <a:stretch>
             <a:fillRect/>
           </a:stretch>
@@ -4378,9 +4492,7 @@
           <p:nvPr/>
         </p:nvPicPr>
         <p:blipFill>
-          <a:blip r:embed="rId6">
-            <a:extLst/>
-          </a:blip>
+          <a:blip r:embed="rId6"/>
           <a:stretch>
             <a:fillRect/>
           </a:stretch>
@@ -4403,12 +4515,12 @@
   <p:clrMapOvr>
     <a:masterClrMapping/>
   </p:clrMapOvr>
-  <p:transition xmlns:p14="http://schemas.microsoft.com/office/powerpoint/2010/main" spd="med" advClick="1" p14:dur="1000"/>
+  <p:transition spd="slow"/>
 </p:sld>
 </file>
 
 <file path=ppt/slides/slide12.xml><?xml version="1.0" encoding="utf-8"?>
-<p:sld xmlns:a="http://schemas.openxmlformats.org/drawingml/2006/main" xmlns:r="http://schemas.openxmlformats.org/officeDocument/2006/relationships" xmlns:p="http://schemas.openxmlformats.org/presentationml/2006/main" showMasterSp="1" showMasterPhAnim="1">
+<p:sld xmlns:a="http://schemas.openxmlformats.org/drawingml/2006/main" xmlns:r="http://schemas.openxmlformats.org/officeDocument/2006/relationships" xmlns:p="http://schemas.openxmlformats.org/presentationml/2006/main">
   <p:cSld>
     <p:spTree>
       <p:nvGrpSpPr>
@@ -4433,9 +4545,7 @@
           <p:nvPr/>
         </p:nvPicPr>
         <p:blipFill>
-          <a:blip r:embed="rId2">
-            <a:extLst/>
-          </a:blip>
+          <a:blip r:embed="rId2"/>
           <a:stretch>
             <a:fillRect/>
           </a:stretch>
@@ -4472,7 +4582,7 @@
           </a:ln>
           <a:extLst>
             <a:ext uri="{C572A759-6A51-4108-AA02-DFA0A04FC94B}">
-              <ma14:wrappingTextBoxFlag xmlns:ma14="http://schemas.microsoft.com/office/mac/drawingml/2011/main" val="1"/>
+              <ma14:wrappingTextBoxFlag xmlns:ma14="http://schemas.microsoft.com/office/mac/drawingml/2011/main" xmlns="" val="1"/>
             </a:ext>
           </a:extLst>
         </p:spPr>
@@ -4490,13 +4600,7 @@
               </a:defRPr>
             </a:pPr>
             <a:r>
-              <a:t>Mlst.-Präsentation Nr. </a:t>
-            </a:r>
-            <a:r>
-              <a:t>III</a:t>
-            </a:r>
-            <a:r>
-              <a:t>  /  Gruppe 15</a:t>
+              <a:t>Mlst.-Präsentation Nr. III  /  Gruppe 15</a:t>
             </a:r>
           </a:p>
         </p:txBody>
@@ -4504,7 +4608,9 @@
       <p:sp>
         <p:nvSpPr>
           <p:cNvPr id="234" name="Shape 234"/>
-          <p:cNvSpPr/>
+          <p:cNvSpPr>
+            <a:spLocks noGrp="1"/>
+          </p:cNvSpPr>
           <p:nvPr>
             <p:ph type="title"/>
           </p:nvPr>
@@ -4522,7 +4628,7 @@
           <a:bodyPr/>
           <a:lstStyle>
             <a:lvl1pPr>
-              <a:defRPr b="1" sz="2000">
+              <a:defRPr sz="2000" b="1">
                 <a:latin typeface="Arial"/>
                 <a:ea typeface="Arial"/>
                 <a:cs typeface="Arial"/>
@@ -4531,7 +4637,6 @@
             </a:lvl1pPr>
           </a:lstStyle>
           <a:p>
-            <a:pPr/>
             <a:r>
               <a:t>	Standpunkt / Zwischenresümee</a:t>
             </a:r>
@@ -4541,7 +4646,9 @@
       <p:sp>
         <p:nvSpPr>
           <p:cNvPr id="235" name="Shape 235"/>
-          <p:cNvSpPr/>
+          <p:cNvSpPr>
+            <a:spLocks noGrp="1"/>
+          </p:cNvSpPr>
           <p:nvPr>
             <p:ph type="sldNum" sz="quarter" idx="4294967295"/>
           </p:nvPr>
@@ -4556,7 +4663,7 @@
           </a:prstGeom>
           <a:extLst>
             <a:ext uri="{C572A759-6A51-4108-AA02-DFA0A04FC94B}">
-              <ma14:wrappingTextBoxFlag xmlns:ma14="http://schemas.microsoft.com/office/mac/drawingml/2011/main" val="1"/>
+              <ma14:wrappingTextBoxFlag xmlns:ma14="http://schemas.microsoft.com/office/mac/drawingml/2011/main" xmlns="" val="1"/>
             </a:ext>
           </a:extLst>
         </p:spPr>
@@ -4564,8 +4671,10 @@
           <a:bodyPr/>
           <a:lstStyle/>
           <a:p>
-            <a:pPr/>
-            <a:fld id="{86CB4B4D-7CA3-9044-876B-883B54F8677D}" type="slidenum"/>
+            <a:fld id="{86CB4B4D-7CA3-9044-876B-883B54F8677D}" type="slidenum">
+              <a:t>12</a:t>
+            </a:fld>
+            <a:endParaRPr/>
           </a:p>
         </p:txBody>
       </p:sp>
@@ -4590,7 +4699,7 @@
             <a:miter/>
           </a:ln>
           <a:effectLst>
-            <a:outerShdw sx="100000" sy="100000" kx="0" ky="0" algn="b" rotWithShape="0" blurRad="50800" dist="38100" dir="2700000">
+            <a:outerShdw blurRad="50800" dist="38100" dir="2700000" rotWithShape="0">
               <a:srgbClr val="000000">
                 <a:alpha val="40000"/>
               </a:srgbClr>
@@ -4601,7 +4710,7 @@
           <a:bodyPr lIns="45718" tIns="45718" rIns="45718" bIns="45718"/>
           <a:lstStyle/>
           <a:p>
-            <a:pPr/>
+            <a:endParaRPr/>
           </a:p>
         </p:txBody>
       </p:sp>
@@ -4614,9 +4723,7 @@
           <p:nvPr/>
         </p:nvPicPr>
         <p:blipFill>
-          <a:blip r:embed="rId3">
-            <a:extLst/>
-          </a:blip>
+          <a:blip r:embed="rId3"/>
           <a:stretch>
             <a:fillRect/>
           </a:stretch>
@@ -4643,7 +4750,7 @@
         <p:spPr>
           <a:xfrm>
             <a:off x="413511" y="1052999"/>
-            <a:ext cx="9678490" cy="4472937"/>
+            <a:ext cx="9678490" cy="4708977"/>
           </a:xfrm>
           <a:prstGeom prst="rect">
             <a:avLst/>
@@ -4653,7 +4760,7 @@
           </a:ln>
           <a:extLst>
             <a:ext uri="{C572A759-6A51-4108-AA02-DFA0A04FC94B}">
-              <ma14:wrappingTextBoxFlag xmlns:ma14="http://schemas.microsoft.com/office/mac/drawingml/2011/main" val="1"/>
+              <ma14:wrappingTextBoxFlag xmlns:ma14="http://schemas.microsoft.com/office/mac/drawingml/2011/main" xmlns="" val="1"/>
             </a:ext>
           </a:extLst>
         </p:spPr>
@@ -4665,129 +4772,324 @@
           <a:p>
             <a:pPr marL="342900" indent="-342900">
               <a:buSzPct val="100000"/>
-              <a:buFont typeface="Wingdings"/>
-              <a:buChar char="▪"/>
-              <a:defRPr b="1" sz="2000"/>
+              <a:buFont typeface="Arial" panose="020B0604020202020204" pitchFamily="34" charset="0"/>
+              <a:buChar char="•"/>
+              <a:defRPr sz="2000" b="1"/>
             </a:pPr>
             <a:r>
-              <a:t>Zielvorgaben der Meilensteine bisher im </a:t>
-            </a:r>
-            <a:r>
-              <a:t>G</a:t>
-            </a:r>
-            <a:r>
-              <a:t>rossen und </a:t>
-            </a:r>
-            <a:r>
-              <a:t>G</a:t>
-            </a:r>
-            <a:r>
-              <a:t>anzen erreicht:</a:t>
-            </a:r>
-          </a:p>
-          <a:p>
-            <a:pPr lvl="1" marL="800100" indent="-342900">
+              <a:rPr dirty="0" err="1"/>
+              <a:t>Zielvorgaben</a:t>
+            </a:r>
+            <a:r>
+              <a:rPr dirty="0"/>
+              <a:t> der </a:t>
+            </a:r>
+            <a:r>
+              <a:rPr dirty="0" err="1"/>
+              <a:t>Meilensteine</a:t>
+            </a:r>
+            <a:r>
+              <a:rPr dirty="0"/>
+              <a:t> </a:t>
+            </a:r>
+            <a:r>
+              <a:rPr dirty="0" err="1"/>
+              <a:t>bisher</a:t>
+            </a:r>
+            <a:r>
+              <a:rPr dirty="0"/>
+              <a:t> </a:t>
+            </a:r>
+            <a:r>
+              <a:rPr dirty="0" err="1"/>
+              <a:t>im</a:t>
+            </a:r>
+            <a:r>
+              <a:rPr dirty="0"/>
+              <a:t> </a:t>
+            </a:r>
+            <a:r>
+              <a:rPr dirty="0" err="1"/>
+              <a:t>Grossen</a:t>
+            </a:r>
+            <a:r>
+              <a:rPr dirty="0"/>
+              <a:t> und </a:t>
+            </a:r>
+            <a:r>
+              <a:rPr dirty="0" err="1"/>
+              <a:t>Ganzen</a:t>
+            </a:r>
+            <a:r>
+              <a:rPr dirty="0"/>
+              <a:t> </a:t>
+            </a:r>
+            <a:r>
+              <a:rPr dirty="0" err="1"/>
+              <a:t>erreicht</a:t>
+            </a:r>
+            <a:r>
+              <a:rPr dirty="0"/>
+              <a:t>:</a:t>
+            </a:r>
+          </a:p>
+          <a:p>
+            <a:pPr marL="800100" lvl="1" indent="-342900">
               <a:buSzPct val="100000"/>
               <a:buChar char="-"/>
               <a:defRPr sz="2000"/>
             </a:pPr>
             <a:r>
-              <a:t>Dokumentation wurde erstellt </a:t>
-            </a:r>
-          </a:p>
-          <a:p>
-            <a:pPr lvl="1" marL="800100" indent="-342900">
+              <a:rPr dirty="0" err="1"/>
+              <a:t>Dokumentation</a:t>
+            </a:r>
+            <a:r>
+              <a:rPr dirty="0"/>
+              <a:t> </a:t>
+            </a:r>
+            <a:r>
+              <a:rPr dirty="0" err="1"/>
+              <a:t>wurde</a:t>
+            </a:r>
+            <a:r>
+              <a:rPr dirty="0"/>
+              <a:t> </a:t>
+            </a:r>
+            <a:r>
+              <a:rPr dirty="0" err="1"/>
+              <a:t>erstellt</a:t>
+            </a:r>
+            <a:r>
+              <a:rPr dirty="0"/>
+              <a:t> </a:t>
+            </a:r>
+          </a:p>
+          <a:p>
+            <a:pPr marL="800100" lvl="1" indent="-342900">
               <a:buSzPct val="100000"/>
               <a:buChar char="-"/>
               <a:defRPr sz="2000"/>
             </a:pPr>
             <a:r>
-              <a:t>Der Code erfüllt die verlangte Funktion</a:t>
-            </a:r>
+              <a:rPr dirty="0"/>
+              <a:t>Der Code </a:t>
+            </a:r>
+            <a:r>
+              <a:rPr dirty="0" err="1"/>
+              <a:t>erfüllt</a:t>
+            </a:r>
+            <a:r>
+              <a:rPr dirty="0"/>
+              <a:t> die </a:t>
+            </a:r>
+            <a:r>
+              <a:rPr dirty="0" err="1"/>
+              <a:t>verlangte</a:t>
+            </a:r>
+            <a:r>
+              <a:rPr dirty="0"/>
+              <a:t> </a:t>
+            </a:r>
+            <a:r>
+              <a:rPr dirty="0" err="1"/>
+              <a:t>Funktion</a:t>
+            </a:r>
+            <a:endParaRPr dirty="0"/>
           </a:p>
           <a:p>
             <a:pPr lvl="1" indent="457200">
               <a:defRPr sz="2000"/>
             </a:pPr>
+            <a:endParaRPr dirty="0"/>
           </a:p>
           <a:p>
             <a:pPr marL="342900" indent="-342900">
               <a:buSzPct val="100000"/>
-              <a:buFont typeface="Wingdings"/>
-              <a:buChar char="▪"/>
-              <a:defRPr b="1" sz="2000"/>
+              <a:buFont typeface="Arial" panose="020B0604020202020204" pitchFamily="34" charset="0"/>
+              <a:buChar char="•"/>
+              <a:defRPr sz="2000" b="1"/>
             </a:pPr>
             <a:r>
-              <a:t>Zuständigkeiten haben sich nicht geändert:</a:t>
+              <a:rPr dirty="0" err="1"/>
+              <a:t>Zuständigkeiten</a:t>
+            </a:r>
+            <a:r>
+              <a:rPr dirty="0"/>
+              <a:t> </a:t>
+            </a:r>
+            <a:r>
+              <a:rPr dirty="0" err="1"/>
+              <a:t>haben</a:t>
+            </a:r>
+            <a:r>
+              <a:rPr dirty="0"/>
+              <a:t> </a:t>
+            </a:r>
+            <a:r>
+              <a:rPr dirty="0" err="1"/>
+              <a:t>sich</a:t>
+            </a:r>
+            <a:r>
+              <a:rPr dirty="0"/>
+              <a:t> </a:t>
+            </a:r>
+            <a:r>
+              <a:rPr dirty="0" err="1"/>
+              <a:t>nicht</a:t>
+            </a:r>
+            <a:r>
+              <a:rPr dirty="0"/>
+              <a:t> </a:t>
+            </a:r>
+            <a:r>
+              <a:rPr dirty="0" err="1"/>
+              <a:t>geändert</a:t>
+            </a:r>
+            <a:r>
+              <a:rPr dirty="0"/>
+              <a:t>:</a:t>
             </a:r>
           </a:p>
           <a:p>
             <a:pPr lvl="1" indent="457200">
               <a:defRPr sz="2000"/>
             </a:pPr>
+            <a:endParaRPr dirty="0"/>
           </a:p>
           <a:p>
             <a:pPr lvl="1" indent="457200">
               <a:defRPr sz="2000"/>
             </a:pPr>
+            <a:endParaRPr dirty="0"/>
           </a:p>
           <a:p>
             <a:pPr>
               <a:defRPr sz="2000"/>
             </a:pPr>
+            <a:endParaRPr dirty="0"/>
           </a:p>
           <a:p>
             <a:pPr>
               <a:defRPr sz="2000"/>
             </a:pPr>
+            <a:endParaRPr dirty="0"/>
           </a:p>
           <a:p>
             <a:pPr>
               <a:defRPr sz="2000"/>
             </a:pPr>
+            <a:endParaRPr dirty="0"/>
           </a:p>
           <a:p>
             <a:pPr>
               <a:defRPr sz="2000"/>
             </a:pPr>
+            <a:endParaRPr dirty="0"/>
           </a:p>
           <a:p>
             <a:pPr>
               <a:defRPr sz="2000"/>
             </a:pPr>
+            <a:endParaRPr dirty="0"/>
           </a:p>
           <a:p>
             <a:pPr>
               <a:defRPr sz="2000"/>
             </a:pPr>
+            <a:endParaRPr dirty="0"/>
           </a:p>
           <a:p>
             <a:pPr marL="342900" indent="-342900">
               <a:buSzPct val="100000"/>
-              <a:buFont typeface="Wingdings"/>
-              <a:buChar char="▪"/>
-              <a:defRPr b="1" sz="2000"/>
+              <a:buFont typeface="Arial" panose="020B0604020202020204" pitchFamily="34" charset="0"/>
+              <a:buChar char="•"/>
+              <a:defRPr sz="2000" b="1"/>
             </a:pPr>
             <a:r>
-              <a:t>Keine 180° </a:t>
-            </a:r>
-            <a:r>
-              <a:t>D</a:t>
-            </a:r>
-            <a:r>
-              <a:t>rehungen:</a:t>
-            </a:r>
-          </a:p>
-          <a:p>
-            <a:pPr lvl="1" marL="800100" indent="-342900">
+              <a:rPr dirty="0" err="1"/>
+              <a:t>Keine</a:t>
+            </a:r>
+            <a:r>
+              <a:rPr dirty="0"/>
+              <a:t> 180° </a:t>
+            </a:r>
+            <a:r>
+              <a:rPr dirty="0" err="1"/>
+              <a:t>Drehungen</a:t>
+            </a:r>
+            <a:r>
+              <a:rPr dirty="0"/>
+              <a:t>:</a:t>
+            </a:r>
+          </a:p>
+          <a:p>
+            <a:pPr marL="800100" lvl="1" indent="-342900">
               <a:buSzPct val="100000"/>
               <a:buChar char="-"/>
               <a:defRPr sz="2000"/>
             </a:pPr>
             <a:r>
-              <a:t>Wir konnten das Spiel verwirklichen wie wir es uns vorgestellt haben</a:t>
-            </a:r>
-            <a:r>
+              <a:rPr dirty="0" err="1"/>
+              <a:t>Wir</a:t>
+            </a:r>
+            <a:r>
+              <a:rPr dirty="0"/>
+              <a:t> </a:t>
+            </a:r>
+            <a:r>
+              <a:rPr dirty="0" err="1"/>
+              <a:t>konnten</a:t>
+            </a:r>
+            <a:r>
+              <a:rPr dirty="0"/>
+              <a:t> das Spiel </a:t>
+            </a:r>
+            <a:r>
+              <a:rPr dirty="0" err="1"/>
+              <a:t>verwirklichen</a:t>
+            </a:r>
+            <a:r>
+              <a:rPr dirty="0"/>
+              <a:t> </a:t>
+            </a:r>
+            <a:r>
+              <a:rPr dirty="0" err="1"/>
+              <a:t>wie</a:t>
+            </a:r>
+            <a:r>
+              <a:rPr dirty="0"/>
+              <a:t> </a:t>
+            </a:r>
+            <a:r>
+              <a:rPr dirty="0" err="1"/>
+              <a:t>wir</a:t>
+            </a:r>
+            <a:r>
+              <a:rPr dirty="0"/>
+              <a:t> es </a:t>
+            </a:r>
+            <a:r>
+              <a:rPr dirty="0" err="1"/>
+              <a:t>uns</a:t>
+            </a:r>
+            <a:r>
+              <a:rPr dirty="0"/>
+              <a:t> </a:t>
+            </a:r>
+            <a:r>
+              <a:rPr dirty="0" err="1"/>
+              <a:t>vorgestellt</a:t>
+            </a:r>
+            <a:r>
+              <a:rPr dirty="0"/>
+              <a:t> </a:t>
+            </a:r>
+            <a:r>
+              <a:rPr dirty="0" err="1"/>
+              <a:t>haben</a:t>
+            </a:r>
+            <a:r>
+              <a:rPr dirty="0"/>
               <a:t>.</a:t>
             </a:r>
           </a:p>
@@ -4798,12 +5100,12 @@
   <p:clrMapOvr>
     <a:masterClrMapping/>
   </p:clrMapOvr>
-  <p:transition xmlns:p14="http://schemas.microsoft.com/office/powerpoint/2010/main" spd="med" advClick="1" p14:dur="1000"/>
+  <p:transition spd="slow"/>
 </p:sld>
 </file>
 
 <file path=ppt/slides/slide13.xml><?xml version="1.0" encoding="utf-8"?>
-<p:sld xmlns:a="http://schemas.openxmlformats.org/drawingml/2006/main" xmlns:r="http://schemas.openxmlformats.org/officeDocument/2006/relationships" xmlns:p="http://schemas.openxmlformats.org/presentationml/2006/main" showMasterSp="1" showMasterPhAnim="1">
+<p:sld xmlns:a="http://schemas.openxmlformats.org/drawingml/2006/main" xmlns:r="http://schemas.openxmlformats.org/officeDocument/2006/relationships" xmlns:p="http://schemas.openxmlformats.org/presentationml/2006/main">
   <p:cSld>
     <p:spTree>
       <p:nvGrpSpPr>
@@ -4838,7 +5140,7 @@
           </a:ln>
           <a:extLst>
             <a:ext uri="{C572A759-6A51-4108-AA02-DFA0A04FC94B}">
-              <ma14:wrappingTextBoxFlag xmlns:ma14="http://schemas.microsoft.com/office/mac/drawingml/2011/main" val="1"/>
+              <ma14:wrappingTextBoxFlag xmlns:ma14="http://schemas.microsoft.com/office/mac/drawingml/2011/main" xmlns="" val="1"/>
             </a:ext>
           </a:extLst>
         </p:spPr>
@@ -4856,7 +5158,6 @@
             </a:lvl1pPr>
           </a:lstStyle>
           <a:p>
-            <a:pPr/>
             <a:r>
               <a:t>Mlst.-Präsentation Nr. III  /  Gruppe 15</a:t>
             </a:r>
@@ -4866,7 +5167,9 @@
       <p:sp>
         <p:nvSpPr>
           <p:cNvPr id="241" name="Shape 241"/>
-          <p:cNvSpPr/>
+          <p:cNvSpPr>
+            <a:spLocks noGrp="1"/>
+          </p:cNvSpPr>
           <p:nvPr>
             <p:ph type="title"/>
           </p:nvPr>
@@ -4884,7 +5187,7 @@
           <a:bodyPr/>
           <a:lstStyle>
             <a:lvl1pPr>
-              <a:defRPr b="1" sz="2000">
+              <a:defRPr sz="2000" b="1">
                 <a:latin typeface="Arial"/>
                 <a:ea typeface="Arial"/>
                 <a:cs typeface="Arial"/>
@@ -4893,7 +5196,6 @@
             </a:lvl1pPr>
           </a:lstStyle>
           <a:p>
-            <a:pPr/>
             <a:r>
               <a:t>	Standpunkt / Zwischenresümee</a:t>
             </a:r>
@@ -4903,7 +5205,9 @@
       <p:sp>
         <p:nvSpPr>
           <p:cNvPr id="242" name="Shape 242"/>
-          <p:cNvSpPr/>
+          <p:cNvSpPr>
+            <a:spLocks noGrp="1"/>
+          </p:cNvSpPr>
           <p:nvPr>
             <p:ph type="sldNum" sz="quarter" idx="4294967295"/>
           </p:nvPr>
@@ -4918,7 +5222,7 @@
           </a:prstGeom>
           <a:extLst>
             <a:ext uri="{C572A759-6A51-4108-AA02-DFA0A04FC94B}">
-              <ma14:wrappingTextBoxFlag xmlns:ma14="http://schemas.microsoft.com/office/mac/drawingml/2011/main" val="1"/>
+              <ma14:wrappingTextBoxFlag xmlns:ma14="http://schemas.microsoft.com/office/mac/drawingml/2011/main" xmlns="" val="1"/>
             </a:ext>
           </a:extLst>
         </p:spPr>
@@ -4926,8 +5230,10 @@
           <a:bodyPr/>
           <a:lstStyle/>
           <a:p>
-            <a:pPr/>
-            <a:fld id="{86CB4B4D-7CA3-9044-876B-883B54F8677D}" type="slidenum"/>
+            <a:fld id="{86CB4B4D-7CA3-9044-876B-883B54F8677D}" type="slidenum">
+              <a:t>13</a:t>
+            </a:fld>
+            <a:endParaRPr/>
           </a:p>
         </p:txBody>
       </p:sp>
@@ -4952,7 +5258,7 @@
             <a:miter/>
           </a:ln>
           <a:effectLst>
-            <a:outerShdw sx="100000" sy="100000" kx="0" ky="0" algn="b" rotWithShape="0" blurRad="50800" dist="38100" dir="2700000">
+            <a:outerShdw blurRad="50800" dist="38100" dir="2700000" rotWithShape="0">
               <a:srgbClr val="000000">
                 <a:alpha val="40000"/>
               </a:srgbClr>
@@ -4963,7 +5269,7 @@
           <a:bodyPr lIns="45718" tIns="45718" rIns="45718" bIns="45718"/>
           <a:lstStyle/>
           <a:p>
-            <a:pPr/>
+            <a:endParaRPr/>
           </a:p>
         </p:txBody>
       </p:sp>
@@ -4976,9 +5282,7 @@
           <p:nvPr/>
         </p:nvPicPr>
         <p:blipFill>
-          <a:blip r:embed="rId2">
-            <a:extLst/>
-          </a:blip>
+          <a:blip r:embed="rId2"/>
           <a:stretch>
             <a:fillRect/>
           </a:stretch>
@@ -5015,7 +5319,7 @@
           </a:ln>
           <a:extLst>
             <a:ext uri="{C572A759-6A51-4108-AA02-DFA0A04FC94B}">
-              <ma14:wrappingTextBoxFlag xmlns:ma14="http://schemas.microsoft.com/office/mac/drawingml/2011/main" val="1"/>
+              <ma14:wrappingTextBoxFlag xmlns:ma14="http://schemas.microsoft.com/office/mac/drawingml/2011/main" xmlns="" val="1"/>
             </a:ext>
           </a:extLst>
         </p:spPr>
@@ -5027,165 +5331,485 @@
           <a:p>
             <a:pPr marL="342900" indent="-342900">
               <a:buSzPct val="100000"/>
-              <a:buFont typeface="Wingdings"/>
-              <a:buChar char="▪"/>
-              <a:defRPr b="1" sz="2000"/>
+              <a:buFont typeface="Arial" panose="020B0604020202020204" pitchFamily="34" charset="0"/>
+              <a:buChar char="•"/>
+              <a:defRPr sz="2000" b="1"/>
             </a:pPr>
             <a:r>
-              <a:t>Was gut lief:</a:t>
-            </a:r>
-          </a:p>
-          <a:p>
-            <a:pPr lvl="1" marL="800100" indent="-342900">
+              <a:rPr dirty="0"/>
+              <a:t>Was gut </a:t>
+            </a:r>
+            <a:r>
+              <a:rPr dirty="0" err="1"/>
+              <a:t>lief</a:t>
+            </a:r>
+            <a:r>
+              <a:rPr dirty="0"/>
+              <a:t>:</a:t>
+            </a:r>
+          </a:p>
+          <a:p>
+            <a:pPr marL="800100" lvl="1" indent="-342900">
               <a:buSzPct val="100000"/>
               <a:buChar char="-"/>
               <a:defRPr sz="2000"/>
             </a:pPr>
             <a:r>
-              <a:t>Abmachungen wurden eingehalten</a:t>
-            </a:r>
-          </a:p>
-          <a:p>
-            <a:pPr lvl="1" marL="800100" indent="-342900">
+              <a:rPr dirty="0" err="1"/>
+              <a:t>Abmachungen</a:t>
+            </a:r>
+            <a:r>
+              <a:rPr dirty="0"/>
+              <a:t> </a:t>
+            </a:r>
+            <a:r>
+              <a:rPr dirty="0" err="1"/>
+              <a:t>wurden</a:t>
+            </a:r>
+            <a:r>
+              <a:rPr dirty="0"/>
+              <a:t> </a:t>
+            </a:r>
+            <a:r>
+              <a:rPr dirty="0" err="1"/>
+              <a:t>eingehalten</a:t>
+            </a:r>
+            <a:endParaRPr dirty="0"/>
+          </a:p>
+          <a:p>
+            <a:pPr marL="800100" lvl="1" indent="-342900">
               <a:buSzPct val="100000"/>
               <a:buChar char="-"/>
               <a:defRPr sz="2000"/>
             </a:pPr>
             <a:r>
-              <a:t>Wir haben uns nicht übernommen</a:t>
-            </a:r>
-          </a:p>
-          <a:p>
-            <a:pPr lvl="1" marL="800100" indent="-342900">
+              <a:rPr dirty="0" err="1"/>
+              <a:t>Wir</a:t>
+            </a:r>
+            <a:r>
+              <a:rPr dirty="0"/>
+              <a:t> </a:t>
+            </a:r>
+            <a:r>
+              <a:rPr dirty="0" err="1"/>
+              <a:t>haben</a:t>
+            </a:r>
+            <a:r>
+              <a:rPr dirty="0"/>
+              <a:t> </a:t>
+            </a:r>
+            <a:r>
+              <a:rPr dirty="0" err="1"/>
+              <a:t>uns</a:t>
+            </a:r>
+            <a:r>
+              <a:rPr dirty="0"/>
+              <a:t> </a:t>
+            </a:r>
+            <a:r>
+              <a:rPr dirty="0" err="1"/>
+              <a:t>nicht</a:t>
+            </a:r>
+            <a:r>
+              <a:rPr dirty="0"/>
+              <a:t> </a:t>
+            </a:r>
+            <a:r>
+              <a:rPr dirty="0" err="1"/>
+              <a:t>übernommen</a:t>
+            </a:r>
+            <a:endParaRPr dirty="0"/>
+          </a:p>
+          <a:p>
+            <a:pPr marL="800100" lvl="1" indent="-342900">
               <a:buSzPct val="100000"/>
               <a:buChar char="-"/>
               <a:defRPr sz="2000"/>
             </a:pPr>
+            <a:endParaRPr dirty="0"/>
           </a:p>
           <a:p>
             <a:pPr marL="342900" indent="-342900">
               <a:buSzPct val="100000"/>
-              <a:buFont typeface="Wingdings"/>
-              <a:buChar char="▪"/>
-              <a:defRPr b="1" sz="2000"/>
+              <a:buFont typeface="Arial" panose="020B0604020202020204" pitchFamily="34" charset="0"/>
+              <a:buChar char="•"/>
+              <a:defRPr sz="2000" b="1"/>
             </a:pPr>
             <a:r>
-              <a:t>Was wir unterschätzt haben:</a:t>
-            </a:r>
-          </a:p>
-          <a:p>
-            <a:pPr lvl="1" marL="800100" indent="-342900">
+              <a:rPr dirty="0"/>
+              <a:t>Was </a:t>
+            </a:r>
+            <a:r>
+              <a:rPr dirty="0" err="1"/>
+              <a:t>wir</a:t>
+            </a:r>
+            <a:r>
+              <a:rPr dirty="0"/>
+              <a:t> </a:t>
+            </a:r>
+            <a:r>
+              <a:rPr dirty="0" err="1"/>
+              <a:t>unterschätzt</a:t>
+            </a:r>
+            <a:r>
+              <a:rPr dirty="0"/>
+              <a:t> </a:t>
+            </a:r>
+            <a:r>
+              <a:rPr dirty="0" err="1"/>
+              <a:t>haben</a:t>
+            </a:r>
+            <a:r>
+              <a:rPr dirty="0"/>
+              <a:t>:</a:t>
+            </a:r>
+          </a:p>
+          <a:p>
+            <a:pPr marL="800100" lvl="1" indent="-342900">
               <a:buSzPct val="100000"/>
               <a:buChar char="-"/>
               <a:defRPr sz="2000"/>
             </a:pPr>
             <a:r>
-              <a:t>Aufwand Kommunikation mit Spiellogik </a:t>
-            </a:r>
-          </a:p>
-          <a:p>
-            <a:pPr lvl="1" marL="800100" indent="-342900">
+              <a:rPr dirty="0" err="1"/>
+              <a:t>Aufwand</a:t>
+            </a:r>
+            <a:r>
+              <a:rPr dirty="0"/>
+              <a:t> </a:t>
+            </a:r>
+            <a:r>
+              <a:rPr dirty="0" err="1"/>
+              <a:t>Kommunikation</a:t>
+            </a:r>
+            <a:r>
+              <a:rPr dirty="0"/>
+              <a:t> </a:t>
+            </a:r>
+            <a:r>
+              <a:rPr dirty="0" err="1"/>
+              <a:t>mit</a:t>
+            </a:r>
+            <a:r>
+              <a:rPr dirty="0"/>
+              <a:t> </a:t>
+            </a:r>
+            <a:r>
+              <a:rPr dirty="0" err="1"/>
+              <a:t>Spiellogik</a:t>
+            </a:r>
+            <a:r>
+              <a:rPr dirty="0"/>
+              <a:t> </a:t>
+            </a:r>
+          </a:p>
+          <a:p>
+            <a:pPr marL="800100" lvl="1" indent="-342900">
               <a:buSzPct val="100000"/>
               <a:buChar char="-"/>
               <a:defRPr sz="2000"/>
             </a:pPr>
             <a:r>
-              <a:t>Aufwand für </a:t>
-            </a:r>
-            <a:r>
-              <a:rPr i="1"/>
-              <a:t>gradle.build </a:t>
-            </a:r>
-            <a:r>
+              <a:rPr dirty="0" err="1"/>
+              <a:t>Aufwand</a:t>
+            </a:r>
+            <a:r>
+              <a:rPr dirty="0"/>
+              <a:t> </a:t>
+            </a:r>
+            <a:r>
+              <a:rPr dirty="0" err="1"/>
+              <a:t>für</a:t>
+            </a:r>
+            <a:r>
+              <a:rPr dirty="0"/>
+              <a:t> </a:t>
+            </a:r>
+            <a:r>
+              <a:rPr i="1" dirty="0" err="1"/>
+              <a:t>gradle.build</a:t>
+            </a:r>
+            <a:r>
+              <a:rPr i="1" dirty="0"/>
+              <a:t> </a:t>
+            </a:r>
+            <a:r>
+              <a:rPr dirty="0"/>
               <a:t>und </a:t>
             </a:r>
             <a:r>
-              <a:rPr i="1"/>
+              <a:rPr i="1" dirty="0"/>
               <a:t>logger</a:t>
             </a:r>
-            <a:endParaRPr b="1"/>
+            <a:endParaRPr b="1" dirty="0"/>
           </a:p>
           <a:p>
             <a:pPr marL="342900" indent="-342900">
               <a:buSzPct val="100000"/>
               <a:buChar char="-"/>
-              <a:defRPr b="1" sz="2000"/>
+              <a:defRPr sz="2000" b="1"/>
             </a:pPr>
+            <a:endParaRPr b="1" dirty="0"/>
           </a:p>
           <a:p>
             <a:pPr marL="342900" indent="-342900">
               <a:buSzPct val="100000"/>
-              <a:buFont typeface="Wingdings"/>
-              <a:buChar char="▪"/>
-              <a:defRPr b="1" sz="2000"/>
+              <a:buFont typeface="Arial" panose="020B0604020202020204" pitchFamily="34" charset="0"/>
+              <a:buChar char="•"/>
+              <a:defRPr sz="2000" b="1"/>
             </a:pPr>
             <a:r>
-              <a:t>Was uns Probleme bereitete:</a:t>
-            </a:r>
-          </a:p>
-          <a:p>
-            <a:pPr lvl="1" marL="800100" indent="-342900">
+              <a:rPr dirty="0"/>
+              <a:t>Was </a:t>
+            </a:r>
+            <a:r>
+              <a:rPr dirty="0" err="1"/>
+              <a:t>uns</a:t>
+            </a:r>
+            <a:r>
+              <a:rPr dirty="0"/>
+              <a:t> </a:t>
+            </a:r>
+            <a:r>
+              <a:rPr dirty="0" err="1"/>
+              <a:t>Probleme</a:t>
+            </a:r>
+            <a:r>
+              <a:rPr dirty="0"/>
+              <a:t> </a:t>
+            </a:r>
+            <a:r>
+              <a:rPr dirty="0" err="1"/>
+              <a:t>bereitete</a:t>
+            </a:r>
+            <a:r>
+              <a:rPr dirty="0"/>
+              <a:t>:</a:t>
+            </a:r>
+          </a:p>
+          <a:p>
+            <a:pPr marL="800100" lvl="1" indent="-342900">
               <a:buSzPct val="100000"/>
               <a:buChar char="-"/>
               <a:defRPr sz="2000"/>
             </a:pPr>
             <a:r>
-              <a:t>Pushen, Mergen mit Git (Knappes Zeitmanagment)</a:t>
-            </a:r>
-          </a:p>
-          <a:p>
-            <a:pPr lvl="1" marL="800100" indent="-342900">
+              <a:rPr dirty="0" err="1"/>
+              <a:t>Pushen</a:t>
+            </a:r>
+            <a:r>
+              <a:rPr dirty="0"/>
+              <a:t>, </a:t>
+            </a:r>
+            <a:r>
+              <a:rPr dirty="0" err="1"/>
+              <a:t>Mergen</a:t>
+            </a:r>
+            <a:r>
+              <a:rPr dirty="0"/>
+              <a:t> </a:t>
+            </a:r>
+            <a:r>
+              <a:rPr dirty="0" err="1"/>
+              <a:t>mit</a:t>
+            </a:r>
+            <a:r>
+              <a:rPr dirty="0"/>
+              <a:t> Git (</a:t>
+            </a:r>
+            <a:r>
+              <a:rPr dirty="0" err="1"/>
+              <a:t>Knappes</a:t>
+            </a:r>
+            <a:r>
+              <a:rPr dirty="0"/>
+              <a:t> </a:t>
+            </a:r>
+            <a:r>
+              <a:rPr dirty="0" err="1"/>
+              <a:t>Zeitmanagment</a:t>
+            </a:r>
+            <a:r>
+              <a:rPr dirty="0"/>
+              <a:t>)</a:t>
+            </a:r>
+          </a:p>
+          <a:p>
+            <a:pPr marL="800100" lvl="1" indent="-342900">
               <a:buSzPct val="100000"/>
               <a:buChar char="-"/>
               <a:defRPr sz="2000"/>
             </a:pPr>
             <a:r>
-              <a:t>Erstellen der</a:t>
-            </a:r>
-            <a:r>
-              <a:rPr i="1"/>
-              <a:t> gradle.build </a:t>
-            </a:r>
-            <a:r>
-              <a:t>-Datei </a:t>
-            </a:r>
-          </a:p>
-          <a:p>
-            <a:pPr lvl="1" marL="800100" indent="-342900">
+              <a:rPr dirty="0" err="1"/>
+              <a:t>Erstellen</a:t>
+            </a:r>
+            <a:r>
+              <a:rPr dirty="0"/>
+              <a:t> der</a:t>
+            </a:r>
+            <a:r>
+              <a:rPr i="1" dirty="0"/>
+              <a:t> </a:t>
+            </a:r>
+            <a:r>
+              <a:rPr i="1" dirty="0" err="1"/>
+              <a:t>gradle.build</a:t>
+            </a:r>
+            <a:r>
+              <a:rPr i="1" dirty="0"/>
+              <a:t> </a:t>
+            </a:r>
+            <a:r>
+              <a:rPr dirty="0"/>
+              <a:t>-</a:t>
+            </a:r>
+            <a:r>
+              <a:rPr dirty="0" err="1"/>
+              <a:t>Datei</a:t>
+            </a:r>
+            <a:r>
+              <a:rPr dirty="0"/>
+              <a:t> </a:t>
+            </a:r>
+          </a:p>
+          <a:p>
+            <a:pPr marL="800100" lvl="1" indent="-342900">
               <a:buSzPct val="100000"/>
               <a:buChar char="-"/>
-              <a:defRPr b="1" sz="2000"/>
+              <a:defRPr sz="2000" b="1"/>
             </a:pPr>
+            <a:endParaRPr dirty="0"/>
           </a:p>
           <a:p>
             <a:pPr marL="342900" indent="-342900">
               <a:buSzPct val="100000"/>
-              <a:buFont typeface="Wingdings"/>
-              <a:buChar char="▪"/>
-              <a:defRPr b="1" sz="2000"/>
+              <a:buFont typeface="Arial" panose="020B0604020202020204" pitchFamily="34" charset="0"/>
+              <a:buChar char="•"/>
+              <a:defRPr sz="2000" b="1"/>
             </a:pPr>
             <a:r>
-              <a:t>Wir verbessern uns:</a:t>
-            </a:r>
-          </a:p>
-          <a:p>
-            <a:pPr lvl="1" marL="800100" indent="-342900">
+              <a:rPr dirty="0" err="1"/>
+              <a:t>Wir</a:t>
+            </a:r>
+            <a:r>
+              <a:rPr dirty="0"/>
+              <a:t> </a:t>
+            </a:r>
+            <a:r>
+              <a:rPr dirty="0" err="1"/>
+              <a:t>verbessern</a:t>
+            </a:r>
+            <a:r>
+              <a:rPr dirty="0"/>
+              <a:t> </a:t>
+            </a:r>
+            <a:r>
+              <a:rPr dirty="0" err="1"/>
+              <a:t>uns</a:t>
+            </a:r>
+            <a:r>
+              <a:rPr dirty="0"/>
+              <a:t>:</a:t>
+            </a:r>
+          </a:p>
+          <a:p>
+            <a:pPr marL="800100" lvl="1" indent="-342900">
               <a:buSzPct val="100000"/>
               <a:buChar char="-"/>
               <a:defRPr sz="2000"/>
             </a:pPr>
             <a:r>
-              <a:t>Einen Tag vor Abgabe Fertig</a:t>
-            </a:r>
-          </a:p>
-          <a:p>
-            <a:pPr lvl="1" marL="800100" indent="-342900">
+              <a:rPr dirty="0" err="1"/>
+              <a:t>Einen</a:t>
+            </a:r>
+            <a:r>
+              <a:rPr dirty="0"/>
+              <a:t> Tag </a:t>
+            </a:r>
+            <a:r>
+              <a:rPr dirty="0" err="1"/>
+              <a:t>vor</a:t>
+            </a:r>
+            <a:r>
+              <a:rPr dirty="0"/>
+              <a:t> </a:t>
+            </a:r>
+            <a:r>
+              <a:rPr dirty="0" err="1"/>
+              <a:t>Abgabe</a:t>
+            </a:r>
+            <a:r>
+              <a:rPr dirty="0"/>
+              <a:t> </a:t>
+            </a:r>
+            <a:r>
+              <a:rPr dirty="0" err="1"/>
+              <a:t>Fertig</a:t>
+            </a:r>
+            <a:endParaRPr dirty="0"/>
+          </a:p>
+          <a:p>
+            <a:pPr marL="800100" lvl="1" indent="-342900">
               <a:buSzPct val="100000"/>
               <a:buChar char="-"/>
               <a:defRPr sz="2000"/>
             </a:pPr>
             <a:r>
-              <a:t>Projektplan: Mehr Zeit für Neues (wie z.B. Tests) einplanen </a:t>
+              <a:rPr dirty="0" err="1"/>
+              <a:t>Projektplan</a:t>
+            </a:r>
+            <a:r>
+              <a:rPr dirty="0"/>
+              <a:t>: </a:t>
+            </a:r>
+            <a:r>
+              <a:rPr dirty="0" err="1"/>
+              <a:t>Mehr</a:t>
+            </a:r>
+            <a:r>
+              <a:rPr dirty="0"/>
+              <a:t> Zeit </a:t>
+            </a:r>
+            <a:r>
+              <a:rPr dirty="0" err="1"/>
+              <a:t>für</a:t>
+            </a:r>
+            <a:r>
+              <a:rPr dirty="0"/>
+              <a:t> </a:t>
+            </a:r>
+            <a:r>
+              <a:rPr dirty="0" err="1"/>
+              <a:t>Neues</a:t>
+            </a:r>
+            <a:r>
+              <a:rPr dirty="0"/>
+              <a:t> (</a:t>
+            </a:r>
+            <a:r>
+              <a:rPr dirty="0" err="1"/>
+              <a:t>wie</a:t>
+            </a:r>
+            <a:r>
+              <a:rPr dirty="0"/>
+              <a:t> </a:t>
+            </a:r>
+            <a:r>
+              <a:rPr dirty="0" err="1"/>
+              <a:t>z.B</a:t>
+            </a:r>
+            <a:r>
+              <a:rPr dirty="0"/>
+              <a:t>. Tests) </a:t>
+            </a:r>
+            <a:r>
+              <a:rPr dirty="0" err="1"/>
+              <a:t>einplanen</a:t>
+            </a:r>
+            <a:r>
+              <a:rPr dirty="0"/>
+              <a:t> </a:t>
             </a:r>
           </a:p>
         </p:txBody>
@@ -5195,12 +5819,12 @@
   <p:clrMapOvr>
     <a:masterClrMapping/>
   </p:clrMapOvr>
-  <p:transition xmlns:p14="http://schemas.microsoft.com/office/powerpoint/2010/main" spd="med" advClick="1" p14:dur="1000"/>
+  <p:transition spd="slow"/>
 </p:sld>
 </file>
 
 <file path=ppt/slides/slide14.xml><?xml version="1.0" encoding="utf-8"?>
-<p:sld xmlns:a="http://schemas.openxmlformats.org/drawingml/2006/main" xmlns:r="http://schemas.openxmlformats.org/officeDocument/2006/relationships" xmlns:p="http://schemas.openxmlformats.org/presentationml/2006/main" showMasterSp="1" showMasterPhAnim="1">
+<p:sld xmlns:a="http://schemas.openxmlformats.org/drawingml/2006/main" xmlns:r="http://schemas.openxmlformats.org/officeDocument/2006/relationships" xmlns:p="http://schemas.openxmlformats.org/presentationml/2006/main">
   <p:cSld>
     <p:spTree>
       <p:nvGrpSpPr>
@@ -5235,7 +5859,7 @@
           </a:ln>
           <a:extLst>
             <a:ext uri="{C572A759-6A51-4108-AA02-DFA0A04FC94B}">
-              <ma14:wrappingTextBoxFlag xmlns:ma14="http://schemas.microsoft.com/office/mac/drawingml/2011/main" val="1"/>
+              <ma14:wrappingTextBoxFlag xmlns:ma14="http://schemas.microsoft.com/office/mac/drawingml/2011/main" xmlns="" val="1"/>
             </a:ext>
           </a:extLst>
         </p:spPr>
@@ -5253,7 +5877,6 @@
             </a:lvl1pPr>
           </a:lstStyle>
           <a:p>
-            <a:pPr/>
             <a:r>
               <a:t>Mlst.-Präsentation Nr. III  /  Gruppe 15</a:t>
             </a:r>
@@ -5263,7 +5886,9 @@
       <p:sp>
         <p:nvSpPr>
           <p:cNvPr id="248" name="Shape 248"/>
-          <p:cNvSpPr/>
+          <p:cNvSpPr>
+            <a:spLocks noGrp="1"/>
+          </p:cNvSpPr>
           <p:nvPr>
             <p:ph type="title"/>
           </p:nvPr>
@@ -5281,7 +5906,7 @@
           <a:bodyPr/>
           <a:lstStyle>
             <a:lvl1pPr>
-              <a:defRPr b="1" sz="2000">
+              <a:defRPr sz="2000" b="1">
                 <a:latin typeface="Arial"/>
                 <a:ea typeface="Arial"/>
                 <a:cs typeface="Arial"/>
@@ -5290,7 +5915,6 @@
             </a:lvl1pPr>
           </a:lstStyle>
           <a:p>
-            <a:pPr/>
             <a:r>
               <a:t>	</a:t>
             </a:r>
@@ -5300,7 +5924,9 @@
       <p:sp>
         <p:nvSpPr>
           <p:cNvPr id="249" name="Shape 249"/>
-          <p:cNvSpPr/>
+          <p:cNvSpPr>
+            <a:spLocks noGrp="1"/>
+          </p:cNvSpPr>
           <p:nvPr>
             <p:ph type="sldNum" sz="quarter" idx="4294967295"/>
           </p:nvPr>
@@ -5315,7 +5941,7 @@
           </a:prstGeom>
           <a:extLst>
             <a:ext uri="{C572A759-6A51-4108-AA02-DFA0A04FC94B}">
-              <ma14:wrappingTextBoxFlag xmlns:ma14="http://schemas.microsoft.com/office/mac/drawingml/2011/main" val="1"/>
+              <ma14:wrappingTextBoxFlag xmlns:ma14="http://schemas.microsoft.com/office/mac/drawingml/2011/main" xmlns="" val="1"/>
             </a:ext>
           </a:extLst>
         </p:spPr>
@@ -5323,8 +5949,10 @@
           <a:bodyPr/>
           <a:lstStyle/>
           <a:p>
-            <a:pPr/>
-            <a:fld id="{86CB4B4D-7CA3-9044-876B-883B54F8677D}" type="slidenum"/>
+            <a:fld id="{86CB4B4D-7CA3-9044-876B-883B54F8677D}" type="slidenum">
+              <a:t>14</a:t>
+            </a:fld>
+            <a:endParaRPr/>
           </a:p>
         </p:txBody>
       </p:sp>
@@ -5347,7 +5975,7 @@
           </a:ln>
           <a:extLst>
             <a:ext uri="{C572A759-6A51-4108-AA02-DFA0A04FC94B}">
-              <ma14:wrappingTextBoxFlag xmlns:ma14="http://schemas.microsoft.com/office/mac/drawingml/2011/main" val="1"/>
+              <ma14:wrappingTextBoxFlag xmlns:ma14="http://schemas.microsoft.com/office/mac/drawingml/2011/main" xmlns="" val="1"/>
             </a:ext>
           </a:extLst>
         </p:spPr>
@@ -5357,11 +5985,10 @@
           </a:bodyPr>
           <a:lstStyle>
             <a:lvl1pPr>
-              <a:defRPr b="1" i="1" sz="3200"/>
+              <a:defRPr sz="3200" b="1" i="1"/>
             </a:lvl1pPr>
           </a:lstStyle>
           <a:p>
-            <a:pPr/>
             <a:r>
               <a:t>Vielen Dank für die Aufmerksamkeit!</a:t>
             </a:r>
@@ -5377,9 +6004,7 @@
           <p:nvPr/>
         </p:nvPicPr>
         <p:blipFill>
-          <a:blip r:embed="rId2">
-            <a:extLst/>
-          </a:blip>
+          <a:blip r:embed="rId2"/>
           <a:stretch>
             <a:fillRect/>
           </a:stretch>
@@ -5402,12 +6027,12 @@
   <p:clrMapOvr>
     <a:masterClrMapping/>
   </p:clrMapOvr>
-  <p:transition xmlns:p14="http://schemas.microsoft.com/office/powerpoint/2010/main" spd="med" advClick="1" p14:dur="1000"/>
+  <p:transition spd="slow"/>
 </p:sld>
 </file>
 
 <file path=ppt/slides/slide2.xml><?xml version="1.0" encoding="utf-8"?>
-<p:sld xmlns:a="http://schemas.openxmlformats.org/drawingml/2006/main" xmlns:r="http://schemas.openxmlformats.org/officeDocument/2006/relationships" xmlns:p="http://schemas.openxmlformats.org/presentationml/2006/main" showMasterSp="1" showMasterPhAnim="1">
+<p:sld xmlns:a="http://schemas.openxmlformats.org/drawingml/2006/main" xmlns:r="http://schemas.openxmlformats.org/officeDocument/2006/relationships" xmlns:p="http://schemas.openxmlformats.org/presentationml/2006/main">
   <p:cSld>
     <p:spTree>
       <p:nvGrpSpPr>
@@ -5442,7 +6067,7 @@
           </a:ln>
           <a:extLst>
             <a:ext uri="{C572A759-6A51-4108-AA02-DFA0A04FC94B}">
-              <ma14:wrappingTextBoxFlag xmlns:ma14="http://schemas.microsoft.com/office/mac/drawingml/2011/main" val="1"/>
+              <ma14:wrappingTextBoxFlag xmlns:ma14="http://schemas.microsoft.com/office/mac/drawingml/2011/main" xmlns="" val="1"/>
             </a:ext>
           </a:extLst>
         </p:spPr>
@@ -5460,13 +6085,7 @@
               </a:defRPr>
             </a:pPr>
             <a:r>
-              <a:t>Mlst.-Präsentation Nr. </a:t>
-            </a:r>
-            <a:r>
-              <a:t>III</a:t>
-            </a:r>
-            <a:r>
-              <a:t>  /  Gruppe 15</a:t>
+              <a:t>Mlst.-Präsentation Nr. III  /  Gruppe 15</a:t>
             </a:r>
           </a:p>
         </p:txBody>
@@ -5474,7 +6093,9 @@
       <p:sp>
         <p:nvSpPr>
           <p:cNvPr id="141" name="Shape 141"/>
-          <p:cNvSpPr/>
+          <p:cNvSpPr>
+            <a:spLocks noGrp="1"/>
+          </p:cNvSpPr>
           <p:nvPr>
             <p:ph type="body" sz="half" idx="1"/>
           </p:nvPr>
@@ -5517,6 +6138,7 @@
                 <a:sym typeface="Arial"/>
               </a:defRPr>
             </a:pPr>
+            <a:endParaRPr/>
           </a:p>
           <a:p>
             <a:pPr marL="0" indent="0">
@@ -5544,6 +6166,7 @@
                 <a:sym typeface="Arial"/>
               </a:defRPr>
             </a:pPr>
+            <a:endParaRPr/>
           </a:p>
           <a:p>
             <a:pPr marL="0" indent="0">
@@ -5571,6 +6194,7 @@
                 <a:sym typeface="Arial"/>
               </a:defRPr>
             </a:pPr>
+            <a:endParaRPr/>
           </a:p>
           <a:p>
             <a:pPr marL="0" indent="0">
@@ -5592,7 +6216,9 @@
       <p:sp>
         <p:nvSpPr>
           <p:cNvPr id="142" name="Shape 142"/>
-          <p:cNvSpPr/>
+          <p:cNvSpPr>
+            <a:spLocks noGrp="1"/>
+          </p:cNvSpPr>
           <p:nvPr>
             <p:ph type="sldNum" sz="quarter" idx="4294967295"/>
           </p:nvPr>
@@ -5607,7 +6233,7 @@
           </a:prstGeom>
           <a:extLst>
             <a:ext uri="{C572A759-6A51-4108-AA02-DFA0A04FC94B}">
-              <ma14:wrappingTextBoxFlag xmlns:ma14="http://schemas.microsoft.com/office/mac/drawingml/2011/main" val="1"/>
+              <ma14:wrappingTextBoxFlag xmlns:ma14="http://schemas.microsoft.com/office/mac/drawingml/2011/main" xmlns="" val="1"/>
             </a:ext>
           </a:extLst>
         </p:spPr>
@@ -5615,8 +6241,10 @@
           <a:bodyPr/>
           <a:lstStyle/>
           <a:p>
-            <a:pPr/>
-            <a:fld id="{86CB4B4D-7CA3-9044-876B-883B54F8677D}" type="slidenum"/>
+            <a:fld id="{86CB4B4D-7CA3-9044-876B-883B54F8677D}" type="slidenum">
+              <a:t>2</a:t>
+            </a:fld>
+            <a:endParaRPr/>
           </a:p>
         </p:txBody>
       </p:sp>
@@ -5629,9 +6257,7 @@
           <p:nvPr/>
         </p:nvPicPr>
         <p:blipFill>
-          <a:blip r:embed="rId2">
-            <a:extLst/>
-          </a:blip>
+          <a:blip r:embed="rId2"/>
           <a:stretch>
             <a:fillRect/>
           </a:stretch>
@@ -5652,7 +6278,9 @@
       <p:sp>
         <p:nvSpPr>
           <p:cNvPr id="144" name="Shape 144"/>
-          <p:cNvSpPr/>
+          <p:cNvSpPr>
+            <a:spLocks noGrp="1"/>
+          </p:cNvSpPr>
           <p:nvPr>
             <p:ph type="title"/>
           </p:nvPr>
@@ -5670,7 +6298,7 @@
           <a:bodyPr/>
           <a:lstStyle>
             <a:lvl1pPr>
-              <a:defRPr b="1" sz="2000">
+              <a:defRPr sz="2000" b="1">
                 <a:latin typeface="Arial"/>
                 <a:ea typeface="Arial"/>
                 <a:cs typeface="Arial"/>
@@ -5679,7 +6307,6 @@
             </a:lvl1pPr>
           </a:lstStyle>
           <a:p>
-            <a:pPr/>
             <a:r>
               <a:t>	 Übersicht</a:t>
             </a:r>
@@ -5707,7 +6334,7 @@
             <a:miter/>
           </a:ln>
           <a:effectLst>
-            <a:outerShdw sx="100000" sy="100000" kx="0" ky="0" algn="b" rotWithShape="0" blurRad="50800" dist="38100" dir="2700000">
+            <a:outerShdw blurRad="50800" dist="38100" dir="2700000" rotWithShape="0">
               <a:srgbClr val="000000">
                 <a:alpha val="40000"/>
               </a:srgbClr>
@@ -5718,7 +6345,7 @@
           <a:bodyPr lIns="45718" tIns="45718" rIns="45718" bIns="45718"/>
           <a:lstStyle/>
           <a:p>
-            <a:pPr/>
+            <a:endParaRPr/>
           </a:p>
         </p:txBody>
       </p:sp>
@@ -5731,9 +6358,7 @@
           <p:nvPr/>
         </p:nvPicPr>
         <p:blipFill>
-          <a:blip r:embed="rId3">
-            <a:extLst/>
-          </a:blip>
+          <a:blip r:embed="rId3"/>
           <a:stretch>
             <a:fillRect/>
           </a:stretch>
@@ -5760,9 +6385,7 @@
           <p:nvPr/>
         </p:nvPicPr>
         <p:blipFill>
-          <a:blip r:embed="rId4">
-            <a:extLst/>
-          </a:blip>
+          <a:blip r:embed="rId4"/>
           <a:stretch>
             <a:fillRect/>
           </a:stretch>
@@ -5789,9 +6412,7 @@
           <p:nvPr/>
         </p:nvPicPr>
         <p:blipFill>
-          <a:blip r:embed="rId5">
-            <a:extLst/>
-          </a:blip>
+          <a:blip r:embed="rId5"/>
           <a:stretch>
             <a:fillRect/>
           </a:stretch>
@@ -5818,9 +6439,7 @@
           <p:nvPr/>
         </p:nvPicPr>
         <p:blipFill>
-          <a:blip r:embed="rId6">
-            <a:extLst/>
-          </a:blip>
+          <a:blip r:embed="rId6"/>
           <a:stretch>
             <a:fillRect/>
           </a:stretch>
@@ -5843,12 +6462,12 @@
   <p:clrMapOvr>
     <a:masterClrMapping/>
   </p:clrMapOvr>
-  <p:transition xmlns:p14="http://schemas.microsoft.com/office/powerpoint/2010/main" spd="med" advClick="1" p14:dur="1000"/>
+  <p:transition spd="slow"/>
 </p:sld>
 </file>
 
 <file path=ppt/slides/slide3.xml><?xml version="1.0" encoding="utf-8"?>
-<p:sld xmlns:a="http://schemas.openxmlformats.org/drawingml/2006/main" xmlns:r="http://schemas.openxmlformats.org/officeDocument/2006/relationships" xmlns:p="http://schemas.openxmlformats.org/presentationml/2006/main" showMasterSp="1" showMasterPhAnim="1">
+<p:sld xmlns:a="http://schemas.openxmlformats.org/drawingml/2006/main" xmlns:r="http://schemas.openxmlformats.org/officeDocument/2006/relationships" xmlns:p="http://schemas.openxmlformats.org/presentationml/2006/main">
   <p:cSld>
     <p:spTree>
       <p:nvGrpSpPr>
@@ -5883,7 +6502,7 @@
           </a:ln>
           <a:extLst>
             <a:ext uri="{C572A759-6A51-4108-AA02-DFA0A04FC94B}">
-              <ma14:wrappingTextBoxFlag xmlns:ma14="http://schemas.microsoft.com/office/mac/drawingml/2011/main" val="1"/>
+              <ma14:wrappingTextBoxFlag xmlns:ma14="http://schemas.microsoft.com/office/mac/drawingml/2011/main" xmlns="" val="1"/>
             </a:ext>
           </a:extLst>
         </p:spPr>
@@ -5901,7 +6520,6 @@
             </a:lvl1pPr>
           </a:lstStyle>
           <a:p>
-            <a:pPr/>
             <a:r>
               <a:t>Mlst.-Präsentation Nr. III  /  Gruppe 15</a:t>
             </a:r>
@@ -5911,7 +6529,9 @@
       <p:sp>
         <p:nvSpPr>
           <p:cNvPr id="152" name="Shape 152"/>
-          <p:cNvSpPr/>
+          <p:cNvSpPr>
+            <a:spLocks noGrp="1"/>
+          </p:cNvSpPr>
           <p:nvPr>
             <p:ph type="title"/>
           </p:nvPr>
@@ -5929,7 +6549,7 @@
           <a:bodyPr/>
           <a:lstStyle>
             <a:lvl1pPr>
-              <a:defRPr b="1" sz="2000">
+              <a:defRPr sz="2000" b="1">
                 <a:latin typeface="Arial"/>
                 <a:ea typeface="Arial"/>
                 <a:cs typeface="Arial"/>
@@ -5938,7 +6558,6 @@
             </a:lvl1pPr>
           </a:lstStyle>
           <a:p>
-            <a:pPr/>
             <a:r>
               <a:t>	 Übersicht</a:t>
             </a:r>
@@ -5948,7 +6567,9 @@
       <p:sp>
         <p:nvSpPr>
           <p:cNvPr id="153" name="Shape 153"/>
-          <p:cNvSpPr/>
+          <p:cNvSpPr>
+            <a:spLocks noGrp="1"/>
+          </p:cNvSpPr>
           <p:nvPr>
             <p:ph type="body" sz="half" idx="1"/>
           </p:nvPr>
@@ -5969,7 +6590,7 @@
             <a:pPr marL="0" indent="0">
               <a:buSzTx/>
               <a:buNone/>
-              <a:defRPr b="1" sz="3000">
+              <a:defRPr sz="3000" b="1">
                 <a:latin typeface="Arial"/>
                 <a:ea typeface="Arial"/>
                 <a:cs typeface="Arial"/>
@@ -5991,6 +6612,7 @@
                 <a:sym typeface="Arial"/>
               </a:defRPr>
             </a:pPr>
+            <a:endParaRPr/>
           </a:p>
           <a:p>
             <a:pPr marL="0" indent="0">
@@ -6018,6 +6640,7 @@
                 <a:sym typeface="Arial"/>
               </a:defRPr>
             </a:pPr>
+            <a:endParaRPr/>
           </a:p>
           <a:p>
             <a:pPr marL="0" indent="0">
@@ -6045,6 +6668,7 @@
                 <a:sym typeface="Arial"/>
               </a:defRPr>
             </a:pPr>
+            <a:endParaRPr/>
           </a:p>
           <a:p>
             <a:pPr marL="0" indent="0">
@@ -6066,7 +6690,9 @@
       <p:sp>
         <p:nvSpPr>
           <p:cNvPr id="154" name="Shape 154"/>
-          <p:cNvSpPr/>
+          <p:cNvSpPr>
+            <a:spLocks noGrp="1"/>
+          </p:cNvSpPr>
           <p:nvPr>
             <p:ph type="sldNum" sz="quarter" idx="4294967295"/>
           </p:nvPr>
@@ -6081,7 +6707,7 @@
           </a:prstGeom>
           <a:extLst>
             <a:ext uri="{C572A759-6A51-4108-AA02-DFA0A04FC94B}">
-              <ma14:wrappingTextBoxFlag xmlns:ma14="http://schemas.microsoft.com/office/mac/drawingml/2011/main" val="1"/>
+              <ma14:wrappingTextBoxFlag xmlns:ma14="http://schemas.microsoft.com/office/mac/drawingml/2011/main" xmlns="" val="1"/>
             </a:ext>
           </a:extLst>
         </p:spPr>
@@ -6089,8 +6715,10 @@
           <a:bodyPr/>
           <a:lstStyle/>
           <a:p>
-            <a:pPr/>
-            <a:fld id="{86CB4B4D-7CA3-9044-876B-883B54F8677D}" type="slidenum"/>
+            <a:fld id="{86CB4B4D-7CA3-9044-876B-883B54F8677D}" type="slidenum">
+              <a:t>3</a:t>
+            </a:fld>
+            <a:endParaRPr/>
           </a:p>
         </p:txBody>
       </p:sp>
@@ -6103,9 +6731,7 @@
           <p:nvPr/>
         </p:nvPicPr>
         <p:blipFill>
-          <a:blip r:embed="rId2">
-            <a:extLst/>
-          </a:blip>
+          <a:blip r:embed="rId2"/>
           <a:stretch>
             <a:fillRect/>
           </a:stretch>
@@ -6144,7 +6770,7 @@
             <a:miter/>
           </a:ln>
           <a:effectLst>
-            <a:outerShdw sx="100000" sy="100000" kx="0" ky="0" algn="b" rotWithShape="0" blurRad="50800" dist="38100" dir="2700000">
+            <a:outerShdw blurRad="50800" dist="38100" dir="2700000" rotWithShape="0">
               <a:srgbClr val="000000">
                 <a:alpha val="40000"/>
               </a:srgbClr>
@@ -6155,7 +6781,7 @@
           <a:bodyPr lIns="45718" tIns="45718" rIns="45718" bIns="45718"/>
           <a:lstStyle/>
           <a:p>
-            <a:pPr/>
+            <a:endParaRPr/>
           </a:p>
         </p:txBody>
       </p:sp>
@@ -6168,9 +6794,7 @@
           <p:nvPr/>
         </p:nvPicPr>
         <p:blipFill>
-          <a:blip r:embed="rId3">
-            <a:extLst/>
-          </a:blip>
+          <a:blip r:embed="rId3"/>
           <a:stretch>
             <a:fillRect/>
           </a:stretch>
@@ -6197,9 +6821,7 @@
           <p:nvPr/>
         </p:nvPicPr>
         <p:blipFill>
-          <a:blip r:embed="rId4">
-            <a:extLst/>
-          </a:blip>
+          <a:blip r:embed="rId4"/>
           <a:stretch>
             <a:fillRect/>
           </a:stretch>
@@ -6226,9 +6848,7 @@
           <p:nvPr/>
         </p:nvPicPr>
         <p:blipFill>
-          <a:blip r:embed="rId5">
-            <a:extLst/>
-          </a:blip>
+          <a:blip r:embed="rId5"/>
           <a:stretch>
             <a:fillRect/>
           </a:stretch>
@@ -6255,9 +6875,7 @@
           <p:nvPr/>
         </p:nvPicPr>
         <p:blipFill>
-          <a:blip r:embed="rId6">
-            <a:extLst/>
-          </a:blip>
+          <a:blip r:embed="rId6"/>
           <a:stretch>
             <a:fillRect/>
           </a:stretch>
@@ -6280,12 +6898,12 @@
   <p:clrMapOvr>
     <a:masterClrMapping/>
   </p:clrMapOvr>
-  <p:transition xmlns:p14="http://schemas.microsoft.com/office/powerpoint/2010/main" spd="med" advClick="1" p14:dur="1000"/>
+  <p:transition spd="slow"/>
 </p:sld>
 </file>
 
 <file path=ppt/slides/slide4.xml><?xml version="1.0" encoding="utf-8"?>
-<p:sld xmlns:a="http://schemas.openxmlformats.org/drawingml/2006/main" xmlns:r="http://schemas.openxmlformats.org/officeDocument/2006/relationships" xmlns:p="http://schemas.openxmlformats.org/presentationml/2006/main" showMasterSp="1" showMasterPhAnim="1">
+<p:sld xmlns:a="http://schemas.openxmlformats.org/drawingml/2006/main" xmlns:r="http://schemas.openxmlformats.org/officeDocument/2006/relationships" xmlns:p="http://schemas.openxmlformats.org/presentationml/2006/main">
   <p:cSld>
     <p:spTree>
       <p:nvGrpSpPr>
@@ -6310,9 +6928,7 @@
           <p:nvPr/>
         </p:nvPicPr>
         <p:blipFill>
-          <a:blip r:embed="rId2">
-            <a:extLst/>
-          </a:blip>
+          <a:blip r:embed="rId2"/>
           <a:stretch>
             <a:fillRect/>
           </a:stretch>
@@ -6349,7 +6965,7 @@
           </a:ln>
           <a:extLst>
             <a:ext uri="{C572A759-6A51-4108-AA02-DFA0A04FC94B}">
-              <ma14:wrappingTextBoxFlag xmlns:ma14="http://schemas.microsoft.com/office/mac/drawingml/2011/main" val="1"/>
+              <ma14:wrappingTextBoxFlag xmlns:ma14="http://schemas.microsoft.com/office/mac/drawingml/2011/main" xmlns="" val="1"/>
             </a:ext>
           </a:extLst>
         </p:spPr>
@@ -6367,7 +6983,6 @@
             </a:lvl1pPr>
           </a:lstStyle>
           <a:p>
-            <a:pPr/>
             <a:r>
               <a:t>Mlst.-Präsentation Nr. III  /  Gruppe 15</a:t>
             </a:r>
@@ -6377,7 +6992,9 @@
       <p:sp>
         <p:nvSpPr>
           <p:cNvPr id="164" name="Shape 164"/>
-          <p:cNvSpPr/>
+          <p:cNvSpPr>
+            <a:spLocks noGrp="1"/>
+          </p:cNvSpPr>
           <p:nvPr>
             <p:ph type="sldNum" sz="quarter" idx="4294967295"/>
           </p:nvPr>
@@ -6392,7 +7009,7 @@
           </a:prstGeom>
           <a:extLst>
             <a:ext uri="{C572A759-6A51-4108-AA02-DFA0A04FC94B}">
-              <ma14:wrappingTextBoxFlag xmlns:ma14="http://schemas.microsoft.com/office/mac/drawingml/2011/main" val="1"/>
+              <ma14:wrappingTextBoxFlag xmlns:ma14="http://schemas.microsoft.com/office/mac/drawingml/2011/main" xmlns="" val="1"/>
             </a:ext>
           </a:extLst>
         </p:spPr>
@@ -6400,15 +7017,19 @@
           <a:bodyPr/>
           <a:lstStyle/>
           <a:p>
-            <a:pPr/>
-            <a:fld id="{86CB4B4D-7CA3-9044-876B-883B54F8677D}" type="slidenum"/>
+            <a:fld id="{86CB4B4D-7CA3-9044-876B-883B54F8677D}" type="slidenum">
+              <a:t>4</a:t>
+            </a:fld>
+            <a:endParaRPr/>
           </a:p>
         </p:txBody>
       </p:sp>
       <p:sp>
         <p:nvSpPr>
           <p:cNvPr id="165" name="Shape 165"/>
-          <p:cNvSpPr/>
+          <p:cNvSpPr>
+            <a:spLocks noGrp="1"/>
+          </p:cNvSpPr>
           <p:nvPr>
             <p:ph type="title"/>
           </p:nvPr>
@@ -6427,7 +7048,7 @@
           <a:lstStyle/>
           <a:p>
             <a:pPr>
-              <a:defRPr b="1" sz="2000">
+              <a:defRPr sz="2000" b="1">
                 <a:latin typeface="Arial"/>
                 <a:ea typeface="Arial"/>
                 <a:cs typeface="Arial"/>
@@ -6435,10 +7056,7 @@
               </a:defRPr>
             </a:pPr>
             <a:r>
-              <a:t>	</a:t>
-            </a:r>
-            <a:r>
-              <a:t>Outline / Spieldemonstration</a:t>
+              <a:t>	Outline / Spieldemonstration</a:t>
             </a:r>
           </a:p>
         </p:txBody>
@@ -6464,7 +7082,7 @@
             <a:miter/>
           </a:ln>
           <a:effectLst>
-            <a:outerShdw sx="100000" sy="100000" kx="0" ky="0" algn="b" rotWithShape="0" blurRad="50800" dist="38100" dir="2700000">
+            <a:outerShdw blurRad="50800" dist="38100" dir="2700000" rotWithShape="0">
               <a:srgbClr val="000000">
                 <a:alpha val="40000"/>
               </a:srgbClr>
@@ -6475,7 +7093,7 @@
           <a:bodyPr lIns="45718" tIns="45718" rIns="45718" bIns="45718"/>
           <a:lstStyle/>
           <a:p>
-            <a:pPr/>
+            <a:endParaRPr/>
           </a:p>
         </p:txBody>
       </p:sp>
@@ -6488,9 +7106,7 @@
           <p:nvPr/>
         </p:nvPicPr>
         <p:blipFill>
-          <a:blip r:embed="rId3">
-            <a:extLst/>
-          </a:blip>
+          <a:blip r:embed="rId3"/>
           <a:stretch>
             <a:fillRect/>
           </a:stretch>
@@ -6513,12 +7129,12 @@
   <p:clrMapOvr>
     <a:masterClrMapping/>
   </p:clrMapOvr>
-  <p:transition xmlns:p14="http://schemas.microsoft.com/office/powerpoint/2010/main" spd="med" advClick="1" p14:dur="1000"/>
+  <p:transition spd="slow"/>
 </p:sld>
 </file>
 
 <file path=ppt/slides/slide5.xml><?xml version="1.0" encoding="utf-8"?>
-<p:sld xmlns:a="http://schemas.openxmlformats.org/drawingml/2006/main" xmlns:r="http://schemas.openxmlformats.org/officeDocument/2006/relationships" xmlns:p="http://schemas.openxmlformats.org/presentationml/2006/main" showMasterSp="1" showMasterPhAnim="1">
+<p:sld xmlns:a="http://schemas.openxmlformats.org/drawingml/2006/main" xmlns:r="http://schemas.openxmlformats.org/officeDocument/2006/relationships" xmlns:p="http://schemas.openxmlformats.org/presentationml/2006/main">
   <p:cSld>
     <p:spTree>
       <p:nvGrpSpPr>
@@ -6553,7 +7169,7 @@
           </a:ln>
           <a:extLst>
             <a:ext uri="{C572A759-6A51-4108-AA02-DFA0A04FC94B}">
-              <ma14:wrappingTextBoxFlag xmlns:ma14="http://schemas.microsoft.com/office/mac/drawingml/2011/main" val="1"/>
+              <ma14:wrappingTextBoxFlag xmlns:ma14="http://schemas.microsoft.com/office/mac/drawingml/2011/main" xmlns="" val="1"/>
             </a:ext>
           </a:extLst>
         </p:spPr>
@@ -6571,7 +7187,6 @@
             </a:lvl1pPr>
           </a:lstStyle>
           <a:p>
-            <a:pPr/>
             <a:r>
               <a:t>Mlst.-Präsentation Nr. III  /  Gruppe 15</a:t>
             </a:r>
@@ -6581,7 +7196,9 @@
       <p:sp>
         <p:nvSpPr>
           <p:cNvPr id="170" name="Shape 170"/>
-          <p:cNvSpPr/>
+          <p:cNvSpPr>
+            <a:spLocks noGrp="1"/>
+          </p:cNvSpPr>
           <p:nvPr>
             <p:ph type="title"/>
           </p:nvPr>
@@ -6599,7 +7216,7 @@
           <a:bodyPr/>
           <a:lstStyle>
             <a:lvl1pPr>
-              <a:defRPr b="1" sz="2000">
+              <a:defRPr sz="2000" b="1">
                 <a:latin typeface="Arial"/>
                 <a:ea typeface="Arial"/>
                 <a:cs typeface="Arial"/>
@@ -6608,7 +7225,6 @@
             </a:lvl1pPr>
           </a:lstStyle>
           <a:p>
-            <a:pPr/>
             <a:r>
               <a:t>	 Übersicht</a:t>
             </a:r>
@@ -6618,7 +7234,9 @@
       <p:sp>
         <p:nvSpPr>
           <p:cNvPr id="171" name="Shape 171"/>
-          <p:cNvSpPr/>
+          <p:cNvSpPr>
+            <a:spLocks noGrp="1"/>
+          </p:cNvSpPr>
           <p:nvPr>
             <p:ph type="body" sz="half" idx="1"/>
           </p:nvPr>
@@ -6661,12 +7279,13 @@
                 <a:sym typeface="Arial"/>
               </a:defRPr>
             </a:pPr>
+            <a:endParaRPr/>
           </a:p>
           <a:p>
             <a:pPr marL="0" indent="0">
               <a:buSzTx/>
               <a:buNone/>
-              <a:defRPr b="1" sz="3000">
+              <a:defRPr sz="3000" b="1">
                 <a:latin typeface="Arial"/>
                 <a:ea typeface="Arial"/>
                 <a:cs typeface="Arial"/>
@@ -6688,6 +7307,7 @@
                 <a:sym typeface="Arial"/>
               </a:defRPr>
             </a:pPr>
+            <a:endParaRPr/>
           </a:p>
           <a:p>
             <a:pPr marL="0" indent="0">
@@ -6715,6 +7335,7 @@
                 <a:sym typeface="Arial"/>
               </a:defRPr>
             </a:pPr>
+            <a:endParaRPr/>
           </a:p>
           <a:p>
             <a:pPr marL="0" indent="0">
@@ -6736,7 +7357,9 @@
       <p:sp>
         <p:nvSpPr>
           <p:cNvPr id="172" name="Shape 172"/>
-          <p:cNvSpPr/>
+          <p:cNvSpPr>
+            <a:spLocks noGrp="1"/>
+          </p:cNvSpPr>
           <p:nvPr>
             <p:ph type="sldNum" sz="quarter" idx="4294967295"/>
           </p:nvPr>
@@ -6751,7 +7374,7 @@
           </a:prstGeom>
           <a:extLst>
             <a:ext uri="{C572A759-6A51-4108-AA02-DFA0A04FC94B}">
-              <ma14:wrappingTextBoxFlag xmlns:ma14="http://schemas.microsoft.com/office/mac/drawingml/2011/main" val="1"/>
+              <ma14:wrappingTextBoxFlag xmlns:ma14="http://schemas.microsoft.com/office/mac/drawingml/2011/main" xmlns="" val="1"/>
             </a:ext>
           </a:extLst>
         </p:spPr>
@@ -6759,8 +7382,10 @@
           <a:bodyPr/>
           <a:lstStyle/>
           <a:p>
-            <a:pPr/>
-            <a:fld id="{86CB4B4D-7CA3-9044-876B-883B54F8677D}" type="slidenum"/>
+            <a:fld id="{86CB4B4D-7CA3-9044-876B-883B54F8677D}" type="slidenum">
+              <a:t>5</a:t>
+            </a:fld>
+            <a:endParaRPr/>
           </a:p>
         </p:txBody>
       </p:sp>
@@ -6773,9 +7398,7 @@
           <p:nvPr/>
         </p:nvPicPr>
         <p:blipFill>
-          <a:blip r:embed="rId2">
-            <a:extLst/>
-          </a:blip>
+          <a:blip r:embed="rId2"/>
           <a:stretch>
             <a:fillRect/>
           </a:stretch>
@@ -6814,7 +7437,7 @@
             <a:miter/>
           </a:ln>
           <a:effectLst>
-            <a:outerShdw sx="100000" sy="100000" kx="0" ky="0" algn="b" rotWithShape="0" blurRad="50800" dist="38100" dir="2700000">
+            <a:outerShdw blurRad="50800" dist="38100" dir="2700000" rotWithShape="0">
               <a:srgbClr val="000000">
                 <a:alpha val="40000"/>
               </a:srgbClr>
@@ -6825,7 +7448,7 @@
           <a:bodyPr lIns="45718" tIns="45718" rIns="45718" bIns="45718"/>
           <a:lstStyle/>
           <a:p>
-            <a:pPr/>
+            <a:endParaRPr/>
           </a:p>
         </p:txBody>
       </p:sp>
@@ -6838,9 +7461,7 @@
           <p:nvPr/>
         </p:nvPicPr>
         <p:blipFill>
-          <a:blip r:embed="rId3">
-            <a:extLst/>
-          </a:blip>
+          <a:blip r:embed="rId3"/>
           <a:stretch>
             <a:fillRect/>
           </a:stretch>
@@ -6867,9 +7488,7 @@
           <p:nvPr/>
         </p:nvPicPr>
         <p:blipFill>
-          <a:blip r:embed="rId4">
-            <a:extLst/>
-          </a:blip>
+          <a:blip r:embed="rId4"/>
           <a:stretch>
             <a:fillRect/>
           </a:stretch>
@@ -6896,9 +7515,7 @@
           <p:nvPr/>
         </p:nvPicPr>
         <p:blipFill>
-          <a:blip r:embed="rId5">
-            <a:extLst/>
-          </a:blip>
+          <a:blip r:embed="rId5"/>
           <a:stretch>
             <a:fillRect/>
           </a:stretch>
@@ -6925,9 +7542,7 @@
           <p:nvPr/>
         </p:nvPicPr>
         <p:blipFill>
-          <a:blip r:embed="rId6">
-            <a:extLst/>
-          </a:blip>
+          <a:blip r:embed="rId6"/>
           <a:stretch>
             <a:fillRect/>
           </a:stretch>
@@ -6950,12 +7565,12 @@
   <p:clrMapOvr>
     <a:masterClrMapping/>
   </p:clrMapOvr>
-  <p:transition xmlns:p14="http://schemas.microsoft.com/office/powerpoint/2010/main" spd="med" advClick="1" p14:dur="1000"/>
+  <p:transition spd="slow"/>
 </p:sld>
 </file>
 
 <file path=ppt/slides/slide6.xml><?xml version="1.0" encoding="utf-8"?>
-<p:sld xmlns:a="http://schemas.openxmlformats.org/drawingml/2006/main" xmlns:r="http://schemas.openxmlformats.org/officeDocument/2006/relationships" xmlns:p="http://schemas.openxmlformats.org/presentationml/2006/main" showMasterSp="1" showMasterPhAnim="1">
+<p:sld xmlns:a="http://schemas.openxmlformats.org/drawingml/2006/main" xmlns:r="http://schemas.openxmlformats.org/officeDocument/2006/relationships" xmlns:p="http://schemas.openxmlformats.org/presentationml/2006/main">
   <p:cSld>
     <p:spTree>
       <p:nvGrpSpPr>
@@ -6990,7 +7605,7 @@
           </a:ln>
           <a:extLst>
             <a:ext uri="{C572A759-6A51-4108-AA02-DFA0A04FC94B}">
-              <ma14:wrappingTextBoxFlag xmlns:ma14="http://schemas.microsoft.com/office/mac/drawingml/2011/main" val="1"/>
+              <ma14:wrappingTextBoxFlag xmlns:ma14="http://schemas.microsoft.com/office/mac/drawingml/2011/main" xmlns="" val="1"/>
             </a:ext>
           </a:extLst>
         </p:spPr>
@@ -7008,13 +7623,7 @@
               </a:defRPr>
             </a:pPr>
             <a:r>
-              <a:t>Mlst.-Präsentation Nr. </a:t>
-            </a:r>
-            <a:r>
-              <a:t>III</a:t>
-            </a:r>
-            <a:r>
-              <a:t>  /  Gruppe 15</a:t>
+              <a:t>Mlst.-Präsentation Nr. III  /  Gruppe 15</a:t>
             </a:r>
           </a:p>
         </p:txBody>
@@ -7022,7 +7631,9 @@
       <p:sp>
         <p:nvSpPr>
           <p:cNvPr id="181" name="Shape 181"/>
-          <p:cNvSpPr/>
+          <p:cNvSpPr>
+            <a:spLocks noGrp="1"/>
+          </p:cNvSpPr>
           <p:nvPr>
             <p:ph type="sldNum" sz="quarter" idx="4294967295"/>
           </p:nvPr>
@@ -7037,7 +7648,7 @@
           </a:prstGeom>
           <a:extLst>
             <a:ext uri="{C572A759-6A51-4108-AA02-DFA0A04FC94B}">
-              <ma14:wrappingTextBoxFlag xmlns:ma14="http://schemas.microsoft.com/office/mac/drawingml/2011/main" val="1"/>
+              <ma14:wrappingTextBoxFlag xmlns:ma14="http://schemas.microsoft.com/office/mac/drawingml/2011/main" xmlns="" val="1"/>
             </a:ext>
           </a:extLst>
         </p:spPr>
@@ -7045,15 +7656,19 @@
           <a:bodyPr/>
           <a:lstStyle/>
           <a:p>
-            <a:pPr/>
-            <a:fld id="{86CB4B4D-7CA3-9044-876B-883B54F8677D}" type="slidenum"/>
+            <a:fld id="{86CB4B4D-7CA3-9044-876B-883B54F8677D}" type="slidenum">
+              <a:t>6</a:t>
+            </a:fld>
+            <a:endParaRPr/>
           </a:p>
         </p:txBody>
       </p:sp>
       <p:sp>
         <p:nvSpPr>
           <p:cNvPr id="182" name="Shape 182"/>
-          <p:cNvSpPr/>
+          <p:cNvSpPr>
+            <a:spLocks noGrp="1"/>
+          </p:cNvSpPr>
           <p:nvPr>
             <p:ph type="title"/>
           </p:nvPr>
@@ -7071,7 +7686,7 @@
           <a:bodyPr/>
           <a:lstStyle>
             <a:lvl1pPr>
-              <a:defRPr b="1" sz="2000">
+              <a:defRPr sz="2000" b="1">
                 <a:latin typeface="Arial"/>
                 <a:ea typeface="Arial"/>
                 <a:cs typeface="Arial"/>
@@ -7080,7 +7695,6 @@
             </a:lvl1pPr>
           </a:lstStyle>
           <a:p>
-            <a:pPr/>
             <a:r>
               <a:t>	Spiellogik</a:t>
             </a:r>
@@ -7108,7 +7722,7 @@
             <a:miter/>
           </a:ln>
           <a:effectLst>
-            <a:outerShdw sx="100000" sy="100000" kx="0" ky="0" algn="b" rotWithShape="0" blurRad="50800" dist="38100" dir="2700000">
+            <a:outerShdw blurRad="50800" dist="38100" dir="2700000" rotWithShape="0">
               <a:srgbClr val="000000">
                 <a:alpha val="40000"/>
               </a:srgbClr>
@@ -7119,7 +7733,7 @@
           <a:bodyPr lIns="45718" tIns="45718" rIns="45718" bIns="45718"/>
           <a:lstStyle/>
           <a:p>
-            <a:pPr/>
+            <a:endParaRPr/>
           </a:p>
         </p:txBody>
       </p:sp>
@@ -7132,9 +7746,7 @@
           <p:nvPr/>
         </p:nvPicPr>
         <p:blipFill>
-          <a:blip r:embed="rId2">
-            <a:extLst/>
-          </a:blip>
+          <a:blip r:embed="rId2"/>
           <a:stretch>
             <a:fillRect/>
           </a:stretch>
@@ -7171,7 +7783,7 @@
           </a:ln>
           <a:extLst>
             <a:ext uri="{C572A759-6A51-4108-AA02-DFA0A04FC94B}">
-              <ma14:wrappingTextBoxFlag xmlns:ma14="http://schemas.microsoft.com/office/mac/drawingml/2011/main" val="1"/>
+              <ma14:wrappingTextBoxFlag xmlns:ma14="http://schemas.microsoft.com/office/mac/drawingml/2011/main" xmlns="" val="1"/>
             </a:ext>
           </a:extLst>
         </p:spPr>
@@ -7188,7 +7800,28 @@
               <a:defRPr sz="2000"/>
             </a:pPr>
             <a:r>
-              <a:t>Stapel – und Kartenverwaltung zentral </a:t>
+              <a:rPr dirty="0" err="1"/>
+              <a:t>Stapel</a:t>
+            </a:r>
+            <a:r>
+              <a:rPr dirty="0"/>
+              <a:t> – und </a:t>
+            </a:r>
+            <a:r>
+              <a:rPr dirty="0" err="1"/>
+              <a:t>Kartenverwaltung</a:t>
+            </a:r>
+            <a:r>
+              <a:rPr dirty="0"/>
+              <a:t> </a:t>
+            </a:r>
+            <a:r>
+              <a:rPr dirty="0" err="1"/>
+              <a:t>zentral</a:t>
+            </a:r>
+            <a:r>
+              <a:rPr dirty="0"/>
+              <a:t> </a:t>
             </a:r>
           </a:p>
           <a:p>
@@ -7198,6 +7831,7 @@
               <a:buChar char="•"/>
               <a:defRPr sz="2000"/>
             </a:pPr>
+            <a:endParaRPr dirty="0"/>
           </a:p>
           <a:p>
             <a:pPr marL="342900" indent="-342900">
@@ -7207,7 +7841,36 @@
               <a:defRPr sz="2000"/>
             </a:pPr>
             <a:r>
-              <a:t>Spielerspezifische Stapeln (discardPile, handCards) </a:t>
+              <a:rPr dirty="0" err="1"/>
+              <a:t>Spielerspezifische</a:t>
+            </a:r>
+            <a:r>
+              <a:rPr dirty="0"/>
+              <a:t> </a:t>
+            </a:r>
+            <a:r>
+              <a:rPr dirty="0" err="1"/>
+              <a:t>Stapel</a:t>
+            </a:r>
+            <a:r>
+              <a:rPr dirty="0"/>
+              <a:t> (</a:t>
+            </a:r>
+            <a:r>
+              <a:rPr dirty="0" err="1"/>
+              <a:t>discardPile</a:t>
+            </a:r>
+            <a:r>
+              <a:rPr dirty="0"/>
+              <a:t>, </a:t>
+            </a:r>
+            <a:r>
+              <a:rPr dirty="0" err="1"/>
+              <a:t>handCards</a:t>
+            </a:r>
+            <a:r>
+              <a:rPr dirty="0"/>
+              <a:t>) </a:t>
             </a:r>
           </a:p>
           <a:p>
@@ -7217,6 +7880,7 @@
               <a:buChar char="•"/>
               <a:defRPr sz="2000"/>
             </a:pPr>
+            <a:endParaRPr dirty="0"/>
           </a:p>
           <a:p>
             <a:pPr marL="342900" indent="-342900">
@@ -7226,105 +7890,27 @@
               <a:defRPr sz="2000"/>
             </a:pPr>
             <a:r>
-              <a:t>ArrayList(</a:t>
-            </a:r>
-            <a:r>
-              <a:t>f</a:t>
-            </a:r>
-            <a:r>
-              <a:t>l</a:t>
-            </a:r>
-            <a:r>
-              <a:t>e</a:t>
-            </a:r>
-            <a:r>
-              <a:t>x</a:t>
-            </a:r>
-            <a:r>
-              <a:t>i</a:t>
-            </a:r>
-            <a:r>
-              <a:t>b</a:t>
-            </a:r>
-            <a:r>
-              <a:t>l</a:t>
-            </a:r>
-            <a:r>
-              <a:t>e </a:t>
-            </a:r>
-            <a:r>
-              <a:t>G</a:t>
-            </a:r>
-            <a:r>
-              <a:t>r</a:t>
-            </a:r>
-            <a:r>
-              <a:t>ö</a:t>
-            </a:r>
-            <a:r>
-              <a:t>s</a:t>
-            </a:r>
-            <a:r>
-              <a:t>s</a:t>
-            </a:r>
-            <a:r>
-              <a:t>e, </a:t>
-            </a:r>
-            <a:r>
-              <a:t>a</a:t>
-            </a:r>
-            <a:r>
-              <a:t>d</a:t>
-            </a:r>
-            <a:r>
-              <a:t>d</a:t>
-            </a:r>
-            <a:r>
-              <a:t>(), </a:t>
-            </a:r>
-            <a:r>
-              <a:t>r</a:t>
-            </a:r>
-            <a:r>
-              <a:t>e</a:t>
-            </a:r>
-            <a:r>
-              <a:t>m</a:t>
-            </a:r>
-            <a:r>
-              <a:t>o</a:t>
-            </a:r>
-            <a:r>
-              <a:t>v</a:t>
-            </a:r>
-            <a:r>
-              <a:t>e() </a:t>
-            </a:r>
-            <a:r>
-              <a:t>M</a:t>
-            </a:r>
-            <a:r>
-              <a:t>e</a:t>
-            </a:r>
-            <a:r>
-              <a:t>t</a:t>
-            </a:r>
-            <a:r>
-              <a:t>h</a:t>
-            </a:r>
-            <a:r>
-              <a:t>o</a:t>
-            </a:r>
-            <a:r>
-              <a:t>d</a:t>
-            </a:r>
-            <a:r>
-              <a:t>e</a:t>
-            </a:r>
-            <a:r>
-              <a:t>n</a:t>
-            </a:r>
-            <a:r>
+              <a:rPr dirty="0" err="1"/>
+              <a:t>ArrayList</a:t>
+            </a:r>
+            <a:r>
+              <a:rPr dirty="0"/>
+              <a:t>(flexible </a:t>
+            </a:r>
+            <a:r>
+              <a:rPr dirty="0" err="1"/>
+              <a:t>Grösse</a:t>
+            </a:r>
+            <a:r>
+              <a:rPr dirty="0"/>
+              <a:t>, add(), remove() </a:t>
+            </a:r>
+            <a:r>
+              <a:rPr dirty="0" err="1"/>
+              <a:t>Methoden</a:t>
+            </a:r>
+            <a:r>
+              <a:rPr dirty="0"/>
               <a:t>)</a:t>
             </a:r>
           </a:p>
@@ -7332,6 +7918,7 @@
             <a:pPr>
               <a:defRPr sz="2000"/>
             </a:pPr>
+            <a:endParaRPr dirty="0"/>
           </a:p>
           <a:p>
             <a:pPr marL="342900" indent="-342900">
@@ -7341,8 +7928,46 @@
               <a:defRPr sz="2000"/>
             </a:pPr>
             <a:r>
-              <a:t>Pile braucht die Klasse Card, um Karten zu erstellen</a:t>
-            </a:r>
+              <a:rPr dirty="0"/>
+              <a:t>Pile </a:t>
+            </a:r>
+            <a:r>
+              <a:rPr dirty="0" err="1"/>
+              <a:t>braucht</a:t>
+            </a:r>
+            <a:r>
+              <a:rPr dirty="0"/>
+              <a:t> die </a:t>
+            </a:r>
+            <a:r>
+              <a:rPr dirty="0" err="1"/>
+              <a:t>Klasse</a:t>
+            </a:r>
+            <a:r>
+              <a:rPr dirty="0"/>
+              <a:t> Card, um </a:t>
+            </a:r>
+            <a:r>
+              <a:rPr dirty="0" err="1"/>
+              <a:t>Karten</a:t>
+            </a:r>
+            <a:r>
+              <a:rPr dirty="0"/>
+              <a:t> </a:t>
+            </a:r>
+            <a:r>
+              <a:rPr dirty="0" err="1"/>
+              <a:t>zu</a:t>
+            </a:r>
+            <a:r>
+              <a:rPr dirty="0"/>
+              <a:t> </a:t>
+            </a:r>
+            <a:r>
+              <a:rPr dirty="0" err="1"/>
+              <a:t>erstellen</a:t>
+            </a:r>
+            <a:endParaRPr dirty="0"/>
           </a:p>
           <a:p>
             <a:pPr marL="342900" indent="-342900">
@@ -7351,6 +7976,7 @@
               <a:buChar char="•"/>
               <a:defRPr sz="2000"/>
             </a:pPr>
+            <a:endParaRPr dirty="0"/>
           </a:p>
           <a:p>
             <a:pPr marL="342900" indent="-342900">
@@ -7360,11 +7986,67 @@
               <a:defRPr sz="2000"/>
             </a:pPr>
             <a:r>
-              <a:t>Game beinhaltet Methoden für verschiedene</a:t>
-            </a:r>
-            <a:br/>
-            <a:r>
-              <a:t>Kartenoperation (playToMiddle, playToDiscard)</a:t>
+              <a:rPr dirty="0"/>
+              <a:t>Game </a:t>
+            </a:r>
+            <a:r>
+              <a:rPr dirty="0" err="1"/>
+              <a:t>beinhaltet</a:t>
+            </a:r>
+            <a:r>
+              <a:rPr dirty="0"/>
+              <a:t> </a:t>
+            </a:r>
+            <a:r>
+              <a:rPr dirty="0" err="1"/>
+              <a:t>Methoden</a:t>
+            </a:r>
+            <a:r>
+              <a:rPr dirty="0"/>
+              <a:t> </a:t>
+            </a:r>
+            <a:r>
+              <a:rPr dirty="0" err="1"/>
+              <a:t>für</a:t>
+            </a:r>
+            <a:r>
+              <a:rPr dirty="0"/>
+              <a:t> </a:t>
+            </a:r>
+            <a:r>
+              <a:rPr dirty="0" err="1"/>
+              <a:t>verschiedene</a:t>
+            </a:r>
+            <a:br>
+              <a:rPr dirty="0"/>
+            </a:br>
+            <a:r>
+              <a:rPr dirty="0" err="1"/>
+              <a:t>Kartenoperation</a:t>
+            </a:r>
+            <a:r>
+              <a:rPr lang="de-CH" dirty="0"/>
+              <a:t>en</a:t>
+            </a:r>
+            <a:r>
+              <a:rPr dirty="0"/>
+              <a:t> (</a:t>
+            </a:r>
+            <a:r>
+              <a:rPr dirty="0" err="1"/>
+              <a:t>playToMiddle</a:t>
+            </a:r>
+            <a:r>
+              <a:rPr dirty="0"/>
+              <a:t>, </a:t>
+            </a:r>
+            <a:r>
+              <a:rPr dirty="0" err="1"/>
+              <a:t>playToDiscard</a:t>
+            </a:r>
+            <a:r>
+              <a:rPr dirty="0"/>
+              <a:t>)</a:t>
             </a:r>
           </a:p>
           <a:p>
@@ -7374,6 +8056,7 @@
               <a:buChar char="•"/>
               <a:defRPr sz="2000"/>
             </a:pPr>
+            <a:endParaRPr dirty="0"/>
           </a:p>
           <a:p>
             <a:pPr marL="342900" indent="-342900">
@@ -7383,7 +8066,40 @@
               <a:defRPr sz="2000"/>
             </a:pPr>
             <a:r>
-              <a:t>Spielmethoden geben Boolean Werte zurück: </a:t>
+              <a:rPr dirty="0" err="1"/>
+              <a:t>Spielmethoden</a:t>
+            </a:r>
+            <a:r>
+              <a:rPr dirty="0"/>
+              <a:t> </a:t>
+            </a:r>
+            <a:r>
+              <a:rPr dirty="0" err="1"/>
+              <a:t>geben</a:t>
+            </a:r>
+            <a:r>
+              <a:rPr dirty="0"/>
+              <a:t> Boolean</a:t>
+            </a:r>
+            <a:r>
+              <a:rPr lang="de-CH" dirty="0"/>
+              <a:t>-</a:t>
+            </a:r>
+            <a:r>
+              <a:rPr dirty="0" err="1"/>
+              <a:t>Werte</a:t>
+            </a:r>
+            <a:r>
+              <a:rPr dirty="0"/>
+              <a:t> </a:t>
+            </a:r>
+            <a:r>
+              <a:rPr dirty="0" err="1"/>
+              <a:t>zurück</a:t>
+            </a:r>
+            <a:r>
+              <a:rPr dirty="0"/>
+              <a:t>: </a:t>
             </a:r>
           </a:p>
           <a:p>
@@ -7391,7 +8107,24 @@
               <a:defRPr sz="2000"/>
             </a:pPr>
             <a:r>
-              <a:t>	- true: Spielzug gültig!</a:t>
+              <a:rPr dirty="0"/>
+              <a:t>	- true: </a:t>
+            </a:r>
+            <a:r>
+              <a:rPr dirty="0" err="1"/>
+              <a:t>Spielzug</a:t>
+            </a:r>
+            <a:r>
+              <a:rPr dirty="0"/>
+              <a:t> </a:t>
+            </a:r>
+            <a:r>
+              <a:rPr dirty="0" err="1"/>
+              <a:t>gültig</a:t>
+            </a:r>
+            <a:r>
+              <a:rPr dirty="0"/>
+              <a:t>!</a:t>
             </a:r>
           </a:p>
           <a:p>
@@ -7399,7 +8132,28 @@
               <a:defRPr sz="2000"/>
             </a:pPr>
             <a:r>
-              <a:t>	- false: Spielzug nicht gültig!</a:t>
+              <a:rPr dirty="0"/>
+              <a:t>	- false: </a:t>
+            </a:r>
+            <a:r>
+              <a:rPr dirty="0" err="1"/>
+              <a:t>Spielzug</a:t>
+            </a:r>
+            <a:r>
+              <a:rPr dirty="0"/>
+              <a:t> </a:t>
+            </a:r>
+            <a:r>
+              <a:rPr lang="de-CH" dirty="0" err="1"/>
+              <a:t>un</a:t>
+            </a:r>
+            <a:r>
+              <a:rPr dirty="0" err="1"/>
+              <a:t>gültig</a:t>
+            </a:r>
+            <a:r>
+              <a:rPr dirty="0"/>
+              <a:t>!</a:t>
             </a:r>
           </a:p>
           <a:p>
@@ -7409,6 +8163,7 @@
               <a:buChar char="•"/>
               <a:defRPr sz="2000"/>
             </a:pPr>
+            <a:endParaRPr dirty="0"/>
           </a:p>
           <a:p>
             <a:pPr marL="342900" indent="-342900">
@@ -7417,6 +8172,7 @@
               <a:buChar char="•"/>
               <a:defRPr sz="2000"/>
             </a:pPr>
+            <a:endParaRPr dirty="0"/>
           </a:p>
           <a:p>
             <a:pPr marL="342900" indent="-342900">
@@ -7425,6 +8181,7 @@
               <a:buChar char="•"/>
               <a:defRPr sz="2000"/>
             </a:pPr>
+            <a:endParaRPr dirty="0"/>
           </a:p>
           <a:p>
             <a:pPr marL="342900" indent="-342900">
@@ -7433,6 +8190,7 @@
               <a:buChar char="•"/>
               <a:defRPr sz="2000"/>
             </a:pPr>
+            <a:endParaRPr dirty="0"/>
           </a:p>
           <a:p>
             <a:pPr marL="342900" indent="-342900">
@@ -7441,6 +8199,7 @@
               <a:buChar char="•"/>
               <a:defRPr sz="2000"/>
             </a:pPr>
+            <a:endParaRPr dirty="0"/>
           </a:p>
         </p:txBody>
       </p:sp>
@@ -7453,9 +8212,7 @@
           <p:nvPr/>
         </p:nvPicPr>
         <p:blipFill>
-          <a:blip r:embed="rId3">
-            <a:extLst/>
-          </a:blip>
+          <a:blip r:embed="rId3"/>
           <a:stretch>
             <a:fillRect/>
           </a:stretch>
@@ -7478,12 +8235,12 @@
   <p:clrMapOvr>
     <a:masterClrMapping/>
   </p:clrMapOvr>
-  <p:transition xmlns:p14="http://schemas.microsoft.com/office/powerpoint/2010/main" spd="med" advClick="1" p14:dur="1000"/>
+  <p:transition spd="slow"/>
 </p:sld>
 </file>
 
 <file path=ppt/slides/slide7.xml><?xml version="1.0" encoding="utf-8"?>
-<p:sld xmlns:a="http://schemas.openxmlformats.org/drawingml/2006/main" xmlns:r="http://schemas.openxmlformats.org/officeDocument/2006/relationships" xmlns:p="http://schemas.openxmlformats.org/presentationml/2006/main" showMasterSp="1" showMasterPhAnim="1">
+<p:sld xmlns:a="http://schemas.openxmlformats.org/drawingml/2006/main" xmlns:r="http://schemas.openxmlformats.org/officeDocument/2006/relationships" xmlns:p="http://schemas.openxmlformats.org/presentationml/2006/main">
   <p:cSld>
     <p:spTree>
       <p:nvGrpSpPr>
@@ -7518,7 +8275,7 @@
           </a:ln>
           <a:extLst>
             <a:ext uri="{C572A759-6A51-4108-AA02-DFA0A04FC94B}">
-              <ma14:wrappingTextBoxFlag xmlns:ma14="http://schemas.microsoft.com/office/mac/drawingml/2011/main" val="1"/>
+              <ma14:wrappingTextBoxFlag xmlns:ma14="http://schemas.microsoft.com/office/mac/drawingml/2011/main" xmlns="" val="1"/>
             </a:ext>
           </a:extLst>
         </p:spPr>
@@ -7536,7 +8293,6 @@
             </a:lvl1pPr>
           </a:lstStyle>
           <a:p>
-            <a:pPr/>
             <a:r>
               <a:t>Mlst.-Präsentation Nr. III  /  Gruppe 15</a:t>
             </a:r>
@@ -7546,7 +8302,9 @@
       <p:sp>
         <p:nvSpPr>
           <p:cNvPr id="189" name="Shape 189"/>
-          <p:cNvSpPr/>
+          <p:cNvSpPr>
+            <a:spLocks noGrp="1"/>
+          </p:cNvSpPr>
           <p:nvPr>
             <p:ph type="sldNum" sz="quarter" idx="4294967295"/>
           </p:nvPr>
@@ -7561,7 +8319,7 @@
           </a:prstGeom>
           <a:extLst>
             <a:ext uri="{C572A759-6A51-4108-AA02-DFA0A04FC94B}">
-              <ma14:wrappingTextBoxFlag xmlns:ma14="http://schemas.microsoft.com/office/mac/drawingml/2011/main" val="1"/>
+              <ma14:wrappingTextBoxFlag xmlns:ma14="http://schemas.microsoft.com/office/mac/drawingml/2011/main" xmlns="" val="1"/>
             </a:ext>
           </a:extLst>
         </p:spPr>
@@ -7569,15 +8327,19 @@
           <a:bodyPr/>
           <a:lstStyle/>
           <a:p>
-            <a:pPr/>
-            <a:fld id="{86CB4B4D-7CA3-9044-876B-883B54F8677D}" type="slidenum"/>
+            <a:fld id="{86CB4B4D-7CA3-9044-876B-883B54F8677D}" type="slidenum">
+              <a:t>7</a:t>
+            </a:fld>
+            <a:endParaRPr/>
           </a:p>
         </p:txBody>
       </p:sp>
       <p:sp>
         <p:nvSpPr>
           <p:cNvPr id="190" name="Shape 190"/>
-          <p:cNvSpPr/>
+          <p:cNvSpPr>
+            <a:spLocks noGrp="1"/>
+          </p:cNvSpPr>
           <p:nvPr>
             <p:ph type="title"/>
           </p:nvPr>
@@ -7595,7 +8357,7 @@
           <a:bodyPr/>
           <a:lstStyle>
             <a:lvl1pPr>
-              <a:defRPr b="1" sz="2000">
+              <a:defRPr sz="2000" b="1">
                 <a:latin typeface="Arial"/>
                 <a:ea typeface="Arial"/>
                 <a:cs typeface="Arial"/>
@@ -7604,7 +8366,6 @@
             </a:lvl1pPr>
           </a:lstStyle>
           <a:p>
-            <a:pPr/>
             <a:r>
               <a:t>	Spiellogik</a:t>
             </a:r>
@@ -7632,7 +8393,7 @@
             <a:miter/>
           </a:ln>
           <a:effectLst>
-            <a:outerShdw sx="100000" sy="100000" kx="0" ky="0" algn="b" rotWithShape="0" blurRad="50800" dist="38100" dir="2700000">
+            <a:outerShdw blurRad="50800" dist="38100" dir="2700000" rotWithShape="0">
               <a:srgbClr val="000000">
                 <a:alpha val="40000"/>
               </a:srgbClr>
@@ -7643,7 +8404,7 @@
           <a:bodyPr lIns="45718" tIns="45718" rIns="45718" bIns="45718"/>
           <a:lstStyle/>
           <a:p>
-            <a:pPr/>
+            <a:endParaRPr/>
           </a:p>
         </p:txBody>
       </p:sp>
@@ -7656,9 +8417,7 @@
           <p:nvPr/>
         </p:nvPicPr>
         <p:blipFill>
-          <a:blip r:embed="rId2">
-            <a:extLst/>
-          </a:blip>
+          <a:blip r:embed="rId2"/>
           <a:stretch>
             <a:fillRect/>
           </a:stretch>
@@ -7685,9 +8444,7 @@
           <p:nvPr/>
         </p:nvPicPr>
         <p:blipFill>
-          <a:blip r:embed="rId3">
-            <a:extLst/>
-          </a:blip>
+          <a:blip r:embed="rId3"/>
           <a:stretch>
             <a:fillRect/>
           </a:stretch>
@@ -7710,12 +8467,12 @@
   <p:clrMapOvr>
     <a:masterClrMapping/>
   </p:clrMapOvr>
-  <p:transition xmlns:p14="http://schemas.microsoft.com/office/powerpoint/2010/main" spd="med" advClick="1" p14:dur="1000"/>
+  <p:transition spd="slow"/>
 </p:sld>
 </file>
 
 <file path=ppt/slides/slide8.xml><?xml version="1.0" encoding="utf-8"?>
-<p:sld xmlns:a="http://schemas.openxmlformats.org/drawingml/2006/main" xmlns:r="http://schemas.openxmlformats.org/officeDocument/2006/relationships" xmlns:p="http://schemas.openxmlformats.org/presentationml/2006/main" showMasterSp="1" showMasterPhAnim="1">
+<p:sld xmlns:a="http://schemas.openxmlformats.org/drawingml/2006/main" xmlns:r="http://schemas.openxmlformats.org/officeDocument/2006/relationships" xmlns:p="http://schemas.openxmlformats.org/presentationml/2006/main">
   <p:cSld>
     <p:spTree>
       <p:nvGrpSpPr>
@@ -7750,7 +8507,7 @@
           </a:ln>
           <a:extLst>
             <a:ext uri="{C572A759-6A51-4108-AA02-DFA0A04FC94B}">
-              <ma14:wrappingTextBoxFlag xmlns:ma14="http://schemas.microsoft.com/office/mac/drawingml/2011/main" val="1"/>
+              <ma14:wrappingTextBoxFlag xmlns:ma14="http://schemas.microsoft.com/office/mac/drawingml/2011/main" xmlns="" val="1"/>
             </a:ext>
           </a:extLst>
         </p:spPr>
@@ -7768,7 +8525,6 @@
             </a:lvl1pPr>
           </a:lstStyle>
           <a:p>
-            <a:pPr/>
             <a:r>
               <a:t>Mlst.-Präsentation Nr. III  /  Gruppe 15</a:t>
             </a:r>
@@ -7778,7 +8534,9 @@
       <p:sp>
         <p:nvSpPr>
           <p:cNvPr id="196" name="Shape 196"/>
-          <p:cNvSpPr/>
+          <p:cNvSpPr>
+            <a:spLocks noGrp="1"/>
+          </p:cNvSpPr>
           <p:nvPr>
             <p:ph type="title"/>
           </p:nvPr>
@@ -7796,7 +8554,7 @@
           <a:bodyPr/>
           <a:lstStyle>
             <a:lvl1pPr>
-              <a:defRPr b="1" sz="2000">
+              <a:defRPr sz="2000" b="1">
                 <a:latin typeface="Arial"/>
                 <a:ea typeface="Arial"/>
                 <a:cs typeface="Arial"/>
@@ -7805,7 +8563,6 @@
             </a:lvl1pPr>
           </a:lstStyle>
           <a:p>
-            <a:pPr/>
             <a:r>
               <a:t>	 Übersicht</a:t>
             </a:r>
@@ -7815,7 +8572,9 @@
       <p:sp>
         <p:nvSpPr>
           <p:cNvPr id="197" name="Shape 197"/>
-          <p:cNvSpPr/>
+          <p:cNvSpPr>
+            <a:spLocks noGrp="1"/>
+          </p:cNvSpPr>
           <p:nvPr>
             <p:ph type="body" sz="half" idx="1"/>
           </p:nvPr>
@@ -7858,6 +8617,7 @@
                 <a:sym typeface="Arial"/>
               </a:defRPr>
             </a:pPr>
+            <a:endParaRPr/>
           </a:p>
           <a:p>
             <a:pPr marL="0" indent="0">
@@ -7885,12 +8645,13 @@
                 <a:sym typeface="Arial"/>
               </a:defRPr>
             </a:pPr>
+            <a:endParaRPr/>
           </a:p>
           <a:p>
             <a:pPr marL="0" indent="0">
               <a:buSzTx/>
               <a:buNone/>
-              <a:defRPr b="1" sz="3000">
+              <a:defRPr sz="3000" b="1">
                 <a:latin typeface="Arial"/>
                 <a:ea typeface="Arial"/>
                 <a:cs typeface="Arial"/>
@@ -7912,6 +8673,7 @@
                 <a:sym typeface="Arial"/>
               </a:defRPr>
             </a:pPr>
+            <a:endParaRPr/>
           </a:p>
           <a:p>
             <a:pPr marL="0" indent="0">
@@ -7933,7 +8695,9 @@
       <p:sp>
         <p:nvSpPr>
           <p:cNvPr id="198" name="Shape 198"/>
-          <p:cNvSpPr/>
+          <p:cNvSpPr>
+            <a:spLocks noGrp="1"/>
+          </p:cNvSpPr>
           <p:nvPr>
             <p:ph type="sldNum" sz="quarter" idx="4294967295"/>
           </p:nvPr>
@@ -7948,7 +8712,7 @@
           </a:prstGeom>
           <a:extLst>
             <a:ext uri="{C572A759-6A51-4108-AA02-DFA0A04FC94B}">
-              <ma14:wrappingTextBoxFlag xmlns:ma14="http://schemas.microsoft.com/office/mac/drawingml/2011/main" val="1"/>
+              <ma14:wrappingTextBoxFlag xmlns:ma14="http://schemas.microsoft.com/office/mac/drawingml/2011/main" xmlns="" val="1"/>
             </a:ext>
           </a:extLst>
         </p:spPr>
@@ -7956,8 +8720,10 @@
           <a:bodyPr/>
           <a:lstStyle/>
           <a:p>
-            <a:pPr/>
-            <a:fld id="{86CB4B4D-7CA3-9044-876B-883B54F8677D}" type="slidenum"/>
+            <a:fld id="{86CB4B4D-7CA3-9044-876B-883B54F8677D}" type="slidenum">
+              <a:t>8</a:t>
+            </a:fld>
+            <a:endParaRPr/>
           </a:p>
         </p:txBody>
       </p:sp>
@@ -7970,9 +8736,7 @@
           <p:nvPr/>
         </p:nvPicPr>
         <p:blipFill>
-          <a:blip r:embed="rId2">
-            <a:extLst/>
-          </a:blip>
+          <a:blip r:embed="rId2"/>
           <a:stretch>
             <a:fillRect/>
           </a:stretch>
@@ -8011,7 +8775,7 @@
             <a:miter/>
           </a:ln>
           <a:effectLst>
-            <a:outerShdw sx="100000" sy="100000" kx="0" ky="0" algn="b" rotWithShape="0" blurRad="50800" dist="38100" dir="2700000">
+            <a:outerShdw blurRad="50800" dist="38100" dir="2700000" rotWithShape="0">
               <a:srgbClr val="000000">
                 <a:alpha val="40000"/>
               </a:srgbClr>
@@ -8022,7 +8786,7 @@
           <a:bodyPr lIns="45718" tIns="45718" rIns="45718" bIns="45718"/>
           <a:lstStyle/>
           <a:p>
-            <a:pPr/>
+            <a:endParaRPr/>
           </a:p>
         </p:txBody>
       </p:sp>
@@ -8035,9 +8799,7 @@
           <p:nvPr/>
         </p:nvPicPr>
         <p:blipFill>
-          <a:blip r:embed="rId3">
-            <a:extLst/>
-          </a:blip>
+          <a:blip r:embed="rId3"/>
           <a:stretch>
             <a:fillRect/>
           </a:stretch>
@@ -8064,9 +8826,7 @@
           <p:nvPr/>
         </p:nvPicPr>
         <p:blipFill>
-          <a:blip r:embed="rId4">
-            <a:extLst/>
-          </a:blip>
+          <a:blip r:embed="rId4"/>
           <a:stretch>
             <a:fillRect/>
           </a:stretch>
@@ -8093,9 +8853,7 @@
           <p:nvPr/>
         </p:nvPicPr>
         <p:blipFill>
-          <a:blip r:embed="rId5">
-            <a:extLst/>
-          </a:blip>
+          <a:blip r:embed="rId5"/>
           <a:stretch>
             <a:fillRect/>
           </a:stretch>
@@ -8122,9 +8880,7 @@
           <p:nvPr/>
         </p:nvPicPr>
         <p:blipFill>
-          <a:blip r:embed="rId6">
-            <a:extLst/>
-          </a:blip>
+          <a:blip r:embed="rId6"/>
           <a:stretch>
             <a:fillRect/>
           </a:stretch>
@@ -8147,12 +8903,12 @@
   <p:clrMapOvr>
     <a:masterClrMapping/>
   </p:clrMapOvr>
-  <p:transition xmlns:p14="http://schemas.microsoft.com/office/powerpoint/2010/main" spd="med" advClick="1" p14:dur="1000"/>
+  <p:transition spd="slow"/>
 </p:sld>
 </file>
 
 <file path=ppt/slides/slide9.xml><?xml version="1.0" encoding="utf-8"?>
-<p:sld xmlns:a="http://schemas.openxmlformats.org/drawingml/2006/main" xmlns:r="http://schemas.openxmlformats.org/officeDocument/2006/relationships" xmlns:p="http://schemas.openxmlformats.org/presentationml/2006/main" showMasterSp="1" showMasterPhAnim="1">
+<p:sld xmlns:a="http://schemas.openxmlformats.org/drawingml/2006/main" xmlns:r="http://schemas.openxmlformats.org/officeDocument/2006/relationships" xmlns:p="http://schemas.openxmlformats.org/presentationml/2006/main">
   <p:cSld>
     <p:spTree>
       <p:nvGrpSpPr>
@@ -8187,7 +8943,7 @@
           </a:ln>
           <a:extLst>
             <a:ext uri="{C572A759-6A51-4108-AA02-DFA0A04FC94B}">
-              <ma14:wrappingTextBoxFlag xmlns:ma14="http://schemas.microsoft.com/office/mac/drawingml/2011/main" val="1"/>
+              <ma14:wrappingTextBoxFlag xmlns:ma14="http://schemas.microsoft.com/office/mac/drawingml/2011/main" xmlns="" val="1"/>
             </a:ext>
           </a:extLst>
         </p:spPr>
@@ -8205,7 +8961,6 @@
             </a:lvl1pPr>
           </a:lstStyle>
           <a:p>
-            <a:pPr/>
             <a:r>
               <a:t>Mlst.-Präsentation Nr. III  /  Gruppe 15</a:t>
             </a:r>
@@ -8215,7 +8970,9 @@
       <p:sp>
         <p:nvSpPr>
           <p:cNvPr id="207" name="Shape 207"/>
-          <p:cNvSpPr/>
+          <p:cNvSpPr>
+            <a:spLocks noGrp="1"/>
+          </p:cNvSpPr>
           <p:nvPr>
             <p:ph type="title"/>
           </p:nvPr>
@@ -8233,7 +8990,7 @@
           <a:bodyPr/>
           <a:lstStyle>
             <a:lvl1pPr>
-              <a:defRPr b="1" sz="2000">
+              <a:defRPr sz="2000" b="1">
                 <a:latin typeface="Arial"/>
                 <a:ea typeface="Arial"/>
                 <a:cs typeface="Arial"/>
@@ -8242,7 +8999,6 @@
             </a:lvl1pPr>
           </a:lstStyle>
           <a:p>
-            <a:pPr/>
             <a:r>
               <a:t>	Technische Eigenheiten</a:t>
             </a:r>
@@ -8252,7 +9008,9 @@
       <p:sp>
         <p:nvSpPr>
           <p:cNvPr id="208" name="Shape 208"/>
-          <p:cNvSpPr/>
+          <p:cNvSpPr>
+            <a:spLocks noGrp="1"/>
+          </p:cNvSpPr>
           <p:nvPr>
             <p:ph type="sldNum" sz="quarter" idx="4294967295"/>
           </p:nvPr>
@@ -8267,7 +9025,7 @@
           </a:prstGeom>
           <a:extLst>
             <a:ext uri="{C572A759-6A51-4108-AA02-DFA0A04FC94B}">
-              <ma14:wrappingTextBoxFlag xmlns:ma14="http://schemas.microsoft.com/office/mac/drawingml/2011/main" val="1"/>
+              <ma14:wrappingTextBoxFlag xmlns:ma14="http://schemas.microsoft.com/office/mac/drawingml/2011/main" xmlns="" val="1"/>
             </a:ext>
           </a:extLst>
         </p:spPr>
@@ -8275,8 +9033,10 @@
           <a:bodyPr/>
           <a:lstStyle/>
           <a:p>
-            <a:pPr/>
-            <a:fld id="{86CB4B4D-7CA3-9044-876B-883B54F8677D}" type="slidenum"/>
+            <a:fld id="{86CB4B4D-7CA3-9044-876B-883B54F8677D}" type="slidenum">
+              <a:t>9</a:t>
+            </a:fld>
+            <a:endParaRPr/>
           </a:p>
         </p:txBody>
       </p:sp>
@@ -8301,7 +9061,7 @@
             <a:miter/>
           </a:ln>
           <a:effectLst>
-            <a:outerShdw sx="100000" sy="100000" kx="0" ky="0" algn="b" rotWithShape="0" blurRad="50800" dist="38100" dir="2700000">
+            <a:outerShdw blurRad="50800" dist="38100" dir="2700000" rotWithShape="0">
               <a:srgbClr val="000000">
                 <a:alpha val="40000"/>
               </a:srgbClr>
@@ -8312,7 +9072,7 @@
           <a:bodyPr lIns="45718" tIns="45718" rIns="45718" bIns="45718"/>
           <a:lstStyle/>
           <a:p>
-            <a:pPr/>
+            <a:endParaRPr/>
           </a:p>
         </p:txBody>
       </p:sp>
@@ -8325,9 +9085,7 @@
           <p:nvPr/>
         </p:nvPicPr>
         <p:blipFill>
-          <a:blip r:embed="rId2">
-            <a:extLst/>
-          </a:blip>
+          <a:blip r:embed="rId2"/>
           <a:stretch>
             <a:fillRect/>
           </a:stretch>
@@ -8354,7 +9112,7 @@
         <p:spPr>
           <a:xfrm>
             <a:off x="425997" y="1150597"/>
-            <a:ext cx="6701544" cy="4589777"/>
+            <a:ext cx="6043317" cy="5238353"/>
           </a:xfrm>
           <a:prstGeom prst="rect">
             <a:avLst/>
@@ -8364,7 +9122,7 @@
           </a:ln>
           <a:extLst>
             <a:ext uri="{C572A759-6A51-4108-AA02-DFA0A04FC94B}">
-              <ma14:wrappingTextBoxFlag xmlns:ma14="http://schemas.microsoft.com/office/mac/drawingml/2011/main" val="1"/>
+              <ma14:wrappingTextBoxFlag xmlns:ma14="http://schemas.microsoft.com/office/mac/drawingml/2011/main" xmlns="" val="1"/>
             </a:ext>
           </a:extLst>
         </p:spPr>
@@ -8380,14 +9138,27 @@
               </a:lnSpc>
               <a:buSzPct val="100000"/>
               <a:buChar char="•"/>
-              <a:defRPr b="1" sz="2000"/>
+              <a:defRPr sz="2000" b="1"/>
             </a:pPr>
             <a:r>
-              <a:t>Genutzte externe library: Apache Log4j 2</a:t>
-            </a:r>
-          </a:p>
-          <a:p>
-            <a:pPr lvl="1" marL="581525" indent="-200525">
+              <a:rPr dirty="0" err="1"/>
+              <a:t>Genutzte</a:t>
+            </a:r>
+            <a:r>
+              <a:rPr dirty="0"/>
+              <a:t> </a:t>
+            </a:r>
+            <a:r>
+              <a:rPr dirty="0" err="1"/>
+              <a:t>externe</a:t>
+            </a:r>
+            <a:r>
+              <a:rPr dirty="0"/>
+              <a:t> library: Apache Log4j 2</a:t>
+            </a:r>
+          </a:p>
+          <a:p>
+            <a:pPr marL="581525" lvl="1" indent="-200525">
               <a:lnSpc>
                 <a:spcPct val="120000"/>
               </a:lnSpc>
@@ -8396,11 +9167,16 @@
               <a:defRPr sz="2000"/>
             </a:pPr>
             <a:r>
-              <a:t>Vorteile:</a:t>
-            </a:r>
-          </a:p>
-          <a:p>
-            <a:pPr lvl="3" marL="1343526" indent="-200526">
+              <a:rPr dirty="0" err="1"/>
+              <a:t>Vorteile</a:t>
+            </a:r>
+            <a:r>
+              <a:rPr dirty="0"/>
+              <a:t>:</a:t>
+            </a:r>
+          </a:p>
+          <a:p>
+            <a:pPr marL="1343526" lvl="3" indent="-200526">
               <a:lnSpc>
                 <a:spcPct val="120000"/>
               </a:lnSpc>
@@ -8409,11 +9185,12 @@
               <a:defRPr sz="2000"/>
             </a:pPr>
             <a:r>
+              <a:rPr dirty="0"/>
               <a:t>Levels (trace, debug, info, warn, error, fatal)</a:t>
             </a:r>
           </a:p>
           <a:p>
-            <a:pPr lvl="3" marL="1343526" indent="-200526">
+            <a:pPr marL="1343526" lvl="3" indent="-200526">
               <a:lnSpc>
                 <a:spcPct val="120000"/>
               </a:lnSpc>
@@ -8422,11 +9199,12 @@
               <a:defRPr sz="2000"/>
             </a:pPr>
             <a:r>
+              <a:rPr dirty="0"/>
               <a:t>Timestamps</a:t>
             </a:r>
           </a:p>
           <a:p>
-            <a:pPr lvl="3" marL="1343526" indent="-200526">
+            <a:pPr marL="1343526" lvl="3" indent="-200526">
               <a:lnSpc>
                 <a:spcPct val="120000"/>
               </a:lnSpc>
@@ -8435,11 +9213,17 @@
               <a:defRPr sz="2000"/>
             </a:pPr>
             <a:r>
-              <a:t>Log in Datei</a:t>
-            </a:r>
-          </a:p>
-          <a:p>
-            <a:pPr lvl="1" marL="581525" indent="-200525">
+              <a:rPr dirty="0"/>
+              <a:t>Log in </a:t>
+            </a:r>
+            <a:r>
+              <a:rPr dirty="0" err="1"/>
+              <a:t>Datei</a:t>
+            </a:r>
+            <a:endParaRPr dirty="0"/>
+          </a:p>
+          <a:p>
+            <a:pPr marL="581525" lvl="1" indent="-200525">
               <a:lnSpc>
                 <a:spcPct val="120000"/>
               </a:lnSpc>
@@ -8448,11 +9232,16 @@
               <a:defRPr sz="2000"/>
             </a:pPr>
             <a:r>
-              <a:t>Konfiguration:</a:t>
-            </a:r>
-          </a:p>
-          <a:p>
-            <a:pPr lvl="3" marL="1343526" indent="-200526">
+              <a:rPr dirty="0" err="1"/>
+              <a:t>Konfiguration</a:t>
+            </a:r>
+            <a:r>
+              <a:rPr dirty="0"/>
+              <a:t>:</a:t>
+            </a:r>
+          </a:p>
+          <a:p>
+            <a:pPr marL="1343526" lvl="3" indent="-200526">
               <a:lnSpc>
                 <a:spcPct val="120000"/>
               </a:lnSpc>
@@ -8461,8 +9250,24 @@
               <a:defRPr sz="2000"/>
             </a:pPr>
             <a:r>
-              <a:t>.properties Datei</a:t>
-            </a:r>
+              <a:rPr dirty="0"/>
+              <a:t>.properties </a:t>
+            </a:r>
+            <a:r>
+              <a:rPr dirty="0" err="1"/>
+              <a:t>Datei</a:t>
+            </a:r>
+            <a:endParaRPr lang="de-CH" dirty="0"/>
+          </a:p>
+          <a:p>
+            <a:pPr marL="1143000" lvl="3">
+              <a:lnSpc>
+                <a:spcPct val="120000"/>
+              </a:lnSpc>
+              <a:buSzPct val="100000"/>
+              <a:defRPr sz="2000"/>
+            </a:pPr>
+            <a:endParaRPr dirty="0"/>
           </a:p>
           <a:p>
             <a:pPr marL="200526" indent="-200526">
@@ -8471,14 +9276,15 @@
               </a:lnSpc>
               <a:buSzPct val="100000"/>
               <a:buChar char="•"/>
-              <a:defRPr b="1" sz="2000"/>
+              <a:defRPr sz="2000" b="1"/>
             </a:pPr>
             <a:r>
+              <a:rPr dirty="0"/>
               <a:t>GUI</a:t>
             </a:r>
           </a:p>
           <a:p>
-            <a:pPr lvl="1" marL="581525" indent="-200525">
+            <a:pPr marL="581525" lvl="1" indent="-200525">
               <a:lnSpc>
                 <a:spcPct val="120000"/>
               </a:lnSpc>
@@ -8487,11 +9293,36 @@
               <a:defRPr sz="2000"/>
             </a:pPr>
             <a:r>
-              <a:t>Einfach gestaltet (JButton)</a:t>
-            </a:r>
-          </a:p>
-          <a:p>
-            <a:pPr lvl="1" marL="581525" indent="-200525">
+              <a:rPr dirty="0" err="1"/>
+              <a:t>Einfach</a:t>
+            </a:r>
+            <a:r>
+              <a:rPr dirty="0"/>
+              <a:t> </a:t>
+            </a:r>
+            <a:r>
+              <a:rPr dirty="0" err="1"/>
+              <a:t>gestaltet</a:t>
+            </a:r>
+            <a:r>
+              <a:rPr dirty="0"/>
+              <a:t> (</a:t>
+            </a:r>
+            <a:r>
+              <a:rPr dirty="0" err="1"/>
+              <a:t>JButton</a:t>
+            </a:r>
+            <a:r>
+              <a:rPr dirty="0"/>
+              <a:t>)</a:t>
+            </a:r>
+            <a:r>
+              <a:rPr lang="de-CH" dirty="0"/>
+              <a:t> </a:t>
+            </a:r>
+          </a:p>
+          <a:p>
+            <a:pPr marL="581525" lvl="1" indent="-200525">
               <a:lnSpc>
                 <a:spcPct val="120000"/>
               </a:lnSpc>
@@ -8500,11 +9331,57 @@
               <a:defRPr sz="2000"/>
             </a:pPr>
             <a:r>
-              <a:t>Karten (.png) werden über Jbutton gelegt</a:t>
-            </a:r>
-          </a:p>
-          <a:p>
-            <a:pPr lvl="1" marL="581525" indent="-200525">
+              <a:rPr dirty="0" err="1"/>
+              <a:t>Karten</a:t>
+            </a:r>
+            <a:r>
+              <a:rPr dirty="0"/>
+              <a:t> (.</a:t>
+            </a:r>
+            <a:r>
+              <a:rPr dirty="0" err="1"/>
+              <a:t>png</a:t>
+            </a:r>
+            <a:r>
+              <a:rPr dirty="0"/>
+              <a:t>) </a:t>
+            </a:r>
+            <a:r>
+              <a:rPr dirty="0" err="1"/>
+              <a:t>werden</a:t>
+            </a:r>
+            <a:r>
+              <a:rPr dirty="0"/>
+              <a:t> </a:t>
+            </a:r>
+            <a:r>
+              <a:rPr dirty="0" err="1"/>
+              <a:t>über</a:t>
+            </a:r>
+            <a:r>
+              <a:rPr dirty="0"/>
+              <a:t> J</a:t>
+            </a:r>
+            <a:r>
+              <a:rPr lang="de-CH" dirty="0"/>
+              <a:t>B</a:t>
+            </a:r>
+            <a:r>
+              <a:rPr dirty="0" err="1"/>
+              <a:t>utton</a:t>
+            </a:r>
+            <a:r>
+              <a:rPr dirty="0"/>
+              <a:t> </a:t>
+            </a:r>
+            <a:r>
+              <a:rPr dirty="0" err="1"/>
+              <a:t>gelegt</a:t>
+            </a:r>
+            <a:endParaRPr dirty="0"/>
+          </a:p>
+          <a:p>
+            <a:pPr marL="581525" lvl="1" indent="-200525">
               <a:lnSpc>
                 <a:spcPct val="120000"/>
               </a:lnSpc>
@@ -8513,11 +9390,21 @@
               <a:defRPr sz="2000"/>
             </a:pPr>
             <a:r>
-              <a:t>"Ein Frame" für Chat und Game</a:t>
-            </a:r>
-          </a:p>
-          <a:p>
-            <a:pPr lvl="1" marL="581525" indent="-200525">
+              <a:rPr dirty="0"/>
+              <a:t>"Ein Frame" </a:t>
+            </a:r>
+            <a:r>
+              <a:rPr dirty="0" err="1"/>
+              <a:t>für</a:t>
+            </a:r>
+            <a:r>
+              <a:rPr dirty="0"/>
+              <a:t> Chat und Game</a:t>
+            </a:r>
+            <a:endParaRPr lang="de-CH" dirty="0"/>
+          </a:p>
+          <a:p>
+            <a:pPr marL="581525" lvl="1" indent="-200525">
               <a:lnSpc>
                 <a:spcPct val="120000"/>
               </a:lnSpc>
@@ -8525,6 +9412,22 @@
               <a:buChar char="•"/>
               <a:defRPr sz="2000"/>
             </a:pPr>
+            <a:r>
+              <a:rPr lang="de-CH" dirty="0"/>
+              <a:t>Server updatet GUI nach jedem Zug</a:t>
+            </a:r>
+            <a:endParaRPr dirty="0"/>
+          </a:p>
+          <a:p>
+            <a:pPr marL="581525" lvl="1" indent="-200525">
+              <a:lnSpc>
+                <a:spcPct val="120000"/>
+              </a:lnSpc>
+              <a:buSzPct val="100000"/>
+              <a:buChar char="•"/>
+              <a:defRPr sz="2000"/>
+            </a:pPr>
+            <a:endParaRPr dirty="0"/>
           </a:p>
         </p:txBody>
       </p:sp>
@@ -8533,12 +9436,12 @@
   <p:clrMapOvr>
     <a:masterClrMapping/>
   </p:clrMapOvr>
-  <p:transition xmlns:p14="http://schemas.microsoft.com/office/powerpoint/2010/main" spd="med" advClick="1" p14:dur="1000"/>
+  <p:transition spd="slow"/>
 </p:sld>
 </file>
 
 <file path=ppt/theme/theme1.xml><?xml version="1.0" encoding="utf-8"?>
-<a:theme xmlns:a="http://schemas.openxmlformats.org/drawingml/2006/main" xmlns:r="http://schemas.openxmlformats.org/officeDocument/2006/relationships" name="Office">
+<a:theme xmlns:a="http://schemas.openxmlformats.org/drawingml/2006/main" name="Office">
   <a:themeElements>
     <a:clrScheme name="Office">
       <a:dk1>
@@ -8740,7 +9643,7 @@
         <a:effectLst/>
         <a:sp3d/>
       </a:spPr>
-      <a:bodyPr rot="0" spcFirstLastPara="1" vertOverflow="overflow" horzOverflow="overflow" vert="horz" wrap="square" lIns="45718" tIns="45718" rIns="45718" bIns="45718" numCol="1" spcCol="38100" rtlCol="0" anchor="ctr" upright="0">
+      <a:bodyPr rot="0" spcFirstLastPara="1" vertOverflow="overflow" horzOverflow="overflow" vert="horz" wrap="square" lIns="45718" tIns="45718" rIns="45718" bIns="45718" numCol="1" spcCol="38100" rtlCol="0" anchor="ctr">
         <a:spAutoFit/>
       </a:bodyPr>
       <a:lstStyle>
@@ -8759,7 +9662,7 @@
           <a:buFontTx/>
           <a:buNone/>
           <a:tabLst/>
-          <a:defRPr b="0" baseline="0" cap="none" i="0" spc="0" strike="noStrike" sz="1800" u="none" kumimoji="0" normalizeH="0">
+          <a:defRPr kumimoji="0" sz="1800" b="0" i="0" u="none" strike="noStrike" cap="none" spc="0" normalizeH="0" baseline="0">
             <a:ln>
               <a:noFill/>
             </a:ln>
@@ -8789,7 +9692,7 @@
           <a:buFontTx/>
           <a:buNone/>
           <a:tabLst/>
-          <a:defRPr b="0" baseline="0" cap="none" i="0" spc="0" strike="noStrike" sz="1800" u="none" kumimoji="0" normalizeH="0">
+          <a:defRPr kumimoji="0" sz="1800" b="0" i="0" u="none" strike="noStrike" cap="none" spc="0" normalizeH="0" baseline="0">
             <a:ln>
               <a:noFill/>
             </a:ln>
@@ -8815,7 +9718,7 @@
           <a:buFontTx/>
           <a:buNone/>
           <a:tabLst/>
-          <a:defRPr b="0" baseline="0" cap="none" i="0" spc="0" strike="noStrike" sz="1800" u="none" kumimoji="0" normalizeH="0">
+          <a:defRPr kumimoji="0" sz="1800" b="0" i="0" u="none" strike="noStrike" cap="none" spc="0" normalizeH="0" baseline="0">
             <a:ln>
               <a:noFill/>
             </a:ln>
@@ -8841,7 +9744,7 @@
           <a:buFontTx/>
           <a:buNone/>
           <a:tabLst/>
-          <a:defRPr b="0" baseline="0" cap="none" i="0" spc="0" strike="noStrike" sz="1800" u="none" kumimoji="0" normalizeH="0">
+          <a:defRPr kumimoji="0" sz="1800" b="0" i="0" u="none" strike="noStrike" cap="none" spc="0" normalizeH="0" baseline="0">
             <a:ln>
               <a:noFill/>
             </a:ln>
@@ -8867,7 +9770,7 @@
           <a:buFontTx/>
           <a:buNone/>
           <a:tabLst/>
-          <a:defRPr b="0" baseline="0" cap="none" i="0" spc="0" strike="noStrike" sz="1800" u="none" kumimoji="0" normalizeH="0">
+          <a:defRPr kumimoji="0" sz="1800" b="0" i="0" u="none" strike="noStrike" cap="none" spc="0" normalizeH="0" baseline="0">
             <a:ln>
               <a:noFill/>
             </a:ln>
@@ -8893,7 +9796,7 @@
           <a:buFontTx/>
           <a:buNone/>
           <a:tabLst/>
-          <a:defRPr b="0" baseline="0" cap="none" i="0" spc="0" strike="noStrike" sz="1800" u="none" kumimoji="0" normalizeH="0">
+          <a:defRPr kumimoji="0" sz="1800" b="0" i="0" u="none" strike="noStrike" cap="none" spc="0" normalizeH="0" baseline="0">
             <a:ln>
               <a:noFill/>
             </a:ln>
@@ -8919,7 +9822,7 @@
           <a:buFontTx/>
           <a:buNone/>
           <a:tabLst/>
-          <a:defRPr b="0" baseline="0" cap="none" i="0" spc="0" strike="noStrike" sz="1800" u="none" kumimoji="0" normalizeH="0">
+          <a:defRPr kumimoji="0" sz="1800" b="0" i="0" u="none" strike="noStrike" cap="none" spc="0" normalizeH="0" baseline="0">
             <a:ln>
               <a:noFill/>
             </a:ln>
@@ -8945,7 +9848,7 @@
           <a:buFontTx/>
           <a:buNone/>
           <a:tabLst/>
-          <a:defRPr b="0" baseline="0" cap="none" i="0" spc="0" strike="noStrike" sz="1800" u="none" kumimoji="0" normalizeH="0">
+          <a:defRPr kumimoji="0" sz="1800" b="0" i="0" u="none" strike="noStrike" cap="none" spc="0" normalizeH="0" baseline="0">
             <a:ln>
               <a:noFill/>
             </a:ln>
@@ -8971,7 +9874,7 @@
           <a:buFontTx/>
           <a:buNone/>
           <a:tabLst/>
-          <a:defRPr b="0" baseline="0" cap="none" i="0" spc="0" strike="noStrike" sz="1800" u="none" kumimoji="0" normalizeH="0">
+          <a:defRPr kumimoji="0" sz="1800" b="0" i="0" u="none" strike="noStrike" cap="none" spc="0" normalizeH="0" baseline="0">
             <a:ln>
               <a:noFill/>
             </a:ln>
@@ -8997,7 +9900,7 @@
           <a:buFontTx/>
           <a:buNone/>
           <a:tabLst/>
-          <a:defRPr b="0" baseline="0" cap="none" i="0" spc="0" strike="noStrike" sz="1800" u="none" kumimoji="0" normalizeH="0">
+          <a:defRPr kumimoji="0" sz="1800" b="0" i="0" u="none" strike="noStrike" cap="none" spc="0" normalizeH="0" baseline="0">
             <a:ln>
               <a:noFill/>
             </a:ln>
@@ -9010,9 +9913,15 @@
         </a:lvl9pPr>
       </a:lstStyle>
       <a:style>
-        <a:lnRef idx="0"/>
-        <a:fillRef idx="0"/>
-        <a:effectRef idx="0"/>
+        <a:lnRef idx="0">
+          <a:scrgbClr r="0" g="0" b="0"/>
+        </a:lnRef>
+        <a:fillRef idx="0">
+          <a:scrgbClr r="0" g="0" b="0"/>
+        </a:fillRef>
+        <a:effectRef idx="0">
+          <a:scrgbClr r="0" g="0" b="0"/>
+        </a:effectRef>
         <a:fontRef idx="none"/>
       </a:style>
     </a:spDef>
@@ -9029,7 +9938,7 @@
         <a:effectLst/>
         <a:sp3d/>
       </a:spPr>
-      <a:bodyPr rot="0" spcFirstLastPara="1" vertOverflow="overflow" horzOverflow="overflow" vert="horz" wrap="square" lIns="91439" tIns="45719" rIns="91439" bIns="45719" numCol="1" spcCol="38100" rtlCol="0" anchor="t" upright="0">
+      <a:bodyPr rot="0" spcFirstLastPara="1" vertOverflow="overflow" horzOverflow="overflow" vert="horz" wrap="square" lIns="91439" tIns="45719" rIns="91439" bIns="45719" numCol="1" spcCol="38100" rtlCol="0" anchor="t">
         <a:noAutofit/>
       </a:bodyPr>
       <a:lstStyle>
@@ -9048,7 +9957,7 @@
           <a:buFontTx/>
           <a:buNone/>
           <a:tabLst/>
-          <a:defRPr b="0" baseline="0" cap="none" i="0" spc="0" strike="noStrike" sz="1800" u="none" kumimoji="0" normalizeH="0">
+          <a:defRPr kumimoji="0" sz="1800" b="0" i="0" u="none" strike="noStrike" cap="none" spc="0" normalizeH="0" baseline="0">
             <a:ln>
               <a:noFill/>
             </a:ln>
@@ -9074,7 +9983,7 @@
           <a:buFontTx/>
           <a:buNone/>
           <a:tabLst/>
-          <a:defRPr b="0" baseline="0" cap="none" i="0" spc="0" strike="noStrike" sz="1800" u="none" kumimoji="0" normalizeH="0">
+          <a:defRPr kumimoji="0" sz="1800" b="0" i="0" u="none" strike="noStrike" cap="none" spc="0" normalizeH="0" baseline="0">
             <a:ln>
               <a:noFill/>
             </a:ln>
@@ -9100,7 +10009,7 @@
           <a:buFontTx/>
           <a:buNone/>
           <a:tabLst/>
-          <a:defRPr b="0" baseline="0" cap="none" i="0" spc="0" strike="noStrike" sz="1800" u="none" kumimoji="0" normalizeH="0">
+          <a:defRPr kumimoji="0" sz="1800" b="0" i="0" u="none" strike="noStrike" cap="none" spc="0" normalizeH="0" baseline="0">
             <a:ln>
               <a:noFill/>
             </a:ln>
@@ -9126,7 +10035,7 @@
           <a:buFontTx/>
           <a:buNone/>
           <a:tabLst/>
-          <a:defRPr b="0" baseline="0" cap="none" i="0" spc="0" strike="noStrike" sz="1800" u="none" kumimoji="0" normalizeH="0">
+          <a:defRPr kumimoji="0" sz="1800" b="0" i="0" u="none" strike="noStrike" cap="none" spc="0" normalizeH="0" baseline="0">
             <a:ln>
               <a:noFill/>
             </a:ln>
@@ -9152,7 +10061,7 @@
           <a:buFontTx/>
           <a:buNone/>
           <a:tabLst/>
-          <a:defRPr b="0" baseline="0" cap="none" i="0" spc="0" strike="noStrike" sz="1800" u="none" kumimoji="0" normalizeH="0">
+          <a:defRPr kumimoji="0" sz="1800" b="0" i="0" u="none" strike="noStrike" cap="none" spc="0" normalizeH="0" baseline="0">
             <a:ln>
               <a:noFill/>
             </a:ln>
@@ -9178,7 +10087,7 @@
           <a:buFontTx/>
           <a:buNone/>
           <a:tabLst/>
-          <a:defRPr b="0" baseline="0" cap="none" i="0" spc="0" strike="noStrike" sz="1800" u="none" kumimoji="0" normalizeH="0">
+          <a:defRPr kumimoji="0" sz="1800" b="0" i="0" u="none" strike="noStrike" cap="none" spc="0" normalizeH="0" baseline="0">
             <a:ln>
               <a:noFill/>
             </a:ln>
@@ -9204,7 +10113,7 @@
           <a:buFontTx/>
           <a:buNone/>
           <a:tabLst/>
-          <a:defRPr b="0" baseline="0" cap="none" i="0" spc="0" strike="noStrike" sz="1800" u="none" kumimoji="0" normalizeH="0">
+          <a:defRPr kumimoji="0" sz="1800" b="0" i="0" u="none" strike="noStrike" cap="none" spc="0" normalizeH="0" baseline="0">
             <a:ln>
               <a:noFill/>
             </a:ln>
@@ -9230,7 +10139,7 @@
           <a:buFontTx/>
           <a:buNone/>
           <a:tabLst/>
-          <a:defRPr b="0" baseline="0" cap="none" i="0" spc="0" strike="noStrike" sz="1800" u="none" kumimoji="0" normalizeH="0">
+          <a:defRPr kumimoji="0" sz="1800" b="0" i="0" u="none" strike="noStrike" cap="none" spc="0" normalizeH="0" baseline="0">
             <a:ln>
               <a:noFill/>
             </a:ln>
@@ -9256,7 +10165,7 @@
           <a:buFontTx/>
           <a:buNone/>
           <a:tabLst/>
-          <a:defRPr b="0" baseline="0" cap="none" i="0" spc="0" strike="noStrike" sz="1800" u="none" kumimoji="0" normalizeH="0">
+          <a:defRPr kumimoji="0" sz="1800" b="0" i="0" u="none" strike="noStrike" cap="none" spc="0" normalizeH="0" baseline="0">
             <a:ln>
               <a:noFill/>
             </a:ln>
@@ -9282,7 +10191,7 @@
           <a:buFontTx/>
           <a:buNone/>
           <a:tabLst/>
-          <a:defRPr b="0" baseline="0" cap="none" i="0" spc="0" strike="noStrike" sz="1800" u="none" kumimoji="0" normalizeH="0">
+          <a:defRPr kumimoji="0" sz="1800" b="0" i="0" u="none" strike="noStrike" cap="none" spc="0" normalizeH="0" baseline="0">
             <a:ln>
               <a:noFill/>
             </a:ln>
@@ -9295,9 +10204,15 @@
         </a:lvl9pPr>
       </a:lstStyle>
       <a:style>
-        <a:lnRef idx="0"/>
-        <a:fillRef idx="0"/>
-        <a:effectRef idx="0"/>
+        <a:lnRef idx="0">
+          <a:scrgbClr r="0" g="0" b="0"/>
+        </a:lnRef>
+        <a:fillRef idx="0">
+          <a:scrgbClr r="0" g="0" b="0"/>
+        </a:fillRef>
+        <a:effectRef idx="0">
+          <a:scrgbClr r="0" g="0" b="0"/>
+        </a:effectRef>
         <a:fontRef idx="none"/>
       </a:style>
     </a:lnDef>
@@ -9311,7 +10226,7 @@
         <a:effectLst/>
         <a:sp3d/>
       </a:spPr>
-      <a:bodyPr rot="0" spcFirstLastPara="1" vertOverflow="overflow" horzOverflow="overflow" vert="horz" wrap="square" lIns="45718" tIns="45718" rIns="45718" bIns="45718" numCol="1" spcCol="38100" rtlCol="0" anchor="t" upright="0">
+      <a:bodyPr rot="0" spcFirstLastPara="1" vertOverflow="overflow" horzOverflow="overflow" vert="horz" wrap="square" lIns="45718" tIns="45718" rIns="45718" bIns="45718" numCol="1" spcCol="38100" rtlCol="0" anchor="t">
         <a:spAutoFit/>
       </a:bodyPr>
       <a:lstStyle>
@@ -9330,7 +10245,7 @@
           <a:buFontTx/>
           <a:buNone/>
           <a:tabLst/>
-          <a:defRPr b="0" baseline="0" cap="none" i="0" spc="0" strike="noStrike" sz="1800" u="none" kumimoji="0" normalizeH="0">
+          <a:defRPr kumimoji="0" sz="1800" b="0" i="0" u="none" strike="noStrike" cap="none" spc="0" normalizeH="0" baseline="0">
             <a:ln>
               <a:noFill/>
             </a:ln>
@@ -9360,7 +10275,7 @@
           <a:buFontTx/>
           <a:buNone/>
           <a:tabLst/>
-          <a:defRPr b="0" baseline="0" cap="none" i="0" spc="0" strike="noStrike" sz="1800" u="none" kumimoji="0" normalizeH="0">
+          <a:defRPr kumimoji="0" sz="1800" b="0" i="0" u="none" strike="noStrike" cap="none" spc="0" normalizeH="0" baseline="0">
             <a:ln>
               <a:noFill/>
             </a:ln>
@@ -9386,7 +10301,7 @@
           <a:buFontTx/>
           <a:buNone/>
           <a:tabLst/>
-          <a:defRPr b="0" baseline="0" cap="none" i="0" spc="0" strike="noStrike" sz="1800" u="none" kumimoji="0" normalizeH="0">
+          <a:defRPr kumimoji="0" sz="1800" b="0" i="0" u="none" strike="noStrike" cap="none" spc="0" normalizeH="0" baseline="0">
             <a:ln>
               <a:noFill/>
             </a:ln>
@@ -9412,7 +10327,7 @@
           <a:buFontTx/>
           <a:buNone/>
           <a:tabLst/>
-          <a:defRPr b="0" baseline="0" cap="none" i="0" spc="0" strike="noStrike" sz="1800" u="none" kumimoji="0" normalizeH="0">
+          <a:defRPr kumimoji="0" sz="1800" b="0" i="0" u="none" strike="noStrike" cap="none" spc="0" normalizeH="0" baseline="0">
             <a:ln>
               <a:noFill/>
             </a:ln>
@@ -9438,7 +10353,7 @@
           <a:buFontTx/>
           <a:buNone/>
           <a:tabLst/>
-          <a:defRPr b="0" baseline="0" cap="none" i="0" spc="0" strike="noStrike" sz="1800" u="none" kumimoji="0" normalizeH="0">
+          <a:defRPr kumimoji="0" sz="1800" b="0" i="0" u="none" strike="noStrike" cap="none" spc="0" normalizeH="0" baseline="0">
             <a:ln>
               <a:noFill/>
             </a:ln>
@@ -9464,7 +10379,7 @@
           <a:buFontTx/>
           <a:buNone/>
           <a:tabLst/>
-          <a:defRPr b="0" baseline="0" cap="none" i="0" spc="0" strike="noStrike" sz="1800" u="none" kumimoji="0" normalizeH="0">
+          <a:defRPr kumimoji="0" sz="1800" b="0" i="0" u="none" strike="noStrike" cap="none" spc="0" normalizeH="0" baseline="0">
             <a:ln>
               <a:noFill/>
             </a:ln>
@@ -9490,7 +10405,7 @@
           <a:buFontTx/>
           <a:buNone/>
           <a:tabLst/>
-          <a:defRPr b="0" baseline="0" cap="none" i="0" spc="0" strike="noStrike" sz="1800" u="none" kumimoji="0" normalizeH="0">
+          <a:defRPr kumimoji="0" sz="1800" b="0" i="0" u="none" strike="noStrike" cap="none" spc="0" normalizeH="0" baseline="0">
             <a:ln>
               <a:noFill/>
             </a:ln>
@@ -9516,7 +10431,7 @@
           <a:buFontTx/>
           <a:buNone/>
           <a:tabLst/>
-          <a:defRPr b="0" baseline="0" cap="none" i="0" spc="0" strike="noStrike" sz="1800" u="none" kumimoji="0" normalizeH="0">
+          <a:defRPr kumimoji="0" sz="1800" b="0" i="0" u="none" strike="noStrike" cap="none" spc="0" normalizeH="0" baseline="0">
             <a:ln>
               <a:noFill/>
             </a:ln>
@@ -9542,7 +10457,7 @@
           <a:buFontTx/>
           <a:buNone/>
           <a:tabLst/>
-          <a:defRPr b="0" baseline="0" cap="none" i="0" spc="0" strike="noStrike" sz="1800" u="none" kumimoji="0" normalizeH="0">
+          <a:defRPr kumimoji="0" sz="1800" b="0" i="0" u="none" strike="noStrike" cap="none" spc="0" normalizeH="0" baseline="0">
             <a:ln>
               <a:noFill/>
             </a:ln>
@@ -9568,7 +10483,7 @@
           <a:buFontTx/>
           <a:buNone/>
           <a:tabLst/>
-          <a:defRPr b="0" baseline="0" cap="none" i="0" spc="0" strike="noStrike" sz="1800" u="none" kumimoji="0" normalizeH="0">
+          <a:defRPr kumimoji="0" sz="1800" b="0" i="0" u="none" strike="noStrike" cap="none" spc="0" normalizeH="0" baseline="0">
             <a:ln>
               <a:noFill/>
             </a:ln>
@@ -9581,18 +10496,25 @@
         </a:lvl9pPr>
       </a:lstStyle>
       <a:style>
-        <a:lnRef idx="0"/>
-        <a:fillRef idx="0"/>
-        <a:effectRef idx="0"/>
+        <a:lnRef idx="0">
+          <a:scrgbClr r="0" g="0" b="0"/>
+        </a:lnRef>
+        <a:fillRef idx="0">
+          <a:scrgbClr r="0" g="0" b="0"/>
+        </a:fillRef>
+        <a:effectRef idx="0">
+          <a:scrgbClr r="0" g="0" b="0"/>
+        </a:effectRef>
         <a:fontRef idx="none"/>
       </a:style>
     </a:txDef>
   </a:objectDefaults>
+  <a:extraClrSchemeLst/>
 </a:theme>
 </file>
 
 <file path=ppt/theme/theme2.xml><?xml version="1.0" encoding="utf-8"?>
-<a:theme xmlns:a="http://schemas.openxmlformats.org/drawingml/2006/main" xmlns:r="http://schemas.openxmlformats.org/officeDocument/2006/relationships" name="Office">
+<a:theme xmlns:a="http://schemas.openxmlformats.org/drawingml/2006/main" name="Office">
   <a:themeElements>
     <a:clrScheme name="Office">
       <a:dk1>
@@ -9794,7 +10716,7 @@
         <a:effectLst/>
         <a:sp3d/>
       </a:spPr>
-      <a:bodyPr rot="0" spcFirstLastPara="1" vertOverflow="overflow" horzOverflow="overflow" vert="horz" wrap="square" lIns="45718" tIns="45718" rIns="45718" bIns="45718" numCol="1" spcCol="38100" rtlCol="0" anchor="ctr" upright="0">
+      <a:bodyPr rot="0" spcFirstLastPara="1" vertOverflow="overflow" horzOverflow="overflow" vert="horz" wrap="square" lIns="45718" tIns="45718" rIns="45718" bIns="45718" numCol="1" spcCol="38100" rtlCol="0" anchor="ctr">
         <a:spAutoFit/>
       </a:bodyPr>
       <a:lstStyle>
@@ -9813,7 +10735,7 @@
           <a:buFontTx/>
           <a:buNone/>
           <a:tabLst/>
-          <a:defRPr b="0" baseline="0" cap="none" i="0" spc="0" strike="noStrike" sz="1800" u="none" kumimoji="0" normalizeH="0">
+          <a:defRPr kumimoji="0" sz="1800" b="0" i="0" u="none" strike="noStrike" cap="none" spc="0" normalizeH="0" baseline="0">
             <a:ln>
               <a:noFill/>
             </a:ln>
@@ -9843,7 +10765,7 @@
           <a:buFontTx/>
           <a:buNone/>
           <a:tabLst/>
-          <a:defRPr b="0" baseline="0" cap="none" i="0" spc="0" strike="noStrike" sz="1800" u="none" kumimoji="0" normalizeH="0">
+          <a:defRPr kumimoji="0" sz="1800" b="0" i="0" u="none" strike="noStrike" cap="none" spc="0" normalizeH="0" baseline="0">
             <a:ln>
               <a:noFill/>
             </a:ln>
@@ -9869,7 +10791,7 @@
           <a:buFontTx/>
           <a:buNone/>
           <a:tabLst/>
-          <a:defRPr b="0" baseline="0" cap="none" i="0" spc="0" strike="noStrike" sz="1800" u="none" kumimoji="0" normalizeH="0">
+          <a:defRPr kumimoji="0" sz="1800" b="0" i="0" u="none" strike="noStrike" cap="none" spc="0" normalizeH="0" baseline="0">
             <a:ln>
               <a:noFill/>
             </a:ln>
@@ -9895,7 +10817,7 @@
           <a:buFontTx/>
           <a:buNone/>
           <a:tabLst/>
-          <a:defRPr b="0" baseline="0" cap="none" i="0" spc="0" strike="noStrike" sz="1800" u="none" kumimoji="0" normalizeH="0">
+          <a:defRPr kumimoji="0" sz="1800" b="0" i="0" u="none" strike="noStrike" cap="none" spc="0" normalizeH="0" baseline="0">
             <a:ln>
               <a:noFill/>
             </a:ln>
@@ -9921,7 +10843,7 @@
           <a:buFontTx/>
           <a:buNone/>
           <a:tabLst/>
-          <a:defRPr b="0" baseline="0" cap="none" i="0" spc="0" strike="noStrike" sz="1800" u="none" kumimoji="0" normalizeH="0">
+          <a:defRPr kumimoji="0" sz="1800" b="0" i="0" u="none" strike="noStrike" cap="none" spc="0" normalizeH="0" baseline="0">
             <a:ln>
               <a:noFill/>
             </a:ln>
@@ -9947,7 +10869,7 @@
           <a:buFontTx/>
           <a:buNone/>
           <a:tabLst/>
-          <a:defRPr b="0" baseline="0" cap="none" i="0" spc="0" strike="noStrike" sz="1800" u="none" kumimoji="0" normalizeH="0">
+          <a:defRPr kumimoji="0" sz="1800" b="0" i="0" u="none" strike="noStrike" cap="none" spc="0" normalizeH="0" baseline="0">
             <a:ln>
               <a:noFill/>
             </a:ln>
@@ -9973,7 +10895,7 @@
           <a:buFontTx/>
           <a:buNone/>
           <a:tabLst/>
-          <a:defRPr b="0" baseline="0" cap="none" i="0" spc="0" strike="noStrike" sz="1800" u="none" kumimoji="0" normalizeH="0">
+          <a:defRPr kumimoji="0" sz="1800" b="0" i="0" u="none" strike="noStrike" cap="none" spc="0" normalizeH="0" baseline="0">
             <a:ln>
               <a:noFill/>
             </a:ln>
@@ -9999,7 +10921,7 @@
           <a:buFontTx/>
           <a:buNone/>
           <a:tabLst/>
-          <a:defRPr b="0" baseline="0" cap="none" i="0" spc="0" strike="noStrike" sz="1800" u="none" kumimoji="0" normalizeH="0">
+          <a:defRPr kumimoji="0" sz="1800" b="0" i="0" u="none" strike="noStrike" cap="none" spc="0" normalizeH="0" baseline="0">
             <a:ln>
               <a:noFill/>
             </a:ln>
@@ -10025,7 +10947,7 @@
           <a:buFontTx/>
           <a:buNone/>
           <a:tabLst/>
-          <a:defRPr b="0" baseline="0" cap="none" i="0" spc="0" strike="noStrike" sz="1800" u="none" kumimoji="0" normalizeH="0">
+          <a:defRPr kumimoji="0" sz="1800" b="0" i="0" u="none" strike="noStrike" cap="none" spc="0" normalizeH="0" baseline="0">
             <a:ln>
               <a:noFill/>
             </a:ln>
@@ -10051,7 +10973,7 @@
           <a:buFontTx/>
           <a:buNone/>
           <a:tabLst/>
-          <a:defRPr b="0" baseline="0" cap="none" i="0" spc="0" strike="noStrike" sz="1800" u="none" kumimoji="0" normalizeH="0">
+          <a:defRPr kumimoji="0" sz="1800" b="0" i="0" u="none" strike="noStrike" cap="none" spc="0" normalizeH="0" baseline="0">
             <a:ln>
               <a:noFill/>
             </a:ln>
@@ -10064,9 +10986,15 @@
         </a:lvl9pPr>
       </a:lstStyle>
       <a:style>
-        <a:lnRef idx="0"/>
-        <a:fillRef idx="0"/>
-        <a:effectRef idx="0"/>
+        <a:lnRef idx="0">
+          <a:scrgbClr r="0" g="0" b="0"/>
+        </a:lnRef>
+        <a:fillRef idx="0">
+          <a:scrgbClr r="0" g="0" b="0"/>
+        </a:fillRef>
+        <a:effectRef idx="0">
+          <a:scrgbClr r="0" g="0" b="0"/>
+        </a:effectRef>
         <a:fontRef idx="none"/>
       </a:style>
     </a:spDef>
@@ -10083,7 +11011,7 @@
         <a:effectLst/>
         <a:sp3d/>
       </a:spPr>
-      <a:bodyPr rot="0" spcFirstLastPara="1" vertOverflow="overflow" horzOverflow="overflow" vert="horz" wrap="square" lIns="91439" tIns="45719" rIns="91439" bIns="45719" numCol="1" spcCol="38100" rtlCol="0" anchor="t" upright="0">
+      <a:bodyPr rot="0" spcFirstLastPara="1" vertOverflow="overflow" horzOverflow="overflow" vert="horz" wrap="square" lIns="91439" tIns="45719" rIns="91439" bIns="45719" numCol="1" spcCol="38100" rtlCol="0" anchor="t">
         <a:noAutofit/>
       </a:bodyPr>
       <a:lstStyle>
@@ -10102,7 +11030,7 @@
           <a:buFontTx/>
           <a:buNone/>
           <a:tabLst/>
-          <a:defRPr b="0" baseline="0" cap="none" i="0" spc="0" strike="noStrike" sz="1800" u="none" kumimoji="0" normalizeH="0">
+          <a:defRPr kumimoji="0" sz="1800" b="0" i="0" u="none" strike="noStrike" cap="none" spc="0" normalizeH="0" baseline="0">
             <a:ln>
               <a:noFill/>
             </a:ln>
@@ -10128,7 +11056,7 @@
           <a:buFontTx/>
           <a:buNone/>
           <a:tabLst/>
-          <a:defRPr b="0" baseline="0" cap="none" i="0" spc="0" strike="noStrike" sz="1800" u="none" kumimoji="0" normalizeH="0">
+          <a:defRPr kumimoji="0" sz="1800" b="0" i="0" u="none" strike="noStrike" cap="none" spc="0" normalizeH="0" baseline="0">
             <a:ln>
               <a:noFill/>
             </a:ln>
@@ -10154,7 +11082,7 @@
           <a:buFontTx/>
           <a:buNone/>
           <a:tabLst/>
-          <a:defRPr b="0" baseline="0" cap="none" i="0" spc="0" strike="noStrike" sz="1800" u="none" kumimoji="0" normalizeH="0">
+          <a:defRPr kumimoji="0" sz="1800" b="0" i="0" u="none" strike="noStrike" cap="none" spc="0" normalizeH="0" baseline="0">
             <a:ln>
               <a:noFill/>
             </a:ln>
@@ -10180,7 +11108,7 @@
           <a:buFontTx/>
           <a:buNone/>
           <a:tabLst/>
-          <a:defRPr b="0" baseline="0" cap="none" i="0" spc="0" strike="noStrike" sz="1800" u="none" kumimoji="0" normalizeH="0">
+          <a:defRPr kumimoji="0" sz="1800" b="0" i="0" u="none" strike="noStrike" cap="none" spc="0" normalizeH="0" baseline="0">
             <a:ln>
               <a:noFill/>
             </a:ln>
@@ -10206,7 +11134,7 @@
           <a:buFontTx/>
           <a:buNone/>
           <a:tabLst/>
-          <a:defRPr b="0" baseline="0" cap="none" i="0" spc="0" strike="noStrike" sz="1800" u="none" kumimoji="0" normalizeH="0">
+          <a:defRPr kumimoji="0" sz="1800" b="0" i="0" u="none" strike="noStrike" cap="none" spc="0" normalizeH="0" baseline="0">
             <a:ln>
               <a:noFill/>
             </a:ln>
@@ -10232,7 +11160,7 @@
           <a:buFontTx/>
           <a:buNone/>
           <a:tabLst/>
-          <a:defRPr b="0" baseline="0" cap="none" i="0" spc="0" strike="noStrike" sz="1800" u="none" kumimoji="0" normalizeH="0">
+          <a:defRPr kumimoji="0" sz="1800" b="0" i="0" u="none" strike="noStrike" cap="none" spc="0" normalizeH="0" baseline="0">
             <a:ln>
               <a:noFill/>
             </a:ln>
@@ -10258,7 +11186,7 @@
           <a:buFontTx/>
           <a:buNone/>
           <a:tabLst/>
-          <a:defRPr b="0" baseline="0" cap="none" i="0" spc="0" strike="noStrike" sz="1800" u="none" kumimoji="0" normalizeH="0">
+          <a:defRPr kumimoji="0" sz="1800" b="0" i="0" u="none" strike="noStrike" cap="none" spc="0" normalizeH="0" baseline="0">
             <a:ln>
               <a:noFill/>
             </a:ln>
@@ -10284,7 +11212,7 @@
           <a:buFontTx/>
           <a:buNone/>
           <a:tabLst/>
-          <a:defRPr b="0" baseline="0" cap="none" i="0" spc="0" strike="noStrike" sz="1800" u="none" kumimoji="0" normalizeH="0">
+          <a:defRPr kumimoji="0" sz="1800" b="0" i="0" u="none" strike="noStrike" cap="none" spc="0" normalizeH="0" baseline="0">
             <a:ln>
               <a:noFill/>
             </a:ln>
@@ -10310,7 +11238,7 @@
           <a:buFontTx/>
           <a:buNone/>
           <a:tabLst/>
-          <a:defRPr b="0" baseline="0" cap="none" i="0" spc="0" strike="noStrike" sz="1800" u="none" kumimoji="0" normalizeH="0">
+          <a:defRPr kumimoji="0" sz="1800" b="0" i="0" u="none" strike="noStrike" cap="none" spc="0" normalizeH="0" baseline="0">
             <a:ln>
               <a:noFill/>
             </a:ln>
@@ -10336,7 +11264,7 @@
           <a:buFontTx/>
           <a:buNone/>
           <a:tabLst/>
-          <a:defRPr b="0" baseline="0" cap="none" i="0" spc="0" strike="noStrike" sz="1800" u="none" kumimoji="0" normalizeH="0">
+          <a:defRPr kumimoji="0" sz="1800" b="0" i="0" u="none" strike="noStrike" cap="none" spc="0" normalizeH="0" baseline="0">
             <a:ln>
               <a:noFill/>
             </a:ln>
@@ -10349,9 +11277,15 @@
         </a:lvl9pPr>
       </a:lstStyle>
       <a:style>
-        <a:lnRef idx="0"/>
-        <a:fillRef idx="0"/>
-        <a:effectRef idx="0"/>
+        <a:lnRef idx="0">
+          <a:scrgbClr r="0" g="0" b="0"/>
+        </a:lnRef>
+        <a:fillRef idx="0">
+          <a:scrgbClr r="0" g="0" b="0"/>
+        </a:fillRef>
+        <a:effectRef idx="0">
+          <a:scrgbClr r="0" g="0" b="0"/>
+        </a:effectRef>
         <a:fontRef idx="none"/>
       </a:style>
     </a:lnDef>
@@ -10365,7 +11299,7 @@
         <a:effectLst/>
         <a:sp3d/>
       </a:spPr>
-      <a:bodyPr rot="0" spcFirstLastPara="1" vertOverflow="overflow" horzOverflow="overflow" vert="horz" wrap="square" lIns="45718" tIns="45718" rIns="45718" bIns="45718" numCol="1" spcCol="38100" rtlCol="0" anchor="t" upright="0">
+      <a:bodyPr rot="0" spcFirstLastPara="1" vertOverflow="overflow" horzOverflow="overflow" vert="horz" wrap="square" lIns="45718" tIns="45718" rIns="45718" bIns="45718" numCol="1" spcCol="38100" rtlCol="0" anchor="t">
         <a:spAutoFit/>
       </a:bodyPr>
       <a:lstStyle>
@@ -10384,7 +11318,7 @@
           <a:buFontTx/>
           <a:buNone/>
           <a:tabLst/>
-          <a:defRPr b="0" baseline="0" cap="none" i="0" spc="0" strike="noStrike" sz="1800" u="none" kumimoji="0" normalizeH="0">
+          <a:defRPr kumimoji="0" sz="1800" b="0" i="0" u="none" strike="noStrike" cap="none" spc="0" normalizeH="0" baseline="0">
             <a:ln>
               <a:noFill/>
             </a:ln>
@@ -10414,7 +11348,7 @@
           <a:buFontTx/>
           <a:buNone/>
           <a:tabLst/>
-          <a:defRPr b="0" baseline="0" cap="none" i="0" spc="0" strike="noStrike" sz="1800" u="none" kumimoji="0" normalizeH="0">
+          <a:defRPr kumimoji="0" sz="1800" b="0" i="0" u="none" strike="noStrike" cap="none" spc="0" normalizeH="0" baseline="0">
             <a:ln>
               <a:noFill/>
             </a:ln>
@@ -10440,7 +11374,7 @@
           <a:buFontTx/>
           <a:buNone/>
           <a:tabLst/>
-          <a:defRPr b="0" baseline="0" cap="none" i="0" spc="0" strike="noStrike" sz="1800" u="none" kumimoji="0" normalizeH="0">
+          <a:defRPr kumimoji="0" sz="1800" b="0" i="0" u="none" strike="noStrike" cap="none" spc="0" normalizeH="0" baseline="0">
             <a:ln>
               <a:noFill/>
             </a:ln>
@@ -10466,7 +11400,7 @@
           <a:buFontTx/>
           <a:buNone/>
           <a:tabLst/>
-          <a:defRPr b="0" baseline="0" cap="none" i="0" spc="0" strike="noStrike" sz="1800" u="none" kumimoji="0" normalizeH="0">
+          <a:defRPr kumimoji="0" sz="1800" b="0" i="0" u="none" strike="noStrike" cap="none" spc="0" normalizeH="0" baseline="0">
             <a:ln>
               <a:noFill/>
             </a:ln>
@@ -10492,7 +11426,7 @@
           <a:buFontTx/>
           <a:buNone/>
           <a:tabLst/>
-          <a:defRPr b="0" baseline="0" cap="none" i="0" spc="0" strike="noStrike" sz="1800" u="none" kumimoji="0" normalizeH="0">
+          <a:defRPr kumimoji="0" sz="1800" b="0" i="0" u="none" strike="noStrike" cap="none" spc="0" normalizeH="0" baseline="0">
             <a:ln>
               <a:noFill/>
             </a:ln>
@@ -10518,7 +11452,7 @@
           <a:buFontTx/>
           <a:buNone/>
           <a:tabLst/>
-          <a:defRPr b="0" baseline="0" cap="none" i="0" spc="0" strike="noStrike" sz="1800" u="none" kumimoji="0" normalizeH="0">
+          <a:defRPr kumimoji="0" sz="1800" b="0" i="0" u="none" strike="noStrike" cap="none" spc="0" normalizeH="0" baseline="0">
             <a:ln>
               <a:noFill/>
             </a:ln>
@@ -10544,7 +11478,7 @@
           <a:buFontTx/>
           <a:buNone/>
           <a:tabLst/>
-          <a:defRPr b="0" baseline="0" cap="none" i="0" spc="0" strike="noStrike" sz="1800" u="none" kumimoji="0" normalizeH="0">
+          <a:defRPr kumimoji="0" sz="1800" b="0" i="0" u="none" strike="noStrike" cap="none" spc="0" normalizeH="0" baseline="0">
             <a:ln>
               <a:noFill/>
             </a:ln>
@@ -10570,7 +11504,7 @@
           <a:buFontTx/>
           <a:buNone/>
           <a:tabLst/>
-          <a:defRPr b="0" baseline="0" cap="none" i="0" spc="0" strike="noStrike" sz="1800" u="none" kumimoji="0" normalizeH="0">
+          <a:defRPr kumimoji="0" sz="1800" b="0" i="0" u="none" strike="noStrike" cap="none" spc="0" normalizeH="0" baseline="0">
             <a:ln>
               <a:noFill/>
             </a:ln>
@@ -10596,7 +11530,7 @@
           <a:buFontTx/>
           <a:buNone/>
           <a:tabLst/>
-          <a:defRPr b="0" baseline="0" cap="none" i="0" spc="0" strike="noStrike" sz="1800" u="none" kumimoji="0" normalizeH="0">
+          <a:defRPr kumimoji="0" sz="1800" b="0" i="0" u="none" strike="noStrike" cap="none" spc="0" normalizeH="0" baseline="0">
             <a:ln>
               <a:noFill/>
             </a:ln>
@@ -10622,7 +11556,7 @@
           <a:buFontTx/>
           <a:buNone/>
           <a:tabLst/>
-          <a:defRPr b="0" baseline="0" cap="none" i="0" spc="0" strike="noStrike" sz="1800" u="none" kumimoji="0" normalizeH="0">
+          <a:defRPr kumimoji="0" sz="1800" b="0" i="0" u="none" strike="noStrike" cap="none" spc="0" normalizeH="0" baseline="0">
             <a:ln>
               <a:noFill/>
             </a:ln>
@@ -10635,12 +11569,19 @@
         </a:lvl9pPr>
       </a:lstStyle>
       <a:style>
-        <a:lnRef idx="0"/>
-        <a:fillRef idx="0"/>
-        <a:effectRef idx="0"/>
+        <a:lnRef idx="0">
+          <a:scrgbClr r="0" g="0" b="0"/>
+        </a:lnRef>
+        <a:fillRef idx="0">
+          <a:scrgbClr r="0" g="0" b="0"/>
+        </a:fillRef>
+        <a:effectRef idx="0">
+          <a:scrgbClr r="0" g="0" b="0"/>
+        </a:effectRef>
         <a:fontRef idx="none"/>
       </a:style>
     </a:txDef>
   </a:objectDefaults>
+  <a:extraClrSchemeLst/>
 </a:theme>
 </file>
--- a/00_General/Presentation/MS 3/Presentation_Milestone_iii_Master.pptx
+++ b/00_General/Presentation/MS 3/Presentation_Milestone_iii_Master.pptx
@@ -325,7 +325,7 @@
   </p:defaultTextStyle>
   <p:extLst>
     <p:ext uri="{EFAFB233-063F-42B5-8137-9DF3F51BA10A}">
-      <p15:sldGuideLst xmlns:p15="http://schemas.microsoft.com/office/powerpoint/2012/main">
+      <p15:sldGuideLst xmlns:p15="http://schemas.microsoft.com/office/powerpoint/2012/main" xmlns="">
         <p15:guide id="1" orient="horz" pos="2160" userDrawn="1">
           <p15:clr>
             <a:srgbClr val="A4A3A4"/>
@@ -419,6 +419,11 @@
         </p:txBody>
       </p:sp>
     </p:spTree>
+    <p:extLst>
+      <p:ext uri="{BB962C8B-B14F-4D97-AF65-F5344CB8AC3E}">
+        <p14:creationId xmlns:p14="http://schemas.microsoft.com/office/powerpoint/2010/main" val="1997229491"/>
+      </p:ext>
+    </p:extLst>
   </p:cSld>
   <p:clrMap bg1="lt1" tx1="dk1" bg2="lt2" tx2="dk2" accent1="accent1" accent2="accent2" accent3="accent3" accent4="accent4" accent5="accent5" accent6="accent6" hlink="hlink" folHlink="folHlink"/>
   <p:notesStyle>
@@ -615,7 +620,7 @@
   <p:clrMapOvr>
     <a:masterClrMapping/>
   </p:clrMapOvr>
-  <p:transition spd="med"/>
+  <p:transition xmlns:p14="http://schemas.microsoft.com/office/powerpoint/2010/main" spd="med"/>
 </p:sldLayout>
 </file>
 
@@ -813,7 +818,7 @@
   <p:clrMapOvr>
     <a:masterClrMapping/>
   </p:clrMapOvr>
-  <p:transition spd="med"/>
+  <p:transition xmlns:p14="http://schemas.microsoft.com/office/powerpoint/2010/main" spd="med"/>
 </p:sldLayout>
 </file>
 
@@ -939,7 +944,7 @@
   <p:clrMapOvr>
     <a:masterClrMapping/>
   </p:clrMapOvr>
-  <p:transition spd="med"/>
+  <p:transition xmlns:p14="http://schemas.microsoft.com/office/powerpoint/2010/main" spd="med"/>
 </p:sldLayout>
 </file>
 
@@ -1073,7 +1078,7 @@
   <p:clrMapOvr>
     <a:masterClrMapping/>
   </p:clrMapOvr>
-  <p:transition spd="med"/>
+  <p:transition xmlns:p14="http://schemas.microsoft.com/office/powerpoint/2010/main" spd="med"/>
 </p:sldLayout>
 </file>
 
@@ -1207,7 +1212,7 @@
   <p:clrMapOvr>
     <a:masterClrMapping/>
   </p:clrMapOvr>
-  <p:transition spd="med"/>
+  <p:transition xmlns:p14="http://schemas.microsoft.com/office/powerpoint/2010/main" spd="med"/>
 </p:sldLayout>
 </file>
 
@@ -1333,7 +1338,7 @@
   <p:clrMapOvr>
     <a:masterClrMapping/>
   </p:clrMapOvr>
-  <p:transition spd="med"/>
+  <p:transition xmlns:p14="http://schemas.microsoft.com/office/powerpoint/2010/main" spd="med"/>
 </p:sldLayout>
 </file>
 
@@ -1467,7 +1472,7 @@
   <p:clrMapOvr>
     <a:masterClrMapping/>
   </p:clrMapOvr>
-  <p:transition spd="med"/>
+  <p:transition xmlns:p14="http://schemas.microsoft.com/office/powerpoint/2010/main" spd="med"/>
 </p:sldLayout>
 </file>
 
@@ -1656,7 +1661,7 @@
   <p:clrMapOvr>
     <a:masterClrMapping/>
   </p:clrMapOvr>
-  <p:transition spd="med"/>
+  <p:transition xmlns:p14="http://schemas.microsoft.com/office/powerpoint/2010/main" spd="med"/>
 </p:sldLayout>
 </file>
 
@@ -1786,7 +1791,7 @@
   <p:clrMapOvr>
     <a:masterClrMapping/>
   </p:clrMapOvr>
-  <p:transition spd="med"/>
+  <p:transition xmlns:p14="http://schemas.microsoft.com/office/powerpoint/2010/main" spd="med"/>
 </p:sldLayout>
 </file>
 
@@ -1930,7 +1935,7 @@
   <p:clrMapOvr>
     <a:masterClrMapping/>
   </p:clrMapOvr>
-  <p:transition spd="med"/>
+  <p:transition xmlns:p14="http://schemas.microsoft.com/office/powerpoint/2010/main" spd="med"/>
 </p:sldLayout>
 </file>
 
@@ -2007,7 +2012,7 @@
   <p:clrMapOvr>
     <a:masterClrMapping/>
   </p:clrMapOvr>
-  <p:transition spd="med"/>
+  <p:transition xmlns:p14="http://schemas.microsoft.com/office/powerpoint/2010/main" spd="med"/>
 </p:sldLayout>
 </file>
 
@@ -2059,7 +2064,7 @@
   <p:clrMapOvr>
     <a:masterClrMapping/>
   </p:clrMapOvr>
-  <p:transition spd="med"/>
+  <p:transition xmlns:p14="http://schemas.microsoft.com/office/powerpoint/2010/main" spd="med"/>
 </p:sldLayout>
 </file>
 
@@ -2240,7 +2245,7 @@
   <p:clrMapOvr>
     <a:masterClrMapping/>
   </p:clrMapOvr>
-  <p:transition spd="med"/>
+  <p:transition xmlns:p14="http://schemas.microsoft.com/office/powerpoint/2010/main" spd="med"/>
 </p:sldLayout>
 </file>
 
@@ -2292,7 +2297,7 @@
           </a:ln>
           <a:extLst>
             <a:ext uri="{C572A759-6A51-4108-AA02-DFA0A04FC94B}">
-              <ma14:wrappingTextBoxFlag xmlns:ma14="http://schemas.microsoft.com/office/mac/drawingml/2011/main" xmlns="" val="1"/>
+              <ma14:wrappingTextBoxFlag xmlns:ma14="http://schemas.microsoft.com/office/mac/drawingml/2011/main" val="1"/>
             </a:ext>
           </a:extLst>
         </p:spPr>
@@ -2331,7 +2336,7 @@
           </a:ln>
           <a:extLst>
             <a:ext uri="{C572A759-6A51-4108-AA02-DFA0A04FC94B}">
-              <ma14:wrappingTextBoxFlag xmlns:ma14="http://schemas.microsoft.com/office/mac/drawingml/2011/main" xmlns="" val="1"/>
+              <ma14:wrappingTextBoxFlag xmlns:ma14="http://schemas.microsoft.com/office/mac/drawingml/2011/main" val="1"/>
             </a:ext>
           </a:extLst>
         </p:spPr>
@@ -2432,7 +2437,7 @@
     <p:sldLayoutId id="2147483660" r:id="rId12"/>
     <p:sldLayoutId id="2147483661" r:id="rId13"/>
   </p:sldLayoutIdLst>
-  <p:transition spd="med"/>
+  <p:transition xmlns:p14="http://schemas.microsoft.com/office/powerpoint/2010/main" spd="med"/>
   <p:txStyles>
     <p:titleStyle>
       <a:lvl1pPr marL="0" marR="0" indent="0" algn="l" defTabSz="914400" rtl="0" latinLnBrk="0">
@@ -3271,7 +3276,7 @@
           </a:ln>
           <a:extLst>
             <a:ext uri="{C572A759-6A51-4108-AA02-DFA0A04FC94B}">
-              <ma14:wrappingTextBoxFlag xmlns:ma14="http://schemas.microsoft.com/office/mac/drawingml/2011/main" xmlns="" val="1"/>
+              <ma14:wrappingTextBoxFlag xmlns:ma14="http://schemas.microsoft.com/office/mac/drawingml/2011/main" val="1"/>
             </a:ext>
           </a:extLst>
         </p:spPr>
@@ -3605,7 +3610,7 @@
           </a:ln>
           <a:extLst>
             <a:ext uri="{C572A759-6A51-4108-AA02-DFA0A04FC94B}">
-              <ma14:wrappingTextBoxFlag xmlns:ma14="http://schemas.microsoft.com/office/mac/drawingml/2011/main" xmlns="" val="1"/>
+              <ma14:wrappingTextBoxFlag xmlns:ma14="http://schemas.microsoft.com/office/mac/drawingml/2011/main" val="1"/>
             </a:ext>
           </a:extLst>
         </p:spPr>
@@ -3616,6 +3621,7 @@
           <a:lstStyle/>
           <a:p>
             <a:r>
+              <a:rPr dirty="0"/>
               <a:t>Quelle:  mercadolibre.com</a:t>
             </a:r>
           </a:p>
@@ -3788,7 +3794,14 @@
   <p:clrMapOvr>
     <a:masterClrMapping/>
   </p:clrMapOvr>
-  <p:transition spd="med"/>
+  <p:transition xmlns:p14="http://schemas.microsoft.com/office/powerpoint/2010/main" spd="med"/>
+  <p:timing>
+    <p:tnLst>
+      <p:par>
+        <p:cTn xmlns:p14="http://schemas.microsoft.com/office/powerpoint/2010/main" id="1" dur="indefinite" restart="never" nodeType="tmRoot"/>
+      </p:par>
+    </p:tnLst>
+  </p:timing>
 </p:sld>
 </file>
 
@@ -3828,7 +3841,7 @@
           </a:ln>
           <a:extLst>
             <a:ext uri="{C572A759-6A51-4108-AA02-DFA0A04FC94B}">
-              <ma14:wrappingTextBoxFlag xmlns:ma14="http://schemas.microsoft.com/office/mac/drawingml/2011/main" xmlns="" val="1"/>
+              <ma14:wrappingTextBoxFlag xmlns:ma14="http://schemas.microsoft.com/office/mac/drawingml/2011/main" val="1"/>
             </a:ext>
           </a:extLst>
         </p:spPr>
@@ -3910,7 +3923,7 @@
           </a:prstGeom>
           <a:extLst>
             <a:ext uri="{C572A759-6A51-4108-AA02-DFA0A04FC94B}">
-              <ma14:wrappingTextBoxFlag xmlns:ma14="http://schemas.microsoft.com/office/mac/drawingml/2011/main" xmlns="" val="1"/>
+              <ma14:wrappingTextBoxFlag xmlns:ma14="http://schemas.microsoft.com/office/mac/drawingml/2011/main" val="1"/>
             </a:ext>
           </a:extLst>
         </p:spPr>
@@ -4007,7 +4020,7 @@
           </a:ln>
           <a:extLst>
             <a:ext uri="{C572A759-6A51-4108-AA02-DFA0A04FC94B}">
-              <ma14:wrappingTextBoxFlag xmlns:ma14="http://schemas.microsoft.com/office/mac/drawingml/2011/main" xmlns="" val="1"/>
+              <ma14:wrappingTextBoxFlag xmlns:ma14="http://schemas.microsoft.com/office/mac/drawingml/2011/main" val="1"/>
             </a:ext>
           </a:extLst>
         </p:spPr>
@@ -4079,7 +4092,14 @@
   <p:clrMapOvr>
     <a:masterClrMapping/>
   </p:clrMapOvr>
-  <p:transition spd="slow"/>
+  <p:transition xmlns:p14="http://schemas.microsoft.com/office/powerpoint/2010/main" spd="slow"/>
+  <p:timing>
+    <p:tnLst>
+      <p:par>
+        <p:cTn xmlns:p14="http://schemas.microsoft.com/office/powerpoint/2010/main" id="1" dur="indefinite" restart="never" nodeType="tmRoot"/>
+      </p:par>
+    </p:tnLst>
+  </p:timing>
 </p:sld>
 </file>
 
@@ -4119,7 +4139,7 @@
           </a:ln>
           <a:extLst>
             <a:ext uri="{C572A759-6A51-4108-AA02-DFA0A04FC94B}">
-              <ma14:wrappingTextBoxFlag xmlns:ma14="http://schemas.microsoft.com/office/mac/drawingml/2011/main" xmlns="" val="1"/>
+              <ma14:wrappingTextBoxFlag xmlns:ma14="http://schemas.microsoft.com/office/mac/drawingml/2011/main" val="1"/>
             </a:ext>
           </a:extLst>
         </p:spPr>
@@ -4324,7 +4344,7 @@
           </a:prstGeom>
           <a:extLst>
             <a:ext uri="{C572A759-6A51-4108-AA02-DFA0A04FC94B}">
-              <ma14:wrappingTextBoxFlag xmlns:ma14="http://schemas.microsoft.com/office/mac/drawingml/2011/main" xmlns="" val="1"/>
+              <ma14:wrappingTextBoxFlag xmlns:ma14="http://schemas.microsoft.com/office/mac/drawingml/2011/main" val="1"/>
             </a:ext>
           </a:extLst>
         </p:spPr>
@@ -4515,7 +4535,14 @@
   <p:clrMapOvr>
     <a:masterClrMapping/>
   </p:clrMapOvr>
-  <p:transition spd="slow"/>
+  <p:transition xmlns:p14="http://schemas.microsoft.com/office/powerpoint/2010/main" spd="slow"/>
+  <p:timing>
+    <p:tnLst>
+      <p:par>
+        <p:cTn xmlns:p14="http://schemas.microsoft.com/office/powerpoint/2010/main" id="1" dur="indefinite" restart="never" nodeType="tmRoot"/>
+      </p:par>
+    </p:tnLst>
+  </p:timing>
 </p:sld>
 </file>
 
@@ -4582,7 +4609,7 @@
           </a:ln>
           <a:extLst>
             <a:ext uri="{C572A759-6A51-4108-AA02-DFA0A04FC94B}">
-              <ma14:wrappingTextBoxFlag xmlns:ma14="http://schemas.microsoft.com/office/mac/drawingml/2011/main" xmlns="" val="1"/>
+              <ma14:wrappingTextBoxFlag xmlns:ma14="http://schemas.microsoft.com/office/mac/drawingml/2011/main" val="1"/>
             </a:ext>
           </a:extLst>
         </p:spPr>
@@ -4663,7 +4690,7 @@
           </a:prstGeom>
           <a:extLst>
             <a:ext uri="{C572A759-6A51-4108-AA02-DFA0A04FC94B}">
-              <ma14:wrappingTextBoxFlag xmlns:ma14="http://schemas.microsoft.com/office/mac/drawingml/2011/main" xmlns="" val="1"/>
+              <ma14:wrappingTextBoxFlag xmlns:ma14="http://schemas.microsoft.com/office/mac/drawingml/2011/main" val="1"/>
             </a:ext>
           </a:extLst>
         </p:spPr>
@@ -4760,7 +4787,7 @@
           </a:ln>
           <a:extLst>
             <a:ext uri="{C572A759-6A51-4108-AA02-DFA0A04FC94B}">
-              <ma14:wrappingTextBoxFlag xmlns:ma14="http://schemas.microsoft.com/office/mac/drawingml/2011/main" xmlns="" val="1"/>
+              <ma14:wrappingTextBoxFlag xmlns:ma14="http://schemas.microsoft.com/office/mac/drawingml/2011/main" val="1"/>
             </a:ext>
           </a:extLst>
         </p:spPr>
@@ -5100,7 +5127,14 @@
   <p:clrMapOvr>
     <a:masterClrMapping/>
   </p:clrMapOvr>
-  <p:transition spd="slow"/>
+  <p:transition xmlns:p14="http://schemas.microsoft.com/office/powerpoint/2010/main" spd="slow"/>
+  <p:timing>
+    <p:tnLst>
+      <p:par>
+        <p:cTn xmlns:p14="http://schemas.microsoft.com/office/powerpoint/2010/main" id="1" dur="indefinite" restart="never" nodeType="tmRoot"/>
+      </p:par>
+    </p:tnLst>
+  </p:timing>
 </p:sld>
 </file>
 
@@ -5140,7 +5174,7 @@
           </a:ln>
           <a:extLst>
             <a:ext uri="{C572A759-6A51-4108-AA02-DFA0A04FC94B}">
-              <ma14:wrappingTextBoxFlag xmlns:ma14="http://schemas.microsoft.com/office/mac/drawingml/2011/main" xmlns="" val="1"/>
+              <ma14:wrappingTextBoxFlag xmlns:ma14="http://schemas.microsoft.com/office/mac/drawingml/2011/main" val="1"/>
             </a:ext>
           </a:extLst>
         </p:spPr>
@@ -5222,7 +5256,7 @@
           </a:prstGeom>
           <a:extLst>
             <a:ext uri="{C572A759-6A51-4108-AA02-DFA0A04FC94B}">
-              <ma14:wrappingTextBoxFlag xmlns:ma14="http://schemas.microsoft.com/office/mac/drawingml/2011/main" xmlns="" val="1"/>
+              <ma14:wrappingTextBoxFlag xmlns:ma14="http://schemas.microsoft.com/office/mac/drawingml/2011/main" val="1"/>
             </a:ext>
           </a:extLst>
         </p:spPr>
@@ -5319,7 +5353,7 @@
           </a:ln>
           <a:extLst>
             <a:ext uri="{C572A759-6A51-4108-AA02-DFA0A04FC94B}">
-              <ma14:wrappingTextBoxFlag xmlns:ma14="http://schemas.microsoft.com/office/mac/drawingml/2011/main" xmlns="" val="1"/>
+              <ma14:wrappingTextBoxFlag xmlns:ma14="http://schemas.microsoft.com/office/mac/drawingml/2011/main" val="1"/>
             </a:ext>
           </a:extLst>
         </p:spPr>
@@ -5594,40 +5628,28 @@
               <a:defRPr sz="2000"/>
             </a:pPr>
             <a:r>
-              <a:rPr dirty="0" err="1"/>
-              <a:t>Pushen</a:t>
-            </a:r>
-            <a:r>
-              <a:rPr dirty="0"/>
-              <a:t>, </a:t>
-            </a:r>
-            <a:r>
-              <a:rPr dirty="0" err="1"/>
-              <a:t>Mergen</a:t>
-            </a:r>
-            <a:r>
-              <a:rPr dirty="0"/>
-              <a:t> </a:t>
-            </a:r>
-            <a:r>
-              <a:rPr dirty="0" err="1"/>
-              <a:t>mit</a:t>
-            </a:r>
-            <a:r>
-              <a:rPr dirty="0"/>
-              <a:t> Git (</a:t>
-            </a:r>
-            <a:r>
-              <a:rPr dirty="0" err="1"/>
-              <a:t>Knappes</a:t>
-            </a:r>
-            <a:r>
-              <a:rPr dirty="0"/>
-              <a:t> </a:t>
-            </a:r>
-            <a:r>
-              <a:rPr dirty="0" err="1"/>
-              <a:t>Zeitmanagment</a:t>
+              <a:rPr dirty="0"/>
+              <a:t>Pushen, Mergen mit Git </a:t>
+            </a:r>
+            <a:r>
+              <a:rPr dirty="0" smtClean="0"/>
+              <a:t>(</a:t>
+            </a:r>
+            <a:r>
+              <a:rPr lang="de-CH" dirty="0" err="1"/>
+              <a:t>k</a:t>
+            </a:r>
+            <a:r>
+              <a:rPr dirty="0" smtClean="0"/>
+              <a:t>nappes Zeitmanag</a:t>
+            </a:r>
+            <a:r>
+              <a:rPr lang="de-CH" dirty="0" err="1" smtClean="0"/>
+              <a:t>e</a:t>
+            </a:r>
+            <a:r>
+              <a:rPr dirty="0" smtClean="0"/>
+              <a:t>ment</a:t>
             </a:r>
             <a:r>
               <a:rPr dirty="0"/>
@@ -5720,32 +5742,16 @@
               <a:defRPr sz="2000"/>
             </a:pPr>
             <a:r>
-              <a:rPr dirty="0" err="1"/>
-              <a:t>Einen</a:t>
-            </a:r>
-            <a:r>
-              <a:rPr dirty="0"/>
-              <a:t> Tag </a:t>
-            </a:r>
-            <a:r>
-              <a:rPr dirty="0" err="1"/>
-              <a:t>vor</a:t>
-            </a:r>
-            <a:r>
-              <a:rPr dirty="0"/>
-              <a:t> </a:t>
-            </a:r>
-            <a:r>
-              <a:rPr dirty="0" err="1"/>
-              <a:t>Abgabe</a:t>
-            </a:r>
-            <a:r>
-              <a:rPr dirty="0"/>
-              <a:t> </a:t>
-            </a:r>
-            <a:r>
-              <a:rPr dirty="0" err="1"/>
-              <a:t>Fertig</a:t>
+              <a:rPr dirty="0"/>
+              <a:t>Einen Tag vor Abgabe </a:t>
+            </a:r>
+            <a:r>
+              <a:rPr lang="de-CH" dirty="0" err="1"/>
+              <a:t>f</a:t>
+            </a:r>
+            <a:r>
+              <a:rPr dirty="0" smtClean="0"/>
+              <a:t>ertig</a:t>
             </a:r>
             <a:endParaRPr dirty="0"/>
           </a:p>
@@ -5819,7 +5825,14 @@
   <p:clrMapOvr>
     <a:masterClrMapping/>
   </p:clrMapOvr>
-  <p:transition spd="slow"/>
+  <p:transition xmlns:p14="http://schemas.microsoft.com/office/powerpoint/2010/main" spd="slow"/>
+  <p:timing>
+    <p:tnLst>
+      <p:par>
+        <p:cTn xmlns:p14="http://schemas.microsoft.com/office/powerpoint/2010/main" id="1" dur="indefinite" restart="never" nodeType="tmRoot"/>
+      </p:par>
+    </p:tnLst>
+  </p:timing>
 </p:sld>
 </file>
 
@@ -5859,7 +5872,7 @@
           </a:ln>
           <a:extLst>
             <a:ext uri="{C572A759-6A51-4108-AA02-DFA0A04FC94B}">
-              <ma14:wrappingTextBoxFlag xmlns:ma14="http://schemas.microsoft.com/office/mac/drawingml/2011/main" xmlns="" val="1"/>
+              <ma14:wrappingTextBoxFlag xmlns:ma14="http://schemas.microsoft.com/office/mac/drawingml/2011/main" val="1"/>
             </a:ext>
           </a:extLst>
         </p:spPr>
@@ -5941,7 +5954,7 @@
           </a:prstGeom>
           <a:extLst>
             <a:ext uri="{C572A759-6A51-4108-AA02-DFA0A04FC94B}">
-              <ma14:wrappingTextBoxFlag xmlns:ma14="http://schemas.microsoft.com/office/mac/drawingml/2011/main" xmlns="" val="1"/>
+              <ma14:wrappingTextBoxFlag xmlns:ma14="http://schemas.microsoft.com/office/mac/drawingml/2011/main" val="1"/>
             </a:ext>
           </a:extLst>
         </p:spPr>
@@ -5975,7 +5988,7 @@
           </a:ln>
           <a:extLst>
             <a:ext uri="{C572A759-6A51-4108-AA02-DFA0A04FC94B}">
-              <ma14:wrappingTextBoxFlag xmlns:ma14="http://schemas.microsoft.com/office/mac/drawingml/2011/main" xmlns="" val="1"/>
+              <ma14:wrappingTextBoxFlag xmlns:ma14="http://schemas.microsoft.com/office/mac/drawingml/2011/main" val="1"/>
             </a:ext>
           </a:extLst>
         </p:spPr>
@@ -6022,12 +6035,55 @@
           </a:ln>
         </p:spPr>
       </p:pic>
+      <p:sp>
+        <p:nvSpPr>
+          <p:cNvPr id="7" name="Shape 132"/>
+          <p:cNvSpPr/>
+          <p:nvPr/>
+        </p:nvSpPr>
+        <p:spPr>
+          <a:xfrm>
+            <a:off x="1207435" y="5952201"/>
+            <a:ext cx="2031987" cy="307773"/>
+          </a:xfrm>
+          <a:prstGeom prst="rect">
+            <a:avLst/>
+          </a:prstGeom>
+          <a:ln w="12700">
+            <a:miter lim="400000"/>
+          </a:ln>
+          <a:extLst>
+            <a:ext uri="{C572A759-6A51-4108-AA02-DFA0A04FC94B}">
+              <ma14:wrappingTextBoxFlag xmlns:ma14="http://schemas.microsoft.com/office/mac/drawingml/2011/main" val="1"/>
+            </a:ext>
+          </a:extLst>
+        </p:spPr>
+        <p:txBody>
+          <a:bodyPr wrap="none" lIns="45718" tIns="45718" rIns="45718" bIns="45718">
+            <a:spAutoFit/>
+          </a:bodyPr>
+          <a:lstStyle/>
+          <a:p>
+            <a:r>
+              <a:rPr sz="1400" dirty="0"/>
+              <a:t>Quelle:  mercadolibre.com</a:t>
+            </a:r>
+          </a:p>
+        </p:txBody>
+      </p:sp>
     </p:spTree>
   </p:cSld>
   <p:clrMapOvr>
     <a:masterClrMapping/>
   </p:clrMapOvr>
-  <p:transition spd="slow"/>
+  <p:transition xmlns:p14="http://schemas.microsoft.com/office/powerpoint/2010/main" spd="slow"/>
+  <p:timing>
+    <p:tnLst>
+      <p:par>
+        <p:cTn xmlns:p14="http://schemas.microsoft.com/office/powerpoint/2010/main" id="1" dur="indefinite" restart="never" nodeType="tmRoot"/>
+      </p:par>
+    </p:tnLst>
+  </p:timing>
 </p:sld>
 </file>
 
@@ -6067,7 +6123,7 @@
           </a:ln>
           <a:extLst>
             <a:ext uri="{C572A759-6A51-4108-AA02-DFA0A04FC94B}">
-              <ma14:wrappingTextBoxFlag xmlns:ma14="http://schemas.microsoft.com/office/mac/drawingml/2011/main" xmlns="" val="1"/>
+              <ma14:wrappingTextBoxFlag xmlns:ma14="http://schemas.microsoft.com/office/mac/drawingml/2011/main" val="1"/>
             </a:ext>
           </a:extLst>
         </p:spPr>
@@ -6233,7 +6289,7 @@
           </a:prstGeom>
           <a:extLst>
             <a:ext uri="{C572A759-6A51-4108-AA02-DFA0A04FC94B}">
-              <ma14:wrappingTextBoxFlag xmlns:ma14="http://schemas.microsoft.com/office/mac/drawingml/2011/main" xmlns="" val="1"/>
+              <ma14:wrappingTextBoxFlag xmlns:ma14="http://schemas.microsoft.com/office/mac/drawingml/2011/main" val="1"/>
             </a:ext>
           </a:extLst>
         </p:spPr>
@@ -6462,7 +6518,14 @@
   <p:clrMapOvr>
     <a:masterClrMapping/>
   </p:clrMapOvr>
-  <p:transition spd="slow"/>
+  <p:transition xmlns:p14="http://schemas.microsoft.com/office/powerpoint/2010/main" spd="slow"/>
+  <p:timing>
+    <p:tnLst>
+      <p:par>
+        <p:cTn xmlns:p14="http://schemas.microsoft.com/office/powerpoint/2010/main" id="1" dur="indefinite" restart="never" nodeType="tmRoot"/>
+      </p:par>
+    </p:tnLst>
+  </p:timing>
 </p:sld>
 </file>
 
@@ -6502,7 +6565,7 @@
           </a:ln>
           <a:extLst>
             <a:ext uri="{C572A759-6A51-4108-AA02-DFA0A04FC94B}">
-              <ma14:wrappingTextBoxFlag xmlns:ma14="http://schemas.microsoft.com/office/mac/drawingml/2011/main" xmlns="" val="1"/>
+              <ma14:wrappingTextBoxFlag xmlns:ma14="http://schemas.microsoft.com/office/mac/drawingml/2011/main" val="1"/>
             </a:ext>
           </a:extLst>
         </p:spPr>
@@ -6707,7 +6770,7 @@
           </a:prstGeom>
           <a:extLst>
             <a:ext uri="{C572A759-6A51-4108-AA02-DFA0A04FC94B}">
-              <ma14:wrappingTextBoxFlag xmlns:ma14="http://schemas.microsoft.com/office/mac/drawingml/2011/main" xmlns="" val="1"/>
+              <ma14:wrappingTextBoxFlag xmlns:ma14="http://schemas.microsoft.com/office/mac/drawingml/2011/main" val="1"/>
             </a:ext>
           </a:extLst>
         </p:spPr>
@@ -6898,7 +6961,14 @@
   <p:clrMapOvr>
     <a:masterClrMapping/>
   </p:clrMapOvr>
-  <p:transition spd="slow"/>
+  <p:transition xmlns:p14="http://schemas.microsoft.com/office/powerpoint/2010/main" spd="slow"/>
+  <p:timing>
+    <p:tnLst>
+      <p:par>
+        <p:cTn xmlns:p14="http://schemas.microsoft.com/office/powerpoint/2010/main" id="1" dur="indefinite" restart="never" nodeType="tmRoot"/>
+      </p:par>
+    </p:tnLst>
+  </p:timing>
 </p:sld>
 </file>
 
@@ -6965,7 +7035,7 @@
           </a:ln>
           <a:extLst>
             <a:ext uri="{C572A759-6A51-4108-AA02-DFA0A04FC94B}">
-              <ma14:wrappingTextBoxFlag xmlns:ma14="http://schemas.microsoft.com/office/mac/drawingml/2011/main" xmlns="" val="1"/>
+              <ma14:wrappingTextBoxFlag xmlns:ma14="http://schemas.microsoft.com/office/mac/drawingml/2011/main" val="1"/>
             </a:ext>
           </a:extLst>
         </p:spPr>
@@ -7009,7 +7079,7 @@
           </a:prstGeom>
           <a:extLst>
             <a:ext uri="{C572A759-6A51-4108-AA02-DFA0A04FC94B}">
-              <ma14:wrappingTextBoxFlag xmlns:ma14="http://schemas.microsoft.com/office/mac/drawingml/2011/main" xmlns="" val="1"/>
+              <ma14:wrappingTextBoxFlag xmlns:ma14="http://schemas.microsoft.com/office/mac/drawingml/2011/main" val="1"/>
             </a:ext>
           </a:extLst>
         </p:spPr>
@@ -7129,7 +7199,14 @@
   <p:clrMapOvr>
     <a:masterClrMapping/>
   </p:clrMapOvr>
-  <p:transition spd="slow"/>
+  <p:transition xmlns:p14="http://schemas.microsoft.com/office/powerpoint/2010/main" spd="slow"/>
+  <p:timing>
+    <p:tnLst>
+      <p:par>
+        <p:cTn xmlns:p14="http://schemas.microsoft.com/office/powerpoint/2010/main" id="1" dur="indefinite" restart="never" nodeType="tmRoot"/>
+      </p:par>
+    </p:tnLst>
+  </p:timing>
 </p:sld>
 </file>
 
@@ -7169,7 +7246,7 @@
           </a:ln>
           <a:extLst>
             <a:ext uri="{C572A759-6A51-4108-AA02-DFA0A04FC94B}">
-              <ma14:wrappingTextBoxFlag xmlns:ma14="http://schemas.microsoft.com/office/mac/drawingml/2011/main" xmlns="" val="1"/>
+              <ma14:wrappingTextBoxFlag xmlns:ma14="http://schemas.microsoft.com/office/mac/drawingml/2011/main" val="1"/>
             </a:ext>
           </a:extLst>
         </p:spPr>
@@ -7374,7 +7451,7 @@
           </a:prstGeom>
           <a:extLst>
             <a:ext uri="{C572A759-6A51-4108-AA02-DFA0A04FC94B}">
-              <ma14:wrappingTextBoxFlag xmlns:ma14="http://schemas.microsoft.com/office/mac/drawingml/2011/main" xmlns="" val="1"/>
+              <ma14:wrappingTextBoxFlag xmlns:ma14="http://schemas.microsoft.com/office/mac/drawingml/2011/main" val="1"/>
             </a:ext>
           </a:extLst>
         </p:spPr>
@@ -7565,7 +7642,14 @@
   <p:clrMapOvr>
     <a:masterClrMapping/>
   </p:clrMapOvr>
-  <p:transition spd="slow"/>
+  <p:transition xmlns:p14="http://schemas.microsoft.com/office/powerpoint/2010/main" spd="slow"/>
+  <p:timing>
+    <p:tnLst>
+      <p:par>
+        <p:cTn xmlns:p14="http://schemas.microsoft.com/office/powerpoint/2010/main" id="1" dur="indefinite" restart="never" nodeType="tmRoot"/>
+      </p:par>
+    </p:tnLst>
+  </p:timing>
 </p:sld>
 </file>
 
@@ -7605,7 +7689,7 @@
           </a:ln>
           <a:extLst>
             <a:ext uri="{C572A759-6A51-4108-AA02-DFA0A04FC94B}">
-              <ma14:wrappingTextBoxFlag xmlns:ma14="http://schemas.microsoft.com/office/mac/drawingml/2011/main" xmlns="" val="1"/>
+              <ma14:wrappingTextBoxFlag xmlns:ma14="http://schemas.microsoft.com/office/mac/drawingml/2011/main" val="1"/>
             </a:ext>
           </a:extLst>
         </p:spPr>
@@ -7648,7 +7732,7 @@
           </a:prstGeom>
           <a:extLst>
             <a:ext uri="{C572A759-6A51-4108-AA02-DFA0A04FC94B}">
-              <ma14:wrappingTextBoxFlag xmlns:ma14="http://schemas.microsoft.com/office/mac/drawingml/2011/main" xmlns="" val="1"/>
+              <ma14:wrappingTextBoxFlag xmlns:ma14="http://schemas.microsoft.com/office/mac/drawingml/2011/main" val="1"/>
             </a:ext>
           </a:extLst>
         </p:spPr>
@@ -7783,7 +7867,7 @@
           </a:ln>
           <a:extLst>
             <a:ext uri="{C572A759-6A51-4108-AA02-DFA0A04FC94B}">
-              <ma14:wrappingTextBoxFlag xmlns:ma14="http://schemas.microsoft.com/office/mac/drawingml/2011/main" xmlns="" val="1"/>
+              <ma14:wrappingTextBoxFlag xmlns:ma14="http://schemas.microsoft.com/office/mac/drawingml/2011/main" val="1"/>
             </a:ext>
           </a:extLst>
         </p:spPr>
@@ -8016,6 +8100,10 @@
             <a:r>
               <a:rPr dirty="0" err="1"/>
               <a:t>verschiedene</a:t>
+            </a:r>
+            <a:r>
+              <a:rPr dirty="0"/>
+              <a:t/>
             </a:r>
             <a:br>
               <a:rPr dirty="0"/>
@@ -8235,7 +8323,14 @@
   <p:clrMapOvr>
     <a:masterClrMapping/>
   </p:clrMapOvr>
-  <p:transition spd="slow"/>
+  <p:transition xmlns:p14="http://schemas.microsoft.com/office/powerpoint/2010/main" spd="slow"/>
+  <p:timing>
+    <p:tnLst>
+      <p:par>
+        <p:cTn xmlns:p14="http://schemas.microsoft.com/office/powerpoint/2010/main" id="1" dur="indefinite" restart="never" nodeType="tmRoot"/>
+      </p:par>
+    </p:tnLst>
+  </p:timing>
 </p:sld>
 </file>
 
@@ -8275,7 +8370,7 @@
           </a:ln>
           <a:extLst>
             <a:ext uri="{C572A759-6A51-4108-AA02-DFA0A04FC94B}">
-              <ma14:wrappingTextBoxFlag xmlns:ma14="http://schemas.microsoft.com/office/mac/drawingml/2011/main" xmlns="" val="1"/>
+              <ma14:wrappingTextBoxFlag xmlns:ma14="http://schemas.microsoft.com/office/mac/drawingml/2011/main" val="1"/>
             </a:ext>
           </a:extLst>
         </p:spPr>
@@ -8319,7 +8414,7 @@
           </a:prstGeom>
           <a:extLst>
             <a:ext uri="{C572A759-6A51-4108-AA02-DFA0A04FC94B}">
-              <ma14:wrappingTextBoxFlag xmlns:ma14="http://schemas.microsoft.com/office/mac/drawingml/2011/main" xmlns="" val="1"/>
+              <ma14:wrappingTextBoxFlag xmlns:ma14="http://schemas.microsoft.com/office/mac/drawingml/2011/main" val="1"/>
             </a:ext>
           </a:extLst>
         </p:spPr>
@@ -8467,7 +8562,14 @@
   <p:clrMapOvr>
     <a:masterClrMapping/>
   </p:clrMapOvr>
-  <p:transition spd="slow"/>
+  <p:transition xmlns:p14="http://schemas.microsoft.com/office/powerpoint/2010/main" spd="slow"/>
+  <p:timing>
+    <p:tnLst>
+      <p:par>
+        <p:cTn xmlns:p14="http://schemas.microsoft.com/office/powerpoint/2010/main" id="1" dur="indefinite" restart="never" nodeType="tmRoot"/>
+      </p:par>
+    </p:tnLst>
+  </p:timing>
 </p:sld>
 </file>
 
@@ -8507,7 +8609,7 @@
           </a:ln>
           <a:extLst>
             <a:ext uri="{C572A759-6A51-4108-AA02-DFA0A04FC94B}">
-              <ma14:wrappingTextBoxFlag xmlns:ma14="http://schemas.microsoft.com/office/mac/drawingml/2011/main" xmlns="" val="1"/>
+              <ma14:wrappingTextBoxFlag xmlns:ma14="http://schemas.microsoft.com/office/mac/drawingml/2011/main" val="1"/>
             </a:ext>
           </a:extLst>
         </p:spPr>
@@ -8712,7 +8814,7 @@
           </a:prstGeom>
           <a:extLst>
             <a:ext uri="{C572A759-6A51-4108-AA02-DFA0A04FC94B}">
-              <ma14:wrappingTextBoxFlag xmlns:ma14="http://schemas.microsoft.com/office/mac/drawingml/2011/main" xmlns="" val="1"/>
+              <ma14:wrappingTextBoxFlag xmlns:ma14="http://schemas.microsoft.com/office/mac/drawingml/2011/main" val="1"/>
             </a:ext>
           </a:extLst>
         </p:spPr>
@@ -8903,7 +9005,14 @@
   <p:clrMapOvr>
     <a:masterClrMapping/>
   </p:clrMapOvr>
-  <p:transition spd="slow"/>
+  <p:transition xmlns:p14="http://schemas.microsoft.com/office/powerpoint/2010/main" spd="slow"/>
+  <p:timing>
+    <p:tnLst>
+      <p:par>
+        <p:cTn xmlns:p14="http://schemas.microsoft.com/office/powerpoint/2010/main" id="1" dur="indefinite" restart="never" nodeType="tmRoot"/>
+      </p:par>
+    </p:tnLst>
+  </p:timing>
 </p:sld>
 </file>
 
@@ -8943,7 +9052,7 @@
           </a:ln>
           <a:extLst>
             <a:ext uri="{C572A759-6A51-4108-AA02-DFA0A04FC94B}">
-              <ma14:wrappingTextBoxFlag xmlns:ma14="http://schemas.microsoft.com/office/mac/drawingml/2011/main" xmlns="" val="1"/>
+              <ma14:wrappingTextBoxFlag xmlns:ma14="http://schemas.microsoft.com/office/mac/drawingml/2011/main" val="1"/>
             </a:ext>
           </a:extLst>
         </p:spPr>
@@ -9025,7 +9134,7 @@
           </a:prstGeom>
           <a:extLst>
             <a:ext uri="{C572A759-6A51-4108-AA02-DFA0A04FC94B}">
-              <ma14:wrappingTextBoxFlag xmlns:ma14="http://schemas.microsoft.com/office/mac/drawingml/2011/main" xmlns="" val="1"/>
+              <ma14:wrappingTextBoxFlag xmlns:ma14="http://schemas.microsoft.com/office/mac/drawingml/2011/main" val="1"/>
             </a:ext>
           </a:extLst>
         </p:spPr>
@@ -9122,7 +9231,7 @@
           </a:ln>
           <a:extLst>
             <a:ext uri="{C572A759-6A51-4108-AA02-DFA0A04FC94B}">
-              <ma14:wrappingTextBoxFlag xmlns:ma14="http://schemas.microsoft.com/office/mac/drawingml/2011/main" xmlns="" val="1"/>
+              <ma14:wrappingTextBoxFlag xmlns:ma14="http://schemas.microsoft.com/office/mac/drawingml/2011/main" val="1"/>
             </a:ext>
           </a:extLst>
         </p:spPr>
@@ -9436,7 +9545,14 @@
   <p:clrMapOvr>
     <a:masterClrMapping/>
   </p:clrMapOvr>
-  <p:transition spd="slow"/>
+  <p:transition xmlns:p14="http://schemas.microsoft.com/office/powerpoint/2010/main" spd="slow"/>
+  <p:timing>
+    <p:tnLst>
+      <p:par>
+        <p:cTn xmlns:p14="http://schemas.microsoft.com/office/powerpoint/2010/main" id="1" dur="indefinite" restart="never" nodeType="tmRoot"/>
+      </p:par>
+    </p:tnLst>
+  </p:timing>
 </p:sld>
 </file>
 
